--- a/presentation/clustering_presentation.pptx
+++ b/presentation/clustering_presentation.pptx
@@ -5,7 +5,7 @@
     <p:sldMasterId id="2147483732" r:id="rId1"/>
   </p:sldMasterIdLst>
   <p:notesMasterIdLst>
-    <p:notesMasterId r:id="rId32"/>
+    <p:notesMasterId r:id="rId36"/>
   </p:notesMasterIdLst>
   <p:sldIdLst>
     <p:sldId id="256" r:id="rId2"/>
@@ -24,20 +24,24 @@
     <p:sldId id="292" r:id="rId15"/>
     <p:sldId id="303" r:id="rId16"/>
     <p:sldId id="294" r:id="rId17"/>
-    <p:sldId id="296" r:id="rId18"/>
-    <p:sldId id="308" r:id="rId19"/>
-    <p:sldId id="295" r:id="rId20"/>
-    <p:sldId id="300" r:id="rId21"/>
-    <p:sldId id="297" r:id="rId22"/>
-    <p:sldId id="301" r:id="rId23"/>
-    <p:sldId id="309" r:id="rId24"/>
-    <p:sldId id="310" r:id="rId25"/>
-    <p:sldId id="311" r:id="rId26"/>
-    <p:sldId id="305" r:id="rId27"/>
-    <p:sldId id="307" r:id="rId28"/>
-    <p:sldId id="302" r:id="rId29"/>
-    <p:sldId id="299" r:id="rId30"/>
-    <p:sldId id="304" r:id="rId31"/>
+    <p:sldId id="312" r:id="rId18"/>
+    <p:sldId id="296" r:id="rId19"/>
+    <p:sldId id="308" r:id="rId20"/>
+    <p:sldId id="295" r:id="rId21"/>
+    <p:sldId id="300" r:id="rId22"/>
+    <p:sldId id="297" r:id="rId23"/>
+    <p:sldId id="301" r:id="rId24"/>
+    <p:sldId id="309" r:id="rId25"/>
+    <p:sldId id="310" r:id="rId26"/>
+    <p:sldId id="311" r:id="rId27"/>
+    <p:sldId id="314" r:id="rId28"/>
+    <p:sldId id="315" r:id="rId29"/>
+    <p:sldId id="317" r:id="rId30"/>
+    <p:sldId id="302" r:id="rId31"/>
+    <p:sldId id="305" r:id="rId32"/>
+    <p:sldId id="307" r:id="rId33"/>
+    <p:sldId id="299" r:id="rId34"/>
+    <p:sldId id="304" r:id="rId35"/>
   </p:sldIdLst>
   <p:sldSz cx="12192000" cy="6858000"/>
   <p:notesSz cx="6858000" cy="9144000"/>
@@ -226,7 +230,7 @@
           <a:p>
             <a:fld id="{5191E409-3F0E-F149-AA52-0AF25D227FF4}" type="datetimeFigureOut">
               <a:rPr lang="de-DE" smtClean="0"/>
-              <a:t>29.06.20</a:t>
+              <a:t>04.07.20</a:t>
             </a:fld>
             <a:endParaRPr lang="de-DE"/>
           </a:p>
@@ -1164,6 +1168,375 @@
 </p:notes>
 </file>
 
+<file path=ppt/notesSlides/notesSlide10.xml><?xml version="1.0" encoding="utf-8"?>
+<p:notes xmlns:a="http://schemas.openxmlformats.org/drawingml/2006/main" xmlns:r="http://schemas.openxmlformats.org/officeDocument/2006/relationships" xmlns:p="http://schemas.openxmlformats.org/presentationml/2006/main">
+  <p:cSld>
+    <p:spTree>
+      <p:nvGrpSpPr>
+        <p:cNvPr id="1" name=""/>
+        <p:cNvGrpSpPr/>
+        <p:nvPr/>
+      </p:nvGrpSpPr>
+      <p:grpSpPr>
+        <a:xfrm>
+          <a:off x="0" y="0"/>
+          <a:ext cx="0" cy="0"/>
+          <a:chOff x="0" y="0"/>
+          <a:chExt cx="0" cy="0"/>
+        </a:xfrm>
+      </p:grpSpPr>
+      <p:sp>
+        <p:nvSpPr>
+          <p:cNvPr id="2" name="Slide Image Placeholder 1"/>
+          <p:cNvSpPr>
+            <a:spLocks noGrp="1" noRot="1" noChangeAspect="1"/>
+          </p:cNvSpPr>
+          <p:nvPr>
+            <p:ph type="sldImg"/>
+          </p:nvPr>
+        </p:nvSpPr>
+        <p:spPr/>
+      </p:sp>
+      <p:sp>
+        <p:nvSpPr>
+          <p:cNvPr id="3" name="Notes Placeholder 2"/>
+          <p:cNvSpPr>
+            <a:spLocks noGrp="1"/>
+          </p:cNvSpPr>
+          <p:nvPr>
+            <p:ph type="body" idx="1"/>
+          </p:nvPr>
+        </p:nvSpPr>
+        <p:spPr/>
+        <p:txBody>
+          <a:bodyPr/>
+          <a:lstStyle/>
+          <a:p>
+            <a:r>
+              <a:rPr lang="de-DE" dirty="0"/>
+              <a:t>ACHTUNG: Jahre sind hier Mittelwerte der Jahre aller Gedichte des Dichters</a:t>
+            </a:r>
+          </a:p>
+          <a:p>
+            <a:r>
+              <a:rPr lang="de-DE" dirty="0"/>
+              <a:t>IN KLAMMERN: Verteilung der Großteil der Jahre</a:t>
+            </a:r>
+          </a:p>
+          <a:p>
+            <a:r>
+              <a:rPr lang="de-DE" dirty="0"/>
+              <a:t>Frühbarock: 1600-1650</a:t>
+            </a:r>
+          </a:p>
+          <a:p>
+            <a:r>
+              <a:rPr lang="de-DE" dirty="0"/>
+              <a:t>Hochbarock: 1650-1700 (1720)</a:t>
+            </a:r>
+          </a:p>
+        </p:txBody>
+      </p:sp>
+      <p:sp>
+        <p:nvSpPr>
+          <p:cNvPr id="4" name="Slide Number Placeholder 3"/>
+          <p:cNvSpPr>
+            <a:spLocks noGrp="1"/>
+          </p:cNvSpPr>
+          <p:nvPr>
+            <p:ph type="sldNum" sz="quarter" idx="5"/>
+          </p:nvPr>
+        </p:nvSpPr>
+        <p:spPr/>
+        <p:txBody>
+          <a:bodyPr/>
+          <a:lstStyle/>
+          <a:p>
+            <a:fld id="{49FFD0F6-1B54-1D42-B676-41E105B9815E}" type="slidenum">
+              <a:rPr lang="de-DE" smtClean="0"/>
+              <a:t>27</a:t>
+            </a:fld>
+            <a:endParaRPr lang="de-DE"/>
+          </a:p>
+        </p:txBody>
+      </p:sp>
+    </p:spTree>
+    <p:extLst>
+      <p:ext uri="{BB962C8B-B14F-4D97-AF65-F5344CB8AC3E}">
+        <p14:creationId xmlns:p14="http://schemas.microsoft.com/office/powerpoint/2010/main" val="1629050767"/>
+      </p:ext>
+    </p:extLst>
+  </p:cSld>
+  <p:clrMapOvr>
+    <a:masterClrMapping/>
+  </p:clrMapOvr>
+</p:notes>
+</file>
+
+<file path=ppt/notesSlides/notesSlide11.xml><?xml version="1.0" encoding="utf-8"?>
+<p:notes xmlns:a="http://schemas.openxmlformats.org/drawingml/2006/main" xmlns:r="http://schemas.openxmlformats.org/officeDocument/2006/relationships" xmlns:p="http://schemas.openxmlformats.org/presentationml/2006/main">
+  <p:cSld>
+    <p:spTree>
+      <p:nvGrpSpPr>
+        <p:cNvPr id="1" name=""/>
+        <p:cNvGrpSpPr/>
+        <p:nvPr/>
+      </p:nvGrpSpPr>
+      <p:grpSpPr>
+        <a:xfrm>
+          <a:off x="0" y="0"/>
+          <a:ext cx="0" cy="0"/>
+          <a:chOff x="0" y="0"/>
+          <a:chExt cx="0" cy="0"/>
+        </a:xfrm>
+      </p:grpSpPr>
+      <p:sp>
+        <p:nvSpPr>
+          <p:cNvPr id="2" name="Slide Image Placeholder 1"/>
+          <p:cNvSpPr>
+            <a:spLocks noGrp="1" noRot="1" noChangeAspect="1"/>
+          </p:cNvSpPr>
+          <p:nvPr>
+            <p:ph type="sldImg"/>
+          </p:nvPr>
+        </p:nvSpPr>
+        <p:spPr/>
+      </p:sp>
+      <p:sp>
+        <p:nvSpPr>
+          <p:cNvPr id="3" name="Notes Placeholder 2"/>
+          <p:cNvSpPr>
+            <a:spLocks noGrp="1"/>
+          </p:cNvSpPr>
+          <p:nvPr>
+            <p:ph type="body" idx="1"/>
+          </p:nvPr>
+        </p:nvSpPr>
+        <p:spPr/>
+        <p:txBody>
+          <a:bodyPr/>
+          <a:lstStyle/>
+          <a:p>
+            <a:r>
+              <a:rPr lang="de-DE" dirty="0"/>
+              <a:t>ACHTUNG: Jahre sind hier Mittelwerte der Jahre aller Gedichte der häufigsten Epoche des Dichters</a:t>
+            </a:r>
+          </a:p>
+        </p:txBody>
+      </p:sp>
+      <p:sp>
+        <p:nvSpPr>
+          <p:cNvPr id="4" name="Slide Number Placeholder 3"/>
+          <p:cNvSpPr>
+            <a:spLocks noGrp="1"/>
+          </p:cNvSpPr>
+          <p:nvPr>
+            <p:ph type="sldNum" sz="quarter" idx="5"/>
+          </p:nvPr>
+        </p:nvSpPr>
+        <p:spPr/>
+        <p:txBody>
+          <a:bodyPr/>
+          <a:lstStyle/>
+          <a:p>
+            <a:fld id="{49FFD0F6-1B54-1D42-B676-41E105B9815E}" type="slidenum">
+              <a:rPr lang="de-DE" smtClean="0"/>
+              <a:t>28</a:t>
+            </a:fld>
+            <a:endParaRPr lang="de-DE"/>
+          </a:p>
+        </p:txBody>
+      </p:sp>
+    </p:spTree>
+    <p:extLst>
+      <p:ext uri="{BB962C8B-B14F-4D97-AF65-F5344CB8AC3E}">
+        <p14:creationId xmlns:p14="http://schemas.microsoft.com/office/powerpoint/2010/main" val="1412957019"/>
+      </p:ext>
+    </p:extLst>
+  </p:cSld>
+  <p:clrMapOvr>
+    <a:masterClrMapping/>
+  </p:clrMapOvr>
+</p:notes>
+</file>
+
+<file path=ppt/notesSlides/notesSlide12.xml><?xml version="1.0" encoding="utf-8"?>
+<p:notes xmlns:a="http://schemas.openxmlformats.org/drawingml/2006/main" xmlns:r="http://schemas.openxmlformats.org/officeDocument/2006/relationships" xmlns:p="http://schemas.openxmlformats.org/presentationml/2006/main">
+  <p:cSld>
+    <p:spTree>
+      <p:nvGrpSpPr>
+        <p:cNvPr id="1" name=""/>
+        <p:cNvGrpSpPr/>
+        <p:nvPr/>
+      </p:nvGrpSpPr>
+      <p:grpSpPr>
+        <a:xfrm>
+          <a:off x="0" y="0"/>
+          <a:ext cx="0" cy="0"/>
+          <a:chOff x="0" y="0"/>
+          <a:chExt cx="0" cy="0"/>
+        </a:xfrm>
+      </p:grpSpPr>
+      <p:sp>
+        <p:nvSpPr>
+          <p:cNvPr id="2" name="Slide Image Placeholder 1"/>
+          <p:cNvSpPr>
+            <a:spLocks noGrp="1" noRot="1" noChangeAspect="1"/>
+          </p:cNvSpPr>
+          <p:nvPr>
+            <p:ph type="sldImg"/>
+          </p:nvPr>
+        </p:nvSpPr>
+        <p:spPr/>
+      </p:sp>
+      <p:sp>
+        <p:nvSpPr>
+          <p:cNvPr id="3" name="Notes Placeholder 2"/>
+          <p:cNvSpPr>
+            <a:spLocks noGrp="1"/>
+          </p:cNvSpPr>
+          <p:nvPr>
+            <p:ph type="body" idx="1"/>
+          </p:nvPr>
+        </p:nvSpPr>
+        <p:spPr/>
+        <p:txBody>
+          <a:bodyPr/>
+          <a:lstStyle/>
+          <a:p>
+            <a:pPr algn="l"/>
+            <a:endParaRPr lang="de-DE" dirty="0"/>
+          </a:p>
+        </p:txBody>
+      </p:sp>
+      <p:sp>
+        <p:nvSpPr>
+          <p:cNvPr id="4" name="Slide Number Placeholder 3"/>
+          <p:cNvSpPr>
+            <a:spLocks noGrp="1"/>
+          </p:cNvSpPr>
+          <p:nvPr>
+            <p:ph type="sldNum" sz="quarter" idx="5"/>
+          </p:nvPr>
+        </p:nvSpPr>
+        <p:spPr/>
+        <p:txBody>
+          <a:bodyPr/>
+          <a:lstStyle/>
+          <a:p>
+            <a:fld id="{49FFD0F6-1B54-1D42-B676-41E105B9815E}" type="slidenum">
+              <a:rPr lang="de-DE" smtClean="0"/>
+              <a:t>29</a:t>
+            </a:fld>
+            <a:endParaRPr lang="de-DE"/>
+          </a:p>
+        </p:txBody>
+      </p:sp>
+    </p:spTree>
+    <p:extLst>
+      <p:ext uri="{BB962C8B-B14F-4D97-AF65-F5344CB8AC3E}">
+        <p14:creationId xmlns:p14="http://schemas.microsoft.com/office/powerpoint/2010/main" val="3822682556"/>
+      </p:ext>
+    </p:extLst>
+  </p:cSld>
+  <p:clrMapOvr>
+    <a:masterClrMapping/>
+  </p:clrMapOvr>
+</p:notes>
+</file>
+
+<file path=ppt/notesSlides/notesSlide13.xml><?xml version="1.0" encoding="utf-8"?>
+<p:notes xmlns:a="http://schemas.openxmlformats.org/drawingml/2006/main" xmlns:r="http://schemas.openxmlformats.org/officeDocument/2006/relationships" xmlns:p="http://schemas.openxmlformats.org/presentationml/2006/main">
+  <p:cSld>
+    <p:spTree>
+      <p:nvGrpSpPr>
+        <p:cNvPr id="1" name=""/>
+        <p:cNvGrpSpPr/>
+        <p:nvPr/>
+      </p:nvGrpSpPr>
+      <p:grpSpPr>
+        <a:xfrm>
+          <a:off x="0" y="0"/>
+          <a:ext cx="0" cy="0"/>
+          <a:chOff x="0" y="0"/>
+          <a:chExt cx="0" cy="0"/>
+        </a:xfrm>
+      </p:grpSpPr>
+      <p:sp>
+        <p:nvSpPr>
+          <p:cNvPr id="2" name="Slide Image Placeholder 1"/>
+          <p:cNvSpPr>
+            <a:spLocks noGrp="1" noRot="1" noChangeAspect="1"/>
+          </p:cNvSpPr>
+          <p:nvPr>
+            <p:ph type="sldImg"/>
+          </p:nvPr>
+        </p:nvSpPr>
+        <p:spPr/>
+      </p:sp>
+      <p:sp>
+        <p:nvSpPr>
+          <p:cNvPr id="3" name="Notes Placeholder 2"/>
+          <p:cNvSpPr>
+            <a:spLocks noGrp="1"/>
+          </p:cNvSpPr>
+          <p:nvPr>
+            <p:ph type="body" idx="1"/>
+          </p:nvPr>
+        </p:nvSpPr>
+        <p:spPr/>
+        <p:txBody>
+          <a:bodyPr/>
+          <a:lstStyle/>
+          <a:p>
+            <a:r>
+              <a:rPr lang="de-DE" dirty="0"/>
+              <a:t>Dimensionsreduktion: </a:t>
+            </a:r>
+            <a:r>
+              <a:rPr lang="de-DE" b="1" dirty="0" err="1"/>
+              <a:t>TruncatedSVD</a:t>
+            </a:r>
+            <a:endParaRPr lang="de-DE" b="1" dirty="0"/>
+          </a:p>
+        </p:txBody>
+      </p:sp>
+      <p:sp>
+        <p:nvSpPr>
+          <p:cNvPr id="4" name="Slide Number Placeholder 3"/>
+          <p:cNvSpPr>
+            <a:spLocks noGrp="1"/>
+          </p:cNvSpPr>
+          <p:nvPr>
+            <p:ph type="sldNum" sz="quarter" idx="5"/>
+          </p:nvPr>
+        </p:nvSpPr>
+        <p:spPr/>
+        <p:txBody>
+          <a:bodyPr/>
+          <a:lstStyle/>
+          <a:p>
+            <a:fld id="{49FFD0F6-1B54-1D42-B676-41E105B9815E}" type="slidenum">
+              <a:rPr lang="de-DE" smtClean="0"/>
+              <a:t>32</a:t>
+            </a:fld>
+            <a:endParaRPr lang="de-DE"/>
+          </a:p>
+        </p:txBody>
+      </p:sp>
+    </p:spTree>
+    <p:extLst>
+      <p:ext uri="{BB962C8B-B14F-4D97-AF65-F5344CB8AC3E}">
+        <p14:creationId xmlns:p14="http://schemas.microsoft.com/office/powerpoint/2010/main" val="3406892848"/>
+      </p:ext>
+    </p:extLst>
+  </p:cSld>
+  <p:clrMapOvr>
+    <a:masterClrMapping/>
+  </p:clrMapOvr>
+</p:notes>
+</file>
+
 <file path=ppt/notesSlides/notesSlide2.xml><?xml version="1.0" encoding="utf-8"?>
 <p:notes xmlns:a="http://schemas.openxmlformats.org/drawingml/2006/main" xmlns:r="http://schemas.openxmlformats.org/officeDocument/2006/relationships" xmlns:p="http://schemas.openxmlformats.org/presentationml/2006/main">
   <p:cSld>
@@ -1644,6 +2017,241 @@
           <a:bodyPr/>
           <a:lstStyle/>
           <a:p>
+            <a:r>
+              <a:rPr lang="de-DE" b="1" noProof="0" dirty="0" err="1"/>
+              <a:t>Adjusted</a:t>
+            </a:r>
+            <a:r>
+              <a:rPr lang="de-DE" b="1" noProof="0" dirty="0"/>
+              <a:t> Rand Index:</a:t>
+            </a:r>
+          </a:p>
+          <a:p>
+            <a:pPr marL="171450" indent="-171450">
+              <a:buFont typeface="Arial" panose="020B0604020202020204" pitchFamily="34" charset="0"/>
+              <a:buChar char="•"/>
+            </a:pPr>
+            <a:r>
+              <a:rPr lang="de-DE" noProof="0" dirty="0"/>
+              <a:t>+1: </a:t>
+            </a:r>
+            <a:r>
+              <a:rPr lang="de-DE" sz="1200" b="0" i="0" kern="1200" noProof="0" dirty="0">
+                <a:solidFill>
+                  <a:schemeClr val="tx1"/>
+                </a:solidFill>
+                <a:effectLst/>
+                <a:latin typeface="+mn-lt"/>
+                <a:ea typeface="+mn-ea"/>
+                <a:cs typeface="+mn-cs"/>
+              </a:rPr>
+              <a:t>sehr gutes Ergebnis</a:t>
+            </a:r>
+          </a:p>
+          <a:p>
+            <a:pPr marL="171450" indent="-171450">
+              <a:buFont typeface="Arial" panose="020B0604020202020204" pitchFamily="34" charset="0"/>
+              <a:buChar char="•"/>
+            </a:pPr>
+            <a:r>
+              <a:rPr lang="de-DE" sz="1200" b="0" i="0" kern="1200" noProof="0" dirty="0">
+                <a:solidFill>
+                  <a:schemeClr val="tx1"/>
+                </a:solidFill>
+                <a:effectLst/>
+                <a:latin typeface="+mn-lt"/>
+                <a:ea typeface="+mn-ea"/>
+                <a:cs typeface="+mn-cs"/>
+              </a:rPr>
+              <a:t>0: Zufallsverteilung </a:t>
+            </a:r>
+          </a:p>
+          <a:p>
+            <a:pPr marL="171450" indent="-171450">
+              <a:buFont typeface="Arial" panose="020B0604020202020204" pitchFamily="34" charset="0"/>
+              <a:buChar char="•"/>
+            </a:pPr>
+            <a:r>
+              <a:rPr lang="de-DE" sz="1200" b="0" i="0" kern="1200" noProof="0" dirty="0">
+                <a:solidFill>
+                  <a:schemeClr val="tx1"/>
+                </a:solidFill>
+                <a:effectLst/>
+                <a:latin typeface="+mn-lt"/>
+                <a:ea typeface="+mn-ea"/>
+                <a:cs typeface="+mn-cs"/>
+              </a:rPr>
+              <a:t>-1: nicht zufälliges, aber falsches </a:t>
+            </a:r>
+            <a:r>
+              <a:rPr lang="de-DE" sz="1200" b="0" i="0" kern="1200" noProof="0" dirty="0" err="1">
+                <a:solidFill>
+                  <a:schemeClr val="tx1"/>
+                </a:solidFill>
+                <a:effectLst/>
+                <a:latin typeface="+mn-lt"/>
+                <a:ea typeface="+mn-ea"/>
+                <a:cs typeface="+mn-cs"/>
+              </a:rPr>
+              <a:t>Labeling</a:t>
+            </a:r>
+            <a:endParaRPr lang="de-DE" sz="1200" b="0" i="0" kern="1200" noProof="0" dirty="0">
+              <a:solidFill>
+                <a:schemeClr val="tx1"/>
+              </a:solidFill>
+              <a:effectLst/>
+              <a:latin typeface="+mn-lt"/>
+              <a:ea typeface="+mn-ea"/>
+              <a:cs typeface="+mn-cs"/>
+            </a:endParaRPr>
+          </a:p>
+          <a:p>
+            <a:pPr marL="171450" indent="-171450">
+              <a:buFont typeface="Arial" panose="020B0604020202020204" pitchFamily="34" charset="0"/>
+              <a:buChar char="•"/>
+            </a:pPr>
+            <a:endParaRPr lang="de-DE" sz="1200" b="0" i="0" kern="1200" noProof="0" dirty="0">
+              <a:solidFill>
+                <a:schemeClr val="tx1"/>
+              </a:solidFill>
+              <a:effectLst/>
+              <a:latin typeface="+mn-lt"/>
+              <a:ea typeface="+mn-ea"/>
+              <a:cs typeface="+mn-cs"/>
+            </a:endParaRPr>
+          </a:p>
+          <a:p>
+            <a:pPr marL="0" indent="0">
+              <a:buFont typeface="Arial" panose="020B0604020202020204" pitchFamily="34" charset="0"/>
+              <a:buNone/>
+            </a:pPr>
+            <a:r>
+              <a:rPr lang="de-DE" sz="1200" b="1" i="0" kern="1200" noProof="0" dirty="0">
+                <a:solidFill>
+                  <a:schemeClr val="tx1"/>
+                </a:solidFill>
+                <a:effectLst/>
+                <a:latin typeface="+mn-lt"/>
+                <a:ea typeface="+mn-ea"/>
+                <a:cs typeface="+mn-cs"/>
+              </a:rPr>
+              <a:t>V-</a:t>
+            </a:r>
+            <a:r>
+              <a:rPr lang="de-DE" sz="1200" b="1" i="0" kern="1200" noProof="0" dirty="0" err="1">
+                <a:solidFill>
+                  <a:schemeClr val="tx1"/>
+                </a:solidFill>
+                <a:effectLst/>
+                <a:latin typeface="+mn-lt"/>
+                <a:ea typeface="+mn-ea"/>
+                <a:cs typeface="+mn-cs"/>
+              </a:rPr>
+              <a:t>Measure</a:t>
+            </a:r>
+            <a:r>
+              <a:rPr lang="de-DE" sz="1200" b="1" i="0" kern="1200" noProof="0" dirty="0">
+                <a:solidFill>
+                  <a:schemeClr val="tx1"/>
+                </a:solidFill>
+                <a:effectLst/>
+                <a:latin typeface="+mn-lt"/>
+                <a:ea typeface="+mn-ea"/>
+                <a:cs typeface="+mn-cs"/>
+              </a:rPr>
+              <a:t>: </a:t>
+            </a:r>
+            <a:r>
+              <a:rPr lang="de-DE" sz="1200" b="0" i="0" kern="1200" noProof="0" dirty="0">
+                <a:solidFill>
+                  <a:schemeClr val="tx1"/>
+                </a:solidFill>
+                <a:effectLst/>
+                <a:latin typeface="+mn-lt"/>
+                <a:ea typeface="+mn-ea"/>
+                <a:cs typeface="+mn-cs"/>
+              </a:rPr>
+              <a:t>Harmonisches Mittel zwischen </a:t>
+            </a:r>
+            <a:r>
+              <a:rPr lang="en-GB" i="1" dirty="0">
+                <a:effectLst/>
+              </a:rPr>
+              <a:t>homogeneity</a:t>
+            </a:r>
+            <a:r>
+              <a:rPr lang="en-GB" dirty="0"/>
+              <a:t> (</a:t>
+            </a:r>
+            <a:r>
+              <a:rPr lang="en-GB" dirty="0" err="1"/>
+              <a:t>wie</a:t>
+            </a:r>
+            <a:r>
+              <a:rPr lang="en-GB" dirty="0"/>
+              <a:t> </a:t>
+            </a:r>
+            <a:r>
+              <a:rPr lang="en-GB" dirty="0" err="1"/>
+              <a:t>homogen</a:t>
+            </a:r>
+            <a:r>
+              <a:rPr lang="en-GB" dirty="0"/>
+              <a:t> </a:t>
+            </a:r>
+            <a:r>
+              <a:rPr lang="en-GB" dirty="0" err="1"/>
+              <a:t>sind</a:t>
+            </a:r>
+            <a:r>
+              <a:rPr lang="en-GB" dirty="0"/>
+              <a:t> Cluster) &amp; </a:t>
+            </a:r>
+            <a:r>
+              <a:rPr lang="en-GB" i="1" dirty="0">
+                <a:effectLst/>
+              </a:rPr>
+              <a:t>completeness</a:t>
+            </a:r>
+            <a:r>
+              <a:rPr lang="en-GB" dirty="0"/>
+              <a:t> (</a:t>
+            </a:r>
+            <a:r>
+              <a:rPr lang="en-GB" dirty="0" err="1"/>
+              <a:t>wie</a:t>
+            </a:r>
+            <a:r>
+              <a:rPr lang="en-GB" dirty="0"/>
+              <a:t> </a:t>
+            </a:r>
+            <a:r>
+              <a:rPr lang="en-GB" dirty="0" err="1"/>
+              <a:t>vollständig</a:t>
+            </a:r>
+            <a:r>
+              <a:rPr lang="en-GB" dirty="0"/>
+              <a:t> </a:t>
+            </a:r>
+            <a:r>
+              <a:rPr lang="en-GB" dirty="0" err="1"/>
+              <a:t>sind</a:t>
+            </a:r>
+            <a:r>
+              <a:rPr lang="en-GB" dirty="0"/>
+              <a:t> Cluster)</a:t>
+            </a:r>
+            <a:endParaRPr lang="de-DE" sz="1200" b="0" i="0" kern="1200" noProof="0" dirty="0">
+              <a:solidFill>
+                <a:schemeClr val="tx1"/>
+              </a:solidFill>
+              <a:effectLst/>
+              <a:latin typeface="+mn-lt"/>
+              <a:ea typeface="+mn-ea"/>
+              <a:cs typeface="+mn-cs"/>
+            </a:endParaRPr>
+          </a:p>
+          <a:p>
             <a:endParaRPr lang="de-DE" dirty="0"/>
           </a:p>
         </p:txBody>
@@ -1665,7 +2273,7 @@
           <a:p>
             <a:fld id="{49FFD0F6-1B54-1D42-B676-41E105B9815E}" type="slidenum">
               <a:rPr lang="de-DE" smtClean="0"/>
-              <a:t>19</a:t>
+              <a:t>17</a:t>
             </a:fld>
             <a:endParaRPr lang="de-DE"/>
           </a:p>
@@ -1674,7 +2282,7 @@
     </p:spTree>
     <p:extLst>
       <p:ext uri="{BB962C8B-B14F-4D97-AF65-F5344CB8AC3E}">
-        <p14:creationId xmlns:p14="http://schemas.microsoft.com/office/powerpoint/2010/main" val="348265153"/>
+        <p14:creationId xmlns:p14="http://schemas.microsoft.com/office/powerpoint/2010/main" val="1549894748"/>
       </p:ext>
     </p:extLst>
   </p:cSld>
@@ -1728,15 +2336,7 @@
           <a:bodyPr/>
           <a:lstStyle/>
           <a:p>
-            <a:r>
-              <a:rPr lang="de-DE" dirty="0"/>
-              <a:t>Dimensionsreduktion: </a:t>
-            </a:r>
-            <a:r>
-              <a:rPr lang="de-DE" b="1" dirty="0" err="1"/>
-              <a:t>TruncatedSVD</a:t>
-            </a:r>
-            <a:endParaRPr lang="de-DE" b="1" dirty="0"/>
+            <a:endParaRPr lang="de-DE" dirty="0"/>
           </a:p>
         </p:txBody>
       </p:sp>
@@ -1757,7 +2357,7 @@
           <a:p>
             <a:fld id="{49FFD0F6-1B54-1D42-B676-41E105B9815E}" type="slidenum">
               <a:rPr lang="de-DE" smtClean="0"/>
-              <a:t>21</a:t>
+              <a:t>20</a:t>
             </a:fld>
             <a:endParaRPr lang="de-DE"/>
           </a:p>
@@ -1766,7 +2366,7 @@
     </p:spTree>
     <p:extLst>
       <p:ext uri="{BB962C8B-B14F-4D97-AF65-F5344CB8AC3E}">
-        <p14:creationId xmlns:p14="http://schemas.microsoft.com/office/powerpoint/2010/main" val="618638825"/>
+        <p14:creationId xmlns:p14="http://schemas.microsoft.com/office/powerpoint/2010/main" val="348265153"/>
       </p:ext>
     </p:extLst>
   </p:cSld>
@@ -1849,7 +2449,7 @@
           <a:p>
             <a:fld id="{49FFD0F6-1B54-1D42-B676-41E105B9815E}" type="slidenum">
               <a:rPr lang="de-DE" smtClean="0"/>
-              <a:t>24</a:t>
+              <a:t>22</a:t>
             </a:fld>
             <a:endParaRPr lang="de-DE"/>
           </a:p>
@@ -1858,7 +2458,7 @@
     </p:spTree>
     <p:extLst>
       <p:ext uri="{BB962C8B-B14F-4D97-AF65-F5344CB8AC3E}">
-        <p14:creationId xmlns:p14="http://schemas.microsoft.com/office/powerpoint/2010/main" val="1312082211"/>
+        <p14:creationId xmlns:p14="http://schemas.microsoft.com/office/powerpoint/2010/main" val="618638825"/>
       </p:ext>
     </p:extLst>
   </p:cSld>
@@ -1912,15 +2512,50 @@
           <a:bodyPr/>
           <a:lstStyle/>
           <a:p>
+            <a:pPr marL="171450" indent="-171450">
+              <a:buFont typeface="Arial" panose="020B0604020202020204" pitchFamily="34" charset="0"/>
+              <a:buChar char="•"/>
+            </a:pPr>
             <a:r>
               <a:rPr lang="de-DE" dirty="0"/>
-              <a:t>Dimensionsreduktion: </a:t>
-            </a:r>
-            <a:r>
-              <a:rPr lang="de-DE" b="1" dirty="0" err="1"/>
-              <a:t>TruncatedSVD</a:t>
-            </a:r>
-            <a:endParaRPr lang="de-DE" b="1" dirty="0"/>
+              <a:t>Dichter mit 5 oder weniger Gedichten wurden entfernt </a:t>
+            </a:r>
+            <a:r>
+              <a:rPr lang="de-DE" dirty="0">
+                <a:sym typeface="Wingdings" pitchFamily="2" charset="2"/>
+              </a:rPr>
+              <a:t> um nicht nach Titeln zu </a:t>
+            </a:r>
+            <a:r>
+              <a:rPr lang="de-DE" dirty="0" err="1">
+                <a:sym typeface="Wingdings" pitchFamily="2" charset="2"/>
+              </a:rPr>
+              <a:t>clustern</a:t>
+            </a:r>
+            <a:endParaRPr lang="de-DE" dirty="0"/>
+          </a:p>
+          <a:p>
+            <a:pPr marL="171450" indent="-171450">
+              <a:buFont typeface="Arial" panose="020B0604020202020204" pitchFamily="34" charset="0"/>
+              <a:buChar char="•"/>
+            </a:pPr>
+            <a:r>
+              <a:rPr lang="de-DE" dirty="0"/>
+              <a:t>Dichter wurde häufigste Epoche aller Gedichte zugeordnet</a:t>
+            </a:r>
+          </a:p>
+          <a:p>
+            <a:pPr marL="171450" indent="-171450">
+              <a:buFont typeface="Arial" panose="020B0604020202020204" pitchFamily="34" charset="0"/>
+              <a:buChar char="•"/>
+            </a:pPr>
+            <a:r>
+              <a:rPr lang="de-DE" dirty="0"/>
+              <a:t>Dichter wurde Mittelwert aller Erscheinungsjahre der Gedichte mit der häufigsten Epoche zugeordnet</a:t>
+            </a:r>
+          </a:p>
+          <a:p>
+            <a:endParaRPr lang="de-DE" dirty="0"/>
           </a:p>
         </p:txBody>
       </p:sp>
@@ -1941,7 +2576,7 @@
           <a:p>
             <a:fld id="{49FFD0F6-1B54-1D42-B676-41E105B9815E}" type="slidenum">
               <a:rPr lang="de-DE" smtClean="0"/>
-              <a:t>27</a:t>
+              <a:t>24</a:t>
             </a:fld>
             <a:endParaRPr lang="de-DE"/>
           </a:p>
@@ -1950,7 +2585,195 @@
     </p:spTree>
     <p:extLst>
       <p:ext uri="{BB962C8B-B14F-4D97-AF65-F5344CB8AC3E}">
-        <p14:creationId xmlns:p14="http://schemas.microsoft.com/office/powerpoint/2010/main" val="3406892848"/>
+        <p14:creationId xmlns:p14="http://schemas.microsoft.com/office/powerpoint/2010/main" val="539713406"/>
+      </p:ext>
+    </p:extLst>
+  </p:cSld>
+  <p:clrMapOvr>
+    <a:masterClrMapping/>
+  </p:clrMapOvr>
+</p:notes>
+</file>
+
+<file path=ppt/notesSlides/notesSlide8.xml><?xml version="1.0" encoding="utf-8"?>
+<p:notes xmlns:a="http://schemas.openxmlformats.org/drawingml/2006/main" xmlns:r="http://schemas.openxmlformats.org/officeDocument/2006/relationships" xmlns:p="http://schemas.openxmlformats.org/presentationml/2006/main">
+  <p:cSld>
+    <p:spTree>
+      <p:nvGrpSpPr>
+        <p:cNvPr id="1" name=""/>
+        <p:cNvGrpSpPr/>
+        <p:nvPr/>
+      </p:nvGrpSpPr>
+      <p:grpSpPr>
+        <a:xfrm>
+          <a:off x="0" y="0"/>
+          <a:ext cx="0" cy="0"/>
+          <a:chOff x="0" y="0"/>
+          <a:chExt cx="0" cy="0"/>
+        </a:xfrm>
+      </p:grpSpPr>
+      <p:sp>
+        <p:nvSpPr>
+          <p:cNvPr id="2" name="Slide Image Placeholder 1"/>
+          <p:cNvSpPr>
+            <a:spLocks noGrp="1" noRot="1" noChangeAspect="1"/>
+          </p:cNvSpPr>
+          <p:nvPr>
+            <p:ph type="sldImg"/>
+          </p:nvPr>
+        </p:nvSpPr>
+        <p:spPr/>
+      </p:sp>
+      <p:sp>
+        <p:nvSpPr>
+          <p:cNvPr id="3" name="Notes Placeholder 2"/>
+          <p:cNvSpPr>
+            <a:spLocks noGrp="1"/>
+          </p:cNvSpPr>
+          <p:nvPr>
+            <p:ph type="body" idx="1"/>
+          </p:nvPr>
+        </p:nvSpPr>
+        <p:spPr/>
+        <p:txBody>
+          <a:bodyPr/>
+          <a:lstStyle/>
+          <a:p>
+            <a:r>
+              <a:rPr lang="de-DE" dirty="0"/>
+              <a:t>Dimensionsreduktion: </a:t>
+            </a:r>
+            <a:r>
+              <a:rPr lang="de-DE" b="1" dirty="0" err="1"/>
+              <a:t>TruncatedSVD</a:t>
+            </a:r>
+            <a:endParaRPr lang="de-DE" b="1" dirty="0"/>
+          </a:p>
+        </p:txBody>
+      </p:sp>
+      <p:sp>
+        <p:nvSpPr>
+          <p:cNvPr id="4" name="Slide Number Placeholder 3"/>
+          <p:cNvSpPr>
+            <a:spLocks noGrp="1"/>
+          </p:cNvSpPr>
+          <p:nvPr>
+            <p:ph type="sldNum" sz="quarter" idx="5"/>
+          </p:nvPr>
+        </p:nvSpPr>
+        <p:spPr/>
+        <p:txBody>
+          <a:bodyPr/>
+          <a:lstStyle/>
+          <a:p>
+            <a:fld id="{49FFD0F6-1B54-1D42-B676-41E105B9815E}" type="slidenum">
+              <a:rPr lang="de-DE" smtClean="0"/>
+              <a:t>25</a:t>
+            </a:fld>
+            <a:endParaRPr lang="de-DE"/>
+          </a:p>
+        </p:txBody>
+      </p:sp>
+    </p:spTree>
+    <p:extLst>
+      <p:ext uri="{BB962C8B-B14F-4D97-AF65-F5344CB8AC3E}">
+        <p14:creationId xmlns:p14="http://schemas.microsoft.com/office/powerpoint/2010/main" val="1312082211"/>
+      </p:ext>
+    </p:extLst>
+  </p:cSld>
+  <p:clrMapOvr>
+    <a:masterClrMapping/>
+  </p:clrMapOvr>
+</p:notes>
+</file>
+
+<file path=ppt/notesSlides/notesSlide9.xml><?xml version="1.0" encoding="utf-8"?>
+<p:notes xmlns:a="http://schemas.openxmlformats.org/drawingml/2006/main" xmlns:r="http://schemas.openxmlformats.org/officeDocument/2006/relationships" xmlns:p="http://schemas.openxmlformats.org/presentationml/2006/main">
+  <p:cSld>
+    <p:spTree>
+      <p:nvGrpSpPr>
+        <p:cNvPr id="1" name=""/>
+        <p:cNvGrpSpPr/>
+        <p:nvPr/>
+      </p:nvGrpSpPr>
+      <p:grpSpPr>
+        <a:xfrm>
+          <a:off x="0" y="0"/>
+          <a:ext cx="0" cy="0"/>
+          <a:chOff x="0" y="0"/>
+          <a:chExt cx="0" cy="0"/>
+        </a:xfrm>
+      </p:grpSpPr>
+      <p:sp>
+        <p:nvSpPr>
+          <p:cNvPr id="2" name="Slide Image Placeholder 1"/>
+          <p:cNvSpPr>
+            <a:spLocks noGrp="1" noRot="1" noChangeAspect="1"/>
+          </p:cNvSpPr>
+          <p:nvPr>
+            <p:ph type="sldImg"/>
+          </p:nvPr>
+        </p:nvSpPr>
+        <p:spPr/>
+      </p:sp>
+      <p:sp>
+        <p:nvSpPr>
+          <p:cNvPr id="3" name="Notes Placeholder 2"/>
+          <p:cNvSpPr>
+            <a:spLocks noGrp="1"/>
+          </p:cNvSpPr>
+          <p:nvPr>
+            <p:ph type="body" idx="1"/>
+          </p:nvPr>
+        </p:nvSpPr>
+        <p:spPr/>
+        <p:txBody>
+          <a:bodyPr/>
+          <a:lstStyle/>
+          <a:p>
+            <a:pPr algn="l"/>
+            <a:r>
+              <a:rPr lang="de-DE" dirty="0"/>
+              <a:t>K-</a:t>
+            </a:r>
+            <a:r>
+              <a:rPr lang="de-DE" dirty="0" err="1"/>
+              <a:t>Means</a:t>
+            </a:r>
+            <a:r>
+              <a:rPr lang="de-DE" dirty="0"/>
+              <a:t> auf hochdimensionale Daten</a:t>
+            </a:r>
+          </a:p>
+        </p:txBody>
+      </p:sp>
+      <p:sp>
+        <p:nvSpPr>
+          <p:cNvPr id="4" name="Slide Number Placeholder 3"/>
+          <p:cNvSpPr>
+            <a:spLocks noGrp="1"/>
+          </p:cNvSpPr>
+          <p:nvPr>
+            <p:ph type="sldNum" sz="quarter" idx="5"/>
+          </p:nvPr>
+        </p:nvSpPr>
+        <p:spPr/>
+        <p:txBody>
+          <a:bodyPr/>
+          <a:lstStyle/>
+          <a:p>
+            <a:fld id="{49FFD0F6-1B54-1D42-B676-41E105B9815E}" type="slidenum">
+              <a:rPr lang="de-DE" smtClean="0"/>
+              <a:t>26</a:t>
+            </a:fld>
+            <a:endParaRPr lang="de-DE"/>
+          </a:p>
+        </p:txBody>
+      </p:sp>
+    </p:spTree>
+    <p:extLst>
+      <p:ext uri="{BB962C8B-B14F-4D97-AF65-F5344CB8AC3E}">
+        <p14:creationId xmlns:p14="http://schemas.microsoft.com/office/powerpoint/2010/main" val="2134904752"/>
       </p:ext>
     </p:extLst>
   </p:cSld>
@@ -2116,7 +2939,7 @@
           <a:p>
             <a:fld id="{02AC24A9-CCB6-4F8D-B8DB-C2F3692CFA5A}" type="datetimeFigureOut">
               <a:rPr lang="en-US" smtClean="0"/>
-              <a:t>6/29/20</a:t>
+              <a:t>7/4/20</a:t>
             </a:fld>
             <a:endParaRPr lang="en-US" dirty="0"/>
           </a:p>
@@ -2486,7 +3309,7 @@
           <a:p>
             <a:fld id="{02AC24A9-CCB6-4F8D-B8DB-C2F3692CFA5A}" type="datetimeFigureOut">
               <a:rPr lang="en-US" smtClean="0"/>
-              <a:t>6/29/20</a:t>
+              <a:t>7/4/20</a:t>
             </a:fld>
             <a:endParaRPr lang="en-US"/>
           </a:p>
@@ -2695,7 +3518,7 @@
           <a:p>
             <a:fld id="{02AC24A9-CCB6-4F8D-B8DB-C2F3692CFA5A}" type="datetimeFigureOut">
               <a:rPr lang="en-US" smtClean="0"/>
-              <a:t>6/29/20</a:t>
+              <a:t>7/4/20</a:t>
             </a:fld>
             <a:endParaRPr lang="en-US"/>
           </a:p>
@@ -3165,7 +3988,7 @@
           <a:p>
             <a:fld id="{02AC24A9-CCB6-4F8D-B8DB-C2F3692CFA5A}" type="datetimeFigureOut">
               <a:rPr lang="en-US" smtClean="0"/>
-              <a:t>6/29/20</a:t>
+              <a:t>7/4/20</a:t>
             </a:fld>
             <a:endParaRPr lang="en-US"/>
           </a:p>
@@ -3619,7 +4442,7 @@
           <a:p>
             <a:fld id="{02AC24A9-CCB6-4F8D-B8DB-C2F3692CFA5A}" type="datetimeFigureOut">
               <a:rPr lang="en-US" smtClean="0"/>
-              <a:t>6/29/20</a:t>
+              <a:t>7/4/20</a:t>
             </a:fld>
             <a:endParaRPr lang="en-US"/>
           </a:p>
@@ -4151,7 +4974,7 @@
           <a:p>
             <a:fld id="{02AC24A9-CCB6-4F8D-B8DB-C2F3692CFA5A}" type="datetimeFigureOut">
               <a:rPr lang="en-US" smtClean="0"/>
-              <a:t>6/29/20</a:t>
+              <a:t>7/4/20</a:t>
             </a:fld>
             <a:endParaRPr lang="en-US"/>
           </a:p>
@@ -4850,7 +5673,7 @@
           <a:p>
             <a:fld id="{02AC24A9-CCB6-4F8D-B8DB-C2F3692CFA5A}" type="datetimeFigureOut">
               <a:rPr lang="en-US" smtClean="0"/>
-              <a:t>6/29/20</a:t>
+              <a:t>7/4/20</a:t>
             </a:fld>
             <a:endParaRPr lang="en-US"/>
           </a:p>
@@ -5179,7 +6002,7 @@
           <a:p>
             <a:fld id="{02AC24A9-CCB6-4F8D-B8DB-C2F3692CFA5A}" type="datetimeFigureOut">
               <a:rPr lang="en-US" smtClean="0"/>
-              <a:t>6/29/20</a:t>
+              <a:t>7/4/20</a:t>
             </a:fld>
             <a:endParaRPr lang="en-US"/>
           </a:p>
@@ -5292,7 +6115,7 @@
           <a:p>
             <a:fld id="{02AC24A9-CCB6-4F8D-B8DB-C2F3692CFA5A}" type="datetimeFigureOut">
               <a:rPr lang="en-US" smtClean="0"/>
-              <a:t>6/29/20</a:t>
+              <a:t>7/4/20</a:t>
             </a:fld>
             <a:endParaRPr lang="en-US"/>
           </a:p>
@@ -5787,7 +6610,7 @@
           <a:p>
             <a:fld id="{02AC24A9-CCB6-4F8D-B8DB-C2F3692CFA5A}" type="datetimeFigureOut">
               <a:rPr lang="en-US" smtClean="0"/>
-              <a:t>6/29/20</a:t>
+              <a:t>7/4/20</a:t>
             </a:fld>
             <a:endParaRPr lang="en-US" dirty="0"/>
           </a:p>
@@ -6264,7 +7087,7 @@
           <a:p>
             <a:fld id="{02AC24A9-CCB6-4F8D-B8DB-C2F3692CFA5A}" type="datetimeFigureOut">
               <a:rPr lang="en-US" smtClean="0"/>
-              <a:t>6/29/20</a:t>
+              <a:t>7/4/20</a:t>
             </a:fld>
             <a:endParaRPr lang="en-US"/>
           </a:p>
@@ -6507,7 +7330,7 @@
           <a:p>
             <a:fld id="{02AC24A9-CCB6-4F8D-B8DB-C2F3692CFA5A}" type="datetimeFigureOut">
               <a:rPr lang="en-US" smtClean="0"/>
-              <a:t>6/29/20</a:t>
+              <a:t>7/4/20</a:t>
             </a:fld>
             <a:endParaRPr lang="en-US"/>
           </a:p>
@@ -8635,7 +9458,7 @@
           <p:cNvPr id="2" name="Title 1">
             <a:extLst>
               <a:ext uri="{FF2B5EF4-FFF2-40B4-BE49-F238E27FC236}">
-                <a16:creationId xmlns:a16="http://schemas.microsoft.com/office/drawing/2014/main" id="{78F2E4E8-04EB-0142-91AE-BC0C88F0C119}"/>
+                <a16:creationId xmlns:a16="http://schemas.microsoft.com/office/drawing/2014/main" id="{0959BEBF-BB7C-FF49-93DA-FD44946F112E}"/>
               </a:ext>
             </a:extLst>
           </p:cNvPr>
@@ -8653,15 +9476,159 @@
           <a:p>
             <a:r>
               <a:rPr lang="de-DE" b="1" dirty="0"/>
-              <a:t>4.1.  K-</a:t>
+              <a:t>Evaluationsmaße</a:t>
+            </a:r>
+          </a:p>
+        </p:txBody>
+      </p:sp>
+      <p:sp>
+        <p:nvSpPr>
+          <p:cNvPr id="3" name="Content Placeholder 2">
+            <a:extLst>
+              <a:ext uri="{FF2B5EF4-FFF2-40B4-BE49-F238E27FC236}">
+                <a16:creationId xmlns:a16="http://schemas.microsoft.com/office/drawing/2014/main" id="{5010B43E-21CA-8A4B-AEAB-6F1A4E8612FE}"/>
+              </a:ext>
+            </a:extLst>
+          </p:cNvPr>
+          <p:cNvSpPr>
+            <a:spLocks noGrp="1"/>
+          </p:cNvSpPr>
+          <p:nvPr>
+            <p:ph idx="1"/>
+          </p:nvPr>
+        </p:nvSpPr>
+        <p:spPr/>
+        <p:txBody>
+          <a:bodyPr/>
+          <a:lstStyle/>
+          <a:p>
+            <a:r>
+              <a:rPr lang="de-DE" dirty="0" err="1"/>
+              <a:t>Adjusted</a:t>
+            </a:r>
+            <a:r>
+              <a:rPr lang="de-DE" dirty="0"/>
+              <a:t> Rand Index (kurz: </a:t>
             </a:r>
             <a:r>
               <a:rPr lang="de-DE" b="1" dirty="0" err="1"/>
-              <a:t>Means</a:t>
-            </a:r>
-            <a:r>
-              <a:rPr lang="de-DE" b="1" dirty="0"/>
-              <a:t> Experimente</a:t>
+              <a:t>ari</a:t>
+            </a:r>
+            <a:r>
+              <a:rPr lang="de-DE" dirty="0"/>
+              <a:t>)</a:t>
+            </a:r>
+          </a:p>
+          <a:p>
+            <a:r>
+              <a:rPr lang="de-DE" dirty="0"/>
+              <a:t>V-</a:t>
+            </a:r>
+            <a:r>
+              <a:rPr lang="de-DE" dirty="0" err="1"/>
+              <a:t>measure</a:t>
+            </a:r>
+            <a:r>
+              <a:rPr lang="de-DE" dirty="0"/>
+              <a:t> (kurz: </a:t>
+            </a:r>
+            <a:r>
+              <a:rPr lang="de-DE" b="1" dirty="0" err="1"/>
+              <a:t>vm</a:t>
+            </a:r>
+            <a:r>
+              <a:rPr lang="de-DE" dirty="0"/>
+              <a:t>)</a:t>
+            </a:r>
+          </a:p>
+          <a:p>
+            <a:pPr lvl="1"/>
+            <a:r>
+              <a:rPr lang="de-DE" dirty="0"/>
+              <a:t>Harmonisches Mittel zwischen </a:t>
+            </a:r>
+            <a:r>
+              <a:rPr lang="en-GB" i="1" dirty="0"/>
+              <a:t>homogeneity</a:t>
+            </a:r>
+            <a:r>
+              <a:rPr lang="en-GB" dirty="0"/>
+              <a:t> &amp; </a:t>
+            </a:r>
+            <a:r>
+              <a:rPr lang="en-GB" i="1" dirty="0"/>
+              <a:t>completeness</a:t>
+            </a:r>
+            <a:endParaRPr lang="en-GB" dirty="0"/>
+          </a:p>
+          <a:p>
+            <a:pPr lvl="1"/>
+            <a:r>
+              <a:rPr lang="en-GB" i="1" dirty="0"/>
+              <a:t>homogeneity</a:t>
+            </a:r>
+            <a:r>
+              <a:rPr lang="en-GB" dirty="0"/>
+              <a:t> (</a:t>
+            </a:r>
+            <a:r>
+              <a:rPr lang="en-GB" dirty="0" err="1"/>
+              <a:t>wie</a:t>
+            </a:r>
+            <a:r>
+              <a:rPr lang="en-GB" dirty="0"/>
+              <a:t> </a:t>
+            </a:r>
+            <a:r>
+              <a:rPr lang="en-GB" dirty="0" err="1"/>
+              <a:t>homogen</a:t>
+            </a:r>
+            <a:r>
+              <a:rPr lang="en-GB" dirty="0"/>
+              <a:t> </a:t>
+            </a:r>
+            <a:r>
+              <a:rPr lang="en-GB" dirty="0" err="1"/>
+              <a:t>sind</a:t>
+            </a:r>
+            <a:r>
+              <a:rPr lang="en-GB" dirty="0"/>
+              <a:t> Cluster)</a:t>
+            </a:r>
+          </a:p>
+          <a:p>
+            <a:pPr lvl="1"/>
+            <a:r>
+              <a:rPr lang="en-GB" i="1" dirty="0"/>
+              <a:t>completeness</a:t>
+            </a:r>
+            <a:r>
+              <a:rPr lang="en-GB" dirty="0"/>
+              <a:t> (</a:t>
+            </a:r>
+            <a:r>
+              <a:rPr lang="en-GB" dirty="0" err="1"/>
+              <a:t>wie</a:t>
+            </a:r>
+            <a:r>
+              <a:rPr lang="en-GB" dirty="0"/>
+              <a:t> </a:t>
+            </a:r>
+            <a:r>
+              <a:rPr lang="en-GB" dirty="0" err="1"/>
+              <a:t>vollständig</a:t>
+            </a:r>
+            <a:r>
+              <a:rPr lang="en-GB" dirty="0"/>
+              <a:t> </a:t>
+            </a:r>
+            <a:r>
+              <a:rPr lang="en-GB" dirty="0" err="1"/>
+              <a:t>sind</a:t>
+            </a:r>
+            <a:r>
+              <a:rPr lang="en-GB" dirty="0"/>
+              <a:t> Cluster)</a:t>
             </a:r>
           </a:p>
         </p:txBody>
@@ -8669,7 +9636,7 @@
     </p:spTree>
     <p:extLst>
       <p:ext uri="{BB962C8B-B14F-4D97-AF65-F5344CB8AC3E}">
-        <p14:creationId xmlns:p14="http://schemas.microsoft.com/office/powerpoint/2010/main" val="3778911843"/>
+        <p14:creationId xmlns:p14="http://schemas.microsoft.com/office/powerpoint/2010/main" val="228732159"/>
       </p:ext>
     </p:extLst>
   </p:cSld>
@@ -8701,6 +9668,72 @@
           <p:cNvPr id="2" name="Title 1">
             <a:extLst>
               <a:ext uri="{FF2B5EF4-FFF2-40B4-BE49-F238E27FC236}">
+                <a16:creationId xmlns:a16="http://schemas.microsoft.com/office/drawing/2014/main" id="{78F2E4E8-04EB-0142-91AE-BC0C88F0C119}"/>
+              </a:ext>
+            </a:extLst>
+          </p:cNvPr>
+          <p:cNvSpPr>
+            <a:spLocks noGrp="1"/>
+          </p:cNvSpPr>
+          <p:nvPr>
+            <p:ph type="title"/>
+          </p:nvPr>
+        </p:nvSpPr>
+        <p:spPr/>
+        <p:txBody>
+          <a:bodyPr/>
+          <a:lstStyle/>
+          <a:p>
+            <a:r>
+              <a:rPr lang="de-DE" b="1" dirty="0"/>
+              <a:t>4.1.  K-</a:t>
+            </a:r>
+            <a:r>
+              <a:rPr lang="de-DE" b="1" dirty="0" err="1"/>
+              <a:t>Means</a:t>
+            </a:r>
+            <a:r>
+              <a:rPr lang="de-DE" b="1" dirty="0"/>
+              <a:t> Experimente</a:t>
+            </a:r>
+          </a:p>
+        </p:txBody>
+      </p:sp>
+    </p:spTree>
+    <p:extLst>
+      <p:ext uri="{BB962C8B-B14F-4D97-AF65-F5344CB8AC3E}">
+        <p14:creationId xmlns:p14="http://schemas.microsoft.com/office/powerpoint/2010/main" val="3778911843"/>
+      </p:ext>
+    </p:extLst>
+  </p:cSld>
+  <p:clrMapOvr>
+    <a:masterClrMapping/>
+  </p:clrMapOvr>
+</p:sld>
+</file>
+
+<file path=ppt/slides/slide19.xml><?xml version="1.0" encoding="utf-8"?>
+<p:sld xmlns:a="http://schemas.openxmlformats.org/drawingml/2006/main" xmlns:r="http://schemas.openxmlformats.org/officeDocument/2006/relationships" xmlns:p="http://schemas.openxmlformats.org/presentationml/2006/main" show="0">
+  <p:cSld>
+    <p:spTree>
+      <p:nvGrpSpPr>
+        <p:cNvPr id="1" name=""/>
+        <p:cNvGrpSpPr/>
+        <p:nvPr/>
+      </p:nvGrpSpPr>
+      <p:grpSpPr>
+        <a:xfrm>
+          <a:off x="0" y="0"/>
+          <a:ext cx="0" cy="0"/>
+          <a:chOff x="0" y="0"/>
+          <a:chExt cx="0" cy="0"/>
+        </a:xfrm>
+      </p:grpSpPr>
+      <p:sp>
+        <p:nvSpPr>
+          <p:cNvPr id="2" name="Title 1">
+            <a:extLst>
+              <a:ext uri="{FF2B5EF4-FFF2-40B4-BE49-F238E27FC236}">
                 <a16:creationId xmlns:a16="http://schemas.microsoft.com/office/drawing/2014/main" id="{DCBE102F-D2BB-3946-AEF1-AE93DF5165E5}"/>
               </a:ext>
             </a:extLst>
@@ -8739,8 +9772,134 @@
 </p:sld>
 </file>
 
-<file path=ppt/slides/slide19.xml><?xml version="1.0" encoding="utf-8"?>
+<file path=ppt/slides/slide2.xml><?xml version="1.0" encoding="utf-8"?>
 <p:sld xmlns:a="http://schemas.openxmlformats.org/drawingml/2006/main" xmlns:r="http://schemas.openxmlformats.org/officeDocument/2006/relationships" xmlns:p="http://schemas.openxmlformats.org/presentationml/2006/main">
+  <p:cSld>
+    <p:spTree>
+      <p:nvGrpSpPr>
+        <p:cNvPr id="1" name=""/>
+        <p:cNvGrpSpPr/>
+        <p:nvPr/>
+      </p:nvGrpSpPr>
+      <p:grpSpPr>
+        <a:xfrm>
+          <a:off x="0" y="0"/>
+          <a:ext cx="0" cy="0"/>
+          <a:chOff x="0" y="0"/>
+          <a:chExt cx="0" cy="0"/>
+        </a:xfrm>
+      </p:grpSpPr>
+      <p:sp>
+        <p:nvSpPr>
+          <p:cNvPr id="2" name="Title 1">
+            <a:extLst>
+              <a:ext uri="{FF2B5EF4-FFF2-40B4-BE49-F238E27FC236}">
+                <a16:creationId xmlns:a16="http://schemas.microsoft.com/office/drawing/2014/main" id="{ABBD1032-7C21-EB45-88CD-39E1CDFCEED7}"/>
+              </a:ext>
+            </a:extLst>
+          </p:cNvPr>
+          <p:cNvSpPr>
+            <a:spLocks noGrp="1"/>
+          </p:cNvSpPr>
+          <p:nvPr>
+            <p:ph type="title"/>
+          </p:nvPr>
+        </p:nvSpPr>
+        <p:spPr/>
+        <p:txBody>
+          <a:bodyPr/>
+          <a:lstStyle/>
+          <a:p>
+            <a:r>
+              <a:rPr lang="en-DE" dirty="0"/>
+              <a:t>Übersicht</a:t>
+            </a:r>
+          </a:p>
+        </p:txBody>
+      </p:sp>
+      <p:sp>
+        <p:nvSpPr>
+          <p:cNvPr id="3" name="Content Placeholder 2">
+            <a:extLst>
+              <a:ext uri="{FF2B5EF4-FFF2-40B4-BE49-F238E27FC236}">
+                <a16:creationId xmlns:a16="http://schemas.microsoft.com/office/drawing/2014/main" id="{80899769-BBF7-274C-B579-0AE87166EDED}"/>
+              </a:ext>
+            </a:extLst>
+          </p:cNvPr>
+          <p:cNvSpPr>
+            <a:spLocks noGrp="1"/>
+          </p:cNvSpPr>
+          <p:nvPr>
+            <p:ph idx="1"/>
+          </p:nvPr>
+        </p:nvSpPr>
+        <p:spPr/>
+        <p:txBody>
+          <a:bodyPr/>
+          <a:lstStyle/>
+          <a:p>
+            <a:pPr marL="514350" indent="-514350">
+              <a:buAutoNum type="arabicPeriod"/>
+            </a:pPr>
+            <a:r>
+              <a:rPr lang="en-DE" dirty="0"/>
+              <a:t>Kurzer Überblick zum Epochenbegriff und –einteilung</a:t>
+            </a:r>
+          </a:p>
+          <a:p>
+            <a:pPr marL="514350" indent="-514350">
+              <a:buAutoNum type="arabicPeriod"/>
+            </a:pPr>
+            <a:r>
+              <a:rPr lang="en-DE" dirty="0"/>
+              <a:t>Das Korpus</a:t>
+            </a:r>
+          </a:p>
+          <a:p>
+            <a:pPr marL="514350" indent="-514350">
+              <a:buAutoNum type="arabicPeriod"/>
+            </a:pPr>
+            <a:r>
+              <a:rPr lang="en-GB" dirty="0" err="1"/>
+              <a:t>Fragestellungen</a:t>
+            </a:r>
+            <a:endParaRPr lang="en-DE" dirty="0"/>
+          </a:p>
+          <a:p>
+            <a:pPr marL="514350" indent="-514350">
+              <a:buAutoNum type="arabicPeriod"/>
+            </a:pPr>
+            <a:r>
+              <a:rPr lang="en-DE" dirty="0"/>
+              <a:t>Experimente</a:t>
+            </a:r>
+          </a:p>
+          <a:p>
+            <a:pPr marL="514350" indent="-514350">
+              <a:buAutoNum type="arabicPeriod"/>
+            </a:pPr>
+            <a:r>
+              <a:rPr lang="en-DE" dirty="0"/>
+              <a:t>Schlussbetrachtung</a:t>
+            </a:r>
+          </a:p>
+        </p:txBody>
+      </p:sp>
+    </p:spTree>
+    <p:extLst>
+      <p:ext uri="{BB962C8B-B14F-4D97-AF65-F5344CB8AC3E}">
+        <p14:creationId xmlns:p14="http://schemas.microsoft.com/office/powerpoint/2010/main" val="2653683036"/>
+      </p:ext>
+    </p:extLst>
+  </p:cSld>
+  <p:clrMapOvr>
+    <a:masterClrMapping/>
+  </p:clrMapOvr>
+</p:sld>
+</file>
+
+<file path=ppt/slides/slide20.xml><?xml version="1.0" encoding="utf-8"?>
+<p:sld xmlns:a="http://schemas.openxmlformats.org/drawingml/2006/main" xmlns:r="http://schemas.openxmlformats.org/officeDocument/2006/relationships" xmlns:p="http://schemas.openxmlformats.org/presentationml/2006/main" show="0">
   <p:cSld>
     <p:bg>
       <p:bgPr>
@@ -9961,134 +11120,8 @@
 </p:sld>
 </file>
 
-<file path=ppt/slides/slide2.xml><?xml version="1.0" encoding="utf-8"?>
-<p:sld xmlns:a="http://schemas.openxmlformats.org/drawingml/2006/main" xmlns:r="http://schemas.openxmlformats.org/officeDocument/2006/relationships" xmlns:p="http://schemas.openxmlformats.org/presentationml/2006/main">
-  <p:cSld>
-    <p:spTree>
-      <p:nvGrpSpPr>
-        <p:cNvPr id="1" name=""/>
-        <p:cNvGrpSpPr/>
-        <p:nvPr/>
-      </p:nvGrpSpPr>
-      <p:grpSpPr>
-        <a:xfrm>
-          <a:off x="0" y="0"/>
-          <a:ext cx="0" cy="0"/>
-          <a:chOff x="0" y="0"/>
-          <a:chExt cx="0" cy="0"/>
-        </a:xfrm>
-      </p:grpSpPr>
-      <p:sp>
-        <p:nvSpPr>
-          <p:cNvPr id="2" name="Title 1">
-            <a:extLst>
-              <a:ext uri="{FF2B5EF4-FFF2-40B4-BE49-F238E27FC236}">
-                <a16:creationId xmlns:a16="http://schemas.microsoft.com/office/drawing/2014/main" id="{ABBD1032-7C21-EB45-88CD-39E1CDFCEED7}"/>
-              </a:ext>
-            </a:extLst>
-          </p:cNvPr>
-          <p:cNvSpPr>
-            <a:spLocks noGrp="1"/>
-          </p:cNvSpPr>
-          <p:nvPr>
-            <p:ph type="title"/>
-          </p:nvPr>
-        </p:nvSpPr>
-        <p:spPr/>
-        <p:txBody>
-          <a:bodyPr/>
-          <a:lstStyle/>
-          <a:p>
-            <a:r>
-              <a:rPr lang="en-DE" dirty="0"/>
-              <a:t>Übersicht</a:t>
-            </a:r>
-          </a:p>
-        </p:txBody>
-      </p:sp>
-      <p:sp>
-        <p:nvSpPr>
-          <p:cNvPr id="3" name="Content Placeholder 2">
-            <a:extLst>
-              <a:ext uri="{FF2B5EF4-FFF2-40B4-BE49-F238E27FC236}">
-                <a16:creationId xmlns:a16="http://schemas.microsoft.com/office/drawing/2014/main" id="{80899769-BBF7-274C-B579-0AE87166EDED}"/>
-              </a:ext>
-            </a:extLst>
-          </p:cNvPr>
-          <p:cNvSpPr>
-            <a:spLocks noGrp="1"/>
-          </p:cNvSpPr>
-          <p:nvPr>
-            <p:ph idx="1"/>
-          </p:nvPr>
-        </p:nvSpPr>
-        <p:spPr/>
-        <p:txBody>
-          <a:bodyPr/>
-          <a:lstStyle/>
-          <a:p>
-            <a:pPr marL="514350" indent="-514350">
-              <a:buAutoNum type="arabicPeriod"/>
-            </a:pPr>
-            <a:r>
-              <a:rPr lang="en-DE" dirty="0"/>
-              <a:t>Kurzer Überblick zum Epochenbegriff und –einteilung</a:t>
-            </a:r>
-          </a:p>
-          <a:p>
-            <a:pPr marL="514350" indent="-514350">
-              <a:buAutoNum type="arabicPeriod"/>
-            </a:pPr>
-            <a:r>
-              <a:rPr lang="en-DE" dirty="0"/>
-              <a:t>Das Korpus</a:t>
-            </a:r>
-          </a:p>
-          <a:p>
-            <a:pPr marL="514350" indent="-514350">
-              <a:buAutoNum type="arabicPeriod"/>
-            </a:pPr>
-            <a:r>
-              <a:rPr lang="en-GB" dirty="0" err="1"/>
-              <a:t>Fragestellungen</a:t>
-            </a:r>
-            <a:endParaRPr lang="en-DE" dirty="0"/>
-          </a:p>
-          <a:p>
-            <a:pPr marL="514350" indent="-514350">
-              <a:buAutoNum type="arabicPeriod"/>
-            </a:pPr>
-            <a:r>
-              <a:rPr lang="en-DE" dirty="0"/>
-              <a:t>Experimente</a:t>
-            </a:r>
-          </a:p>
-          <a:p>
-            <a:pPr marL="514350" indent="-514350">
-              <a:buAutoNum type="arabicPeriod"/>
-            </a:pPr>
-            <a:r>
-              <a:rPr lang="en-DE" dirty="0"/>
-              <a:t>Schlussbetrachtung</a:t>
-            </a:r>
-          </a:p>
-        </p:txBody>
-      </p:sp>
-    </p:spTree>
-    <p:extLst>
-      <p:ext uri="{BB962C8B-B14F-4D97-AF65-F5344CB8AC3E}">
-        <p14:creationId xmlns:p14="http://schemas.microsoft.com/office/powerpoint/2010/main" val="2653683036"/>
-      </p:ext>
-    </p:extLst>
-  </p:cSld>
-  <p:clrMapOvr>
-    <a:masterClrMapping/>
-  </p:clrMapOvr>
-</p:sld>
-</file>
-
-<file path=ppt/slides/slide20.xml><?xml version="1.0" encoding="utf-8"?>
-<p:sld xmlns:a="http://schemas.openxmlformats.org/drawingml/2006/main" xmlns:r="http://schemas.openxmlformats.org/officeDocument/2006/relationships" xmlns:p="http://schemas.openxmlformats.org/presentationml/2006/main">
+<file path=ppt/slides/slide21.xml><?xml version="1.0" encoding="utf-8"?>
+<p:sld xmlns:a="http://schemas.openxmlformats.org/drawingml/2006/main" xmlns:r="http://schemas.openxmlformats.org/officeDocument/2006/relationships" xmlns:p="http://schemas.openxmlformats.org/presentationml/2006/main" show="0">
   <p:cSld>
     <p:spTree>
       <p:nvGrpSpPr>
@@ -11289,7 +12322,7 @@
 </p:sld>
 </file>
 
-<file path=ppt/slides/slide21.xml><?xml version="1.0" encoding="utf-8"?>
+<file path=ppt/slides/slide22.xml><?xml version="1.0" encoding="utf-8"?>
 <p:sld xmlns:a="http://schemas.openxmlformats.org/drawingml/2006/main" xmlns:r="http://schemas.openxmlformats.org/officeDocument/2006/relationships" xmlns:p="http://schemas.openxmlformats.org/presentationml/2006/main">
   <p:cSld>
     <p:bg>
@@ -12304,8 +13337,8 @@
 </p:sld>
 </file>
 
-<file path=ppt/slides/slide22.xml><?xml version="1.0" encoding="utf-8"?>
-<p:sld xmlns:a="http://schemas.openxmlformats.org/drawingml/2006/main" xmlns:r="http://schemas.openxmlformats.org/officeDocument/2006/relationships" xmlns:p="http://schemas.openxmlformats.org/presentationml/2006/main">
+<file path=ppt/slides/slide23.xml><?xml version="1.0" encoding="utf-8"?>
+<p:sld xmlns:a="http://schemas.openxmlformats.org/drawingml/2006/main" xmlns:r="http://schemas.openxmlformats.org/officeDocument/2006/relationships" xmlns:p="http://schemas.openxmlformats.org/presentationml/2006/main" show="0">
   <p:cSld>
     <p:spTree>
       <p:nvGrpSpPr>
@@ -13507,7 +14540,7 @@
 </p:sld>
 </file>
 
-<file path=ppt/slides/slide23.xml><?xml version="1.0" encoding="utf-8"?>
+<file path=ppt/slides/slide24.xml><?xml version="1.0" encoding="utf-8"?>
 <p:sld xmlns:a="http://schemas.openxmlformats.org/drawingml/2006/main" xmlns:r="http://schemas.openxmlformats.org/officeDocument/2006/relationships" xmlns:p="http://schemas.openxmlformats.org/presentationml/2006/main">
   <p:cSld>
     <p:spTree>
@@ -13568,7 +14601,7 @@
 </p:sld>
 </file>
 
-<file path=ppt/slides/slide24.xml><?xml version="1.0" encoding="utf-8"?>
+<file path=ppt/slides/slide25.xml><?xml version="1.0" encoding="utf-8"?>
 <p:sld xmlns:a="http://schemas.openxmlformats.org/drawingml/2006/main" xmlns:r="http://schemas.openxmlformats.org/officeDocument/2006/relationships" xmlns:p="http://schemas.openxmlformats.org/presentationml/2006/main">
   <p:cSld>
     <p:bg>
@@ -14123,7 +15156,7 @@
           <p:nvPr>
             <p:extLst>
               <p:ext uri="{D42A27DB-BD31-4B8C-83A1-F6EECF244321}">
-                <p14:modId xmlns:p14="http://schemas.microsoft.com/office/powerpoint/2010/main" val="2451127855"/>
+                <p14:modId xmlns:p14="http://schemas.microsoft.com/office/powerpoint/2010/main" val="306931789"/>
               </p:ext>
             </p:extLst>
           </p:nvPr>
@@ -14257,7 +15290,7 @@
                         <a:rPr lang="en-DE" sz="2700" dirty="0">
                           <a:effectLst/>
                         </a:rPr>
-                        <a:t>0.850065</a:t>
+                        <a:t>0.843127</a:t>
                       </a:r>
                     </a:p>
                   </a:txBody>
@@ -14270,10 +15303,10 @@
                     <a:p>
                       <a:pPr algn="r" fontAlgn="ctr"/>
                       <a:r>
-                        <a:rPr lang="en-DE" sz="2700">
+                        <a:rPr lang="en-DE" sz="2700" dirty="0">
                           <a:effectLst/>
                         </a:rPr>
-                        <a:t>0.787506</a:t>
+                        <a:t>0.781205</a:t>
                       </a:r>
                     </a:p>
                   </a:txBody>
@@ -14558,7 +15591,7 @@
 </p:sld>
 </file>
 
-<file path=ppt/slides/slide25.xml><?xml version="1.0" encoding="utf-8"?>
+<file path=ppt/slides/slide26.xml><?xml version="1.0" encoding="utf-8"?>
 <p:sld xmlns:a="http://schemas.openxmlformats.org/drawingml/2006/main" xmlns:r="http://schemas.openxmlformats.org/officeDocument/2006/relationships" xmlns:p="http://schemas.openxmlformats.org/presentationml/2006/main">
   <p:cSld>
     <p:bg>
@@ -15070,37 +16103,6 @@
           </a:p>
         </p:txBody>
       </p:sp>
-      <p:pic>
-        <p:nvPicPr>
-          <p:cNvPr id="5" name="Content Placeholder 4" descr="A screenshot of a cell phone&#10;&#10;Description automatically generated">
-            <a:extLst>
-              <a:ext uri="{FF2B5EF4-FFF2-40B4-BE49-F238E27FC236}">
-                <a16:creationId xmlns:a16="http://schemas.microsoft.com/office/drawing/2014/main" id="{3064F7C2-C534-6E4E-A480-2CBF93F3C735}"/>
-              </a:ext>
-            </a:extLst>
-          </p:cNvPr>
-          <p:cNvPicPr>
-            <a:picLocks noGrp="1" noChangeAspect="1"/>
-          </p:cNvPicPr>
-          <p:nvPr>
-            <p:ph idx="1"/>
-          </p:nvPr>
-        </p:nvPicPr>
-        <p:blipFill rotWithShape="1">
-          <a:blip r:embed="rId2"/>
-          <a:srcRect l="10299" t="6822" r="9887" b="8902"/>
-          <a:stretch/>
-        </p:blipFill>
-        <p:spPr>
-          <a:xfrm>
-            <a:off x="4979322" y="843726"/>
-            <a:ext cx="7122605" cy="5170548"/>
-          </a:xfrm>
-          <a:prstGeom prst="rect">
-            <a:avLst/>
-          </a:prstGeom>
-        </p:spPr>
-      </p:pic>
       <p:sp>
         <p:nvSpPr>
           <p:cNvPr id="6" name="TextBox 5">
@@ -15131,22 +16133,46 @@
           <a:p>
             <a:r>
               <a:rPr lang="de-DE" sz="2400" dirty="0"/>
-              <a:t>Dichter Barock: </a:t>
-            </a:r>
-            <a:r>
-              <a:rPr lang="de-DE" sz="2400"/>
-              <a:t>	36</a:t>
-            </a:r>
-            <a:endParaRPr lang="de-DE" sz="2400" dirty="0"/>
+              <a:t>Dichter Barock: 	35</a:t>
+            </a:r>
           </a:p>
           <a:p>
             <a:r>
               <a:rPr lang="de-DE" sz="2400" dirty="0"/>
-              <a:t>Dichter Realismus:  	69</a:t>
+              <a:t>Dichter Realismus:  	65</a:t>
             </a:r>
           </a:p>
         </p:txBody>
       </p:sp>
+      <p:pic>
+        <p:nvPicPr>
+          <p:cNvPr id="19" name="Picture 18" descr="A screenshot of a cell phone&#10;&#10;Description automatically generated">
+            <a:extLst>
+              <a:ext uri="{FF2B5EF4-FFF2-40B4-BE49-F238E27FC236}">
+                <a16:creationId xmlns:a16="http://schemas.microsoft.com/office/drawing/2014/main" id="{B94AA61E-BF36-0E4B-B088-22FE4A336506}"/>
+              </a:ext>
+            </a:extLst>
+          </p:cNvPr>
+          <p:cNvPicPr>
+            <a:picLocks noChangeAspect="1"/>
+          </p:cNvPicPr>
+          <p:nvPr/>
+        </p:nvPicPr>
+        <p:blipFill rotWithShape="1">
+          <a:blip r:embed="rId3"/>
+          <a:srcRect l="10763" t="6647" r="16840" b="9707"/>
+          <a:stretch/>
+        </p:blipFill>
+        <p:spPr>
+          <a:xfrm>
+            <a:off x="4548628" y="413290"/>
+            <a:ext cx="7593036" cy="6031419"/>
+          </a:xfrm>
+          <a:prstGeom prst="rect">
+            <a:avLst/>
+          </a:prstGeom>
+        </p:spPr>
+      </p:pic>
     </p:spTree>
     <p:extLst>
       <p:ext uri="{BB962C8B-B14F-4D97-AF65-F5344CB8AC3E}">
@@ -15160,7 +16186,1961 @@
 </p:sld>
 </file>
 
-<file path=ppt/slides/slide26.xml><?xml version="1.0" encoding="utf-8"?>
+<file path=ppt/slides/slide27.xml><?xml version="1.0" encoding="utf-8"?>
+<p:sld xmlns:a="http://schemas.openxmlformats.org/drawingml/2006/main" xmlns:r="http://schemas.openxmlformats.org/officeDocument/2006/relationships" xmlns:p="http://schemas.openxmlformats.org/presentationml/2006/main">
+  <p:cSld>
+    <p:bg>
+      <p:bgPr>
+        <a:solidFill>
+          <a:schemeClr val="bg1"/>
+        </a:solidFill>
+        <a:effectLst/>
+      </p:bgPr>
+    </p:bg>
+    <p:spTree>
+      <p:nvGrpSpPr>
+        <p:cNvPr id="1" name=""/>
+        <p:cNvGrpSpPr/>
+        <p:nvPr/>
+      </p:nvGrpSpPr>
+      <p:grpSpPr>
+        <a:xfrm>
+          <a:off x="0" y="0"/>
+          <a:ext cx="0" cy="0"/>
+          <a:chOff x="0" y="0"/>
+          <a:chExt cx="0" cy="0"/>
+        </a:xfrm>
+      </p:grpSpPr>
+      <p:sp useBgFill="1">
+        <p:nvSpPr>
+          <p:cNvPr id="50" name="Rectangle 49">
+            <a:extLst>
+              <a:ext uri="{FF2B5EF4-FFF2-40B4-BE49-F238E27FC236}">
+                <a16:creationId xmlns:a16="http://schemas.microsoft.com/office/drawing/2014/main" id="{2C9A9DA9-7DC8-488B-A882-123947B0F3D9}"/>
+              </a:ext>
+              <a:ext uri="{C183D7F6-B498-43B3-948B-1728B52AA6E4}">
+                <adec:decorative xmlns:adec="http://schemas.microsoft.com/office/drawing/2017/decorative" val="1"/>
+              </a:ext>
+            </a:extLst>
+          </p:cNvPr>
+          <p:cNvSpPr>
+            <a:spLocks noGrp="1" noRot="1" noChangeAspect="1" noMove="1" noResize="1" noEditPoints="1" noAdjustHandles="1" noChangeArrowheads="1" noChangeShapeType="1" noTextEdit="1"/>
+          </p:cNvSpPr>
+          <p:nvPr>
+            <p:extLst>
+              <p:ext uri="{386F3935-93C4-4BCD-93E2-E3B085C9AB24}">
+                <p16:designElem xmlns:p16="http://schemas.microsoft.com/office/powerpoint/2015/main" val="1"/>
+              </p:ext>
+            </p:extLst>
+          </p:nvPr>
+        </p:nvSpPr>
+        <p:spPr>
+          <a:xfrm>
+            <a:off x="0" y="0"/>
+            <a:ext cx="12192000" cy="6858000"/>
+          </a:xfrm>
+          <a:prstGeom prst="rect">
+            <a:avLst/>
+          </a:prstGeom>
+          <a:ln>
+            <a:noFill/>
+          </a:ln>
+        </p:spPr>
+        <p:style>
+          <a:lnRef idx="2">
+            <a:schemeClr val="accent1">
+              <a:shade val="50000"/>
+            </a:schemeClr>
+          </a:lnRef>
+          <a:fillRef idx="1">
+            <a:schemeClr val="accent1"/>
+          </a:fillRef>
+          <a:effectRef idx="0">
+            <a:schemeClr val="accent1"/>
+          </a:effectRef>
+          <a:fontRef idx="minor">
+            <a:schemeClr val="lt1"/>
+          </a:fontRef>
+        </p:style>
+        <p:txBody>
+          <a:bodyPr rtlCol="0" anchor="ctr"/>
+          <a:lstStyle/>
+          <a:p>
+            <a:pPr algn="ctr"/>
+            <a:endParaRPr lang="en-US"/>
+          </a:p>
+        </p:txBody>
+      </p:sp>
+      <p:sp useBgFill="1">
+        <p:nvSpPr>
+          <p:cNvPr id="52" name="Rectangle 51">
+            <a:extLst>
+              <a:ext uri="{FF2B5EF4-FFF2-40B4-BE49-F238E27FC236}">
+                <a16:creationId xmlns:a16="http://schemas.microsoft.com/office/drawing/2014/main" id="{57F6BDD4-E066-4008-8011-6CC31AEB4556}"/>
+              </a:ext>
+              <a:ext uri="{C183D7F6-B498-43B3-948B-1728B52AA6E4}">
+                <adec:decorative xmlns:adec="http://schemas.microsoft.com/office/drawing/2017/decorative" val="1"/>
+              </a:ext>
+            </a:extLst>
+          </p:cNvPr>
+          <p:cNvSpPr>
+            <a:spLocks noGrp="1" noRot="1" noChangeAspect="1" noMove="1" noResize="1" noEditPoints="1" noAdjustHandles="1" noChangeArrowheads="1" noChangeShapeType="1" noTextEdit="1"/>
+          </p:cNvSpPr>
+          <p:nvPr>
+            <p:extLst>
+              <p:ext uri="{386F3935-93C4-4BCD-93E2-E3B085C9AB24}">
+                <p16:designElem xmlns:p16="http://schemas.microsoft.com/office/powerpoint/2015/main" val="1"/>
+              </p:ext>
+            </p:extLst>
+          </p:nvPr>
+        </p:nvSpPr>
+        <p:spPr>
+          <a:xfrm>
+            <a:off x="409575" y="633619"/>
+            <a:ext cx="4279383" cy="5495925"/>
+          </a:xfrm>
+          <a:prstGeom prst="rect">
+            <a:avLst/>
+          </a:prstGeom>
+          <a:ln w="9525">
+            <a:solidFill>
+              <a:schemeClr val="tx2">
+                <a:lumMod val="10000"/>
+                <a:lumOff val="90000"/>
+              </a:schemeClr>
+            </a:solidFill>
+          </a:ln>
+          <a:effectLst>
+            <a:outerShdw blurRad="50800" dist="38100" dir="2700000" algn="tl" rotWithShape="0">
+              <a:schemeClr val="bg1">
+                <a:lumMod val="85000"/>
+                <a:alpha val="30000"/>
+              </a:schemeClr>
+            </a:outerShdw>
+          </a:effectLst>
+        </p:spPr>
+        <p:style>
+          <a:lnRef idx="2">
+            <a:schemeClr val="accent1">
+              <a:shade val="50000"/>
+            </a:schemeClr>
+          </a:lnRef>
+          <a:fillRef idx="1">
+            <a:schemeClr val="accent1"/>
+          </a:fillRef>
+          <a:effectRef idx="0">
+            <a:schemeClr val="accent1"/>
+          </a:effectRef>
+          <a:fontRef idx="minor">
+            <a:schemeClr val="lt1"/>
+          </a:fontRef>
+        </p:style>
+        <p:txBody>
+          <a:bodyPr rtlCol="0" anchor="ctr"/>
+          <a:lstStyle/>
+          <a:p>
+            <a:pPr marL="0" marR="0" lvl="0" indent="0" algn="ctr" defTabSz="914400" rtl="0" eaLnBrk="1" fontAlgn="auto" latinLnBrk="0" hangingPunct="1">
+              <a:lnSpc>
+                <a:spcPct val="100000"/>
+              </a:lnSpc>
+              <a:spcBef>
+                <a:spcPts val="0"/>
+              </a:spcBef>
+              <a:spcAft>
+                <a:spcPts val="0"/>
+              </a:spcAft>
+              <a:buClrTx/>
+              <a:buSzTx/>
+              <a:buFontTx/>
+              <a:buNone/>
+              <a:tabLst/>
+              <a:defRPr/>
+            </a:pPr>
+            <a:endParaRPr kumimoji="0" lang="en-US" sz="1800" b="0" i="0" u="none" strike="noStrike" kern="1200" cap="none" spc="0" normalizeH="0" baseline="0" noProof="0">
+              <a:ln>
+                <a:noFill/>
+              </a:ln>
+              <a:solidFill>
+                <a:prstClr val="white"/>
+              </a:solidFill>
+              <a:effectLst/>
+              <a:uLnTx/>
+              <a:uFillTx/>
+              <a:latin typeface="Calibri" panose="020F0502020204030204"/>
+              <a:ea typeface="+mn-ea"/>
+              <a:cs typeface="+mn-cs"/>
+            </a:endParaRPr>
+          </a:p>
+        </p:txBody>
+      </p:sp>
+      <p:sp>
+        <p:nvSpPr>
+          <p:cNvPr id="2" name="Title 1">
+            <a:extLst>
+              <a:ext uri="{FF2B5EF4-FFF2-40B4-BE49-F238E27FC236}">
+                <a16:creationId xmlns:a16="http://schemas.microsoft.com/office/drawing/2014/main" id="{54ADA480-6AB0-844F-9E88-B8120036CC75}"/>
+              </a:ext>
+            </a:extLst>
+          </p:cNvPr>
+          <p:cNvSpPr>
+            <a:spLocks noGrp="1"/>
+          </p:cNvSpPr>
+          <p:nvPr>
+            <p:ph type="title"/>
+          </p:nvPr>
+        </p:nvSpPr>
+        <p:spPr>
+          <a:xfrm>
+            <a:off x="841247" y="978619"/>
+            <a:ext cx="3410712" cy="1106424"/>
+          </a:xfrm>
+        </p:spPr>
+        <p:txBody>
+          <a:bodyPr vert="horz" lIns="91440" tIns="45720" rIns="91440" bIns="45720" rtlCol="0" anchor="ctr">
+            <a:normAutofit/>
+          </a:bodyPr>
+          <a:lstStyle/>
+          <a:p>
+            <a:r>
+              <a:rPr lang="en-US" sz="2800" b="1" dirty="0"/>
+              <a:t>K-Means (III): </a:t>
+            </a:r>
+            <a:br>
+              <a:rPr lang="en-US" sz="2800" b="1" dirty="0"/>
+            </a:br>
+            <a:r>
+              <a:rPr lang="en-US" sz="2800" dirty="0" err="1"/>
+              <a:t>Barock</a:t>
+            </a:r>
+            <a:r>
+              <a:rPr lang="en-US" sz="2800" dirty="0"/>
+              <a:t>/</a:t>
+            </a:r>
+            <a:r>
+              <a:rPr lang="en-US" sz="2800" dirty="0" err="1"/>
+              <a:t>Realismus</a:t>
+            </a:r>
+            <a:endParaRPr lang="en-US" sz="2800" dirty="0"/>
+          </a:p>
+        </p:txBody>
+      </p:sp>
+      <p:sp>
+        <p:nvSpPr>
+          <p:cNvPr id="54" name="Rectangle 53">
+            <a:extLst>
+              <a:ext uri="{FF2B5EF4-FFF2-40B4-BE49-F238E27FC236}">
+                <a16:creationId xmlns:a16="http://schemas.microsoft.com/office/drawing/2014/main" id="{2711A8FB-68FC-45FC-B01E-38F809E2D439}"/>
+              </a:ext>
+              <a:ext uri="{C183D7F6-B498-43B3-948B-1728B52AA6E4}">
+                <adec:decorative xmlns:adec="http://schemas.microsoft.com/office/drawing/2017/decorative" val="1"/>
+              </a:ext>
+            </a:extLst>
+          </p:cNvPr>
+          <p:cNvSpPr>
+            <a:spLocks noGrp="1" noRot="1" noChangeAspect="1" noMove="1" noResize="1" noEditPoints="1" noAdjustHandles="1" noChangeArrowheads="1" noChangeShapeType="1" noTextEdit="1"/>
+          </p:cNvSpPr>
+          <p:nvPr>
+            <p:extLst>
+              <p:ext uri="{386F3935-93C4-4BCD-93E2-E3B085C9AB24}">
+                <p16:designElem xmlns:p16="http://schemas.microsoft.com/office/powerpoint/2015/main" val="1"/>
+              </p:ext>
+            </p:extLst>
+          </p:nvPr>
+        </p:nvSpPr>
+        <p:spPr>
+          <a:xfrm>
+            <a:off x="345567" y="1171300"/>
+            <a:ext cx="128016" cy="704088"/>
+          </a:xfrm>
+          <a:prstGeom prst="rect">
+            <a:avLst/>
+          </a:prstGeom>
+          <a:solidFill>
+            <a:schemeClr val="accent1"/>
+          </a:solidFill>
+          <a:ln>
+            <a:noFill/>
+          </a:ln>
+        </p:spPr>
+        <p:style>
+          <a:lnRef idx="2">
+            <a:schemeClr val="accent1">
+              <a:shade val="50000"/>
+            </a:schemeClr>
+          </a:lnRef>
+          <a:fillRef idx="1">
+            <a:schemeClr val="accent1"/>
+          </a:fillRef>
+          <a:effectRef idx="0">
+            <a:schemeClr val="accent1"/>
+          </a:effectRef>
+          <a:fontRef idx="minor">
+            <a:schemeClr val="lt1"/>
+          </a:fontRef>
+        </p:style>
+        <p:txBody>
+          <a:bodyPr rtlCol="0" anchor="ctr"/>
+          <a:lstStyle/>
+          <a:p>
+            <a:pPr marL="0" marR="0" lvl="0" indent="0" algn="ctr" defTabSz="914400" rtl="0" eaLnBrk="1" fontAlgn="auto" latinLnBrk="0" hangingPunct="1">
+              <a:lnSpc>
+                <a:spcPct val="100000"/>
+              </a:lnSpc>
+              <a:spcBef>
+                <a:spcPts val="0"/>
+              </a:spcBef>
+              <a:spcAft>
+                <a:spcPts val="0"/>
+              </a:spcAft>
+              <a:buClrTx/>
+              <a:buSzTx/>
+              <a:buFontTx/>
+              <a:buNone/>
+              <a:tabLst/>
+              <a:defRPr/>
+            </a:pPr>
+            <a:endParaRPr kumimoji="0" lang="en-US" sz="1800" b="0" i="0" u="none" strike="noStrike" kern="1200" cap="none" spc="0" normalizeH="0" baseline="0" noProof="0">
+              <a:ln>
+                <a:noFill/>
+              </a:ln>
+              <a:solidFill>
+                <a:prstClr val="white"/>
+              </a:solidFill>
+              <a:effectLst/>
+              <a:uLnTx/>
+              <a:uFillTx/>
+              <a:latin typeface="Calibri" panose="020F0502020204030204"/>
+              <a:ea typeface="+mn-ea"/>
+              <a:cs typeface="+mn-cs"/>
+            </a:endParaRPr>
+          </a:p>
+        </p:txBody>
+      </p:sp>
+      <p:sp>
+        <p:nvSpPr>
+          <p:cNvPr id="56" name="Rectangle 55">
+            <a:extLst>
+              <a:ext uri="{FF2B5EF4-FFF2-40B4-BE49-F238E27FC236}">
+                <a16:creationId xmlns:a16="http://schemas.microsoft.com/office/drawing/2014/main" id="{2A865FE3-5FC9-4049-87CF-30019C46C0F5}"/>
+              </a:ext>
+              <a:ext uri="{C183D7F6-B498-43B3-948B-1728B52AA6E4}">
+                <adec:decorative xmlns:adec="http://schemas.microsoft.com/office/drawing/2017/decorative" val="1"/>
+              </a:ext>
+            </a:extLst>
+          </p:cNvPr>
+          <p:cNvSpPr>
+            <a:spLocks noGrp="1" noRot="1" noChangeAspect="1" noMove="1" noResize="1" noEditPoints="1" noAdjustHandles="1" noChangeArrowheads="1" noChangeShapeType="1" noTextEdit="1"/>
+          </p:cNvSpPr>
+          <p:nvPr>
+            <p:extLst>
+              <p:ext uri="{386F3935-93C4-4BCD-93E2-E3B085C9AB24}">
+                <p16:designElem xmlns:p16="http://schemas.microsoft.com/office/powerpoint/2015/main" val="1"/>
+              </p:ext>
+            </p:extLst>
+          </p:nvPr>
+        </p:nvSpPr>
+        <p:spPr>
+          <a:xfrm>
+            <a:off x="877459" y="2093976"/>
+            <a:ext cx="3328416" cy="9144"/>
+          </a:xfrm>
+          <a:prstGeom prst="rect">
+            <a:avLst/>
+          </a:prstGeom>
+          <a:solidFill>
+            <a:schemeClr val="tx2">
+              <a:lumMod val="25000"/>
+              <a:lumOff val="75000"/>
+            </a:schemeClr>
+          </a:solidFill>
+          <a:ln w="3175">
+            <a:noFill/>
+          </a:ln>
+          <a:effectLst/>
+        </p:spPr>
+        <p:style>
+          <a:lnRef idx="2">
+            <a:schemeClr val="accent1">
+              <a:shade val="50000"/>
+            </a:schemeClr>
+          </a:lnRef>
+          <a:fillRef idx="1">
+            <a:schemeClr val="accent1"/>
+          </a:fillRef>
+          <a:effectRef idx="0">
+            <a:schemeClr val="accent1"/>
+          </a:effectRef>
+          <a:fontRef idx="minor">
+            <a:schemeClr val="lt1"/>
+          </a:fontRef>
+        </p:style>
+        <p:txBody>
+          <a:bodyPr rtlCol="0" anchor="ctr"/>
+          <a:lstStyle/>
+          <a:p>
+            <a:pPr marL="0" marR="0" lvl="0" indent="0" algn="ctr" defTabSz="914400" rtl="0" eaLnBrk="1" fontAlgn="auto" latinLnBrk="0" hangingPunct="1">
+              <a:lnSpc>
+                <a:spcPct val="100000"/>
+              </a:lnSpc>
+              <a:spcBef>
+                <a:spcPts val="0"/>
+              </a:spcBef>
+              <a:spcAft>
+                <a:spcPts val="0"/>
+              </a:spcAft>
+              <a:buClrTx/>
+              <a:buSzTx/>
+              <a:buFontTx/>
+              <a:buNone/>
+              <a:tabLst/>
+              <a:defRPr/>
+            </a:pPr>
+            <a:endParaRPr kumimoji="0" lang="en-US" sz="1800" b="0" i="0" u="none" strike="noStrike" kern="1200" cap="none" spc="0" normalizeH="0" baseline="0" noProof="0">
+              <a:ln>
+                <a:noFill/>
+              </a:ln>
+              <a:solidFill>
+                <a:prstClr val="white"/>
+              </a:solidFill>
+              <a:effectLst/>
+              <a:uLnTx/>
+              <a:uFillTx/>
+              <a:latin typeface="Calibri" panose="020F0502020204030204"/>
+              <a:ea typeface="+mn-ea"/>
+              <a:cs typeface="+mn-cs"/>
+            </a:endParaRPr>
+          </a:p>
+        </p:txBody>
+      </p:sp>
+      <p:sp>
+        <p:nvSpPr>
+          <p:cNvPr id="6" name="TextBox 5">
+            <a:extLst>
+              <a:ext uri="{FF2B5EF4-FFF2-40B4-BE49-F238E27FC236}">
+                <a16:creationId xmlns:a16="http://schemas.microsoft.com/office/drawing/2014/main" id="{90F669C5-0123-2348-A259-7BE0C33F2448}"/>
+              </a:ext>
+            </a:extLst>
+          </p:cNvPr>
+          <p:cNvSpPr txBox="1"/>
+          <p:nvPr/>
+        </p:nvSpPr>
+        <p:spPr>
+          <a:xfrm>
+            <a:off x="841247" y="2252870"/>
+            <a:ext cx="3412220" cy="2492867"/>
+          </a:xfrm>
+          <a:prstGeom prst="rect">
+            <a:avLst/>
+          </a:prstGeom>
+        </p:spPr>
+        <p:txBody>
+          <a:bodyPr vert="horz" lIns="91440" tIns="45720" rIns="91440" bIns="45720" rtlCol="0">
+            <a:normAutofit/>
+          </a:bodyPr>
+          <a:lstStyle/>
+          <a:p>
+            <a:pPr>
+              <a:lnSpc>
+                <a:spcPct val="110000"/>
+              </a:lnSpc>
+              <a:spcAft>
+                <a:spcPts val="600"/>
+              </a:spcAft>
+            </a:pPr>
+            <a:r>
+              <a:rPr lang="en-US" sz="2400" b="1" dirty="0"/>
+              <a:t>Cluster 0</a:t>
+            </a:r>
+            <a:r>
+              <a:rPr lang="en-US" sz="2400" dirty="0"/>
+              <a:t>: 1619-1697	      (1651-1697)</a:t>
+            </a:r>
+            <a:endParaRPr lang="en-US" sz="2400" b="1" dirty="0"/>
+          </a:p>
+          <a:p>
+            <a:pPr>
+              <a:lnSpc>
+                <a:spcPct val="110000"/>
+              </a:lnSpc>
+              <a:spcAft>
+                <a:spcPts val="600"/>
+              </a:spcAft>
+            </a:pPr>
+            <a:r>
+              <a:rPr lang="en-US" sz="2400" b="1" dirty="0"/>
+              <a:t>Cluster 1</a:t>
+            </a:r>
+            <a:r>
+              <a:rPr lang="en-US" sz="2400" dirty="0"/>
+              <a:t>: 1650-1899</a:t>
+            </a:r>
+          </a:p>
+          <a:p>
+            <a:pPr>
+              <a:lnSpc>
+                <a:spcPct val="110000"/>
+              </a:lnSpc>
+              <a:spcAft>
+                <a:spcPts val="600"/>
+              </a:spcAft>
+            </a:pPr>
+            <a:r>
+              <a:rPr lang="en-US" sz="2400" b="1" dirty="0"/>
+              <a:t> 	      </a:t>
+            </a:r>
+            <a:r>
+              <a:rPr lang="en-US" sz="2400" dirty="0"/>
+              <a:t>(1849-1899)</a:t>
+            </a:r>
+          </a:p>
+          <a:p>
+            <a:pPr>
+              <a:lnSpc>
+                <a:spcPct val="110000"/>
+              </a:lnSpc>
+              <a:spcAft>
+                <a:spcPts val="600"/>
+              </a:spcAft>
+            </a:pPr>
+            <a:r>
+              <a:rPr lang="en-US" sz="2400" b="1" dirty="0"/>
+              <a:t>Cluster 2</a:t>
+            </a:r>
+            <a:r>
+              <a:rPr lang="en-US" sz="2400" dirty="0"/>
+              <a:t>: 1613-1655</a:t>
+            </a:r>
+          </a:p>
+        </p:txBody>
+      </p:sp>
+      <p:pic>
+        <p:nvPicPr>
+          <p:cNvPr id="7" name="Picture 6" descr="A screenshot of a cell phone&#10;&#10;Description automatically generated">
+            <a:extLst>
+              <a:ext uri="{FF2B5EF4-FFF2-40B4-BE49-F238E27FC236}">
+                <a16:creationId xmlns:a16="http://schemas.microsoft.com/office/drawing/2014/main" id="{EC086924-224E-974E-8DBB-CE206BE5D131}"/>
+              </a:ext>
+            </a:extLst>
+          </p:cNvPr>
+          <p:cNvPicPr>
+            <a:picLocks noChangeAspect="1"/>
+          </p:cNvPicPr>
+          <p:nvPr/>
+        </p:nvPicPr>
+        <p:blipFill rotWithShape="1">
+          <a:blip r:embed="rId3"/>
+          <a:srcRect l="10590" t="5472" r="16840" b="10324"/>
+          <a:stretch/>
+        </p:blipFill>
+        <p:spPr>
+          <a:xfrm>
+            <a:off x="4673759" y="461825"/>
+            <a:ext cx="7439034" cy="5934350"/>
+          </a:xfrm>
+          <a:prstGeom prst="rect">
+            <a:avLst/>
+          </a:prstGeom>
+        </p:spPr>
+      </p:pic>
+    </p:spTree>
+    <p:extLst>
+      <p:ext uri="{BB962C8B-B14F-4D97-AF65-F5344CB8AC3E}">
+        <p14:creationId xmlns:p14="http://schemas.microsoft.com/office/powerpoint/2010/main" val="2409353517"/>
+      </p:ext>
+    </p:extLst>
+  </p:cSld>
+  <p:clrMapOvr>
+    <a:masterClrMapping/>
+  </p:clrMapOvr>
+</p:sld>
+</file>
+
+<file path=ppt/slides/slide28.xml><?xml version="1.0" encoding="utf-8"?>
+<p:sld xmlns:a="http://schemas.openxmlformats.org/drawingml/2006/main" xmlns:r="http://schemas.openxmlformats.org/officeDocument/2006/relationships" xmlns:p="http://schemas.openxmlformats.org/presentationml/2006/main">
+  <p:cSld>
+    <p:bg>
+      <p:bgPr>
+        <a:solidFill>
+          <a:schemeClr val="bg1"/>
+        </a:solidFill>
+        <a:effectLst/>
+      </p:bgPr>
+    </p:bg>
+    <p:spTree>
+      <p:nvGrpSpPr>
+        <p:cNvPr id="1" name=""/>
+        <p:cNvGrpSpPr/>
+        <p:nvPr/>
+      </p:nvGrpSpPr>
+      <p:grpSpPr>
+        <a:xfrm>
+          <a:off x="0" y="0"/>
+          <a:ext cx="0" cy="0"/>
+          <a:chOff x="0" y="0"/>
+          <a:chExt cx="0" cy="0"/>
+        </a:xfrm>
+      </p:grpSpPr>
+      <p:sp useBgFill="1">
+        <p:nvSpPr>
+          <p:cNvPr id="50" name="Rectangle 49">
+            <a:extLst>
+              <a:ext uri="{FF2B5EF4-FFF2-40B4-BE49-F238E27FC236}">
+                <a16:creationId xmlns:a16="http://schemas.microsoft.com/office/drawing/2014/main" id="{2C9A9DA9-7DC8-488B-A882-123947B0F3D9}"/>
+              </a:ext>
+              <a:ext uri="{C183D7F6-B498-43B3-948B-1728B52AA6E4}">
+                <adec:decorative xmlns:adec="http://schemas.microsoft.com/office/drawing/2017/decorative" val="1"/>
+              </a:ext>
+            </a:extLst>
+          </p:cNvPr>
+          <p:cNvSpPr>
+            <a:spLocks noGrp="1" noRot="1" noChangeAspect="1" noMove="1" noResize="1" noEditPoints="1" noAdjustHandles="1" noChangeArrowheads="1" noChangeShapeType="1" noTextEdit="1"/>
+          </p:cNvSpPr>
+          <p:nvPr>
+            <p:extLst>
+              <p:ext uri="{386F3935-93C4-4BCD-93E2-E3B085C9AB24}">
+                <p16:designElem xmlns:p16="http://schemas.microsoft.com/office/powerpoint/2015/main" val="1"/>
+              </p:ext>
+            </p:extLst>
+          </p:nvPr>
+        </p:nvSpPr>
+        <p:spPr>
+          <a:xfrm>
+            <a:off x="0" y="0"/>
+            <a:ext cx="12192000" cy="6858000"/>
+          </a:xfrm>
+          <a:prstGeom prst="rect">
+            <a:avLst/>
+          </a:prstGeom>
+          <a:ln>
+            <a:noFill/>
+          </a:ln>
+        </p:spPr>
+        <p:style>
+          <a:lnRef idx="2">
+            <a:schemeClr val="accent1">
+              <a:shade val="50000"/>
+            </a:schemeClr>
+          </a:lnRef>
+          <a:fillRef idx="1">
+            <a:schemeClr val="accent1"/>
+          </a:fillRef>
+          <a:effectRef idx="0">
+            <a:schemeClr val="accent1"/>
+          </a:effectRef>
+          <a:fontRef idx="minor">
+            <a:schemeClr val="lt1"/>
+          </a:fontRef>
+        </p:style>
+        <p:txBody>
+          <a:bodyPr rtlCol="0" anchor="ctr"/>
+          <a:lstStyle/>
+          <a:p>
+            <a:pPr algn="ctr"/>
+            <a:endParaRPr lang="en-US"/>
+          </a:p>
+        </p:txBody>
+      </p:sp>
+      <p:sp useBgFill="1">
+        <p:nvSpPr>
+          <p:cNvPr id="52" name="Rectangle 51">
+            <a:extLst>
+              <a:ext uri="{FF2B5EF4-FFF2-40B4-BE49-F238E27FC236}">
+                <a16:creationId xmlns:a16="http://schemas.microsoft.com/office/drawing/2014/main" id="{57F6BDD4-E066-4008-8011-6CC31AEB4556}"/>
+              </a:ext>
+              <a:ext uri="{C183D7F6-B498-43B3-948B-1728B52AA6E4}">
+                <adec:decorative xmlns:adec="http://schemas.microsoft.com/office/drawing/2017/decorative" val="1"/>
+              </a:ext>
+            </a:extLst>
+          </p:cNvPr>
+          <p:cNvSpPr>
+            <a:spLocks noGrp="1" noRot="1" noChangeAspect="1" noMove="1" noResize="1" noEditPoints="1" noAdjustHandles="1" noChangeArrowheads="1" noChangeShapeType="1" noTextEdit="1"/>
+          </p:cNvSpPr>
+          <p:nvPr>
+            <p:extLst>
+              <p:ext uri="{386F3935-93C4-4BCD-93E2-E3B085C9AB24}">
+                <p16:designElem xmlns:p16="http://schemas.microsoft.com/office/powerpoint/2015/main" val="1"/>
+              </p:ext>
+            </p:extLst>
+          </p:nvPr>
+        </p:nvSpPr>
+        <p:spPr>
+          <a:xfrm>
+            <a:off x="409575" y="633619"/>
+            <a:ext cx="4279383" cy="5495925"/>
+          </a:xfrm>
+          <a:prstGeom prst="rect">
+            <a:avLst/>
+          </a:prstGeom>
+          <a:ln w="9525">
+            <a:solidFill>
+              <a:schemeClr val="tx2">
+                <a:lumMod val="10000"/>
+                <a:lumOff val="90000"/>
+              </a:schemeClr>
+            </a:solidFill>
+          </a:ln>
+          <a:effectLst>
+            <a:outerShdw blurRad="50800" dist="38100" dir="2700000" algn="tl" rotWithShape="0">
+              <a:schemeClr val="bg1">
+                <a:lumMod val="85000"/>
+                <a:alpha val="30000"/>
+              </a:schemeClr>
+            </a:outerShdw>
+          </a:effectLst>
+        </p:spPr>
+        <p:style>
+          <a:lnRef idx="2">
+            <a:schemeClr val="accent1">
+              <a:shade val="50000"/>
+            </a:schemeClr>
+          </a:lnRef>
+          <a:fillRef idx="1">
+            <a:schemeClr val="accent1"/>
+          </a:fillRef>
+          <a:effectRef idx="0">
+            <a:schemeClr val="accent1"/>
+          </a:effectRef>
+          <a:fontRef idx="minor">
+            <a:schemeClr val="lt1"/>
+          </a:fontRef>
+        </p:style>
+        <p:txBody>
+          <a:bodyPr rtlCol="0" anchor="ctr"/>
+          <a:lstStyle/>
+          <a:p>
+            <a:pPr marL="0" marR="0" lvl="0" indent="0" algn="ctr" defTabSz="914400" rtl="0" eaLnBrk="1" fontAlgn="auto" latinLnBrk="0" hangingPunct="1">
+              <a:lnSpc>
+                <a:spcPct val="100000"/>
+              </a:lnSpc>
+              <a:spcBef>
+                <a:spcPts val="0"/>
+              </a:spcBef>
+              <a:spcAft>
+                <a:spcPts val="0"/>
+              </a:spcAft>
+              <a:buClrTx/>
+              <a:buSzTx/>
+              <a:buFontTx/>
+              <a:buNone/>
+              <a:tabLst/>
+              <a:defRPr/>
+            </a:pPr>
+            <a:endParaRPr kumimoji="0" lang="en-US" sz="1800" b="0" i="0" u="none" strike="noStrike" kern="1200" cap="none" spc="0" normalizeH="0" baseline="0" noProof="0">
+              <a:ln>
+                <a:noFill/>
+              </a:ln>
+              <a:solidFill>
+                <a:prstClr val="white"/>
+              </a:solidFill>
+              <a:effectLst/>
+              <a:uLnTx/>
+              <a:uFillTx/>
+              <a:latin typeface="Calibri" panose="020F0502020204030204"/>
+              <a:ea typeface="+mn-ea"/>
+              <a:cs typeface="+mn-cs"/>
+            </a:endParaRPr>
+          </a:p>
+        </p:txBody>
+      </p:sp>
+      <p:sp>
+        <p:nvSpPr>
+          <p:cNvPr id="2" name="Title 1">
+            <a:extLst>
+              <a:ext uri="{FF2B5EF4-FFF2-40B4-BE49-F238E27FC236}">
+                <a16:creationId xmlns:a16="http://schemas.microsoft.com/office/drawing/2014/main" id="{54ADA480-6AB0-844F-9E88-B8120036CC75}"/>
+              </a:ext>
+            </a:extLst>
+          </p:cNvPr>
+          <p:cNvSpPr>
+            <a:spLocks noGrp="1"/>
+          </p:cNvSpPr>
+          <p:nvPr>
+            <p:ph type="title"/>
+          </p:nvPr>
+        </p:nvSpPr>
+        <p:spPr>
+          <a:xfrm>
+            <a:off x="841247" y="978619"/>
+            <a:ext cx="3410712" cy="1106424"/>
+          </a:xfrm>
+        </p:spPr>
+        <p:txBody>
+          <a:bodyPr vert="horz" lIns="91440" tIns="45720" rIns="91440" bIns="45720" rtlCol="0" anchor="ctr">
+            <a:normAutofit/>
+          </a:bodyPr>
+          <a:lstStyle/>
+          <a:p>
+            <a:r>
+              <a:rPr lang="en-US" sz="2800" b="1" dirty="0"/>
+              <a:t>K-Means (III): </a:t>
+            </a:r>
+            <a:br>
+              <a:rPr lang="en-US" sz="2800" b="1" dirty="0"/>
+            </a:br>
+            <a:r>
+              <a:rPr lang="en-US" sz="2800" dirty="0" err="1"/>
+              <a:t>Barock</a:t>
+            </a:r>
+            <a:r>
+              <a:rPr lang="en-US" sz="2800" dirty="0"/>
+              <a:t>/</a:t>
+            </a:r>
+            <a:r>
+              <a:rPr lang="en-US" sz="2800" dirty="0" err="1"/>
+              <a:t>Realismus</a:t>
+            </a:r>
+            <a:endParaRPr lang="en-US" sz="2800" dirty="0"/>
+          </a:p>
+        </p:txBody>
+      </p:sp>
+      <p:sp>
+        <p:nvSpPr>
+          <p:cNvPr id="54" name="Rectangle 53">
+            <a:extLst>
+              <a:ext uri="{FF2B5EF4-FFF2-40B4-BE49-F238E27FC236}">
+                <a16:creationId xmlns:a16="http://schemas.microsoft.com/office/drawing/2014/main" id="{2711A8FB-68FC-45FC-B01E-38F809E2D439}"/>
+              </a:ext>
+              <a:ext uri="{C183D7F6-B498-43B3-948B-1728B52AA6E4}">
+                <adec:decorative xmlns:adec="http://schemas.microsoft.com/office/drawing/2017/decorative" val="1"/>
+              </a:ext>
+            </a:extLst>
+          </p:cNvPr>
+          <p:cNvSpPr>
+            <a:spLocks noGrp="1" noRot="1" noChangeAspect="1" noMove="1" noResize="1" noEditPoints="1" noAdjustHandles="1" noChangeArrowheads="1" noChangeShapeType="1" noTextEdit="1"/>
+          </p:cNvSpPr>
+          <p:nvPr>
+            <p:extLst>
+              <p:ext uri="{386F3935-93C4-4BCD-93E2-E3B085C9AB24}">
+                <p16:designElem xmlns:p16="http://schemas.microsoft.com/office/powerpoint/2015/main" val="1"/>
+              </p:ext>
+            </p:extLst>
+          </p:nvPr>
+        </p:nvSpPr>
+        <p:spPr>
+          <a:xfrm>
+            <a:off x="345567" y="1171300"/>
+            <a:ext cx="128016" cy="704088"/>
+          </a:xfrm>
+          <a:prstGeom prst="rect">
+            <a:avLst/>
+          </a:prstGeom>
+          <a:solidFill>
+            <a:schemeClr val="accent1"/>
+          </a:solidFill>
+          <a:ln>
+            <a:noFill/>
+          </a:ln>
+        </p:spPr>
+        <p:style>
+          <a:lnRef idx="2">
+            <a:schemeClr val="accent1">
+              <a:shade val="50000"/>
+            </a:schemeClr>
+          </a:lnRef>
+          <a:fillRef idx="1">
+            <a:schemeClr val="accent1"/>
+          </a:fillRef>
+          <a:effectRef idx="0">
+            <a:schemeClr val="accent1"/>
+          </a:effectRef>
+          <a:fontRef idx="minor">
+            <a:schemeClr val="lt1"/>
+          </a:fontRef>
+        </p:style>
+        <p:txBody>
+          <a:bodyPr rtlCol="0" anchor="ctr"/>
+          <a:lstStyle/>
+          <a:p>
+            <a:pPr marL="0" marR="0" lvl="0" indent="0" algn="ctr" defTabSz="914400" rtl="0" eaLnBrk="1" fontAlgn="auto" latinLnBrk="0" hangingPunct="1">
+              <a:lnSpc>
+                <a:spcPct val="100000"/>
+              </a:lnSpc>
+              <a:spcBef>
+                <a:spcPts val="0"/>
+              </a:spcBef>
+              <a:spcAft>
+                <a:spcPts val="0"/>
+              </a:spcAft>
+              <a:buClrTx/>
+              <a:buSzTx/>
+              <a:buFontTx/>
+              <a:buNone/>
+              <a:tabLst/>
+              <a:defRPr/>
+            </a:pPr>
+            <a:endParaRPr kumimoji="0" lang="en-US" sz="1800" b="0" i="0" u="none" strike="noStrike" kern="1200" cap="none" spc="0" normalizeH="0" baseline="0" noProof="0">
+              <a:ln>
+                <a:noFill/>
+              </a:ln>
+              <a:solidFill>
+                <a:prstClr val="white"/>
+              </a:solidFill>
+              <a:effectLst/>
+              <a:uLnTx/>
+              <a:uFillTx/>
+              <a:latin typeface="Calibri" panose="020F0502020204030204"/>
+              <a:ea typeface="+mn-ea"/>
+              <a:cs typeface="+mn-cs"/>
+            </a:endParaRPr>
+          </a:p>
+        </p:txBody>
+      </p:sp>
+      <p:sp>
+        <p:nvSpPr>
+          <p:cNvPr id="56" name="Rectangle 55">
+            <a:extLst>
+              <a:ext uri="{FF2B5EF4-FFF2-40B4-BE49-F238E27FC236}">
+                <a16:creationId xmlns:a16="http://schemas.microsoft.com/office/drawing/2014/main" id="{2A865FE3-5FC9-4049-87CF-30019C46C0F5}"/>
+              </a:ext>
+              <a:ext uri="{C183D7F6-B498-43B3-948B-1728B52AA6E4}">
+                <adec:decorative xmlns:adec="http://schemas.microsoft.com/office/drawing/2017/decorative" val="1"/>
+              </a:ext>
+            </a:extLst>
+          </p:cNvPr>
+          <p:cNvSpPr>
+            <a:spLocks noGrp="1" noRot="1" noChangeAspect="1" noMove="1" noResize="1" noEditPoints="1" noAdjustHandles="1" noChangeArrowheads="1" noChangeShapeType="1" noTextEdit="1"/>
+          </p:cNvSpPr>
+          <p:nvPr>
+            <p:extLst>
+              <p:ext uri="{386F3935-93C4-4BCD-93E2-E3B085C9AB24}">
+                <p16:designElem xmlns:p16="http://schemas.microsoft.com/office/powerpoint/2015/main" val="1"/>
+              </p:ext>
+            </p:extLst>
+          </p:nvPr>
+        </p:nvSpPr>
+        <p:spPr>
+          <a:xfrm>
+            <a:off x="877459" y="2093976"/>
+            <a:ext cx="3328416" cy="9144"/>
+          </a:xfrm>
+          <a:prstGeom prst="rect">
+            <a:avLst/>
+          </a:prstGeom>
+          <a:solidFill>
+            <a:schemeClr val="tx2">
+              <a:lumMod val="25000"/>
+              <a:lumOff val="75000"/>
+            </a:schemeClr>
+          </a:solidFill>
+          <a:ln w="3175">
+            <a:noFill/>
+          </a:ln>
+          <a:effectLst/>
+        </p:spPr>
+        <p:style>
+          <a:lnRef idx="2">
+            <a:schemeClr val="accent1">
+              <a:shade val="50000"/>
+            </a:schemeClr>
+          </a:lnRef>
+          <a:fillRef idx="1">
+            <a:schemeClr val="accent1"/>
+          </a:fillRef>
+          <a:effectRef idx="0">
+            <a:schemeClr val="accent1"/>
+          </a:effectRef>
+          <a:fontRef idx="minor">
+            <a:schemeClr val="lt1"/>
+          </a:fontRef>
+        </p:style>
+        <p:txBody>
+          <a:bodyPr rtlCol="0" anchor="ctr"/>
+          <a:lstStyle/>
+          <a:p>
+            <a:pPr marL="0" marR="0" lvl="0" indent="0" algn="ctr" defTabSz="914400" rtl="0" eaLnBrk="1" fontAlgn="auto" latinLnBrk="0" hangingPunct="1">
+              <a:lnSpc>
+                <a:spcPct val="100000"/>
+              </a:lnSpc>
+              <a:spcBef>
+                <a:spcPts val="0"/>
+              </a:spcBef>
+              <a:spcAft>
+                <a:spcPts val="0"/>
+              </a:spcAft>
+              <a:buClrTx/>
+              <a:buSzTx/>
+              <a:buFontTx/>
+              <a:buNone/>
+              <a:tabLst/>
+              <a:defRPr/>
+            </a:pPr>
+            <a:endParaRPr kumimoji="0" lang="en-US" sz="1800" b="0" i="0" u="none" strike="noStrike" kern="1200" cap="none" spc="0" normalizeH="0" baseline="0" noProof="0">
+              <a:ln>
+                <a:noFill/>
+              </a:ln>
+              <a:solidFill>
+                <a:prstClr val="white"/>
+              </a:solidFill>
+              <a:effectLst/>
+              <a:uLnTx/>
+              <a:uFillTx/>
+              <a:latin typeface="Calibri" panose="020F0502020204030204"/>
+              <a:ea typeface="+mn-ea"/>
+              <a:cs typeface="+mn-cs"/>
+            </a:endParaRPr>
+          </a:p>
+        </p:txBody>
+      </p:sp>
+      <p:sp>
+        <p:nvSpPr>
+          <p:cNvPr id="6" name="TextBox 5">
+            <a:extLst>
+              <a:ext uri="{FF2B5EF4-FFF2-40B4-BE49-F238E27FC236}">
+                <a16:creationId xmlns:a16="http://schemas.microsoft.com/office/drawing/2014/main" id="{90F669C5-0123-2348-A259-7BE0C33F2448}"/>
+              </a:ext>
+            </a:extLst>
+          </p:cNvPr>
+          <p:cNvSpPr txBox="1"/>
+          <p:nvPr/>
+        </p:nvSpPr>
+        <p:spPr>
+          <a:xfrm>
+            <a:off x="473583" y="2263628"/>
+            <a:ext cx="4279383" cy="2492867"/>
+          </a:xfrm>
+          <a:prstGeom prst="rect">
+            <a:avLst/>
+          </a:prstGeom>
+        </p:spPr>
+        <p:txBody>
+          <a:bodyPr vert="horz" lIns="91440" tIns="45720" rIns="91440" bIns="45720" rtlCol="0">
+            <a:normAutofit/>
+          </a:bodyPr>
+          <a:lstStyle/>
+          <a:p>
+            <a:pPr>
+              <a:lnSpc>
+                <a:spcPct val="110000"/>
+              </a:lnSpc>
+              <a:spcAft>
+                <a:spcPts val="600"/>
+              </a:spcAft>
+            </a:pPr>
+            <a:r>
+              <a:rPr lang="en-US" sz="2400" b="1" dirty="0"/>
+              <a:t>0 - </a:t>
+            </a:r>
+            <a:r>
+              <a:rPr lang="en-US" sz="2400" b="1" dirty="0" err="1"/>
+              <a:t>Hochbarock</a:t>
+            </a:r>
+            <a:r>
+              <a:rPr lang="en-US" sz="2400" dirty="0"/>
+              <a:t>: 1651-1697</a:t>
+            </a:r>
+            <a:endParaRPr lang="en-US" sz="2400" b="1" dirty="0"/>
+          </a:p>
+          <a:p>
+            <a:pPr>
+              <a:lnSpc>
+                <a:spcPct val="110000"/>
+              </a:lnSpc>
+              <a:spcAft>
+                <a:spcPts val="600"/>
+              </a:spcAft>
+            </a:pPr>
+            <a:r>
+              <a:rPr lang="en-US" sz="2400" b="1" dirty="0"/>
+              <a:t>1 - </a:t>
+            </a:r>
+            <a:r>
+              <a:rPr lang="en-US" sz="2400" b="1" dirty="0" err="1"/>
+              <a:t>Realismus</a:t>
+            </a:r>
+            <a:r>
+              <a:rPr lang="en-US" sz="2400" dirty="0"/>
+              <a:t>:     1849-1899</a:t>
+            </a:r>
+          </a:p>
+          <a:p>
+            <a:pPr>
+              <a:lnSpc>
+                <a:spcPct val="110000"/>
+              </a:lnSpc>
+              <a:spcAft>
+                <a:spcPts val="600"/>
+              </a:spcAft>
+            </a:pPr>
+            <a:r>
+              <a:rPr lang="en-US" sz="2400" b="1" dirty="0"/>
+              <a:t>2 - </a:t>
+            </a:r>
+            <a:r>
+              <a:rPr lang="en-US" sz="2400" b="1" dirty="0" err="1"/>
+              <a:t>Frühbarock</a:t>
+            </a:r>
+            <a:r>
+              <a:rPr lang="en-US" sz="2400" dirty="0"/>
+              <a:t>:   1613-1655</a:t>
+            </a:r>
+          </a:p>
+        </p:txBody>
+      </p:sp>
+      <p:pic>
+        <p:nvPicPr>
+          <p:cNvPr id="9" name="Picture 8" descr="A screenshot of a cell phone&#10;&#10;Description automatically generated">
+            <a:extLst>
+              <a:ext uri="{FF2B5EF4-FFF2-40B4-BE49-F238E27FC236}">
+                <a16:creationId xmlns:a16="http://schemas.microsoft.com/office/drawing/2014/main" id="{3237CAFE-0E24-3042-9679-8D0B9A23F59A}"/>
+              </a:ext>
+            </a:extLst>
+          </p:cNvPr>
+          <p:cNvPicPr>
+            <a:picLocks noChangeAspect="1"/>
+          </p:cNvPicPr>
+          <p:nvPr/>
+        </p:nvPicPr>
+        <p:blipFill rotWithShape="1">
+          <a:blip r:embed="rId3"/>
+          <a:srcRect l="10590" t="5472" r="16840" b="10324"/>
+          <a:stretch/>
+        </p:blipFill>
+        <p:spPr>
+          <a:xfrm>
+            <a:off x="4688958" y="461825"/>
+            <a:ext cx="7439034" cy="5934350"/>
+          </a:xfrm>
+          <a:prstGeom prst="rect">
+            <a:avLst/>
+          </a:prstGeom>
+        </p:spPr>
+      </p:pic>
+    </p:spTree>
+    <p:extLst>
+      <p:ext uri="{BB962C8B-B14F-4D97-AF65-F5344CB8AC3E}">
+        <p14:creationId xmlns:p14="http://schemas.microsoft.com/office/powerpoint/2010/main" val="1664955814"/>
+      </p:ext>
+    </p:extLst>
+  </p:cSld>
+  <p:clrMapOvr>
+    <a:masterClrMapping/>
+  </p:clrMapOvr>
+</p:sld>
+</file>
+
+<file path=ppt/slides/slide29.xml><?xml version="1.0" encoding="utf-8"?>
+<p:sld xmlns:a="http://schemas.openxmlformats.org/drawingml/2006/main" xmlns:r="http://schemas.openxmlformats.org/officeDocument/2006/relationships" xmlns:p="http://schemas.openxmlformats.org/presentationml/2006/main">
+  <p:cSld>
+    <p:bg>
+      <p:bgPr>
+        <a:solidFill>
+          <a:schemeClr val="bg1"/>
+        </a:solidFill>
+        <a:effectLst/>
+      </p:bgPr>
+    </p:bg>
+    <p:spTree>
+      <p:nvGrpSpPr>
+        <p:cNvPr id="1" name=""/>
+        <p:cNvGrpSpPr/>
+        <p:nvPr/>
+      </p:nvGrpSpPr>
+      <p:grpSpPr>
+        <a:xfrm>
+          <a:off x="0" y="0"/>
+          <a:ext cx="0" cy="0"/>
+          <a:chOff x="0" y="0"/>
+          <a:chExt cx="0" cy="0"/>
+        </a:xfrm>
+      </p:grpSpPr>
+      <p:sp>
+        <p:nvSpPr>
+          <p:cNvPr id="41" name="Rectangle 26">
+            <a:extLst>
+              <a:ext uri="{FF2B5EF4-FFF2-40B4-BE49-F238E27FC236}">
+                <a16:creationId xmlns:a16="http://schemas.microsoft.com/office/drawing/2014/main" id="{8D06CE56-3881-4ADA-8CEF-D18B02C242A3}"/>
+              </a:ext>
+              <a:ext uri="{C183D7F6-B498-43B3-948B-1728B52AA6E4}">
+                <adec:decorative xmlns:adec="http://schemas.microsoft.com/office/drawing/2017/decorative" val="1"/>
+              </a:ext>
+            </a:extLst>
+          </p:cNvPr>
+          <p:cNvSpPr>
+            <a:spLocks noGrp="1" noRot="1" noChangeAspect="1" noMove="1" noResize="1" noEditPoints="1" noAdjustHandles="1" noChangeArrowheads="1" noChangeShapeType="1" noTextEdit="1"/>
+          </p:cNvSpPr>
+          <p:nvPr>
+            <p:extLst>
+              <p:ext uri="{386F3935-93C4-4BCD-93E2-E3B085C9AB24}">
+                <p16:designElem xmlns:p16="http://schemas.microsoft.com/office/powerpoint/2015/main" val="1"/>
+              </p:ext>
+            </p:extLst>
+          </p:nvPr>
+        </p:nvSpPr>
+        <p:spPr>
+          <a:xfrm rot="5400000">
+            <a:off x="857544" y="346791"/>
+            <a:ext cx="146304" cy="704088"/>
+          </a:xfrm>
+          <a:prstGeom prst="rect">
+            <a:avLst/>
+          </a:prstGeom>
+          <a:solidFill>
+            <a:schemeClr val="accent1"/>
+          </a:solidFill>
+          <a:ln>
+            <a:noFill/>
+          </a:ln>
+        </p:spPr>
+        <p:style>
+          <a:lnRef idx="2">
+            <a:schemeClr val="accent1">
+              <a:shade val="50000"/>
+            </a:schemeClr>
+          </a:lnRef>
+          <a:fillRef idx="1">
+            <a:schemeClr val="accent1"/>
+          </a:fillRef>
+          <a:effectRef idx="0">
+            <a:schemeClr val="accent1"/>
+          </a:effectRef>
+          <a:fontRef idx="minor">
+            <a:schemeClr val="lt1"/>
+          </a:fontRef>
+        </p:style>
+        <p:txBody>
+          <a:bodyPr rtlCol="0" anchor="ctr"/>
+          <a:lstStyle/>
+          <a:p>
+            <a:pPr marL="0" marR="0" lvl="0" indent="0" algn="ctr" defTabSz="914400" rtl="0" eaLnBrk="1" fontAlgn="auto" latinLnBrk="0" hangingPunct="1">
+              <a:lnSpc>
+                <a:spcPct val="100000"/>
+              </a:lnSpc>
+              <a:spcBef>
+                <a:spcPts val="0"/>
+              </a:spcBef>
+              <a:spcAft>
+                <a:spcPts val="0"/>
+              </a:spcAft>
+              <a:buClrTx/>
+              <a:buSzTx/>
+              <a:buFontTx/>
+              <a:buNone/>
+              <a:tabLst/>
+              <a:defRPr/>
+            </a:pPr>
+            <a:endParaRPr kumimoji="0" lang="en-US" sz="1800" b="0" i="0" u="none" strike="noStrike" kern="1200" cap="none" spc="0" normalizeH="0" baseline="0" noProof="0">
+              <a:ln>
+                <a:noFill/>
+              </a:ln>
+              <a:solidFill>
+                <a:prstClr val="white"/>
+              </a:solidFill>
+              <a:effectLst/>
+              <a:uLnTx/>
+              <a:uFillTx/>
+              <a:latin typeface="Calibri" panose="020F0502020204030204"/>
+              <a:ea typeface="+mn-ea"/>
+              <a:cs typeface="+mn-cs"/>
+            </a:endParaRPr>
+          </a:p>
+        </p:txBody>
+      </p:sp>
+      <p:sp>
+        <p:nvSpPr>
+          <p:cNvPr id="42" name="Rectangle 28">
+            <a:extLst>
+              <a:ext uri="{FF2B5EF4-FFF2-40B4-BE49-F238E27FC236}">
+                <a16:creationId xmlns:a16="http://schemas.microsoft.com/office/drawing/2014/main" id="{79F3C543-62EC-4433-9C93-A2CD8764E9B4}"/>
+              </a:ext>
+              <a:ext uri="{C183D7F6-B498-43B3-948B-1728B52AA6E4}">
+                <adec:decorative xmlns:adec="http://schemas.microsoft.com/office/drawing/2017/decorative" val="1"/>
+              </a:ext>
+            </a:extLst>
+          </p:cNvPr>
+          <p:cNvSpPr>
+            <a:spLocks noGrp="1" noRot="1" noChangeAspect="1" noMove="1" noResize="1" noEditPoints="1" noAdjustHandles="1" noChangeArrowheads="1" noChangeShapeType="1" noTextEdit="1"/>
+          </p:cNvSpPr>
+          <p:nvPr>
+            <p:extLst>
+              <p:ext uri="{386F3935-93C4-4BCD-93E2-E3B085C9AB24}">
+                <p16:designElem xmlns:p16="http://schemas.microsoft.com/office/powerpoint/2015/main" val="1"/>
+              </p:ext>
+            </p:extLst>
+          </p:nvPr>
+        </p:nvSpPr>
+        <p:spPr>
+          <a:xfrm flipV="1">
+            <a:off x="578652" y="4501201"/>
+            <a:ext cx="11034696" cy="18288"/>
+          </a:xfrm>
+          <a:prstGeom prst="rect">
+            <a:avLst/>
+          </a:prstGeom>
+          <a:solidFill>
+            <a:schemeClr val="tx2">
+              <a:lumMod val="25000"/>
+              <a:lumOff val="75000"/>
+            </a:schemeClr>
+          </a:solidFill>
+          <a:ln w="3175">
+            <a:noFill/>
+          </a:ln>
+          <a:effectLst/>
+        </p:spPr>
+        <p:style>
+          <a:lnRef idx="2">
+            <a:schemeClr val="accent1">
+              <a:shade val="50000"/>
+            </a:schemeClr>
+          </a:lnRef>
+          <a:fillRef idx="1">
+            <a:schemeClr val="accent1"/>
+          </a:fillRef>
+          <a:effectRef idx="0">
+            <a:schemeClr val="accent1"/>
+          </a:effectRef>
+          <a:fontRef idx="minor">
+            <a:schemeClr val="lt1"/>
+          </a:fontRef>
+        </p:style>
+        <p:txBody>
+          <a:bodyPr rtlCol="0" anchor="ctr"/>
+          <a:lstStyle/>
+          <a:p>
+            <a:pPr marL="0" marR="0" lvl="0" indent="0" algn="ctr" defTabSz="914400" rtl="0" eaLnBrk="1" fontAlgn="auto" latinLnBrk="0" hangingPunct="1">
+              <a:lnSpc>
+                <a:spcPct val="100000"/>
+              </a:lnSpc>
+              <a:spcBef>
+                <a:spcPts val="0"/>
+              </a:spcBef>
+              <a:spcAft>
+                <a:spcPts val="0"/>
+              </a:spcAft>
+              <a:buClrTx/>
+              <a:buSzTx/>
+              <a:buFontTx/>
+              <a:buNone/>
+              <a:tabLst/>
+              <a:defRPr/>
+            </a:pPr>
+            <a:endParaRPr kumimoji="0" lang="en-US" sz="1800" b="0" i="0" u="none" strike="noStrike" kern="1200" cap="none" spc="0" normalizeH="0" baseline="0" noProof="0">
+              <a:ln>
+                <a:noFill/>
+              </a:ln>
+              <a:solidFill>
+                <a:prstClr val="white"/>
+              </a:solidFill>
+              <a:effectLst/>
+              <a:uLnTx/>
+              <a:uFillTx/>
+              <a:latin typeface="Calibri" panose="020F0502020204030204"/>
+              <a:ea typeface="+mn-ea"/>
+              <a:cs typeface="+mn-cs"/>
+            </a:endParaRPr>
+          </a:p>
+        </p:txBody>
+      </p:sp>
+      <p:sp useBgFill="1">
+        <p:nvSpPr>
+          <p:cNvPr id="43" name="Rectangle 30">
+            <a:extLst>
+              <a:ext uri="{FF2B5EF4-FFF2-40B4-BE49-F238E27FC236}">
+                <a16:creationId xmlns:a16="http://schemas.microsoft.com/office/drawing/2014/main" id="{68AF5748-FED8-45BA-8631-26D1D10F3246}"/>
+              </a:ext>
+              <a:ext uri="{C183D7F6-B498-43B3-948B-1728B52AA6E4}">
+                <adec:decorative xmlns:adec="http://schemas.microsoft.com/office/drawing/2017/decorative" val="1"/>
+              </a:ext>
+            </a:extLst>
+          </p:cNvPr>
+          <p:cNvSpPr>
+            <a:spLocks noGrp="1" noRot="1" noChangeAspect="1" noMove="1" noResize="1" noEditPoints="1" noAdjustHandles="1" noChangeArrowheads="1" noChangeShapeType="1" noTextEdit="1"/>
+          </p:cNvSpPr>
+          <p:nvPr>
+            <p:extLst>
+              <p:ext uri="{386F3935-93C4-4BCD-93E2-E3B085C9AB24}">
+                <p16:designElem xmlns:p16="http://schemas.microsoft.com/office/powerpoint/2015/main" val="1"/>
+              </p:ext>
+            </p:extLst>
+          </p:nvPr>
+        </p:nvSpPr>
+        <p:spPr>
+          <a:xfrm>
+            <a:off x="0" y="0"/>
+            <a:ext cx="12192000" cy="6858000"/>
+          </a:xfrm>
+          <a:prstGeom prst="rect">
+            <a:avLst/>
+          </a:prstGeom>
+          <a:ln>
+            <a:noFill/>
+          </a:ln>
+        </p:spPr>
+        <p:style>
+          <a:lnRef idx="2">
+            <a:schemeClr val="accent1">
+              <a:shade val="50000"/>
+            </a:schemeClr>
+          </a:lnRef>
+          <a:fillRef idx="1">
+            <a:schemeClr val="accent1"/>
+          </a:fillRef>
+          <a:effectRef idx="0">
+            <a:schemeClr val="accent1"/>
+          </a:effectRef>
+          <a:fontRef idx="minor">
+            <a:schemeClr val="lt1"/>
+          </a:fontRef>
+        </p:style>
+        <p:txBody>
+          <a:bodyPr rtlCol="0" anchor="ctr"/>
+          <a:lstStyle/>
+          <a:p>
+            <a:pPr algn="ctr"/>
+            <a:endParaRPr lang="en-US"/>
+          </a:p>
+        </p:txBody>
+      </p:sp>
+      <p:sp>
+        <p:nvSpPr>
+          <p:cNvPr id="2" name="Title 1">
+            <a:extLst>
+              <a:ext uri="{FF2B5EF4-FFF2-40B4-BE49-F238E27FC236}">
+                <a16:creationId xmlns:a16="http://schemas.microsoft.com/office/drawing/2014/main" id="{54ADA480-6AB0-844F-9E88-B8120036CC75}"/>
+              </a:ext>
+            </a:extLst>
+          </p:cNvPr>
+          <p:cNvSpPr>
+            <a:spLocks noGrp="1"/>
+          </p:cNvSpPr>
+          <p:nvPr>
+            <p:ph type="title"/>
+          </p:nvPr>
+        </p:nvSpPr>
+        <p:spPr>
+          <a:xfrm>
+            <a:off x="477981" y="1122363"/>
+            <a:ext cx="4023360" cy="3204134"/>
+          </a:xfrm>
+        </p:spPr>
+        <p:txBody>
+          <a:bodyPr vert="horz" lIns="91440" tIns="45720" rIns="91440" bIns="45720" rtlCol="0" anchor="b">
+            <a:normAutofit/>
+          </a:bodyPr>
+          <a:lstStyle/>
+          <a:p>
+            <a:r>
+              <a:rPr lang="en-US" sz="3700" b="1" dirty="0"/>
+              <a:t>K-Means (III): </a:t>
+            </a:r>
+            <a:br>
+              <a:rPr lang="en-US" sz="3700" b="1" dirty="0"/>
+            </a:br>
+            <a:r>
+              <a:rPr lang="en-US" sz="3700" dirty="0" err="1"/>
+              <a:t>Barock</a:t>
+            </a:r>
+            <a:r>
+              <a:rPr lang="en-US" sz="3700" dirty="0"/>
+              <a:t>/</a:t>
+            </a:r>
+            <a:r>
+              <a:rPr lang="en-US" sz="3700" dirty="0" err="1"/>
+              <a:t>Realismus</a:t>
+            </a:r>
+            <a:endParaRPr lang="en-US" sz="3700" dirty="0"/>
+          </a:p>
+        </p:txBody>
+      </p:sp>
+      <p:sp>
+        <p:nvSpPr>
+          <p:cNvPr id="44" name="Rectangle 32">
+            <a:extLst>
+              <a:ext uri="{FF2B5EF4-FFF2-40B4-BE49-F238E27FC236}">
+                <a16:creationId xmlns:a16="http://schemas.microsoft.com/office/drawing/2014/main" id="{AF2F604E-43BE-4DC3-B983-E071523364F8}"/>
+              </a:ext>
+              <a:ext uri="{C183D7F6-B498-43B3-948B-1728B52AA6E4}">
+                <adec:decorative xmlns:adec="http://schemas.microsoft.com/office/drawing/2017/decorative" val="1"/>
+              </a:ext>
+            </a:extLst>
+          </p:cNvPr>
+          <p:cNvSpPr>
+            <a:spLocks noGrp="1" noRot="1" noChangeAspect="1" noMove="1" noResize="1" noEditPoints="1" noAdjustHandles="1" noChangeArrowheads="1" noChangeShapeType="1" noTextEdit="1"/>
+          </p:cNvSpPr>
+          <p:nvPr>
+            <p:extLst>
+              <p:ext uri="{386F3935-93C4-4BCD-93E2-E3B085C9AB24}">
+                <p16:designElem xmlns:p16="http://schemas.microsoft.com/office/powerpoint/2015/main" val="1"/>
+              </p:ext>
+            </p:extLst>
+          </p:nvPr>
+        </p:nvSpPr>
+        <p:spPr>
+          <a:xfrm rot="5400000">
+            <a:off x="759921" y="346791"/>
+            <a:ext cx="146304" cy="704088"/>
+          </a:xfrm>
+          <a:prstGeom prst="rect">
+            <a:avLst/>
+          </a:prstGeom>
+          <a:solidFill>
+            <a:schemeClr val="accent1"/>
+          </a:solidFill>
+          <a:ln>
+            <a:noFill/>
+          </a:ln>
+        </p:spPr>
+        <p:style>
+          <a:lnRef idx="2">
+            <a:schemeClr val="accent1">
+              <a:shade val="50000"/>
+            </a:schemeClr>
+          </a:lnRef>
+          <a:fillRef idx="1">
+            <a:schemeClr val="accent1"/>
+          </a:fillRef>
+          <a:effectRef idx="0">
+            <a:schemeClr val="accent1"/>
+          </a:effectRef>
+          <a:fontRef idx="minor">
+            <a:schemeClr val="lt1"/>
+          </a:fontRef>
+        </p:style>
+        <p:txBody>
+          <a:bodyPr rtlCol="0" anchor="ctr"/>
+          <a:lstStyle/>
+          <a:p>
+            <a:pPr marL="0" marR="0" lvl="0" indent="0" algn="ctr" defTabSz="914400" rtl="0" eaLnBrk="1" fontAlgn="auto" latinLnBrk="0" hangingPunct="1">
+              <a:lnSpc>
+                <a:spcPct val="100000"/>
+              </a:lnSpc>
+              <a:spcBef>
+                <a:spcPts val="0"/>
+              </a:spcBef>
+              <a:spcAft>
+                <a:spcPts val="0"/>
+              </a:spcAft>
+              <a:buClrTx/>
+              <a:buSzTx/>
+              <a:buFontTx/>
+              <a:buNone/>
+              <a:tabLst/>
+              <a:defRPr/>
+            </a:pPr>
+            <a:endParaRPr kumimoji="0" lang="en-US" sz="1800" b="0" i="0" u="none" strike="noStrike" kern="1200" cap="none" spc="0" normalizeH="0" baseline="0" noProof="0">
+              <a:ln>
+                <a:noFill/>
+              </a:ln>
+              <a:solidFill>
+                <a:prstClr val="white"/>
+              </a:solidFill>
+              <a:effectLst/>
+              <a:uLnTx/>
+              <a:uFillTx/>
+              <a:latin typeface="Calibri" panose="020F0502020204030204"/>
+              <a:ea typeface="+mn-ea"/>
+              <a:cs typeface="+mn-cs"/>
+            </a:endParaRPr>
+          </a:p>
+        </p:txBody>
+      </p:sp>
+      <p:sp>
+        <p:nvSpPr>
+          <p:cNvPr id="45" name="Rectangle 34">
+            <a:extLst>
+              <a:ext uri="{FF2B5EF4-FFF2-40B4-BE49-F238E27FC236}">
+                <a16:creationId xmlns:a16="http://schemas.microsoft.com/office/drawing/2014/main" id="{08C9B587-E65E-4B52-B37C-ABEBB6E87928}"/>
+              </a:ext>
+              <a:ext uri="{C183D7F6-B498-43B3-948B-1728B52AA6E4}">
+                <adec:decorative xmlns:adec="http://schemas.microsoft.com/office/drawing/2017/decorative" val="1"/>
+              </a:ext>
+            </a:extLst>
+          </p:cNvPr>
+          <p:cNvSpPr>
+            <a:spLocks noGrp="1" noRot="1" noChangeAspect="1" noMove="1" noResize="1" noEditPoints="1" noAdjustHandles="1" noChangeArrowheads="1" noChangeShapeType="1" noTextEdit="1"/>
+          </p:cNvSpPr>
+          <p:nvPr>
+            <p:extLst>
+              <p:ext uri="{386F3935-93C4-4BCD-93E2-E3B085C9AB24}">
+                <p16:designElem xmlns:p16="http://schemas.microsoft.com/office/powerpoint/2015/main" val="1"/>
+              </p:ext>
+            </p:extLst>
+          </p:nvPr>
+        </p:nvSpPr>
+        <p:spPr>
+          <a:xfrm>
+            <a:off x="481029" y="4546920"/>
+            <a:ext cx="4023360" cy="18288"/>
+          </a:xfrm>
+          <a:prstGeom prst="rect">
+            <a:avLst/>
+          </a:prstGeom>
+          <a:solidFill>
+            <a:schemeClr val="tx2">
+              <a:lumMod val="25000"/>
+              <a:lumOff val="75000"/>
+            </a:schemeClr>
+          </a:solidFill>
+          <a:ln w="3175">
+            <a:noFill/>
+          </a:ln>
+          <a:effectLst/>
+        </p:spPr>
+        <p:style>
+          <a:lnRef idx="2">
+            <a:schemeClr val="accent1">
+              <a:shade val="50000"/>
+            </a:schemeClr>
+          </a:lnRef>
+          <a:fillRef idx="1">
+            <a:schemeClr val="accent1"/>
+          </a:fillRef>
+          <a:effectRef idx="0">
+            <a:schemeClr val="accent1"/>
+          </a:effectRef>
+          <a:fontRef idx="minor">
+            <a:schemeClr val="lt1"/>
+          </a:fontRef>
+        </p:style>
+        <p:txBody>
+          <a:bodyPr rtlCol="0" anchor="ctr"/>
+          <a:lstStyle/>
+          <a:p>
+            <a:pPr marL="0" marR="0" lvl="0" indent="0" algn="ctr" defTabSz="914400" rtl="0" eaLnBrk="1" fontAlgn="auto" latinLnBrk="0" hangingPunct="1">
+              <a:lnSpc>
+                <a:spcPct val="100000"/>
+              </a:lnSpc>
+              <a:spcBef>
+                <a:spcPts val="0"/>
+              </a:spcBef>
+              <a:spcAft>
+                <a:spcPts val="0"/>
+              </a:spcAft>
+              <a:buClrTx/>
+              <a:buSzTx/>
+              <a:buFontTx/>
+              <a:buNone/>
+              <a:tabLst/>
+              <a:defRPr/>
+            </a:pPr>
+            <a:endParaRPr kumimoji="0" lang="en-US" sz="1800" b="0" i="0" u="none" strike="noStrike" kern="1200" cap="none" spc="0" normalizeH="0" baseline="0" noProof="0">
+              <a:ln>
+                <a:noFill/>
+              </a:ln>
+              <a:solidFill>
+                <a:prstClr val="white"/>
+              </a:solidFill>
+              <a:effectLst/>
+              <a:uLnTx/>
+              <a:uFillTx/>
+              <a:latin typeface="Calibri" panose="020F0502020204030204"/>
+              <a:ea typeface="+mn-ea"/>
+              <a:cs typeface="+mn-cs"/>
+            </a:endParaRPr>
+          </a:p>
+        </p:txBody>
+      </p:sp>
+      <p:sp>
+        <p:nvSpPr>
+          <p:cNvPr id="6" name="TextBox 5">
+            <a:extLst>
+              <a:ext uri="{FF2B5EF4-FFF2-40B4-BE49-F238E27FC236}">
+                <a16:creationId xmlns:a16="http://schemas.microsoft.com/office/drawing/2014/main" id="{90F669C5-0123-2348-A259-7BE0C33F2448}"/>
+              </a:ext>
+            </a:extLst>
+          </p:cNvPr>
+          <p:cNvSpPr txBox="1"/>
+          <p:nvPr/>
+        </p:nvSpPr>
+        <p:spPr>
+          <a:xfrm>
+            <a:off x="578652" y="4814888"/>
+            <a:ext cx="3736173" cy="1077218"/>
+          </a:xfrm>
+          <a:prstGeom prst="rect">
+            <a:avLst/>
+          </a:prstGeom>
+          <a:noFill/>
+        </p:spPr>
+        <p:txBody>
+          <a:bodyPr wrap="square" rtlCol="0">
+            <a:spAutoFit/>
+          </a:bodyPr>
+          <a:lstStyle/>
+          <a:p>
+            <a:r>
+              <a:rPr lang="de-DE" sz="3200" b="1" dirty="0" err="1"/>
+              <a:t>ari</a:t>
+            </a:r>
+            <a:r>
+              <a:rPr lang="de-DE" sz="3200" dirty="0"/>
+              <a:t>: 0.83</a:t>
+            </a:r>
+          </a:p>
+          <a:p>
+            <a:r>
+              <a:rPr lang="de-DE" sz="3200" b="1" dirty="0" err="1"/>
+              <a:t>vm</a:t>
+            </a:r>
+            <a:r>
+              <a:rPr lang="de-DE" sz="3200" dirty="0"/>
+              <a:t>: 0.71 </a:t>
+            </a:r>
+          </a:p>
+        </p:txBody>
+      </p:sp>
+      <p:pic>
+        <p:nvPicPr>
+          <p:cNvPr id="11" name="Picture 10" descr="A screenshot of a cell phone&#10;&#10;Description automatically generated">
+            <a:extLst>
+              <a:ext uri="{FF2B5EF4-FFF2-40B4-BE49-F238E27FC236}">
+                <a16:creationId xmlns:a16="http://schemas.microsoft.com/office/drawing/2014/main" id="{798D8B65-E62C-FC4C-9F4F-F24D281658F8}"/>
+              </a:ext>
+            </a:extLst>
+          </p:cNvPr>
+          <p:cNvPicPr>
+            <a:picLocks noChangeAspect="1"/>
+          </p:cNvPicPr>
+          <p:nvPr/>
+        </p:nvPicPr>
+        <p:blipFill rotWithShape="1">
+          <a:blip r:embed="rId3"/>
+          <a:srcRect l="10590" t="5472" r="16840" b="10324"/>
+          <a:stretch/>
+        </p:blipFill>
+        <p:spPr>
+          <a:xfrm>
+            <a:off x="4625629" y="461825"/>
+            <a:ext cx="7439034" cy="5934350"/>
+          </a:xfrm>
+          <a:prstGeom prst="rect">
+            <a:avLst/>
+          </a:prstGeom>
+        </p:spPr>
+      </p:pic>
+    </p:spTree>
+    <p:extLst>
+      <p:ext uri="{BB962C8B-B14F-4D97-AF65-F5344CB8AC3E}">
+        <p14:creationId xmlns:p14="http://schemas.microsoft.com/office/powerpoint/2010/main" val="458308752"/>
+      </p:ext>
+    </p:extLst>
+  </p:cSld>
+  <p:clrMapOvr>
+    <a:masterClrMapping/>
+  </p:clrMapOvr>
+</p:sld>
+</file>
+
+<file path=ppt/slides/slide3.xml><?xml version="1.0" encoding="utf-8"?>
+<p:sld xmlns:a="http://schemas.openxmlformats.org/drawingml/2006/main" xmlns:r="http://schemas.openxmlformats.org/officeDocument/2006/relationships" xmlns:p="http://schemas.openxmlformats.org/presentationml/2006/main">
+  <p:cSld>
+    <p:spTree>
+      <p:nvGrpSpPr>
+        <p:cNvPr id="1" name=""/>
+        <p:cNvGrpSpPr/>
+        <p:nvPr/>
+      </p:nvGrpSpPr>
+      <p:grpSpPr>
+        <a:xfrm>
+          <a:off x="0" y="0"/>
+          <a:ext cx="0" cy="0"/>
+          <a:chOff x="0" y="0"/>
+          <a:chExt cx="0" cy="0"/>
+        </a:xfrm>
+      </p:grpSpPr>
+      <p:sp>
+        <p:nvSpPr>
+          <p:cNvPr id="4" name="Title 3">
+            <a:extLst>
+              <a:ext uri="{FF2B5EF4-FFF2-40B4-BE49-F238E27FC236}">
+                <a16:creationId xmlns:a16="http://schemas.microsoft.com/office/drawing/2014/main" id="{02AE6012-7D63-EA4D-B957-FE20015B7973}"/>
+              </a:ext>
+            </a:extLst>
+          </p:cNvPr>
+          <p:cNvSpPr>
+            <a:spLocks noGrp="1"/>
+          </p:cNvSpPr>
+          <p:nvPr>
+            <p:ph type="title"/>
+          </p:nvPr>
+        </p:nvSpPr>
+        <p:spPr/>
+        <p:txBody>
+          <a:bodyPr/>
+          <a:lstStyle/>
+          <a:p>
+            <a:r>
+              <a:rPr lang="de-DE" b="1" dirty="0"/>
+              <a:t>1.  Epochenbegriff und –	</a:t>
+            </a:r>
+            <a:r>
+              <a:rPr lang="de-DE" b="1" dirty="0" err="1"/>
+              <a:t>einteilung</a:t>
+            </a:r>
+            <a:endParaRPr lang="de-DE" dirty="0"/>
+          </a:p>
+        </p:txBody>
+      </p:sp>
+    </p:spTree>
+    <p:extLst>
+      <p:ext uri="{BB962C8B-B14F-4D97-AF65-F5344CB8AC3E}">
+        <p14:creationId xmlns:p14="http://schemas.microsoft.com/office/powerpoint/2010/main" val="835330337"/>
+      </p:ext>
+    </p:extLst>
+  </p:cSld>
+  <p:clrMapOvr>
+    <a:masterClrMapping/>
+  </p:clrMapOvr>
+</p:sld>
+</file>
+
+<file path=ppt/slides/slide30.xml><?xml version="1.0" encoding="utf-8"?>
+<p:sld xmlns:a="http://schemas.openxmlformats.org/drawingml/2006/main" xmlns:r="http://schemas.openxmlformats.org/officeDocument/2006/relationships" xmlns:p="http://schemas.openxmlformats.org/presentationml/2006/main">
+  <p:cSld>
+    <p:spTree>
+      <p:nvGrpSpPr>
+        <p:cNvPr id="1" name=""/>
+        <p:cNvGrpSpPr/>
+        <p:nvPr/>
+      </p:nvGrpSpPr>
+      <p:grpSpPr>
+        <a:xfrm>
+          <a:off x="0" y="0"/>
+          <a:ext cx="0" cy="0"/>
+          <a:chOff x="0" y="0"/>
+          <a:chExt cx="0" cy="0"/>
+        </a:xfrm>
+      </p:grpSpPr>
+      <p:sp>
+        <p:nvSpPr>
+          <p:cNvPr id="5" name="Title 4">
+            <a:extLst>
+              <a:ext uri="{FF2B5EF4-FFF2-40B4-BE49-F238E27FC236}">
+                <a16:creationId xmlns:a16="http://schemas.microsoft.com/office/drawing/2014/main" id="{3E3FFB06-5C6D-5E47-86E7-69D84771AB3B}"/>
+              </a:ext>
+            </a:extLst>
+          </p:cNvPr>
+          <p:cNvSpPr>
+            <a:spLocks noGrp="1"/>
+          </p:cNvSpPr>
+          <p:nvPr>
+            <p:ph type="title"/>
+          </p:nvPr>
+        </p:nvSpPr>
+        <p:spPr/>
+        <p:txBody>
+          <a:bodyPr/>
+          <a:lstStyle/>
+          <a:p>
+            <a:r>
+              <a:rPr lang="de-DE" dirty="0"/>
+              <a:t>Weitere </a:t>
+            </a:r>
+            <a:r>
+              <a:rPr lang="de-DE" dirty="0" err="1"/>
+              <a:t>To</a:t>
+            </a:r>
+            <a:r>
+              <a:rPr lang="de-DE" dirty="0"/>
+              <a:t>-Dos:</a:t>
+            </a:r>
+          </a:p>
+        </p:txBody>
+      </p:sp>
+      <p:sp>
+        <p:nvSpPr>
+          <p:cNvPr id="6" name="Content Placeholder 5">
+            <a:extLst>
+              <a:ext uri="{FF2B5EF4-FFF2-40B4-BE49-F238E27FC236}">
+                <a16:creationId xmlns:a16="http://schemas.microsoft.com/office/drawing/2014/main" id="{D2A8664A-FE4A-3445-8CA1-BF179C75CBDA}"/>
+              </a:ext>
+            </a:extLst>
+          </p:cNvPr>
+          <p:cNvSpPr>
+            <a:spLocks noGrp="1"/>
+          </p:cNvSpPr>
+          <p:nvPr>
+            <p:ph idx="1"/>
+          </p:nvPr>
+        </p:nvSpPr>
+        <p:spPr/>
+        <p:txBody>
+          <a:bodyPr>
+            <a:normAutofit lnSpcReduction="10000"/>
+          </a:bodyPr>
+          <a:lstStyle/>
+          <a:p>
+            <a:r>
+              <a:rPr lang="de-DE" dirty="0"/>
+              <a:t>Andere Art der Zusammenfassung von Gedichten: Dichter mit mehreren Epochenzuweisungen nach diesen aufteilen</a:t>
+            </a:r>
+          </a:p>
+          <a:p>
+            <a:r>
+              <a:rPr lang="de-DE" b="1" dirty="0"/>
+              <a:t>Noise </a:t>
+            </a:r>
+            <a:r>
+              <a:rPr lang="de-DE" dirty="0"/>
+              <a:t>entdecken durch Hierarchisches Clustering inkl. Epochenzuteilungen</a:t>
+            </a:r>
+          </a:p>
+          <a:p>
+            <a:r>
+              <a:rPr lang="de-DE" dirty="0">
+                <a:sym typeface="Wingdings" pitchFamily="2" charset="2"/>
+              </a:rPr>
+              <a:t>Korpus normalisieren und Experimente durchführen</a:t>
+            </a:r>
+            <a:endParaRPr lang="de-DE" dirty="0"/>
+          </a:p>
+          <a:p>
+            <a:r>
+              <a:rPr lang="de-DE" dirty="0">
+                <a:sym typeface="Wingdings" pitchFamily="2" charset="2"/>
+              </a:rPr>
+              <a:t>Analyse von Gedichten/Dichter, die sich gut </a:t>
+            </a:r>
+            <a:r>
+              <a:rPr lang="de-DE" dirty="0" err="1">
+                <a:sym typeface="Wingdings" pitchFamily="2" charset="2"/>
+              </a:rPr>
+              <a:t>clustern</a:t>
+            </a:r>
+            <a:r>
+              <a:rPr lang="de-DE" dirty="0">
+                <a:sym typeface="Wingdings" pitchFamily="2" charset="2"/>
+              </a:rPr>
+              <a:t> lassen</a:t>
+            </a:r>
+          </a:p>
+          <a:p>
+            <a:r>
+              <a:rPr lang="de-DE" dirty="0">
+                <a:sym typeface="Wingdings" pitchFamily="2" charset="2"/>
+              </a:rPr>
+              <a:t>Topic </a:t>
+            </a:r>
+            <a:r>
+              <a:rPr lang="de-DE" dirty="0" err="1">
+                <a:sym typeface="Wingdings" pitchFamily="2" charset="2"/>
+              </a:rPr>
+              <a:t>Modelling</a:t>
+            </a:r>
+            <a:r>
+              <a:rPr lang="de-DE" dirty="0">
+                <a:sym typeface="Wingdings" pitchFamily="2" charset="2"/>
+              </a:rPr>
+              <a:t> anwenden</a:t>
+            </a:r>
+            <a:endParaRPr lang="de-DE" dirty="0"/>
+          </a:p>
+        </p:txBody>
+      </p:sp>
+    </p:spTree>
+    <p:extLst>
+      <p:ext uri="{BB962C8B-B14F-4D97-AF65-F5344CB8AC3E}">
+        <p14:creationId xmlns:p14="http://schemas.microsoft.com/office/powerpoint/2010/main" val="2994903066"/>
+      </p:ext>
+    </p:extLst>
+  </p:cSld>
+  <p:clrMapOvr>
+    <a:masterClrMapping/>
+  </p:clrMapOvr>
+</p:sld>
+</file>
+
+<file path=ppt/slides/slide31.xml><?xml version="1.0" encoding="utf-8"?>
 <p:sld xmlns:a="http://schemas.openxmlformats.org/drawingml/2006/main" xmlns:r="http://schemas.openxmlformats.org/officeDocument/2006/relationships" xmlns:p="http://schemas.openxmlformats.org/presentationml/2006/main" show="0">
   <p:cSld>
     <p:spTree>
@@ -15233,7 +18213,7 @@
 </p:sld>
 </file>
 
-<file path=ppt/slides/slide27.xml><?xml version="1.0" encoding="utf-8"?>
+<file path=ppt/slides/slide32.xml><?xml version="1.0" encoding="utf-8"?>
 <p:sld xmlns:a="http://schemas.openxmlformats.org/drawingml/2006/main" xmlns:r="http://schemas.openxmlformats.org/officeDocument/2006/relationships" xmlns:p="http://schemas.openxmlformats.org/presentationml/2006/main" show="0">
   <p:cSld>
     <p:bg>
@@ -15719,156 +18699,7 @@
 </p:sld>
 </file>
 
-<file path=ppt/slides/slide28.xml><?xml version="1.0" encoding="utf-8"?>
-<p:sld xmlns:a="http://schemas.openxmlformats.org/drawingml/2006/main" xmlns:r="http://schemas.openxmlformats.org/officeDocument/2006/relationships" xmlns:p="http://schemas.openxmlformats.org/presentationml/2006/main">
-  <p:cSld>
-    <p:spTree>
-      <p:nvGrpSpPr>
-        <p:cNvPr id="1" name=""/>
-        <p:cNvGrpSpPr/>
-        <p:nvPr/>
-      </p:nvGrpSpPr>
-      <p:grpSpPr>
-        <a:xfrm>
-          <a:off x="0" y="0"/>
-          <a:ext cx="0" cy="0"/>
-          <a:chOff x="0" y="0"/>
-          <a:chExt cx="0" cy="0"/>
-        </a:xfrm>
-      </p:grpSpPr>
-      <p:sp>
-        <p:nvSpPr>
-          <p:cNvPr id="5" name="Title 4">
-            <a:extLst>
-              <a:ext uri="{FF2B5EF4-FFF2-40B4-BE49-F238E27FC236}">
-                <a16:creationId xmlns:a16="http://schemas.microsoft.com/office/drawing/2014/main" id="{3E3FFB06-5C6D-5E47-86E7-69D84771AB3B}"/>
-              </a:ext>
-            </a:extLst>
-          </p:cNvPr>
-          <p:cNvSpPr>
-            <a:spLocks noGrp="1"/>
-          </p:cNvSpPr>
-          <p:nvPr>
-            <p:ph type="title"/>
-          </p:nvPr>
-        </p:nvSpPr>
-        <p:spPr/>
-        <p:txBody>
-          <a:bodyPr/>
-          <a:lstStyle/>
-          <a:p>
-            <a:r>
-              <a:rPr lang="de-DE" dirty="0"/>
-              <a:t>Weitere </a:t>
-            </a:r>
-            <a:r>
-              <a:rPr lang="de-DE" dirty="0" err="1"/>
-              <a:t>To</a:t>
-            </a:r>
-            <a:r>
-              <a:rPr lang="de-DE" dirty="0"/>
-              <a:t>-Dos:</a:t>
-            </a:r>
-          </a:p>
-        </p:txBody>
-      </p:sp>
-      <p:sp>
-        <p:nvSpPr>
-          <p:cNvPr id="6" name="Content Placeholder 5">
-            <a:extLst>
-              <a:ext uri="{FF2B5EF4-FFF2-40B4-BE49-F238E27FC236}">
-                <a16:creationId xmlns:a16="http://schemas.microsoft.com/office/drawing/2014/main" id="{D2A8664A-FE4A-3445-8CA1-BF179C75CBDA}"/>
-              </a:ext>
-            </a:extLst>
-          </p:cNvPr>
-          <p:cNvSpPr>
-            <a:spLocks noGrp="1"/>
-          </p:cNvSpPr>
-          <p:nvPr>
-            <p:ph idx="1"/>
-          </p:nvPr>
-        </p:nvSpPr>
-        <p:spPr/>
-        <p:txBody>
-          <a:bodyPr>
-            <a:normAutofit lnSpcReduction="10000"/>
-          </a:bodyPr>
-          <a:lstStyle/>
-          <a:p>
-            <a:r>
-              <a:rPr lang="de-DE" b="1" dirty="0"/>
-              <a:t>Noise </a:t>
-            </a:r>
-            <a:r>
-              <a:rPr lang="de-DE" dirty="0"/>
-              <a:t>entdecken durch Hierarchisches Clustering inkl. Epochenzuteilungen</a:t>
-            </a:r>
-          </a:p>
-          <a:p>
-            <a:r>
-              <a:rPr lang="de-DE" dirty="0"/>
-              <a:t>Gedichte </a:t>
-            </a:r>
-            <a:r>
-              <a:rPr lang="de-DE" b="1" dirty="0"/>
-              <a:t>anreichern</a:t>
-            </a:r>
-            <a:r>
-              <a:rPr lang="de-DE" dirty="0"/>
-              <a:t> </a:t>
-            </a:r>
-            <a:r>
-              <a:rPr lang="de-DE" dirty="0">
-                <a:sym typeface="Wingdings" pitchFamily="2" charset="2"/>
-              </a:rPr>
-              <a:t> Gedichte eines Jahres eines Dichter in einem Gedicht zusammenfassen</a:t>
-            </a:r>
-          </a:p>
-          <a:p>
-            <a:r>
-              <a:rPr lang="de-DE" dirty="0">
-                <a:sym typeface="Wingdings" pitchFamily="2" charset="2"/>
-              </a:rPr>
-              <a:t>Problematische Gedichte finden (Umkehrschluss: Gedichte/Dichter finden, die sich gut </a:t>
-            </a:r>
-            <a:r>
-              <a:rPr lang="de-DE" dirty="0" err="1">
-                <a:sym typeface="Wingdings" pitchFamily="2" charset="2"/>
-              </a:rPr>
-              <a:t>clustern</a:t>
-            </a:r>
-            <a:r>
-              <a:rPr lang="de-DE" dirty="0">
-                <a:sym typeface="Wingdings" pitchFamily="2" charset="2"/>
-              </a:rPr>
-              <a:t> lassen)</a:t>
-            </a:r>
-          </a:p>
-          <a:p>
-            <a:r>
-              <a:rPr lang="de-DE" dirty="0">
-                <a:sym typeface="Wingdings" pitchFamily="2" charset="2"/>
-              </a:rPr>
-              <a:t>Korpus normalisieren und Experimente durchführen</a:t>
-            </a:r>
-            <a:endParaRPr lang="de-DE" dirty="0"/>
-          </a:p>
-        </p:txBody>
-      </p:sp>
-    </p:spTree>
-    <p:extLst>
-      <p:ext uri="{BB962C8B-B14F-4D97-AF65-F5344CB8AC3E}">
-        <p14:creationId xmlns:p14="http://schemas.microsoft.com/office/powerpoint/2010/main" val="2994903066"/>
-      </p:ext>
-    </p:extLst>
-  </p:cSld>
-  <p:clrMapOvr>
-    <a:masterClrMapping/>
-  </p:clrMapOvr>
-</p:sld>
-</file>
-
-<file path=ppt/slides/slide29.xml><?xml version="1.0" encoding="utf-8"?>
+<file path=ppt/slides/slide33.xml><?xml version="1.0" encoding="utf-8"?>
 <p:sld xmlns:a="http://schemas.openxmlformats.org/drawingml/2006/main" xmlns:r="http://schemas.openxmlformats.org/officeDocument/2006/relationships" xmlns:p="http://schemas.openxmlformats.org/presentationml/2006/main" show="0">
   <p:cSld>
     <p:spTree>
@@ -17038,70 +19869,7 @@
 </p:sld>
 </file>
 
-<file path=ppt/slides/slide3.xml><?xml version="1.0" encoding="utf-8"?>
-<p:sld xmlns:a="http://schemas.openxmlformats.org/drawingml/2006/main" xmlns:r="http://schemas.openxmlformats.org/officeDocument/2006/relationships" xmlns:p="http://schemas.openxmlformats.org/presentationml/2006/main">
-  <p:cSld>
-    <p:spTree>
-      <p:nvGrpSpPr>
-        <p:cNvPr id="1" name=""/>
-        <p:cNvGrpSpPr/>
-        <p:nvPr/>
-      </p:nvGrpSpPr>
-      <p:grpSpPr>
-        <a:xfrm>
-          <a:off x="0" y="0"/>
-          <a:ext cx="0" cy="0"/>
-          <a:chOff x="0" y="0"/>
-          <a:chExt cx="0" cy="0"/>
-        </a:xfrm>
-      </p:grpSpPr>
-      <p:sp>
-        <p:nvSpPr>
-          <p:cNvPr id="4" name="Title 3">
-            <a:extLst>
-              <a:ext uri="{FF2B5EF4-FFF2-40B4-BE49-F238E27FC236}">
-                <a16:creationId xmlns:a16="http://schemas.microsoft.com/office/drawing/2014/main" id="{02AE6012-7D63-EA4D-B957-FE20015B7973}"/>
-              </a:ext>
-            </a:extLst>
-          </p:cNvPr>
-          <p:cNvSpPr>
-            <a:spLocks noGrp="1"/>
-          </p:cNvSpPr>
-          <p:nvPr>
-            <p:ph type="title"/>
-          </p:nvPr>
-        </p:nvSpPr>
-        <p:spPr/>
-        <p:txBody>
-          <a:bodyPr/>
-          <a:lstStyle/>
-          <a:p>
-            <a:r>
-              <a:rPr lang="de-DE" b="1" dirty="0"/>
-              <a:t>1.  Epochenbegriff und –	</a:t>
-            </a:r>
-            <a:r>
-              <a:rPr lang="de-DE" b="1" dirty="0" err="1"/>
-              <a:t>einteilung</a:t>
-            </a:r>
-            <a:endParaRPr lang="de-DE" dirty="0"/>
-          </a:p>
-        </p:txBody>
-      </p:sp>
-    </p:spTree>
-    <p:extLst>
-      <p:ext uri="{BB962C8B-B14F-4D97-AF65-F5344CB8AC3E}">
-        <p14:creationId xmlns:p14="http://schemas.microsoft.com/office/powerpoint/2010/main" val="835330337"/>
-      </p:ext>
-    </p:extLst>
-  </p:cSld>
-  <p:clrMapOvr>
-    <a:masterClrMapping/>
-  </p:clrMapOvr>
-</p:sld>
-</file>
-
-<file path=ppt/slides/slide30.xml><?xml version="1.0" encoding="utf-8"?>
+<file path=ppt/slides/slide34.xml><?xml version="1.0" encoding="utf-8"?>
 <p:sld xmlns:a="http://schemas.openxmlformats.org/drawingml/2006/main" xmlns:r="http://schemas.openxmlformats.org/officeDocument/2006/relationships" xmlns:p="http://schemas.openxmlformats.org/presentationml/2006/main">
   <p:cSld>
     <p:spTree>
@@ -18121,17 +20889,24 @@
         </p:nvSpPr>
         <p:spPr/>
         <p:txBody>
-          <a:bodyPr/>
+          <a:bodyPr>
+            <a:normAutofit fontScale="92500"/>
+          </a:bodyPr>
           <a:lstStyle/>
           <a:p>
             <a:r>
               <a:rPr lang="de-DE" dirty="0"/>
-              <a:t>Jahre sind </a:t>
-            </a:r>
-            <a:r>
-              <a:rPr lang="de-DE" b="1" dirty="0"/>
-              <a:t>Erstveröffentlichungsjahr</a:t>
-            </a:r>
+              <a:t>Jahre </a:t>
+            </a:r>
+            <a:r>
+              <a:rPr lang="de-DE"/>
+              <a:t>sind </a:t>
+            </a:r>
+            <a:r>
+              <a:rPr lang="de-DE" b="1"/>
+              <a:t>Erstveröffentlichungsjahre</a:t>
+            </a:r>
+            <a:endParaRPr lang="de-DE" b="1" dirty="0"/>
           </a:p>
           <a:p>
             <a:r>

--- a/presentation/clustering_presentation.pptx
+++ b/presentation/clustering_presentation.pptx
@@ -20896,17 +20896,12 @@
           <a:p>
             <a:r>
               <a:rPr lang="de-DE" dirty="0"/>
-              <a:t>Jahre </a:t>
-            </a:r>
-            <a:r>
-              <a:rPr lang="de-DE"/>
-              <a:t>sind </a:t>
-            </a:r>
-            <a:r>
-              <a:rPr lang="de-DE" b="1"/>
+              <a:t>Jahre sind </a:t>
+            </a:r>
+            <a:r>
+              <a:rPr lang="de-DE" b="1" dirty="0"/>
               <a:t>Erstveröffentlichungsjahre</a:t>
             </a:r>
-            <a:endParaRPr lang="de-DE" b="1" dirty="0"/>
           </a:p>
           <a:p>
             <a:r>

--- a/presentation/clustering_presentation.pptx
+++ b/presentation/clustering_presentation.pptx
@@ -5,7 +5,7 @@
     <p:sldMasterId id="2147483732" r:id="rId1"/>
   </p:sldMasterIdLst>
   <p:notesMasterIdLst>
-    <p:notesMasterId r:id="rId36"/>
+    <p:notesMasterId r:id="rId37"/>
   </p:notesMasterIdLst>
   <p:sldIdLst>
     <p:sldId id="256" r:id="rId2"/>
@@ -19,29 +19,30 @@
     <p:sldId id="264" r:id="rId10"/>
     <p:sldId id="266" r:id="rId11"/>
     <p:sldId id="270" r:id="rId12"/>
-    <p:sldId id="267" r:id="rId13"/>
-    <p:sldId id="291" r:id="rId14"/>
-    <p:sldId id="292" r:id="rId15"/>
-    <p:sldId id="303" r:id="rId16"/>
+    <p:sldId id="291" r:id="rId13"/>
+    <p:sldId id="292" r:id="rId14"/>
+    <p:sldId id="303" r:id="rId15"/>
+    <p:sldId id="323" r:id="rId16"/>
     <p:sldId id="294" r:id="rId17"/>
     <p:sldId id="312" r:id="rId18"/>
-    <p:sldId id="296" r:id="rId19"/>
-    <p:sldId id="308" r:id="rId20"/>
-    <p:sldId id="295" r:id="rId21"/>
-    <p:sldId id="300" r:id="rId22"/>
+    <p:sldId id="324" r:id="rId19"/>
+    <p:sldId id="320" r:id="rId20"/>
+    <p:sldId id="321" r:id="rId21"/>
+    <p:sldId id="322" r:id="rId22"/>
     <p:sldId id="297" r:id="rId23"/>
     <p:sldId id="301" r:id="rId24"/>
     <p:sldId id="309" r:id="rId25"/>
     <p:sldId id="310" r:id="rId26"/>
     <p:sldId id="311" r:id="rId27"/>
-    <p:sldId id="314" r:id="rId28"/>
-    <p:sldId id="315" r:id="rId29"/>
-    <p:sldId id="317" r:id="rId30"/>
-    <p:sldId id="302" r:id="rId31"/>
-    <p:sldId id="305" r:id="rId32"/>
-    <p:sldId id="307" r:id="rId33"/>
-    <p:sldId id="299" r:id="rId34"/>
-    <p:sldId id="304" r:id="rId35"/>
+    <p:sldId id="319" r:id="rId28"/>
+    <p:sldId id="314" r:id="rId29"/>
+    <p:sldId id="315" r:id="rId30"/>
+    <p:sldId id="317" r:id="rId31"/>
+    <p:sldId id="302" r:id="rId32"/>
+    <p:sldId id="305" r:id="rId33"/>
+    <p:sldId id="307" r:id="rId34"/>
+    <p:sldId id="299" r:id="rId35"/>
+    <p:sldId id="304" r:id="rId36"/>
   </p:sldIdLst>
   <p:sldSz cx="12192000" cy="6858000"/>
   <p:notesSz cx="6858000" cy="9144000"/>
@@ -1214,26 +1215,13 @@
           <a:p>
             <a:r>
               <a:rPr lang="de-DE" dirty="0"/>
-              <a:t>ACHTUNG: Jahre sind hier Mittelwerte der Jahre aller Gedichte des Dichters</a:t>
-            </a:r>
-          </a:p>
-          <a:p>
-            <a:r>
-              <a:rPr lang="de-DE" dirty="0"/>
-              <a:t>IN KLAMMERN: Verteilung der Großteil der Jahre</a:t>
-            </a:r>
-          </a:p>
-          <a:p>
-            <a:r>
-              <a:rPr lang="de-DE" dirty="0"/>
-              <a:t>Frühbarock: 1600-1650</a:t>
-            </a:r>
-          </a:p>
-          <a:p>
-            <a:r>
-              <a:rPr lang="de-DE" dirty="0"/>
-              <a:t>Hochbarock: 1650-1700 (1720)</a:t>
-            </a:r>
+              <a:t>Dimensionsreduktion: </a:t>
+            </a:r>
+            <a:r>
+              <a:rPr lang="de-DE" b="1" dirty="0" err="1"/>
+              <a:t>TruncatedSVD</a:t>
+            </a:r>
+            <a:endParaRPr lang="de-DE" b="1" dirty="0"/>
           </a:p>
         </p:txBody>
       </p:sp>
@@ -1254,7 +1242,7 @@
           <a:p>
             <a:fld id="{49FFD0F6-1B54-1D42-B676-41E105B9815E}" type="slidenum">
               <a:rPr lang="de-DE" smtClean="0"/>
-              <a:t>27</a:t>
+              <a:t>25</a:t>
             </a:fld>
             <a:endParaRPr lang="de-DE"/>
           </a:p>
@@ -1263,7 +1251,7 @@
     </p:spTree>
     <p:extLst>
       <p:ext uri="{BB962C8B-B14F-4D97-AF65-F5344CB8AC3E}">
-        <p14:creationId xmlns:p14="http://schemas.microsoft.com/office/powerpoint/2010/main" val="1629050767"/>
+        <p14:creationId xmlns:p14="http://schemas.microsoft.com/office/powerpoint/2010/main" val="1312082211"/>
       </p:ext>
     </p:extLst>
   </p:cSld>
@@ -1317,9 +1305,18 @@
           <a:bodyPr/>
           <a:lstStyle/>
           <a:p>
+            <a:pPr algn="l"/>
             <a:r>
               <a:rPr lang="de-DE" dirty="0"/>
-              <a:t>ACHTUNG: Jahre sind hier Mittelwerte der Jahre aller Gedichte der häufigsten Epoche des Dichters</a:t>
+              <a:t>K-</a:t>
+            </a:r>
+            <a:r>
+              <a:rPr lang="de-DE" dirty="0" err="1"/>
+              <a:t>Means</a:t>
+            </a:r>
+            <a:r>
+              <a:rPr lang="de-DE" dirty="0"/>
+              <a:t> auf hochdimensionale Daten</a:t>
             </a:r>
           </a:p>
         </p:txBody>
@@ -1341,7 +1338,7 @@
           <a:p>
             <a:fld id="{49FFD0F6-1B54-1D42-B676-41E105B9815E}" type="slidenum">
               <a:rPr lang="de-DE" smtClean="0"/>
-              <a:t>28</a:t>
+              <a:t>26</a:t>
             </a:fld>
             <a:endParaRPr lang="de-DE"/>
           </a:p>
@@ -1350,7 +1347,7 @@
     </p:spTree>
     <p:extLst>
       <p:ext uri="{BB962C8B-B14F-4D97-AF65-F5344CB8AC3E}">
-        <p14:creationId xmlns:p14="http://schemas.microsoft.com/office/powerpoint/2010/main" val="1412957019"/>
+        <p14:creationId xmlns:p14="http://schemas.microsoft.com/office/powerpoint/2010/main" val="2134904752"/>
       </p:ext>
     </p:extLst>
   </p:cSld>
@@ -1405,7 +1402,18 @@
           <a:lstStyle/>
           <a:p>
             <a:pPr algn="l"/>
-            <a:endParaRPr lang="de-DE" dirty="0"/>
+            <a:r>
+              <a:rPr lang="de-DE" dirty="0"/>
+              <a:t>K-</a:t>
+            </a:r>
+            <a:r>
+              <a:rPr lang="de-DE" dirty="0" err="1"/>
+              <a:t>Means</a:t>
+            </a:r>
+            <a:r>
+              <a:rPr lang="de-DE" dirty="0"/>
+              <a:t> auf hochdimensionale Daten</a:t>
+            </a:r>
           </a:p>
         </p:txBody>
       </p:sp>
@@ -1426,7 +1434,7 @@
           <a:p>
             <a:fld id="{49FFD0F6-1B54-1D42-B676-41E105B9815E}" type="slidenum">
               <a:rPr lang="de-DE" smtClean="0"/>
-              <a:t>29</a:t>
+              <a:t>27</a:t>
             </a:fld>
             <a:endParaRPr lang="de-DE"/>
           </a:p>
@@ -1435,7 +1443,7 @@
     </p:spTree>
     <p:extLst>
       <p:ext uri="{BB962C8B-B14F-4D97-AF65-F5344CB8AC3E}">
-        <p14:creationId xmlns:p14="http://schemas.microsoft.com/office/powerpoint/2010/main" val="3822682556"/>
+        <p14:creationId xmlns:p14="http://schemas.microsoft.com/office/powerpoint/2010/main" val="3426150485"/>
       </p:ext>
     </p:extLst>
   </p:cSld>
@@ -1491,13 +1499,26 @@
           <a:p>
             <a:r>
               <a:rPr lang="de-DE" dirty="0"/>
-              <a:t>Dimensionsreduktion: </a:t>
-            </a:r>
-            <a:r>
-              <a:rPr lang="de-DE" b="1" dirty="0" err="1"/>
-              <a:t>TruncatedSVD</a:t>
-            </a:r>
-            <a:endParaRPr lang="de-DE" b="1" dirty="0"/>
+              <a:t>ACHTUNG: Jahre sind hier Mittelwerte der Jahre aller Gedichte des Dichters</a:t>
+            </a:r>
+          </a:p>
+          <a:p>
+            <a:r>
+              <a:rPr lang="de-DE" dirty="0"/>
+              <a:t>IN KLAMMERN: Verteilung der Großteil der Jahre</a:t>
+            </a:r>
+          </a:p>
+          <a:p>
+            <a:r>
+              <a:rPr lang="de-DE" dirty="0"/>
+              <a:t>Frühbarock: 1600-1650</a:t>
+            </a:r>
+          </a:p>
+          <a:p>
+            <a:r>
+              <a:rPr lang="de-DE" dirty="0"/>
+              <a:t>Hochbarock: 1650-1700 (1720)</a:t>
+            </a:r>
           </a:p>
         </p:txBody>
       </p:sp>
@@ -1518,7 +1539,271 @@
           <a:p>
             <a:fld id="{49FFD0F6-1B54-1D42-B676-41E105B9815E}" type="slidenum">
               <a:rPr lang="de-DE" smtClean="0"/>
-              <a:t>32</a:t>
+              <a:t>28</a:t>
+            </a:fld>
+            <a:endParaRPr lang="de-DE"/>
+          </a:p>
+        </p:txBody>
+      </p:sp>
+    </p:spTree>
+    <p:extLst>
+      <p:ext uri="{BB962C8B-B14F-4D97-AF65-F5344CB8AC3E}">
+        <p14:creationId xmlns:p14="http://schemas.microsoft.com/office/powerpoint/2010/main" val="1629050767"/>
+      </p:ext>
+    </p:extLst>
+  </p:cSld>
+  <p:clrMapOvr>
+    <a:masterClrMapping/>
+  </p:clrMapOvr>
+</p:notes>
+</file>
+
+<file path=ppt/notesSlides/notesSlide14.xml><?xml version="1.0" encoding="utf-8"?>
+<p:notes xmlns:a="http://schemas.openxmlformats.org/drawingml/2006/main" xmlns:r="http://schemas.openxmlformats.org/officeDocument/2006/relationships" xmlns:p="http://schemas.openxmlformats.org/presentationml/2006/main">
+  <p:cSld>
+    <p:spTree>
+      <p:nvGrpSpPr>
+        <p:cNvPr id="1" name=""/>
+        <p:cNvGrpSpPr/>
+        <p:nvPr/>
+      </p:nvGrpSpPr>
+      <p:grpSpPr>
+        <a:xfrm>
+          <a:off x="0" y="0"/>
+          <a:ext cx="0" cy="0"/>
+          <a:chOff x="0" y="0"/>
+          <a:chExt cx="0" cy="0"/>
+        </a:xfrm>
+      </p:grpSpPr>
+      <p:sp>
+        <p:nvSpPr>
+          <p:cNvPr id="2" name="Slide Image Placeholder 1"/>
+          <p:cNvSpPr>
+            <a:spLocks noGrp="1" noRot="1" noChangeAspect="1"/>
+          </p:cNvSpPr>
+          <p:nvPr>
+            <p:ph type="sldImg"/>
+          </p:nvPr>
+        </p:nvSpPr>
+        <p:spPr/>
+      </p:sp>
+      <p:sp>
+        <p:nvSpPr>
+          <p:cNvPr id="3" name="Notes Placeholder 2"/>
+          <p:cNvSpPr>
+            <a:spLocks noGrp="1"/>
+          </p:cNvSpPr>
+          <p:nvPr>
+            <p:ph type="body" idx="1"/>
+          </p:nvPr>
+        </p:nvSpPr>
+        <p:spPr/>
+        <p:txBody>
+          <a:bodyPr/>
+          <a:lstStyle/>
+          <a:p>
+            <a:r>
+              <a:rPr lang="de-DE" dirty="0"/>
+              <a:t>ACHTUNG: Jahre sind hier Mittelwerte der Jahre aller Gedichte der häufigsten Epoche des Dichters</a:t>
+            </a:r>
+          </a:p>
+        </p:txBody>
+      </p:sp>
+      <p:sp>
+        <p:nvSpPr>
+          <p:cNvPr id="4" name="Slide Number Placeholder 3"/>
+          <p:cNvSpPr>
+            <a:spLocks noGrp="1"/>
+          </p:cNvSpPr>
+          <p:nvPr>
+            <p:ph type="sldNum" sz="quarter" idx="5"/>
+          </p:nvPr>
+        </p:nvSpPr>
+        <p:spPr/>
+        <p:txBody>
+          <a:bodyPr/>
+          <a:lstStyle/>
+          <a:p>
+            <a:fld id="{49FFD0F6-1B54-1D42-B676-41E105B9815E}" type="slidenum">
+              <a:rPr lang="de-DE" smtClean="0"/>
+              <a:t>29</a:t>
+            </a:fld>
+            <a:endParaRPr lang="de-DE"/>
+          </a:p>
+        </p:txBody>
+      </p:sp>
+    </p:spTree>
+    <p:extLst>
+      <p:ext uri="{BB962C8B-B14F-4D97-AF65-F5344CB8AC3E}">
+        <p14:creationId xmlns:p14="http://schemas.microsoft.com/office/powerpoint/2010/main" val="1412957019"/>
+      </p:ext>
+    </p:extLst>
+  </p:cSld>
+  <p:clrMapOvr>
+    <a:masterClrMapping/>
+  </p:clrMapOvr>
+</p:notes>
+</file>
+
+<file path=ppt/notesSlides/notesSlide15.xml><?xml version="1.0" encoding="utf-8"?>
+<p:notes xmlns:a="http://schemas.openxmlformats.org/drawingml/2006/main" xmlns:r="http://schemas.openxmlformats.org/officeDocument/2006/relationships" xmlns:p="http://schemas.openxmlformats.org/presentationml/2006/main">
+  <p:cSld>
+    <p:spTree>
+      <p:nvGrpSpPr>
+        <p:cNvPr id="1" name=""/>
+        <p:cNvGrpSpPr/>
+        <p:nvPr/>
+      </p:nvGrpSpPr>
+      <p:grpSpPr>
+        <a:xfrm>
+          <a:off x="0" y="0"/>
+          <a:ext cx="0" cy="0"/>
+          <a:chOff x="0" y="0"/>
+          <a:chExt cx="0" cy="0"/>
+        </a:xfrm>
+      </p:grpSpPr>
+      <p:sp>
+        <p:nvSpPr>
+          <p:cNvPr id="2" name="Slide Image Placeholder 1"/>
+          <p:cNvSpPr>
+            <a:spLocks noGrp="1" noRot="1" noChangeAspect="1"/>
+          </p:cNvSpPr>
+          <p:nvPr>
+            <p:ph type="sldImg"/>
+          </p:nvPr>
+        </p:nvSpPr>
+        <p:spPr/>
+      </p:sp>
+      <p:sp>
+        <p:nvSpPr>
+          <p:cNvPr id="3" name="Notes Placeholder 2"/>
+          <p:cNvSpPr>
+            <a:spLocks noGrp="1"/>
+          </p:cNvSpPr>
+          <p:nvPr>
+            <p:ph type="body" idx="1"/>
+          </p:nvPr>
+        </p:nvSpPr>
+        <p:spPr/>
+        <p:txBody>
+          <a:bodyPr/>
+          <a:lstStyle/>
+          <a:p>
+            <a:pPr algn="l"/>
+            <a:endParaRPr lang="de-DE" dirty="0"/>
+          </a:p>
+        </p:txBody>
+      </p:sp>
+      <p:sp>
+        <p:nvSpPr>
+          <p:cNvPr id="4" name="Slide Number Placeholder 3"/>
+          <p:cNvSpPr>
+            <a:spLocks noGrp="1"/>
+          </p:cNvSpPr>
+          <p:nvPr>
+            <p:ph type="sldNum" sz="quarter" idx="5"/>
+          </p:nvPr>
+        </p:nvSpPr>
+        <p:spPr/>
+        <p:txBody>
+          <a:bodyPr/>
+          <a:lstStyle/>
+          <a:p>
+            <a:fld id="{49FFD0F6-1B54-1D42-B676-41E105B9815E}" type="slidenum">
+              <a:rPr lang="de-DE" smtClean="0"/>
+              <a:t>30</a:t>
+            </a:fld>
+            <a:endParaRPr lang="de-DE"/>
+          </a:p>
+        </p:txBody>
+      </p:sp>
+    </p:spTree>
+    <p:extLst>
+      <p:ext uri="{BB962C8B-B14F-4D97-AF65-F5344CB8AC3E}">
+        <p14:creationId xmlns:p14="http://schemas.microsoft.com/office/powerpoint/2010/main" val="3822682556"/>
+      </p:ext>
+    </p:extLst>
+  </p:cSld>
+  <p:clrMapOvr>
+    <a:masterClrMapping/>
+  </p:clrMapOvr>
+</p:notes>
+</file>
+
+<file path=ppt/notesSlides/notesSlide16.xml><?xml version="1.0" encoding="utf-8"?>
+<p:notes xmlns:a="http://schemas.openxmlformats.org/drawingml/2006/main" xmlns:r="http://schemas.openxmlformats.org/officeDocument/2006/relationships" xmlns:p="http://schemas.openxmlformats.org/presentationml/2006/main">
+  <p:cSld>
+    <p:spTree>
+      <p:nvGrpSpPr>
+        <p:cNvPr id="1" name=""/>
+        <p:cNvGrpSpPr/>
+        <p:nvPr/>
+      </p:nvGrpSpPr>
+      <p:grpSpPr>
+        <a:xfrm>
+          <a:off x="0" y="0"/>
+          <a:ext cx="0" cy="0"/>
+          <a:chOff x="0" y="0"/>
+          <a:chExt cx="0" cy="0"/>
+        </a:xfrm>
+      </p:grpSpPr>
+      <p:sp>
+        <p:nvSpPr>
+          <p:cNvPr id="2" name="Slide Image Placeholder 1"/>
+          <p:cNvSpPr>
+            <a:spLocks noGrp="1" noRot="1" noChangeAspect="1"/>
+          </p:cNvSpPr>
+          <p:nvPr>
+            <p:ph type="sldImg"/>
+          </p:nvPr>
+        </p:nvSpPr>
+        <p:spPr/>
+      </p:sp>
+      <p:sp>
+        <p:nvSpPr>
+          <p:cNvPr id="3" name="Notes Placeholder 2"/>
+          <p:cNvSpPr>
+            <a:spLocks noGrp="1"/>
+          </p:cNvSpPr>
+          <p:nvPr>
+            <p:ph type="body" idx="1"/>
+          </p:nvPr>
+        </p:nvSpPr>
+        <p:spPr/>
+        <p:txBody>
+          <a:bodyPr/>
+          <a:lstStyle/>
+          <a:p>
+            <a:r>
+              <a:rPr lang="de-DE" dirty="0"/>
+              <a:t>Dimensionsreduktion: </a:t>
+            </a:r>
+            <a:r>
+              <a:rPr lang="de-DE" b="1" dirty="0" err="1"/>
+              <a:t>TruncatedSVD</a:t>
+            </a:r>
+            <a:endParaRPr lang="de-DE" b="1" dirty="0"/>
+          </a:p>
+        </p:txBody>
+      </p:sp>
+      <p:sp>
+        <p:nvSpPr>
+          <p:cNvPr id="4" name="Slide Number Placeholder 3"/>
+          <p:cNvSpPr>
+            <a:spLocks noGrp="1"/>
+          </p:cNvSpPr>
+          <p:nvPr>
+            <p:ph type="sldNum" sz="quarter" idx="5"/>
+          </p:nvPr>
+        </p:nvSpPr>
+        <p:spPr/>
+        <p:txBody>
+          <a:bodyPr/>
+          <a:lstStyle/>
+          <a:p>
+            <a:fld id="{49FFD0F6-1B54-1D42-B676-41E105B9815E}" type="slidenum">
+              <a:rPr lang="de-DE" smtClean="0"/>
+              <a:t>33</a:t>
             </a:fld>
             <a:endParaRPr lang="de-DE"/>
           </a:p>
@@ -1701,35 +1986,19 @@
           <a:bodyPr/>
           <a:lstStyle/>
           <a:p>
-            <a:r>
-              <a:rPr lang="de-DE" b="1" noProof="0" dirty="0" err="1"/>
-              <a:t>Adjusted</a:t>
-            </a:r>
-            <a:r>
-              <a:rPr lang="de-DE" b="1" noProof="0" dirty="0"/>
-              <a:t> Rand Index:</a:t>
-            </a:r>
-          </a:p>
-          <a:p>
             <a:pPr marL="171450" indent="-171450">
               <a:buFont typeface="Arial" panose="020B0604020202020204" pitchFamily="34" charset="0"/>
               <a:buChar char="•"/>
             </a:pPr>
             <a:r>
-              <a:rPr lang="de-DE" noProof="0" dirty="0"/>
-              <a:t>+1: </a:t>
-            </a:r>
-            <a:r>
-              <a:rPr lang="de-DE" sz="1200" b="0" i="0" kern="1200" noProof="0" dirty="0">
-                <a:solidFill>
-                  <a:schemeClr val="tx1"/>
-                </a:solidFill>
-                <a:effectLst/>
-                <a:latin typeface="+mn-lt"/>
-                <a:ea typeface="+mn-ea"/>
-                <a:cs typeface="+mn-cs"/>
+              <a:rPr lang="de-DE" dirty="0"/>
+              <a:t>Dichter mit 5 oder weniger Gedichten wurden entfernt </a:t>
+            </a:r>
+            <a:r>
+              <a:rPr lang="de-DE" dirty="0">
+                <a:sym typeface="Wingdings" pitchFamily="2" charset="2"/>
               </a:rPr>
-              <a:t>sehr gutes Ergebnis</a:t>
+              <a:t> um nicht andere Signale zu erhalten</a:t>
             </a:r>
           </a:p>
           <a:p>
@@ -1738,16 +2007,10 @@
               <a:buChar char="•"/>
             </a:pPr>
             <a:r>
-              <a:rPr lang="de-DE" sz="1200" b="0" i="0" kern="1200" noProof="0" dirty="0">
-                <a:solidFill>
-                  <a:schemeClr val="tx1"/>
-                </a:solidFill>
-                <a:effectLst/>
-                <a:latin typeface="+mn-lt"/>
-                <a:ea typeface="+mn-ea"/>
-                <a:cs typeface="+mn-cs"/>
+              <a:rPr lang="de-DE" dirty="0">
+                <a:sym typeface="Wingdings" pitchFamily="2" charset="2"/>
               </a:rPr>
-              <a:t>0: Zufallsverteilung </a:t>
+              <a:t>Verschiedene Epochen von Gedichten eines Dichters wurden vorher getrennt</a:t>
             </a:r>
           </a:p>
           <a:p>
@@ -1756,184 +2019,12 @@
               <a:buChar char="•"/>
             </a:pPr>
             <a:r>
-              <a:rPr lang="de-DE" sz="1200" b="0" i="0" kern="1200" noProof="0" dirty="0">
-                <a:solidFill>
-                  <a:schemeClr val="tx1"/>
-                </a:solidFill>
-                <a:effectLst/>
-                <a:latin typeface="+mn-lt"/>
-                <a:ea typeface="+mn-ea"/>
-                <a:cs typeface="+mn-cs"/>
+              <a:rPr lang="de-DE" dirty="0">
+                <a:sym typeface="Wingdings" pitchFamily="2" charset="2"/>
               </a:rPr>
-              <a:t>-1: nicht zufälliges, aber falsches </a:t>
-            </a:r>
-            <a:r>
-              <a:rPr lang="de-DE" sz="1200" b="0" i="0" kern="1200" noProof="0" dirty="0" err="1">
-                <a:solidFill>
-                  <a:schemeClr val="tx1"/>
-                </a:solidFill>
-                <a:effectLst/>
-                <a:latin typeface="+mn-lt"/>
-                <a:ea typeface="+mn-ea"/>
-                <a:cs typeface="+mn-cs"/>
-              </a:rPr>
-              <a:t>Labeling</a:t>
-            </a:r>
-            <a:endParaRPr lang="de-DE" sz="1200" b="0" i="0" kern="1200" noProof="0" dirty="0">
-              <a:solidFill>
-                <a:schemeClr val="tx1"/>
-              </a:solidFill>
-              <a:effectLst/>
-              <a:latin typeface="+mn-lt"/>
-              <a:ea typeface="+mn-ea"/>
-              <a:cs typeface="+mn-cs"/>
-            </a:endParaRPr>
-          </a:p>
-          <a:p>
-            <a:pPr marL="171450" indent="-171450">
-              <a:buFont typeface="Arial" panose="020B0604020202020204" pitchFamily="34" charset="0"/>
-              <a:buChar char="•"/>
-            </a:pPr>
-            <a:endParaRPr lang="de-DE" sz="1200" b="0" i="0" kern="1200" noProof="0" dirty="0">
-              <a:solidFill>
-                <a:schemeClr val="tx1"/>
-              </a:solidFill>
-              <a:effectLst/>
-              <a:latin typeface="+mn-lt"/>
-              <a:ea typeface="+mn-ea"/>
-              <a:cs typeface="+mn-cs"/>
-            </a:endParaRPr>
-          </a:p>
-          <a:p>
-            <a:pPr marL="0" indent="0">
-              <a:buFont typeface="Arial" panose="020B0604020202020204" pitchFamily="34" charset="0"/>
-              <a:buNone/>
-            </a:pPr>
-            <a:r>
-              <a:rPr lang="de-DE" sz="1200" b="1" i="0" kern="1200" noProof="0" dirty="0">
-                <a:solidFill>
-                  <a:schemeClr val="tx1"/>
-                </a:solidFill>
-                <a:effectLst/>
-                <a:latin typeface="+mn-lt"/>
-                <a:ea typeface="+mn-ea"/>
-                <a:cs typeface="+mn-cs"/>
-              </a:rPr>
-              <a:t>V-</a:t>
-            </a:r>
-            <a:r>
-              <a:rPr lang="de-DE" sz="1200" b="1" i="0" kern="1200" noProof="0" dirty="0" err="1">
-                <a:solidFill>
-                  <a:schemeClr val="tx1"/>
-                </a:solidFill>
-                <a:effectLst/>
-                <a:latin typeface="+mn-lt"/>
-                <a:ea typeface="+mn-ea"/>
-                <a:cs typeface="+mn-cs"/>
-              </a:rPr>
-              <a:t>Measure</a:t>
-            </a:r>
-            <a:r>
-              <a:rPr lang="de-DE" sz="1200" b="1" i="0" kern="1200" noProof="0" dirty="0">
-                <a:solidFill>
-                  <a:schemeClr val="tx1"/>
-                </a:solidFill>
-                <a:effectLst/>
-                <a:latin typeface="+mn-lt"/>
-                <a:ea typeface="+mn-ea"/>
-                <a:cs typeface="+mn-cs"/>
-              </a:rPr>
-              <a:t>: </a:t>
-            </a:r>
-            <a:r>
-              <a:rPr lang="de-DE" sz="1200" b="0" i="0" kern="1200" noProof="0" dirty="0">
-                <a:solidFill>
-                  <a:schemeClr val="tx1"/>
-                </a:solidFill>
-                <a:effectLst/>
-                <a:latin typeface="+mn-lt"/>
-                <a:ea typeface="+mn-ea"/>
-                <a:cs typeface="+mn-cs"/>
-              </a:rPr>
-              <a:t>Harmonisches Mittel zwischen </a:t>
-            </a:r>
-            <a:r>
-              <a:rPr lang="en-GB" i="1" dirty="0">
-                <a:effectLst/>
-              </a:rPr>
-              <a:t>homogeneity</a:t>
-            </a:r>
-            <a:r>
-              <a:rPr lang="en-GB" dirty="0"/>
-              <a:t> (</a:t>
-            </a:r>
-            <a:r>
-              <a:rPr lang="en-GB" dirty="0" err="1"/>
-              <a:t>wie</a:t>
-            </a:r>
-            <a:r>
-              <a:rPr lang="en-GB" dirty="0"/>
-              <a:t> </a:t>
-            </a:r>
-            <a:r>
-              <a:rPr lang="en-GB" dirty="0" err="1"/>
-              <a:t>homogen</a:t>
-            </a:r>
-            <a:r>
-              <a:rPr lang="en-GB" dirty="0"/>
-              <a:t> </a:t>
-            </a:r>
-            <a:r>
-              <a:rPr lang="en-GB" dirty="0" err="1"/>
-              <a:t>sind</a:t>
-            </a:r>
-            <a:r>
-              <a:rPr lang="en-GB" dirty="0"/>
-              <a:t> Cluster) &amp; </a:t>
-            </a:r>
-            <a:r>
-              <a:rPr lang="en-GB" i="1" dirty="0">
-                <a:effectLst/>
-              </a:rPr>
-              <a:t>completeness</a:t>
-            </a:r>
-            <a:r>
-              <a:rPr lang="en-GB" dirty="0"/>
-              <a:t> (</a:t>
-            </a:r>
-            <a:r>
-              <a:rPr lang="en-GB" dirty="0" err="1"/>
-              <a:t>wie</a:t>
-            </a:r>
-            <a:r>
-              <a:rPr lang="en-GB" dirty="0"/>
-              <a:t> </a:t>
-            </a:r>
-            <a:r>
-              <a:rPr lang="en-GB" dirty="0" err="1"/>
-              <a:t>vollständig</a:t>
-            </a:r>
-            <a:r>
-              <a:rPr lang="en-GB" dirty="0"/>
-              <a:t> </a:t>
-            </a:r>
-            <a:r>
-              <a:rPr lang="en-GB" dirty="0" err="1"/>
-              <a:t>sind</a:t>
-            </a:r>
-            <a:r>
-              <a:rPr lang="en-GB" dirty="0"/>
-              <a:t> Cluster)</a:t>
-            </a:r>
-            <a:endParaRPr lang="de-DE" sz="1200" b="0" i="0" kern="1200" noProof="0" dirty="0">
-              <a:solidFill>
-                <a:schemeClr val="tx1"/>
-              </a:solidFill>
-              <a:effectLst/>
-              <a:latin typeface="+mn-lt"/>
-              <a:ea typeface="+mn-ea"/>
-              <a:cs typeface="+mn-cs"/>
-            </a:endParaRPr>
+              <a:t>Als Erscheinungsjahr wurde der Mittelwerte aller Gedichte des Dichter in der Epoche verwendet</a:t>
+            </a:r>
+            <a:endParaRPr lang="de-DE" dirty="0"/>
           </a:p>
         </p:txBody>
       </p:sp>
@@ -1954,7 +2045,7 @@
           <a:p>
             <a:fld id="{49FFD0F6-1B54-1D42-B676-41E105B9815E}" type="slidenum">
               <a:rPr lang="de-DE" smtClean="0"/>
-              <a:t>16</a:t>
+              <a:t>15</a:t>
             </a:fld>
             <a:endParaRPr lang="de-DE"/>
           </a:p>
@@ -1963,7 +2054,7 @@
     </p:spTree>
     <p:extLst>
       <p:ext uri="{BB962C8B-B14F-4D97-AF65-F5344CB8AC3E}">
-        <p14:creationId xmlns:p14="http://schemas.microsoft.com/office/powerpoint/2010/main" val="1857125067"/>
+        <p14:creationId xmlns:p14="http://schemas.microsoft.com/office/powerpoint/2010/main" val="732517769"/>
       </p:ext>
     </p:extLst>
   </p:cSld>
@@ -2251,9 +2342,6 @@
               <a:cs typeface="+mn-cs"/>
             </a:endParaRPr>
           </a:p>
-          <a:p>
-            <a:endParaRPr lang="de-DE" dirty="0"/>
-          </a:p>
         </p:txBody>
       </p:sp>
       <p:sp>
@@ -2273,7 +2361,7 @@
           <a:p>
             <a:fld id="{49FFD0F6-1B54-1D42-B676-41E105B9815E}" type="slidenum">
               <a:rPr lang="de-DE" smtClean="0"/>
-              <a:t>17</a:t>
+              <a:t>16</a:t>
             </a:fld>
             <a:endParaRPr lang="de-DE"/>
           </a:p>
@@ -2282,7 +2370,7 @@
     </p:spTree>
     <p:extLst>
       <p:ext uri="{BB962C8B-B14F-4D97-AF65-F5344CB8AC3E}">
-        <p14:creationId xmlns:p14="http://schemas.microsoft.com/office/powerpoint/2010/main" val="1549894748"/>
+        <p14:creationId xmlns:p14="http://schemas.microsoft.com/office/powerpoint/2010/main" val="1857125067"/>
       </p:ext>
     </p:extLst>
   </p:cSld>
@@ -2336,6 +2424,241 @@
           <a:bodyPr/>
           <a:lstStyle/>
           <a:p>
+            <a:r>
+              <a:rPr lang="de-DE" b="1" noProof="0" dirty="0" err="1"/>
+              <a:t>Adjusted</a:t>
+            </a:r>
+            <a:r>
+              <a:rPr lang="de-DE" b="1" noProof="0" dirty="0"/>
+              <a:t> Rand Index:</a:t>
+            </a:r>
+          </a:p>
+          <a:p>
+            <a:pPr marL="171450" indent="-171450">
+              <a:buFont typeface="Arial" panose="020B0604020202020204" pitchFamily="34" charset="0"/>
+              <a:buChar char="•"/>
+            </a:pPr>
+            <a:r>
+              <a:rPr lang="de-DE" noProof="0" dirty="0"/>
+              <a:t>+1: </a:t>
+            </a:r>
+            <a:r>
+              <a:rPr lang="de-DE" sz="1200" b="0" i="0" kern="1200" noProof="0" dirty="0">
+                <a:solidFill>
+                  <a:schemeClr val="tx1"/>
+                </a:solidFill>
+                <a:effectLst/>
+                <a:latin typeface="+mn-lt"/>
+                <a:ea typeface="+mn-ea"/>
+                <a:cs typeface="+mn-cs"/>
+              </a:rPr>
+              <a:t>sehr gutes Ergebnis</a:t>
+            </a:r>
+          </a:p>
+          <a:p>
+            <a:pPr marL="171450" indent="-171450">
+              <a:buFont typeface="Arial" panose="020B0604020202020204" pitchFamily="34" charset="0"/>
+              <a:buChar char="•"/>
+            </a:pPr>
+            <a:r>
+              <a:rPr lang="de-DE" sz="1200" b="0" i="0" kern="1200" noProof="0" dirty="0">
+                <a:solidFill>
+                  <a:schemeClr val="tx1"/>
+                </a:solidFill>
+                <a:effectLst/>
+                <a:latin typeface="+mn-lt"/>
+                <a:ea typeface="+mn-ea"/>
+                <a:cs typeface="+mn-cs"/>
+              </a:rPr>
+              <a:t>0: Zufallsverteilung </a:t>
+            </a:r>
+          </a:p>
+          <a:p>
+            <a:pPr marL="171450" indent="-171450">
+              <a:buFont typeface="Arial" panose="020B0604020202020204" pitchFamily="34" charset="0"/>
+              <a:buChar char="•"/>
+            </a:pPr>
+            <a:r>
+              <a:rPr lang="de-DE" sz="1200" b="0" i="0" kern="1200" noProof="0" dirty="0">
+                <a:solidFill>
+                  <a:schemeClr val="tx1"/>
+                </a:solidFill>
+                <a:effectLst/>
+                <a:latin typeface="+mn-lt"/>
+                <a:ea typeface="+mn-ea"/>
+                <a:cs typeface="+mn-cs"/>
+              </a:rPr>
+              <a:t>-1: nicht zufälliges, aber falsches </a:t>
+            </a:r>
+            <a:r>
+              <a:rPr lang="de-DE" sz="1200" b="0" i="0" kern="1200" noProof="0" dirty="0" err="1">
+                <a:solidFill>
+                  <a:schemeClr val="tx1"/>
+                </a:solidFill>
+                <a:effectLst/>
+                <a:latin typeface="+mn-lt"/>
+                <a:ea typeface="+mn-ea"/>
+                <a:cs typeface="+mn-cs"/>
+              </a:rPr>
+              <a:t>Labeling</a:t>
+            </a:r>
+            <a:endParaRPr lang="de-DE" sz="1200" b="0" i="0" kern="1200" noProof="0" dirty="0">
+              <a:solidFill>
+                <a:schemeClr val="tx1"/>
+              </a:solidFill>
+              <a:effectLst/>
+              <a:latin typeface="+mn-lt"/>
+              <a:ea typeface="+mn-ea"/>
+              <a:cs typeface="+mn-cs"/>
+            </a:endParaRPr>
+          </a:p>
+          <a:p>
+            <a:pPr marL="171450" indent="-171450">
+              <a:buFont typeface="Arial" panose="020B0604020202020204" pitchFamily="34" charset="0"/>
+              <a:buChar char="•"/>
+            </a:pPr>
+            <a:endParaRPr lang="de-DE" sz="1200" b="0" i="0" kern="1200" noProof="0" dirty="0">
+              <a:solidFill>
+                <a:schemeClr val="tx1"/>
+              </a:solidFill>
+              <a:effectLst/>
+              <a:latin typeface="+mn-lt"/>
+              <a:ea typeface="+mn-ea"/>
+              <a:cs typeface="+mn-cs"/>
+            </a:endParaRPr>
+          </a:p>
+          <a:p>
+            <a:pPr marL="0" indent="0">
+              <a:buFont typeface="Arial" panose="020B0604020202020204" pitchFamily="34" charset="0"/>
+              <a:buNone/>
+            </a:pPr>
+            <a:r>
+              <a:rPr lang="de-DE" sz="1200" b="1" i="0" kern="1200" noProof="0" dirty="0">
+                <a:solidFill>
+                  <a:schemeClr val="tx1"/>
+                </a:solidFill>
+                <a:effectLst/>
+                <a:latin typeface="+mn-lt"/>
+                <a:ea typeface="+mn-ea"/>
+                <a:cs typeface="+mn-cs"/>
+              </a:rPr>
+              <a:t>V-</a:t>
+            </a:r>
+            <a:r>
+              <a:rPr lang="de-DE" sz="1200" b="1" i="0" kern="1200" noProof="0" dirty="0" err="1">
+                <a:solidFill>
+                  <a:schemeClr val="tx1"/>
+                </a:solidFill>
+                <a:effectLst/>
+                <a:latin typeface="+mn-lt"/>
+                <a:ea typeface="+mn-ea"/>
+                <a:cs typeface="+mn-cs"/>
+              </a:rPr>
+              <a:t>Measure</a:t>
+            </a:r>
+            <a:r>
+              <a:rPr lang="de-DE" sz="1200" b="1" i="0" kern="1200" noProof="0" dirty="0">
+                <a:solidFill>
+                  <a:schemeClr val="tx1"/>
+                </a:solidFill>
+                <a:effectLst/>
+                <a:latin typeface="+mn-lt"/>
+                <a:ea typeface="+mn-ea"/>
+                <a:cs typeface="+mn-cs"/>
+              </a:rPr>
+              <a:t>: </a:t>
+            </a:r>
+            <a:r>
+              <a:rPr lang="de-DE" sz="1200" b="0" i="0" kern="1200" noProof="0" dirty="0">
+                <a:solidFill>
+                  <a:schemeClr val="tx1"/>
+                </a:solidFill>
+                <a:effectLst/>
+                <a:latin typeface="+mn-lt"/>
+                <a:ea typeface="+mn-ea"/>
+                <a:cs typeface="+mn-cs"/>
+              </a:rPr>
+              <a:t>Harmonisches Mittel zwischen </a:t>
+            </a:r>
+            <a:r>
+              <a:rPr lang="en-GB" i="1" dirty="0">
+                <a:effectLst/>
+              </a:rPr>
+              <a:t>homogeneity</a:t>
+            </a:r>
+            <a:r>
+              <a:rPr lang="en-GB" dirty="0"/>
+              <a:t> (</a:t>
+            </a:r>
+            <a:r>
+              <a:rPr lang="en-GB" dirty="0" err="1"/>
+              <a:t>wie</a:t>
+            </a:r>
+            <a:r>
+              <a:rPr lang="en-GB" dirty="0"/>
+              <a:t> </a:t>
+            </a:r>
+            <a:r>
+              <a:rPr lang="en-GB" dirty="0" err="1"/>
+              <a:t>homogen</a:t>
+            </a:r>
+            <a:r>
+              <a:rPr lang="en-GB" dirty="0"/>
+              <a:t> </a:t>
+            </a:r>
+            <a:r>
+              <a:rPr lang="en-GB" dirty="0" err="1"/>
+              <a:t>sind</a:t>
+            </a:r>
+            <a:r>
+              <a:rPr lang="en-GB" dirty="0"/>
+              <a:t> Cluster) &amp; </a:t>
+            </a:r>
+            <a:r>
+              <a:rPr lang="en-GB" i="1" dirty="0">
+                <a:effectLst/>
+              </a:rPr>
+              <a:t>completeness</a:t>
+            </a:r>
+            <a:r>
+              <a:rPr lang="en-GB" dirty="0"/>
+              <a:t> (</a:t>
+            </a:r>
+            <a:r>
+              <a:rPr lang="en-GB" dirty="0" err="1"/>
+              <a:t>wie</a:t>
+            </a:r>
+            <a:r>
+              <a:rPr lang="en-GB" dirty="0"/>
+              <a:t> </a:t>
+            </a:r>
+            <a:r>
+              <a:rPr lang="en-GB" dirty="0" err="1"/>
+              <a:t>vollständig</a:t>
+            </a:r>
+            <a:r>
+              <a:rPr lang="en-GB" dirty="0"/>
+              <a:t> </a:t>
+            </a:r>
+            <a:r>
+              <a:rPr lang="en-GB" dirty="0" err="1"/>
+              <a:t>sind</a:t>
+            </a:r>
+            <a:r>
+              <a:rPr lang="en-GB" dirty="0"/>
+              <a:t> Cluster)</a:t>
+            </a:r>
+            <a:endParaRPr lang="de-DE" sz="1200" b="0" i="0" kern="1200" noProof="0" dirty="0">
+              <a:solidFill>
+                <a:schemeClr val="tx1"/>
+              </a:solidFill>
+              <a:effectLst/>
+              <a:latin typeface="+mn-lt"/>
+              <a:ea typeface="+mn-ea"/>
+              <a:cs typeface="+mn-cs"/>
+            </a:endParaRPr>
+          </a:p>
+          <a:p>
             <a:endParaRPr lang="de-DE" dirty="0"/>
           </a:p>
         </p:txBody>
@@ -2357,7 +2680,7 @@
           <a:p>
             <a:fld id="{49FFD0F6-1B54-1D42-B676-41E105B9815E}" type="slidenum">
               <a:rPr lang="de-DE" smtClean="0"/>
-              <a:t>20</a:t>
+              <a:t>17</a:t>
             </a:fld>
             <a:endParaRPr lang="de-DE"/>
           </a:p>
@@ -2366,7 +2689,7 @@
     </p:spTree>
     <p:extLst>
       <p:ext uri="{BB962C8B-B14F-4D97-AF65-F5344CB8AC3E}">
-        <p14:creationId xmlns:p14="http://schemas.microsoft.com/office/powerpoint/2010/main" val="348265153"/>
+        <p14:creationId xmlns:p14="http://schemas.microsoft.com/office/powerpoint/2010/main" val="1549894748"/>
       </p:ext>
     </p:extLst>
   </p:cSld>
@@ -2420,15 +2743,45 @@
           <a:bodyPr/>
           <a:lstStyle/>
           <a:p>
+            <a:pPr marL="171450" indent="-171450">
+              <a:buFont typeface="Arial" panose="020B0604020202020204" pitchFamily="34" charset="0"/>
+              <a:buChar char="•"/>
+            </a:pPr>
             <a:r>
               <a:rPr lang="de-DE" dirty="0"/>
-              <a:t>Dimensionsreduktion: </a:t>
-            </a:r>
-            <a:r>
-              <a:rPr lang="de-DE" b="1" dirty="0" err="1"/>
-              <a:t>TruncatedSVD</a:t>
-            </a:r>
-            <a:endParaRPr lang="de-DE" b="1" dirty="0"/>
+              <a:t>Dichter mit 5 oder weniger Gedichten wurden entfernt </a:t>
+            </a:r>
+            <a:r>
+              <a:rPr lang="de-DE" dirty="0">
+                <a:sym typeface="Wingdings" pitchFamily="2" charset="2"/>
+              </a:rPr>
+              <a:t> um nicht andere Signale zu erhalten</a:t>
+            </a:r>
+          </a:p>
+          <a:p>
+            <a:pPr marL="171450" indent="-171450">
+              <a:buFont typeface="Arial" panose="020B0604020202020204" pitchFamily="34" charset="0"/>
+              <a:buChar char="•"/>
+            </a:pPr>
+            <a:r>
+              <a:rPr lang="de-DE" dirty="0">
+                <a:sym typeface="Wingdings" pitchFamily="2" charset="2"/>
+              </a:rPr>
+              <a:t>Verschiedene Epochen von Gedichten eines Dichters wurden vorher getrennt</a:t>
+            </a:r>
+          </a:p>
+          <a:p>
+            <a:pPr marL="171450" indent="-171450">
+              <a:buFont typeface="Arial" panose="020B0604020202020204" pitchFamily="34" charset="0"/>
+              <a:buChar char="•"/>
+            </a:pPr>
+            <a:r>
+              <a:rPr lang="de-DE" dirty="0">
+                <a:sym typeface="Wingdings" pitchFamily="2" charset="2"/>
+              </a:rPr>
+              <a:t>Als Erscheinungsjahr wurde der Mittelwerte aller Gedichte des Dichter in der Epoche verwendet</a:t>
+            </a:r>
+            <a:endParaRPr lang="de-DE" dirty="0"/>
           </a:p>
         </p:txBody>
       </p:sp>
@@ -2449,7 +2802,7 @@
           <a:p>
             <a:fld id="{49FFD0F6-1B54-1D42-B676-41E105B9815E}" type="slidenum">
               <a:rPr lang="de-DE" smtClean="0"/>
-              <a:t>22</a:t>
+              <a:t>18</a:t>
             </a:fld>
             <a:endParaRPr lang="de-DE"/>
           </a:p>
@@ -2458,7 +2811,7 @@
     </p:spTree>
     <p:extLst>
       <p:ext uri="{BB962C8B-B14F-4D97-AF65-F5344CB8AC3E}">
-        <p14:creationId xmlns:p14="http://schemas.microsoft.com/office/powerpoint/2010/main" val="618638825"/>
+        <p14:creationId xmlns:p14="http://schemas.microsoft.com/office/powerpoint/2010/main" val="2907066937"/>
       </p:ext>
     </p:extLst>
   </p:cSld>
@@ -2512,49 +2865,7 @@
           <a:bodyPr/>
           <a:lstStyle/>
           <a:p>
-            <a:pPr marL="171450" indent="-171450">
-              <a:buFont typeface="Arial" panose="020B0604020202020204" pitchFamily="34" charset="0"/>
-              <a:buChar char="•"/>
-            </a:pPr>
-            <a:r>
-              <a:rPr lang="de-DE" dirty="0"/>
-              <a:t>Dichter mit 5 oder weniger Gedichten wurden entfernt </a:t>
-            </a:r>
-            <a:r>
-              <a:rPr lang="de-DE" dirty="0">
-                <a:sym typeface="Wingdings" pitchFamily="2" charset="2"/>
-              </a:rPr>
-              <a:t> um nicht nach Titeln zu </a:t>
-            </a:r>
-            <a:r>
-              <a:rPr lang="de-DE" dirty="0" err="1">
-                <a:sym typeface="Wingdings" pitchFamily="2" charset="2"/>
-              </a:rPr>
-              <a:t>clustern</a:t>
-            </a:r>
-            <a:endParaRPr lang="de-DE" dirty="0"/>
-          </a:p>
-          <a:p>
-            <a:pPr marL="171450" indent="-171450">
-              <a:buFont typeface="Arial" panose="020B0604020202020204" pitchFamily="34" charset="0"/>
-              <a:buChar char="•"/>
-            </a:pPr>
-            <a:r>
-              <a:rPr lang="de-DE" dirty="0"/>
-              <a:t>Dichter wurde häufigste Epoche aller Gedichte zugeordnet</a:t>
-            </a:r>
-          </a:p>
-          <a:p>
-            <a:pPr marL="171450" indent="-171450">
-              <a:buFont typeface="Arial" panose="020B0604020202020204" pitchFamily="34" charset="0"/>
-              <a:buChar char="•"/>
-            </a:pPr>
-            <a:r>
-              <a:rPr lang="de-DE" dirty="0"/>
-              <a:t>Dichter wurde Mittelwert aller Erscheinungsjahre der Gedichte mit der häufigsten Epoche zugeordnet</a:t>
-            </a:r>
-          </a:p>
-          <a:p>
+            <a:pPr algn="l"/>
             <a:endParaRPr lang="de-DE" dirty="0"/>
           </a:p>
         </p:txBody>
@@ -2576,7 +2887,7 @@
           <a:p>
             <a:fld id="{49FFD0F6-1B54-1D42-B676-41E105B9815E}" type="slidenum">
               <a:rPr lang="de-DE" smtClean="0"/>
-              <a:t>24</a:t>
+              <a:t>19</a:t>
             </a:fld>
             <a:endParaRPr lang="de-DE"/>
           </a:p>
@@ -2585,7 +2896,7 @@
     </p:spTree>
     <p:extLst>
       <p:ext uri="{BB962C8B-B14F-4D97-AF65-F5344CB8AC3E}">
-        <p14:creationId xmlns:p14="http://schemas.microsoft.com/office/powerpoint/2010/main" val="539713406"/>
+        <p14:creationId xmlns:p14="http://schemas.microsoft.com/office/powerpoint/2010/main" val="642319003"/>
       </p:ext>
     </p:extLst>
   </p:cSld>
@@ -2668,7 +2979,7 @@
           <a:p>
             <a:fld id="{49FFD0F6-1B54-1D42-B676-41E105B9815E}" type="slidenum">
               <a:rPr lang="de-DE" smtClean="0"/>
-              <a:t>25</a:t>
+              <a:t>22</a:t>
             </a:fld>
             <a:endParaRPr lang="de-DE"/>
           </a:p>
@@ -2677,7 +2988,7 @@
     </p:spTree>
     <p:extLst>
       <p:ext uri="{BB962C8B-B14F-4D97-AF65-F5344CB8AC3E}">
-        <p14:creationId xmlns:p14="http://schemas.microsoft.com/office/powerpoint/2010/main" val="1312082211"/>
+        <p14:creationId xmlns:p14="http://schemas.microsoft.com/office/powerpoint/2010/main" val="618638825"/>
       </p:ext>
     </p:extLst>
   </p:cSld>
@@ -2731,19 +3042,50 @@
           <a:bodyPr/>
           <a:lstStyle/>
           <a:p>
-            <a:pPr algn="l"/>
+            <a:pPr marL="171450" indent="-171450">
+              <a:buFont typeface="Arial" panose="020B0604020202020204" pitchFamily="34" charset="0"/>
+              <a:buChar char="•"/>
+            </a:pPr>
             <a:r>
               <a:rPr lang="de-DE" dirty="0"/>
-              <a:t>K-</a:t>
-            </a:r>
-            <a:r>
-              <a:rPr lang="de-DE" dirty="0" err="1"/>
-              <a:t>Means</a:t>
-            </a:r>
+              <a:t>Dichter mit 5 oder weniger Gedichten wurden entfernt </a:t>
+            </a:r>
+            <a:r>
+              <a:rPr lang="de-DE" dirty="0">
+                <a:sym typeface="Wingdings" pitchFamily="2" charset="2"/>
+              </a:rPr>
+              <a:t> um nicht nach Titeln zu </a:t>
+            </a:r>
+            <a:r>
+              <a:rPr lang="de-DE" dirty="0" err="1">
+                <a:sym typeface="Wingdings" pitchFamily="2" charset="2"/>
+              </a:rPr>
+              <a:t>clustern</a:t>
+            </a:r>
+            <a:endParaRPr lang="de-DE" dirty="0"/>
+          </a:p>
+          <a:p>
+            <a:pPr marL="171450" indent="-171450">
+              <a:buFont typeface="Arial" panose="020B0604020202020204" pitchFamily="34" charset="0"/>
+              <a:buChar char="•"/>
+            </a:pPr>
             <a:r>
               <a:rPr lang="de-DE" dirty="0"/>
-              <a:t> auf hochdimensionale Daten</a:t>
-            </a:r>
+              <a:t>Dichter wurde häufigste Epoche aller Gedichte zugeordnet</a:t>
+            </a:r>
+          </a:p>
+          <a:p>
+            <a:pPr marL="171450" indent="-171450">
+              <a:buFont typeface="Arial" panose="020B0604020202020204" pitchFamily="34" charset="0"/>
+              <a:buChar char="•"/>
+            </a:pPr>
+            <a:r>
+              <a:rPr lang="de-DE" dirty="0"/>
+              <a:t>Dichter wurde Mittelwert aller Erscheinungsjahre der Gedichte mit der häufigsten Epoche zugeordnet</a:t>
+            </a:r>
+          </a:p>
+          <a:p>
+            <a:endParaRPr lang="de-DE" dirty="0"/>
           </a:p>
         </p:txBody>
       </p:sp>
@@ -2764,7 +3106,7 @@
           <a:p>
             <a:fld id="{49FFD0F6-1B54-1D42-B676-41E105B9815E}" type="slidenum">
               <a:rPr lang="de-DE" smtClean="0"/>
-              <a:t>26</a:t>
+              <a:t>24</a:t>
             </a:fld>
             <a:endParaRPr lang="de-DE"/>
           </a:p>
@@ -2773,7 +3115,7 @@
     </p:spTree>
     <p:extLst>
       <p:ext uri="{BB962C8B-B14F-4D97-AF65-F5344CB8AC3E}">
-        <p14:creationId xmlns:p14="http://schemas.microsoft.com/office/powerpoint/2010/main" val="2134904752"/>
+        <p14:creationId xmlns:p14="http://schemas.microsoft.com/office/powerpoint/2010/main" val="539713406"/>
       </p:ext>
     </p:extLst>
   </p:cSld>
@@ -8349,7 +8691,7 @@
 </file>
 
 <file path=ppt/slides/slide12.xml><?xml version="1.0" encoding="utf-8"?>
-<p:sld xmlns:a="http://schemas.openxmlformats.org/drawingml/2006/main" xmlns:r="http://schemas.openxmlformats.org/officeDocument/2006/relationships" xmlns:p="http://schemas.openxmlformats.org/presentationml/2006/main" show="0">
+<p:sld xmlns:a="http://schemas.openxmlformats.org/drawingml/2006/main" xmlns:r="http://schemas.openxmlformats.org/officeDocument/2006/relationships" xmlns:p="http://schemas.openxmlformats.org/presentationml/2006/main">
   <p:cSld>
     <p:spTree>
       <p:nvGrpSpPr>
@@ -8365,40 +8707,39 @@
           <a:chExt cx="0" cy="0"/>
         </a:xfrm>
       </p:grpSpPr>
-      <p:pic>
-        <p:nvPicPr>
-          <p:cNvPr id="16" name="Picture 15" descr="A screenshot of a social media post&#10;&#10;Description automatically generated">
-            <a:extLst>
-              <a:ext uri="{FF2B5EF4-FFF2-40B4-BE49-F238E27FC236}">
-                <a16:creationId xmlns:a16="http://schemas.microsoft.com/office/drawing/2014/main" id="{E447454D-DD74-0348-801B-C67C57E0716D}"/>
-              </a:ext>
-            </a:extLst>
-          </p:cNvPr>
-          <p:cNvPicPr>
-            <a:picLocks noChangeAspect="1"/>
-          </p:cNvPicPr>
-          <p:nvPr/>
-        </p:nvPicPr>
-        <p:blipFill>
-          <a:blip r:embed="rId2"/>
-          <a:stretch>
-            <a:fillRect/>
-          </a:stretch>
-        </p:blipFill>
-        <p:spPr>
-          <a:xfrm>
-            <a:off x="200526" y="0"/>
-            <a:ext cx="11790947" cy="6858000"/>
-          </a:xfrm>
-          <a:prstGeom prst="rect">
-            <a:avLst/>
-          </a:prstGeom>
-        </p:spPr>
-      </p:pic>
+      <p:sp>
+        <p:nvSpPr>
+          <p:cNvPr id="5" name="Title 4">
+            <a:extLst>
+              <a:ext uri="{FF2B5EF4-FFF2-40B4-BE49-F238E27FC236}">
+                <a16:creationId xmlns:a16="http://schemas.microsoft.com/office/drawing/2014/main" id="{82687F4B-C512-5349-9205-039D8CAC00D3}"/>
+              </a:ext>
+            </a:extLst>
+          </p:cNvPr>
+          <p:cNvSpPr>
+            <a:spLocks noGrp="1"/>
+          </p:cNvSpPr>
+          <p:nvPr>
+            <p:ph type="title"/>
+          </p:nvPr>
+        </p:nvSpPr>
+        <p:spPr/>
+        <p:txBody>
+          <a:bodyPr/>
+          <a:lstStyle/>
+          <a:p>
+            <a:r>
+              <a:rPr lang="de-DE" b="1" dirty="0"/>
+              <a:t>3.  Fragestellungen</a:t>
+            </a:r>
+            <a:endParaRPr lang="de-DE" dirty="0"/>
+          </a:p>
+        </p:txBody>
+      </p:sp>
     </p:spTree>
     <p:extLst>
       <p:ext uri="{BB962C8B-B14F-4D97-AF65-F5344CB8AC3E}">
-        <p14:creationId xmlns:p14="http://schemas.microsoft.com/office/powerpoint/2010/main" val="703883033"/>
+        <p14:creationId xmlns:p14="http://schemas.microsoft.com/office/powerpoint/2010/main" val="3936303639"/>
       </p:ext>
     </p:extLst>
   </p:cSld>
@@ -8427,37 +8768,92 @@
       </p:grpSpPr>
       <p:sp>
         <p:nvSpPr>
-          <p:cNvPr id="5" name="Title 4">
-            <a:extLst>
-              <a:ext uri="{FF2B5EF4-FFF2-40B4-BE49-F238E27FC236}">
-                <a16:creationId xmlns:a16="http://schemas.microsoft.com/office/drawing/2014/main" id="{82687F4B-C512-5349-9205-039D8CAC00D3}"/>
-              </a:ext>
-            </a:extLst>
-          </p:cNvPr>
-          <p:cNvSpPr>
-            <a:spLocks noGrp="1"/>
-          </p:cNvSpPr>
-          <p:nvPr>
-            <p:ph type="title"/>
-          </p:nvPr>
-        </p:nvSpPr>
-        <p:spPr/>
-        <p:txBody>
-          <a:bodyPr/>
+          <p:cNvPr id="5" name="TextBox 4">
+            <a:extLst>
+              <a:ext uri="{FF2B5EF4-FFF2-40B4-BE49-F238E27FC236}">
+                <a16:creationId xmlns:a16="http://schemas.microsoft.com/office/drawing/2014/main" id="{73CEFAF6-A09F-B541-96F4-FF5D59E38125}"/>
+              </a:ext>
+            </a:extLst>
+          </p:cNvPr>
+          <p:cNvSpPr txBox="1"/>
+          <p:nvPr/>
+        </p:nvSpPr>
+        <p:spPr>
+          <a:xfrm>
+            <a:off x="413657" y="870857"/>
+            <a:ext cx="11364686" cy="4984763"/>
+          </a:xfrm>
+          <a:prstGeom prst="rect">
+            <a:avLst/>
+          </a:prstGeom>
+          <a:noFill/>
+        </p:spPr>
+        <p:txBody>
+          <a:bodyPr wrap="square" rtlCol="0">
+            <a:spAutoFit/>
+          </a:bodyPr>
           <a:lstStyle/>
           <a:p>
-            <a:r>
-              <a:rPr lang="de-DE" b="1" dirty="0"/>
-              <a:t>3.  Fragestellungen</a:t>
-            </a:r>
-            <a:endParaRPr lang="de-DE" dirty="0"/>
+            <a:pPr marL="857250" indent="-857250">
+              <a:lnSpc>
+                <a:spcPct val="150000"/>
+              </a:lnSpc>
+              <a:buFont typeface="+mj-lt"/>
+              <a:buAutoNum type="arabicParenR"/>
+            </a:pPr>
+            <a:r>
+              <a:rPr lang="de-DE" sz="3600" dirty="0"/>
+              <a:t> </a:t>
+            </a:r>
+            <a:r>
+              <a:rPr lang="de-DE" sz="3600" b="1" dirty="0"/>
+              <a:t>Grundfrage</a:t>
+            </a:r>
+            <a:r>
+              <a:rPr lang="de-DE" sz="3600" dirty="0"/>
+              <a:t>: Funktioniert ein Clustering der   		Gedichte nach literarischen Epochen?</a:t>
+            </a:r>
+          </a:p>
+          <a:p>
+            <a:pPr marL="514350" indent="-514350">
+              <a:lnSpc>
+                <a:spcPct val="150000"/>
+              </a:lnSpc>
+              <a:buFont typeface="+mj-lt"/>
+              <a:buAutoNum type="arabicParenR"/>
+            </a:pPr>
+            <a:r>
+              <a:rPr lang="de-DE" sz="3600" dirty="0"/>
+              <a:t> 	Welche Epochen eignen sich gut fürs Clustering?</a:t>
+            </a:r>
+          </a:p>
+          <a:p>
+            <a:pPr marL="514350" indent="-514350">
+              <a:lnSpc>
+                <a:spcPct val="150000"/>
+              </a:lnSpc>
+              <a:buFont typeface="+mj-lt"/>
+              <a:buAutoNum type="arabicParenR"/>
+            </a:pPr>
+            <a:r>
+              <a:rPr lang="de-DE" sz="3600" dirty="0"/>
+              <a:t> 	Kann durch ein Clustering eine 	Epocheneinteilung eines 	Literaturwissenschaftlers </a:t>
+            </a:r>
+            <a:r>
+              <a:rPr lang="de-DE" sz="3600" b="1" i="1" dirty="0"/>
+              <a:t>verifiziert</a:t>
+            </a:r>
+            <a:r>
+              <a:rPr lang="de-DE" sz="3600" dirty="0"/>
+              <a:t> werden?</a:t>
+            </a:r>
           </a:p>
         </p:txBody>
       </p:sp>
     </p:spTree>
     <p:extLst>
       <p:ext uri="{BB962C8B-B14F-4D97-AF65-F5344CB8AC3E}">
-        <p14:creationId xmlns:p14="http://schemas.microsoft.com/office/powerpoint/2010/main" val="3936303639"/>
+        <p14:creationId xmlns:p14="http://schemas.microsoft.com/office/powerpoint/2010/main" val="625729136"/>
       </p:ext>
     </p:extLst>
   </p:cSld>
@@ -8486,92 +8882,37 @@
       </p:grpSpPr>
       <p:sp>
         <p:nvSpPr>
-          <p:cNvPr id="5" name="TextBox 4">
-            <a:extLst>
-              <a:ext uri="{FF2B5EF4-FFF2-40B4-BE49-F238E27FC236}">
-                <a16:creationId xmlns:a16="http://schemas.microsoft.com/office/drawing/2014/main" id="{73CEFAF6-A09F-B541-96F4-FF5D59E38125}"/>
-              </a:ext>
-            </a:extLst>
-          </p:cNvPr>
-          <p:cNvSpPr txBox="1"/>
-          <p:nvPr/>
-        </p:nvSpPr>
-        <p:spPr>
-          <a:xfrm>
-            <a:off x="413657" y="870857"/>
-            <a:ext cx="11364686" cy="4984763"/>
-          </a:xfrm>
-          <a:prstGeom prst="rect">
-            <a:avLst/>
-          </a:prstGeom>
-          <a:noFill/>
-        </p:spPr>
-        <p:txBody>
-          <a:bodyPr wrap="square" rtlCol="0">
-            <a:spAutoFit/>
-          </a:bodyPr>
+          <p:cNvPr id="5" name="Title 4">
+            <a:extLst>
+              <a:ext uri="{FF2B5EF4-FFF2-40B4-BE49-F238E27FC236}">
+                <a16:creationId xmlns:a16="http://schemas.microsoft.com/office/drawing/2014/main" id="{82687F4B-C512-5349-9205-039D8CAC00D3}"/>
+              </a:ext>
+            </a:extLst>
+          </p:cNvPr>
+          <p:cNvSpPr>
+            <a:spLocks noGrp="1"/>
+          </p:cNvSpPr>
+          <p:nvPr>
+            <p:ph type="title"/>
+          </p:nvPr>
+        </p:nvSpPr>
+        <p:spPr/>
+        <p:txBody>
+          <a:bodyPr/>
           <a:lstStyle/>
           <a:p>
-            <a:pPr marL="857250" indent="-857250">
-              <a:lnSpc>
-                <a:spcPct val="150000"/>
-              </a:lnSpc>
-              <a:buFont typeface="+mj-lt"/>
-              <a:buAutoNum type="arabicParenR"/>
-            </a:pPr>
-            <a:r>
-              <a:rPr lang="de-DE" sz="3600" dirty="0"/>
-              <a:t> </a:t>
-            </a:r>
-            <a:r>
-              <a:rPr lang="de-DE" sz="3600" b="1" dirty="0"/>
-              <a:t>Grundfrage</a:t>
-            </a:r>
-            <a:r>
-              <a:rPr lang="de-DE" sz="3600" dirty="0"/>
-              <a:t>: Funktioniert ein Clustering der   		Gedichte nach literarischen Epochen?</a:t>
-            </a:r>
-          </a:p>
-          <a:p>
-            <a:pPr marL="514350" indent="-514350">
-              <a:lnSpc>
-                <a:spcPct val="150000"/>
-              </a:lnSpc>
-              <a:buFont typeface="+mj-lt"/>
-              <a:buAutoNum type="arabicParenR"/>
-            </a:pPr>
-            <a:r>
-              <a:rPr lang="de-DE" sz="3600" dirty="0"/>
-              <a:t> 	Welche Epochen eignen sich gut fürs Clustering?</a:t>
-            </a:r>
-          </a:p>
-          <a:p>
-            <a:pPr marL="514350" indent="-514350">
-              <a:lnSpc>
-                <a:spcPct val="150000"/>
-              </a:lnSpc>
-              <a:buFont typeface="+mj-lt"/>
-              <a:buAutoNum type="arabicParenR"/>
-            </a:pPr>
-            <a:r>
-              <a:rPr lang="de-DE" sz="3600" dirty="0"/>
-              <a:t> 	Kann durch ein Clustering eine 	Epocheneinteilung eines 	Literaturwissenschaftlers </a:t>
-            </a:r>
-            <a:r>
-              <a:rPr lang="de-DE" sz="3600" b="1" i="1" dirty="0"/>
-              <a:t>verifiziert</a:t>
-            </a:r>
-            <a:r>
-              <a:rPr lang="de-DE" sz="3600" dirty="0"/>
-              <a:t> werden?</a:t>
-            </a:r>
+            <a:r>
+              <a:rPr lang="de-DE" b="1" dirty="0"/>
+              <a:t>4.  Experimente</a:t>
+            </a:r>
+            <a:endParaRPr lang="de-DE" dirty="0"/>
           </a:p>
         </p:txBody>
       </p:sp>
     </p:spTree>
     <p:extLst>
       <p:ext uri="{BB962C8B-B14F-4D97-AF65-F5344CB8AC3E}">
-        <p14:creationId xmlns:p14="http://schemas.microsoft.com/office/powerpoint/2010/main" val="625729136"/>
+        <p14:creationId xmlns:p14="http://schemas.microsoft.com/office/powerpoint/2010/main" val="1848447078"/>
       </p:ext>
     </p:extLst>
   </p:cSld>
@@ -8600,10 +8941,10 @@
       </p:grpSpPr>
       <p:sp>
         <p:nvSpPr>
-          <p:cNvPr id="5" name="Title 4">
-            <a:extLst>
-              <a:ext uri="{FF2B5EF4-FFF2-40B4-BE49-F238E27FC236}">
-                <a16:creationId xmlns:a16="http://schemas.microsoft.com/office/drawing/2014/main" id="{82687F4B-C512-5349-9205-039D8CAC00D3}"/>
+          <p:cNvPr id="2" name="Title 1">
+            <a:extLst>
+              <a:ext uri="{FF2B5EF4-FFF2-40B4-BE49-F238E27FC236}">
+                <a16:creationId xmlns:a16="http://schemas.microsoft.com/office/drawing/2014/main" id="{DCBE102F-D2BB-3946-AEF1-AE93DF5165E5}"/>
               </a:ext>
             </a:extLst>
           </p:cNvPr>
@@ -8616,21 +8957,23 @@
         </p:nvSpPr>
         <p:spPr/>
         <p:txBody>
-          <a:bodyPr/>
+          <a:bodyPr>
+            <a:normAutofit/>
+          </a:bodyPr>
           <a:lstStyle/>
           <a:p>
             <a:r>
               <a:rPr lang="de-DE" b="1" dirty="0"/>
-              <a:t>4.  Experimente</a:t>
-            </a:r>
-            <a:endParaRPr lang="de-DE" dirty="0"/>
+              <a:t>4.1.  Aufbau</a:t>
+            </a:r>
+            <a:endParaRPr lang="de-DE" sz="6000" b="1" dirty="0"/>
           </a:p>
         </p:txBody>
       </p:sp>
     </p:spTree>
     <p:extLst>
       <p:ext uri="{BB962C8B-B14F-4D97-AF65-F5344CB8AC3E}">
-        <p14:creationId xmlns:p14="http://schemas.microsoft.com/office/powerpoint/2010/main" val="1848447078"/>
+        <p14:creationId xmlns:p14="http://schemas.microsoft.com/office/powerpoint/2010/main" val="2409590482"/>
       </p:ext>
     </p:extLst>
   </p:cSld>
@@ -8672,7 +9015,7 @@
         <p:spPr>
           <a:xfrm>
             <a:off x="362857" y="2177143"/>
-            <a:ext cx="9506857" cy="4194628"/>
+            <a:ext cx="10663727" cy="4194628"/>
           </a:xfrm>
           <a:custGeom>
             <a:avLst/>
@@ -8846,8 +9189,8 @@
         </p:nvCxnSpPr>
         <p:spPr>
           <a:xfrm>
-            <a:off x="4978400" y="5374917"/>
-            <a:ext cx="1262743" cy="0"/>
+            <a:off x="4870128" y="5616964"/>
+            <a:ext cx="2451744" cy="0"/>
           </a:xfrm>
           <a:prstGeom prst="straightConnector1">
             <a:avLst/>
@@ -9060,7 +9403,7 @@
         </p:nvSpPr>
         <p:spPr>
           <a:xfrm>
-            <a:off x="6556825" y="2723906"/>
+            <a:off x="7630561" y="2737723"/>
             <a:ext cx="2627086" cy="707886"/>
           </a:xfrm>
           <a:prstGeom prst="rect">
@@ -9103,7 +9446,7 @@
         </p:nvSpPr>
         <p:spPr>
           <a:xfrm>
-            <a:off x="6556825" y="4713197"/>
+            <a:off x="7438571" y="4713199"/>
             <a:ext cx="2935496" cy="1329979"/>
           </a:xfrm>
           <a:prstGeom prst="rect">
@@ -9153,8 +9496,8 @@
         </p:nvCxnSpPr>
         <p:spPr>
           <a:xfrm flipV="1">
-            <a:off x="7884883" y="3547796"/>
-            <a:ext cx="0" cy="834572"/>
+            <a:off x="8906319" y="3539198"/>
+            <a:ext cx="0" cy="1014594"/>
           </a:xfrm>
           <a:prstGeom prst="straightConnector1">
             <a:avLst/>
@@ -9197,8 +9540,8 @@
         </p:nvCxnSpPr>
         <p:spPr>
           <a:xfrm flipH="1">
-            <a:off x="4629146" y="3005528"/>
-            <a:ext cx="1716317" cy="1548264"/>
+            <a:off x="4918430" y="3186953"/>
+            <a:ext cx="2520142" cy="1959903"/>
           </a:xfrm>
           <a:prstGeom prst="straightConnector1">
             <a:avLst/>
@@ -9239,7 +9582,7 @@
         </p:nvSpPr>
         <p:spPr>
           <a:xfrm rot="16200000">
-            <a:off x="7536540" y="-441360"/>
+            <a:off x="8450941" y="-552366"/>
             <a:ext cx="696686" cy="4745527"/>
           </a:xfrm>
           <a:prstGeom prst="rightBrace">
@@ -9291,7 +9634,7 @@
         </p:nvSpPr>
         <p:spPr>
           <a:xfrm>
-            <a:off x="5250315" y="814822"/>
+            <a:off x="6096000" y="803257"/>
             <a:ext cx="5269135" cy="584775"/>
           </a:xfrm>
           <a:prstGeom prst="rect">
@@ -9668,7 +10011,7 @@
           <p:cNvPr id="2" name="Title 1">
             <a:extLst>
               <a:ext uri="{FF2B5EF4-FFF2-40B4-BE49-F238E27FC236}">
-                <a16:creationId xmlns:a16="http://schemas.microsoft.com/office/drawing/2014/main" id="{78F2E4E8-04EB-0142-91AE-BC0C88F0C119}"/>
+                <a16:creationId xmlns:a16="http://schemas.microsoft.com/office/drawing/2014/main" id="{DCBE102F-D2BB-3946-AEF1-AE93DF5165E5}"/>
               </a:ext>
             </a:extLst>
           </p:cNvPr>
@@ -9681,28 +10024,23 @@
         </p:nvSpPr>
         <p:spPr/>
         <p:txBody>
-          <a:bodyPr/>
+          <a:bodyPr>
+            <a:normAutofit/>
+          </a:bodyPr>
           <a:lstStyle/>
           <a:p>
             <a:r>
-              <a:rPr lang="de-DE" b="1" dirty="0"/>
-              <a:t>4.1.  K-</a:t>
-            </a:r>
-            <a:r>
-              <a:rPr lang="de-DE" b="1" dirty="0" err="1"/>
-              <a:t>Means</a:t>
-            </a:r>
-            <a:r>
-              <a:rPr lang="de-DE" b="1" dirty="0"/>
-              <a:t> Experimente</a:t>
-            </a:r>
+              <a:rPr lang="de-DE" sz="4400" b="1" dirty="0"/>
+              <a:t>4.1.1.  Zusammenfassung von 			  	Gedichten eines Dichters </a:t>
+            </a:r>
+            <a:endParaRPr lang="de-DE" sz="4800" b="1" dirty="0"/>
           </a:p>
         </p:txBody>
       </p:sp>
     </p:spTree>
     <p:extLst>
       <p:ext uri="{BB962C8B-B14F-4D97-AF65-F5344CB8AC3E}">
-        <p14:creationId xmlns:p14="http://schemas.microsoft.com/office/powerpoint/2010/main" val="3778911843"/>
+        <p14:creationId xmlns:p14="http://schemas.microsoft.com/office/powerpoint/2010/main" val="2535198303"/>
       </p:ext>
     </p:extLst>
   </p:cSld>
@@ -9713,193 +10051,7 @@
 </file>
 
 <file path=ppt/slides/slide19.xml><?xml version="1.0" encoding="utf-8"?>
-<p:sld xmlns:a="http://schemas.openxmlformats.org/drawingml/2006/main" xmlns:r="http://schemas.openxmlformats.org/officeDocument/2006/relationships" xmlns:p="http://schemas.openxmlformats.org/presentationml/2006/main" show="0">
-  <p:cSld>
-    <p:spTree>
-      <p:nvGrpSpPr>
-        <p:cNvPr id="1" name=""/>
-        <p:cNvGrpSpPr/>
-        <p:nvPr/>
-      </p:nvGrpSpPr>
-      <p:grpSpPr>
-        <a:xfrm>
-          <a:off x="0" y="0"/>
-          <a:ext cx="0" cy="0"/>
-          <a:chOff x="0" y="0"/>
-          <a:chExt cx="0" cy="0"/>
-        </a:xfrm>
-      </p:grpSpPr>
-      <p:sp>
-        <p:nvSpPr>
-          <p:cNvPr id="2" name="Title 1">
-            <a:extLst>
-              <a:ext uri="{FF2B5EF4-FFF2-40B4-BE49-F238E27FC236}">
-                <a16:creationId xmlns:a16="http://schemas.microsoft.com/office/drawing/2014/main" id="{DCBE102F-D2BB-3946-AEF1-AE93DF5165E5}"/>
-              </a:ext>
-            </a:extLst>
-          </p:cNvPr>
-          <p:cNvSpPr>
-            <a:spLocks noGrp="1"/>
-          </p:cNvSpPr>
-          <p:nvPr>
-            <p:ph type="title"/>
-          </p:nvPr>
-        </p:nvSpPr>
-        <p:spPr/>
-        <p:txBody>
-          <a:bodyPr>
-            <a:normAutofit/>
-          </a:bodyPr>
-          <a:lstStyle/>
-          <a:p>
-            <a:r>
-              <a:rPr lang="de-DE" sz="4800" b="1" dirty="0"/>
-              <a:t>4.1.1. Reduktion der Dimension  </a:t>
-            </a:r>
-          </a:p>
-        </p:txBody>
-      </p:sp>
-    </p:spTree>
-    <p:extLst>
-      <p:ext uri="{BB962C8B-B14F-4D97-AF65-F5344CB8AC3E}">
-        <p14:creationId xmlns:p14="http://schemas.microsoft.com/office/powerpoint/2010/main" val="1405598632"/>
-      </p:ext>
-    </p:extLst>
-  </p:cSld>
-  <p:clrMapOvr>
-    <a:masterClrMapping/>
-  </p:clrMapOvr>
-</p:sld>
-</file>
-
-<file path=ppt/slides/slide2.xml><?xml version="1.0" encoding="utf-8"?>
 <p:sld xmlns:a="http://schemas.openxmlformats.org/drawingml/2006/main" xmlns:r="http://schemas.openxmlformats.org/officeDocument/2006/relationships" xmlns:p="http://schemas.openxmlformats.org/presentationml/2006/main">
-  <p:cSld>
-    <p:spTree>
-      <p:nvGrpSpPr>
-        <p:cNvPr id="1" name=""/>
-        <p:cNvGrpSpPr/>
-        <p:nvPr/>
-      </p:nvGrpSpPr>
-      <p:grpSpPr>
-        <a:xfrm>
-          <a:off x="0" y="0"/>
-          <a:ext cx="0" cy="0"/>
-          <a:chOff x="0" y="0"/>
-          <a:chExt cx="0" cy="0"/>
-        </a:xfrm>
-      </p:grpSpPr>
-      <p:sp>
-        <p:nvSpPr>
-          <p:cNvPr id="2" name="Title 1">
-            <a:extLst>
-              <a:ext uri="{FF2B5EF4-FFF2-40B4-BE49-F238E27FC236}">
-                <a16:creationId xmlns:a16="http://schemas.microsoft.com/office/drawing/2014/main" id="{ABBD1032-7C21-EB45-88CD-39E1CDFCEED7}"/>
-              </a:ext>
-            </a:extLst>
-          </p:cNvPr>
-          <p:cNvSpPr>
-            <a:spLocks noGrp="1"/>
-          </p:cNvSpPr>
-          <p:nvPr>
-            <p:ph type="title"/>
-          </p:nvPr>
-        </p:nvSpPr>
-        <p:spPr/>
-        <p:txBody>
-          <a:bodyPr/>
-          <a:lstStyle/>
-          <a:p>
-            <a:r>
-              <a:rPr lang="en-DE" dirty="0"/>
-              <a:t>Übersicht</a:t>
-            </a:r>
-          </a:p>
-        </p:txBody>
-      </p:sp>
-      <p:sp>
-        <p:nvSpPr>
-          <p:cNvPr id="3" name="Content Placeholder 2">
-            <a:extLst>
-              <a:ext uri="{FF2B5EF4-FFF2-40B4-BE49-F238E27FC236}">
-                <a16:creationId xmlns:a16="http://schemas.microsoft.com/office/drawing/2014/main" id="{80899769-BBF7-274C-B579-0AE87166EDED}"/>
-              </a:ext>
-            </a:extLst>
-          </p:cNvPr>
-          <p:cNvSpPr>
-            <a:spLocks noGrp="1"/>
-          </p:cNvSpPr>
-          <p:nvPr>
-            <p:ph idx="1"/>
-          </p:nvPr>
-        </p:nvSpPr>
-        <p:spPr/>
-        <p:txBody>
-          <a:bodyPr/>
-          <a:lstStyle/>
-          <a:p>
-            <a:pPr marL="514350" indent="-514350">
-              <a:buAutoNum type="arabicPeriod"/>
-            </a:pPr>
-            <a:r>
-              <a:rPr lang="en-DE" dirty="0"/>
-              <a:t>Kurzer Überblick zum Epochenbegriff und –einteilung</a:t>
-            </a:r>
-          </a:p>
-          <a:p>
-            <a:pPr marL="514350" indent="-514350">
-              <a:buAutoNum type="arabicPeriod"/>
-            </a:pPr>
-            <a:r>
-              <a:rPr lang="en-DE" dirty="0"/>
-              <a:t>Das Korpus</a:t>
-            </a:r>
-          </a:p>
-          <a:p>
-            <a:pPr marL="514350" indent="-514350">
-              <a:buAutoNum type="arabicPeriod"/>
-            </a:pPr>
-            <a:r>
-              <a:rPr lang="en-GB" dirty="0" err="1"/>
-              <a:t>Fragestellungen</a:t>
-            </a:r>
-            <a:endParaRPr lang="en-DE" dirty="0"/>
-          </a:p>
-          <a:p>
-            <a:pPr marL="514350" indent="-514350">
-              <a:buAutoNum type="arabicPeriod"/>
-            </a:pPr>
-            <a:r>
-              <a:rPr lang="en-DE" dirty="0"/>
-              <a:t>Experimente</a:t>
-            </a:r>
-          </a:p>
-          <a:p>
-            <a:pPr marL="514350" indent="-514350">
-              <a:buAutoNum type="arabicPeriod"/>
-            </a:pPr>
-            <a:r>
-              <a:rPr lang="en-DE" dirty="0"/>
-              <a:t>Schlussbetrachtung</a:t>
-            </a:r>
-          </a:p>
-        </p:txBody>
-      </p:sp>
-    </p:spTree>
-    <p:extLst>
-      <p:ext uri="{BB962C8B-B14F-4D97-AF65-F5344CB8AC3E}">
-        <p14:creationId xmlns:p14="http://schemas.microsoft.com/office/powerpoint/2010/main" val="2653683036"/>
-      </p:ext>
-    </p:extLst>
-  </p:cSld>
-  <p:clrMapOvr>
-    <a:masterClrMapping/>
-  </p:clrMapOvr>
-</p:sld>
-</file>
-
-<file path=ppt/slides/slide20.xml><?xml version="1.0" encoding="utf-8"?>
-<p:sld xmlns:a="http://schemas.openxmlformats.org/drawingml/2006/main" xmlns:r="http://schemas.openxmlformats.org/officeDocument/2006/relationships" xmlns:p="http://schemas.openxmlformats.org/presentationml/2006/main" show="0">
   <p:cSld>
     <p:bg>
       <p:bgPr>
@@ -9925,10 +10077,10 @@
       </p:grpSpPr>
       <p:sp useBgFill="1">
         <p:nvSpPr>
-          <p:cNvPr id="62" name="Rectangle 61">
-            <a:extLst>
-              <a:ext uri="{FF2B5EF4-FFF2-40B4-BE49-F238E27FC236}">
-                <a16:creationId xmlns:a16="http://schemas.microsoft.com/office/drawing/2014/main" id="{2550BE34-C2B8-49B8-8519-67A8CAD51AE9}"/>
+          <p:cNvPr id="22" name="Rectangle 21">
+            <a:extLst>
+              <a:ext uri="{FF2B5EF4-FFF2-40B4-BE49-F238E27FC236}">
+                <a16:creationId xmlns:a16="http://schemas.microsoft.com/office/drawing/2014/main" id="{2C9A9DA9-7DC8-488B-A882-123947B0F3D9}"/>
               </a:ext>
               <a:ext uri="{C183D7F6-B498-43B3-948B-1728B52AA6E4}">
                 <adec:decorative xmlns:adec="http://schemas.microsoft.com/office/drawing/2017/decorative" val="1"/>
@@ -9985,10 +10137,10 @@
       </p:sp>
       <p:sp useBgFill="1">
         <p:nvSpPr>
-          <p:cNvPr id="64" name="Rectangle 63">
-            <a:extLst>
-              <a:ext uri="{FF2B5EF4-FFF2-40B4-BE49-F238E27FC236}">
-                <a16:creationId xmlns:a16="http://schemas.microsoft.com/office/drawing/2014/main" id="{A7457DD9-5A45-400A-AB4B-4B4EDECA25F1}"/>
+          <p:cNvPr id="24" name="Rectangle 23">
+            <a:extLst>
+              <a:ext uri="{FF2B5EF4-FFF2-40B4-BE49-F238E27FC236}">
+                <a16:creationId xmlns:a16="http://schemas.microsoft.com/office/drawing/2014/main" id="{57F6BDD4-E066-4008-8011-6CC31AEB4556}"/>
               </a:ext>
               <a:ext uri="{C183D7F6-B498-43B3-948B-1728B52AA6E4}">
                 <adec:decorative xmlns:adec="http://schemas.microsoft.com/office/drawing/2017/decorative" val="1"/>
@@ -10008,13 +10160,13 @@
         </p:nvSpPr>
         <p:spPr>
           <a:xfrm>
-            <a:off x="554416" y="365125"/>
-            <a:ext cx="11167447" cy="2089317"/>
+            <a:off x="409575" y="633619"/>
+            <a:ext cx="4279383" cy="5495925"/>
           </a:xfrm>
           <a:prstGeom prst="rect">
             <a:avLst/>
           </a:prstGeom>
-          <a:ln w="12700">
+          <a:ln w="9525">
             <a:solidFill>
               <a:schemeClr val="tx2">
                 <a:lumMod val="10000"/>
@@ -10024,7 +10176,7 @@
           </a:ln>
           <a:effectLst>
             <a:outerShdw blurRad="50800" dist="38100" dir="2700000" algn="tl" rotWithShape="0">
-              <a:schemeClr val="bg2">
+              <a:schemeClr val="bg1">
                 <a:lumMod val="85000"/>
                 <a:alpha val="30000"/>
               </a:schemeClr>
@@ -10087,10 +10239,10 @@
       </p:sp>
       <p:sp>
         <p:nvSpPr>
-          <p:cNvPr id="3" name="Title 2">
-            <a:extLst>
-              <a:ext uri="{FF2B5EF4-FFF2-40B4-BE49-F238E27FC236}">
-                <a16:creationId xmlns:a16="http://schemas.microsoft.com/office/drawing/2014/main" id="{2B0244FE-E892-4648-B9A2-7F22D047434E}"/>
+          <p:cNvPr id="2" name="Title 1">
+            <a:extLst>
+              <a:ext uri="{FF2B5EF4-FFF2-40B4-BE49-F238E27FC236}">
+                <a16:creationId xmlns:a16="http://schemas.microsoft.com/office/drawing/2014/main" id="{54ADA480-6AB0-844F-9E88-B8120036CC75}"/>
               </a:ext>
             </a:extLst>
           </p:cNvPr>
@@ -10103,8 +10255,8 @@
         </p:nvSpPr>
         <p:spPr>
           <a:xfrm>
-            <a:off x="1046746" y="586822"/>
-            <a:ext cx="3537285" cy="1645920"/>
+            <a:off x="841247" y="978619"/>
+            <a:ext cx="3410712" cy="1106424"/>
           </a:xfrm>
         </p:spPr>
         <p:txBody>
@@ -10114,18 +10266,19 @@
           <a:lstStyle/>
           <a:p>
             <a:r>
-              <a:rPr lang="en-US" sz="3200" b="1" dirty="0"/>
-              <a:t>K-Means (I)</a:t>
-            </a:r>
-          </a:p>
-        </p:txBody>
-      </p:sp>
-      <p:sp>
-        <p:nvSpPr>
-          <p:cNvPr id="66" name="Rectangle 65">
-            <a:extLst>
-              <a:ext uri="{FF2B5EF4-FFF2-40B4-BE49-F238E27FC236}">
-                <a16:creationId xmlns:a16="http://schemas.microsoft.com/office/drawing/2014/main" id="{441CF7D6-A660-431A-B0BB-140A0D5556B6}"/>
+              <a:rPr lang="en-US" sz="3600" b="1" dirty="0"/>
+              <a:t>UMAP</a:t>
+            </a:r>
+            <a:endParaRPr lang="en-US" sz="2800" dirty="0"/>
+          </a:p>
+        </p:txBody>
+      </p:sp>
+      <p:sp>
+        <p:nvSpPr>
+          <p:cNvPr id="26" name="Rectangle 25">
+            <a:extLst>
+              <a:ext uri="{FF2B5EF4-FFF2-40B4-BE49-F238E27FC236}">
+                <a16:creationId xmlns:a16="http://schemas.microsoft.com/office/drawing/2014/main" id="{2711A8FB-68FC-45FC-B01E-38F809E2D439}"/>
               </a:ext>
               <a:ext uri="{C183D7F6-B498-43B3-948B-1728B52AA6E4}">
                 <adec:decorative xmlns:adec="http://schemas.microsoft.com/office/drawing/2017/decorative" val="1"/>
@@ -10145,7 +10298,7 @@
         </p:nvSpPr>
         <p:spPr>
           <a:xfrm>
-            <a:off x="490408" y="1057739"/>
+            <a:off x="345567" y="1171300"/>
             <a:ext cx="128016" cy="704088"/>
           </a:xfrm>
           <a:prstGeom prst="rect">
@@ -10195,7 +10348,7 @@
               <a:tabLst/>
               <a:defRPr/>
             </a:pPr>
-            <a:endParaRPr kumimoji="0" lang="en-US" sz="1800" b="0" i="0" u="none" strike="noStrike" kern="1200" cap="none" spc="0" normalizeH="0" baseline="0" noProof="0" dirty="0">
+            <a:endParaRPr kumimoji="0" lang="en-US" sz="1800" b="0" i="0" u="none" strike="noStrike" kern="1200" cap="none" spc="0" normalizeH="0" baseline="0" noProof="0">
               <a:ln>
                 <a:noFill/>
               </a:ln>
@@ -10214,10 +10367,10 @@
       </p:sp>
       <p:sp>
         <p:nvSpPr>
-          <p:cNvPr id="68" name="Rectangle 67">
-            <a:extLst>
-              <a:ext uri="{FF2B5EF4-FFF2-40B4-BE49-F238E27FC236}">
-                <a16:creationId xmlns:a16="http://schemas.microsoft.com/office/drawing/2014/main" id="{0570A85B-3810-4F95-97B0-CBF4CCDB381C}"/>
+          <p:cNvPr id="28" name="Rectangle 27">
+            <a:extLst>
+              <a:ext uri="{FF2B5EF4-FFF2-40B4-BE49-F238E27FC236}">
+                <a16:creationId xmlns:a16="http://schemas.microsoft.com/office/drawing/2014/main" id="{2A865FE3-5FC9-4049-87CF-30019C46C0F5}"/>
               </a:ext>
               <a:ext uri="{C183D7F6-B498-43B3-948B-1728B52AA6E4}">
                 <adec:decorative xmlns:adec="http://schemas.microsoft.com/office/drawing/2017/decorative" val="1"/>
@@ -10236,9 +10389,9 @@
           </p:nvPr>
         </p:nvSpPr>
         <p:spPr>
-          <a:xfrm rot="5400000">
-            <a:off x="4248113" y="1405210"/>
-            <a:ext cx="1463040" cy="9144"/>
+          <a:xfrm>
+            <a:off x="877459" y="2093976"/>
+            <a:ext cx="3328416" cy="9144"/>
           </a:xfrm>
           <a:prstGeom prst="rect">
             <a:avLst/>
@@ -10308,603 +10461,41 @@
           </a:p>
         </p:txBody>
       </p:sp>
-      <p:sp>
-        <p:nvSpPr>
-          <p:cNvPr id="6" name="TextBox 5">
-            <a:extLst>
-              <a:ext uri="{FF2B5EF4-FFF2-40B4-BE49-F238E27FC236}">
-                <a16:creationId xmlns:a16="http://schemas.microsoft.com/office/drawing/2014/main" id="{68E267DE-B0A6-1F4B-BCC7-2FAF9305A326}"/>
-              </a:ext>
-            </a:extLst>
-          </p:cNvPr>
-          <p:cNvSpPr txBox="1"/>
+      <p:pic>
+        <p:nvPicPr>
+          <p:cNvPr id="14" name="Picture 13" descr="A picture containing screenshot&#10;&#10;Description automatically generated">
+            <a:extLst>
+              <a:ext uri="{FF2B5EF4-FFF2-40B4-BE49-F238E27FC236}">
+                <a16:creationId xmlns:a16="http://schemas.microsoft.com/office/drawing/2014/main" id="{90880BCB-F0E1-7048-972B-93701624A9D9}"/>
+              </a:ext>
+            </a:extLst>
+          </p:cNvPr>
+          <p:cNvPicPr>
+            <a:picLocks noChangeAspect="1"/>
+          </p:cNvPicPr>
           <p:nvPr/>
-        </p:nvSpPr>
+        </p:nvPicPr>
+        <p:blipFill rotWithShape="1">
+          <a:blip r:embed="rId3"/>
+          <a:srcRect l="11046" t="6386" b="10456"/>
+          <a:stretch/>
+        </p:blipFill>
         <p:spPr>
           <a:xfrm>
-            <a:off x="4814889" y="586822"/>
-            <a:ext cx="6538912" cy="1645920"/>
+            <a:off x="5120640" y="1045049"/>
+            <a:ext cx="6656832" cy="4667317"/>
           </a:xfrm>
           <a:prstGeom prst="rect">
             <a:avLst/>
           </a:prstGeom>
         </p:spPr>
-        <p:txBody>
-          <a:bodyPr vert="horz" lIns="91440" tIns="45720" rIns="91440" bIns="45720" numCol="2" rtlCol="0" anchor="ctr">
-            <a:normAutofit/>
-          </a:bodyPr>
-          <a:lstStyle/>
-          <a:p>
-            <a:pPr marL="457200" indent="-228600">
-              <a:spcAft>
-                <a:spcPts val="600"/>
-              </a:spcAft>
-              <a:buFont typeface="Arial" panose="020B0604020202020204" pitchFamily="34" charset="0"/>
-              <a:buChar char="•"/>
-            </a:pPr>
-            <a:r>
-              <a:rPr lang="en-US" dirty="0" err="1"/>
-              <a:t>Einteilung</a:t>
-            </a:r>
-            <a:r>
-              <a:rPr lang="en-US" dirty="0"/>
-              <a:t> </a:t>
-            </a:r>
-            <a:r>
-              <a:rPr lang="en-US" dirty="0" err="1"/>
-              <a:t>nach</a:t>
-            </a:r>
-            <a:r>
-              <a:rPr lang="en-US" dirty="0"/>
-              <a:t> </a:t>
-            </a:r>
-            <a:r>
-              <a:rPr lang="en-US" i="1" dirty="0"/>
-              <a:t>Brenner</a:t>
-            </a:r>
-            <a:endParaRPr lang="en-US" b="1" i="1" dirty="0"/>
-          </a:p>
-          <a:p>
-            <a:pPr marL="457200" indent="-228600">
-              <a:spcAft>
-                <a:spcPts val="600"/>
-              </a:spcAft>
-              <a:buFont typeface="Arial" panose="020B0604020202020204" pitchFamily="34" charset="0"/>
-              <a:buChar char="•"/>
-            </a:pPr>
-            <a:r>
-              <a:rPr lang="en-US" dirty="0" err="1"/>
-              <a:t>keine</a:t>
-            </a:r>
-            <a:r>
-              <a:rPr lang="en-US" dirty="0"/>
-              <a:t> </a:t>
-            </a:r>
-            <a:r>
-              <a:rPr lang="en-US" dirty="0" err="1"/>
-              <a:t>Dimensionsreduktion</a:t>
-            </a:r>
-            <a:endParaRPr lang="en-US" dirty="0"/>
-          </a:p>
-          <a:p>
-            <a:pPr marL="457200" indent="-228600">
-              <a:spcAft>
-                <a:spcPts val="600"/>
-              </a:spcAft>
-              <a:buFont typeface="Arial" panose="020B0604020202020204" pitchFamily="34" charset="0"/>
-              <a:buChar char="•"/>
-            </a:pPr>
-            <a:r>
-              <a:rPr lang="en-US" dirty="0" err="1"/>
-              <a:t>Ohne</a:t>
-            </a:r>
-            <a:r>
-              <a:rPr lang="en-US" dirty="0"/>
-              <a:t> </a:t>
-            </a:r>
-            <a:r>
-              <a:rPr lang="en-US" dirty="0" err="1"/>
-              <a:t>Epoche</a:t>
-            </a:r>
-            <a:r>
-              <a:rPr lang="en-US" dirty="0"/>
-              <a:t> „</a:t>
-            </a:r>
-            <a:r>
-              <a:rPr lang="en-US" dirty="0" err="1"/>
-              <a:t>Klassik</a:t>
-            </a:r>
-            <a:r>
-              <a:rPr lang="en-US" dirty="0"/>
-              <a:t>/</a:t>
-            </a:r>
-            <a:r>
-              <a:rPr lang="en-US" dirty="0" err="1"/>
-              <a:t>Romantik</a:t>
-            </a:r>
-            <a:r>
-              <a:rPr lang="en-US" dirty="0"/>
-              <a:t>“</a:t>
-            </a:r>
-          </a:p>
-          <a:p>
-            <a:pPr marL="457200" indent="-228600">
-              <a:spcAft>
-                <a:spcPts val="600"/>
-              </a:spcAft>
-              <a:buFont typeface="Arial" panose="020B0604020202020204" pitchFamily="34" charset="0"/>
-              <a:buChar char="•"/>
-            </a:pPr>
-            <a:r>
-              <a:rPr lang="en-US" dirty="0"/>
-              <a:t>Lowercase</a:t>
-            </a:r>
-          </a:p>
-          <a:p>
-            <a:pPr marL="457200" indent="-228600">
-              <a:spcAft>
-                <a:spcPts val="600"/>
-              </a:spcAft>
-              <a:buFont typeface="Arial" panose="020B0604020202020204" pitchFamily="34" charset="0"/>
-              <a:buChar char="•"/>
-            </a:pPr>
-            <a:r>
-              <a:rPr lang="en-US" dirty="0" err="1"/>
-              <a:t>Stoppwörter</a:t>
-            </a:r>
-            <a:r>
-              <a:rPr lang="en-US" dirty="0"/>
-              <a:t> </a:t>
-            </a:r>
-            <a:r>
-              <a:rPr lang="en-US" u="sng" dirty="0" err="1"/>
-              <a:t>entfernt</a:t>
-            </a:r>
-            <a:endParaRPr lang="en-US" dirty="0"/>
-          </a:p>
-          <a:p>
-            <a:pPr marL="457200" indent="-228600">
-              <a:spcAft>
-                <a:spcPts val="600"/>
-              </a:spcAft>
-              <a:buFont typeface="Arial" panose="020B0604020202020204" pitchFamily="34" charset="0"/>
-              <a:buChar char="•"/>
-            </a:pPr>
-            <a:r>
-              <a:rPr lang="en-US" dirty="0"/>
-              <a:t>10000 mf</a:t>
-            </a:r>
-          </a:p>
-        </p:txBody>
-      </p:sp>
-      <p:graphicFrame>
-        <p:nvGraphicFramePr>
-          <p:cNvPr id="12" name="Table 11">
-            <a:extLst>
-              <a:ext uri="{FF2B5EF4-FFF2-40B4-BE49-F238E27FC236}">
-                <a16:creationId xmlns:a16="http://schemas.microsoft.com/office/drawing/2014/main" id="{FE8BFA67-ADB1-AE47-98AA-9EA5447ACE50}"/>
-              </a:ext>
-            </a:extLst>
-          </p:cNvPr>
-          <p:cNvGraphicFramePr>
-            <a:graphicFrameLocks noGrp="1"/>
-          </p:cNvGraphicFramePr>
-          <p:nvPr>
-            <p:extLst>
-              <p:ext uri="{D42A27DB-BD31-4B8C-83A1-F6EECF244321}">
-                <p14:modId xmlns:p14="http://schemas.microsoft.com/office/powerpoint/2010/main" val="2825495765"/>
-              </p:ext>
-            </p:extLst>
-          </p:nvPr>
-        </p:nvGraphicFramePr>
-        <p:xfrm>
-          <a:off x="1473573" y="2734056"/>
-          <a:ext cx="9333248" cy="3483864"/>
-        </p:xfrm>
-        <a:graphic>
-          <a:graphicData uri="http://schemas.openxmlformats.org/drawingml/2006/table">
-            <a:tbl>
-              <a:tblPr firstRow="1" bandRow="1">
-                <a:tableStyleId>{69012ECD-51FC-41F1-AA8D-1B2483CD663E}</a:tableStyleId>
-              </a:tblPr>
-              <a:tblGrid>
-                <a:gridCol w="5324803">
-                  <a:extLst>
-                    <a:ext uri="{9D8B030D-6E8A-4147-A177-3AD203B41FA5}">
-                      <a16:colId xmlns:a16="http://schemas.microsoft.com/office/drawing/2014/main" val="3738905305"/>
-                    </a:ext>
-                  </a:extLst>
-                </a:gridCol>
-                <a:gridCol w="2060788">
-                  <a:extLst>
-                    <a:ext uri="{9D8B030D-6E8A-4147-A177-3AD203B41FA5}">
-                      <a16:colId xmlns:a16="http://schemas.microsoft.com/office/drawing/2014/main" val="4078394901"/>
-                    </a:ext>
-                  </a:extLst>
-                </a:gridCol>
-                <a:gridCol w="1947657">
-                  <a:extLst>
-                    <a:ext uri="{9D8B030D-6E8A-4147-A177-3AD203B41FA5}">
-                      <a16:colId xmlns:a16="http://schemas.microsoft.com/office/drawing/2014/main" val="1891394321"/>
-                    </a:ext>
-                  </a:extLst>
-                </a:gridCol>
-              </a:tblGrid>
-              <a:tr h="580644">
-                <a:tc>
-                  <a:txBody>
-                    <a:bodyPr/>
-                    <a:lstStyle/>
-                    <a:p>
-                      <a:pPr algn="r" fontAlgn="ctr"/>
-                      <a:endParaRPr lang="en-GB" sz="2700" b="1" dirty="0">
-                        <a:effectLst/>
-                      </a:endParaRPr>
-                    </a:p>
-                  </a:txBody>
-                  <a:tcPr marL="127214" marR="127214" marT="63606" marB="63606" anchor="ctr"/>
-                </a:tc>
-                <a:tc>
-                  <a:txBody>
-                    <a:bodyPr/>
-                    <a:lstStyle/>
-                    <a:p>
-                      <a:pPr algn="r" fontAlgn="ctr"/>
-                      <a:r>
-                        <a:rPr lang="en-GB" sz="2700" b="1" dirty="0" err="1">
-                          <a:effectLst/>
-                        </a:rPr>
-                        <a:t>ari</a:t>
-                      </a:r>
-                      <a:endParaRPr lang="en-GB" sz="2700" b="1" dirty="0">
-                        <a:effectLst/>
-                      </a:endParaRPr>
-                    </a:p>
-                  </a:txBody>
-                  <a:tcPr marL="127214" marR="127214" marT="63606" marB="63606" anchor="ctr"/>
-                </a:tc>
-                <a:tc>
-                  <a:txBody>
-                    <a:bodyPr/>
-                    <a:lstStyle/>
-                    <a:p>
-                      <a:pPr algn="r"/>
-                      <a:r>
-                        <a:rPr lang="de-DE" sz="2700" dirty="0" err="1"/>
-                        <a:t>vm</a:t>
-                      </a:r>
-                      <a:endParaRPr lang="de-DE" sz="2700" dirty="0"/>
-                    </a:p>
-                  </a:txBody>
-                  <a:tcPr marL="127214" marR="127214" marT="63606" marB="63606"/>
-                </a:tc>
-                <a:extLst>
-                  <a:ext uri="{0D108BD9-81ED-4DB2-BD59-A6C34878D82A}">
-                    <a16:rowId xmlns:a16="http://schemas.microsoft.com/office/drawing/2014/main" val="1843206374"/>
-                  </a:ext>
-                </a:extLst>
-              </a:tr>
-              <a:tr h="580644">
-                <a:tc>
-                  <a:txBody>
-                    <a:bodyPr/>
-                    <a:lstStyle/>
-                    <a:p>
-                      <a:pPr algn="r" fontAlgn="ctr"/>
-                      <a:r>
-                        <a:rPr lang="en-GB" sz="2700" b="1" dirty="0" err="1">
-                          <a:effectLst/>
-                        </a:rPr>
-                        <a:t>Frühaufklärung</a:t>
-                      </a:r>
-                      <a:r>
-                        <a:rPr lang="en-GB" sz="2700" b="1" dirty="0">
-                          <a:effectLst/>
-                        </a:rPr>
-                        <a:t>/Biedermeier</a:t>
-                      </a:r>
-                    </a:p>
-                  </a:txBody>
-                  <a:tcPr marL="127214" marR="127214" marT="63606" marB="63606" anchor="ctr"/>
-                </a:tc>
-                <a:tc>
-                  <a:txBody>
-                    <a:bodyPr/>
-                    <a:lstStyle/>
-                    <a:p>
-                      <a:pPr algn="r" fontAlgn="ctr"/>
-                      <a:r>
-                        <a:rPr lang="en-DE" sz="2700">
-                          <a:effectLst/>
-                        </a:rPr>
-                        <a:t>0.427786</a:t>
-                      </a:r>
-                    </a:p>
-                  </a:txBody>
-                  <a:tcPr marL="127214" marR="127214" marT="63606" marB="63606" anchor="ctr"/>
-                </a:tc>
-                <a:tc>
-                  <a:txBody>
-                    <a:bodyPr/>
-                    <a:lstStyle/>
-                    <a:p>
-                      <a:pPr algn="r" fontAlgn="ctr"/>
-                      <a:r>
-                        <a:rPr lang="en-DE" sz="2700">
-                          <a:effectLst/>
-                        </a:rPr>
-                        <a:t>0.353732</a:t>
-                      </a:r>
-                    </a:p>
-                  </a:txBody>
-                  <a:tcPr marL="127214" marR="127214" marT="63606" marB="63606" anchor="ctr"/>
-                </a:tc>
-                <a:extLst>
-                  <a:ext uri="{0D108BD9-81ED-4DB2-BD59-A6C34878D82A}">
-                    <a16:rowId xmlns:a16="http://schemas.microsoft.com/office/drawing/2014/main" val="3707013511"/>
-                  </a:ext>
-                </a:extLst>
-              </a:tr>
-              <a:tr h="580644">
-                <a:tc>
-                  <a:txBody>
-                    <a:bodyPr/>
-                    <a:lstStyle/>
-                    <a:p>
-                      <a:pPr algn="r" fontAlgn="ctr"/>
-                      <a:r>
-                        <a:rPr lang="en-GB" sz="2700" b="1" dirty="0" err="1">
-                          <a:effectLst/>
-                        </a:rPr>
-                        <a:t>Frühaufklärung</a:t>
-                      </a:r>
-                      <a:r>
-                        <a:rPr lang="en-GB" sz="2700" b="1" dirty="0">
-                          <a:effectLst/>
-                        </a:rPr>
-                        <a:t>/</a:t>
-                      </a:r>
-                      <a:r>
-                        <a:rPr lang="en-GB" sz="2700" b="1" dirty="0" err="1">
-                          <a:effectLst/>
-                        </a:rPr>
-                        <a:t>Realismus</a:t>
-                      </a:r>
-                      <a:endParaRPr lang="en-GB" sz="2700" b="1" dirty="0">
-                        <a:effectLst/>
-                      </a:endParaRPr>
-                    </a:p>
-                  </a:txBody>
-                  <a:tcPr marL="127214" marR="127214" marT="63606" marB="63606" anchor="ctr"/>
-                </a:tc>
-                <a:tc>
-                  <a:txBody>
-                    <a:bodyPr/>
-                    <a:lstStyle/>
-                    <a:p>
-                      <a:pPr algn="r" fontAlgn="ctr"/>
-                      <a:r>
-                        <a:rPr lang="en-DE" sz="2700">
-                          <a:effectLst/>
-                        </a:rPr>
-                        <a:t>0.397801</a:t>
-                      </a:r>
-                    </a:p>
-                  </a:txBody>
-                  <a:tcPr marL="127214" marR="127214" marT="63606" marB="63606" anchor="ctr"/>
-                </a:tc>
-                <a:tc>
-                  <a:txBody>
-                    <a:bodyPr/>
-                    <a:lstStyle/>
-                    <a:p>
-                      <a:pPr algn="r" fontAlgn="ctr"/>
-                      <a:r>
-                        <a:rPr lang="en-DE" sz="2700">
-                          <a:effectLst/>
-                        </a:rPr>
-                        <a:t>0.354273</a:t>
-                      </a:r>
-                    </a:p>
-                  </a:txBody>
-                  <a:tcPr marL="127214" marR="127214" marT="63606" marB="63606" anchor="ctr"/>
-                </a:tc>
-                <a:extLst>
-                  <a:ext uri="{0D108BD9-81ED-4DB2-BD59-A6C34878D82A}">
-                    <a16:rowId xmlns:a16="http://schemas.microsoft.com/office/drawing/2014/main" val="3710466259"/>
-                  </a:ext>
-                </a:extLst>
-              </a:tr>
-              <a:tr h="580644">
-                <a:tc>
-                  <a:txBody>
-                    <a:bodyPr/>
-                    <a:lstStyle/>
-                    <a:p>
-                      <a:pPr algn="r" fontAlgn="ctr"/>
-                      <a:r>
-                        <a:rPr lang="en-GB" sz="2700" b="0" dirty="0">
-                          <a:effectLst/>
-                        </a:rPr>
-                        <a:t>…</a:t>
-                      </a:r>
-                    </a:p>
-                  </a:txBody>
-                  <a:tcPr marL="127214" marR="127214" marT="63606" marB="63606" anchor="ctr"/>
-                </a:tc>
-                <a:tc>
-                  <a:txBody>
-                    <a:bodyPr/>
-                    <a:lstStyle/>
-                    <a:p>
-                      <a:pPr algn="r" fontAlgn="ctr"/>
-                      <a:r>
-                        <a:rPr lang="en-DE" sz="2700">
-                          <a:effectLst/>
-                        </a:rPr>
-                        <a:t>…</a:t>
-                      </a:r>
-                    </a:p>
-                  </a:txBody>
-                  <a:tcPr marL="127214" marR="127214" marT="63606" marB="63606" anchor="ctr"/>
-                </a:tc>
-                <a:tc>
-                  <a:txBody>
-                    <a:bodyPr/>
-                    <a:lstStyle/>
-                    <a:p>
-                      <a:pPr algn="r" fontAlgn="ctr"/>
-                      <a:r>
-                        <a:rPr lang="en-DE" sz="2700" dirty="0">
-                          <a:effectLst/>
-                        </a:rPr>
-                        <a:t>…</a:t>
-                      </a:r>
-                    </a:p>
-                  </a:txBody>
-                  <a:tcPr marL="127214" marR="127214" marT="63606" marB="63606" anchor="ctr"/>
-                </a:tc>
-                <a:extLst>
-                  <a:ext uri="{0D108BD9-81ED-4DB2-BD59-A6C34878D82A}">
-                    <a16:rowId xmlns:a16="http://schemas.microsoft.com/office/drawing/2014/main" val="1192203619"/>
-                  </a:ext>
-                </a:extLst>
-              </a:tr>
-              <a:tr h="580644">
-                <a:tc>
-                  <a:txBody>
-                    <a:bodyPr/>
-                    <a:lstStyle/>
-                    <a:p>
-                      <a:pPr algn="r" fontAlgn="ctr"/>
-                      <a:r>
-                        <a:rPr lang="en-GB" sz="2700" b="1" dirty="0" err="1">
-                          <a:effectLst/>
-                        </a:rPr>
-                        <a:t>Aufklärung</a:t>
-                      </a:r>
-                      <a:r>
-                        <a:rPr lang="en-GB" sz="2700" b="1" dirty="0">
-                          <a:effectLst/>
-                        </a:rPr>
-                        <a:t>/</a:t>
-                      </a:r>
-                      <a:r>
-                        <a:rPr lang="en-GB" sz="2700" b="1" dirty="0" err="1">
-                          <a:effectLst/>
-                        </a:rPr>
-                        <a:t>Moderne</a:t>
-                      </a:r>
-                      <a:endParaRPr lang="en-GB" sz="2700" b="1" dirty="0">
-                        <a:effectLst/>
-                      </a:endParaRPr>
-                    </a:p>
-                  </a:txBody>
-                  <a:tcPr marL="127214" marR="127214" marT="63606" marB="63606" anchor="ctr"/>
-                </a:tc>
-                <a:tc>
-                  <a:txBody>
-                    <a:bodyPr/>
-                    <a:lstStyle/>
-                    <a:p>
-                      <a:pPr algn="r" fontAlgn="ctr"/>
-                      <a:r>
-                        <a:rPr lang="en-DE" sz="2700">
-                          <a:effectLst/>
-                        </a:rPr>
-                        <a:t>-0.060318</a:t>
-                      </a:r>
-                    </a:p>
-                  </a:txBody>
-                  <a:tcPr marL="127214" marR="127214" marT="63606" marB="63606" anchor="ctr"/>
-                </a:tc>
-                <a:tc>
-                  <a:txBody>
-                    <a:bodyPr/>
-                    <a:lstStyle/>
-                    <a:p>
-                      <a:pPr algn="r" fontAlgn="ctr"/>
-                      <a:r>
-                        <a:rPr lang="en-DE" sz="2700" dirty="0">
-                          <a:effectLst/>
-                        </a:rPr>
-                        <a:t>0.059248</a:t>
-                      </a:r>
-                    </a:p>
-                  </a:txBody>
-                  <a:tcPr marL="127214" marR="127214" marT="63606" marB="63606" anchor="ctr"/>
-                </a:tc>
-                <a:extLst>
-                  <a:ext uri="{0D108BD9-81ED-4DB2-BD59-A6C34878D82A}">
-                    <a16:rowId xmlns:a16="http://schemas.microsoft.com/office/drawing/2014/main" val="3003024306"/>
-                  </a:ext>
-                </a:extLst>
-              </a:tr>
-              <a:tr h="580644">
-                <a:tc>
-                  <a:txBody>
-                    <a:bodyPr/>
-                    <a:lstStyle/>
-                    <a:p>
-                      <a:pPr algn="r" fontAlgn="ctr"/>
-                      <a:r>
-                        <a:rPr lang="en-GB" sz="2700" b="1">
-                          <a:effectLst/>
-                        </a:rPr>
-                        <a:t>Barock/Moderne</a:t>
-                      </a:r>
-                    </a:p>
-                  </a:txBody>
-                  <a:tcPr anchor="ctr"/>
-                </a:tc>
-                <a:tc>
-                  <a:txBody>
-                    <a:bodyPr/>
-                    <a:lstStyle/>
-                    <a:p>
-                      <a:pPr algn="r" fontAlgn="ctr"/>
-                      <a:r>
-                        <a:rPr lang="en-DE" sz="2700">
-                          <a:effectLst/>
-                        </a:rPr>
-                        <a:t>-0.068474</a:t>
-                      </a:r>
-                    </a:p>
-                  </a:txBody>
-                  <a:tcPr anchor="ctr"/>
-                </a:tc>
-                <a:tc>
-                  <a:txBody>
-                    <a:bodyPr/>
-                    <a:lstStyle/>
-                    <a:p>
-                      <a:pPr algn="r" fontAlgn="ctr"/>
-                      <a:r>
-                        <a:rPr lang="en-DE" sz="2700" dirty="0">
-                          <a:effectLst/>
-                        </a:rPr>
-                        <a:t>0.028013</a:t>
-                      </a:r>
-                    </a:p>
-                  </a:txBody>
-                  <a:tcPr anchor="ctr"/>
-                </a:tc>
-                <a:extLst>
-                  <a:ext uri="{0D108BD9-81ED-4DB2-BD59-A6C34878D82A}">
-                    <a16:rowId xmlns:a16="http://schemas.microsoft.com/office/drawing/2014/main" val="1140749754"/>
-                  </a:ext>
-                </a:extLst>
-              </a:tr>
-            </a:tbl>
-          </a:graphicData>
-        </a:graphic>
-      </p:graphicFrame>
-      <p:sp>
-        <p:nvSpPr>
-          <p:cNvPr id="2" name="TextBox 1">
-            <a:extLst>
-              <a:ext uri="{FF2B5EF4-FFF2-40B4-BE49-F238E27FC236}">
-                <a16:creationId xmlns:a16="http://schemas.microsoft.com/office/drawing/2014/main" id="{301ED263-CE8F-1D48-BBDC-C72FEC934413}"/>
+      </p:pic>
+      <p:sp>
+        <p:nvSpPr>
+          <p:cNvPr id="6" name="TextBox 5">
+            <a:extLst>
+              <a:ext uri="{FF2B5EF4-FFF2-40B4-BE49-F238E27FC236}">
+                <a16:creationId xmlns:a16="http://schemas.microsoft.com/office/drawing/2014/main" id="{90F669C5-0123-2348-A259-7BE0C33F2448}"/>
               </a:ext>
             </a:extLst>
           </p:cNvPr>
@@ -10913,215 +10504,144 @@
         </p:nvSpPr>
         <p:spPr>
           <a:xfrm>
-            <a:off x="35002" y="3303500"/>
-            <a:ext cx="1350177" cy="1477328"/>
+            <a:off x="477981" y="2536440"/>
+            <a:ext cx="3933306" cy="3544623"/>
           </a:xfrm>
           <a:prstGeom prst="rect">
             <a:avLst/>
           </a:prstGeom>
-          <a:noFill/>
-          <a:ln w="38100">
-            <a:solidFill>
-              <a:schemeClr val="tx1"/>
-            </a:solidFill>
-          </a:ln>
         </p:spPr>
         <p:txBody>
-          <a:bodyPr wrap="square" rtlCol="0">
-            <a:spAutoFit/>
+          <a:bodyPr vert="horz" lIns="91440" tIns="45720" rIns="91440" bIns="45720" rtlCol="0">
+            <a:normAutofit/>
           </a:bodyPr>
           <a:lstStyle/>
           <a:p>
-            <a:r>
-              <a:rPr lang="de-DE" dirty="0"/>
-              <a:t>Beinahe</a:t>
-            </a:r>
-          </a:p>
-          <a:p>
-            <a:r>
-              <a:rPr lang="de-DE" dirty="0"/>
-              <a:t>identische</a:t>
-            </a:r>
-          </a:p>
-          <a:p>
-            <a:r>
-              <a:rPr lang="de-DE" dirty="0" err="1"/>
-              <a:t>Scores</a:t>
-            </a:r>
-            <a:endParaRPr lang="de-DE" dirty="0"/>
-          </a:p>
-          <a:p>
-            <a:r>
-              <a:rPr lang="de-DE" dirty="0"/>
-              <a:t>bei GMM</a:t>
-            </a:r>
-          </a:p>
-          <a:p>
-            <a:endParaRPr lang="de-DE" dirty="0"/>
-          </a:p>
-        </p:txBody>
-      </p:sp>
-      <p:cxnSp>
-        <p:nvCxnSpPr>
-          <p:cNvPr id="7" name="Straight Arrow Connector 6">
-            <a:extLst>
-              <a:ext uri="{FF2B5EF4-FFF2-40B4-BE49-F238E27FC236}">
-                <a16:creationId xmlns:a16="http://schemas.microsoft.com/office/drawing/2014/main" id="{03DD09AE-3699-064E-BDA0-4B309B147AC0}"/>
-              </a:ext>
-            </a:extLst>
-          </p:cNvPr>
-          <p:cNvCxnSpPr>
-            <a:cxnSpLocks/>
-          </p:cNvCxnSpPr>
-          <p:nvPr/>
-        </p:nvCxnSpPr>
-        <p:spPr>
-          <a:xfrm>
-            <a:off x="1385179" y="3586162"/>
-            <a:ext cx="400759" cy="0"/>
-          </a:xfrm>
-          <a:prstGeom prst="straightConnector1">
-            <a:avLst/>
-          </a:prstGeom>
-          <a:ln w="76200">
-            <a:tailEnd type="triangle"/>
-          </a:ln>
-        </p:spPr>
-        <p:style>
-          <a:lnRef idx="1">
-            <a:schemeClr val="dk1"/>
-          </a:lnRef>
-          <a:fillRef idx="0">
-            <a:schemeClr val="dk1"/>
-          </a:fillRef>
-          <a:effectRef idx="0">
-            <a:schemeClr val="dk1"/>
-          </a:effectRef>
-          <a:fontRef idx="minor">
-            <a:schemeClr val="tx1"/>
-          </a:fontRef>
-        </p:style>
-      </p:cxnSp>
+            <a:pPr marL="342900" indent="-342900">
+              <a:lnSpc>
+                <a:spcPct val="110000"/>
+              </a:lnSpc>
+              <a:spcBef>
+                <a:spcPts val="1000"/>
+              </a:spcBef>
+              <a:buFont typeface="Arial" panose="020B0604020202020204" pitchFamily="34" charset="0"/>
+              <a:buChar char="•"/>
+            </a:pPr>
+            <a:r>
+              <a:rPr lang="en-US" sz="2800" b="1" dirty="0" err="1"/>
+              <a:t>Alle</a:t>
+            </a:r>
+            <a:r>
+              <a:rPr lang="en-US" sz="2800" dirty="0"/>
+              <a:t> </a:t>
+            </a:r>
+            <a:r>
+              <a:rPr lang="en-US" sz="2800" dirty="0" err="1"/>
+              <a:t>Epochen</a:t>
+            </a:r>
+            <a:endParaRPr lang="en-US" sz="2800" dirty="0"/>
+          </a:p>
+          <a:p>
+            <a:pPr marL="342900" indent="-342900">
+              <a:lnSpc>
+                <a:spcPct val="110000"/>
+              </a:lnSpc>
+              <a:spcBef>
+                <a:spcPts val="1000"/>
+              </a:spcBef>
+              <a:buFont typeface="Arial" panose="020B0604020202020204" pitchFamily="34" charset="0"/>
+              <a:buChar char="•"/>
+            </a:pPr>
+            <a:r>
+              <a:rPr lang="en-US" sz="2800" dirty="0" err="1"/>
+              <a:t>Einteilung</a:t>
+            </a:r>
+            <a:r>
+              <a:rPr lang="en-US" sz="2800" dirty="0"/>
+              <a:t> </a:t>
+            </a:r>
+            <a:r>
+              <a:rPr lang="en-US" sz="2800" dirty="0" err="1"/>
+              <a:t>nach</a:t>
+            </a:r>
+            <a:r>
+              <a:rPr lang="en-US" sz="2800" dirty="0"/>
+              <a:t> </a:t>
+            </a:r>
+            <a:r>
+              <a:rPr lang="en-US" sz="2800" b="1" dirty="0"/>
+              <a:t>AMANN</a:t>
+            </a:r>
+          </a:p>
+          <a:p>
+            <a:pPr marL="342900" indent="-342900">
+              <a:lnSpc>
+                <a:spcPct val="110000"/>
+              </a:lnSpc>
+              <a:spcBef>
+                <a:spcPts val="1000"/>
+              </a:spcBef>
+              <a:buFont typeface="Arial" panose="020B0604020202020204" pitchFamily="34" charset="0"/>
+              <a:buChar char="•"/>
+            </a:pPr>
+            <a:r>
+              <a:rPr lang="en-US" sz="2800" dirty="0" err="1"/>
+              <a:t>Gedichte</a:t>
+            </a:r>
+            <a:r>
+              <a:rPr lang="en-US" sz="2800" dirty="0"/>
+              <a:t> </a:t>
+            </a:r>
+            <a:r>
+              <a:rPr lang="en-US" sz="2800" dirty="0" err="1"/>
+              <a:t>nach</a:t>
+            </a:r>
+            <a:r>
+              <a:rPr lang="en-US" sz="2800" dirty="0"/>
+              <a:t> </a:t>
+            </a:r>
+            <a:r>
+              <a:rPr lang="en-US" sz="2800"/>
+              <a:t>Dichtern</a:t>
+            </a:r>
+            <a:r>
+              <a:rPr lang="en-US" sz="2800" dirty="0"/>
+              <a:t> </a:t>
+            </a:r>
+            <a:r>
+              <a:rPr lang="en-US" sz="2800" dirty="0" err="1"/>
+              <a:t>zusammengefügt</a:t>
+            </a:r>
+            <a:endParaRPr lang="en-US" sz="2800" dirty="0"/>
+          </a:p>
+          <a:p>
+            <a:pPr>
+              <a:lnSpc>
+                <a:spcPct val="110000"/>
+              </a:lnSpc>
+              <a:spcBef>
+                <a:spcPts val="1000"/>
+              </a:spcBef>
+            </a:pPr>
+            <a:endParaRPr lang="en-US" sz="2000" b="1" dirty="0"/>
+          </a:p>
+        </p:txBody>
+      </p:sp>
     </p:spTree>
     <p:extLst>
       <p:ext uri="{BB962C8B-B14F-4D97-AF65-F5344CB8AC3E}">
-        <p14:creationId xmlns:p14="http://schemas.microsoft.com/office/powerpoint/2010/main" val="570995145"/>
+        <p14:creationId xmlns:p14="http://schemas.microsoft.com/office/powerpoint/2010/main" val="3715953604"/>
       </p:ext>
     </p:extLst>
   </p:cSld>
   <p:clrMapOvr>
     <a:masterClrMapping/>
   </p:clrMapOvr>
-  <p:timing>
-    <p:tnLst>
-      <p:par>
-        <p:cTn id="1" dur="indefinite" restart="never" nodeType="tmRoot">
-          <p:childTnLst>
-            <p:seq concurrent="1" nextAc="seek">
-              <p:cTn id="2" dur="indefinite" nodeType="mainSeq">
-                <p:childTnLst>
-                  <p:par>
-                    <p:cTn id="3" fill="hold">
-                      <p:stCondLst>
-                        <p:cond delay="indefinite"/>
-                      </p:stCondLst>
-                      <p:childTnLst>
-                        <p:par>
-                          <p:cTn id="4" fill="hold">
-                            <p:stCondLst>
-                              <p:cond delay="0"/>
-                            </p:stCondLst>
-                            <p:childTnLst>
-                              <p:par>
-                                <p:cTn id="5" presetID="1" presetClass="entr" presetSubtype="0" fill="hold" nodeType="clickEffect">
-                                  <p:stCondLst>
-                                    <p:cond delay="0"/>
-                                  </p:stCondLst>
-                                  <p:childTnLst>
-                                    <p:set>
-                                      <p:cBhvr>
-                                        <p:cTn id="6" dur="1" fill="hold">
-                                          <p:stCondLst>
-                                            <p:cond delay="0"/>
-                                          </p:stCondLst>
-                                        </p:cTn>
-                                        <p:tgtEl>
-                                          <p:spTgt spid="7"/>
-                                        </p:tgtEl>
-                                        <p:attrNameLst>
-                                          <p:attrName>style.visibility</p:attrName>
-                                        </p:attrNameLst>
-                                      </p:cBhvr>
-                                      <p:to>
-                                        <p:strVal val="visible"/>
-                                      </p:to>
-                                    </p:set>
-                                  </p:childTnLst>
-                                </p:cTn>
-                              </p:par>
-                              <p:par>
-                                <p:cTn id="7" presetID="1" presetClass="entr" presetSubtype="0" fill="hold" grpId="0" nodeType="withEffect">
-                                  <p:stCondLst>
-                                    <p:cond delay="0"/>
-                                  </p:stCondLst>
-                                  <p:childTnLst>
-                                    <p:set>
-                                      <p:cBhvr>
-                                        <p:cTn id="8" dur="1" fill="hold">
-                                          <p:stCondLst>
-                                            <p:cond delay="0"/>
-                                          </p:stCondLst>
-                                        </p:cTn>
-                                        <p:tgtEl>
-                                          <p:spTgt spid="2"/>
-                                        </p:tgtEl>
-                                        <p:attrNameLst>
-                                          <p:attrName>style.visibility</p:attrName>
-                                        </p:attrNameLst>
-                                      </p:cBhvr>
-                                      <p:to>
-                                        <p:strVal val="visible"/>
-                                      </p:to>
-                                    </p:set>
-                                  </p:childTnLst>
-                                </p:cTn>
-                              </p:par>
-                            </p:childTnLst>
-                          </p:cTn>
-                        </p:par>
-                      </p:childTnLst>
-                    </p:cTn>
-                  </p:par>
-                </p:childTnLst>
-              </p:cTn>
-              <p:prevCondLst>
-                <p:cond evt="onPrev" delay="0">
-                  <p:tgtEl>
-                    <p:sldTgt/>
-                  </p:tgtEl>
-                </p:cond>
-              </p:prevCondLst>
-              <p:nextCondLst>
-                <p:cond evt="onNext" delay="0">
-                  <p:tgtEl>
-                    <p:sldTgt/>
-                  </p:tgtEl>
-                </p:cond>
-              </p:nextCondLst>
-            </p:seq>
-          </p:childTnLst>
-        </p:cTn>
-      </p:par>
-    </p:tnLst>
-    <p:bldLst>
-      <p:bldP spid="2" grpId="0" animBg="1"/>
-    </p:bldLst>
-  </p:timing>
 </p:sld>
 </file>
 
-<file path=ppt/slides/slide21.xml><?xml version="1.0" encoding="utf-8"?>
-<p:sld xmlns:a="http://schemas.openxmlformats.org/drawingml/2006/main" xmlns:r="http://schemas.openxmlformats.org/officeDocument/2006/relationships" xmlns:p="http://schemas.openxmlformats.org/presentationml/2006/main" show="0">
+<file path=ppt/slides/slide2.xml><?xml version="1.0" encoding="utf-8"?>
+<p:sld xmlns:a="http://schemas.openxmlformats.org/drawingml/2006/main" xmlns:r="http://schemas.openxmlformats.org/officeDocument/2006/relationships" xmlns:p="http://schemas.openxmlformats.org/presentationml/2006/main">
   <p:cSld>
     <p:spTree>
       <p:nvGrpSpPr>
@@ -11139,10 +10659,10 @@
       </p:grpSpPr>
       <p:sp>
         <p:nvSpPr>
-          <p:cNvPr id="5" name="Title 4">
-            <a:extLst>
-              <a:ext uri="{FF2B5EF4-FFF2-40B4-BE49-F238E27FC236}">
-                <a16:creationId xmlns:a16="http://schemas.microsoft.com/office/drawing/2014/main" id="{9E70DB90-324C-D04B-8F51-5DB32ADB443C}"/>
+          <p:cNvPr id="2" name="Title 1">
+            <a:extLst>
+              <a:ext uri="{FF2B5EF4-FFF2-40B4-BE49-F238E27FC236}">
+                <a16:creationId xmlns:a16="http://schemas.microsoft.com/office/drawing/2014/main" id="{ABBD1032-7C21-EB45-88CD-39E1CDFCEED7}"/>
               </a:ext>
             </a:extLst>
           </p:cNvPr>
@@ -11155,1031 +10675,149 @@
         </p:nvSpPr>
         <p:spPr/>
         <p:txBody>
-          <a:bodyPr>
-            <a:normAutofit fontScale="90000"/>
-          </a:bodyPr>
+          <a:bodyPr/>
           <a:lstStyle/>
           <a:p>
             <a:r>
-              <a:rPr lang="de-DE" b="1" dirty="0"/>
-              <a:t>K-</a:t>
-            </a:r>
-            <a:r>
-              <a:rPr lang="de-DE" b="1" dirty="0" err="1"/>
-              <a:t>Means</a:t>
-            </a:r>
-            <a:r>
-              <a:rPr lang="de-DE" b="1" dirty="0"/>
-              <a:t> (I) </a:t>
-            </a:r>
-            <a:br>
-              <a:rPr lang="de-DE" b="1" dirty="0"/>
-            </a:br>
-            <a:r>
-              <a:rPr lang="de-DE" dirty="0"/>
-              <a:t>Häufigsten 10 Worte des besten </a:t>
-            </a:r>
-            <a:r>
-              <a:rPr lang="de-DE" dirty="0" err="1"/>
-              <a:t>Clusterings</a:t>
-            </a:r>
-            <a:endParaRPr lang="de-DE" dirty="0"/>
-          </a:p>
-        </p:txBody>
-      </p:sp>
-      <p:graphicFrame>
-        <p:nvGraphicFramePr>
-          <p:cNvPr id="4" name="Content Placeholder 3">
-            <a:extLst>
-              <a:ext uri="{FF2B5EF4-FFF2-40B4-BE49-F238E27FC236}">
-                <a16:creationId xmlns:a16="http://schemas.microsoft.com/office/drawing/2014/main" id="{AF660BFF-771B-1C49-87CA-2E80B36FD37A}"/>
-              </a:ext>
-            </a:extLst>
-          </p:cNvPr>
-          <p:cNvGraphicFramePr>
-            <a:graphicFrameLocks noGrp="1"/>
-          </p:cNvGraphicFramePr>
+              <a:rPr lang="en-DE" dirty="0"/>
+              <a:t>Übersicht</a:t>
+            </a:r>
+          </a:p>
+        </p:txBody>
+      </p:sp>
+      <p:sp>
+        <p:nvSpPr>
+          <p:cNvPr id="3" name="Content Placeholder 2">
+            <a:extLst>
+              <a:ext uri="{FF2B5EF4-FFF2-40B4-BE49-F238E27FC236}">
+                <a16:creationId xmlns:a16="http://schemas.microsoft.com/office/drawing/2014/main" id="{80899769-BBF7-274C-B579-0AE87166EDED}"/>
+              </a:ext>
+            </a:extLst>
+          </p:cNvPr>
+          <p:cNvSpPr>
+            <a:spLocks noGrp="1"/>
+          </p:cNvSpPr>
           <p:nvPr>
-            <p:ph sz="half" idx="1"/>
-            <p:extLst>
-              <p:ext uri="{D42A27DB-BD31-4B8C-83A1-F6EECF244321}">
-                <p14:modId xmlns:p14="http://schemas.microsoft.com/office/powerpoint/2010/main" val="1724844451"/>
-              </p:ext>
-            </p:extLst>
+            <p:ph idx="1"/>
           </p:nvPr>
-        </p:nvGraphicFramePr>
-        <p:xfrm>
-          <a:off x="3688867" y="2181282"/>
-          <a:ext cx="1925036" cy="4453891"/>
-        </p:xfrm>
-        <a:graphic>
-          <a:graphicData uri="http://schemas.openxmlformats.org/drawingml/2006/table">
-            <a:tbl>
-              <a:tblPr firstRow="1" bandRow="1">
-                <a:tableStyleId>{5C22544A-7EE6-4342-B048-85BDC9FD1C3A}</a:tableStyleId>
-              </a:tblPr>
-              <a:tblGrid>
-                <a:gridCol w="482080">
-                  <a:extLst>
-                    <a:ext uri="{9D8B030D-6E8A-4147-A177-3AD203B41FA5}">
-                      <a16:colId xmlns:a16="http://schemas.microsoft.com/office/drawing/2014/main" val="2599860606"/>
-                    </a:ext>
-                  </a:extLst>
-                </a:gridCol>
-                <a:gridCol w="1442956">
-                  <a:extLst>
-                    <a:ext uri="{9D8B030D-6E8A-4147-A177-3AD203B41FA5}">
-                      <a16:colId xmlns:a16="http://schemas.microsoft.com/office/drawing/2014/main" val="828020163"/>
-                    </a:ext>
-                  </a:extLst>
-                </a:gridCol>
-              </a:tblGrid>
-              <a:tr h="491491">
-                <a:tc>
-                  <a:txBody>
-                    <a:bodyPr/>
-                    <a:lstStyle/>
-                    <a:p>
-                      <a:pPr algn="r" fontAlgn="ctr"/>
-                      <a:endParaRPr lang="en-GB" b="1" dirty="0">
-                        <a:effectLst/>
-                      </a:endParaRPr>
-                    </a:p>
-                  </a:txBody>
-                  <a:tcPr anchor="ctr"/>
-                </a:tc>
-                <a:tc>
-                  <a:txBody>
-                    <a:bodyPr/>
-                    <a:lstStyle/>
-                    <a:p>
-                      <a:pPr algn="r" fontAlgn="ctr"/>
-                      <a:endParaRPr lang="en-GB" b="1" dirty="0">
-                        <a:effectLst/>
-                      </a:endParaRPr>
-                    </a:p>
-                  </a:txBody>
-                  <a:tcPr anchor="ctr"/>
-                </a:tc>
-                <a:extLst>
-                  <a:ext uri="{0D108BD9-81ED-4DB2-BD59-A6C34878D82A}">
-                    <a16:rowId xmlns:a16="http://schemas.microsoft.com/office/drawing/2014/main" val="3481616388"/>
-                  </a:ext>
-                </a:extLst>
-              </a:tr>
-              <a:tr h="0">
-                <a:tc>
-                  <a:txBody>
-                    <a:bodyPr/>
-                    <a:lstStyle/>
-                    <a:p>
-                      <a:pPr algn="r" fontAlgn="ctr"/>
-                      <a:r>
-                        <a:rPr lang="en-GB" sz="2000" dirty="0">
-                          <a:effectLst/>
-                        </a:rPr>
-                        <a:t>1</a:t>
-                      </a:r>
-                    </a:p>
-                  </a:txBody>
-                  <a:tcPr anchor="ctr"/>
-                </a:tc>
-                <a:tc>
-                  <a:txBody>
-                    <a:bodyPr/>
-                    <a:lstStyle/>
-                    <a:p>
-                      <a:pPr algn="r" fontAlgn="ctr"/>
-                      <a:r>
-                        <a:rPr lang="en-GB" sz="2000" b="1" dirty="0" err="1">
-                          <a:effectLst/>
-                        </a:rPr>
-                        <a:t>gott</a:t>
-                      </a:r>
-                      <a:endParaRPr lang="en-GB" sz="2000" b="1" dirty="0">
-                        <a:effectLst/>
-                      </a:endParaRPr>
-                    </a:p>
-                  </a:txBody>
-                  <a:tcPr anchor="ctr"/>
-                </a:tc>
-                <a:extLst>
-                  <a:ext uri="{0D108BD9-81ED-4DB2-BD59-A6C34878D82A}">
-                    <a16:rowId xmlns:a16="http://schemas.microsoft.com/office/drawing/2014/main" val="2792915004"/>
-                  </a:ext>
-                </a:extLst>
-              </a:tr>
-              <a:tr h="370840">
-                <a:tc>
-                  <a:txBody>
-                    <a:bodyPr/>
-                    <a:lstStyle/>
-                    <a:p>
-                      <a:pPr algn="r" fontAlgn="ctr"/>
-                      <a:r>
-                        <a:rPr lang="en-GB" sz="2000" dirty="0">
-                          <a:effectLst/>
-                        </a:rPr>
-                        <a:t>2</a:t>
-                      </a:r>
-                    </a:p>
-                  </a:txBody>
-                  <a:tcPr anchor="ctr"/>
-                </a:tc>
-                <a:tc>
-                  <a:txBody>
-                    <a:bodyPr/>
-                    <a:lstStyle/>
-                    <a:p>
-                      <a:pPr algn="r" fontAlgn="ctr"/>
-                      <a:r>
-                        <a:rPr lang="en-GB" sz="2000" b="1" dirty="0" err="1">
-                          <a:effectLst/>
-                        </a:rPr>
-                        <a:t>herz</a:t>
-                      </a:r>
-                      <a:endParaRPr lang="en-GB" sz="2000" b="1" dirty="0">
-                        <a:effectLst/>
-                      </a:endParaRPr>
-                    </a:p>
-                  </a:txBody>
-                  <a:tcPr anchor="ctr"/>
-                </a:tc>
-                <a:extLst>
-                  <a:ext uri="{0D108BD9-81ED-4DB2-BD59-A6C34878D82A}">
-                    <a16:rowId xmlns:a16="http://schemas.microsoft.com/office/drawing/2014/main" val="2852790106"/>
-                  </a:ext>
-                </a:extLst>
-              </a:tr>
-              <a:tr h="370840">
-                <a:tc>
-                  <a:txBody>
-                    <a:bodyPr/>
-                    <a:lstStyle/>
-                    <a:p>
-                      <a:pPr algn="r" fontAlgn="ctr"/>
-                      <a:r>
-                        <a:rPr lang="en-GB" sz="2000" dirty="0">
-                          <a:effectLst/>
-                        </a:rPr>
-                        <a:t>3</a:t>
-                      </a:r>
-                    </a:p>
-                  </a:txBody>
-                  <a:tcPr anchor="ctr"/>
-                </a:tc>
-                <a:tc>
-                  <a:txBody>
-                    <a:bodyPr/>
-                    <a:lstStyle/>
-                    <a:p>
-                      <a:pPr algn="r" fontAlgn="ctr"/>
-                      <a:r>
-                        <a:rPr lang="en-GB" sz="2000" b="1" dirty="0" err="1">
-                          <a:effectLst/>
-                        </a:rPr>
-                        <a:t>wer</a:t>
-                      </a:r>
-                      <a:endParaRPr lang="en-GB" sz="2000" b="1" dirty="0">
-                        <a:effectLst/>
-                      </a:endParaRPr>
-                    </a:p>
-                  </a:txBody>
-                  <a:tcPr anchor="ctr"/>
-                </a:tc>
-                <a:extLst>
-                  <a:ext uri="{0D108BD9-81ED-4DB2-BD59-A6C34878D82A}">
-                    <a16:rowId xmlns:a16="http://schemas.microsoft.com/office/drawing/2014/main" val="1175727658"/>
-                  </a:ext>
-                </a:extLst>
-              </a:tr>
-              <a:tr h="370840">
-                <a:tc>
-                  <a:txBody>
-                    <a:bodyPr/>
-                    <a:lstStyle/>
-                    <a:p>
-                      <a:pPr algn="r" fontAlgn="ctr"/>
-                      <a:r>
-                        <a:rPr lang="en-GB" sz="2000" dirty="0">
-                          <a:effectLst/>
-                        </a:rPr>
-                        <a:t>4</a:t>
-                      </a:r>
-                    </a:p>
-                  </a:txBody>
-                  <a:tcPr anchor="ctr"/>
-                </a:tc>
-                <a:tc>
-                  <a:txBody>
-                    <a:bodyPr/>
-                    <a:lstStyle/>
-                    <a:p>
-                      <a:pPr algn="r" fontAlgn="ctr"/>
-                      <a:r>
-                        <a:rPr lang="en-GB" sz="2000" b="1" dirty="0">
-                          <a:effectLst/>
-                        </a:rPr>
-                        <a:t>welt</a:t>
-                      </a:r>
-                    </a:p>
-                  </a:txBody>
-                  <a:tcPr anchor="ctr"/>
-                </a:tc>
-                <a:extLst>
-                  <a:ext uri="{0D108BD9-81ED-4DB2-BD59-A6C34878D82A}">
-                    <a16:rowId xmlns:a16="http://schemas.microsoft.com/office/drawing/2014/main" val="1889070841"/>
-                  </a:ext>
-                </a:extLst>
-              </a:tr>
-              <a:tr h="370840">
-                <a:tc>
-                  <a:txBody>
-                    <a:bodyPr/>
-                    <a:lstStyle/>
-                    <a:p>
-                      <a:pPr algn="r" fontAlgn="ctr"/>
-                      <a:r>
-                        <a:rPr lang="en-GB" sz="2000" dirty="0">
-                          <a:effectLst/>
-                        </a:rPr>
-                        <a:t>5</a:t>
-                      </a:r>
-                    </a:p>
-                  </a:txBody>
-                  <a:tcPr anchor="ctr"/>
-                </a:tc>
-                <a:tc>
-                  <a:txBody>
-                    <a:bodyPr/>
-                    <a:lstStyle/>
-                    <a:p>
-                      <a:pPr algn="r" fontAlgn="ctr"/>
-                      <a:r>
-                        <a:rPr lang="en-GB" sz="2000" b="1" dirty="0">
-                          <a:effectLst/>
-                        </a:rPr>
-                        <a:t>sei</a:t>
-                      </a:r>
-                    </a:p>
-                  </a:txBody>
-                  <a:tcPr anchor="ctr"/>
-                </a:tc>
-                <a:extLst>
-                  <a:ext uri="{0D108BD9-81ED-4DB2-BD59-A6C34878D82A}">
-                    <a16:rowId xmlns:a16="http://schemas.microsoft.com/office/drawing/2014/main" val="2476718903"/>
-                  </a:ext>
-                </a:extLst>
-              </a:tr>
-              <a:tr h="370840">
-                <a:tc>
-                  <a:txBody>
-                    <a:bodyPr/>
-                    <a:lstStyle/>
-                    <a:p>
-                      <a:pPr algn="r" fontAlgn="ctr"/>
-                      <a:r>
-                        <a:rPr lang="en-GB" sz="2000" dirty="0">
-                          <a:effectLst/>
-                        </a:rPr>
-                        <a:t>6</a:t>
-                      </a:r>
-                    </a:p>
-                  </a:txBody>
-                  <a:tcPr anchor="ctr"/>
-                </a:tc>
-                <a:tc>
-                  <a:txBody>
-                    <a:bodyPr/>
-                    <a:lstStyle/>
-                    <a:p>
-                      <a:pPr algn="r" fontAlgn="ctr"/>
-                      <a:r>
-                        <a:rPr lang="en-GB" sz="2000" b="1" dirty="0" err="1">
-                          <a:effectLst/>
-                        </a:rPr>
-                        <a:t>liebe</a:t>
-                      </a:r>
-                      <a:endParaRPr lang="en-GB" sz="2000" b="1" dirty="0">
-                        <a:effectLst/>
-                      </a:endParaRPr>
-                    </a:p>
-                  </a:txBody>
-                  <a:tcPr anchor="ctr"/>
-                </a:tc>
-                <a:extLst>
-                  <a:ext uri="{0D108BD9-81ED-4DB2-BD59-A6C34878D82A}">
-                    <a16:rowId xmlns:a16="http://schemas.microsoft.com/office/drawing/2014/main" val="3357551232"/>
-                  </a:ext>
-                </a:extLst>
-              </a:tr>
-              <a:tr h="370840">
-                <a:tc>
-                  <a:txBody>
-                    <a:bodyPr/>
-                    <a:lstStyle/>
-                    <a:p>
-                      <a:pPr algn="r" fontAlgn="ctr"/>
-                      <a:r>
-                        <a:rPr lang="en-GB" sz="2000" dirty="0">
-                          <a:effectLst/>
-                        </a:rPr>
-                        <a:t>7</a:t>
-                      </a:r>
-                    </a:p>
-                  </a:txBody>
-                  <a:tcPr anchor="ctr"/>
-                </a:tc>
-                <a:tc>
-                  <a:txBody>
-                    <a:bodyPr/>
-                    <a:lstStyle/>
-                    <a:p>
-                      <a:pPr algn="r" fontAlgn="ctr"/>
-                      <a:r>
-                        <a:rPr lang="en-GB" sz="2000" b="1" dirty="0" err="1">
-                          <a:effectLst/>
-                        </a:rPr>
-                        <a:t>wohl</a:t>
-                      </a:r>
-                      <a:endParaRPr lang="en-GB" sz="2000" b="1" dirty="0">
-                        <a:effectLst/>
-                      </a:endParaRPr>
-                    </a:p>
-                  </a:txBody>
-                  <a:tcPr anchor="ctr"/>
-                </a:tc>
-                <a:extLst>
-                  <a:ext uri="{0D108BD9-81ED-4DB2-BD59-A6C34878D82A}">
-                    <a16:rowId xmlns:a16="http://schemas.microsoft.com/office/drawing/2014/main" val="29535288"/>
-                  </a:ext>
-                </a:extLst>
-              </a:tr>
-              <a:tr h="370840">
-                <a:tc>
-                  <a:txBody>
-                    <a:bodyPr/>
-                    <a:lstStyle/>
-                    <a:p>
-                      <a:pPr algn="r" fontAlgn="ctr"/>
-                      <a:r>
-                        <a:rPr lang="en-GB" sz="2000" dirty="0">
-                          <a:effectLst/>
-                        </a:rPr>
-                        <a:t>8</a:t>
-                      </a:r>
-                    </a:p>
-                  </a:txBody>
-                  <a:tcPr anchor="ctr"/>
-                </a:tc>
-                <a:tc>
-                  <a:txBody>
-                    <a:bodyPr/>
-                    <a:lstStyle/>
-                    <a:p>
-                      <a:pPr algn="r" fontAlgn="ctr"/>
-                      <a:r>
-                        <a:rPr lang="en-GB" sz="2000" b="1" dirty="0">
-                          <a:effectLst/>
-                        </a:rPr>
-                        <a:t>leben</a:t>
-                      </a:r>
-                    </a:p>
-                  </a:txBody>
-                  <a:tcPr anchor="ctr"/>
-                </a:tc>
-                <a:extLst>
-                  <a:ext uri="{0D108BD9-81ED-4DB2-BD59-A6C34878D82A}">
-                    <a16:rowId xmlns:a16="http://schemas.microsoft.com/office/drawing/2014/main" val="1684373794"/>
-                  </a:ext>
-                </a:extLst>
-              </a:tr>
-              <a:tr h="370840">
-                <a:tc>
-                  <a:txBody>
-                    <a:bodyPr/>
-                    <a:lstStyle/>
-                    <a:p>
-                      <a:pPr algn="r" fontAlgn="ctr"/>
-                      <a:r>
-                        <a:rPr lang="en-GB" sz="2000" dirty="0">
-                          <a:effectLst/>
-                        </a:rPr>
-                        <a:t>9</a:t>
-                      </a:r>
-                    </a:p>
-                  </a:txBody>
-                  <a:tcPr anchor="ctr"/>
-                </a:tc>
-                <a:tc>
-                  <a:txBody>
-                    <a:bodyPr/>
-                    <a:lstStyle/>
-                    <a:p>
-                      <a:pPr algn="r" fontAlgn="ctr"/>
-                      <a:r>
-                        <a:rPr lang="en-GB" sz="2000" b="1" dirty="0" err="1">
-                          <a:effectLst/>
-                        </a:rPr>
-                        <a:t>schon</a:t>
-                      </a:r>
-                      <a:endParaRPr lang="en-GB" sz="2000" b="1" dirty="0">
-                        <a:effectLst/>
-                      </a:endParaRPr>
-                    </a:p>
-                  </a:txBody>
-                  <a:tcPr anchor="ctr"/>
-                </a:tc>
-                <a:extLst>
-                  <a:ext uri="{0D108BD9-81ED-4DB2-BD59-A6C34878D82A}">
-                    <a16:rowId xmlns:a16="http://schemas.microsoft.com/office/drawing/2014/main" val="2838643809"/>
-                  </a:ext>
-                </a:extLst>
-              </a:tr>
-              <a:tr h="370840">
-                <a:tc>
-                  <a:txBody>
-                    <a:bodyPr/>
-                    <a:lstStyle/>
-                    <a:p>
-                      <a:pPr algn="r" fontAlgn="ctr"/>
-                      <a:r>
-                        <a:rPr lang="en-GB" sz="2000" dirty="0">
-                          <a:effectLst/>
-                        </a:rPr>
-                        <a:t>10</a:t>
-                      </a:r>
-                    </a:p>
-                  </a:txBody>
-                  <a:tcPr anchor="ctr"/>
-                </a:tc>
-                <a:tc>
-                  <a:txBody>
-                    <a:bodyPr/>
-                    <a:lstStyle/>
-                    <a:p>
-                      <a:pPr algn="r" fontAlgn="ctr"/>
-                      <a:r>
-                        <a:rPr lang="en-GB" sz="2000" b="1" dirty="0" err="1">
-                          <a:effectLst/>
-                        </a:rPr>
-                        <a:t>mehr</a:t>
-                      </a:r>
-                      <a:endParaRPr lang="en-GB" sz="2000" b="1" dirty="0">
-                        <a:effectLst/>
-                      </a:endParaRPr>
-                    </a:p>
-                  </a:txBody>
-                  <a:tcPr anchor="ctr"/>
-                </a:tc>
-                <a:extLst>
-                  <a:ext uri="{0D108BD9-81ED-4DB2-BD59-A6C34878D82A}">
-                    <a16:rowId xmlns:a16="http://schemas.microsoft.com/office/drawing/2014/main" val="2117342910"/>
-                  </a:ext>
-                </a:extLst>
-              </a:tr>
-            </a:tbl>
-          </a:graphicData>
-        </a:graphic>
-      </p:graphicFrame>
-      <p:graphicFrame>
-        <p:nvGraphicFramePr>
-          <p:cNvPr id="9" name="Content Placeholder 8">
-            <a:extLst>
-              <a:ext uri="{FF2B5EF4-FFF2-40B4-BE49-F238E27FC236}">
-                <a16:creationId xmlns:a16="http://schemas.microsoft.com/office/drawing/2014/main" id="{5ED111C9-A792-2C46-9D1C-87BF36A15CB0}"/>
-              </a:ext>
-            </a:extLst>
-          </p:cNvPr>
-          <p:cNvGraphicFramePr>
-            <a:graphicFrameLocks noGrp="1"/>
-          </p:cNvGraphicFramePr>
-          <p:nvPr>
-            <p:ph sz="half" idx="2"/>
-            <p:extLst>
-              <p:ext uri="{D42A27DB-BD31-4B8C-83A1-F6EECF244321}">
-                <p14:modId xmlns:p14="http://schemas.microsoft.com/office/powerpoint/2010/main" val="3047877118"/>
-              </p:ext>
-            </p:extLst>
-          </p:nvPr>
-        </p:nvGraphicFramePr>
-        <p:xfrm>
-          <a:off x="6568573" y="2181282"/>
-          <a:ext cx="1925032" cy="4431806"/>
-        </p:xfrm>
-        <a:graphic>
-          <a:graphicData uri="http://schemas.openxmlformats.org/drawingml/2006/table">
-            <a:tbl>
-              <a:tblPr firstRow="1" bandRow="1">
-                <a:tableStyleId>{5C22544A-7EE6-4342-B048-85BDC9FD1C3A}</a:tableStyleId>
-              </a:tblPr>
-              <a:tblGrid>
-                <a:gridCol w="586206">
-                  <a:extLst>
-                    <a:ext uri="{9D8B030D-6E8A-4147-A177-3AD203B41FA5}">
-                      <a16:colId xmlns:a16="http://schemas.microsoft.com/office/drawing/2014/main" val="3618807907"/>
-                    </a:ext>
-                  </a:extLst>
-                </a:gridCol>
-                <a:gridCol w="1338826">
-                  <a:extLst>
-                    <a:ext uri="{9D8B030D-6E8A-4147-A177-3AD203B41FA5}">
-                      <a16:colId xmlns:a16="http://schemas.microsoft.com/office/drawing/2014/main" val="3407045452"/>
-                    </a:ext>
-                  </a:extLst>
-                </a:gridCol>
-              </a:tblGrid>
-              <a:tr h="469406">
-                <a:tc>
-                  <a:txBody>
-                    <a:bodyPr/>
-                    <a:lstStyle/>
-                    <a:p>
-                      <a:pPr algn="r" fontAlgn="ctr"/>
-                      <a:endParaRPr lang="en-GB" b="1" dirty="0">
-                        <a:effectLst/>
-                      </a:endParaRPr>
-                    </a:p>
-                  </a:txBody>
-                  <a:tcPr anchor="ctr"/>
-                </a:tc>
-                <a:tc>
-                  <a:txBody>
-                    <a:bodyPr/>
-                    <a:lstStyle/>
-                    <a:p>
-                      <a:pPr algn="r" fontAlgn="ctr"/>
-                      <a:endParaRPr lang="en-GB" b="1" dirty="0">
-                        <a:effectLst/>
-                      </a:endParaRPr>
-                    </a:p>
-                  </a:txBody>
-                  <a:tcPr anchor="ctr"/>
-                </a:tc>
-                <a:extLst>
-                  <a:ext uri="{0D108BD9-81ED-4DB2-BD59-A6C34878D82A}">
-                    <a16:rowId xmlns:a16="http://schemas.microsoft.com/office/drawing/2014/main" val="3259271182"/>
-                  </a:ext>
-                </a:extLst>
-              </a:tr>
-              <a:tr h="372541">
-                <a:tc>
-                  <a:txBody>
-                    <a:bodyPr/>
-                    <a:lstStyle/>
-                    <a:p>
-                      <a:pPr algn="r" fontAlgn="ctr"/>
-                      <a:r>
-                        <a:rPr lang="en-GB" sz="2000" dirty="0">
-                          <a:effectLst/>
-                        </a:rPr>
-                        <a:t>1</a:t>
-                      </a:r>
-                    </a:p>
-                  </a:txBody>
-                  <a:tcPr anchor="ctr"/>
-                </a:tc>
-                <a:tc>
-                  <a:txBody>
-                    <a:bodyPr/>
-                    <a:lstStyle/>
-                    <a:p>
-                      <a:pPr algn="r" fontAlgn="ctr"/>
-                      <a:r>
-                        <a:rPr lang="en-GB" sz="2000" b="1" dirty="0">
-                          <a:effectLst/>
-                        </a:rPr>
-                        <a:t>bey</a:t>
-                      </a:r>
-                    </a:p>
-                  </a:txBody>
-                  <a:tcPr anchor="ctr"/>
-                </a:tc>
-                <a:extLst>
-                  <a:ext uri="{0D108BD9-81ED-4DB2-BD59-A6C34878D82A}">
-                    <a16:rowId xmlns:a16="http://schemas.microsoft.com/office/drawing/2014/main" val="169262451"/>
-                  </a:ext>
-                </a:extLst>
-              </a:tr>
-              <a:tr h="372541">
-                <a:tc>
-                  <a:txBody>
-                    <a:bodyPr/>
-                    <a:lstStyle/>
-                    <a:p>
-                      <a:pPr algn="r" fontAlgn="ctr"/>
-                      <a:r>
-                        <a:rPr lang="en-GB" sz="2000" dirty="0">
-                          <a:effectLst/>
-                        </a:rPr>
-                        <a:t>2</a:t>
-                      </a:r>
-                    </a:p>
-                  </a:txBody>
-                  <a:tcPr anchor="ctr"/>
-                </a:tc>
-                <a:tc>
-                  <a:txBody>
-                    <a:bodyPr/>
-                    <a:lstStyle/>
-                    <a:p>
-                      <a:pPr algn="r" fontAlgn="ctr"/>
-                      <a:r>
-                        <a:rPr lang="en-GB" sz="2000" b="1" dirty="0" err="1">
-                          <a:effectLst/>
-                        </a:rPr>
-                        <a:t>kan</a:t>
-                      </a:r>
-                      <a:endParaRPr lang="en-GB" sz="2000" b="1" dirty="0">
-                        <a:effectLst/>
-                      </a:endParaRPr>
-                    </a:p>
-                  </a:txBody>
-                  <a:tcPr anchor="ctr"/>
-                </a:tc>
-                <a:extLst>
-                  <a:ext uri="{0D108BD9-81ED-4DB2-BD59-A6C34878D82A}">
-                    <a16:rowId xmlns:a16="http://schemas.microsoft.com/office/drawing/2014/main" val="284791471"/>
-                  </a:ext>
-                </a:extLst>
-              </a:tr>
-              <a:tr h="372541">
-                <a:tc>
-                  <a:txBody>
-                    <a:bodyPr/>
-                    <a:lstStyle/>
-                    <a:p>
-                      <a:pPr algn="r" fontAlgn="ctr"/>
-                      <a:r>
-                        <a:rPr lang="en-GB" sz="2000" dirty="0">
-                          <a:effectLst/>
-                        </a:rPr>
-                        <a:t>3</a:t>
-                      </a:r>
-                    </a:p>
-                  </a:txBody>
-                  <a:tcPr anchor="ctr"/>
-                </a:tc>
-                <a:tc>
-                  <a:txBody>
-                    <a:bodyPr/>
-                    <a:lstStyle/>
-                    <a:p>
-                      <a:pPr algn="r" fontAlgn="ctr"/>
-                      <a:r>
-                        <a:rPr lang="en-GB" sz="2000" b="1" dirty="0" err="1">
-                          <a:effectLst/>
-                        </a:rPr>
-                        <a:t>seyn</a:t>
-                      </a:r>
-                      <a:endParaRPr lang="en-GB" sz="2000" b="1" dirty="0">
-                        <a:effectLst/>
-                      </a:endParaRPr>
-                    </a:p>
-                  </a:txBody>
-                  <a:tcPr anchor="ctr"/>
-                </a:tc>
-                <a:extLst>
-                  <a:ext uri="{0D108BD9-81ED-4DB2-BD59-A6C34878D82A}">
-                    <a16:rowId xmlns:a16="http://schemas.microsoft.com/office/drawing/2014/main" val="4273658704"/>
-                  </a:ext>
-                </a:extLst>
-              </a:tr>
-              <a:tr h="372541">
-                <a:tc>
-                  <a:txBody>
-                    <a:bodyPr/>
-                    <a:lstStyle/>
-                    <a:p>
-                      <a:pPr algn="r" fontAlgn="ctr"/>
-                      <a:r>
-                        <a:rPr lang="en-GB" sz="2000" dirty="0">
-                          <a:effectLst/>
-                        </a:rPr>
-                        <a:t>4</a:t>
-                      </a:r>
-                    </a:p>
-                  </a:txBody>
-                  <a:tcPr anchor="ctr"/>
-                </a:tc>
-                <a:tc>
-                  <a:txBody>
-                    <a:bodyPr/>
-                    <a:lstStyle/>
-                    <a:p>
-                      <a:pPr algn="r" fontAlgn="ctr"/>
-                      <a:r>
-                        <a:rPr lang="en-GB" sz="2000" b="1" dirty="0" err="1">
-                          <a:effectLst/>
-                        </a:rPr>
-                        <a:t>jch</a:t>
-                      </a:r>
-                      <a:endParaRPr lang="en-GB" sz="2000" b="1" dirty="0">
-                        <a:effectLst/>
-                      </a:endParaRPr>
-                    </a:p>
-                  </a:txBody>
-                  <a:tcPr anchor="ctr"/>
-                </a:tc>
-                <a:extLst>
-                  <a:ext uri="{0D108BD9-81ED-4DB2-BD59-A6C34878D82A}">
-                    <a16:rowId xmlns:a16="http://schemas.microsoft.com/office/drawing/2014/main" val="2181116311"/>
-                  </a:ext>
-                </a:extLst>
-              </a:tr>
-              <a:tr h="372541">
-                <a:tc>
-                  <a:txBody>
-                    <a:bodyPr/>
-                    <a:lstStyle/>
-                    <a:p>
-                      <a:pPr algn="r" fontAlgn="ctr"/>
-                      <a:r>
-                        <a:rPr lang="en-GB" sz="2000" dirty="0">
-                          <a:effectLst/>
-                        </a:rPr>
-                        <a:t>5</a:t>
-                      </a:r>
-                    </a:p>
-                  </a:txBody>
-                  <a:tcPr anchor="ctr"/>
-                </a:tc>
-                <a:tc>
-                  <a:txBody>
-                    <a:bodyPr/>
-                    <a:lstStyle/>
-                    <a:p>
-                      <a:pPr algn="r" fontAlgn="ctr"/>
-                      <a:r>
-                        <a:rPr lang="en-GB" sz="2000" b="1" dirty="0" err="1">
-                          <a:effectLst/>
-                        </a:rPr>
-                        <a:t>muß</a:t>
-                      </a:r>
-                      <a:endParaRPr lang="en-GB" sz="2000" b="1" dirty="0">
-                        <a:effectLst/>
-                      </a:endParaRPr>
-                    </a:p>
-                  </a:txBody>
-                  <a:tcPr anchor="ctr"/>
-                </a:tc>
-                <a:extLst>
-                  <a:ext uri="{0D108BD9-81ED-4DB2-BD59-A6C34878D82A}">
-                    <a16:rowId xmlns:a16="http://schemas.microsoft.com/office/drawing/2014/main" val="3915005305"/>
-                  </a:ext>
-                </a:extLst>
-              </a:tr>
-              <a:tr h="372541">
-                <a:tc>
-                  <a:txBody>
-                    <a:bodyPr/>
-                    <a:lstStyle/>
-                    <a:p>
-                      <a:pPr algn="r" fontAlgn="ctr"/>
-                      <a:r>
-                        <a:rPr lang="en-GB" sz="2000" dirty="0">
-                          <a:effectLst/>
-                        </a:rPr>
-                        <a:t>6</a:t>
-                      </a:r>
-                    </a:p>
-                  </a:txBody>
-                  <a:tcPr anchor="ctr"/>
-                </a:tc>
-                <a:tc>
-                  <a:txBody>
-                    <a:bodyPr/>
-                    <a:lstStyle/>
-                    <a:p>
-                      <a:pPr algn="r" fontAlgn="ctr"/>
-                      <a:r>
-                        <a:rPr lang="en-GB" sz="2000" b="1" dirty="0" err="1">
-                          <a:effectLst/>
-                        </a:rPr>
-                        <a:t>jn</a:t>
-                      </a:r>
-                      <a:endParaRPr lang="en-GB" sz="2000" b="1" dirty="0">
-                        <a:effectLst/>
-                      </a:endParaRPr>
-                    </a:p>
-                  </a:txBody>
-                  <a:tcPr anchor="ctr"/>
-                </a:tc>
-                <a:extLst>
-                  <a:ext uri="{0D108BD9-81ED-4DB2-BD59-A6C34878D82A}">
-                    <a16:rowId xmlns:a16="http://schemas.microsoft.com/office/drawing/2014/main" val="4110381566"/>
-                  </a:ext>
-                </a:extLst>
-              </a:tr>
-              <a:tr h="372541">
-                <a:tc>
-                  <a:txBody>
-                    <a:bodyPr/>
-                    <a:lstStyle/>
-                    <a:p>
-                      <a:pPr algn="r" fontAlgn="ctr"/>
-                      <a:r>
-                        <a:rPr lang="en-GB" sz="2000" dirty="0">
-                          <a:effectLst/>
-                        </a:rPr>
-                        <a:t>7</a:t>
-                      </a:r>
-                    </a:p>
-                  </a:txBody>
-                  <a:tcPr anchor="ctr"/>
-                </a:tc>
-                <a:tc>
-                  <a:txBody>
-                    <a:bodyPr/>
-                    <a:lstStyle/>
-                    <a:p>
-                      <a:pPr algn="r" fontAlgn="ctr"/>
-                      <a:r>
-                        <a:rPr lang="en-GB" sz="2000" b="1" dirty="0">
-                          <a:effectLst/>
-                        </a:rPr>
-                        <a:t>lust</a:t>
-                      </a:r>
-                    </a:p>
-                  </a:txBody>
-                  <a:tcPr anchor="ctr"/>
-                </a:tc>
-                <a:extLst>
-                  <a:ext uri="{0D108BD9-81ED-4DB2-BD59-A6C34878D82A}">
-                    <a16:rowId xmlns:a16="http://schemas.microsoft.com/office/drawing/2014/main" val="1994907878"/>
-                  </a:ext>
-                </a:extLst>
-              </a:tr>
-              <a:tr h="372541">
-                <a:tc>
-                  <a:txBody>
-                    <a:bodyPr/>
-                    <a:lstStyle/>
-                    <a:p>
-                      <a:pPr algn="r" fontAlgn="ctr"/>
-                      <a:r>
-                        <a:rPr lang="en-GB" sz="2000" dirty="0">
-                          <a:effectLst/>
-                        </a:rPr>
-                        <a:t>8</a:t>
-                      </a:r>
-                    </a:p>
-                  </a:txBody>
-                  <a:tcPr anchor="ctr"/>
-                </a:tc>
-                <a:tc>
-                  <a:txBody>
-                    <a:bodyPr/>
-                    <a:lstStyle/>
-                    <a:p>
-                      <a:pPr algn="r" fontAlgn="ctr"/>
-                      <a:r>
-                        <a:rPr lang="en-GB" sz="2000" b="1" dirty="0" err="1">
-                          <a:effectLst/>
-                        </a:rPr>
-                        <a:t>mehr</a:t>
-                      </a:r>
-                      <a:endParaRPr lang="en-GB" sz="2000" b="1" dirty="0">
-                        <a:effectLst/>
-                      </a:endParaRPr>
-                    </a:p>
-                  </a:txBody>
-                  <a:tcPr anchor="ctr"/>
-                </a:tc>
-                <a:extLst>
-                  <a:ext uri="{0D108BD9-81ED-4DB2-BD59-A6C34878D82A}">
-                    <a16:rowId xmlns:a16="http://schemas.microsoft.com/office/drawing/2014/main" val="4066972660"/>
-                  </a:ext>
-                </a:extLst>
-              </a:tr>
-              <a:tr h="372541">
-                <a:tc>
-                  <a:txBody>
-                    <a:bodyPr/>
-                    <a:lstStyle/>
-                    <a:p>
-                      <a:pPr algn="r" fontAlgn="ctr"/>
-                      <a:r>
-                        <a:rPr lang="en-GB" sz="2000" dirty="0">
-                          <a:effectLst/>
-                        </a:rPr>
-                        <a:t>9</a:t>
-                      </a:r>
-                    </a:p>
-                  </a:txBody>
-                  <a:tcPr anchor="ctr"/>
-                </a:tc>
-                <a:tc>
-                  <a:txBody>
-                    <a:bodyPr/>
-                    <a:lstStyle/>
-                    <a:p>
-                      <a:pPr algn="r" fontAlgn="ctr"/>
-                      <a:r>
-                        <a:rPr lang="en-GB" sz="2000" b="1" dirty="0">
-                          <a:effectLst/>
-                        </a:rPr>
-                        <a:t>ach</a:t>
-                      </a:r>
-                    </a:p>
-                  </a:txBody>
-                  <a:tcPr anchor="ctr"/>
-                </a:tc>
-                <a:extLst>
-                  <a:ext uri="{0D108BD9-81ED-4DB2-BD59-A6C34878D82A}">
-                    <a16:rowId xmlns:a16="http://schemas.microsoft.com/office/drawing/2014/main" val="3735258852"/>
-                  </a:ext>
-                </a:extLst>
-              </a:tr>
-              <a:tr h="372541">
-                <a:tc>
-                  <a:txBody>
-                    <a:bodyPr/>
-                    <a:lstStyle/>
-                    <a:p>
-                      <a:pPr algn="r" fontAlgn="ctr"/>
-                      <a:r>
-                        <a:rPr lang="en-GB" sz="2000" dirty="0">
-                          <a:effectLst/>
-                        </a:rPr>
-                        <a:t>10</a:t>
-                      </a:r>
-                    </a:p>
-                  </a:txBody>
-                  <a:tcPr anchor="ctr"/>
-                </a:tc>
-                <a:tc>
-                  <a:txBody>
-                    <a:bodyPr/>
-                    <a:lstStyle/>
-                    <a:p>
-                      <a:pPr algn="r" fontAlgn="ctr"/>
-                      <a:r>
-                        <a:rPr lang="en-GB" sz="2000" b="1" dirty="0">
-                          <a:effectLst/>
-                        </a:rPr>
-                        <a:t>welt</a:t>
-                      </a:r>
-                    </a:p>
-                  </a:txBody>
-                  <a:tcPr anchor="ctr"/>
-                </a:tc>
-                <a:extLst>
-                  <a:ext uri="{0D108BD9-81ED-4DB2-BD59-A6C34878D82A}">
-                    <a16:rowId xmlns:a16="http://schemas.microsoft.com/office/drawing/2014/main" val="4150905211"/>
-                  </a:ext>
-                </a:extLst>
-              </a:tr>
-            </a:tbl>
-          </a:graphicData>
-        </a:graphic>
-      </p:graphicFrame>
-      <p:sp>
-        <p:nvSpPr>
-          <p:cNvPr id="10" name="TextBox 9">
-            <a:extLst>
-              <a:ext uri="{FF2B5EF4-FFF2-40B4-BE49-F238E27FC236}">
-                <a16:creationId xmlns:a16="http://schemas.microsoft.com/office/drawing/2014/main" id="{9AEB8D37-2976-0D40-AA0E-017D0523F329}"/>
+        </p:nvSpPr>
+        <p:spPr/>
+        <p:txBody>
+          <a:bodyPr/>
+          <a:lstStyle/>
+          <a:p>
+            <a:pPr marL="514350" indent="-514350">
+              <a:buAutoNum type="arabicPeriod"/>
+            </a:pPr>
+            <a:r>
+              <a:rPr lang="en-DE" dirty="0"/>
+              <a:t>Kurzer Überblick zum Epochenbegriff und –einteilung</a:t>
+            </a:r>
+          </a:p>
+          <a:p>
+            <a:pPr marL="514350" indent="-514350">
+              <a:buAutoNum type="arabicPeriod"/>
+            </a:pPr>
+            <a:r>
+              <a:rPr lang="en-DE" dirty="0"/>
+              <a:t>Das Korpus</a:t>
+            </a:r>
+          </a:p>
+          <a:p>
+            <a:pPr marL="514350" indent="-514350">
+              <a:buAutoNum type="arabicPeriod"/>
+            </a:pPr>
+            <a:r>
+              <a:rPr lang="en-GB" dirty="0" err="1"/>
+              <a:t>Fragestellungen</a:t>
+            </a:r>
+            <a:endParaRPr lang="en-DE" dirty="0"/>
+          </a:p>
+          <a:p>
+            <a:pPr marL="514350" indent="-514350">
+              <a:buAutoNum type="arabicPeriod"/>
+            </a:pPr>
+            <a:r>
+              <a:rPr lang="en-DE" dirty="0"/>
+              <a:t>Experimente</a:t>
+            </a:r>
+          </a:p>
+          <a:p>
+            <a:pPr marL="514350" indent="-514350">
+              <a:buAutoNum type="arabicPeriod"/>
+            </a:pPr>
+            <a:r>
+              <a:rPr lang="en-DE" dirty="0"/>
+              <a:t>Schlussbetrachtung</a:t>
+            </a:r>
+          </a:p>
+        </p:txBody>
+      </p:sp>
+    </p:spTree>
+    <p:extLst>
+      <p:ext uri="{BB962C8B-B14F-4D97-AF65-F5344CB8AC3E}">
+        <p14:creationId xmlns:p14="http://schemas.microsoft.com/office/powerpoint/2010/main" val="2653683036"/>
+      </p:ext>
+    </p:extLst>
+  </p:cSld>
+  <p:clrMapOvr>
+    <a:masterClrMapping/>
+  </p:clrMapOvr>
+</p:sld>
+</file>
+
+<file path=ppt/slides/slide20.xml><?xml version="1.0" encoding="utf-8"?>
+<p:sld xmlns:a="http://schemas.openxmlformats.org/drawingml/2006/main" xmlns:r="http://schemas.openxmlformats.org/officeDocument/2006/relationships" xmlns:p="http://schemas.openxmlformats.org/presentationml/2006/main">
+  <p:cSld>
+    <p:spTree>
+      <p:nvGrpSpPr>
+        <p:cNvPr id="1" name=""/>
+        <p:cNvGrpSpPr/>
+        <p:nvPr/>
+      </p:nvGrpSpPr>
+      <p:grpSpPr>
+        <a:xfrm>
+          <a:off x="0" y="0"/>
+          <a:ext cx="0" cy="0"/>
+          <a:chOff x="0" y="0"/>
+          <a:chExt cx="0" cy="0"/>
+        </a:xfrm>
+      </p:grpSpPr>
+      <p:pic>
+        <p:nvPicPr>
+          <p:cNvPr id="4" name="Picture 3" descr="A picture containing screenshot&#10;&#10;Description automatically generated">
+            <a:extLst>
+              <a:ext uri="{FF2B5EF4-FFF2-40B4-BE49-F238E27FC236}">
+                <a16:creationId xmlns:a16="http://schemas.microsoft.com/office/drawing/2014/main" id="{8F0DC2BB-C108-6B45-89CF-C7C8D3873A56}"/>
+              </a:ext>
+            </a:extLst>
+          </p:cNvPr>
+          <p:cNvPicPr>
+            <a:picLocks noChangeAspect="1"/>
+          </p:cNvPicPr>
+          <p:nvPr/>
+        </p:nvPicPr>
+        <p:blipFill rotWithShape="1">
+          <a:blip r:embed="rId2"/>
+          <a:srcRect l="10012" t="6676" b="10127"/>
+          <a:stretch/>
+        </p:blipFill>
+        <p:spPr>
+          <a:xfrm>
+            <a:off x="4183157" y="646497"/>
+            <a:ext cx="8008843" cy="5565006"/>
+          </a:xfrm>
+          <a:prstGeom prst="rect">
+            <a:avLst/>
+          </a:prstGeom>
+        </p:spPr>
+      </p:pic>
+      <p:sp>
+        <p:nvSpPr>
+          <p:cNvPr id="6" name="TextBox 5">
+            <a:extLst>
+              <a:ext uri="{FF2B5EF4-FFF2-40B4-BE49-F238E27FC236}">
+                <a16:creationId xmlns:a16="http://schemas.microsoft.com/office/drawing/2014/main" id="{0F1F5E77-3675-BD4F-B8AF-14446DCA993A}"/>
               </a:ext>
             </a:extLst>
           </p:cNvPr>
@@ -12188,8 +10826,8 @@
         </p:nvSpPr>
         <p:spPr>
           <a:xfrm>
-            <a:off x="1263357" y="3885008"/>
-            <a:ext cx="2274982" cy="523220"/>
+            <a:off x="3317503" y="5749838"/>
+            <a:ext cx="847165" cy="461665"/>
           </a:xfrm>
           <a:prstGeom prst="rect">
             <a:avLst/>
@@ -12203,31 +10841,68 @@
           <a:lstStyle/>
           <a:p>
             <a:r>
-              <a:rPr lang="de-DE" sz="2800" b="1" dirty="0"/>
-              <a:t>Cluster 1 </a:t>
-            </a:r>
-            <a:r>
-              <a:rPr lang="de-DE" sz="2800" b="1" dirty="0">
-                <a:sym typeface="Wingdings" pitchFamily="2" charset="2"/>
-              </a:rPr>
-              <a:t></a:t>
-            </a:r>
-            <a:r>
-              <a:rPr lang="de-DE" sz="2800" dirty="0">
-                <a:sym typeface="Wingdings" pitchFamily="2" charset="2"/>
-              </a:rPr>
-              <a:t> </a:t>
-            </a:r>
-            <a:endParaRPr lang="de-DE" sz="2800" dirty="0"/>
-          </a:p>
-        </p:txBody>
-      </p:sp>
-      <p:sp>
-        <p:nvSpPr>
-          <p:cNvPr id="11" name="TextBox 10">
-            <a:extLst>
-              <a:ext uri="{FF2B5EF4-FFF2-40B4-BE49-F238E27FC236}">
-                <a16:creationId xmlns:a16="http://schemas.microsoft.com/office/drawing/2014/main" id="{F18EA185-559F-9449-B2AC-904F7E8A6406}"/>
+              <a:rPr lang="de-DE" sz="2400" b="1" dirty="0"/>
+              <a:t>Zeit</a:t>
+            </a:r>
+            <a:endParaRPr lang="de-DE" b="1" dirty="0"/>
+          </a:p>
+        </p:txBody>
+      </p:sp>
+      <p:sp>
+        <p:nvSpPr>
+          <p:cNvPr id="8" name="Right Arrow 7">
+            <a:extLst>
+              <a:ext uri="{FF2B5EF4-FFF2-40B4-BE49-F238E27FC236}">
+                <a16:creationId xmlns:a16="http://schemas.microsoft.com/office/drawing/2014/main" id="{D652BD30-90C0-9140-ABEF-379D65488567}"/>
+              </a:ext>
+            </a:extLst>
+          </p:cNvPr>
+          <p:cNvSpPr/>
+          <p:nvPr/>
+        </p:nvSpPr>
+        <p:spPr>
+          <a:xfrm>
+            <a:off x="4402232" y="5749838"/>
+            <a:ext cx="6705039" cy="430813"/>
+          </a:xfrm>
+          <a:prstGeom prst="rightArrow">
+            <a:avLst>
+              <a:gd name="adj1" fmla="val 50000"/>
+              <a:gd name="adj2" fmla="val 96371"/>
+            </a:avLst>
+          </a:prstGeom>
+        </p:spPr>
+        <p:style>
+          <a:lnRef idx="2">
+            <a:schemeClr val="dk1">
+              <a:shade val="50000"/>
+            </a:schemeClr>
+          </a:lnRef>
+          <a:fillRef idx="1">
+            <a:schemeClr val="dk1"/>
+          </a:fillRef>
+          <a:effectRef idx="0">
+            <a:schemeClr val="dk1"/>
+          </a:effectRef>
+          <a:fontRef idx="minor">
+            <a:schemeClr val="lt1"/>
+          </a:fontRef>
+        </p:style>
+        <p:txBody>
+          <a:bodyPr rtlCol="0" anchor="ctr"/>
+          <a:lstStyle/>
+          <a:p>
+            <a:pPr algn="ctr"/>
+            <a:endParaRPr lang="de-DE"/>
+          </a:p>
+        </p:txBody>
+      </p:sp>
+      <p:sp>
+        <p:nvSpPr>
+          <p:cNvPr id="10" name="TextBox 9">
+            <a:extLst>
+              <a:ext uri="{FF2B5EF4-FFF2-40B4-BE49-F238E27FC236}">
+                <a16:creationId xmlns:a16="http://schemas.microsoft.com/office/drawing/2014/main" id="{DF970926-11AF-184A-92E1-E638B5EC3DAF}"/>
               </a:ext>
             </a:extLst>
           </p:cNvPr>
@@ -12236,8 +10911,8 @@
         </p:nvSpPr>
         <p:spPr>
           <a:xfrm>
-            <a:off x="8685576" y="3885008"/>
-            <a:ext cx="2276585" cy="523220"/>
+            <a:off x="0" y="660982"/>
+            <a:ext cx="4402232" cy="3785652"/>
           </a:xfrm>
           <a:prstGeom prst="rect">
             <a:avLst/>
@@ -12245,74 +10920,192 @@
           <a:noFill/>
         </p:spPr>
         <p:txBody>
-          <a:bodyPr wrap="none" rtlCol="0">
+          <a:bodyPr wrap="square" rtlCol="0">
             <a:spAutoFit/>
           </a:bodyPr>
           <a:lstStyle/>
           <a:p>
             <a:r>
-              <a:rPr lang="de-DE" sz="2800" b="1" dirty="0">
-                <a:sym typeface="Wingdings" pitchFamily="2" charset="2"/>
-              </a:rPr>
-              <a:t> </a:t>
-            </a:r>
-            <a:r>
-              <a:rPr lang="de-DE" sz="2800" b="1" dirty="0"/>
-              <a:t>Cluster 2</a:t>
-            </a:r>
-            <a:r>
-              <a:rPr lang="de-DE" sz="2800" dirty="0">
-                <a:sym typeface="Wingdings" pitchFamily="2" charset="2"/>
-              </a:rPr>
-              <a:t> </a:t>
-            </a:r>
-            <a:endParaRPr lang="de-DE" sz="2800" dirty="0"/>
-          </a:p>
-        </p:txBody>
-      </p:sp>
-      <p:cxnSp>
-        <p:nvCxnSpPr>
-          <p:cNvPr id="13" name="Straight Connector 12">
-            <a:extLst>
-              <a:ext uri="{FF2B5EF4-FFF2-40B4-BE49-F238E27FC236}">
-                <a16:creationId xmlns:a16="http://schemas.microsoft.com/office/drawing/2014/main" id="{83957141-3784-B844-8FB9-7E0E6A2BD133}"/>
-              </a:ext>
-            </a:extLst>
-          </p:cNvPr>
-          <p:cNvCxnSpPr>
-            <a:cxnSpLocks/>
-          </p:cNvCxnSpPr>
+              <a:rPr lang="de-DE" sz="2400" b="1" dirty="0"/>
+              <a:t>Aufteilung nach AMANN</a:t>
+            </a:r>
+          </a:p>
+          <a:p>
+            <a:endParaRPr lang="de-DE" sz="2400" dirty="0"/>
+          </a:p>
+          <a:p>
+            <a:r>
+              <a:rPr lang="de-DE" sz="2400" dirty="0"/>
+              <a:t>Barock: 	   1600-1720  🟩   Aufklärung: 	   1720-1785  🟦</a:t>
+            </a:r>
+          </a:p>
+          <a:p>
+            <a:r>
+              <a:rPr lang="de-DE" sz="2400" dirty="0"/>
+              <a:t>Klassik: 	   1786-1832  🟨</a:t>
+            </a:r>
+          </a:p>
+          <a:p>
+            <a:r>
+              <a:rPr lang="de-DE" sz="2400" dirty="0"/>
+              <a:t>Romantik: 	   1798-1835  </a:t>
+            </a:r>
+          </a:p>
+          <a:p>
+            <a:r>
+              <a:rPr lang="de-DE" sz="2400" dirty="0"/>
+              <a:t>Biedermeier:   1815-1848  🟥</a:t>
+            </a:r>
+          </a:p>
+          <a:p>
+            <a:r>
+              <a:rPr lang="de-DE" sz="2400" dirty="0"/>
+              <a:t>Realismus: 	   1850-1890  🟫</a:t>
+            </a:r>
+          </a:p>
+          <a:p>
+            <a:r>
+              <a:rPr lang="de-DE" sz="2400" dirty="0"/>
+              <a:t>Naturalismus:  1880-1900  🟧</a:t>
+            </a:r>
+          </a:p>
+          <a:p>
+            <a:r>
+              <a:rPr lang="de-DE" sz="2000" dirty="0"/>
+              <a:t>Expressionismus: </a:t>
+            </a:r>
+            <a:r>
+              <a:rPr lang="de-DE" sz="2400" dirty="0"/>
+              <a:t>1905-1925  🟪</a:t>
+            </a:r>
+          </a:p>
+        </p:txBody>
+      </p:sp>
+      <p:sp>
+        <p:nvSpPr>
+          <p:cNvPr id="13" name="Rounded Rectangle 12">
+            <a:extLst>
+              <a:ext uri="{FF2B5EF4-FFF2-40B4-BE49-F238E27FC236}">
+                <a16:creationId xmlns:a16="http://schemas.microsoft.com/office/drawing/2014/main" id="{C32C185C-5F2D-BB4C-9F2B-43AC19FFCD9E}"/>
+              </a:ext>
+            </a:extLst>
+          </p:cNvPr>
+          <p:cNvSpPr/>
           <p:nvPr/>
-        </p:nvCxnSpPr>
+        </p:nvSpPr>
         <p:spPr>
           <a:xfrm>
-            <a:off x="6091237" y="2122228"/>
-            <a:ext cx="0" cy="4572000"/>
+            <a:off x="3792071" y="2528047"/>
+            <a:ext cx="315449" cy="300205"/>
           </a:xfrm>
-          <a:prstGeom prst="line">
+          <a:prstGeom prst="roundRect">
             <a:avLst/>
           </a:prstGeom>
-          <a:ln w="19050"/>
+          <a:solidFill>
+            <a:srgbClr val="D98ED9"/>
+          </a:solidFill>
+          <a:ln>
+            <a:solidFill>
+              <a:srgbClr val="D98ED9"/>
+            </a:solidFill>
+          </a:ln>
+          <a:effectLst/>
         </p:spPr>
         <p:style>
-          <a:lnRef idx="1">
-            <a:schemeClr val="dk1"/>
+          <a:lnRef idx="2">
+            <a:schemeClr val="accent1">
+              <a:shade val="50000"/>
+            </a:schemeClr>
           </a:lnRef>
-          <a:fillRef idx="0">
-            <a:schemeClr val="dk1"/>
+          <a:fillRef idx="1">
+            <a:schemeClr val="accent1"/>
           </a:fillRef>
           <a:effectRef idx="0">
-            <a:schemeClr val="dk1"/>
+            <a:schemeClr val="accent1"/>
           </a:effectRef>
           <a:fontRef idx="minor">
-            <a:schemeClr val="tx1"/>
+            <a:schemeClr val="lt1"/>
           </a:fontRef>
         </p:style>
-      </p:cxnSp>
+        <p:txBody>
+          <a:bodyPr rtlCol="0" anchor="ctr"/>
+          <a:lstStyle/>
+          <a:p>
+            <a:pPr algn="ctr"/>
+            <a:endParaRPr lang="de-DE"/>
+          </a:p>
+        </p:txBody>
+      </p:sp>
     </p:spTree>
     <p:extLst>
       <p:ext uri="{BB962C8B-B14F-4D97-AF65-F5344CB8AC3E}">
-        <p14:creationId xmlns:p14="http://schemas.microsoft.com/office/powerpoint/2010/main" val="3921353706"/>
+        <p14:creationId xmlns:p14="http://schemas.microsoft.com/office/powerpoint/2010/main" val="3176583307"/>
+      </p:ext>
+    </p:extLst>
+  </p:cSld>
+  <p:clrMapOvr>
+    <a:masterClrMapping/>
+  </p:clrMapOvr>
+</p:sld>
+</file>
+
+<file path=ppt/slides/slide21.xml><?xml version="1.0" encoding="utf-8"?>
+<p:sld xmlns:a="http://schemas.openxmlformats.org/drawingml/2006/main" xmlns:r="http://schemas.openxmlformats.org/officeDocument/2006/relationships" xmlns:p="http://schemas.openxmlformats.org/presentationml/2006/main">
+  <p:cSld>
+    <p:spTree>
+      <p:nvGrpSpPr>
+        <p:cNvPr id="1" name=""/>
+        <p:cNvGrpSpPr/>
+        <p:nvPr/>
+      </p:nvGrpSpPr>
+      <p:grpSpPr>
+        <a:xfrm>
+          <a:off x="0" y="0"/>
+          <a:ext cx="0" cy="0"/>
+          <a:chOff x="0" y="0"/>
+          <a:chExt cx="0" cy="0"/>
+        </a:xfrm>
+      </p:grpSpPr>
+      <p:sp>
+        <p:nvSpPr>
+          <p:cNvPr id="2" name="Title 1">
+            <a:extLst>
+              <a:ext uri="{FF2B5EF4-FFF2-40B4-BE49-F238E27FC236}">
+                <a16:creationId xmlns:a16="http://schemas.microsoft.com/office/drawing/2014/main" id="{78F2E4E8-04EB-0142-91AE-BC0C88F0C119}"/>
+              </a:ext>
+            </a:extLst>
+          </p:cNvPr>
+          <p:cNvSpPr>
+            <a:spLocks noGrp="1"/>
+          </p:cNvSpPr>
+          <p:nvPr>
+            <p:ph type="title"/>
+          </p:nvPr>
+        </p:nvSpPr>
+        <p:spPr/>
+        <p:txBody>
+          <a:bodyPr/>
+          <a:lstStyle/>
+          <a:p>
+            <a:r>
+              <a:rPr lang="de-DE" b="1" dirty="0"/>
+              <a:t>4.1.  K-</a:t>
+            </a:r>
+            <a:r>
+              <a:rPr lang="de-DE" b="1" dirty="0" err="1"/>
+              <a:t>Means</a:t>
+            </a:r>
+            <a:r>
+              <a:rPr lang="de-DE" b="1" dirty="0"/>
+              <a:t> Experimente</a:t>
+            </a:r>
+          </a:p>
+        </p:txBody>
+      </p:sp>
+    </p:spTree>
+    <p:extLst>
+      <p:ext uri="{BB962C8B-B14F-4D97-AF65-F5344CB8AC3E}">
+        <p14:creationId xmlns:p14="http://schemas.microsoft.com/office/powerpoint/2010/main" val="3292734769"/>
       </p:ext>
     </p:extLst>
   </p:cSld>
@@ -16211,6 +15004,601 @@
           <a:chExt cx="0" cy="0"/>
         </a:xfrm>
       </p:grpSpPr>
+      <p:sp>
+        <p:nvSpPr>
+          <p:cNvPr id="41" name="Rectangle 26">
+            <a:extLst>
+              <a:ext uri="{FF2B5EF4-FFF2-40B4-BE49-F238E27FC236}">
+                <a16:creationId xmlns:a16="http://schemas.microsoft.com/office/drawing/2014/main" id="{8D06CE56-3881-4ADA-8CEF-D18B02C242A3}"/>
+              </a:ext>
+              <a:ext uri="{C183D7F6-B498-43B3-948B-1728B52AA6E4}">
+                <adec:decorative xmlns:adec="http://schemas.microsoft.com/office/drawing/2017/decorative" val="1"/>
+              </a:ext>
+            </a:extLst>
+          </p:cNvPr>
+          <p:cNvSpPr>
+            <a:spLocks noGrp="1" noRot="1" noChangeAspect="1" noMove="1" noResize="1" noEditPoints="1" noAdjustHandles="1" noChangeArrowheads="1" noChangeShapeType="1" noTextEdit="1"/>
+          </p:cNvSpPr>
+          <p:nvPr>
+            <p:extLst>
+              <p:ext uri="{386F3935-93C4-4BCD-93E2-E3B085C9AB24}">
+                <p16:designElem xmlns:p16="http://schemas.microsoft.com/office/powerpoint/2015/main" val="1"/>
+              </p:ext>
+            </p:extLst>
+          </p:nvPr>
+        </p:nvSpPr>
+        <p:spPr>
+          <a:xfrm rot="5400000">
+            <a:off x="857544" y="346791"/>
+            <a:ext cx="146304" cy="704088"/>
+          </a:xfrm>
+          <a:prstGeom prst="rect">
+            <a:avLst/>
+          </a:prstGeom>
+          <a:solidFill>
+            <a:schemeClr val="accent1"/>
+          </a:solidFill>
+          <a:ln>
+            <a:noFill/>
+          </a:ln>
+        </p:spPr>
+        <p:style>
+          <a:lnRef idx="2">
+            <a:schemeClr val="accent1">
+              <a:shade val="50000"/>
+            </a:schemeClr>
+          </a:lnRef>
+          <a:fillRef idx="1">
+            <a:schemeClr val="accent1"/>
+          </a:fillRef>
+          <a:effectRef idx="0">
+            <a:schemeClr val="accent1"/>
+          </a:effectRef>
+          <a:fontRef idx="minor">
+            <a:schemeClr val="lt1"/>
+          </a:fontRef>
+        </p:style>
+        <p:txBody>
+          <a:bodyPr rtlCol="0" anchor="ctr"/>
+          <a:lstStyle/>
+          <a:p>
+            <a:pPr marL="0" marR="0" lvl="0" indent="0" algn="ctr" defTabSz="914400" rtl="0" eaLnBrk="1" fontAlgn="auto" latinLnBrk="0" hangingPunct="1">
+              <a:lnSpc>
+                <a:spcPct val="100000"/>
+              </a:lnSpc>
+              <a:spcBef>
+                <a:spcPts val="0"/>
+              </a:spcBef>
+              <a:spcAft>
+                <a:spcPts val="0"/>
+              </a:spcAft>
+              <a:buClrTx/>
+              <a:buSzTx/>
+              <a:buFontTx/>
+              <a:buNone/>
+              <a:tabLst/>
+              <a:defRPr/>
+            </a:pPr>
+            <a:endParaRPr kumimoji="0" lang="en-US" sz="1800" b="0" i="0" u="none" strike="noStrike" kern="1200" cap="none" spc="0" normalizeH="0" baseline="0" noProof="0">
+              <a:ln>
+                <a:noFill/>
+              </a:ln>
+              <a:solidFill>
+                <a:prstClr val="white"/>
+              </a:solidFill>
+              <a:effectLst/>
+              <a:uLnTx/>
+              <a:uFillTx/>
+              <a:latin typeface="Calibri" panose="020F0502020204030204"/>
+              <a:ea typeface="+mn-ea"/>
+              <a:cs typeface="+mn-cs"/>
+            </a:endParaRPr>
+          </a:p>
+        </p:txBody>
+      </p:sp>
+      <p:sp>
+        <p:nvSpPr>
+          <p:cNvPr id="42" name="Rectangle 28">
+            <a:extLst>
+              <a:ext uri="{FF2B5EF4-FFF2-40B4-BE49-F238E27FC236}">
+                <a16:creationId xmlns:a16="http://schemas.microsoft.com/office/drawing/2014/main" id="{79F3C543-62EC-4433-9C93-A2CD8764E9B4}"/>
+              </a:ext>
+              <a:ext uri="{C183D7F6-B498-43B3-948B-1728B52AA6E4}">
+                <adec:decorative xmlns:adec="http://schemas.microsoft.com/office/drawing/2017/decorative" val="1"/>
+              </a:ext>
+            </a:extLst>
+          </p:cNvPr>
+          <p:cNvSpPr>
+            <a:spLocks noGrp="1" noRot="1" noChangeAspect="1" noMove="1" noResize="1" noEditPoints="1" noAdjustHandles="1" noChangeArrowheads="1" noChangeShapeType="1" noTextEdit="1"/>
+          </p:cNvSpPr>
+          <p:nvPr>
+            <p:extLst>
+              <p:ext uri="{386F3935-93C4-4BCD-93E2-E3B085C9AB24}">
+                <p16:designElem xmlns:p16="http://schemas.microsoft.com/office/powerpoint/2015/main" val="1"/>
+              </p:ext>
+            </p:extLst>
+          </p:nvPr>
+        </p:nvSpPr>
+        <p:spPr>
+          <a:xfrm flipV="1">
+            <a:off x="578652" y="4501201"/>
+            <a:ext cx="11034696" cy="18288"/>
+          </a:xfrm>
+          <a:prstGeom prst="rect">
+            <a:avLst/>
+          </a:prstGeom>
+          <a:solidFill>
+            <a:schemeClr val="tx2">
+              <a:lumMod val="25000"/>
+              <a:lumOff val="75000"/>
+            </a:schemeClr>
+          </a:solidFill>
+          <a:ln w="3175">
+            <a:noFill/>
+          </a:ln>
+          <a:effectLst/>
+        </p:spPr>
+        <p:style>
+          <a:lnRef idx="2">
+            <a:schemeClr val="accent1">
+              <a:shade val="50000"/>
+            </a:schemeClr>
+          </a:lnRef>
+          <a:fillRef idx="1">
+            <a:schemeClr val="accent1"/>
+          </a:fillRef>
+          <a:effectRef idx="0">
+            <a:schemeClr val="accent1"/>
+          </a:effectRef>
+          <a:fontRef idx="minor">
+            <a:schemeClr val="lt1"/>
+          </a:fontRef>
+        </p:style>
+        <p:txBody>
+          <a:bodyPr rtlCol="0" anchor="ctr"/>
+          <a:lstStyle/>
+          <a:p>
+            <a:pPr marL="0" marR="0" lvl="0" indent="0" algn="ctr" defTabSz="914400" rtl="0" eaLnBrk="1" fontAlgn="auto" latinLnBrk="0" hangingPunct="1">
+              <a:lnSpc>
+                <a:spcPct val="100000"/>
+              </a:lnSpc>
+              <a:spcBef>
+                <a:spcPts val="0"/>
+              </a:spcBef>
+              <a:spcAft>
+                <a:spcPts val="0"/>
+              </a:spcAft>
+              <a:buClrTx/>
+              <a:buSzTx/>
+              <a:buFontTx/>
+              <a:buNone/>
+              <a:tabLst/>
+              <a:defRPr/>
+            </a:pPr>
+            <a:endParaRPr kumimoji="0" lang="en-US" sz="1800" b="0" i="0" u="none" strike="noStrike" kern="1200" cap="none" spc="0" normalizeH="0" baseline="0" noProof="0">
+              <a:ln>
+                <a:noFill/>
+              </a:ln>
+              <a:solidFill>
+                <a:prstClr val="white"/>
+              </a:solidFill>
+              <a:effectLst/>
+              <a:uLnTx/>
+              <a:uFillTx/>
+              <a:latin typeface="Calibri" panose="020F0502020204030204"/>
+              <a:ea typeface="+mn-ea"/>
+              <a:cs typeface="+mn-cs"/>
+            </a:endParaRPr>
+          </a:p>
+        </p:txBody>
+      </p:sp>
+      <p:sp useBgFill="1">
+        <p:nvSpPr>
+          <p:cNvPr id="43" name="Rectangle 30">
+            <a:extLst>
+              <a:ext uri="{FF2B5EF4-FFF2-40B4-BE49-F238E27FC236}">
+                <a16:creationId xmlns:a16="http://schemas.microsoft.com/office/drawing/2014/main" id="{68AF5748-FED8-45BA-8631-26D1D10F3246}"/>
+              </a:ext>
+              <a:ext uri="{C183D7F6-B498-43B3-948B-1728B52AA6E4}">
+                <adec:decorative xmlns:adec="http://schemas.microsoft.com/office/drawing/2017/decorative" val="1"/>
+              </a:ext>
+            </a:extLst>
+          </p:cNvPr>
+          <p:cNvSpPr>
+            <a:spLocks noGrp="1" noRot="1" noChangeAspect="1" noMove="1" noResize="1" noEditPoints="1" noAdjustHandles="1" noChangeArrowheads="1" noChangeShapeType="1" noTextEdit="1"/>
+          </p:cNvSpPr>
+          <p:nvPr>
+            <p:extLst>
+              <p:ext uri="{386F3935-93C4-4BCD-93E2-E3B085C9AB24}">
+                <p16:designElem xmlns:p16="http://schemas.microsoft.com/office/powerpoint/2015/main" val="1"/>
+              </p:ext>
+            </p:extLst>
+          </p:nvPr>
+        </p:nvSpPr>
+        <p:spPr>
+          <a:xfrm>
+            <a:off x="0" y="0"/>
+            <a:ext cx="12192000" cy="6858000"/>
+          </a:xfrm>
+          <a:prstGeom prst="rect">
+            <a:avLst/>
+          </a:prstGeom>
+          <a:ln>
+            <a:noFill/>
+          </a:ln>
+        </p:spPr>
+        <p:style>
+          <a:lnRef idx="2">
+            <a:schemeClr val="accent1">
+              <a:shade val="50000"/>
+            </a:schemeClr>
+          </a:lnRef>
+          <a:fillRef idx="1">
+            <a:schemeClr val="accent1"/>
+          </a:fillRef>
+          <a:effectRef idx="0">
+            <a:schemeClr val="accent1"/>
+          </a:effectRef>
+          <a:fontRef idx="minor">
+            <a:schemeClr val="lt1"/>
+          </a:fontRef>
+        </p:style>
+        <p:txBody>
+          <a:bodyPr rtlCol="0" anchor="ctr"/>
+          <a:lstStyle/>
+          <a:p>
+            <a:pPr algn="ctr"/>
+            <a:endParaRPr lang="en-US"/>
+          </a:p>
+        </p:txBody>
+      </p:sp>
+      <p:sp>
+        <p:nvSpPr>
+          <p:cNvPr id="2" name="Title 1">
+            <a:extLst>
+              <a:ext uri="{FF2B5EF4-FFF2-40B4-BE49-F238E27FC236}">
+                <a16:creationId xmlns:a16="http://schemas.microsoft.com/office/drawing/2014/main" id="{54ADA480-6AB0-844F-9E88-B8120036CC75}"/>
+              </a:ext>
+            </a:extLst>
+          </p:cNvPr>
+          <p:cNvSpPr>
+            <a:spLocks noGrp="1"/>
+          </p:cNvSpPr>
+          <p:nvPr>
+            <p:ph type="title"/>
+          </p:nvPr>
+        </p:nvSpPr>
+        <p:spPr>
+          <a:xfrm>
+            <a:off x="477981" y="1122363"/>
+            <a:ext cx="4023360" cy="3204134"/>
+          </a:xfrm>
+        </p:spPr>
+        <p:txBody>
+          <a:bodyPr vert="horz" lIns="91440" tIns="45720" rIns="91440" bIns="45720" rtlCol="0" anchor="b">
+            <a:normAutofit/>
+          </a:bodyPr>
+          <a:lstStyle/>
+          <a:p>
+            <a:r>
+              <a:rPr lang="en-US" sz="3700" b="1" dirty="0"/>
+              <a:t>K-Means (III): </a:t>
+            </a:r>
+            <a:br>
+              <a:rPr lang="en-US" sz="3700" b="1" dirty="0"/>
+            </a:br>
+            <a:r>
+              <a:rPr lang="en-US" sz="3700" dirty="0" err="1"/>
+              <a:t>Barock</a:t>
+            </a:r>
+            <a:r>
+              <a:rPr lang="en-US" sz="3700" dirty="0"/>
+              <a:t>/</a:t>
+            </a:r>
+            <a:r>
+              <a:rPr lang="en-US" sz="3700" dirty="0" err="1"/>
+              <a:t>Realismus</a:t>
+            </a:r>
+            <a:endParaRPr lang="en-US" sz="3700" dirty="0"/>
+          </a:p>
+        </p:txBody>
+      </p:sp>
+      <p:sp>
+        <p:nvSpPr>
+          <p:cNvPr id="44" name="Rectangle 32">
+            <a:extLst>
+              <a:ext uri="{FF2B5EF4-FFF2-40B4-BE49-F238E27FC236}">
+                <a16:creationId xmlns:a16="http://schemas.microsoft.com/office/drawing/2014/main" id="{AF2F604E-43BE-4DC3-B983-E071523364F8}"/>
+              </a:ext>
+              <a:ext uri="{C183D7F6-B498-43B3-948B-1728B52AA6E4}">
+                <adec:decorative xmlns:adec="http://schemas.microsoft.com/office/drawing/2017/decorative" val="1"/>
+              </a:ext>
+            </a:extLst>
+          </p:cNvPr>
+          <p:cNvSpPr>
+            <a:spLocks noGrp="1" noRot="1" noChangeAspect="1" noMove="1" noResize="1" noEditPoints="1" noAdjustHandles="1" noChangeArrowheads="1" noChangeShapeType="1" noTextEdit="1"/>
+          </p:cNvSpPr>
+          <p:nvPr>
+            <p:extLst>
+              <p:ext uri="{386F3935-93C4-4BCD-93E2-E3B085C9AB24}">
+                <p16:designElem xmlns:p16="http://schemas.microsoft.com/office/powerpoint/2015/main" val="1"/>
+              </p:ext>
+            </p:extLst>
+          </p:nvPr>
+        </p:nvSpPr>
+        <p:spPr>
+          <a:xfrm rot="5400000">
+            <a:off x="759921" y="346791"/>
+            <a:ext cx="146304" cy="704088"/>
+          </a:xfrm>
+          <a:prstGeom prst="rect">
+            <a:avLst/>
+          </a:prstGeom>
+          <a:solidFill>
+            <a:schemeClr val="accent1"/>
+          </a:solidFill>
+          <a:ln>
+            <a:noFill/>
+          </a:ln>
+        </p:spPr>
+        <p:style>
+          <a:lnRef idx="2">
+            <a:schemeClr val="accent1">
+              <a:shade val="50000"/>
+            </a:schemeClr>
+          </a:lnRef>
+          <a:fillRef idx="1">
+            <a:schemeClr val="accent1"/>
+          </a:fillRef>
+          <a:effectRef idx="0">
+            <a:schemeClr val="accent1"/>
+          </a:effectRef>
+          <a:fontRef idx="minor">
+            <a:schemeClr val="lt1"/>
+          </a:fontRef>
+        </p:style>
+        <p:txBody>
+          <a:bodyPr rtlCol="0" anchor="ctr"/>
+          <a:lstStyle/>
+          <a:p>
+            <a:pPr marL="0" marR="0" lvl="0" indent="0" algn="ctr" defTabSz="914400" rtl="0" eaLnBrk="1" fontAlgn="auto" latinLnBrk="0" hangingPunct="1">
+              <a:lnSpc>
+                <a:spcPct val="100000"/>
+              </a:lnSpc>
+              <a:spcBef>
+                <a:spcPts val="0"/>
+              </a:spcBef>
+              <a:spcAft>
+                <a:spcPts val="0"/>
+              </a:spcAft>
+              <a:buClrTx/>
+              <a:buSzTx/>
+              <a:buFontTx/>
+              <a:buNone/>
+              <a:tabLst/>
+              <a:defRPr/>
+            </a:pPr>
+            <a:endParaRPr kumimoji="0" lang="en-US" sz="1800" b="0" i="0" u="none" strike="noStrike" kern="1200" cap="none" spc="0" normalizeH="0" baseline="0" noProof="0">
+              <a:ln>
+                <a:noFill/>
+              </a:ln>
+              <a:solidFill>
+                <a:prstClr val="white"/>
+              </a:solidFill>
+              <a:effectLst/>
+              <a:uLnTx/>
+              <a:uFillTx/>
+              <a:latin typeface="Calibri" panose="020F0502020204030204"/>
+              <a:ea typeface="+mn-ea"/>
+              <a:cs typeface="+mn-cs"/>
+            </a:endParaRPr>
+          </a:p>
+        </p:txBody>
+      </p:sp>
+      <p:sp>
+        <p:nvSpPr>
+          <p:cNvPr id="45" name="Rectangle 34">
+            <a:extLst>
+              <a:ext uri="{FF2B5EF4-FFF2-40B4-BE49-F238E27FC236}">
+                <a16:creationId xmlns:a16="http://schemas.microsoft.com/office/drawing/2014/main" id="{08C9B587-E65E-4B52-B37C-ABEBB6E87928}"/>
+              </a:ext>
+              <a:ext uri="{C183D7F6-B498-43B3-948B-1728B52AA6E4}">
+                <adec:decorative xmlns:adec="http://schemas.microsoft.com/office/drawing/2017/decorative" val="1"/>
+              </a:ext>
+            </a:extLst>
+          </p:cNvPr>
+          <p:cNvSpPr>
+            <a:spLocks noGrp="1" noRot="1" noChangeAspect="1" noMove="1" noResize="1" noEditPoints="1" noAdjustHandles="1" noChangeArrowheads="1" noChangeShapeType="1" noTextEdit="1"/>
+          </p:cNvSpPr>
+          <p:nvPr>
+            <p:extLst>
+              <p:ext uri="{386F3935-93C4-4BCD-93E2-E3B085C9AB24}">
+                <p16:designElem xmlns:p16="http://schemas.microsoft.com/office/powerpoint/2015/main" val="1"/>
+              </p:ext>
+            </p:extLst>
+          </p:nvPr>
+        </p:nvSpPr>
+        <p:spPr>
+          <a:xfrm>
+            <a:off x="481029" y="4546920"/>
+            <a:ext cx="4023360" cy="18288"/>
+          </a:xfrm>
+          <a:prstGeom prst="rect">
+            <a:avLst/>
+          </a:prstGeom>
+          <a:solidFill>
+            <a:schemeClr val="tx2">
+              <a:lumMod val="25000"/>
+              <a:lumOff val="75000"/>
+            </a:schemeClr>
+          </a:solidFill>
+          <a:ln w="3175">
+            <a:noFill/>
+          </a:ln>
+          <a:effectLst/>
+        </p:spPr>
+        <p:style>
+          <a:lnRef idx="2">
+            <a:schemeClr val="accent1">
+              <a:shade val="50000"/>
+            </a:schemeClr>
+          </a:lnRef>
+          <a:fillRef idx="1">
+            <a:schemeClr val="accent1"/>
+          </a:fillRef>
+          <a:effectRef idx="0">
+            <a:schemeClr val="accent1"/>
+          </a:effectRef>
+          <a:fontRef idx="minor">
+            <a:schemeClr val="lt1"/>
+          </a:fontRef>
+        </p:style>
+        <p:txBody>
+          <a:bodyPr rtlCol="0" anchor="ctr"/>
+          <a:lstStyle/>
+          <a:p>
+            <a:pPr marL="0" marR="0" lvl="0" indent="0" algn="ctr" defTabSz="914400" rtl="0" eaLnBrk="1" fontAlgn="auto" latinLnBrk="0" hangingPunct="1">
+              <a:lnSpc>
+                <a:spcPct val="100000"/>
+              </a:lnSpc>
+              <a:spcBef>
+                <a:spcPts val="0"/>
+              </a:spcBef>
+              <a:spcAft>
+                <a:spcPts val="0"/>
+              </a:spcAft>
+              <a:buClrTx/>
+              <a:buSzTx/>
+              <a:buFontTx/>
+              <a:buNone/>
+              <a:tabLst/>
+              <a:defRPr/>
+            </a:pPr>
+            <a:endParaRPr kumimoji="0" lang="en-US" sz="1800" b="0" i="0" u="none" strike="noStrike" kern="1200" cap="none" spc="0" normalizeH="0" baseline="0" noProof="0">
+              <a:ln>
+                <a:noFill/>
+              </a:ln>
+              <a:solidFill>
+                <a:prstClr val="white"/>
+              </a:solidFill>
+              <a:effectLst/>
+              <a:uLnTx/>
+              <a:uFillTx/>
+              <a:latin typeface="Calibri" panose="020F0502020204030204"/>
+              <a:ea typeface="+mn-ea"/>
+              <a:cs typeface="+mn-cs"/>
+            </a:endParaRPr>
+          </a:p>
+        </p:txBody>
+      </p:sp>
+      <p:sp>
+        <p:nvSpPr>
+          <p:cNvPr id="6" name="TextBox 5">
+            <a:extLst>
+              <a:ext uri="{FF2B5EF4-FFF2-40B4-BE49-F238E27FC236}">
+                <a16:creationId xmlns:a16="http://schemas.microsoft.com/office/drawing/2014/main" id="{90F669C5-0123-2348-A259-7BE0C33F2448}"/>
+              </a:ext>
+            </a:extLst>
+          </p:cNvPr>
+          <p:cNvSpPr txBox="1"/>
+          <p:nvPr/>
+        </p:nvSpPr>
+        <p:spPr>
+          <a:xfrm>
+            <a:off x="578652" y="4814888"/>
+            <a:ext cx="3736173" cy="830997"/>
+          </a:xfrm>
+          <a:prstGeom prst="rect">
+            <a:avLst/>
+          </a:prstGeom>
+          <a:noFill/>
+        </p:spPr>
+        <p:txBody>
+          <a:bodyPr wrap="square" rtlCol="0">
+            <a:spAutoFit/>
+          </a:bodyPr>
+          <a:lstStyle/>
+          <a:p>
+            <a:r>
+              <a:rPr lang="de-DE" sz="2400" dirty="0"/>
+              <a:t>Dichter Barock: 	35</a:t>
+            </a:r>
+          </a:p>
+          <a:p>
+            <a:r>
+              <a:rPr lang="de-DE" sz="2400" dirty="0"/>
+              <a:t>Dichter Realismus:  	65</a:t>
+            </a:r>
+          </a:p>
+        </p:txBody>
+      </p:sp>
+      <p:pic>
+        <p:nvPicPr>
+          <p:cNvPr id="19" name="Picture 18" descr="A screenshot of a cell phone&#10;&#10;Description automatically generated">
+            <a:extLst>
+              <a:ext uri="{FF2B5EF4-FFF2-40B4-BE49-F238E27FC236}">
+                <a16:creationId xmlns:a16="http://schemas.microsoft.com/office/drawing/2014/main" id="{B94AA61E-BF36-0E4B-B088-22FE4A336506}"/>
+              </a:ext>
+            </a:extLst>
+          </p:cNvPr>
+          <p:cNvPicPr>
+            <a:picLocks noChangeAspect="1"/>
+          </p:cNvPicPr>
+          <p:nvPr/>
+        </p:nvPicPr>
+        <p:blipFill rotWithShape="1">
+          <a:blip r:embed="rId3"/>
+          <a:srcRect l="10763" t="6647" r="16840" b="9707"/>
+          <a:stretch/>
+        </p:blipFill>
+        <p:spPr>
+          <a:xfrm>
+            <a:off x="4548628" y="413290"/>
+            <a:ext cx="7593036" cy="6031419"/>
+          </a:xfrm>
+          <a:prstGeom prst="rect">
+            <a:avLst/>
+          </a:prstGeom>
+        </p:spPr>
+      </p:pic>
+    </p:spTree>
+    <p:extLst>
+      <p:ext uri="{BB962C8B-B14F-4D97-AF65-F5344CB8AC3E}">
+        <p14:creationId xmlns:p14="http://schemas.microsoft.com/office/powerpoint/2010/main" val="1869759373"/>
+      </p:ext>
+    </p:extLst>
+  </p:cSld>
+  <p:clrMapOvr>
+    <a:masterClrMapping/>
+  </p:clrMapOvr>
+</p:sld>
+</file>
+
+<file path=ppt/slides/slide28.xml><?xml version="1.0" encoding="utf-8"?>
+<p:sld xmlns:a="http://schemas.openxmlformats.org/drawingml/2006/main" xmlns:r="http://schemas.openxmlformats.org/officeDocument/2006/relationships" xmlns:p="http://schemas.openxmlformats.org/presentationml/2006/main">
+  <p:cSld>
+    <p:bg>
+      <p:bgPr>
+        <a:solidFill>
+          <a:schemeClr val="bg1"/>
+        </a:solidFill>
+        <a:effectLst/>
+      </p:bgPr>
+    </p:bg>
+    <p:spTree>
+      <p:nvGrpSpPr>
+        <p:cNvPr id="1" name=""/>
+        <p:cNvGrpSpPr/>
+        <p:nvPr/>
+      </p:nvGrpSpPr>
+      <p:grpSpPr>
+        <a:xfrm>
+          <a:off x="0" y="0"/>
+          <a:ext cx="0" cy="0"/>
+          <a:chOff x="0" y="0"/>
+          <a:chExt cx="0" cy="0"/>
+        </a:xfrm>
+      </p:grpSpPr>
       <p:sp useBgFill="1">
         <p:nvSpPr>
           <p:cNvPr id="50" name="Rectangle 49">
@@ -16755,7 +16143,7 @@
 </p:sld>
 </file>
 
-<file path=ppt/slides/slide28.xml><?xml version="1.0" encoding="utf-8"?>
+<file path=ppt/slides/slide29.xml><?xml version="1.0" encoding="utf-8"?>
 <p:sld xmlns:a="http://schemas.openxmlformats.org/drawingml/2006/main" xmlns:r="http://schemas.openxmlformats.org/officeDocument/2006/relationships" xmlns:p="http://schemas.openxmlformats.org/presentationml/2006/main">
   <p:cSld>
     <p:bg>
@@ -17318,7 +16706,70 @@
 </p:sld>
 </file>
 
-<file path=ppt/slides/slide29.xml><?xml version="1.0" encoding="utf-8"?>
+<file path=ppt/slides/slide3.xml><?xml version="1.0" encoding="utf-8"?>
+<p:sld xmlns:a="http://schemas.openxmlformats.org/drawingml/2006/main" xmlns:r="http://schemas.openxmlformats.org/officeDocument/2006/relationships" xmlns:p="http://schemas.openxmlformats.org/presentationml/2006/main">
+  <p:cSld>
+    <p:spTree>
+      <p:nvGrpSpPr>
+        <p:cNvPr id="1" name=""/>
+        <p:cNvGrpSpPr/>
+        <p:nvPr/>
+      </p:nvGrpSpPr>
+      <p:grpSpPr>
+        <a:xfrm>
+          <a:off x="0" y="0"/>
+          <a:ext cx="0" cy="0"/>
+          <a:chOff x="0" y="0"/>
+          <a:chExt cx="0" cy="0"/>
+        </a:xfrm>
+      </p:grpSpPr>
+      <p:sp>
+        <p:nvSpPr>
+          <p:cNvPr id="4" name="Title 3">
+            <a:extLst>
+              <a:ext uri="{FF2B5EF4-FFF2-40B4-BE49-F238E27FC236}">
+                <a16:creationId xmlns:a16="http://schemas.microsoft.com/office/drawing/2014/main" id="{02AE6012-7D63-EA4D-B957-FE20015B7973}"/>
+              </a:ext>
+            </a:extLst>
+          </p:cNvPr>
+          <p:cNvSpPr>
+            <a:spLocks noGrp="1"/>
+          </p:cNvSpPr>
+          <p:nvPr>
+            <p:ph type="title"/>
+          </p:nvPr>
+        </p:nvSpPr>
+        <p:spPr/>
+        <p:txBody>
+          <a:bodyPr/>
+          <a:lstStyle/>
+          <a:p>
+            <a:r>
+              <a:rPr lang="de-DE" b="1" dirty="0"/>
+              <a:t>1.  Epochenbegriff und –	</a:t>
+            </a:r>
+            <a:r>
+              <a:rPr lang="de-DE" b="1" dirty="0" err="1"/>
+              <a:t>einteilung</a:t>
+            </a:r>
+            <a:endParaRPr lang="de-DE" dirty="0"/>
+          </a:p>
+        </p:txBody>
+      </p:sp>
+    </p:spTree>
+    <p:extLst>
+      <p:ext uri="{BB962C8B-B14F-4D97-AF65-F5344CB8AC3E}">
+        <p14:creationId xmlns:p14="http://schemas.microsoft.com/office/powerpoint/2010/main" val="835330337"/>
+      </p:ext>
+    </p:extLst>
+  </p:cSld>
+  <p:clrMapOvr>
+    <a:masterClrMapping/>
+  </p:clrMapOvr>
+</p:sld>
+</file>
+
+<file path=ppt/slides/slide30.xml><?xml version="1.0" encoding="utf-8"?>
 <p:sld xmlns:a="http://schemas.openxmlformats.org/drawingml/2006/main" xmlns:r="http://schemas.openxmlformats.org/officeDocument/2006/relationships" xmlns:p="http://schemas.openxmlformats.org/presentationml/2006/main">
   <p:cSld>
     <p:bg>
@@ -17921,7 +17372,7 @@
 </p:sld>
 </file>
 
-<file path=ppt/slides/slide3.xml><?xml version="1.0" encoding="utf-8"?>
+<file path=ppt/slides/slide31.xml><?xml version="1.0" encoding="utf-8"?>
 <p:sld xmlns:a="http://schemas.openxmlformats.org/drawingml/2006/main" xmlns:r="http://schemas.openxmlformats.org/officeDocument/2006/relationships" xmlns:p="http://schemas.openxmlformats.org/presentationml/2006/main">
   <p:cSld>
     <p:spTree>
@@ -17940,69 +17391,6 @@
       </p:grpSpPr>
       <p:sp>
         <p:nvSpPr>
-          <p:cNvPr id="4" name="Title 3">
-            <a:extLst>
-              <a:ext uri="{FF2B5EF4-FFF2-40B4-BE49-F238E27FC236}">
-                <a16:creationId xmlns:a16="http://schemas.microsoft.com/office/drawing/2014/main" id="{02AE6012-7D63-EA4D-B957-FE20015B7973}"/>
-              </a:ext>
-            </a:extLst>
-          </p:cNvPr>
-          <p:cNvSpPr>
-            <a:spLocks noGrp="1"/>
-          </p:cNvSpPr>
-          <p:nvPr>
-            <p:ph type="title"/>
-          </p:nvPr>
-        </p:nvSpPr>
-        <p:spPr/>
-        <p:txBody>
-          <a:bodyPr/>
-          <a:lstStyle/>
-          <a:p>
-            <a:r>
-              <a:rPr lang="de-DE" b="1" dirty="0"/>
-              <a:t>1.  Epochenbegriff und –	</a:t>
-            </a:r>
-            <a:r>
-              <a:rPr lang="de-DE" b="1" dirty="0" err="1"/>
-              <a:t>einteilung</a:t>
-            </a:r>
-            <a:endParaRPr lang="de-DE" dirty="0"/>
-          </a:p>
-        </p:txBody>
-      </p:sp>
-    </p:spTree>
-    <p:extLst>
-      <p:ext uri="{BB962C8B-B14F-4D97-AF65-F5344CB8AC3E}">
-        <p14:creationId xmlns:p14="http://schemas.microsoft.com/office/powerpoint/2010/main" val="835330337"/>
-      </p:ext>
-    </p:extLst>
-  </p:cSld>
-  <p:clrMapOvr>
-    <a:masterClrMapping/>
-  </p:clrMapOvr>
-</p:sld>
-</file>
-
-<file path=ppt/slides/slide30.xml><?xml version="1.0" encoding="utf-8"?>
-<p:sld xmlns:a="http://schemas.openxmlformats.org/drawingml/2006/main" xmlns:r="http://schemas.openxmlformats.org/officeDocument/2006/relationships" xmlns:p="http://schemas.openxmlformats.org/presentationml/2006/main">
-  <p:cSld>
-    <p:spTree>
-      <p:nvGrpSpPr>
-        <p:cNvPr id="1" name=""/>
-        <p:cNvGrpSpPr/>
-        <p:nvPr/>
-      </p:nvGrpSpPr>
-      <p:grpSpPr>
-        <a:xfrm>
-          <a:off x="0" y="0"/>
-          <a:ext cx="0" cy="0"/>
-          <a:chOff x="0" y="0"/>
-          <a:chExt cx="0" cy="0"/>
-        </a:xfrm>
-      </p:grpSpPr>
-      <p:sp>
-        <p:nvSpPr>
           <p:cNvPr id="5" name="Title 4">
             <a:extLst>
               <a:ext uri="{FF2B5EF4-FFF2-40B4-BE49-F238E27FC236}">
@@ -18140,7 +17528,7 @@
 </p:sld>
 </file>
 
-<file path=ppt/slides/slide31.xml><?xml version="1.0" encoding="utf-8"?>
+<file path=ppt/slides/slide32.xml><?xml version="1.0" encoding="utf-8"?>
 <p:sld xmlns:a="http://schemas.openxmlformats.org/drawingml/2006/main" xmlns:r="http://schemas.openxmlformats.org/officeDocument/2006/relationships" xmlns:p="http://schemas.openxmlformats.org/presentationml/2006/main" show="0">
   <p:cSld>
     <p:spTree>
@@ -18213,7 +17601,7 @@
 </p:sld>
 </file>
 
-<file path=ppt/slides/slide32.xml><?xml version="1.0" encoding="utf-8"?>
+<file path=ppt/slides/slide33.xml><?xml version="1.0" encoding="utf-8"?>
 <p:sld xmlns:a="http://schemas.openxmlformats.org/drawingml/2006/main" xmlns:r="http://schemas.openxmlformats.org/officeDocument/2006/relationships" xmlns:p="http://schemas.openxmlformats.org/presentationml/2006/main" show="0">
   <p:cSld>
     <p:bg>
@@ -18699,7 +18087,7 @@
 </p:sld>
 </file>
 
-<file path=ppt/slides/slide33.xml><?xml version="1.0" encoding="utf-8"?>
+<file path=ppt/slides/slide34.xml><?xml version="1.0" encoding="utf-8"?>
 <p:sld xmlns:a="http://schemas.openxmlformats.org/drawingml/2006/main" xmlns:r="http://schemas.openxmlformats.org/officeDocument/2006/relationships" xmlns:p="http://schemas.openxmlformats.org/presentationml/2006/main" show="0">
   <p:cSld>
     <p:spTree>
@@ -19869,7 +19257,7 @@
 </p:sld>
 </file>
 
-<file path=ppt/slides/slide34.xml><?xml version="1.0" encoding="utf-8"?>
+<file path=ppt/slides/slide35.xml><?xml version="1.0" encoding="utf-8"?>
 <p:sld xmlns:a="http://schemas.openxmlformats.org/drawingml/2006/main" xmlns:r="http://schemas.openxmlformats.org/officeDocument/2006/relationships" xmlns:p="http://schemas.openxmlformats.org/presentationml/2006/main">
   <p:cSld>
     <p:spTree>

--- a/presentation/clustering_presentation.pptx
+++ b/presentation/clustering_presentation.pptx
@@ -5,7 +5,7 @@
     <p:sldMasterId id="2147483732" r:id="rId1"/>
   </p:sldMasterIdLst>
   <p:notesMasterIdLst>
-    <p:notesMasterId r:id="rId37"/>
+    <p:notesMasterId r:id="rId42"/>
   </p:notesMasterIdLst>
   <p:sldIdLst>
     <p:sldId id="256" r:id="rId2"/>
@@ -26,23 +26,28 @@
     <p:sldId id="294" r:id="rId17"/>
     <p:sldId id="312" r:id="rId18"/>
     <p:sldId id="324" r:id="rId19"/>
-    <p:sldId id="320" r:id="rId20"/>
-    <p:sldId id="321" r:id="rId21"/>
-    <p:sldId id="322" r:id="rId22"/>
-    <p:sldId id="297" r:id="rId23"/>
-    <p:sldId id="301" r:id="rId24"/>
-    <p:sldId id="309" r:id="rId25"/>
-    <p:sldId id="310" r:id="rId26"/>
-    <p:sldId id="311" r:id="rId27"/>
-    <p:sldId id="319" r:id="rId28"/>
-    <p:sldId id="314" r:id="rId29"/>
-    <p:sldId id="315" r:id="rId30"/>
-    <p:sldId id="317" r:id="rId31"/>
-    <p:sldId id="302" r:id="rId32"/>
-    <p:sldId id="305" r:id="rId33"/>
-    <p:sldId id="307" r:id="rId34"/>
-    <p:sldId id="299" r:id="rId35"/>
-    <p:sldId id="304" r:id="rId36"/>
+    <p:sldId id="333" r:id="rId20"/>
+    <p:sldId id="320" r:id="rId21"/>
+    <p:sldId id="321" r:id="rId22"/>
+    <p:sldId id="329" r:id="rId23"/>
+    <p:sldId id="328" r:id="rId24"/>
+    <p:sldId id="332" r:id="rId25"/>
+    <p:sldId id="331" r:id="rId26"/>
+    <p:sldId id="297" r:id="rId27"/>
+    <p:sldId id="325" r:id="rId28"/>
+    <p:sldId id="301" r:id="rId29"/>
+    <p:sldId id="326" r:id="rId30"/>
+    <p:sldId id="327" r:id="rId31"/>
+    <p:sldId id="311" r:id="rId32"/>
+    <p:sldId id="319" r:id="rId33"/>
+    <p:sldId id="314" r:id="rId34"/>
+    <p:sldId id="315" r:id="rId35"/>
+    <p:sldId id="317" r:id="rId36"/>
+    <p:sldId id="302" r:id="rId37"/>
+    <p:sldId id="305" r:id="rId38"/>
+    <p:sldId id="307" r:id="rId39"/>
+    <p:sldId id="299" r:id="rId40"/>
+    <p:sldId id="304" r:id="rId41"/>
   </p:sldIdLst>
   <p:sldSz cx="12192000" cy="6858000"/>
   <p:notesSz cx="6858000" cy="9144000"/>
@@ -1213,15 +1218,45 @@
           <a:bodyPr/>
           <a:lstStyle/>
           <a:p>
+            <a:pPr marL="171450" indent="-171450">
+              <a:buFont typeface="Arial" panose="020B0604020202020204" pitchFamily="34" charset="0"/>
+              <a:buChar char="•"/>
+            </a:pPr>
             <a:r>
               <a:rPr lang="de-DE" dirty="0"/>
-              <a:t>Dimensionsreduktion: </a:t>
-            </a:r>
-            <a:r>
-              <a:rPr lang="de-DE" b="1" dirty="0" err="1"/>
-              <a:t>TruncatedSVD</a:t>
-            </a:r>
-            <a:endParaRPr lang="de-DE" b="1" dirty="0"/>
+              <a:t>Dichter mit 5 oder weniger Gedichten wurden entfernt </a:t>
+            </a:r>
+            <a:r>
+              <a:rPr lang="de-DE" dirty="0">
+                <a:sym typeface="Wingdings" pitchFamily="2" charset="2"/>
+              </a:rPr>
+              <a:t> um nicht andere Signale zu erhalten</a:t>
+            </a:r>
+          </a:p>
+          <a:p>
+            <a:pPr marL="171450" indent="-171450">
+              <a:buFont typeface="Arial" panose="020B0604020202020204" pitchFamily="34" charset="0"/>
+              <a:buChar char="•"/>
+            </a:pPr>
+            <a:r>
+              <a:rPr lang="de-DE" dirty="0">
+                <a:sym typeface="Wingdings" pitchFamily="2" charset="2"/>
+              </a:rPr>
+              <a:t>Verschiedene Epochen von Gedichten eines Dichters wurden vorher getrennt</a:t>
+            </a:r>
+          </a:p>
+          <a:p>
+            <a:pPr marL="171450" indent="-171450">
+              <a:buFont typeface="Arial" panose="020B0604020202020204" pitchFamily="34" charset="0"/>
+              <a:buChar char="•"/>
+            </a:pPr>
+            <a:r>
+              <a:rPr lang="de-DE" dirty="0">
+                <a:sym typeface="Wingdings" pitchFamily="2" charset="2"/>
+              </a:rPr>
+              <a:t>Als Erscheinungsjahr wurde der Mittelwerte aller Gedichte des Dichter in der Epoche verwendet</a:t>
+            </a:r>
+            <a:endParaRPr lang="de-DE" dirty="0"/>
           </a:p>
         </p:txBody>
       </p:sp>
@@ -1251,7 +1286,7 @@
     </p:spTree>
     <p:extLst>
       <p:ext uri="{BB962C8B-B14F-4D97-AF65-F5344CB8AC3E}">
-        <p14:creationId xmlns:p14="http://schemas.microsoft.com/office/powerpoint/2010/main" val="1312082211"/>
+        <p14:creationId xmlns:p14="http://schemas.microsoft.com/office/powerpoint/2010/main" val="410681100"/>
       </p:ext>
     </p:extLst>
   </p:cSld>
@@ -1305,19 +1340,19 @@
           <a:bodyPr/>
           <a:lstStyle/>
           <a:p>
-            <a:pPr algn="l"/>
-            <a:r>
-              <a:rPr lang="de-DE" dirty="0"/>
+            <a:r>
+              <a:rPr lang="de-DE" b="0" dirty="0"/>
+              <a:t>Sortiert nach </a:t>
+            </a:r>
+            <a:r>
+              <a:rPr lang="de-DE" b="1" dirty="0"/>
               <a:t>K-</a:t>
             </a:r>
             <a:r>
-              <a:rPr lang="de-DE" dirty="0" err="1"/>
+              <a:rPr lang="de-DE" b="1" dirty="0" err="1"/>
               <a:t>Means</a:t>
             </a:r>
-            <a:r>
-              <a:rPr lang="de-DE" dirty="0"/>
-              <a:t> auf hochdimensionale Daten</a:t>
-            </a:r>
+            <a:endParaRPr lang="de-DE" b="0" dirty="0"/>
           </a:p>
         </p:txBody>
       </p:sp>
@@ -1347,7 +1382,7 @@
     </p:spTree>
     <p:extLst>
       <p:ext uri="{BB962C8B-B14F-4D97-AF65-F5344CB8AC3E}">
-        <p14:creationId xmlns:p14="http://schemas.microsoft.com/office/powerpoint/2010/main" val="2134904752"/>
+        <p14:creationId xmlns:p14="http://schemas.microsoft.com/office/powerpoint/2010/main" val="618638825"/>
       </p:ext>
     </p:extLst>
   </p:cSld>
@@ -1401,19 +1436,7 @@
           <a:bodyPr/>
           <a:lstStyle/>
           <a:p>
-            <a:pPr algn="l"/>
-            <a:r>
-              <a:rPr lang="de-DE" dirty="0"/>
-              <a:t>K-</a:t>
-            </a:r>
-            <a:r>
-              <a:rPr lang="de-DE" dirty="0" err="1"/>
-              <a:t>Means</a:t>
-            </a:r>
-            <a:r>
-              <a:rPr lang="de-DE" dirty="0"/>
-              <a:t> auf hochdimensionale Daten</a:t>
-            </a:r>
+            <a:endParaRPr lang="de-DE" b="1" dirty="0"/>
           </a:p>
         </p:txBody>
       </p:sp>
@@ -1443,7 +1466,7 @@
     </p:spTree>
     <p:extLst>
       <p:ext uri="{BB962C8B-B14F-4D97-AF65-F5344CB8AC3E}">
-        <p14:creationId xmlns:p14="http://schemas.microsoft.com/office/powerpoint/2010/main" val="3426150485"/>
+        <p14:creationId xmlns:p14="http://schemas.microsoft.com/office/powerpoint/2010/main" val="2882404652"/>
       </p:ext>
     </p:extLst>
   </p:cSld>
@@ -1497,27 +1520,18 @@
           <a:bodyPr/>
           <a:lstStyle/>
           <a:p>
+            <a:pPr algn="l"/>
             <a:r>
               <a:rPr lang="de-DE" dirty="0"/>
-              <a:t>ACHTUNG: Jahre sind hier Mittelwerte der Jahre aller Gedichte des Dichters</a:t>
-            </a:r>
-          </a:p>
-          <a:p>
+              <a:t>K-</a:t>
+            </a:r>
+            <a:r>
+              <a:rPr lang="de-DE" dirty="0" err="1"/>
+              <a:t>Means</a:t>
+            </a:r>
             <a:r>
               <a:rPr lang="de-DE" dirty="0"/>
-              <a:t>IN KLAMMERN: Verteilung der Großteil der Jahre</a:t>
-            </a:r>
-          </a:p>
-          <a:p>
-            <a:r>
-              <a:rPr lang="de-DE" dirty="0"/>
-              <a:t>Frühbarock: 1600-1650</a:t>
-            </a:r>
-          </a:p>
-          <a:p>
-            <a:r>
-              <a:rPr lang="de-DE" dirty="0"/>
-              <a:t>Hochbarock: 1650-1700 (1720)</a:t>
+              <a:t> auf hochdimensionale Daten</a:t>
             </a:r>
           </a:p>
         </p:txBody>
@@ -1539,7 +1553,7 @@
           <a:p>
             <a:fld id="{49FFD0F6-1B54-1D42-B676-41E105B9815E}" type="slidenum">
               <a:rPr lang="de-DE" smtClean="0"/>
-              <a:t>28</a:t>
+              <a:t>31</a:t>
             </a:fld>
             <a:endParaRPr lang="de-DE"/>
           </a:p>
@@ -1548,7 +1562,7 @@
     </p:spTree>
     <p:extLst>
       <p:ext uri="{BB962C8B-B14F-4D97-AF65-F5344CB8AC3E}">
-        <p14:creationId xmlns:p14="http://schemas.microsoft.com/office/powerpoint/2010/main" val="1629050767"/>
+        <p14:creationId xmlns:p14="http://schemas.microsoft.com/office/powerpoint/2010/main" val="2134904752"/>
       </p:ext>
     </p:extLst>
   </p:cSld>
@@ -1602,9 +1616,18 @@
           <a:bodyPr/>
           <a:lstStyle/>
           <a:p>
+            <a:pPr algn="l"/>
             <a:r>
               <a:rPr lang="de-DE" dirty="0"/>
-              <a:t>ACHTUNG: Jahre sind hier Mittelwerte der Jahre aller Gedichte der häufigsten Epoche des Dichters</a:t>
+              <a:t>K-</a:t>
+            </a:r>
+            <a:r>
+              <a:rPr lang="de-DE" dirty="0" err="1"/>
+              <a:t>Means</a:t>
+            </a:r>
+            <a:r>
+              <a:rPr lang="de-DE" dirty="0"/>
+              <a:t> auf hochdimensionale Daten</a:t>
             </a:r>
           </a:p>
         </p:txBody>
@@ -1626,7 +1649,7 @@
           <a:p>
             <a:fld id="{49FFD0F6-1B54-1D42-B676-41E105B9815E}" type="slidenum">
               <a:rPr lang="de-DE" smtClean="0"/>
-              <a:t>29</a:t>
+              <a:t>32</a:t>
             </a:fld>
             <a:endParaRPr lang="de-DE"/>
           </a:p>
@@ -1635,7 +1658,7 @@
     </p:spTree>
     <p:extLst>
       <p:ext uri="{BB962C8B-B14F-4D97-AF65-F5344CB8AC3E}">
-        <p14:creationId xmlns:p14="http://schemas.microsoft.com/office/powerpoint/2010/main" val="1412957019"/>
+        <p14:creationId xmlns:p14="http://schemas.microsoft.com/office/powerpoint/2010/main" val="3426150485"/>
       </p:ext>
     </p:extLst>
   </p:cSld>
@@ -1689,8 +1712,28 @@
           <a:bodyPr/>
           <a:lstStyle/>
           <a:p>
-            <a:pPr algn="l"/>
-            <a:endParaRPr lang="de-DE" dirty="0"/>
+            <a:r>
+              <a:rPr lang="de-DE" dirty="0"/>
+              <a:t>ACHTUNG: Jahre sind hier Mittelwerte der Jahre aller Gedichte des Dichters</a:t>
+            </a:r>
+          </a:p>
+          <a:p>
+            <a:r>
+              <a:rPr lang="de-DE" dirty="0"/>
+              <a:t>IN KLAMMERN: Verteilung der Großteil der Jahre</a:t>
+            </a:r>
+          </a:p>
+          <a:p>
+            <a:r>
+              <a:rPr lang="de-DE" dirty="0"/>
+              <a:t>Frühbarock: 1600-1650</a:t>
+            </a:r>
+          </a:p>
+          <a:p>
+            <a:r>
+              <a:rPr lang="de-DE" dirty="0"/>
+              <a:t>Hochbarock: 1650-1700 (1720)</a:t>
+            </a:r>
           </a:p>
         </p:txBody>
       </p:sp>
@@ -1711,7 +1754,7 @@
           <a:p>
             <a:fld id="{49FFD0F6-1B54-1D42-B676-41E105B9815E}" type="slidenum">
               <a:rPr lang="de-DE" smtClean="0"/>
-              <a:t>30</a:t>
+              <a:t>33</a:t>
             </a:fld>
             <a:endParaRPr lang="de-DE"/>
           </a:p>
@@ -1720,7 +1763,7 @@
     </p:spTree>
     <p:extLst>
       <p:ext uri="{BB962C8B-B14F-4D97-AF65-F5344CB8AC3E}">
-        <p14:creationId xmlns:p14="http://schemas.microsoft.com/office/powerpoint/2010/main" val="3822682556"/>
+        <p14:creationId xmlns:p14="http://schemas.microsoft.com/office/powerpoint/2010/main" val="1629050767"/>
       </p:ext>
     </p:extLst>
   </p:cSld>
@@ -1776,13 +1819,8 @@
           <a:p>
             <a:r>
               <a:rPr lang="de-DE" dirty="0"/>
-              <a:t>Dimensionsreduktion: </a:t>
-            </a:r>
-            <a:r>
-              <a:rPr lang="de-DE" b="1" dirty="0" err="1"/>
-              <a:t>TruncatedSVD</a:t>
-            </a:r>
-            <a:endParaRPr lang="de-DE" b="1" dirty="0"/>
+              <a:t>ACHTUNG: Jahre sind hier Mittelwerte der Jahre aller Gedichte der häufigsten Epoche des Dichters</a:t>
+            </a:r>
           </a:p>
         </p:txBody>
       </p:sp>
@@ -1803,7 +1841,184 @@
           <a:p>
             <a:fld id="{49FFD0F6-1B54-1D42-B676-41E105B9815E}" type="slidenum">
               <a:rPr lang="de-DE" smtClean="0"/>
-              <a:t>33</a:t>
+              <a:t>34</a:t>
+            </a:fld>
+            <a:endParaRPr lang="de-DE"/>
+          </a:p>
+        </p:txBody>
+      </p:sp>
+    </p:spTree>
+    <p:extLst>
+      <p:ext uri="{BB962C8B-B14F-4D97-AF65-F5344CB8AC3E}">
+        <p14:creationId xmlns:p14="http://schemas.microsoft.com/office/powerpoint/2010/main" val="1412957019"/>
+      </p:ext>
+    </p:extLst>
+  </p:cSld>
+  <p:clrMapOvr>
+    <a:masterClrMapping/>
+  </p:clrMapOvr>
+</p:notes>
+</file>
+
+<file path=ppt/notesSlides/notesSlide17.xml><?xml version="1.0" encoding="utf-8"?>
+<p:notes xmlns:a="http://schemas.openxmlformats.org/drawingml/2006/main" xmlns:r="http://schemas.openxmlformats.org/officeDocument/2006/relationships" xmlns:p="http://schemas.openxmlformats.org/presentationml/2006/main">
+  <p:cSld>
+    <p:spTree>
+      <p:nvGrpSpPr>
+        <p:cNvPr id="1" name=""/>
+        <p:cNvGrpSpPr/>
+        <p:nvPr/>
+      </p:nvGrpSpPr>
+      <p:grpSpPr>
+        <a:xfrm>
+          <a:off x="0" y="0"/>
+          <a:ext cx="0" cy="0"/>
+          <a:chOff x="0" y="0"/>
+          <a:chExt cx="0" cy="0"/>
+        </a:xfrm>
+      </p:grpSpPr>
+      <p:sp>
+        <p:nvSpPr>
+          <p:cNvPr id="2" name="Slide Image Placeholder 1"/>
+          <p:cNvSpPr>
+            <a:spLocks noGrp="1" noRot="1" noChangeAspect="1"/>
+          </p:cNvSpPr>
+          <p:nvPr>
+            <p:ph type="sldImg"/>
+          </p:nvPr>
+        </p:nvSpPr>
+        <p:spPr/>
+      </p:sp>
+      <p:sp>
+        <p:nvSpPr>
+          <p:cNvPr id="3" name="Notes Placeholder 2"/>
+          <p:cNvSpPr>
+            <a:spLocks noGrp="1"/>
+          </p:cNvSpPr>
+          <p:nvPr>
+            <p:ph type="body" idx="1"/>
+          </p:nvPr>
+        </p:nvSpPr>
+        <p:spPr/>
+        <p:txBody>
+          <a:bodyPr/>
+          <a:lstStyle/>
+          <a:p>
+            <a:pPr algn="l"/>
+            <a:endParaRPr lang="de-DE" dirty="0"/>
+          </a:p>
+        </p:txBody>
+      </p:sp>
+      <p:sp>
+        <p:nvSpPr>
+          <p:cNvPr id="4" name="Slide Number Placeholder 3"/>
+          <p:cNvSpPr>
+            <a:spLocks noGrp="1"/>
+          </p:cNvSpPr>
+          <p:nvPr>
+            <p:ph type="sldNum" sz="quarter" idx="5"/>
+          </p:nvPr>
+        </p:nvSpPr>
+        <p:spPr/>
+        <p:txBody>
+          <a:bodyPr/>
+          <a:lstStyle/>
+          <a:p>
+            <a:fld id="{49FFD0F6-1B54-1D42-B676-41E105B9815E}" type="slidenum">
+              <a:rPr lang="de-DE" smtClean="0"/>
+              <a:t>35</a:t>
+            </a:fld>
+            <a:endParaRPr lang="de-DE"/>
+          </a:p>
+        </p:txBody>
+      </p:sp>
+    </p:spTree>
+    <p:extLst>
+      <p:ext uri="{BB962C8B-B14F-4D97-AF65-F5344CB8AC3E}">
+        <p14:creationId xmlns:p14="http://schemas.microsoft.com/office/powerpoint/2010/main" val="3822682556"/>
+      </p:ext>
+    </p:extLst>
+  </p:cSld>
+  <p:clrMapOvr>
+    <a:masterClrMapping/>
+  </p:clrMapOvr>
+</p:notes>
+</file>
+
+<file path=ppt/notesSlides/notesSlide18.xml><?xml version="1.0" encoding="utf-8"?>
+<p:notes xmlns:a="http://schemas.openxmlformats.org/drawingml/2006/main" xmlns:r="http://schemas.openxmlformats.org/officeDocument/2006/relationships" xmlns:p="http://schemas.openxmlformats.org/presentationml/2006/main">
+  <p:cSld>
+    <p:spTree>
+      <p:nvGrpSpPr>
+        <p:cNvPr id="1" name=""/>
+        <p:cNvGrpSpPr/>
+        <p:nvPr/>
+      </p:nvGrpSpPr>
+      <p:grpSpPr>
+        <a:xfrm>
+          <a:off x="0" y="0"/>
+          <a:ext cx="0" cy="0"/>
+          <a:chOff x="0" y="0"/>
+          <a:chExt cx="0" cy="0"/>
+        </a:xfrm>
+      </p:grpSpPr>
+      <p:sp>
+        <p:nvSpPr>
+          <p:cNvPr id="2" name="Slide Image Placeholder 1"/>
+          <p:cNvSpPr>
+            <a:spLocks noGrp="1" noRot="1" noChangeAspect="1"/>
+          </p:cNvSpPr>
+          <p:nvPr>
+            <p:ph type="sldImg"/>
+          </p:nvPr>
+        </p:nvSpPr>
+        <p:spPr/>
+      </p:sp>
+      <p:sp>
+        <p:nvSpPr>
+          <p:cNvPr id="3" name="Notes Placeholder 2"/>
+          <p:cNvSpPr>
+            <a:spLocks noGrp="1"/>
+          </p:cNvSpPr>
+          <p:nvPr>
+            <p:ph type="body" idx="1"/>
+          </p:nvPr>
+        </p:nvSpPr>
+        <p:spPr/>
+        <p:txBody>
+          <a:bodyPr/>
+          <a:lstStyle/>
+          <a:p>
+            <a:r>
+              <a:rPr lang="de-DE" dirty="0"/>
+              <a:t>Dimensionsreduktion: </a:t>
+            </a:r>
+            <a:r>
+              <a:rPr lang="de-DE" b="1" dirty="0" err="1"/>
+              <a:t>TruncatedSVD</a:t>
+            </a:r>
+            <a:endParaRPr lang="de-DE" b="1" dirty="0"/>
+          </a:p>
+        </p:txBody>
+      </p:sp>
+      <p:sp>
+        <p:nvSpPr>
+          <p:cNvPr id="4" name="Slide Number Placeholder 3"/>
+          <p:cNvSpPr>
+            <a:spLocks noGrp="1"/>
+          </p:cNvSpPr>
+          <p:nvPr>
+            <p:ph type="sldNum" sz="quarter" idx="5"/>
+          </p:nvPr>
+        </p:nvSpPr>
+        <p:spPr/>
+        <p:txBody>
+          <a:bodyPr/>
+          <a:lstStyle/>
+          <a:p>
+            <a:fld id="{49FFD0F6-1B54-1D42-B676-41E105B9815E}" type="slidenum">
+              <a:rPr lang="de-DE" smtClean="0"/>
+              <a:t>38</a:t>
             </a:fld>
             <a:endParaRPr lang="de-DE"/>
           </a:p>
@@ -2865,7 +3080,6 @@
           <a:bodyPr/>
           <a:lstStyle/>
           <a:p>
-            <a:pPr algn="l"/>
             <a:endParaRPr lang="de-DE" dirty="0"/>
           </a:p>
         </p:txBody>
@@ -2896,7 +3110,7 @@
     </p:spTree>
     <p:extLst>
       <p:ext uri="{BB962C8B-B14F-4D97-AF65-F5344CB8AC3E}">
-        <p14:creationId xmlns:p14="http://schemas.microsoft.com/office/powerpoint/2010/main" val="642319003"/>
+        <p14:creationId xmlns:p14="http://schemas.microsoft.com/office/powerpoint/2010/main" val="3968219187"/>
       </p:ext>
     </p:extLst>
   </p:cSld>
@@ -2950,15 +3164,8 @@
           <a:bodyPr/>
           <a:lstStyle/>
           <a:p>
-            <a:r>
-              <a:rPr lang="de-DE" dirty="0"/>
-              <a:t>Dimensionsreduktion: </a:t>
-            </a:r>
-            <a:r>
-              <a:rPr lang="de-DE" b="1" dirty="0" err="1"/>
-              <a:t>TruncatedSVD</a:t>
-            </a:r>
-            <a:endParaRPr lang="de-DE" b="1" dirty="0"/>
+            <a:pPr algn="l"/>
+            <a:endParaRPr lang="de-DE" dirty="0"/>
           </a:p>
         </p:txBody>
       </p:sp>
@@ -2979,7 +3186,7 @@
           <a:p>
             <a:fld id="{49FFD0F6-1B54-1D42-B676-41E105B9815E}" type="slidenum">
               <a:rPr lang="de-DE" smtClean="0"/>
-              <a:t>22</a:t>
+              <a:t>20</a:t>
             </a:fld>
             <a:endParaRPr lang="de-DE"/>
           </a:p>
@@ -2988,7 +3195,7 @@
     </p:spTree>
     <p:extLst>
       <p:ext uri="{BB962C8B-B14F-4D97-AF65-F5344CB8AC3E}">
-        <p14:creationId xmlns:p14="http://schemas.microsoft.com/office/powerpoint/2010/main" val="618638825"/>
+        <p14:creationId xmlns:p14="http://schemas.microsoft.com/office/powerpoint/2010/main" val="642319003"/>
       </p:ext>
     </p:extLst>
   </p:cSld>
@@ -3042,50 +3249,19 @@
           <a:bodyPr/>
           <a:lstStyle/>
           <a:p>
-            <a:pPr marL="171450" indent="-171450">
-              <a:buFont typeface="Arial" panose="020B0604020202020204" pitchFamily="34" charset="0"/>
-              <a:buChar char="•"/>
-            </a:pPr>
-            <a:r>
-              <a:rPr lang="de-DE" dirty="0"/>
-              <a:t>Dichter mit 5 oder weniger Gedichten wurden entfernt </a:t>
-            </a:r>
-            <a:r>
-              <a:rPr lang="de-DE" dirty="0">
-                <a:sym typeface="Wingdings" pitchFamily="2" charset="2"/>
-              </a:rPr>
-              <a:t> um nicht nach Titeln zu </a:t>
-            </a:r>
-            <a:r>
-              <a:rPr lang="de-DE" dirty="0" err="1">
-                <a:sym typeface="Wingdings" pitchFamily="2" charset="2"/>
-              </a:rPr>
-              <a:t>clustern</a:t>
-            </a:r>
-            <a:endParaRPr lang="de-DE" dirty="0"/>
-          </a:p>
-          <a:p>
-            <a:pPr marL="171450" indent="-171450">
-              <a:buFont typeface="Arial" panose="020B0604020202020204" pitchFamily="34" charset="0"/>
-              <a:buChar char="•"/>
-            </a:pPr>
-            <a:r>
-              <a:rPr lang="de-DE" dirty="0"/>
-              <a:t>Dichter wurde häufigste Epoche aller Gedichte zugeordnet</a:t>
-            </a:r>
-          </a:p>
-          <a:p>
-            <a:pPr marL="171450" indent="-171450">
-              <a:buFont typeface="Arial" panose="020B0604020202020204" pitchFamily="34" charset="0"/>
-              <a:buChar char="•"/>
-            </a:pPr>
-            <a:r>
-              <a:rPr lang="de-DE" dirty="0"/>
-              <a:t>Dichter wurde Mittelwert aller Erscheinungsjahre der Gedichte mit der häufigsten Epoche zugeordnet</a:t>
-            </a:r>
-          </a:p>
-          <a:p>
-            <a:endParaRPr lang="de-DE" dirty="0"/>
+            <a:r>
+              <a:rPr lang="de-DE" b="0" dirty="0"/>
+              <a:t>Sortiert nach </a:t>
+            </a:r>
+            <a:r>
+              <a:rPr lang="de-DE" b="1" dirty="0"/>
+              <a:t>K-</a:t>
+            </a:r>
+            <a:r>
+              <a:rPr lang="de-DE" b="1" dirty="0" err="1"/>
+              <a:t>Means</a:t>
+            </a:r>
+            <a:endParaRPr lang="de-DE" b="0" dirty="0"/>
           </a:p>
         </p:txBody>
       </p:sp>
@@ -3106,7 +3282,7 @@
           <a:p>
             <a:fld id="{49FFD0F6-1B54-1D42-B676-41E105B9815E}" type="slidenum">
               <a:rPr lang="de-DE" smtClean="0"/>
-              <a:t>24</a:t>
+              <a:t>22</a:t>
             </a:fld>
             <a:endParaRPr lang="de-DE"/>
           </a:p>
@@ -3115,7 +3291,7 @@
     </p:spTree>
     <p:extLst>
       <p:ext uri="{BB962C8B-B14F-4D97-AF65-F5344CB8AC3E}">
-        <p14:creationId xmlns:p14="http://schemas.microsoft.com/office/powerpoint/2010/main" val="539713406"/>
+        <p14:creationId xmlns:p14="http://schemas.microsoft.com/office/powerpoint/2010/main" val="1014610307"/>
       </p:ext>
     </p:extLst>
   </p:cSld>
@@ -10031,7 +10207,7 @@
           <a:p>
             <a:r>
               <a:rPr lang="de-DE" sz="4400" b="1" dirty="0"/>
-              <a:t>4.1.1.  Zusammenfassung von 			  	Gedichten eines Dichters </a:t>
+              <a:t>4.2.  Zusammenfassung von 			   Gedichten eines Dichters </a:t>
             </a:r>
             <a:endParaRPr lang="de-DE" sz="4800" b="1" dirty="0"/>
           </a:p>
@@ -10051,6 +10227,191 @@
 </file>
 
 <file path=ppt/slides/slide19.xml><?xml version="1.0" encoding="utf-8"?>
+<p:sld xmlns:a="http://schemas.openxmlformats.org/drawingml/2006/main" xmlns:r="http://schemas.openxmlformats.org/officeDocument/2006/relationships" xmlns:p="http://schemas.openxmlformats.org/presentationml/2006/main">
+  <p:cSld>
+    <p:spTree>
+      <p:nvGrpSpPr>
+        <p:cNvPr id="1" name=""/>
+        <p:cNvGrpSpPr/>
+        <p:nvPr/>
+      </p:nvGrpSpPr>
+      <p:grpSpPr>
+        <a:xfrm>
+          <a:off x="0" y="0"/>
+          <a:ext cx="0" cy="0"/>
+          <a:chOff x="0" y="0"/>
+          <a:chExt cx="0" cy="0"/>
+        </a:xfrm>
+      </p:grpSpPr>
+      <p:pic>
+        <p:nvPicPr>
+          <p:cNvPr id="4" name="Picture 3" descr="A screenshot of a cell phone&#10;&#10;Description automatically generated">
+            <a:extLst>
+              <a:ext uri="{FF2B5EF4-FFF2-40B4-BE49-F238E27FC236}">
+                <a16:creationId xmlns:a16="http://schemas.microsoft.com/office/drawing/2014/main" id="{FC176DC5-CFA2-4F41-A762-79189CA18A58}"/>
+              </a:ext>
+            </a:extLst>
+          </p:cNvPr>
+          <p:cNvPicPr>
+            <a:picLocks noChangeAspect="1"/>
+          </p:cNvPicPr>
+          <p:nvPr/>
+        </p:nvPicPr>
+        <p:blipFill rotWithShape="1">
+          <a:blip r:embed="rId3"/>
+          <a:srcRect l="5366" t="4627" r="7042"/>
+          <a:stretch/>
+        </p:blipFill>
+        <p:spPr>
+          <a:xfrm>
+            <a:off x="1517276" y="105394"/>
+            <a:ext cx="9157447" cy="6647212"/>
+          </a:xfrm>
+          <a:prstGeom prst="rect">
+            <a:avLst/>
+          </a:prstGeom>
+        </p:spPr>
+      </p:pic>
+    </p:spTree>
+    <p:extLst>
+      <p:ext uri="{BB962C8B-B14F-4D97-AF65-F5344CB8AC3E}">
+        <p14:creationId xmlns:p14="http://schemas.microsoft.com/office/powerpoint/2010/main" val="2097468510"/>
+      </p:ext>
+    </p:extLst>
+  </p:cSld>
+  <p:clrMapOvr>
+    <a:masterClrMapping/>
+  </p:clrMapOvr>
+</p:sld>
+</file>
+
+<file path=ppt/slides/slide2.xml><?xml version="1.0" encoding="utf-8"?>
+<p:sld xmlns:a="http://schemas.openxmlformats.org/drawingml/2006/main" xmlns:r="http://schemas.openxmlformats.org/officeDocument/2006/relationships" xmlns:p="http://schemas.openxmlformats.org/presentationml/2006/main">
+  <p:cSld>
+    <p:spTree>
+      <p:nvGrpSpPr>
+        <p:cNvPr id="1" name=""/>
+        <p:cNvGrpSpPr/>
+        <p:nvPr/>
+      </p:nvGrpSpPr>
+      <p:grpSpPr>
+        <a:xfrm>
+          <a:off x="0" y="0"/>
+          <a:ext cx="0" cy="0"/>
+          <a:chOff x="0" y="0"/>
+          <a:chExt cx="0" cy="0"/>
+        </a:xfrm>
+      </p:grpSpPr>
+      <p:sp>
+        <p:nvSpPr>
+          <p:cNvPr id="2" name="Title 1">
+            <a:extLst>
+              <a:ext uri="{FF2B5EF4-FFF2-40B4-BE49-F238E27FC236}">
+                <a16:creationId xmlns:a16="http://schemas.microsoft.com/office/drawing/2014/main" id="{ABBD1032-7C21-EB45-88CD-39E1CDFCEED7}"/>
+              </a:ext>
+            </a:extLst>
+          </p:cNvPr>
+          <p:cNvSpPr>
+            <a:spLocks noGrp="1"/>
+          </p:cNvSpPr>
+          <p:nvPr>
+            <p:ph type="title"/>
+          </p:nvPr>
+        </p:nvSpPr>
+        <p:spPr/>
+        <p:txBody>
+          <a:bodyPr/>
+          <a:lstStyle/>
+          <a:p>
+            <a:r>
+              <a:rPr lang="en-DE" dirty="0"/>
+              <a:t>Übersicht</a:t>
+            </a:r>
+          </a:p>
+        </p:txBody>
+      </p:sp>
+      <p:sp>
+        <p:nvSpPr>
+          <p:cNvPr id="3" name="Content Placeholder 2">
+            <a:extLst>
+              <a:ext uri="{FF2B5EF4-FFF2-40B4-BE49-F238E27FC236}">
+                <a16:creationId xmlns:a16="http://schemas.microsoft.com/office/drawing/2014/main" id="{80899769-BBF7-274C-B579-0AE87166EDED}"/>
+              </a:ext>
+            </a:extLst>
+          </p:cNvPr>
+          <p:cNvSpPr>
+            <a:spLocks noGrp="1"/>
+          </p:cNvSpPr>
+          <p:nvPr>
+            <p:ph idx="1"/>
+          </p:nvPr>
+        </p:nvSpPr>
+        <p:spPr/>
+        <p:txBody>
+          <a:bodyPr/>
+          <a:lstStyle/>
+          <a:p>
+            <a:pPr marL="514350" indent="-514350">
+              <a:buAutoNum type="arabicPeriod"/>
+            </a:pPr>
+            <a:r>
+              <a:rPr lang="en-DE" dirty="0"/>
+              <a:t>Kurzer Überblick zum Epochenbegriff und –einteilung</a:t>
+            </a:r>
+          </a:p>
+          <a:p>
+            <a:pPr marL="514350" indent="-514350">
+              <a:buAutoNum type="arabicPeriod"/>
+            </a:pPr>
+            <a:r>
+              <a:rPr lang="en-DE" dirty="0"/>
+              <a:t>Das Korpus</a:t>
+            </a:r>
+          </a:p>
+          <a:p>
+            <a:pPr marL="514350" indent="-514350">
+              <a:buAutoNum type="arabicPeriod"/>
+            </a:pPr>
+            <a:r>
+              <a:rPr lang="en-GB" dirty="0" err="1"/>
+              <a:t>Fragestellungen</a:t>
+            </a:r>
+            <a:endParaRPr lang="en-DE" dirty="0"/>
+          </a:p>
+          <a:p>
+            <a:pPr marL="514350" indent="-514350">
+              <a:buAutoNum type="arabicPeriod"/>
+            </a:pPr>
+            <a:r>
+              <a:rPr lang="en-DE" dirty="0"/>
+              <a:t>Experimente</a:t>
+            </a:r>
+          </a:p>
+          <a:p>
+            <a:pPr marL="514350" indent="-514350">
+              <a:buAutoNum type="arabicPeriod"/>
+            </a:pPr>
+            <a:r>
+              <a:rPr lang="en-DE" dirty="0"/>
+              <a:t>Schlussbetrachtung</a:t>
+            </a:r>
+          </a:p>
+        </p:txBody>
+      </p:sp>
+    </p:spTree>
+    <p:extLst>
+      <p:ext uri="{BB962C8B-B14F-4D97-AF65-F5344CB8AC3E}">
+        <p14:creationId xmlns:p14="http://schemas.microsoft.com/office/powerpoint/2010/main" val="2653683036"/>
+      </p:ext>
+    </p:extLst>
+  </p:cSld>
+  <p:clrMapOvr>
+    <a:masterClrMapping/>
+  </p:clrMapOvr>
+</p:sld>
+</file>
+
+<file path=ppt/slides/slide20.xml><?xml version="1.0" encoding="utf-8"?>
 <p:sld xmlns:a="http://schemas.openxmlformats.org/drawingml/2006/main" xmlns:r="http://schemas.openxmlformats.org/officeDocument/2006/relationships" xmlns:p="http://schemas.openxmlformats.org/presentationml/2006/main">
   <p:cSld>
     <p:bg>
@@ -10601,7 +10962,7 @@
               <a:t> </a:t>
             </a:r>
             <a:r>
-              <a:rPr lang="en-US" sz="2800"/>
+              <a:rPr lang="en-US" sz="2800" dirty="0" err="1"/>
               <a:t>Dichtern</a:t>
             </a:r>
             <a:r>
@@ -10640,133 +11001,7 @@
 </p:sld>
 </file>
 
-<file path=ppt/slides/slide2.xml><?xml version="1.0" encoding="utf-8"?>
-<p:sld xmlns:a="http://schemas.openxmlformats.org/drawingml/2006/main" xmlns:r="http://schemas.openxmlformats.org/officeDocument/2006/relationships" xmlns:p="http://schemas.openxmlformats.org/presentationml/2006/main">
-  <p:cSld>
-    <p:spTree>
-      <p:nvGrpSpPr>
-        <p:cNvPr id="1" name=""/>
-        <p:cNvGrpSpPr/>
-        <p:nvPr/>
-      </p:nvGrpSpPr>
-      <p:grpSpPr>
-        <a:xfrm>
-          <a:off x="0" y="0"/>
-          <a:ext cx="0" cy="0"/>
-          <a:chOff x="0" y="0"/>
-          <a:chExt cx="0" cy="0"/>
-        </a:xfrm>
-      </p:grpSpPr>
-      <p:sp>
-        <p:nvSpPr>
-          <p:cNvPr id="2" name="Title 1">
-            <a:extLst>
-              <a:ext uri="{FF2B5EF4-FFF2-40B4-BE49-F238E27FC236}">
-                <a16:creationId xmlns:a16="http://schemas.microsoft.com/office/drawing/2014/main" id="{ABBD1032-7C21-EB45-88CD-39E1CDFCEED7}"/>
-              </a:ext>
-            </a:extLst>
-          </p:cNvPr>
-          <p:cNvSpPr>
-            <a:spLocks noGrp="1"/>
-          </p:cNvSpPr>
-          <p:nvPr>
-            <p:ph type="title"/>
-          </p:nvPr>
-        </p:nvSpPr>
-        <p:spPr/>
-        <p:txBody>
-          <a:bodyPr/>
-          <a:lstStyle/>
-          <a:p>
-            <a:r>
-              <a:rPr lang="en-DE" dirty="0"/>
-              <a:t>Übersicht</a:t>
-            </a:r>
-          </a:p>
-        </p:txBody>
-      </p:sp>
-      <p:sp>
-        <p:nvSpPr>
-          <p:cNvPr id="3" name="Content Placeholder 2">
-            <a:extLst>
-              <a:ext uri="{FF2B5EF4-FFF2-40B4-BE49-F238E27FC236}">
-                <a16:creationId xmlns:a16="http://schemas.microsoft.com/office/drawing/2014/main" id="{80899769-BBF7-274C-B579-0AE87166EDED}"/>
-              </a:ext>
-            </a:extLst>
-          </p:cNvPr>
-          <p:cNvSpPr>
-            <a:spLocks noGrp="1"/>
-          </p:cNvSpPr>
-          <p:nvPr>
-            <p:ph idx="1"/>
-          </p:nvPr>
-        </p:nvSpPr>
-        <p:spPr/>
-        <p:txBody>
-          <a:bodyPr/>
-          <a:lstStyle/>
-          <a:p>
-            <a:pPr marL="514350" indent="-514350">
-              <a:buAutoNum type="arabicPeriod"/>
-            </a:pPr>
-            <a:r>
-              <a:rPr lang="en-DE" dirty="0"/>
-              <a:t>Kurzer Überblick zum Epochenbegriff und –einteilung</a:t>
-            </a:r>
-          </a:p>
-          <a:p>
-            <a:pPr marL="514350" indent="-514350">
-              <a:buAutoNum type="arabicPeriod"/>
-            </a:pPr>
-            <a:r>
-              <a:rPr lang="en-DE" dirty="0"/>
-              <a:t>Das Korpus</a:t>
-            </a:r>
-          </a:p>
-          <a:p>
-            <a:pPr marL="514350" indent="-514350">
-              <a:buAutoNum type="arabicPeriod"/>
-            </a:pPr>
-            <a:r>
-              <a:rPr lang="en-GB" dirty="0" err="1"/>
-              <a:t>Fragestellungen</a:t>
-            </a:r>
-            <a:endParaRPr lang="en-DE" dirty="0"/>
-          </a:p>
-          <a:p>
-            <a:pPr marL="514350" indent="-514350">
-              <a:buAutoNum type="arabicPeriod"/>
-            </a:pPr>
-            <a:r>
-              <a:rPr lang="en-DE" dirty="0"/>
-              <a:t>Experimente</a:t>
-            </a:r>
-          </a:p>
-          <a:p>
-            <a:pPr marL="514350" indent="-514350">
-              <a:buAutoNum type="arabicPeriod"/>
-            </a:pPr>
-            <a:r>
-              <a:rPr lang="en-DE" dirty="0"/>
-              <a:t>Schlussbetrachtung</a:t>
-            </a:r>
-          </a:p>
-        </p:txBody>
-      </p:sp>
-    </p:spTree>
-    <p:extLst>
-      <p:ext uri="{BB962C8B-B14F-4D97-AF65-F5344CB8AC3E}">
-        <p14:creationId xmlns:p14="http://schemas.microsoft.com/office/powerpoint/2010/main" val="2653683036"/>
-      </p:ext>
-    </p:extLst>
-  </p:cSld>
-  <p:clrMapOvr>
-    <a:masterClrMapping/>
-  </p:clrMapOvr>
-</p:sld>
-</file>
-
-<file path=ppt/slides/slide20.xml><?xml version="1.0" encoding="utf-8"?>
+<file path=ppt/slides/slide21.xml><?xml version="1.0" encoding="utf-8"?>
 <p:sld xmlns:a="http://schemas.openxmlformats.org/drawingml/2006/main" xmlns:r="http://schemas.openxmlformats.org/officeDocument/2006/relationships" xmlns:p="http://schemas.openxmlformats.org/presentationml/2006/main">
   <p:cSld>
     <p:spTree>
@@ -11040,72 +11275,6 @@
     <p:extLst>
       <p:ext uri="{BB962C8B-B14F-4D97-AF65-F5344CB8AC3E}">
         <p14:creationId xmlns:p14="http://schemas.microsoft.com/office/powerpoint/2010/main" val="3176583307"/>
-      </p:ext>
-    </p:extLst>
-  </p:cSld>
-  <p:clrMapOvr>
-    <a:masterClrMapping/>
-  </p:clrMapOvr>
-</p:sld>
-</file>
-
-<file path=ppt/slides/slide21.xml><?xml version="1.0" encoding="utf-8"?>
-<p:sld xmlns:a="http://schemas.openxmlformats.org/drawingml/2006/main" xmlns:r="http://schemas.openxmlformats.org/officeDocument/2006/relationships" xmlns:p="http://schemas.openxmlformats.org/presentationml/2006/main">
-  <p:cSld>
-    <p:spTree>
-      <p:nvGrpSpPr>
-        <p:cNvPr id="1" name=""/>
-        <p:cNvGrpSpPr/>
-        <p:nvPr/>
-      </p:nvGrpSpPr>
-      <p:grpSpPr>
-        <a:xfrm>
-          <a:off x="0" y="0"/>
-          <a:ext cx="0" cy="0"/>
-          <a:chOff x="0" y="0"/>
-          <a:chExt cx="0" cy="0"/>
-        </a:xfrm>
-      </p:grpSpPr>
-      <p:sp>
-        <p:nvSpPr>
-          <p:cNvPr id="2" name="Title 1">
-            <a:extLst>
-              <a:ext uri="{FF2B5EF4-FFF2-40B4-BE49-F238E27FC236}">
-                <a16:creationId xmlns:a16="http://schemas.microsoft.com/office/drawing/2014/main" id="{78F2E4E8-04EB-0142-91AE-BC0C88F0C119}"/>
-              </a:ext>
-            </a:extLst>
-          </p:cNvPr>
-          <p:cNvSpPr>
-            <a:spLocks noGrp="1"/>
-          </p:cNvSpPr>
-          <p:nvPr>
-            <p:ph type="title"/>
-          </p:nvPr>
-        </p:nvSpPr>
-        <p:spPr/>
-        <p:txBody>
-          <a:bodyPr/>
-          <a:lstStyle/>
-          <a:p>
-            <a:r>
-              <a:rPr lang="de-DE" b="1" dirty="0"/>
-              <a:t>4.1.  K-</a:t>
-            </a:r>
-            <a:r>
-              <a:rPr lang="de-DE" b="1" dirty="0" err="1"/>
-              <a:t>Means</a:t>
-            </a:r>
-            <a:r>
-              <a:rPr lang="de-DE" b="1" dirty="0"/>
-              <a:t> Experimente</a:t>
-            </a:r>
-          </a:p>
-        </p:txBody>
-      </p:sp>
-    </p:spTree>
-    <p:extLst>
-      <p:ext uri="{BB962C8B-B14F-4D97-AF65-F5344CB8AC3E}">
-        <p14:creationId xmlns:p14="http://schemas.microsoft.com/office/powerpoint/2010/main" val="3292734769"/>
       </p:ext>
     </p:extLst>
   </p:cSld>
@@ -11321,7 +11490,7 @@
         <p:spPr>
           <a:xfrm>
             <a:off x="1046746" y="586822"/>
-            <a:ext cx="3537285" cy="1645920"/>
+            <a:ext cx="3748339" cy="1645920"/>
           </a:xfrm>
         </p:spPr>
         <p:txBody>
@@ -11332,7 +11501,14 @@
           <a:p>
             <a:r>
               <a:rPr lang="en-US" sz="3200" b="1" dirty="0"/>
-              <a:t>K-Means (II)</a:t>
+              <a:t>K-Means 		(I) </a:t>
+            </a:r>
+            <a:br>
+              <a:rPr lang="en-US" sz="3200" b="1" dirty="0"/>
+            </a:br>
+            <a:r>
+              <a:rPr lang="en-US" sz="3200" b="1" dirty="0"/>
+              <a:t>DBSCAN</a:t>
             </a:r>
           </a:p>
         </p:txBody>
@@ -11540,7 +11716,7 @@
         <p:spPr>
           <a:xfrm>
             <a:off x="4804229" y="586822"/>
-            <a:ext cx="6720114" cy="1645920"/>
+            <a:ext cx="6720114" cy="1867620"/>
           </a:xfrm>
           <a:prstGeom prst="rect">
             <a:avLst/>
@@ -11560,26 +11736,14 @@
               <a:buChar char="•"/>
             </a:pPr>
             <a:r>
-              <a:rPr lang="en-US" dirty="0" err="1"/>
-              <a:t>Einteilung</a:t>
-            </a:r>
-            <a:r>
-              <a:rPr lang="en-US" dirty="0"/>
-              <a:t> </a:t>
-            </a:r>
-            <a:r>
-              <a:rPr lang="en-US" dirty="0" err="1"/>
-              <a:t>nach</a:t>
-            </a:r>
-            <a:r>
-              <a:rPr lang="en-US" dirty="0"/>
-              <a:t> </a:t>
-            </a:r>
-            <a:r>
-              <a:rPr lang="en-US" i="1" dirty="0"/>
-              <a:t>Brenner</a:t>
-            </a:r>
-            <a:endParaRPr lang="en-US" b="1" i="1" dirty="0"/>
+              <a:rPr lang="de-DE" dirty="0"/>
+              <a:t>Einteilung nach </a:t>
+            </a:r>
+            <a:r>
+              <a:rPr lang="de-DE" i="1" dirty="0"/>
+              <a:t>AMANN</a:t>
+            </a:r>
+            <a:endParaRPr lang="de-DE" b="1" i="1" dirty="0"/>
           </a:p>
           <a:p>
             <a:pPr marL="457200" indent="-228600">
@@ -11590,10 +11754,9 @@
               <a:buChar char="•"/>
             </a:pPr>
             <a:r>
-              <a:rPr lang="en-US" b="1" dirty="0" err="1"/>
-              <a:t>Dimensionsreduktion</a:t>
-            </a:r>
-            <a:endParaRPr lang="en-US" b="1" dirty="0"/>
+              <a:rPr lang="de-DE" dirty="0"/>
+              <a:t>ohne Dimensionsreduktion</a:t>
+            </a:r>
           </a:p>
           <a:p>
             <a:pPr marL="457200" indent="-228600">
@@ -11604,36 +11767,8 @@
               <a:buChar char="•"/>
             </a:pPr>
             <a:r>
-              <a:rPr lang="en-US" dirty="0" err="1"/>
-              <a:t>Ohne</a:t>
-            </a:r>
-            <a:r>
-              <a:rPr lang="en-US" dirty="0"/>
-              <a:t> </a:t>
-            </a:r>
-            <a:r>
-              <a:rPr lang="en-US" dirty="0" err="1"/>
-              <a:t>Epoche</a:t>
-            </a:r>
-            <a:r>
-              <a:rPr lang="en-US" dirty="0"/>
-              <a:t> „</a:t>
-            </a:r>
-            <a:r>
-              <a:rPr lang="en-US" dirty="0" err="1"/>
-              <a:t>Klassik</a:t>
-            </a:r>
-            <a:r>
-              <a:rPr lang="en-US" dirty="0"/>
-              <a:t>/</a:t>
-            </a:r>
-            <a:r>
-              <a:rPr lang="en-US" dirty="0" err="1"/>
-              <a:t>Romantik</a:t>
-            </a:r>
-            <a:r>
-              <a:rPr lang="en-US" dirty="0"/>
-              <a:t>“</a:t>
+              <a:rPr lang="de-DE" dirty="0"/>
+              <a:t>Ohne Epoche „Sturm &amp; Drang“</a:t>
             </a:r>
           </a:p>
           <a:p>
@@ -11645,9 +11780,10 @@
               <a:buChar char="•"/>
             </a:pPr>
             <a:r>
-              <a:rPr lang="en-US" dirty="0"/>
+              <a:rPr lang="de-DE" dirty="0" err="1"/>
               <a:t>Lowercase</a:t>
             </a:r>
+            <a:endParaRPr lang="de-DE" dirty="0"/>
           </a:p>
           <a:p>
             <a:pPr marL="457200" indent="-228600">
@@ -11658,18 +11794,14 @@
               <a:buChar char="•"/>
             </a:pPr>
             <a:r>
-              <a:rPr lang="en-US" dirty="0" err="1"/>
-              <a:t>Stoppwörter</a:t>
-            </a:r>
-            <a:r>
-              <a:rPr lang="en-US" dirty="0"/>
-              <a:t> </a:t>
-            </a:r>
-            <a:r>
-              <a:rPr lang="en-US" u="sng" dirty="0" err="1"/>
+              <a:rPr lang="de-DE" dirty="0"/>
+              <a:t>Stoppwörter </a:t>
+            </a:r>
+            <a:r>
+              <a:rPr lang="de-DE" u="sng" dirty="0"/>
               <a:t>entfernt</a:t>
             </a:r>
-            <a:endParaRPr lang="en-US" dirty="0"/>
+            <a:endParaRPr lang="de-DE" dirty="0"/>
           </a:p>
           <a:p>
             <a:pPr marL="457200" indent="-228600">
@@ -11680,7 +11812,7 @@
               <a:buChar char="•"/>
             </a:pPr>
             <a:r>
-              <a:rPr lang="en-US" dirty="0"/>
+              <a:rPr lang="de-DE" dirty="0"/>
               <a:t>10000 mf</a:t>
             </a:r>
           </a:p>
@@ -11688,27 +11820,21 @@
       </p:sp>
       <p:graphicFrame>
         <p:nvGraphicFramePr>
-          <p:cNvPr id="12" name="Table 11">
-            <a:extLst>
-              <a:ext uri="{FF2B5EF4-FFF2-40B4-BE49-F238E27FC236}">
-                <a16:creationId xmlns:a16="http://schemas.microsoft.com/office/drawing/2014/main" id="{FE8BFA67-ADB1-AE47-98AA-9EA5447ACE50}"/>
+          <p:cNvPr id="2" name="Table 1">
+            <a:extLst>
+              <a:ext uri="{FF2B5EF4-FFF2-40B4-BE49-F238E27FC236}">
+                <a16:creationId xmlns:a16="http://schemas.microsoft.com/office/drawing/2014/main" id="{A0E9A13A-9520-0146-9DA9-25D7F9C6A691}"/>
               </a:ext>
             </a:extLst>
           </p:cNvPr>
           <p:cNvGraphicFramePr>
             <a:graphicFrameLocks noGrp="1"/>
           </p:cNvGraphicFramePr>
-          <p:nvPr>
-            <p:extLst>
-              <p:ext uri="{D42A27DB-BD31-4B8C-83A1-F6EECF244321}">
-                <p14:modId xmlns:p14="http://schemas.microsoft.com/office/powerpoint/2010/main" val="4150866844"/>
-              </p:ext>
-            </p:extLst>
-          </p:nvPr>
+          <p:nvPr/>
         </p:nvGraphicFramePr>
         <p:xfrm>
-          <a:off x="1528900" y="2734056"/>
-          <a:ext cx="9222593" cy="3483864"/>
+          <a:off x="618423" y="2833916"/>
+          <a:ext cx="11103438" cy="3437261"/>
         </p:xfrm>
         <a:graphic>
           <a:graphicData uri="http://schemas.openxmlformats.org/drawingml/2006/table">
@@ -11717,36 +11843,247 @@
                 <a:tableStyleId>{69012ECD-51FC-41F1-AA8D-1B2483CD663E}</a:tableStyleId>
               </a:tblPr>
               <a:tblGrid>
-                <a:gridCol w="5261673">
+                <a:gridCol w="3573503">
                   <a:extLst>
                     <a:ext uri="{9D8B030D-6E8A-4147-A177-3AD203B41FA5}">
-                      <a16:colId xmlns:a16="http://schemas.microsoft.com/office/drawing/2014/main" val="3738905305"/>
+                      <a16:colId xmlns:a16="http://schemas.microsoft.com/office/drawing/2014/main" val="2833795351"/>
                     </a:ext>
                   </a:extLst>
                 </a:gridCol>
-                <a:gridCol w="2036355">
+                <a:gridCol w="1670992">
                   <a:extLst>
                     <a:ext uri="{9D8B030D-6E8A-4147-A177-3AD203B41FA5}">
-                      <a16:colId xmlns:a16="http://schemas.microsoft.com/office/drawing/2014/main" val="4078394901"/>
+                      <a16:colId xmlns:a16="http://schemas.microsoft.com/office/drawing/2014/main" val="1448307795"/>
                     </a:ext>
                   </a:extLst>
                 </a:gridCol>
-                <a:gridCol w="1924565">
+                <a:gridCol w="1802835">
                   <a:extLst>
                     <a:ext uri="{9D8B030D-6E8A-4147-A177-3AD203B41FA5}">
-                      <a16:colId xmlns:a16="http://schemas.microsoft.com/office/drawing/2014/main" val="1891394321"/>
+                      <a16:colId xmlns:a16="http://schemas.microsoft.com/office/drawing/2014/main" val="799636414"/>
+                    </a:ext>
+                  </a:extLst>
+                </a:gridCol>
+                <a:gridCol w="2028054">
+                  <a:extLst>
+                    <a:ext uri="{9D8B030D-6E8A-4147-A177-3AD203B41FA5}">
+                      <a16:colId xmlns:a16="http://schemas.microsoft.com/office/drawing/2014/main" val="1880987509"/>
+                    </a:ext>
+                  </a:extLst>
+                </a:gridCol>
+                <a:gridCol w="2028054">
+                  <a:extLst>
+                    <a:ext uri="{9D8B030D-6E8A-4147-A177-3AD203B41FA5}">
+                      <a16:colId xmlns:a16="http://schemas.microsoft.com/office/drawing/2014/main" val="3364989717"/>
                     </a:ext>
                   </a:extLst>
                 </a:gridCol>
               </a:tblGrid>
-              <a:tr h="580644">
+              <a:tr h="638570">
                 <a:tc>
                   <a:txBody>
                     <a:bodyPr/>
                     <a:lstStyle/>
                     <a:p>
                       <a:pPr algn="r" fontAlgn="ctr"/>
-                      <a:endParaRPr lang="en-GB" sz="2900" b="1" dirty="0">
+                      <a:endParaRPr lang="en-GB" b="1" dirty="0">
+                        <a:effectLst/>
+                      </a:endParaRPr>
+                    </a:p>
+                  </a:txBody>
+                  <a:tcPr anchor="ctr"/>
+                </a:tc>
+                <a:tc gridSpan="2">
+                  <a:txBody>
+                    <a:bodyPr/>
+                    <a:lstStyle/>
+                    <a:p>
+                      <a:pPr algn="ctr" fontAlgn="ctr"/>
+                      <a:r>
+                        <a:rPr lang="en-GB" sz="2400" dirty="0">
+                          <a:effectLst/>
+                        </a:rPr>
+                        <a:t>K-Means</a:t>
+                      </a:r>
+                      <a:endParaRPr lang="en-GB" sz="2400" b="1" dirty="0">
+                        <a:solidFill>
+                          <a:schemeClr val="tx1"/>
+                        </a:solidFill>
+                        <a:effectLst/>
+                      </a:endParaRPr>
+                    </a:p>
+                  </a:txBody>
+                  <a:tcPr anchor="ctr"/>
+                </a:tc>
+                <a:tc hMerge="1">
+                  <a:txBody>
+                    <a:bodyPr/>
+                    <a:lstStyle/>
+                    <a:p>
+                      <a:pPr algn="ctr"/>
+                      <a:endParaRPr lang="de-DE" dirty="0"/>
+                    </a:p>
+                  </a:txBody>
+                  <a:tcPr anchor="ctr"/>
+                </a:tc>
+                <a:tc gridSpan="2">
+                  <a:txBody>
+                    <a:bodyPr/>
+                    <a:lstStyle/>
+                    <a:p>
+                      <a:pPr algn="ctr" fontAlgn="ctr"/>
+                      <a:r>
+                        <a:rPr lang="en-GB" sz="2400" dirty="0">
+                          <a:effectLst/>
+                        </a:rPr>
+                        <a:t>DBSCAN</a:t>
+                      </a:r>
+                      <a:endParaRPr lang="en-GB" sz="2400" b="1" dirty="0">
+                        <a:solidFill>
+                          <a:schemeClr val="tx1"/>
+                        </a:solidFill>
+                        <a:effectLst/>
+                      </a:endParaRPr>
+                    </a:p>
+                  </a:txBody>
+                  <a:tcPr anchor="ctr"/>
+                </a:tc>
+                <a:tc hMerge="1">
+                  <a:txBody>
+                    <a:bodyPr/>
+                    <a:lstStyle/>
+                    <a:p>
+                      <a:pPr algn="ctr"/>
+                      <a:endParaRPr lang="de-DE" dirty="0"/>
+                    </a:p>
+                  </a:txBody>
+                  <a:tcPr anchor="ctr"/>
+                </a:tc>
+                <a:extLst>
+                  <a:ext uri="{0D108BD9-81ED-4DB2-BD59-A6C34878D82A}">
+                    <a16:rowId xmlns:a16="http://schemas.microsoft.com/office/drawing/2014/main" val="3307450965"/>
+                  </a:ext>
+                </a:extLst>
+              </a:tr>
+              <a:tr h="731476">
+                <a:tc>
+                  <a:txBody>
+                    <a:bodyPr/>
+                    <a:lstStyle/>
+                    <a:p>
+                      <a:pPr algn="r" fontAlgn="ctr"/>
+                      <a:br>
+                        <a:rPr lang="en-GB" sz="2000" dirty="0">
+                          <a:effectLst/>
+                        </a:rPr>
+                      </a:br>
+                      <a:endParaRPr lang="en-GB" sz="2000" b="1" dirty="0">
+                        <a:effectLst/>
+                      </a:endParaRPr>
+                    </a:p>
+                  </a:txBody>
+                  <a:tcPr anchor="ctr"/>
+                </a:tc>
+                <a:tc>
+                  <a:txBody>
+                    <a:bodyPr/>
+                    <a:lstStyle/>
+                    <a:p>
+                      <a:pPr algn="ctr" fontAlgn="ctr"/>
+                      <a:r>
+                        <a:rPr lang="en-GB" sz="2000" b="1" dirty="0" err="1">
+                          <a:effectLst/>
+                        </a:rPr>
+                        <a:t>ari</a:t>
+                      </a:r>
+                      <a:endParaRPr lang="en-GB" sz="2000" b="1" dirty="0">
+                        <a:effectLst/>
+                      </a:endParaRPr>
+                    </a:p>
+                  </a:txBody>
+                  <a:tcPr anchor="ctr"/>
+                </a:tc>
+                <a:tc>
+                  <a:txBody>
+                    <a:bodyPr/>
+                    <a:lstStyle/>
+                    <a:p>
+                      <a:pPr algn="ctr"/>
+                      <a:r>
+                        <a:rPr lang="de-DE" sz="2000" b="1" dirty="0" err="1"/>
+                        <a:t>vm</a:t>
+                      </a:r>
+                      <a:endParaRPr lang="de-DE" sz="2000" b="1" dirty="0"/>
+                    </a:p>
+                  </a:txBody>
+                  <a:tcPr anchor="ctr"/>
+                </a:tc>
+                <a:tc>
+                  <a:txBody>
+                    <a:bodyPr/>
+                    <a:lstStyle/>
+                    <a:p>
+                      <a:pPr algn="ctr" fontAlgn="ctr"/>
+                      <a:r>
+                        <a:rPr lang="en-GB" sz="2000" b="1" dirty="0" err="1">
+                          <a:effectLst/>
+                        </a:rPr>
+                        <a:t>ari</a:t>
+                      </a:r>
+                      <a:endParaRPr lang="en-GB" sz="2000" b="1" dirty="0">
+                        <a:effectLst/>
+                      </a:endParaRPr>
+                    </a:p>
+                  </a:txBody>
+                  <a:tcPr anchor="ctr"/>
+                </a:tc>
+                <a:tc>
+                  <a:txBody>
+                    <a:bodyPr/>
+                    <a:lstStyle/>
+                    <a:p>
+                      <a:pPr algn="ctr"/>
+                      <a:r>
+                        <a:rPr lang="de-DE" sz="2000" b="1" dirty="0" err="1"/>
+                        <a:t>vm</a:t>
+                      </a:r>
+                      <a:endParaRPr lang="de-DE" sz="2000" b="1" dirty="0"/>
+                    </a:p>
+                  </a:txBody>
+                  <a:tcPr anchor="ctr"/>
+                </a:tc>
+                <a:extLst>
+                  <a:ext uri="{0D108BD9-81ED-4DB2-BD59-A6C34878D82A}">
+                    <a16:rowId xmlns:a16="http://schemas.microsoft.com/office/drawing/2014/main" val="2331790527"/>
+                  </a:ext>
+                </a:extLst>
+              </a:tr>
+              <a:tr h="413443">
+                <a:tc>
+                  <a:txBody>
+                    <a:bodyPr/>
+                    <a:lstStyle/>
+                    <a:p>
+                      <a:pPr algn="r" fontAlgn="ctr"/>
+                      <a:r>
+                        <a:rPr lang="en-GB" sz="2000" b="1" dirty="0" err="1">
+                          <a:effectLst/>
+                        </a:rPr>
+                        <a:t>Barock</a:t>
+                      </a:r>
+                      <a:r>
+                        <a:rPr lang="en-GB" sz="2000" b="1" dirty="0">
+                          <a:effectLst/>
+                        </a:rPr>
+                        <a:t>/</a:t>
+                      </a:r>
+                      <a:r>
+                        <a:rPr lang="en-GB" sz="2000" b="1" dirty="0" err="1">
+                          <a:effectLst/>
+                        </a:rPr>
+                        <a:t>Naturalismus</a:t>
+                      </a:r>
+                      <a:endParaRPr lang="en-GB" sz="2000" b="1" dirty="0">
                         <a:effectLst/>
                       </a:endParaRPr>
                     </a:p>
@@ -11760,14 +12097,34 @@
                     <a:p>
                       <a:pPr algn="r" fontAlgn="ctr"/>
                       <a:r>
-                        <a:rPr lang="en-GB" sz="2700" b="1" dirty="0" err="1">
+                        <a:rPr lang="en-DE" sz="2000" b="1" dirty="0">
                           <a:effectLst/>
                         </a:rPr>
-                        <a:t>ari</a:t>
+                        <a:t>0.702405</a:t>
                       </a:r>
-                      <a:endParaRPr lang="en-GB" sz="2700" b="1" dirty="0">
-                        <a:effectLst/>
-                      </a:endParaRPr>
+                    </a:p>
+                  </a:txBody>
+                  <a:tcPr anchor="ctr">
+                    <a:solidFill>
+                      <a:schemeClr val="accent6">
+                        <a:lumMod val="60000"/>
+                        <a:lumOff val="40000"/>
+                      </a:schemeClr>
+                    </a:solidFill>
+                  </a:tcPr>
+                </a:tc>
+                <a:tc>
+                  <a:txBody>
+                    <a:bodyPr/>
+                    <a:lstStyle/>
+                    <a:p>
+                      <a:pPr algn="r" fontAlgn="ctr"/>
+                      <a:r>
+                        <a:rPr lang="en-DE" sz="2000" dirty="0">
+                          <a:effectLst/>
+                        </a:rPr>
+                        <a:t>0.605282</a:t>
+                      </a:r>
                     </a:p>
                   </a:txBody>
                   <a:tcPr anchor="ctr"/>
@@ -11777,23 +12134,17 @@
                     <a:bodyPr/>
                     <a:lstStyle/>
                     <a:p>
-                      <a:pPr algn="r"/>
+                      <a:pPr algn="r" fontAlgn="ctr"/>
                       <a:r>
-                        <a:rPr lang="de-DE" sz="2700" dirty="0" err="1"/>
-                        <a:t>vm</a:t>
+                        <a:rPr lang="en-DE" sz="2000" dirty="0">
+                          <a:effectLst/>
+                        </a:rPr>
+                        <a:t>0.438779</a:t>
                       </a:r>
-                      <a:endParaRPr lang="de-DE" sz="2700" dirty="0"/>
                     </a:p>
                   </a:txBody>
                   <a:tcPr anchor="ctr"/>
                 </a:tc>
-                <a:extLst>
-                  <a:ext uri="{0D108BD9-81ED-4DB2-BD59-A6C34878D82A}">
-                    <a16:rowId xmlns:a16="http://schemas.microsoft.com/office/drawing/2014/main" val="1843206374"/>
-                  </a:ext>
-                </a:extLst>
-              </a:tr>
-              <a:tr h="580644">
                 <a:tc>
                   <a:txBody>
                     <a:bodyPr/>
@@ -11801,24 +12152,47 @@
                     <a:p>
                       <a:pPr algn="r" fontAlgn="ctr"/>
                       <a:r>
-                        <a:rPr lang="en-GB" sz="2700" b="1" dirty="0" err="1">
+                        <a:rPr lang="en-DE" sz="2000" dirty="0">
                           <a:effectLst/>
                         </a:rPr>
-                        <a:t>Frühaufklärung</a:t>
+                        <a:t>0.449462</a:t>
+                      </a:r>
+                    </a:p>
+                  </a:txBody>
+                  <a:tcPr anchor="ctr"/>
+                </a:tc>
+                <a:extLst>
+                  <a:ext uri="{0D108BD9-81ED-4DB2-BD59-A6C34878D82A}">
+                    <a16:rowId xmlns:a16="http://schemas.microsoft.com/office/drawing/2014/main" val="857364166"/>
+                  </a:ext>
+                </a:extLst>
+              </a:tr>
+              <a:tr h="413443">
+                <a:tc>
+                  <a:txBody>
+                    <a:bodyPr/>
+                    <a:lstStyle/>
+                    <a:p>
+                      <a:pPr algn="r" fontAlgn="ctr"/>
+                      <a:r>
+                        <a:rPr lang="en-GB" sz="2000" b="1" dirty="0" err="1">
+                          <a:effectLst/>
+                        </a:rPr>
+                        <a:t>Barock</a:t>
                       </a:r>
                       <a:r>
-                        <a:rPr lang="en-GB" sz="2700" b="1" dirty="0">
+                        <a:rPr lang="en-GB" sz="2000" b="1" dirty="0">
                           <a:effectLst/>
                         </a:rPr>
                         <a:t>/</a:t>
                       </a:r>
                       <a:r>
-                        <a:rPr lang="en-GB" sz="2700" b="1" dirty="0" err="1">
+                        <a:rPr lang="en-GB" sz="2000" b="1" dirty="0" err="1">
                           <a:effectLst/>
                         </a:rPr>
-                        <a:t>Realismus</a:t>
+                        <a:t>Klassik</a:t>
                       </a:r>
-                      <a:endParaRPr lang="en-GB" sz="2700" b="1" dirty="0">
+                      <a:endParaRPr lang="en-GB" sz="2000" b="1" dirty="0">
                         <a:effectLst/>
                       </a:endParaRPr>
                     </a:p>
@@ -11832,10 +12206,10 @@
                     <a:p>
                       <a:pPr algn="r" fontAlgn="ctr"/>
                       <a:r>
-                        <a:rPr lang="en-DE" sz="2700" dirty="0">
+                        <a:rPr lang="en-DE" sz="2000" dirty="0">
                           <a:effectLst/>
                         </a:rPr>
-                        <a:t>0.584472</a:t>
+                        <a:t>0.668184</a:t>
                       </a:r>
                     </a:p>
                   </a:txBody>
@@ -11848,22 +12222,22 @@
                     <a:p>
                       <a:pPr algn="r" fontAlgn="ctr"/>
                       <a:r>
-                        <a:rPr lang="en-DE" sz="2700">
+                        <a:rPr lang="en-DE" sz="2000" b="1" dirty="0">
                           <a:effectLst/>
                         </a:rPr>
-                        <a:t>0.457452</a:t>
+                        <a:t>0.630639</a:t>
                       </a:r>
                     </a:p>
                   </a:txBody>
-                  <a:tcPr anchor="ctr"/>
+                  <a:tcPr anchor="ctr">
+                    <a:solidFill>
+                      <a:schemeClr val="accent6">
+                        <a:lumMod val="60000"/>
+                        <a:lumOff val="40000"/>
+                      </a:schemeClr>
+                    </a:solidFill>
+                  </a:tcPr>
                 </a:tc>
-                <a:extLst>
-                  <a:ext uri="{0D108BD9-81ED-4DB2-BD59-A6C34878D82A}">
-                    <a16:rowId xmlns:a16="http://schemas.microsoft.com/office/drawing/2014/main" val="3707013511"/>
-                  </a:ext>
-                </a:extLst>
-              </a:tr>
-              <a:tr h="580644">
                 <a:tc>
                   <a:txBody>
                     <a:bodyPr/>
@@ -11871,10 +12245,10 @@
                     <a:p>
                       <a:pPr algn="r" fontAlgn="ctr"/>
                       <a:r>
-                        <a:rPr lang="en-GB" sz="2700" b="1">
+                        <a:rPr lang="en-DE" sz="2000" dirty="0">
                           <a:effectLst/>
                         </a:rPr>
-                        <a:t>Barock/Realismus</a:t>
+                        <a:t>0.455296</a:t>
                       </a:r>
                     </a:p>
                   </a:txBody>
@@ -11887,15 +12261,22 @@
                     <a:p>
                       <a:pPr algn="r" fontAlgn="ctr"/>
                       <a:r>
-                        <a:rPr lang="en-DE" sz="2700">
+                        <a:rPr lang="en-DE" sz="2000" dirty="0">
                           <a:effectLst/>
                         </a:rPr>
-                        <a:t>0.517758</a:t>
+                        <a:t>0.47890</a:t>
                       </a:r>
                     </a:p>
                   </a:txBody>
                   <a:tcPr anchor="ctr"/>
                 </a:tc>
+                <a:extLst>
+                  <a:ext uri="{0D108BD9-81ED-4DB2-BD59-A6C34878D82A}">
+                    <a16:rowId xmlns:a16="http://schemas.microsoft.com/office/drawing/2014/main" val="2292681319"/>
+                  </a:ext>
+                </a:extLst>
+              </a:tr>
+              <a:tr h="413443">
                 <a:tc>
                   <a:txBody>
                     <a:bodyPr/>
@@ -11903,102 +12284,24 @@
                     <a:p>
                       <a:pPr algn="r" fontAlgn="ctr"/>
                       <a:r>
-                        <a:rPr lang="en-DE" sz="2700">
+                        <a:rPr lang="en-GB" sz="2000" b="1" dirty="0" err="1">
                           <a:effectLst/>
                         </a:rPr>
-                        <a:t>0.439188</a:t>
-                      </a:r>
-                    </a:p>
-                  </a:txBody>
-                  <a:tcPr anchor="ctr"/>
-                </a:tc>
-                <a:extLst>
-                  <a:ext uri="{0D108BD9-81ED-4DB2-BD59-A6C34878D82A}">
-                    <a16:rowId xmlns:a16="http://schemas.microsoft.com/office/drawing/2014/main" val="3710466259"/>
-                  </a:ext>
-                </a:extLst>
-              </a:tr>
-              <a:tr h="580644">
-                <a:tc>
-                  <a:txBody>
-                    <a:bodyPr/>
-                    <a:lstStyle/>
-                    <a:p>
-                      <a:pPr algn="r" fontAlgn="ctr"/>
-                      <a:r>
-                        <a:rPr lang="en-GB" sz="2700" b="0" dirty="0">
-                          <a:effectLst/>
-                        </a:rPr>
-                        <a:t>…</a:t>
-                      </a:r>
-                    </a:p>
-                  </a:txBody>
-                  <a:tcPr anchor="ctr"/>
-                </a:tc>
-                <a:tc>
-                  <a:txBody>
-                    <a:bodyPr/>
-                    <a:lstStyle/>
-                    <a:p>
-                      <a:pPr algn="r" fontAlgn="ctr"/>
-                      <a:r>
-                        <a:rPr lang="en-DE" sz="2700" dirty="0">
-                          <a:effectLst/>
-                        </a:rPr>
-                        <a:t>…</a:t>
-                      </a:r>
-                    </a:p>
-                  </a:txBody>
-                  <a:tcPr anchor="ctr"/>
-                </a:tc>
-                <a:tc>
-                  <a:txBody>
-                    <a:bodyPr/>
-                    <a:lstStyle/>
-                    <a:p>
-                      <a:pPr algn="r" fontAlgn="ctr"/>
-                      <a:r>
-                        <a:rPr lang="en-DE" sz="2700" dirty="0">
-                          <a:effectLst/>
-                        </a:rPr>
-                        <a:t>…</a:t>
-                      </a:r>
-                    </a:p>
-                  </a:txBody>
-                  <a:tcPr anchor="ctr"/>
-                </a:tc>
-                <a:extLst>
-                  <a:ext uri="{0D108BD9-81ED-4DB2-BD59-A6C34878D82A}">
-                    <a16:rowId xmlns:a16="http://schemas.microsoft.com/office/drawing/2014/main" val="693584613"/>
-                  </a:ext>
-                </a:extLst>
-              </a:tr>
-              <a:tr h="580644">
-                <a:tc>
-                  <a:txBody>
-                    <a:bodyPr/>
-                    <a:lstStyle/>
-                    <a:p>
-                      <a:pPr algn="r" fontAlgn="ctr"/>
-                      <a:r>
-                        <a:rPr lang="en-GB" sz="2700" b="1" dirty="0" err="1">
-                          <a:effectLst/>
-                        </a:rPr>
-                        <a:t>Frühaufklärung</a:t>
+                        <a:t>Aufklärung</a:t>
                       </a:r>
                       <a:r>
-                        <a:rPr lang="en-GB" sz="2700" b="1" dirty="0">
+                        <a:rPr lang="en-GB" sz="2000" b="1" dirty="0">
                           <a:effectLst/>
                         </a:rPr>
                         <a:t>/</a:t>
                       </a:r>
                       <a:r>
-                        <a:rPr lang="en-GB" sz="2700" b="1" dirty="0" err="1">
+                        <a:rPr lang="en-GB" sz="2000" b="1" dirty="0" err="1">
                           <a:effectLst/>
                         </a:rPr>
-                        <a:t>Moderne</a:t>
+                        <a:t>Naturalismus</a:t>
                       </a:r>
-                      <a:endParaRPr lang="en-GB" sz="2700" b="1" dirty="0">
+                      <a:endParaRPr lang="en-GB" sz="2000" b="1" dirty="0">
                         <a:effectLst/>
                       </a:endParaRPr>
                     </a:p>
@@ -12012,10 +12315,10 @@
                     <a:p>
                       <a:pPr algn="r" fontAlgn="ctr"/>
                       <a:r>
-                        <a:rPr lang="en-DE" sz="2700">
+                        <a:rPr lang="en-DE" sz="2000" dirty="0">
                           <a:effectLst/>
                         </a:rPr>
-                        <a:t>-0.044559</a:t>
+                        <a:t>0.642419</a:t>
                       </a:r>
                     </a:p>
                   </a:txBody>
@@ -12028,10 +12331,42 @@
                     <a:p>
                       <a:pPr algn="r" fontAlgn="ctr"/>
                       <a:r>
-                        <a:rPr lang="en-DE" sz="2700">
+                        <a:rPr lang="en-DE" sz="2000" dirty="0">
                           <a:effectLst/>
                         </a:rPr>
-                        <a:t>0.014667</a:t>
+                        <a:t>0.598242</a:t>
+                      </a:r>
+                    </a:p>
+                  </a:txBody>
+                  <a:tcPr anchor="ctr"/>
+                </a:tc>
+                <a:tc>
+                  <a:txBody>
+                    <a:bodyPr/>
+                    <a:lstStyle/>
+                    <a:p>
+                      <a:pPr algn="r" fontAlgn="ctr"/>
+                      <a:r>
+                        <a:rPr lang="en-DE" sz="2000" dirty="0">
+                          <a:effectLst/>
+                        </a:rPr>
+                        <a:t>0.105600</a:t>
+                      </a:r>
+                    </a:p>
+                  </a:txBody>
+                  <a:tcPr anchor="ctr"/>
+                </a:tc>
+                <a:tc>
+                  <a:txBody>
+                    <a:bodyPr/>
+                    <a:lstStyle/>
+                    <a:p>
+                      <a:pPr algn="r" fontAlgn="ctr"/>
+                      <a:r>
+                        <a:rPr lang="en-DE" sz="2000" dirty="0">
+                          <a:effectLst/>
+                        </a:rPr>
+                        <a:t>0.067682</a:t>
                       </a:r>
                     </a:p>
                   </a:txBody>
@@ -12039,11 +12374,11 @@
                 </a:tc>
                 <a:extLst>
                   <a:ext uri="{0D108BD9-81ED-4DB2-BD59-A6C34878D82A}">
-                    <a16:rowId xmlns:a16="http://schemas.microsoft.com/office/drawing/2014/main" val="3078737029"/>
+                    <a16:rowId xmlns:a16="http://schemas.microsoft.com/office/drawing/2014/main" val="319013880"/>
                   </a:ext>
                 </a:extLst>
               </a:tr>
-              <a:tr h="580644">
+              <a:tr h="413443">
                 <a:tc>
                   <a:txBody>
                     <a:bodyPr/>
@@ -12051,24 +12386,24 @@
                     <a:p>
                       <a:pPr algn="r" fontAlgn="ctr"/>
                       <a:r>
-                        <a:rPr lang="en-GB" sz="2700" b="1" dirty="0" err="1">
+                        <a:rPr lang="en-GB" sz="2000" b="1" dirty="0" err="1">
                           <a:effectLst/>
                         </a:rPr>
                         <a:t>Barock</a:t>
                       </a:r>
                       <a:r>
-                        <a:rPr lang="en-GB" sz="2700" b="1" dirty="0">
+                        <a:rPr lang="en-GB" sz="2000" b="1" dirty="0">
                           <a:effectLst/>
                         </a:rPr>
                         <a:t>/</a:t>
                       </a:r>
                       <a:r>
-                        <a:rPr lang="en-GB" sz="2700" b="1" dirty="0" err="1">
+                        <a:rPr lang="en-GB" sz="2000" b="1" dirty="0" err="1">
                           <a:effectLst/>
                         </a:rPr>
-                        <a:t>Moderne</a:t>
+                        <a:t>Realismus</a:t>
                       </a:r>
-                      <a:endParaRPr lang="en-GB" sz="2700" b="1" dirty="0">
+                      <a:endParaRPr lang="en-GB" sz="2000" b="1" dirty="0">
                         <a:effectLst/>
                       </a:endParaRPr>
                     </a:p>
@@ -12082,10 +12417,10 @@
                     <a:p>
                       <a:pPr algn="r" fontAlgn="ctr"/>
                       <a:r>
-                        <a:rPr lang="en-DE" sz="2700">
+                        <a:rPr lang="en-DE" sz="2000" dirty="0">
                           <a:effectLst/>
                         </a:rPr>
-                        <a:t>-0.065423</a:t>
+                        <a:t>0.636041</a:t>
                       </a:r>
                     </a:p>
                   </a:txBody>
@@ -12098,10 +12433,42 @@
                     <a:p>
                       <a:pPr algn="r" fontAlgn="ctr"/>
                       <a:r>
-                        <a:rPr lang="en-DE" sz="2700" dirty="0">
+                        <a:rPr lang="en-DE" sz="2000" dirty="0">
                           <a:effectLst/>
                         </a:rPr>
-                        <a:t>0.022024</a:t>
+                        <a:t>0.613524</a:t>
+                      </a:r>
+                    </a:p>
+                  </a:txBody>
+                  <a:tcPr anchor="ctr"/>
+                </a:tc>
+                <a:tc>
+                  <a:txBody>
+                    <a:bodyPr/>
+                    <a:lstStyle/>
+                    <a:p>
+                      <a:pPr algn="r" fontAlgn="ctr"/>
+                      <a:r>
+                        <a:rPr lang="en-DE" sz="2000" dirty="0">
+                          <a:effectLst/>
+                        </a:rPr>
+                        <a:t>0.507069</a:t>
+                      </a:r>
+                    </a:p>
+                  </a:txBody>
+                  <a:tcPr anchor="ctr"/>
+                </a:tc>
+                <a:tc>
+                  <a:txBody>
+                    <a:bodyPr/>
+                    <a:lstStyle/>
+                    <a:p>
+                      <a:pPr algn="r" fontAlgn="ctr"/>
+                      <a:r>
+                        <a:rPr lang="en-DE" sz="2000" dirty="0">
+                          <a:effectLst/>
+                        </a:rPr>
+                        <a:t>0.54058</a:t>
                       </a:r>
                     </a:p>
                   </a:txBody>
@@ -12109,149 +12476,36 @@
                 </a:tc>
                 <a:extLst>
                   <a:ext uri="{0D108BD9-81ED-4DB2-BD59-A6C34878D82A}">
-                    <a16:rowId xmlns:a16="http://schemas.microsoft.com/office/drawing/2014/main" val="1192203619"/>
+                    <a16:rowId xmlns:a16="http://schemas.microsoft.com/office/drawing/2014/main" val="4216835995"/>
                   </a:ext>
                 </a:extLst>
               </a:tr>
-            </a:tbl>
-          </a:graphicData>
-        </a:graphic>
-      </p:graphicFrame>
-    </p:spTree>
-    <p:extLst>
-      <p:ext uri="{BB962C8B-B14F-4D97-AF65-F5344CB8AC3E}">
-        <p14:creationId xmlns:p14="http://schemas.microsoft.com/office/powerpoint/2010/main" val="1978532350"/>
-      </p:ext>
-    </p:extLst>
-  </p:cSld>
-  <p:clrMapOvr>
-    <a:masterClrMapping/>
-  </p:clrMapOvr>
-</p:sld>
-</file>
-
-<file path=ppt/slides/slide23.xml><?xml version="1.0" encoding="utf-8"?>
-<p:sld xmlns:a="http://schemas.openxmlformats.org/drawingml/2006/main" xmlns:r="http://schemas.openxmlformats.org/officeDocument/2006/relationships" xmlns:p="http://schemas.openxmlformats.org/presentationml/2006/main" show="0">
-  <p:cSld>
-    <p:spTree>
-      <p:nvGrpSpPr>
-        <p:cNvPr id="1" name=""/>
-        <p:cNvGrpSpPr/>
-        <p:nvPr/>
-      </p:nvGrpSpPr>
-      <p:grpSpPr>
-        <a:xfrm>
-          <a:off x="0" y="0"/>
-          <a:ext cx="0" cy="0"/>
-          <a:chOff x="0" y="0"/>
-          <a:chExt cx="0" cy="0"/>
-        </a:xfrm>
-      </p:grpSpPr>
-      <p:sp>
-        <p:nvSpPr>
-          <p:cNvPr id="5" name="Title 4">
-            <a:extLst>
-              <a:ext uri="{FF2B5EF4-FFF2-40B4-BE49-F238E27FC236}">
-                <a16:creationId xmlns:a16="http://schemas.microsoft.com/office/drawing/2014/main" id="{9E70DB90-324C-D04B-8F51-5DB32ADB443C}"/>
-              </a:ext>
-            </a:extLst>
-          </p:cNvPr>
-          <p:cNvSpPr>
-            <a:spLocks noGrp="1"/>
-          </p:cNvSpPr>
-          <p:nvPr>
-            <p:ph type="title"/>
-          </p:nvPr>
-        </p:nvSpPr>
-        <p:spPr/>
-        <p:txBody>
-          <a:bodyPr>
-            <a:normAutofit fontScale="90000"/>
-          </a:bodyPr>
-          <a:lstStyle/>
-          <a:p>
-            <a:r>
-              <a:rPr lang="de-DE" b="1" dirty="0"/>
-              <a:t>K-</a:t>
-            </a:r>
-            <a:r>
-              <a:rPr lang="de-DE" b="1" dirty="0" err="1"/>
-              <a:t>Means</a:t>
-            </a:r>
-            <a:r>
-              <a:rPr lang="de-DE" b="1" dirty="0"/>
-              <a:t> (II) </a:t>
-            </a:r>
-            <a:br>
-              <a:rPr lang="de-DE" b="1" dirty="0"/>
-            </a:br>
-            <a:r>
-              <a:rPr lang="de-DE" dirty="0"/>
-              <a:t>Häufigsten 10 Worte des besten </a:t>
-            </a:r>
-            <a:r>
-              <a:rPr lang="de-DE" dirty="0" err="1"/>
-              <a:t>Clusterings</a:t>
-            </a:r>
-            <a:endParaRPr lang="de-DE" dirty="0"/>
-          </a:p>
-        </p:txBody>
-      </p:sp>
-      <p:graphicFrame>
-        <p:nvGraphicFramePr>
-          <p:cNvPr id="4" name="Content Placeholder 3">
-            <a:extLst>
-              <a:ext uri="{FF2B5EF4-FFF2-40B4-BE49-F238E27FC236}">
-                <a16:creationId xmlns:a16="http://schemas.microsoft.com/office/drawing/2014/main" id="{AF660BFF-771B-1C49-87CA-2E80B36FD37A}"/>
-              </a:ext>
-            </a:extLst>
-          </p:cNvPr>
-          <p:cNvGraphicFramePr>
-            <a:graphicFrameLocks noGrp="1"/>
-          </p:cNvGraphicFramePr>
-          <p:nvPr>
-            <p:ph sz="half" idx="1"/>
-            <p:extLst>
-              <p:ext uri="{D42A27DB-BD31-4B8C-83A1-F6EECF244321}">
-                <p14:modId xmlns:p14="http://schemas.microsoft.com/office/powerpoint/2010/main" val="3225170844"/>
-              </p:ext>
-            </p:extLst>
-          </p:nvPr>
-        </p:nvGraphicFramePr>
-        <p:xfrm>
-          <a:off x="3688867" y="2181282"/>
-          <a:ext cx="1925036" cy="4453891"/>
-        </p:xfrm>
-        <a:graphic>
-          <a:graphicData uri="http://schemas.openxmlformats.org/drawingml/2006/table">
-            <a:tbl>
-              <a:tblPr firstRow="1" bandRow="1">
-                <a:tableStyleId>{5C22544A-7EE6-4342-B048-85BDC9FD1C3A}</a:tableStyleId>
-              </a:tblPr>
-              <a:tblGrid>
-                <a:gridCol w="482080">
-                  <a:extLst>
-                    <a:ext uri="{9D8B030D-6E8A-4147-A177-3AD203B41FA5}">
-                      <a16:colId xmlns:a16="http://schemas.microsoft.com/office/drawing/2014/main" val="2599860606"/>
-                    </a:ext>
-                  </a:extLst>
-                </a:gridCol>
-                <a:gridCol w="1442956">
-                  <a:extLst>
-                    <a:ext uri="{9D8B030D-6E8A-4147-A177-3AD203B41FA5}">
-                      <a16:colId xmlns:a16="http://schemas.microsoft.com/office/drawing/2014/main" val="828020163"/>
-                    </a:ext>
-                  </a:extLst>
-                </a:gridCol>
-              </a:tblGrid>
-              <a:tr h="491491">
+              <a:tr h="413443">
                 <a:tc>
                   <a:txBody>
                     <a:bodyPr/>
                     <a:lstStyle/>
                     <a:p>
                       <a:pPr algn="r" fontAlgn="ctr"/>
-                      <a:endParaRPr lang="en-GB" b="1" dirty="0">
+                      <a:r>
+                        <a:rPr lang="en-GB" sz="2000" b="1" dirty="0" err="1">
+                          <a:effectLst/>
+                        </a:rPr>
+                        <a:t>Barock</a:t>
+                      </a:r>
+                      <a:r>
+                        <a:rPr lang="en-GB" sz="2000" b="1" dirty="0">
+                          <a:effectLst/>
+                        </a:rPr>
+                        <a:t>/</a:t>
+                      </a:r>
+                      <a:r>
+                        <a:rPr lang="en-GB" sz="2000" b="1" dirty="0" err="1">
+                          <a:effectLst/>
+                        </a:rPr>
+                        <a:t>Aufklärung</a:t>
+                      </a:r>
+                      <a:endParaRPr lang="en-GB" sz="2000" b="1" dirty="0">
                         <a:effectLst/>
                       </a:endParaRPr>
                     </a:p>
@@ -12264,31 +12518,11 @@
                     <a:lstStyle/>
                     <a:p>
                       <a:pPr algn="r" fontAlgn="ctr"/>
-                      <a:endParaRPr lang="en-GB" b="1" dirty="0">
-                        <a:effectLst/>
-                      </a:endParaRPr>
-                    </a:p>
-                  </a:txBody>
-                  <a:tcPr anchor="ctr"/>
-                </a:tc>
-                <a:extLst>
-                  <a:ext uri="{0D108BD9-81ED-4DB2-BD59-A6C34878D82A}">
-                    <a16:rowId xmlns:a16="http://schemas.microsoft.com/office/drawing/2014/main" val="3481616388"/>
-                  </a:ext>
-                </a:extLst>
-              </a:tr>
-              <a:tr h="0">
-                <a:tc>
-                  <a:txBody>
-                    <a:bodyPr/>
-                    <a:lstStyle/>
-                    <a:p>
-                      <a:pPr algn="r" fontAlgn="ctr"/>
                       <a:r>
-                        <a:rPr lang="en-GB" sz="2000" dirty="0">
+                        <a:rPr lang="en-DE" sz="2000">
                           <a:effectLst/>
                         </a:rPr>
-                        <a:t>1</a:t>
+                        <a:t>0.549068</a:t>
                       </a:r>
                     </a:p>
                   </a:txBody>
@@ -12301,36 +12535,10 @@
                     <a:p>
                       <a:pPr algn="r" fontAlgn="ctr"/>
                       <a:r>
-                        <a:rPr lang="en-GB" sz="2000" b="1" dirty="0" err="1">
+                        <a:rPr lang="en-DE" sz="2000" dirty="0">
                           <a:effectLst/>
                         </a:rPr>
-                        <a:t>herz</a:t>
-                      </a:r>
-                      <a:endParaRPr lang="en-GB" sz="2000" b="1" dirty="0">
-                        <a:effectLst/>
-                      </a:endParaRPr>
-                    </a:p>
-                  </a:txBody>
-                  <a:tcPr anchor="ctr"/>
-                </a:tc>
-                <a:extLst>
-                  <a:ext uri="{0D108BD9-81ED-4DB2-BD59-A6C34878D82A}">
-                    <a16:rowId xmlns:a16="http://schemas.microsoft.com/office/drawing/2014/main" val="2792915004"/>
-                  </a:ext>
-                </a:extLst>
-              </a:tr>
-              <a:tr h="370840">
-                <a:tc>
-                  <a:txBody>
-                    <a:bodyPr/>
-                    <a:lstStyle/>
-                    <a:p>
-                      <a:pPr algn="r" fontAlgn="ctr"/>
-                      <a:r>
-                        <a:rPr lang="en-GB" sz="2000" dirty="0">
-                          <a:effectLst/>
-                        </a:rPr>
-                        <a:t>2</a:t>
+                        <a:t>0.466089</a:t>
                       </a:r>
                     </a:p>
                   </a:txBody>
@@ -12343,36 +12551,10 @@
                     <a:p>
                       <a:pPr algn="r" fontAlgn="ctr"/>
                       <a:r>
-                        <a:rPr lang="en-GB" sz="2000" b="1" dirty="0" err="1">
+                        <a:rPr lang="en-DE" sz="2000" dirty="0">
                           <a:effectLst/>
                         </a:rPr>
-                        <a:t>nacht</a:t>
-                      </a:r>
-                      <a:endParaRPr lang="en-GB" sz="2000" b="1" dirty="0">
-                        <a:effectLst/>
-                      </a:endParaRPr>
-                    </a:p>
-                  </a:txBody>
-                  <a:tcPr anchor="ctr"/>
-                </a:tc>
-                <a:extLst>
-                  <a:ext uri="{0D108BD9-81ED-4DB2-BD59-A6C34878D82A}">
-                    <a16:rowId xmlns:a16="http://schemas.microsoft.com/office/drawing/2014/main" val="2852790106"/>
-                  </a:ext>
-                </a:extLst>
-              </a:tr>
-              <a:tr h="370840">
-                <a:tc>
-                  <a:txBody>
-                    <a:bodyPr/>
-                    <a:lstStyle/>
-                    <a:p>
-                      <a:pPr algn="r" fontAlgn="ctr"/>
-                      <a:r>
-                        <a:rPr lang="en-GB" sz="2000" dirty="0">
-                          <a:effectLst/>
-                        </a:rPr>
-                        <a:t>3</a:t>
+                        <a:t>0.383122</a:t>
                       </a:r>
                     </a:p>
                   </a:txBody>
@@ -12385,52 +12567,10 @@
                     <a:p>
                       <a:pPr algn="r" fontAlgn="ctr"/>
                       <a:r>
-                        <a:rPr lang="en-GB" sz="2000" b="1" dirty="0" err="1">
+                        <a:rPr lang="en-DE" sz="2000" dirty="0">
                           <a:effectLst/>
                         </a:rPr>
-                        <a:t>schon</a:t>
-                      </a:r>
-                      <a:endParaRPr lang="en-GB" sz="2000" b="1" dirty="0">
-                        <a:effectLst/>
-                      </a:endParaRPr>
-                    </a:p>
-                  </a:txBody>
-                  <a:tcPr anchor="ctr"/>
-                </a:tc>
-                <a:extLst>
-                  <a:ext uri="{0D108BD9-81ED-4DB2-BD59-A6C34878D82A}">
-                    <a16:rowId xmlns:a16="http://schemas.microsoft.com/office/drawing/2014/main" val="1175727658"/>
-                  </a:ext>
-                </a:extLst>
-              </a:tr>
-              <a:tr h="370840">
-                <a:tc>
-                  <a:txBody>
-                    <a:bodyPr/>
-                    <a:lstStyle/>
-                    <a:p>
-                      <a:pPr algn="r" fontAlgn="ctr"/>
-                      <a:r>
-                        <a:rPr lang="en-GB" sz="2000" dirty="0">
-                          <a:effectLst/>
-                        </a:rPr>
-                        <a:t>4</a:t>
-                      </a:r>
-                    </a:p>
-                  </a:txBody>
-                  <a:tcPr anchor="ctr"/>
-                </a:tc>
-                <a:tc>
-                  <a:txBody>
-                    <a:bodyPr/>
-                    <a:lstStyle/>
-                    <a:p>
-                      <a:pPr algn="r" fontAlgn="ctr"/>
-                      <a:r>
-                        <a:rPr lang="en-GB" sz="2000" b="1" dirty="0">
-                          <a:effectLst/>
-                        </a:rPr>
-                        <a:t>leben</a:t>
+                        <a:t>0.384044</a:t>
                       </a:r>
                     </a:p>
                   </a:txBody>
@@ -12438,256 +12578,7 @@
                 </a:tc>
                 <a:extLst>
                   <a:ext uri="{0D108BD9-81ED-4DB2-BD59-A6C34878D82A}">
-                    <a16:rowId xmlns:a16="http://schemas.microsoft.com/office/drawing/2014/main" val="1889070841"/>
-                  </a:ext>
-                </a:extLst>
-              </a:tr>
-              <a:tr h="370840">
-                <a:tc>
-                  <a:txBody>
-                    <a:bodyPr/>
-                    <a:lstStyle/>
-                    <a:p>
-                      <a:pPr algn="r" fontAlgn="ctr"/>
-                      <a:r>
-                        <a:rPr lang="en-GB" sz="2000" dirty="0">
-                          <a:effectLst/>
-                        </a:rPr>
-                        <a:t>5</a:t>
-                      </a:r>
-                    </a:p>
-                  </a:txBody>
-                  <a:tcPr anchor="ctr"/>
-                </a:tc>
-                <a:tc>
-                  <a:txBody>
-                    <a:bodyPr/>
-                    <a:lstStyle/>
-                    <a:p>
-                      <a:pPr algn="r" fontAlgn="ctr"/>
-                      <a:r>
-                        <a:rPr lang="en-GB" sz="2000" b="1" dirty="0" err="1">
-                          <a:effectLst/>
-                        </a:rPr>
-                        <a:t>liebe</a:t>
-                      </a:r>
-                      <a:endParaRPr lang="en-GB" sz="2000" b="1" dirty="0">
-                        <a:effectLst/>
-                      </a:endParaRPr>
-                    </a:p>
-                  </a:txBody>
-                  <a:tcPr anchor="ctr"/>
-                </a:tc>
-                <a:extLst>
-                  <a:ext uri="{0D108BD9-81ED-4DB2-BD59-A6C34878D82A}">
-                    <a16:rowId xmlns:a16="http://schemas.microsoft.com/office/drawing/2014/main" val="2476718903"/>
-                  </a:ext>
-                </a:extLst>
-              </a:tr>
-              <a:tr h="370840">
-                <a:tc>
-                  <a:txBody>
-                    <a:bodyPr/>
-                    <a:lstStyle/>
-                    <a:p>
-                      <a:pPr algn="r" fontAlgn="ctr"/>
-                      <a:r>
-                        <a:rPr lang="en-GB" sz="2000" dirty="0">
-                          <a:effectLst/>
-                        </a:rPr>
-                        <a:t>6</a:t>
-                      </a:r>
-                    </a:p>
-                  </a:txBody>
-                  <a:tcPr anchor="ctr"/>
-                </a:tc>
-                <a:tc>
-                  <a:txBody>
-                    <a:bodyPr/>
-                    <a:lstStyle/>
-                    <a:p>
-                      <a:pPr algn="r" fontAlgn="ctr"/>
-                      <a:r>
-                        <a:rPr lang="en-GB" sz="2000" b="1" dirty="0" err="1">
-                          <a:effectLst/>
-                        </a:rPr>
-                        <a:t>seele</a:t>
-                      </a:r>
-                      <a:endParaRPr lang="en-GB" sz="2000" b="1" dirty="0">
-                        <a:effectLst/>
-                      </a:endParaRPr>
-                    </a:p>
-                  </a:txBody>
-                  <a:tcPr anchor="ctr"/>
-                </a:tc>
-                <a:extLst>
-                  <a:ext uri="{0D108BD9-81ED-4DB2-BD59-A6C34878D82A}">
-                    <a16:rowId xmlns:a16="http://schemas.microsoft.com/office/drawing/2014/main" val="3357551232"/>
-                  </a:ext>
-                </a:extLst>
-              </a:tr>
-              <a:tr h="370840">
-                <a:tc>
-                  <a:txBody>
-                    <a:bodyPr/>
-                    <a:lstStyle/>
-                    <a:p>
-                      <a:pPr algn="r" fontAlgn="ctr"/>
-                      <a:r>
-                        <a:rPr lang="en-GB" sz="2000" dirty="0">
-                          <a:effectLst/>
-                        </a:rPr>
-                        <a:t>7</a:t>
-                      </a:r>
-                    </a:p>
-                  </a:txBody>
-                  <a:tcPr anchor="ctr"/>
-                </a:tc>
-                <a:tc>
-                  <a:txBody>
-                    <a:bodyPr/>
-                    <a:lstStyle/>
-                    <a:p>
-                      <a:pPr algn="r" fontAlgn="ctr"/>
-                      <a:r>
-                        <a:rPr lang="en-GB" sz="2000" b="1" dirty="0">
-                          <a:effectLst/>
-                        </a:rPr>
-                        <a:t>welt</a:t>
-                      </a:r>
-                    </a:p>
-                  </a:txBody>
-                  <a:tcPr anchor="ctr"/>
-                </a:tc>
-                <a:extLst>
-                  <a:ext uri="{0D108BD9-81ED-4DB2-BD59-A6C34878D82A}">
-                    <a16:rowId xmlns:a16="http://schemas.microsoft.com/office/drawing/2014/main" val="29535288"/>
-                  </a:ext>
-                </a:extLst>
-              </a:tr>
-              <a:tr h="370840">
-                <a:tc>
-                  <a:txBody>
-                    <a:bodyPr/>
-                    <a:lstStyle/>
-                    <a:p>
-                      <a:pPr algn="r" fontAlgn="ctr"/>
-                      <a:r>
-                        <a:rPr lang="en-GB" sz="2000" dirty="0">
-                          <a:effectLst/>
-                        </a:rPr>
-                        <a:t>8</a:t>
-                      </a:r>
-                    </a:p>
-                  </a:txBody>
-                  <a:tcPr anchor="ctr"/>
-                </a:tc>
-                <a:tc>
-                  <a:txBody>
-                    <a:bodyPr/>
-                    <a:lstStyle/>
-                    <a:p>
-                      <a:pPr algn="r" fontAlgn="ctr"/>
-                      <a:r>
-                        <a:rPr lang="en-GB" sz="2000" b="1" dirty="0" err="1">
-                          <a:effectLst/>
-                        </a:rPr>
-                        <a:t>mehr</a:t>
-                      </a:r>
-                      <a:endParaRPr lang="en-GB" sz="2000" b="1" dirty="0">
-                        <a:effectLst/>
-                      </a:endParaRPr>
-                    </a:p>
-                  </a:txBody>
-                  <a:tcPr anchor="ctr"/>
-                </a:tc>
-                <a:extLst>
-                  <a:ext uri="{0D108BD9-81ED-4DB2-BD59-A6C34878D82A}">
-                    <a16:rowId xmlns:a16="http://schemas.microsoft.com/office/drawing/2014/main" val="1684373794"/>
-                  </a:ext>
-                </a:extLst>
-              </a:tr>
-              <a:tr h="370840">
-                <a:tc>
-                  <a:txBody>
-                    <a:bodyPr/>
-                    <a:lstStyle/>
-                    <a:p>
-                      <a:pPr algn="r" fontAlgn="ctr"/>
-                      <a:r>
-                        <a:rPr lang="en-GB" sz="2000" dirty="0">
-                          <a:effectLst/>
-                        </a:rPr>
-                        <a:t>9</a:t>
-                      </a:r>
-                    </a:p>
-                  </a:txBody>
-                  <a:tcPr anchor="ctr"/>
-                </a:tc>
-                <a:tc>
-                  <a:txBody>
-                    <a:bodyPr/>
-                    <a:lstStyle/>
-                    <a:p>
-                      <a:pPr algn="r" fontAlgn="ctr"/>
-                      <a:r>
-                        <a:rPr lang="en-GB" sz="2000" b="1" dirty="0" err="1">
-                          <a:effectLst/>
-                        </a:rPr>
-                        <a:t>immer</a:t>
-                      </a:r>
-                      <a:endParaRPr lang="en-GB" sz="2000" b="1" dirty="0">
-                        <a:effectLst/>
-                      </a:endParaRPr>
-                    </a:p>
-                  </a:txBody>
-                  <a:tcPr anchor="ctr"/>
-                </a:tc>
-                <a:extLst>
-                  <a:ext uri="{0D108BD9-81ED-4DB2-BD59-A6C34878D82A}">
-                    <a16:rowId xmlns:a16="http://schemas.microsoft.com/office/drawing/2014/main" val="2838643809"/>
-                  </a:ext>
-                </a:extLst>
-              </a:tr>
-              <a:tr h="370840">
-                <a:tc>
-                  <a:txBody>
-                    <a:bodyPr/>
-                    <a:lstStyle/>
-                    <a:p>
-                      <a:pPr algn="r" fontAlgn="ctr"/>
-                      <a:r>
-                        <a:rPr lang="en-GB" sz="2000" dirty="0">
-                          <a:effectLst/>
-                        </a:rPr>
-                        <a:t>10</a:t>
-                      </a:r>
-                    </a:p>
-                  </a:txBody>
-                  <a:tcPr anchor="ctr"/>
-                </a:tc>
-                <a:tc>
-                  <a:txBody>
-                    <a:bodyPr/>
-                    <a:lstStyle/>
-                    <a:p>
-                      <a:pPr algn="r" fontAlgn="ctr"/>
-                      <a:r>
-                        <a:rPr lang="en-GB" sz="2000" b="1" dirty="0" err="1">
-                          <a:effectLst/>
-                        </a:rPr>
-                        <a:t>sah</a:t>
-                      </a:r>
-                      <a:endParaRPr lang="en-GB" sz="2000" b="1" dirty="0">
-                        <a:effectLst/>
-                      </a:endParaRPr>
-                    </a:p>
-                  </a:txBody>
-                  <a:tcPr anchor="ctr"/>
-                </a:tc>
-                <a:extLst>
-                  <a:ext uri="{0D108BD9-81ED-4DB2-BD59-A6C34878D82A}">
-                    <a16:rowId xmlns:a16="http://schemas.microsoft.com/office/drawing/2014/main" val="2117342910"/>
+                    <a16:rowId xmlns:a16="http://schemas.microsoft.com/office/drawing/2014/main" val="3160914534"/>
                   </a:ext>
                 </a:extLst>
               </a:tr>
@@ -12695,598 +12586,12 @@
           </a:graphicData>
         </a:graphic>
       </p:graphicFrame>
-      <p:graphicFrame>
-        <p:nvGraphicFramePr>
-          <p:cNvPr id="9" name="Content Placeholder 8">
-            <a:extLst>
-              <a:ext uri="{FF2B5EF4-FFF2-40B4-BE49-F238E27FC236}">
-                <a16:creationId xmlns:a16="http://schemas.microsoft.com/office/drawing/2014/main" id="{5ED111C9-A792-2C46-9D1C-87BF36A15CB0}"/>
-              </a:ext>
-            </a:extLst>
-          </p:cNvPr>
-          <p:cNvGraphicFramePr>
-            <a:graphicFrameLocks noGrp="1"/>
-          </p:cNvGraphicFramePr>
-          <p:nvPr>
-            <p:ph sz="half" idx="2"/>
-            <p:extLst>
-              <p:ext uri="{D42A27DB-BD31-4B8C-83A1-F6EECF244321}">
-                <p14:modId xmlns:p14="http://schemas.microsoft.com/office/powerpoint/2010/main" val="2270592160"/>
-              </p:ext>
-            </p:extLst>
-          </p:nvPr>
-        </p:nvGraphicFramePr>
-        <p:xfrm>
-          <a:off x="6568573" y="2181282"/>
-          <a:ext cx="1925032" cy="4431806"/>
-        </p:xfrm>
-        <a:graphic>
-          <a:graphicData uri="http://schemas.openxmlformats.org/drawingml/2006/table">
-            <a:tbl>
-              <a:tblPr firstRow="1" bandRow="1">
-                <a:tableStyleId>{5C22544A-7EE6-4342-B048-85BDC9FD1C3A}</a:tableStyleId>
-              </a:tblPr>
-              <a:tblGrid>
-                <a:gridCol w="586206">
-                  <a:extLst>
-                    <a:ext uri="{9D8B030D-6E8A-4147-A177-3AD203B41FA5}">
-                      <a16:colId xmlns:a16="http://schemas.microsoft.com/office/drawing/2014/main" val="3618807907"/>
-                    </a:ext>
-                  </a:extLst>
-                </a:gridCol>
-                <a:gridCol w="1338826">
-                  <a:extLst>
-                    <a:ext uri="{9D8B030D-6E8A-4147-A177-3AD203B41FA5}">
-                      <a16:colId xmlns:a16="http://schemas.microsoft.com/office/drawing/2014/main" val="3407045452"/>
-                    </a:ext>
-                  </a:extLst>
-                </a:gridCol>
-              </a:tblGrid>
-              <a:tr h="469406">
-                <a:tc>
-                  <a:txBody>
-                    <a:bodyPr/>
-                    <a:lstStyle/>
-                    <a:p>
-                      <a:pPr algn="r" fontAlgn="ctr"/>
-                      <a:endParaRPr lang="en-GB" b="1" dirty="0">
-                        <a:effectLst/>
-                      </a:endParaRPr>
-                    </a:p>
-                  </a:txBody>
-                  <a:tcPr anchor="ctr"/>
-                </a:tc>
-                <a:tc>
-                  <a:txBody>
-                    <a:bodyPr/>
-                    <a:lstStyle/>
-                    <a:p>
-                      <a:pPr algn="r" fontAlgn="ctr"/>
-                      <a:endParaRPr lang="en-GB" b="1" dirty="0">
-                        <a:effectLst/>
-                      </a:endParaRPr>
-                    </a:p>
-                  </a:txBody>
-                  <a:tcPr anchor="ctr"/>
-                </a:tc>
-                <a:extLst>
-                  <a:ext uri="{0D108BD9-81ED-4DB2-BD59-A6C34878D82A}">
-                    <a16:rowId xmlns:a16="http://schemas.microsoft.com/office/drawing/2014/main" val="3259271182"/>
-                  </a:ext>
-                </a:extLst>
-              </a:tr>
-              <a:tr h="372541">
-                <a:tc>
-                  <a:txBody>
-                    <a:bodyPr/>
-                    <a:lstStyle/>
-                    <a:p>
-                      <a:pPr algn="r" fontAlgn="ctr"/>
-                      <a:r>
-                        <a:rPr lang="en-GB" sz="2000" dirty="0">
-                          <a:effectLst/>
-                        </a:rPr>
-                        <a:t>1</a:t>
-                      </a:r>
-                    </a:p>
-                  </a:txBody>
-                  <a:tcPr anchor="ctr"/>
-                </a:tc>
-                <a:tc>
-                  <a:txBody>
-                    <a:bodyPr/>
-                    <a:lstStyle/>
-                    <a:p>
-                      <a:pPr algn="r" fontAlgn="ctr"/>
-                      <a:r>
-                        <a:rPr lang="en-GB" sz="2000" b="1" dirty="0" err="1">
-                          <a:effectLst/>
-                        </a:rPr>
-                        <a:t>gott</a:t>
-                      </a:r>
-                      <a:endParaRPr lang="en-GB" sz="2000" b="1" dirty="0">
-                        <a:effectLst/>
-                      </a:endParaRPr>
-                    </a:p>
-                  </a:txBody>
-                  <a:tcPr anchor="ctr"/>
-                </a:tc>
-                <a:extLst>
-                  <a:ext uri="{0D108BD9-81ED-4DB2-BD59-A6C34878D82A}">
-                    <a16:rowId xmlns:a16="http://schemas.microsoft.com/office/drawing/2014/main" val="169262451"/>
-                  </a:ext>
-                </a:extLst>
-              </a:tr>
-              <a:tr h="372541">
-                <a:tc>
-                  <a:txBody>
-                    <a:bodyPr/>
-                    <a:lstStyle/>
-                    <a:p>
-                      <a:pPr algn="r" fontAlgn="ctr"/>
-                      <a:r>
-                        <a:rPr lang="en-GB" sz="2000" dirty="0">
-                          <a:effectLst/>
-                        </a:rPr>
-                        <a:t>2</a:t>
-                      </a:r>
-                    </a:p>
-                  </a:txBody>
-                  <a:tcPr anchor="ctr"/>
-                </a:tc>
-                <a:tc>
-                  <a:txBody>
-                    <a:bodyPr/>
-                    <a:lstStyle/>
-                    <a:p>
-                      <a:pPr algn="r" fontAlgn="ctr"/>
-                      <a:r>
-                        <a:rPr lang="en-GB" sz="2000" b="1" dirty="0">
-                          <a:effectLst/>
-                        </a:rPr>
-                        <a:t>bey</a:t>
-                      </a:r>
-                    </a:p>
-                  </a:txBody>
-                  <a:tcPr anchor="ctr"/>
-                </a:tc>
-                <a:extLst>
-                  <a:ext uri="{0D108BD9-81ED-4DB2-BD59-A6C34878D82A}">
-                    <a16:rowId xmlns:a16="http://schemas.microsoft.com/office/drawing/2014/main" val="284791471"/>
-                  </a:ext>
-                </a:extLst>
-              </a:tr>
-              <a:tr h="372541">
-                <a:tc>
-                  <a:txBody>
-                    <a:bodyPr/>
-                    <a:lstStyle/>
-                    <a:p>
-                      <a:pPr algn="r" fontAlgn="ctr"/>
-                      <a:r>
-                        <a:rPr lang="en-GB" sz="2000" dirty="0">
-                          <a:effectLst/>
-                        </a:rPr>
-                        <a:t>3</a:t>
-                      </a:r>
-                    </a:p>
-                  </a:txBody>
-                  <a:tcPr anchor="ctr"/>
-                </a:tc>
-                <a:tc>
-                  <a:txBody>
-                    <a:bodyPr/>
-                    <a:lstStyle/>
-                    <a:p>
-                      <a:pPr algn="r" fontAlgn="ctr"/>
-                      <a:r>
-                        <a:rPr lang="en-GB" sz="2000" b="1" dirty="0" err="1">
-                          <a:effectLst/>
-                        </a:rPr>
-                        <a:t>kan</a:t>
-                      </a:r>
-                      <a:endParaRPr lang="en-GB" sz="2000" b="1" dirty="0">
-                        <a:effectLst/>
-                      </a:endParaRPr>
-                    </a:p>
-                  </a:txBody>
-                  <a:tcPr anchor="ctr"/>
-                </a:tc>
-                <a:extLst>
-                  <a:ext uri="{0D108BD9-81ED-4DB2-BD59-A6C34878D82A}">
-                    <a16:rowId xmlns:a16="http://schemas.microsoft.com/office/drawing/2014/main" val="4273658704"/>
-                  </a:ext>
-                </a:extLst>
-              </a:tr>
-              <a:tr h="372541">
-                <a:tc>
-                  <a:txBody>
-                    <a:bodyPr/>
-                    <a:lstStyle/>
-                    <a:p>
-                      <a:pPr algn="r" fontAlgn="ctr"/>
-                      <a:r>
-                        <a:rPr lang="en-GB" sz="2000" dirty="0">
-                          <a:effectLst/>
-                        </a:rPr>
-                        <a:t>4</a:t>
-                      </a:r>
-                    </a:p>
-                  </a:txBody>
-                  <a:tcPr anchor="ctr"/>
-                </a:tc>
-                <a:tc>
-                  <a:txBody>
-                    <a:bodyPr/>
-                    <a:lstStyle/>
-                    <a:p>
-                      <a:pPr algn="r" fontAlgn="ctr"/>
-                      <a:r>
-                        <a:rPr lang="en-GB" sz="2000" b="1" dirty="0" err="1">
-                          <a:effectLst/>
-                        </a:rPr>
-                        <a:t>wer</a:t>
-                      </a:r>
-                      <a:endParaRPr lang="en-GB" sz="2000" b="1" dirty="0">
-                        <a:effectLst/>
-                      </a:endParaRPr>
-                    </a:p>
-                  </a:txBody>
-                  <a:tcPr anchor="ctr"/>
-                </a:tc>
-                <a:extLst>
-                  <a:ext uri="{0D108BD9-81ED-4DB2-BD59-A6C34878D82A}">
-                    <a16:rowId xmlns:a16="http://schemas.microsoft.com/office/drawing/2014/main" val="2181116311"/>
-                  </a:ext>
-                </a:extLst>
-              </a:tr>
-              <a:tr h="372541">
-                <a:tc>
-                  <a:txBody>
-                    <a:bodyPr/>
-                    <a:lstStyle/>
-                    <a:p>
-                      <a:pPr algn="r" fontAlgn="ctr"/>
-                      <a:r>
-                        <a:rPr lang="en-GB" sz="2000" dirty="0">
-                          <a:effectLst/>
-                        </a:rPr>
-                        <a:t>5</a:t>
-                      </a:r>
-                    </a:p>
-                  </a:txBody>
-                  <a:tcPr anchor="ctr"/>
-                </a:tc>
-                <a:tc>
-                  <a:txBody>
-                    <a:bodyPr/>
-                    <a:lstStyle/>
-                    <a:p>
-                      <a:pPr algn="r" fontAlgn="ctr"/>
-                      <a:r>
-                        <a:rPr lang="en-GB" sz="2000" b="1" dirty="0" err="1">
-                          <a:effectLst/>
-                        </a:rPr>
-                        <a:t>seyn</a:t>
-                      </a:r>
-                      <a:endParaRPr lang="en-GB" sz="2000" b="1" dirty="0">
-                        <a:effectLst/>
-                      </a:endParaRPr>
-                    </a:p>
-                  </a:txBody>
-                  <a:tcPr anchor="ctr"/>
-                </a:tc>
-                <a:extLst>
-                  <a:ext uri="{0D108BD9-81ED-4DB2-BD59-A6C34878D82A}">
-                    <a16:rowId xmlns:a16="http://schemas.microsoft.com/office/drawing/2014/main" val="3915005305"/>
-                  </a:ext>
-                </a:extLst>
-              </a:tr>
-              <a:tr h="372541">
-                <a:tc>
-                  <a:txBody>
-                    <a:bodyPr/>
-                    <a:lstStyle/>
-                    <a:p>
-                      <a:pPr algn="r" fontAlgn="ctr"/>
-                      <a:r>
-                        <a:rPr lang="en-GB" sz="2000" dirty="0">
-                          <a:effectLst/>
-                        </a:rPr>
-                        <a:t>6</a:t>
-                      </a:r>
-                    </a:p>
-                  </a:txBody>
-                  <a:tcPr anchor="ctr"/>
-                </a:tc>
-                <a:tc>
-                  <a:txBody>
-                    <a:bodyPr/>
-                    <a:lstStyle/>
-                    <a:p>
-                      <a:pPr algn="r" fontAlgn="ctr"/>
-                      <a:r>
-                        <a:rPr lang="en-GB" sz="2000" b="1" dirty="0" err="1">
-                          <a:effectLst/>
-                        </a:rPr>
-                        <a:t>muß</a:t>
-                      </a:r>
-                      <a:endParaRPr lang="en-GB" sz="2000" b="1" dirty="0">
-                        <a:effectLst/>
-                      </a:endParaRPr>
-                    </a:p>
-                  </a:txBody>
-                  <a:tcPr anchor="ctr"/>
-                </a:tc>
-                <a:extLst>
-                  <a:ext uri="{0D108BD9-81ED-4DB2-BD59-A6C34878D82A}">
-                    <a16:rowId xmlns:a16="http://schemas.microsoft.com/office/drawing/2014/main" val="4110381566"/>
-                  </a:ext>
-                </a:extLst>
-              </a:tr>
-              <a:tr h="372541">
-                <a:tc>
-                  <a:txBody>
-                    <a:bodyPr/>
-                    <a:lstStyle/>
-                    <a:p>
-                      <a:pPr algn="r" fontAlgn="ctr"/>
-                      <a:r>
-                        <a:rPr lang="en-GB" sz="2000" dirty="0">
-                          <a:effectLst/>
-                        </a:rPr>
-                        <a:t>7</a:t>
-                      </a:r>
-                    </a:p>
-                  </a:txBody>
-                  <a:tcPr anchor="ctr"/>
-                </a:tc>
-                <a:tc>
-                  <a:txBody>
-                    <a:bodyPr/>
-                    <a:lstStyle/>
-                    <a:p>
-                      <a:pPr algn="r" fontAlgn="ctr"/>
-                      <a:r>
-                        <a:rPr lang="en-GB" sz="2000" b="1" dirty="0">
-                          <a:effectLst/>
-                        </a:rPr>
-                        <a:t>welt</a:t>
-                      </a:r>
-                    </a:p>
-                  </a:txBody>
-                  <a:tcPr anchor="ctr"/>
-                </a:tc>
-                <a:extLst>
-                  <a:ext uri="{0D108BD9-81ED-4DB2-BD59-A6C34878D82A}">
-                    <a16:rowId xmlns:a16="http://schemas.microsoft.com/office/drawing/2014/main" val="1994907878"/>
-                  </a:ext>
-                </a:extLst>
-              </a:tr>
-              <a:tr h="372541">
-                <a:tc>
-                  <a:txBody>
-                    <a:bodyPr/>
-                    <a:lstStyle/>
-                    <a:p>
-                      <a:pPr algn="r" fontAlgn="ctr"/>
-                      <a:r>
-                        <a:rPr lang="en-GB" sz="2000" dirty="0">
-                          <a:effectLst/>
-                        </a:rPr>
-                        <a:t>8</a:t>
-                      </a:r>
-                    </a:p>
-                  </a:txBody>
-                  <a:tcPr anchor="ctr"/>
-                </a:tc>
-                <a:tc>
-                  <a:txBody>
-                    <a:bodyPr/>
-                    <a:lstStyle/>
-                    <a:p>
-                      <a:pPr algn="r" fontAlgn="ctr"/>
-                      <a:r>
-                        <a:rPr lang="en-GB" sz="2000" b="1" dirty="0" err="1">
-                          <a:effectLst/>
-                        </a:rPr>
-                        <a:t>mehr</a:t>
-                      </a:r>
-                      <a:endParaRPr lang="en-GB" sz="2000" b="1" dirty="0">
-                        <a:effectLst/>
-                      </a:endParaRPr>
-                    </a:p>
-                  </a:txBody>
-                  <a:tcPr anchor="ctr"/>
-                </a:tc>
-                <a:extLst>
-                  <a:ext uri="{0D108BD9-81ED-4DB2-BD59-A6C34878D82A}">
-                    <a16:rowId xmlns:a16="http://schemas.microsoft.com/office/drawing/2014/main" val="4066972660"/>
-                  </a:ext>
-                </a:extLst>
-              </a:tr>
-              <a:tr h="372541">
-                <a:tc>
-                  <a:txBody>
-                    <a:bodyPr/>
-                    <a:lstStyle/>
-                    <a:p>
-                      <a:pPr algn="r" fontAlgn="ctr"/>
-                      <a:r>
-                        <a:rPr lang="en-GB" sz="2000" dirty="0">
-                          <a:effectLst/>
-                        </a:rPr>
-                        <a:t>9</a:t>
-                      </a:r>
-                    </a:p>
-                  </a:txBody>
-                  <a:tcPr anchor="ctr"/>
-                </a:tc>
-                <a:tc>
-                  <a:txBody>
-                    <a:bodyPr/>
-                    <a:lstStyle/>
-                    <a:p>
-                      <a:pPr algn="r" fontAlgn="ctr"/>
-                      <a:r>
-                        <a:rPr lang="en-GB" sz="2000" b="1" dirty="0" err="1">
-                          <a:effectLst/>
-                        </a:rPr>
-                        <a:t>liebe</a:t>
-                      </a:r>
-                      <a:endParaRPr lang="en-GB" sz="2000" b="1" dirty="0">
-                        <a:effectLst/>
-                      </a:endParaRPr>
-                    </a:p>
-                  </a:txBody>
-                  <a:tcPr anchor="ctr"/>
-                </a:tc>
-                <a:extLst>
-                  <a:ext uri="{0D108BD9-81ED-4DB2-BD59-A6C34878D82A}">
-                    <a16:rowId xmlns:a16="http://schemas.microsoft.com/office/drawing/2014/main" val="3735258852"/>
-                  </a:ext>
-                </a:extLst>
-              </a:tr>
-              <a:tr h="372541">
-                <a:tc>
-                  <a:txBody>
-                    <a:bodyPr/>
-                    <a:lstStyle/>
-                    <a:p>
-                      <a:pPr algn="r" fontAlgn="ctr"/>
-                      <a:r>
-                        <a:rPr lang="en-GB" sz="2000" dirty="0">
-                          <a:effectLst/>
-                        </a:rPr>
-                        <a:t>10</a:t>
-                      </a:r>
-                    </a:p>
-                  </a:txBody>
-                  <a:tcPr anchor="ctr"/>
-                </a:tc>
-                <a:tc>
-                  <a:txBody>
-                    <a:bodyPr/>
-                    <a:lstStyle/>
-                    <a:p>
-                      <a:pPr algn="r" fontAlgn="ctr"/>
-                      <a:r>
-                        <a:rPr lang="en-GB" sz="2000" b="1" dirty="0" err="1">
-                          <a:effectLst/>
-                        </a:rPr>
-                        <a:t>geist</a:t>
-                      </a:r>
-                      <a:endParaRPr lang="en-GB" sz="2000" b="1" dirty="0">
-                        <a:effectLst/>
-                      </a:endParaRPr>
-                    </a:p>
-                  </a:txBody>
-                  <a:tcPr anchor="ctr"/>
-                </a:tc>
-                <a:extLst>
-                  <a:ext uri="{0D108BD9-81ED-4DB2-BD59-A6C34878D82A}">
-                    <a16:rowId xmlns:a16="http://schemas.microsoft.com/office/drawing/2014/main" val="4150905211"/>
-                  </a:ext>
-                </a:extLst>
-              </a:tr>
-            </a:tbl>
-          </a:graphicData>
-        </a:graphic>
-      </p:graphicFrame>
-      <p:sp>
-        <p:nvSpPr>
-          <p:cNvPr id="10" name="TextBox 9">
-            <a:extLst>
-              <a:ext uri="{FF2B5EF4-FFF2-40B4-BE49-F238E27FC236}">
-                <a16:creationId xmlns:a16="http://schemas.microsoft.com/office/drawing/2014/main" id="{9AEB8D37-2976-0D40-AA0E-017D0523F329}"/>
-              </a:ext>
-            </a:extLst>
-          </p:cNvPr>
-          <p:cNvSpPr txBox="1"/>
-          <p:nvPr/>
-        </p:nvSpPr>
-        <p:spPr>
-          <a:xfrm>
-            <a:off x="1263357" y="3885008"/>
-            <a:ext cx="2274982" cy="523220"/>
-          </a:xfrm>
-          <a:prstGeom prst="rect">
-            <a:avLst/>
-          </a:prstGeom>
-          <a:noFill/>
-        </p:spPr>
-        <p:txBody>
-          <a:bodyPr wrap="square" rtlCol="0">
-            <a:spAutoFit/>
-          </a:bodyPr>
-          <a:lstStyle/>
-          <a:p>
-            <a:r>
-              <a:rPr lang="de-DE" sz="2800" b="1" dirty="0"/>
-              <a:t>Cluster 1 </a:t>
-            </a:r>
-            <a:r>
-              <a:rPr lang="de-DE" sz="2800" b="1" dirty="0">
-                <a:sym typeface="Wingdings" pitchFamily="2" charset="2"/>
-              </a:rPr>
-              <a:t></a:t>
-            </a:r>
-            <a:r>
-              <a:rPr lang="de-DE" sz="2800" dirty="0">
-                <a:sym typeface="Wingdings" pitchFamily="2" charset="2"/>
-              </a:rPr>
-              <a:t> </a:t>
-            </a:r>
-            <a:endParaRPr lang="de-DE" sz="2800" dirty="0"/>
-          </a:p>
-        </p:txBody>
-      </p:sp>
-      <p:sp>
-        <p:nvSpPr>
-          <p:cNvPr id="11" name="TextBox 10">
-            <a:extLst>
-              <a:ext uri="{FF2B5EF4-FFF2-40B4-BE49-F238E27FC236}">
-                <a16:creationId xmlns:a16="http://schemas.microsoft.com/office/drawing/2014/main" id="{F18EA185-559F-9449-B2AC-904F7E8A6406}"/>
-              </a:ext>
-            </a:extLst>
-          </p:cNvPr>
-          <p:cNvSpPr txBox="1"/>
-          <p:nvPr/>
-        </p:nvSpPr>
-        <p:spPr>
-          <a:xfrm>
-            <a:off x="8685576" y="3885008"/>
-            <a:ext cx="2206053" cy="523220"/>
-          </a:xfrm>
-          <a:prstGeom prst="rect">
-            <a:avLst/>
-          </a:prstGeom>
-          <a:noFill/>
-        </p:spPr>
-        <p:txBody>
-          <a:bodyPr wrap="none" rtlCol="0">
-            <a:spAutoFit/>
-          </a:bodyPr>
-          <a:lstStyle/>
-          <a:p>
-            <a:pPr marL="457200" indent="-457200">
-              <a:buFont typeface="Wingdings" pitchFamily="2" charset="2"/>
-              <a:buChar char="ß"/>
-            </a:pPr>
-            <a:r>
-              <a:rPr lang="de-DE" sz="2800" b="1" dirty="0"/>
-              <a:t>Cluster 2</a:t>
-            </a:r>
-            <a:endParaRPr lang="de-DE" sz="2800" dirty="0"/>
-          </a:p>
-        </p:txBody>
-      </p:sp>
       <p:cxnSp>
         <p:nvCxnSpPr>
-          <p:cNvPr id="13" name="Straight Connector 12">
-            <a:extLst>
-              <a:ext uri="{FF2B5EF4-FFF2-40B4-BE49-F238E27FC236}">
-                <a16:creationId xmlns:a16="http://schemas.microsoft.com/office/drawing/2014/main" id="{83957141-3784-B844-8FB9-7E0E6A2BD133}"/>
+          <p:cNvPr id="9" name="Straight Connector 8">
+            <a:extLst>
+              <a:ext uri="{FF2B5EF4-FFF2-40B4-BE49-F238E27FC236}">
+                <a16:creationId xmlns:a16="http://schemas.microsoft.com/office/drawing/2014/main" id="{A5819989-B927-2242-B1C1-3CF654B9CE66}"/>
               </a:ext>
             </a:extLst>
           </p:cNvPr>
@@ -13297,13 +12602,13 @@
         </p:nvCxnSpPr>
         <p:spPr>
           <a:xfrm>
-            <a:off x="6091237" y="2122228"/>
-            <a:ext cx="0" cy="4572000"/>
+            <a:off x="7637929" y="2820469"/>
+            <a:ext cx="0" cy="3450708"/>
           </a:xfrm>
           <a:prstGeom prst="line">
             <a:avLst/>
           </a:prstGeom>
-          <a:ln w="19050"/>
+          <a:ln w="38100"/>
         </p:spPr>
         <p:style>
           <a:lnRef idx="1">
@@ -13323,7 +12628,611 @@
     </p:spTree>
     <p:extLst>
       <p:ext uri="{BB962C8B-B14F-4D97-AF65-F5344CB8AC3E}">
-        <p14:creationId xmlns:p14="http://schemas.microsoft.com/office/powerpoint/2010/main" val="3138857705"/>
+        <p14:creationId xmlns:p14="http://schemas.microsoft.com/office/powerpoint/2010/main" val="289864145"/>
+      </p:ext>
+    </p:extLst>
+  </p:cSld>
+  <p:clrMapOvr>
+    <a:masterClrMapping/>
+  </p:clrMapOvr>
+</p:sld>
+</file>
+
+<file path=ppt/slides/slide23.xml><?xml version="1.0" encoding="utf-8"?>
+<p:sld xmlns:a="http://schemas.openxmlformats.org/drawingml/2006/main" xmlns:r="http://schemas.openxmlformats.org/officeDocument/2006/relationships" xmlns:p="http://schemas.openxmlformats.org/presentationml/2006/main">
+  <p:cSld>
+    <p:bg>
+      <p:bgPr>
+        <a:solidFill>
+          <a:schemeClr val="bg1"/>
+        </a:solidFill>
+        <a:effectLst/>
+      </p:bgPr>
+    </p:bg>
+    <p:spTree>
+      <p:nvGrpSpPr>
+        <p:cNvPr id="1" name=""/>
+        <p:cNvGrpSpPr/>
+        <p:nvPr/>
+      </p:nvGrpSpPr>
+      <p:grpSpPr>
+        <a:xfrm>
+          <a:off x="0" y="0"/>
+          <a:ext cx="0" cy="0"/>
+          <a:chOff x="0" y="0"/>
+          <a:chExt cx="0" cy="0"/>
+        </a:xfrm>
+      </p:grpSpPr>
+      <p:sp>
+        <p:nvSpPr>
+          <p:cNvPr id="10" name="Rectangle 9">
+            <a:extLst>
+              <a:ext uri="{FF2B5EF4-FFF2-40B4-BE49-F238E27FC236}">
+                <a16:creationId xmlns:a16="http://schemas.microsoft.com/office/drawing/2014/main" id="{8D06CE56-3881-4ADA-8CEF-D18B02C242A3}"/>
+              </a:ext>
+              <a:ext uri="{C183D7F6-B498-43B3-948B-1728B52AA6E4}">
+                <adec:decorative xmlns:adec="http://schemas.microsoft.com/office/drawing/2017/decorative" val="1"/>
+              </a:ext>
+            </a:extLst>
+          </p:cNvPr>
+          <p:cNvSpPr>
+            <a:spLocks noGrp="1" noRot="1" noChangeAspect="1" noMove="1" noResize="1" noEditPoints="1" noAdjustHandles="1" noChangeArrowheads="1" noChangeShapeType="1" noTextEdit="1"/>
+          </p:cNvSpPr>
+          <p:nvPr>
+            <p:extLst>
+              <p:ext uri="{386F3935-93C4-4BCD-93E2-E3B085C9AB24}">
+                <p16:designElem xmlns:p16="http://schemas.microsoft.com/office/powerpoint/2015/main" val="1"/>
+              </p:ext>
+            </p:extLst>
+          </p:nvPr>
+        </p:nvSpPr>
+        <p:spPr>
+          <a:xfrm rot="5400000">
+            <a:off x="857544" y="346791"/>
+            <a:ext cx="146304" cy="704088"/>
+          </a:xfrm>
+          <a:prstGeom prst="rect">
+            <a:avLst/>
+          </a:prstGeom>
+          <a:solidFill>
+            <a:schemeClr val="accent1"/>
+          </a:solidFill>
+          <a:ln>
+            <a:noFill/>
+          </a:ln>
+        </p:spPr>
+        <p:style>
+          <a:lnRef idx="2">
+            <a:schemeClr val="accent1">
+              <a:shade val="50000"/>
+            </a:schemeClr>
+          </a:lnRef>
+          <a:fillRef idx="1">
+            <a:schemeClr val="accent1"/>
+          </a:fillRef>
+          <a:effectRef idx="0">
+            <a:schemeClr val="accent1"/>
+          </a:effectRef>
+          <a:fontRef idx="minor">
+            <a:schemeClr val="lt1"/>
+          </a:fontRef>
+        </p:style>
+        <p:txBody>
+          <a:bodyPr rtlCol="0" anchor="ctr"/>
+          <a:lstStyle/>
+          <a:p>
+            <a:pPr marL="0" marR="0" lvl="0" indent="0" algn="ctr" defTabSz="914400" rtl="0" eaLnBrk="1" fontAlgn="auto" latinLnBrk="0" hangingPunct="1">
+              <a:lnSpc>
+                <a:spcPct val="100000"/>
+              </a:lnSpc>
+              <a:spcBef>
+                <a:spcPts val="0"/>
+              </a:spcBef>
+              <a:spcAft>
+                <a:spcPts val="0"/>
+              </a:spcAft>
+              <a:buClrTx/>
+              <a:buSzTx/>
+              <a:buFontTx/>
+              <a:buNone/>
+              <a:tabLst/>
+              <a:defRPr/>
+            </a:pPr>
+            <a:endParaRPr kumimoji="0" lang="en-US" sz="1800" b="0" i="0" u="none" strike="noStrike" kern="1200" cap="none" spc="0" normalizeH="0" baseline="0" noProof="0">
+              <a:ln>
+                <a:noFill/>
+              </a:ln>
+              <a:solidFill>
+                <a:prstClr val="white"/>
+              </a:solidFill>
+              <a:effectLst/>
+              <a:uLnTx/>
+              <a:uFillTx/>
+              <a:latin typeface="Calibri" panose="020F0502020204030204"/>
+              <a:ea typeface="+mn-ea"/>
+              <a:cs typeface="+mn-cs"/>
+            </a:endParaRPr>
+          </a:p>
+        </p:txBody>
+      </p:sp>
+      <p:sp>
+        <p:nvSpPr>
+          <p:cNvPr id="12" name="Rectangle 11">
+            <a:extLst>
+              <a:ext uri="{FF2B5EF4-FFF2-40B4-BE49-F238E27FC236}">
+                <a16:creationId xmlns:a16="http://schemas.microsoft.com/office/drawing/2014/main" id="{79F3C543-62EC-4433-9C93-A2CD8764E9B4}"/>
+              </a:ext>
+              <a:ext uri="{C183D7F6-B498-43B3-948B-1728B52AA6E4}">
+                <adec:decorative xmlns:adec="http://schemas.microsoft.com/office/drawing/2017/decorative" val="1"/>
+              </a:ext>
+            </a:extLst>
+          </p:cNvPr>
+          <p:cNvSpPr>
+            <a:spLocks noGrp="1" noRot="1" noChangeAspect="1" noMove="1" noResize="1" noEditPoints="1" noAdjustHandles="1" noChangeArrowheads="1" noChangeShapeType="1" noTextEdit="1"/>
+          </p:cNvSpPr>
+          <p:nvPr>
+            <p:extLst>
+              <p:ext uri="{386F3935-93C4-4BCD-93E2-E3B085C9AB24}">
+                <p16:designElem xmlns:p16="http://schemas.microsoft.com/office/powerpoint/2015/main" val="1"/>
+              </p:ext>
+            </p:extLst>
+          </p:nvPr>
+        </p:nvSpPr>
+        <p:spPr>
+          <a:xfrm flipV="1">
+            <a:off x="578652" y="4501201"/>
+            <a:ext cx="11034696" cy="18288"/>
+          </a:xfrm>
+          <a:prstGeom prst="rect">
+            <a:avLst/>
+          </a:prstGeom>
+          <a:solidFill>
+            <a:schemeClr val="tx2">
+              <a:lumMod val="25000"/>
+              <a:lumOff val="75000"/>
+            </a:schemeClr>
+          </a:solidFill>
+          <a:ln w="3175">
+            <a:noFill/>
+          </a:ln>
+          <a:effectLst/>
+        </p:spPr>
+        <p:style>
+          <a:lnRef idx="2">
+            <a:schemeClr val="accent1">
+              <a:shade val="50000"/>
+            </a:schemeClr>
+          </a:lnRef>
+          <a:fillRef idx="1">
+            <a:schemeClr val="accent1"/>
+          </a:fillRef>
+          <a:effectRef idx="0">
+            <a:schemeClr val="accent1"/>
+          </a:effectRef>
+          <a:fontRef idx="minor">
+            <a:schemeClr val="lt1"/>
+          </a:fontRef>
+        </p:style>
+        <p:txBody>
+          <a:bodyPr rtlCol="0" anchor="ctr"/>
+          <a:lstStyle/>
+          <a:p>
+            <a:pPr marL="0" marR="0" lvl="0" indent="0" algn="ctr" defTabSz="914400" rtl="0" eaLnBrk="1" fontAlgn="auto" latinLnBrk="0" hangingPunct="1">
+              <a:lnSpc>
+                <a:spcPct val="100000"/>
+              </a:lnSpc>
+              <a:spcBef>
+                <a:spcPts val="0"/>
+              </a:spcBef>
+              <a:spcAft>
+                <a:spcPts val="0"/>
+              </a:spcAft>
+              <a:buClrTx/>
+              <a:buSzTx/>
+              <a:buFontTx/>
+              <a:buNone/>
+              <a:tabLst/>
+              <a:defRPr/>
+            </a:pPr>
+            <a:endParaRPr kumimoji="0" lang="en-US" sz="1800" b="0" i="0" u="none" strike="noStrike" kern="1200" cap="none" spc="0" normalizeH="0" baseline="0" noProof="0">
+              <a:ln>
+                <a:noFill/>
+              </a:ln>
+              <a:solidFill>
+                <a:prstClr val="white"/>
+              </a:solidFill>
+              <a:effectLst/>
+              <a:uLnTx/>
+              <a:uFillTx/>
+              <a:latin typeface="Calibri" panose="020F0502020204030204"/>
+              <a:ea typeface="+mn-ea"/>
+              <a:cs typeface="+mn-cs"/>
+            </a:endParaRPr>
+          </a:p>
+        </p:txBody>
+      </p:sp>
+      <p:sp useBgFill="1">
+        <p:nvSpPr>
+          <p:cNvPr id="14" name="Rectangle 13">
+            <a:extLst>
+              <a:ext uri="{FF2B5EF4-FFF2-40B4-BE49-F238E27FC236}">
+                <a16:creationId xmlns:a16="http://schemas.microsoft.com/office/drawing/2014/main" id="{68AF5748-FED8-45BA-8631-26D1D10F3246}"/>
+              </a:ext>
+              <a:ext uri="{C183D7F6-B498-43B3-948B-1728B52AA6E4}">
+                <adec:decorative xmlns:adec="http://schemas.microsoft.com/office/drawing/2017/decorative" val="1"/>
+              </a:ext>
+            </a:extLst>
+          </p:cNvPr>
+          <p:cNvSpPr>
+            <a:spLocks noGrp="1" noRot="1" noChangeAspect="1" noMove="1" noResize="1" noEditPoints="1" noAdjustHandles="1" noChangeArrowheads="1" noChangeShapeType="1" noTextEdit="1"/>
+          </p:cNvSpPr>
+          <p:nvPr>
+            <p:extLst>
+              <p:ext uri="{386F3935-93C4-4BCD-93E2-E3B085C9AB24}">
+                <p16:designElem xmlns:p16="http://schemas.microsoft.com/office/powerpoint/2015/main" val="1"/>
+              </p:ext>
+            </p:extLst>
+          </p:nvPr>
+        </p:nvSpPr>
+        <p:spPr>
+          <a:xfrm>
+            <a:off x="0" y="0"/>
+            <a:ext cx="12192000" cy="6858000"/>
+          </a:xfrm>
+          <a:prstGeom prst="rect">
+            <a:avLst/>
+          </a:prstGeom>
+          <a:ln>
+            <a:noFill/>
+          </a:ln>
+        </p:spPr>
+        <p:style>
+          <a:lnRef idx="2">
+            <a:schemeClr val="accent1">
+              <a:shade val="50000"/>
+            </a:schemeClr>
+          </a:lnRef>
+          <a:fillRef idx="1">
+            <a:schemeClr val="accent1"/>
+          </a:fillRef>
+          <a:effectRef idx="0">
+            <a:schemeClr val="accent1"/>
+          </a:effectRef>
+          <a:fontRef idx="minor">
+            <a:schemeClr val="lt1"/>
+          </a:fontRef>
+        </p:style>
+        <p:txBody>
+          <a:bodyPr rtlCol="0" anchor="ctr"/>
+          <a:lstStyle/>
+          <a:p>
+            <a:pPr algn="ctr"/>
+            <a:endParaRPr lang="en-US"/>
+          </a:p>
+        </p:txBody>
+      </p:sp>
+      <p:sp>
+        <p:nvSpPr>
+          <p:cNvPr id="2" name="Title 1">
+            <a:extLst>
+              <a:ext uri="{FF2B5EF4-FFF2-40B4-BE49-F238E27FC236}">
+                <a16:creationId xmlns:a16="http://schemas.microsoft.com/office/drawing/2014/main" id="{6EB97A2B-FE5C-534E-B670-6CA8E78B29AF}"/>
+              </a:ext>
+            </a:extLst>
+          </p:cNvPr>
+          <p:cNvSpPr>
+            <a:spLocks noGrp="1"/>
+          </p:cNvSpPr>
+          <p:nvPr>
+            <p:ph type="title"/>
+          </p:nvPr>
+        </p:nvSpPr>
+        <p:spPr>
+          <a:xfrm>
+            <a:off x="477981" y="1122363"/>
+            <a:ext cx="4023360" cy="3204134"/>
+          </a:xfrm>
+        </p:spPr>
+        <p:txBody>
+          <a:bodyPr vert="horz" lIns="91440" tIns="45720" rIns="91440" bIns="45720" rtlCol="0" anchor="b">
+            <a:normAutofit/>
+          </a:bodyPr>
+          <a:lstStyle/>
+          <a:p>
+            <a:r>
+              <a:rPr lang="en-US" sz="4800" b="1" dirty="0"/>
+              <a:t>K-Means</a:t>
+            </a:r>
+            <a:br>
+              <a:rPr lang="en-US" sz="4800" b="1" dirty="0"/>
+            </a:br>
+            <a:r>
+              <a:rPr lang="en-US" sz="4800" dirty="0" err="1"/>
+              <a:t>alle</a:t>
+            </a:r>
+            <a:r>
+              <a:rPr lang="en-US" sz="4800" dirty="0"/>
+              <a:t> </a:t>
+            </a:r>
+            <a:r>
+              <a:rPr lang="en-US" sz="4800" dirty="0" err="1"/>
+              <a:t>Epochen</a:t>
+            </a:r>
+            <a:endParaRPr lang="en-US" sz="4800" b="1" dirty="0"/>
+          </a:p>
+        </p:txBody>
+      </p:sp>
+      <p:sp>
+        <p:nvSpPr>
+          <p:cNvPr id="16" name="Rectangle 15">
+            <a:extLst>
+              <a:ext uri="{FF2B5EF4-FFF2-40B4-BE49-F238E27FC236}">
+                <a16:creationId xmlns:a16="http://schemas.microsoft.com/office/drawing/2014/main" id="{AF2F604E-43BE-4DC3-B983-E071523364F8}"/>
+              </a:ext>
+              <a:ext uri="{C183D7F6-B498-43B3-948B-1728B52AA6E4}">
+                <adec:decorative xmlns:adec="http://schemas.microsoft.com/office/drawing/2017/decorative" val="1"/>
+              </a:ext>
+            </a:extLst>
+          </p:cNvPr>
+          <p:cNvSpPr>
+            <a:spLocks noGrp="1" noRot="1" noChangeAspect="1" noMove="1" noResize="1" noEditPoints="1" noAdjustHandles="1" noChangeArrowheads="1" noChangeShapeType="1" noTextEdit="1"/>
+          </p:cNvSpPr>
+          <p:nvPr>
+            <p:extLst>
+              <p:ext uri="{386F3935-93C4-4BCD-93E2-E3B085C9AB24}">
+                <p16:designElem xmlns:p16="http://schemas.microsoft.com/office/powerpoint/2015/main" val="1"/>
+              </p:ext>
+            </p:extLst>
+          </p:nvPr>
+        </p:nvSpPr>
+        <p:spPr>
+          <a:xfrm rot="5400000">
+            <a:off x="759921" y="346791"/>
+            <a:ext cx="146304" cy="704088"/>
+          </a:xfrm>
+          <a:prstGeom prst="rect">
+            <a:avLst/>
+          </a:prstGeom>
+          <a:solidFill>
+            <a:schemeClr val="accent1"/>
+          </a:solidFill>
+          <a:ln>
+            <a:noFill/>
+          </a:ln>
+        </p:spPr>
+        <p:style>
+          <a:lnRef idx="2">
+            <a:schemeClr val="accent1">
+              <a:shade val="50000"/>
+            </a:schemeClr>
+          </a:lnRef>
+          <a:fillRef idx="1">
+            <a:schemeClr val="accent1"/>
+          </a:fillRef>
+          <a:effectRef idx="0">
+            <a:schemeClr val="accent1"/>
+          </a:effectRef>
+          <a:fontRef idx="minor">
+            <a:schemeClr val="lt1"/>
+          </a:fontRef>
+        </p:style>
+        <p:txBody>
+          <a:bodyPr rtlCol="0" anchor="ctr"/>
+          <a:lstStyle/>
+          <a:p>
+            <a:pPr marL="0" marR="0" lvl="0" indent="0" algn="ctr" defTabSz="914400" rtl="0" eaLnBrk="1" fontAlgn="auto" latinLnBrk="0" hangingPunct="1">
+              <a:lnSpc>
+                <a:spcPct val="100000"/>
+              </a:lnSpc>
+              <a:spcBef>
+                <a:spcPts val="0"/>
+              </a:spcBef>
+              <a:spcAft>
+                <a:spcPts val="0"/>
+              </a:spcAft>
+              <a:buClrTx/>
+              <a:buSzTx/>
+              <a:buFontTx/>
+              <a:buNone/>
+              <a:tabLst/>
+              <a:defRPr/>
+            </a:pPr>
+            <a:endParaRPr kumimoji="0" lang="en-US" sz="1800" b="0" i="0" u="none" strike="noStrike" kern="1200" cap="none" spc="0" normalizeH="0" baseline="0" noProof="0">
+              <a:ln>
+                <a:noFill/>
+              </a:ln>
+              <a:solidFill>
+                <a:prstClr val="white"/>
+              </a:solidFill>
+              <a:effectLst/>
+              <a:uLnTx/>
+              <a:uFillTx/>
+              <a:latin typeface="Calibri" panose="020F0502020204030204"/>
+              <a:ea typeface="+mn-ea"/>
+              <a:cs typeface="+mn-cs"/>
+            </a:endParaRPr>
+          </a:p>
+        </p:txBody>
+      </p:sp>
+      <p:sp>
+        <p:nvSpPr>
+          <p:cNvPr id="18" name="Rectangle 17">
+            <a:extLst>
+              <a:ext uri="{FF2B5EF4-FFF2-40B4-BE49-F238E27FC236}">
+                <a16:creationId xmlns:a16="http://schemas.microsoft.com/office/drawing/2014/main" id="{08C9B587-E65E-4B52-B37C-ABEBB6E87928}"/>
+              </a:ext>
+              <a:ext uri="{C183D7F6-B498-43B3-948B-1728B52AA6E4}">
+                <adec:decorative xmlns:adec="http://schemas.microsoft.com/office/drawing/2017/decorative" val="1"/>
+              </a:ext>
+            </a:extLst>
+          </p:cNvPr>
+          <p:cNvSpPr>
+            <a:spLocks noGrp="1" noRot="1" noChangeAspect="1" noMove="1" noResize="1" noEditPoints="1" noAdjustHandles="1" noChangeArrowheads="1" noChangeShapeType="1" noTextEdit="1"/>
+          </p:cNvSpPr>
+          <p:nvPr>
+            <p:extLst>
+              <p:ext uri="{386F3935-93C4-4BCD-93E2-E3B085C9AB24}">
+                <p16:designElem xmlns:p16="http://schemas.microsoft.com/office/powerpoint/2015/main" val="1"/>
+              </p:ext>
+            </p:extLst>
+          </p:nvPr>
+        </p:nvSpPr>
+        <p:spPr>
+          <a:xfrm>
+            <a:off x="481029" y="4546920"/>
+            <a:ext cx="4023360" cy="18288"/>
+          </a:xfrm>
+          <a:prstGeom prst="rect">
+            <a:avLst/>
+          </a:prstGeom>
+          <a:solidFill>
+            <a:schemeClr val="tx2">
+              <a:lumMod val="25000"/>
+              <a:lumOff val="75000"/>
+            </a:schemeClr>
+          </a:solidFill>
+          <a:ln w="3175">
+            <a:noFill/>
+          </a:ln>
+          <a:effectLst/>
+        </p:spPr>
+        <p:style>
+          <a:lnRef idx="2">
+            <a:schemeClr val="accent1">
+              <a:shade val="50000"/>
+            </a:schemeClr>
+          </a:lnRef>
+          <a:fillRef idx="1">
+            <a:schemeClr val="accent1"/>
+          </a:fillRef>
+          <a:effectRef idx="0">
+            <a:schemeClr val="accent1"/>
+          </a:effectRef>
+          <a:fontRef idx="minor">
+            <a:schemeClr val="lt1"/>
+          </a:fontRef>
+        </p:style>
+        <p:txBody>
+          <a:bodyPr rtlCol="0" anchor="ctr"/>
+          <a:lstStyle/>
+          <a:p>
+            <a:pPr marL="0" marR="0" lvl="0" indent="0" algn="ctr" defTabSz="914400" rtl="0" eaLnBrk="1" fontAlgn="auto" latinLnBrk="0" hangingPunct="1">
+              <a:lnSpc>
+                <a:spcPct val="100000"/>
+              </a:lnSpc>
+              <a:spcBef>
+                <a:spcPts val="0"/>
+              </a:spcBef>
+              <a:spcAft>
+                <a:spcPts val="0"/>
+              </a:spcAft>
+              <a:buClrTx/>
+              <a:buSzTx/>
+              <a:buFontTx/>
+              <a:buNone/>
+              <a:tabLst/>
+              <a:defRPr/>
+            </a:pPr>
+            <a:endParaRPr kumimoji="0" lang="en-US" sz="1800" b="0" i="0" u="none" strike="noStrike" kern="1200" cap="none" spc="0" normalizeH="0" baseline="0" noProof="0">
+              <a:ln>
+                <a:noFill/>
+              </a:ln>
+              <a:solidFill>
+                <a:prstClr val="white"/>
+              </a:solidFill>
+              <a:effectLst/>
+              <a:uLnTx/>
+              <a:uFillTx/>
+              <a:latin typeface="Calibri" panose="020F0502020204030204"/>
+              <a:ea typeface="+mn-ea"/>
+              <a:cs typeface="+mn-cs"/>
+            </a:endParaRPr>
+          </a:p>
+        </p:txBody>
+      </p:sp>
+      <p:pic>
+        <p:nvPicPr>
+          <p:cNvPr id="5" name="Picture 4" descr="A screenshot of a cell phone&#10;&#10;Description automatically generated">
+            <a:extLst>
+              <a:ext uri="{FF2B5EF4-FFF2-40B4-BE49-F238E27FC236}">
+                <a16:creationId xmlns:a16="http://schemas.microsoft.com/office/drawing/2014/main" id="{6087CDDB-2A2C-8E47-AC82-B66F707698F3}"/>
+              </a:ext>
+            </a:extLst>
+          </p:cNvPr>
+          <p:cNvPicPr>
+            <a:picLocks noChangeAspect="1"/>
+          </p:cNvPicPr>
+          <p:nvPr/>
+        </p:nvPicPr>
+        <p:blipFill rotWithShape="1">
+          <a:blip r:embed="rId2"/>
+          <a:srcRect l="10064" t="5874" r="12942" b="9958"/>
+          <a:stretch/>
+        </p:blipFill>
+        <p:spPr>
+          <a:xfrm>
+            <a:off x="4499817" y="276222"/>
+            <a:ext cx="7690659" cy="6305556"/>
+          </a:xfrm>
+          <a:prstGeom prst="rect">
+            <a:avLst/>
+          </a:prstGeom>
+        </p:spPr>
+      </p:pic>
+      <p:sp>
+        <p:nvSpPr>
+          <p:cNvPr id="6" name="TextBox 5">
+            <a:extLst>
+              <a:ext uri="{FF2B5EF4-FFF2-40B4-BE49-F238E27FC236}">
+                <a16:creationId xmlns:a16="http://schemas.microsoft.com/office/drawing/2014/main" id="{467DA40B-BE7B-B346-AE07-CAC87581B684}"/>
+              </a:ext>
+            </a:extLst>
+          </p:cNvPr>
+          <p:cNvSpPr txBox="1"/>
+          <p:nvPr/>
+        </p:nvSpPr>
+        <p:spPr>
+          <a:xfrm>
+            <a:off x="578652" y="4834887"/>
+            <a:ext cx="3724407" cy="1077218"/>
+          </a:xfrm>
+          <a:prstGeom prst="rect">
+            <a:avLst/>
+          </a:prstGeom>
+          <a:noFill/>
+        </p:spPr>
+        <p:txBody>
+          <a:bodyPr wrap="square" rtlCol="0">
+            <a:spAutoFit/>
+          </a:bodyPr>
+          <a:lstStyle/>
+          <a:p>
+            <a:r>
+              <a:rPr lang="de-DE" sz="3200" b="1" dirty="0" err="1"/>
+              <a:t>ari</a:t>
+            </a:r>
+            <a:r>
+              <a:rPr lang="de-DE" sz="3200" dirty="0"/>
+              <a:t>: 0.216</a:t>
+            </a:r>
+          </a:p>
+          <a:p>
+            <a:r>
+              <a:rPr lang="de-DE" sz="3200" b="1" dirty="0" err="1"/>
+              <a:t>vm</a:t>
+            </a:r>
+            <a:r>
+              <a:rPr lang="de-DE" sz="3200" dirty="0"/>
+              <a:t>: 0.338</a:t>
+            </a:r>
+            <a:endParaRPr lang="de-DE" sz="2400" b="1" dirty="0"/>
+          </a:p>
+        </p:txBody>
+      </p:sp>
+    </p:spTree>
+    <p:extLst>
+      <p:ext uri="{BB962C8B-B14F-4D97-AF65-F5344CB8AC3E}">
+        <p14:creationId xmlns:p14="http://schemas.microsoft.com/office/powerpoint/2010/main" val="3001052201"/>
       </p:ext>
     </p:extLst>
   </p:cSld>
@@ -13352,10 +13261,10 @@
       </p:grpSpPr>
       <p:sp>
         <p:nvSpPr>
-          <p:cNvPr id="2" name="Title 1">
-            <a:extLst>
-              <a:ext uri="{FF2B5EF4-FFF2-40B4-BE49-F238E27FC236}">
-                <a16:creationId xmlns:a16="http://schemas.microsoft.com/office/drawing/2014/main" id="{DCBE102F-D2BB-3946-AEF1-AE93DF5165E5}"/>
+          <p:cNvPr id="10" name="Title 9">
+            <a:extLst>
+              <a:ext uri="{FF2B5EF4-FFF2-40B4-BE49-F238E27FC236}">
+                <a16:creationId xmlns:a16="http://schemas.microsoft.com/office/drawing/2014/main" id="{721D0AD9-E862-4F4D-A146-524D71AA32CB}"/>
               </a:ext>
             </a:extLst>
           </p:cNvPr>
@@ -13369,22 +13278,166 @@
         <p:spPr/>
         <p:txBody>
           <a:bodyPr>
-            <a:normAutofit/>
+            <a:normAutofit fontScale="90000"/>
           </a:bodyPr>
           <a:lstStyle/>
           <a:p>
             <a:r>
-              <a:rPr lang="de-DE" sz="4400" b="1" dirty="0"/>
-              <a:t>4.1.2.  Zusammenfassung von 				Gedichten eines Dichters </a:t>
-            </a:r>
-            <a:endParaRPr lang="de-DE" sz="4800" b="1" dirty="0"/>
-          </a:p>
-        </p:txBody>
-      </p:sp>
+              <a:rPr lang="de-DE" b="1" dirty="0"/>
+              <a:t>K-</a:t>
+            </a:r>
+            <a:r>
+              <a:rPr lang="de-DE" b="1" dirty="0" err="1"/>
+              <a:t>Means</a:t>
+            </a:r>
+            <a:r>
+              <a:rPr lang="de-DE" b="1" dirty="0"/>
+              <a:t> (+ Dimensionsreduktion)</a:t>
+            </a:r>
+            <a:br>
+              <a:rPr lang="de-DE" b="1" dirty="0"/>
+            </a:br>
+            <a:r>
+              <a:rPr lang="de-DE" dirty="0"/>
+              <a:t>alle Epochen</a:t>
+            </a:r>
+            <a:endParaRPr lang="de-DE" b="1" dirty="0"/>
+          </a:p>
+        </p:txBody>
+      </p:sp>
+      <p:sp>
+        <p:nvSpPr>
+          <p:cNvPr id="11" name="Text Placeholder 10">
+            <a:extLst>
+              <a:ext uri="{FF2B5EF4-FFF2-40B4-BE49-F238E27FC236}">
+                <a16:creationId xmlns:a16="http://schemas.microsoft.com/office/drawing/2014/main" id="{F1482671-E491-4C4E-96BF-73A1B9B91D81}"/>
+              </a:ext>
+            </a:extLst>
+          </p:cNvPr>
+          <p:cNvSpPr>
+            <a:spLocks noGrp="1"/>
+          </p:cNvSpPr>
+          <p:nvPr>
+            <p:ph type="body" idx="1"/>
+          </p:nvPr>
+        </p:nvSpPr>
+        <p:spPr>
+          <a:xfrm>
+            <a:off x="1115568" y="2206790"/>
+            <a:ext cx="4937760" cy="545362"/>
+          </a:xfrm>
+        </p:spPr>
+        <p:txBody>
+          <a:bodyPr/>
+          <a:lstStyle/>
+          <a:p>
+            <a:r>
+              <a:rPr lang="de-DE" dirty="0"/>
+              <a:t>Reduzierte Daten</a:t>
+            </a:r>
+          </a:p>
+        </p:txBody>
+      </p:sp>
+      <p:sp>
+        <p:nvSpPr>
+          <p:cNvPr id="13" name="Text Placeholder 12">
+            <a:extLst>
+              <a:ext uri="{FF2B5EF4-FFF2-40B4-BE49-F238E27FC236}">
+                <a16:creationId xmlns:a16="http://schemas.microsoft.com/office/drawing/2014/main" id="{8199E1CA-FEF8-D14A-AE83-40AEC31417AE}"/>
+              </a:ext>
+            </a:extLst>
+          </p:cNvPr>
+          <p:cNvSpPr>
+            <a:spLocks noGrp="1"/>
+          </p:cNvSpPr>
+          <p:nvPr>
+            <p:ph type="body" sz="quarter" idx="3"/>
+          </p:nvPr>
+        </p:nvSpPr>
+        <p:spPr>
+          <a:xfrm>
+            <a:off x="6345936" y="2206790"/>
+            <a:ext cx="4937760" cy="545362"/>
+          </a:xfrm>
+        </p:spPr>
+        <p:txBody>
+          <a:bodyPr/>
+          <a:lstStyle/>
+          <a:p>
+            <a:r>
+              <a:rPr lang="de-DE" dirty="0"/>
+              <a:t>Clustering mit K-</a:t>
+            </a:r>
+            <a:r>
+              <a:rPr lang="de-DE" dirty="0" err="1"/>
+              <a:t>Means</a:t>
+            </a:r>
+            <a:endParaRPr lang="de-DE" dirty="0"/>
+          </a:p>
+        </p:txBody>
+      </p:sp>
+      <p:pic>
+        <p:nvPicPr>
+          <p:cNvPr id="7" name="Picture 6" descr="A picture containing screenshot&#10;&#10;Description automatically generated">
+            <a:extLst>
+              <a:ext uri="{FF2B5EF4-FFF2-40B4-BE49-F238E27FC236}">
+                <a16:creationId xmlns:a16="http://schemas.microsoft.com/office/drawing/2014/main" id="{8DF75795-7E46-E74B-B7BD-E5DCCDB51CC1}"/>
+              </a:ext>
+            </a:extLst>
+          </p:cNvPr>
+          <p:cNvPicPr>
+            <a:picLocks noChangeAspect="1"/>
+          </p:cNvPicPr>
+          <p:nvPr/>
+        </p:nvPicPr>
+        <p:blipFill rotWithShape="1">
+          <a:blip r:embed="rId2"/>
+          <a:srcRect l="10580" t="6764" r="1664" b="9706"/>
+          <a:stretch/>
+        </p:blipFill>
+        <p:spPr>
+          <a:xfrm>
+            <a:off x="708924" y="2918012"/>
+            <a:ext cx="5344404" cy="3823200"/>
+          </a:xfrm>
+          <a:prstGeom prst="rect">
+            <a:avLst/>
+          </a:prstGeom>
+        </p:spPr>
+      </p:pic>
+      <p:pic>
+        <p:nvPicPr>
+          <p:cNvPr id="9" name="Picture 8" descr="A picture containing screenshot&#10;&#10;Description automatically generated">
+            <a:extLst>
+              <a:ext uri="{FF2B5EF4-FFF2-40B4-BE49-F238E27FC236}">
+                <a16:creationId xmlns:a16="http://schemas.microsoft.com/office/drawing/2014/main" id="{F7429EC8-8038-4143-BF5F-2D383942A966}"/>
+              </a:ext>
+            </a:extLst>
+          </p:cNvPr>
+          <p:cNvPicPr>
+            <a:picLocks noChangeAspect="1"/>
+          </p:cNvPicPr>
+          <p:nvPr/>
+        </p:nvPicPr>
+        <p:blipFill rotWithShape="1">
+          <a:blip r:embed="rId3"/>
+          <a:srcRect l="9695" t="6764" r="13822" b="9706"/>
+          <a:stretch/>
+        </p:blipFill>
+        <p:spPr>
+          <a:xfrm>
+            <a:off x="6488474" y="2918012"/>
+            <a:ext cx="4652684" cy="3818965"/>
+          </a:xfrm>
+          <a:prstGeom prst="rect">
+            <a:avLst/>
+          </a:prstGeom>
+        </p:spPr>
+      </p:pic>
     </p:spTree>
     <p:extLst>
       <p:ext uri="{BB962C8B-B14F-4D97-AF65-F5344CB8AC3E}">
-        <p14:creationId xmlns:p14="http://schemas.microsoft.com/office/powerpoint/2010/main" val="284220847"/>
+        <p14:creationId xmlns:p14="http://schemas.microsoft.com/office/powerpoint/2010/main" val="3686803181"/>
       </p:ext>
     </p:extLst>
   </p:cSld>
@@ -13395,6 +13448,74 @@
 </file>
 
 <file path=ppt/slides/slide25.xml><?xml version="1.0" encoding="utf-8"?>
+<p:sld xmlns:a="http://schemas.openxmlformats.org/drawingml/2006/main" xmlns:r="http://schemas.openxmlformats.org/officeDocument/2006/relationships" xmlns:p="http://schemas.openxmlformats.org/presentationml/2006/main">
+  <p:cSld>
+    <p:spTree>
+      <p:nvGrpSpPr>
+        <p:cNvPr id="1" name=""/>
+        <p:cNvGrpSpPr/>
+        <p:nvPr/>
+      </p:nvGrpSpPr>
+      <p:grpSpPr>
+        <a:xfrm>
+          <a:off x="0" y="0"/>
+          <a:ext cx="0" cy="0"/>
+          <a:chOff x="0" y="0"/>
+          <a:chExt cx="0" cy="0"/>
+        </a:xfrm>
+      </p:grpSpPr>
+      <p:sp>
+        <p:nvSpPr>
+          <p:cNvPr id="2" name="Title 1">
+            <a:extLst>
+              <a:ext uri="{FF2B5EF4-FFF2-40B4-BE49-F238E27FC236}">
+                <a16:creationId xmlns:a16="http://schemas.microsoft.com/office/drawing/2014/main" id="{DCBE102F-D2BB-3946-AEF1-AE93DF5165E5}"/>
+              </a:ext>
+            </a:extLst>
+          </p:cNvPr>
+          <p:cNvSpPr>
+            <a:spLocks noGrp="1"/>
+          </p:cNvSpPr>
+          <p:nvPr>
+            <p:ph type="title"/>
+          </p:nvPr>
+        </p:nvSpPr>
+        <p:spPr/>
+        <p:txBody>
+          <a:bodyPr>
+            <a:normAutofit/>
+          </a:bodyPr>
+          <a:lstStyle/>
+          <a:p>
+            <a:r>
+              <a:rPr lang="de-DE" sz="4400" b="1" dirty="0"/>
+              <a:t>4.3.  Clustering von jeweils</a:t>
+            </a:r>
+            <a:br>
+              <a:rPr lang="de-DE" sz="4400" b="1" dirty="0"/>
+            </a:br>
+            <a:r>
+              <a:rPr lang="de-DE" sz="4400" b="1" dirty="0"/>
+              <a:t>	   zwei Epochen</a:t>
+            </a:r>
+            <a:endParaRPr lang="de-DE" sz="4800" b="1" dirty="0"/>
+          </a:p>
+        </p:txBody>
+      </p:sp>
+    </p:spTree>
+    <p:extLst>
+      <p:ext uri="{BB962C8B-B14F-4D97-AF65-F5344CB8AC3E}">
+        <p14:creationId xmlns:p14="http://schemas.microsoft.com/office/powerpoint/2010/main" val="186860969"/>
+      </p:ext>
+    </p:extLst>
+  </p:cSld>
+  <p:clrMapOvr>
+    <a:masterClrMapping/>
+  </p:clrMapOvr>
+</p:sld>
+</file>
+
+<file path=ppt/slides/slide26.xml><?xml version="1.0" encoding="utf-8"?>
 <p:sld xmlns:a="http://schemas.openxmlformats.org/drawingml/2006/main" xmlns:r="http://schemas.openxmlformats.org/officeDocument/2006/relationships" xmlns:p="http://schemas.openxmlformats.org/presentationml/2006/main">
   <p:cSld>
     <p:bg>
@@ -13600,7 +13721,7 @@
         <p:spPr>
           <a:xfrm>
             <a:off x="1046746" y="586822"/>
-            <a:ext cx="3537285" cy="1645920"/>
+            <a:ext cx="3748339" cy="1645920"/>
           </a:xfrm>
         </p:spPr>
         <p:txBody>
@@ -13611,7 +13732,14 @@
           <a:p>
             <a:r>
               <a:rPr lang="en-US" sz="3200" b="1" dirty="0"/>
-              <a:t>K-Means (III)</a:t>
+              <a:t>K-Means 		(I) </a:t>
+            </a:r>
+            <a:br>
+              <a:rPr lang="en-US" sz="3200" b="1" dirty="0"/>
+            </a:br>
+            <a:r>
+              <a:rPr lang="en-US" sz="3200" b="1" dirty="0"/>
+              <a:t>DBSCAN</a:t>
             </a:r>
           </a:p>
         </p:txBody>
@@ -13819,7 +13947,7 @@
         <p:spPr>
           <a:xfrm>
             <a:off x="4804229" y="586822"/>
-            <a:ext cx="6720114" cy="1645920"/>
+            <a:ext cx="6720114" cy="1867620"/>
           </a:xfrm>
           <a:prstGeom prst="rect">
             <a:avLst/>
@@ -13827,7 +13955,7 @@
         </p:spPr>
         <p:txBody>
           <a:bodyPr vert="horz" lIns="91440" tIns="45720" rIns="91440" bIns="45720" numCol="2" rtlCol="0" anchor="ctr">
-            <a:normAutofit fontScale="92500"/>
+            <a:normAutofit/>
           </a:bodyPr>
           <a:lstStyle/>
           <a:p>
@@ -13844,7 +13972,7 @@
             </a:r>
             <a:r>
               <a:rPr lang="de-DE" i="1" dirty="0"/>
-              <a:t>Brenner</a:t>
+              <a:t>AMANN</a:t>
             </a:r>
             <a:endParaRPr lang="de-DE" b="1" i="1" dirty="0"/>
           </a:p>
@@ -13857,8 +13985,8 @@
               <a:buChar char="•"/>
             </a:pPr>
             <a:r>
-              <a:rPr lang="de-DE" b="1" dirty="0"/>
-              <a:t>Keine Dimensionsreduktion</a:t>
+              <a:rPr lang="de-DE" dirty="0"/>
+              <a:t>ohne Dimensionsreduktion</a:t>
             </a:r>
           </a:p>
           <a:p>
@@ -13871,7 +13999,7 @@
             </a:pPr>
             <a:r>
               <a:rPr lang="de-DE" dirty="0"/>
-              <a:t>Ohne Epoche „Klassik/Romantik“</a:t>
+              <a:t>Ohne Epoche „Sturm &amp; Drang“</a:t>
             </a:r>
           </a:p>
           <a:p>
@@ -13883,9 +14011,10 @@
               <a:buChar char="•"/>
             </a:pPr>
             <a:r>
-              <a:rPr lang="de-DE" sz="1700" b="1" dirty="0"/>
-              <a:t>Zusammenfassung von allen Gedichten eines Dichters</a:t>
-            </a:r>
+              <a:rPr lang="de-DE" dirty="0" err="1"/>
+              <a:t>Lowercase</a:t>
+            </a:r>
+            <a:endParaRPr lang="de-DE" dirty="0"/>
           </a:p>
           <a:p>
             <a:pPr marL="457200" indent="-228600">
@@ -13896,8 +14025,12 @@
               <a:buChar char="•"/>
             </a:pPr>
             <a:r>
-              <a:rPr lang="de-DE" dirty="0" err="1"/>
-              <a:t>Lowercase</a:t>
+              <a:rPr lang="de-DE" dirty="0"/>
+              <a:t>Stoppwörter </a:t>
+            </a:r>
+            <a:r>
+              <a:rPr lang="de-DE" u="sng" dirty="0"/>
+              <a:t>entfernt</a:t>
             </a:r>
             <a:endParaRPr lang="de-DE" dirty="0"/>
           </a:p>
@@ -13911,24 +14044,6 @@
             </a:pPr>
             <a:r>
               <a:rPr lang="de-DE" dirty="0"/>
-              <a:t>Stoppwörter </a:t>
-            </a:r>
-            <a:r>
-              <a:rPr lang="de-DE" u="sng" dirty="0"/>
-              <a:t>entfernt</a:t>
-            </a:r>
-            <a:endParaRPr lang="de-DE" dirty="0"/>
-          </a:p>
-          <a:p>
-            <a:pPr marL="457200" indent="-228600">
-              <a:spcAft>
-                <a:spcPts val="600"/>
-              </a:spcAft>
-              <a:buFont typeface="Arial" panose="020B0604020202020204" pitchFamily="34" charset="0"/>
-              <a:buChar char="•"/>
-            </a:pPr>
-            <a:r>
-              <a:rPr lang="de-DE" dirty="0"/>
               <a:t>10000 mf</a:t>
             </a:r>
           </a:p>
@@ -13936,10 +14051,10 @@
       </p:sp>
       <p:graphicFrame>
         <p:nvGraphicFramePr>
-          <p:cNvPr id="12" name="Table 11">
-            <a:extLst>
-              <a:ext uri="{FF2B5EF4-FFF2-40B4-BE49-F238E27FC236}">
-                <a16:creationId xmlns:a16="http://schemas.microsoft.com/office/drawing/2014/main" id="{FE8BFA67-ADB1-AE47-98AA-9EA5447ACE50}"/>
+          <p:cNvPr id="2" name="Table 1">
+            <a:extLst>
+              <a:ext uri="{FF2B5EF4-FFF2-40B4-BE49-F238E27FC236}">
+                <a16:creationId xmlns:a16="http://schemas.microsoft.com/office/drawing/2014/main" id="{A0E9A13A-9520-0146-9DA9-25D7F9C6A691}"/>
               </a:ext>
             </a:extLst>
           </p:cNvPr>
@@ -13949,14 +14064,14 @@
           <p:nvPr>
             <p:extLst>
               <p:ext uri="{D42A27DB-BD31-4B8C-83A1-F6EECF244321}">
-                <p14:modId xmlns:p14="http://schemas.microsoft.com/office/powerpoint/2010/main" val="306931789"/>
+                <p14:modId xmlns:p14="http://schemas.microsoft.com/office/powerpoint/2010/main" val="3911126563"/>
               </p:ext>
             </p:extLst>
           </p:nvPr>
         </p:nvGraphicFramePr>
         <p:xfrm>
-          <a:off x="1528900" y="2734056"/>
-          <a:ext cx="9222593" cy="3483864"/>
+          <a:off x="618423" y="2833916"/>
+          <a:ext cx="11103438" cy="3437261"/>
         </p:xfrm>
         <a:graphic>
           <a:graphicData uri="http://schemas.openxmlformats.org/drawingml/2006/table">
@@ -13965,36 +14080,247 @@
                 <a:tableStyleId>{69012ECD-51FC-41F1-AA8D-1B2483CD663E}</a:tableStyleId>
               </a:tblPr>
               <a:tblGrid>
-                <a:gridCol w="5261673">
+                <a:gridCol w="3573503">
                   <a:extLst>
                     <a:ext uri="{9D8B030D-6E8A-4147-A177-3AD203B41FA5}">
-                      <a16:colId xmlns:a16="http://schemas.microsoft.com/office/drawing/2014/main" val="3738905305"/>
+                      <a16:colId xmlns:a16="http://schemas.microsoft.com/office/drawing/2014/main" val="2833795351"/>
                     </a:ext>
                   </a:extLst>
                 </a:gridCol>
-                <a:gridCol w="2036355">
+                <a:gridCol w="1670992">
                   <a:extLst>
                     <a:ext uri="{9D8B030D-6E8A-4147-A177-3AD203B41FA5}">
-                      <a16:colId xmlns:a16="http://schemas.microsoft.com/office/drawing/2014/main" val="4078394901"/>
+                      <a16:colId xmlns:a16="http://schemas.microsoft.com/office/drawing/2014/main" val="1448307795"/>
                     </a:ext>
                   </a:extLst>
                 </a:gridCol>
-                <a:gridCol w="1924565">
+                <a:gridCol w="1802835">
                   <a:extLst>
                     <a:ext uri="{9D8B030D-6E8A-4147-A177-3AD203B41FA5}">
-                      <a16:colId xmlns:a16="http://schemas.microsoft.com/office/drawing/2014/main" val="1891394321"/>
+                      <a16:colId xmlns:a16="http://schemas.microsoft.com/office/drawing/2014/main" val="799636414"/>
+                    </a:ext>
+                  </a:extLst>
+                </a:gridCol>
+                <a:gridCol w="2028054">
+                  <a:extLst>
+                    <a:ext uri="{9D8B030D-6E8A-4147-A177-3AD203B41FA5}">
+                      <a16:colId xmlns:a16="http://schemas.microsoft.com/office/drawing/2014/main" val="1880987509"/>
+                    </a:ext>
+                  </a:extLst>
+                </a:gridCol>
+                <a:gridCol w="2028054">
+                  <a:extLst>
+                    <a:ext uri="{9D8B030D-6E8A-4147-A177-3AD203B41FA5}">
+                      <a16:colId xmlns:a16="http://schemas.microsoft.com/office/drawing/2014/main" val="3364989717"/>
                     </a:ext>
                   </a:extLst>
                 </a:gridCol>
               </a:tblGrid>
-              <a:tr h="580644">
+              <a:tr h="638570">
                 <a:tc>
                   <a:txBody>
                     <a:bodyPr/>
                     <a:lstStyle/>
                     <a:p>
                       <a:pPr algn="r" fontAlgn="ctr"/>
-                      <a:endParaRPr lang="en-GB" sz="2900" b="1" dirty="0">
+                      <a:endParaRPr lang="en-GB" b="1" dirty="0">
+                        <a:effectLst/>
+                      </a:endParaRPr>
+                    </a:p>
+                  </a:txBody>
+                  <a:tcPr anchor="ctr"/>
+                </a:tc>
+                <a:tc gridSpan="2">
+                  <a:txBody>
+                    <a:bodyPr/>
+                    <a:lstStyle/>
+                    <a:p>
+                      <a:pPr algn="ctr" fontAlgn="ctr"/>
+                      <a:r>
+                        <a:rPr lang="en-GB" sz="2400" dirty="0">
+                          <a:effectLst/>
+                        </a:rPr>
+                        <a:t>K-Means</a:t>
+                      </a:r>
+                      <a:endParaRPr lang="en-GB" sz="2400" b="1" dirty="0">
+                        <a:solidFill>
+                          <a:schemeClr val="tx1"/>
+                        </a:solidFill>
+                        <a:effectLst/>
+                      </a:endParaRPr>
+                    </a:p>
+                  </a:txBody>
+                  <a:tcPr anchor="ctr"/>
+                </a:tc>
+                <a:tc hMerge="1">
+                  <a:txBody>
+                    <a:bodyPr/>
+                    <a:lstStyle/>
+                    <a:p>
+                      <a:pPr algn="ctr"/>
+                      <a:endParaRPr lang="de-DE" dirty="0"/>
+                    </a:p>
+                  </a:txBody>
+                  <a:tcPr anchor="ctr"/>
+                </a:tc>
+                <a:tc gridSpan="2">
+                  <a:txBody>
+                    <a:bodyPr/>
+                    <a:lstStyle/>
+                    <a:p>
+                      <a:pPr algn="ctr" fontAlgn="ctr"/>
+                      <a:r>
+                        <a:rPr lang="en-GB" sz="2400" dirty="0">
+                          <a:effectLst/>
+                        </a:rPr>
+                        <a:t>DBSCAN</a:t>
+                      </a:r>
+                      <a:endParaRPr lang="en-GB" sz="2400" b="1" dirty="0">
+                        <a:solidFill>
+                          <a:schemeClr val="tx1"/>
+                        </a:solidFill>
+                        <a:effectLst/>
+                      </a:endParaRPr>
+                    </a:p>
+                  </a:txBody>
+                  <a:tcPr anchor="ctr"/>
+                </a:tc>
+                <a:tc hMerge="1">
+                  <a:txBody>
+                    <a:bodyPr/>
+                    <a:lstStyle/>
+                    <a:p>
+                      <a:pPr algn="ctr"/>
+                      <a:endParaRPr lang="de-DE" dirty="0"/>
+                    </a:p>
+                  </a:txBody>
+                  <a:tcPr anchor="ctr"/>
+                </a:tc>
+                <a:extLst>
+                  <a:ext uri="{0D108BD9-81ED-4DB2-BD59-A6C34878D82A}">
+                    <a16:rowId xmlns:a16="http://schemas.microsoft.com/office/drawing/2014/main" val="3307450965"/>
+                  </a:ext>
+                </a:extLst>
+              </a:tr>
+              <a:tr h="731476">
+                <a:tc>
+                  <a:txBody>
+                    <a:bodyPr/>
+                    <a:lstStyle/>
+                    <a:p>
+                      <a:pPr algn="r" fontAlgn="ctr"/>
+                      <a:br>
+                        <a:rPr lang="en-GB" sz="2000" dirty="0">
+                          <a:effectLst/>
+                        </a:rPr>
+                      </a:br>
+                      <a:endParaRPr lang="en-GB" sz="2000" b="1" dirty="0">
+                        <a:effectLst/>
+                      </a:endParaRPr>
+                    </a:p>
+                  </a:txBody>
+                  <a:tcPr anchor="ctr"/>
+                </a:tc>
+                <a:tc>
+                  <a:txBody>
+                    <a:bodyPr/>
+                    <a:lstStyle/>
+                    <a:p>
+                      <a:pPr algn="ctr" fontAlgn="ctr"/>
+                      <a:r>
+                        <a:rPr lang="en-GB" sz="2000" b="1" dirty="0" err="1">
+                          <a:effectLst/>
+                        </a:rPr>
+                        <a:t>ari</a:t>
+                      </a:r>
+                      <a:endParaRPr lang="en-GB" sz="2000" b="1" dirty="0">
+                        <a:effectLst/>
+                      </a:endParaRPr>
+                    </a:p>
+                  </a:txBody>
+                  <a:tcPr anchor="ctr"/>
+                </a:tc>
+                <a:tc>
+                  <a:txBody>
+                    <a:bodyPr/>
+                    <a:lstStyle/>
+                    <a:p>
+                      <a:pPr algn="ctr"/>
+                      <a:r>
+                        <a:rPr lang="de-DE" sz="2000" b="1" dirty="0" err="1"/>
+                        <a:t>vm</a:t>
+                      </a:r>
+                      <a:endParaRPr lang="de-DE" sz="2000" b="1" dirty="0"/>
+                    </a:p>
+                  </a:txBody>
+                  <a:tcPr anchor="ctr"/>
+                </a:tc>
+                <a:tc>
+                  <a:txBody>
+                    <a:bodyPr/>
+                    <a:lstStyle/>
+                    <a:p>
+                      <a:pPr algn="ctr" fontAlgn="ctr"/>
+                      <a:r>
+                        <a:rPr lang="en-GB" sz="2000" b="1" dirty="0" err="1">
+                          <a:effectLst/>
+                        </a:rPr>
+                        <a:t>ari</a:t>
+                      </a:r>
+                      <a:endParaRPr lang="en-GB" sz="2000" b="1" dirty="0">
+                        <a:effectLst/>
+                      </a:endParaRPr>
+                    </a:p>
+                  </a:txBody>
+                  <a:tcPr anchor="ctr"/>
+                </a:tc>
+                <a:tc>
+                  <a:txBody>
+                    <a:bodyPr/>
+                    <a:lstStyle/>
+                    <a:p>
+                      <a:pPr algn="ctr"/>
+                      <a:r>
+                        <a:rPr lang="de-DE" sz="2000" b="1" dirty="0" err="1"/>
+                        <a:t>vm</a:t>
+                      </a:r>
+                      <a:endParaRPr lang="de-DE" sz="2000" b="1" dirty="0"/>
+                    </a:p>
+                  </a:txBody>
+                  <a:tcPr anchor="ctr"/>
+                </a:tc>
+                <a:extLst>
+                  <a:ext uri="{0D108BD9-81ED-4DB2-BD59-A6C34878D82A}">
+                    <a16:rowId xmlns:a16="http://schemas.microsoft.com/office/drawing/2014/main" val="2331790527"/>
+                  </a:ext>
+                </a:extLst>
+              </a:tr>
+              <a:tr h="413443">
+                <a:tc>
+                  <a:txBody>
+                    <a:bodyPr/>
+                    <a:lstStyle/>
+                    <a:p>
+                      <a:pPr algn="r" fontAlgn="ctr"/>
+                      <a:r>
+                        <a:rPr lang="en-GB" sz="2000" b="1" dirty="0" err="1">
+                          <a:effectLst/>
+                        </a:rPr>
+                        <a:t>Barock</a:t>
+                      </a:r>
+                      <a:r>
+                        <a:rPr lang="en-GB" sz="2000" b="1" dirty="0">
+                          <a:effectLst/>
+                        </a:rPr>
+                        <a:t>/</a:t>
+                      </a:r>
+                      <a:r>
+                        <a:rPr lang="en-GB" sz="2000" b="1" dirty="0" err="1">
+                          <a:effectLst/>
+                        </a:rPr>
+                        <a:t>Naturalismus</a:t>
+                      </a:r>
+                      <a:endParaRPr lang="en-GB" sz="2000" b="1" dirty="0">
                         <a:effectLst/>
                       </a:endParaRPr>
                     </a:p>
@@ -14008,14 +14334,34 @@
                     <a:p>
                       <a:pPr algn="r" fontAlgn="ctr"/>
                       <a:r>
-                        <a:rPr lang="en-GB" sz="2700" b="1" dirty="0" err="1">
+                        <a:rPr lang="en-DE" sz="2000" b="1" dirty="0">
                           <a:effectLst/>
                         </a:rPr>
-                        <a:t>ari</a:t>
+                        <a:t>0.702405</a:t>
                       </a:r>
-                      <a:endParaRPr lang="en-GB" sz="2700" b="1" dirty="0">
-                        <a:effectLst/>
-                      </a:endParaRPr>
+                    </a:p>
+                  </a:txBody>
+                  <a:tcPr anchor="ctr">
+                    <a:solidFill>
+                      <a:schemeClr val="accent6">
+                        <a:lumMod val="60000"/>
+                        <a:lumOff val="40000"/>
+                      </a:schemeClr>
+                    </a:solidFill>
+                  </a:tcPr>
+                </a:tc>
+                <a:tc>
+                  <a:txBody>
+                    <a:bodyPr/>
+                    <a:lstStyle/>
+                    <a:p>
+                      <a:pPr algn="r" fontAlgn="ctr"/>
+                      <a:r>
+                        <a:rPr lang="en-DE" sz="2000" dirty="0">
+                          <a:effectLst/>
+                        </a:rPr>
+                        <a:t>0.605282</a:t>
+                      </a:r>
                     </a:p>
                   </a:txBody>
                   <a:tcPr anchor="ctr"/>
@@ -14025,23 +14371,17 @@
                     <a:bodyPr/>
                     <a:lstStyle/>
                     <a:p>
-                      <a:pPr algn="r"/>
+                      <a:pPr algn="r" fontAlgn="ctr"/>
                       <a:r>
-                        <a:rPr lang="de-DE" sz="2700" dirty="0" err="1"/>
-                        <a:t>vm</a:t>
+                        <a:rPr lang="en-DE" sz="2000" dirty="0">
+                          <a:effectLst/>
+                        </a:rPr>
+                        <a:t>0.438779</a:t>
                       </a:r>
-                      <a:endParaRPr lang="de-DE" sz="2700" dirty="0"/>
                     </a:p>
                   </a:txBody>
                   <a:tcPr anchor="ctr"/>
                 </a:tc>
-                <a:extLst>
-                  <a:ext uri="{0D108BD9-81ED-4DB2-BD59-A6C34878D82A}">
-                    <a16:rowId xmlns:a16="http://schemas.microsoft.com/office/drawing/2014/main" val="1843206374"/>
-                  </a:ext>
-                </a:extLst>
-              </a:tr>
-              <a:tr h="580644">
                 <a:tc>
                   <a:txBody>
                     <a:bodyPr/>
@@ -14049,24 +14389,47 @@
                     <a:p>
                       <a:pPr algn="r" fontAlgn="ctr"/>
                       <a:r>
-                        <a:rPr lang="en-GB" sz="2700" b="1" dirty="0" err="1">
+                        <a:rPr lang="en-DE" sz="2000" dirty="0">
+                          <a:effectLst/>
+                        </a:rPr>
+                        <a:t>0.449462</a:t>
+                      </a:r>
+                    </a:p>
+                  </a:txBody>
+                  <a:tcPr anchor="ctr"/>
+                </a:tc>
+                <a:extLst>
+                  <a:ext uri="{0D108BD9-81ED-4DB2-BD59-A6C34878D82A}">
+                    <a16:rowId xmlns:a16="http://schemas.microsoft.com/office/drawing/2014/main" val="857364166"/>
+                  </a:ext>
+                </a:extLst>
+              </a:tr>
+              <a:tr h="413443">
+                <a:tc>
+                  <a:txBody>
+                    <a:bodyPr/>
+                    <a:lstStyle/>
+                    <a:p>
+                      <a:pPr algn="r" fontAlgn="ctr"/>
+                      <a:r>
+                        <a:rPr lang="en-GB" sz="2000" b="1" dirty="0" err="1">
                           <a:effectLst/>
                         </a:rPr>
                         <a:t>Barock</a:t>
                       </a:r>
                       <a:r>
-                        <a:rPr lang="en-GB" sz="2700" b="1" dirty="0">
+                        <a:rPr lang="en-GB" sz="2000" b="1" dirty="0">
                           <a:effectLst/>
                         </a:rPr>
                         <a:t>/</a:t>
                       </a:r>
                       <a:r>
-                        <a:rPr lang="en-GB" sz="2700" b="1" dirty="0" err="1">
+                        <a:rPr lang="en-GB" sz="2000" b="1" dirty="0" err="1">
                           <a:effectLst/>
                         </a:rPr>
-                        <a:t>Realismus</a:t>
+                        <a:t>Klassik</a:t>
                       </a:r>
-                      <a:endParaRPr lang="en-GB" sz="2700" b="1" dirty="0">
+                      <a:endParaRPr lang="en-GB" sz="2000" b="1" dirty="0">
                         <a:effectLst/>
                       </a:endParaRPr>
                     </a:p>
@@ -14080,10 +14443,10 @@
                     <a:p>
                       <a:pPr algn="r" fontAlgn="ctr"/>
                       <a:r>
-                        <a:rPr lang="en-DE" sz="2700" dirty="0">
+                        <a:rPr lang="en-DE" sz="2000" dirty="0">
                           <a:effectLst/>
                         </a:rPr>
-                        <a:t>0.843127</a:t>
+                        <a:t>0.668184</a:t>
                       </a:r>
                     </a:p>
                   </a:txBody>
@@ -14096,10 +14459,49 @@
                     <a:p>
                       <a:pPr algn="r" fontAlgn="ctr"/>
                       <a:r>
-                        <a:rPr lang="en-DE" sz="2700" dirty="0">
+                        <a:rPr lang="en-DE" sz="2000" b="1" dirty="0">
                           <a:effectLst/>
                         </a:rPr>
-                        <a:t>0.781205</a:t>
+                        <a:t>0.630639</a:t>
+                      </a:r>
+                    </a:p>
+                  </a:txBody>
+                  <a:tcPr anchor="ctr">
+                    <a:solidFill>
+                      <a:schemeClr val="accent6">
+                        <a:lumMod val="60000"/>
+                        <a:lumOff val="40000"/>
+                      </a:schemeClr>
+                    </a:solidFill>
+                  </a:tcPr>
+                </a:tc>
+                <a:tc>
+                  <a:txBody>
+                    <a:bodyPr/>
+                    <a:lstStyle/>
+                    <a:p>
+                      <a:pPr algn="r" fontAlgn="ctr"/>
+                      <a:r>
+                        <a:rPr lang="en-DE" sz="2000" dirty="0">
+                          <a:effectLst/>
+                        </a:rPr>
+                        <a:t>0.455296</a:t>
+                      </a:r>
+                    </a:p>
+                  </a:txBody>
+                  <a:tcPr anchor="ctr"/>
+                </a:tc>
+                <a:tc>
+                  <a:txBody>
+                    <a:bodyPr/>
+                    <a:lstStyle/>
+                    <a:p>
+                      <a:pPr algn="r" fontAlgn="ctr"/>
+                      <a:r>
+                        <a:rPr lang="en-DE" sz="2000" dirty="0">
+                          <a:effectLst/>
+                        </a:rPr>
+                        <a:t>0.47890</a:t>
                       </a:r>
                     </a:p>
                   </a:txBody>
@@ -14107,11 +14509,11 @@
                 </a:tc>
                 <a:extLst>
                   <a:ext uri="{0D108BD9-81ED-4DB2-BD59-A6C34878D82A}">
-                    <a16:rowId xmlns:a16="http://schemas.microsoft.com/office/drawing/2014/main" val="3707013511"/>
+                    <a16:rowId xmlns:a16="http://schemas.microsoft.com/office/drawing/2014/main" val="2292681319"/>
                   </a:ext>
                 </a:extLst>
               </a:tr>
-              <a:tr h="580644">
+              <a:tr h="413443">
                 <a:tc>
                   <a:txBody>
                     <a:bodyPr/>
@@ -14119,24 +14521,24 @@
                     <a:p>
                       <a:pPr algn="r" fontAlgn="ctr"/>
                       <a:r>
-                        <a:rPr lang="en-GB" sz="2700" b="1" dirty="0" err="1">
+                        <a:rPr lang="en-GB" sz="2000" b="1" dirty="0" err="1">
                           <a:effectLst/>
                         </a:rPr>
-                        <a:t>Barock</a:t>
+                        <a:t>Aufklärung</a:t>
                       </a:r>
                       <a:r>
-                        <a:rPr lang="en-GB" sz="2700" b="1" dirty="0">
+                        <a:rPr lang="en-GB" sz="2000" b="1" dirty="0">
                           <a:effectLst/>
                         </a:rPr>
                         <a:t>/</a:t>
                       </a:r>
                       <a:r>
-                        <a:rPr lang="en-GB" sz="2700" b="1" dirty="0" err="1">
+                        <a:rPr lang="en-GB" sz="2000" b="1" dirty="0" err="1">
                           <a:effectLst/>
                         </a:rPr>
-                        <a:t>Aufklärung</a:t>
+                        <a:t>Naturalismus</a:t>
                       </a:r>
-                      <a:endParaRPr lang="en-GB" sz="2700" b="1" dirty="0">
+                      <a:endParaRPr lang="en-GB" sz="2000" b="1" dirty="0">
                         <a:effectLst/>
                       </a:endParaRPr>
                     </a:p>
@@ -14150,10 +14552,10 @@
                     <a:p>
                       <a:pPr algn="r" fontAlgn="ctr"/>
                       <a:r>
-                        <a:rPr lang="en-DE" sz="2700" dirty="0">
+                        <a:rPr lang="en-DE" sz="2000" dirty="0">
                           <a:effectLst/>
                         </a:rPr>
-                        <a:t>0.747799</a:t>
+                        <a:t>0.642419</a:t>
                       </a:r>
                     </a:p>
                   </a:txBody>
@@ -14166,39 +14568,10 @@
                     <a:p>
                       <a:pPr algn="r" fontAlgn="ctr"/>
                       <a:r>
-                        <a:rPr lang="en-DE" sz="2700" dirty="0">
+                        <a:rPr lang="en-DE" sz="2000" dirty="0">
                           <a:effectLst/>
                         </a:rPr>
-                        <a:t>0.707295</a:t>
-                      </a:r>
-                    </a:p>
-                  </a:txBody>
-                  <a:tcPr anchor="ctr"/>
-                </a:tc>
-                <a:extLst>
-                  <a:ext uri="{0D108BD9-81ED-4DB2-BD59-A6C34878D82A}">
-                    <a16:rowId xmlns:a16="http://schemas.microsoft.com/office/drawing/2014/main" val="3710466259"/>
-                  </a:ext>
-                </a:extLst>
-              </a:tr>
-              <a:tr h="580644">
-                <a:tc>
-                  <a:txBody>
-                    <a:bodyPr/>
-                    <a:lstStyle/>
-                    <a:p>
-                      <a:pPr algn="r" fontAlgn="ctr"/>
-                      <a:r>
-                        <a:rPr lang="en-GB" sz="2700" b="1" dirty="0" err="1">
-                          <a:effectLst/>
-                        </a:rPr>
-                        <a:t>Barock</a:t>
-                      </a:r>
-                      <a:r>
-                        <a:rPr lang="en-GB" sz="2700" b="1" dirty="0">
-                          <a:effectLst/>
-                        </a:rPr>
-                        <a:t>/Biedermeier</a:t>
+                        <a:t>0.598242</a:t>
                       </a:r>
                     </a:p>
                   </a:txBody>
@@ -14211,10 +14584,10 @@
                     <a:p>
                       <a:pPr algn="r" fontAlgn="ctr"/>
                       <a:r>
-                        <a:rPr lang="en-DE" sz="2700">
+                        <a:rPr lang="en-DE" sz="2000" dirty="0">
                           <a:effectLst/>
                         </a:rPr>
-                        <a:t>0.734414</a:t>
+                        <a:t>0.105600</a:t>
                       </a:r>
                     </a:p>
                   </a:txBody>
@@ -14227,10 +14600,10 @@
                     <a:p>
                       <a:pPr algn="r" fontAlgn="ctr"/>
                       <a:r>
-                        <a:rPr lang="en-DE" sz="2700" dirty="0">
+                        <a:rPr lang="en-DE" sz="2000" dirty="0">
                           <a:effectLst/>
                         </a:rPr>
-                        <a:t>0.697728</a:t>
+                        <a:t>0.067682</a:t>
                       </a:r>
                     </a:p>
                   </a:txBody>
@@ -14238,11 +14611,11 @@
                 </a:tc>
                 <a:extLst>
                   <a:ext uri="{0D108BD9-81ED-4DB2-BD59-A6C34878D82A}">
-                    <a16:rowId xmlns:a16="http://schemas.microsoft.com/office/drawing/2014/main" val="693584613"/>
+                    <a16:rowId xmlns:a16="http://schemas.microsoft.com/office/drawing/2014/main" val="319013880"/>
                   </a:ext>
                 </a:extLst>
               </a:tr>
-              <a:tr h="580644">
+              <a:tr h="413443">
                 <a:tc>
                   <a:txBody>
                     <a:bodyPr/>
@@ -14250,24 +14623,24 @@
                     <a:p>
                       <a:pPr algn="r" fontAlgn="ctr"/>
                       <a:r>
-                        <a:rPr lang="en-GB" sz="2700" b="1" dirty="0" err="1">
+                        <a:rPr lang="en-GB" sz="2000" b="1" dirty="0" err="1">
                           <a:effectLst/>
                         </a:rPr>
-                        <a:t>Frühaufklärung</a:t>
+                        <a:t>Barock</a:t>
                       </a:r>
                       <a:r>
-                        <a:rPr lang="en-GB" sz="2700" b="1" dirty="0">
+                        <a:rPr lang="en-GB" sz="2000" b="1" dirty="0">
                           <a:effectLst/>
                         </a:rPr>
                         <a:t>/</a:t>
                       </a:r>
                       <a:r>
-                        <a:rPr lang="en-GB" sz="2700" b="1" dirty="0" err="1">
+                        <a:rPr lang="en-GB" sz="2000" b="1" dirty="0" err="1">
                           <a:effectLst/>
                         </a:rPr>
                         <a:t>Realismus</a:t>
                       </a:r>
-                      <a:endParaRPr lang="en-GB" sz="2700" b="1" dirty="0">
+                      <a:endParaRPr lang="en-GB" sz="2000" b="1" dirty="0">
                         <a:effectLst/>
                       </a:endParaRPr>
                     </a:p>
@@ -14281,10 +14654,10 @@
                     <a:p>
                       <a:pPr algn="r" fontAlgn="ctr"/>
                       <a:r>
-                        <a:rPr lang="en-DE" sz="2700">
+                        <a:rPr lang="en-DE" sz="2000" dirty="0">
                           <a:effectLst/>
                         </a:rPr>
-                        <a:t>0.694377</a:t>
+                        <a:t>0.636041</a:t>
                       </a:r>
                     </a:p>
                   </a:txBody>
@@ -14297,33 +14670,10 @@
                     <a:p>
                       <a:pPr algn="r" fontAlgn="ctr"/>
                       <a:r>
-                        <a:rPr lang="en-DE" sz="2700" dirty="0">
+                        <a:rPr lang="en-DE" sz="2000" dirty="0">
                           <a:effectLst/>
                         </a:rPr>
-                        <a:t>0.605100</a:t>
-                      </a:r>
-                    </a:p>
-                  </a:txBody>
-                  <a:tcPr anchor="ctr"/>
-                </a:tc>
-                <a:extLst>
-                  <a:ext uri="{0D108BD9-81ED-4DB2-BD59-A6C34878D82A}">
-                    <a16:rowId xmlns:a16="http://schemas.microsoft.com/office/drawing/2014/main" val="3078737029"/>
-                  </a:ext>
-                </a:extLst>
-              </a:tr>
-              <a:tr h="580644">
-                <a:tc>
-                  <a:txBody>
-                    <a:bodyPr/>
-                    <a:lstStyle/>
-                    <a:p>
-                      <a:pPr algn="r" fontAlgn="ctr"/>
-                      <a:r>
-                        <a:rPr lang="en-GB" sz="2700" b="1">
-                          <a:effectLst/>
-                        </a:rPr>
-                        <a:t>Aufklärung/Realismus</a:t>
+                        <a:t>0.613524</a:t>
                       </a:r>
                     </a:p>
                   </a:txBody>
@@ -14336,10 +14686,10 @@
                     <a:p>
                       <a:pPr algn="r" fontAlgn="ctr"/>
                       <a:r>
-                        <a:rPr lang="en-DE" sz="2700">
+                        <a:rPr lang="en-DE" sz="2000" dirty="0">
                           <a:effectLst/>
                         </a:rPr>
-                        <a:t>0.537924</a:t>
+                        <a:t>0.507069</a:t>
                       </a:r>
                     </a:p>
                   </a:txBody>
@@ -14352,10 +14702,10 @@
                     <a:p>
                       <a:pPr algn="r" fontAlgn="ctr"/>
                       <a:r>
-                        <a:rPr lang="en-DE" sz="2700" dirty="0">
+                        <a:rPr lang="en-DE" sz="2000" dirty="0">
                           <a:effectLst/>
                         </a:rPr>
-                        <a:t>0.445150</a:t>
+                        <a:t>0.54058</a:t>
                       </a:r>
                     </a:p>
                   </a:txBody>
@@ -14363,7 +14713,109 @@
                 </a:tc>
                 <a:extLst>
                   <a:ext uri="{0D108BD9-81ED-4DB2-BD59-A6C34878D82A}">
-                    <a16:rowId xmlns:a16="http://schemas.microsoft.com/office/drawing/2014/main" val="1192203619"/>
+                    <a16:rowId xmlns:a16="http://schemas.microsoft.com/office/drawing/2014/main" val="4216835995"/>
+                  </a:ext>
+                </a:extLst>
+              </a:tr>
+              <a:tr h="413443">
+                <a:tc>
+                  <a:txBody>
+                    <a:bodyPr/>
+                    <a:lstStyle/>
+                    <a:p>
+                      <a:pPr algn="r" fontAlgn="ctr"/>
+                      <a:r>
+                        <a:rPr lang="en-GB" sz="2000" b="1" dirty="0" err="1">
+                          <a:effectLst/>
+                        </a:rPr>
+                        <a:t>Barock</a:t>
+                      </a:r>
+                      <a:r>
+                        <a:rPr lang="en-GB" sz="2000" b="1" dirty="0">
+                          <a:effectLst/>
+                        </a:rPr>
+                        <a:t>/</a:t>
+                      </a:r>
+                      <a:r>
+                        <a:rPr lang="en-GB" sz="2000" b="1" dirty="0" err="1">
+                          <a:effectLst/>
+                        </a:rPr>
+                        <a:t>Aufklärung</a:t>
+                      </a:r>
+                      <a:endParaRPr lang="en-GB" sz="2000" b="1" dirty="0">
+                        <a:effectLst/>
+                      </a:endParaRPr>
+                    </a:p>
+                  </a:txBody>
+                  <a:tcPr anchor="ctr"/>
+                </a:tc>
+                <a:tc>
+                  <a:txBody>
+                    <a:bodyPr/>
+                    <a:lstStyle/>
+                    <a:p>
+                      <a:pPr algn="r" fontAlgn="ctr"/>
+                      <a:r>
+                        <a:rPr lang="en-DE" sz="2000">
+                          <a:effectLst/>
+                        </a:rPr>
+                        <a:t>0.549068</a:t>
+                      </a:r>
+                    </a:p>
+                  </a:txBody>
+                  <a:tcPr anchor="ctr"/>
+                </a:tc>
+                <a:tc>
+                  <a:txBody>
+                    <a:bodyPr/>
+                    <a:lstStyle/>
+                    <a:p>
+                      <a:pPr algn="r" fontAlgn="ctr"/>
+                      <a:r>
+                        <a:rPr lang="en-DE" sz="2000" dirty="0">
+                          <a:effectLst/>
+                        </a:rPr>
+                        <a:t>0.466089</a:t>
+                      </a:r>
+                    </a:p>
+                  </a:txBody>
+                  <a:tcPr anchor="ctr"/>
+                </a:tc>
+                <a:tc>
+                  <a:txBody>
+                    <a:bodyPr/>
+                    <a:lstStyle/>
+                    <a:p>
+                      <a:pPr algn="r" fontAlgn="ctr"/>
+                      <a:r>
+                        <a:rPr lang="en-DE" sz="2000" dirty="0">
+                          <a:effectLst/>
+                        </a:rPr>
+                        <a:t>0.383122</a:t>
+                      </a:r>
+                    </a:p>
+                  </a:txBody>
+                  <a:tcPr anchor="ctr"/>
+                </a:tc>
+                <a:tc>
+                  <a:txBody>
+                    <a:bodyPr/>
+                    <a:lstStyle/>
+                    <a:p>
+                      <a:pPr algn="r" fontAlgn="ctr"/>
+                      <a:r>
+                        <a:rPr lang="en-DE" sz="2000" dirty="0">
+                          <a:effectLst/>
+                        </a:rPr>
+                        <a:t>0.384044</a:t>
+                      </a:r>
+                    </a:p>
+                  </a:txBody>
+                  <a:tcPr anchor="ctr"/>
+                </a:tc>
+                <a:extLst>
+                  <a:ext uri="{0D108BD9-81ED-4DB2-BD59-A6C34878D82A}">
+                    <a16:rowId xmlns:a16="http://schemas.microsoft.com/office/drawing/2014/main" val="3160914534"/>
                   </a:ext>
                 </a:extLst>
               </a:tr>
@@ -14371,10 +14823,49 @@
           </a:graphicData>
         </a:graphic>
       </p:graphicFrame>
+      <p:cxnSp>
+        <p:nvCxnSpPr>
+          <p:cNvPr id="9" name="Straight Connector 8">
+            <a:extLst>
+              <a:ext uri="{FF2B5EF4-FFF2-40B4-BE49-F238E27FC236}">
+                <a16:creationId xmlns:a16="http://schemas.microsoft.com/office/drawing/2014/main" id="{A5819989-B927-2242-B1C1-3CF654B9CE66}"/>
+              </a:ext>
+            </a:extLst>
+          </p:cNvPr>
+          <p:cNvCxnSpPr>
+            <a:cxnSpLocks/>
+          </p:cNvCxnSpPr>
+          <p:nvPr/>
+        </p:nvCxnSpPr>
+        <p:spPr>
+          <a:xfrm>
+            <a:off x="7637929" y="2820469"/>
+            <a:ext cx="0" cy="3450708"/>
+          </a:xfrm>
+          <a:prstGeom prst="line">
+            <a:avLst/>
+          </a:prstGeom>
+          <a:ln w="38100"/>
+        </p:spPr>
+        <p:style>
+          <a:lnRef idx="1">
+            <a:schemeClr val="dk1"/>
+          </a:lnRef>
+          <a:fillRef idx="0">
+            <a:schemeClr val="dk1"/>
+          </a:fillRef>
+          <a:effectRef idx="0">
+            <a:schemeClr val="dk1"/>
+          </a:effectRef>
+          <a:fontRef idx="minor">
+            <a:schemeClr val="tx1"/>
+          </a:fontRef>
+        </p:style>
+      </p:cxnSp>
     </p:spTree>
     <p:extLst>
       <p:ext uri="{BB962C8B-B14F-4D97-AF65-F5344CB8AC3E}">
-        <p14:creationId xmlns:p14="http://schemas.microsoft.com/office/powerpoint/2010/main" val="672561372"/>
+        <p14:creationId xmlns:p14="http://schemas.microsoft.com/office/powerpoint/2010/main" val="1978532350"/>
       </p:ext>
     </p:extLst>
   </p:cSld>
@@ -14384,7 +14875,2294 @@
 </p:sld>
 </file>
 
-<file path=ppt/slides/slide26.xml><?xml version="1.0" encoding="utf-8"?>
+<file path=ppt/slides/slide27.xml><?xml version="1.0" encoding="utf-8"?>
+<p:sld xmlns:a="http://schemas.openxmlformats.org/drawingml/2006/main" xmlns:r="http://schemas.openxmlformats.org/officeDocument/2006/relationships" xmlns:p="http://schemas.openxmlformats.org/presentationml/2006/main">
+  <p:cSld>
+    <p:bg>
+      <p:bgPr>
+        <a:solidFill>
+          <a:schemeClr val="bg1"/>
+        </a:solidFill>
+        <a:effectLst/>
+      </p:bgPr>
+    </p:bg>
+    <p:spTree>
+      <p:nvGrpSpPr>
+        <p:cNvPr id="1" name=""/>
+        <p:cNvGrpSpPr/>
+        <p:nvPr/>
+      </p:nvGrpSpPr>
+      <p:grpSpPr>
+        <a:xfrm>
+          <a:off x="0" y="0"/>
+          <a:ext cx="0" cy="0"/>
+          <a:chOff x="0" y="0"/>
+          <a:chExt cx="0" cy="0"/>
+        </a:xfrm>
+      </p:grpSpPr>
+      <p:sp useBgFill="1">
+        <p:nvSpPr>
+          <p:cNvPr id="51" name="Rectangle 50">
+            <a:extLst>
+              <a:ext uri="{FF2B5EF4-FFF2-40B4-BE49-F238E27FC236}">
+                <a16:creationId xmlns:a16="http://schemas.microsoft.com/office/drawing/2014/main" id="{2550BE34-C2B8-49B8-8519-67A8CAD51AE9}"/>
+              </a:ext>
+              <a:ext uri="{C183D7F6-B498-43B3-948B-1728B52AA6E4}">
+                <adec:decorative xmlns:adec="http://schemas.microsoft.com/office/drawing/2017/decorative" val="1"/>
+              </a:ext>
+            </a:extLst>
+          </p:cNvPr>
+          <p:cNvSpPr>
+            <a:spLocks noGrp="1" noRot="1" noChangeAspect="1" noMove="1" noResize="1" noEditPoints="1" noAdjustHandles="1" noChangeArrowheads="1" noChangeShapeType="1" noTextEdit="1"/>
+          </p:cNvSpPr>
+          <p:nvPr>
+            <p:extLst>
+              <p:ext uri="{386F3935-93C4-4BCD-93E2-E3B085C9AB24}">
+                <p16:designElem xmlns:p16="http://schemas.microsoft.com/office/powerpoint/2015/main" val="1"/>
+              </p:ext>
+            </p:extLst>
+          </p:nvPr>
+        </p:nvSpPr>
+        <p:spPr>
+          <a:xfrm>
+            <a:off x="0" y="0"/>
+            <a:ext cx="12192000" cy="6858000"/>
+          </a:xfrm>
+          <a:prstGeom prst="rect">
+            <a:avLst/>
+          </a:prstGeom>
+          <a:ln>
+            <a:noFill/>
+          </a:ln>
+        </p:spPr>
+        <p:style>
+          <a:lnRef idx="2">
+            <a:schemeClr val="accent1">
+              <a:shade val="50000"/>
+            </a:schemeClr>
+          </a:lnRef>
+          <a:fillRef idx="1">
+            <a:schemeClr val="accent1"/>
+          </a:fillRef>
+          <a:effectRef idx="0">
+            <a:schemeClr val="accent1"/>
+          </a:effectRef>
+          <a:fontRef idx="minor">
+            <a:schemeClr val="lt1"/>
+          </a:fontRef>
+        </p:style>
+        <p:txBody>
+          <a:bodyPr rtlCol="0" anchor="ctr"/>
+          <a:lstStyle/>
+          <a:p>
+            <a:pPr algn="ctr"/>
+            <a:endParaRPr lang="en-US"/>
+          </a:p>
+        </p:txBody>
+      </p:sp>
+      <p:sp useBgFill="1">
+        <p:nvSpPr>
+          <p:cNvPr id="53" name="Rectangle 52">
+            <a:extLst>
+              <a:ext uri="{FF2B5EF4-FFF2-40B4-BE49-F238E27FC236}">
+                <a16:creationId xmlns:a16="http://schemas.microsoft.com/office/drawing/2014/main" id="{A7457DD9-5A45-400A-AB4B-4B4EDECA25F1}"/>
+              </a:ext>
+              <a:ext uri="{C183D7F6-B498-43B3-948B-1728B52AA6E4}">
+                <adec:decorative xmlns:adec="http://schemas.microsoft.com/office/drawing/2017/decorative" val="1"/>
+              </a:ext>
+            </a:extLst>
+          </p:cNvPr>
+          <p:cNvSpPr>
+            <a:spLocks noGrp="1" noRot="1" noChangeAspect="1" noMove="1" noResize="1" noEditPoints="1" noAdjustHandles="1" noChangeArrowheads="1" noChangeShapeType="1" noTextEdit="1"/>
+          </p:cNvSpPr>
+          <p:nvPr>
+            <p:extLst>
+              <p:ext uri="{386F3935-93C4-4BCD-93E2-E3B085C9AB24}">
+                <p16:designElem xmlns:p16="http://schemas.microsoft.com/office/powerpoint/2015/main" val="1"/>
+              </p:ext>
+            </p:extLst>
+          </p:nvPr>
+        </p:nvSpPr>
+        <p:spPr>
+          <a:xfrm>
+            <a:off x="554416" y="365125"/>
+            <a:ext cx="11167447" cy="2089317"/>
+          </a:xfrm>
+          <a:prstGeom prst="rect">
+            <a:avLst/>
+          </a:prstGeom>
+          <a:ln w="12700">
+            <a:solidFill>
+              <a:schemeClr val="tx2">
+                <a:lumMod val="10000"/>
+                <a:lumOff val="90000"/>
+              </a:schemeClr>
+            </a:solidFill>
+          </a:ln>
+          <a:effectLst>
+            <a:outerShdw blurRad="50800" dist="38100" dir="2700000" algn="tl" rotWithShape="0">
+              <a:schemeClr val="bg2">
+                <a:lumMod val="85000"/>
+                <a:alpha val="30000"/>
+              </a:schemeClr>
+            </a:outerShdw>
+          </a:effectLst>
+        </p:spPr>
+        <p:style>
+          <a:lnRef idx="2">
+            <a:schemeClr val="accent1">
+              <a:shade val="50000"/>
+            </a:schemeClr>
+          </a:lnRef>
+          <a:fillRef idx="1">
+            <a:schemeClr val="accent1"/>
+          </a:fillRef>
+          <a:effectRef idx="0">
+            <a:schemeClr val="accent1"/>
+          </a:effectRef>
+          <a:fontRef idx="minor">
+            <a:schemeClr val="lt1"/>
+          </a:fontRef>
+        </p:style>
+        <p:txBody>
+          <a:bodyPr rtlCol="0" anchor="ctr"/>
+          <a:lstStyle/>
+          <a:p>
+            <a:pPr marL="0" marR="0" lvl="0" indent="0" algn="ctr" defTabSz="914400" rtl="0" eaLnBrk="1" fontAlgn="auto" latinLnBrk="0" hangingPunct="1">
+              <a:lnSpc>
+                <a:spcPct val="100000"/>
+              </a:lnSpc>
+              <a:spcBef>
+                <a:spcPts val="0"/>
+              </a:spcBef>
+              <a:spcAft>
+                <a:spcPts val="0"/>
+              </a:spcAft>
+              <a:buClrTx/>
+              <a:buSzTx/>
+              <a:buFontTx/>
+              <a:buNone/>
+              <a:tabLst/>
+              <a:defRPr/>
+            </a:pPr>
+            <a:endParaRPr kumimoji="0" lang="en-US" sz="1800" b="0" i="0" u="none" strike="noStrike" kern="1200" cap="none" spc="0" normalizeH="0" baseline="0" noProof="0">
+              <a:ln>
+                <a:noFill/>
+              </a:ln>
+              <a:solidFill>
+                <a:prstClr val="white"/>
+              </a:solidFill>
+              <a:effectLst/>
+              <a:uLnTx/>
+              <a:uFillTx/>
+              <a:latin typeface="Calibri" panose="020F0502020204030204"/>
+              <a:ea typeface="+mn-ea"/>
+              <a:cs typeface="+mn-cs"/>
+            </a:endParaRPr>
+          </a:p>
+        </p:txBody>
+      </p:sp>
+      <p:sp>
+        <p:nvSpPr>
+          <p:cNvPr id="3" name="Title 2">
+            <a:extLst>
+              <a:ext uri="{FF2B5EF4-FFF2-40B4-BE49-F238E27FC236}">
+                <a16:creationId xmlns:a16="http://schemas.microsoft.com/office/drawing/2014/main" id="{2B0244FE-E892-4648-B9A2-7F22D047434E}"/>
+              </a:ext>
+            </a:extLst>
+          </p:cNvPr>
+          <p:cNvSpPr>
+            <a:spLocks noGrp="1"/>
+          </p:cNvSpPr>
+          <p:nvPr>
+            <p:ph type="title"/>
+          </p:nvPr>
+        </p:nvSpPr>
+        <p:spPr>
+          <a:xfrm>
+            <a:off x="1046746" y="586822"/>
+            <a:ext cx="3748339" cy="1645920"/>
+          </a:xfrm>
+        </p:spPr>
+        <p:txBody>
+          <a:bodyPr vert="horz" lIns="91440" tIns="45720" rIns="91440" bIns="45720" rtlCol="0" anchor="ctr">
+            <a:normAutofit/>
+          </a:bodyPr>
+          <a:lstStyle/>
+          <a:p>
+            <a:r>
+              <a:rPr lang="en-US" sz="3200" b="1" dirty="0"/>
+              <a:t>K-Means 		(II) </a:t>
+            </a:r>
+            <a:br>
+              <a:rPr lang="en-US" sz="3200" b="1" dirty="0"/>
+            </a:br>
+            <a:r>
+              <a:rPr lang="en-US" sz="3200" b="1" dirty="0"/>
+              <a:t>DBSCAN</a:t>
+            </a:r>
+          </a:p>
+        </p:txBody>
+      </p:sp>
+      <p:sp>
+        <p:nvSpPr>
+          <p:cNvPr id="55" name="Rectangle 54">
+            <a:extLst>
+              <a:ext uri="{FF2B5EF4-FFF2-40B4-BE49-F238E27FC236}">
+                <a16:creationId xmlns:a16="http://schemas.microsoft.com/office/drawing/2014/main" id="{441CF7D6-A660-431A-B0BB-140A0D5556B6}"/>
+              </a:ext>
+              <a:ext uri="{C183D7F6-B498-43B3-948B-1728B52AA6E4}">
+                <adec:decorative xmlns:adec="http://schemas.microsoft.com/office/drawing/2017/decorative" val="1"/>
+              </a:ext>
+            </a:extLst>
+          </p:cNvPr>
+          <p:cNvSpPr>
+            <a:spLocks noGrp="1" noRot="1" noChangeAspect="1" noMove="1" noResize="1" noEditPoints="1" noAdjustHandles="1" noChangeArrowheads="1" noChangeShapeType="1" noTextEdit="1"/>
+          </p:cNvSpPr>
+          <p:nvPr>
+            <p:extLst>
+              <p:ext uri="{386F3935-93C4-4BCD-93E2-E3B085C9AB24}">
+                <p16:designElem xmlns:p16="http://schemas.microsoft.com/office/powerpoint/2015/main" val="1"/>
+              </p:ext>
+            </p:extLst>
+          </p:nvPr>
+        </p:nvSpPr>
+        <p:spPr>
+          <a:xfrm>
+            <a:off x="490408" y="1057739"/>
+            <a:ext cx="128016" cy="704088"/>
+          </a:xfrm>
+          <a:prstGeom prst="rect">
+            <a:avLst/>
+          </a:prstGeom>
+          <a:solidFill>
+            <a:schemeClr val="accent1"/>
+          </a:solidFill>
+          <a:ln>
+            <a:noFill/>
+          </a:ln>
+        </p:spPr>
+        <p:style>
+          <a:lnRef idx="2">
+            <a:schemeClr val="accent1">
+              <a:shade val="50000"/>
+            </a:schemeClr>
+          </a:lnRef>
+          <a:fillRef idx="1">
+            <a:schemeClr val="accent1"/>
+          </a:fillRef>
+          <a:effectRef idx="0">
+            <a:schemeClr val="accent1"/>
+          </a:effectRef>
+          <a:fontRef idx="minor">
+            <a:schemeClr val="lt1"/>
+          </a:fontRef>
+        </p:style>
+        <p:txBody>
+          <a:bodyPr rtlCol="0" anchor="ctr"/>
+          <a:lstStyle/>
+          <a:p>
+            <a:pPr marL="0" marR="0" lvl="0" indent="0" algn="ctr" defTabSz="914400" rtl="0" eaLnBrk="1" fontAlgn="auto" latinLnBrk="0" hangingPunct="1">
+              <a:lnSpc>
+                <a:spcPct val="100000"/>
+              </a:lnSpc>
+              <a:spcBef>
+                <a:spcPts val="0"/>
+              </a:spcBef>
+              <a:spcAft>
+                <a:spcPts val="0"/>
+              </a:spcAft>
+              <a:buClrTx/>
+              <a:buSzTx/>
+              <a:buFontTx/>
+              <a:buNone/>
+              <a:tabLst/>
+              <a:defRPr/>
+            </a:pPr>
+            <a:endParaRPr kumimoji="0" lang="en-US" sz="1800" b="0" i="0" u="none" strike="noStrike" kern="1200" cap="none" spc="0" normalizeH="0" baseline="0" noProof="0" dirty="0">
+              <a:ln>
+                <a:noFill/>
+              </a:ln>
+              <a:solidFill>
+                <a:prstClr val="white"/>
+              </a:solidFill>
+              <a:effectLst/>
+              <a:uLnTx/>
+              <a:uFillTx/>
+              <a:latin typeface="Calibri" panose="020F0502020204030204"/>
+              <a:ea typeface="+mn-ea"/>
+              <a:cs typeface="+mn-cs"/>
+            </a:endParaRPr>
+          </a:p>
+        </p:txBody>
+      </p:sp>
+      <p:sp>
+        <p:nvSpPr>
+          <p:cNvPr id="57" name="Rectangle 56">
+            <a:extLst>
+              <a:ext uri="{FF2B5EF4-FFF2-40B4-BE49-F238E27FC236}">
+                <a16:creationId xmlns:a16="http://schemas.microsoft.com/office/drawing/2014/main" id="{0570A85B-3810-4F95-97B0-CBF4CCDB381C}"/>
+              </a:ext>
+              <a:ext uri="{C183D7F6-B498-43B3-948B-1728B52AA6E4}">
+                <adec:decorative xmlns:adec="http://schemas.microsoft.com/office/drawing/2017/decorative" val="1"/>
+              </a:ext>
+            </a:extLst>
+          </p:cNvPr>
+          <p:cNvSpPr>
+            <a:spLocks noGrp="1" noRot="1" noChangeAspect="1" noMove="1" noResize="1" noEditPoints="1" noAdjustHandles="1" noChangeArrowheads="1" noChangeShapeType="1" noTextEdit="1"/>
+          </p:cNvSpPr>
+          <p:nvPr>
+            <p:extLst>
+              <p:ext uri="{386F3935-93C4-4BCD-93E2-E3B085C9AB24}">
+                <p16:designElem xmlns:p16="http://schemas.microsoft.com/office/powerpoint/2015/main" val="1"/>
+              </p:ext>
+            </p:extLst>
+          </p:nvPr>
+        </p:nvSpPr>
+        <p:spPr>
+          <a:xfrm rot="5400000">
+            <a:off x="4248113" y="1405210"/>
+            <a:ext cx="1463040" cy="9144"/>
+          </a:xfrm>
+          <a:prstGeom prst="rect">
+            <a:avLst/>
+          </a:prstGeom>
+          <a:solidFill>
+            <a:schemeClr val="tx2">
+              <a:lumMod val="25000"/>
+              <a:lumOff val="75000"/>
+            </a:schemeClr>
+          </a:solidFill>
+          <a:ln w="3175">
+            <a:noFill/>
+          </a:ln>
+          <a:effectLst/>
+        </p:spPr>
+        <p:style>
+          <a:lnRef idx="2">
+            <a:schemeClr val="accent1">
+              <a:shade val="50000"/>
+            </a:schemeClr>
+          </a:lnRef>
+          <a:fillRef idx="1">
+            <a:schemeClr val="accent1"/>
+          </a:fillRef>
+          <a:effectRef idx="0">
+            <a:schemeClr val="accent1"/>
+          </a:effectRef>
+          <a:fontRef idx="minor">
+            <a:schemeClr val="lt1"/>
+          </a:fontRef>
+        </p:style>
+        <p:txBody>
+          <a:bodyPr rtlCol="0" anchor="ctr"/>
+          <a:lstStyle/>
+          <a:p>
+            <a:pPr marL="0" marR="0" lvl="0" indent="0" algn="ctr" defTabSz="914400" rtl="0" eaLnBrk="1" fontAlgn="auto" latinLnBrk="0" hangingPunct="1">
+              <a:lnSpc>
+                <a:spcPct val="100000"/>
+              </a:lnSpc>
+              <a:spcBef>
+                <a:spcPts val="0"/>
+              </a:spcBef>
+              <a:spcAft>
+                <a:spcPts val="0"/>
+              </a:spcAft>
+              <a:buClrTx/>
+              <a:buSzTx/>
+              <a:buFontTx/>
+              <a:buNone/>
+              <a:tabLst/>
+              <a:defRPr/>
+            </a:pPr>
+            <a:endParaRPr kumimoji="0" lang="en-US" sz="1800" b="0" i="0" u="none" strike="noStrike" kern="1200" cap="none" spc="0" normalizeH="0" baseline="0" noProof="0">
+              <a:ln>
+                <a:noFill/>
+              </a:ln>
+              <a:solidFill>
+                <a:prstClr val="white"/>
+              </a:solidFill>
+              <a:effectLst/>
+              <a:uLnTx/>
+              <a:uFillTx/>
+              <a:latin typeface="Calibri" panose="020F0502020204030204"/>
+              <a:ea typeface="+mn-ea"/>
+              <a:cs typeface="+mn-cs"/>
+            </a:endParaRPr>
+          </a:p>
+        </p:txBody>
+      </p:sp>
+      <p:sp>
+        <p:nvSpPr>
+          <p:cNvPr id="6" name="TextBox 5">
+            <a:extLst>
+              <a:ext uri="{FF2B5EF4-FFF2-40B4-BE49-F238E27FC236}">
+                <a16:creationId xmlns:a16="http://schemas.microsoft.com/office/drawing/2014/main" id="{68E267DE-B0A6-1F4B-BCC7-2FAF9305A326}"/>
+              </a:ext>
+            </a:extLst>
+          </p:cNvPr>
+          <p:cNvSpPr txBox="1"/>
+          <p:nvPr/>
+        </p:nvSpPr>
+        <p:spPr>
+          <a:xfrm>
+            <a:off x="4804229" y="586822"/>
+            <a:ext cx="6720114" cy="1867620"/>
+          </a:xfrm>
+          <a:prstGeom prst="rect">
+            <a:avLst/>
+          </a:prstGeom>
+        </p:spPr>
+        <p:txBody>
+          <a:bodyPr vert="horz" lIns="91440" tIns="45720" rIns="91440" bIns="45720" numCol="2" rtlCol="0" anchor="ctr">
+            <a:normAutofit/>
+          </a:bodyPr>
+          <a:lstStyle/>
+          <a:p>
+            <a:pPr marL="457200" indent="-228600">
+              <a:spcAft>
+                <a:spcPts val="600"/>
+              </a:spcAft>
+              <a:buFont typeface="Arial" panose="020B0604020202020204" pitchFamily="34" charset="0"/>
+              <a:buChar char="•"/>
+            </a:pPr>
+            <a:r>
+              <a:rPr lang="de-DE" dirty="0"/>
+              <a:t>Einteilung nach </a:t>
+            </a:r>
+            <a:r>
+              <a:rPr lang="de-DE" i="1" dirty="0"/>
+              <a:t>AMANN</a:t>
+            </a:r>
+            <a:endParaRPr lang="de-DE" b="1" i="1" dirty="0"/>
+          </a:p>
+          <a:p>
+            <a:pPr marL="457200" indent="-228600">
+              <a:spcAft>
+                <a:spcPts val="600"/>
+              </a:spcAft>
+              <a:buFont typeface="Arial" panose="020B0604020202020204" pitchFamily="34" charset="0"/>
+              <a:buChar char="•"/>
+            </a:pPr>
+            <a:r>
+              <a:rPr lang="de-DE" b="1" dirty="0"/>
+              <a:t>Dimensionsreduktion</a:t>
+            </a:r>
+          </a:p>
+          <a:p>
+            <a:pPr marL="228600">
+              <a:spcAft>
+                <a:spcPts val="600"/>
+              </a:spcAft>
+            </a:pPr>
+            <a:r>
+              <a:rPr lang="de-DE" b="1" dirty="0"/>
+              <a:t>    (auf 3 Dimensionen)</a:t>
+            </a:r>
+          </a:p>
+          <a:p>
+            <a:pPr marL="457200" indent="-228600">
+              <a:spcAft>
+                <a:spcPts val="600"/>
+              </a:spcAft>
+              <a:buFont typeface="Arial" panose="020B0604020202020204" pitchFamily="34" charset="0"/>
+              <a:buChar char="•"/>
+            </a:pPr>
+            <a:r>
+              <a:rPr lang="de-DE" dirty="0"/>
+              <a:t>Ohne Epoche „Sturm &amp; Drang“</a:t>
+            </a:r>
+          </a:p>
+          <a:p>
+            <a:pPr marL="457200" indent="-228600">
+              <a:spcAft>
+                <a:spcPts val="600"/>
+              </a:spcAft>
+              <a:buFont typeface="Arial" panose="020B0604020202020204" pitchFamily="34" charset="0"/>
+              <a:buChar char="•"/>
+            </a:pPr>
+            <a:r>
+              <a:rPr lang="de-DE" dirty="0" err="1"/>
+              <a:t>Lowercase</a:t>
+            </a:r>
+            <a:endParaRPr lang="de-DE" dirty="0"/>
+          </a:p>
+          <a:p>
+            <a:pPr marL="457200" indent="-228600">
+              <a:spcAft>
+                <a:spcPts val="600"/>
+              </a:spcAft>
+              <a:buFont typeface="Arial" panose="020B0604020202020204" pitchFamily="34" charset="0"/>
+              <a:buChar char="•"/>
+            </a:pPr>
+            <a:r>
+              <a:rPr lang="de-DE" dirty="0"/>
+              <a:t>Stoppwörter </a:t>
+            </a:r>
+            <a:r>
+              <a:rPr lang="de-DE" u="sng" dirty="0"/>
+              <a:t>entfernt</a:t>
+            </a:r>
+            <a:endParaRPr lang="de-DE" dirty="0"/>
+          </a:p>
+          <a:p>
+            <a:pPr marL="457200" indent="-228600">
+              <a:spcAft>
+                <a:spcPts val="600"/>
+              </a:spcAft>
+              <a:buFont typeface="Arial" panose="020B0604020202020204" pitchFamily="34" charset="0"/>
+              <a:buChar char="•"/>
+            </a:pPr>
+            <a:r>
+              <a:rPr lang="de-DE" dirty="0"/>
+              <a:t>10000 mf</a:t>
+            </a:r>
+          </a:p>
+        </p:txBody>
+      </p:sp>
+      <p:graphicFrame>
+        <p:nvGraphicFramePr>
+          <p:cNvPr id="2" name="Table 1">
+            <a:extLst>
+              <a:ext uri="{FF2B5EF4-FFF2-40B4-BE49-F238E27FC236}">
+                <a16:creationId xmlns:a16="http://schemas.microsoft.com/office/drawing/2014/main" id="{A0E9A13A-9520-0146-9DA9-25D7F9C6A691}"/>
+              </a:ext>
+            </a:extLst>
+          </p:cNvPr>
+          <p:cNvGraphicFramePr>
+            <a:graphicFrameLocks noGrp="1"/>
+          </p:cNvGraphicFramePr>
+          <p:nvPr>
+            <p:extLst>
+              <p:ext uri="{D42A27DB-BD31-4B8C-83A1-F6EECF244321}">
+                <p14:modId xmlns:p14="http://schemas.microsoft.com/office/powerpoint/2010/main" val="3285260083"/>
+              </p:ext>
+            </p:extLst>
+          </p:nvPr>
+        </p:nvGraphicFramePr>
+        <p:xfrm>
+          <a:off x="618424" y="2843047"/>
+          <a:ext cx="11103438" cy="3437261"/>
+        </p:xfrm>
+        <a:graphic>
+          <a:graphicData uri="http://schemas.openxmlformats.org/drawingml/2006/table">
+            <a:tbl>
+              <a:tblPr firstRow="1" bandRow="1">
+                <a:tableStyleId>{69012ECD-51FC-41F1-AA8D-1B2483CD663E}</a:tableStyleId>
+              </a:tblPr>
+              <a:tblGrid>
+                <a:gridCol w="3573503">
+                  <a:extLst>
+                    <a:ext uri="{9D8B030D-6E8A-4147-A177-3AD203B41FA5}">
+                      <a16:colId xmlns:a16="http://schemas.microsoft.com/office/drawing/2014/main" val="2833795351"/>
+                    </a:ext>
+                  </a:extLst>
+                </a:gridCol>
+                <a:gridCol w="1832355">
+                  <a:extLst>
+                    <a:ext uri="{9D8B030D-6E8A-4147-A177-3AD203B41FA5}">
+                      <a16:colId xmlns:a16="http://schemas.microsoft.com/office/drawing/2014/main" val="1448307795"/>
+                    </a:ext>
+                  </a:extLst>
+                </a:gridCol>
+                <a:gridCol w="1641472">
+                  <a:extLst>
+                    <a:ext uri="{9D8B030D-6E8A-4147-A177-3AD203B41FA5}">
+                      <a16:colId xmlns:a16="http://schemas.microsoft.com/office/drawing/2014/main" val="799636414"/>
+                    </a:ext>
+                  </a:extLst>
+                </a:gridCol>
+                <a:gridCol w="2244728">
+                  <a:extLst>
+                    <a:ext uri="{9D8B030D-6E8A-4147-A177-3AD203B41FA5}">
+                      <a16:colId xmlns:a16="http://schemas.microsoft.com/office/drawing/2014/main" val="1880987509"/>
+                    </a:ext>
+                  </a:extLst>
+                </a:gridCol>
+                <a:gridCol w="1811380">
+                  <a:extLst>
+                    <a:ext uri="{9D8B030D-6E8A-4147-A177-3AD203B41FA5}">
+                      <a16:colId xmlns:a16="http://schemas.microsoft.com/office/drawing/2014/main" val="3364989717"/>
+                    </a:ext>
+                  </a:extLst>
+                </a:gridCol>
+              </a:tblGrid>
+              <a:tr h="638570">
+                <a:tc>
+                  <a:txBody>
+                    <a:bodyPr/>
+                    <a:lstStyle/>
+                    <a:p>
+                      <a:pPr algn="r" fontAlgn="ctr"/>
+                      <a:endParaRPr lang="en-GB" b="1" dirty="0">
+                        <a:effectLst/>
+                      </a:endParaRPr>
+                    </a:p>
+                  </a:txBody>
+                  <a:tcPr anchor="ctr"/>
+                </a:tc>
+                <a:tc gridSpan="2">
+                  <a:txBody>
+                    <a:bodyPr/>
+                    <a:lstStyle/>
+                    <a:p>
+                      <a:pPr algn="ctr" fontAlgn="ctr"/>
+                      <a:r>
+                        <a:rPr lang="en-GB" sz="2400" dirty="0">
+                          <a:effectLst/>
+                        </a:rPr>
+                        <a:t>K-Means</a:t>
+                      </a:r>
+                      <a:endParaRPr lang="en-GB" sz="2400" b="1" dirty="0">
+                        <a:solidFill>
+                          <a:schemeClr val="tx1"/>
+                        </a:solidFill>
+                        <a:effectLst/>
+                      </a:endParaRPr>
+                    </a:p>
+                  </a:txBody>
+                  <a:tcPr anchor="ctr"/>
+                </a:tc>
+                <a:tc hMerge="1">
+                  <a:txBody>
+                    <a:bodyPr/>
+                    <a:lstStyle/>
+                    <a:p>
+                      <a:pPr algn="ctr"/>
+                      <a:endParaRPr lang="de-DE" dirty="0"/>
+                    </a:p>
+                  </a:txBody>
+                  <a:tcPr anchor="ctr"/>
+                </a:tc>
+                <a:tc gridSpan="2">
+                  <a:txBody>
+                    <a:bodyPr/>
+                    <a:lstStyle/>
+                    <a:p>
+                      <a:pPr algn="ctr" fontAlgn="ctr"/>
+                      <a:r>
+                        <a:rPr lang="en-GB" sz="2400" dirty="0">
+                          <a:effectLst/>
+                        </a:rPr>
+                        <a:t>DBSCAN</a:t>
+                      </a:r>
+                      <a:endParaRPr lang="en-GB" sz="2400" b="1" dirty="0">
+                        <a:solidFill>
+                          <a:schemeClr val="tx1"/>
+                        </a:solidFill>
+                        <a:effectLst/>
+                      </a:endParaRPr>
+                    </a:p>
+                  </a:txBody>
+                  <a:tcPr anchor="ctr"/>
+                </a:tc>
+                <a:tc hMerge="1">
+                  <a:txBody>
+                    <a:bodyPr/>
+                    <a:lstStyle/>
+                    <a:p>
+                      <a:pPr algn="ctr"/>
+                      <a:endParaRPr lang="de-DE" dirty="0"/>
+                    </a:p>
+                  </a:txBody>
+                  <a:tcPr anchor="ctr"/>
+                </a:tc>
+                <a:extLst>
+                  <a:ext uri="{0D108BD9-81ED-4DB2-BD59-A6C34878D82A}">
+                    <a16:rowId xmlns:a16="http://schemas.microsoft.com/office/drawing/2014/main" val="3307450965"/>
+                  </a:ext>
+                </a:extLst>
+              </a:tr>
+              <a:tr h="731476">
+                <a:tc>
+                  <a:txBody>
+                    <a:bodyPr/>
+                    <a:lstStyle/>
+                    <a:p>
+                      <a:pPr algn="r" fontAlgn="ctr"/>
+                      <a:br>
+                        <a:rPr lang="en-GB" sz="2000" dirty="0">
+                          <a:effectLst/>
+                        </a:rPr>
+                      </a:br>
+                      <a:endParaRPr lang="en-GB" sz="2000" b="1" dirty="0">
+                        <a:effectLst/>
+                      </a:endParaRPr>
+                    </a:p>
+                  </a:txBody>
+                  <a:tcPr anchor="ctr"/>
+                </a:tc>
+                <a:tc>
+                  <a:txBody>
+                    <a:bodyPr/>
+                    <a:lstStyle/>
+                    <a:p>
+                      <a:pPr algn="ctr" fontAlgn="ctr"/>
+                      <a:r>
+                        <a:rPr lang="en-GB" sz="2000" b="1" dirty="0" err="1">
+                          <a:effectLst/>
+                        </a:rPr>
+                        <a:t>ari</a:t>
+                      </a:r>
+                      <a:endParaRPr lang="en-GB" sz="2000" b="1" dirty="0">
+                        <a:effectLst/>
+                      </a:endParaRPr>
+                    </a:p>
+                  </a:txBody>
+                  <a:tcPr anchor="ctr"/>
+                </a:tc>
+                <a:tc>
+                  <a:txBody>
+                    <a:bodyPr/>
+                    <a:lstStyle/>
+                    <a:p>
+                      <a:pPr algn="ctr"/>
+                      <a:r>
+                        <a:rPr lang="de-DE" sz="2000" b="1" dirty="0" err="1"/>
+                        <a:t>vm</a:t>
+                      </a:r>
+                      <a:endParaRPr lang="de-DE" sz="2000" b="1" dirty="0"/>
+                    </a:p>
+                  </a:txBody>
+                  <a:tcPr anchor="ctr"/>
+                </a:tc>
+                <a:tc>
+                  <a:txBody>
+                    <a:bodyPr/>
+                    <a:lstStyle/>
+                    <a:p>
+                      <a:pPr algn="ctr" fontAlgn="ctr"/>
+                      <a:r>
+                        <a:rPr lang="en-GB" sz="2000" b="1" dirty="0" err="1">
+                          <a:effectLst/>
+                        </a:rPr>
+                        <a:t>ari</a:t>
+                      </a:r>
+                      <a:endParaRPr lang="en-GB" sz="2000" b="1" dirty="0">
+                        <a:effectLst/>
+                      </a:endParaRPr>
+                    </a:p>
+                  </a:txBody>
+                  <a:tcPr anchor="ctr"/>
+                </a:tc>
+                <a:tc>
+                  <a:txBody>
+                    <a:bodyPr/>
+                    <a:lstStyle/>
+                    <a:p>
+                      <a:pPr algn="ctr"/>
+                      <a:r>
+                        <a:rPr lang="de-DE" sz="2000" b="1" dirty="0" err="1"/>
+                        <a:t>vm</a:t>
+                      </a:r>
+                      <a:endParaRPr lang="de-DE" sz="2000" b="1" dirty="0"/>
+                    </a:p>
+                  </a:txBody>
+                  <a:tcPr anchor="ctr"/>
+                </a:tc>
+                <a:extLst>
+                  <a:ext uri="{0D108BD9-81ED-4DB2-BD59-A6C34878D82A}">
+                    <a16:rowId xmlns:a16="http://schemas.microsoft.com/office/drawing/2014/main" val="2331790527"/>
+                  </a:ext>
+                </a:extLst>
+              </a:tr>
+              <a:tr h="413443">
+                <a:tc>
+                  <a:txBody>
+                    <a:bodyPr/>
+                    <a:lstStyle/>
+                    <a:p>
+                      <a:pPr algn="r" fontAlgn="ctr"/>
+                      <a:r>
+                        <a:rPr lang="en-GB" sz="2000" b="1" dirty="0" err="1">
+                          <a:effectLst/>
+                        </a:rPr>
+                        <a:t>Barock</a:t>
+                      </a:r>
+                      <a:r>
+                        <a:rPr lang="en-GB" sz="2000" b="1" dirty="0">
+                          <a:effectLst/>
+                        </a:rPr>
+                        <a:t>/</a:t>
+                      </a:r>
+                      <a:r>
+                        <a:rPr lang="en-GB" sz="2000" b="1" dirty="0" err="1">
+                          <a:effectLst/>
+                        </a:rPr>
+                        <a:t>Realismus</a:t>
+                      </a:r>
+                      <a:endParaRPr lang="en-GB" sz="2000" b="1" dirty="0">
+                        <a:effectLst/>
+                      </a:endParaRPr>
+                    </a:p>
+                  </a:txBody>
+                  <a:tcPr anchor="ctr"/>
+                </a:tc>
+                <a:tc>
+                  <a:txBody>
+                    <a:bodyPr/>
+                    <a:lstStyle/>
+                    <a:p>
+                      <a:pPr algn="r" fontAlgn="ctr"/>
+                      <a:r>
+                        <a:rPr lang="en-DE" sz="2000" b="1" dirty="0">
+                          <a:effectLst/>
+                        </a:rPr>
+                        <a:t>0.869669</a:t>
+                      </a:r>
+                    </a:p>
+                  </a:txBody>
+                  <a:tcPr anchor="ctr">
+                    <a:solidFill>
+                      <a:schemeClr val="accent6">
+                        <a:lumMod val="60000"/>
+                        <a:lumOff val="40000"/>
+                      </a:schemeClr>
+                    </a:solidFill>
+                  </a:tcPr>
+                </a:tc>
+                <a:tc>
+                  <a:txBody>
+                    <a:bodyPr/>
+                    <a:lstStyle/>
+                    <a:p>
+                      <a:pPr algn="r" fontAlgn="ctr"/>
+                      <a:r>
+                        <a:rPr lang="en-DE" sz="2000" b="1" dirty="0">
+                          <a:effectLst/>
+                        </a:rPr>
+                        <a:t>0.819960</a:t>
+                      </a:r>
+                    </a:p>
+                  </a:txBody>
+                  <a:tcPr anchor="ctr">
+                    <a:solidFill>
+                      <a:schemeClr val="accent6">
+                        <a:lumMod val="60000"/>
+                        <a:lumOff val="40000"/>
+                      </a:schemeClr>
+                    </a:solidFill>
+                  </a:tcPr>
+                </a:tc>
+                <a:tc>
+                  <a:txBody>
+                    <a:bodyPr/>
+                    <a:lstStyle/>
+                    <a:p>
+                      <a:pPr algn="r" fontAlgn="ctr"/>
+                      <a:r>
+                        <a:rPr lang="en-DE" sz="2000" dirty="0">
+                          <a:effectLst/>
+                        </a:rPr>
+                        <a:t>0.768186</a:t>
+                      </a:r>
+                    </a:p>
+                  </a:txBody>
+                  <a:tcPr anchor="ctr"/>
+                </a:tc>
+                <a:tc>
+                  <a:txBody>
+                    <a:bodyPr/>
+                    <a:lstStyle/>
+                    <a:p>
+                      <a:pPr algn="r" fontAlgn="ctr"/>
+                      <a:r>
+                        <a:rPr lang="en-DE" sz="2000" dirty="0">
+                          <a:effectLst/>
+                        </a:rPr>
+                        <a:t>0.712606</a:t>
+                      </a:r>
+                    </a:p>
+                  </a:txBody>
+                  <a:tcPr anchor="ctr"/>
+                </a:tc>
+                <a:extLst>
+                  <a:ext uri="{0D108BD9-81ED-4DB2-BD59-A6C34878D82A}">
+                    <a16:rowId xmlns:a16="http://schemas.microsoft.com/office/drawing/2014/main" val="857364166"/>
+                  </a:ext>
+                </a:extLst>
+              </a:tr>
+              <a:tr h="413443">
+                <a:tc>
+                  <a:txBody>
+                    <a:bodyPr/>
+                    <a:lstStyle/>
+                    <a:p>
+                      <a:pPr algn="r" fontAlgn="ctr"/>
+                      <a:r>
+                        <a:rPr lang="en-GB" sz="2000" b="1">
+                          <a:effectLst/>
+                        </a:rPr>
+                        <a:t>Barock/Klassik</a:t>
+                      </a:r>
+                    </a:p>
+                  </a:txBody>
+                  <a:tcPr anchor="ctr"/>
+                </a:tc>
+                <a:tc>
+                  <a:txBody>
+                    <a:bodyPr/>
+                    <a:lstStyle/>
+                    <a:p>
+                      <a:pPr algn="r" fontAlgn="ctr"/>
+                      <a:r>
+                        <a:rPr lang="en-DE" sz="2000" dirty="0">
+                          <a:effectLst/>
+                        </a:rPr>
+                        <a:t>0.844644</a:t>
+                      </a:r>
+                    </a:p>
+                  </a:txBody>
+                  <a:tcPr anchor="ctr"/>
+                </a:tc>
+                <a:tc>
+                  <a:txBody>
+                    <a:bodyPr/>
+                    <a:lstStyle/>
+                    <a:p>
+                      <a:pPr algn="r" fontAlgn="ctr"/>
+                      <a:r>
+                        <a:rPr lang="en-DE" sz="2000" dirty="0">
+                          <a:effectLst/>
+                        </a:rPr>
+                        <a:t>0.790353</a:t>
+                      </a:r>
+                    </a:p>
+                  </a:txBody>
+                  <a:tcPr anchor="ctr"/>
+                </a:tc>
+                <a:tc>
+                  <a:txBody>
+                    <a:bodyPr/>
+                    <a:lstStyle/>
+                    <a:p>
+                      <a:pPr algn="r" fontAlgn="ctr"/>
+                      <a:r>
+                        <a:rPr lang="en-DE" sz="2000">
+                          <a:effectLst/>
+                        </a:rPr>
+                        <a:t>0.726451</a:t>
+                      </a:r>
+                    </a:p>
+                  </a:txBody>
+                  <a:tcPr anchor="ctr"/>
+                </a:tc>
+                <a:tc>
+                  <a:txBody>
+                    <a:bodyPr/>
+                    <a:lstStyle/>
+                    <a:p>
+                      <a:pPr algn="r" fontAlgn="ctr"/>
+                      <a:r>
+                        <a:rPr lang="en-DE" sz="2000" dirty="0">
+                          <a:effectLst/>
+                        </a:rPr>
+                        <a:t>0.644716</a:t>
+                      </a:r>
+                    </a:p>
+                  </a:txBody>
+                  <a:tcPr anchor="ctr"/>
+                </a:tc>
+                <a:extLst>
+                  <a:ext uri="{0D108BD9-81ED-4DB2-BD59-A6C34878D82A}">
+                    <a16:rowId xmlns:a16="http://schemas.microsoft.com/office/drawing/2014/main" val="2292681319"/>
+                  </a:ext>
+                </a:extLst>
+              </a:tr>
+              <a:tr h="413443">
+                <a:tc>
+                  <a:txBody>
+                    <a:bodyPr/>
+                    <a:lstStyle/>
+                    <a:p>
+                      <a:pPr algn="r" fontAlgn="ctr"/>
+                      <a:r>
+                        <a:rPr lang="en-GB" sz="2000" b="1">
+                          <a:effectLst/>
+                        </a:rPr>
+                        <a:t>Barock/Biedermeier</a:t>
+                      </a:r>
+                    </a:p>
+                  </a:txBody>
+                  <a:tcPr anchor="ctr"/>
+                </a:tc>
+                <a:tc>
+                  <a:txBody>
+                    <a:bodyPr/>
+                    <a:lstStyle/>
+                    <a:p>
+                      <a:pPr algn="r" fontAlgn="ctr"/>
+                      <a:r>
+                        <a:rPr lang="en-DE" sz="2000">
+                          <a:effectLst/>
+                        </a:rPr>
+                        <a:t>0.778390</a:t>
+                      </a:r>
+                    </a:p>
+                  </a:txBody>
+                  <a:tcPr anchor="ctr"/>
+                </a:tc>
+                <a:tc>
+                  <a:txBody>
+                    <a:bodyPr/>
+                    <a:lstStyle/>
+                    <a:p>
+                      <a:pPr algn="r" fontAlgn="ctr"/>
+                      <a:r>
+                        <a:rPr lang="en-DE" sz="2000" dirty="0">
+                          <a:effectLst/>
+                        </a:rPr>
+                        <a:t>0.732983</a:t>
+                      </a:r>
+                    </a:p>
+                  </a:txBody>
+                  <a:tcPr anchor="ctr"/>
+                </a:tc>
+                <a:tc>
+                  <a:txBody>
+                    <a:bodyPr/>
+                    <a:lstStyle/>
+                    <a:p>
+                      <a:pPr algn="r" fontAlgn="ctr"/>
+                      <a:r>
+                        <a:rPr lang="en-DE" sz="2000">
+                          <a:effectLst/>
+                        </a:rPr>
+                        <a:t>0.576138</a:t>
+                      </a:r>
+                    </a:p>
+                  </a:txBody>
+                  <a:tcPr anchor="ctr"/>
+                </a:tc>
+                <a:tc>
+                  <a:txBody>
+                    <a:bodyPr/>
+                    <a:lstStyle/>
+                    <a:p>
+                      <a:pPr algn="r" fontAlgn="ctr"/>
+                      <a:r>
+                        <a:rPr lang="en-DE" sz="2000" dirty="0">
+                          <a:effectLst/>
+                        </a:rPr>
+                        <a:t>0.556792</a:t>
+                      </a:r>
+                    </a:p>
+                  </a:txBody>
+                  <a:tcPr anchor="ctr"/>
+                </a:tc>
+                <a:extLst>
+                  <a:ext uri="{0D108BD9-81ED-4DB2-BD59-A6C34878D82A}">
+                    <a16:rowId xmlns:a16="http://schemas.microsoft.com/office/drawing/2014/main" val="319013880"/>
+                  </a:ext>
+                </a:extLst>
+              </a:tr>
+              <a:tr h="413443">
+                <a:tc>
+                  <a:txBody>
+                    <a:bodyPr/>
+                    <a:lstStyle/>
+                    <a:p>
+                      <a:pPr algn="r" fontAlgn="ctr"/>
+                      <a:r>
+                        <a:rPr lang="en-GB" sz="2000" b="1">
+                          <a:effectLst/>
+                        </a:rPr>
+                        <a:t>Barock/Naturalismus</a:t>
+                      </a:r>
+                    </a:p>
+                  </a:txBody>
+                  <a:tcPr anchor="ctr"/>
+                </a:tc>
+                <a:tc>
+                  <a:txBody>
+                    <a:bodyPr/>
+                    <a:lstStyle/>
+                    <a:p>
+                      <a:pPr algn="r" fontAlgn="ctr"/>
+                      <a:r>
+                        <a:rPr lang="en-DE" sz="2000">
+                          <a:effectLst/>
+                        </a:rPr>
+                        <a:t>0.702405</a:t>
+                      </a:r>
+                    </a:p>
+                  </a:txBody>
+                  <a:tcPr anchor="ctr"/>
+                </a:tc>
+                <a:tc>
+                  <a:txBody>
+                    <a:bodyPr/>
+                    <a:lstStyle/>
+                    <a:p>
+                      <a:pPr algn="r" fontAlgn="ctr"/>
+                      <a:r>
+                        <a:rPr lang="en-DE" sz="2000" dirty="0">
+                          <a:effectLst/>
+                        </a:rPr>
+                        <a:t>0.605282</a:t>
+                      </a:r>
+                    </a:p>
+                  </a:txBody>
+                  <a:tcPr anchor="ctr"/>
+                </a:tc>
+                <a:tc>
+                  <a:txBody>
+                    <a:bodyPr/>
+                    <a:lstStyle/>
+                    <a:p>
+                      <a:pPr algn="r" fontAlgn="ctr"/>
+                      <a:r>
+                        <a:rPr lang="en-DE" sz="2000">
+                          <a:effectLst/>
+                        </a:rPr>
+                        <a:t>0.528383</a:t>
+                      </a:r>
+                    </a:p>
+                  </a:txBody>
+                  <a:tcPr anchor="ctr"/>
+                </a:tc>
+                <a:tc>
+                  <a:txBody>
+                    <a:bodyPr/>
+                    <a:lstStyle/>
+                    <a:p>
+                      <a:pPr algn="r" fontAlgn="ctr"/>
+                      <a:r>
+                        <a:rPr lang="en-DE" sz="2000" dirty="0">
+                          <a:effectLst/>
+                        </a:rPr>
+                        <a:t>0.533094</a:t>
+                      </a:r>
+                    </a:p>
+                  </a:txBody>
+                  <a:tcPr anchor="ctr"/>
+                </a:tc>
+                <a:extLst>
+                  <a:ext uri="{0D108BD9-81ED-4DB2-BD59-A6C34878D82A}">
+                    <a16:rowId xmlns:a16="http://schemas.microsoft.com/office/drawing/2014/main" val="4216835995"/>
+                  </a:ext>
+                </a:extLst>
+              </a:tr>
+              <a:tr h="413443">
+                <a:tc>
+                  <a:txBody>
+                    <a:bodyPr/>
+                    <a:lstStyle/>
+                    <a:p>
+                      <a:pPr algn="r" fontAlgn="ctr"/>
+                      <a:r>
+                        <a:rPr lang="en-GB" sz="2000" b="1" dirty="0" err="1">
+                          <a:effectLst/>
+                        </a:rPr>
+                        <a:t>Aufklärung</a:t>
+                      </a:r>
+                      <a:r>
+                        <a:rPr lang="en-GB" sz="2000" b="1" dirty="0">
+                          <a:effectLst/>
+                        </a:rPr>
+                        <a:t>/</a:t>
+                      </a:r>
+                      <a:r>
+                        <a:rPr lang="en-GB" sz="2000" b="1" dirty="0" err="1">
+                          <a:effectLst/>
+                        </a:rPr>
+                        <a:t>Realismus</a:t>
+                      </a:r>
+                      <a:endParaRPr lang="en-GB" sz="2000" b="1" dirty="0">
+                        <a:effectLst/>
+                      </a:endParaRPr>
+                    </a:p>
+                  </a:txBody>
+                  <a:tcPr anchor="ctr"/>
+                </a:tc>
+                <a:tc>
+                  <a:txBody>
+                    <a:bodyPr/>
+                    <a:lstStyle/>
+                    <a:p>
+                      <a:pPr algn="r" fontAlgn="ctr"/>
+                      <a:r>
+                        <a:rPr lang="en-DE" sz="2000">
+                          <a:effectLst/>
+                        </a:rPr>
+                        <a:t>0.696755</a:t>
+                      </a:r>
+                    </a:p>
+                  </a:txBody>
+                  <a:tcPr anchor="ctr"/>
+                </a:tc>
+                <a:tc>
+                  <a:txBody>
+                    <a:bodyPr/>
+                    <a:lstStyle/>
+                    <a:p>
+                      <a:pPr algn="r" fontAlgn="ctr"/>
+                      <a:r>
+                        <a:rPr lang="en-DE" sz="2000" dirty="0">
+                          <a:effectLst/>
+                        </a:rPr>
+                        <a:t>0.607769</a:t>
+                      </a:r>
+                    </a:p>
+                  </a:txBody>
+                  <a:tcPr anchor="ctr"/>
+                </a:tc>
+                <a:tc>
+                  <a:txBody>
+                    <a:bodyPr/>
+                    <a:lstStyle/>
+                    <a:p>
+                      <a:pPr algn="r" fontAlgn="ctr"/>
+                      <a:r>
+                        <a:rPr lang="en-DE" sz="2000" dirty="0">
+                          <a:effectLst/>
+                        </a:rPr>
+                        <a:t>0.679213</a:t>
+                      </a:r>
+                    </a:p>
+                  </a:txBody>
+                  <a:tcPr anchor="ctr"/>
+                </a:tc>
+                <a:tc>
+                  <a:txBody>
+                    <a:bodyPr/>
+                    <a:lstStyle/>
+                    <a:p>
+                      <a:pPr algn="r" fontAlgn="ctr"/>
+                      <a:r>
+                        <a:rPr lang="en-DE" sz="2000" dirty="0">
+                          <a:effectLst/>
+                        </a:rPr>
+                        <a:t>0.585714</a:t>
+                      </a:r>
+                    </a:p>
+                  </a:txBody>
+                  <a:tcPr anchor="ctr"/>
+                </a:tc>
+                <a:extLst>
+                  <a:ext uri="{0D108BD9-81ED-4DB2-BD59-A6C34878D82A}">
+                    <a16:rowId xmlns:a16="http://schemas.microsoft.com/office/drawing/2014/main" val="3160914534"/>
+                  </a:ext>
+                </a:extLst>
+              </a:tr>
+            </a:tbl>
+          </a:graphicData>
+        </a:graphic>
+      </p:graphicFrame>
+      <p:cxnSp>
+        <p:nvCxnSpPr>
+          <p:cNvPr id="9" name="Straight Connector 8">
+            <a:extLst>
+              <a:ext uri="{FF2B5EF4-FFF2-40B4-BE49-F238E27FC236}">
+                <a16:creationId xmlns:a16="http://schemas.microsoft.com/office/drawing/2014/main" id="{A5819989-B927-2242-B1C1-3CF654B9CE66}"/>
+              </a:ext>
+            </a:extLst>
+          </p:cNvPr>
+          <p:cNvCxnSpPr>
+            <a:cxnSpLocks/>
+          </p:cNvCxnSpPr>
+          <p:nvPr/>
+        </p:nvCxnSpPr>
+        <p:spPr>
+          <a:xfrm>
+            <a:off x="7678270" y="2833916"/>
+            <a:ext cx="0" cy="3437261"/>
+          </a:xfrm>
+          <a:prstGeom prst="line">
+            <a:avLst/>
+          </a:prstGeom>
+          <a:ln w="38100"/>
+        </p:spPr>
+        <p:style>
+          <a:lnRef idx="1">
+            <a:schemeClr val="dk1"/>
+          </a:lnRef>
+          <a:fillRef idx="0">
+            <a:schemeClr val="dk1"/>
+          </a:fillRef>
+          <a:effectRef idx="0">
+            <a:schemeClr val="dk1"/>
+          </a:effectRef>
+          <a:fontRef idx="minor">
+            <a:schemeClr val="tx1"/>
+          </a:fontRef>
+        </p:style>
+      </p:cxnSp>
+    </p:spTree>
+    <p:extLst>
+      <p:ext uri="{BB962C8B-B14F-4D97-AF65-F5344CB8AC3E}">
+        <p14:creationId xmlns:p14="http://schemas.microsoft.com/office/powerpoint/2010/main" val="509307241"/>
+      </p:ext>
+    </p:extLst>
+  </p:cSld>
+  <p:clrMapOvr>
+    <a:masterClrMapping/>
+  </p:clrMapOvr>
+</p:sld>
+</file>
+
+<file path=ppt/slides/slide28.xml><?xml version="1.0" encoding="utf-8"?>
+<p:sld xmlns:a="http://schemas.openxmlformats.org/drawingml/2006/main" xmlns:r="http://schemas.openxmlformats.org/officeDocument/2006/relationships" xmlns:p="http://schemas.openxmlformats.org/presentationml/2006/main">
+  <p:cSld>
+    <p:spTree>
+      <p:nvGrpSpPr>
+        <p:cNvPr id="1" name=""/>
+        <p:cNvGrpSpPr/>
+        <p:nvPr/>
+      </p:nvGrpSpPr>
+      <p:grpSpPr>
+        <a:xfrm>
+          <a:off x="0" y="0"/>
+          <a:ext cx="0" cy="0"/>
+          <a:chOff x="0" y="0"/>
+          <a:chExt cx="0" cy="0"/>
+        </a:xfrm>
+      </p:grpSpPr>
+      <p:sp>
+        <p:nvSpPr>
+          <p:cNvPr id="5" name="Title 4">
+            <a:extLst>
+              <a:ext uri="{FF2B5EF4-FFF2-40B4-BE49-F238E27FC236}">
+                <a16:creationId xmlns:a16="http://schemas.microsoft.com/office/drawing/2014/main" id="{9E70DB90-324C-D04B-8F51-5DB32ADB443C}"/>
+              </a:ext>
+            </a:extLst>
+          </p:cNvPr>
+          <p:cNvSpPr>
+            <a:spLocks noGrp="1"/>
+          </p:cNvSpPr>
+          <p:nvPr>
+            <p:ph type="title"/>
+          </p:nvPr>
+        </p:nvSpPr>
+        <p:spPr/>
+        <p:txBody>
+          <a:bodyPr>
+            <a:normAutofit fontScale="90000"/>
+          </a:bodyPr>
+          <a:lstStyle/>
+          <a:p>
+            <a:r>
+              <a:rPr lang="de-DE" b="1" dirty="0"/>
+              <a:t>K-</a:t>
+            </a:r>
+            <a:r>
+              <a:rPr lang="de-DE" b="1" dirty="0" err="1"/>
+              <a:t>Means</a:t>
+            </a:r>
+            <a:r>
+              <a:rPr lang="de-DE" b="1" dirty="0"/>
+              <a:t> (II) </a:t>
+            </a:r>
+            <a:br>
+              <a:rPr lang="de-DE" b="1" dirty="0"/>
+            </a:br>
+            <a:r>
+              <a:rPr lang="de-DE" sz="2700" dirty="0"/>
+              <a:t>Häufigsten 10 Worte des besten </a:t>
+            </a:r>
+            <a:r>
+              <a:rPr lang="de-DE" sz="2700" dirty="0" err="1"/>
+              <a:t>Clusterings</a:t>
+            </a:r>
+            <a:r>
+              <a:rPr lang="de-DE" sz="2700" dirty="0"/>
+              <a:t>: </a:t>
+            </a:r>
+            <a:r>
+              <a:rPr lang="en-GB" sz="2700" b="1" i="1" dirty="0" err="1"/>
+              <a:t>Barock</a:t>
+            </a:r>
+            <a:r>
+              <a:rPr lang="en-GB" sz="2700" b="1" i="1" dirty="0"/>
+              <a:t>/</a:t>
+            </a:r>
+            <a:r>
+              <a:rPr lang="en-GB" sz="2700" b="1" i="1" dirty="0" err="1"/>
+              <a:t>Realismus</a:t>
+            </a:r>
+            <a:endParaRPr lang="de-DE" b="1" dirty="0"/>
+          </a:p>
+        </p:txBody>
+      </p:sp>
+      <p:sp>
+        <p:nvSpPr>
+          <p:cNvPr id="8" name="Text Placeholder 7">
+            <a:extLst>
+              <a:ext uri="{FF2B5EF4-FFF2-40B4-BE49-F238E27FC236}">
+                <a16:creationId xmlns:a16="http://schemas.microsoft.com/office/drawing/2014/main" id="{4CC8CDDA-2DB0-2A45-8D56-96D247AED609}"/>
+              </a:ext>
+            </a:extLst>
+          </p:cNvPr>
+          <p:cNvSpPr>
+            <a:spLocks noGrp="1"/>
+          </p:cNvSpPr>
+          <p:nvPr>
+            <p:ph type="body" idx="1"/>
+          </p:nvPr>
+        </p:nvSpPr>
+        <p:spPr>
+          <a:xfrm>
+            <a:off x="452718" y="2410007"/>
+            <a:ext cx="5600610" cy="560938"/>
+          </a:xfrm>
+          <a:solidFill>
+            <a:schemeClr val="accent1"/>
+          </a:solidFill>
+        </p:spPr>
+        <p:txBody>
+          <a:bodyPr>
+            <a:normAutofit/>
+          </a:bodyPr>
+          <a:lstStyle/>
+          <a:p>
+            <a:pPr algn="ctr"/>
+            <a:r>
+              <a:rPr lang="de-DE" sz="2800" dirty="0">
+                <a:solidFill>
+                  <a:schemeClr val="bg2"/>
+                </a:solidFill>
+              </a:rPr>
+              <a:t>Cluster 1</a:t>
+            </a:r>
+          </a:p>
+        </p:txBody>
+      </p:sp>
+      <p:sp>
+        <p:nvSpPr>
+          <p:cNvPr id="12" name="Content Placeholder 11">
+            <a:extLst>
+              <a:ext uri="{FF2B5EF4-FFF2-40B4-BE49-F238E27FC236}">
+                <a16:creationId xmlns:a16="http://schemas.microsoft.com/office/drawing/2014/main" id="{BEA91CB4-4E4E-1341-8A7A-0E1757A6022A}"/>
+              </a:ext>
+            </a:extLst>
+          </p:cNvPr>
+          <p:cNvSpPr>
+            <a:spLocks noGrp="1"/>
+          </p:cNvSpPr>
+          <p:nvPr>
+            <p:ph sz="half" idx="2"/>
+          </p:nvPr>
+        </p:nvSpPr>
+        <p:spPr>
+          <a:xfrm>
+            <a:off x="452718" y="3203688"/>
+            <a:ext cx="5600610" cy="2968512"/>
+          </a:xfrm>
+          <a:solidFill>
+            <a:schemeClr val="accent1">
+              <a:lumMod val="20000"/>
+              <a:lumOff val="80000"/>
+            </a:schemeClr>
+          </a:solidFill>
+          <a:ln>
+            <a:solidFill>
+              <a:schemeClr val="tx1"/>
+            </a:solidFill>
+          </a:ln>
+        </p:spPr>
+        <p:txBody>
+          <a:bodyPr numCol="2">
+            <a:normAutofit/>
+          </a:bodyPr>
+          <a:lstStyle/>
+          <a:p>
+            <a:pPr marL="0" indent="0">
+              <a:buNone/>
+            </a:pPr>
+            <a:r>
+              <a:rPr lang="en-GB" sz="2800" b="1" dirty="0"/>
+              <a:t>	</a:t>
+            </a:r>
+            <a:r>
+              <a:rPr lang="en-GB" sz="2800" b="1" dirty="0" err="1"/>
+              <a:t>mädchen</a:t>
+            </a:r>
+            <a:r>
+              <a:rPr lang="en-GB" sz="2800" b="1" dirty="0"/>
+              <a:t> </a:t>
+            </a:r>
+          </a:p>
+          <a:p>
+            <a:pPr marL="0" indent="0">
+              <a:buNone/>
+            </a:pPr>
+            <a:r>
+              <a:rPr lang="en-GB" sz="2800" dirty="0"/>
+              <a:t>	</a:t>
+            </a:r>
+            <a:r>
+              <a:rPr lang="en-GB" sz="2800" b="1" dirty="0" err="1"/>
+              <a:t>sehnsucht</a:t>
+            </a:r>
+            <a:r>
+              <a:rPr lang="en-GB" sz="2800" dirty="0"/>
+              <a:t> </a:t>
+            </a:r>
+          </a:p>
+          <a:p>
+            <a:pPr marL="0" indent="0">
+              <a:buNone/>
+            </a:pPr>
+            <a:r>
+              <a:rPr lang="en-GB" sz="2800" dirty="0"/>
+              <a:t>	</a:t>
+            </a:r>
+            <a:r>
+              <a:rPr lang="en-GB" sz="2800" dirty="0" err="1"/>
+              <a:t>dunkel</a:t>
+            </a:r>
+            <a:r>
+              <a:rPr lang="en-GB" sz="2800" dirty="0"/>
+              <a:t> </a:t>
+            </a:r>
+          </a:p>
+          <a:p>
+            <a:pPr marL="0" indent="0">
+              <a:buNone/>
+            </a:pPr>
+            <a:r>
+              <a:rPr lang="en-GB" sz="2800" dirty="0"/>
+              <a:t>	</a:t>
+            </a:r>
+            <a:r>
+              <a:rPr lang="en-GB" sz="2800" b="1" dirty="0" err="1"/>
+              <a:t>duft</a:t>
+            </a:r>
+            <a:r>
+              <a:rPr lang="en-GB" sz="2800" dirty="0"/>
+              <a:t> </a:t>
+            </a:r>
+          </a:p>
+          <a:p>
+            <a:pPr marL="0" indent="0">
+              <a:buNone/>
+            </a:pPr>
+            <a:r>
+              <a:rPr lang="en-GB" sz="2800" dirty="0"/>
+              <a:t>	</a:t>
+            </a:r>
+            <a:r>
+              <a:rPr lang="en-GB" sz="2800" b="1" dirty="0"/>
+              <a:t>not</a:t>
+            </a:r>
+            <a:r>
+              <a:rPr lang="en-GB" sz="2800" dirty="0"/>
+              <a:t> </a:t>
+            </a:r>
+          </a:p>
+          <a:p>
+            <a:pPr marL="0" indent="0">
+              <a:buNone/>
+            </a:pPr>
+            <a:r>
+              <a:rPr lang="en-GB" sz="2800" dirty="0"/>
+              <a:t>	leis </a:t>
+            </a:r>
+          </a:p>
+          <a:p>
+            <a:pPr marL="0" indent="0">
+              <a:buNone/>
+            </a:pPr>
+            <a:r>
+              <a:rPr lang="en-GB" sz="2800" dirty="0"/>
+              <a:t>	</a:t>
+            </a:r>
+            <a:r>
+              <a:rPr lang="en-GB" sz="2800" dirty="0" err="1"/>
+              <a:t>ew</a:t>
+            </a:r>
+            <a:r>
+              <a:rPr lang="en-GB" sz="2800" dirty="0"/>
+              <a:t> </a:t>
+            </a:r>
+          </a:p>
+          <a:p>
+            <a:pPr marL="0" indent="0">
+              <a:buNone/>
+            </a:pPr>
+            <a:r>
+              <a:rPr lang="en-GB" sz="2800" dirty="0"/>
+              <a:t>	</a:t>
+            </a:r>
+            <a:r>
+              <a:rPr lang="en-GB" sz="2800" dirty="0" err="1"/>
+              <a:t>rasch</a:t>
+            </a:r>
+            <a:r>
+              <a:rPr lang="en-GB" sz="2800" dirty="0"/>
+              <a:t> </a:t>
+            </a:r>
+          </a:p>
+          <a:p>
+            <a:pPr marL="0" indent="0">
+              <a:buNone/>
+            </a:pPr>
+            <a:r>
+              <a:rPr lang="en-GB" sz="2800" dirty="0"/>
+              <a:t>	</a:t>
+            </a:r>
+            <a:r>
+              <a:rPr lang="en-GB" sz="2800" dirty="0" err="1"/>
+              <a:t>sanft</a:t>
+            </a:r>
+            <a:r>
+              <a:rPr lang="en-GB" sz="2800" dirty="0"/>
+              <a:t> </a:t>
+            </a:r>
+          </a:p>
+          <a:p>
+            <a:pPr marL="0" indent="0">
+              <a:buNone/>
+            </a:pPr>
+            <a:r>
+              <a:rPr lang="en-GB" sz="2800" dirty="0"/>
+              <a:t>	</a:t>
+            </a:r>
+            <a:r>
+              <a:rPr lang="en-GB" sz="2800" dirty="0" err="1"/>
+              <a:t>drin</a:t>
+            </a:r>
+            <a:endParaRPr lang="de-DE" sz="2800" dirty="0"/>
+          </a:p>
+        </p:txBody>
+      </p:sp>
+      <p:sp>
+        <p:nvSpPr>
+          <p:cNvPr id="14" name="Text Placeholder 13">
+            <a:extLst>
+              <a:ext uri="{FF2B5EF4-FFF2-40B4-BE49-F238E27FC236}">
+                <a16:creationId xmlns:a16="http://schemas.microsoft.com/office/drawing/2014/main" id="{A93382A0-16F0-7D41-AC5F-F7DFEB8630D3}"/>
+              </a:ext>
+            </a:extLst>
+          </p:cNvPr>
+          <p:cNvSpPr>
+            <a:spLocks noGrp="1"/>
+          </p:cNvSpPr>
+          <p:nvPr>
+            <p:ph type="body" sz="quarter" idx="3"/>
+          </p:nvPr>
+        </p:nvSpPr>
+        <p:spPr>
+          <a:xfrm>
+            <a:off x="6345936" y="2424519"/>
+            <a:ext cx="5393346" cy="560938"/>
+          </a:xfrm>
+          <a:solidFill>
+            <a:schemeClr val="accent1"/>
+          </a:solidFill>
+        </p:spPr>
+        <p:txBody>
+          <a:bodyPr>
+            <a:normAutofit/>
+          </a:bodyPr>
+          <a:lstStyle/>
+          <a:p>
+            <a:pPr algn="ctr"/>
+            <a:r>
+              <a:rPr lang="de-DE" sz="2800" dirty="0">
+                <a:solidFill>
+                  <a:schemeClr val="bg2"/>
+                </a:solidFill>
+              </a:rPr>
+              <a:t>Cluster 2</a:t>
+            </a:r>
+          </a:p>
+        </p:txBody>
+      </p:sp>
+      <p:sp>
+        <p:nvSpPr>
+          <p:cNvPr id="15" name="Content Placeholder 14">
+            <a:extLst>
+              <a:ext uri="{FF2B5EF4-FFF2-40B4-BE49-F238E27FC236}">
+                <a16:creationId xmlns:a16="http://schemas.microsoft.com/office/drawing/2014/main" id="{B09D71FF-5572-C546-8EAD-6A3C8184C8BF}"/>
+              </a:ext>
+            </a:extLst>
+          </p:cNvPr>
+          <p:cNvSpPr>
+            <a:spLocks noGrp="1"/>
+          </p:cNvSpPr>
+          <p:nvPr>
+            <p:ph sz="quarter" idx="4"/>
+          </p:nvPr>
+        </p:nvSpPr>
+        <p:spPr>
+          <a:xfrm>
+            <a:off x="6345936" y="3203687"/>
+            <a:ext cx="5393346" cy="2968511"/>
+          </a:xfrm>
+          <a:solidFill>
+            <a:schemeClr val="accent1">
+              <a:lumMod val="20000"/>
+              <a:lumOff val="80000"/>
+            </a:schemeClr>
+          </a:solidFill>
+          <a:ln>
+            <a:solidFill>
+              <a:schemeClr val="tx1"/>
+            </a:solidFill>
+          </a:ln>
+        </p:spPr>
+        <p:txBody>
+          <a:bodyPr numCol="2">
+            <a:normAutofit/>
+          </a:bodyPr>
+          <a:lstStyle/>
+          <a:p>
+            <a:pPr marL="0" indent="0">
+              <a:buNone/>
+            </a:pPr>
+            <a:r>
+              <a:rPr lang="en-GB" sz="2800" dirty="0"/>
+              <a:t>	</a:t>
+            </a:r>
+            <a:r>
+              <a:rPr lang="en-GB" sz="2800" dirty="0" err="1"/>
+              <a:t>auff</a:t>
+            </a:r>
+            <a:r>
+              <a:rPr lang="en-GB" sz="2800" dirty="0"/>
+              <a:t> 	</a:t>
+            </a:r>
+          </a:p>
+          <a:p>
+            <a:pPr marL="0" indent="0">
+              <a:buNone/>
+            </a:pPr>
+            <a:r>
+              <a:rPr lang="en-GB" sz="2800" dirty="0"/>
+              <a:t>	</a:t>
+            </a:r>
+            <a:r>
+              <a:rPr lang="en-GB" sz="2800" dirty="0" err="1"/>
+              <a:t>vnd</a:t>
+            </a:r>
+            <a:r>
+              <a:rPr lang="en-GB" sz="2800" dirty="0"/>
+              <a:t> 	</a:t>
+            </a:r>
+          </a:p>
+          <a:p>
+            <a:pPr marL="0" indent="0">
+              <a:buNone/>
+            </a:pPr>
+            <a:r>
+              <a:rPr lang="en-GB" sz="2800" dirty="0"/>
+              <a:t>	</a:t>
+            </a:r>
+            <a:r>
+              <a:rPr lang="en-GB" sz="2800" dirty="0" err="1"/>
+              <a:t>sey</a:t>
+            </a:r>
+            <a:r>
+              <a:rPr lang="en-GB" sz="2800" dirty="0"/>
+              <a:t> </a:t>
+            </a:r>
+          </a:p>
+          <a:p>
+            <a:pPr marL="0" indent="0">
+              <a:buNone/>
+            </a:pPr>
+            <a:r>
+              <a:rPr lang="en-GB" sz="2800" dirty="0"/>
+              <a:t>	</a:t>
+            </a:r>
+            <a:r>
+              <a:rPr lang="en-GB" sz="2800" dirty="0" err="1"/>
+              <a:t>diß</a:t>
+            </a:r>
+            <a:r>
+              <a:rPr lang="en-GB" sz="2800" dirty="0"/>
+              <a:t> 	</a:t>
+            </a:r>
+          </a:p>
+          <a:p>
+            <a:pPr marL="0" indent="0">
+              <a:buNone/>
+            </a:pPr>
+            <a:r>
+              <a:rPr lang="en-GB" sz="2800" dirty="0"/>
+              <a:t>	</a:t>
+            </a:r>
+            <a:r>
+              <a:rPr lang="en-GB" sz="2800" dirty="0" err="1"/>
+              <a:t>wil</a:t>
+            </a:r>
+            <a:r>
+              <a:rPr lang="en-GB" sz="2800" dirty="0"/>
+              <a:t> </a:t>
+            </a:r>
+          </a:p>
+          <a:p>
+            <a:pPr marL="0" indent="0">
+              <a:buNone/>
+            </a:pPr>
+            <a:r>
+              <a:rPr lang="en-GB" sz="2800" dirty="0"/>
+              <a:t>	</a:t>
+            </a:r>
+            <a:r>
+              <a:rPr lang="en-GB" sz="2800" b="1" dirty="0"/>
+              <a:t>hertz</a:t>
+            </a:r>
+            <a:r>
+              <a:rPr lang="en-GB" sz="2800" dirty="0"/>
+              <a:t> </a:t>
+            </a:r>
+          </a:p>
+          <a:p>
+            <a:pPr marL="0" indent="0">
+              <a:buNone/>
+            </a:pPr>
+            <a:r>
+              <a:rPr lang="en-GB" sz="2800" dirty="0"/>
+              <a:t>	</a:t>
+            </a:r>
+            <a:r>
+              <a:rPr lang="en-GB" sz="2800" dirty="0" err="1"/>
+              <a:t>wol</a:t>
+            </a:r>
+            <a:r>
+              <a:rPr lang="en-GB" sz="2800" dirty="0"/>
+              <a:t> </a:t>
+            </a:r>
+          </a:p>
+          <a:p>
+            <a:pPr marL="0" indent="0">
+              <a:buNone/>
+            </a:pPr>
+            <a:r>
+              <a:rPr lang="en-GB" sz="2800" dirty="0"/>
+              <a:t>	</a:t>
+            </a:r>
+            <a:r>
+              <a:rPr lang="en-GB" sz="2800" dirty="0" err="1"/>
+              <a:t>auß</a:t>
+            </a:r>
+            <a:r>
+              <a:rPr lang="en-GB" sz="2800" dirty="0"/>
+              <a:t> </a:t>
+            </a:r>
+          </a:p>
+          <a:p>
+            <a:pPr marL="0" indent="0">
+              <a:buNone/>
+            </a:pPr>
+            <a:r>
+              <a:rPr lang="en-GB" sz="2800" dirty="0"/>
+              <a:t>	</a:t>
+            </a:r>
+            <a:r>
+              <a:rPr lang="en-GB" sz="2800" b="1" dirty="0" err="1"/>
+              <a:t>hertzen</a:t>
+            </a:r>
+            <a:r>
+              <a:rPr lang="en-GB" sz="2800" dirty="0"/>
+              <a:t> </a:t>
+            </a:r>
+          </a:p>
+          <a:p>
+            <a:pPr marL="0" indent="0">
+              <a:buNone/>
+            </a:pPr>
+            <a:r>
+              <a:rPr lang="en-GB" sz="2800" dirty="0"/>
+              <a:t>	</a:t>
+            </a:r>
+            <a:r>
+              <a:rPr lang="en-GB" sz="2800" dirty="0" err="1"/>
+              <a:t>jhr</a:t>
+            </a:r>
+            <a:endParaRPr lang="de-DE" sz="2800" dirty="0"/>
+          </a:p>
+        </p:txBody>
+      </p:sp>
+    </p:spTree>
+    <p:extLst>
+      <p:ext uri="{BB962C8B-B14F-4D97-AF65-F5344CB8AC3E}">
+        <p14:creationId xmlns:p14="http://schemas.microsoft.com/office/powerpoint/2010/main" val="3138857705"/>
+      </p:ext>
+    </p:extLst>
+  </p:cSld>
+  <p:clrMapOvr>
+    <a:masterClrMapping/>
+  </p:clrMapOvr>
+</p:sld>
+</file>
+
+<file path=ppt/slides/slide29.xml><?xml version="1.0" encoding="utf-8"?>
+<p:sld xmlns:a="http://schemas.openxmlformats.org/drawingml/2006/main" xmlns:r="http://schemas.openxmlformats.org/officeDocument/2006/relationships" xmlns:p="http://schemas.openxmlformats.org/presentationml/2006/main">
+  <p:cSld>
+    <p:spTree>
+      <p:nvGrpSpPr>
+        <p:cNvPr id="1" name=""/>
+        <p:cNvGrpSpPr/>
+        <p:nvPr/>
+      </p:nvGrpSpPr>
+      <p:grpSpPr>
+        <a:xfrm>
+          <a:off x="0" y="0"/>
+          <a:ext cx="0" cy="0"/>
+          <a:chOff x="0" y="0"/>
+          <a:chExt cx="0" cy="0"/>
+        </a:xfrm>
+      </p:grpSpPr>
+      <p:sp>
+        <p:nvSpPr>
+          <p:cNvPr id="2" name="Title 1">
+            <a:extLst>
+              <a:ext uri="{FF2B5EF4-FFF2-40B4-BE49-F238E27FC236}">
+                <a16:creationId xmlns:a16="http://schemas.microsoft.com/office/drawing/2014/main" id="{84192DD9-6C29-3E43-A218-EC0292BFDD3E}"/>
+              </a:ext>
+            </a:extLst>
+          </p:cNvPr>
+          <p:cNvSpPr>
+            <a:spLocks noGrp="1"/>
+          </p:cNvSpPr>
+          <p:nvPr>
+            <p:ph type="title"/>
+          </p:nvPr>
+        </p:nvSpPr>
+        <p:spPr/>
+        <p:txBody>
+          <a:bodyPr/>
+          <a:lstStyle/>
+          <a:p>
+            <a:endParaRPr lang="de-DE"/>
+          </a:p>
+        </p:txBody>
+      </p:sp>
+      <p:sp>
+        <p:nvSpPr>
+          <p:cNvPr id="3" name="Text Placeholder 2">
+            <a:extLst>
+              <a:ext uri="{FF2B5EF4-FFF2-40B4-BE49-F238E27FC236}">
+                <a16:creationId xmlns:a16="http://schemas.microsoft.com/office/drawing/2014/main" id="{AA894FCA-8DDF-204E-A808-D8DDAF10A253}"/>
+              </a:ext>
+            </a:extLst>
+          </p:cNvPr>
+          <p:cNvSpPr>
+            <a:spLocks noGrp="1"/>
+          </p:cNvSpPr>
+          <p:nvPr>
+            <p:ph type="body" idx="1"/>
+          </p:nvPr>
+        </p:nvSpPr>
+        <p:spPr/>
+        <p:txBody>
+          <a:bodyPr/>
+          <a:lstStyle/>
+          <a:p>
+            <a:endParaRPr lang="de-DE"/>
+          </a:p>
+        </p:txBody>
+      </p:sp>
+      <p:sp>
+        <p:nvSpPr>
+          <p:cNvPr id="4" name="Content Placeholder 3">
+            <a:extLst>
+              <a:ext uri="{FF2B5EF4-FFF2-40B4-BE49-F238E27FC236}">
+                <a16:creationId xmlns:a16="http://schemas.microsoft.com/office/drawing/2014/main" id="{C48568A1-CA98-CD4C-B3D3-37282410C273}"/>
+              </a:ext>
+            </a:extLst>
+          </p:cNvPr>
+          <p:cNvSpPr>
+            <a:spLocks noGrp="1"/>
+          </p:cNvSpPr>
+          <p:nvPr>
+            <p:ph sz="half" idx="2"/>
+          </p:nvPr>
+        </p:nvSpPr>
+        <p:spPr/>
+        <p:txBody>
+          <a:bodyPr/>
+          <a:lstStyle/>
+          <a:p>
+            <a:endParaRPr lang="de-DE"/>
+          </a:p>
+        </p:txBody>
+      </p:sp>
+      <p:sp>
+        <p:nvSpPr>
+          <p:cNvPr id="5" name="Text Placeholder 4">
+            <a:extLst>
+              <a:ext uri="{FF2B5EF4-FFF2-40B4-BE49-F238E27FC236}">
+                <a16:creationId xmlns:a16="http://schemas.microsoft.com/office/drawing/2014/main" id="{33AA29FF-2B50-4146-AD5D-D12248ADB4FD}"/>
+              </a:ext>
+            </a:extLst>
+          </p:cNvPr>
+          <p:cNvSpPr>
+            <a:spLocks noGrp="1"/>
+          </p:cNvSpPr>
+          <p:nvPr>
+            <p:ph type="body" sz="quarter" idx="3"/>
+          </p:nvPr>
+        </p:nvSpPr>
+        <p:spPr/>
+        <p:txBody>
+          <a:bodyPr/>
+          <a:lstStyle/>
+          <a:p>
+            <a:endParaRPr lang="de-DE"/>
+          </a:p>
+        </p:txBody>
+      </p:sp>
+      <p:sp>
+        <p:nvSpPr>
+          <p:cNvPr id="6" name="Content Placeholder 5">
+            <a:extLst>
+              <a:ext uri="{FF2B5EF4-FFF2-40B4-BE49-F238E27FC236}">
+                <a16:creationId xmlns:a16="http://schemas.microsoft.com/office/drawing/2014/main" id="{E193ED27-C0E0-A94D-A194-919157A28ADC}"/>
+              </a:ext>
+            </a:extLst>
+          </p:cNvPr>
+          <p:cNvSpPr>
+            <a:spLocks noGrp="1"/>
+          </p:cNvSpPr>
+          <p:nvPr>
+            <p:ph sz="quarter" idx="4"/>
+          </p:nvPr>
+        </p:nvSpPr>
+        <p:spPr/>
+        <p:txBody>
+          <a:bodyPr/>
+          <a:lstStyle/>
+          <a:p>
+            <a:endParaRPr lang="de-DE"/>
+          </a:p>
+        </p:txBody>
+      </p:sp>
+    </p:spTree>
+    <p:extLst>
+      <p:ext uri="{BB962C8B-B14F-4D97-AF65-F5344CB8AC3E}">
+        <p14:creationId xmlns:p14="http://schemas.microsoft.com/office/powerpoint/2010/main" val="3607265043"/>
+      </p:ext>
+    </p:extLst>
+  </p:cSld>
+  <p:clrMapOvr>
+    <a:masterClrMapping/>
+  </p:clrMapOvr>
+</p:sld>
+</file>
+
+<file path=ppt/slides/slide3.xml><?xml version="1.0" encoding="utf-8"?>
+<p:sld xmlns:a="http://schemas.openxmlformats.org/drawingml/2006/main" xmlns:r="http://schemas.openxmlformats.org/officeDocument/2006/relationships" xmlns:p="http://schemas.openxmlformats.org/presentationml/2006/main">
+  <p:cSld>
+    <p:spTree>
+      <p:nvGrpSpPr>
+        <p:cNvPr id="1" name=""/>
+        <p:cNvGrpSpPr/>
+        <p:nvPr/>
+      </p:nvGrpSpPr>
+      <p:grpSpPr>
+        <a:xfrm>
+          <a:off x="0" y="0"/>
+          <a:ext cx="0" cy="0"/>
+          <a:chOff x="0" y="0"/>
+          <a:chExt cx="0" cy="0"/>
+        </a:xfrm>
+      </p:grpSpPr>
+      <p:sp>
+        <p:nvSpPr>
+          <p:cNvPr id="4" name="Title 3">
+            <a:extLst>
+              <a:ext uri="{FF2B5EF4-FFF2-40B4-BE49-F238E27FC236}">
+                <a16:creationId xmlns:a16="http://schemas.microsoft.com/office/drawing/2014/main" id="{02AE6012-7D63-EA4D-B957-FE20015B7973}"/>
+              </a:ext>
+            </a:extLst>
+          </p:cNvPr>
+          <p:cNvSpPr>
+            <a:spLocks noGrp="1"/>
+          </p:cNvSpPr>
+          <p:nvPr>
+            <p:ph type="title"/>
+          </p:nvPr>
+        </p:nvSpPr>
+        <p:spPr/>
+        <p:txBody>
+          <a:bodyPr/>
+          <a:lstStyle/>
+          <a:p>
+            <a:r>
+              <a:rPr lang="de-DE" b="1" dirty="0"/>
+              <a:t>1.  Epochenbegriff und –	</a:t>
+            </a:r>
+            <a:r>
+              <a:rPr lang="de-DE" b="1" dirty="0" err="1"/>
+              <a:t>einteilung</a:t>
+            </a:r>
+            <a:endParaRPr lang="de-DE" dirty="0"/>
+          </a:p>
+        </p:txBody>
+      </p:sp>
+    </p:spTree>
+    <p:extLst>
+      <p:ext uri="{BB962C8B-B14F-4D97-AF65-F5344CB8AC3E}">
+        <p14:creationId xmlns:p14="http://schemas.microsoft.com/office/powerpoint/2010/main" val="835330337"/>
+      </p:ext>
+    </p:extLst>
+  </p:cSld>
+  <p:clrMapOvr>
+    <a:masterClrMapping/>
+  </p:clrMapOvr>
+</p:sld>
+</file>
+
+<file path=ppt/slides/slide30.xml><?xml version="1.0" encoding="utf-8"?>
+<p:sld xmlns:a="http://schemas.openxmlformats.org/drawingml/2006/main" xmlns:r="http://schemas.openxmlformats.org/officeDocument/2006/relationships" xmlns:p="http://schemas.openxmlformats.org/presentationml/2006/main">
+  <p:cSld>
+    <p:spTree>
+      <p:nvGrpSpPr>
+        <p:cNvPr id="1" name=""/>
+        <p:cNvGrpSpPr/>
+        <p:nvPr/>
+      </p:nvGrpSpPr>
+      <p:grpSpPr>
+        <a:xfrm>
+          <a:off x="0" y="0"/>
+          <a:ext cx="0" cy="0"/>
+          <a:chOff x="0" y="0"/>
+          <a:chExt cx="0" cy="0"/>
+        </a:xfrm>
+      </p:grpSpPr>
+      <p:sp>
+        <p:nvSpPr>
+          <p:cNvPr id="2" name="Title 1">
+            <a:extLst>
+              <a:ext uri="{FF2B5EF4-FFF2-40B4-BE49-F238E27FC236}">
+                <a16:creationId xmlns:a16="http://schemas.microsoft.com/office/drawing/2014/main" id="{E81164C1-BB68-F748-BB86-1C0705BD6E52}"/>
+              </a:ext>
+            </a:extLst>
+          </p:cNvPr>
+          <p:cNvSpPr>
+            <a:spLocks noGrp="1"/>
+          </p:cNvSpPr>
+          <p:nvPr>
+            <p:ph type="title"/>
+          </p:nvPr>
+        </p:nvSpPr>
+        <p:spPr/>
+        <p:txBody>
+          <a:bodyPr/>
+          <a:lstStyle/>
+          <a:p>
+            <a:endParaRPr lang="de-DE"/>
+          </a:p>
+        </p:txBody>
+      </p:sp>
+      <p:sp>
+        <p:nvSpPr>
+          <p:cNvPr id="3" name="Text Placeholder 2">
+            <a:extLst>
+              <a:ext uri="{FF2B5EF4-FFF2-40B4-BE49-F238E27FC236}">
+                <a16:creationId xmlns:a16="http://schemas.microsoft.com/office/drawing/2014/main" id="{6B8E931C-F7EC-2344-B73C-F5A7A2B7897A}"/>
+              </a:ext>
+            </a:extLst>
+          </p:cNvPr>
+          <p:cNvSpPr>
+            <a:spLocks noGrp="1"/>
+          </p:cNvSpPr>
+          <p:nvPr>
+            <p:ph type="body" idx="1"/>
+          </p:nvPr>
+        </p:nvSpPr>
+        <p:spPr/>
+        <p:txBody>
+          <a:bodyPr/>
+          <a:lstStyle/>
+          <a:p>
+            <a:endParaRPr lang="de-DE"/>
+          </a:p>
+        </p:txBody>
+      </p:sp>
+      <p:sp>
+        <p:nvSpPr>
+          <p:cNvPr id="4" name="Content Placeholder 3">
+            <a:extLst>
+              <a:ext uri="{FF2B5EF4-FFF2-40B4-BE49-F238E27FC236}">
+                <a16:creationId xmlns:a16="http://schemas.microsoft.com/office/drawing/2014/main" id="{BAF1CA4F-AC4A-4D47-9985-3D3931F691C3}"/>
+              </a:ext>
+            </a:extLst>
+          </p:cNvPr>
+          <p:cNvSpPr>
+            <a:spLocks noGrp="1"/>
+          </p:cNvSpPr>
+          <p:nvPr>
+            <p:ph sz="half" idx="2"/>
+          </p:nvPr>
+        </p:nvSpPr>
+        <p:spPr/>
+        <p:txBody>
+          <a:bodyPr/>
+          <a:lstStyle/>
+          <a:p>
+            <a:endParaRPr lang="de-DE"/>
+          </a:p>
+        </p:txBody>
+      </p:sp>
+      <p:sp>
+        <p:nvSpPr>
+          <p:cNvPr id="5" name="Text Placeholder 4">
+            <a:extLst>
+              <a:ext uri="{FF2B5EF4-FFF2-40B4-BE49-F238E27FC236}">
+                <a16:creationId xmlns:a16="http://schemas.microsoft.com/office/drawing/2014/main" id="{6C1047FD-75BA-B942-ABFA-EE4711B79A5B}"/>
+              </a:ext>
+            </a:extLst>
+          </p:cNvPr>
+          <p:cNvSpPr>
+            <a:spLocks noGrp="1"/>
+          </p:cNvSpPr>
+          <p:nvPr>
+            <p:ph type="body" sz="quarter" idx="3"/>
+          </p:nvPr>
+        </p:nvSpPr>
+        <p:spPr/>
+        <p:txBody>
+          <a:bodyPr/>
+          <a:lstStyle/>
+          <a:p>
+            <a:endParaRPr lang="de-DE"/>
+          </a:p>
+        </p:txBody>
+      </p:sp>
+      <p:sp>
+        <p:nvSpPr>
+          <p:cNvPr id="6" name="Content Placeholder 5">
+            <a:extLst>
+              <a:ext uri="{FF2B5EF4-FFF2-40B4-BE49-F238E27FC236}">
+                <a16:creationId xmlns:a16="http://schemas.microsoft.com/office/drawing/2014/main" id="{4FF1E021-045A-4142-A4AE-9AA02E362FB1}"/>
+              </a:ext>
+            </a:extLst>
+          </p:cNvPr>
+          <p:cNvSpPr>
+            <a:spLocks noGrp="1"/>
+          </p:cNvSpPr>
+          <p:nvPr>
+            <p:ph sz="quarter" idx="4"/>
+          </p:nvPr>
+        </p:nvSpPr>
+        <p:spPr/>
+        <p:txBody>
+          <a:bodyPr/>
+          <a:lstStyle/>
+          <a:p>
+            <a:endParaRPr lang="de-DE"/>
+          </a:p>
+        </p:txBody>
+      </p:sp>
+    </p:spTree>
+    <p:extLst>
+      <p:ext uri="{BB962C8B-B14F-4D97-AF65-F5344CB8AC3E}">
+        <p14:creationId xmlns:p14="http://schemas.microsoft.com/office/powerpoint/2010/main" val="2532051736"/>
+      </p:ext>
+    </p:extLst>
+  </p:cSld>
+  <p:clrMapOvr>
+    <a:masterClrMapping/>
+  </p:clrMapOvr>
+</p:sld>
+</file>
+
+<file path=ppt/slides/slide31.xml><?xml version="1.0" encoding="utf-8"?>
 <p:sld xmlns:a="http://schemas.openxmlformats.org/drawingml/2006/main" xmlns:r="http://schemas.openxmlformats.org/officeDocument/2006/relationships" xmlns:p="http://schemas.openxmlformats.org/presentationml/2006/main">
   <p:cSld>
     <p:bg>
@@ -14979,7 +17757,7 @@
 </p:sld>
 </file>
 
-<file path=ppt/slides/slide27.xml><?xml version="1.0" encoding="utf-8"?>
+<file path=ppt/slides/slide32.xml><?xml version="1.0" encoding="utf-8"?>
 <p:sld xmlns:a="http://schemas.openxmlformats.org/drawingml/2006/main" xmlns:r="http://schemas.openxmlformats.org/officeDocument/2006/relationships" xmlns:p="http://schemas.openxmlformats.org/presentationml/2006/main">
   <p:cSld>
     <p:bg>
@@ -15574,7 +18352,7 @@
 </p:sld>
 </file>
 
-<file path=ppt/slides/slide28.xml><?xml version="1.0" encoding="utf-8"?>
+<file path=ppt/slides/slide33.xml><?xml version="1.0" encoding="utf-8"?>
 <p:sld xmlns:a="http://schemas.openxmlformats.org/drawingml/2006/main" xmlns:r="http://schemas.openxmlformats.org/officeDocument/2006/relationships" xmlns:p="http://schemas.openxmlformats.org/presentationml/2006/main">
   <p:cSld>
     <p:bg>
@@ -16143,7 +18921,7 @@
 </p:sld>
 </file>
 
-<file path=ppt/slides/slide29.xml><?xml version="1.0" encoding="utf-8"?>
+<file path=ppt/slides/slide34.xml><?xml version="1.0" encoding="utf-8"?>
 <p:sld xmlns:a="http://schemas.openxmlformats.org/drawingml/2006/main" xmlns:r="http://schemas.openxmlformats.org/officeDocument/2006/relationships" xmlns:p="http://schemas.openxmlformats.org/presentationml/2006/main">
   <p:cSld>
     <p:bg>
@@ -16706,70 +19484,7 @@
 </p:sld>
 </file>
 
-<file path=ppt/slides/slide3.xml><?xml version="1.0" encoding="utf-8"?>
-<p:sld xmlns:a="http://schemas.openxmlformats.org/drawingml/2006/main" xmlns:r="http://schemas.openxmlformats.org/officeDocument/2006/relationships" xmlns:p="http://schemas.openxmlformats.org/presentationml/2006/main">
-  <p:cSld>
-    <p:spTree>
-      <p:nvGrpSpPr>
-        <p:cNvPr id="1" name=""/>
-        <p:cNvGrpSpPr/>
-        <p:nvPr/>
-      </p:nvGrpSpPr>
-      <p:grpSpPr>
-        <a:xfrm>
-          <a:off x="0" y="0"/>
-          <a:ext cx="0" cy="0"/>
-          <a:chOff x="0" y="0"/>
-          <a:chExt cx="0" cy="0"/>
-        </a:xfrm>
-      </p:grpSpPr>
-      <p:sp>
-        <p:nvSpPr>
-          <p:cNvPr id="4" name="Title 3">
-            <a:extLst>
-              <a:ext uri="{FF2B5EF4-FFF2-40B4-BE49-F238E27FC236}">
-                <a16:creationId xmlns:a16="http://schemas.microsoft.com/office/drawing/2014/main" id="{02AE6012-7D63-EA4D-B957-FE20015B7973}"/>
-              </a:ext>
-            </a:extLst>
-          </p:cNvPr>
-          <p:cNvSpPr>
-            <a:spLocks noGrp="1"/>
-          </p:cNvSpPr>
-          <p:nvPr>
-            <p:ph type="title"/>
-          </p:nvPr>
-        </p:nvSpPr>
-        <p:spPr/>
-        <p:txBody>
-          <a:bodyPr/>
-          <a:lstStyle/>
-          <a:p>
-            <a:r>
-              <a:rPr lang="de-DE" b="1" dirty="0"/>
-              <a:t>1.  Epochenbegriff und –	</a:t>
-            </a:r>
-            <a:r>
-              <a:rPr lang="de-DE" b="1" dirty="0" err="1"/>
-              <a:t>einteilung</a:t>
-            </a:r>
-            <a:endParaRPr lang="de-DE" dirty="0"/>
-          </a:p>
-        </p:txBody>
-      </p:sp>
-    </p:spTree>
-    <p:extLst>
-      <p:ext uri="{BB962C8B-B14F-4D97-AF65-F5344CB8AC3E}">
-        <p14:creationId xmlns:p14="http://schemas.microsoft.com/office/powerpoint/2010/main" val="835330337"/>
-      </p:ext>
-    </p:extLst>
-  </p:cSld>
-  <p:clrMapOvr>
-    <a:masterClrMapping/>
-  </p:clrMapOvr>
-</p:sld>
-</file>
-
-<file path=ppt/slides/slide30.xml><?xml version="1.0" encoding="utf-8"?>
+<file path=ppt/slides/slide35.xml><?xml version="1.0" encoding="utf-8"?>
 <p:sld xmlns:a="http://schemas.openxmlformats.org/drawingml/2006/main" xmlns:r="http://schemas.openxmlformats.org/officeDocument/2006/relationships" xmlns:p="http://schemas.openxmlformats.org/presentationml/2006/main">
   <p:cSld>
     <p:bg>
@@ -17372,7 +20087,7 @@
 </p:sld>
 </file>
 
-<file path=ppt/slides/slide31.xml><?xml version="1.0" encoding="utf-8"?>
+<file path=ppt/slides/slide36.xml><?xml version="1.0" encoding="utf-8"?>
 <p:sld xmlns:a="http://schemas.openxmlformats.org/drawingml/2006/main" xmlns:r="http://schemas.openxmlformats.org/officeDocument/2006/relationships" xmlns:p="http://schemas.openxmlformats.org/presentationml/2006/main">
   <p:cSld>
     <p:spTree>
@@ -17528,7 +20243,7 @@
 </p:sld>
 </file>
 
-<file path=ppt/slides/slide32.xml><?xml version="1.0" encoding="utf-8"?>
+<file path=ppt/slides/slide37.xml><?xml version="1.0" encoding="utf-8"?>
 <p:sld xmlns:a="http://schemas.openxmlformats.org/drawingml/2006/main" xmlns:r="http://schemas.openxmlformats.org/officeDocument/2006/relationships" xmlns:p="http://schemas.openxmlformats.org/presentationml/2006/main" show="0">
   <p:cSld>
     <p:spTree>
@@ -17601,7 +20316,7 @@
 </p:sld>
 </file>
 
-<file path=ppt/slides/slide33.xml><?xml version="1.0" encoding="utf-8"?>
+<file path=ppt/slides/slide38.xml><?xml version="1.0" encoding="utf-8"?>
 <p:sld xmlns:a="http://schemas.openxmlformats.org/drawingml/2006/main" xmlns:r="http://schemas.openxmlformats.org/officeDocument/2006/relationships" xmlns:p="http://schemas.openxmlformats.org/presentationml/2006/main" show="0">
   <p:cSld>
     <p:bg>
@@ -18087,7 +20802,7 @@
 </p:sld>
 </file>
 
-<file path=ppt/slides/slide34.xml><?xml version="1.0" encoding="utf-8"?>
+<file path=ppt/slides/slide39.xml><?xml version="1.0" encoding="utf-8"?>
 <p:sld xmlns:a="http://schemas.openxmlformats.org/drawingml/2006/main" xmlns:r="http://schemas.openxmlformats.org/officeDocument/2006/relationships" xmlns:p="http://schemas.openxmlformats.org/presentationml/2006/main" show="0">
   <p:cSld>
     <p:spTree>
@@ -19257,64 +21972,6 @@
 </p:sld>
 </file>
 
-<file path=ppt/slides/slide35.xml><?xml version="1.0" encoding="utf-8"?>
-<p:sld xmlns:a="http://schemas.openxmlformats.org/drawingml/2006/main" xmlns:r="http://schemas.openxmlformats.org/officeDocument/2006/relationships" xmlns:p="http://schemas.openxmlformats.org/presentationml/2006/main">
-  <p:cSld>
-    <p:spTree>
-      <p:nvGrpSpPr>
-        <p:cNvPr id="1" name=""/>
-        <p:cNvGrpSpPr/>
-        <p:nvPr/>
-      </p:nvGrpSpPr>
-      <p:grpSpPr>
-        <a:xfrm>
-          <a:off x="0" y="0"/>
-          <a:ext cx="0" cy="0"/>
-          <a:chOff x="0" y="0"/>
-          <a:chExt cx="0" cy="0"/>
-        </a:xfrm>
-      </p:grpSpPr>
-      <p:sp>
-        <p:nvSpPr>
-          <p:cNvPr id="2" name="Title 1">
-            <a:extLst>
-              <a:ext uri="{FF2B5EF4-FFF2-40B4-BE49-F238E27FC236}">
-                <a16:creationId xmlns:a16="http://schemas.microsoft.com/office/drawing/2014/main" id="{78F2E4E8-04EB-0142-91AE-BC0C88F0C119}"/>
-              </a:ext>
-            </a:extLst>
-          </p:cNvPr>
-          <p:cNvSpPr>
-            <a:spLocks noGrp="1"/>
-          </p:cNvSpPr>
-          <p:nvPr>
-            <p:ph type="title"/>
-          </p:nvPr>
-        </p:nvSpPr>
-        <p:spPr/>
-        <p:txBody>
-          <a:bodyPr/>
-          <a:lstStyle/>
-          <a:p>
-            <a:r>
-              <a:rPr lang="de-DE" b="1" dirty="0"/>
-              <a:t>5.  Schlussbetrachtung</a:t>
-            </a:r>
-          </a:p>
-        </p:txBody>
-      </p:sp>
-    </p:spTree>
-    <p:extLst>
-      <p:ext uri="{BB962C8B-B14F-4D97-AF65-F5344CB8AC3E}">
-        <p14:creationId xmlns:p14="http://schemas.microsoft.com/office/powerpoint/2010/main" val="4052262941"/>
-      </p:ext>
-    </p:extLst>
-  </p:cSld>
-  <p:clrMapOvr>
-    <a:masterClrMapping/>
-  </p:clrMapOvr>
-</p:sld>
-</file>
-
 <file path=ppt/slides/slide4.xml><?xml version="1.0" encoding="utf-8"?>
 <p:sld xmlns:a="http://schemas.openxmlformats.org/drawingml/2006/main" xmlns:r="http://schemas.openxmlformats.org/officeDocument/2006/relationships" xmlns:p="http://schemas.openxmlformats.org/presentationml/2006/main">
   <p:cSld>
@@ -19561,6 +22218,64 @@
     <p:extLst>
       <p:ext uri="{BB962C8B-B14F-4D97-AF65-F5344CB8AC3E}">
         <p14:creationId xmlns:p14="http://schemas.microsoft.com/office/powerpoint/2010/main" val="3743810288"/>
+      </p:ext>
+    </p:extLst>
+  </p:cSld>
+  <p:clrMapOvr>
+    <a:masterClrMapping/>
+  </p:clrMapOvr>
+</p:sld>
+</file>
+
+<file path=ppt/slides/slide40.xml><?xml version="1.0" encoding="utf-8"?>
+<p:sld xmlns:a="http://schemas.openxmlformats.org/drawingml/2006/main" xmlns:r="http://schemas.openxmlformats.org/officeDocument/2006/relationships" xmlns:p="http://schemas.openxmlformats.org/presentationml/2006/main">
+  <p:cSld>
+    <p:spTree>
+      <p:nvGrpSpPr>
+        <p:cNvPr id="1" name=""/>
+        <p:cNvGrpSpPr/>
+        <p:nvPr/>
+      </p:nvGrpSpPr>
+      <p:grpSpPr>
+        <a:xfrm>
+          <a:off x="0" y="0"/>
+          <a:ext cx="0" cy="0"/>
+          <a:chOff x="0" y="0"/>
+          <a:chExt cx="0" cy="0"/>
+        </a:xfrm>
+      </p:grpSpPr>
+      <p:sp>
+        <p:nvSpPr>
+          <p:cNvPr id="2" name="Title 1">
+            <a:extLst>
+              <a:ext uri="{FF2B5EF4-FFF2-40B4-BE49-F238E27FC236}">
+                <a16:creationId xmlns:a16="http://schemas.microsoft.com/office/drawing/2014/main" id="{78F2E4E8-04EB-0142-91AE-BC0C88F0C119}"/>
+              </a:ext>
+            </a:extLst>
+          </p:cNvPr>
+          <p:cNvSpPr>
+            <a:spLocks noGrp="1"/>
+          </p:cNvSpPr>
+          <p:nvPr>
+            <p:ph type="title"/>
+          </p:nvPr>
+        </p:nvSpPr>
+        <p:spPr/>
+        <p:txBody>
+          <a:bodyPr/>
+          <a:lstStyle/>
+          <a:p>
+            <a:r>
+              <a:rPr lang="de-DE" b="1" dirty="0"/>
+              <a:t>5.  Schlussbetrachtung</a:t>
+            </a:r>
+          </a:p>
+        </p:txBody>
+      </p:sp>
+    </p:spTree>
+    <p:extLst>
+      <p:ext uri="{BB962C8B-B14F-4D97-AF65-F5344CB8AC3E}">
+        <p14:creationId xmlns:p14="http://schemas.microsoft.com/office/powerpoint/2010/main" val="4052262941"/>
       </p:ext>
     </p:extLst>
   </p:cSld>

--- a/presentation/clustering_presentation.pptx
+++ b/presentation/clustering_presentation.pptx
@@ -2995,6 +2995,24 @@
                 <a:sym typeface="Wingdings" pitchFamily="2" charset="2"/>
               </a:rPr>
               <a:t>Als Erscheinungsjahr wurde der Mittelwerte aller Gedichte des Dichter in der Epoche verwendet</a:t>
+            </a:r>
+          </a:p>
+          <a:p>
+            <a:pPr marL="171450" indent="-171450">
+              <a:buFont typeface="Arial" panose="020B0604020202020204" pitchFamily="34" charset="0"/>
+              <a:buChar char="•"/>
+            </a:pPr>
+            <a:r>
+              <a:rPr lang="de-DE" dirty="0">
+                <a:sym typeface="Wingdings" pitchFamily="2" charset="2"/>
+              </a:rPr>
+              <a:t>Nur Gedichte mit mindestens 1000 Tokens </a:t>
+            </a:r>
+            <a:r>
+              <a:rPr lang="de-DE">
+                <a:sym typeface="Wingdings" pitchFamily="2" charset="2"/>
+              </a:rPr>
+              <a:t>wurden verwendet</a:t>
             </a:r>
             <a:endParaRPr lang="de-DE" dirty="0"/>
           </a:p>

--- a/presentation/clustering_presentation.pptx
+++ b/presentation/clustering_presentation.pptx
@@ -5,7 +5,7 @@
     <p:sldMasterId id="2147483732" r:id="rId1"/>
   </p:sldMasterIdLst>
   <p:notesMasterIdLst>
-    <p:notesMasterId r:id="rId42"/>
+    <p:notesMasterId r:id="rId41"/>
   </p:notesMasterIdLst>
   <p:sldIdLst>
     <p:sldId id="256" r:id="rId2"/>
@@ -29,25 +29,24 @@
     <p:sldId id="333" r:id="rId20"/>
     <p:sldId id="320" r:id="rId21"/>
     <p:sldId id="321" r:id="rId22"/>
-    <p:sldId id="329" r:id="rId23"/>
-    <p:sldId id="328" r:id="rId24"/>
-    <p:sldId id="332" r:id="rId25"/>
-    <p:sldId id="331" r:id="rId26"/>
-    <p:sldId id="297" r:id="rId27"/>
-    <p:sldId id="325" r:id="rId28"/>
-    <p:sldId id="301" r:id="rId29"/>
-    <p:sldId id="326" r:id="rId30"/>
-    <p:sldId id="327" r:id="rId31"/>
-    <p:sldId id="311" r:id="rId32"/>
-    <p:sldId id="319" r:id="rId33"/>
-    <p:sldId id="314" r:id="rId34"/>
-    <p:sldId id="315" r:id="rId35"/>
-    <p:sldId id="317" r:id="rId36"/>
-    <p:sldId id="302" r:id="rId37"/>
-    <p:sldId id="305" r:id="rId38"/>
-    <p:sldId id="307" r:id="rId39"/>
-    <p:sldId id="299" r:id="rId40"/>
-    <p:sldId id="304" r:id="rId41"/>
+    <p:sldId id="328" r:id="rId23"/>
+    <p:sldId id="332" r:id="rId24"/>
+    <p:sldId id="331" r:id="rId25"/>
+    <p:sldId id="329" r:id="rId26"/>
+    <p:sldId id="325" r:id="rId27"/>
+    <p:sldId id="301" r:id="rId28"/>
+    <p:sldId id="326" r:id="rId29"/>
+    <p:sldId id="327" r:id="rId30"/>
+    <p:sldId id="311" r:id="rId31"/>
+    <p:sldId id="319" r:id="rId32"/>
+    <p:sldId id="314" r:id="rId33"/>
+    <p:sldId id="315" r:id="rId34"/>
+    <p:sldId id="317" r:id="rId35"/>
+    <p:sldId id="302" r:id="rId36"/>
+    <p:sldId id="305" r:id="rId37"/>
+    <p:sldId id="307" r:id="rId38"/>
+    <p:sldId id="299" r:id="rId39"/>
+    <p:sldId id="304" r:id="rId40"/>
   </p:sldIdLst>
   <p:sldSz cx="12192000" cy="6858000"/>
   <p:notesSz cx="6858000" cy="9144000"/>
@@ -1218,45 +1217,19 @@
           <a:bodyPr/>
           <a:lstStyle/>
           <a:p>
-            <a:pPr marL="171450" indent="-171450">
-              <a:buFont typeface="Arial" panose="020B0604020202020204" pitchFamily="34" charset="0"/>
-              <a:buChar char="•"/>
-            </a:pPr>
-            <a:r>
-              <a:rPr lang="de-DE" dirty="0"/>
-              <a:t>Dichter mit 5 oder weniger Gedichten wurden entfernt </a:t>
-            </a:r>
-            <a:r>
-              <a:rPr lang="de-DE" dirty="0">
-                <a:sym typeface="Wingdings" pitchFamily="2" charset="2"/>
-              </a:rPr>
-              <a:t> um nicht andere Signale zu erhalten</a:t>
-            </a:r>
-          </a:p>
-          <a:p>
-            <a:pPr marL="171450" indent="-171450">
-              <a:buFont typeface="Arial" panose="020B0604020202020204" pitchFamily="34" charset="0"/>
-              <a:buChar char="•"/>
-            </a:pPr>
-            <a:r>
-              <a:rPr lang="de-DE" dirty="0">
-                <a:sym typeface="Wingdings" pitchFamily="2" charset="2"/>
-              </a:rPr>
-              <a:t>Verschiedene Epochen von Gedichten eines Dichters wurden vorher getrennt</a:t>
-            </a:r>
-          </a:p>
-          <a:p>
-            <a:pPr marL="171450" indent="-171450">
-              <a:buFont typeface="Arial" panose="020B0604020202020204" pitchFamily="34" charset="0"/>
-              <a:buChar char="•"/>
-            </a:pPr>
-            <a:r>
-              <a:rPr lang="de-DE" dirty="0">
-                <a:sym typeface="Wingdings" pitchFamily="2" charset="2"/>
-              </a:rPr>
-              <a:t>Als Erscheinungsjahr wurde der Mittelwerte aller Gedichte des Dichter in der Epoche verwendet</a:t>
-            </a:r>
-            <a:endParaRPr lang="de-DE" dirty="0"/>
+            <a:r>
+              <a:rPr lang="de-DE" b="0" dirty="0"/>
+              <a:t>Sortiert nach </a:t>
+            </a:r>
+            <a:r>
+              <a:rPr lang="de-DE" b="1" dirty="0"/>
+              <a:t>K-</a:t>
+            </a:r>
+            <a:r>
+              <a:rPr lang="de-DE" b="1" dirty="0" err="1"/>
+              <a:t>Means</a:t>
+            </a:r>
+            <a:endParaRPr lang="de-DE" b="0" dirty="0"/>
           </a:p>
         </p:txBody>
       </p:sp>
@@ -1286,7 +1259,7 @@
     </p:spTree>
     <p:extLst>
       <p:ext uri="{BB962C8B-B14F-4D97-AF65-F5344CB8AC3E}">
-        <p14:creationId xmlns:p14="http://schemas.microsoft.com/office/powerpoint/2010/main" val="410681100"/>
+        <p14:creationId xmlns:p14="http://schemas.microsoft.com/office/powerpoint/2010/main" val="1014610307"/>
       </p:ext>
     </p:extLst>
   </p:cSld>
@@ -1340,19 +1313,7 @@
           <a:bodyPr/>
           <a:lstStyle/>
           <a:p>
-            <a:r>
-              <a:rPr lang="de-DE" b="0" dirty="0"/>
-              <a:t>Sortiert nach </a:t>
-            </a:r>
-            <a:r>
-              <a:rPr lang="de-DE" b="1" dirty="0"/>
-              <a:t>K-</a:t>
-            </a:r>
-            <a:r>
-              <a:rPr lang="de-DE" b="1" dirty="0" err="1"/>
-              <a:t>Means</a:t>
-            </a:r>
-            <a:endParaRPr lang="de-DE" b="0" dirty="0"/>
+            <a:endParaRPr lang="de-DE" b="1" dirty="0"/>
           </a:p>
         </p:txBody>
       </p:sp>
@@ -1382,7 +1343,7 @@
     </p:spTree>
     <p:extLst>
       <p:ext uri="{BB962C8B-B14F-4D97-AF65-F5344CB8AC3E}">
-        <p14:creationId xmlns:p14="http://schemas.microsoft.com/office/powerpoint/2010/main" val="618638825"/>
+        <p14:creationId xmlns:p14="http://schemas.microsoft.com/office/powerpoint/2010/main" val="2882404652"/>
       </p:ext>
     </p:extLst>
   </p:cSld>
@@ -1436,7 +1397,19 @@
           <a:bodyPr/>
           <a:lstStyle/>
           <a:p>
-            <a:endParaRPr lang="de-DE" b="1" dirty="0"/>
+            <a:pPr algn="l"/>
+            <a:r>
+              <a:rPr lang="de-DE" dirty="0"/>
+              <a:t>K-</a:t>
+            </a:r>
+            <a:r>
+              <a:rPr lang="de-DE" dirty="0" err="1"/>
+              <a:t>Means</a:t>
+            </a:r>
+            <a:r>
+              <a:rPr lang="de-DE" dirty="0"/>
+              <a:t> auf hochdimensionale Daten</a:t>
+            </a:r>
           </a:p>
         </p:txBody>
       </p:sp>
@@ -1457,7 +1430,7 @@
           <a:p>
             <a:fld id="{49FFD0F6-1B54-1D42-B676-41E105B9815E}" type="slidenum">
               <a:rPr lang="de-DE" smtClean="0"/>
-              <a:t>27</a:t>
+              <a:t>30</a:t>
             </a:fld>
             <a:endParaRPr lang="de-DE"/>
           </a:p>
@@ -1466,7 +1439,7 @@
     </p:spTree>
     <p:extLst>
       <p:ext uri="{BB962C8B-B14F-4D97-AF65-F5344CB8AC3E}">
-        <p14:creationId xmlns:p14="http://schemas.microsoft.com/office/powerpoint/2010/main" val="2882404652"/>
+        <p14:creationId xmlns:p14="http://schemas.microsoft.com/office/powerpoint/2010/main" val="2134904752"/>
       </p:ext>
     </p:extLst>
   </p:cSld>
@@ -1562,7 +1535,7 @@
     </p:spTree>
     <p:extLst>
       <p:ext uri="{BB962C8B-B14F-4D97-AF65-F5344CB8AC3E}">
-        <p14:creationId xmlns:p14="http://schemas.microsoft.com/office/powerpoint/2010/main" val="2134904752"/>
+        <p14:creationId xmlns:p14="http://schemas.microsoft.com/office/powerpoint/2010/main" val="3426150485"/>
       </p:ext>
     </p:extLst>
   </p:cSld>
@@ -1616,18 +1589,27 @@
           <a:bodyPr/>
           <a:lstStyle/>
           <a:p>
-            <a:pPr algn="l"/>
             <a:r>
               <a:rPr lang="de-DE" dirty="0"/>
-              <a:t>K-</a:t>
-            </a:r>
-            <a:r>
-              <a:rPr lang="de-DE" dirty="0" err="1"/>
-              <a:t>Means</a:t>
-            </a:r>
+              <a:t>ACHTUNG: Jahre sind hier Mittelwerte der Jahre aller Gedichte des Dichters</a:t>
+            </a:r>
+          </a:p>
+          <a:p>
             <a:r>
               <a:rPr lang="de-DE" dirty="0"/>
-              <a:t> auf hochdimensionale Daten</a:t>
+              <a:t>IN KLAMMERN: Verteilung der Großteil der Jahre</a:t>
+            </a:r>
+          </a:p>
+          <a:p>
+            <a:r>
+              <a:rPr lang="de-DE" dirty="0"/>
+              <a:t>Frühbarock: 1600-1650</a:t>
+            </a:r>
+          </a:p>
+          <a:p>
+            <a:r>
+              <a:rPr lang="de-DE" dirty="0"/>
+              <a:t>Hochbarock: 1650-1700 (1720)</a:t>
             </a:r>
           </a:p>
         </p:txBody>
@@ -1658,7 +1640,7 @@
     </p:spTree>
     <p:extLst>
       <p:ext uri="{BB962C8B-B14F-4D97-AF65-F5344CB8AC3E}">
-        <p14:creationId xmlns:p14="http://schemas.microsoft.com/office/powerpoint/2010/main" val="3426150485"/>
+        <p14:creationId xmlns:p14="http://schemas.microsoft.com/office/powerpoint/2010/main" val="1629050767"/>
       </p:ext>
     </p:extLst>
   </p:cSld>
@@ -1714,25 +1696,7 @@
           <a:p>
             <a:r>
               <a:rPr lang="de-DE" dirty="0"/>
-              <a:t>ACHTUNG: Jahre sind hier Mittelwerte der Jahre aller Gedichte des Dichters</a:t>
-            </a:r>
-          </a:p>
-          <a:p>
-            <a:r>
-              <a:rPr lang="de-DE" dirty="0"/>
-              <a:t>IN KLAMMERN: Verteilung der Großteil der Jahre</a:t>
-            </a:r>
-          </a:p>
-          <a:p>
-            <a:r>
-              <a:rPr lang="de-DE" dirty="0"/>
-              <a:t>Frühbarock: 1600-1650</a:t>
-            </a:r>
-          </a:p>
-          <a:p>
-            <a:r>
-              <a:rPr lang="de-DE" dirty="0"/>
-              <a:t>Hochbarock: 1650-1700 (1720)</a:t>
+              <a:t>ACHTUNG: Jahre sind hier Mittelwerte der Jahre aller Gedichte der häufigsten Epoche des Dichters</a:t>
             </a:r>
           </a:p>
         </p:txBody>
@@ -1763,7 +1727,7 @@
     </p:spTree>
     <p:extLst>
       <p:ext uri="{BB962C8B-B14F-4D97-AF65-F5344CB8AC3E}">
-        <p14:creationId xmlns:p14="http://schemas.microsoft.com/office/powerpoint/2010/main" val="1629050767"/>
+        <p14:creationId xmlns:p14="http://schemas.microsoft.com/office/powerpoint/2010/main" val="1412957019"/>
       </p:ext>
     </p:extLst>
   </p:cSld>
@@ -1817,10 +1781,8 @@
           <a:bodyPr/>
           <a:lstStyle/>
           <a:p>
-            <a:r>
-              <a:rPr lang="de-DE" dirty="0"/>
-              <a:t>ACHTUNG: Jahre sind hier Mittelwerte der Jahre aller Gedichte der häufigsten Epoche des Dichters</a:t>
-            </a:r>
+            <a:pPr algn="l"/>
+            <a:endParaRPr lang="de-DE" dirty="0"/>
           </a:p>
         </p:txBody>
       </p:sp>
@@ -1850,7 +1812,7 @@
     </p:spTree>
     <p:extLst>
       <p:ext uri="{BB962C8B-B14F-4D97-AF65-F5344CB8AC3E}">
-        <p14:creationId xmlns:p14="http://schemas.microsoft.com/office/powerpoint/2010/main" val="1412957019"/>
+        <p14:creationId xmlns:p14="http://schemas.microsoft.com/office/powerpoint/2010/main" val="3822682556"/>
       </p:ext>
     </p:extLst>
   </p:cSld>
@@ -1904,8 +1866,15 @@
           <a:bodyPr/>
           <a:lstStyle/>
           <a:p>
-            <a:pPr algn="l"/>
-            <a:endParaRPr lang="de-DE" dirty="0"/>
+            <a:r>
+              <a:rPr lang="de-DE" dirty="0"/>
+              <a:t>Dimensionsreduktion: </a:t>
+            </a:r>
+            <a:r>
+              <a:rPr lang="de-DE" b="1" dirty="0" err="1"/>
+              <a:t>TruncatedSVD</a:t>
+            </a:r>
+            <a:endParaRPr lang="de-DE" b="1" dirty="0"/>
           </a:p>
         </p:txBody>
       </p:sp>
@@ -1926,99 +1895,7 @@
           <a:p>
             <a:fld id="{49FFD0F6-1B54-1D42-B676-41E105B9815E}" type="slidenum">
               <a:rPr lang="de-DE" smtClean="0"/>
-              <a:t>35</a:t>
-            </a:fld>
-            <a:endParaRPr lang="de-DE"/>
-          </a:p>
-        </p:txBody>
-      </p:sp>
-    </p:spTree>
-    <p:extLst>
-      <p:ext uri="{BB962C8B-B14F-4D97-AF65-F5344CB8AC3E}">
-        <p14:creationId xmlns:p14="http://schemas.microsoft.com/office/powerpoint/2010/main" val="3822682556"/>
-      </p:ext>
-    </p:extLst>
-  </p:cSld>
-  <p:clrMapOvr>
-    <a:masterClrMapping/>
-  </p:clrMapOvr>
-</p:notes>
-</file>
-
-<file path=ppt/notesSlides/notesSlide18.xml><?xml version="1.0" encoding="utf-8"?>
-<p:notes xmlns:a="http://schemas.openxmlformats.org/drawingml/2006/main" xmlns:r="http://schemas.openxmlformats.org/officeDocument/2006/relationships" xmlns:p="http://schemas.openxmlformats.org/presentationml/2006/main">
-  <p:cSld>
-    <p:spTree>
-      <p:nvGrpSpPr>
-        <p:cNvPr id="1" name=""/>
-        <p:cNvGrpSpPr/>
-        <p:nvPr/>
-      </p:nvGrpSpPr>
-      <p:grpSpPr>
-        <a:xfrm>
-          <a:off x="0" y="0"/>
-          <a:ext cx="0" cy="0"/>
-          <a:chOff x="0" y="0"/>
-          <a:chExt cx="0" cy="0"/>
-        </a:xfrm>
-      </p:grpSpPr>
-      <p:sp>
-        <p:nvSpPr>
-          <p:cNvPr id="2" name="Slide Image Placeholder 1"/>
-          <p:cNvSpPr>
-            <a:spLocks noGrp="1" noRot="1" noChangeAspect="1"/>
-          </p:cNvSpPr>
-          <p:nvPr>
-            <p:ph type="sldImg"/>
-          </p:nvPr>
-        </p:nvSpPr>
-        <p:spPr/>
-      </p:sp>
-      <p:sp>
-        <p:nvSpPr>
-          <p:cNvPr id="3" name="Notes Placeholder 2"/>
-          <p:cNvSpPr>
-            <a:spLocks noGrp="1"/>
-          </p:cNvSpPr>
-          <p:nvPr>
-            <p:ph type="body" idx="1"/>
-          </p:nvPr>
-        </p:nvSpPr>
-        <p:spPr/>
-        <p:txBody>
-          <a:bodyPr/>
-          <a:lstStyle/>
-          <a:p>
-            <a:r>
-              <a:rPr lang="de-DE" dirty="0"/>
-              <a:t>Dimensionsreduktion: </a:t>
-            </a:r>
-            <a:r>
-              <a:rPr lang="de-DE" b="1" dirty="0" err="1"/>
-              <a:t>TruncatedSVD</a:t>
-            </a:r>
-            <a:endParaRPr lang="de-DE" b="1" dirty="0"/>
-          </a:p>
-        </p:txBody>
-      </p:sp>
-      <p:sp>
-        <p:nvSpPr>
-          <p:cNvPr id="4" name="Slide Number Placeholder 3"/>
-          <p:cNvSpPr>
-            <a:spLocks noGrp="1"/>
-          </p:cNvSpPr>
-          <p:nvPr>
-            <p:ph type="sldNum" sz="quarter" idx="5"/>
-          </p:nvPr>
-        </p:nvSpPr>
-        <p:spPr/>
-        <p:txBody>
-          <a:bodyPr/>
-          <a:lstStyle/>
-          <a:p>
-            <a:fld id="{49FFD0F6-1B54-1D42-B676-41E105B9815E}" type="slidenum">
-              <a:rPr lang="de-DE" smtClean="0"/>
-              <a:t>38</a:t>
+              <a:t>37</a:t>
             </a:fld>
             <a:endParaRPr lang="de-DE"/>
           </a:p>
@@ -3006,13 +2883,7 @@
               <a:rPr lang="de-DE" dirty="0">
                 <a:sym typeface="Wingdings" pitchFamily="2" charset="2"/>
               </a:rPr>
-              <a:t>Nur Gedichte mit mindestens 1000 Tokens </a:t>
-            </a:r>
-            <a:r>
-              <a:rPr lang="de-DE">
-                <a:sym typeface="Wingdings" pitchFamily="2" charset="2"/>
-              </a:rPr>
-              <a:t>wurden verwendet</a:t>
+              <a:t>Nur Gedichte mit mindestens 1000 Tokens wurden verwendet</a:t>
             </a:r>
             <a:endParaRPr lang="de-DE" dirty="0"/>
           </a:p>
@@ -3267,19 +3138,45 @@
           <a:bodyPr/>
           <a:lstStyle/>
           <a:p>
-            <a:r>
-              <a:rPr lang="de-DE" b="0" dirty="0"/>
-              <a:t>Sortiert nach </a:t>
-            </a:r>
-            <a:r>
-              <a:rPr lang="de-DE" b="1" dirty="0"/>
-              <a:t>K-</a:t>
-            </a:r>
-            <a:r>
-              <a:rPr lang="de-DE" b="1" dirty="0" err="1"/>
-              <a:t>Means</a:t>
-            </a:r>
-            <a:endParaRPr lang="de-DE" b="0" dirty="0"/>
+            <a:pPr marL="171450" indent="-171450">
+              <a:buFont typeface="Arial" panose="020B0604020202020204" pitchFamily="34" charset="0"/>
+              <a:buChar char="•"/>
+            </a:pPr>
+            <a:r>
+              <a:rPr lang="de-DE" dirty="0"/>
+              <a:t>Dichter mit 5 oder weniger Gedichten wurden entfernt </a:t>
+            </a:r>
+            <a:r>
+              <a:rPr lang="de-DE" dirty="0">
+                <a:sym typeface="Wingdings" pitchFamily="2" charset="2"/>
+              </a:rPr>
+              <a:t> um nicht andere Signale zu erhalten</a:t>
+            </a:r>
+          </a:p>
+          <a:p>
+            <a:pPr marL="171450" indent="-171450">
+              <a:buFont typeface="Arial" panose="020B0604020202020204" pitchFamily="34" charset="0"/>
+              <a:buChar char="•"/>
+            </a:pPr>
+            <a:r>
+              <a:rPr lang="de-DE" dirty="0">
+                <a:sym typeface="Wingdings" pitchFamily="2" charset="2"/>
+              </a:rPr>
+              <a:t>Verschiedene Epochen von Gedichten eines Dichters wurden vorher getrennt</a:t>
+            </a:r>
+          </a:p>
+          <a:p>
+            <a:pPr marL="171450" indent="-171450">
+              <a:buFont typeface="Arial" panose="020B0604020202020204" pitchFamily="34" charset="0"/>
+              <a:buChar char="•"/>
+            </a:pPr>
+            <a:r>
+              <a:rPr lang="de-DE" dirty="0">
+                <a:sym typeface="Wingdings" pitchFamily="2" charset="2"/>
+              </a:rPr>
+              <a:t>Als Erscheinungsjahr wurde der Mittelwerte aller Gedichte des Dichter in der Epoche verwendet</a:t>
+            </a:r>
+            <a:endParaRPr lang="de-DE" dirty="0"/>
           </a:p>
         </p:txBody>
       </p:sp>
@@ -3300,7 +3197,7 @@
           <a:p>
             <a:fld id="{49FFD0F6-1B54-1D42-B676-41E105B9815E}" type="slidenum">
               <a:rPr lang="de-DE" smtClean="0"/>
-              <a:t>22</a:t>
+              <a:t>24</a:t>
             </a:fld>
             <a:endParaRPr lang="de-DE"/>
           </a:p>
@@ -3309,7 +3206,7 @@
     </p:spTree>
     <p:extLst>
       <p:ext uri="{BB962C8B-B14F-4D97-AF65-F5344CB8AC3E}">
-        <p14:creationId xmlns:p14="http://schemas.microsoft.com/office/powerpoint/2010/main" val="1014610307"/>
+        <p14:creationId xmlns:p14="http://schemas.microsoft.com/office/powerpoint/2010/main" val="410681100"/>
       </p:ext>
     </p:extLst>
   </p:cSld>
@@ -10840,35 +10737,6 @@
           </a:p>
         </p:txBody>
       </p:sp>
-      <p:pic>
-        <p:nvPicPr>
-          <p:cNvPr id="14" name="Picture 13" descr="A picture containing screenshot&#10;&#10;Description automatically generated">
-            <a:extLst>
-              <a:ext uri="{FF2B5EF4-FFF2-40B4-BE49-F238E27FC236}">
-                <a16:creationId xmlns:a16="http://schemas.microsoft.com/office/drawing/2014/main" id="{90880BCB-F0E1-7048-972B-93701624A9D9}"/>
-              </a:ext>
-            </a:extLst>
-          </p:cNvPr>
-          <p:cNvPicPr>
-            <a:picLocks noChangeAspect="1"/>
-          </p:cNvPicPr>
-          <p:nvPr/>
-        </p:nvPicPr>
-        <p:blipFill rotWithShape="1">
-          <a:blip r:embed="rId3"/>
-          <a:srcRect l="11046" t="6386" b="10456"/>
-          <a:stretch/>
-        </p:blipFill>
-        <p:spPr>
-          <a:xfrm>
-            <a:off x="5120640" y="1045049"/>
-            <a:ext cx="6656832" cy="4667317"/>
-          </a:xfrm>
-          <a:prstGeom prst="rect">
-            <a:avLst/>
-          </a:prstGeom>
-        </p:spPr>
-      </p:pic>
       <p:sp>
         <p:nvSpPr>
           <p:cNvPr id="6" name="TextBox 5">
@@ -11006,6 +10874,35 @@
           </a:p>
         </p:txBody>
       </p:sp>
+      <p:pic>
+        <p:nvPicPr>
+          <p:cNvPr id="21" name="Picture 20" descr="A picture containing screenshot&#10;&#10;Description automatically generated">
+            <a:extLst>
+              <a:ext uri="{FF2B5EF4-FFF2-40B4-BE49-F238E27FC236}">
+                <a16:creationId xmlns:a16="http://schemas.microsoft.com/office/drawing/2014/main" id="{5253686A-529B-684A-B451-2EAE2DF5863D}"/>
+              </a:ext>
+            </a:extLst>
+          </p:cNvPr>
+          <p:cNvPicPr>
+            <a:picLocks noChangeAspect="1"/>
+          </p:cNvPicPr>
+          <p:nvPr/>
+        </p:nvPicPr>
+        <p:blipFill rotWithShape="1">
+          <a:blip r:embed="rId3"/>
+          <a:srcRect l="11021" t="6249" r="1664" b="10709"/>
+          <a:stretch/>
+        </p:blipFill>
+        <p:spPr>
+          <a:xfrm>
+            <a:off x="4778951" y="657437"/>
+            <a:ext cx="7366218" cy="5543125"/>
+          </a:xfrm>
+          <a:prstGeom prst="rect">
+            <a:avLst/>
+          </a:prstGeom>
+        </p:spPr>
+      </p:pic>
     </p:spTree>
     <p:extLst>
       <p:ext uri="{BB962C8B-B14F-4D97-AF65-F5344CB8AC3E}">
@@ -11038,10 +10935,10 @@
       </p:grpSpPr>
       <p:pic>
         <p:nvPicPr>
-          <p:cNvPr id="4" name="Picture 3" descr="A picture containing screenshot&#10;&#10;Description automatically generated">
-            <a:extLst>
-              <a:ext uri="{FF2B5EF4-FFF2-40B4-BE49-F238E27FC236}">
-                <a16:creationId xmlns:a16="http://schemas.microsoft.com/office/drawing/2014/main" id="{8F0DC2BB-C108-6B45-89CF-C7C8D3873A56}"/>
+          <p:cNvPr id="16" name="Picture 15" descr="A screenshot of a cell phone&#10;&#10;Description automatically generated">
+            <a:extLst>
+              <a:ext uri="{FF2B5EF4-FFF2-40B4-BE49-F238E27FC236}">
+                <a16:creationId xmlns:a16="http://schemas.microsoft.com/office/drawing/2014/main" id="{7F378108-EC7D-AB40-8145-AFE170AA4A98}"/>
               </a:ext>
             </a:extLst>
           </p:cNvPr>
@@ -11052,13 +10949,13 @@
         </p:nvPicPr>
         <p:blipFill rotWithShape="1">
           <a:blip r:embed="rId2"/>
-          <a:srcRect l="10012" t="6676" b="10127"/>
+          <a:srcRect l="10970" t="6471" r="1496" b="5294"/>
           <a:stretch/>
         </p:blipFill>
         <p:spPr>
           <a:xfrm>
-            <a:off x="4183157" y="646497"/>
-            <a:ext cx="8008843" cy="5565006"/>
+            <a:off x="4107520" y="367602"/>
+            <a:ext cx="7756427" cy="5813049"/>
           </a:xfrm>
           <a:prstGeom prst="rect">
             <a:avLst/>
@@ -11079,7 +10976,7 @@
         </p:nvSpPr>
         <p:spPr>
           <a:xfrm>
-            <a:off x="3317503" y="5749838"/>
+            <a:off x="3317503" y="5685646"/>
             <a:ext cx="847165" cy="461665"/>
           </a:xfrm>
           <a:prstGeom prst="rect">
@@ -11115,8 +11012,8 @@
         </p:nvSpPr>
         <p:spPr>
           <a:xfrm>
-            <a:off x="4402232" y="5749838"/>
-            <a:ext cx="6705039" cy="430813"/>
+            <a:off x="4221816" y="5716498"/>
+            <a:ext cx="6550675" cy="430813"/>
           </a:xfrm>
           <a:prstGeom prst="rightArrow">
             <a:avLst>
@@ -11303,6 +11200,895 @@
 </file>
 
 <file path=ppt/slides/slide22.xml><?xml version="1.0" encoding="utf-8"?>
+<p:sld xmlns:a="http://schemas.openxmlformats.org/drawingml/2006/main" xmlns:r="http://schemas.openxmlformats.org/officeDocument/2006/relationships" xmlns:p="http://schemas.openxmlformats.org/presentationml/2006/main">
+  <p:cSld>
+    <p:bg>
+      <p:bgPr>
+        <a:solidFill>
+          <a:schemeClr val="bg1"/>
+        </a:solidFill>
+        <a:effectLst/>
+      </p:bgPr>
+    </p:bg>
+    <p:spTree>
+      <p:nvGrpSpPr>
+        <p:cNvPr id="1" name=""/>
+        <p:cNvGrpSpPr/>
+        <p:nvPr/>
+      </p:nvGrpSpPr>
+      <p:grpSpPr>
+        <a:xfrm>
+          <a:off x="0" y="0"/>
+          <a:ext cx="0" cy="0"/>
+          <a:chOff x="0" y="0"/>
+          <a:chExt cx="0" cy="0"/>
+        </a:xfrm>
+      </p:grpSpPr>
+      <p:sp>
+        <p:nvSpPr>
+          <p:cNvPr id="10" name="Rectangle 9">
+            <a:extLst>
+              <a:ext uri="{FF2B5EF4-FFF2-40B4-BE49-F238E27FC236}">
+                <a16:creationId xmlns:a16="http://schemas.microsoft.com/office/drawing/2014/main" id="{8D06CE56-3881-4ADA-8CEF-D18B02C242A3}"/>
+              </a:ext>
+              <a:ext uri="{C183D7F6-B498-43B3-948B-1728B52AA6E4}">
+                <adec:decorative xmlns:adec="http://schemas.microsoft.com/office/drawing/2017/decorative" val="1"/>
+              </a:ext>
+            </a:extLst>
+          </p:cNvPr>
+          <p:cNvSpPr>
+            <a:spLocks noGrp="1" noRot="1" noChangeAspect="1" noMove="1" noResize="1" noEditPoints="1" noAdjustHandles="1" noChangeArrowheads="1" noChangeShapeType="1" noTextEdit="1"/>
+          </p:cNvSpPr>
+          <p:nvPr>
+            <p:extLst>
+              <p:ext uri="{386F3935-93C4-4BCD-93E2-E3B085C9AB24}">
+                <p16:designElem xmlns:p16="http://schemas.microsoft.com/office/powerpoint/2015/main" val="1"/>
+              </p:ext>
+            </p:extLst>
+          </p:nvPr>
+        </p:nvSpPr>
+        <p:spPr>
+          <a:xfrm rot="5400000">
+            <a:off x="857544" y="346791"/>
+            <a:ext cx="146304" cy="704088"/>
+          </a:xfrm>
+          <a:prstGeom prst="rect">
+            <a:avLst/>
+          </a:prstGeom>
+          <a:solidFill>
+            <a:schemeClr val="accent1"/>
+          </a:solidFill>
+          <a:ln>
+            <a:noFill/>
+          </a:ln>
+        </p:spPr>
+        <p:style>
+          <a:lnRef idx="2">
+            <a:schemeClr val="accent1">
+              <a:shade val="50000"/>
+            </a:schemeClr>
+          </a:lnRef>
+          <a:fillRef idx="1">
+            <a:schemeClr val="accent1"/>
+          </a:fillRef>
+          <a:effectRef idx="0">
+            <a:schemeClr val="accent1"/>
+          </a:effectRef>
+          <a:fontRef idx="minor">
+            <a:schemeClr val="lt1"/>
+          </a:fontRef>
+        </p:style>
+        <p:txBody>
+          <a:bodyPr rtlCol="0" anchor="ctr"/>
+          <a:lstStyle/>
+          <a:p>
+            <a:pPr marL="0" marR="0" lvl="0" indent="0" algn="ctr" defTabSz="914400" rtl="0" eaLnBrk="1" fontAlgn="auto" latinLnBrk="0" hangingPunct="1">
+              <a:lnSpc>
+                <a:spcPct val="100000"/>
+              </a:lnSpc>
+              <a:spcBef>
+                <a:spcPts val="0"/>
+              </a:spcBef>
+              <a:spcAft>
+                <a:spcPts val="0"/>
+              </a:spcAft>
+              <a:buClrTx/>
+              <a:buSzTx/>
+              <a:buFontTx/>
+              <a:buNone/>
+              <a:tabLst/>
+              <a:defRPr/>
+            </a:pPr>
+            <a:endParaRPr kumimoji="0" lang="en-US" sz="1800" b="0" i="0" u="none" strike="noStrike" kern="1200" cap="none" spc="0" normalizeH="0" baseline="0" noProof="0">
+              <a:ln>
+                <a:noFill/>
+              </a:ln>
+              <a:solidFill>
+                <a:prstClr val="white"/>
+              </a:solidFill>
+              <a:effectLst/>
+              <a:uLnTx/>
+              <a:uFillTx/>
+              <a:latin typeface="Calibri" panose="020F0502020204030204"/>
+              <a:ea typeface="+mn-ea"/>
+              <a:cs typeface="+mn-cs"/>
+            </a:endParaRPr>
+          </a:p>
+        </p:txBody>
+      </p:sp>
+      <p:sp>
+        <p:nvSpPr>
+          <p:cNvPr id="12" name="Rectangle 11">
+            <a:extLst>
+              <a:ext uri="{FF2B5EF4-FFF2-40B4-BE49-F238E27FC236}">
+                <a16:creationId xmlns:a16="http://schemas.microsoft.com/office/drawing/2014/main" id="{79F3C543-62EC-4433-9C93-A2CD8764E9B4}"/>
+              </a:ext>
+              <a:ext uri="{C183D7F6-B498-43B3-948B-1728B52AA6E4}">
+                <adec:decorative xmlns:adec="http://schemas.microsoft.com/office/drawing/2017/decorative" val="1"/>
+              </a:ext>
+            </a:extLst>
+          </p:cNvPr>
+          <p:cNvSpPr>
+            <a:spLocks noGrp="1" noRot="1" noChangeAspect="1" noMove="1" noResize="1" noEditPoints="1" noAdjustHandles="1" noChangeArrowheads="1" noChangeShapeType="1" noTextEdit="1"/>
+          </p:cNvSpPr>
+          <p:nvPr>
+            <p:extLst>
+              <p:ext uri="{386F3935-93C4-4BCD-93E2-E3B085C9AB24}">
+                <p16:designElem xmlns:p16="http://schemas.microsoft.com/office/powerpoint/2015/main" val="1"/>
+              </p:ext>
+            </p:extLst>
+          </p:nvPr>
+        </p:nvSpPr>
+        <p:spPr>
+          <a:xfrm flipV="1">
+            <a:off x="578652" y="4501201"/>
+            <a:ext cx="11034696" cy="18288"/>
+          </a:xfrm>
+          <a:prstGeom prst="rect">
+            <a:avLst/>
+          </a:prstGeom>
+          <a:solidFill>
+            <a:schemeClr val="tx2">
+              <a:lumMod val="25000"/>
+              <a:lumOff val="75000"/>
+            </a:schemeClr>
+          </a:solidFill>
+          <a:ln w="3175">
+            <a:noFill/>
+          </a:ln>
+          <a:effectLst/>
+        </p:spPr>
+        <p:style>
+          <a:lnRef idx="2">
+            <a:schemeClr val="accent1">
+              <a:shade val="50000"/>
+            </a:schemeClr>
+          </a:lnRef>
+          <a:fillRef idx="1">
+            <a:schemeClr val="accent1"/>
+          </a:fillRef>
+          <a:effectRef idx="0">
+            <a:schemeClr val="accent1"/>
+          </a:effectRef>
+          <a:fontRef idx="minor">
+            <a:schemeClr val="lt1"/>
+          </a:fontRef>
+        </p:style>
+        <p:txBody>
+          <a:bodyPr rtlCol="0" anchor="ctr"/>
+          <a:lstStyle/>
+          <a:p>
+            <a:pPr marL="0" marR="0" lvl="0" indent="0" algn="ctr" defTabSz="914400" rtl="0" eaLnBrk="1" fontAlgn="auto" latinLnBrk="0" hangingPunct="1">
+              <a:lnSpc>
+                <a:spcPct val="100000"/>
+              </a:lnSpc>
+              <a:spcBef>
+                <a:spcPts val="0"/>
+              </a:spcBef>
+              <a:spcAft>
+                <a:spcPts val="0"/>
+              </a:spcAft>
+              <a:buClrTx/>
+              <a:buSzTx/>
+              <a:buFontTx/>
+              <a:buNone/>
+              <a:tabLst/>
+              <a:defRPr/>
+            </a:pPr>
+            <a:endParaRPr kumimoji="0" lang="en-US" sz="1800" b="0" i="0" u="none" strike="noStrike" kern="1200" cap="none" spc="0" normalizeH="0" baseline="0" noProof="0">
+              <a:ln>
+                <a:noFill/>
+              </a:ln>
+              <a:solidFill>
+                <a:prstClr val="white"/>
+              </a:solidFill>
+              <a:effectLst/>
+              <a:uLnTx/>
+              <a:uFillTx/>
+              <a:latin typeface="Calibri" panose="020F0502020204030204"/>
+              <a:ea typeface="+mn-ea"/>
+              <a:cs typeface="+mn-cs"/>
+            </a:endParaRPr>
+          </a:p>
+        </p:txBody>
+      </p:sp>
+      <p:sp useBgFill="1">
+        <p:nvSpPr>
+          <p:cNvPr id="14" name="Rectangle 13">
+            <a:extLst>
+              <a:ext uri="{FF2B5EF4-FFF2-40B4-BE49-F238E27FC236}">
+                <a16:creationId xmlns:a16="http://schemas.microsoft.com/office/drawing/2014/main" id="{68AF5748-FED8-45BA-8631-26D1D10F3246}"/>
+              </a:ext>
+              <a:ext uri="{C183D7F6-B498-43B3-948B-1728B52AA6E4}">
+                <adec:decorative xmlns:adec="http://schemas.microsoft.com/office/drawing/2017/decorative" val="1"/>
+              </a:ext>
+            </a:extLst>
+          </p:cNvPr>
+          <p:cNvSpPr>
+            <a:spLocks noGrp="1" noRot="1" noChangeAspect="1" noMove="1" noResize="1" noEditPoints="1" noAdjustHandles="1" noChangeArrowheads="1" noChangeShapeType="1" noTextEdit="1"/>
+          </p:cNvSpPr>
+          <p:nvPr>
+            <p:extLst>
+              <p:ext uri="{386F3935-93C4-4BCD-93E2-E3B085C9AB24}">
+                <p16:designElem xmlns:p16="http://schemas.microsoft.com/office/powerpoint/2015/main" val="1"/>
+              </p:ext>
+            </p:extLst>
+          </p:nvPr>
+        </p:nvSpPr>
+        <p:spPr>
+          <a:xfrm>
+            <a:off x="0" y="0"/>
+            <a:ext cx="12192000" cy="6858000"/>
+          </a:xfrm>
+          <a:prstGeom prst="rect">
+            <a:avLst/>
+          </a:prstGeom>
+          <a:ln>
+            <a:noFill/>
+          </a:ln>
+        </p:spPr>
+        <p:style>
+          <a:lnRef idx="2">
+            <a:schemeClr val="accent1">
+              <a:shade val="50000"/>
+            </a:schemeClr>
+          </a:lnRef>
+          <a:fillRef idx="1">
+            <a:schemeClr val="accent1"/>
+          </a:fillRef>
+          <a:effectRef idx="0">
+            <a:schemeClr val="accent1"/>
+          </a:effectRef>
+          <a:fontRef idx="minor">
+            <a:schemeClr val="lt1"/>
+          </a:fontRef>
+        </p:style>
+        <p:txBody>
+          <a:bodyPr rtlCol="0" anchor="ctr"/>
+          <a:lstStyle/>
+          <a:p>
+            <a:pPr algn="ctr"/>
+            <a:endParaRPr lang="en-US"/>
+          </a:p>
+        </p:txBody>
+      </p:sp>
+      <p:sp>
+        <p:nvSpPr>
+          <p:cNvPr id="2" name="Title 1">
+            <a:extLst>
+              <a:ext uri="{FF2B5EF4-FFF2-40B4-BE49-F238E27FC236}">
+                <a16:creationId xmlns:a16="http://schemas.microsoft.com/office/drawing/2014/main" id="{6EB97A2B-FE5C-534E-B670-6CA8E78B29AF}"/>
+              </a:ext>
+            </a:extLst>
+          </p:cNvPr>
+          <p:cNvSpPr>
+            <a:spLocks noGrp="1"/>
+          </p:cNvSpPr>
+          <p:nvPr>
+            <p:ph type="title"/>
+          </p:nvPr>
+        </p:nvSpPr>
+        <p:spPr>
+          <a:xfrm>
+            <a:off x="477981" y="1122363"/>
+            <a:ext cx="4023360" cy="3204134"/>
+          </a:xfrm>
+        </p:spPr>
+        <p:txBody>
+          <a:bodyPr vert="horz" lIns="91440" tIns="45720" rIns="91440" bIns="45720" rtlCol="0" anchor="b">
+            <a:normAutofit/>
+          </a:bodyPr>
+          <a:lstStyle/>
+          <a:p>
+            <a:r>
+              <a:rPr lang="en-US" sz="4800" b="1" dirty="0"/>
+              <a:t>K-Means</a:t>
+            </a:r>
+            <a:br>
+              <a:rPr lang="en-US" sz="4800" b="1" dirty="0"/>
+            </a:br>
+            <a:r>
+              <a:rPr lang="en-US" sz="4800" dirty="0" err="1"/>
+              <a:t>alle</a:t>
+            </a:r>
+            <a:r>
+              <a:rPr lang="en-US" sz="4800" dirty="0"/>
+              <a:t> </a:t>
+            </a:r>
+            <a:r>
+              <a:rPr lang="en-US" sz="4800" dirty="0" err="1"/>
+              <a:t>Epochen</a:t>
+            </a:r>
+            <a:endParaRPr lang="en-US" sz="4800" b="1" dirty="0"/>
+          </a:p>
+        </p:txBody>
+      </p:sp>
+      <p:sp>
+        <p:nvSpPr>
+          <p:cNvPr id="16" name="Rectangle 15">
+            <a:extLst>
+              <a:ext uri="{FF2B5EF4-FFF2-40B4-BE49-F238E27FC236}">
+                <a16:creationId xmlns:a16="http://schemas.microsoft.com/office/drawing/2014/main" id="{AF2F604E-43BE-4DC3-B983-E071523364F8}"/>
+              </a:ext>
+              <a:ext uri="{C183D7F6-B498-43B3-948B-1728B52AA6E4}">
+                <adec:decorative xmlns:adec="http://schemas.microsoft.com/office/drawing/2017/decorative" val="1"/>
+              </a:ext>
+            </a:extLst>
+          </p:cNvPr>
+          <p:cNvSpPr>
+            <a:spLocks noGrp="1" noRot="1" noChangeAspect="1" noMove="1" noResize="1" noEditPoints="1" noAdjustHandles="1" noChangeArrowheads="1" noChangeShapeType="1" noTextEdit="1"/>
+          </p:cNvSpPr>
+          <p:nvPr>
+            <p:extLst>
+              <p:ext uri="{386F3935-93C4-4BCD-93E2-E3B085C9AB24}">
+                <p16:designElem xmlns:p16="http://schemas.microsoft.com/office/powerpoint/2015/main" val="1"/>
+              </p:ext>
+            </p:extLst>
+          </p:nvPr>
+        </p:nvSpPr>
+        <p:spPr>
+          <a:xfrm rot="5400000">
+            <a:off x="759921" y="346791"/>
+            <a:ext cx="146304" cy="704088"/>
+          </a:xfrm>
+          <a:prstGeom prst="rect">
+            <a:avLst/>
+          </a:prstGeom>
+          <a:solidFill>
+            <a:schemeClr val="accent1"/>
+          </a:solidFill>
+          <a:ln>
+            <a:noFill/>
+          </a:ln>
+        </p:spPr>
+        <p:style>
+          <a:lnRef idx="2">
+            <a:schemeClr val="accent1">
+              <a:shade val="50000"/>
+            </a:schemeClr>
+          </a:lnRef>
+          <a:fillRef idx="1">
+            <a:schemeClr val="accent1"/>
+          </a:fillRef>
+          <a:effectRef idx="0">
+            <a:schemeClr val="accent1"/>
+          </a:effectRef>
+          <a:fontRef idx="minor">
+            <a:schemeClr val="lt1"/>
+          </a:fontRef>
+        </p:style>
+        <p:txBody>
+          <a:bodyPr rtlCol="0" anchor="ctr"/>
+          <a:lstStyle/>
+          <a:p>
+            <a:pPr marL="0" marR="0" lvl="0" indent="0" algn="ctr" defTabSz="914400" rtl="0" eaLnBrk="1" fontAlgn="auto" latinLnBrk="0" hangingPunct="1">
+              <a:lnSpc>
+                <a:spcPct val="100000"/>
+              </a:lnSpc>
+              <a:spcBef>
+                <a:spcPts val="0"/>
+              </a:spcBef>
+              <a:spcAft>
+                <a:spcPts val="0"/>
+              </a:spcAft>
+              <a:buClrTx/>
+              <a:buSzTx/>
+              <a:buFontTx/>
+              <a:buNone/>
+              <a:tabLst/>
+              <a:defRPr/>
+            </a:pPr>
+            <a:endParaRPr kumimoji="0" lang="en-US" sz="1800" b="0" i="0" u="none" strike="noStrike" kern="1200" cap="none" spc="0" normalizeH="0" baseline="0" noProof="0">
+              <a:ln>
+                <a:noFill/>
+              </a:ln>
+              <a:solidFill>
+                <a:prstClr val="white"/>
+              </a:solidFill>
+              <a:effectLst/>
+              <a:uLnTx/>
+              <a:uFillTx/>
+              <a:latin typeface="Calibri" panose="020F0502020204030204"/>
+              <a:ea typeface="+mn-ea"/>
+              <a:cs typeface="+mn-cs"/>
+            </a:endParaRPr>
+          </a:p>
+        </p:txBody>
+      </p:sp>
+      <p:sp>
+        <p:nvSpPr>
+          <p:cNvPr id="18" name="Rectangle 17">
+            <a:extLst>
+              <a:ext uri="{FF2B5EF4-FFF2-40B4-BE49-F238E27FC236}">
+                <a16:creationId xmlns:a16="http://schemas.microsoft.com/office/drawing/2014/main" id="{08C9B587-E65E-4B52-B37C-ABEBB6E87928}"/>
+              </a:ext>
+              <a:ext uri="{C183D7F6-B498-43B3-948B-1728B52AA6E4}">
+                <adec:decorative xmlns:adec="http://schemas.microsoft.com/office/drawing/2017/decorative" val="1"/>
+              </a:ext>
+            </a:extLst>
+          </p:cNvPr>
+          <p:cNvSpPr>
+            <a:spLocks noGrp="1" noRot="1" noChangeAspect="1" noMove="1" noResize="1" noEditPoints="1" noAdjustHandles="1" noChangeArrowheads="1" noChangeShapeType="1" noTextEdit="1"/>
+          </p:cNvSpPr>
+          <p:nvPr>
+            <p:extLst>
+              <p:ext uri="{386F3935-93C4-4BCD-93E2-E3B085C9AB24}">
+                <p16:designElem xmlns:p16="http://schemas.microsoft.com/office/powerpoint/2015/main" val="1"/>
+              </p:ext>
+            </p:extLst>
+          </p:nvPr>
+        </p:nvSpPr>
+        <p:spPr>
+          <a:xfrm>
+            <a:off x="481029" y="4546920"/>
+            <a:ext cx="4023360" cy="18288"/>
+          </a:xfrm>
+          <a:prstGeom prst="rect">
+            <a:avLst/>
+          </a:prstGeom>
+          <a:solidFill>
+            <a:schemeClr val="tx2">
+              <a:lumMod val="25000"/>
+              <a:lumOff val="75000"/>
+            </a:schemeClr>
+          </a:solidFill>
+          <a:ln w="3175">
+            <a:noFill/>
+          </a:ln>
+          <a:effectLst/>
+        </p:spPr>
+        <p:style>
+          <a:lnRef idx="2">
+            <a:schemeClr val="accent1">
+              <a:shade val="50000"/>
+            </a:schemeClr>
+          </a:lnRef>
+          <a:fillRef idx="1">
+            <a:schemeClr val="accent1"/>
+          </a:fillRef>
+          <a:effectRef idx="0">
+            <a:schemeClr val="accent1"/>
+          </a:effectRef>
+          <a:fontRef idx="minor">
+            <a:schemeClr val="lt1"/>
+          </a:fontRef>
+        </p:style>
+        <p:txBody>
+          <a:bodyPr rtlCol="0" anchor="ctr"/>
+          <a:lstStyle/>
+          <a:p>
+            <a:pPr marL="0" marR="0" lvl="0" indent="0" algn="ctr" defTabSz="914400" rtl="0" eaLnBrk="1" fontAlgn="auto" latinLnBrk="0" hangingPunct="1">
+              <a:lnSpc>
+                <a:spcPct val="100000"/>
+              </a:lnSpc>
+              <a:spcBef>
+                <a:spcPts val="0"/>
+              </a:spcBef>
+              <a:spcAft>
+                <a:spcPts val="0"/>
+              </a:spcAft>
+              <a:buClrTx/>
+              <a:buSzTx/>
+              <a:buFontTx/>
+              <a:buNone/>
+              <a:tabLst/>
+              <a:defRPr/>
+            </a:pPr>
+            <a:endParaRPr kumimoji="0" lang="en-US" sz="1800" b="0" i="0" u="none" strike="noStrike" kern="1200" cap="none" spc="0" normalizeH="0" baseline="0" noProof="0">
+              <a:ln>
+                <a:noFill/>
+              </a:ln>
+              <a:solidFill>
+                <a:prstClr val="white"/>
+              </a:solidFill>
+              <a:effectLst/>
+              <a:uLnTx/>
+              <a:uFillTx/>
+              <a:latin typeface="Calibri" panose="020F0502020204030204"/>
+              <a:ea typeface="+mn-ea"/>
+              <a:cs typeface="+mn-cs"/>
+            </a:endParaRPr>
+          </a:p>
+        </p:txBody>
+      </p:sp>
+      <p:pic>
+        <p:nvPicPr>
+          <p:cNvPr id="5" name="Picture 4" descr="A screenshot of a cell phone&#10;&#10;Description automatically generated">
+            <a:extLst>
+              <a:ext uri="{FF2B5EF4-FFF2-40B4-BE49-F238E27FC236}">
+                <a16:creationId xmlns:a16="http://schemas.microsoft.com/office/drawing/2014/main" id="{6087CDDB-2A2C-8E47-AC82-B66F707698F3}"/>
+              </a:ext>
+            </a:extLst>
+          </p:cNvPr>
+          <p:cNvPicPr>
+            <a:picLocks noChangeAspect="1"/>
+          </p:cNvPicPr>
+          <p:nvPr/>
+        </p:nvPicPr>
+        <p:blipFill rotWithShape="1">
+          <a:blip r:embed="rId2"/>
+          <a:srcRect l="10064" t="5874" r="12942" b="9958"/>
+          <a:stretch/>
+        </p:blipFill>
+        <p:spPr>
+          <a:xfrm>
+            <a:off x="4499817" y="276222"/>
+            <a:ext cx="7690659" cy="6305556"/>
+          </a:xfrm>
+          <a:prstGeom prst="rect">
+            <a:avLst/>
+          </a:prstGeom>
+        </p:spPr>
+      </p:pic>
+      <p:sp>
+        <p:nvSpPr>
+          <p:cNvPr id="6" name="TextBox 5">
+            <a:extLst>
+              <a:ext uri="{FF2B5EF4-FFF2-40B4-BE49-F238E27FC236}">
+                <a16:creationId xmlns:a16="http://schemas.microsoft.com/office/drawing/2014/main" id="{467DA40B-BE7B-B346-AE07-CAC87581B684}"/>
+              </a:ext>
+            </a:extLst>
+          </p:cNvPr>
+          <p:cNvSpPr txBox="1"/>
+          <p:nvPr/>
+        </p:nvSpPr>
+        <p:spPr>
+          <a:xfrm>
+            <a:off x="578652" y="4834887"/>
+            <a:ext cx="3724407" cy="2062103"/>
+          </a:xfrm>
+          <a:prstGeom prst="rect">
+            <a:avLst/>
+          </a:prstGeom>
+          <a:noFill/>
+        </p:spPr>
+        <p:txBody>
+          <a:bodyPr wrap="square" rtlCol="0">
+            <a:spAutoFit/>
+          </a:bodyPr>
+          <a:lstStyle/>
+          <a:p>
+            <a:r>
+              <a:rPr lang="de-DE" sz="3200" b="1" dirty="0" err="1"/>
+              <a:t>ari</a:t>
+            </a:r>
+            <a:r>
+              <a:rPr lang="de-DE" sz="3200" dirty="0"/>
+              <a:t>: 0.216</a:t>
+            </a:r>
+          </a:p>
+          <a:p>
+            <a:r>
+              <a:rPr lang="de-DE" sz="3200" b="1" dirty="0" err="1"/>
+              <a:t>vm</a:t>
+            </a:r>
+            <a:r>
+              <a:rPr lang="de-DE" sz="3200" dirty="0"/>
+              <a:t>: 0.338</a:t>
+            </a:r>
+          </a:p>
+          <a:p>
+            <a:r>
+              <a:rPr lang="de-DE" sz="3200" b="1" dirty="0"/>
+              <a:t>TODO</a:t>
+            </a:r>
+          </a:p>
+          <a:p>
+            <a:r>
+              <a:rPr lang="de-DE" sz="3200" b="1" dirty="0"/>
+              <a:t>aktualisieren</a:t>
+            </a:r>
+            <a:endParaRPr lang="de-DE" sz="2400" b="1" dirty="0"/>
+          </a:p>
+        </p:txBody>
+      </p:sp>
+    </p:spTree>
+    <p:extLst>
+      <p:ext uri="{BB962C8B-B14F-4D97-AF65-F5344CB8AC3E}">
+        <p14:creationId xmlns:p14="http://schemas.microsoft.com/office/powerpoint/2010/main" val="3001052201"/>
+      </p:ext>
+    </p:extLst>
+  </p:cSld>
+  <p:clrMapOvr>
+    <a:masterClrMapping/>
+  </p:clrMapOvr>
+</p:sld>
+</file>
+
+<file path=ppt/slides/slide23.xml><?xml version="1.0" encoding="utf-8"?>
+<p:sld xmlns:a="http://schemas.openxmlformats.org/drawingml/2006/main" xmlns:r="http://schemas.openxmlformats.org/officeDocument/2006/relationships" xmlns:p="http://schemas.openxmlformats.org/presentationml/2006/main">
+  <p:cSld>
+    <p:spTree>
+      <p:nvGrpSpPr>
+        <p:cNvPr id="1" name=""/>
+        <p:cNvGrpSpPr/>
+        <p:nvPr/>
+      </p:nvGrpSpPr>
+      <p:grpSpPr>
+        <a:xfrm>
+          <a:off x="0" y="0"/>
+          <a:ext cx="0" cy="0"/>
+          <a:chOff x="0" y="0"/>
+          <a:chExt cx="0" cy="0"/>
+        </a:xfrm>
+      </p:grpSpPr>
+      <p:sp>
+        <p:nvSpPr>
+          <p:cNvPr id="10" name="Title 9">
+            <a:extLst>
+              <a:ext uri="{FF2B5EF4-FFF2-40B4-BE49-F238E27FC236}">
+                <a16:creationId xmlns:a16="http://schemas.microsoft.com/office/drawing/2014/main" id="{721D0AD9-E862-4F4D-A146-524D71AA32CB}"/>
+              </a:ext>
+            </a:extLst>
+          </p:cNvPr>
+          <p:cNvSpPr>
+            <a:spLocks noGrp="1"/>
+          </p:cNvSpPr>
+          <p:nvPr>
+            <p:ph type="title"/>
+          </p:nvPr>
+        </p:nvSpPr>
+        <p:spPr/>
+        <p:txBody>
+          <a:bodyPr>
+            <a:normAutofit fontScale="90000"/>
+          </a:bodyPr>
+          <a:lstStyle/>
+          <a:p>
+            <a:r>
+              <a:rPr lang="de-DE" b="1" dirty="0"/>
+              <a:t>K-</a:t>
+            </a:r>
+            <a:r>
+              <a:rPr lang="de-DE" b="1" dirty="0" err="1"/>
+              <a:t>Means</a:t>
+            </a:r>
+            <a:r>
+              <a:rPr lang="de-DE" b="1" dirty="0"/>
+              <a:t> (+ Dimensionsreduktion)</a:t>
+            </a:r>
+            <a:br>
+              <a:rPr lang="de-DE" b="1" dirty="0"/>
+            </a:br>
+            <a:r>
+              <a:rPr lang="de-DE" dirty="0"/>
+              <a:t>alle Epochen</a:t>
+            </a:r>
+            <a:endParaRPr lang="de-DE" b="1" dirty="0"/>
+          </a:p>
+        </p:txBody>
+      </p:sp>
+      <p:sp>
+        <p:nvSpPr>
+          <p:cNvPr id="11" name="Text Placeholder 10">
+            <a:extLst>
+              <a:ext uri="{FF2B5EF4-FFF2-40B4-BE49-F238E27FC236}">
+                <a16:creationId xmlns:a16="http://schemas.microsoft.com/office/drawing/2014/main" id="{F1482671-E491-4C4E-96BF-73A1B9B91D81}"/>
+              </a:ext>
+            </a:extLst>
+          </p:cNvPr>
+          <p:cNvSpPr>
+            <a:spLocks noGrp="1"/>
+          </p:cNvSpPr>
+          <p:nvPr>
+            <p:ph type="body" idx="1"/>
+          </p:nvPr>
+        </p:nvSpPr>
+        <p:spPr>
+          <a:xfrm>
+            <a:off x="1115568" y="2206790"/>
+            <a:ext cx="4937760" cy="545362"/>
+          </a:xfrm>
+        </p:spPr>
+        <p:txBody>
+          <a:bodyPr/>
+          <a:lstStyle/>
+          <a:p>
+            <a:r>
+              <a:rPr lang="de-DE" dirty="0"/>
+              <a:t>Reduzierte Daten</a:t>
+            </a:r>
+          </a:p>
+        </p:txBody>
+      </p:sp>
+      <p:sp>
+        <p:nvSpPr>
+          <p:cNvPr id="13" name="Text Placeholder 12">
+            <a:extLst>
+              <a:ext uri="{FF2B5EF4-FFF2-40B4-BE49-F238E27FC236}">
+                <a16:creationId xmlns:a16="http://schemas.microsoft.com/office/drawing/2014/main" id="{8199E1CA-FEF8-D14A-AE83-40AEC31417AE}"/>
+              </a:ext>
+            </a:extLst>
+          </p:cNvPr>
+          <p:cNvSpPr>
+            <a:spLocks noGrp="1"/>
+          </p:cNvSpPr>
+          <p:nvPr>
+            <p:ph type="body" sz="quarter" idx="3"/>
+          </p:nvPr>
+        </p:nvSpPr>
+        <p:spPr>
+          <a:xfrm>
+            <a:off x="6345936" y="2206790"/>
+            <a:ext cx="4937760" cy="545362"/>
+          </a:xfrm>
+        </p:spPr>
+        <p:txBody>
+          <a:bodyPr/>
+          <a:lstStyle/>
+          <a:p>
+            <a:r>
+              <a:rPr lang="de-DE" dirty="0"/>
+              <a:t>Clustering mit K-</a:t>
+            </a:r>
+            <a:r>
+              <a:rPr lang="de-DE" dirty="0" err="1"/>
+              <a:t>Means</a:t>
+            </a:r>
+            <a:endParaRPr lang="de-DE" dirty="0"/>
+          </a:p>
+        </p:txBody>
+      </p:sp>
+      <p:pic>
+        <p:nvPicPr>
+          <p:cNvPr id="7" name="Picture 6" descr="A picture containing screenshot&#10;&#10;Description automatically generated">
+            <a:extLst>
+              <a:ext uri="{FF2B5EF4-FFF2-40B4-BE49-F238E27FC236}">
+                <a16:creationId xmlns:a16="http://schemas.microsoft.com/office/drawing/2014/main" id="{8DF75795-7E46-E74B-B7BD-E5DCCDB51CC1}"/>
+              </a:ext>
+            </a:extLst>
+          </p:cNvPr>
+          <p:cNvPicPr>
+            <a:picLocks noChangeAspect="1"/>
+          </p:cNvPicPr>
+          <p:nvPr/>
+        </p:nvPicPr>
+        <p:blipFill rotWithShape="1">
+          <a:blip r:embed="rId2"/>
+          <a:srcRect l="10580" t="6764" r="1664" b="9706"/>
+          <a:stretch/>
+        </p:blipFill>
+        <p:spPr>
+          <a:xfrm>
+            <a:off x="708924" y="2918012"/>
+            <a:ext cx="5344404" cy="3823200"/>
+          </a:xfrm>
+          <a:prstGeom prst="rect">
+            <a:avLst/>
+          </a:prstGeom>
+        </p:spPr>
+      </p:pic>
+      <p:pic>
+        <p:nvPicPr>
+          <p:cNvPr id="9" name="Picture 8" descr="A picture containing screenshot&#10;&#10;Description automatically generated">
+            <a:extLst>
+              <a:ext uri="{FF2B5EF4-FFF2-40B4-BE49-F238E27FC236}">
+                <a16:creationId xmlns:a16="http://schemas.microsoft.com/office/drawing/2014/main" id="{F7429EC8-8038-4143-BF5F-2D383942A966}"/>
+              </a:ext>
+            </a:extLst>
+          </p:cNvPr>
+          <p:cNvPicPr>
+            <a:picLocks noChangeAspect="1"/>
+          </p:cNvPicPr>
+          <p:nvPr/>
+        </p:nvPicPr>
+        <p:blipFill rotWithShape="1">
+          <a:blip r:embed="rId3"/>
+          <a:srcRect l="9695" t="6764" r="13822" b="9706"/>
+          <a:stretch/>
+        </p:blipFill>
+        <p:spPr>
+          <a:xfrm>
+            <a:off x="6488474" y="2918012"/>
+            <a:ext cx="4652684" cy="3818965"/>
+          </a:xfrm>
+          <a:prstGeom prst="rect">
+            <a:avLst/>
+          </a:prstGeom>
+        </p:spPr>
+      </p:pic>
+    </p:spTree>
+    <p:extLst>
+      <p:ext uri="{BB962C8B-B14F-4D97-AF65-F5344CB8AC3E}">
+        <p14:creationId xmlns:p14="http://schemas.microsoft.com/office/powerpoint/2010/main" val="3686803181"/>
+      </p:ext>
+    </p:extLst>
+  </p:cSld>
+  <p:clrMapOvr>
+    <a:masterClrMapping/>
+  </p:clrMapOvr>
+</p:sld>
+</file>
+
+<file path=ppt/slides/slide24.xml><?xml version="1.0" encoding="utf-8"?>
+<p:sld xmlns:a="http://schemas.openxmlformats.org/drawingml/2006/main" xmlns:r="http://schemas.openxmlformats.org/officeDocument/2006/relationships" xmlns:p="http://schemas.openxmlformats.org/presentationml/2006/main">
+  <p:cSld>
+    <p:spTree>
+      <p:nvGrpSpPr>
+        <p:cNvPr id="1" name=""/>
+        <p:cNvGrpSpPr/>
+        <p:nvPr/>
+      </p:nvGrpSpPr>
+      <p:grpSpPr>
+        <a:xfrm>
+          <a:off x="0" y="0"/>
+          <a:ext cx="0" cy="0"/>
+          <a:chOff x="0" y="0"/>
+          <a:chExt cx="0" cy="0"/>
+        </a:xfrm>
+      </p:grpSpPr>
+      <p:sp>
+        <p:nvSpPr>
+          <p:cNvPr id="2" name="Title 1">
+            <a:extLst>
+              <a:ext uri="{FF2B5EF4-FFF2-40B4-BE49-F238E27FC236}">
+                <a16:creationId xmlns:a16="http://schemas.microsoft.com/office/drawing/2014/main" id="{DCBE102F-D2BB-3946-AEF1-AE93DF5165E5}"/>
+              </a:ext>
+            </a:extLst>
+          </p:cNvPr>
+          <p:cNvSpPr>
+            <a:spLocks noGrp="1"/>
+          </p:cNvSpPr>
+          <p:nvPr>
+            <p:ph type="title"/>
+          </p:nvPr>
+        </p:nvSpPr>
+        <p:spPr/>
+        <p:txBody>
+          <a:bodyPr>
+            <a:normAutofit/>
+          </a:bodyPr>
+          <a:lstStyle/>
+          <a:p>
+            <a:r>
+              <a:rPr lang="de-DE" sz="4400" b="1" dirty="0"/>
+              <a:t>4.3.  Clustering von jeweils</a:t>
+            </a:r>
+            <a:br>
+              <a:rPr lang="de-DE" sz="4400" b="1" dirty="0"/>
+            </a:br>
+            <a:r>
+              <a:rPr lang="de-DE" sz="4400" b="1" dirty="0"/>
+              <a:t>	   zwei Epochen</a:t>
+            </a:r>
+            <a:endParaRPr lang="de-DE" sz="4800" b="1" dirty="0"/>
+          </a:p>
+        </p:txBody>
+      </p:sp>
+    </p:spTree>
+    <p:extLst>
+      <p:ext uri="{BB962C8B-B14F-4D97-AF65-F5344CB8AC3E}">
+        <p14:creationId xmlns:p14="http://schemas.microsoft.com/office/powerpoint/2010/main" val="186860969"/>
+      </p:ext>
+    </p:extLst>
+  </p:cSld>
+  <p:clrMapOvr>
+    <a:masterClrMapping/>
+  </p:clrMapOvr>
+</p:sld>
+</file>
+
+<file path=ppt/slides/slide25.xml><?xml version="1.0" encoding="utf-8"?>
 <p:sld xmlns:a="http://schemas.openxmlformats.org/drawingml/2006/main" xmlns:r="http://schemas.openxmlformats.org/officeDocument/2006/relationships" xmlns:p="http://schemas.openxmlformats.org/presentationml/2006/main">
   <p:cSld>
     <p:bg>
@@ -11848,7 +12634,13 @@
           <p:cNvGraphicFramePr>
             <a:graphicFrameLocks noGrp="1"/>
           </p:cNvGraphicFramePr>
-          <p:nvPr/>
+          <p:nvPr>
+            <p:extLst>
+              <p:ext uri="{D42A27DB-BD31-4B8C-83A1-F6EECF244321}">
+                <p14:modId xmlns:p14="http://schemas.microsoft.com/office/powerpoint/2010/main" val="4186080525"/>
+              </p:ext>
+            </p:extLst>
+          </p:nvPr>
         </p:nvGraphicFramePr>
         <p:xfrm>
           <a:off x="618423" y="2833916"/>
@@ -12099,7 +12891,7 @@
                         <a:rPr lang="en-GB" sz="2000" b="1" dirty="0" err="1">
                           <a:effectLst/>
                         </a:rPr>
-                        <a:t>Naturalismus</a:t>
+                        <a:t>Klassik</a:t>
                       </a:r>
                       <a:endParaRPr lang="en-GB" sz="2000" b="1" dirty="0">
                         <a:effectLst/>
@@ -12118,7 +12910,30 @@
                         <a:rPr lang="en-DE" sz="2000" b="1" dirty="0">
                           <a:effectLst/>
                         </a:rPr>
-                        <a:t>0.702405</a:t>
+                        <a:t>0.723914</a:t>
+                      </a:r>
+                    </a:p>
+                  </a:txBody>
+                  <a:tcPr anchor="ctr">
+                    <a:solidFill>
+                      <a:schemeClr val="accent6">
+                        <a:lumMod val="60000"/>
+                        <a:lumOff val="40000"/>
+                      </a:schemeClr>
+                    </a:solidFill>
+                  </a:tcPr>
+                </a:tc>
+                <a:tc>
+                  <a:txBody>
+                    <a:bodyPr/>
+                    <a:lstStyle/>
+                    <a:p>
+                      <a:pPr algn="r" fontAlgn="ctr"/>
+                      <a:r>
+                        <a:rPr lang="en-DE" sz="2000" b="1" dirty="0">
+                          <a:effectLst/>
+                        </a:rPr>
+                        <a:t>0.681082</a:t>
                       </a:r>
                     </a:p>
                   </a:txBody>
@@ -12141,7 +12956,7 @@
                         <a:rPr lang="en-DE" sz="2000" dirty="0">
                           <a:effectLst/>
                         </a:rPr>
-                        <a:t>0.605282</a:t>
+                        <a:t>0.491301</a:t>
                       </a:r>
                     </a:p>
                   </a:txBody>
@@ -12157,23 +12972,7 @@
                         <a:rPr lang="en-DE" sz="2000" dirty="0">
                           <a:effectLst/>
                         </a:rPr>
-                        <a:t>0.438779</a:t>
-                      </a:r>
-                    </a:p>
-                  </a:txBody>
-                  <a:tcPr anchor="ctr"/>
-                </a:tc>
-                <a:tc>
-                  <a:txBody>
-                    <a:bodyPr/>
-                    <a:lstStyle/>
-                    <a:p>
-                      <a:pPr algn="r" fontAlgn="ctr"/>
-                      <a:r>
-                        <a:rPr lang="en-DE" sz="2000" dirty="0">
-                          <a:effectLst/>
-                        </a:rPr>
-                        <a:t>0.449462</a:t>
+                        <a:t>0.499456</a:t>
                       </a:r>
                     </a:p>
                   </a:txBody>
@@ -12193,41 +12992,10 @@
                     <a:p>
                       <a:pPr algn="r" fontAlgn="ctr"/>
                       <a:r>
-                        <a:rPr lang="en-GB" sz="2000" b="1" dirty="0" err="1">
+                        <a:rPr lang="en-GB" sz="2000" b="1">
                           <a:effectLst/>
                         </a:rPr>
-                        <a:t>Barock</a:t>
-                      </a:r>
-                      <a:r>
-                        <a:rPr lang="en-GB" sz="2000" b="1" dirty="0">
-                          <a:effectLst/>
-                        </a:rPr>
-                        <a:t>/</a:t>
-                      </a:r>
-                      <a:r>
-                        <a:rPr lang="en-GB" sz="2000" b="1" dirty="0" err="1">
-                          <a:effectLst/>
-                        </a:rPr>
-                        <a:t>Klassik</a:t>
-                      </a:r>
-                      <a:endParaRPr lang="en-GB" sz="2000" b="1" dirty="0">
-                        <a:effectLst/>
-                      </a:endParaRPr>
-                    </a:p>
-                  </a:txBody>
-                  <a:tcPr anchor="ctr"/>
-                </a:tc>
-                <a:tc>
-                  <a:txBody>
-                    <a:bodyPr/>
-                    <a:lstStyle/>
-                    <a:p>
-                      <a:pPr algn="r" fontAlgn="ctr"/>
-                      <a:r>
-                        <a:rPr lang="en-DE" sz="2000" dirty="0">
-                          <a:effectLst/>
-                        </a:rPr>
-                        <a:t>0.668184</a:t>
+                        <a:t>Barock/Realismus</a:t>
                       </a:r>
                     </a:p>
                   </a:txBody>
@@ -12240,33 +13008,10 @@
                     <a:p>
                       <a:pPr algn="r" fontAlgn="ctr"/>
                       <a:r>
-                        <a:rPr lang="en-DE" sz="2000" b="1" dirty="0">
+                        <a:rPr lang="en-DE" sz="2000">
                           <a:effectLst/>
                         </a:rPr>
-                        <a:t>0.630639</a:t>
-                      </a:r>
-                    </a:p>
-                  </a:txBody>
-                  <a:tcPr anchor="ctr">
-                    <a:solidFill>
-                      <a:schemeClr val="accent6">
-                        <a:lumMod val="60000"/>
-                        <a:lumOff val="40000"/>
-                      </a:schemeClr>
-                    </a:solidFill>
-                  </a:tcPr>
-                </a:tc>
-                <a:tc>
-                  <a:txBody>
-                    <a:bodyPr/>
-                    <a:lstStyle/>
-                    <a:p>
-                      <a:pPr algn="r" fontAlgn="ctr"/>
-                      <a:r>
-                        <a:rPr lang="en-DE" sz="2000" dirty="0">
-                          <a:effectLst/>
-                        </a:rPr>
-                        <a:t>0.455296</a:t>
+                        <a:t>0.651314</a:t>
                       </a:r>
                     </a:p>
                   </a:txBody>
@@ -12282,7 +13027,41 @@
                         <a:rPr lang="en-DE" sz="2000" dirty="0">
                           <a:effectLst/>
                         </a:rPr>
-                        <a:t>0.47890</a:t>
+                        <a:t>0.629702</a:t>
+                      </a:r>
+                    </a:p>
+                  </a:txBody>
+                  <a:tcPr anchor="ctr">
+                    <a:noFill/>
+                  </a:tcPr>
+                </a:tc>
+                <a:tc>
+                  <a:txBody>
+                    <a:bodyPr/>
+                    <a:lstStyle/>
+                    <a:p>
+                      <a:pPr algn="r" fontAlgn="ctr"/>
+                      <a:r>
+                        <a:rPr lang="en-DE" sz="2000">
+                          <a:effectLst/>
+                        </a:rPr>
+                        <a:t>0.515060</a:t>
+                      </a:r>
+                    </a:p>
+                  </a:txBody>
+                  <a:tcPr anchor="ctr"/>
+                </a:tc>
+                <a:tc>
+                  <a:txBody>
+                    <a:bodyPr/>
+                    <a:lstStyle/>
+                    <a:p>
+                      <a:pPr algn="r" fontAlgn="ctr"/>
+                      <a:r>
+                        <a:rPr lang="en-DE" sz="2000" dirty="0">
+                          <a:effectLst/>
+                        </a:rPr>
+                        <a:t>0.531504</a:t>
                       </a:r>
                     </a:p>
                   </a:txBody>
@@ -12302,41 +13081,10 @@
                     <a:p>
                       <a:pPr algn="r" fontAlgn="ctr"/>
                       <a:r>
-                        <a:rPr lang="en-GB" sz="2000" b="1" dirty="0" err="1">
+                        <a:rPr lang="en-GB" sz="2000" b="1">
                           <a:effectLst/>
                         </a:rPr>
-                        <a:t>Aufklärung</a:t>
-                      </a:r>
-                      <a:r>
-                        <a:rPr lang="en-GB" sz="2000" b="1" dirty="0">
-                          <a:effectLst/>
-                        </a:rPr>
-                        <a:t>/</a:t>
-                      </a:r>
-                      <a:r>
-                        <a:rPr lang="en-GB" sz="2000" b="1" dirty="0" err="1">
-                          <a:effectLst/>
-                        </a:rPr>
-                        <a:t>Naturalismus</a:t>
-                      </a:r>
-                      <a:endParaRPr lang="en-GB" sz="2000" b="1" dirty="0">
-                        <a:effectLst/>
-                      </a:endParaRPr>
-                    </a:p>
-                  </a:txBody>
-                  <a:tcPr anchor="ctr"/>
-                </a:tc>
-                <a:tc>
-                  <a:txBody>
-                    <a:bodyPr/>
-                    <a:lstStyle/>
-                    <a:p>
-                      <a:pPr algn="r" fontAlgn="ctr"/>
-                      <a:r>
-                        <a:rPr lang="en-DE" sz="2000" dirty="0">
-                          <a:effectLst/>
-                        </a:rPr>
-                        <a:t>0.642419</a:t>
+                        <a:t>Aufklärung/Naturalismus</a:t>
                       </a:r>
                     </a:p>
                   </a:txBody>
@@ -12352,7 +13100,7 @@
                         <a:rPr lang="en-DE" sz="2000" dirty="0">
                           <a:effectLst/>
                         </a:rPr>
-                        <a:t>0.598242</a:t>
+                        <a:t>0.575708</a:t>
                       </a:r>
                     </a:p>
                   </a:txBody>
@@ -12368,7 +13116,23 @@
                         <a:rPr lang="en-DE" sz="2000" dirty="0">
                           <a:effectLst/>
                         </a:rPr>
-                        <a:t>0.105600</a:t>
+                        <a:t>0.480125</a:t>
+                      </a:r>
+                    </a:p>
+                  </a:txBody>
+                  <a:tcPr anchor="ctr"/>
+                </a:tc>
+                <a:tc>
+                  <a:txBody>
+                    <a:bodyPr/>
+                    <a:lstStyle/>
+                    <a:p>
+                      <a:pPr algn="r" fontAlgn="ctr"/>
+                      <a:r>
+                        <a:rPr lang="en-DE" sz="2000">
+                          <a:effectLst/>
+                        </a:rPr>
+                        <a:t>0.131620</a:t>
                       </a:r>
                     </a:p>
                   </a:txBody>
@@ -12384,7 +13148,7 @@
                         <a:rPr lang="en-DE" sz="2000" dirty="0">
                           <a:effectLst/>
                         </a:rPr>
-                        <a:t>0.067682</a:t>
+                        <a:t>0.155326</a:t>
                       </a:r>
                     </a:p>
                   </a:txBody>
@@ -12404,26 +13168,11 @@
                     <a:p>
                       <a:pPr algn="r" fontAlgn="ctr"/>
                       <a:r>
-                        <a:rPr lang="en-GB" sz="2000" b="1" dirty="0" err="1">
+                        <a:rPr lang="en-GB" sz="2000" b="1">
                           <a:effectLst/>
                         </a:rPr>
-                        <a:t>Barock</a:t>
+                        <a:t>Barock/Aufklärung</a:t>
                       </a:r>
-                      <a:r>
-                        <a:rPr lang="en-GB" sz="2000" b="1" dirty="0">
-                          <a:effectLst/>
-                        </a:rPr>
-                        <a:t>/</a:t>
-                      </a:r>
-                      <a:r>
-                        <a:rPr lang="en-GB" sz="2000" b="1" dirty="0" err="1">
-                          <a:effectLst/>
-                        </a:rPr>
-                        <a:t>Realismus</a:t>
-                      </a:r>
-                      <a:endParaRPr lang="en-GB" sz="2000" b="1" dirty="0">
-                        <a:effectLst/>
-                      </a:endParaRPr>
                     </a:p>
                   </a:txBody>
                   <a:tcPr anchor="ctr"/>
@@ -12435,10 +13184,10 @@
                     <a:p>
                       <a:pPr algn="r" fontAlgn="ctr"/>
                       <a:r>
-                        <a:rPr lang="en-DE" sz="2000" dirty="0">
+                        <a:rPr lang="en-DE" sz="2000">
                           <a:effectLst/>
                         </a:rPr>
-                        <a:t>0.636041</a:t>
+                        <a:t>0.541778</a:t>
                       </a:r>
                     </a:p>
                   </a:txBody>
@@ -12454,7 +13203,23 @@
                         <a:rPr lang="en-DE" sz="2000" dirty="0">
                           <a:effectLst/>
                         </a:rPr>
-                        <a:t>0.613524</a:t>
+                        <a:t>0.461887</a:t>
+                      </a:r>
+                    </a:p>
+                  </a:txBody>
+                  <a:tcPr anchor="ctr"/>
+                </a:tc>
+                <a:tc>
+                  <a:txBody>
+                    <a:bodyPr/>
+                    <a:lstStyle/>
+                    <a:p>
+                      <a:pPr algn="r" fontAlgn="ctr"/>
+                      <a:r>
+                        <a:rPr lang="en-DE" sz="2000">
+                          <a:effectLst/>
+                        </a:rPr>
+                        <a:t>0.374712</a:t>
                       </a:r>
                     </a:p>
                   </a:txBody>
@@ -12470,23 +13235,7 @@
                         <a:rPr lang="en-DE" sz="2000" dirty="0">
                           <a:effectLst/>
                         </a:rPr>
-                        <a:t>0.507069</a:t>
-                      </a:r>
-                    </a:p>
-                  </a:txBody>
-                  <a:tcPr anchor="ctr"/>
-                </a:tc>
-                <a:tc>
-                  <a:txBody>
-                    <a:bodyPr/>
-                    <a:lstStyle/>
-                    <a:p>
-                      <a:pPr algn="r" fontAlgn="ctr"/>
-                      <a:r>
-                        <a:rPr lang="en-DE" sz="2000" dirty="0">
-                          <a:effectLst/>
-                        </a:rPr>
-                        <a:t>0.54058</a:t>
+                        <a:t>0.380885</a:t>
                       </a:r>
                     </a:p>
                   </a:txBody>
@@ -12506,26 +13255,11 @@
                     <a:p>
                       <a:pPr algn="r" fontAlgn="ctr"/>
                       <a:r>
-                        <a:rPr lang="en-GB" sz="2000" b="1" dirty="0" err="1">
+                        <a:rPr lang="en-GB" sz="2000" b="1">
                           <a:effectLst/>
                         </a:rPr>
-                        <a:t>Barock</a:t>
+                        <a:t>Klassik/Naturalismus</a:t>
                       </a:r>
-                      <a:r>
-                        <a:rPr lang="en-GB" sz="2000" b="1" dirty="0">
-                          <a:effectLst/>
-                        </a:rPr>
-                        <a:t>/</a:t>
-                      </a:r>
-                      <a:r>
-                        <a:rPr lang="en-GB" sz="2000" b="1" dirty="0" err="1">
-                          <a:effectLst/>
-                        </a:rPr>
-                        <a:t>Aufklärung</a:t>
-                      </a:r>
-                      <a:endParaRPr lang="en-GB" sz="2000" b="1" dirty="0">
-                        <a:effectLst/>
-                      </a:endParaRPr>
                     </a:p>
                   </a:txBody>
                   <a:tcPr anchor="ctr"/>
@@ -12540,7 +13274,7 @@
                         <a:rPr lang="en-DE" sz="2000">
                           <a:effectLst/>
                         </a:rPr>
-                        <a:t>0.549068</a:t>
+                        <a:t>0.478888</a:t>
                       </a:r>
                     </a:p>
                   </a:txBody>
@@ -12556,7 +13290,23 @@
                         <a:rPr lang="en-DE" sz="2000" dirty="0">
                           <a:effectLst/>
                         </a:rPr>
-                        <a:t>0.466089</a:t>
+                        <a:t>0.485033</a:t>
+                      </a:r>
+                    </a:p>
+                  </a:txBody>
+                  <a:tcPr anchor="ctr"/>
+                </a:tc>
+                <a:tc>
+                  <a:txBody>
+                    <a:bodyPr/>
+                    <a:lstStyle/>
+                    <a:p>
+                      <a:pPr algn="r" fontAlgn="ctr"/>
+                      <a:r>
+                        <a:rPr lang="en-DE" sz="2000">
+                          <a:effectLst/>
+                        </a:rPr>
+                        <a:t>0.095308</a:t>
                       </a:r>
                     </a:p>
                   </a:txBody>
@@ -12572,23 +13322,7 @@
                         <a:rPr lang="en-DE" sz="2000" dirty="0">
                           <a:effectLst/>
                         </a:rPr>
-                        <a:t>0.383122</a:t>
-                      </a:r>
-                    </a:p>
-                  </a:txBody>
-                  <a:tcPr anchor="ctr"/>
-                </a:tc>
-                <a:tc>
-                  <a:txBody>
-                    <a:bodyPr/>
-                    <a:lstStyle/>
-                    <a:p>
-                      <a:pPr algn="r" fontAlgn="ctr"/>
-                      <a:r>
-                        <a:rPr lang="en-DE" sz="2000" dirty="0">
-                          <a:effectLst/>
-                        </a:rPr>
-                        <a:t>0.384044</a:t>
+                        <a:t>0.030450</a:t>
                       </a:r>
                     </a:p>
                   </a:txBody>
@@ -12656,883 +13390,6 @@
 </p:sld>
 </file>
 
-<file path=ppt/slides/slide23.xml><?xml version="1.0" encoding="utf-8"?>
-<p:sld xmlns:a="http://schemas.openxmlformats.org/drawingml/2006/main" xmlns:r="http://schemas.openxmlformats.org/officeDocument/2006/relationships" xmlns:p="http://schemas.openxmlformats.org/presentationml/2006/main">
-  <p:cSld>
-    <p:bg>
-      <p:bgPr>
-        <a:solidFill>
-          <a:schemeClr val="bg1"/>
-        </a:solidFill>
-        <a:effectLst/>
-      </p:bgPr>
-    </p:bg>
-    <p:spTree>
-      <p:nvGrpSpPr>
-        <p:cNvPr id="1" name=""/>
-        <p:cNvGrpSpPr/>
-        <p:nvPr/>
-      </p:nvGrpSpPr>
-      <p:grpSpPr>
-        <a:xfrm>
-          <a:off x="0" y="0"/>
-          <a:ext cx="0" cy="0"/>
-          <a:chOff x="0" y="0"/>
-          <a:chExt cx="0" cy="0"/>
-        </a:xfrm>
-      </p:grpSpPr>
-      <p:sp>
-        <p:nvSpPr>
-          <p:cNvPr id="10" name="Rectangle 9">
-            <a:extLst>
-              <a:ext uri="{FF2B5EF4-FFF2-40B4-BE49-F238E27FC236}">
-                <a16:creationId xmlns:a16="http://schemas.microsoft.com/office/drawing/2014/main" id="{8D06CE56-3881-4ADA-8CEF-D18B02C242A3}"/>
-              </a:ext>
-              <a:ext uri="{C183D7F6-B498-43B3-948B-1728B52AA6E4}">
-                <adec:decorative xmlns:adec="http://schemas.microsoft.com/office/drawing/2017/decorative" val="1"/>
-              </a:ext>
-            </a:extLst>
-          </p:cNvPr>
-          <p:cNvSpPr>
-            <a:spLocks noGrp="1" noRot="1" noChangeAspect="1" noMove="1" noResize="1" noEditPoints="1" noAdjustHandles="1" noChangeArrowheads="1" noChangeShapeType="1" noTextEdit="1"/>
-          </p:cNvSpPr>
-          <p:nvPr>
-            <p:extLst>
-              <p:ext uri="{386F3935-93C4-4BCD-93E2-E3B085C9AB24}">
-                <p16:designElem xmlns:p16="http://schemas.microsoft.com/office/powerpoint/2015/main" val="1"/>
-              </p:ext>
-            </p:extLst>
-          </p:nvPr>
-        </p:nvSpPr>
-        <p:spPr>
-          <a:xfrm rot="5400000">
-            <a:off x="857544" y="346791"/>
-            <a:ext cx="146304" cy="704088"/>
-          </a:xfrm>
-          <a:prstGeom prst="rect">
-            <a:avLst/>
-          </a:prstGeom>
-          <a:solidFill>
-            <a:schemeClr val="accent1"/>
-          </a:solidFill>
-          <a:ln>
-            <a:noFill/>
-          </a:ln>
-        </p:spPr>
-        <p:style>
-          <a:lnRef idx="2">
-            <a:schemeClr val="accent1">
-              <a:shade val="50000"/>
-            </a:schemeClr>
-          </a:lnRef>
-          <a:fillRef idx="1">
-            <a:schemeClr val="accent1"/>
-          </a:fillRef>
-          <a:effectRef idx="0">
-            <a:schemeClr val="accent1"/>
-          </a:effectRef>
-          <a:fontRef idx="minor">
-            <a:schemeClr val="lt1"/>
-          </a:fontRef>
-        </p:style>
-        <p:txBody>
-          <a:bodyPr rtlCol="0" anchor="ctr"/>
-          <a:lstStyle/>
-          <a:p>
-            <a:pPr marL="0" marR="0" lvl="0" indent="0" algn="ctr" defTabSz="914400" rtl="0" eaLnBrk="1" fontAlgn="auto" latinLnBrk="0" hangingPunct="1">
-              <a:lnSpc>
-                <a:spcPct val="100000"/>
-              </a:lnSpc>
-              <a:spcBef>
-                <a:spcPts val="0"/>
-              </a:spcBef>
-              <a:spcAft>
-                <a:spcPts val="0"/>
-              </a:spcAft>
-              <a:buClrTx/>
-              <a:buSzTx/>
-              <a:buFontTx/>
-              <a:buNone/>
-              <a:tabLst/>
-              <a:defRPr/>
-            </a:pPr>
-            <a:endParaRPr kumimoji="0" lang="en-US" sz="1800" b="0" i="0" u="none" strike="noStrike" kern="1200" cap="none" spc="0" normalizeH="0" baseline="0" noProof="0">
-              <a:ln>
-                <a:noFill/>
-              </a:ln>
-              <a:solidFill>
-                <a:prstClr val="white"/>
-              </a:solidFill>
-              <a:effectLst/>
-              <a:uLnTx/>
-              <a:uFillTx/>
-              <a:latin typeface="Calibri" panose="020F0502020204030204"/>
-              <a:ea typeface="+mn-ea"/>
-              <a:cs typeface="+mn-cs"/>
-            </a:endParaRPr>
-          </a:p>
-        </p:txBody>
-      </p:sp>
-      <p:sp>
-        <p:nvSpPr>
-          <p:cNvPr id="12" name="Rectangle 11">
-            <a:extLst>
-              <a:ext uri="{FF2B5EF4-FFF2-40B4-BE49-F238E27FC236}">
-                <a16:creationId xmlns:a16="http://schemas.microsoft.com/office/drawing/2014/main" id="{79F3C543-62EC-4433-9C93-A2CD8764E9B4}"/>
-              </a:ext>
-              <a:ext uri="{C183D7F6-B498-43B3-948B-1728B52AA6E4}">
-                <adec:decorative xmlns:adec="http://schemas.microsoft.com/office/drawing/2017/decorative" val="1"/>
-              </a:ext>
-            </a:extLst>
-          </p:cNvPr>
-          <p:cNvSpPr>
-            <a:spLocks noGrp="1" noRot="1" noChangeAspect="1" noMove="1" noResize="1" noEditPoints="1" noAdjustHandles="1" noChangeArrowheads="1" noChangeShapeType="1" noTextEdit="1"/>
-          </p:cNvSpPr>
-          <p:nvPr>
-            <p:extLst>
-              <p:ext uri="{386F3935-93C4-4BCD-93E2-E3B085C9AB24}">
-                <p16:designElem xmlns:p16="http://schemas.microsoft.com/office/powerpoint/2015/main" val="1"/>
-              </p:ext>
-            </p:extLst>
-          </p:nvPr>
-        </p:nvSpPr>
-        <p:spPr>
-          <a:xfrm flipV="1">
-            <a:off x="578652" y="4501201"/>
-            <a:ext cx="11034696" cy="18288"/>
-          </a:xfrm>
-          <a:prstGeom prst="rect">
-            <a:avLst/>
-          </a:prstGeom>
-          <a:solidFill>
-            <a:schemeClr val="tx2">
-              <a:lumMod val="25000"/>
-              <a:lumOff val="75000"/>
-            </a:schemeClr>
-          </a:solidFill>
-          <a:ln w="3175">
-            <a:noFill/>
-          </a:ln>
-          <a:effectLst/>
-        </p:spPr>
-        <p:style>
-          <a:lnRef idx="2">
-            <a:schemeClr val="accent1">
-              <a:shade val="50000"/>
-            </a:schemeClr>
-          </a:lnRef>
-          <a:fillRef idx="1">
-            <a:schemeClr val="accent1"/>
-          </a:fillRef>
-          <a:effectRef idx="0">
-            <a:schemeClr val="accent1"/>
-          </a:effectRef>
-          <a:fontRef idx="minor">
-            <a:schemeClr val="lt1"/>
-          </a:fontRef>
-        </p:style>
-        <p:txBody>
-          <a:bodyPr rtlCol="0" anchor="ctr"/>
-          <a:lstStyle/>
-          <a:p>
-            <a:pPr marL="0" marR="0" lvl="0" indent="0" algn="ctr" defTabSz="914400" rtl="0" eaLnBrk="1" fontAlgn="auto" latinLnBrk="0" hangingPunct="1">
-              <a:lnSpc>
-                <a:spcPct val="100000"/>
-              </a:lnSpc>
-              <a:spcBef>
-                <a:spcPts val="0"/>
-              </a:spcBef>
-              <a:spcAft>
-                <a:spcPts val="0"/>
-              </a:spcAft>
-              <a:buClrTx/>
-              <a:buSzTx/>
-              <a:buFontTx/>
-              <a:buNone/>
-              <a:tabLst/>
-              <a:defRPr/>
-            </a:pPr>
-            <a:endParaRPr kumimoji="0" lang="en-US" sz="1800" b="0" i="0" u="none" strike="noStrike" kern="1200" cap="none" spc="0" normalizeH="0" baseline="0" noProof="0">
-              <a:ln>
-                <a:noFill/>
-              </a:ln>
-              <a:solidFill>
-                <a:prstClr val="white"/>
-              </a:solidFill>
-              <a:effectLst/>
-              <a:uLnTx/>
-              <a:uFillTx/>
-              <a:latin typeface="Calibri" panose="020F0502020204030204"/>
-              <a:ea typeface="+mn-ea"/>
-              <a:cs typeface="+mn-cs"/>
-            </a:endParaRPr>
-          </a:p>
-        </p:txBody>
-      </p:sp>
-      <p:sp useBgFill="1">
-        <p:nvSpPr>
-          <p:cNvPr id="14" name="Rectangle 13">
-            <a:extLst>
-              <a:ext uri="{FF2B5EF4-FFF2-40B4-BE49-F238E27FC236}">
-                <a16:creationId xmlns:a16="http://schemas.microsoft.com/office/drawing/2014/main" id="{68AF5748-FED8-45BA-8631-26D1D10F3246}"/>
-              </a:ext>
-              <a:ext uri="{C183D7F6-B498-43B3-948B-1728B52AA6E4}">
-                <adec:decorative xmlns:adec="http://schemas.microsoft.com/office/drawing/2017/decorative" val="1"/>
-              </a:ext>
-            </a:extLst>
-          </p:cNvPr>
-          <p:cNvSpPr>
-            <a:spLocks noGrp="1" noRot="1" noChangeAspect="1" noMove="1" noResize="1" noEditPoints="1" noAdjustHandles="1" noChangeArrowheads="1" noChangeShapeType="1" noTextEdit="1"/>
-          </p:cNvSpPr>
-          <p:nvPr>
-            <p:extLst>
-              <p:ext uri="{386F3935-93C4-4BCD-93E2-E3B085C9AB24}">
-                <p16:designElem xmlns:p16="http://schemas.microsoft.com/office/powerpoint/2015/main" val="1"/>
-              </p:ext>
-            </p:extLst>
-          </p:nvPr>
-        </p:nvSpPr>
-        <p:spPr>
-          <a:xfrm>
-            <a:off x="0" y="0"/>
-            <a:ext cx="12192000" cy="6858000"/>
-          </a:xfrm>
-          <a:prstGeom prst="rect">
-            <a:avLst/>
-          </a:prstGeom>
-          <a:ln>
-            <a:noFill/>
-          </a:ln>
-        </p:spPr>
-        <p:style>
-          <a:lnRef idx="2">
-            <a:schemeClr val="accent1">
-              <a:shade val="50000"/>
-            </a:schemeClr>
-          </a:lnRef>
-          <a:fillRef idx="1">
-            <a:schemeClr val="accent1"/>
-          </a:fillRef>
-          <a:effectRef idx="0">
-            <a:schemeClr val="accent1"/>
-          </a:effectRef>
-          <a:fontRef idx="minor">
-            <a:schemeClr val="lt1"/>
-          </a:fontRef>
-        </p:style>
-        <p:txBody>
-          <a:bodyPr rtlCol="0" anchor="ctr"/>
-          <a:lstStyle/>
-          <a:p>
-            <a:pPr algn="ctr"/>
-            <a:endParaRPr lang="en-US"/>
-          </a:p>
-        </p:txBody>
-      </p:sp>
-      <p:sp>
-        <p:nvSpPr>
-          <p:cNvPr id="2" name="Title 1">
-            <a:extLst>
-              <a:ext uri="{FF2B5EF4-FFF2-40B4-BE49-F238E27FC236}">
-                <a16:creationId xmlns:a16="http://schemas.microsoft.com/office/drawing/2014/main" id="{6EB97A2B-FE5C-534E-B670-6CA8E78B29AF}"/>
-              </a:ext>
-            </a:extLst>
-          </p:cNvPr>
-          <p:cNvSpPr>
-            <a:spLocks noGrp="1"/>
-          </p:cNvSpPr>
-          <p:nvPr>
-            <p:ph type="title"/>
-          </p:nvPr>
-        </p:nvSpPr>
-        <p:spPr>
-          <a:xfrm>
-            <a:off x="477981" y="1122363"/>
-            <a:ext cx="4023360" cy="3204134"/>
-          </a:xfrm>
-        </p:spPr>
-        <p:txBody>
-          <a:bodyPr vert="horz" lIns="91440" tIns="45720" rIns="91440" bIns="45720" rtlCol="0" anchor="b">
-            <a:normAutofit/>
-          </a:bodyPr>
-          <a:lstStyle/>
-          <a:p>
-            <a:r>
-              <a:rPr lang="en-US" sz="4800" b="1" dirty="0"/>
-              <a:t>K-Means</a:t>
-            </a:r>
-            <a:br>
-              <a:rPr lang="en-US" sz="4800" b="1" dirty="0"/>
-            </a:br>
-            <a:r>
-              <a:rPr lang="en-US" sz="4800" dirty="0" err="1"/>
-              <a:t>alle</a:t>
-            </a:r>
-            <a:r>
-              <a:rPr lang="en-US" sz="4800" dirty="0"/>
-              <a:t> </a:t>
-            </a:r>
-            <a:r>
-              <a:rPr lang="en-US" sz="4800" dirty="0" err="1"/>
-              <a:t>Epochen</a:t>
-            </a:r>
-            <a:endParaRPr lang="en-US" sz="4800" b="1" dirty="0"/>
-          </a:p>
-        </p:txBody>
-      </p:sp>
-      <p:sp>
-        <p:nvSpPr>
-          <p:cNvPr id="16" name="Rectangle 15">
-            <a:extLst>
-              <a:ext uri="{FF2B5EF4-FFF2-40B4-BE49-F238E27FC236}">
-                <a16:creationId xmlns:a16="http://schemas.microsoft.com/office/drawing/2014/main" id="{AF2F604E-43BE-4DC3-B983-E071523364F8}"/>
-              </a:ext>
-              <a:ext uri="{C183D7F6-B498-43B3-948B-1728B52AA6E4}">
-                <adec:decorative xmlns:adec="http://schemas.microsoft.com/office/drawing/2017/decorative" val="1"/>
-              </a:ext>
-            </a:extLst>
-          </p:cNvPr>
-          <p:cNvSpPr>
-            <a:spLocks noGrp="1" noRot="1" noChangeAspect="1" noMove="1" noResize="1" noEditPoints="1" noAdjustHandles="1" noChangeArrowheads="1" noChangeShapeType="1" noTextEdit="1"/>
-          </p:cNvSpPr>
-          <p:nvPr>
-            <p:extLst>
-              <p:ext uri="{386F3935-93C4-4BCD-93E2-E3B085C9AB24}">
-                <p16:designElem xmlns:p16="http://schemas.microsoft.com/office/powerpoint/2015/main" val="1"/>
-              </p:ext>
-            </p:extLst>
-          </p:nvPr>
-        </p:nvSpPr>
-        <p:spPr>
-          <a:xfrm rot="5400000">
-            <a:off x="759921" y="346791"/>
-            <a:ext cx="146304" cy="704088"/>
-          </a:xfrm>
-          <a:prstGeom prst="rect">
-            <a:avLst/>
-          </a:prstGeom>
-          <a:solidFill>
-            <a:schemeClr val="accent1"/>
-          </a:solidFill>
-          <a:ln>
-            <a:noFill/>
-          </a:ln>
-        </p:spPr>
-        <p:style>
-          <a:lnRef idx="2">
-            <a:schemeClr val="accent1">
-              <a:shade val="50000"/>
-            </a:schemeClr>
-          </a:lnRef>
-          <a:fillRef idx="1">
-            <a:schemeClr val="accent1"/>
-          </a:fillRef>
-          <a:effectRef idx="0">
-            <a:schemeClr val="accent1"/>
-          </a:effectRef>
-          <a:fontRef idx="minor">
-            <a:schemeClr val="lt1"/>
-          </a:fontRef>
-        </p:style>
-        <p:txBody>
-          <a:bodyPr rtlCol="0" anchor="ctr"/>
-          <a:lstStyle/>
-          <a:p>
-            <a:pPr marL="0" marR="0" lvl="0" indent="0" algn="ctr" defTabSz="914400" rtl="0" eaLnBrk="1" fontAlgn="auto" latinLnBrk="0" hangingPunct="1">
-              <a:lnSpc>
-                <a:spcPct val="100000"/>
-              </a:lnSpc>
-              <a:spcBef>
-                <a:spcPts val="0"/>
-              </a:spcBef>
-              <a:spcAft>
-                <a:spcPts val="0"/>
-              </a:spcAft>
-              <a:buClrTx/>
-              <a:buSzTx/>
-              <a:buFontTx/>
-              <a:buNone/>
-              <a:tabLst/>
-              <a:defRPr/>
-            </a:pPr>
-            <a:endParaRPr kumimoji="0" lang="en-US" sz="1800" b="0" i="0" u="none" strike="noStrike" kern="1200" cap="none" spc="0" normalizeH="0" baseline="0" noProof="0">
-              <a:ln>
-                <a:noFill/>
-              </a:ln>
-              <a:solidFill>
-                <a:prstClr val="white"/>
-              </a:solidFill>
-              <a:effectLst/>
-              <a:uLnTx/>
-              <a:uFillTx/>
-              <a:latin typeface="Calibri" panose="020F0502020204030204"/>
-              <a:ea typeface="+mn-ea"/>
-              <a:cs typeface="+mn-cs"/>
-            </a:endParaRPr>
-          </a:p>
-        </p:txBody>
-      </p:sp>
-      <p:sp>
-        <p:nvSpPr>
-          <p:cNvPr id="18" name="Rectangle 17">
-            <a:extLst>
-              <a:ext uri="{FF2B5EF4-FFF2-40B4-BE49-F238E27FC236}">
-                <a16:creationId xmlns:a16="http://schemas.microsoft.com/office/drawing/2014/main" id="{08C9B587-E65E-4B52-B37C-ABEBB6E87928}"/>
-              </a:ext>
-              <a:ext uri="{C183D7F6-B498-43B3-948B-1728B52AA6E4}">
-                <adec:decorative xmlns:adec="http://schemas.microsoft.com/office/drawing/2017/decorative" val="1"/>
-              </a:ext>
-            </a:extLst>
-          </p:cNvPr>
-          <p:cNvSpPr>
-            <a:spLocks noGrp="1" noRot="1" noChangeAspect="1" noMove="1" noResize="1" noEditPoints="1" noAdjustHandles="1" noChangeArrowheads="1" noChangeShapeType="1" noTextEdit="1"/>
-          </p:cNvSpPr>
-          <p:nvPr>
-            <p:extLst>
-              <p:ext uri="{386F3935-93C4-4BCD-93E2-E3B085C9AB24}">
-                <p16:designElem xmlns:p16="http://schemas.microsoft.com/office/powerpoint/2015/main" val="1"/>
-              </p:ext>
-            </p:extLst>
-          </p:nvPr>
-        </p:nvSpPr>
-        <p:spPr>
-          <a:xfrm>
-            <a:off x="481029" y="4546920"/>
-            <a:ext cx="4023360" cy="18288"/>
-          </a:xfrm>
-          <a:prstGeom prst="rect">
-            <a:avLst/>
-          </a:prstGeom>
-          <a:solidFill>
-            <a:schemeClr val="tx2">
-              <a:lumMod val="25000"/>
-              <a:lumOff val="75000"/>
-            </a:schemeClr>
-          </a:solidFill>
-          <a:ln w="3175">
-            <a:noFill/>
-          </a:ln>
-          <a:effectLst/>
-        </p:spPr>
-        <p:style>
-          <a:lnRef idx="2">
-            <a:schemeClr val="accent1">
-              <a:shade val="50000"/>
-            </a:schemeClr>
-          </a:lnRef>
-          <a:fillRef idx="1">
-            <a:schemeClr val="accent1"/>
-          </a:fillRef>
-          <a:effectRef idx="0">
-            <a:schemeClr val="accent1"/>
-          </a:effectRef>
-          <a:fontRef idx="minor">
-            <a:schemeClr val="lt1"/>
-          </a:fontRef>
-        </p:style>
-        <p:txBody>
-          <a:bodyPr rtlCol="0" anchor="ctr"/>
-          <a:lstStyle/>
-          <a:p>
-            <a:pPr marL="0" marR="0" lvl="0" indent="0" algn="ctr" defTabSz="914400" rtl="0" eaLnBrk="1" fontAlgn="auto" latinLnBrk="0" hangingPunct="1">
-              <a:lnSpc>
-                <a:spcPct val="100000"/>
-              </a:lnSpc>
-              <a:spcBef>
-                <a:spcPts val="0"/>
-              </a:spcBef>
-              <a:spcAft>
-                <a:spcPts val="0"/>
-              </a:spcAft>
-              <a:buClrTx/>
-              <a:buSzTx/>
-              <a:buFontTx/>
-              <a:buNone/>
-              <a:tabLst/>
-              <a:defRPr/>
-            </a:pPr>
-            <a:endParaRPr kumimoji="0" lang="en-US" sz="1800" b="0" i="0" u="none" strike="noStrike" kern="1200" cap="none" spc="0" normalizeH="0" baseline="0" noProof="0">
-              <a:ln>
-                <a:noFill/>
-              </a:ln>
-              <a:solidFill>
-                <a:prstClr val="white"/>
-              </a:solidFill>
-              <a:effectLst/>
-              <a:uLnTx/>
-              <a:uFillTx/>
-              <a:latin typeface="Calibri" panose="020F0502020204030204"/>
-              <a:ea typeface="+mn-ea"/>
-              <a:cs typeface="+mn-cs"/>
-            </a:endParaRPr>
-          </a:p>
-        </p:txBody>
-      </p:sp>
-      <p:pic>
-        <p:nvPicPr>
-          <p:cNvPr id="5" name="Picture 4" descr="A screenshot of a cell phone&#10;&#10;Description automatically generated">
-            <a:extLst>
-              <a:ext uri="{FF2B5EF4-FFF2-40B4-BE49-F238E27FC236}">
-                <a16:creationId xmlns:a16="http://schemas.microsoft.com/office/drawing/2014/main" id="{6087CDDB-2A2C-8E47-AC82-B66F707698F3}"/>
-              </a:ext>
-            </a:extLst>
-          </p:cNvPr>
-          <p:cNvPicPr>
-            <a:picLocks noChangeAspect="1"/>
-          </p:cNvPicPr>
-          <p:nvPr/>
-        </p:nvPicPr>
-        <p:blipFill rotWithShape="1">
-          <a:blip r:embed="rId2"/>
-          <a:srcRect l="10064" t="5874" r="12942" b="9958"/>
-          <a:stretch/>
-        </p:blipFill>
-        <p:spPr>
-          <a:xfrm>
-            <a:off x="4499817" y="276222"/>
-            <a:ext cx="7690659" cy="6305556"/>
-          </a:xfrm>
-          <a:prstGeom prst="rect">
-            <a:avLst/>
-          </a:prstGeom>
-        </p:spPr>
-      </p:pic>
-      <p:sp>
-        <p:nvSpPr>
-          <p:cNvPr id="6" name="TextBox 5">
-            <a:extLst>
-              <a:ext uri="{FF2B5EF4-FFF2-40B4-BE49-F238E27FC236}">
-                <a16:creationId xmlns:a16="http://schemas.microsoft.com/office/drawing/2014/main" id="{467DA40B-BE7B-B346-AE07-CAC87581B684}"/>
-              </a:ext>
-            </a:extLst>
-          </p:cNvPr>
-          <p:cNvSpPr txBox="1"/>
-          <p:nvPr/>
-        </p:nvSpPr>
-        <p:spPr>
-          <a:xfrm>
-            <a:off x="578652" y="4834887"/>
-            <a:ext cx="3724407" cy="1077218"/>
-          </a:xfrm>
-          <a:prstGeom prst="rect">
-            <a:avLst/>
-          </a:prstGeom>
-          <a:noFill/>
-        </p:spPr>
-        <p:txBody>
-          <a:bodyPr wrap="square" rtlCol="0">
-            <a:spAutoFit/>
-          </a:bodyPr>
-          <a:lstStyle/>
-          <a:p>
-            <a:r>
-              <a:rPr lang="de-DE" sz="3200" b="1" dirty="0" err="1"/>
-              <a:t>ari</a:t>
-            </a:r>
-            <a:r>
-              <a:rPr lang="de-DE" sz="3200" dirty="0"/>
-              <a:t>: 0.216</a:t>
-            </a:r>
-          </a:p>
-          <a:p>
-            <a:r>
-              <a:rPr lang="de-DE" sz="3200" b="1" dirty="0" err="1"/>
-              <a:t>vm</a:t>
-            </a:r>
-            <a:r>
-              <a:rPr lang="de-DE" sz="3200" dirty="0"/>
-              <a:t>: 0.338</a:t>
-            </a:r>
-            <a:endParaRPr lang="de-DE" sz="2400" b="1" dirty="0"/>
-          </a:p>
-        </p:txBody>
-      </p:sp>
-    </p:spTree>
-    <p:extLst>
-      <p:ext uri="{BB962C8B-B14F-4D97-AF65-F5344CB8AC3E}">
-        <p14:creationId xmlns:p14="http://schemas.microsoft.com/office/powerpoint/2010/main" val="3001052201"/>
-      </p:ext>
-    </p:extLst>
-  </p:cSld>
-  <p:clrMapOvr>
-    <a:masterClrMapping/>
-  </p:clrMapOvr>
-</p:sld>
-</file>
-
-<file path=ppt/slides/slide24.xml><?xml version="1.0" encoding="utf-8"?>
-<p:sld xmlns:a="http://schemas.openxmlformats.org/drawingml/2006/main" xmlns:r="http://schemas.openxmlformats.org/officeDocument/2006/relationships" xmlns:p="http://schemas.openxmlformats.org/presentationml/2006/main">
-  <p:cSld>
-    <p:spTree>
-      <p:nvGrpSpPr>
-        <p:cNvPr id="1" name=""/>
-        <p:cNvGrpSpPr/>
-        <p:nvPr/>
-      </p:nvGrpSpPr>
-      <p:grpSpPr>
-        <a:xfrm>
-          <a:off x="0" y="0"/>
-          <a:ext cx="0" cy="0"/>
-          <a:chOff x="0" y="0"/>
-          <a:chExt cx="0" cy="0"/>
-        </a:xfrm>
-      </p:grpSpPr>
-      <p:sp>
-        <p:nvSpPr>
-          <p:cNvPr id="10" name="Title 9">
-            <a:extLst>
-              <a:ext uri="{FF2B5EF4-FFF2-40B4-BE49-F238E27FC236}">
-                <a16:creationId xmlns:a16="http://schemas.microsoft.com/office/drawing/2014/main" id="{721D0AD9-E862-4F4D-A146-524D71AA32CB}"/>
-              </a:ext>
-            </a:extLst>
-          </p:cNvPr>
-          <p:cNvSpPr>
-            <a:spLocks noGrp="1"/>
-          </p:cNvSpPr>
-          <p:nvPr>
-            <p:ph type="title"/>
-          </p:nvPr>
-        </p:nvSpPr>
-        <p:spPr/>
-        <p:txBody>
-          <a:bodyPr>
-            <a:normAutofit fontScale="90000"/>
-          </a:bodyPr>
-          <a:lstStyle/>
-          <a:p>
-            <a:r>
-              <a:rPr lang="de-DE" b="1" dirty="0"/>
-              <a:t>K-</a:t>
-            </a:r>
-            <a:r>
-              <a:rPr lang="de-DE" b="1" dirty="0" err="1"/>
-              <a:t>Means</a:t>
-            </a:r>
-            <a:r>
-              <a:rPr lang="de-DE" b="1" dirty="0"/>
-              <a:t> (+ Dimensionsreduktion)</a:t>
-            </a:r>
-            <a:br>
-              <a:rPr lang="de-DE" b="1" dirty="0"/>
-            </a:br>
-            <a:r>
-              <a:rPr lang="de-DE" dirty="0"/>
-              <a:t>alle Epochen</a:t>
-            </a:r>
-            <a:endParaRPr lang="de-DE" b="1" dirty="0"/>
-          </a:p>
-        </p:txBody>
-      </p:sp>
-      <p:sp>
-        <p:nvSpPr>
-          <p:cNvPr id="11" name="Text Placeholder 10">
-            <a:extLst>
-              <a:ext uri="{FF2B5EF4-FFF2-40B4-BE49-F238E27FC236}">
-                <a16:creationId xmlns:a16="http://schemas.microsoft.com/office/drawing/2014/main" id="{F1482671-E491-4C4E-96BF-73A1B9B91D81}"/>
-              </a:ext>
-            </a:extLst>
-          </p:cNvPr>
-          <p:cNvSpPr>
-            <a:spLocks noGrp="1"/>
-          </p:cNvSpPr>
-          <p:nvPr>
-            <p:ph type="body" idx="1"/>
-          </p:nvPr>
-        </p:nvSpPr>
-        <p:spPr>
-          <a:xfrm>
-            <a:off x="1115568" y="2206790"/>
-            <a:ext cx="4937760" cy="545362"/>
-          </a:xfrm>
-        </p:spPr>
-        <p:txBody>
-          <a:bodyPr/>
-          <a:lstStyle/>
-          <a:p>
-            <a:r>
-              <a:rPr lang="de-DE" dirty="0"/>
-              <a:t>Reduzierte Daten</a:t>
-            </a:r>
-          </a:p>
-        </p:txBody>
-      </p:sp>
-      <p:sp>
-        <p:nvSpPr>
-          <p:cNvPr id="13" name="Text Placeholder 12">
-            <a:extLst>
-              <a:ext uri="{FF2B5EF4-FFF2-40B4-BE49-F238E27FC236}">
-                <a16:creationId xmlns:a16="http://schemas.microsoft.com/office/drawing/2014/main" id="{8199E1CA-FEF8-D14A-AE83-40AEC31417AE}"/>
-              </a:ext>
-            </a:extLst>
-          </p:cNvPr>
-          <p:cNvSpPr>
-            <a:spLocks noGrp="1"/>
-          </p:cNvSpPr>
-          <p:nvPr>
-            <p:ph type="body" sz="quarter" idx="3"/>
-          </p:nvPr>
-        </p:nvSpPr>
-        <p:spPr>
-          <a:xfrm>
-            <a:off x="6345936" y="2206790"/>
-            <a:ext cx="4937760" cy="545362"/>
-          </a:xfrm>
-        </p:spPr>
-        <p:txBody>
-          <a:bodyPr/>
-          <a:lstStyle/>
-          <a:p>
-            <a:r>
-              <a:rPr lang="de-DE" dirty="0"/>
-              <a:t>Clustering mit K-</a:t>
-            </a:r>
-            <a:r>
-              <a:rPr lang="de-DE" dirty="0" err="1"/>
-              <a:t>Means</a:t>
-            </a:r>
-            <a:endParaRPr lang="de-DE" dirty="0"/>
-          </a:p>
-        </p:txBody>
-      </p:sp>
-      <p:pic>
-        <p:nvPicPr>
-          <p:cNvPr id="7" name="Picture 6" descr="A picture containing screenshot&#10;&#10;Description automatically generated">
-            <a:extLst>
-              <a:ext uri="{FF2B5EF4-FFF2-40B4-BE49-F238E27FC236}">
-                <a16:creationId xmlns:a16="http://schemas.microsoft.com/office/drawing/2014/main" id="{8DF75795-7E46-E74B-B7BD-E5DCCDB51CC1}"/>
-              </a:ext>
-            </a:extLst>
-          </p:cNvPr>
-          <p:cNvPicPr>
-            <a:picLocks noChangeAspect="1"/>
-          </p:cNvPicPr>
-          <p:nvPr/>
-        </p:nvPicPr>
-        <p:blipFill rotWithShape="1">
-          <a:blip r:embed="rId2"/>
-          <a:srcRect l="10580" t="6764" r="1664" b="9706"/>
-          <a:stretch/>
-        </p:blipFill>
-        <p:spPr>
-          <a:xfrm>
-            <a:off x="708924" y="2918012"/>
-            <a:ext cx="5344404" cy="3823200"/>
-          </a:xfrm>
-          <a:prstGeom prst="rect">
-            <a:avLst/>
-          </a:prstGeom>
-        </p:spPr>
-      </p:pic>
-      <p:pic>
-        <p:nvPicPr>
-          <p:cNvPr id="9" name="Picture 8" descr="A picture containing screenshot&#10;&#10;Description automatically generated">
-            <a:extLst>
-              <a:ext uri="{FF2B5EF4-FFF2-40B4-BE49-F238E27FC236}">
-                <a16:creationId xmlns:a16="http://schemas.microsoft.com/office/drawing/2014/main" id="{F7429EC8-8038-4143-BF5F-2D383942A966}"/>
-              </a:ext>
-            </a:extLst>
-          </p:cNvPr>
-          <p:cNvPicPr>
-            <a:picLocks noChangeAspect="1"/>
-          </p:cNvPicPr>
-          <p:nvPr/>
-        </p:nvPicPr>
-        <p:blipFill rotWithShape="1">
-          <a:blip r:embed="rId3"/>
-          <a:srcRect l="9695" t="6764" r="13822" b="9706"/>
-          <a:stretch/>
-        </p:blipFill>
-        <p:spPr>
-          <a:xfrm>
-            <a:off x="6488474" y="2918012"/>
-            <a:ext cx="4652684" cy="3818965"/>
-          </a:xfrm>
-          <a:prstGeom prst="rect">
-            <a:avLst/>
-          </a:prstGeom>
-        </p:spPr>
-      </p:pic>
-    </p:spTree>
-    <p:extLst>
-      <p:ext uri="{BB962C8B-B14F-4D97-AF65-F5344CB8AC3E}">
-        <p14:creationId xmlns:p14="http://schemas.microsoft.com/office/powerpoint/2010/main" val="3686803181"/>
-      </p:ext>
-    </p:extLst>
-  </p:cSld>
-  <p:clrMapOvr>
-    <a:masterClrMapping/>
-  </p:clrMapOvr>
-</p:sld>
-</file>
-
-<file path=ppt/slides/slide25.xml><?xml version="1.0" encoding="utf-8"?>
-<p:sld xmlns:a="http://schemas.openxmlformats.org/drawingml/2006/main" xmlns:r="http://schemas.openxmlformats.org/officeDocument/2006/relationships" xmlns:p="http://schemas.openxmlformats.org/presentationml/2006/main">
-  <p:cSld>
-    <p:spTree>
-      <p:nvGrpSpPr>
-        <p:cNvPr id="1" name=""/>
-        <p:cNvGrpSpPr/>
-        <p:nvPr/>
-      </p:nvGrpSpPr>
-      <p:grpSpPr>
-        <a:xfrm>
-          <a:off x="0" y="0"/>
-          <a:ext cx="0" cy="0"/>
-          <a:chOff x="0" y="0"/>
-          <a:chExt cx="0" cy="0"/>
-        </a:xfrm>
-      </p:grpSpPr>
-      <p:sp>
-        <p:nvSpPr>
-          <p:cNvPr id="2" name="Title 1">
-            <a:extLst>
-              <a:ext uri="{FF2B5EF4-FFF2-40B4-BE49-F238E27FC236}">
-                <a16:creationId xmlns:a16="http://schemas.microsoft.com/office/drawing/2014/main" id="{DCBE102F-D2BB-3946-AEF1-AE93DF5165E5}"/>
-              </a:ext>
-            </a:extLst>
-          </p:cNvPr>
-          <p:cNvSpPr>
-            <a:spLocks noGrp="1"/>
-          </p:cNvSpPr>
-          <p:nvPr>
-            <p:ph type="title"/>
-          </p:nvPr>
-        </p:nvSpPr>
-        <p:spPr/>
-        <p:txBody>
-          <a:bodyPr>
-            <a:normAutofit/>
-          </a:bodyPr>
-          <a:lstStyle/>
-          <a:p>
-            <a:r>
-              <a:rPr lang="de-DE" sz="4400" b="1" dirty="0"/>
-              <a:t>4.3.  Clustering von jeweils</a:t>
-            </a:r>
-            <a:br>
-              <a:rPr lang="de-DE" sz="4400" b="1" dirty="0"/>
-            </a:br>
-            <a:r>
-              <a:rPr lang="de-DE" sz="4400" b="1" dirty="0"/>
-              <a:t>	   zwei Epochen</a:t>
-            </a:r>
-            <a:endParaRPr lang="de-DE" sz="4800" b="1" dirty="0"/>
-          </a:p>
-        </p:txBody>
-      </p:sp>
-    </p:spTree>
-    <p:extLst>
-      <p:ext uri="{BB962C8B-B14F-4D97-AF65-F5344CB8AC3E}">
-        <p14:creationId xmlns:p14="http://schemas.microsoft.com/office/powerpoint/2010/main" val="186860969"/>
-      </p:ext>
-    </p:extLst>
-  </p:cSld>
-  <p:clrMapOvr>
-    <a:masterClrMapping/>
-  </p:clrMapOvr>
-</p:sld>
-</file>
-
 <file path=ppt/slides/slide26.xml><?xml version="1.0" encoding="utf-8"?>
 <p:sld xmlns:a="http://schemas.openxmlformats.org/drawingml/2006/main" xmlns:r="http://schemas.openxmlformats.org/officeDocument/2006/relationships" xmlns:p="http://schemas.openxmlformats.org/presentationml/2006/main">
   <p:cSld>
@@ -13750,7 +13607,7 @@
           <a:p>
             <a:r>
               <a:rPr lang="en-US" sz="3200" b="1" dirty="0"/>
-              <a:t>K-Means 		(I) </a:t>
+              <a:t>K-Means 		(II) </a:t>
             </a:r>
             <a:br>
               <a:rPr lang="en-US" sz="3200" b="1" dirty="0"/>
@@ -13759,1365 +13616,12 @@
               <a:rPr lang="en-US" sz="3200" b="1" dirty="0"/>
               <a:t>DBSCAN</a:t>
             </a:r>
-          </a:p>
-        </p:txBody>
-      </p:sp>
-      <p:sp>
-        <p:nvSpPr>
-          <p:cNvPr id="55" name="Rectangle 54">
-            <a:extLst>
-              <a:ext uri="{FF2B5EF4-FFF2-40B4-BE49-F238E27FC236}">
-                <a16:creationId xmlns:a16="http://schemas.microsoft.com/office/drawing/2014/main" id="{441CF7D6-A660-431A-B0BB-140A0D5556B6}"/>
-              </a:ext>
-              <a:ext uri="{C183D7F6-B498-43B3-948B-1728B52AA6E4}">
-                <adec:decorative xmlns:adec="http://schemas.microsoft.com/office/drawing/2017/decorative" val="1"/>
-              </a:ext>
-            </a:extLst>
-          </p:cNvPr>
-          <p:cNvSpPr>
-            <a:spLocks noGrp="1" noRot="1" noChangeAspect="1" noMove="1" noResize="1" noEditPoints="1" noAdjustHandles="1" noChangeArrowheads="1" noChangeShapeType="1" noTextEdit="1"/>
-          </p:cNvSpPr>
-          <p:nvPr>
-            <p:extLst>
-              <p:ext uri="{386F3935-93C4-4BCD-93E2-E3B085C9AB24}">
-                <p16:designElem xmlns:p16="http://schemas.microsoft.com/office/powerpoint/2015/main" val="1"/>
-              </p:ext>
-            </p:extLst>
-          </p:nvPr>
-        </p:nvSpPr>
-        <p:spPr>
-          <a:xfrm>
-            <a:off x="490408" y="1057739"/>
-            <a:ext cx="128016" cy="704088"/>
-          </a:xfrm>
-          <a:prstGeom prst="rect">
-            <a:avLst/>
-          </a:prstGeom>
-          <a:solidFill>
-            <a:schemeClr val="accent1"/>
-          </a:solidFill>
-          <a:ln>
-            <a:noFill/>
-          </a:ln>
-        </p:spPr>
-        <p:style>
-          <a:lnRef idx="2">
-            <a:schemeClr val="accent1">
-              <a:shade val="50000"/>
-            </a:schemeClr>
-          </a:lnRef>
-          <a:fillRef idx="1">
-            <a:schemeClr val="accent1"/>
-          </a:fillRef>
-          <a:effectRef idx="0">
-            <a:schemeClr val="accent1"/>
-          </a:effectRef>
-          <a:fontRef idx="minor">
-            <a:schemeClr val="lt1"/>
-          </a:fontRef>
-        </p:style>
-        <p:txBody>
-          <a:bodyPr rtlCol="0" anchor="ctr"/>
-          <a:lstStyle/>
-          <a:p>
-            <a:pPr marL="0" marR="0" lvl="0" indent="0" algn="ctr" defTabSz="914400" rtl="0" eaLnBrk="1" fontAlgn="auto" latinLnBrk="0" hangingPunct="1">
-              <a:lnSpc>
-                <a:spcPct val="100000"/>
-              </a:lnSpc>
-              <a:spcBef>
-                <a:spcPts val="0"/>
-              </a:spcBef>
-              <a:spcAft>
-                <a:spcPts val="0"/>
-              </a:spcAft>
-              <a:buClrTx/>
-              <a:buSzTx/>
-              <a:buFontTx/>
-              <a:buNone/>
-              <a:tabLst/>
-              <a:defRPr/>
-            </a:pPr>
-            <a:endParaRPr kumimoji="0" lang="en-US" sz="1800" b="0" i="0" u="none" strike="noStrike" kern="1200" cap="none" spc="0" normalizeH="0" baseline="0" noProof="0" dirty="0">
-              <a:ln>
-                <a:noFill/>
-              </a:ln>
-              <a:solidFill>
-                <a:prstClr val="white"/>
-              </a:solidFill>
-              <a:effectLst/>
-              <a:uLnTx/>
-              <a:uFillTx/>
-              <a:latin typeface="Calibri" panose="020F0502020204030204"/>
-              <a:ea typeface="+mn-ea"/>
-              <a:cs typeface="+mn-cs"/>
-            </a:endParaRPr>
-          </a:p>
-        </p:txBody>
-      </p:sp>
-      <p:sp>
-        <p:nvSpPr>
-          <p:cNvPr id="57" name="Rectangle 56">
-            <a:extLst>
-              <a:ext uri="{FF2B5EF4-FFF2-40B4-BE49-F238E27FC236}">
-                <a16:creationId xmlns:a16="http://schemas.microsoft.com/office/drawing/2014/main" id="{0570A85B-3810-4F95-97B0-CBF4CCDB381C}"/>
-              </a:ext>
-              <a:ext uri="{C183D7F6-B498-43B3-948B-1728B52AA6E4}">
-                <adec:decorative xmlns:adec="http://schemas.microsoft.com/office/drawing/2017/decorative" val="1"/>
-              </a:ext>
-            </a:extLst>
-          </p:cNvPr>
-          <p:cNvSpPr>
-            <a:spLocks noGrp="1" noRot="1" noChangeAspect="1" noMove="1" noResize="1" noEditPoints="1" noAdjustHandles="1" noChangeArrowheads="1" noChangeShapeType="1" noTextEdit="1"/>
-          </p:cNvSpPr>
-          <p:nvPr>
-            <p:extLst>
-              <p:ext uri="{386F3935-93C4-4BCD-93E2-E3B085C9AB24}">
-                <p16:designElem xmlns:p16="http://schemas.microsoft.com/office/powerpoint/2015/main" val="1"/>
-              </p:ext>
-            </p:extLst>
-          </p:nvPr>
-        </p:nvSpPr>
-        <p:spPr>
-          <a:xfrm rot="5400000">
-            <a:off x="4248113" y="1405210"/>
-            <a:ext cx="1463040" cy="9144"/>
-          </a:xfrm>
-          <a:prstGeom prst="rect">
-            <a:avLst/>
-          </a:prstGeom>
-          <a:solidFill>
-            <a:schemeClr val="tx2">
-              <a:lumMod val="25000"/>
-              <a:lumOff val="75000"/>
-            </a:schemeClr>
-          </a:solidFill>
-          <a:ln w="3175">
-            <a:noFill/>
-          </a:ln>
-          <a:effectLst/>
-        </p:spPr>
-        <p:style>
-          <a:lnRef idx="2">
-            <a:schemeClr val="accent1">
-              <a:shade val="50000"/>
-            </a:schemeClr>
-          </a:lnRef>
-          <a:fillRef idx="1">
-            <a:schemeClr val="accent1"/>
-          </a:fillRef>
-          <a:effectRef idx="0">
-            <a:schemeClr val="accent1"/>
-          </a:effectRef>
-          <a:fontRef idx="minor">
-            <a:schemeClr val="lt1"/>
-          </a:fontRef>
-        </p:style>
-        <p:txBody>
-          <a:bodyPr rtlCol="0" anchor="ctr"/>
-          <a:lstStyle/>
-          <a:p>
-            <a:pPr marL="0" marR="0" lvl="0" indent="0" algn="ctr" defTabSz="914400" rtl="0" eaLnBrk="1" fontAlgn="auto" latinLnBrk="0" hangingPunct="1">
-              <a:lnSpc>
-                <a:spcPct val="100000"/>
-              </a:lnSpc>
-              <a:spcBef>
-                <a:spcPts val="0"/>
-              </a:spcBef>
-              <a:spcAft>
-                <a:spcPts val="0"/>
-              </a:spcAft>
-              <a:buClrTx/>
-              <a:buSzTx/>
-              <a:buFontTx/>
-              <a:buNone/>
-              <a:tabLst/>
-              <a:defRPr/>
-            </a:pPr>
-            <a:endParaRPr kumimoji="0" lang="en-US" sz="1800" b="0" i="0" u="none" strike="noStrike" kern="1200" cap="none" spc="0" normalizeH="0" baseline="0" noProof="0">
-              <a:ln>
-                <a:noFill/>
-              </a:ln>
-              <a:solidFill>
-                <a:prstClr val="white"/>
-              </a:solidFill>
-              <a:effectLst/>
-              <a:uLnTx/>
-              <a:uFillTx/>
-              <a:latin typeface="Calibri" panose="020F0502020204030204"/>
-              <a:ea typeface="+mn-ea"/>
-              <a:cs typeface="+mn-cs"/>
-            </a:endParaRPr>
-          </a:p>
-        </p:txBody>
-      </p:sp>
-      <p:sp>
-        <p:nvSpPr>
-          <p:cNvPr id="6" name="TextBox 5">
-            <a:extLst>
-              <a:ext uri="{FF2B5EF4-FFF2-40B4-BE49-F238E27FC236}">
-                <a16:creationId xmlns:a16="http://schemas.microsoft.com/office/drawing/2014/main" id="{68E267DE-B0A6-1F4B-BCC7-2FAF9305A326}"/>
-              </a:ext>
-            </a:extLst>
-          </p:cNvPr>
-          <p:cNvSpPr txBox="1"/>
-          <p:nvPr/>
-        </p:nvSpPr>
-        <p:spPr>
-          <a:xfrm>
-            <a:off x="4804229" y="586822"/>
-            <a:ext cx="6720114" cy="1867620"/>
-          </a:xfrm>
-          <a:prstGeom prst="rect">
-            <a:avLst/>
-          </a:prstGeom>
-        </p:spPr>
-        <p:txBody>
-          <a:bodyPr vert="horz" lIns="91440" tIns="45720" rIns="91440" bIns="45720" numCol="2" rtlCol="0" anchor="ctr">
-            <a:normAutofit/>
-          </a:bodyPr>
-          <a:lstStyle/>
-          <a:p>
-            <a:pPr marL="457200" indent="-228600">
-              <a:spcAft>
-                <a:spcPts val="600"/>
-              </a:spcAft>
-              <a:buFont typeface="Arial" panose="020B0604020202020204" pitchFamily="34" charset="0"/>
-              <a:buChar char="•"/>
-            </a:pPr>
-            <a:r>
-              <a:rPr lang="de-DE" dirty="0"/>
-              <a:t>Einteilung nach </a:t>
-            </a:r>
-            <a:r>
-              <a:rPr lang="de-DE" i="1" dirty="0"/>
-              <a:t>AMANN</a:t>
-            </a:r>
-            <a:endParaRPr lang="de-DE" b="1" i="1" dirty="0"/>
-          </a:p>
-          <a:p>
-            <a:pPr marL="457200" indent="-228600">
-              <a:spcAft>
-                <a:spcPts val="600"/>
-              </a:spcAft>
-              <a:buFont typeface="Arial" panose="020B0604020202020204" pitchFamily="34" charset="0"/>
-              <a:buChar char="•"/>
-            </a:pPr>
-            <a:r>
-              <a:rPr lang="de-DE" dirty="0"/>
-              <a:t>ohne Dimensionsreduktion</a:t>
-            </a:r>
-          </a:p>
-          <a:p>
-            <a:pPr marL="457200" indent="-228600">
-              <a:spcAft>
-                <a:spcPts val="600"/>
-              </a:spcAft>
-              <a:buFont typeface="Arial" panose="020B0604020202020204" pitchFamily="34" charset="0"/>
-              <a:buChar char="•"/>
-            </a:pPr>
-            <a:r>
-              <a:rPr lang="de-DE" dirty="0"/>
-              <a:t>Ohne Epoche „Sturm &amp; Drang“</a:t>
-            </a:r>
-          </a:p>
-          <a:p>
-            <a:pPr marL="457200" indent="-228600">
-              <a:spcAft>
-                <a:spcPts val="600"/>
-              </a:spcAft>
-              <a:buFont typeface="Arial" panose="020B0604020202020204" pitchFamily="34" charset="0"/>
-              <a:buChar char="•"/>
-            </a:pPr>
-            <a:r>
-              <a:rPr lang="de-DE" dirty="0" err="1"/>
-              <a:t>Lowercase</a:t>
-            </a:r>
-            <a:endParaRPr lang="de-DE" dirty="0"/>
-          </a:p>
-          <a:p>
-            <a:pPr marL="457200" indent="-228600">
-              <a:spcAft>
-                <a:spcPts val="600"/>
-              </a:spcAft>
-              <a:buFont typeface="Arial" panose="020B0604020202020204" pitchFamily="34" charset="0"/>
-              <a:buChar char="•"/>
-            </a:pPr>
-            <a:r>
-              <a:rPr lang="de-DE" dirty="0"/>
-              <a:t>Stoppwörter </a:t>
-            </a:r>
-            <a:r>
-              <a:rPr lang="de-DE" u="sng" dirty="0"/>
-              <a:t>entfernt</a:t>
-            </a:r>
-            <a:endParaRPr lang="de-DE" dirty="0"/>
-          </a:p>
-          <a:p>
-            <a:pPr marL="457200" indent="-228600">
-              <a:spcAft>
-                <a:spcPts val="600"/>
-              </a:spcAft>
-              <a:buFont typeface="Arial" panose="020B0604020202020204" pitchFamily="34" charset="0"/>
-              <a:buChar char="•"/>
-            </a:pPr>
-            <a:r>
-              <a:rPr lang="de-DE" dirty="0"/>
-              <a:t>10000 mf</a:t>
-            </a:r>
-          </a:p>
-        </p:txBody>
-      </p:sp>
-      <p:graphicFrame>
-        <p:nvGraphicFramePr>
-          <p:cNvPr id="2" name="Table 1">
-            <a:extLst>
-              <a:ext uri="{FF2B5EF4-FFF2-40B4-BE49-F238E27FC236}">
-                <a16:creationId xmlns:a16="http://schemas.microsoft.com/office/drawing/2014/main" id="{A0E9A13A-9520-0146-9DA9-25D7F9C6A691}"/>
-              </a:ext>
-            </a:extLst>
-          </p:cNvPr>
-          <p:cNvGraphicFramePr>
-            <a:graphicFrameLocks noGrp="1"/>
-          </p:cNvGraphicFramePr>
-          <p:nvPr>
-            <p:extLst>
-              <p:ext uri="{D42A27DB-BD31-4B8C-83A1-F6EECF244321}">
-                <p14:modId xmlns:p14="http://schemas.microsoft.com/office/powerpoint/2010/main" val="3911126563"/>
-              </p:ext>
-            </p:extLst>
-          </p:nvPr>
-        </p:nvGraphicFramePr>
-        <p:xfrm>
-          <a:off x="618423" y="2833916"/>
-          <a:ext cx="11103438" cy="3437261"/>
-        </p:xfrm>
-        <a:graphic>
-          <a:graphicData uri="http://schemas.openxmlformats.org/drawingml/2006/table">
-            <a:tbl>
-              <a:tblPr firstRow="1" bandRow="1">
-                <a:tableStyleId>{69012ECD-51FC-41F1-AA8D-1B2483CD663E}</a:tableStyleId>
-              </a:tblPr>
-              <a:tblGrid>
-                <a:gridCol w="3573503">
-                  <a:extLst>
-                    <a:ext uri="{9D8B030D-6E8A-4147-A177-3AD203B41FA5}">
-                      <a16:colId xmlns:a16="http://schemas.microsoft.com/office/drawing/2014/main" val="2833795351"/>
-                    </a:ext>
-                  </a:extLst>
-                </a:gridCol>
-                <a:gridCol w="1670992">
-                  <a:extLst>
-                    <a:ext uri="{9D8B030D-6E8A-4147-A177-3AD203B41FA5}">
-                      <a16:colId xmlns:a16="http://schemas.microsoft.com/office/drawing/2014/main" val="1448307795"/>
-                    </a:ext>
-                  </a:extLst>
-                </a:gridCol>
-                <a:gridCol w="1802835">
-                  <a:extLst>
-                    <a:ext uri="{9D8B030D-6E8A-4147-A177-3AD203B41FA5}">
-                      <a16:colId xmlns:a16="http://schemas.microsoft.com/office/drawing/2014/main" val="799636414"/>
-                    </a:ext>
-                  </a:extLst>
-                </a:gridCol>
-                <a:gridCol w="2028054">
-                  <a:extLst>
-                    <a:ext uri="{9D8B030D-6E8A-4147-A177-3AD203B41FA5}">
-                      <a16:colId xmlns:a16="http://schemas.microsoft.com/office/drawing/2014/main" val="1880987509"/>
-                    </a:ext>
-                  </a:extLst>
-                </a:gridCol>
-                <a:gridCol w="2028054">
-                  <a:extLst>
-                    <a:ext uri="{9D8B030D-6E8A-4147-A177-3AD203B41FA5}">
-                      <a16:colId xmlns:a16="http://schemas.microsoft.com/office/drawing/2014/main" val="3364989717"/>
-                    </a:ext>
-                  </a:extLst>
-                </a:gridCol>
-              </a:tblGrid>
-              <a:tr h="638570">
-                <a:tc>
-                  <a:txBody>
-                    <a:bodyPr/>
-                    <a:lstStyle/>
-                    <a:p>
-                      <a:pPr algn="r" fontAlgn="ctr"/>
-                      <a:endParaRPr lang="en-GB" b="1" dirty="0">
-                        <a:effectLst/>
-                      </a:endParaRPr>
-                    </a:p>
-                  </a:txBody>
-                  <a:tcPr anchor="ctr"/>
-                </a:tc>
-                <a:tc gridSpan="2">
-                  <a:txBody>
-                    <a:bodyPr/>
-                    <a:lstStyle/>
-                    <a:p>
-                      <a:pPr algn="ctr" fontAlgn="ctr"/>
-                      <a:r>
-                        <a:rPr lang="en-GB" sz="2400" dirty="0">
-                          <a:effectLst/>
-                        </a:rPr>
-                        <a:t>K-Means</a:t>
-                      </a:r>
-                      <a:endParaRPr lang="en-GB" sz="2400" b="1" dirty="0">
-                        <a:solidFill>
-                          <a:schemeClr val="tx1"/>
-                        </a:solidFill>
-                        <a:effectLst/>
-                      </a:endParaRPr>
-                    </a:p>
-                  </a:txBody>
-                  <a:tcPr anchor="ctr"/>
-                </a:tc>
-                <a:tc hMerge="1">
-                  <a:txBody>
-                    <a:bodyPr/>
-                    <a:lstStyle/>
-                    <a:p>
-                      <a:pPr algn="ctr"/>
-                      <a:endParaRPr lang="de-DE" dirty="0"/>
-                    </a:p>
-                  </a:txBody>
-                  <a:tcPr anchor="ctr"/>
-                </a:tc>
-                <a:tc gridSpan="2">
-                  <a:txBody>
-                    <a:bodyPr/>
-                    <a:lstStyle/>
-                    <a:p>
-                      <a:pPr algn="ctr" fontAlgn="ctr"/>
-                      <a:r>
-                        <a:rPr lang="en-GB" sz="2400" dirty="0">
-                          <a:effectLst/>
-                        </a:rPr>
-                        <a:t>DBSCAN</a:t>
-                      </a:r>
-                      <a:endParaRPr lang="en-GB" sz="2400" b="1" dirty="0">
-                        <a:solidFill>
-                          <a:schemeClr val="tx1"/>
-                        </a:solidFill>
-                        <a:effectLst/>
-                      </a:endParaRPr>
-                    </a:p>
-                  </a:txBody>
-                  <a:tcPr anchor="ctr"/>
-                </a:tc>
-                <a:tc hMerge="1">
-                  <a:txBody>
-                    <a:bodyPr/>
-                    <a:lstStyle/>
-                    <a:p>
-                      <a:pPr algn="ctr"/>
-                      <a:endParaRPr lang="de-DE" dirty="0"/>
-                    </a:p>
-                  </a:txBody>
-                  <a:tcPr anchor="ctr"/>
-                </a:tc>
-                <a:extLst>
-                  <a:ext uri="{0D108BD9-81ED-4DB2-BD59-A6C34878D82A}">
-                    <a16:rowId xmlns:a16="http://schemas.microsoft.com/office/drawing/2014/main" val="3307450965"/>
-                  </a:ext>
-                </a:extLst>
-              </a:tr>
-              <a:tr h="731476">
-                <a:tc>
-                  <a:txBody>
-                    <a:bodyPr/>
-                    <a:lstStyle/>
-                    <a:p>
-                      <a:pPr algn="r" fontAlgn="ctr"/>
-                      <a:br>
-                        <a:rPr lang="en-GB" sz="2000" dirty="0">
-                          <a:effectLst/>
-                        </a:rPr>
-                      </a:br>
-                      <a:endParaRPr lang="en-GB" sz="2000" b="1" dirty="0">
-                        <a:effectLst/>
-                      </a:endParaRPr>
-                    </a:p>
-                  </a:txBody>
-                  <a:tcPr anchor="ctr"/>
-                </a:tc>
-                <a:tc>
-                  <a:txBody>
-                    <a:bodyPr/>
-                    <a:lstStyle/>
-                    <a:p>
-                      <a:pPr algn="ctr" fontAlgn="ctr"/>
-                      <a:r>
-                        <a:rPr lang="en-GB" sz="2000" b="1" dirty="0" err="1">
-                          <a:effectLst/>
-                        </a:rPr>
-                        <a:t>ari</a:t>
-                      </a:r>
-                      <a:endParaRPr lang="en-GB" sz="2000" b="1" dirty="0">
-                        <a:effectLst/>
-                      </a:endParaRPr>
-                    </a:p>
-                  </a:txBody>
-                  <a:tcPr anchor="ctr"/>
-                </a:tc>
-                <a:tc>
-                  <a:txBody>
-                    <a:bodyPr/>
-                    <a:lstStyle/>
-                    <a:p>
-                      <a:pPr algn="ctr"/>
-                      <a:r>
-                        <a:rPr lang="de-DE" sz="2000" b="1" dirty="0" err="1"/>
-                        <a:t>vm</a:t>
-                      </a:r>
-                      <a:endParaRPr lang="de-DE" sz="2000" b="1" dirty="0"/>
-                    </a:p>
-                  </a:txBody>
-                  <a:tcPr anchor="ctr"/>
-                </a:tc>
-                <a:tc>
-                  <a:txBody>
-                    <a:bodyPr/>
-                    <a:lstStyle/>
-                    <a:p>
-                      <a:pPr algn="ctr" fontAlgn="ctr"/>
-                      <a:r>
-                        <a:rPr lang="en-GB" sz="2000" b="1" dirty="0" err="1">
-                          <a:effectLst/>
-                        </a:rPr>
-                        <a:t>ari</a:t>
-                      </a:r>
-                      <a:endParaRPr lang="en-GB" sz="2000" b="1" dirty="0">
-                        <a:effectLst/>
-                      </a:endParaRPr>
-                    </a:p>
-                  </a:txBody>
-                  <a:tcPr anchor="ctr"/>
-                </a:tc>
-                <a:tc>
-                  <a:txBody>
-                    <a:bodyPr/>
-                    <a:lstStyle/>
-                    <a:p>
-                      <a:pPr algn="ctr"/>
-                      <a:r>
-                        <a:rPr lang="de-DE" sz="2000" b="1" dirty="0" err="1"/>
-                        <a:t>vm</a:t>
-                      </a:r>
-                      <a:endParaRPr lang="de-DE" sz="2000" b="1" dirty="0"/>
-                    </a:p>
-                  </a:txBody>
-                  <a:tcPr anchor="ctr"/>
-                </a:tc>
-                <a:extLst>
-                  <a:ext uri="{0D108BD9-81ED-4DB2-BD59-A6C34878D82A}">
-                    <a16:rowId xmlns:a16="http://schemas.microsoft.com/office/drawing/2014/main" val="2331790527"/>
-                  </a:ext>
-                </a:extLst>
-              </a:tr>
-              <a:tr h="413443">
-                <a:tc>
-                  <a:txBody>
-                    <a:bodyPr/>
-                    <a:lstStyle/>
-                    <a:p>
-                      <a:pPr algn="r" fontAlgn="ctr"/>
-                      <a:r>
-                        <a:rPr lang="en-GB" sz="2000" b="1" dirty="0" err="1">
-                          <a:effectLst/>
-                        </a:rPr>
-                        <a:t>Barock</a:t>
-                      </a:r>
-                      <a:r>
-                        <a:rPr lang="en-GB" sz="2000" b="1" dirty="0">
-                          <a:effectLst/>
-                        </a:rPr>
-                        <a:t>/</a:t>
-                      </a:r>
-                      <a:r>
-                        <a:rPr lang="en-GB" sz="2000" b="1" dirty="0" err="1">
-                          <a:effectLst/>
-                        </a:rPr>
-                        <a:t>Naturalismus</a:t>
-                      </a:r>
-                      <a:endParaRPr lang="en-GB" sz="2000" b="1" dirty="0">
-                        <a:effectLst/>
-                      </a:endParaRPr>
-                    </a:p>
-                  </a:txBody>
-                  <a:tcPr anchor="ctr"/>
-                </a:tc>
-                <a:tc>
-                  <a:txBody>
-                    <a:bodyPr/>
-                    <a:lstStyle/>
-                    <a:p>
-                      <a:pPr algn="r" fontAlgn="ctr"/>
-                      <a:r>
-                        <a:rPr lang="en-DE" sz="2000" b="1" dirty="0">
-                          <a:effectLst/>
-                        </a:rPr>
-                        <a:t>0.702405</a:t>
-                      </a:r>
-                    </a:p>
-                  </a:txBody>
-                  <a:tcPr anchor="ctr">
-                    <a:solidFill>
-                      <a:schemeClr val="accent6">
-                        <a:lumMod val="60000"/>
-                        <a:lumOff val="40000"/>
-                      </a:schemeClr>
-                    </a:solidFill>
-                  </a:tcPr>
-                </a:tc>
-                <a:tc>
-                  <a:txBody>
-                    <a:bodyPr/>
-                    <a:lstStyle/>
-                    <a:p>
-                      <a:pPr algn="r" fontAlgn="ctr"/>
-                      <a:r>
-                        <a:rPr lang="en-DE" sz="2000" dirty="0">
-                          <a:effectLst/>
-                        </a:rPr>
-                        <a:t>0.605282</a:t>
-                      </a:r>
-                    </a:p>
-                  </a:txBody>
-                  <a:tcPr anchor="ctr"/>
-                </a:tc>
-                <a:tc>
-                  <a:txBody>
-                    <a:bodyPr/>
-                    <a:lstStyle/>
-                    <a:p>
-                      <a:pPr algn="r" fontAlgn="ctr"/>
-                      <a:r>
-                        <a:rPr lang="en-DE" sz="2000" dirty="0">
-                          <a:effectLst/>
-                        </a:rPr>
-                        <a:t>0.438779</a:t>
-                      </a:r>
-                    </a:p>
-                  </a:txBody>
-                  <a:tcPr anchor="ctr"/>
-                </a:tc>
-                <a:tc>
-                  <a:txBody>
-                    <a:bodyPr/>
-                    <a:lstStyle/>
-                    <a:p>
-                      <a:pPr algn="r" fontAlgn="ctr"/>
-                      <a:r>
-                        <a:rPr lang="en-DE" sz="2000" dirty="0">
-                          <a:effectLst/>
-                        </a:rPr>
-                        <a:t>0.449462</a:t>
-                      </a:r>
-                    </a:p>
-                  </a:txBody>
-                  <a:tcPr anchor="ctr"/>
-                </a:tc>
-                <a:extLst>
-                  <a:ext uri="{0D108BD9-81ED-4DB2-BD59-A6C34878D82A}">
-                    <a16:rowId xmlns:a16="http://schemas.microsoft.com/office/drawing/2014/main" val="857364166"/>
-                  </a:ext>
-                </a:extLst>
-              </a:tr>
-              <a:tr h="413443">
-                <a:tc>
-                  <a:txBody>
-                    <a:bodyPr/>
-                    <a:lstStyle/>
-                    <a:p>
-                      <a:pPr algn="r" fontAlgn="ctr"/>
-                      <a:r>
-                        <a:rPr lang="en-GB" sz="2000" b="1" dirty="0" err="1">
-                          <a:effectLst/>
-                        </a:rPr>
-                        <a:t>Barock</a:t>
-                      </a:r>
-                      <a:r>
-                        <a:rPr lang="en-GB" sz="2000" b="1" dirty="0">
-                          <a:effectLst/>
-                        </a:rPr>
-                        <a:t>/</a:t>
-                      </a:r>
-                      <a:r>
-                        <a:rPr lang="en-GB" sz="2000" b="1" dirty="0" err="1">
-                          <a:effectLst/>
-                        </a:rPr>
-                        <a:t>Klassik</a:t>
-                      </a:r>
-                      <a:endParaRPr lang="en-GB" sz="2000" b="1" dirty="0">
-                        <a:effectLst/>
-                      </a:endParaRPr>
-                    </a:p>
-                  </a:txBody>
-                  <a:tcPr anchor="ctr"/>
-                </a:tc>
-                <a:tc>
-                  <a:txBody>
-                    <a:bodyPr/>
-                    <a:lstStyle/>
-                    <a:p>
-                      <a:pPr algn="r" fontAlgn="ctr"/>
-                      <a:r>
-                        <a:rPr lang="en-DE" sz="2000" dirty="0">
-                          <a:effectLst/>
-                        </a:rPr>
-                        <a:t>0.668184</a:t>
-                      </a:r>
-                    </a:p>
-                  </a:txBody>
-                  <a:tcPr anchor="ctr"/>
-                </a:tc>
-                <a:tc>
-                  <a:txBody>
-                    <a:bodyPr/>
-                    <a:lstStyle/>
-                    <a:p>
-                      <a:pPr algn="r" fontAlgn="ctr"/>
-                      <a:r>
-                        <a:rPr lang="en-DE" sz="2000" b="1" dirty="0">
-                          <a:effectLst/>
-                        </a:rPr>
-                        <a:t>0.630639</a:t>
-                      </a:r>
-                    </a:p>
-                  </a:txBody>
-                  <a:tcPr anchor="ctr">
-                    <a:solidFill>
-                      <a:schemeClr val="accent6">
-                        <a:lumMod val="60000"/>
-                        <a:lumOff val="40000"/>
-                      </a:schemeClr>
-                    </a:solidFill>
-                  </a:tcPr>
-                </a:tc>
-                <a:tc>
-                  <a:txBody>
-                    <a:bodyPr/>
-                    <a:lstStyle/>
-                    <a:p>
-                      <a:pPr algn="r" fontAlgn="ctr"/>
-                      <a:r>
-                        <a:rPr lang="en-DE" sz="2000" dirty="0">
-                          <a:effectLst/>
-                        </a:rPr>
-                        <a:t>0.455296</a:t>
-                      </a:r>
-                    </a:p>
-                  </a:txBody>
-                  <a:tcPr anchor="ctr"/>
-                </a:tc>
-                <a:tc>
-                  <a:txBody>
-                    <a:bodyPr/>
-                    <a:lstStyle/>
-                    <a:p>
-                      <a:pPr algn="r" fontAlgn="ctr"/>
-                      <a:r>
-                        <a:rPr lang="en-DE" sz="2000" dirty="0">
-                          <a:effectLst/>
-                        </a:rPr>
-                        <a:t>0.47890</a:t>
-                      </a:r>
-                    </a:p>
-                  </a:txBody>
-                  <a:tcPr anchor="ctr"/>
-                </a:tc>
-                <a:extLst>
-                  <a:ext uri="{0D108BD9-81ED-4DB2-BD59-A6C34878D82A}">
-                    <a16:rowId xmlns:a16="http://schemas.microsoft.com/office/drawing/2014/main" val="2292681319"/>
-                  </a:ext>
-                </a:extLst>
-              </a:tr>
-              <a:tr h="413443">
-                <a:tc>
-                  <a:txBody>
-                    <a:bodyPr/>
-                    <a:lstStyle/>
-                    <a:p>
-                      <a:pPr algn="r" fontAlgn="ctr"/>
-                      <a:r>
-                        <a:rPr lang="en-GB" sz="2000" b="1" dirty="0" err="1">
-                          <a:effectLst/>
-                        </a:rPr>
-                        <a:t>Aufklärung</a:t>
-                      </a:r>
-                      <a:r>
-                        <a:rPr lang="en-GB" sz="2000" b="1" dirty="0">
-                          <a:effectLst/>
-                        </a:rPr>
-                        <a:t>/</a:t>
-                      </a:r>
-                      <a:r>
-                        <a:rPr lang="en-GB" sz="2000" b="1" dirty="0" err="1">
-                          <a:effectLst/>
-                        </a:rPr>
-                        <a:t>Naturalismus</a:t>
-                      </a:r>
-                      <a:endParaRPr lang="en-GB" sz="2000" b="1" dirty="0">
-                        <a:effectLst/>
-                      </a:endParaRPr>
-                    </a:p>
-                  </a:txBody>
-                  <a:tcPr anchor="ctr"/>
-                </a:tc>
-                <a:tc>
-                  <a:txBody>
-                    <a:bodyPr/>
-                    <a:lstStyle/>
-                    <a:p>
-                      <a:pPr algn="r" fontAlgn="ctr"/>
-                      <a:r>
-                        <a:rPr lang="en-DE" sz="2000" dirty="0">
-                          <a:effectLst/>
-                        </a:rPr>
-                        <a:t>0.642419</a:t>
-                      </a:r>
-                    </a:p>
-                  </a:txBody>
-                  <a:tcPr anchor="ctr"/>
-                </a:tc>
-                <a:tc>
-                  <a:txBody>
-                    <a:bodyPr/>
-                    <a:lstStyle/>
-                    <a:p>
-                      <a:pPr algn="r" fontAlgn="ctr"/>
-                      <a:r>
-                        <a:rPr lang="en-DE" sz="2000" dirty="0">
-                          <a:effectLst/>
-                        </a:rPr>
-                        <a:t>0.598242</a:t>
-                      </a:r>
-                    </a:p>
-                  </a:txBody>
-                  <a:tcPr anchor="ctr"/>
-                </a:tc>
-                <a:tc>
-                  <a:txBody>
-                    <a:bodyPr/>
-                    <a:lstStyle/>
-                    <a:p>
-                      <a:pPr algn="r" fontAlgn="ctr"/>
-                      <a:r>
-                        <a:rPr lang="en-DE" sz="2000" dirty="0">
-                          <a:effectLst/>
-                        </a:rPr>
-                        <a:t>0.105600</a:t>
-                      </a:r>
-                    </a:p>
-                  </a:txBody>
-                  <a:tcPr anchor="ctr"/>
-                </a:tc>
-                <a:tc>
-                  <a:txBody>
-                    <a:bodyPr/>
-                    <a:lstStyle/>
-                    <a:p>
-                      <a:pPr algn="r" fontAlgn="ctr"/>
-                      <a:r>
-                        <a:rPr lang="en-DE" sz="2000" dirty="0">
-                          <a:effectLst/>
-                        </a:rPr>
-                        <a:t>0.067682</a:t>
-                      </a:r>
-                    </a:p>
-                  </a:txBody>
-                  <a:tcPr anchor="ctr"/>
-                </a:tc>
-                <a:extLst>
-                  <a:ext uri="{0D108BD9-81ED-4DB2-BD59-A6C34878D82A}">
-                    <a16:rowId xmlns:a16="http://schemas.microsoft.com/office/drawing/2014/main" val="319013880"/>
-                  </a:ext>
-                </a:extLst>
-              </a:tr>
-              <a:tr h="413443">
-                <a:tc>
-                  <a:txBody>
-                    <a:bodyPr/>
-                    <a:lstStyle/>
-                    <a:p>
-                      <a:pPr algn="r" fontAlgn="ctr"/>
-                      <a:r>
-                        <a:rPr lang="en-GB" sz="2000" b="1" dirty="0" err="1">
-                          <a:effectLst/>
-                        </a:rPr>
-                        <a:t>Barock</a:t>
-                      </a:r>
-                      <a:r>
-                        <a:rPr lang="en-GB" sz="2000" b="1" dirty="0">
-                          <a:effectLst/>
-                        </a:rPr>
-                        <a:t>/</a:t>
-                      </a:r>
-                      <a:r>
-                        <a:rPr lang="en-GB" sz="2000" b="1" dirty="0" err="1">
-                          <a:effectLst/>
-                        </a:rPr>
-                        <a:t>Realismus</a:t>
-                      </a:r>
-                      <a:endParaRPr lang="en-GB" sz="2000" b="1" dirty="0">
-                        <a:effectLst/>
-                      </a:endParaRPr>
-                    </a:p>
-                  </a:txBody>
-                  <a:tcPr anchor="ctr"/>
-                </a:tc>
-                <a:tc>
-                  <a:txBody>
-                    <a:bodyPr/>
-                    <a:lstStyle/>
-                    <a:p>
-                      <a:pPr algn="r" fontAlgn="ctr"/>
-                      <a:r>
-                        <a:rPr lang="en-DE" sz="2000" dirty="0">
-                          <a:effectLst/>
-                        </a:rPr>
-                        <a:t>0.636041</a:t>
-                      </a:r>
-                    </a:p>
-                  </a:txBody>
-                  <a:tcPr anchor="ctr"/>
-                </a:tc>
-                <a:tc>
-                  <a:txBody>
-                    <a:bodyPr/>
-                    <a:lstStyle/>
-                    <a:p>
-                      <a:pPr algn="r" fontAlgn="ctr"/>
-                      <a:r>
-                        <a:rPr lang="en-DE" sz="2000" dirty="0">
-                          <a:effectLst/>
-                        </a:rPr>
-                        <a:t>0.613524</a:t>
-                      </a:r>
-                    </a:p>
-                  </a:txBody>
-                  <a:tcPr anchor="ctr"/>
-                </a:tc>
-                <a:tc>
-                  <a:txBody>
-                    <a:bodyPr/>
-                    <a:lstStyle/>
-                    <a:p>
-                      <a:pPr algn="r" fontAlgn="ctr"/>
-                      <a:r>
-                        <a:rPr lang="en-DE" sz="2000" dirty="0">
-                          <a:effectLst/>
-                        </a:rPr>
-                        <a:t>0.507069</a:t>
-                      </a:r>
-                    </a:p>
-                  </a:txBody>
-                  <a:tcPr anchor="ctr"/>
-                </a:tc>
-                <a:tc>
-                  <a:txBody>
-                    <a:bodyPr/>
-                    <a:lstStyle/>
-                    <a:p>
-                      <a:pPr algn="r" fontAlgn="ctr"/>
-                      <a:r>
-                        <a:rPr lang="en-DE" sz="2000" dirty="0">
-                          <a:effectLst/>
-                        </a:rPr>
-                        <a:t>0.54058</a:t>
-                      </a:r>
-                    </a:p>
-                  </a:txBody>
-                  <a:tcPr anchor="ctr"/>
-                </a:tc>
-                <a:extLst>
-                  <a:ext uri="{0D108BD9-81ED-4DB2-BD59-A6C34878D82A}">
-                    <a16:rowId xmlns:a16="http://schemas.microsoft.com/office/drawing/2014/main" val="4216835995"/>
-                  </a:ext>
-                </a:extLst>
-              </a:tr>
-              <a:tr h="413443">
-                <a:tc>
-                  <a:txBody>
-                    <a:bodyPr/>
-                    <a:lstStyle/>
-                    <a:p>
-                      <a:pPr algn="r" fontAlgn="ctr"/>
-                      <a:r>
-                        <a:rPr lang="en-GB" sz="2000" b="1" dirty="0" err="1">
-                          <a:effectLst/>
-                        </a:rPr>
-                        <a:t>Barock</a:t>
-                      </a:r>
-                      <a:r>
-                        <a:rPr lang="en-GB" sz="2000" b="1" dirty="0">
-                          <a:effectLst/>
-                        </a:rPr>
-                        <a:t>/</a:t>
-                      </a:r>
-                      <a:r>
-                        <a:rPr lang="en-GB" sz="2000" b="1" dirty="0" err="1">
-                          <a:effectLst/>
-                        </a:rPr>
-                        <a:t>Aufklärung</a:t>
-                      </a:r>
-                      <a:endParaRPr lang="en-GB" sz="2000" b="1" dirty="0">
-                        <a:effectLst/>
-                      </a:endParaRPr>
-                    </a:p>
-                  </a:txBody>
-                  <a:tcPr anchor="ctr"/>
-                </a:tc>
-                <a:tc>
-                  <a:txBody>
-                    <a:bodyPr/>
-                    <a:lstStyle/>
-                    <a:p>
-                      <a:pPr algn="r" fontAlgn="ctr"/>
-                      <a:r>
-                        <a:rPr lang="en-DE" sz="2000">
-                          <a:effectLst/>
-                        </a:rPr>
-                        <a:t>0.549068</a:t>
-                      </a:r>
-                    </a:p>
-                  </a:txBody>
-                  <a:tcPr anchor="ctr"/>
-                </a:tc>
-                <a:tc>
-                  <a:txBody>
-                    <a:bodyPr/>
-                    <a:lstStyle/>
-                    <a:p>
-                      <a:pPr algn="r" fontAlgn="ctr"/>
-                      <a:r>
-                        <a:rPr lang="en-DE" sz="2000" dirty="0">
-                          <a:effectLst/>
-                        </a:rPr>
-                        <a:t>0.466089</a:t>
-                      </a:r>
-                    </a:p>
-                  </a:txBody>
-                  <a:tcPr anchor="ctr"/>
-                </a:tc>
-                <a:tc>
-                  <a:txBody>
-                    <a:bodyPr/>
-                    <a:lstStyle/>
-                    <a:p>
-                      <a:pPr algn="r" fontAlgn="ctr"/>
-                      <a:r>
-                        <a:rPr lang="en-DE" sz="2000" dirty="0">
-                          <a:effectLst/>
-                        </a:rPr>
-                        <a:t>0.383122</a:t>
-                      </a:r>
-                    </a:p>
-                  </a:txBody>
-                  <a:tcPr anchor="ctr"/>
-                </a:tc>
-                <a:tc>
-                  <a:txBody>
-                    <a:bodyPr/>
-                    <a:lstStyle/>
-                    <a:p>
-                      <a:pPr algn="r" fontAlgn="ctr"/>
-                      <a:r>
-                        <a:rPr lang="en-DE" sz="2000" dirty="0">
-                          <a:effectLst/>
-                        </a:rPr>
-                        <a:t>0.384044</a:t>
-                      </a:r>
-                    </a:p>
-                  </a:txBody>
-                  <a:tcPr anchor="ctr"/>
-                </a:tc>
-                <a:extLst>
-                  <a:ext uri="{0D108BD9-81ED-4DB2-BD59-A6C34878D82A}">
-                    <a16:rowId xmlns:a16="http://schemas.microsoft.com/office/drawing/2014/main" val="3160914534"/>
-                  </a:ext>
-                </a:extLst>
-              </a:tr>
-            </a:tbl>
-          </a:graphicData>
-        </a:graphic>
-      </p:graphicFrame>
-      <p:cxnSp>
-        <p:nvCxnSpPr>
-          <p:cNvPr id="9" name="Straight Connector 8">
-            <a:extLst>
-              <a:ext uri="{FF2B5EF4-FFF2-40B4-BE49-F238E27FC236}">
-                <a16:creationId xmlns:a16="http://schemas.microsoft.com/office/drawing/2014/main" id="{A5819989-B927-2242-B1C1-3CF654B9CE66}"/>
-              </a:ext>
-            </a:extLst>
-          </p:cNvPr>
-          <p:cNvCxnSpPr>
-            <a:cxnSpLocks/>
-          </p:cNvCxnSpPr>
-          <p:nvPr/>
-        </p:nvCxnSpPr>
-        <p:spPr>
-          <a:xfrm>
-            <a:off x="7637929" y="2820469"/>
-            <a:ext cx="0" cy="3450708"/>
-          </a:xfrm>
-          <a:prstGeom prst="line">
-            <a:avLst/>
-          </a:prstGeom>
-          <a:ln w="38100"/>
-        </p:spPr>
-        <p:style>
-          <a:lnRef idx="1">
-            <a:schemeClr val="dk1"/>
-          </a:lnRef>
-          <a:fillRef idx="0">
-            <a:schemeClr val="dk1"/>
-          </a:fillRef>
-          <a:effectRef idx="0">
-            <a:schemeClr val="dk1"/>
-          </a:effectRef>
-          <a:fontRef idx="minor">
-            <a:schemeClr val="tx1"/>
-          </a:fontRef>
-        </p:style>
-      </p:cxnSp>
-    </p:spTree>
-    <p:extLst>
-      <p:ext uri="{BB962C8B-B14F-4D97-AF65-F5344CB8AC3E}">
-        <p14:creationId xmlns:p14="http://schemas.microsoft.com/office/powerpoint/2010/main" val="1978532350"/>
-      </p:ext>
-    </p:extLst>
-  </p:cSld>
-  <p:clrMapOvr>
-    <a:masterClrMapping/>
-  </p:clrMapOvr>
-</p:sld>
-</file>
-
-<file path=ppt/slides/slide27.xml><?xml version="1.0" encoding="utf-8"?>
-<p:sld xmlns:a="http://schemas.openxmlformats.org/drawingml/2006/main" xmlns:r="http://schemas.openxmlformats.org/officeDocument/2006/relationships" xmlns:p="http://schemas.openxmlformats.org/presentationml/2006/main">
-  <p:cSld>
-    <p:bg>
-      <p:bgPr>
-        <a:solidFill>
-          <a:schemeClr val="bg1"/>
-        </a:solidFill>
-        <a:effectLst/>
-      </p:bgPr>
-    </p:bg>
-    <p:spTree>
-      <p:nvGrpSpPr>
-        <p:cNvPr id="1" name=""/>
-        <p:cNvGrpSpPr/>
-        <p:nvPr/>
-      </p:nvGrpSpPr>
-      <p:grpSpPr>
-        <a:xfrm>
-          <a:off x="0" y="0"/>
-          <a:ext cx="0" cy="0"/>
-          <a:chOff x="0" y="0"/>
-          <a:chExt cx="0" cy="0"/>
-        </a:xfrm>
-      </p:grpSpPr>
-      <p:sp useBgFill="1">
-        <p:nvSpPr>
-          <p:cNvPr id="51" name="Rectangle 50">
-            <a:extLst>
-              <a:ext uri="{FF2B5EF4-FFF2-40B4-BE49-F238E27FC236}">
-                <a16:creationId xmlns:a16="http://schemas.microsoft.com/office/drawing/2014/main" id="{2550BE34-C2B8-49B8-8519-67A8CAD51AE9}"/>
-              </a:ext>
-              <a:ext uri="{C183D7F6-B498-43B3-948B-1728B52AA6E4}">
-                <adec:decorative xmlns:adec="http://schemas.microsoft.com/office/drawing/2017/decorative" val="1"/>
-              </a:ext>
-            </a:extLst>
-          </p:cNvPr>
-          <p:cNvSpPr>
-            <a:spLocks noGrp="1" noRot="1" noChangeAspect="1" noMove="1" noResize="1" noEditPoints="1" noAdjustHandles="1" noChangeArrowheads="1" noChangeShapeType="1" noTextEdit="1"/>
-          </p:cNvSpPr>
-          <p:nvPr>
-            <p:extLst>
-              <p:ext uri="{386F3935-93C4-4BCD-93E2-E3B085C9AB24}">
-                <p16:designElem xmlns:p16="http://schemas.microsoft.com/office/powerpoint/2015/main" val="1"/>
-              </p:ext>
-            </p:extLst>
-          </p:nvPr>
-        </p:nvSpPr>
-        <p:spPr>
-          <a:xfrm>
-            <a:off x="0" y="0"/>
-            <a:ext cx="12192000" cy="6858000"/>
-          </a:xfrm>
-          <a:prstGeom prst="rect">
-            <a:avLst/>
-          </a:prstGeom>
-          <a:ln>
-            <a:noFill/>
-          </a:ln>
-        </p:spPr>
-        <p:style>
-          <a:lnRef idx="2">
-            <a:schemeClr val="accent1">
-              <a:shade val="50000"/>
-            </a:schemeClr>
-          </a:lnRef>
-          <a:fillRef idx="1">
-            <a:schemeClr val="accent1"/>
-          </a:fillRef>
-          <a:effectRef idx="0">
-            <a:schemeClr val="accent1"/>
-          </a:effectRef>
-          <a:fontRef idx="minor">
-            <a:schemeClr val="lt1"/>
-          </a:fontRef>
-        </p:style>
-        <p:txBody>
-          <a:bodyPr rtlCol="0" anchor="ctr"/>
-          <a:lstStyle/>
-          <a:p>
-            <a:pPr algn="ctr"/>
-            <a:endParaRPr lang="en-US"/>
-          </a:p>
-        </p:txBody>
-      </p:sp>
-      <p:sp useBgFill="1">
-        <p:nvSpPr>
-          <p:cNvPr id="53" name="Rectangle 52">
-            <a:extLst>
-              <a:ext uri="{FF2B5EF4-FFF2-40B4-BE49-F238E27FC236}">
-                <a16:creationId xmlns:a16="http://schemas.microsoft.com/office/drawing/2014/main" id="{A7457DD9-5A45-400A-AB4B-4B4EDECA25F1}"/>
-              </a:ext>
-              <a:ext uri="{C183D7F6-B498-43B3-948B-1728B52AA6E4}">
-                <adec:decorative xmlns:adec="http://schemas.microsoft.com/office/drawing/2017/decorative" val="1"/>
-              </a:ext>
-            </a:extLst>
-          </p:cNvPr>
-          <p:cNvSpPr>
-            <a:spLocks noGrp="1" noRot="1" noChangeAspect="1" noMove="1" noResize="1" noEditPoints="1" noAdjustHandles="1" noChangeArrowheads="1" noChangeShapeType="1" noTextEdit="1"/>
-          </p:cNvSpPr>
-          <p:nvPr>
-            <p:extLst>
-              <p:ext uri="{386F3935-93C4-4BCD-93E2-E3B085C9AB24}">
-                <p16:designElem xmlns:p16="http://schemas.microsoft.com/office/powerpoint/2015/main" val="1"/>
-              </p:ext>
-            </p:extLst>
-          </p:nvPr>
-        </p:nvSpPr>
-        <p:spPr>
-          <a:xfrm>
-            <a:off x="554416" y="365125"/>
-            <a:ext cx="11167447" cy="2089317"/>
-          </a:xfrm>
-          <a:prstGeom prst="rect">
-            <a:avLst/>
-          </a:prstGeom>
-          <a:ln w="12700">
-            <a:solidFill>
-              <a:schemeClr val="tx2">
-                <a:lumMod val="10000"/>
-                <a:lumOff val="90000"/>
-              </a:schemeClr>
-            </a:solidFill>
-          </a:ln>
-          <a:effectLst>
-            <a:outerShdw blurRad="50800" dist="38100" dir="2700000" algn="tl" rotWithShape="0">
-              <a:schemeClr val="bg2">
-                <a:lumMod val="85000"/>
-                <a:alpha val="30000"/>
-              </a:schemeClr>
-            </a:outerShdw>
-          </a:effectLst>
-        </p:spPr>
-        <p:style>
-          <a:lnRef idx="2">
-            <a:schemeClr val="accent1">
-              <a:shade val="50000"/>
-            </a:schemeClr>
-          </a:lnRef>
-          <a:fillRef idx="1">
-            <a:schemeClr val="accent1"/>
-          </a:fillRef>
-          <a:effectRef idx="0">
-            <a:schemeClr val="accent1"/>
-          </a:effectRef>
-          <a:fontRef idx="minor">
-            <a:schemeClr val="lt1"/>
-          </a:fontRef>
-        </p:style>
-        <p:txBody>
-          <a:bodyPr rtlCol="0" anchor="ctr"/>
-          <a:lstStyle/>
-          <a:p>
-            <a:pPr marL="0" marR="0" lvl="0" indent="0" algn="ctr" defTabSz="914400" rtl="0" eaLnBrk="1" fontAlgn="auto" latinLnBrk="0" hangingPunct="1">
-              <a:lnSpc>
-                <a:spcPct val="100000"/>
-              </a:lnSpc>
-              <a:spcBef>
-                <a:spcPts val="0"/>
-              </a:spcBef>
-              <a:spcAft>
-                <a:spcPts val="0"/>
-              </a:spcAft>
-              <a:buClrTx/>
-              <a:buSzTx/>
-              <a:buFontTx/>
-              <a:buNone/>
-              <a:tabLst/>
-              <a:defRPr/>
-            </a:pPr>
-            <a:endParaRPr kumimoji="0" lang="en-US" sz="1800" b="0" i="0" u="none" strike="noStrike" kern="1200" cap="none" spc="0" normalizeH="0" baseline="0" noProof="0">
-              <a:ln>
-                <a:noFill/>
-              </a:ln>
-              <a:solidFill>
-                <a:prstClr val="white"/>
-              </a:solidFill>
-              <a:effectLst/>
-              <a:uLnTx/>
-              <a:uFillTx/>
-              <a:latin typeface="Calibri" panose="020F0502020204030204"/>
-              <a:ea typeface="+mn-ea"/>
-              <a:cs typeface="+mn-cs"/>
-            </a:endParaRPr>
-          </a:p>
-        </p:txBody>
-      </p:sp>
-      <p:sp>
-        <p:nvSpPr>
-          <p:cNvPr id="3" name="Title 2">
-            <a:extLst>
-              <a:ext uri="{FF2B5EF4-FFF2-40B4-BE49-F238E27FC236}">
-                <a16:creationId xmlns:a16="http://schemas.microsoft.com/office/drawing/2014/main" id="{2B0244FE-E892-4648-B9A2-7F22D047434E}"/>
-              </a:ext>
-            </a:extLst>
-          </p:cNvPr>
-          <p:cNvSpPr>
-            <a:spLocks noGrp="1"/>
-          </p:cNvSpPr>
-          <p:nvPr>
-            <p:ph type="title"/>
-          </p:nvPr>
-        </p:nvSpPr>
-        <p:spPr>
-          <a:xfrm>
-            <a:off x="1046746" y="586822"/>
-            <a:ext cx="3748339" cy="1645920"/>
-          </a:xfrm>
-        </p:spPr>
-        <p:txBody>
-          <a:bodyPr vert="horz" lIns="91440" tIns="45720" rIns="91440" bIns="45720" rtlCol="0" anchor="ctr">
-            <a:normAutofit/>
-          </a:bodyPr>
-          <a:lstStyle/>
-          <a:p>
-            <a:r>
-              <a:rPr lang="en-US" sz="3200" b="1" dirty="0"/>
-              <a:t>K-Means 		(II) </a:t>
-            </a:r>
             <a:br>
               <a:rPr lang="en-US" sz="3200" b="1" dirty="0"/>
             </a:br>
             <a:r>
               <a:rPr lang="en-US" sz="3200" b="1" dirty="0"/>
-              <a:t>DBSCAN</a:t>
+              <a:t>TODO</a:t>
             </a:r>
           </a:p>
         </p:txBody>
@@ -16219,6 +14723,594 @@
 </p:sld>
 </file>
 
+<file path=ppt/slides/slide27.xml><?xml version="1.0" encoding="utf-8"?>
+<p:sld xmlns:a="http://schemas.openxmlformats.org/drawingml/2006/main" xmlns:r="http://schemas.openxmlformats.org/officeDocument/2006/relationships" xmlns:p="http://schemas.openxmlformats.org/presentationml/2006/main">
+  <p:cSld>
+    <p:spTree>
+      <p:nvGrpSpPr>
+        <p:cNvPr id="1" name=""/>
+        <p:cNvGrpSpPr/>
+        <p:nvPr/>
+      </p:nvGrpSpPr>
+      <p:grpSpPr>
+        <a:xfrm>
+          <a:off x="0" y="0"/>
+          <a:ext cx="0" cy="0"/>
+          <a:chOff x="0" y="0"/>
+          <a:chExt cx="0" cy="0"/>
+        </a:xfrm>
+      </p:grpSpPr>
+      <p:sp>
+        <p:nvSpPr>
+          <p:cNvPr id="5" name="Title 4">
+            <a:extLst>
+              <a:ext uri="{FF2B5EF4-FFF2-40B4-BE49-F238E27FC236}">
+                <a16:creationId xmlns:a16="http://schemas.microsoft.com/office/drawing/2014/main" id="{9E70DB90-324C-D04B-8F51-5DB32ADB443C}"/>
+              </a:ext>
+            </a:extLst>
+          </p:cNvPr>
+          <p:cNvSpPr>
+            <a:spLocks noGrp="1"/>
+          </p:cNvSpPr>
+          <p:nvPr>
+            <p:ph type="title"/>
+          </p:nvPr>
+        </p:nvSpPr>
+        <p:spPr/>
+        <p:txBody>
+          <a:bodyPr>
+            <a:normAutofit fontScale="90000"/>
+          </a:bodyPr>
+          <a:lstStyle/>
+          <a:p>
+            <a:r>
+              <a:rPr lang="de-DE" b="1" dirty="0"/>
+              <a:t>K-</a:t>
+            </a:r>
+            <a:r>
+              <a:rPr lang="de-DE" b="1" dirty="0" err="1"/>
+              <a:t>Means</a:t>
+            </a:r>
+            <a:r>
+              <a:rPr lang="de-DE" b="1" dirty="0"/>
+              <a:t> (II) </a:t>
+            </a:r>
+            <a:br>
+              <a:rPr lang="de-DE" b="1" dirty="0"/>
+            </a:br>
+            <a:r>
+              <a:rPr lang="de-DE" sz="2700" dirty="0"/>
+              <a:t>Häufigsten 10 Worte des besten </a:t>
+            </a:r>
+            <a:r>
+              <a:rPr lang="de-DE" sz="2700" dirty="0" err="1"/>
+              <a:t>Clusterings</a:t>
+            </a:r>
+            <a:r>
+              <a:rPr lang="de-DE" sz="2700" dirty="0"/>
+              <a:t>: </a:t>
+            </a:r>
+            <a:r>
+              <a:rPr lang="en-GB" sz="2700" b="1" i="1" dirty="0" err="1"/>
+              <a:t>Barock</a:t>
+            </a:r>
+            <a:r>
+              <a:rPr lang="en-GB" sz="2700" b="1" i="1" dirty="0"/>
+              <a:t>/</a:t>
+            </a:r>
+            <a:r>
+              <a:rPr lang="en-GB" sz="2700" b="1" i="1" dirty="0" err="1"/>
+              <a:t>Realismus</a:t>
+            </a:r>
+            <a:endParaRPr lang="de-DE" b="1" dirty="0"/>
+          </a:p>
+        </p:txBody>
+      </p:sp>
+      <p:sp>
+        <p:nvSpPr>
+          <p:cNvPr id="8" name="Text Placeholder 7">
+            <a:extLst>
+              <a:ext uri="{FF2B5EF4-FFF2-40B4-BE49-F238E27FC236}">
+                <a16:creationId xmlns:a16="http://schemas.microsoft.com/office/drawing/2014/main" id="{4CC8CDDA-2DB0-2A45-8D56-96D247AED609}"/>
+              </a:ext>
+            </a:extLst>
+          </p:cNvPr>
+          <p:cNvSpPr>
+            <a:spLocks noGrp="1"/>
+          </p:cNvSpPr>
+          <p:nvPr>
+            <p:ph type="body" idx="1"/>
+          </p:nvPr>
+        </p:nvSpPr>
+        <p:spPr>
+          <a:xfrm>
+            <a:off x="452718" y="2410007"/>
+            <a:ext cx="5600610" cy="560938"/>
+          </a:xfrm>
+          <a:solidFill>
+            <a:schemeClr val="accent1"/>
+          </a:solidFill>
+        </p:spPr>
+        <p:txBody>
+          <a:bodyPr>
+            <a:normAutofit/>
+          </a:bodyPr>
+          <a:lstStyle/>
+          <a:p>
+            <a:pPr algn="ctr"/>
+            <a:r>
+              <a:rPr lang="de-DE" sz="2800" dirty="0">
+                <a:solidFill>
+                  <a:schemeClr val="bg2"/>
+                </a:solidFill>
+              </a:rPr>
+              <a:t>Cluster 1</a:t>
+            </a:r>
+          </a:p>
+        </p:txBody>
+      </p:sp>
+      <p:sp>
+        <p:nvSpPr>
+          <p:cNvPr id="12" name="Content Placeholder 11">
+            <a:extLst>
+              <a:ext uri="{FF2B5EF4-FFF2-40B4-BE49-F238E27FC236}">
+                <a16:creationId xmlns:a16="http://schemas.microsoft.com/office/drawing/2014/main" id="{BEA91CB4-4E4E-1341-8A7A-0E1757A6022A}"/>
+              </a:ext>
+            </a:extLst>
+          </p:cNvPr>
+          <p:cNvSpPr>
+            <a:spLocks noGrp="1"/>
+          </p:cNvSpPr>
+          <p:nvPr>
+            <p:ph sz="half" idx="2"/>
+          </p:nvPr>
+        </p:nvSpPr>
+        <p:spPr>
+          <a:xfrm>
+            <a:off x="452718" y="3203688"/>
+            <a:ext cx="5600610" cy="2968512"/>
+          </a:xfrm>
+          <a:solidFill>
+            <a:schemeClr val="accent1">
+              <a:lumMod val="20000"/>
+              <a:lumOff val="80000"/>
+            </a:schemeClr>
+          </a:solidFill>
+          <a:ln>
+            <a:solidFill>
+              <a:schemeClr val="tx1"/>
+            </a:solidFill>
+          </a:ln>
+        </p:spPr>
+        <p:txBody>
+          <a:bodyPr numCol="2">
+            <a:normAutofit/>
+          </a:bodyPr>
+          <a:lstStyle/>
+          <a:p>
+            <a:pPr marL="0" indent="0">
+              <a:buNone/>
+            </a:pPr>
+            <a:r>
+              <a:rPr lang="en-GB" sz="2800" b="1" dirty="0"/>
+              <a:t>	</a:t>
+            </a:r>
+            <a:r>
+              <a:rPr lang="en-GB" sz="2800" b="1" dirty="0" err="1"/>
+              <a:t>mädchen</a:t>
+            </a:r>
+            <a:r>
+              <a:rPr lang="en-GB" sz="2800" b="1" dirty="0"/>
+              <a:t> </a:t>
+            </a:r>
+          </a:p>
+          <a:p>
+            <a:pPr marL="0" indent="0">
+              <a:buNone/>
+            </a:pPr>
+            <a:r>
+              <a:rPr lang="en-GB" sz="2800" dirty="0"/>
+              <a:t>	</a:t>
+            </a:r>
+            <a:r>
+              <a:rPr lang="en-GB" sz="2800" b="1" dirty="0" err="1"/>
+              <a:t>sehnsucht</a:t>
+            </a:r>
+            <a:r>
+              <a:rPr lang="en-GB" sz="2800" dirty="0"/>
+              <a:t> </a:t>
+            </a:r>
+          </a:p>
+          <a:p>
+            <a:pPr marL="0" indent="0">
+              <a:buNone/>
+            </a:pPr>
+            <a:r>
+              <a:rPr lang="en-GB" sz="2800" dirty="0"/>
+              <a:t>	</a:t>
+            </a:r>
+            <a:r>
+              <a:rPr lang="en-GB" sz="2800" dirty="0" err="1"/>
+              <a:t>dunkel</a:t>
+            </a:r>
+            <a:r>
+              <a:rPr lang="en-GB" sz="2800" dirty="0"/>
+              <a:t> </a:t>
+            </a:r>
+          </a:p>
+          <a:p>
+            <a:pPr marL="0" indent="0">
+              <a:buNone/>
+            </a:pPr>
+            <a:r>
+              <a:rPr lang="en-GB" sz="2800" dirty="0"/>
+              <a:t>	</a:t>
+            </a:r>
+            <a:r>
+              <a:rPr lang="en-GB" sz="2800" b="1" dirty="0" err="1"/>
+              <a:t>duft</a:t>
+            </a:r>
+            <a:r>
+              <a:rPr lang="en-GB" sz="2800" dirty="0"/>
+              <a:t> </a:t>
+            </a:r>
+          </a:p>
+          <a:p>
+            <a:pPr marL="0" indent="0">
+              <a:buNone/>
+            </a:pPr>
+            <a:r>
+              <a:rPr lang="en-GB" sz="2800" dirty="0"/>
+              <a:t>	</a:t>
+            </a:r>
+            <a:r>
+              <a:rPr lang="en-GB" sz="2800" b="1" dirty="0"/>
+              <a:t>not</a:t>
+            </a:r>
+            <a:r>
+              <a:rPr lang="en-GB" sz="2800" dirty="0"/>
+              <a:t> </a:t>
+            </a:r>
+          </a:p>
+          <a:p>
+            <a:pPr marL="0" indent="0">
+              <a:buNone/>
+            </a:pPr>
+            <a:r>
+              <a:rPr lang="en-GB" sz="2800" dirty="0"/>
+              <a:t>	leis </a:t>
+            </a:r>
+          </a:p>
+          <a:p>
+            <a:pPr marL="0" indent="0">
+              <a:buNone/>
+            </a:pPr>
+            <a:r>
+              <a:rPr lang="en-GB" sz="2800" dirty="0"/>
+              <a:t>	</a:t>
+            </a:r>
+            <a:r>
+              <a:rPr lang="en-GB" sz="2800" dirty="0" err="1"/>
+              <a:t>ew</a:t>
+            </a:r>
+            <a:r>
+              <a:rPr lang="en-GB" sz="2800" dirty="0"/>
+              <a:t> </a:t>
+            </a:r>
+          </a:p>
+          <a:p>
+            <a:pPr marL="0" indent="0">
+              <a:buNone/>
+            </a:pPr>
+            <a:r>
+              <a:rPr lang="en-GB" sz="2800" dirty="0"/>
+              <a:t>	</a:t>
+            </a:r>
+            <a:r>
+              <a:rPr lang="en-GB" sz="2800" dirty="0" err="1"/>
+              <a:t>rasch</a:t>
+            </a:r>
+            <a:r>
+              <a:rPr lang="en-GB" sz="2800" dirty="0"/>
+              <a:t> </a:t>
+            </a:r>
+          </a:p>
+          <a:p>
+            <a:pPr marL="0" indent="0">
+              <a:buNone/>
+            </a:pPr>
+            <a:r>
+              <a:rPr lang="en-GB" sz="2800" dirty="0"/>
+              <a:t>	</a:t>
+            </a:r>
+            <a:r>
+              <a:rPr lang="en-GB" sz="2800" dirty="0" err="1"/>
+              <a:t>sanft</a:t>
+            </a:r>
+            <a:r>
+              <a:rPr lang="en-GB" sz="2800" dirty="0"/>
+              <a:t> </a:t>
+            </a:r>
+          </a:p>
+          <a:p>
+            <a:pPr marL="0" indent="0">
+              <a:buNone/>
+            </a:pPr>
+            <a:r>
+              <a:rPr lang="en-GB" sz="2800" dirty="0"/>
+              <a:t>	</a:t>
+            </a:r>
+            <a:r>
+              <a:rPr lang="en-GB" sz="2800" dirty="0" err="1"/>
+              <a:t>drin</a:t>
+            </a:r>
+            <a:endParaRPr lang="de-DE" sz="2800" dirty="0"/>
+          </a:p>
+        </p:txBody>
+      </p:sp>
+      <p:sp>
+        <p:nvSpPr>
+          <p:cNvPr id="14" name="Text Placeholder 13">
+            <a:extLst>
+              <a:ext uri="{FF2B5EF4-FFF2-40B4-BE49-F238E27FC236}">
+                <a16:creationId xmlns:a16="http://schemas.microsoft.com/office/drawing/2014/main" id="{A93382A0-16F0-7D41-AC5F-F7DFEB8630D3}"/>
+              </a:ext>
+            </a:extLst>
+          </p:cNvPr>
+          <p:cNvSpPr>
+            <a:spLocks noGrp="1"/>
+          </p:cNvSpPr>
+          <p:nvPr>
+            <p:ph type="body" sz="quarter" idx="3"/>
+          </p:nvPr>
+        </p:nvSpPr>
+        <p:spPr>
+          <a:xfrm>
+            <a:off x="6345936" y="2424519"/>
+            <a:ext cx="5393346" cy="560938"/>
+          </a:xfrm>
+          <a:solidFill>
+            <a:schemeClr val="accent1"/>
+          </a:solidFill>
+        </p:spPr>
+        <p:txBody>
+          <a:bodyPr>
+            <a:normAutofit/>
+          </a:bodyPr>
+          <a:lstStyle/>
+          <a:p>
+            <a:pPr algn="ctr"/>
+            <a:r>
+              <a:rPr lang="de-DE" sz="2800" dirty="0">
+                <a:solidFill>
+                  <a:schemeClr val="bg2"/>
+                </a:solidFill>
+              </a:rPr>
+              <a:t>Cluster 2</a:t>
+            </a:r>
+          </a:p>
+        </p:txBody>
+      </p:sp>
+      <p:sp>
+        <p:nvSpPr>
+          <p:cNvPr id="15" name="Content Placeholder 14">
+            <a:extLst>
+              <a:ext uri="{FF2B5EF4-FFF2-40B4-BE49-F238E27FC236}">
+                <a16:creationId xmlns:a16="http://schemas.microsoft.com/office/drawing/2014/main" id="{B09D71FF-5572-C546-8EAD-6A3C8184C8BF}"/>
+              </a:ext>
+            </a:extLst>
+          </p:cNvPr>
+          <p:cNvSpPr>
+            <a:spLocks noGrp="1"/>
+          </p:cNvSpPr>
+          <p:nvPr>
+            <p:ph sz="quarter" idx="4"/>
+          </p:nvPr>
+        </p:nvSpPr>
+        <p:spPr>
+          <a:xfrm>
+            <a:off x="6345936" y="3203687"/>
+            <a:ext cx="5393346" cy="2968511"/>
+          </a:xfrm>
+          <a:solidFill>
+            <a:schemeClr val="accent1">
+              <a:lumMod val="20000"/>
+              <a:lumOff val="80000"/>
+            </a:schemeClr>
+          </a:solidFill>
+          <a:ln>
+            <a:solidFill>
+              <a:schemeClr val="tx1"/>
+            </a:solidFill>
+          </a:ln>
+        </p:spPr>
+        <p:txBody>
+          <a:bodyPr numCol="2">
+            <a:normAutofit/>
+          </a:bodyPr>
+          <a:lstStyle/>
+          <a:p>
+            <a:pPr marL="0" indent="0">
+              <a:buNone/>
+            </a:pPr>
+            <a:r>
+              <a:rPr lang="en-GB" sz="2800" dirty="0"/>
+              <a:t>	</a:t>
+            </a:r>
+            <a:r>
+              <a:rPr lang="en-GB" sz="2800" dirty="0" err="1"/>
+              <a:t>auff</a:t>
+            </a:r>
+            <a:r>
+              <a:rPr lang="en-GB" sz="2800" dirty="0"/>
+              <a:t> 	</a:t>
+            </a:r>
+          </a:p>
+          <a:p>
+            <a:pPr marL="0" indent="0">
+              <a:buNone/>
+            </a:pPr>
+            <a:r>
+              <a:rPr lang="en-GB" sz="2800" dirty="0"/>
+              <a:t>	</a:t>
+            </a:r>
+            <a:r>
+              <a:rPr lang="en-GB" sz="2800" dirty="0" err="1"/>
+              <a:t>vnd</a:t>
+            </a:r>
+            <a:r>
+              <a:rPr lang="en-GB" sz="2800" dirty="0"/>
+              <a:t> 	</a:t>
+            </a:r>
+          </a:p>
+          <a:p>
+            <a:pPr marL="0" indent="0">
+              <a:buNone/>
+            </a:pPr>
+            <a:r>
+              <a:rPr lang="en-GB" sz="2800" dirty="0"/>
+              <a:t>	</a:t>
+            </a:r>
+            <a:r>
+              <a:rPr lang="en-GB" sz="2800" dirty="0" err="1"/>
+              <a:t>sey</a:t>
+            </a:r>
+            <a:r>
+              <a:rPr lang="en-GB" sz="2800" dirty="0"/>
+              <a:t> </a:t>
+            </a:r>
+          </a:p>
+          <a:p>
+            <a:pPr marL="0" indent="0">
+              <a:buNone/>
+            </a:pPr>
+            <a:r>
+              <a:rPr lang="en-GB" sz="2800" dirty="0"/>
+              <a:t>	</a:t>
+            </a:r>
+            <a:r>
+              <a:rPr lang="en-GB" sz="2800" dirty="0" err="1"/>
+              <a:t>diß</a:t>
+            </a:r>
+            <a:r>
+              <a:rPr lang="en-GB" sz="2800" dirty="0"/>
+              <a:t> 	</a:t>
+            </a:r>
+          </a:p>
+          <a:p>
+            <a:pPr marL="0" indent="0">
+              <a:buNone/>
+            </a:pPr>
+            <a:r>
+              <a:rPr lang="en-GB" sz="2800" dirty="0"/>
+              <a:t>	</a:t>
+            </a:r>
+            <a:r>
+              <a:rPr lang="en-GB" sz="2800" dirty="0" err="1"/>
+              <a:t>wil</a:t>
+            </a:r>
+            <a:r>
+              <a:rPr lang="en-GB" sz="2800" dirty="0"/>
+              <a:t> </a:t>
+            </a:r>
+          </a:p>
+          <a:p>
+            <a:pPr marL="0" indent="0">
+              <a:buNone/>
+            </a:pPr>
+            <a:r>
+              <a:rPr lang="en-GB" sz="2800" dirty="0"/>
+              <a:t>	</a:t>
+            </a:r>
+            <a:r>
+              <a:rPr lang="en-GB" sz="2800" b="1" dirty="0"/>
+              <a:t>hertz</a:t>
+            </a:r>
+            <a:r>
+              <a:rPr lang="en-GB" sz="2800" dirty="0"/>
+              <a:t> </a:t>
+            </a:r>
+          </a:p>
+          <a:p>
+            <a:pPr marL="0" indent="0">
+              <a:buNone/>
+            </a:pPr>
+            <a:r>
+              <a:rPr lang="en-GB" sz="2800" dirty="0"/>
+              <a:t>	</a:t>
+            </a:r>
+            <a:r>
+              <a:rPr lang="en-GB" sz="2800" dirty="0" err="1"/>
+              <a:t>wol</a:t>
+            </a:r>
+            <a:r>
+              <a:rPr lang="en-GB" sz="2800" dirty="0"/>
+              <a:t> </a:t>
+            </a:r>
+          </a:p>
+          <a:p>
+            <a:pPr marL="0" indent="0">
+              <a:buNone/>
+            </a:pPr>
+            <a:r>
+              <a:rPr lang="en-GB" sz="2800" dirty="0"/>
+              <a:t>	</a:t>
+            </a:r>
+            <a:r>
+              <a:rPr lang="en-GB" sz="2800" dirty="0" err="1"/>
+              <a:t>auß</a:t>
+            </a:r>
+            <a:r>
+              <a:rPr lang="en-GB" sz="2800" dirty="0"/>
+              <a:t> </a:t>
+            </a:r>
+          </a:p>
+          <a:p>
+            <a:pPr marL="0" indent="0">
+              <a:buNone/>
+            </a:pPr>
+            <a:r>
+              <a:rPr lang="en-GB" sz="2800" dirty="0"/>
+              <a:t>	</a:t>
+            </a:r>
+            <a:r>
+              <a:rPr lang="en-GB" sz="2800" b="1" dirty="0" err="1"/>
+              <a:t>hertzen</a:t>
+            </a:r>
+            <a:r>
+              <a:rPr lang="en-GB" sz="2800" dirty="0"/>
+              <a:t> </a:t>
+            </a:r>
+          </a:p>
+          <a:p>
+            <a:pPr marL="0" indent="0">
+              <a:buNone/>
+            </a:pPr>
+            <a:r>
+              <a:rPr lang="en-GB" sz="2800" dirty="0"/>
+              <a:t>	</a:t>
+            </a:r>
+            <a:r>
+              <a:rPr lang="en-GB" sz="2800" dirty="0" err="1"/>
+              <a:t>jhr</a:t>
+            </a:r>
+            <a:endParaRPr lang="de-DE" sz="2800" dirty="0"/>
+          </a:p>
+        </p:txBody>
+      </p:sp>
+    </p:spTree>
+    <p:extLst>
+      <p:ext uri="{BB962C8B-B14F-4D97-AF65-F5344CB8AC3E}">
+        <p14:creationId xmlns:p14="http://schemas.microsoft.com/office/powerpoint/2010/main" val="3138857705"/>
+      </p:ext>
+    </p:extLst>
+  </p:cSld>
+  <p:clrMapOvr>
+    <a:masterClrMapping/>
+  </p:clrMapOvr>
+</p:sld>
+</file>
+
 <file path=ppt/slides/slide28.xml><?xml version="1.0" encoding="utf-8"?>
 <p:sld xmlns:a="http://schemas.openxmlformats.org/drawingml/2006/main" xmlns:r="http://schemas.openxmlformats.org/officeDocument/2006/relationships" xmlns:p="http://schemas.openxmlformats.org/presentationml/2006/main">
   <p:cSld>
@@ -16238,10 +15330,10 @@
       </p:grpSpPr>
       <p:sp>
         <p:nvSpPr>
-          <p:cNvPr id="5" name="Title 4">
-            <a:extLst>
-              <a:ext uri="{FF2B5EF4-FFF2-40B4-BE49-F238E27FC236}">
-                <a16:creationId xmlns:a16="http://schemas.microsoft.com/office/drawing/2014/main" id="{9E70DB90-324C-D04B-8F51-5DB32ADB443C}"/>
+          <p:cNvPr id="2" name="Title 1">
+            <a:extLst>
+              <a:ext uri="{FF2B5EF4-FFF2-40B4-BE49-F238E27FC236}">
+                <a16:creationId xmlns:a16="http://schemas.microsoft.com/office/drawing/2014/main" id="{84192DD9-6C29-3E43-A218-EC0292BFDD3E}"/>
               </a:ext>
             </a:extLst>
           </p:cNvPr>
@@ -16254,60 +15346,19 @@
         </p:nvSpPr>
         <p:spPr/>
         <p:txBody>
-          <a:bodyPr>
-            <a:normAutofit fontScale="90000"/>
-          </a:bodyPr>
-          <a:lstStyle/>
-          <a:p>
-            <a:r>
-              <a:rPr lang="de-DE" b="1" dirty="0"/>
-              <a:t>K-</a:t>
-            </a:r>
-            <a:r>
-              <a:rPr lang="de-DE" b="1" dirty="0" err="1"/>
-              <a:t>Means</a:t>
-            </a:r>
-            <a:r>
-              <a:rPr lang="de-DE" b="1" dirty="0"/>
-              <a:t> (II) </a:t>
-            </a:r>
-            <a:br>
-              <a:rPr lang="de-DE" b="1" dirty="0"/>
-            </a:br>
-            <a:r>
-              <a:rPr lang="de-DE" sz="2700" dirty="0"/>
-              <a:t>Häufigsten 10 Worte des besten </a:t>
-            </a:r>
-            <a:r>
-              <a:rPr lang="de-DE" sz="2700" dirty="0" err="1"/>
-              <a:t>Clusterings</a:t>
-            </a:r>
-            <a:r>
-              <a:rPr lang="de-DE" sz="2700" dirty="0"/>
-              <a:t>: </a:t>
-            </a:r>
-            <a:r>
-              <a:rPr lang="en-GB" sz="2700" b="1" i="1" dirty="0" err="1"/>
-              <a:t>Barock</a:t>
-            </a:r>
-            <a:r>
-              <a:rPr lang="en-GB" sz="2700" b="1" i="1" dirty="0"/>
-              <a:t>/</a:t>
-            </a:r>
-            <a:r>
-              <a:rPr lang="en-GB" sz="2700" b="1" i="1" dirty="0" err="1"/>
-              <a:t>Realismus</a:t>
-            </a:r>
-            <a:endParaRPr lang="de-DE" b="1" dirty="0"/>
-          </a:p>
-        </p:txBody>
-      </p:sp>
-      <p:sp>
-        <p:nvSpPr>
-          <p:cNvPr id="8" name="Text Placeholder 7">
-            <a:extLst>
-              <a:ext uri="{FF2B5EF4-FFF2-40B4-BE49-F238E27FC236}">
-                <a16:creationId xmlns:a16="http://schemas.microsoft.com/office/drawing/2014/main" id="{4CC8CDDA-2DB0-2A45-8D56-96D247AED609}"/>
+          <a:bodyPr/>
+          <a:lstStyle/>
+          <a:p>
+            <a:endParaRPr lang="de-DE"/>
+          </a:p>
+        </p:txBody>
+      </p:sp>
+      <p:sp>
+        <p:nvSpPr>
+          <p:cNvPr id="3" name="Text Placeholder 2">
+            <a:extLst>
+              <a:ext uri="{FF2B5EF4-FFF2-40B4-BE49-F238E27FC236}">
+                <a16:creationId xmlns:a16="http://schemas.microsoft.com/office/drawing/2014/main" id="{AA894FCA-8DDF-204E-A808-D8DDAF10A253}"/>
               </a:ext>
             </a:extLst>
           </p:cNvPr>
@@ -16318,39 +15369,21 @@
             <p:ph type="body" idx="1"/>
           </p:nvPr>
         </p:nvSpPr>
-        <p:spPr>
-          <a:xfrm>
-            <a:off x="452718" y="2410007"/>
-            <a:ext cx="5600610" cy="560938"/>
-          </a:xfrm>
-          <a:solidFill>
-            <a:schemeClr val="accent1"/>
-          </a:solidFill>
-        </p:spPr>
-        <p:txBody>
-          <a:bodyPr>
-            <a:normAutofit/>
-          </a:bodyPr>
-          <a:lstStyle/>
-          <a:p>
-            <a:pPr algn="ctr"/>
-            <a:r>
-              <a:rPr lang="de-DE" sz="2800" dirty="0">
-                <a:solidFill>
-                  <a:schemeClr val="bg2"/>
-                </a:solidFill>
-              </a:rPr>
-              <a:t>Cluster 1</a:t>
-            </a:r>
-          </a:p>
-        </p:txBody>
-      </p:sp>
-      <p:sp>
-        <p:nvSpPr>
-          <p:cNvPr id="12" name="Content Placeholder 11">
-            <a:extLst>
-              <a:ext uri="{FF2B5EF4-FFF2-40B4-BE49-F238E27FC236}">
-                <a16:creationId xmlns:a16="http://schemas.microsoft.com/office/drawing/2014/main" id="{BEA91CB4-4E4E-1341-8A7A-0E1757A6022A}"/>
+        <p:spPr/>
+        <p:txBody>
+          <a:bodyPr/>
+          <a:lstStyle/>
+          <a:p>
+            <a:endParaRPr lang="de-DE"/>
+          </a:p>
+        </p:txBody>
+      </p:sp>
+      <p:sp>
+        <p:nvSpPr>
+          <p:cNvPr id="4" name="Content Placeholder 3">
+            <a:extLst>
+              <a:ext uri="{FF2B5EF4-FFF2-40B4-BE49-F238E27FC236}">
+                <a16:creationId xmlns:a16="http://schemas.microsoft.com/office/drawing/2014/main" id="{C48568A1-CA98-CD4C-B3D3-37282410C273}"/>
               </a:ext>
             </a:extLst>
           </p:cNvPr>
@@ -16361,195 +15394,21 @@
             <p:ph sz="half" idx="2"/>
           </p:nvPr>
         </p:nvSpPr>
-        <p:spPr>
-          <a:xfrm>
-            <a:off x="452718" y="3203688"/>
-            <a:ext cx="5600610" cy="2968512"/>
-          </a:xfrm>
-          <a:solidFill>
-            <a:schemeClr val="accent1">
-              <a:lumMod val="20000"/>
-              <a:lumOff val="80000"/>
-            </a:schemeClr>
-          </a:solidFill>
-          <a:ln>
-            <a:solidFill>
-              <a:schemeClr val="tx1"/>
-            </a:solidFill>
-          </a:ln>
-        </p:spPr>
-        <p:txBody>
-          <a:bodyPr numCol="2">
-            <a:normAutofit/>
-          </a:bodyPr>
-          <a:lstStyle/>
-          <a:p>
-            <a:pPr marL="0" indent="0">
-              <a:buNone/>
-            </a:pPr>
-            <a:r>
-              <a:rPr lang="en-GB" sz="2800" b="1" dirty="0"/>
-              <a:t>	</a:t>
-            </a:r>
-            <a:r>
-              <a:rPr lang="en-GB" sz="2800" b="1" dirty="0" err="1"/>
-              <a:t>mädchen</a:t>
-            </a:r>
-            <a:r>
-              <a:rPr lang="en-GB" sz="2800" b="1" dirty="0"/>
-              <a:t> </a:t>
-            </a:r>
-          </a:p>
-          <a:p>
-            <a:pPr marL="0" indent="0">
-              <a:buNone/>
-            </a:pPr>
-            <a:r>
-              <a:rPr lang="en-GB" sz="2800" dirty="0"/>
-              <a:t>	</a:t>
-            </a:r>
-            <a:r>
-              <a:rPr lang="en-GB" sz="2800" b="1" dirty="0" err="1"/>
-              <a:t>sehnsucht</a:t>
-            </a:r>
-            <a:r>
-              <a:rPr lang="en-GB" sz="2800" dirty="0"/>
-              <a:t> </a:t>
-            </a:r>
-          </a:p>
-          <a:p>
-            <a:pPr marL="0" indent="0">
-              <a:buNone/>
-            </a:pPr>
-            <a:r>
-              <a:rPr lang="en-GB" sz="2800" dirty="0"/>
-              <a:t>	</a:t>
-            </a:r>
-            <a:r>
-              <a:rPr lang="en-GB" sz="2800" dirty="0" err="1"/>
-              <a:t>dunkel</a:t>
-            </a:r>
-            <a:r>
-              <a:rPr lang="en-GB" sz="2800" dirty="0"/>
-              <a:t> </a:t>
-            </a:r>
-          </a:p>
-          <a:p>
-            <a:pPr marL="0" indent="0">
-              <a:buNone/>
-            </a:pPr>
-            <a:r>
-              <a:rPr lang="en-GB" sz="2800" dirty="0"/>
-              <a:t>	</a:t>
-            </a:r>
-            <a:r>
-              <a:rPr lang="en-GB" sz="2800" b="1" dirty="0" err="1"/>
-              <a:t>duft</a:t>
-            </a:r>
-            <a:r>
-              <a:rPr lang="en-GB" sz="2800" dirty="0"/>
-              <a:t> </a:t>
-            </a:r>
-          </a:p>
-          <a:p>
-            <a:pPr marL="0" indent="0">
-              <a:buNone/>
-            </a:pPr>
-            <a:r>
-              <a:rPr lang="en-GB" sz="2800" dirty="0"/>
-              <a:t>	</a:t>
-            </a:r>
-            <a:r>
-              <a:rPr lang="en-GB" sz="2800" b="1" dirty="0"/>
-              <a:t>not</a:t>
-            </a:r>
-            <a:r>
-              <a:rPr lang="en-GB" sz="2800" dirty="0"/>
-              <a:t> </a:t>
-            </a:r>
-          </a:p>
-          <a:p>
-            <a:pPr marL="0" indent="0">
-              <a:buNone/>
-            </a:pPr>
-            <a:r>
-              <a:rPr lang="en-GB" sz="2800" dirty="0"/>
-              <a:t>	leis </a:t>
-            </a:r>
-          </a:p>
-          <a:p>
-            <a:pPr marL="0" indent="0">
-              <a:buNone/>
-            </a:pPr>
-            <a:r>
-              <a:rPr lang="en-GB" sz="2800" dirty="0"/>
-              <a:t>	</a:t>
-            </a:r>
-            <a:r>
-              <a:rPr lang="en-GB" sz="2800" dirty="0" err="1"/>
-              <a:t>ew</a:t>
-            </a:r>
-            <a:r>
-              <a:rPr lang="en-GB" sz="2800" dirty="0"/>
-              <a:t> </a:t>
-            </a:r>
-          </a:p>
-          <a:p>
-            <a:pPr marL="0" indent="0">
-              <a:buNone/>
-            </a:pPr>
-            <a:r>
-              <a:rPr lang="en-GB" sz="2800" dirty="0"/>
-              <a:t>	</a:t>
-            </a:r>
-            <a:r>
-              <a:rPr lang="en-GB" sz="2800" dirty="0" err="1"/>
-              <a:t>rasch</a:t>
-            </a:r>
-            <a:r>
-              <a:rPr lang="en-GB" sz="2800" dirty="0"/>
-              <a:t> </a:t>
-            </a:r>
-          </a:p>
-          <a:p>
-            <a:pPr marL="0" indent="0">
-              <a:buNone/>
-            </a:pPr>
-            <a:r>
-              <a:rPr lang="en-GB" sz="2800" dirty="0"/>
-              <a:t>	</a:t>
-            </a:r>
-            <a:r>
-              <a:rPr lang="en-GB" sz="2800" dirty="0" err="1"/>
-              <a:t>sanft</a:t>
-            </a:r>
-            <a:r>
-              <a:rPr lang="en-GB" sz="2800" dirty="0"/>
-              <a:t> </a:t>
-            </a:r>
-          </a:p>
-          <a:p>
-            <a:pPr marL="0" indent="0">
-              <a:buNone/>
-            </a:pPr>
-            <a:r>
-              <a:rPr lang="en-GB" sz="2800" dirty="0"/>
-              <a:t>	</a:t>
-            </a:r>
-            <a:r>
-              <a:rPr lang="en-GB" sz="2800" dirty="0" err="1"/>
-              <a:t>drin</a:t>
-            </a:r>
-            <a:endParaRPr lang="de-DE" sz="2800" dirty="0"/>
-          </a:p>
-        </p:txBody>
-      </p:sp>
-      <p:sp>
-        <p:nvSpPr>
-          <p:cNvPr id="14" name="Text Placeholder 13">
-            <a:extLst>
-              <a:ext uri="{FF2B5EF4-FFF2-40B4-BE49-F238E27FC236}">
-                <a16:creationId xmlns:a16="http://schemas.microsoft.com/office/drawing/2014/main" id="{A93382A0-16F0-7D41-AC5F-F7DFEB8630D3}"/>
+        <p:spPr/>
+        <p:txBody>
+          <a:bodyPr/>
+          <a:lstStyle/>
+          <a:p>
+            <a:endParaRPr lang="de-DE"/>
+          </a:p>
+        </p:txBody>
+      </p:sp>
+      <p:sp>
+        <p:nvSpPr>
+          <p:cNvPr id="5" name="Text Placeholder 4">
+            <a:extLst>
+              <a:ext uri="{FF2B5EF4-FFF2-40B4-BE49-F238E27FC236}">
+                <a16:creationId xmlns:a16="http://schemas.microsoft.com/office/drawing/2014/main" id="{33AA29FF-2B50-4146-AD5D-D12248ADB4FD}"/>
               </a:ext>
             </a:extLst>
           </p:cNvPr>
@@ -16560,39 +15419,21 @@
             <p:ph type="body" sz="quarter" idx="3"/>
           </p:nvPr>
         </p:nvSpPr>
-        <p:spPr>
-          <a:xfrm>
-            <a:off x="6345936" y="2424519"/>
-            <a:ext cx="5393346" cy="560938"/>
-          </a:xfrm>
-          <a:solidFill>
-            <a:schemeClr val="accent1"/>
-          </a:solidFill>
-        </p:spPr>
-        <p:txBody>
-          <a:bodyPr>
-            <a:normAutofit/>
-          </a:bodyPr>
-          <a:lstStyle/>
-          <a:p>
-            <a:pPr algn="ctr"/>
-            <a:r>
-              <a:rPr lang="de-DE" sz="2800" dirty="0">
-                <a:solidFill>
-                  <a:schemeClr val="bg2"/>
-                </a:solidFill>
-              </a:rPr>
-              <a:t>Cluster 2</a:t>
-            </a:r>
-          </a:p>
-        </p:txBody>
-      </p:sp>
-      <p:sp>
-        <p:nvSpPr>
-          <p:cNvPr id="15" name="Content Placeholder 14">
-            <a:extLst>
-              <a:ext uri="{FF2B5EF4-FFF2-40B4-BE49-F238E27FC236}">
-                <a16:creationId xmlns:a16="http://schemas.microsoft.com/office/drawing/2014/main" id="{B09D71FF-5572-C546-8EAD-6A3C8184C8BF}"/>
+        <p:spPr/>
+        <p:txBody>
+          <a:bodyPr/>
+          <a:lstStyle/>
+          <a:p>
+            <a:endParaRPr lang="de-DE"/>
+          </a:p>
+        </p:txBody>
+      </p:sp>
+      <p:sp>
+        <p:nvSpPr>
+          <p:cNvPr id="6" name="Content Placeholder 5">
+            <a:extLst>
+              <a:ext uri="{FF2B5EF4-FFF2-40B4-BE49-F238E27FC236}">
+                <a16:creationId xmlns:a16="http://schemas.microsoft.com/office/drawing/2014/main" id="{E193ED27-C0E0-A94D-A194-919157A28ADC}"/>
               </a:ext>
             </a:extLst>
           </p:cNvPr>
@@ -16603,201 +15444,19 @@
             <p:ph sz="quarter" idx="4"/>
           </p:nvPr>
         </p:nvSpPr>
-        <p:spPr>
-          <a:xfrm>
-            <a:off x="6345936" y="3203687"/>
-            <a:ext cx="5393346" cy="2968511"/>
-          </a:xfrm>
-          <a:solidFill>
-            <a:schemeClr val="accent1">
-              <a:lumMod val="20000"/>
-              <a:lumOff val="80000"/>
-            </a:schemeClr>
-          </a:solidFill>
-          <a:ln>
-            <a:solidFill>
-              <a:schemeClr val="tx1"/>
-            </a:solidFill>
-          </a:ln>
-        </p:spPr>
-        <p:txBody>
-          <a:bodyPr numCol="2">
-            <a:normAutofit/>
-          </a:bodyPr>
-          <a:lstStyle/>
-          <a:p>
-            <a:pPr marL="0" indent="0">
-              <a:buNone/>
-            </a:pPr>
-            <a:r>
-              <a:rPr lang="en-GB" sz="2800" dirty="0"/>
-              <a:t>	</a:t>
-            </a:r>
-            <a:r>
-              <a:rPr lang="en-GB" sz="2800" dirty="0" err="1"/>
-              <a:t>auff</a:t>
-            </a:r>
-            <a:r>
-              <a:rPr lang="en-GB" sz="2800" dirty="0"/>
-              <a:t> 	</a:t>
-            </a:r>
-          </a:p>
-          <a:p>
-            <a:pPr marL="0" indent="0">
-              <a:buNone/>
-            </a:pPr>
-            <a:r>
-              <a:rPr lang="en-GB" sz="2800" dirty="0"/>
-              <a:t>	</a:t>
-            </a:r>
-            <a:r>
-              <a:rPr lang="en-GB" sz="2800" dirty="0" err="1"/>
-              <a:t>vnd</a:t>
-            </a:r>
-            <a:r>
-              <a:rPr lang="en-GB" sz="2800" dirty="0"/>
-              <a:t> 	</a:t>
-            </a:r>
-          </a:p>
-          <a:p>
-            <a:pPr marL="0" indent="0">
-              <a:buNone/>
-            </a:pPr>
-            <a:r>
-              <a:rPr lang="en-GB" sz="2800" dirty="0"/>
-              <a:t>	</a:t>
-            </a:r>
-            <a:r>
-              <a:rPr lang="en-GB" sz="2800" dirty="0" err="1"/>
-              <a:t>sey</a:t>
-            </a:r>
-            <a:r>
-              <a:rPr lang="en-GB" sz="2800" dirty="0"/>
-              <a:t> </a:t>
-            </a:r>
-          </a:p>
-          <a:p>
-            <a:pPr marL="0" indent="0">
-              <a:buNone/>
-            </a:pPr>
-            <a:r>
-              <a:rPr lang="en-GB" sz="2800" dirty="0"/>
-              <a:t>	</a:t>
-            </a:r>
-            <a:r>
-              <a:rPr lang="en-GB" sz="2800" dirty="0" err="1"/>
-              <a:t>diß</a:t>
-            </a:r>
-            <a:r>
-              <a:rPr lang="en-GB" sz="2800" dirty="0"/>
-              <a:t> 	</a:t>
-            </a:r>
-          </a:p>
-          <a:p>
-            <a:pPr marL="0" indent="0">
-              <a:buNone/>
-            </a:pPr>
-            <a:r>
-              <a:rPr lang="en-GB" sz="2800" dirty="0"/>
-              <a:t>	</a:t>
-            </a:r>
-            <a:r>
-              <a:rPr lang="en-GB" sz="2800" dirty="0" err="1"/>
-              <a:t>wil</a:t>
-            </a:r>
-            <a:r>
-              <a:rPr lang="en-GB" sz="2800" dirty="0"/>
-              <a:t> </a:t>
-            </a:r>
-          </a:p>
-          <a:p>
-            <a:pPr marL="0" indent="0">
-              <a:buNone/>
-            </a:pPr>
-            <a:r>
-              <a:rPr lang="en-GB" sz="2800" dirty="0"/>
-              <a:t>	</a:t>
-            </a:r>
-            <a:r>
-              <a:rPr lang="en-GB" sz="2800" b="1" dirty="0"/>
-              <a:t>hertz</a:t>
-            </a:r>
-            <a:r>
-              <a:rPr lang="en-GB" sz="2800" dirty="0"/>
-              <a:t> </a:t>
-            </a:r>
-          </a:p>
-          <a:p>
-            <a:pPr marL="0" indent="0">
-              <a:buNone/>
-            </a:pPr>
-            <a:r>
-              <a:rPr lang="en-GB" sz="2800" dirty="0"/>
-              <a:t>	</a:t>
-            </a:r>
-            <a:r>
-              <a:rPr lang="en-GB" sz="2800" dirty="0" err="1"/>
-              <a:t>wol</a:t>
-            </a:r>
-            <a:r>
-              <a:rPr lang="en-GB" sz="2800" dirty="0"/>
-              <a:t> </a:t>
-            </a:r>
-          </a:p>
-          <a:p>
-            <a:pPr marL="0" indent="0">
-              <a:buNone/>
-            </a:pPr>
-            <a:r>
-              <a:rPr lang="en-GB" sz="2800" dirty="0"/>
-              <a:t>	</a:t>
-            </a:r>
-            <a:r>
-              <a:rPr lang="en-GB" sz="2800" dirty="0" err="1"/>
-              <a:t>auß</a:t>
-            </a:r>
-            <a:r>
-              <a:rPr lang="en-GB" sz="2800" dirty="0"/>
-              <a:t> </a:t>
-            </a:r>
-          </a:p>
-          <a:p>
-            <a:pPr marL="0" indent="0">
-              <a:buNone/>
-            </a:pPr>
-            <a:r>
-              <a:rPr lang="en-GB" sz="2800" dirty="0"/>
-              <a:t>	</a:t>
-            </a:r>
-            <a:r>
-              <a:rPr lang="en-GB" sz="2800" b="1" dirty="0" err="1"/>
-              <a:t>hertzen</a:t>
-            </a:r>
-            <a:r>
-              <a:rPr lang="en-GB" sz="2800" dirty="0"/>
-              <a:t> </a:t>
-            </a:r>
-          </a:p>
-          <a:p>
-            <a:pPr marL="0" indent="0">
-              <a:buNone/>
-            </a:pPr>
-            <a:r>
-              <a:rPr lang="en-GB" sz="2800" dirty="0"/>
-              <a:t>	</a:t>
-            </a:r>
-            <a:r>
-              <a:rPr lang="en-GB" sz="2800" dirty="0" err="1"/>
-              <a:t>jhr</a:t>
-            </a:r>
-            <a:endParaRPr lang="de-DE" sz="2800" dirty="0"/>
+        <p:spPr/>
+        <p:txBody>
+          <a:bodyPr/>
+          <a:lstStyle/>
+          <a:p>
+            <a:endParaRPr lang="de-DE"/>
           </a:p>
         </p:txBody>
       </p:sp>
     </p:spTree>
     <p:extLst>
       <p:ext uri="{BB962C8B-B14F-4D97-AF65-F5344CB8AC3E}">
-        <p14:creationId xmlns:p14="http://schemas.microsoft.com/office/powerpoint/2010/main" val="3138857705"/>
+        <p14:creationId xmlns:p14="http://schemas.microsoft.com/office/powerpoint/2010/main" val="3607265043"/>
       </p:ext>
     </p:extLst>
   </p:cSld>
@@ -16829,7 +15488,7 @@
           <p:cNvPr id="2" name="Title 1">
             <a:extLst>
               <a:ext uri="{FF2B5EF4-FFF2-40B4-BE49-F238E27FC236}">
-                <a16:creationId xmlns:a16="http://schemas.microsoft.com/office/drawing/2014/main" id="{84192DD9-6C29-3E43-A218-EC0292BFDD3E}"/>
+                <a16:creationId xmlns:a16="http://schemas.microsoft.com/office/drawing/2014/main" id="{E81164C1-BB68-F748-BB86-1C0705BD6E52}"/>
               </a:ext>
             </a:extLst>
           </p:cNvPr>
@@ -16854,7 +15513,7 @@
           <p:cNvPr id="3" name="Text Placeholder 2">
             <a:extLst>
               <a:ext uri="{FF2B5EF4-FFF2-40B4-BE49-F238E27FC236}">
-                <a16:creationId xmlns:a16="http://schemas.microsoft.com/office/drawing/2014/main" id="{AA894FCA-8DDF-204E-A808-D8DDAF10A253}"/>
+                <a16:creationId xmlns:a16="http://schemas.microsoft.com/office/drawing/2014/main" id="{6B8E931C-F7EC-2344-B73C-F5A7A2B7897A}"/>
               </a:ext>
             </a:extLst>
           </p:cNvPr>
@@ -16879,7 +15538,7 @@
           <p:cNvPr id="4" name="Content Placeholder 3">
             <a:extLst>
               <a:ext uri="{FF2B5EF4-FFF2-40B4-BE49-F238E27FC236}">
-                <a16:creationId xmlns:a16="http://schemas.microsoft.com/office/drawing/2014/main" id="{C48568A1-CA98-CD4C-B3D3-37282410C273}"/>
+                <a16:creationId xmlns:a16="http://schemas.microsoft.com/office/drawing/2014/main" id="{BAF1CA4F-AC4A-4D47-9985-3D3931F691C3}"/>
               </a:ext>
             </a:extLst>
           </p:cNvPr>
@@ -16904,7 +15563,7 @@
           <p:cNvPr id="5" name="Text Placeholder 4">
             <a:extLst>
               <a:ext uri="{FF2B5EF4-FFF2-40B4-BE49-F238E27FC236}">
-                <a16:creationId xmlns:a16="http://schemas.microsoft.com/office/drawing/2014/main" id="{33AA29FF-2B50-4146-AD5D-D12248ADB4FD}"/>
+                <a16:creationId xmlns:a16="http://schemas.microsoft.com/office/drawing/2014/main" id="{6C1047FD-75BA-B942-ABFA-EE4711B79A5B}"/>
               </a:ext>
             </a:extLst>
           </p:cNvPr>
@@ -16929,7 +15588,7 @@
           <p:cNvPr id="6" name="Content Placeholder 5">
             <a:extLst>
               <a:ext uri="{FF2B5EF4-FFF2-40B4-BE49-F238E27FC236}">
-                <a16:creationId xmlns:a16="http://schemas.microsoft.com/office/drawing/2014/main" id="{E193ED27-C0E0-A94D-A194-919157A28ADC}"/>
+                <a16:creationId xmlns:a16="http://schemas.microsoft.com/office/drawing/2014/main" id="{4FF1E021-045A-4142-A4AE-9AA02E362FB1}"/>
               </a:ext>
             </a:extLst>
           </p:cNvPr>
@@ -16952,7 +15611,7 @@
     </p:spTree>
     <p:extLst>
       <p:ext uri="{BB962C8B-B14F-4D97-AF65-F5344CB8AC3E}">
-        <p14:creationId xmlns:p14="http://schemas.microsoft.com/office/powerpoint/2010/main" val="3607265043"/>
+        <p14:creationId xmlns:p14="http://schemas.microsoft.com/office/powerpoint/2010/main" val="2532051736"/>
       </p:ext>
     </p:extLst>
   </p:cSld>
@@ -17026,161 +15685,6 @@
 </file>
 
 <file path=ppt/slides/slide30.xml><?xml version="1.0" encoding="utf-8"?>
-<p:sld xmlns:a="http://schemas.openxmlformats.org/drawingml/2006/main" xmlns:r="http://schemas.openxmlformats.org/officeDocument/2006/relationships" xmlns:p="http://schemas.openxmlformats.org/presentationml/2006/main">
-  <p:cSld>
-    <p:spTree>
-      <p:nvGrpSpPr>
-        <p:cNvPr id="1" name=""/>
-        <p:cNvGrpSpPr/>
-        <p:nvPr/>
-      </p:nvGrpSpPr>
-      <p:grpSpPr>
-        <a:xfrm>
-          <a:off x="0" y="0"/>
-          <a:ext cx="0" cy="0"/>
-          <a:chOff x="0" y="0"/>
-          <a:chExt cx="0" cy="0"/>
-        </a:xfrm>
-      </p:grpSpPr>
-      <p:sp>
-        <p:nvSpPr>
-          <p:cNvPr id="2" name="Title 1">
-            <a:extLst>
-              <a:ext uri="{FF2B5EF4-FFF2-40B4-BE49-F238E27FC236}">
-                <a16:creationId xmlns:a16="http://schemas.microsoft.com/office/drawing/2014/main" id="{E81164C1-BB68-F748-BB86-1C0705BD6E52}"/>
-              </a:ext>
-            </a:extLst>
-          </p:cNvPr>
-          <p:cNvSpPr>
-            <a:spLocks noGrp="1"/>
-          </p:cNvSpPr>
-          <p:nvPr>
-            <p:ph type="title"/>
-          </p:nvPr>
-        </p:nvSpPr>
-        <p:spPr/>
-        <p:txBody>
-          <a:bodyPr/>
-          <a:lstStyle/>
-          <a:p>
-            <a:endParaRPr lang="de-DE"/>
-          </a:p>
-        </p:txBody>
-      </p:sp>
-      <p:sp>
-        <p:nvSpPr>
-          <p:cNvPr id="3" name="Text Placeholder 2">
-            <a:extLst>
-              <a:ext uri="{FF2B5EF4-FFF2-40B4-BE49-F238E27FC236}">
-                <a16:creationId xmlns:a16="http://schemas.microsoft.com/office/drawing/2014/main" id="{6B8E931C-F7EC-2344-B73C-F5A7A2B7897A}"/>
-              </a:ext>
-            </a:extLst>
-          </p:cNvPr>
-          <p:cNvSpPr>
-            <a:spLocks noGrp="1"/>
-          </p:cNvSpPr>
-          <p:nvPr>
-            <p:ph type="body" idx="1"/>
-          </p:nvPr>
-        </p:nvSpPr>
-        <p:spPr/>
-        <p:txBody>
-          <a:bodyPr/>
-          <a:lstStyle/>
-          <a:p>
-            <a:endParaRPr lang="de-DE"/>
-          </a:p>
-        </p:txBody>
-      </p:sp>
-      <p:sp>
-        <p:nvSpPr>
-          <p:cNvPr id="4" name="Content Placeholder 3">
-            <a:extLst>
-              <a:ext uri="{FF2B5EF4-FFF2-40B4-BE49-F238E27FC236}">
-                <a16:creationId xmlns:a16="http://schemas.microsoft.com/office/drawing/2014/main" id="{BAF1CA4F-AC4A-4D47-9985-3D3931F691C3}"/>
-              </a:ext>
-            </a:extLst>
-          </p:cNvPr>
-          <p:cNvSpPr>
-            <a:spLocks noGrp="1"/>
-          </p:cNvSpPr>
-          <p:nvPr>
-            <p:ph sz="half" idx="2"/>
-          </p:nvPr>
-        </p:nvSpPr>
-        <p:spPr/>
-        <p:txBody>
-          <a:bodyPr/>
-          <a:lstStyle/>
-          <a:p>
-            <a:endParaRPr lang="de-DE"/>
-          </a:p>
-        </p:txBody>
-      </p:sp>
-      <p:sp>
-        <p:nvSpPr>
-          <p:cNvPr id="5" name="Text Placeholder 4">
-            <a:extLst>
-              <a:ext uri="{FF2B5EF4-FFF2-40B4-BE49-F238E27FC236}">
-                <a16:creationId xmlns:a16="http://schemas.microsoft.com/office/drawing/2014/main" id="{6C1047FD-75BA-B942-ABFA-EE4711B79A5B}"/>
-              </a:ext>
-            </a:extLst>
-          </p:cNvPr>
-          <p:cNvSpPr>
-            <a:spLocks noGrp="1"/>
-          </p:cNvSpPr>
-          <p:nvPr>
-            <p:ph type="body" sz="quarter" idx="3"/>
-          </p:nvPr>
-        </p:nvSpPr>
-        <p:spPr/>
-        <p:txBody>
-          <a:bodyPr/>
-          <a:lstStyle/>
-          <a:p>
-            <a:endParaRPr lang="de-DE"/>
-          </a:p>
-        </p:txBody>
-      </p:sp>
-      <p:sp>
-        <p:nvSpPr>
-          <p:cNvPr id="6" name="Content Placeholder 5">
-            <a:extLst>
-              <a:ext uri="{FF2B5EF4-FFF2-40B4-BE49-F238E27FC236}">
-                <a16:creationId xmlns:a16="http://schemas.microsoft.com/office/drawing/2014/main" id="{4FF1E021-045A-4142-A4AE-9AA02E362FB1}"/>
-              </a:ext>
-            </a:extLst>
-          </p:cNvPr>
-          <p:cNvSpPr>
-            <a:spLocks noGrp="1"/>
-          </p:cNvSpPr>
-          <p:nvPr>
-            <p:ph sz="quarter" idx="4"/>
-          </p:nvPr>
-        </p:nvSpPr>
-        <p:spPr/>
-        <p:txBody>
-          <a:bodyPr/>
-          <a:lstStyle/>
-          <a:p>
-            <a:endParaRPr lang="de-DE"/>
-          </a:p>
-        </p:txBody>
-      </p:sp>
-    </p:spTree>
-    <p:extLst>
-      <p:ext uri="{BB962C8B-B14F-4D97-AF65-F5344CB8AC3E}">
-        <p14:creationId xmlns:p14="http://schemas.microsoft.com/office/powerpoint/2010/main" val="2532051736"/>
-      </p:ext>
-    </p:extLst>
-  </p:cSld>
-  <p:clrMapOvr>
-    <a:masterClrMapping/>
-  </p:clrMapOvr>
-</p:sld>
-</file>
-
-<file path=ppt/slides/slide31.xml><?xml version="1.0" encoding="utf-8"?>
 <p:sld xmlns:a="http://schemas.openxmlformats.org/drawingml/2006/main" xmlns:r="http://schemas.openxmlformats.org/officeDocument/2006/relationships" xmlns:p="http://schemas.openxmlformats.org/presentationml/2006/main">
   <p:cSld>
     <p:bg>
@@ -17775,7 +16279,7 @@
 </p:sld>
 </file>
 
-<file path=ppt/slides/slide32.xml><?xml version="1.0" encoding="utf-8"?>
+<file path=ppt/slides/slide31.xml><?xml version="1.0" encoding="utf-8"?>
 <p:sld xmlns:a="http://schemas.openxmlformats.org/drawingml/2006/main" xmlns:r="http://schemas.openxmlformats.org/officeDocument/2006/relationships" xmlns:p="http://schemas.openxmlformats.org/presentationml/2006/main">
   <p:cSld>
     <p:bg>
@@ -18370,7 +16874,7 @@
 </p:sld>
 </file>
 
-<file path=ppt/slides/slide33.xml><?xml version="1.0" encoding="utf-8"?>
+<file path=ppt/slides/slide32.xml><?xml version="1.0" encoding="utf-8"?>
 <p:sld xmlns:a="http://schemas.openxmlformats.org/drawingml/2006/main" xmlns:r="http://schemas.openxmlformats.org/officeDocument/2006/relationships" xmlns:p="http://schemas.openxmlformats.org/presentationml/2006/main">
   <p:cSld>
     <p:bg>
@@ -18939,7 +17443,7 @@
 </p:sld>
 </file>
 
-<file path=ppt/slides/slide34.xml><?xml version="1.0" encoding="utf-8"?>
+<file path=ppt/slides/slide33.xml><?xml version="1.0" encoding="utf-8"?>
 <p:sld xmlns:a="http://schemas.openxmlformats.org/drawingml/2006/main" xmlns:r="http://schemas.openxmlformats.org/officeDocument/2006/relationships" xmlns:p="http://schemas.openxmlformats.org/presentationml/2006/main">
   <p:cSld>
     <p:bg>
@@ -19502,7 +18006,7 @@
 </p:sld>
 </file>
 
-<file path=ppt/slides/slide35.xml><?xml version="1.0" encoding="utf-8"?>
+<file path=ppt/slides/slide34.xml><?xml version="1.0" encoding="utf-8"?>
 <p:sld xmlns:a="http://schemas.openxmlformats.org/drawingml/2006/main" xmlns:r="http://schemas.openxmlformats.org/officeDocument/2006/relationships" xmlns:p="http://schemas.openxmlformats.org/presentationml/2006/main">
   <p:cSld>
     <p:bg>
@@ -20105,7 +18609,7 @@
 </p:sld>
 </file>
 
-<file path=ppt/slides/slide36.xml><?xml version="1.0" encoding="utf-8"?>
+<file path=ppt/slides/slide35.xml><?xml version="1.0" encoding="utf-8"?>
 <p:sld xmlns:a="http://schemas.openxmlformats.org/drawingml/2006/main" xmlns:r="http://schemas.openxmlformats.org/officeDocument/2006/relationships" xmlns:p="http://schemas.openxmlformats.org/presentationml/2006/main">
   <p:cSld>
     <p:spTree>
@@ -20261,7 +18765,7 @@
 </p:sld>
 </file>
 
-<file path=ppt/slides/slide37.xml><?xml version="1.0" encoding="utf-8"?>
+<file path=ppt/slides/slide36.xml><?xml version="1.0" encoding="utf-8"?>
 <p:sld xmlns:a="http://schemas.openxmlformats.org/drawingml/2006/main" xmlns:r="http://schemas.openxmlformats.org/officeDocument/2006/relationships" xmlns:p="http://schemas.openxmlformats.org/presentationml/2006/main" show="0">
   <p:cSld>
     <p:spTree>
@@ -20334,7 +18838,7 @@
 </p:sld>
 </file>
 
-<file path=ppt/slides/slide38.xml><?xml version="1.0" encoding="utf-8"?>
+<file path=ppt/slides/slide37.xml><?xml version="1.0" encoding="utf-8"?>
 <p:sld xmlns:a="http://schemas.openxmlformats.org/drawingml/2006/main" xmlns:r="http://schemas.openxmlformats.org/officeDocument/2006/relationships" xmlns:p="http://schemas.openxmlformats.org/presentationml/2006/main" show="0">
   <p:cSld>
     <p:bg>
@@ -20820,7 +19324,7 @@
 </p:sld>
 </file>
 
-<file path=ppt/slides/slide39.xml><?xml version="1.0" encoding="utf-8"?>
+<file path=ppt/slides/slide38.xml><?xml version="1.0" encoding="utf-8"?>
 <p:sld xmlns:a="http://schemas.openxmlformats.org/drawingml/2006/main" xmlns:r="http://schemas.openxmlformats.org/officeDocument/2006/relationships" xmlns:p="http://schemas.openxmlformats.org/presentationml/2006/main" show="0">
   <p:cSld>
     <p:spTree>
@@ -21990,6 +20494,64 @@
 </p:sld>
 </file>
 
+<file path=ppt/slides/slide39.xml><?xml version="1.0" encoding="utf-8"?>
+<p:sld xmlns:a="http://schemas.openxmlformats.org/drawingml/2006/main" xmlns:r="http://schemas.openxmlformats.org/officeDocument/2006/relationships" xmlns:p="http://schemas.openxmlformats.org/presentationml/2006/main">
+  <p:cSld>
+    <p:spTree>
+      <p:nvGrpSpPr>
+        <p:cNvPr id="1" name=""/>
+        <p:cNvGrpSpPr/>
+        <p:nvPr/>
+      </p:nvGrpSpPr>
+      <p:grpSpPr>
+        <a:xfrm>
+          <a:off x="0" y="0"/>
+          <a:ext cx="0" cy="0"/>
+          <a:chOff x="0" y="0"/>
+          <a:chExt cx="0" cy="0"/>
+        </a:xfrm>
+      </p:grpSpPr>
+      <p:sp>
+        <p:nvSpPr>
+          <p:cNvPr id="2" name="Title 1">
+            <a:extLst>
+              <a:ext uri="{FF2B5EF4-FFF2-40B4-BE49-F238E27FC236}">
+                <a16:creationId xmlns:a16="http://schemas.microsoft.com/office/drawing/2014/main" id="{78F2E4E8-04EB-0142-91AE-BC0C88F0C119}"/>
+              </a:ext>
+            </a:extLst>
+          </p:cNvPr>
+          <p:cNvSpPr>
+            <a:spLocks noGrp="1"/>
+          </p:cNvSpPr>
+          <p:nvPr>
+            <p:ph type="title"/>
+          </p:nvPr>
+        </p:nvSpPr>
+        <p:spPr/>
+        <p:txBody>
+          <a:bodyPr/>
+          <a:lstStyle/>
+          <a:p>
+            <a:r>
+              <a:rPr lang="de-DE" b="1" dirty="0"/>
+              <a:t>5.  Schlussbetrachtung</a:t>
+            </a:r>
+          </a:p>
+        </p:txBody>
+      </p:sp>
+    </p:spTree>
+    <p:extLst>
+      <p:ext uri="{BB962C8B-B14F-4D97-AF65-F5344CB8AC3E}">
+        <p14:creationId xmlns:p14="http://schemas.microsoft.com/office/powerpoint/2010/main" val="4052262941"/>
+      </p:ext>
+    </p:extLst>
+  </p:cSld>
+  <p:clrMapOvr>
+    <a:masterClrMapping/>
+  </p:clrMapOvr>
+</p:sld>
+</file>
+
 <file path=ppt/slides/slide4.xml><?xml version="1.0" encoding="utf-8"?>
 <p:sld xmlns:a="http://schemas.openxmlformats.org/drawingml/2006/main" xmlns:r="http://schemas.openxmlformats.org/officeDocument/2006/relationships" xmlns:p="http://schemas.openxmlformats.org/presentationml/2006/main">
   <p:cSld>
@@ -22236,64 +20798,6 @@
     <p:extLst>
       <p:ext uri="{BB962C8B-B14F-4D97-AF65-F5344CB8AC3E}">
         <p14:creationId xmlns:p14="http://schemas.microsoft.com/office/powerpoint/2010/main" val="3743810288"/>
-      </p:ext>
-    </p:extLst>
-  </p:cSld>
-  <p:clrMapOvr>
-    <a:masterClrMapping/>
-  </p:clrMapOvr>
-</p:sld>
-</file>
-
-<file path=ppt/slides/slide40.xml><?xml version="1.0" encoding="utf-8"?>
-<p:sld xmlns:a="http://schemas.openxmlformats.org/drawingml/2006/main" xmlns:r="http://schemas.openxmlformats.org/officeDocument/2006/relationships" xmlns:p="http://schemas.openxmlformats.org/presentationml/2006/main">
-  <p:cSld>
-    <p:spTree>
-      <p:nvGrpSpPr>
-        <p:cNvPr id="1" name=""/>
-        <p:cNvGrpSpPr/>
-        <p:nvPr/>
-      </p:nvGrpSpPr>
-      <p:grpSpPr>
-        <a:xfrm>
-          <a:off x="0" y="0"/>
-          <a:ext cx="0" cy="0"/>
-          <a:chOff x="0" y="0"/>
-          <a:chExt cx="0" cy="0"/>
-        </a:xfrm>
-      </p:grpSpPr>
-      <p:sp>
-        <p:nvSpPr>
-          <p:cNvPr id="2" name="Title 1">
-            <a:extLst>
-              <a:ext uri="{FF2B5EF4-FFF2-40B4-BE49-F238E27FC236}">
-                <a16:creationId xmlns:a16="http://schemas.microsoft.com/office/drawing/2014/main" id="{78F2E4E8-04EB-0142-91AE-BC0C88F0C119}"/>
-              </a:ext>
-            </a:extLst>
-          </p:cNvPr>
-          <p:cNvSpPr>
-            <a:spLocks noGrp="1"/>
-          </p:cNvSpPr>
-          <p:nvPr>
-            <p:ph type="title"/>
-          </p:nvPr>
-        </p:nvSpPr>
-        <p:spPr/>
-        <p:txBody>
-          <a:bodyPr/>
-          <a:lstStyle/>
-          <a:p>
-            <a:r>
-              <a:rPr lang="de-DE" b="1" dirty="0"/>
-              <a:t>5.  Schlussbetrachtung</a:t>
-            </a:r>
-          </a:p>
-        </p:txBody>
-      </p:sp>
-    </p:spTree>
-    <p:extLst>
-      <p:ext uri="{BB962C8B-B14F-4D97-AF65-F5344CB8AC3E}">
-        <p14:creationId xmlns:p14="http://schemas.microsoft.com/office/powerpoint/2010/main" val="4052262941"/>
       </p:ext>
     </p:extLst>
   </p:cSld>

--- a/presentation/clustering_presentation.pptx
+++ b/presentation/clustering_presentation.pptx
@@ -235,7 +235,7 @@
           <a:p>
             <a:fld id="{5191E409-3F0E-F149-AA52-0AF25D227FF4}" type="datetimeFigureOut">
               <a:rPr lang="de-DE" smtClean="0"/>
-              <a:t>04.07.20</a:t>
+              <a:t>07.07.20</a:t>
             </a:fld>
             <a:endParaRPr lang="de-DE"/>
           </a:p>
@@ -1217,19 +1217,11 @@
           <a:bodyPr/>
           <a:lstStyle/>
           <a:p>
-            <a:r>
-              <a:rPr lang="de-DE" b="0" dirty="0"/>
-              <a:t>Sortiert nach </a:t>
-            </a:r>
-            <a:r>
-              <a:rPr lang="de-DE" b="1" dirty="0"/>
-              <a:t>K-</a:t>
-            </a:r>
-            <a:r>
-              <a:rPr lang="de-DE" b="1" dirty="0" err="1"/>
-              <a:t>Means</a:t>
-            </a:r>
-            <a:endParaRPr lang="de-DE" b="0" dirty="0"/>
+            <a:pPr marL="171450" indent="-171450">
+              <a:buFont typeface="Arial" panose="020B0604020202020204" pitchFamily="34" charset="0"/>
+              <a:buChar char="•"/>
+            </a:pPr>
+            <a:endParaRPr lang="de-DE" dirty="0"/>
           </a:p>
         </p:txBody>
       </p:sp>
@@ -1250,7 +1242,7 @@
           <a:p>
             <a:fld id="{49FFD0F6-1B54-1D42-B676-41E105B9815E}" type="slidenum">
               <a:rPr lang="de-DE" smtClean="0"/>
-              <a:t>25</a:t>
+              <a:t>24</a:t>
             </a:fld>
             <a:endParaRPr lang="de-DE"/>
           </a:p>
@@ -1259,7 +1251,7 @@
     </p:spTree>
     <p:extLst>
       <p:ext uri="{BB962C8B-B14F-4D97-AF65-F5344CB8AC3E}">
-        <p14:creationId xmlns:p14="http://schemas.microsoft.com/office/powerpoint/2010/main" val="1014610307"/>
+        <p14:creationId xmlns:p14="http://schemas.microsoft.com/office/powerpoint/2010/main" val="410681100"/>
       </p:ext>
     </p:extLst>
   </p:cSld>
@@ -1313,7 +1305,19 @@
           <a:bodyPr/>
           <a:lstStyle/>
           <a:p>
-            <a:endParaRPr lang="de-DE" b="1" dirty="0"/>
+            <a:r>
+              <a:rPr lang="de-DE" b="0" dirty="0"/>
+              <a:t>Sortiert nach </a:t>
+            </a:r>
+            <a:r>
+              <a:rPr lang="de-DE" b="1" dirty="0"/>
+              <a:t>K-</a:t>
+            </a:r>
+            <a:r>
+              <a:rPr lang="de-DE" b="1" dirty="0" err="1"/>
+              <a:t>Means</a:t>
+            </a:r>
+            <a:endParaRPr lang="de-DE" b="0" dirty="0"/>
           </a:p>
         </p:txBody>
       </p:sp>
@@ -1334,7 +1338,7 @@
           <a:p>
             <a:fld id="{49FFD0F6-1B54-1D42-B676-41E105B9815E}" type="slidenum">
               <a:rPr lang="de-DE" smtClean="0"/>
-              <a:t>26</a:t>
+              <a:t>25</a:t>
             </a:fld>
             <a:endParaRPr lang="de-DE"/>
           </a:p>
@@ -1343,7 +1347,7 @@
     </p:spTree>
     <p:extLst>
       <p:ext uri="{BB962C8B-B14F-4D97-AF65-F5344CB8AC3E}">
-        <p14:creationId xmlns:p14="http://schemas.microsoft.com/office/powerpoint/2010/main" val="2882404652"/>
+        <p14:creationId xmlns:p14="http://schemas.microsoft.com/office/powerpoint/2010/main" val="1014610307"/>
       </p:ext>
     </p:extLst>
   </p:cSld>
@@ -1397,19 +1401,19 @@
           <a:bodyPr/>
           <a:lstStyle/>
           <a:p>
-            <a:pPr algn="l"/>
-            <a:r>
-              <a:rPr lang="de-DE" dirty="0"/>
-              <a:t>K-</a:t>
-            </a:r>
-            <a:r>
-              <a:rPr lang="de-DE" dirty="0" err="1"/>
-              <a:t>Means</a:t>
-            </a:r>
-            <a:r>
-              <a:rPr lang="de-DE" dirty="0"/>
-              <a:t> auf hochdimensionale Daten</a:t>
-            </a:r>
+            <a:r>
+              <a:rPr lang="de-DE" b="1" dirty="0" err="1"/>
+              <a:t>Truncated</a:t>
+            </a:r>
+            <a:r>
+              <a:rPr lang="de-DE" b="1" dirty="0"/>
+              <a:t> SVD + Normalisierung</a:t>
+            </a:r>
+            <a:r>
+              <a:rPr lang="de-DE" b="0" dirty="0"/>
+              <a:t> (PCA sehr ähnliche Ergebnisse)</a:t>
+            </a:r>
+            <a:endParaRPr lang="de-DE" b="1" dirty="0"/>
           </a:p>
         </p:txBody>
       </p:sp>
@@ -1430,7 +1434,7 @@
           <a:p>
             <a:fld id="{49FFD0F6-1B54-1D42-B676-41E105B9815E}" type="slidenum">
               <a:rPr lang="de-DE" smtClean="0"/>
-              <a:t>30</a:t>
+              <a:t>26</a:t>
             </a:fld>
             <a:endParaRPr lang="de-DE"/>
           </a:p>
@@ -1439,7 +1443,7 @@
     </p:spTree>
     <p:extLst>
       <p:ext uri="{BB962C8B-B14F-4D97-AF65-F5344CB8AC3E}">
-        <p14:creationId xmlns:p14="http://schemas.microsoft.com/office/powerpoint/2010/main" val="2134904752"/>
+        <p14:creationId xmlns:p14="http://schemas.microsoft.com/office/powerpoint/2010/main" val="2882404652"/>
       </p:ext>
     </p:extLst>
   </p:cSld>
@@ -1526,7 +1530,7 @@
           <a:p>
             <a:fld id="{49FFD0F6-1B54-1D42-B676-41E105B9815E}" type="slidenum">
               <a:rPr lang="de-DE" smtClean="0"/>
-              <a:t>31</a:t>
+              <a:t>30</a:t>
             </a:fld>
             <a:endParaRPr lang="de-DE"/>
           </a:p>
@@ -1535,7 +1539,7 @@
     </p:spTree>
     <p:extLst>
       <p:ext uri="{BB962C8B-B14F-4D97-AF65-F5344CB8AC3E}">
-        <p14:creationId xmlns:p14="http://schemas.microsoft.com/office/powerpoint/2010/main" val="3426150485"/>
+        <p14:creationId xmlns:p14="http://schemas.microsoft.com/office/powerpoint/2010/main" val="2134904752"/>
       </p:ext>
     </p:extLst>
   </p:cSld>
@@ -1589,27 +1593,18 @@
           <a:bodyPr/>
           <a:lstStyle/>
           <a:p>
+            <a:pPr algn="l"/>
             <a:r>
               <a:rPr lang="de-DE" dirty="0"/>
-              <a:t>ACHTUNG: Jahre sind hier Mittelwerte der Jahre aller Gedichte des Dichters</a:t>
-            </a:r>
-          </a:p>
-          <a:p>
+              <a:t>K-</a:t>
+            </a:r>
+            <a:r>
+              <a:rPr lang="de-DE" dirty="0" err="1"/>
+              <a:t>Means</a:t>
+            </a:r>
             <a:r>
               <a:rPr lang="de-DE" dirty="0"/>
-              <a:t>IN KLAMMERN: Verteilung der Großteil der Jahre</a:t>
-            </a:r>
-          </a:p>
-          <a:p>
-            <a:r>
-              <a:rPr lang="de-DE" dirty="0"/>
-              <a:t>Frühbarock: 1600-1650</a:t>
-            </a:r>
-          </a:p>
-          <a:p>
-            <a:r>
-              <a:rPr lang="de-DE" dirty="0"/>
-              <a:t>Hochbarock: 1650-1700 (1720)</a:t>
+              <a:t> auf hochdimensionale Daten</a:t>
             </a:r>
           </a:p>
         </p:txBody>
@@ -1631,7 +1626,7 @@
           <a:p>
             <a:fld id="{49FFD0F6-1B54-1D42-B676-41E105B9815E}" type="slidenum">
               <a:rPr lang="de-DE" smtClean="0"/>
-              <a:t>32</a:t>
+              <a:t>31</a:t>
             </a:fld>
             <a:endParaRPr lang="de-DE"/>
           </a:p>
@@ -1640,7 +1635,7 @@
     </p:spTree>
     <p:extLst>
       <p:ext uri="{BB962C8B-B14F-4D97-AF65-F5344CB8AC3E}">
-        <p14:creationId xmlns:p14="http://schemas.microsoft.com/office/powerpoint/2010/main" val="1629050767"/>
+        <p14:creationId xmlns:p14="http://schemas.microsoft.com/office/powerpoint/2010/main" val="3426150485"/>
       </p:ext>
     </p:extLst>
   </p:cSld>
@@ -1696,7 +1691,25 @@
           <a:p>
             <a:r>
               <a:rPr lang="de-DE" dirty="0"/>
-              <a:t>ACHTUNG: Jahre sind hier Mittelwerte der Jahre aller Gedichte der häufigsten Epoche des Dichters</a:t>
+              <a:t>ACHTUNG: Jahre sind hier Mittelwerte der Jahre aller Gedichte des Dichters</a:t>
+            </a:r>
+          </a:p>
+          <a:p>
+            <a:r>
+              <a:rPr lang="de-DE" dirty="0"/>
+              <a:t>IN KLAMMERN: Verteilung der Großteil der Jahre</a:t>
+            </a:r>
+          </a:p>
+          <a:p>
+            <a:r>
+              <a:rPr lang="de-DE" dirty="0"/>
+              <a:t>Frühbarock: 1600-1650</a:t>
+            </a:r>
+          </a:p>
+          <a:p>
+            <a:r>
+              <a:rPr lang="de-DE" dirty="0"/>
+              <a:t>Hochbarock: 1650-1700 (1720)</a:t>
             </a:r>
           </a:p>
         </p:txBody>
@@ -1718,7 +1731,7 @@
           <a:p>
             <a:fld id="{49FFD0F6-1B54-1D42-B676-41E105B9815E}" type="slidenum">
               <a:rPr lang="de-DE" smtClean="0"/>
-              <a:t>33</a:t>
+              <a:t>32</a:t>
             </a:fld>
             <a:endParaRPr lang="de-DE"/>
           </a:p>
@@ -1727,7 +1740,7 @@
     </p:spTree>
     <p:extLst>
       <p:ext uri="{BB962C8B-B14F-4D97-AF65-F5344CB8AC3E}">
-        <p14:creationId xmlns:p14="http://schemas.microsoft.com/office/powerpoint/2010/main" val="1412957019"/>
+        <p14:creationId xmlns:p14="http://schemas.microsoft.com/office/powerpoint/2010/main" val="1629050767"/>
       </p:ext>
     </p:extLst>
   </p:cSld>
@@ -1781,6 +1794,93 @@
           <a:bodyPr/>
           <a:lstStyle/>
           <a:p>
+            <a:r>
+              <a:rPr lang="de-DE" dirty="0"/>
+              <a:t>ACHTUNG: Jahre sind hier Mittelwerte der Jahre aller Gedichte der häufigsten Epoche des Dichters</a:t>
+            </a:r>
+          </a:p>
+        </p:txBody>
+      </p:sp>
+      <p:sp>
+        <p:nvSpPr>
+          <p:cNvPr id="4" name="Slide Number Placeholder 3"/>
+          <p:cNvSpPr>
+            <a:spLocks noGrp="1"/>
+          </p:cNvSpPr>
+          <p:nvPr>
+            <p:ph type="sldNum" sz="quarter" idx="5"/>
+          </p:nvPr>
+        </p:nvSpPr>
+        <p:spPr/>
+        <p:txBody>
+          <a:bodyPr/>
+          <a:lstStyle/>
+          <a:p>
+            <a:fld id="{49FFD0F6-1B54-1D42-B676-41E105B9815E}" type="slidenum">
+              <a:rPr lang="de-DE" smtClean="0"/>
+              <a:t>33</a:t>
+            </a:fld>
+            <a:endParaRPr lang="de-DE"/>
+          </a:p>
+        </p:txBody>
+      </p:sp>
+    </p:spTree>
+    <p:extLst>
+      <p:ext uri="{BB962C8B-B14F-4D97-AF65-F5344CB8AC3E}">
+        <p14:creationId xmlns:p14="http://schemas.microsoft.com/office/powerpoint/2010/main" val="1412957019"/>
+      </p:ext>
+    </p:extLst>
+  </p:cSld>
+  <p:clrMapOvr>
+    <a:masterClrMapping/>
+  </p:clrMapOvr>
+</p:notes>
+</file>
+
+<file path=ppt/notesSlides/notesSlide17.xml><?xml version="1.0" encoding="utf-8"?>
+<p:notes xmlns:a="http://schemas.openxmlformats.org/drawingml/2006/main" xmlns:r="http://schemas.openxmlformats.org/officeDocument/2006/relationships" xmlns:p="http://schemas.openxmlformats.org/presentationml/2006/main">
+  <p:cSld>
+    <p:spTree>
+      <p:nvGrpSpPr>
+        <p:cNvPr id="1" name=""/>
+        <p:cNvGrpSpPr/>
+        <p:nvPr/>
+      </p:nvGrpSpPr>
+      <p:grpSpPr>
+        <a:xfrm>
+          <a:off x="0" y="0"/>
+          <a:ext cx="0" cy="0"/>
+          <a:chOff x="0" y="0"/>
+          <a:chExt cx="0" cy="0"/>
+        </a:xfrm>
+      </p:grpSpPr>
+      <p:sp>
+        <p:nvSpPr>
+          <p:cNvPr id="2" name="Slide Image Placeholder 1"/>
+          <p:cNvSpPr>
+            <a:spLocks noGrp="1" noRot="1" noChangeAspect="1"/>
+          </p:cNvSpPr>
+          <p:nvPr>
+            <p:ph type="sldImg"/>
+          </p:nvPr>
+        </p:nvSpPr>
+        <p:spPr/>
+      </p:sp>
+      <p:sp>
+        <p:nvSpPr>
+          <p:cNvPr id="3" name="Notes Placeholder 2"/>
+          <p:cNvSpPr>
+            <a:spLocks noGrp="1"/>
+          </p:cNvSpPr>
+          <p:nvPr>
+            <p:ph type="body" idx="1"/>
+          </p:nvPr>
+        </p:nvSpPr>
+        <p:spPr/>
+        <p:txBody>
+          <a:bodyPr/>
+          <a:lstStyle/>
+          <a:p>
             <a:pPr algn="l"/>
             <a:endParaRPr lang="de-DE" dirty="0"/>
           </a:p>
@@ -1822,7 +1922,7 @@
 </p:notes>
 </file>
 
-<file path=ppt/notesSlides/notesSlide17.xml><?xml version="1.0" encoding="utf-8"?>
+<file path=ppt/notesSlides/notesSlide18.xml><?xml version="1.0" encoding="utf-8"?>
 <p:notes xmlns:a="http://schemas.openxmlformats.org/drawingml/2006/main" xmlns:r="http://schemas.openxmlformats.org/officeDocument/2006/relationships" xmlns:p="http://schemas.openxmlformats.org/presentationml/2006/main">
   <p:cSld>
     <p:spTree>
@@ -3138,45 +3238,10 @@
           <a:bodyPr/>
           <a:lstStyle/>
           <a:p>
-            <a:pPr marL="171450" indent="-171450">
-              <a:buFont typeface="Arial" panose="020B0604020202020204" pitchFamily="34" charset="0"/>
-              <a:buChar char="•"/>
-            </a:pPr>
             <a:r>
               <a:rPr lang="de-DE" dirty="0"/>
-              <a:t>Dichter mit 5 oder weniger Gedichten wurden entfernt </a:t>
-            </a:r>
-            <a:r>
-              <a:rPr lang="de-DE" dirty="0">
-                <a:sym typeface="Wingdings" pitchFamily="2" charset="2"/>
-              </a:rPr>
-              <a:t> um nicht andere Signale zu erhalten</a:t>
-            </a:r>
-          </a:p>
-          <a:p>
-            <a:pPr marL="171450" indent="-171450">
-              <a:buFont typeface="Arial" panose="020B0604020202020204" pitchFamily="34" charset="0"/>
-              <a:buChar char="•"/>
-            </a:pPr>
-            <a:r>
-              <a:rPr lang="de-DE" dirty="0">
-                <a:sym typeface="Wingdings" pitchFamily="2" charset="2"/>
-              </a:rPr>
-              <a:t>Verschiedene Epochen von Gedichten eines Dichters wurden vorher getrennt</a:t>
-            </a:r>
-          </a:p>
-          <a:p>
-            <a:pPr marL="171450" indent="-171450">
-              <a:buFont typeface="Arial" panose="020B0604020202020204" pitchFamily="34" charset="0"/>
-              <a:buChar char="•"/>
-            </a:pPr>
-            <a:r>
-              <a:rPr lang="de-DE" dirty="0">
-                <a:sym typeface="Wingdings" pitchFamily="2" charset="2"/>
-              </a:rPr>
-              <a:t>Als Erscheinungsjahr wurde der Mittelwerte aller Gedichte des Dichter in der Epoche verwendet</a:t>
-            </a:r>
-            <a:endParaRPr lang="de-DE" dirty="0"/>
+              <a:t>Dimensionsreduktion mit 3 Dimensionen</a:t>
+            </a:r>
           </a:p>
         </p:txBody>
       </p:sp>
@@ -3197,7 +3262,7 @@
           <a:p>
             <a:fld id="{49FFD0F6-1B54-1D42-B676-41E105B9815E}" type="slidenum">
               <a:rPr lang="de-DE" smtClean="0"/>
-              <a:t>24</a:t>
+              <a:t>23</a:t>
             </a:fld>
             <a:endParaRPr lang="de-DE"/>
           </a:p>
@@ -3206,7 +3271,7 @@
     </p:spTree>
     <p:extLst>
       <p:ext uri="{BB962C8B-B14F-4D97-AF65-F5344CB8AC3E}">
-        <p14:creationId xmlns:p14="http://schemas.microsoft.com/office/powerpoint/2010/main" val="410681100"/>
+        <p14:creationId xmlns:p14="http://schemas.microsoft.com/office/powerpoint/2010/main" val="4196643258"/>
       </p:ext>
     </p:extLst>
   </p:cSld>
@@ -3372,7 +3437,7 @@
           <a:p>
             <a:fld id="{02AC24A9-CCB6-4F8D-B8DB-C2F3692CFA5A}" type="datetimeFigureOut">
               <a:rPr lang="en-US" smtClean="0"/>
-              <a:t>7/4/20</a:t>
+              <a:t>7/7/20</a:t>
             </a:fld>
             <a:endParaRPr lang="en-US" dirty="0"/>
           </a:p>
@@ -3742,7 +3807,7 @@
           <a:p>
             <a:fld id="{02AC24A9-CCB6-4F8D-B8DB-C2F3692CFA5A}" type="datetimeFigureOut">
               <a:rPr lang="en-US" smtClean="0"/>
-              <a:t>7/4/20</a:t>
+              <a:t>7/7/20</a:t>
             </a:fld>
             <a:endParaRPr lang="en-US"/>
           </a:p>
@@ -3951,7 +4016,7 @@
           <a:p>
             <a:fld id="{02AC24A9-CCB6-4F8D-B8DB-C2F3692CFA5A}" type="datetimeFigureOut">
               <a:rPr lang="en-US" smtClean="0"/>
-              <a:t>7/4/20</a:t>
+              <a:t>7/7/20</a:t>
             </a:fld>
             <a:endParaRPr lang="en-US"/>
           </a:p>
@@ -4421,7 +4486,7 @@
           <a:p>
             <a:fld id="{02AC24A9-CCB6-4F8D-B8DB-C2F3692CFA5A}" type="datetimeFigureOut">
               <a:rPr lang="en-US" smtClean="0"/>
-              <a:t>7/4/20</a:t>
+              <a:t>7/7/20</a:t>
             </a:fld>
             <a:endParaRPr lang="en-US"/>
           </a:p>
@@ -4875,7 +4940,7 @@
           <a:p>
             <a:fld id="{02AC24A9-CCB6-4F8D-B8DB-C2F3692CFA5A}" type="datetimeFigureOut">
               <a:rPr lang="en-US" smtClean="0"/>
-              <a:t>7/4/20</a:t>
+              <a:t>7/7/20</a:t>
             </a:fld>
             <a:endParaRPr lang="en-US"/>
           </a:p>
@@ -5407,7 +5472,7 @@
           <a:p>
             <a:fld id="{02AC24A9-CCB6-4F8D-B8DB-C2F3692CFA5A}" type="datetimeFigureOut">
               <a:rPr lang="en-US" smtClean="0"/>
-              <a:t>7/4/20</a:t>
+              <a:t>7/7/20</a:t>
             </a:fld>
             <a:endParaRPr lang="en-US"/>
           </a:p>
@@ -6106,7 +6171,7 @@
           <a:p>
             <a:fld id="{02AC24A9-CCB6-4F8D-B8DB-C2F3692CFA5A}" type="datetimeFigureOut">
               <a:rPr lang="en-US" smtClean="0"/>
-              <a:t>7/4/20</a:t>
+              <a:t>7/7/20</a:t>
             </a:fld>
             <a:endParaRPr lang="en-US"/>
           </a:p>
@@ -6435,7 +6500,7 @@
           <a:p>
             <a:fld id="{02AC24A9-CCB6-4F8D-B8DB-C2F3692CFA5A}" type="datetimeFigureOut">
               <a:rPr lang="en-US" smtClean="0"/>
-              <a:t>7/4/20</a:t>
+              <a:t>7/7/20</a:t>
             </a:fld>
             <a:endParaRPr lang="en-US"/>
           </a:p>
@@ -6548,7 +6613,7 @@
           <a:p>
             <a:fld id="{02AC24A9-CCB6-4F8D-B8DB-C2F3692CFA5A}" type="datetimeFigureOut">
               <a:rPr lang="en-US" smtClean="0"/>
-              <a:t>7/4/20</a:t>
+              <a:t>7/7/20</a:t>
             </a:fld>
             <a:endParaRPr lang="en-US"/>
           </a:p>
@@ -7043,7 +7108,7 @@
           <a:p>
             <a:fld id="{02AC24A9-CCB6-4F8D-B8DB-C2F3692CFA5A}" type="datetimeFigureOut">
               <a:rPr lang="en-US" smtClean="0"/>
-              <a:t>7/4/20</a:t>
+              <a:t>7/7/20</a:t>
             </a:fld>
             <a:endParaRPr lang="en-US" dirty="0"/>
           </a:p>
@@ -7520,7 +7585,7 @@
           <a:p>
             <a:fld id="{02AC24A9-CCB6-4F8D-B8DB-C2F3692CFA5A}" type="datetimeFigureOut">
               <a:rPr lang="en-US" smtClean="0"/>
-              <a:t>7/4/20</a:t>
+              <a:t>7/7/20</a:t>
             </a:fld>
             <a:endParaRPr lang="en-US"/>
           </a:p>
@@ -7763,7 +7828,7 @@
           <a:p>
             <a:fld id="{02AC24A9-CCB6-4F8D-B8DB-C2F3692CFA5A}" type="datetimeFigureOut">
               <a:rPr lang="en-US" smtClean="0"/>
-              <a:t>7/4/20</a:t>
+              <a:t>7/7/20</a:t>
             </a:fld>
             <a:endParaRPr lang="en-US"/>
           </a:p>
@@ -11711,12 +11776,62 @@
           </a:p>
         </p:txBody>
       </p:sp>
+      <p:sp>
+        <p:nvSpPr>
+          <p:cNvPr id="6" name="TextBox 5">
+            <a:extLst>
+              <a:ext uri="{FF2B5EF4-FFF2-40B4-BE49-F238E27FC236}">
+                <a16:creationId xmlns:a16="http://schemas.microsoft.com/office/drawing/2014/main" id="{467DA40B-BE7B-B346-AE07-CAC87581B684}"/>
+              </a:ext>
+            </a:extLst>
+          </p:cNvPr>
+          <p:cNvSpPr txBox="1"/>
+          <p:nvPr/>
+        </p:nvSpPr>
+        <p:spPr>
+          <a:xfrm>
+            <a:off x="578652" y="4834887"/>
+            <a:ext cx="3724407" cy="1077218"/>
+          </a:xfrm>
+          <a:prstGeom prst="rect">
+            <a:avLst/>
+          </a:prstGeom>
+          <a:noFill/>
+        </p:spPr>
+        <p:txBody>
+          <a:bodyPr wrap="square" rtlCol="0">
+            <a:spAutoFit/>
+          </a:bodyPr>
+          <a:lstStyle/>
+          <a:p>
+            <a:r>
+              <a:rPr lang="de-DE" sz="3200" b="1" dirty="0" err="1"/>
+              <a:t>ari</a:t>
+            </a:r>
+            <a:r>
+              <a:rPr lang="de-DE" sz="3200" dirty="0"/>
+              <a:t>:  0.185</a:t>
+            </a:r>
+          </a:p>
+          <a:p>
+            <a:r>
+              <a:rPr lang="de-DE" sz="3200" b="1" dirty="0" err="1"/>
+              <a:t>vm</a:t>
+            </a:r>
+            <a:r>
+              <a:rPr lang="de-DE" sz="3200" dirty="0"/>
+              <a:t>: 0.363</a:t>
+            </a:r>
+            <a:endParaRPr lang="de-DE" sz="2400" b="1" dirty="0"/>
+          </a:p>
+        </p:txBody>
+      </p:sp>
       <p:pic>
         <p:nvPicPr>
-          <p:cNvPr id="5" name="Picture 4" descr="A screenshot of a cell phone&#10;&#10;Description automatically generated">
-            <a:extLst>
-              <a:ext uri="{FF2B5EF4-FFF2-40B4-BE49-F238E27FC236}">
-                <a16:creationId xmlns:a16="http://schemas.microsoft.com/office/drawing/2014/main" id="{6087CDDB-2A2C-8E47-AC82-B66F707698F3}"/>
+          <p:cNvPr id="4" name="Picture 3" descr="A close up of a logo&#10;&#10;Description automatically generated">
+            <a:extLst>
+              <a:ext uri="{FF2B5EF4-FFF2-40B4-BE49-F238E27FC236}">
+                <a16:creationId xmlns:a16="http://schemas.microsoft.com/office/drawing/2014/main" id="{767CF2B1-68CA-1241-9530-1778C27A51A9}"/>
               </a:ext>
             </a:extLst>
           </p:cNvPr>
@@ -11727,81 +11842,19 @@
         </p:nvPicPr>
         <p:blipFill rotWithShape="1">
           <a:blip r:embed="rId2"/>
-          <a:srcRect l="10064" t="5874" r="12942" b="9958"/>
+          <a:srcRect l="10842" t="6258" r="14696" b="9737"/>
           <a:stretch/>
         </p:blipFill>
         <p:spPr>
           <a:xfrm>
-            <a:off x="4499817" y="276222"/>
-            <a:ext cx="7690659" cy="6305556"/>
+            <a:off x="4570356" y="35077"/>
+            <a:ext cx="7643633" cy="6822923"/>
           </a:xfrm>
           <a:prstGeom prst="rect">
             <a:avLst/>
           </a:prstGeom>
         </p:spPr>
       </p:pic>
-      <p:sp>
-        <p:nvSpPr>
-          <p:cNvPr id="6" name="TextBox 5">
-            <a:extLst>
-              <a:ext uri="{FF2B5EF4-FFF2-40B4-BE49-F238E27FC236}">
-                <a16:creationId xmlns:a16="http://schemas.microsoft.com/office/drawing/2014/main" id="{467DA40B-BE7B-B346-AE07-CAC87581B684}"/>
-              </a:ext>
-            </a:extLst>
-          </p:cNvPr>
-          <p:cNvSpPr txBox="1"/>
-          <p:nvPr/>
-        </p:nvSpPr>
-        <p:spPr>
-          <a:xfrm>
-            <a:off x="578652" y="4834887"/>
-            <a:ext cx="3724407" cy="2062103"/>
-          </a:xfrm>
-          <a:prstGeom prst="rect">
-            <a:avLst/>
-          </a:prstGeom>
-          <a:noFill/>
-        </p:spPr>
-        <p:txBody>
-          <a:bodyPr wrap="square" rtlCol="0">
-            <a:spAutoFit/>
-          </a:bodyPr>
-          <a:lstStyle/>
-          <a:p>
-            <a:r>
-              <a:rPr lang="de-DE" sz="3200" b="1" dirty="0" err="1"/>
-              <a:t>ari</a:t>
-            </a:r>
-            <a:r>
-              <a:rPr lang="de-DE" sz="3200" dirty="0"/>
-              <a:t>: 0.216</a:t>
-            </a:r>
-          </a:p>
-          <a:p>
-            <a:r>
-              <a:rPr lang="de-DE" sz="3200" b="1" dirty="0" err="1"/>
-              <a:t>vm</a:t>
-            </a:r>
-            <a:r>
-              <a:rPr lang="de-DE" sz="3200" dirty="0"/>
-              <a:t>: 0.338</a:t>
-            </a:r>
-          </a:p>
-          <a:p>
-            <a:r>
-              <a:rPr lang="de-DE" sz="3200" b="1" dirty="0"/>
-              <a:t>TODO</a:t>
-            </a:r>
-          </a:p>
-          <a:p>
-            <a:r>
-              <a:rPr lang="de-DE" sz="3200" b="1" dirty="0"/>
-              <a:t>aktualisieren</a:t>
-            </a:r>
-            <a:endParaRPr lang="de-DE" sz="2400" b="1" dirty="0"/>
-          </a:p>
-        </p:txBody>
-      </p:sp>
     </p:spTree>
     <p:extLst>
       <p:ext uri="{BB962C8B-B14F-4D97-AF65-F5344CB8AC3E}">
@@ -11848,7 +11901,12 @@
             <p:ph type="title"/>
           </p:nvPr>
         </p:nvSpPr>
-        <p:spPr/>
+        <p:spPr>
+          <a:xfrm>
+            <a:off x="1115568" y="548640"/>
+            <a:ext cx="7873687" cy="1179576"/>
+          </a:xfrm>
+        </p:spPr>
         <p:txBody>
           <a:bodyPr>
             <a:normAutofit fontScale="90000"/>
@@ -11951,10 +12009,10 @@
       </p:sp>
       <p:pic>
         <p:nvPicPr>
-          <p:cNvPr id="7" name="Picture 6" descr="A picture containing screenshot&#10;&#10;Description automatically generated">
-            <a:extLst>
-              <a:ext uri="{FF2B5EF4-FFF2-40B4-BE49-F238E27FC236}">
-                <a16:creationId xmlns:a16="http://schemas.microsoft.com/office/drawing/2014/main" id="{8DF75795-7E46-E74B-B7BD-E5DCCDB51CC1}"/>
+          <p:cNvPr id="3" name="Picture 2" descr="A close up of a map&#10;&#10;Description automatically generated">
+            <a:extLst>
+              <a:ext uri="{FF2B5EF4-FFF2-40B4-BE49-F238E27FC236}">
+                <a16:creationId xmlns:a16="http://schemas.microsoft.com/office/drawing/2014/main" id="{2CEC7226-5351-504F-99F1-7879032B0986}"/>
               </a:ext>
             </a:extLst>
           </p:cNvPr>
@@ -11964,14 +12022,14 @@
           <p:nvPr/>
         </p:nvPicPr>
         <p:blipFill rotWithShape="1">
-          <a:blip r:embed="rId2"/>
-          <a:srcRect l="10580" t="6764" r="1664" b="9706"/>
+          <a:blip r:embed="rId3"/>
+          <a:srcRect l="10611" t="5941" b="9886"/>
           <a:stretch/>
         </p:blipFill>
         <p:spPr>
           <a:xfrm>
-            <a:off x="708924" y="2918012"/>
-            <a:ext cx="5344404" cy="3823200"/>
+            <a:off x="761785" y="2801746"/>
+            <a:ext cx="5437847" cy="4051496"/>
           </a:xfrm>
           <a:prstGeom prst="rect">
             <a:avLst/>
@@ -11980,10 +12038,10 @@
       </p:pic>
       <p:pic>
         <p:nvPicPr>
-          <p:cNvPr id="9" name="Picture 8" descr="A picture containing screenshot&#10;&#10;Description automatically generated">
-            <a:extLst>
-              <a:ext uri="{FF2B5EF4-FFF2-40B4-BE49-F238E27FC236}">
-                <a16:creationId xmlns:a16="http://schemas.microsoft.com/office/drawing/2014/main" id="{F7429EC8-8038-4143-BF5F-2D383942A966}"/>
+          <p:cNvPr id="5" name="Picture 4" descr="A close up of a map&#10;&#10;Description automatically generated">
+            <a:extLst>
+              <a:ext uri="{FF2B5EF4-FFF2-40B4-BE49-F238E27FC236}">
+                <a16:creationId xmlns:a16="http://schemas.microsoft.com/office/drawing/2014/main" id="{23486DF5-ECF8-2E4D-A2D2-7CD149C52A75}"/>
               </a:ext>
             </a:extLst>
           </p:cNvPr>
@@ -11993,20 +12051,75 @@
           <p:nvPr/>
         </p:nvPicPr>
         <p:blipFill rotWithShape="1">
-          <a:blip r:embed="rId3"/>
-          <a:srcRect l="9695" t="6764" r="13822" b="9706"/>
+          <a:blip r:embed="rId4"/>
+          <a:srcRect l="10611" t="5941" r="13077" b="9886"/>
           <a:stretch/>
         </p:blipFill>
         <p:spPr>
           <a:xfrm>
-            <a:off x="6488474" y="2918012"/>
-            <a:ext cx="4652684" cy="3818965"/>
+            <a:off x="6345936" y="2752152"/>
+            <a:ext cx="4642340" cy="4051496"/>
           </a:xfrm>
           <a:prstGeom prst="rect">
             <a:avLst/>
           </a:prstGeom>
         </p:spPr>
       </p:pic>
+      <p:sp>
+        <p:nvSpPr>
+          <p:cNvPr id="6" name="TextBox 5">
+            <a:extLst>
+              <a:ext uri="{FF2B5EF4-FFF2-40B4-BE49-F238E27FC236}">
+                <a16:creationId xmlns:a16="http://schemas.microsoft.com/office/drawing/2014/main" id="{E445A204-67CE-954A-9F1C-9AAB87C36D24}"/>
+              </a:ext>
+            </a:extLst>
+          </p:cNvPr>
+          <p:cNvSpPr txBox="1"/>
+          <p:nvPr/>
+        </p:nvSpPr>
+        <p:spPr>
+          <a:xfrm>
+            <a:off x="9158068" y="527887"/>
+            <a:ext cx="2391508" cy="1200329"/>
+          </a:xfrm>
+          <a:prstGeom prst="rect">
+            <a:avLst/>
+          </a:prstGeom>
+          <a:noFill/>
+          <a:ln>
+            <a:solidFill>
+              <a:schemeClr val="tx1"/>
+            </a:solidFill>
+          </a:ln>
+        </p:spPr>
+        <p:txBody>
+          <a:bodyPr wrap="square" rtlCol="0">
+            <a:spAutoFit/>
+          </a:bodyPr>
+          <a:lstStyle/>
+          <a:p>
+            <a:r>
+              <a:rPr lang="de-DE" sz="3600" b="1" dirty="0" err="1"/>
+              <a:t>ari</a:t>
+            </a:r>
+            <a:r>
+              <a:rPr lang="de-DE" sz="3600" dirty="0"/>
+              <a:t>:  0.177</a:t>
+            </a:r>
+          </a:p>
+          <a:p>
+            <a:r>
+              <a:rPr lang="de-DE" sz="3600" b="1" dirty="0" err="1"/>
+              <a:t>vm</a:t>
+            </a:r>
+            <a:r>
+              <a:rPr lang="de-DE" sz="3600" dirty="0"/>
+              <a:t>: 0.384</a:t>
+            </a:r>
+            <a:endParaRPr lang="de-DE" sz="3600" b="1" dirty="0"/>
+          </a:p>
+        </p:txBody>
+      </p:sp>
     </p:spTree>
     <p:extLst>
       <p:ext uri="{BB962C8B-B14F-4D97-AF65-F5344CB8AC3E}">
@@ -13616,13 +13729,6 @@
               <a:rPr lang="en-US" sz="3200" b="1" dirty="0"/>
               <a:t>DBSCAN</a:t>
             </a:r>
-            <a:br>
-              <a:rPr lang="en-US" sz="3200" b="1" dirty="0"/>
-            </a:br>
-            <a:r>
-              <a:rPr lang="en-US" sz="3200" b="1" dirty="0"/>
-              <a:t>TODO</a:t>
-            </a:r>
           </a:p>
         </p:txBody>
       </p:sp>
@@ -13957,14 +14063,14 @@
           <p:nvPr>
             <p:extLst>
               <p:ext uri="{D42A27DB-BD31-4B8C-83A1-F6EECF244321}">
-                <p14:modId xmlns:p14="http://schemas.microsoft.com/office/powerpoint/2010/main" val="3285260083"/>
+                <p14:modId xmlns:p14="http://schemas.microsoft.com/office/powerpoint/2010/main" val="561133896"/>
               </p:ext>
             </p:extLst>
           </p:nvPr>
         </p:nvGraphicFramePr>
         <p:xfrm>
           <a:off x="618424" y="2843047"/>
-          <a:ext cx="11103438" cy="3437261"/>
+          <a:ext cx="11103438" cy="3850704"/>
         </p:xfrm>
         <a:graphic>
           <a:graphicData uri="http://schemas.openxmlformats.org/drawingml/2006/table">
@@ -14196,26 +14302,11 @@
                     <a:p>
                       <a:pPr algn="r" fontAlgn="ctr"/>
                       <a:r>
-                        <a:rPr lang="en-GB" sz="2000" b="1" dirty="0" err="1">
+                        <a:rPr lang="en-GB" sz="2000" b="1">
                           <a:effectLst/>
                         </a:rPr>
-                        <a:t>Barock</a:t>
+                        <a:t>Barock/Realismus</a:t>
                       </a:r>
-                      <a:r>
-                        <a:rPr lang="en-GB" sz="2000" b="1" dirty="0">
-                          <a:effectLst/>
-                        </a:rPr>
-                        <a:t>/</a:t>
-                      </a:r>
-                      <a:r>
-                        <a:rPr lang="en-GB" sz="2000" b="1" dirty="0" err="1">
-                          <a:effectLst/>
-                        </a:rPr>
-                        <a:t>Realismus</a:t>
-                      </a:r>
-                      <a:endParaRPr lang="en-GB" sz="2000" b="1" dirty="0">
-                        <a:effectLst/>
-                      </a:endParaRPr>
                     </a:p>
                   </a:txBody>
                   <a:tcPr anchor="ctr"/>
@@ -14230,7 +14321,7 @@
                         <a:rPr lang="en-DE" sz="2000" b="1" dirty="0">
                           <a:effectLst/>
                         </a:rPr>
-                        <a:t>0.869669</a:t>
+                        <a:t>0.860581</a:t>
                       </a:r>
                     </a:p>
                   </a:txBody>
@@ -14253,7 +14344,7 @@
                         <a:rPr lang="en-DE" sz="2000" b="1" dirty="0">
                           <a:effectLst/>
                         </a:rPr>
-                        <a:t>0.819960</a:t>
+                        <a:t>0.811946</a:t>
                       </a:r>
                     </a:p>
                   </a:txBody>
@@ -14276,7 +14367,7 @@
                         <a:rPr lang="en-DE" sz="2000" dirty="0">
                           <a:effectLst/>
                         </a:rPr>
-                        <a:t>0.768186</a:t>
+                        <a:t>0.756305</a:t>
                       </a:r>
                     </a:p>
                   </a:txBody>
@@ -14292,7 +14383,7 @@
                         <a:rPr lang="en-DE" sz="2000" dirty="0">
                           <a:effectLst/>
                         </a:rPr>
-                        <a:t>0.712606</a:t>
+                        <a:t>0.712015</a:t>
                       </a:r>
                     </a:p>
                   </a:txBody>
@@ -14328,10 +14419,26 @@
                     <a:p>
                       <a:pPr algn="r" fontAlgn="ctr"/>
                       <a:r>
-                        <a:rPr lang="en-DE" sz="2000" dirty="0">
+                        <a:rPr lang="en-DE" sz="2000">
                           <a:effectLst/>
                         </a:rPr>
-                        <a:t>0.844644</a:t>
+                        <a:t>0.836902</a:t>
+                      </a:r>
+                    </a:p>
+                  </a:txBody>
+                  <a:tcPr anchor="ctr"/>
+                </a:tc>
+                <a:tc>
+                  <a:txBody>
+                    <a:bodyPr/>
+                    <a:lstStyle/>
+                    <a:p>
+                      <a:pPr algn="r" fontAlgn="ctr"/>
+                      <a:r>
+                        <a:rPr lang="en-DE" sz="2000">
+                          <a:effectLst/>
+                        </a:rPr>
+                        <a:t>0.784668</a:t>
                       </a:r>
                     </a:p>
                   </a:txBody>
@@ -14347,7 +14454,46 @@
                         <a:rPr lang="en-DE" sz="2000" dirty="0">
                           <a:effectLst/>
                         </a:rPr>
-                        <a:t>0.790353</a:t>
+                        <a:t>0.707729</a:t>
+                      </a:r>
+                    </a:p>
+                  </a:txBody>
+                  <a:tcPr anchor="ctr"/>
+                </a:tc>
+                <a:tc>
+                  <a:txBody>
+                    <a:bodyPr/>
+                    <a:lstStyle/>
+                    <a:p>
+                      <a:pPr algn="r" fontAlgn="ctr"/>
+                      <a:r>
+                        <a:rPr lang="en-DE" sz="2000" dirty="0">
+                          <a:effectLst/>
+                        </a:rPr>
+                        <a:t>0.635589</a:t>
+                      </a:r>
+                    </a:p>
+                  </a:txBody>
+                  <a:tcPr anchor="ctr"/>
+                </a:tc>
+                <a:extLst>
+                  <a:ext uri="{0D108BD9-81ED-4DB2-BD59-A6C34878D82A}">
+                    <a16:rowId xmlns:a16="http://schemas.microsoft.com/office/drawing/2014/main" val="2292681319"/>
+                  </a:ext>
+                </a:extLst>
+              </a:tr>
+              <a:tr h="413443">
+                <a:tc>
+                  <a:txBody>
+                    <a:bodyPr/>
+                    <a:lstStyle/>
+                    <a:p>
+                      <a:pPr algn="r" fontAlgn="ctr"/>
+                      <a:r>
+                        <a:rPr lang="en-GB" sz="2000" b="1">
+                          <a:effectLst/>
+                        </a:rPr>
+                        <a:t>Romantik/Expressionismus</a:t>
                       </a:r>
                     </a:p>
                   </a:txBody>
@@ -14363,7 +14509,7 @@
                         <a:rPr lang="en-DE" sz="2000">
                           <a:effectLst/>
                         </a:rPr>
-                        <a:t>0.726451</a:t>
+                        <a:t>0.788889</a:t>
                       </a:r>
                     </a:p>
                   </a:txBody>
@@ -14379,7 +14525,39 @@
                         <a:rPr lang="en-DE" sz="2000" dirty="0">
                           <a:effectLst/>
                         </a:rPr>
-                        <a:t>0.644716</a:t>
+                        <a:t>0.752666</a:t>
+                      </a:r>
+                    </a:p>
+                  </a:txBody>
+                  <a:tcPr anchor="ctr"/>
+                </a:tc>
+                <a:tc>
+                  <a:txBody>
+                    <a:bodyPr/>
+                    <a:lstStyle/>
+                    <a:p>
+                      <a:pPr algn="r" fontAlgn="ctr"/>
+                      <a:r>
+                        <a:rPr lang="en-DE" sz="2000" dirty="0">
+                          <a:effectLst/>
+                        </a:rPr>
+                        <a:t>0.483238</a:t>
+                      </a:r>
+                    </a:p>
+                  </a:txBody>
+                  <a:tcPr anchor="ctr"/>
+                </a:tc>
+                <a:tc>
+                  <a:txBody>
+                    <a:bodyPr/>
+                    <a:lstStyle/>
+                    <a:p>
+                      <a:pPr algn="r" fontAlgn="ctr"/>
+                      <a:r>
+                        <a:rPr lang="en-DE" sz="2000" dirty="0">
+                          <a:effectLst/>
+                        </a:rPr>
+                        <a:t>0.589333</a:t>
                       </a:r>
                     </a:p>
                   </a:txBody>
@@ -14387,7 +14565,7 @@
                 </a:tc>
                 <a:extLst>
                   <a:ext uri="{0D108BD9-81ED-4DB2-BD59-A6C34878D82A}">
-                    <a16:rowId xmlns:a16="http://schemas.microsoft.com/office/drawing/2014/main" val="2292681319"/>
+                    <a16:rowId xmlns:a16="http://schemas.microsoft.com/office/drawing/2014/main" val="319013880"/>
                   </a:ext>
                 </a:extLst>
               </a:tr>
@@ -14418,7 +14596,39 @@
                         <a:rPr lang="en-DE" sz="2000">
                           <a:effectLst/>
                         </a:rPr>
-                        <a:t>0.778390</a:t>
+                        <a:t>0.775286</a:t>
+                      </a:r>
+                    </a:p>
+                  </a:txBody>
+                  <a:tcPr anchor="ctr"/>
+                </a:tc>
+                <a:tc>
+                  <a:txBody>
+                    <a:bodyPr/>
+                    <a:lstStyle/>
+                    <a:p>
+                      <a:pPr algn="r" fontAlgn="ctr"/>
+                      <a:r>
+                        <a:rPr lang="en-DE" sz="2000">
+                          <a:effectLst/>
+                        </a:rPr>
+                        <a:t>0.729576</a:t>
+                      </a:r>
+                    </a:p>
+                  </a:txBody>
+                  <a:tcPr anchor="ctr"/>
+                </a:tc>
+                <a:tc>
+                  <a:txBody>
+                    <a:bodyPr/>
+                    <a:lstStyle/>
+                    <a:p>
+                      <a:pPr algn="r" fontAlgn="ctr"/>
+                      <a:r>
+                        <a:rPr lang="en-DE" sz="2000">
+                          <a:effectLst/>
+                        </a:rPr>
+                        <a:t>0.568653</a:t>
                       </a:r>
                     </a:p>
                   </a:txBody>
@@ -14434,126 +14644,7 @@
                         <a:rPr lang="en-DE" sz="2000" dirty="0">
                           <a:effectLst/>
                         </a:rPr>
-                        <a:t>0.732983</a:t>
-                      </a:r>
-                    </a:p>
-                  </a:txBody>
-                  <a:tcPr anchor="ctr"/>
-                </a:tc>
-                <a:tc>
-                  <a:txBody>
-                    <a:bodyPr/>
-                    <a:lstStyle/>
-                    <a:p>
-                      <a:pPr algn="r" fontAlgn="ctr"/>
-                      <a:r>
-                        <a:rPr lang="en-DE" sz="2000">
-                          <a:effectLst/>
-                        </a:rPr>
-                        <a:t>0.576138</a:t>
-                      </a:r>
-                    </a:p>
-                  </a:txBody>
-                  <a:tcPr anchor="ctr"/>
-                </a:tc>
-                <a:tc>
-                  <a:txBody>
-                    <a:bodyPr/>
-                    <a:lstStyle/>
-                    <a:p>
-                      <a:pPr algn="r" fontAlgn="ctr"/>
-                      <a:r>
-                        <a:rPr lang="en-DE" sz="2000" dirty="0">
-                          <a:effectLst/>
-                        </a:rPr>
-                        <a:t>0.556792</a:t>
-                      </a:r>
-                    </a:p>
-                  </a:txBody>
-                  <a:tcPr anchor="ctr"/>
-                </a:tc>
-                <a:extLst>
-                  <a:ext uri="{0D108BD9-81ED-4DB2-BD59-A6C34878D82A}">
-                    <a16:rowId xmlns:a16="http://schemas.microsoft.com/office/drawing/2014/main" val="319013880"/>
-                  </a:ext>
-                </a:extLst>
-              </a:tr>
-              <a:tr h="413443">
-                <a:tc>
-                  <a:txBody>
-                    <a:bodyPr/>
-                    <a:lstStyle/>
-                    <a:p>
-                      <a:pPr algn="r" fontAlgn="ctr"/>
-                      <a:r>
-                        <a:rPr lang="en-GB" sz="2000" b="1">
-                          <a:effectLst/>
-                        </a:rPr>
-                        <a:t>Barock/Naturalismus</a:t>
-                      </a:r>
-                    </a:p>
-                  </a:txBody>
-                  <a:tcPr anchor="ctr"/>
-                </a:tc>
-                <a:tc>
-                  <a:txBody>
-                    <a:bodyPr/>
-                    <a:lstStyle/>
-                    <a:p>
-                      <a:pPr algn="r" fontAlgn="ctr"/>
-                      <a:r>
-                        <a:rPr lang="en-DE" sz="2000">
-                          <a:effectLst/>
-                        </a:rPr>
-                        <a:t>0.702405</a:t>
-                      </a:r>
-                    </a:p>
-                  </a:txBody>
-                  <a:tcPr anchor="ctr"/>
-                </a:tc>
-                <a:tc>
-                  <a:txBody>
-                    <a:bodyPr/>
-                    <a:lstStyle/>
-                    <a:p>
-                      <a:pPr algn="r" fontAlgn="ctr"/>
-                      <a:r>
-                        <a:rPr lang="en-DE" sz="2000" dirty="0">
-                          <a:effectLst/>
-                        </a:rPr>
-                        <a:t>0.605282</a:t>
-                      </a:r>
-                    </a:p>
-                  </a:txBody>
-                  <a:tcPr anchor="ctr"/>
-                </a:tc>
-                <a:tc>
-                  <a:txBody>
-                    <a:bodyPr/>
-                    <a:lstStyle/>
-                    <a:p>
-                      <a:pPr algn="r" fontAlgn="ctr"/>
-                      <a:r>
-                        <a:rPr lang="en-DE" sz="2000">
-                          <a:effectLst/>
-                        </a:rPr>
-                        <a:t>0.528383</a:t>
-                      </a:r>
-                    </a:p>
-                  </a:txBody>
-                  <a:tcPr anchor="ctr"/>
-                </a:tc>
-                <a:tc>
-                  <a:txBody>
-                    <a:bodyPr/>
-                    <a:lstStyle/>
-                    <a:p>
-                      <a:pPr algn="r" fontAlgn="ctr"/>
-                      <a:r>
-                        <a:rPr lang="en-DE" sz="2000" dirty="0">
-                          <a:effectLst/>
-                        </a:rPr>
-                        <a:t>0.533094</a:t>
+                        <a:t>0.551779</a:t>
                       </a:r>
                     </a:p>
                   </a:txBody>
@@ -14573,41 +14664,10 @@
                     <a:p>
                       <a:pPr algn="r" fontAlgn="ctr"/>
                       <a:r>
-                        <a:rPr lang="en-GB" sz="2000" b="1" dirty="0" err="1">
-                          <a:effectLst/>
-                        </a:rPr>
-                        <a:t>Aufklärung</a:t>
-                      </a:r>
-                      <a:r>
                         <a:rPr lang="en-GB" sz="2000" b="1" dirty="0">
                           <a:effectLst/>
                         </a:rPr>
-                        <a:t>/</a:t>
-                      </a:r>
-                      <a:r>
-                        <a:rPr lang="en-GB" sz="2000" b="1" dirty="0" err="1">
-                          <a:effectLst/>
-                        </a:rPr>
-                        <a:t>Realismus</a:t>
-                      </a:r>
-                      <a:endParaRPr lang="en-GB" sz="2000" b="1" dirty="0">
-                        <a:effectLst/>
-                      </a:endParaRPr>
-                    </a:p>
-                  </a:txBody>
-                  <a:tcPr anchor="ctr"/>
-                </a:tc>
-                <a:tc>
-                  <a:txBody>
-                    <a:bodyPr/>
-                    <a:lstStyle/>
-                    <a:p>
-                      <a:pPr algn="r" fontAlgn="ctr"/>
-                      <a:r>
-                        <a:rPr lang="en-DE" sz="2000">
-                          <a:effectLst/>
-                        </a:rPr>
-                        <a:t>0.696755</a:t>
+                        <a:t>…</a:t>
                       </a:r>
                     </a:p>
                   </a:txBody>
@@ -14623,7 +14683,7 @@
                         <a:rPr lang="en-DE" sz="2000" dirty="0">
                           <a:effectLst/>
                         </a:rPr>
-                        <a:t>0.607769</a:t>
+                        <a:t>…</a:t>
                       </a:r>
                     </a:p>
                   </a:txBody>
@@ -14639,7 +14699,7 @@
                         <a:rPr lang="en-DE" sz="2000" dirty="0">
                           <a:effectLst/>
                         </a:rPr>
-                        <a:t>0.679213</a:t>
+                        <a:t>…</a:t>
                       </a:r>
                     </a:p>
                   </a:txBody>
@@ -14655,7 +14715,23 @@
                         <a:rPr lang="en-DE" sz="2000" dirty="0">
                           <a:effectLst/>
                         </a:rPr>
-                        <a:t>0.585714</a:t>
+                        <a:t>…</a:t>
+                      </a:r>
+                    </a:p>
+                  </a:txBody>
+                  <a:tcPr anchor="ctr"/>
+                </a:tc>
+                <a:tc>
+                  <a:txBody>
+                    <a:bodyPr/>
+                    <a:lstStyle/>
+                    <a:p>
+                      <a:pPr algn="r" fontAlgn="ctr"/>
+                      <a:r>
+                        <a:rPr lang="en-DE" sz="2000" dirty="0">
+                          <a:effectLst/>
+                        </a:rPr>
+                        <a:t>…</a:t>
                       </a:r>
                     </a:p>
                   </a:txBody>
@@ -14667,6 +14743,107 @@
                   </a:ext>
                 </a:extLst>
               </a:tr>
+              <a:tr h="413443">
+                <a:tc>
+                  <a:txBody>
+                    <a:bodyPr/>
+                    <a:lstStyle/>
+                    <a:p>
+                      <a:pPr algn="r" fontAlgn="ctr"/>
+                      <a:r>
+                        <a:rPr lang="en-GB" sz="2000" b="1">
+                          <a:effectLst/>
+                        </a:rPr>
+                        <a:t>Aufklärung/Naturalismus</a:t>
+                      </a:r>
+                    </a:p>
+                  </a:txBody>
+                  <a:tcPr anchor="ctr"/>
+                </a:tc>
+                <a:tc>
+                  <a:txBody>
+                    <a:bodyPr/>
+                    <a:lstStyle/>
+                    <a:p>
+                      <a:pPr algn="r" fontAlgn="ctr"/>
+                      <a:r>
+                        <a:rPr lang="en-DE" sz="2000">
+                          <a:effectLst/>
+                        </a:rPr>
+                        <a:t>0.660430</a:t>
+                      </a:r>
+                    </a:p>
+                  </a:txBody>
+                  <a:tcPr anchor="ctr"/>
+                </a:tc>
+                <a:tc>
+                  <a:txBody>
+                    <a:bodyPr/>
+                    <a:lstStyle/>
+                    <a:p>
+                      <a:pPr algn="r" fontAlgn="ctr"/>
+                      <a:r>
+                        <a:rPr lang="en-DE" sz="2000" dirty="0">
+                          <a:effectLst/>
+                        </a:rPr>
+                        <a:t>0.605890</a:t>
+                      </a:r>
+                    </a:p>
+                  </a:txBody>
+                  <a:tcPr anchor="ctr"/>
+                </a:tc>
+                <a:tc>
+                  <a:txBody>
+                    <a:bodyPr/>
+                    <a:lstStyle/>
+                    <a:p>
+                      <a:pPr algn="r" fontAlgn="ctr"/>
+                      <a:r>
+                        <a:rPr lang="en-DE" sz="2000" dirty="0">
+                          <a:effectLst/>
+                        </a:rPr>
+                        <a:t>0.806515</a:t>
+                      </a:r>
+                    </a:p>
+                  </a:txBody>
+                  <a:tcPr anchor="ctr">
+                    <a:solidFill>
+                      <a:schemeClr val="accent6">
+                        <a:lumMod val="20000"/>
+                        <a:lumOff val="80000"/>
+                      </a:schemeClr>
+                    </a:solidFill>
+                  </a:tcPr>
+                </a:tc>
+                <a:tc>
+                  <a:txBody>
+                    <a:bodyPr/>
+                    <a:lstStyle/>
+                    <a:p>
+                      <a:pPr algn="r" fontAlgn="ctr"/>
+                      <a:r>
+                        <a:rPr lang="en-DE" sz="2000" dirty="0">
+                          <a:effectLst/>
+                        </a:rPr>
+                        <a:t>0.729329</a:t>
+                      </a:r>
+                    </a:p>
+                  </a:txBody>
+                  <a:tcPr anchor="ctr">
+                    <a:solidFill>
+                      <a:schemeClr val="accent6">
+                        <a:lumMod val="20000"/>
+                        <a:lumOff val="80000"/>
+                      </a:schemeClr>
+                    </a:solidFill>
+                  </a:tcPr>
+                </a:tc>
+                <a:extLst>
+                  <a:ext uri="{0D108BD9-81ED-4DB2-BD59-A6C34878D82A}">
+                    <a16:rowId xmlns:a16="http://schemas.microsoft.com/office/drawing/2014/main" val="4010604523"/>
+                  </a:ext>
+                </a:extLst>
+              </a:tr>
             </a:tbl>
           </a:graphicData>
         </a:graphic>
@@ -14688,7 +14865,7 @@
         <p:spPr>
           <a:xfrm>
             <a:off x="7678270" y="2833916"/>
-            <a:ext cx="0" cy="3437261"/>
+            <a:ext cx="0" cy="3859835"/>
           </a:xfrm>
           <a:prstGeom prst="line">
             <a:avLst/>
@@ -14930,8 +15107,8 @@
               <a:t>	</a:t>
             </a:r>
             <a:r>
-              <a:rPr lang="en-GB" sz="2800" dirty="0" err="1"/>
-              <a:t>dunkel</a:t>
+              <a:rPr lang="en-GB" sz="2800" b="1" dirty="0" err="1"/>
+              <a:t>duft</a:t>
             </a:r>
             <a:r>
               <a:rPr lang="en-GB" sz="2800" dirty="0"/>
@@ -14947,8 +15124,8 @@
               <a:t>	</a:t>
             </a:r>
             <a:r>
-              <a:rPr lang="en-GB" sz="2800" b="1" dirty="0" err="1"/>
-              <a:t>duft</a:t>
+              <a:rPr lang="en-GB" sz="2800" b="1" dirty="0"/>
+              <a:t>not</a:t>
             </a:r>
             <a:r>
               <a:rPr lang="en-GB" sz="2800" dirty="0"/>
@@ -14961,15 +15138,7 @@
             </a:pPr>
             <a:r>
               <a:rPr lang="en-GB" sz="2800" dirty="0"/>
-              <a:t>	</a:t>
-            </a:r>
-            <a:r>
-              <a:rPr lang="en-GB" sz="2800" b="1" dirty="0"/>
-              <a:t>not</a:t>
-            </a:r>
-            <a:r>
-              <a:rPr lang="en-GB" sz="2800" dirty="0"/>
-              <a:t> </a:t>
+              <a:t>	leis </a:t>
             </a:r>
           </a:p>
           <a:p>
@@ -14978,7 +15147,15 @@
             </a:pPr>
             <a:r>
               <a:rPr lang="en-GB" sz="2800" dirty="0"/>
-              <a:t>	leis </a:t>
+              <a:t>	</a:t>
+            </a:r>
+            <a:r>
+              <a:rPr lang="en-GB" sz="2800" dirty="0" err="1"/>
+              <a:t>ew</a:t>
+            </a:r>
+            <a:r>
+              <a:rPr lang="en-GB" sz="2800" dirty="0"/>
+              <a:t> </a:t>
             </a:r>
           </a:p>
           <a:p>
@@ -14991,7 +15168,7 @@
             </a:r>
             <a:r>
               <a:rPr lang="en-GB" sz="2800" dirty="0" err="1"/>
-              <a:t>ew</a:t>
+              <a:t>rasch</a:t>
             </a:r>
             <a:r>
               <a:rPr lang="en-GB" sz="2800" dirty="0"/>
@@ -15008,7 +15185,7 @@
             </a:r>
             <a:r>
               <a:rPr lang="en-GB" sz="2800" dirty="0" err="1"/>
-              <a:t>rasch</a:t>
+              <a:t>sanft</a:t>
             </a:r>
             <a:r>
               <a:rPr lang="en-GB" sz="2800" dirty="0"/>
@@ -15025,12 +15202,9 @@
             </a:r>
             <a:r>
               <a:rPr lang="en-GB" sz="2800" dirty="0" err="1"/>
-              <a:t>sanft</a:t>
-            </a:r>
-            <a:r>
-              <a:rPr lang="en-GB" sz="2800" dirty="0"/>
-              <a:t> </a:t>
-            </a:r>
+              <a:t>dunklen</a:t>
+            </a:r>
+            <a:endParaRPr lang="en-GB" sz="2800" dirty="0"/>
           </a:p>
           <a:p>
             <a:pPr marL="0" indent="0">

--- a/presentation/clustering_presentation.pptx
+++ b/presentation/clustering_presentation.pptx
@@ -5,7 +5,7 @@
     <p:sldMasterId id="2147483732" r:id="rId1"/>
   </p:sldMasterIdLst>
   <p:notesMasterIdLst>
-    <p:notesMasterId r:id="rId41"/>
+    <p:notesMasterId r:id="rId47"/>
   </p:notesMasterIdLst>
   <p:sldIdLst>
     <p:sldId id="256" r:id="rId2"/>
@@ -33,20 +33,26 @@
     <p:sldId id="332" r:id="rId24"/>
     <p:sldId id="331" r:id="rId25"/>
     <p:sldId id="329" r:id="rId26"/>
-    <p:sldId id="325" r:id="rId27"/>
-    <p:sldId id="301" r:id="rId28"/>
-    <p:sldId id="326" r:id="rId29"/>
-    <p:sldId id="327" r:id="rId30"/>
-    <p:sldId id="311" r:id="rId31"/>
-    <p:sldId id="319" r:id="rId32"/>
-    <p:sldId id="314" r:id="rId33"/>
-    <p:sldId id="315" r:id="rId34"/>
-    <p:sldId id="317" r:id="rId35"/>
-    <p:sldId id="302" r:id="rId36"/>
-    <p:sldId id="305" r:id="rId37"/>
-    <p:sldId id="307" r:id="rId38"/>
-    <p:sldId id="299" r:id="rId39"/>
-    <p:sldId id="304" r:id="rId40"/>
+    <p:sldId id="339" r:id="rId27"/>
+    <p:sldId id="325" r:id="rId28"/>
+    <p:sldId id="301" r:id="rId29"/>
+    <p:sldId id="336" r:id="rId30"/>
+    <p:sldId id="334" r:id="rId31"/>
+    <p:sldId id="340" r:id="rId32"/>
+    <p:sldId id="326" r:id="rId33"/>
+    <p:sldId id="327" r:id="rId34"/>
+    <p:sldId id="337" r:id="rId35"/>
+    <p:sldId id="338" r:id="rId36"/>
+    <p:sldId id="311" r:id="rId37"/>
+    <p:sldId id="319" r:id="rId38"/>
+    <p:sldId id="314" r:id="rId39"/>
+    <p:sldId id="315" r:id="rId40"/>
+    <p:sldId id="317" r:id="rId41"/>
+    <p:sldId id="302" r:id="rId42"/>
+    <p:sldId id="305" r:id="rId43"/>
+    <p:sldId id="307" r:id="rId44"/>
+    <p:sldId id="299" r:id="rId45"/>
+    <p:sldId id="304" r:id="rId46"/>
   </p:sldIdLst>
   <p:sldSz cx="12192000" cy="6858000"/>
   <p:notesSz cx="6858000" cy="9144000"/>
@@ -1402,18 +1408,18 @@
           <a:lstStyle/>
           <a:p>
             <a:r>
+              <a:rPr lang="de-DE" b="0" dirty="0"/>
+              <a:t>Sortiert nach </a:t>
+            </a:r>
+            <a:r>
+              <a:rPr lang="de-DE" b="1" dirty="0"/>
+              <a:t>K-</a:t>
+            </a:r>
+            <a:r>
               <a:rPr lang="de-DE" b="1" dirty="0" err="1"/>
-              <a:t>Truncated</a:t>
-            </a:r>
-            <a:r>
-              <a:rPr lang="de-DE" b="1" dirty="0"/>
-              <a:t> SVD + Normalisierung</a:t>
-            </a:r>
-            <a:r>
-              <a:rPr lang="de-DE" b="0" dirty="0"/>
-              <a:t> (PCA sehr ähnliche Ergebnisse)</a:t>
-            </a:r>
-            <a:endParaRPr lang="de-DE" b="1" dirty="0"/>
+              <a:t>Means</a:t>
+            </a:r>
+            <a:endParaRPr lang="de-DE" b="0" dirty="0"/>
           </a:p>
         </p:txBody>
       </p:sp>
@@ -1443,7 +1449,7 @@
     </p:spTree>
     <p:extLst>
       <p:ext uri="{BB962C8B-B14F-4D97-AF65-F5344CB8AC3E}">
-        <p14:creationId xmlns:p14="http://schemas.microsoft.com/office/powerpoint/2010/main" val="2882404652"/>
+        <p14:creationId xmlns:p14="http://schemas.microsoft.com/office/powerpoint/2010/main" val="217945701"/>
       </p:ext>
     </p:extLst>
   </p:cSld>
@@ -1497,19 +1503,19 @@
           <a:bodyPr/>
           <a:lstStyle/>
           <a:p>
-            <a:pPr algn="l"/>
-            <a:r>
-              <a:rPr lang="de-DE" dirty="0"/>
-              <a:t>K-</a:t>
-            </a:r>
-            <a:r>
-              <a:rPr lang="de-DE" dirty="0" err="1"/>
-              <a:t>Means</a:t>
-            </a:r>
-            <a:r>
-              <a:rPr lang="de-DE" dirty="0"/>
-              <a:t> auf hochdimensionale Daten</a:t>
-            </a:r>
+            <a:r>
+              <a:rPr lang="de-DE" b="1" dirty="0" err="1"/>
+              <a:t>Truncated</a:t>
+            </a:r>
+            <a:r>
+              <a:rPr lang="de-DE" b="1" dirty="0"/>
+              <a:t> SVD + Normalisierung</a:t>
+            </a:r>
+            <a:r>
+              <a:rPr lang="de-DE" b="0" dirty="0"/>
+              <a:t> (PCA sehr ähnliche Ergebnisse)</a:t>
+            </a:r>
+            <a:endParaRPr lang="de-DE" b="1" dirty="0"/>
           </a:p>
         </p:txBody>
       </p:sp>
@@ -1530,7 +1536,7 @@
           <a:p>
             <a:fld id="{49FFD0F6-1B54-1D42-B676-41E105B9815E}" type="slidenum">
               <a:rPr lang="de-DE" smtClean="0"/>
-              <a:t>30</a:t>
+              <a:t>27</a:t>
             </a:fld>
             <a:endParaRPr lang="de-DE"/>
           </a:p>
@@ -1539,7 +1545,7 @@
     </p:spTree>
     <p:extLst>
       <p:ext uri="{BB962C8B-B14F-4D97-AF65-F5344CB8AC3E}">
-        <p14:creationId xmlns:p14="http://schemas.microsoft.com/office/powerpoint/2010/main" val="2134904752"/>
+        <p14:creationId xmlns:p14="http://schemas.microsoft.com/office/powerpoint/2010/main" val="2882404652"/>
       </p:ext>
     </p:extLst>
   </p:cSld>
@@ -1593,19 +1599,11 @@
           <a:bodyPr/>
           <a:lstStyle/>
           <a:p>
-            <a:pPr algn="l"/>
-            <a:r>
-              <a:rPr lang="de-DE" dirty="0"/>
-              <a:t>K-</a:t>
-            </a:r>
-            <a:r>
-              <a:rPr lang="de-DE" dirty="0" err="1"/>
-              <a:t>Means</a:t>
-            </a:r>
-            <a:r>
-              <a:rPr lang="de-DE" dirty="0"/>
-              <a:t> auf hochdimensionale Daten</a:t>
-            </a:r>
+            <a:pPr marL="171450" indent="-171450">
+              <a:buFont typeface="Arial" panose="020B0604020202020204" pitchFamily="34" charset="0"/>
+              <a:buChar char="•"/>
+            </a:pPr>
+            <a:endParaRPr lang="de-DE" dirty="0"/>
           </a:p>
         </p:txBody>
       </p:sp>
@@ -1626,7 +1624,7 @@
           <a:p>
             <a:fld id="{49FFD0F6-1B54-1D42-B676-41E105B9815E}" type="slidenum">
               <a:rPr lang="de-DE" smtClean="0"/>
-              <a:t>31</a:t>
+              <a:t>29</a:t>
             </a:fld>
             <a:endParaRPr lang="de-DE"/>
           </a:p>
@@ -1635,7 +1633,7 @@
     </p:spTree>
     <p:extLst>
       <p:ext uri="{BB962C8B-B14F-4D97-AF65-F5344CB8AC3E}">
-        <p14:creationId xmlns:p14="http://schemas.microsoft.com/office/powerpoint/2010/main" val="3426150485"/>
+        <p14:creationId xmlns:p14="http://schemas.microsoft.com/office/powerpoint/2010/main" val="2324252964"/>
       </p:ext>
     </p:extLst>
   </p:cSld>
@@ -1690,27 +1688,94 @@
           <a:lstStyle/>
           <a:p>
             <a:r>
-              <a:rPr lang="de-DE" dirty="0"/>
-              <a:t>ACHTUNG: Jahre sind hier Mittelwerte der Jahre aller Gedichte des Dichters</a:t>
-            </a:r>
-          </a:p>
-          <a:p>
-            <a:r>
-              <a:rPr lang="de-DE" dirty="0"/>
-              <a:t>IN KLAMMERN: Verteilung der Großteil der Jahre</a:t>
-            </a:r>
-          </a:p>
-          <a:p>
-            <a:r>
-              <a:rPr lang="de-DE" dirty="0"/>
-              <a:t>Frühbarock: 1600-1650</a:t>
-            </a:r>
-          </a:p>
-          <a:p>
-            <a:r>
-              <a:rPr lang="de-DE" dirty="0"/>
-              <a:t>Hochbarock: 1650-1700 (1720)</a:t>
-            </a:r>
+              <a:rPr lang="de-DE" b="1" dirty="0"/>
+              <a:t>K-</a:t>
+            </a:r>
+            <a:r>
+              <a:rPr lang="de-DE" b="1" dirty="0" err="1"/>
+              <a:t>Medoids</a:t>
+            </a:r>
+            <a:r>
+              <a:rPr lang="de-DE" b="1" dirty="0"/>
+              <a:t> </a:t>
+            </a:r>
+            <a:r>
+              <a:rPr lang="de-DE" b="0" dirty="0"/>
+              <a:t>ist ähnlich wie K-</a:t>
+            </a:r>
+            <a:r>
+              <a:rPr lang="de-DE" b="0" dirty="0" err="1"/>
+              <a:t>Means</a:t>
+            </a:r>
+            <a:r>
+              <a:rPr lang="de-DE" b="0" dirty="0"/>
+              <a:t>, nimmt jedoch existierende Datenpunkte als </a:t>
+            </a:r>
+            <a:r>
+              <a:rPr lang="de-DE" b="0" dirty="0" err="1"/>
+              <a:t>Centroide</a:t>
+            </a:r>
+            <a:r>
+              <a:rPr lang="de-DE" b="0" dirty="0"/>
+              <a:t>.</a:t>
+            </a:r>
+            <a:endParaRPr lang="de-DE" b="1" dirty="0"/>
+          </a:p>
+          <a:p>
+            <a:endParaRPr lang="de-DE" b="0" dirty="0"/>
+          </a:p>
+          <a:p>
+            <a:r>
+              <a:rPr lang="de-DE" b="0" dirty="0"/>
+              <a:t>Sortiert nach </a:t>
+            </a:r>
+            <a:r>
+              <a:rPr lang="de-DE" b="1" dirty="0"/>
+              <a:t>K-</a:t>
+            </a:r>
+            <a:r>
+              <a:rPr lang="de-DE" b="1" dirty="0" err="1"/>
+              <a:t>Means</a:t>
+            </a:r>
+            <a:r>
+              <a:rPr lang="de-DE" b="1" dirty="0"/>
+              <a:t>.</a:t>
+            </a:r>
+          </a:p>
+          <a:p>
+            <a:r>
+              <a:rPr lang="de-DE" b="1" dirty="0"/>
+              <a:t>K-</a:t>
+            </a:r>
+            <a:r>
+              <a:rPr lang="de-DE" b="1" dirty="0" err="1"/>
+              <a:t>Medoids</a:t>
+            </a:r>
+            <a:r>
+              <a:rPr lang="de-DE" b="0" dirty="0"/>
+              <a:t> nicht von </a:t>
+            </a:r>
+            <a:r>
+              <a:rPr lang="de-DE" b="0" dirty="0" err="1"/>
+              <a:t>Sklearn</a:t>
+            </a:r>
+            <a:r>
+              <a:rPr lang="de-DE" b="0" dirty="0"/>
+              <a:t> selbst, </a:t>
+            </a:r>
+            <a:r>
+              <a:rPr lang="de-DE" b="0" dirty="0" err="1"/>
+              <a:t>sonder</a:t>
+            </a:r>
+            <a:r>
+              <a:rPr lang="de-DE" b="0" dirty="0"/>
+              <a:t> von </a:t>
+            </a:r>
+            <a:r>
+              <a:rPr lang="de-DE" b="0" i="1" dirty="0" err="1"/>
+              <a:t>sklearn.extra</a:t>
+            </a:r>
+            <a:endParaRPr lang="de-DE" b="0" i="1" dirty="0"/>
           </a:p>
         </p:txBody>
       </p:sp>
@@ -1731,7 +1796,7 @@
           <a:p>
             <a:fld id="{49FFD0F6-1B54-1D42-B676-41E105B9815E}" type="slidenum">
               <a:rPr lang="de-DE" smtClean="0"/>
-              <a:t>32</a:t>
+              <a:t>30</a:t>
             </a:fld>
             <a:endParaRPr lang="de-DE"/>
           </a:p>
@@ -1740,7 +1805,7 @@
     </p:spTree>
     <p:extLst>
       <p:ext uri="{BB962C8B-B14F-4D97-AF65-F5344CB8AC3E}">
-        <p14:creationId xmlns:p14="http://schemas.microsoft.com/office/powerpoint/2010/main" val="1629050767"/>
+        <p14:creationId xmlns:p14="http://schemas.microsoft.com/office/powerpoint/2010/main" val="1577304848"/>
       </p:ext>
     </p:extLst>
   </p:cSld>
@@ -1794,10 +1859,11 @@
           <a:bodyPr/>
           <a:lstStyle/>
           <a:p>
-            <a:r>
-              <a:rPr lang="de-DE" dirty="0"/>
-              <a:t>ACHTUNG: Jahre sind hier Mittelwerte der Jahre aller Gedichte der häufigsten Epoche des Dichters</a:t>
-            </a:r>
+            <a:pPr marL="171450" indent="-171450">
+              <a:buFont typeface="Arial" panose="020B0604020202020204" pitchFamily="34" charset="0"/>
+              <a:buChar char="•"/>
+            </a:pPr>
+            <a:endParaRPr lang="de-DE" dirty="0"/>
           </a:p>
         </p:txBody>
       </p:sp>
@@ -1818,7 +1884,7 @@
           <a:p>
             <a:fld id="{49FFD0F6-1B54-1D42-B676-41E105B9815E}" type="slidenum">
               <a:rPr lang="de-DE" smtClean="0"/>
-              <a:t>33</a:t>
+              <a:t>31</a:t>
             </a:fld>
             <a:endParaRPr lang="de-DE"/>
           </a:p>
@@ -1827,7 +1893,7 @@
     </p:spTree>
     <p:extLst>
       <p:ext uri="{BB962C8B-B14F-4D97-AF65-F5344CB8AC3E}">
-        <p14:creationId xmlns:p14="http://schemas.microsoft.com/office/powerpoint/2010/main" val="1412957019"/>
+        <p14:creationId xmlns:p14="http://schemas.microsoft.com/office/powerpoint/2010/main" val="2937078823"/>
       </p:ext>
     </p:extLst>
   </p:cSld>
@@ -1882,7 +1948,18 @@
           <a:lstStyle/>
           <a:p>
             <a:pPr algn="l"/>
-            <a:endParaRPr lang="de-DE" dirty="0"/>
+            <a:r>
+              <a:rPr lang="de-DE" dirty="0"/>
+              <a:t>K-</a:t>
+            </a:r>
+            <a:r>
+              <a:rPr lang="de-DE" dirty="0" err="1"/>
+              <a:t>Means</a:t>
+            </a:r>
+            <a:r>
+              <a:rPr lang="de-DE" dirty="0"/>
+              <a:t> auf hochdimensionale Daten</a:t>
+            </a:r>
           </a:p>
         </p:txBody>
       </p:sp>
@@ -1903,7 +1980,7 @@
           <a:p>
             <a:fld id="{49FFD0F6-1B54-1D42-B676-41E105B9815E}" type="slidenum">
               <a:rPr lang="de-DE" smtClean="0"/>
-              <a:t>34</a:t>
+              <a:t>36</a:t>
             </a:fld>
             <a:endParaRPr lang="de-DE"/>
           </a:p>
@@ -1912,7 +1989,7 @@
     </p:spTree>
     <p:extLst>
       <p:ext uri="{BB962C8B-B14F-4D97-AF65-F5344CB8AC3E}">
-        <p14:creationId xmlns:p14="http://schemas.microsoft.com/office/powerpoint/2010/main" val="3822682556"/>
+        <p14:creationId xmlns:p14="http://schemas.microsoft.com/office/powerpoint/2010/main" val="2134904752"/>
       </p:ext>
     </p:extLst>
   </p:cSld>
@@ -1966,15 +2043,19 @@
           <a:bodyPr/>
           <a:lstStyle/>
           <a:p>
+            <a:pPr algn="l"/>
             <a:r>
               <a:rPr lang="de-DE" dirty="0"/>
-              <a:t>Dimensionsreduktion: </a:t>
-            </a:r>
-            <a:r>
-              <a:rPr lang="de-DE" b="1" dirty="0" err="1"/>
-              <a:t>TruncatedSVD</a:t>
-            </a:r>
-            <a:endParaRPr lang="de-DE" b="1" dirty="0"/>
+              <a:t>K-</a:t>
+            </a:r>
+            <a:r>
+              <a:rPr lang="de-DE" dirty="0" err="1"/>
+              <a:t>Means</a:t>
+            </a:r>
+            <a:r>
+              <a:rPr lang="de-DE" dirty="0"/>
+              <a:t> auf hochdimensionale Daten</a:t>
+            </a:r>
           </a:p>
         </p:txBody>
       </p:sp>
@@ -2004,7 +2085,112 @@
     </p:spTree>
     <p:extLst>
       <p:ext uri="{BB962C8B-B14F-4D97-AF65-F5344CB8AC3E}">
-        <p14:creationId xmlns:p14="http://schemas.microsoft.com/office/powerpoint/2010/main" val="3406892848"/>
+        <p14:creationId xmlns:p14="http://schemas.microsoft.com/office/powerpoint/2010/main" val="3426150485"/>
+      </p:ext>
+    </p:extLst>
+  </p:cSld>
+  <p:clrMapOvr>
+    <a:masterClrMapping/>
+  </p:clrMapOvr>
+</p:notes>
+</file>
+
+<file path=ppt/notesSlides/notesSlide19.xml><?xml version="1.0" encoding="utf-8"?>
+<p:notes xmlns:a="http://schemas.openxmlformats.org/drawingml/2006/main" xmlns:r="http://schemas.openxmlformats.org/officeDocument/2006/relationships" xmlns:p="http://schemas.openxmlformats.org/presentationml/2006/main">
+  <p:cSld>
+    <p:spTree>
+      <p:nvGrpSpPr>
+        <p:cNvPr id="1" name=""/>
+        <p:cNvGrpSpPr/>
+        <p:nvPr/>
+      </p:nvGrpSpPr>
+      <p:grpSpPr>
+        <a:xfrm>
+          <a:off x="0" y="0"/>
+          <a:ext cx="0" cy="0"/>
+          <a:chOff x="0" y="0"/>
+          <a:chExt cx="0" cy="0"/>
+        </a:xfrm>
+      </p:grpSpPr>
+      <p:sp>
+        <p:nvSpPr>
+          <p:cNvPr id="2" name="Slide Image Placeholder 1"/>
+          <p:cNvSpPr>
+            <a:spLocks noGrp="1" noRot="1" noChangeAspect="1"/>
+          </p:cNvSpPr>
+          <p:nvPr>
+            <p:ph type="sldImg"/>
+          </p:nvPr>
+        </p:nvSpPr>
+        <p:spPr/>
+      </p:sp>
+      <p:sp>
+        <p:nvSpPr>
+          <p:cNvPr id="3" name="Notes Placeholder 2"/>
+          <p:cNvSpPr>
+            <a:spLocks noGrp="1"/>
+          </p:cNvSpPr>
+          <p:nvPr>
+            <p:ph type="body" idx="1"/>
+          </p:nvPr>
+        </p:nvSpPr>
+        <p:spPr/>
+        <p:txBody>
+          <a:bodyPr/>
+          <a:lstStyle/>
+          <a:p>
+            <a:r>
+              <a:rPr lang="de-DE" dirty="0"/>
+              <a:t>ACHTUNG: Jahre sind hier Mittelwerte der Jahre aller Gedichte des Dichters</a:t>
+            </a:r>
+          </a:p>
+          <a:p>
+            <a:r>
+              <a:rPr lang="de-DE" dirty="0"/>
+              <a:t>IN KLAMMERN: Verteilung der Großteil der Jahre</a:t>
+            </a:r>
+          </a:p>
+          <a:p>
+            <a:r>
+              <a:rPr lang="de-DE" dirty="0"/>
+              <a:t>Frühbarock: 1600-1650</a:t>
+            </a:r>
+          </a:p>
+          <a:p>
+            <a:r>
+              <a:rPr lang="de-DE" dirty="0"/>
+              <a:t>Hochbarock: 1650-1700 (1720)</a:t>
+            </a:r>
+          </a:p>
+        </p:txBody>
+      </p:sp>
+      <p:sp>
+        <p:nvSpPr>
+          <p:cNvPr id="4" name="Slide Number Placeholder 3"/>
+          <p:cNvSpPr>
+            <a:spLocks noGrp="1"/>
+          </p:cNvSpPr>
+          <p:nvPr>
+            <p:ph type="sldNum" sz="quarter" idx="5"/>
+          </p:nvPr>
+        </p:nvSpPr>
+        <p:spPr/>
+        <p:txBody>
+          <a:bodyPr/>
+          <a:lstStyle/>
+          <a:p>
+            <a:fld id="{49FFD0F6-1B54-1D42-B676-41E105B9815E}" type="slidenum">
+              <a:rPr lang="de-DE" smtClean="0"/>
+              <a:t>38</a:t>
+            </a:fld>
+            <a:endParaRPr lang="de-DE"/>
+          </a:p>
+        </p:txBody>
+      </p:sp>
+    </p:spTree>
+    <p:extLst>
+      <p:ext uri="{BB962C8B-B14F-4D97-AF65-F5344CB8AC3E}">
+        <p14:creationId xmlns:p14="http://schemas.microsoft.com/office/powerpoint/2010/main" val="1629050767"/>
       </p:ext>
     </p:extLst>
   </p:cSld>
@@ -2125,6 +2311,270 @@
     <p:extLst>
       <p:ext uri="{BB962C8B-B14F-4D97-AF65-F5344CB8AC3E}">
         <p14:creationId xmlns:p14="http://schemas.microsoft.com/office/powerpoint/2010/main" val="2252780807"/>
+      </p:ext>
+    </p:extLst>
+  </p:cSld>
+  <p:clrMapOvr>
+    <a:masterClrMapping/>
+  </p:clrMapOvr>
+</p:notes>
+</file>
+
+<file path=ppt/notesSlides/notesSlide20.xml><?xml version="1.0" encoding="utf-8"?>
+<p:notes xmlns:a="http://schemas.openxmlformats.org/drawingml/2006/main" xmlns:r="http://schemas.openxmlformats.org/officeDocument/2006/relationships" xmlns:p="http://schemas.openxmlformats.org/presentationml/2006/main">
+  <p:cSld>
+    <p:spTree>
+      <p:nvGrpSpPr>
+        <p:cNvPr id="1" name=""/>
+        <p:cNvGrpSpPr/>
+        <p:nvPr/>
+      </p:nvGrpSpPr>
+      <p:grpSpPr>
+        <a:xfrm>
+          <a:off x="0" y="0"/>
+          <a:ext cx="0" cy="0"/>
+          <a:chOff x="0" y="0"/>
+          <a:chExt cx="0" cy="0"/>
+        </a:xfrm>
+      </p:grpSpPr>
+      <p:sp>
+        <p:nvSpPr>
+          <p:cNvPr id="2" name="Slide Image Placeholder 1"/>
+          <p:cNvSpPr>
+            <a:spLocks noGrp="1" noRot="1" noChangeAspect="1"/>
+          </p:cNvSpPr>
+          <p:nvPr>
+            <p:ph type="sldImg"/>
+          </p:nvPr>
+        </p:nvSpPr>
+        <p:spPr/>
+      </p:sp>
+      <p:sp>
+        <p:nvSpPr>
+          <p:cNvPr id="3" name="Notes Placeholder 2"/>
+          <p:cNvSpPr>
+            <a:spLocks noGrp="1"/>
+          </p:cNvSpPr>
+          <p:nvPr>
+            <p:ph type="body" idx="1"/>
+          </p:nvPr>
+        </p:nvSpPr>
+        <p:spPr/>
+        <p:txBody>
+          <a:bodyPr/>
+          <a:lstStyle/>
+          <a:p>
+            <a:r>
+              <a:rPr lang="de-DE" dirty="0"/>
+              <a:t>ACHTUNG: Jahre sind hier Mittelwerte der Jahre aller Gedichte der häufigsten Epoche des Dichters</a:t>
+            </a:r>
+          </a:p>
+        </p:txBody>
+      </p:sp>
+      <p:sp>
+        <p:nvSpPr>
+          <p:cNvPr id="4" name="Slide Number Placeholder 3"/>
+          <p:cNvSpPr>
+            <a:spLocks noGrp="1"/>
+          </p:cNvSpPr>
+          <p:nvPr>
+            <p:ph type="sldNum" sz="quarter" idx="5"/>
+          </p:nvPr>
+        </p:nvSpPr>
+        <p:spPr/>
+        <p:txBody>
+          <a:bodyPr/>
+          <a:lstStyle/>
+          <a:p>
+            <a:fld id="{49FFD0F6-1B54-1D42-B676-41E105B9815E}" type="slidenum">
+              <a:rPr lang="de-DE" smtClean="0"/>
+              <a:t>39</a:t>
+            </a:fld>
+            <a:endParaRPr lang="de-DE"/>
+          </a:p>
+        </p:txBody>
+      </p:sp>
+    </p:spTree>
+    <p:extLst>
+      <p:ext uri="{BB962C8B-B14F-4D97-AF65-F5344CB8AC3E}">
+        <p14:creationId xmlns:p14="http://schemas.microsoft.com/office/powerpoint/2010/main" val="1412957019"/>
+      </p:ext>
+    </p:extLst>
+  </p:cSld>
+  <p:clrMapOvr>
+    <a:masterClrMapping/>
+  </p:clrMapOvr>
+</p:notes>
+</file>
+
+<file path=ppt/notesSlides/notesSlide21.xml><?xml version="1.0" encoding="utf-8"?>
+<p:notes xmlns:a="http://schemas.openxmlformats.org/drawingml/2006/main" xmlns:r="http://schemas.openxmlformats.org/officeDocument/2006/relationships" xmlns:p="http://schemas.openxmlformats.org/presentationml/2006/main">
+  <p:cSld>
+    <p:spTree>
+      <p:nvGrpSpPr>
+        <p:cNvPr id="1" name=""/>
+        <p:cNvGrpSpPr/>
+        <p:nvPr/>
+      </p:nvGrpSpPr>
+      <p:grpSpPr>
+        <a:xfrm>
+          <a:off x="0" y="0"/>
+          <a:ext cx="0" cy="0"/>
+          <a:chOff x="0" y="0"/>
+          <a:chExt cx="0" cy="0"/>
+        </a:xfrm>
+      </p:grpSpPr>
+      <p:sp>
+        <p:nvSpPr>
+          <p:cNvPr id="2" name="Slide Image Placeholder 1"/>
+          <p:cNvSpPr>
+            <a:spLocks noGrp="1" noRot="1" noChangeAspect="1"/>
+          </p:cNvSpPr>
+          <p:nvPr>
+            <p:ph type="sldImg"/>
+          </p:nvPr>
+        </p:nvSpPr>
+        <p:spPr/>
+      </p:sp>
+      <p:sp>
+        <p:nvSpPr>
+          <p:cNvPr id="3" name="Notes Placeholder 2"/>
+          <p:cNvSpPr>
+            <a:spLocks noGrp="1"/>
+          </p:cNvSpPr>
+          <p:nvPr>
+            <p:ph type="body" idx="1"/>
+          </p:nvPr>
+        </p:nvSpPr>
+        <p:spPr/>
+        <p:txBody>
+          <a:bodyPr/>
+          <a:lstStyle/>
+          <a:p>
+            <a:pPr algn="l"/>
+            <a:endParaRPr lang="de-DE" dirty="0"/>
+          </a:p>
+        </p:txBody>
+      </p:sp>
+      <p:sp>
+        <p:nvSpPr>
+          <p:cNvPr id="4" name="Slide Number Placeholder 3"/>
+          <p:cNvSpPr>
+            <a:spLocks noGrp="1"/>
+          </p:cNvSpPr>
+          <p:nvPr>
+            <p:ph type="sldNum" sz="quarter" idx="5"/>
+          </p:nvPr>
+        </p:nvSpPr>
+        <p:spPr/>
+        <p:txBody>
+          <a:bodyPr/>
+          <a:lstStyle/>
+          <a:p>
+            <a:fld id="{49FFD0F6-1B54-1D42-B676-41E105B9815E}" type="slidenum">
+              <a:rPr lang="de-DE" smtClean="0"/>
+              <a:t>40</a:t>
+            </a:fld>
+            <a:endParaRPr lang="de-DE"/>
+          </a:p>
+        </p:txBody>
+      </p:sp>
+    </p:spTree>
+    <p:extLst>
+      <p:ext uri="{BB962C8B-B14F-4D97-AF65-F5344CB8AC3E}">
+        <p14:creationId xmlns:p14="http://schemas.microsoft.com/office/powerpoint/2010/main" val="3822682556"/>
+      </p:ext>
+    </p:extLst>
+  </p:cSld>
+  <p:clrMapOvr>
+    <a:masterClrMapping/>
+  </p:clrMapOvr>
+</p:notes>
+</file>
+
+<file path=ppt/notesSlides/notesSlide22.xml><?xml version="1.0" encoding="utf-8"?>
+<p:notes xmlns:a="http://schemas.openxmlformats.org/drawingml/2006/main" xmlns:r="http://schemas.openxmlformats.org/officeDocument/2006/relationships" xmlns:p="http://schemas.openxmlformats.org/presentationml/2006/main">
+  <p:cSld>
+    <p:spTree>
+      <p:nvGrpSpPr>
+        <p:cNvPr id="1" name=""/>
+        <p:cNvGrpSpPr/>
+        <p:nvPr/>
+      </p:nvGrpSpPr>
+      <p:grpSpPr>
+        <a:xfrm>
+          <a:off x="0" y="0"/>
+          <a:ext cx="0" cy="0"/>
+          <a:chOff x="0" y="0"/>
+          <a:chExt cx="0" cy="0"/>
+        </a:xfrm>
+      </p:grpSpPr>
+      <p:sp>
+        <p:nvSpPr>
+          <p:cNvPr id="2" name="Slide Image Placeholder 1"/>
+          <p:cNvSpPr>
+            <a:spLocks noGrp="1" noRot="1" noChangeAspect="1"/>
+          </p:cNvSpPr>
+          <p:nvPr>
+            <p:ph type="sldImg"/>
+          </p:nvPr>
+        </p:nvSpPr>
+        <p:spPr/>
+      </p:sp>
+      <p:sp>
+        <p:nvSpPr>
+          <p:cNvPr id="3" name="Notes Placeholder 2"/>
+          <p:cNvSpPr>
+            <a:spLocks noGrp="1"/>
+          </p:cNvSpPr>
+          <p:nvPr>
+            <p:ph type="body" idx="1"/>
+          </p:nvPr>
+        </p:nvSpPr>
+        <p:spPr/>
+        <p:txBody>
+          <a:bodyPr/>
+          <a:lstStyle/>
+          <a:p>
+            <a:r>
+              <a:rPr lang="de-DE" dirty="0"/>
+              <a:t>Dimensionsreduktion: </a:t>
+            </a:r>
+            <a:r>
+              <a:rPr lang="de-DE" b="1" dirty="0" err="1"/>
+              <a:t>TruncatedSVD</a:t>
+            </a:r>
+            <a:endParaRPr lang="de-DE" b="1" dirty="0"/>
+          </a:p>
+        </p:txBody>
+      </p:sp>
+      <p:sp>
+        <p:nvSpPr>
+          <p:cNvPr id="4" name="Slide Number Placeholder 3"/>
+          <p:cNvSpPr>
+            <a:spLocks noGrp="1"/>
+          </p:cNvSpPr>
+          <p:nvPr>
+            <p:ph type="sldNum" sz="quarter" idx="5"/>
+          </p:nvPr>
+        </p:nvSpPr>
+        <p:spPr/>
+        <p:txBody>
+          <a:bodyPr/>
+          <a:lstStyle/>
+          <a:p>
+            <a:fld id="{49FFD0F6-1B54-1D42-B676-41E105B9815E}" type="slidenum">
+              <a:rPr lang="de-DE" smtClean="0"/>
+              <a:t>43</a:t>
+            </a:fld>
+            <a:endParaRPr lang="de-DE"/>
+          </a:p>
+        </p:txBody>
+      </p:sp>
+    </p:spTree>
+    <p:extLst>
+      <p:ext uri="{BB962C8B-B14F-4D97-AF65-F5344CB8AC3E}">
+        <p14:creationId xmlns:p14="http://schemas.microsoft.com/office/powerpoint/2010/main" val="3406892848"/>
       </p:ext>
     </p:extLst>
   </p:cSld>
@@ -12750,10 +13200,1291 @@
           <p:nvPr>
             <p:extLst>
               <p:ext uri="{D42A27DB-BD31-4B8C-83A1-F6EECF244321}">
-                <p14:modId xmlns:p14="http://schemas.microsoft.com/office/powerpoint/2010/main" val="4186080525"/>
+                <p14:modId xmlns:p14="http://schemas.microsoft.com/office/powerpoint/2010/main" val="976283584"/>
               </p:ext>
             </p:extLst>
           </p:nvPr>
+        </p:nvGraphicFramePr>
+        <p:xfrm>
+          <a:off x="618423" y="2833916"/>
+          <a:ext cx="11103438" cy="3437261"/>
+        </p:xfrm>
+        <a:graphic>
+          <a:graphicData uri="http://schemas.openxmlformats.org/drawingml/2006/table">
+            <a:tbl>
+              <a:tblPr firstRow="1" bandRow="1">
+                <a:tableStyleId>{69012ECD-51FC-41F1-AA8D-1B2483CD663E}</a:tableStyleId>
+              </a:tblPr>
+              <a:tblGrid>
+                <a:gridCol w="3573503">
+                  <a:extLst>
+                    <a:ext uri="{9D8B030D-6E8A-4147-A177-3AD203B41FA5}">
+                      <a16:colId xmlns:a16="http://schemas.microsoft.com/office/drawing/2014/main" val="2833795351"/>
+                    </a:ext>
+                  </a:extLst>
+                </a:gridCol>
+                <a:gridCol w="1670992">
+                  <a:extLst>
+                    <a:ext uri="{9D8B030D-6E8A-4147-A177-3AD203B41FA5}">
+                      <a16:colId xmlns:a16="http://schemas.microsoft.com/office/drawing/2014/main" val="1448307795"/>
+                    </a:ext>
+                  </a:extLst>
+                </a:gridCol>
+                <a:gridCol w="1802835">
+                  <a:extLst>
+                    <a:ext uri="{9D8B030D-6E8A-4147-A177-3AD203B41FA5}">
+                      <a16:colId xmlns:a16="http://schemas.microsoft.com/office/drawing/2014/main" val="799636414"/>
+                    </a:ext>
+                  </a:extLst>
+                </a:gridCol>
+                <a:gridCol w="2028054">
+                  <a:extLst>
+                    <a:ext uri="{9D8B030D-6E8A-4147-A177-3AD203B41FA5}">
+                      <a16:colId xmlns:a16="http://schemas.microsoft.com/office/drawing/2014/main" val="1880987509"/>
+                    </a:ext>
+                  </a:extLst>
+                </a:gridCol>
+                <a:gridCol w="2028054">
+                  <a:extLst>
+                    <a:ext uri="{9D8B030D-6E8A-4147-A177-3AD203B41FA5}">
+                      <a16:colId xmlns:a16="http://schemas.microsoft.com/office/drawing/2014/main" val="3364989717"/>
+                    </a:ext>
+                  </a:extLst>
+                </a:gridCol>
+              </a:tblGrid>
+              <a:tr h="638570">
+                <a:tc>
+                  <a:txBody>
+                    <a:bodyPr/>
+                    <a:lstStyle/>
+                    <a:p>
+                      <a:pPr algn="r" fontAlgn="ctr"/>
+                      <a:endParaRPr lang="en-GB" b="1" dirty="0">
+                        <a:effectLst/>
+                      </a:endParaRPr>
+                    </a:p>
+                  </a:txBody>
+                  <a:tcPr anchor="ctr"/>
+                </a:tc>
+                <a:tc gridSpan="2">
+                  <a:txBody>
+                    <a:bodyPr/>
+                    <a:lstStyle/>
+                    <a:p>
+                      <a:pPr algn="ctr" fontAlgn="ctr"/>
+                      <a:r>
+                        <a:rPr lang="en-GB" sz="2400" dirty="0">
+                          <a:effectLst/>
+                        </a:rPr>
+                        <a:t>K-Means</a:t>
+                      </a:r>
+                      <a:endParaRPr lang="en-GB" sz="2400" b="1" dirty="0">
+                        <a:solidFill>
+                          <a:schemeClr val="tx1"/>
+                        </a:solidFill>
+                        <a:effectLst/>
+                      </a:endParaRPr>
+                    </a:p>
+                  </a:txBody>
+                  <a:tcPr anchor="ctr"/>
+                </a:tc>
+                <a:tc hMerge="1">
+                  <a:txBody>
+                    <a:bodyPr/>
+                    <a:lstStyle/>
+                    <a:p>
+                      <a:pPr algn="ctr"/>
+                      <a:endParaRPr lang="de-DE" dirty="0"/>
+                    </a:p>
+                  </a:txBody>
+                  <a:tcPr anchor="ctr"/>
+                </a:tc>
+                <a:tc gridSpan="2">
+                  <a:txBody>
+                    <a:bodyPr/>
+                    <a:lstStyle/>
+                    <a:p>
+                      <a:pPr algn="ctr" fontAlgn="ctr"/>
+                      <a:r>
+                        <a:rPr lang="en-GB" sz="2400" dirty="0">
+                          <a:effectLst/>
+                        </a:rPr>
+                        <a:t>DBSCAN</a:t>
+                      </a:r>
+                      <a:endParaRPr lang="en-GB" sz="2400" b="1" dirty="0">
+                        <a:solidFill>
+                          <a:schemeClr val="tx1"/>
+                        </a:solidFill>
+                        <a:effectLst/>
+                      </a:endParaRPr>
+                    </a:p>
+                  </a:txBody>
+                  <a:tcPr anchor="ctr"/>
+                </a:tc>
+                <a:tc hMerge="1">
+                  <a:txBody>
+                    <a:bodyPr/>
+                    <a:lstStyle/>
+                    <a:p>
+                      <a:pPr algn="ctr"/>
+                      <a:endParaRPr lang="de-DE" dirty="0"/>
+                    </a:p>
+                  </a:txBody>
+                  <a:tcPr anchor="ctr"/>
+                </a:tc>
+                <a:extLst>
+                  <a:ext uri="{0D108BD9-81ED-4DB2-BD59-A6C34878D82A}">
+                    <a16:rowId xmlns:a16="http://schemas.microsoft.com/office/drawing/2014/main" val="3307450965"/>
+                  </a:ext>
+                </a:extLst>
+              </a:tr>
+              <a:tr h="731476">
+                <a:tc>
+                  <a:txBody>
+                    <a:bodyPr/>
+                    <a:lstStyle/>
+                    <a:p>
+                      <a:pPr algn="r" fontAlgn="ctr"/>
+                      <a:br>
+                        <a:rPr lang="en-GB" sz="2000" dirty="0">
+                          <a:effectLst/>
+                        </a:rPr>
+                      </a:br>
+                      <a:endParaRPr lang="en-GB" sz="2000" b="1" dirty="0">
+                        <a:effectLst/>
+                      </a:endParaRPr>
+                    </a:p>
+                  </a:txBody>
+                  <a:tcPr anchor="ctr"/>
+                </a:tc>
+                <a:tc>
+                  <a:txBody>
+                    <a:bodyPr/>
+                    <a:lstStyle/>
+                    <a:p>
+                      <a:pPr algn="ctr" fontAlgn="ctr"/>
+                      <a:r>
+                        <a:rPr lang="en-GB" sz="2000" b="1" dirty="0" err="1">
+                          <a:effectLst/>
+                        </a:rPr>
+                        <a:t>ari</a:t>
+                      </a:r>
+                      <a:endParaRPr lang="en-GB" sz="2000" b="1" dirty="0">
+                        <a:effectLst/>
+                      </a:endParaRPr>
+                    </a:p>
+                  </a:txBody>
+                  <a:tcPr anchor="ctr"/>
+                </a:tc>
+                <a:tc>
+                  <a:txBody>
+                    <a:bodyPr/>
+                    <a:lstStyle/>
+                    <a:p>
+                      <a:pPr algn="ctr"/>
+                      <a:r>
+                        <a:rPr lang="de-DE" sz="2000" b="1" dirty="0" err="1"/>
+                        <a:t>vm</a:t>
+                      </a:r>
+                      <a:endParaRPr lang="de-DE" sz="2000" b="1" dirty="0"/>
+                    </a:p>
+                  </a:txBody>
+                  <a:tcPr anchor="ctr"/>
+                </a:tc>
+                <a:tc>
+                  <a:txBody>
+                    <a:bodyPr/>
+                    <a:lstStyle/>
+                    <a:p>
+                      <a:pPr algn="ctr" fontAlgn="ctr"/>
+                      <a:r>
+                        <a:rPr lang="en-GB" sz="2000" b="1" dirty="0" err="1">
+                          <a:effectLst/>
+                        </a:rPr>
+                        <a:t>ari</a:t>
+                      </a:r>
+                      <a:endParaRPr lang="en-GB" sz="2000" b="1" dirty="0">
+                        <a:effectLst/>
+                      </a:endParaRPr>
+                    </a:p>
+                  </a:txBody>
+                  <a:tcPr anchor="ctr"/>
+                </a:tc>
+                <a:tc>
+                  <a:txBody>
+                    <a:bodyPr/>
+                    <a:lstStyle/>
+                    <a:p>
+                      <a:pPr algn="ctr"/>
+                      <a:r>
+                        <a:rPr lang="de-DE" sz="2000" b="1" dirty="0" err="1"/>
+                        <a:t>vm</a:t>
+                      </a:r>
+                      <a:endParaRPr lang="de-DE" sz="2000" b="1" dirty="0"/>
+                    </a:p>
+                  </a:txBody>
+                  <a:tcPr anchor="ctr"/>
+                </a:tc>
+                <a:extLst>
+                  <a:ext uri="{0D108BD9-81ED-4DB2-BD59-A6C34878D82A}">
+                    <a16:rowId xmlns:a16="http://schemas.microsoft.com/office/drawing/2014/main" val="2331790527"/>
+                  </a:ext>
+                </a:extLst>
+              </a:tr>
+              <a:tr h="413443">
+                <a:tc>
+                  <a:txBody>
+                    <a:bodyPr/>
+                    <a:lstStyle/>
+                    <a:p>
+                      <a:pPr algn="r" fontAlgn="ctr"/>
+                      <a:r>
+                        <a:rPr lang="en-GB" sz="2000" b="1">
+                          <a:effectLst/>
+                        </a:rPr>
+                        <a:t>Barock/Naturalismus</a:t>
+                      </a:r>
+                    </a:p>
+                  </a:txBody>
+                  <a:tcPr anchor="ctr"/>
+                </a:tc>
+                <a:tc>
+                  <a:txBody>
+                    <a:bodyPr/>
+                    <a:lstStyle/>
+                    <a:p>
+                      <a:pPr algn="r" fontAlgn="ctr"/>
+                      <a:r>
+                        <a:rPr lang="en-DE" sz="2000" b="1" dirty="0">
+                          <a:effectLst/>
+                        </a:rPr>
+                        <a:t>0.805490</a:t>
+                      </a:r>
+                    </a:p>
+                  </a:txBody>
+                  <a:tcPr anchor="ctr">
+                    <a:solidFill>
+                      <a:schemeClr val="accent6">
+                        <a:lumMod val="60000"/>
+                        <a:lumOff val="40000"/>
+                      </a:schemeClr>
+                    </a:solidFill>
+                  </a:tcPr>
+                </a:tc>
+                <a:tc>
+                  <a:txBody>
+                    <a:bodyPr/>
+                    <a:lstStyle/>
+                    <a:p>
+                      <a:pPr algn="r" fontAlgn="ctr"/>
+                      <a:r>
+                        <a:rPr lang="en-DE" sz="2000" b="1" dirty="0">
+                          <a:effectLst/>
+                        </a:rPr>
+                        <a:t>0.746453</a:t>
+                      </a:r>
+                    </a:p>
+                  </a:txBody>
+                  <a:tcPr anchor="ctr">
+                    <a:solidFill>
+                      <a:schemeClr val="accent6">
+                        <a:lumMod val="60000"/>
+                        <a:lumOff val="40000"/>
+                      </a:schemeClr>
+                    </a:solidFill>
+                  </a:tcPr>
+                </a:tc>
+                <a:tc>
+                  <a:txBody>
+                    <a:bodyPr/>
+                    <a:lstStyle/>
+                    <a:p>
+                      <a:pPr algn="r" fontAlgn="ctr"/>
+                      <a:r>
+                        <a:rPr lang="en-DE" sz="2000" dirty="0">
+                          <a:effectLst/>
+                        </a:rPr>
+                        <a:t>0.411893</a:t>
+                      </a:r>
+                    </a:p>
+                  </a:txBody>
+                  <a:tcPr anchor="ctr"/>
+                </a:tc>
+                <a:tc>
+                  <a:txBody>
+                    <a:bodyPr/>
+                    <a:lstStyle/>
+                    <a:p>
+                      <a:pPr algn="r" fontAlgn="ctr"/>
+                      <a:r>
+                        <a:rPr lang="en-DE" sz="2000" dirty="0">
+                          <a:effectLst/>
+                        </a:rPr>
+                        <a:t>0.444248</a:t>
+                      </a:r>
+                    </a:p>
+                  </a:txBody>
+                  <a:tcPr anchor="ctr"/>
+                </a:tc>
+                <a:extLst>
+                  <a:ext uri="{0D108BD9-81ED-4DB2-BD59-A6C34878D82A}">
+                    <a16:rowId xmlns:a16="http://schemas.microsoft.com/office/drawing/2014/main" val="857364166"/>
+                  </a:ext>
+                </a:extLst>
+              </a:tr>
+              <a:tr h="413443">
+                <a:tc>
+                  <a:txBody>
+                    <a:bodyPr/>
+                    <a:lstStyle/>
+                    <a:p>
+                      <a:pPr algn="r" fontAlgn="ctr"/>
+                      <a:r>
+                        <a:rPr lang="en-GB" sz="2000" b="1">
+                          <a:effectLst/>
+                        </a:rPr>
+                        <a:t>Barock/Realismus</a:t>
+                      </a:r>
+                    </a:p>
+                  </a:txBody>
+                  <a:tcPr anchor="ctr"/>
+                </a:tc>
+                <a:tc>
+                  <a:txBody>
+                    <a:bodyPr/>
+                    <a:lstStyle/>
+                    <a:p>
+                      <a:pPr algn="r" fontAlgn="ctr"/>
+                      <a:r>
+                        <a:rPr lang="en-DE" sz="2000">
+                          <a:effectLst/>
+                        </a:rPr>
+                        <a:t>0.773402</a:t>
+                      </a:r>
+                    </a:p>
+                  </a:txBody>
+                  <a:tcPr anchor="ctr"/>
+                </a:tc>
+                <a:tc>
+                  <a:txBody>
+                    <a:bodyPr/>
+                    <a:lstStyle/>
+                    <a:p>
+                      <a:pPr algn="r" fontAlgn="ctr"/>
+                      <a:r>
+                        <a:rPr lang="en-DE" sz="2000">
+                          <a:effectLst/>
+                        </a:rPr>
+                        <a:t>0.729663</a:t>
+                      </a:r>
+                    </a:p>
+                  </a:txBody>
+                  <a:tcPr anchor="ctr">
+                    <a:noFill/>
+                  </a:tcPr>
+                </a:tc>
+                <a:tc>
+                  <a:txBody>
+                    <a:bodyPr/>
+                    <a:lstStyle/>
+                    <a:p>
+                      <a:pPr algn="r" fontAlgn="ctr"/>
+                      <a:r>
+                        <a:rPr lang="en-DE" sz="2000" dirty="0">
+                          <a:effectLst/>
+                        </a:rPr>
+                        <a:t>0.515060</a:t>
+                      </a:r>
+                    </a:p>
+                  </a:txBody>
+                  <a:tcPr anchor="ctr"/>
+                </a:tc>
+                <a:tc>
+                  <a:txBody>
+                    <a:bodyPr/>
+                    <a:lstStyle/>
+                    <a:p>
+                      <a:pPr algn="r" fontAlgn="ctr"/>
+                      <a:r>
+                        <a:rPr lang="en-DE" sz="2000" dirty="0">
+                          <a:effectLst/>
+                        </a:rPr>
+                        <a:t>0.531504</a:t>
+                      </a:r>
+                    </a:p>
+                  </a:txBody>
+                  <a:tcPr anchor="ctr"/>
+                </a:tc>
+                <a:extLst>
+                  <a:ext uri="{0D108BD9-81ED-4DB2-BD59-A6C34878D82A}">
+                    <a16:rowId xmlns:a16="http://schemas.microsoft.com/office/drawing/2014/main" val="2292681319"/>
+                  </a:ext>
+                </a:extLst>
+              </a:tr>
+              <a:tr h="413443">
+                <a:tc>
+                  <a:txBody>
+                    <a:bodyPr/>
+                    <a:lstStyle/>
+                    <a:p>
+                      <a:pPr algn="r" fontAlgn="ctr"/>
+                      <a:r>
+                        <a:rPr lang="en-GB" sz="2000" b="1">
+                          <a:effectLst/>
+                        </a:rPr>
+                        <a:t>Aufklärung/Naturalismus</a:t>
+                      </a:r>
+                    </a:p>
+                  </a:txBody>
+                  <a:tcPr anchor="ctr"/>
+                </a:tc>
+                <a:tc>
+                  <a:txBody>
+                    <a:bodyPr/>
+                    <a:lstStyle/>
+                    <a:p>
+                      <a:pPr algn="r" fontAlgn="ctr"/>
+                      <a:r>
+                        <a:rPr lang="en-DE" sz="2000">
+                          <a:effectLst/>
+                        </a:rPr>
+                        <a:t>0.745326</a:t>
+                      </a:r>
+                    </a:p>
+                  </a:txBody>
+                  <a:tcPr anchor="ctr"/>
+                </a:tc>
+                <a:tc>
+                  <a:txBody>
+                    <a:bodyPr/>
+                    <a:lstStyle/>
+                    <a:p>
+                      <a:pPr algn="r" fontAlgn="ctr"/>
+                      <a:r>
+                        <a:rPr lang="en-DE" sz="2000">
+                          <a:effectLst/>
+                        </a:rPr>
+                        <a:t>0.621077</a:t>
+                      </a:r>
+                    </a:p>
+                  </a:txBody>
+                  <a:tcPr anchor="ctr"/>
+                </a:tc>
+                <a:tc>
+                  <a:txBody>
+                    <a:bodyPr/>
+                    <a:lstStyle/>
+                    <a:p>
+                      <a:pPr algn="r" fontAlgn="ctr"/>
+                      <a:r>
+                        <a:rPr lang="en-DE" sz="2000">
+                          <a:effectLst/>
+                        </a:rPr>
+                        <a:t>0.131620</a:t>
+                      </a:r>
+                    </a:p>
+                  </a:txBody>
+                  <a:tcPr anchor="ctr"/>
+                </a:tc>
+                <a:tc>
+                  <a:txBody>
+                    <a:bodyPr/>
+                    <a:lstStyle/>
+                    <a:p>
+                      <a:pPr algn="r" fontAlgn="ctr"/>
+                      <a:r>
+                        <a:rPr lang="en-DE" sz="2000" dirty="0">
+                          <a:effectLst/>
+                        </a:rPr>
+                        <a:t>0.155326</a:t>
+                      </a:r>
+                    </a:p>
+                  </a:txBody>
+                  <a:tcPr anchor="ctr"/>
+                </a:tc>
+                <a:extLst>
+                  <a:ext uri="{0D108BD9-81ED-4DB2-BD59-A6C34878D82A}">
+                    <a16:rowId xmlns:a16="http://schemas.microsoft.com/office/drawing/2014/main" val="319013880"/>
+                  </a:ext>
+                </a:extLst>
+              </a:tr>
+              <a:tr h="413443">
+                <a:tc>
+                  <a:txBody>
+                    <a:bodyPr/>
+                    <a:lstStyle/>
+                    <a:p>
+                      <a:pPr algn="r" fontAlgn="ctr"/>
+                      <a:r>
+                        <a:rPr lang="en-GB" sz="2000" b="1">
+                          <a:effectLst/>
+                        </a:rPr>
+                        <a:t>Barock/Klassik</a:t>
+                      </a:r>
+                    </a:p>
+                  </a:txBody>
+                  <a:tcPr anchor="ctr"/>
+                </a:tc>
+                <a:tc>
+                  <a:txBody>
+                    <a:bodyPr/>
+                    <a:lstStyle/>
+                    <a:p>
+                      <a:pPr algn="r" fontAlgn="ctr"/>
+                      <a:r>
+                        <a:rPr lang="en-DE" sz="2000">
+                          <a:effectLst/>
+                        </a:rPr>
+                        <a:t>0.688026</a:t>
+                      </a:r>
+                    </a:p>
+                  </a:txBody>
+                  <a:tcPr anchor="ctr"/>
+                </a:tc>
+                <a:tc>
+                  <a:txBody>
+                    <a:bodyPr/>
+                    <a:lstStyle/>
+                    <a:p>
+                      <a:pPr algn="r" fontAlgn="ctr"/>
+                      <a:r>
+                        <a:rPr lang="en-DE" sz="2000">
+                          <a:effectLst/>
+                        </a:rPr>
+                        <a:t>0.651029</a:t>
+                      </a:r>
+                    </a:p>
+                  </a:txBody>
+                  <a:tcPr anchor="ctr"/>
+                </a:tc>
+                <a:tc>
+                  <a:txBody>
+                    <a:bodyPr/>
+                    <a:lstStyle/>
+                    <a:p>
+                      <a:pPr algn="r" fontAlgn="ctr"/>
+                      <a:r>
+                        <a:rPr lang="en-DE" sz="2000">
+                          <a:effectLst/>
+                        </a:rPr>
+                        <a:t>0.491301</a:t>
+                      </a:r>
+                    </a:p>
+                  </a:txBody>
+                  <a:tcPr anchor="ctr"/>
+                </a:tc>
+                <a:tc>
+                  <a:txBody>
+                    <a:bodyPr/>
+                    <a:lstStyle/>
+                    <a:p>
+                      <a:pPr algn="r" fontAlgn="ctr"/>
+                      <a:r>
+                        <a:rPr lang="en-DE" sz="2000" dirty="0">
+                          <a:effectLst/>
+                        </a:rPr>
+                        <a:t>0.499456</a:t>
+                      </a:r>
+                    </a:p>
+                  </a:txBody>
+                  <a:tcPr anchor="ctr"/>
+                </a:tc>
+                <a:extLst>
+                  <a:ext uri="{0D108BD9-81ED-4DB2-BD59-A6C34878D82A}">
+                    <a16:rowId xmlns:a16="http://schemas.microsoft.com/office/drawing/2014/main" val="4216835995"/>
+                  </a:ext>
+                </a:extLst>
+              </a:tr>
+              <a:tr h="413443">
+                <a:tc>
+                  <a:txBody>
+                    <a:bodyPr/>
+                    <a:lstStyle/>
+                    <a:p>
+                      <a:pPr algn="r" fontAlgn="ctr"/>
+                      <a:r>
+                        <a:rPr lang="en-GB" sz="2000" b="1">
+                          <a:effectLst/>
+                        </a:rPr>
+                        <a:t>Barock/Aufklärung</a:t>
+                      </a:r>
+                    </a:p>
+                  </a:txBody>
+                  <a:tcPr anchor="ctr"/>
+                </a:tc>
+                <a:tc>
+                  <a:txBody>
+                    <a:bodyPr/>
+                    <a:lstStyle/>
+                    <a:p>
+                      <a:pPr algn="r" fontAlgn="ctr"/>
+                      <a:r>
+                        <a:rPr lang="en-DE" sz="2000">
+                          <a:effectLst/>
+                        </a:rPr>
+                        <a:t>0.541105</a:t>
+                      </a:r>
+                    </a:p>
+                  </a:txBody>
+                  <a:tcPr anchor="ctr"/>
+                </a:tc>
+                <a:tc>
+                  <a:txBody>
+                    <a:bodyPr/>
+                    <a:lstStyle/>
+                    <a:p>
+                      <a:pPr algn="r" fontAlgn="ctr"/>
+                      <a:r>
+                        <a:rPr lang="en-DE" sz="2000" dirty="0">
+                          <a:effectLst/>
+                        </a:rPr>
+                        <a:t>0.530550</a:t>
+                      </a:r>
+                    </a:p>
+                  </a:txBody>
+                  <a:tcPr anchor="ctr"/>
+                </a:tc>
+                <a:tc>
+                  <a:txBody>
+                    <a:bodyPr/>
+                    <a:lstStyle/>
+                    <a:p>
+                      <a:pPr algn="r" fontAlgn="ctr"/>
+                      <a:r>
+                        <a:rPr lang="en-DE" sz="2000" dirty="0">
+                          <a:effectLst/>
+                        </a:rPr>
+                        <a:t>0.374712</a:t>
+                      </a:r>
+                    </a:p>
+                  </a:txBody>
+                  <a:tcPr anchor="ctr"/>
+                </a:tc>
+                <a:tc>
+                  <a:txBody>
+                    <a:bodyPr/>
+                    <a:lstStyle/>
+                    <a:p>
+                      <a:pPr algn="r" fontAlgn="ctr"/>
+                      <a:r>
+                        <a:rPr lang="en-DE" sz="2000" dirty="0">
+                          <a:effectLst/>
+                        </a:rPr>
+                        <a:t>0.380885</a:t>
+                      </a:r>
+                    </a:p>
+                  </a:txBody>
+                  <a:tcPr anchor="ctr"/>
+                </a:tc>
+                <a:extLst>
+                  <a:ext uri="{0D108BD9-81ED-4DB2-BD59-A6C34878D82A}">
+                    <a16:rowId xmlns:a16="http://schemas.microsoft.com/office/drawing/2014/main" val="3160914534"/>
+                  </a:ext>
+                </a:extLst>
+              </a:tr>
+            </a:tbl>
+          </a:graphicData>
+        </a:graphic>
+      </p:graphicFrame>
+      <p:cxnSp>
+        <p:nvCxnSpPr>
+          <p:cNvPr id="9" name="Straight Connector 8">
+            <a:extLst>
+              <a:ext uri="{FF2B5EF4-FFF2-40B4-BE49-F238E27FC236}">
+                <a16:creationId xmlns:a16="http://schemas.microsoft.com/office/drawing/2014/main" id="{A5819989-B927-2242-B1C1-3CF654B9CE66}"/>
+              </a:ext>
+            </a:extLst>
+          </p:cNvPr>
+          <p:cNvCxnSpPr>
+            <a:cxnSpLocks/>
+          </p:cNvCxnSpPr>
+          <p:nvPr/>
+        </p:nvCxnSpPr>
+        <p:spPr>
+          <a:xfrm>
+            <a:off x="7637929" y="2820469"/>
+            <a:ext cx="0" cy="3450708"/>
+          </a:xfrm>
+          <a:prstGeom prst="line">
+            <a:avLst/>
+          </a:prstGeom>
+          <a:ln w="38100"/>
+        </p:spPr>
+        <p:style>
+          <a:lnRef idx="1">
+            <a:schemeClr val="dk1"/>
+          </a:lnRef>
+          <a:fillRef idx="0">
+            <a:schemeClr val="dk1"/>
+          </a:fillRef>
+          <a:effectRef idx="0">
+            <a:schemeClr val="dk1"/>
+          </a:effectRef>
+          <a:fontRef idx="minor">
+            <a:schemeClr val="tx1"/>
+          </a:fontRef>
+        </p:style>
+      </p:cxnSp>
+    </p:spTree>
+    <p:extLst>
+      <p:ext uri="{BB962C8B-B14F-4D97-AF65-F5344CB8AC3E}">
+        <p14:creationId xmlns:p14="http://schemas.microsoft.com/office/powerpoint/2010/main" val="289864145"/>
+      </p:ext>
+    </p:extLst>
+  </p:cSld>
+  <p:clrMapOvr>
+    <a:masterClrMapping/>
+  </p:clrMapOvr>
+</p:sld>
+</file>
+
+<file path=ppt/slides/slide26.xml><?xml version="1.0" encoding="utf-8"?>
+<p:sld xmlns:a="http://schemas.openxmlformats.org/drawingml/2006/main" xmlns:r="http://schemas.openxmlformats.org/officeDocument/2006/relationships" xmlns:p="http://schemas.openxmlformats.org/presentationml/2006/main" show="0">
+  <p:cSld>
+    <p:bg>
+      <p:bgPr>
+        <a:solidFill>
+          <a:schemeClr val="bg1"/>
+        </a:solidFill>
+        <a:effectLst/>
+      </p:bgPr>
+    </p:bg>
+    <p:spTree>
+      <p:nvGrpSpPr>
+        <p:cNvPr id="1" name=""/>
+        <p:cNvGrpSpPr/>
+        <p:nvPr/>
+      </p:nvGrpSpPr>
+      <p:grpSpPr>
+        <a:xfrm>
+          <a:off x="0" y="0"/>
+          <a:ext cx="0" cy="0"/>
+          <a:chOff x="0" y="0"/>
+          <a:chExt cx="0" cy="0"/>
+        </a:xfrm>
+      </p:grpSpPr>
+      <p:sp useBgFill="1">
+        <p:nvSpPr>
+          <p:cNvPr id="51" name="Rectangle 50">
+            <a:extLst>
+              <a:ext uri="{FF2B5EF4-FFF2-40B4-BE49-F238E27FC236}">
+                <a16:creationId xmlns:a16="http://schemas.microsoft.com/office/drawing/2014/main" id="{2550BE34-C2B8-49B8-8519-67A8CAD51AE9}"/>
+              </a:ext>
+              <a:ext uri="{C183D7F6-B498-43B3-948B-1728B52AA6E4}">
+                <adec:decorative xmlns:adec="http://schemas.microsoft.com/office/drawing/2017/decorative" val="1"/>
+              </a:ext>
+            </a:extLst>
+          </p:cNvPr>
+          <p:cNvSpPr>
+            <a:spLocks noGrp="1" noRot="1" noChangeAspect="1" noMove="1" noResize="1" noEditPoints="1" noAdjustHandles="1" noChangeArrowheads="1" noChangeShapeType="1" noTextEdit="1"/>
+          </p:cNvSpPr>
+          <p:nvPr>
+            <p:extLst>
+              <p:ext uri="{386F3935-93C4-4BCD-93E2-E3B085C9AB24}">
+                <p16:designElem xmlns:p16="http://schemas.microsoft.com/office/powerpoint/2015/main" val="1"/>
+              </p:ext>
+            </p:extLst>
+          </p:nvPr>
+        </p:nvSpPr>
+        <p:spPr>
+          <a:xfrm>
+            <a:off x="0" y="0"/>
+            <a:ext cx="12192000" cy="6858000"/>
+          </a:xfrm>
+          <a:prstGeom prst="rect">
+            <a:avLst/>
+          </a:prstGeom>
+          <a:ln>
+            <a:noFill/>
+          </a:ln>
+        </p:spPr>
+        <p:style>
+          <a:lnRef idx="2">
+            <a:schemeClr val="accent1">
+              <a:shade val="50000"/>
+            </a:schemeClr>
+          </a:lnRef>
+          <a:fillRef idx="1">
+            <a:schemeClr val="accent1"/>
+          </a:fillRef>
+          <a:effectRef idx="0">
+            <a:schemeClr val="accent1"/>
+          </a:effectRef>
+          <a:fontRef idx="minor">
+            <a:schemeClr val="lt1"/>
+          </a:fontRef>
+        </p:style>
+        <p:txBody>
+          <a:bodyPr rtlCol="0" anchor="ctr"/>
+          <a:lstStyle/>
+          <a:p>
+            <a:pPr algn="ctr"/>
+            <a:endParaRPr lang="en-US"/>
+          </a:p>
+        </p:txBody>
+      </p:sp>
+      <p:sp useBgFill="1">
+        <p:nvSpPr>
+          <p:cNvPr id="53" name="Rectangle 52">
+            <a:extLst>
+              <a:ext uri="{FF2B5EF4-FFF2-40B4-BE49-F238E27FC236}">
+                <a16:creationId xmlns:a16="http://schemas.microsoft.com/office/drawing/2014/main" id="{A7457DD9-5A45-400A-AB4B-4B4EDECA25F1}"/>
+              </a:ext>
+              <a:ext uri="{C183D7F6-B498-43B3-948B-1728B52AA6E4}">
+                <adec:decorative xmlns:adec="http://schemas.microsoft.com/office/drawing/2017/decorative" val="1"/>
+              </a:ext>
+            </a:extLst>
+          </p:cNvPr>
+          <p:cNvSpPr>
+            <a:spLocks noGrp="1" noRot="1" noChangeAspect="1" noMove="1" noResize="1" noEditPoints="1" noAdjustHandles="1" noChangeArrowheads="1" noChangeShapeType="1" noTextEdit="1"/>
+          </p:cNvSpPr>
+          <p:nvPr>
+            <p:extLst>
+              <p:ext uri="{386F3935-93C4-4BCD-93E2-E3B085C9AB24}">
+                <p16:designElem xmlns:p16="http://schemas.microsoft.com/office/powerpoint/2015/main" val="1"/>
+              </p:ext>
+            </p:extLst>
+          </p:nvPr>
+        </p:nvSpPr>
+        <p:spPr>
+          <a:xfrm>
+            <a:off x="554416" y="365125"/>
+            <a:ext cx="11167447" cy="2089317"/>
+          </a:xfrm>
+          <a:prstGeom prst="rect">
+            <a:avLst/>
+          </a:prstGeom>
+          <a:ln w="12700">
+            <a:solidFill>
+              <a:schemeClr val="tx2">
+                <a:lumMod val="10000"/>
+                <a:lumOff val="90000"/>
+              </a:schemeClr>
+            </a:solidFill>
+          </a:ln>
+          <a:effectLst>
+            <a:outerShdw blurRad="50800" dist="38100" dir="2700000" algn="tl" rotWithShape="0">
+              <a:schemeClr val="bg2">
+                <a:lumMod val="85000"/>
+                <a:alpha val="30000"/>
+              </a:schemeClr>
+            </a:outerShdw>
+          </a:effectLst>
+        </p:spPr>
+        <p:style>
+          <a:lnRef idx="2">
+            <a:schemeClr val="accent1">
+              <a:shade val="50000"/>
+            </a:schemeClr>
+          </a:lnRef>
+          <a:fillRef idx="1">
+            <a:schemeClr val="accent1"/>
+          </a:fillRef>
+          <a:effectRef idx="0">
+            <a:schemeClr val="accent1"/>
+          </a:effectRef>
+          <a:fontRef idx="minor">
+            <a:schemeClr val="lt1"/>
+          </a:fontRef>
+        </p:style>
+        <p:txBody>
+          <a:bodyPr rtlCol="0" anchor="ctr"/>
+          <a:lstStyle/>
+          <a:p>
+            <a:pPr marL="0" marR="0" lvl="0" indent="0" algn="ctr" defTabSz="914400" rtl="0" eaLnBrk="1" fontAlgn="auto" latinLnBrk="0" hangingPunct="1">
+              <a:lnSpc>
+                <a:spcPct val="100000"/>
+              </a:lnSpc>
+              <a:spcBef>
+                <a:spcPts val="0"/>
+              </a:spcBef>
+              <a:spcAft>
+                <a:spcPts val="0"/>
+              </a:spcAft>
+              <a:buClrTx/>
+              <a:buSzTx/>
+              <a:buFontTx/>
+              <a:buNone/>
+              <a:tabLst/>
+              <a:defRPr/>
+            </a:pPr>
+            <a:endParaRPr kumimoji="0" lang="en-US" sz="1800" b="0" i="0" u="none" strike="noStrike" kern="1200" cap="none" spc="0" normalizeH="0" baseline="0" noProof="0">
+              <a:ln>
+                <a:noFill/>
+              </a:ln>
+              <a:solidFill>
+                <a:prstClr val="white"/>
+              </a:solidFill>
+              <a:effectLst/>
+              <a:uLnTx/>
+              <a:uFillTx/>
+              <a:latin typeface="Calibri" panose="020F0502020204030204"/>
+              <a:ea typeface="+mn-ea"/>
+              <a:cs typeface="+mn-cs"/>
+            </a:endParaRPr>
+          </a:p>
+        </p:txBody>
+      </p:sp>
+      <p:sp>
+        <p:nvSpPr>
+          <p:cNvPr id="3" name="Title 2">
+            <a:extLst>
+              <a:ext uri="{FF2B5EF4-FFF2-40B4-BE49-F238E27FC236}">
+                <a16:creationId xmlns:a16="http://schemas.microsoft.com/office/drawing/2014/main" id="{2B0244FE-E892-4648-B9A2-7F22D047434E}"/>
+              </a:ext>
+            </a:extLst>
+          </p:cNvPr>
+          <p:cNvSpPr>
+            <a:spLocks noGrp="1"/>
+          </p:cNvSpPr>
+          <p:nvPr>
+            <p:ph type="title"/>
+          </p:nvPr>
+        </p:nvSpPr>
+        <p:spPr>
+          <a:xfrm>
+            <a:off x="1046746" y="586822"/>
+            <a:ext cx="3748339" cy="1645920"/>
+          </a:xfrm>
+        </p:spPr>
+        <p:txBody>
+          <a:bodyPr vert="horz" lIns="91440" tIns="45720" rIns="91440" bIns="45720" rtlCol="0" anchor="ctr">
+            <a:normAutofit/>
+          </a:bodyPr>
+          <a:lstStyle/>
+          <a:p>
+            <a:r>
+              <a:rPr lang="en-US" sz="3200" b="1" dirty="0"/>
+              <a:t>K-Means 		(I) </a:t>
+            </a:r>
+            <a:br>
+              <a:rPr lang="en-US" sz="3200" b="1" dirty="0"/>
+            </a:br>
+            <a:r>
+              <a:rPr lang="en-US" sz="3200" b="1" dirty="0"/>
+              <a:t>DBSCAN</a:t>
+            </a:r>
+          </a:p>
+        </p:txBody>
+      </p:sp>
+      <p:sp>
+        <p:nvSpPr>
+          <p:cNvPr id="55" name="Rectangle 54">
+            <a:extLst>
+              <a:ext uri="{FF2B5EF4-FFF2-40B4-BE49-F238E27FC236}">
+                <a16:creationId xmlns:a16="http://schemas.microsoft.com/office/drawing/2014/main" id="{441CF7D6-A660-431A-B0BB-140A0D5556B6}"/>
+              </a:ext>
+              <a:ext uri="{C183D7F6-B498-43B3-948B-1728B52AA6E4}">
+                <adec:decorative xmlns:adec="http://schemas.microsoft.com/office/drawing/2017/decorative" val="1"/>
+              </a:ext>
+            </a:extLst>
+          </p:cNvPr>
+          <p:cNvSpPr>
+            <a:spLocks noGrp="1" noRot="1" noChangeAspect="1" noMove="1" noResize="1" noEditPoints="1" noAdjustHandles="1" noChangeArrowheads="1" noChangeShapeType="1" noTextEdit="1"/>
+          </p:cNvSpPr>
+          <p:nvPr>
+            <p:extLst>
+              <p:ext uri="{386F3935-93C4-4BCD-93E2-E3B085C9AB24}">
+                <p16:designElem xmlns:p16="http://schemas.microsoft.com/office/powerpoint/2015/main" val="1"/>
+              </p:ext>
+            </p:extLst>
+          </p:nvPr>
+        </p:nvSpPr>
+        <p:spPr>
+          <a:xfrm>
+            <a:off x="490408" y="1057739"/>
+            <a:ext cx="128016" cy="704088"/>
+          </a:xfrm>
+          <a:prstGeom prst="rect">
+            <a:avLst/>
+          </a:prstGeom>
+          <a:solidFill>
+            <a:schemeClr val="accent1"/>
+          </a:solidFill>
+          <a:ln>
+            <a:noFill/>
+          </a:ln>
+        </p:spPr>
+        <p:style>
+          <a:lnRef idx="2">
+            <a:schemeClr val="accent1">
+              <a:shade val="50000"/>
+            </a:schemeClr>
+          </a:lnRef>
+          <a:fillRef idx="1">
+            <a:schemeClr val="accent1"/>
+          </a:fillRef>
+          <a:effectRef idx="0">
+            <a:schemeClr val="accent1"/>
+          </a:effectRef>
+          <a:fontRef idx="minor">
+            <a:schemeClr val="lt1"/>
+          </a:fontRef>
+        </p:style>
+        <p:txBody>
+          <a:bodyPr rtlCol="0" anchor="ctr"/>
+          <a:lstStyle/>
+          <a:p>
+            <a:pPr marL="0" marR="0" lvl="0" indent="0" algn="ctr" defTabSz="914400" rtl="0" eaLnBrk="1" fontAlgn="auto" latinLnBrk="0" hangingPunct="1">
+              <a:lnSpc>
+                <a:spcPct val="100000"/>
+              </a:lnSpc>
+              <a:spcBef>
+                <a:spcPts val="0"/>
+              </a:spcBef>
+              <a:spcAft>
+                <a:spcPts val="0"/>
+              </a:spcAft>
+              <a:buClrTx/>
+              <a:buSzTx/>
+              <a:buFontTx/>
+              <a:buNone/>
+              <a:tabLst/>
+              <a:defRPr/>
+            </a:pPr>
+            <a:endParaRPr kumimoji="0" lang="en-US" sz="1800" b="0" i="0" u="none" strike="noStrike" kern="1200" cap="none" spc="0" normalizeH="0" baseline="0" noProof="0" dirty="0">
+              <a:ln>
+                <a:noFill/>
+              </a:ln>
+              <a:solidFill>
+                <a:prstClr val="white"/>
+              </a:solidFill>
+              <a:effectLst/>
+              <a:uLnTx/>
+              <a:uFillTx/>
+              <a:latin typeface="Calibri" panose="020F0502020204030204"/>
+              <a:ea typeface="+mn-ea"/>
+              <a:cs typeface="+mn-cs"/>
+            </a:endParaRPr>
+          </a:p>
+        </p:txBody>
+      </p:sp>
+      <p:sp>
+        <p:nvSpPr>
+          <p:cNvPr id="57" name="Rectangle 56">
+            <a:extLst>
+              <a:ext uri="{FF2B5EF4-FFF2-40B4-BE49-F238E27FC236}">
+                <a16:creationId xmlns:a16="http://schemas.microsoft.com/office/drawing/2014/main" id="{0570A85B-3810-4F95-97B0-CBF4CCDB381C}"/>
+              </a:ext>
+              <a:ext uri="{C183D7F6-B498-43B3-948B-1728B52AA6E4}">
+                <adec:decorative xmlns:adec="http://schemas.microsoft.com/office/drawing/2017/decorative" val="1"/>
+              </a:ext>
+            </a:extLst>
+          </p:cNvPr>
+          <p:cNvSpPr>
+            <a:spLocks noGrp="1" noRot="1" noChangeAspect="1" noMove="1" noResize="1" noEditPoints="1" noAdjustHandles="1" noChangeArrowheads="1" noChangeShapeType="1" noTextEdit="1"/>
+          </p:cNvSpPr>
+          <p:nvPr>
+            <p:extLst>
+              <p:ext uri="{386F3935-93C4-4BCD-93E2-E3B085C9AB24}">
+                <p16:designElem xmlns:p16="http://schemas.microsoft.com/office/powerpoint/2015/main" val="1"/>
+              </p:ext>
+            </p:extLst>
+          </p:nvPr>
+        </p:nvSpPr>
+        <p:spPr>
+          <a:xfrm rot="5400000">
+            <a:off x="4248113" y="1405210"/>
+            <a:ext cx="1463040" cy="9144"/>
+          </a:xfrm>
+          <a:prstGeom prst="rect">
+            <a:avLst/>
+          </a:prstGeom>
+          <a:solidFill>
+            <a:schemeClr val="tx2">
+              <a:lumMod val="25000"/>
+              <a:lumOff val="75000"/>
+            </a:schemeClr>
+          </a:solidFill>
+          <a:ln w="3175">
+            <a:noFill/>
+          </a:ln>
+          <a:effectLst/>
+        </p:spPr>
+        <p:style>
+          <a:lnRef idx="2">
+            <a:schemeClr val="accent1">
+              <a:shade val="50000"/>
+            </a:schemeClr>
+          </a:lnRef>
+          <a:fillRef idx="1">
+            <a:schemeClr val="accent1"/>
+          </a:fillRef>
+          <a:effectRef idx="0">
+            <a:schemeClr val="accent1"/>
+          </a:effectRef>
+          <a:fontRef idx="minor">
+            <a:schemeClr val="lt1"/>
+          </a:fontRef>
+        </p:style>
+        <p:txBody>
+          <a:bodyPr rtlCol="0" anchor="ctr"/>
+          <a:lstStyle/>
+          <a:p>
+            <a:pPr marL="0" marR="0" lvl="0" indent="0" algn="ctr" defTabSz="914400" rtl="0" eaLnBrk="1" fontAlgn="auto" latinLnBrk="0" hangingPunct="1">
+              <a:lnSpc>
+                <a:spcPct val="100000"/>
+              </a:lnSpc>
+              <a:spcBef>
+                <a:spcPts val="0"/>
+              </a:spcBef>
+              <a:spcAft>
+                <a:spcPts val="0"/>
+              </a:spcAft>
+              <a:buClrTx/>
+              <a:buSzTx/>
+              <a:buFontTx/>
+              <a:buNone/>
+              <a:tabLst/>
+              <a:defRPr/>
+            </a:pPr>
+            <a:endParaRPr kumimoji="0" lang="en-US" sz="1800" b="0" i="0" u="none" strike="noStrike" kern="1200" cap="none" spc="0" normalizeH="0" baseline="0" noProof="0">
+              <a:ln>
+                <a:noFill/>
+              </a:ln>
+              <a:solidFill>
+                <a:prstClr val="white"/>
+              </a:solidFill>
+              <a:effectLst/>
+              <a:uLnTx/>
+              <a:uFillTx/>
+              <a:latin typeface="Calibri" panose="020F0502020204030204"/>
+              <a:ea typeface="+mn-ea"/>
+              <a:cs typeface="+mn-cs"/>
+            </a:endParaRPr>
+          </a:p>
+        </p:txBody>
+      </p:sp>
+      <p:sp>
+        <p:nvSpPr>
+          <p:cNvPr id="6" name="TextBox 5">
+            <a:extLst>
+              <a:ext uri="{FF2B5EF4-FFF2-40B4-BE49-F238E27FC236}">
+                <a16:creationId xmlns:a16="http://schemas.microsoft.com/office/drawing/2014/main" id="{68E267DE-B0A6-1F4B-BCC7-2FAF9305A326}"/>
+              </a:ext>
+            </a:extLst>
+          </p:cNvPr>
+          <p:cNvSpPr txBox="1"/>
+          <p:nvPr/>
+        </p:nvSpPr>
+        <p:spPr>
+          <a:xfrm>
+            <a:off x="4804229" y="586822"/>
+            <a:ext cx="6720114" cy="1867620"/>
+          </a:xfrm>
+          <a:prstGeom prst="rect">
+            <a:avLst/>
+          </a:prstGeom>
+        </p:spPr>
+        <p:txBody>
+          <a:bodyPr vert="horz" lIns="91440" tIns="45720" rIns="91440" bIns="45720" numCol="2" rtlCol="0" anchor="ctr">
+            <a:normAutofit/>
+          </a:bodyPr>
+          <a:lstStyle/>
+          <a:p>
+            <a:pPr marL="457200" indent="-228600">
+              <a:spcAft>
+                <a:spcPts val="600"/>
+              </a:spcAft>
+              <a:buFont typeface="Arial" panose="020B0604020202020204" pitchFamily="34" charset="0"/>
+              <a:buChar char="•"/>
+            </a:pPr>
+            <a:r>
+              <a:rPr lang="de-DE" dirty="0"/>
+              <a:t>Einteilung nach </a:t>
+            </a:r>
+            <a:r>
+              <a:rPr lang="de-DE" i="1" dirty="0"/>
+              <a:t>AMANN</a:t>
+            </a:r>
+            <a:endParaRPr lang="de-DE" b="1" i="1" dirty="0"/>
+          </a:p>
+          <a:p>
+            <a:pPr marL="457200" indent="-228600">
+              <a:spcAft>
+                <a:spcPts val="600"/>
+              </a:spcAft>
+              <a:buFont typeface="Arial" panose="020B0604020202020204" pitchFamily="34" charset="0"/>
+              <a:buChar char="•"/>
+            </a:pPr>
+            <a:r>
+              <a:rPr lang="de-DE" dirty="0"/>
+              <a:t>ohne Dimensionsreduktion</a:t>
+            </a:r>
+          </a:p>
+          <a:p>
+            <a:pPr marL="457200" indent="-228600">
+              <a:spcAft>
+                <a:spcPts val="600"/>
+              </a:spcAft>
+              <a:buFont typeface="Arial" panose="020B0604020202020204" pitchFamily="34" charset="0"/>
+              <a:buChar char="•"/>
+            </a:pPr>
+            <a:r>
+              <a:rPr lang="de-DE" dirty="0"/>
+              <a:t>Ohne Epoche „Sturm &amp; Drang“</a:t>
+            </a:r>
+          </a:p>
+          <a:p>
+            <a:pPr marL="457200" indent="-228600">
+              <a:spcAft>
+                <a:spcPts val="600"/>
+              </a:spcAft>
+              <a:buFont typeface="Arial" panose="020B0604020202020204" pitchFamily="34" charset="0"/>
+              <a:buChar char="•"/>
+            </a:pPr>
+            <a:r>
+              <a:rPr lang="de-DE" dirty="0" err="1"/>
+              <a:t>Lowercase</a:t>
+            </a:r>
+            <a:endParaRPr lang="de-DE" dirty="0"/>
+          </a:p>
+          <a:p>
+            <a:pPr marL="457200" indent="-228600">
+              <a:spcAft>
+                <a:spcPts val="600"/>
+              </a:spcAft>
+              <a:buFont typeface="Arial" panose="020B0604020202020204" pitchFamily="34" charset="0"/>
+              <a:buChar char="•"/>
+            </a:pPr>
+            <a:r>
+              <a:rPr lang="de-DE" dirty="0"/>
+              <a:t>Stoppwörter </a:t>
+            </a:r>
+            <a:r>
+              <a:rPr lang="de-DE" u="sng" dirty="0"/>
+              <a:t>entfernt</a:t>
+            </a:r>
+            <a:endParaRPr lang="de-DE" dirty="0"/>
+          </a:p>
+          <a:p>
+            <a:pPr marL="457200" indent="-228600">
+              <a:spcAft>
+                <a:spcPts val="600"/>
+              </a:spcAft>
+              <a:buFont typeface="Arial" panose="020B0604020202020204" pitchFamily="34" charset="0"/>
+              <a:buChar char="•"/>
+            </a:pPr>
+            <a:r>
+              <a:rPr lang="de-DE" dirty="0"/>
+              <a:t>10000 mf</a:t>
+            </a:r>
+          </a:p>
+        </p:txBody>
+      </p:sp>
+      <p:graphicFrame>
+        <p:nvGraphicFramePr>
+          <p:cNvPr id="2" name="Table 1">
+            <a:extLst>
+              <a:ext uri="{FF2B5EF4-FFF2-40B4-BE49-F238E27FC236}">
+                <a16:creationId xmlns:a16="http://schemas.microsoft.com/office/drawing/2014/main" id="{A0E9A13A-9520-0146-9DA9-25D7F9C6A691}"/>
+              </a:ext>
+            </a:extLst>
+          </p:cNvPr>
+          <p:cNvGraphicFramePr>
+            <a:graphicFrameLocks noGrp="1"/>
+          </p:cNvGraphicFramePr>
+          <p:nvPr/>
         </p:nvGraphicFramePr>
         <p:xfrm>
           <a:off x="618423" y="2833916"/>
@@ -13493,7 +15224,7 @@
     </p:spTree>
     <p:extLst>
       <p:ext uri="{BB962C8B-B14F-4D97-AF65-F5344CB8AC3E}">
-        <p14:creationId xmlns:p14="http://schemas.microsoft.com/office/powerpoint/2010/main" val="289864145"/>
+        <p14:creationId xmlns:p14="http://schemas.microsoft.com/office/powerpoint/2010/main" val="3094846027"/>
       </p:ext>
     </p:extLst>
   </p:cSld>
@@ -13503,7 +15234,7 @@
 </p:sld>
 </file>
 
-<file path=ppt/slides/slide26.xml><?xml version="1.0" encoding="utf-8"?>
+<file path=ppt/slides/slide27.xml><?xml version="1.0" encoding="utf-8"?>
 <p:sld xmlns:a="http://schemas.openxmlformats.org/drawingml/2006/main" xmlns:r="http://schemas.openxmlformats.org/officeDocument/2006/relationships" xmlns:p="http://schemas.openxmlformats.org/presentationml/2006/main">
   <p:cSld>
     <p:bg>
@@ -14900,7 +16631,7 @@
 </p:sld>
 </file>
 
-<file path=ppt/slides/slide27.xml><?xml version="1.0" encoding="utf-8"?>
+<file path=ppt/slides/slide28.xml><?xml version="1.0" encoding="utf-8"?>
 <p:sld xmlns:a="http://schemas.openxmlformats.org/drawingml/2006/main" xmlns:r="http://schemas.openxmlformats.org/officeDocument/2006/relationships" xmlns:p="http://schemas.openxmlformats.org/presentationml/2006/main">
   <p:cSld>
     <p:spTree>
@@ -15476,161 +17207,6 @@
     <p:extLst>
       <p:ext uri="{BB962C8B-B14F-4D97-AF65-F5344CB8AC3E}">
         <p14:creationId xmlns:p14="http://schemas.microsoft.com/office/powerpoint/2010/main" val="3138857705"/>
-      </p:ext>
-    </p:extLst>
-  </p:cSld>
-  <p:clrMapOvr>
-    <a:masterClrMapping/>
-  </p:clrMapOvr>
-</p:sld>
-</file>
-
-<file path=ppt/slides/slide28.xml><?xml version="1.0" encoding="utf-8"?>
-<p:sld xmlns:a="http://schemas.openxmlformats.org/drawingml/2006/main" xmlns:r="http://schemas.openxmlformats.org/officeDocument/2006/relationships" xmlns:p="http://schemas.openxmlformats.org/presentationml/2006/main">
-  <p:cSld>
-    <p:spTree>
-      <p:nvGrpSpPr>
-        <p:cNvPr id="1" name=""/>
-        <p:cNvGrpSpPr/>
-        <p:nvPr/>
-      </p:nvGrpSpPr>
-      <p:grpSpPr>
-        <a:xfrm>
-          <a:off x="0" y="0"/>
-          <a:ext cx="0" cy="0"/>
-          <a:chOff x="0" y="0"/>
-          <a:chExt cx="0" cy="0"/>
-        </a:xfrm>
-      </p:grpSpPr>
-      <p:sp>
-        <p:nvSpPr>
-          <p:cNvPr id="2" name="Title 1">
-            <a:extLst>
-              <a:ext uri="{FF2B5EF4-FFF2-40B4-BE49-F238E27FC236}">
-                <a16:creationId xmlns:a16="http://schemas.microsoft.com/office/drawing/2014/main" id="{84192DD9-6C29-3E43-A218-EC0292BFDD3E}"/>
-              </a:ext>
-            </a:extLst>
-          </p:cNvPr>
-          <p:cNvSpPr>
-            <a:spLocks noGrp="1"/>
-          </p:cNvSpPr>
-          <p:nvPr>
-            <p:ph type="title"/>
-          </p:nvPr>
-        </p:nvSpPr>
-        <p:spPr/>
-        <p:txBody>
-          <a:bodyPr/>
-          <a:lstStyle/>
-          <a:p>
-            <a:endParaRPr lang="de-DE"/>
-          </a:p>
-        </p:txBody>
-      </p:sp>
-      <p:sp>
-        <p:nvSpPr>
-          <p:cNvPr id="3" name="Text Placeholder 2">
-            <a:extLst>
-              <a:ext uri="{FF2B5EF4-FFF2-40B4-BE49-F238E27FC236}">
-                <a16:creationId xmlns:a16="http://schemas.microsoft.com/office/drawing/2014/main" id="{AA894FCA-8DDF-204E-A808-D8DDAF10A253}"/>
-              </a:ext>
-            </a:extLst>
-          </p:cNvPr>
-          <p:cNvSpPr>
-            <a:spLocks noGrp="1"/>
-          </p:cNvSpPr>
-          <p:nvPr>
-            <p:ph type="body" idx="1"/>
-          </p:nvPr>
-        </p:nvSpPr>
-        <p:spPr/>
-        <p:txBody>
-          <a:bodyPr/>
-          <a:lstStyle/>
-          <a:p>
-            <a:endParaRPr lang="de-DE"/>
-          </a:p>
-        </p:txBody>
-      </p:sp>
-      <p:sp>
-        <p:nvSpPr>
-          <p:cNvPr id="4" name="Content Placeholder 3">
-            <a:extLst>
-              <a:ext uri="{FF2B5EF4-FFF2-40B4-BE49-F238E27FC236}">
-                <a16:creationId xmlns:a16="http://schemas.microsoft.com/office/drawing/2014/main" id="{C48568A1-CA98-CD4C-B3D3-37282410C273}"/>
-              </a:ext>
-            </a:extLst>
-          </p:cNvPr>
-          <p:cNvSpPr>
-            <a:spLocks noGrp="1"/>
-          </p:cNvSpPr>
-          <p:nvPr>
-            <p:ph sz="half" idx="2"/>
-          </p:nvPr>
-        </p:nvSpPr>
-        <p:spPr/>
-        <p:txBody>
-          <a:bodyPr/>
-          <a:lstStyle/>
-          <a:p>
-            <a:endParaRPr lang="de-DE"/>
-          </a:p>
-        </p:txBody>
-      </p:sp>
-      <p:sp>
-        <p:nvSpPr>
-          <p:cNvPr id="5" name="Text Placeholder 4">
-            <a:extLst>
-              <a:ext uri="{FF2B5EF4-FFF2-40B4-BE49-F238E27FC236}">
-                <a16:creationId xmlns:a16="http://schemas.microsoft.com/office/drawing/2014/main" id="{33AA29FF-2B50-4146-AD5D-D12248ADB4FD}"/>
-              </a:ext>
-            </a:extLst>
-          </p:cNvPr>
-          <p:cNvSpPr>
-            <a:spLocks noGrp="1"/>
-          </p:cNvSpPr>
-          <p:nvPr>
-            <p:ph type="body" sz="quarter" idx="3"/>
-          </p:nvPr>
-        </p:nvSpPr>
-        <p:spPr/>
-        <p:txBody>
-          <a:bodyPr/>
-          <a:lstStyle/>
-          <a:p>
-            <a:endParaRPr lang="de-DE"/>
-          </a:p>
-        </p:txBody>
-      </p:sp>
-      <p:sp>
-        <p:nvSpPr>
-          <p:cNvPr id="6" name="Content Placeholder 5">
-            <a:extLst>
-              <a:ext uri="{FF2B5EF4-FFF2-40B4-BE49-F238E27FC236}">
-                <a16:creationId xmlns:a16="http://schemas.microsoft.com/office/drawing/2014/main" id="{E193ED27-C0E0-A94D-A194-919157A28ADC}"/>
-              </a:ext>
-            </a:extLst>
-          </p:cNvPr>
-          <p:cNvSpPr>
-            <a:spLocks noGrp="1"/>
-          </p:cNvSpPr>
-          <p:nvPr>
-            <p:ph sz="quarter" idx="4"/>
-          </p:nvPr>
-        </p:nvSpPr>
-        <p:spPr/>
-        <p:txBody>
-          <a:bodyPr/>
-          <a:lstStyle/>
-          <a:p>
-            <a:endParaRPr lang="de-DE"/>
-          </a:p>
-        </p:txBody>
-      </p:sp>
-    </p:spTree>
-    <p:extLst>
-      <p:ext uri="{BB962C8B-B14F-4D97-AF65-F5344CB8AC3E}">
-        <p14:creationId xmlns:p14="http://schemas.microsoft.com/office/powerpoint/2010/main" val="3607265043"/>
       </p:ext>
     </p:extLst>
   </p:cSld>
@@ -15662,7 +17238,7 @@
           <p:cNvPr id="2" name="Title 1">
             <a:extLst>
               <a:ext uri="{FF2B5EF4-FFF2-40B4-BE49-F238E27FC236}">
-                <a16:creationId xmlns:a16="http://schemas.microsoft.com/office/drawing/2014/main" id="{E81164C1-BB68-F748-BB86-1C0705BD6E52}"/>
+                <a16:creationId xmlns:a16="http://schemas.microsoft.com/office/drawing/2014/main" id="{DCBE102F-D2BB-3946-AEF1-AE93DF5165E5}"/>
               </a:ext>
             </a:extLst>
           </p:cNvPr>
@@ -15675,117 +17251,46 @@
         </p:nvSpPr>
         <p:spPr/>
         <p:txBody>
-          <a:bodyPr/>
+          <a:bodyPr>
+            <a:normAutofit/>
+          </a:bodyPr>
           <a:lstStyle/>
           <a:p>
-            <a:endParaRPr lang="de-DE"/>
-          </a:p>
-        </p:txBody>
-      </p:sp>
-      <p:sp>
-        <p:nvSpPr>
-          <p:cNvPr id="3" name="Text Placeholder 2">
-            <a:extLst>
-              <a:ext uri="{FF2B5EF4-FFF2-40B4-BE49-F238E27FC236}">
-                <a16:creationId xmlns:a16="http://schemas.microsoft.com/office/drawing/2014/main" id="{6B8E931C-F7EC-2344-B73C-F5A7A2B7897A}"/>
-              </a:ext>
-            </a:extLst>
-          </p:cNvPr>
-          <p:cNvSpPr>
-            <a:spLocks noGrp="1"/>
-          </p:cNvSpPr>
-          <p:nvPr>
-            <p:ph type="body" idx="1"/>
-          </p:nvPr>
-        </p:nvSpPr>
-        <p:spPr/>
-        <p:txBody>
-          <a:bodyPr/>
-          <a:lstStyle/>
-          <a:p>
-            <a:endParaRPr lang="de-DE"/>
-          </a:p>
-        </p:txBody>
-      </p:sp>
-      <p:sp>
-        <p:nvSpPr>
-          <p:cNvPr id="4" name="Content Placeholder 3">
-            <a:extLst>
-              <a:ext uri="{FF2B5EF4-FFF2-40B4-BE49-F238E27FC236}">
-                <a16:creationId xmlns:a16="http://schemas.microsoft.com/office/drawing/2014/main" id="{BAF1CA4F-AC4A-4D47-9985-3D3931F691C3}"/>
-              </a:ext>
-            </a:extLst>
-          </p:cNvPr>
-          <p:cNvSpPr>
-            <a:spLocks noGrp="1"/>
-          </p:cNvSpPr>
-          <p:nvPr>
-            <p:ph sz="half" idx="2"/>
-          </p:nvPr>
-        </p:nvSpPr>
-        <p:spPr/>
-        <p:txBody>
-          <a:bodyPr/>
-          <a:lstStyle/>
-          <a:p>
-            <a:endParaRPr lang="de-DE"/>
-          </a:p>
-        </p:txBody>
-      </p:sp>
-      <p:sp>
-        <p:nvSpPr>
-          <p:cNvPr id="5" name="Text Placeholder 4">
-            <a:extLst>
-              <a:ext uri="{FF2B5EF4-FFF2-40B4-BE49-F238E27FC236}">
-                <a16:creationId xmlns:a16="http://schemas.microsoft.com/office/drawing/2014/main" id="{6C1047FD-75BA-B942-ABFA-EE4711B79A5B}"/>
-              </a:ext>
-            </a:extLst>
-          </p:cNvPr>
-          <p:cNvSpPr>
-            <a:spLocks noGrp="1"/>
-          </p:cNvSpPr>
-          <p:nvPr>
-            <p:ph type="body" sz="quarter" idx="3"/>
-          </p:nvPr>
-        </p:nvSpPr>
-        <p:spPr/>
-        <p:txBody>
-          <a:bodyPr/>
-          <a:lstStyle/>
-          <a:p>
-            <a:endParaRPr lang="de-DE"/>
-          </a:p>
-        </p:txBody>
-      </p:sp>
-      <p:sp>
-        <p:nvSpPr>
-          <p:cNvPr id="6" name="Content Placeholder 5">
-            <a:extLst>
-              <a:ext uri="{FF2B5EF4-FFF2-40B4-BE49-F238E27FC236}">
-                <a16:creationId xmlns:a16="http://schemas.microsoft.com/office/drawing/2014/main" id="{4FF1E021-045A-4142-A4AE-9AA02E362FB1}"/>
-              </a:ext>
-            </a:extLst>
-          </p:cNvPr>
-          <p:cNvSpPr>
-            <a:spLocks noGrp="1"/>
-          </p:cNvSpPr>
-          <p:nvPr>
-            <p:ph sz="quarter" idx="4"/>
-          </p:nvPr>
-        </p:nvSpPr>
-        <p:spPr/>
-        <p:txBody>
-          <a:bodyPr/>
-          <a:lstStyle/>
-          <a:p>
-            <a:endParaRPr lang="de-DE"/>
+            <a:r>
+              <a:rPr lang="de-DE" sz="4400" b="1" dirty="0"/>
+              <a:t>4.3.  K-</a:t>
+            </a:r>
+            <a:r>
+              <a:rPr lang="de-DE" sz="4400" b="1" dirty="0" err="1"/>
+              <a:t>Means</a:t>
+            </a:r>
+            <a:r>
+              <a:rPr lang="de-DE" sz="4400" b="1" dirty="0"/>
+              <a:t> </a:t>
+            </a:r>
+            <a:r>
+              <a:rPr lang="de-DE" sz="4400" b="1" dirty="0" err="1"/>
+              <a:t>vs</a:t>
+            </a:r>
+            <a:r>
+              <a:rPr lang="de-DE" sz="4400" b="1" dirty="0"/>
+              <a:t> K-</a:t>
+            </a:r>
+            <a:r>
+              <a:rPr lang="de-DE" sz="4400" b="1" dirty="0" err="1"/>
+              <a:t>Medoids</a:t>
+            </a:r>
+            <a:br>
+              <a:rPr lang="de-DE" sz="4400" b="1" dirty="0"/>
+            </a:br>
+            <a:endParaRPr lang="de-DE" sz="4800" b="1" dirty="0"/>
           </a:p>
         </p:txBody>
       </p:sp>
     </p:spTree>
     <p:extLst>
       <p:ext uri="{BB962C8B-B14F-4D97-AF65-F5344CB8AC3E}">
-        <p14:creationId xmlns:p14="http://schemas.microsoft.com/office/powerpoint/2010/main" val="2532051736"/>
+        <p14:creationId xmlns:p14="http://schemas.microsoft.com/office/powerpoint/2010/main" val="3491055602"/>
       </p:ext>
     </p:extLst>
   </p:cSld>
@@ -15883,6 +17388,2424 @@
           <a:chExt cx="0" cy="0"/>
         </a:xfrm>
       </p:grpSpPr>
+      <p:sp useBgFill="1">
+        <p:nvSpPr>
+          <p:cNvPr id="51" name="Rectangle 50">
+            <a:extLst>
+              <a:ext uri="{FF2B5EF4-FFF2-40B4-BE49-F238E27FC236}">
+                <a16:creationId xmlns:a16="http://schemas.microsoft.com/office/drawing/2014/main" id="{2550BE34-C2B8-49B8-8519-67A8CAD51AE9}"/>
+              </a:ext>
+              <a:ext uri="{C183D7F6-B498-43B3-948B-1728B52AA6E4}">
+                <adec:decorative xmlns:adec="http://schemas.microsoft.com/office/drawing/2017/decorative" val="1"/>
+              </a:ext>
+            </a:extLst>
+          </p:cNvPr>
+          <p:cNvSpPr>
+            <a:spLocks noGrp="1" noRot="1" noChangeAspect="1" noMove="1" noResize="1" noEditPoints="1" noAdjustHandles="1" noChangeArrowheads="1" noChangeShapeType="1" noTextEdit="1"/>
+          </p:cNvSpPr>
+          <p:nvPr>
+            <p:extLst>
+              <p:ext uri="{386F3935-93C4-4BCD-93E2-E3B085C9AB24}">
+                <p16:designElem xmlns:p16="http://schemas.microsoft.com/office/powerpoint/2015/main" val="1"/>
+              </p:ext>
+            </p:extLst>
+          </p:nvPr>
+        </p:nvSpPr>
+        <p:spPr>
+          <a:xfrm>
+            <a:off x="0" y="0"/>
+            <a:ext cx="12192000" cy="6858000"/>
+          </a:xfrm>
+          <a:prstGeom prst="rect">
+            <a:avLst/>
+          </a:prstGeom>
+          <a:ln>
+            <a:noFill/>
+          </a:ln>
+        </p:spPr>
+        <p:style>
+          <a:lnRef idx="2">
+            <a:schemeClr val="accent1">
+              <a:shade val="50000"/>
+            </a:schemeClr>
+          </a:lnRef>
+          <a:fillRef idx="1">
+            <a:schemeClr val="accent1"/>
+          </a:fillRef>
+          <a:effectRef idx="0">
+            <a:schemeClr val="accent1"/>
+          </a:effectRef>
+          <a:fontRef idx="minor">
+            <a:schemeClr val="lt1"/>
+          </a:fontRef>
+        </p:style>
+        <p:txBody>
+          <a:bodyPr rtlCol="0" anchor="ctr"/>
+          <a:lstStyle/>
+          <a:p>
+            <a:pPr algn="ctr"/>
+            <a:endParaRPr lang="en-US"/>
+          </a:p>
+        </p:txBody>
+      </p:sp>
+      <p:sp useBgFill="1">
+        <p:nvSpPr>
+          <p:cNvPr id="53" name="Rectangle 52">
+            <a:extLst>
+              <a:ext uri="{FF2B5EF4-FFF2-40B4-BE49-F238E27FC236}">
+                <a16:creationId xmlns:a16="http://schemas.microsoft.com/office/drawing/2014/main" id="{A7457DD9-5A45-400A-AB4B-4B4EDECA25F1}"/>
+              </a:ext>
+              <a:ext uri="{C183D7F6-B498-43B3-948B-1728B52AA6E4}">
+                <adec:decorative xmlns:adec="http://schemas.microsoft.com/office/drawing/2017/decorative" val="1"/>
+              </a:ext>
+            </a:extLst>
+          </p:cNvPr>
+          <p:cNvSpPr>
+            <a:spLocks noGrp="1" noRot="1" noChangeAspect="1" noMove="1" noResize="1" noEditPoints="1" noAdjustHandles="1" noChangeArrowheads="1" noChangeShapeType="1" noTextEdit="1"/>
+          </p:cNvSpPr>
+          <p:nvPr>
+            <p:extLst>
+              <p:ext uri="{386F3935-93C4-4BCD-93E2-E3B085C9AB24}">
+                <p16:designElem xmlns:p16="http://schemas.microsoft.com/office/powerpoint/2015/main" val="1"/>
+              </p:ext>
+            </p:extLst>
+          </p:nvPr>
+        </p:nvSpPr>
+        <p:spPr>
+          <a:xfrm>
+            <a:off x="554416" y="365125"/>
+            <a:ext cx="11167447" cy="2089317"/>
+          </a:xfrm>
+          <a:prstGeom prst="rect">
+            <a:avLst/>
+          </a:prstGeom>
+          <a:ln w="12700">
+            <a:solidFill>
+              <a:schemeClr val="tx2">
+                <a:lumMod val="10000"/>
+                <a:lumOff val="90000"/>
+              </a:schemeClr>
+            </a:solidFill>
+          </a:ln>
+          <a:effectLst>
+            <a:outerShdw blurRad="50800" dist="38100" dir="2700000" algn="tl" rotWithShape="0">
+              <a:schemeClr val="bg2">
+                <a:lumMod val="85000"/>
+                <a:alpha val="30000"/>
+              </a:schemeClr>
+            </a:outerShdw>
+          </a:effectLst>
+        </p:spPr>
+        <p:style>
+          <a:lnRef idx="2">
+            <a:schemeClr val="accent1">
+              <a:shade val="50000"/>
+            </a:schemeClr>
+          </a:lnRef>
+          <a:fillRef idx="1">
+            <a:schemeClr val="accent1"/>
+          </a:fillRef>
+          <a:effectRef idx="0">
+            <a:schemeClr val="accent1"/>
+          </a:effectRef>
+          <a:fontRef idx="minor">
+            <a:schemeClr val="lt1"/>
+          </a:fontRef>
+        </p:style>
+        <p:txBody>
+          <a:bodyPr rtlCol="0" anchor="ctr"/>
+          <a:lstStyle/>
+          <a:p>
+            <a:pPr marL="0" marR="0" lvl="0" indent="0" algn="ctr" defTabSz="914400" rtl="0" eaLnBrk="1" fontAlgn="auto" latinLnBrk="0" hangingPunct="1">
+              <a:lnSpc>
+                <a:spcPct val="100000"/>
+              </a:lnSpc>
+              <a:spcBef>
+                <a:spcPts val="0"/>
+              </a:spcBef>
+              <a:spcAft>
+                <a:spcPts val="0"/>
+              </a:spcAft>
+              <a:buClrTx/>
+              <a:buSzTx/>
+              <a:buFontTx/>
+              <a:buNone/>
+              <a:tabLst/>
+              <a:defRPr/>
+            </a:pPr>
+            <a:endParaRPr kumimoji="0" lang="en-US" sz="1800" b="0" i="0" u="none" strike="noStrike" kern="1200" cap="none" spc="0" normalizeH="0" baseline="0" noProof="0">
+              <a:ln>
+                <a:noFill/>
+              </a:ln>
+              <a:solidFill>
+                <a:prstClr val="white"/>
+              </a:solidFill>
+              <a:effectLst/>
+              <a:uLnTx/>
+              <a:uFillTx/>
+              <a:latin typeface="Calibri" panose="020F0502020204030204"/>
+              <a:ea typeface="+mn-ea"/>
+              <a:cs typeface="+mn-cs"/>
+            </a:endParaRPr>
+          </a:p>
+        </p:txBody>
+      </p:sp>
+      <p:sp>
+        <p:nvSpPr>
+          <p:cNvPr id="3" name="Title 2">
+            <a:extLst>
+              <a:ext uri="{FF2B5EF4-FFF2-40B4-BE49-F238E27FC236}">
+                <a16:creationId xmlns:a16="http://schemas.microsoft.com/office/drawing/2014/main" id="{2B0244FE-E892-4648-B9A2-7F22D047434E}"/>
+              </a:ext>
+            </a:extLst>
+          </p:cNvPr>
+          <p:cNvSpPr>
+            <a:spLocks noGrp="1"/>
+          </p:cNvSpPr>
+          <p:nvPr>
+            <p:ph type="title"/>
+          </p:nvPr>
+        </p:nvSpPr>
+        <p:spPr>
+          <a:xfrm>
+            <a:off x="1046746" y="586822"/>
+            <a:ext cx="3748339" cy="1645920"/>
+          </a:xfrm>
+        </p:spPr>
+        <p:txBody>
+          <a:bodyPr vert="horz" lIns="91440" tIns="45720" rIns="91440" bIns="45720" rtlCol="0" anchor="ctr">
+            <a:normAutofit/>
+          </a:bodyPr>
+          <a:lstStyle/>
+          <a:p>
+            <a:r>
+              <a:rPr lang="en-US" sz="3200" b="1" dirty="0"/>
+              <a:t>K-Means 		</a:t>
+            </a:r>
+            <a:br>
+              <a:rPr lang="en-US" sz="3200" b="1" dirty="0"/>
+            </a:br>
+            <a:r>
+              <a:rPr lang="en-US" sz="3200" b="1" dirty="0"/>
+              <a:t>K-Medoids</a:t>
+            </a:r>
+          </a:p>
+        </p:txBody>
+      </p:sp>
+      <p:sp>
+        <p:nvSpPr>
+          <p:cNvPr id="55" name="Rectangle 54">
+            <a:extLst>
+              <a:ext uri="{FF2B5EF4-FFF2-40B4-BE49-F238E27FC236}">
+                <a16:creationId xmlns:a16="http://schemas.microsoft.com/office/drawing/2014/main" id="{441CF7D6-A660-431A-B0BB-140A0D5556B6}"/>
+              </a:ext>
+              <a:ext uri="{C183D7F6-B498-43B3-948B-1728B52AA6E4}">
+                <adec:decorative xmlns:adec="http://schemas.microsoft.com/office/drawing/2017/decorative" val="1"/>
+              </a:ext>
+            </a:extLst>
+          </p:cNvPr>
+          <p:cNvSpPr>
+            <a:spLocks noGrp="1" noRot="1" noChangeAspect="1" noMove="1" noResize="1" noEditPoints="1" noAdjustHandles="1" noChangeArrowheads="1" noChangeShapeType="1" noTextEdit="1"/>
+          </p:cNvSpPr>
+          <p:nvPr>
+            <p:extLst>
+              <p:ext uri="{386F3935-93C4-4BCD-93E2-E3B085C9AB24}">
+                <p16:designElem xmlns:p16="http://schemas.microsoft.com/office/powerpoint/2015/main" val="1"/>
+              </p:ext>
+            </p:extLst>
+          </p:nvPr>
+        </p:nvSpPr>
+        <p:spPr>
+          <a:xfrm>
+            <a:off x="490408" y="1057739"/>
+            <a:ext cx="128016" cy="704088"/>
+          </a:xfrm>
+          <a:prstGeom prst="rect">
+            <a:avLst/>
+          </a:prstGeom>
+          <a:solidFill>
+            <a:schemeClr val="accent1"/>
+          </a:solidFill>
+          <a:ln>
+            <a:noFill/>
+          </a:ln>
+        </p:spPr>
+        <p:style>
+          <a:lnRef idx="2">
+            <a:schemeClr val="accent1">
+              <a:shade val="50000"/>
+            </a:schemeClr>
+          </a:lnRef>
+          <a:fillRef idx="1">
+            <a:schemeClr val="accent1"/>
+          </a:fillRef>
+          <a:effectRef idx="0">
+            <a:schemeClr val="accent1"/>
+          </a:effectRef>
+          <a:fontRef idx="minor">
+            <a:schemeClr val="lt1"/>
+          </a:fontRef>
+        </p:style>
+        <p:txBody>
+          <a:bodyPr rtlCol="0" anchor="ctr"/>
+          <a:lstStyle/>
+          <a:p>
+            <a:pPr marL="0" marR="0" lvl="0" indent="0" algn="ctr" defTabSz="914400" rtl="0" eaLnBrk="1" fontAlgn="auto" latinLnBrk="0" hangingPunct="1">
+              <a:lnSpc>
+                <a:spcPct val="100000"/>
+              </a:lnSpc>
+              <a:spcBef>
+                <a:spcPts val="0"/>
+              </a:spcBef>
+              <a:spcAft>
+                <a:spcPts val="0"/>
+              </a:spcAft>
+              <a:buClrTx/>
+              <a:buSzTx/>
+              <a:buFontTx/>
+              <a:buNone/>
+              <a:tabLst/>
+              <a:defRPr/>
+            </a:pPr>
+            <a:endParaRPr kumimoji="0" lang="en-US" sz="1800" b="0" i="0" u="none" strike="noStrike" kern="1200" cap="none" spc="0" normalizeH="0" baseline="0" noProof="0" dirty="0">
+              <a:ln>
+                <a:noFill/>
+              </a:ln>
+              <a:solidFill>
+                <a:prstClr val="white"/>
+              </a:solidFill>
+              <a:effectLst/>
+              <a:uLnTx/>
+              <a:uFillTx/>
+              <a:latin typeface="Calibri" panose="020F0502020204030204"/>
+              <a:ea typeface="+mn-ea"/>
+              <a:cs typeface="+mn-cs"/>
+            </a:endParaRPr>
+          </a:p>
+        </p:txBody>
+      </p:sp>
+      <p:sp>
+        <p:nvSpPr>
+          <p:cNvPr id="57" name="Rectangle 56">
+            <a:extLst>
+              <a:ext uri="{FF2B5EF4-FFF2-40B4-BE49-F238E27FC236}">
+                <a16:creationId xmlns:a16="http://schemas.microsoft.com/office/drawing/2014/main" id="{0570A85B-3810-4F95-97B0-CBF4CCDB381C}"/>
+              </a:ext>
+              <a:ext uri="{C183D7F6-B498-43B3-948B-1728B52AA6E4}">
+                <adec:decorative xmlns:adec="http://schemas.microsoft.com/office/drawing/2017/decorative" val="1"/>
+              </a:ext>
+            </a:extLst>
+          </p:cNvPr>
+          <p:cNvSpPr>
+            <a:spLocks noGrp="1" noRot="1" noChangeAspect="1" noMove="1" noResize="1" noEditPoints="1" noAdjustHandles="1" noChangeArrowheads="1" noChangeShapeType="1" noTextEdit="1"/>
+          </p:cNvSpPr>
+          <p:nvPr>
+            <p:extLst>
+              <p:ext uri="{386F3935-93C4-4BCD-93E2-E3B085C9AB24}">
+                <p16:designElem xmlns:p16="http://schemas.microsoft.com/office/powerpoint/2015/main" val="1"/>
+              </p:ext>
+            </p:extLst>
+          </p:nvPr>
+        </p:nvSpPr>
+        <p:spPr>
+          <a:xfrm rot="5400000">
+            <a:off x="4248113" y="1405210"/>
+            <a:ext cx="1463040" cy="9144"/>
+          </a:xfrm>
+          <a:prstGeom prst="rect">
+            <a:avLst/>
+          </a:prstGeom>
+          <a:solidFill>
+            <a:schemeClr val="tx2">
+              <a:lumMod val="25000"/>
+              <a:lumOff val="75000"/>
+            </a:schemeClr>
+          </a:solidFill>
+          <a:ln w="3175">
+            <a:noFill/>
+          </a:ln>
+          <a:effectLst/>
+        </p:spPr>
+        <p:style>
+          <a:lnRef idx="2">
+            <a:schemeClr val="accent1">
+              <a:shade val="50000"/>
+            </a:schemeClr>
+          </a:lnRef>
+          <a:fillRef idx="1">
+            <a:schemeClr val="accent1"/>
+          </a:fillRef>
+          <a:effectRef idx="0">
+            <a:schemeClr val="accent1"/>
+          </a:effectRef>
+          <a:fontRef idx="minor">
+            <a:schemeClr val="lt1"/>
+          </a:fontRef>
+        </p:style>
+        <p:txBody>
+          <a:bodyPr rtlCol="0" anchor="ctr"/>
+          <a:lstStyle/>
+          <a:p>
+            <a:pPr marL="0" marR="0" lvl="0" indent="0" algn="ctr" defTabSz="914400" rtl="0" eaLnBrk="1" fontAlgn="auto" latinLnBrk="0" hangingPunct="1">
+              <a:lnSpc>
+                <a:spcPct val="100000"/>
+              </a:lnSpc>
+              <a:spcBef>
+                <a:spcPts val="0"/>
+              </a:spcBef>
+              <a:spcAft>
+                <a:spcPts val="0"/>
+              </a:spcAft>
+              <a:buClrTx/>
+              <a:buSzTx/>
+              <a:buFontTx/>
+              <a:buNone/>
+              <a:tabLst/>
+              <a:defRPr/>
+            </a:pPr>
+            <a:endParaRPr kumimoji="0" lang="en-US" sz="1800" b="0" i="0" u="none" strike="noStrike" kern="1200" cap="none" spc="0" normalizeH="0" baseline="0" noProof="0">
+              <a:ln>
+                <a:noFill/>
+              </a:ln>
+              <a:solidFill>
+                <a:prstClr val="white"/>
+              </a:solidFill>
+              <a:effectLst/>
+              <a:uLnTx/>
+              <a:uFillTx/>
+              <a:latin typeface="Calibri" panose="020F0502020204030204"/>
+              <a:ea typeface="+mn-ea"/>
+              <a:cs typeface="+mn-cs"/>
+            </a:endParaRPr>
+          </a:p>
+        </p:txBody>
+      </p:sp>
+      <p:sp>
+        <p:nvSpPr>
+          <p:cNvPr id="6" name="TextBox 5">
+            <a:extLst>
+              <a:ext uri="{FF2B5EF4-FFF2-40B4-BE49-F238E27FC236}">
+                <a16:creationId xmlns:a16="http://schemas.microsoft.com/office/drawing/2014/main" id="{68E267DE-B0A6-1F4B-BCC7-2FAF9305A326}"/>
+              </a:ext>
+            </a:extLst>
+          </p:cNvPr>
+          <p:cNvSpPr txBox="1"/>
+          <p:nvPr/>
+        </p:nvSpPr>
+        <p:spPr>
+          <a:xfrm>
+            <a:off x="4804229" y="586822"/>
+            <a:ext cx="6720114" cy="1867620"/>
+          </a:xfrm>
+          <a:prstGeom prst="rect">
+            <a:avLst/>
+          </a:prstGeom>
+        </p:spPr>
+        <p:txBody>
+          <a:bodyPr vert="horz" lIns="91440" tIns="45720" rIns="91440" bIns="45720" numCol="2" rtlCol="0" anchor="ctr">
+            <a:normAutofit/>
+          </a:bodyPr>
+          <a:lstStyle/>
+          <a:p>
+            <a:pPr marL="457200" indent="-228600">
+              <a:spcAft>
+                <a:spcPts val="600"/>
+              </a:spcAft>
+              <a:buFont typeface="Arial" panose="020B0604020202020204" pitchFamily="34" charset="0"/>
+              <a:buChar char="•"/>
+            </a:pPr>
+            <a:r>
+              <a:rPr lang="de-DE" dirty="0"/>
+              <a:t>Einteilung nach </a:t>
+            </a:r>
+            <a:r>
+              <a:rPr lang="de-DE" i="1" dirty="0"/>
+              <a:t>AMANN</a:t>
+            </a:r>
+            <a:endParaRPr lang="de-DE" b="1" i="1" dirty="0"/>
+          </a:p>
+          <a:p>
+            <a:pPr marL="457200" indent="-228600">
+              <a:spcAft>
+                <a:spcPts val="600"/>
+              </a:spcAft>
+              <a:buFont typeface="Arial" panose="020B0604020202020204" pitchFamily="34" charset="0"/>
+              <a:buChar char="•"/>
+            </a:pPr>
+            <a:r>
+              <a:rPr lang="de-DE" dirty="0"/>
+              <a:t>ohne Dimensionsreduktion</a:t>
+            </a:r>
+          </a:p>
+          <a:p>
+            <a:pPr marL="457200" indent="-228600">
+              <a:spcAft>
+                <a:spcPts val="600"/>
+              </a:spcAft>
+              <a:buFont typeface="Arial" panose="020B0604020202020204" pitchFamily="34" charset="0"/>
+              <a:buChar char="•"/>
+            </a:pPr>
+            <a:r>
+              <a:rPr lang="de-DE" dirty="0"/>
+              <a:t>Ohne Epoche „Sturm &amp; Drang“</a:t>
+            </a:r>
+          </a:p>
+          <a:p>
+            <a:pPr marL="457200" indent="-228600">
+              <a:spcAft>
+                <a:spcPts val="600"/>
+              </a:spcAft>
+              <a:buFont typeface="Arial" panose="020B0604020202020204" pitchFamily="34" charset="0"/>
+              <a:buChar char="•"/>
+            </a:pPr>
+            <a:r>
+              <a:rPr lang="de-DE" b="1" dirty="0"/>
+              <a:t>Euklidische </a:t>
+            </a:r>
+            <a:r>
+              <a:rPr lang="de-DE" b="1" dirty="0" err="1"/>
+              <a:t>vs</a:t>
+            </a:r>
+            <a:r>
+              <a:rPr lang="de-DE" b="1" dirty="0"/>
+              <a:t> Kosinus Distanz</a:t>
+            </a:r>
+          </a:p>
+          <a:p>
+            <a:pPr marL="457200" indent="-228600">
+              <a:spcAft>
+                <a:spcPts val="600"/>
+              </a:spcAft>
+              <a:buFont typeface="Arial" panose="020B0604020202020204" pitchFamily="34" charset="0"/>
+              <a:buChar char="•"/>
+            </a:pPr>
+            <a:r>
+              <a:rPr lang="de-DE" dirty="0" err="1"/>
+              <a:t>Lowercase</a:t>
+            </a:r>
+            <a:endParaRPr lang="de-DE" dirty="0"/>
+          </a:p>
+          <a:p>
+            <a:pPr marL="457200" indent="-228600">
+              <a:spcAft>
+                <a:spcPts val="600"/>
+              </a:spcAft>
+              <a:buFont typeface="Arial" panose="020B0604020202020204" pitchFamily="34" charset="0"/>
+              <a:buChar char="•"/>
+            </a:pPr>
+            <a:r>
+              <a:rPr lang="de-DE" dirty="0"/>
+              <a:t>Stoppwörter </a:t>
+            </a:r>
+            <a:r>
+              <a:rPr lang="de-DE" u="sng" dirty="0"/>
+              <a:t>entfernt</a:t>
+            </a:r>
+            <a:endParaRPr lang="de-DE" dirty="0"/>
+          </a:p>
+          <a:p>
+            <a:pPr marL="457200" indent="-228600">
+              <a:spcAft>
+                <a:spcPts val="600"/>
+              </a:spcAft>
+              <a:buFont typeface="Arial" panose="020B0604020202020204" pitchFamily="34" charset="0"/>
+              <a:buChar char="•"/>
+            </a:pPr>
+            <a:r>
+              <a:rPr lang="de-DE" dirty="0"/>
+              <a:t>10000 mf</a:t>
+            </a:r>
+          </a:p>
+        </p:txBody>
+      </p:sp>
+      <p:graphicFrame>
+        <p:nvGraphicFramePr>
+          <p:cNvPr id="2" name="Table 1">
+            <a:extLst>
+              <a:ext uri="{FF2B5EF4-FFF2-40B4-BE49-F238E27FC236}">
+                <a16:creationId xmlns:a16="http://schemas.microsoft.com/office/drawing/2014/main" id="{A0E9A13A-9520-0146-9DA9-25D7F9C6A691}"/>
+              </a:ext>
+            </a:extLst>
+          </p:cNvPr>
+          <p:cNvGraphicFramePr>
+            <a:graphicFrameLocks noGrp="1"/>
+          </p:cNvGraphicFramePr>
+          <p:nvPr>
+            <p:extLst>
+              <p:ext uri="{D42A27DB-BD31-4B8C-83A1-F6EECF244321}">
+                <p14:modId xmlns:p14="http://schemas.microsoft.com/office/powerpoint/2010/main" val="4257344377"/>
+              </p:ext>
+            </p:extLst>
+          </p:nvPr>
+        </p:nvGraphicFramePr>
+        <p:xfrm>
+          <a:off x="618423" y="2833916"/>
+          <a:ext cx="11103438" cy="3437261"/>
+        </p:xfrm>
+        <a:graphic>
+          <a:graphicData uri="http://schemas.openxmlformats.org/drawingml/2006/table">
+            <a:tbl>
+              <a:tblPr firstRow="1" bandRow="1">
+                <a:tableStyleId>{69012ECD-51FC-41F1-AA8D-1B2483CD663E}</a:tableStyleId>
+              </a:tblPr>
+              <a:tblGrid>
+                <a:gridCol w="3573503">
+                  <a:extLst>
+                    <a:ext uri="{9D8B030D-6E8A-4147-A177-3AD203B41FA5}">
+                      <a16:colId xmlns:a16="http://schemas.microsoft.com/office/drawing/2014/main" val="2833795351"/>
+                    </a:ext>
+                  </a:extLst>
+                </a:gridCol>
+                <a:gridCol w="1670992">
+                  <a:extLst>
+                    <a:ext uri="{9D8B030D-6E8A-4147-A177-3AD203B41FA5}">
+                      <a16:colId xmlns:a16="http://schemas.microsoft.com/office/drawing/2014/main" val="1448307795"/>
+                    </a:ext>
+                  </a:extLst>
+                </a:gridCol>
+                <a:gridCol w="1802835">
+                  <a:extLst>
+                    <a:ext uri="{9D8B030D-6E8A-4147-A177-3AD203B41FA5}">
+                      <a16:colId xmlns:a16="http://schemas.microsoft.com/office/drawing/2014/main" val="799636414"/>
+                    </a:ext>
+                  </a:extLst>
+                </a:gridCol>
+                <a:gridCol w="2028054">
+                  <a:extLst>
+                    <a:ext uri="{9D8B030D-6E8A-4147-A177-3AD203B41FA5}">
+                      <a16:colId xmlns:a16="http://schemas.microsoft.com/office/drawing/2014/main" val="1880987509"/>
+                    </a:ext>
+                  </a:extLst>
+                </a:gridCol>
+                <a:gridCol w="2028054">
+                  <a:extLst>
+                    <a:ext uri="{9D8B030D-6E8A-4147-A177-3AD203B41FA5}">
+                      <a16:colId xmlns:a16="http://schemas.microsoft.com/office/drawing/2014/main" val="3364989717"/>
+                    </a:ext>
+                  </a:extLst>
+                </a:gridCol>
+              </a:tblGrid>
+              <a:tr h="638570">
+                <a:tc>
+                  <a:txBody>
+                    <a:bodyPr/>
+                    <a:lstStyle/>
+                    <a:p>
+                      <a:pPr algn="r" fontAlgn="ctr"/>
+                      <a:endParaRPr lang="en-GB" b="1" dirty="0">
+                        <a:effectLst/>
+                      </a:endParaRPr>
+                    </a:p>
+                  </a:txBody>
+                  <a:tcPr anchor="ctr"/>
+                </a:tc>
+                <a:tc gridSpan="2">
+                  <a:txBody>
+                    <a:bodyPr/>
+                    <a:lstStyle/>
+                    <a:p>
+                      <a:pPr algn="ctr" fontAlgn="ctr"/>
+                      <a:r>
+                        <a:rPr lang="en-GB" sz="2400" dirty="0">
+                          <a:effectLst/>
+                        </a:rPr>
+                        <a:t>K-Means</a:t>
+                      </a:r>
+                      <a:endParaRPr lang="en-GB" sz="2400" b="1" dirty="0">
+                        <a:solidFill>
+                          <a:schemeClr val="tx1"/>
+                        </a:solidFill>
+                        <a:effectLst/>
+                      </a:endParaRPr>
+                    </a:p>
+                  </a:txBody>
+                  <a:tcPr anchor="ctr"/>
+                </a:tc>
+                <a:tc hMerge="1">
+                  <a:txBody>
+                    <a:bodyPr/>
+                    <a:lstStyle/>
+                    <a:p>
+                      <a:pPr algn="ctr"/>
+                      <a:endParaRPr lang="de-DE" dirty="0"/>
+                    </a:p>
+                  </a:txBody>
+                  <a:tcPr anchor="ctr"/>
+                </a:tc>
+                <a:tc gridSpan="2">
+                  <a:txBody>
+                    <a:bodyPr/>
+                    <a:lstStyle/>
+                    <a:p>
+                      <a:pPr algn="ctr" fontAlgn="ctr"/>
+                      <a:r>
+                        <a:rPr lang="en-GB" sz="2400" b="1" dirty="0">
+                          <a:solidFill>
+                            <a:schemeClr val="bg1"/>
+                          </a:solidFill>
+                          <a:effectLst/>
+                        </a:rPr>
+                        <a:t>K-Medoids</a:t>
+                      </a:r>
+                    </a:p>
+                  </a:txBody>
+                  <a:tcPr anchor="ctr"/>
+                </a:tc>
+                <a:tc hMerge="1">
+                  <a:txBody>
+                    <a:bodyPr/>
+                    <a:lstStyle/>
+                    <a:p>
+                      <a:pPr algn="ctr"/>
+                      <a:endParaRPr lang="de-DE" dirty="0"/>
+                    </a:p>
+                  </a:txBody>
+                  <a:tcPr anchor="ctr"/>
+                </a:tc>
+                <a:extLst>
+                  <a:ext uri="{0D108BD9-81ED-4DB2-BD59-A6C34878D82A}">
+                    <a16:rowId xmlns:a16="http://schemas.microsoft.com/office/drawing/2014/main" val="3307450965"/>
+                  </a:ext>
+                </a:extLst>
+              </a:tr>
+              <a:tr h="731476">
+                <a:tc>
+                  <a:txBody>
+                    <a:bodyPr/>
+                    <a:lstStyle/>
+                    <a:p>
+                      <a:pPr algn="r" fontAlgn="ctr"/>
+                      <a:br>
+                        <a:rPr lang="en-GB" sz="2000" dirty="0">
+                          <a:effectLst/>
+                        </a:rPr>
+                      </a:br>
+                      <a:endParaRPr lang="en-GB" sz="2000" b="1" dirty="0">
+                        <a:effectLst/>
+                      </a:endParaRPr>
+                    </a:p>
+                  </a:txBody>
+                  <a:tcPr anchor="ctr"/>
+                </a:tc>
+                <a:tc>
+                  <a:txBody>
+                    <a:bodyPr/>
+                    <a:lstStyle/>
+                    <a:p>
+                      <a:pPr algn="ctr" fontAlgn="ctr"/>
+                      <a:r>
+                        <a:rPr lang="en-GB" sz="2000" b="1" dirty="0" err="1">
+                          <a:effectLst/>
+                        </a:rPr>
+                        <a:t>ari</a:t>
+                      </a:r>
+                      <a:endParaRPr lang="en-GB" sz="2000" b="1" dirty="0">
+                        <a:effectLst/>
+                      </a:endParaRPr>
+                    </a:p>
+                  </a:txBody>
+                  <a:tcPr anchor="ctr"/>
+                </a:tc>
+                <a:tc>
+                  <a:txBody>
+                    <a:bodyPr/>
+                    <a:lstStyle/>
+                    <a:p>
+                      <a:pPr algn="ctr"/>
+                      <a:r>
+                        <a:rPr lang="de-DE" sz="2000" b="1" dirty="0" err="1"/>
+                        <a:t>vm</a:t>
+                      </a:r>
+                      <a:endParaRPr lang="de-DE" sz="2000" b="1" dirty="0"/>
+                    </a:p>
+                  </a:txBody>
+                  <a:tcPr anchor="ctr"/>
+                </a:tc>
+                <a:tc>
+                  <a:txBody>
+                    <a:bodyPr/>
+                    <a:lstStyle/>
+                    <a:p>
+                      <a:pPr algn="ctr" fontAlgn="ctr"/>
+                      <a:r>
+                        <a:rPr lang="en-GB" sz="2000" b="1" dirty="0" err="1">
+                          <a:effectLst/>
+                        </a:rPr>
+                        <a:t>ari</a:t>
+                      </a:r>
+                      <a:endParaRPr lang="en-GB" sz="2000" b="1" dirty="0">
+                        <a:effectLst/>
+                      </a:endParaRPr>
+                    </a:p>
+                  </a:txBody>
+                  <a:tcPr anchor="ctr"/>
+                </a:tc>
+                <a:tc>
+                  <a:txBody>
+                    <a:bodyPr/>
+                    <a:lstStyle/>
+                    <a:p>
+                      <a:pPr algn="ctr"/>
+                      <a:r>
+                        <a:rPr lang="de-DE" sz="2000" b="1" dirty="0" err="1"/>
+                        <a:t>vm</a:t>
+                      </a:r>
+                      <a:endParaRPr lang="de-DE" sz="2000" b="1" dirty="0"/>
+                    </a:p>
+                  </a:txBody>
+                  <a:tcPr anchor="ctr"/>
+                </a:tc>
+                <a:extLst>
+                  <a:ext uri="{0D108BD9-81ED-4DB2-BD59-A6C34878D82A}">
+                    <a16:rowId xmlns:a16="http://schemas.microsoft.com/office/drawing/2014/main" val="2331790527"/>
+                  </a:ext>
+                </a:extLst>
+              </a:tr>
+              <a:tr h="413443">
+                <a:tc>
+                  <a:txBody>
+                    <a:bodyPr/>
+                    <a:lstStyle/>
+                    <a:p>
+                      <a:pPr algn="r" fontAlgn="ctr"/>
+                      <a:r>
+                        <a:rPr lang="en-GB" sz="2000" b="1" dirty="0" err="1">
+                          <a:effectLst/>
+                        </a:rPr>
+                        <a:t>Barock</a:t>
+                      </a:r>
+                      <a:r>
+                        <a:rPr lang="en-GB" sz="2000" b="1" dirty="0">
+                          <a:effectLst/>
+                        </a:rPr>
+                        <a:t>/</a:t>
+                      </a:r>
+                      <a:r>
+                        <a:rPr lang="en-GB" sz="2000" b="1" dirty="0" err="1">
+                          <a:effectLst/>
+                        </a:rPr>
+                        <a:t>Klassik</a:t>
+                      </a:r>
+                      <a:endParaRPr lang="en-GB" sz="2000" b="1" dirty="0">
+                        <a:effectLst/>
+                      </a:endParaRPr>
+                    </a:p>
+                  </a:txBody>
+                  <a:tcPr anchor="ctr"/>
+                </a:tc>
+                <a:tc>
+                  <a:txBody>
+                    <a:bodyPr/>
+                    <a:lstStyle/>
+                    <a:p>
+                      <a:pPr algn="r" fontAlgn="ctr"/>
+                      <a:r>
+                        <a:rPr lang="en-DE" sz="2000" b="0" dirty="0">
+                          <a:effectLst/>
+                        </a:rPr>
+                        <a:t>0.723914</a:t>
+                      </a:r>
+                    </a:p>
+                  </a:txBody>
+                  <a:tcPr anchor="ctr">
+                    <a:noFill/>
+                  </a:tcPr>
+                </a:tc>
+                <a:tc>
+                  <a:txBody>
+                    <a:bodyPr/>
+                    <a:lstStyle/>
+                    <a:p>
+                      <a:pPr algn="r" fontAlgn="ctr"/>
+                      <a:r>
+                        <a:rPr lang="en-DE" sz="2000" b="0" dirty="0">
+                          <a:effectLst/>
+                        </a:rPr>
+                        <a:t>0.681082</a:t>
+                      </a:r>
+                    </a:p>
+                  </a:txBody>
+                  <a:tcPr anchor="ctr">
+                    <a:noFill/>
+                  </a:tcPr>
+                </a:tc>
+                <a:tc>
+                  <a:txBody>
+                    <a:bodyPr/>
+                    <a:lstStyle/>
+                    <a:p>
+                      <a:pPr algn="r" fontAlgn="ctr"/>
+                      <a:r>
+                        <a:rPr lang="en-DE" sz="2000" dirty="0">
+                          <a:effectLst/>
+                        </a:rPr>
+                        <a:t>0.836902</a:t>
+                      </a:r>
+                    </a:p>
+                  </a:txBody>
+                  <a:tcPr anchor="ctr"/>
+                </a:tc>
+                <a:tc>
+                  <a:txBody>
+                    <a:bodyPr/>
+                    <a:lstStyle/>
+                    <a:p>
+                      <a:pPr algn="r" fontAlgn="ctr"/>
+                      <a:r>
+                        <a:rPr lang="en-DE" sz="2000" dirty="0">
+                          <a:effectLst/>
+                        </a:rPr>
+                        <a:t>0.784668</a:t>
+                      </a:r>
+                    </a:p>
+                  </a:txBody>
+                  <a:tcPr anchor="ctr"/>
+                </a:tc>
+                <a:extLst>
+                  <a:ext uri="{0D108BD9-81ED-4DB2-BD59-A6C34878D82A}">
+                    <a16:rowId xmlns:a16="http://schemas.microsoft.com/office/drawing/2014/main" val="857364166"/>
+                  </a:ext>
+                </a:extLst>
+              </a:tr>
+              <a:tr h="413443">
+                <a:tc>
+                  <a:txBody>
+                    <a:bodyPr/>
+                    <a:lstStyle/>
+                    <a:p>
+                      <a:pPr algn="r" fontAlgn="ctr"/>
+                      <a:r>
+                        <a:rPr lang="en-GB" sz="2000" b="1">
+                          <a:effectLst/>
+                        </a:rPr>
+                        <a:t>Barock/Realismus</a:t>
+                      </a:r>
+                    </a:p>
+                  </a:txBody>
+                  <a:tcPr anchor="ctr"/>
+                </a:tc>
+                <a:tc>
+                  <a:txBody>
+                    <a:bodyPr/>
+                    <a:lstStyle/>
+                    <a:p>
+                      <a:pPr algn="r" fontAlgn="ctr"/>
+                      <a:r>
+                        <a:rPr lang="en-DE" sz="2000">
+                          <a:effectLst/>
+                        </a:rPr>
+                        <a:t>0.651314</a:t>
+                      </a:r>
+                    </a:p>
+                  </a:txBody>
+                  <a:tcPr anchor="ctr"/>
+                </a:tc>
+                <a:tc>
+                  <a:txBody>
+                    <a:bodyPr/>
+                    <a:lstStyle/>
+                    <a:p>
+                      <a:pPr algn="r" fontAlgn="ctr"/>
+                      <a:r>
+                        <a:rPr lang="en-DE" sz="2000" dirty="0">
+                          <a:effectLst/>
+                        </a:rPr>
+                        <a:t>0.629702</a:t>
+                      </a:r>
+                    </a:p>
+                  </a:txBody>
+                  <a:tcPr anchor="ctr">
+                    <a:noFill/>
+                  </a:tcPr>
+                </a:tc>
+                <a:tc>
+                  <a:txBody>
+                    <a:bodyPr/>
+                    <a:lstStyle/>
+                    <a:p>
+                      <a:pPr algn="r" fontAlgn="ctr"/>
+                      <a:r>
+                        <a:rPr lang="en-DE" sz="2000" b="1" dirty="0">
+                          <a:effectLst/>
+                        </a:rPr>
+                        <a:t>0.860581</a:t>
+                      </a:r>
+                    </a:p>
+                  </a:txBody>
+                  <a:tcPr anchor="ctr">
+                    <a:solidFill>
+                      <a:schemeClr val="accent6">
+                        <a:lumMod val="60000"/>
+                        <a:lumOff val="40000"/>
+                      </a:schemeClr>
+                    </a:solidFill>
+                  </a:tcPr>
+                </a:tc>
+                <a:tc>
+                  <a:txBody>
+                    <a:bodyPr/>
+                    <a:lstStyle/>
+                    <a:p>
+                      <a:pPr algn="r" fontAlgn="ctr"/>
+                      <a:r>
+                        <a:rPr lang="en-DE" sz="2000" b="1" dirty="0">
+                          <a:effectLst/>
+                        </a:rPr>
+                        <a:t>0.811946</a:t>
+                      </a:r>
+                    </a:p>
+                  </a:txBody>
+                  <a:tcPr anchor="ctr">
+                    <a:solidFill>
+                      <a:schemeClr val="accent6">
+                        <a:lumMod val="60000"/>
+                        <a:lumOff val="40000"/>
+                      </a:schemeClr>
+                    </a:solidFill>
+                  </a:tcPr>
+                </a:tc>
+                <a:extLst>
+                  <a:ext uri="{0D108BD9-81ED-4DB2-BD59-A6C34878D82A}">
+                    <a16:rowId xmlns:a16="http://schemas.microsoft.com/office/drawing/2014/main" val="2292681319"/>
+                  </a:ext>
+                </a:extLst>
+              </a:tr>
+              <a:tr h="413443">
+                <a:tc>
+                  <a:txBody>
+                    <a:bodyPr/>
+                    <a:lstStyle/>
+                    <a:p>
+                      <a:pPr algn="r" fontAlgn="ctr"/>
+                      <a:r>
+                        <a:rPr lang="en-GB" sz="2000" b="1">
+                          <a:effectLst/>
+                        </a:rPr>
+                        <a:t>Aufklärung/Naturalismus</a:t>
+                      </a:r>
+                    </a:p>
+                  </a:txBody>
+                  <a:tcPr anchor="ctr"/>
+                </a:tc>
+                <a:tc>
+                  <a:txBody>
+                    <a:bodyPr/>
+                    <a:lstStyle/>
+                    <a:p>
+                      <a:pPr algn="r" fontAlgn="ctr"/>
+                      <a:r>
+                        <a:rPr lang="en-DE" sz="2000" dirty="0">
+                          <a:effectLst/>
+                        </a:rPr>
+                        <a:t>0.575708</a:t>
+                      </a:r>
+                    </a:p>
+                  </a:txBody>
+                  <a:tcPr anchor="ctr"/>
+                </a:tc>
+                <a:tc>
+                  <a:txBody>
+                    <a:bodyPr/>
+                    <a:lstStyle/>
+                    <a:p>
+                      <a:pPr algn="r" fontAlgn="ctr"/>
+                      <a:r>
+                        <a:rPr lang="en-DE" sz="2000" dirty="0">
+                          <a:effectLst/>
+                        </a:rPr>
+                        <a:t>0.480125</a:t>
+                      </a:r>
+                    </a:p>
+                  </a:txBody>
+                  <a:tcPr anchor="ctr"/>
+                </a:tc>
+                <a:tc>
+                  <a:txBody>
+                    <a:bodyPr/>
+                    <a:lstStyle/>
+                    <a:p>
+                      <a:pPr algn="r" fontAlgn="ctr"/>
+                      <a:r>
+                        <a:rPr lang="en-DE" sz="2000">
+                          <a:effectLst/>
+                        </a:rPr>
+                        <a:t>-0.014611</a:t>
+                      </a:r>
+                    </a:p>
+                  </a:txBody>
+                  <a:tcPr anchor="ctr"/>
+                </a:tc>
+                <a:tc>
+                  <a:txBody>
+                    <a:bodyPr/>
+                    <a:lstStyle/>
+                    <a:p>
+                      <a:pPr algn="r" fontAlgn="ctr"/>
+                      <a:r>
+                        <a:rPr lang="en-DE" sz="2000" dirty="0">
+                          <a:effectLst/>
+                        </a:rPr>
+                        <a:t>0.197276</a:t>
+                      </a:r>
+                    </a:p>
+                  </a:txBody>
+                  <a:tcPr anchor="ctr"/>
+                </a:tc>
+                <a:extLst>
+                  <a:ext uri="{0D108BD9-81ED-4DB2-BD59-A6C34878D82A}">
+                    <a16:rowId xmlns:a16="http://schemas.microsoft.com/office/drawing/2014/main" val="319013880"/>
+                  </a:ext>
+                </a:extLst>
+              </a:tr>
+              <a:tr h="413443">
+                <a:tc>
+                  <a:txBody>
+                    <a:bodyPr/>
+                    <a:lstStyle/>
+                    <a:p>
+                      <a:pPr algn="r" fontAlgn="ctr"/>
+                      <a:r>
+                        <a:rPr lang="en-GB" sz="2000" b="1">
+                          <a:effectLst/>
+                        </a:rPr>
+                        <a:t>Barock/Aufklärung</a:t>
+                      </a:r>
+                    </a:p>
+                  </a:txBody>
+                  <a:tcPr anchor="ctr"/>
+                </a:tc>
+                <a:tc>
+                  <a:txBody>
+                    <a:bodyPr/>
+                    <a:lstStyle/>
+                    <a:p>
+                      <a:pPr algn="r" fontAlgn="ctr"/>
+                      <a:r>
+                        <a:rPr lang="en-DE" sz="2000">
+                          <a:effectLst/>
+                        </a:rPr>
+                        <a:t>0.541778</a:t>
+                      </a:r>
+                    </a:p>
+                  </a:txBody>
+                  <a:tcPr anchor="ctr"/>
+                </a:tc>
+                <a:tc>
+                  <a:txBody>
+                    <a:bodyPr/>
+                    <a:lstStyle/>
+                    <a:p>
+                      <a:pPr algn="r" fontAlgn="ctr"/>
+                      <a:r>
+                        <a:rPr lang="en-DE" sz="2000" dirty="0">
+                          <a:effectLst/>
+                        </a:rPr>
+                        <a:t>0.461887</a:t>
+                      </a:r>
+                    </a:p>
+                  </a:txBody>
+                  <a:tcPr anchor="ctr"/>
+                </a:tc>
+                <a:tc>
+                  <a:txBody>
+                    <a:bodyPr/>
+                    <a:lstStyle/>
+                    <a:p>
+                      <a:pPr algn="r" fontAlgn="ctr"/>
+                      <a:r>
+                        <a:rPr lang="en-DE" sz="2000">
+                          <a:effectLst/>
+                        </a:rPr>
+                        <a:t>0.430008</a:t>
+                      </a:r>
+                    </a:p>
+                  </a:txBody>
+                  <a:tcPr anchor="ctr"/>
+                </a:tc>
+                <a:tc>
+                  <a:txBody>
+                    <a:bodyPr/>
+                    <a:lstStyle/>
+                    <a:p>
+                      <a:pPr algn="r" fontAlgn="ctr"/>
+                      <a:r>
+                        <a:rPr lang="en-DE" sz="2000" dirty="0">
+                          <a:effectLst/>
+                        </a:rPr>
+                        <a:t>0.35397</a:t>
+                      </a:r>
+                    </a:p>
+                  </a:txBody>
+                  <a:tcPr anchor="ctr"/>
+                </a:tc>
+                <a:extLst>
+                  <a:ext uri="{0D108BD9-81ED-4DB2-BD59-A6C34878D82A}">
+                    <a16:rowId xmlns:a16="http://schemas.microsoft.com/office/drawing/2014/main" val="4216835995"/>
+                  </a:ext>
+                </a:extLst>
+              </a:tr>
+              <a:tr h="413443">
+                <a:tc>
+                  <a:txBody>
+                    <a:bodyPr/>
+                    <a:lstStyle/>
+                    <a:p>
+                      <a:pPr algn="r" fontAlgn="ctr"/>
+                      <a:r>
+                        <a:rPr lang="en-GB" sz="2000" b="1">
+                          <a:effectLst/>
+                        </a:rPr>
+                        <a:t>Klassik/Naturalismus</a:t>
+                      </a:r>
+                    </a:p>
+                  </a:txBody>
+                  <a:tcPr anchor="ctr"/>
+                </a:tc>
+                <a:tc>
+                  <a:txBody>
+                    <a:bodyPr/>
+                    <a:lstStyle/>
+                    <a:p>
+                      <a:pPr algn="r" fontAlgn="ctr"/>
+                      <a:r>
+                        <a:rPr lang="en-DE" sz="2000">
+                          <a:effectLst/>
+                        </a:rPr>
+                        <a:t>0.478888</a:t>
+                      </a:r>
+                    </a:p>
+                  </a:txBody>
+                  <a:tcPr anchor="ctr"/>
+                </a:tc>
+                <a:tc>
+                  <a:txBody>
+                    <a:bodyPr/>
+                    <a:lstStyle/>
+                    <a:p>
+                      <a:pPr algn="r" fontAlgn="ctr"/>
+                      <a:r>
+                        <a:rPr lang="en-DE" sz="2000" dirty="0">
+                          <a:effectLst/>
+                        </a:rPr>
+                        <a:t>0.485033</a:t>
+                      </a:r>
+                    </a:p>
+                  </a:txBody>
+                  <a:tcPr anchor="ctr"/>
+                </a:tc>
+                <a:tc>
+                  <a:txBody>
+                    <a:bodyPr/>
+                    <a:lstStyle/>
+                    <a:p>
+                      <a:pPr algn="r" fontAlgn="ctr"/>
+                      <a:r>
+                        <a:rPr lang="en-DE" sz="2000">
+                          <a:effectLst/>
+                        </a:rPr>
+                        <a:t>-0.001892</a:t>
+                      </a:r>
+                    </a:p>
+                  </a:txBody>
+                  <a:tcPr anchor="ctr"/>
+                </a:tc>
+                <a:tc>
+                  <a:txBody>
+                    <a:bodyPr/>
+                    <a:lstStyle/>
+                    <a:p>
+                      <a:pPr algn="r" fontAlgn="ctr"/>
+                      <a:r>
+                        <a:rPr lang="en-DE" sz="2000" dirty="0">
+                          <a:effectLst/>
+                        </a:rPr>
+                        <a:t>0.013878</a:t>
+                      </a:r>
+                    </a:p>
+                  </a:txBody>
+                  <a:tcPr anchor="ctr"/>
+                </a:tc>
+                <a:extLst>
+                  <a:ext uri="{0D108BD9-81ED-4DB2-BD59-A6C34878D82A}">
+                    <a16:rowId xmlns:a16="http://schemas.microsoft.com/office/drawing/2014/main" val="3160914534"/>
+                  </a:ext>
+                </a:extLst>
+              </a:tr>
+            </a:tbl>
+          </a:graphicData>
+        </a:graphic>
+      </p:graphicFrame>
+      <p:cxnSp>
+        <p:nvCxnSpPr>
+          <p:cNvPr id="9" name="Straight Connector 8">
+            <a:extLst>
+              <a:ext uri="{FF2B5EF4-FFF2-40B4-BE49-F238E27FC236}">
+                <a16:creationId xmlns:a16="http://schemas.microsoft.com/office/drawing/2014/main" id="{A5819989-B927-2242-B1C1-3CF654B9CE66}"/>
+              </a:ext>
+            </a:extLst>
+          </p:cNvPr>
+          <p:cNvCxnSpPr>
+            <a:cxnSpLocks/>
+          </p:cNvCxnSpPr>
+          <p:nvPr/>
+        </p:nvCxnSpPr>
+        <p:spPr>
+          <a:xfrm>
+            <a:off x="7637929" y="2820469"/>
+            <a:ext cx="0" cy="3450708"/>
+          </a:xfrm>
+          <a:prstGeom prst="line">
+            <a:avLst/>
+          </a:prstGeom>
+          <a:ln w="38100"/>
+        </p:spPr>
+        <p:style>
+          <a:lnRef idx="1">
+            <a:schemeClr val="dk1"/>
+          </a:lnRef>
+          <a:fillRef idx="0">
+            <a:schemeClr val="dk1"/>
+          </a:fillRef>
+          <a:effectRef idx="0">
+            <a:schemeClr val="dk1"/>
+          </a:effectRef>
+          <a:fontRef idx="minor">
+            <a:schemeClr val="tx1"/>
+          </a:fontRef>
+        </p:style>
+      </p:cxnSp>
+    </p:spTree>
+    <p:extLst>
+      <p:ext uri="{BB962C8B-B14F-4D97-AF65-F5344CB8AC3E}">
+        <p14:creationId xmlns:p14="http://schemas.microsoft.com/office/powerpoint/2010/main" val="4158017260"/>
+      </p:ext>
+    </p:extLst>
+  </p:cSld>
+  <p:clrMapOvr>
+    <a:masterClrMapping/>
+  </p:clrMapOvr>
+</p:sld>
+</file>
+
+<file path=ppt/slides/slide31.xml><?xml version="1.0" encoding="utf-8"?>
+<p:sld xmlns:a="http://schemas.openxmlformats.org/drawingml/2006/main" xmlns:r="http://schemas.openxmlformats.org/officeDocument/2006/relationships" xmlns:p="http://schemas.openxmlformats.org/presentationml/2006/main">
+  <p:cSld>
+    <p:spTree>
+      <p:nvGrpSpPr>
+        <p:cNvPr id="1" name=""/>
+        <p:cNvGrpSpPr/>
+        <p:nvPr/>
+      </p:nvGrpSpPr>
+      <p:grpSpPr>
+        <a:xfrm>
+          <a:off x="0" y="0"/>
+          <a:ext cx="0" cy="0"/>
+          <a:chOff x="0" y="0"/>
+          <a:chExt cx="0" cy="0"/>
+        </a:xfrm>
+      </p:grpSpPr>
+      <p:sp>
+        <p:nvSpPr>
+          <p:cNvPr id="2" name="Title 1">
+            <a:extLst>
+              <a:ext uri="{FF2B5EF4-FFF2-40B4-BE49-F238E27FC236}">
+                <a16:creationId xmlns:a16="http://schemas.microsoft.com/office/drawing/2014/main" id="{DCBE102F-D2BB-3946-AEF1-AE93DF5165E5}"/>
+              </a:ext>
+            </a:extLst>
+          </p:cNvPr>
+          <p:cNvSpPr>
+            <a:spLocks noGrp="1"/>
+          </p:cNvSpPr>
+          <p:nvPr>
+            <p:ph type="title"/>
+          </p:nvPr>
+        </p:nvSpPr>
+        <p:spPr/>
+        <p:txBody>
+          <a:bodyPr>
+            <a:normAutofit/>
+          </a:bodyPr>
+          <a:lstStyle/>
+          <a:p>
+            <a:r>
+              <a:rPr lang="de-DE" sz="4400" b="1" dirty="0"/>
+              <a:t>4.4.  Genauere Analyse der 	 		   </a:t>
+            </a:r>
+            <a:r>
+              <a:rPr lang="de-DE" sz="4400" b="1" dirty="0" err="1"/>
+              <a:t>Clusterings</a:t>
+            </a:r>
+            <a:endParaRPr lang="de-DE" sz="4800" b="1" dirty="0"/>
+          </a:p>
+        </p:txBody>
+      </p:sp>
+    </p:spTree>
+    <p:extLst>
+      <p:ext uri="{BB962C8B-B14F-4D97-AF65-F5344CB8AC3E}">
+        <p14:creationId xmlns:p14="http://schemas.microsoft.com/office/powerpoint/2010/main" val="1304185738"/>
+      </p:ext>
+    </p:extLst>
+  </p:cSld>
+  <p:clrMapOvr>
+    <a:masterClrMapping/>
+  </p:clrMapOvr>
+</p:sld>
+</file>
+
+<file path=ppt/slides/slide32.xml><?xml version="1.0" encoding="utf-8"?>
+<p:sld xmlns:a="http://schemas.openxmlformats.org/drawingml/2006/main" xmlns:r="http://schemas.openxmlformats.org/officeDocument/2006/relationships" xmlns:p="http://schemas.openxmlformats.org/presentationml/2006/main">
+  <p:cSld>
+    <p:spTree>
+      <p:nvGrpSpPr>
+        <p:cNvPr id="1" name=""/>
+        <p:cNvGrpSpPr/>
+        <p:nvPr/>
+      </p:nvGrpSpPr>
+      <p:grpSpPr>
+        <a:xfrm>
+          <a:off x="0" y="0"/>
+          <a:ext cx="0" cy="0"/>
+          <a:chOff x="0" y="0"/>
+          <a:chExt cx="0" cy="0"/>
+        </a:xfrm>
+      </p:grpSpPr>
+      <p:sp>
+        <p:nvSpPr>
+          <p:cNvPr id="2" name="Title 1">
+            <a:extLst>
+              <a:ext uri="{FF2B5EF4-FFF2-40B4-BE49-F238E27FC236}">
+                <a16:creationId xmlns:a16="http://schemas.microsoft.com/office/drawing/2014/main" id="{84192DD9-6C29-3E43-A218-EC0292BFDD3E}"/>
+              </a:ext>
+            </a:extLst>
+          </p:cNvPr>
+          <p:cNvSpPr>
+            <a:spLocks noGrp="1"/>
+          </p:cNvSpPr>
+          <p:nvPr>
+            <p:ph type="title"/>
+          </p:nvPr>
+        </p:nvSpPr>
+        <p:spPr/>
+        <p:txBody>
+          <a:bodyPr>
+            <a:normAutofit fontScale="90000"/>
+          </a:bodyPr>
+          <a:lstStyle/>
+          <a:p>
+            <a:r>
+              <a:rPr lang="de-DE" b="1" dirty="0"/>
+              <a:t>Epochen, die sich am besten clustern lassen</a:t>
+            </a:r>
+            <a:endParaRPr lang="de-DE" dirty="0"/>
+          </a:p>
+        </p:txBody>
+      </p:sp>
+      <p:graphicFrame>
+        <p:nvGraphicFramePr>
+          <p:cNvPr id="8" name="Content Placeholder 7">
+            <a:extLst>
+              <a:ext uri="{FF2B5EF4-FFF2-40B4-BE49-F238E27FC236}">
+                <a16:creationId xmlns:a16="http://schemas.microsoft.com/office/drawing/2014/main" id="{07F94742-D375-934A-A3A1-E9B4A42801A1}"/>
+              </a:ext>
+            </a:extLst>
+          </p:cNvPr>
+          <p:cNvGraphicFramePr>
+            <a:graphicFrameLocks noGrp="1"/>
+          </p:cNvGraphicFramePr>
+          <p:nvPr>
+            <p:ph idx="1"/>
+            <p:extLst>
+              <p:ext uri="{D42A27DB-BD31-4B8C-83A1-F6EECF244321}">
+                <p14:modId xmlns:p14="http://schemas.microsoft.com/office/powerpoint/2010/main" val="4084433326"/>
+              </p:ext>
+            </p:extLst>
+          </p:nvPr>
+        </p:nvGraphicFramePr>
+        <p:xfrm>
+          <a:off x="2246312" y="2206627"/>
+          <a:ext cx="7699376" cy="4480560"/>
+        </p:xfrm>
+        <a:graphic>
+          <a:graphicData uri="http://schemas.openxmlformats.org/drawingml/2006/table">
+            <a:tbl>
+              <a:tblPr firstRow="1" bandRow="1">
+                <a:tableStyleId>{5C22544A-7EE6-4342-B048-85BDC9FD1C3A}</a:tableStyleId>
+              </a:tblPr>
+              <a:tblGrid>
+                <a:gridCol w="3849688">
+                  <a:extLst>
+                    <a:ext uri="{9D8B030D-6E8A-4147-A177-3AD203B41FA5}">
+                      <a16:colId xmlns:a16="http://schemas.microsoft.com/office/drawing/2014/main" val="2480454394"/>
+                    </a:ext>
+                  </a:extLst>
+                </a:gridCol>
+                <a:gridCol w="3849688">
+                  <a:extLst>
+                    <a:ext uri="{9D8B030D-6E8A-4147-A177-3AD203B41FA5}">
+                      <a16:colId xmlns:a16="http://schemas.microsoft.com/office/drawing/2014/main" val="84020282"/>
+                    </a:ext>
+                  </a:extLst>
+                </a:gridCol>
+              </a:tblGrid>
+              <a:tr h="370840">
+                <a:tc>
+                  <a:txBody>
+                    <a:bodyPr/>
+                    <a:lstStyle/>
+                    <a:p>
+                      <a:pPr algn="ctr"/>
+                      <a:r>
+                        <a:rPr lang="de-DE" sz="2400" dirty="0"/>
+                        <a:t>Epochen</a:t>
+                      </a:r>
+                    </a:p>
+                  </a:txBody>
+                  <a:tcPr/>
+                </a:tc>
+                <a:tc>
+                  <a:txBody>
+                    <a:bodyPr/>
+                    <a:lstStyle/>
+                    <a:p>
+                      <a:pPr algn="ctr"/>
+                      <a:r>
+                        <a:rPr lang="de-DE" sz="2400" dirty="0"/>
+                        <a:t>Anteil an den besten</a:t>
+                      </a:r>
+                    </a:p>
+                    <a:p>
+                      <a:pPr algn="ctr"/>
+                      <a:r>
+                        <a:rPr lang="de-DE" sz="2400" dirty="0"/>
+                        <a:t>Ergebnissen*</a:t>
+                      </a:r>
+                    </a:p>
+                  </a:txBody>
+                  <a:tcPr/>
+                </a:tc>
+                <a:extLst>
+                  <a:ext uri="{0D108BD9-81ED-4DB2-BD59-A6C34878D82A}">
+                    <a16:rowId xmlns:a16="http://schemas.microsoft.com/office/drawing/2014/main" val="1772052340"/>
+                  </a:ext>
+                </a:extLst>
+              </a:tr>
+              <a:tr h="370840">
+                <a:tc>
+                  <a:txBody>
+                    <a:bodyPr/>
+                    <a:lstStyle/>
+                    <a:p>
+                      <a:pPr algn="l"/>
+                      <a:r>
+                        <a:rPr lang="en-GB" sz="2400" b="1" dirty="0" err="1"/>
+                        <a:t>Barock</a:t>
+                      </a:r>
+                      <a:endParaRPr lang="de-DE" sz="2400" b="1" dirty="0"/>
+                    </a:p>
+                  </a:txBody>
+                  <a:tcPr/>
+                </a:tc>
+                <a:tc>
+                  <a:txBody>
+                    <a:bodyPr/>
+                    <a:lstStyle/>
+                    <a:p>
+                      <a:pPr algn="ctr"/>
+                      <a:r>
+                        <a:rPr lang="en-GB" sz="2400" dirty="0"/>
+                        <a:t>31%</a:t>
+                      </a:r>
+                      <a:endParaRPr lang="de-DE" sz="2400" dirty="0"/>
+                    </a:p>
+                  </a:txBody>
+                  <a:tcPr/>
+                </a:tc>
+                <a:extLst>
+                  <a:ext uri="{0D108BD9-81ED-4DB2-BD59-A6C34878D82A}">
+                    <a16:rowId xmlns:a16="http://schemas.microsoft.com/office/drawing/2014/main" val="1926943264"/>
+                  </a:ext>
+                </a:extLst>
+              </a:tr>
+              <a:tr h="370840">
+                <a:tc>
+                  <a:txBody>
+                    <a:bodyPr/>
+                    <a:lstStyle/>
+                    <a:p>
+                      <a:pPr algn="l"/>
+                      <a:r>
+                        <a:rPr lang="de-DE" sz="2400" b="1" dirty="0"/>
+                        <a:t>Realismus</a:t>
+                      </a:r>
+                    </a:p>
+                  </a:txBody>
+                  <a:tcPr/>
+                </a:tc>
+                <a:tc>
+                  <a:txBody>
+                    <a:bodyPr/>
+                    <a:lstStyle/>
+                    <a:p>
+                      <a:pPr algn="ctr"/>
+                      <a:r>
+                        <a:rPr lang="de-DE" sz="2400" dirty="0"/>
+                        <a:t>18%</a:t>
+                      </a:r>
+                    </a:p>
+                  </a:txBody>
+                  <a:tcPr/>
+                </a:tc>
+                <a:extLst>
+                  <a:ext uri="{0D108BD9-81ED-4DB2-BD59-A6C34878D82A}">
+                    <a16:rowId xmlns:a16="http://schemas.microsoft.com/office/drawing/2014/main" val="3030705664"/>
+                  </a:ext>
+                </a:extLst>
+              </a:tr>
+              <a:tr h="370840">
+                <a:tc>
+                  <a:txBody>
+                    <a:bodyPr/>
+                    <a:lstStyle/>
+                    <a:p>
+                      <a:pPr algn="l"/>
+                      <a:r>
+                        <a:rPr lang="de-DE" sz="2400" b="1" dirty="0"/>
+                        <a:t>Naturalismus</a:t>
+                      </a:r>
+                    </a:p>
+                  </a:txBody>
+                  <a:tcPr/>
+                </a:tc>
+                <a:tc>
+                  <a:txBody>
+                    <a:bodyPr/>
+                    <a:lstStyle/>
+                    <a:p>
+                      <a:pPr algn="ctr"/>
+                      <a:r>
+                        <a:rPr lang="de-DE" sz="2400" dirty="0"/>
+                        <a:t>13%</a:t>
+                      </a:r>
+                    </a:p>
+                  </a:txBody>
+                  <a:tcPr/>
+                </a:tc>
+                <a:extLst>
+                  <a:ext uri="{0D108BD9-81ED-4DB2-BD59-A6C34878D82A}">
+                    <a16:rowId xmlns:a16="http://schemas.microsoft.com/office/drawing/2014/main" val="927353239"/>
+                  </a:ext>
+                </a:extLst>
+              </a:tr>
+              <a:tr h="370840">
+                <a:tc>
+                  <a:txBody>
+                    <a:bodyPr/>
+                    <a:lstStyle/>
+                    <a:p>
+                      <a:pPr algn="l"/>
+                      <a:r>
+                        <a:rPr lang="de-DE" sz="2400" b="1" dirty="0"/>
+                        <a:t>Aufklärung</a:t>
+                      </a:r>
+                    </a:p>
+                  </a:txBody>
+                  <a:tcPr/>
+                </a:tc>
+                <a:tc>
+                  <a:txBody>
+                    <a:bodyPr/>
+                    <a:lstStyle/>
+                    <a:p>
+                      <a:pPr algn="ctr"/>
+                      <a:r>
+                        <a:rPr lang="de-DE" sz="2400" dirty="0"/>
+                        <a:t>13%</a:t>
+                      </a:r>
+                    </a:p>
+                  </a:txBody>
+                  <a:tcPr/>
+                </a:tc>
+                <a:extLst>
+                  <a:ext uri="{0D108BD9-81ED-4DB2-BD59-A6C34878D82A}">
+                    <a16:rowId xmlns:a16="http://schemas.microsoft.com/office/drawing/2014/main" val="3323822092"/>
+                  </a:ext>
+                </a:extLst>
+              </a:tr>
+              <a:tr h="370840">
+                <a:tc>
+                  <a:txBody>
+                    <a:bodyPr/>
+                    <a:lstStyle/>
+                    <a:p>
+                      <a:pPr algn="l"/>
+                      <a:r>
+                        <a:rPr lang="de-DE" sz="2400" b="1" dirty="0"/>
+                        <a:t>Klassik</a:t>
+                      </a:r>
+                    </a:p>
+                  </a:txBody>
+                  <a:tcPr/>
+                </a:tc>
+                <a:tc>
+                  <a:txBody>
+                    <a:bodyPr/>
+                    <a:lstStyle/>
+                    <a:p>
+                      <a:pPr algn="ctr"/>
+                      <a:r>
+                        <a:rPr lang="de-DE" sz="2400" dirty="0"/>
+                        <a:t>13%</a:t>
+                      </a:r>
+                    </a:p>
+                  </a:txBody>
+                  <a:tcPr/>
+                </a:tc>
+                <a:extLst>
+                  <a:ext uri="{0D108BD9-81ED-4DB2-BD59-A6C34878D82A}">
+                    <a16:rowId xmlns:a16="http://schemas.microsoft.com/office/drawing/2014/main" val="496116246"/>
+                  </a:ext>
+                </a:extLst>
+              </a:tr>
+              <a:tr h="370840">
+                <a:tc>
+                  <a:txBody>
+                    <a:bodyPr/>
+                    <a:lstStyle/>
+                    <a:p>
+                      <a:pPr algn="l"/>
+                      <a:r>
+                        <a:rPr lang="de-DE" sz="2400" b="1" dirty="0"/>
+                        <a:t>Expressionismus</a:t>
+                      </a:r>
+                    </a:p>
+                  </a:txBody>
+                  <a:tcPr/>
+                </a:tc>
+                <a:tc>
+                  <a:txBody>
+                    <a:bodyPr/>
+                    <a:lstStyle/>
+                    <a:p>
+                      <a:pPr algn="ctr"/>
+                      <a:r>
+                        <a:rPr lang="de-DE" sz="2400" dirty="0"/>
+                        <a:t>4%</a:t>
+                      </a:r>
+                    </a:p>
+                  </a:txBody>
+                  <a:tcPr/>
+                </a:tc>
+                <a:extLst>
+                  <a:ext uri="{0D108BD9-81ED-4DB2-BD59-A6C34878D82A}">
+                    <a16:rowId xmlns:a16="http://schemas.microsoft.com/office/drawing/2014/main" val="1510810244"/>
+                  </a:ext>
+                </a:extLst>
+              </a:tr>
+              <a:tr h="370840">
+                <a:tc>
+                  <a:txBody>
+                    <a:bodyPr/>
+                    <a:lstStyle/>
+                    <a:p>
+                      <a:pPr algn="l"/>
+                      <a:r>
+                        <a:rPr lang="de-DE" sz="2400" b="1" dirty="0"/>
+                        <a:t>Biedermeier</a:t>
+                      </a:r>
+                    </a:p>
+                  </a:txBody>
+                  <a:tcPr>
+                    <a:lnB w="12700" cap="flat" cmpd="sng" algn="ctr">
+                      <a:solidFill>
+                        <a:schemeClr val="tx1"/>
+                      </a:solidFill>
+                      <a:prstDash val="solid"/>
+                      <a:round/>
+                      <a:headEnd type="none" w="med" len="med"/>
+                      <a:tailEnd type="none" w="med" len="med"/>
+                    </a:lnB>
+                  </a:tcPr>
+                </a:tc>
+                <a:tc>
+                  <a:txBody>
+                    <a:bodyPr/>
+                    <a:lstStyle/>
+                    <a:p>
+                      <a:pPr algn="ctr"/>
+                      <a:r>
+                        <a:rPr lang="de-DE" sz="2400" dirty="0"/>
+                        <a:t>4%</a:t>
+                      </a:r>
+                    </a:p>
+                  </a:txBody>
+                  <a:tcPr>
+                    <a:lnB w="12700" cap="flat" cmpd="sng" algn="ctr">
+                      <a:solidFill>
+                        <a:schemeClr val="tx1"/>
+                      </a:solidFill>
+                      <a:prstDash val="solid"/>
+                      <a:round/>
+                      <a:headEnd type="none" w="med" len="med"/>
+                      <a:tailEnd type="none" w="med" len="med"/>
+                    </a:lnB>
+                  </a:tcPr>
+                </a:tc>
+                <a:extLst>
+                  <a:ext uri="{0D108BD9-81ED-4DB2-BD59-A6C34878D82A}">
+                    <a16:rowId xmlns:a16="http://schemas.microsoft.com/office/drawing/2014/main" val="2014224361"/>
+                  </a:ext>
+                </a:extLst>
+              </a:tr>
+              <a:tr h="370840">
+                <a:tc>
+                  <a:txBody>
+                    <a:bodyPr/>
+                    <a:lstStyle/>
+                    <a:p>
+                      <a:pPr algn="l"/>
+                      <a:r>
+                        <a:rPr lang="de-DE" sz="2400" b="1" dirty="0"/>
+                        <a:t>Romantik</a:t>
+                      </a:r>
+                    </a:p>
+                  </a:txBody>
+                  <a:tcPr>
+                    <a:lnT w="12700" cap="flat" cmpd="sng" algn="ctr">
+                      <a:solidFill>
+                        <a:schemeClr val="tx1"/>
+                      </a:solidFill>
+                      <a:prstDash val="solid"/>
+                      <a:round/>
+                      <a:headEnd type="none" w="med" len="med"/>
+                      <a:tailEnd type="none" w="med" len="med"/>
+                    </a:lnT>
+                  </a:tcPr>
+                </a:tc>
+                <a:tc>
+                  <a:txBody>
+                    <a:bodyPr/>
+                    <a:lstStyle/>
+                    <a:p>
+                      <a:pPr algn="ctr"/>
+                      <a:r>
+                        <a:rPr lang="de-DE" sz="2400" dirty="0"/>
+                        <a:t>0%</a:t>
+                      </a:r>
+                    </a:p>
+                  </a:txBody>
+                  <a:tcPr>
+                    <a:lnT w="12700" cap="flat" cmpd="sng" algn="ctr">
+                      <a:solidFill>
+                        <a:schemeClr val="tx1"/>
+                      </a:solidFill>
+                      <a:prstDash val="solid"/>
+                      <a:round/>
+                      <a:headEnd type="none" w="med" len="med"/>
+                      <a:tailEnd type="none" w="med" len="med"/>
+                    </a:lnT>
+                  </a:tcPr>
+                </a:tc>
+                <a:extLst>
+                  <a:ext uri="{0D108BD9-81ED-4DB2-BD59-A6C34878D82A}">
+                    <a16:rowId xmlns:a16="http://schemas.microsoft.com/office/drawing/2014/main" val="2117984713"/>
+                  </a:ext>
+                </a:extLst>
+              </a:tr>
+            </a:tbl>
+          </a:graphicData>
+        </a:graphic>
+      </p:graphicFrame>
+      <p:cxnSp>
+        <p:nvCxnSpPr>
+          <p:cNvPr id="9" name="Straight Connector 8">
+            <a:extLst>
+              <a:ext uri="{FF2B5EF4-FFF2-40B4-BE49-F238E27FC236}">
+                <a16:creationId xmlns:a16="http://schemas.microsoft.com/office/drawing/2014/main" id="{360676B5-7783-9F47-9444-A90D4351817F}"/>
+              </a:ext>
+            </a:extLst>
+          </p:cNvPr>
+          <p:cNvCxnSpPr>
+            <a:cxnSpLocks/>
+            <a:endCxn id="8" idx="2"/>
+          </p:cNvCxnSpPr>
+          <p:nvPr/>
+        </p:nvCxnSpPr>
+        <p:spPr>
+          <a:xfrm flipH="1">
+            <a:off x="6096000" y="2206627"/>
+            <a:ext cx="7026" cy="4480560"/>
+          </a:xfrm>
+          <a:prstGeom prst="line">
+            <a:avLst/>
+          </a:prstGeom>
+          <a:ln w="38100"/>
+        </p:spPr>
+        <p:style>
+          <a:lnRef idx="1">
+            <a:schemeClr val="dk1"/>
+          </a:lnRef>
+          <a:fillRef idx="0">
+            <a:schemeClr val="dk1"/>
+          </a:fillRef>
+          <a:effectRef idx="0">
+            <a:schemeClr val="dk1"/>
+          </a:effectRef>
+          <a:fontRef idx="minor">
+            <a:schemeClr val="tx1"/>
+          </a:fontRef>
+        </p:style>
+      </p:cxnSp>
+      <p:sp>
+        <p:nvSpPr>
+          <p:cNvPr id="12" name="TextBox 11">
+            <a:extLst>
+              <a:ext uri="{FF2B5EF4-FFF2-40B4-BE49-F238E27FC236}">
+                <a16:creationId xmlns:a16="http://schemas.microsoft.com/office/drawing/2014/main" id="{C451FBBC-DA8A-E545-B9F9-A40E81A5358E}"/>
+              </a:ext>
+            </a:extLst>
+          </p:cNvPr>
+          <p:cNvSpPr txBox="1"/>
+          <p:nvPr/>
+        </p:nvSpPr>
+        <p:spPr>
+          <a:xfrm>
+            <a:off x="10069257" y="2406652"/>
+            <a:ext cx="1979867" cy="400110"/>
+          </a:xfrm>
+          <a:prstGeom prst="rect">
+            <a:avLst/>
+          </a:prstGeom>
+          <a:noFill/>
+          <a:ln>
+            <a:solidFill>
+              <a:schemeClr val="tx1"/>
+            </a:solidFill>
+          </a:ln>
+        </p:spPr>
+        <p:txBody>
+          <a:bodyPr wrap="square" rtlCol="0">
+            <a:spAutoFit/>
+          </a:bodyPr>
+          <a:lstStyle/>
+          <a:p>
+            <a:r>
+              <a:rPr lang="de-DE" sz="2000" dirty="0"/>
+              <a:t>*:    </a:t>
+            </a:r>
+            <a:r>
+              <a:rPr lang="de-DE" sz="2000" b="1" dirty="0" err="1"/>
+              <a:t>ari</a:t>
+            </a:r>
+            <a:r>
+              <a:rPr lang="de-DE" sz="2000" dirty="0"/>
+              <a:t> &gt;= 0.7</a:t>
+            </a:r>
+          </a:p>
+        </p:txBody>
+      </p:sp>
+    </p:spTree>
+    <p:extLst>
+      <p:ext uri="{BB962C8B-B14F-4D97-AF65-F5344CB8AC3E}">
+        <p14:creationId xmlns:p14="http://schemas.microsoft.com/office/powerpoint/2010/main" val="3607265043"/>
+      </p:ext>
+    </p:extLst>
+  </p:cSld>
+  <p:clrMapOvr>
+    <a:masterClrMapping/>
+  </p:clrMapOvr>
+</p:sld>
+</file>
+
+<file path=ppt/slides/slide33.xml><?xml version="1.0" encoding="utf-8"?>
+<p:sld xmlns:a="http://schemas.openxmlformats.org/drawingml/2006/main" xmlns:r="http://schemas.openxmlformats.org/officeDocument/2006/relationships" xmlns:p="http://schemas.openxmlformats.org/presentationml/2006/main">
+  <p:cSld>
+    <p:spTree>
+      <p:nvGrpSpPr>
+        <p:cNvPr id="1" name=""/>
+        <p:cNvGrpSpPr/>
+        <p:nvPr/>
+      </p:nvGrpSpPr>
+      <p:grpSpPr>
+        <a:xfrm>
+          <a:off x="0" y="0"/>
+          <a:ext cx="0" cy="0"/>
+          <a:chOff x="0" y="0"/>
+          <a:chExt cx="0" cy="0"/>
+        </a:xfrm>
+      </p:grpSpPr>
+      <p:sp>
+        <p:nvSpPr>
+          <p:cNvPr id="2" name="Title 1">
+            <a:extLst>
+              <a:ext uri="{FF2B5EF4-FFF2-40B4-BE49-F238E27FC236}">
+                <a16:creationId xmlns:a16="http://schemas.microsoft.com/office/drawing/2014/main" id="{E81164C1-BB68-F748-BB86-1C0705BD6E52}"/>
+              </a:ext>
+            </a:extLst>
+          </p:cNvPr>
+          <p:cNvSpPr>
+            <a:spLocks noGrp="1"/>
+          </p:cNvSpPr>
+          <p:nvPr>
+            <p:ph type="title"/>
+          </p:nvPr>
+        </p:nvSpPr>
+        <p:spPr/>
+        <p:txBody>
+          <a:bodyPr/>
+          <a:lstStyle/>
+          <a:p>
+            <a:endParaRPr lang="de-DE"/>
+          </a:p>
+        </p:txBody>
+      </p:sp>
+      <p:sp>
+        <p:nvSpPr>
+          <p:cNvPr id="3" name="Text Placeholder 2">
+            <a:extLst>
+              <a:ext uri="{FF2B5EF4-FFF2-40B4-BE49-F238E27FC236}">
+                <a16:creationId xmlns:a16="http://schemas.microsoft.com/office/drawing/2014/main" id="{6B8E931C-F7EC-2344-B73C-F5A7A2B7897A}"/>
+              </a:ext>
+            </a:extLst>
+          </p:cNvPr>
+          <p:cNvSpPr>
+            <a:spLocks noGrp="1"/>
+          </p:cNvSpPr>
+          <p:nvPr>
+            <p:ph type="body" idx="1"/>
+          </p:nvPr>
+        </p:nvSpPr>
+        <p:spPr/>
+        <p:txBody>
+          <a:bodyPr/>
+          <a:lstStyle/>
+          <a:p>
+            <a:endParaRPr lang="de-DE"/>
+          </a:p>
+        </p:txBody>
+      </p:sp>
+      <p:sp>
+        <p:nvSpPr>
+          <p:cNvPr id="4" name="Content Placeholder 3">
+            <a:extLst>
+              <a:ext uri="{FF2B5EF4-FFF2-40B4-BE49-F238E27FC236}">
+                <a16:creationId xmlns:a16="http://schemas.microsoft.com/office/drawing/2014/main" id="{BAF1CA4F-AC4A-4D47-9985-3D3931F691C3}"/>
+              </a:ext>
+            </a:extLst>
+          </p:cNvPr>
+          <p:cNvSpPr>
+            <a:spLocks noGrp="1"/>
+          </p:cNvSpPr>
+          <p:nvPr>
+            <p:ph sz="half" idx="2"/>
+          </p:nvPr>
+        </p:nvSpPr>
+        <p:spPr/>
+        <p:txBody>
+          <a:bodyPr/>
+          <a:lstStyle/>
+          <a:p>
+            <a:endParaRPr lang="de-DE"/>
+          </a:p>
+        </p:txBody>
+      </p:sp>
+      <p:sp>
+        <p:nvSpPr>
+          <p:cNvPr id="5" name="Text Placeholder 4">
+            <a:extLst>
+              <a:ext uri="{FF2B5EF4-FFF2-40B4-BE49-F238E27FC236}">
+                <a16:creationId xmlns:a16="http://schemas.microsoft.com/office/drawing/2014/main" id="{6C1047FD-75BA-B942-ABFA-EE4711B79A5B}"/>
+              </a:ext>
+            </a:extLst>
+          </p:cNvPr>
+          <p:cNvSpPr>
+            <a:spLocks noGrp="1"/>
+          </p:cNvSpPr>
+          <p:nvPr>
+            <p:ph type="body" sz="quarter" idx="3"/>
+          </p:nvPr>
+        </p:nvSpPr>
+        <p:spPr/>
+        <p:txBody>
+          <a:bodyPr/>
+          <a:lstStyle/>
+          <a:p>
+            <a:endParaRPr lang="de-DE"/>
+          </a:p>
+        </p:txBody>
+      </p:sp>
+      <p:sp>
+        <p:nvSpPr>
+          <p:cNvPr id="6" name="Content Placeholder 5">
+            <a:extLst>
+              <a:ext uri="{FF2B5EF4-FFF2-40B4-BE49-F238E27FC236}">
+                <a16:creationId xmlns:a16="http://schemas.microsoft.com/office/drawing/2014/main" id="{4FF1E021-045A-4142-A4AE-9AA02E362FB1}"/>
+              </a:ext>
+            </a:extLst>
+          </p:cNvPr>
+          <p:cNvSpPr>
+            <a:spLocks noGrp="1"/>
+          </p:cNvSpPr>
+          <p:nvPr>
+            <p:ph sz="quarter" idx="4"/>
+          </p:nvPr>
+        </p:nvSpPr>
+        <p:spPr/>
+        <p:txBody>
+          <a:bodyPr/>
+          <a:lstStyle/>
+          <a:p>
+            <a:endParaRPr lang="de-DE"/>
+          </a:p>
+        </p:txBody>
+      </p:sp>
+    </p:spTree>
+    <p:extLst>
+      <p:ext uri="{BB962C8B-B14F-4D97-AF65-F5344CB8AC3E}">
+        <p14:creationId xmlns:p14="http://schemas.microsoft.com/office/powerpoint/2010/main" val="2532051736"/>
+      </p:ext>
+    </p:extLst>
+  </p:cSld>
+  <p:clrMapOvr>
+    <a:masterClrMapping/>
+  </p:clrMapOvr>
+</p:sld>
+</file>
+
+<file path=ppt/slides/slide34.xml><?xml version="1.0" encoding="utf-8"?>
+<p:sld xmlns:a="http://schemas.openxmlformats.org/drawingml/2006/main" xmlns:r="http://schemas.openxmlformats.org/officeDocument/2006/relationships" xmlns:p="http://schemas.openxmlformats.org/presentationml/2006/main">
+  <p:cSld>
+    <p:spTree>
+      <p:nvGrpSpPr>
+        <p:cNvPr id="1" name=""/>
+        <p:cNvGrpSpPr/>
+        <p:nvPr/>
+      </p:nvGrpSpPr>
+      <p:grpSpPr>
+        <a:xfrm>
+          <a:off x="0" y="0"/>
+          <a:ext cx="0" cy="0"/>
+          <a:chOff x="0" y="0"/>
+          <a:chExt cx="0" cy="0"/>
+        </a:xfrm>
+      </p:grpSpPr>
+      <p:sp>
+        <p:nvSpPr>
+          <p:cNvPr id="2" name="Title 1">
+            <a:extLst>
+              <a:ext uri="{FF2B5EF4-FFF2-40B4-BE49-F238E27FC236}">
+                <a16:creationId xmlns:a16="http://schemas.microsoft.com/office/drawing/2014/main" id="{E81164C1-BB68-F748-BB86-1C0705BD6E52}"/>
+              </a:ext>
+            </a:extLst>
+          </p:cNvPr>
+          <p:cNvSpPr>
+            <a:spLocks noGrp="1"/>
+          </p:cNvSpPr>
+          <p:nvPr>
+            <p:ph type="title"/>
+          </p:nvPr>
+        </p:nvSpPr>
+        <p:spPr/>
+        <p:txBody>
+          <a:bodyPr/>
+          <a:lstStyle/>
+          <a:p>
+            <a:endParaRPr lang="de-DE"/>
+          </a:p>
+        </p:txBody>
+      </p:sp>
+      <p:sp>
+        <p:nvSpPr>
+          <p:cNvPr id="3" name="Text Placeholder 2">
+            <a:extLst>
+              <a:ext uri="{FF2B5EF4-FFF2-40B4-BE49-F238E27FC236}">
+                <a16:creationId xmlns:a16="http://schemas.microsoft.com/office/drawing/2014/main" id="{6B8E931C-F7EC-2344-B73C-F5A7A2B7897A}"/>
+              </a:ext>
+            </a:extLst>
+          </p:cNvPr>
+          <p:cNvSpPr>
+            <a:spLocks noGrp="1"/>
+          </p:cNvSpPr>
+          <p:nvPr>
+            <p:ph type="body" idx="1"/>
+          </p:nvPr>
+        </p:nvSpPr>
+        <p:spPr/>
+        <p:txBody>
+          <a:bodyPr/>
+          <a:lstStyle/>
+          <a:p>
+            <a:endParaRPr lang="de-DE"/>
+          </a:p>
+        </p:txBody>
+      </p:sp>
+      <p:sp>
+        <p:nvSpPr>
+          <p:cNvPr id="4" name="Content Placeholder 3">
+            <a:extLst>
+              <a:ext uri="{FF2B5EF4-FFF2-40B4-BE49-F238E27FC236}">
+                <a16:creationId xmlns:a16="http://schemas.microsoft.com/office/drawing/2014/main" id="{BAF1CA4F-AC4A-4D47-9985-3D3931F691C3}"/>
+              </a:ext>
+            </a:extLst>
+          </p:cNvPr>
+          <p:cNvSpPr>
+            <a:spLocks noGrp="1"/>
+          </p:cNvSpPr>
+          <p:nvPr>
+            <p:ph sz="half" idx="2"/>
+          </p:nvPr>
+        </p:nvSpPr>
+        <p:spPr/>
+        <p:txBody>
+          <a:bodyPr/>
+          <a:lstStyle/>
+          <a:p>
+            <a:endParaRPr lang="de-DE"/>
+          </a:p>
+        </p:txBody>
+      </p:sp>
+      <p:sp>
+        <p:nvSpPr>
+          <p:cNvPr id="5" name="Text Placeholder 4">
+            <a:extLst>
+              <a:ext uri="{FF2B5EF4-FFF2-40B4-BE49-F238E27FC236}">
+                <a16:creationId xmlns:a16="http://schemas.microsoft.com/office/drawing/2014/main" id="{6C1047FD-75BA-B942-ABFA-EE4711B79A5B}"/>
+              </a:ext>
+            </a:extLst>
+          </p:cNvPr>
+          <p:cNvSpPr>
+            <a:spLocks noGrp="1"/>
+          </p:cNvSpPr>
+          <p:nvPr>
+            <p:ph type="body" sz="quarter" idx="3"/>
+          </p:nvPr>
+        </p:nvSpPr>
+        <p:spPr/>
+        <p:txBody>
+          <a:bodyPr/>
+          <a:lstStyle/>
+          <a:p>
+            <a:endParaRPr lang="de-DE"/>
+          </a:p>
+        </p:txBody>
+      </p:sp>
+      <p:sp>
+        <p:nvSpPr>
+          <p:cNvPr id="6" name="Content Placeholder 5">
+            <a:extLst>
+              <a:ext uri="{FF2B5EF4-FFF2-40B4-BE49-F238E27FC236}">
+                <a16:creationId xmlns:a16="http://schemas.microsoft.com/office/drawing/2014/main" id="{4FF1E021-045A-4142-A4AE-9AA02E362FB1}"/>
+              </a:ext>
+            </a:extLst>
+          </p:cNvPr>
+          <p:cNvSpPr>
+            <a:spLocks noGrp="1"/>
+          </p:cNvSpPr>
+          <p:nvPr>
+            <p:ph sz="quarter" idx="4"/>
+          </p:nvPr>
+        </p:nvSpPr>
+        <p:spPr/>
+        <p:txBody>
+          <a:bodyPr/>
+          <a:lstStyle/>
+          <a:p>
+            <a:endParaRPr lang="de-DE"/>
+          </a:p>
+        </p:txBody>
+      </p:sp>
+    </p:spTree>
+    <p:extLst>
+      <p:ext uri="{BB962C8B-B14F-4D97-AF65-F5344CB8AC3E}">
+        <p14:creationId xmlns:p14="http://schemas.microsoft.com/office/powerpoint/2010/main" val="2512545284"/>
+      </p:ext>
+    </p:extLst>
+  </p:cSld>
+  <p:clrMapOvr>
+    <a:masterClrMapping/>
+  </p:clrMapOvr>
+</p:sld>
+</file>
+
+<file path=ppt/slides/slide35.xml><?xml version="1.0" encoding="utf-8"?>
+<p:sld xmlns:a="http://schemas.openxmlformats.org/drawingml/2006/main" xmlns:r="http://schemas.openxmlformats.org/officeDocument/2006/relationships" xmlns:p="http://schemas.openxmlformats.org/presentationml/2006/main">
+  <p:cSld>
+    <p:spTree>
+      <p:nvGrpSpPr>
+        <p:cNvPr id="1" name=""/>
+        <p:cNvGrpSpPr/>
+        <p:nvPr/>
+      </p:nvGrpSpPr>
+      <p:grpSpPr>
+        <a:xfrm>
+          <a:off x="0" y="0"/>
+          <a:ext cx="0" cy="0"/>
+          <a:chOff x="0" y="0"/>
+          <a:chExt cx="0" cy="0"/>
+        </a:xfrm>
+      </p:grpSpPr>
+      <p:sp>
+        <p:nvSpPr>
+          <p:cNvPr id="2" name="Title 1">
+            <a:extLst>
+              <a:ext uri="{FF2B5EF4-FFF2-40B4-BE49-F238E27FC236}">
+                <a16:creationId xmlns:a16="http://schemas.microsoft.com/office/drawing/2014/main" id="{E81164C1-BB68-F748-BB86-1C0705BD6E52}"/>
+              </a:ext>
+            </a:extLst>
+          </p:cNvPr>
+          <p:cNvSpPr>
+            <a:spLocks noGrp="1"/>
+          </p:cNvSpPr>
+          <p:nvPr>
+            <p:ph type="title"/>
+          </p:nvPr>
+        </p:nvSpPr>
+        <p:spPr/>
+        <p:txBody>
+          <a:bodyPr/>
+          <a:lstStyle/>
+          <a:p>
+            <a:endParaRPr lang="de-DE"/>
+          </a:p>
+        </p:txBody>
+      </p:sp>
+      <p:sp>
+        <p:nvSpPr>
+          <p:cNvPr id="3" name="Text Placeholder 2">
+            <a:extLst>
+              <a:ext uri="{FF2B5EF4-FFF2-40B4-BE49-F238E27FC236}">
+                <a16:creationId xmlns:a16="http://schemas.microsoft.com/office/drawing/2014/main" id="{6B8E931C-F7EC-2344-B73C-F5A7A2B7897A}"/>
+              </a:ext>
+            </a:extLst>
+          </p:cNvPr>
+          <p:cNvSpPr>
+            <a:spLocks noGrp="1"/>
+          </p:cNvSpPr>
+          <p:nvPr>
+            <p:ph type="body" idx="1"/>
+          </p:nvPr>
+        </p:nvSpPr>
+        <p:spPr/>
+        <p:txBody>
+          <a:bodyPr/>
+          <a:lstStyle/>
+          <a:p>
+            <a:endParaRPr lang="de-DE"/>
+          </a:p>
+        </p:txBody>
+      </p:sp>
+      <p:sp>
+        <p:nvSpPr>
+          <p:cNvPr id="4" name="Content Placeholder 3">
+            <a:extLst>
+              <a:ext uri="{FF2B5EF4-FFF2-40B4-BE49-F238E27FC236}">
+                <a16:creationId xmlns:a16="http://schemas.microsoft.com/office/drawing/2014/main" id="{BAF1CA4F-AC4A-4D47-9985-3D3931F691C3}"/>
+              </a:ext>
+            </a:extLst>
+          </p:cNvPr>
+          <p:cNvSpPr>
+            <a:spLocks noGrp="1"/>
+          </p:cNvSpPr>
+          <p:nvPr>
+            <p:ph sz="half" idx="2"/>
+          </p:nvPr>
+        </p:nvSpPr>
+        <p:spPr/>
+        <p:txBody>
+          <a:bodyPr/>
+          <a:lstStyle/>
+          <a:p>
+            <a:endParaRPr lang="de-DE"/>
+          </a:p>
+        </p:txBody>
+      </p:sp>
+      <p:sp>
+        <p:nvSpPr>
+          <p:cNvPr id="5" name="Text Placeholder 4">
+            <a:extLst>
+              <a:ext uri="{FF2B5EF4-FFF2-40B4-BE49-F238E27FC236}">
+                <a16:creationId xmlns:a16="http://schemas.microsoft.com/office/drawing/2014/main" id="{6C1047FD-75BA-B942-ABFA-EE4711B79A5B}"/>
+              </a:ext>
+            </a:extLst>
+          </p:cNvPr>
+          <p:cNvSpPr>
+            <a:spLocks noGrp="1"/>
+          </p:cNvSpPr>
+          <p:nvPr>
+            <p:ph type="body" sz="quarter" idx="3"/>
+          </p:nvPr>
+        </p:nvSpPr>
+        <p:spPr/>
+        <p:txBody>
+          <a:bodyPr/>
+          <a:lstStyle/>
+          <a:p>
+            <a:endParaRPr lang="de-DE"/>
+          </a:p>
+        </p:txBody>
+      </p:sp>
+      <p:sp>
+        <p:nvSpPr>
+          <p:cNvPr id="6" name="Content Placeholder 5">
+            <a:extLst>
+              <a:ext uri="{FF2B5EF4-FFF2-40B4-BE49-F238E27FC236}">
+                <a16:creationId xmlns:a16="http://schemas.microsoft.com/office/drawing/2014/main" id="{4FF1E021-045A-4142-A4AE-9AA02E362FB1}"/>
+              </a:ext>
+            </a:extLst>
+          </p:cNvPr>
+          <p:cNvSpPr>
+            <a:spLocks noGrp="1"/>
+          </p:cNvSpPr>
+          <p:nvPr>
+            <p:ph sz="quarter" idx="4"/>
+          </p:nvPr>
+        </p:nvSpPr>
+        <p:spPr/>
+        <p:txBody>
+          <a:bodyPr/>
+          <a:lstStyle/>
+          <a:p>
+            <a:endParaRPr lang="de-DE"/>
+          </a:p>
+        </p:txBody>
+      </p:sp>
+    </p:spTree>
+    <p:extLst>
+      <p:ext uri="{BB962C8B-B14F-4D97-AF65-F5344CB8AC3E}">
+        <p14:creationId xmlns:p14="http://schemas.microsoft.com/office/powerpoint/2010/main" val="3318092965"/>
+      </p:ext>
+    </p:extLst>
+  </p:cSld>
+  <p:clrMapOvr>
+    <a:masterClrMapping/>
+  </p:clrMapOvr>
+</p:sld>
+</file>
+
+<file path=ppt/slides/slide36.xml><?xml version="1.0" encoding="utf-8"?>
+<p:sld xmlns:a="http://schemas.openxmlformats.org/drawingml/2006/main" xmlns:r="http://schemas.openxmlformats.org/officeDocument/2006/relationships" xmlns:p="http://schemas.openxmlformats.org/presentationml/2006/main">
+  <p:cSld>
+    <p:bg>
+      <p:bgPr>
+        <a:solidFill>
+          <a:schemeClr val="bg1"/>
+        </a:solidFill>
+        <a:effectLst/>
+      </p:bgPr>
+    </p:bg>
+    <p:spTree>
+      <p:nvGrpSpPr>
+        <p:cNvPr id="1" name=""/>
+        <p:cNvGrpSpPr/>
+        <p:nvPr/>
+      </p:nvGrpSpPr>
+      <p:grpSpPr>
+        <a:xfrm>
+          <a:off x="0" y="0"/>
+          <a:ext cx="0" cy="0"/>
+          <a:chOff x="0" y="0"/>
+          <a:chExt cx="0" cy="0"/>
+        </a:xfrm>
+      </p:grpSpPr>
       <p:sp>
         <p:nvSpPr>
           <p:cNvPr id="41" name="Rectangle 26">
@@ -16453,7 +20376,7 @@
 </p:sld>
 </file>
 
-<file path=ppt/slides/slide31.xml><?xml version="1.0" encoding="utf-8"?>
+<file path=ppt/slides/slide37.xml><?xml version="1.0" encoding="utf-8"?>
 <p:sld xmlns:a="http://schemas.openxmlformats.org/drawingml/2006/main" xmlns:r="http://schemas.openxmlformats.org/officeDocument/2006/relationships" xmlns:p="http://schemas.openxmlformats.org/presentationml/2006/main">
   <p:cSld>
     <p:bg>
@@ -17048,7 +20971,7 @@
 </p:sld>
 </file>
 
-<file path=ppt/slides/slide32.xml><?xml version="1.0" encoding="utf-8"?>
+<file path=ppt/slides/slide38.xml><?xml version="1.0" encoding="utf-8"?>
 <p:sld xmlns:a="http://schemas.openxmlformats.org/drawingml/2006/main" xmlns:r="http://schemas.openxmlformats.org/officeDocument/2006/relationships" xmlns:p="http://schemas.openxmlformats.org/presentationml/2006/main">
   <p:cSld>
     <p:bg>
@@ -17617,7 +21540,7 @@
 </p:sld>
 </file>
 
-<file path=ppt/slides/slide33.xml><?xml version="1.0" encoding="utf-8"?>
+<file path=ppt/slides/slide39.xml><?xml version="1.0" encoding="utf-8"?>
 <p:sld xmlns:a="http://schemas.openxmlformats.org/drawingml/2006/main" xmlns:r="http://schemas.openxmlformats.org/officeDocument/2006/relationships" xmlns:p="http://schemas.openxmlformats.org/presentationml/2006/main">
   <p:cSld>
     <p:bg>
@@ -18180,7 +22103,262 @@
 </p:sld>
 </file>
 
-<file path=ppt/slides/slide34.xml><?xml version="1.0" encoding="utf-8"?>
+<file path=ppt/slides/slide4.xml><?xml version="1.0" encoding="utf-8"?>
+<p:sld xmlns:a="http://schemas.openxmlformats.org/drawingml/2006/main" xmlns:r="http://schemas.openxmlformats.org/officeDocument/2006/relationships" xmlns:p="http://schemas.openxmlformats.org/presentationml/2006/main">
+  <p:cSld>
+    <p:spTree>
+      <p:nvGrpSpPr>
+        <p:cNvPr id="1" name=""/>
+        <p:cNvGrpSpPr/>
+        <p:nvPr/>
+      </p:nvGrpSpPr>
+      <p:grpSpPr>
+        <a:xfrm>
+          <a:off x="0" y="0"/>
+          <a:ext cx="0" cy="0"/>
+          <a:chOff x="0" y="0"/>
+          <a:chExt cx="0" cy="0"/>
+        </a:xfrm>
+      </p:grpSpPr>
+      <p:sp>
+        <p:nvSpPr>
+          <p:cNvPr id="4" name="Title 3">
+            <a:extLst>
+              <a:ext uri="{FF2B5EF4-FFF2-40B4-BE49-F238E27FC236}">
+                <a16:creationId xmlns:a16="http://schemas.microsoft.com/office/drawing/2014/main" id="{F28AA1C2-4EC8-F94C-B5E1-BD16A1EA9353}"/>
+              </a:ext>
+            </a:extLst>
+          </p:cNvPr>
+          <p:cNvSpPr>
+            <a:spLocks noGrp="1"/>
+          </p:cNvSpPr>
+          <p:nvPr>
+            <p:ph type="title"/>
+          </p:nvPr>
+        </p:nvSpPr>
+        <p:spPr/>
+        <p:txBody>
+          <a:bodyPr/>
+          <a:lstStyle/>
+          <a:p>
+            <a:r>
+              <a:rPr lang="de-DE" b="1" dirty="0"/>
+              <a:t>Epochenbegriff</a:t>
+            </a:r>
+          </a:p>
+        </p:txBody>
+      </p:sp>
+      <p:sp>
+        <p:nvSpPr>
+          <p:cNvPr id="5" name="Content Placeholder 4">
+            <a:extLst>
+              <a:ext uri="{FF2B5EF4-FFF2-40B4-BE49-F238E27FC236}">
+                <a16:creationId xmlns:a16="http://schemas.microsoft.com/office/drawing/2014/main" id="{D70BD3BA-BFBC-1A47-B5C6-9B045B38B728}"/>
+              </a:ext>
+            </a:extLst>
+          </p:cNvPr>
+          <p:cNvSpPr>
+            <a:spLocks noGrp="1"/>
+          </p:cNvSpPr>
+          <p:nvPr>
+            <p:ph idx="1"/>
+          </p:nvPr>
+        </p:nvSpPr>
+        <p:spPr>
+          <a:xfrm>
+            <a:off x="1115568" y="2478024"/>
+            <a:ext cx="10168128" cy="4265676"/>
+          </a:xfrm>
+        </p:spPr>
+        <p:txBody>
+          <a:bodyPr>
+            <a:normAutofit fontScale="92500" lnSpcReduction="10000"/>
+          </a:bodyPr>
+          <a:lstStyle/>
+          <a:p>
+            <a:pPr marL="0" indent="0">
+              <a:buNone/>
+            </a:pPr>
+            <a:r>
+              <a:rPr lang="de-DE" sz="3500" i="1" dirty="0"/>
+              <a:t>„Eine </a:t>
+            </a:r>
+            <a:r>
+              <a:rPr lang="de-DE" sz="3500" b="1" i="1" dirty="0"/>
+              <a:t>Epoche </a:t>
+            </a:r>
+            <a:r>
+              <a:rPr lang="de-DE" sz="3500" i="1" dirty="0"/>
+              <a:t>ist ein zeitlich begrenztes System, das wir von einer Menge von Texten abstrahieren und von dem wir behaupten, </a:t>
+            </a:r>
+            <a:r>
+              <a:rPr lang="de-DE" sz="3500" i="1" dirty="0" err="1"/>
+              <a:t>daß</a:t>
+            </a:r>
+            <a:r>
+              <a:rPr lang="de-DE" sz="3500" i="1" dirty="0"/>
+              <a:t> seine fundamentalen Merkmale und Strukturen in diesem Zeitraum konstant bleiben.“ – </a:t>
+            </a:r>
+            <a:r>
+              <a:rPr lang="de-DE" sz="3500" i="1" dirty="0" err="1"/>
+              <a:t>Titzmann</a:t>
+            </a:r>
+            <a:r>
+              <a:rPr lang="de-DE" sz="3500" i="1" dirty="0"/>
+              <a:t> 1991</a:t>
+            </a:r>
+          </a:p>
+          <a:p>
+            <a:pPr marL="0" indent="0">
+              <a:buNone/>
+            </a:pPr>
+            <a:endParaRPr lang="de-DE" sz="3600" i="1" dirty="0"/>
+          </a:p>
+          <a:p>
+            <a:pPr marL="0" indent="0">
+              <a:buNone/>
+            </a:pPr>
+            <a:r>
+              <a:rPr lang="en-GB" sz="2200" i="1" dirty="0"/>
+              <a:t>TITZMANN, </a:t>
+            </a:r>
+            <a:r>
+              <a:rPr lang="en-GB" sz="2200" dirty="0"/>
+              <a:t>Michael, „</a:t>
+            </a:r>
+            <a:r>
+              <a:rPr lang="en-GB" sz="2200" dirty="0" err="1"/>
+              <a:t>Skizze</a:t>
+            </a:r>
+            <a:r>
+              <a:rPr lang="en-GB" sz="2200" dirty="0"/>
+              <a:t> </a:t>
+            </a:r>
+            <a:r>
+              <a:rPr lang="en-GB" sz="2200" dirty="0" err="1"/>
+              <a:t>einer</a:t>
+            </a:r>
+            <a:r>
+              <a:rPr lang="en-GB" sz="2200" dirty="0"/>
+              <a:t> </a:t>
+            </a:r>
+            <a:r>
+              <a:rPr lang="en-GB" sz="2200" dirty="0" err="1"/>
+              <a:t>integrativen</a:t>
+            </a:r>
+            <a:r>
+              <a:rPr lang="en-GB" sz="2200" dirty="0"/>
+              <a:t> </a:t>
+            </a:r>
+            <a:r>
+              <a:rPr lang="en-GB" sz="2200" dirty="0" err="1"/>
+              <a:t>Literaturgeschichte</a:t>
+            </a:r>
+            <a:r>
+              <a:rPr lang="en-GB" sz="2200" dirty="0"/>
+              <a:t> und </a:t>
+            </a:r>
+            <a:r>
+              <a:rPr lang="en-GB" sz="2200" dirty="0" err="1"/>
+              <a:t>ihres</a:t>
+            </a:r>
+            <a:r>
+              <a:rPr lang="en-GB" sz="2200" dirty="0"/>
+              <a:t> </a:t>
+            </a:r>
+            <a:r>
+              <a:rPr lang="en-GB" sz="2200" dirty="0" err="1"/>
+              <a:t>Ortes</a:t>
+            </a:r>
+            <a:r>
+              <a:rPr lang="en-GB" sz="2200" dirty="0"/>
+              <a:t> in </a:t>
+            </a:r>
+            <a:r>
+              <a:rPr lang="en-GB" sz="2200" dirty="0" err="1"/>
+              <a:t>einer</a:t>
+            </a:r>
+            <a:r>
+              <a:rPr lang="en-GB" sz="2200" dirty="0"/>
+              <a:t> </a:t>
+            </a:r>
+            <a:r>
+              <a:rPr lang="en-GB" sz="2200" dirty="0" err="1"/>
+              <a:t>Systematik</a:t>
+            </a:r>
+            <a:r>
+              <a:rPr lang="en-GB" sz="2200" dirty="0"/>
+              <a:t> der </a:t>
+            </a:r>
+            <a:r>
+              <a:rPr lang="en-GB" sz="2200" dirty="0" err="1"/>
+              <a:t>Literaturwissenschaft</a:t>
+            </a:r>
+            <a:r>
+              <a:rPr lang="en-GB" sz="2200" dirty="0"/>
+              <a:t>“, in: </a:t>
+            </a:r>
+            <a:r>
+              <a:rPr lang="en-GB" sz="2200" dirty="0" err="1"/>
+              <a:t>Ders</a:t>
+            </a:r>
+            <a:r>
+              <a:rPr lang="en-GB" sz="2200" dirty="0"/>
+              <a:t>. (Hg.): </a:t>
+            </a:r>
+            <a:r>
+              <a:rPr lang="en-GB" sz="2200" dirty="0" err="1"/>
+              <a:t>Modelle</a:t>
+            </a:r>
+            <a:r>
+              <a:rPr lang="en-GB" sz="2200" dirty="0"/>
+              <a:t> des </a:t>
+            </a:r>
+            <a:r>
+              <a:rPr lang="en-GB" sz="2200" dirty="0" err="1"/>
+              <a:t>literarischen</a:t>
+            </a:r>
+            <a:r>
+              <a:rPr lang="en-GB" sz="2200" dirty="0"/>
+              <a:t> </a:t>
+            </a:r>
+            <a:r>
+              <a:rPr lang="en-GB" sz="2200" dirty="0" err="1"/>
+              <a:t>Strukturwandels</a:t>
+            </a:r>
+            <a:r>
+              <a:rPr lang="en-GB" sz="2200" dirty="0"/>
+              <a:t>. Tübingen 1991, S. 395-438, 405.</a:t>
+            </a:r>
+          </a:p>
+          <a:p>
+            <a:pPr marL="0" indent="0">
+              <a:buNone/>
+            </a:pPr>
+            <a:endParaRPr lang="de-DE" sz="3200" i="1" dirty="0"/>
+          </a:p>
+          <a:p>
+            <a:pPr marL="0" indent="0">
+              <a:buNone/>
+            </a:pPr>
+            <a:endParaRPr lang="de-DE" dirty="0"/>
+          </a:p>
+        </p:txBody>
+      </p:sp>
+    </p:spTree>
+    <p:extLst>
+      <p:ext uri="{BB962C8B-B14F-4D97-AF65-F5344CB8AC3E}">
+        <p14:creationId xmlns:p14="http://schemas.microsoft.com/office/powerpoint/2010/main" val="3743810288"/>
+      </p:ext>
+    </p:extLst>
+  </p:cSld>
+  <p:clrMapOvr>
+    <a:masterClrMapping/>
+  </p:clrMapOvr>
+</p:sld>
+</file>
+
+<file path=ppt/slides/slide40.xml><?xml version="1.0" encoding="utf-8"?>
 <p:sld xmlns:a="http://schemas.openxmlformats.org/drawingml/2006/main" xmlns:r="http://schemas.openxmlformats.org/officeDocument/2006/relationships" xmlns:p="http://schemas.openxmlformats.org/presentationml/2006/main">
   <p:cSld>
     <p:bg>
@@ -18783,7 +22961,7 @@
 </p:sld>
 </file>
 
-<file path=ppt/slides/slide35.xml><?xml version="1.0" encoding="utf-8"?>
+<file path=ppt/slides/slide41.xml><?xml version="1.0" encoding="utf-8"?>
 <p:sld xmlns:a="http://schemas.openxmlformats.org/drawingml/2006/main" xmlns:r="http://schemas.openxmlformats.org/officeDocument/2006/relationships" xmlns:p="http://schemas.openxmlformats.org/presentationml/2006/main">
   <p:cSld>
     <p:spTree>
@@ -18888,19 +23066,7 @@
               <a:rPr lang="de-DE" dirty="0">
                 <a:sym typeface="Wingdings" pitchFamily="2" charset="2"/>
               </a:rPr>
-              <a:t>Analyse von Gedichten/Dichter, die sich gut </a:t>
-            </a:r>
-            <a:r>
-              <a:rPr lang="de-DE" dirty="0" err="1">
-                <a:sym typeface="Wingdings" pitchFamily="2" charset="2"/>
-              </a:rPr>
-              <a:t>clustern</a:t>
-            </a:r>
-            <a:r>
-              <a:rPr lang="de-DE" dirty="0">
-                <a:sym typeface="Wingdings" pitchFamily="2" charset="2"/>
-              </a:rPr>
-              <a:t> lassen</a:t>
+              <a:t>Analyse von Gedichten/Dichter, die sich gut clustern lassen</a:t>
             </a:r>
           </a:p>
           <a:p>
@@ -18939,7 +23105,7 @@
 </p:sld>
 </file>
 
-<file path=ppt/slides/slide36.xml><?xml version="1.0" encoding="utf-8"?>
+<file path=ppt/slides/slide42.xml><?xml version="1.0" encoding="utf-8"?>
 <p:sld xmlns:a="http://schemas.openxmlformats.org/drawingml/2006/main" xmlns:r="http://schemas.openxmlformats.org/officeDocument/2006/relationships" xmlns:p="http://schemas.openxmlformats.org/presentationml/2006/main" show="0">
   <p:cSld>
     <p:spTree>
@@ -19012,7 +23178,7 @@
 </p:sld>
 </file>
 
-<file path=ppt/slides/slide37.xml><?xml version="1.0" encoding="utf-8"?>
+<file path=ppt/slides/slide43.xml><?xml version="1.0" encoding="utf-8"?>
 <p:sld xmlns:a="http://schemas.openxmlformats.org/drawingml/2006/main" xmlns:r="http://schemas.openxmlformats.org/officeDocument/2006/relationships" xmlns:p="http://schemas.openxmlformats.org/presentationml/2006/main" show="0">
   <p:cSld>
     <p:bg>
@@ -19498,7 +23664,7 @@
 </p:sld>
 </file>
 
-<file path=ppt/slides/slide38.xml><?xml version="1.0" encoding="utf-8"?>
+<file path=ppt/slides/slide44.xml><?xml version="1.0" encoding="utf-8"?>
 <p:sld xmlns:a="http://schemas.openxmlformats.org/drawingml/2006/main" xmlns:r="http://schemas.openxmlformats.org/officeDocument/2006/relationships" xmlns:p="http://schemas.openxmlformats.org/presentationml/2006/main" show="0">
   <p:cSld>
     <p:spTree>
@@ -20668,7 +24834,7 @@
 </p:sld>
 </file>
 
-<file path=ppt/slides/slide39.xml><?xml version="1.0" encoding="utf-8"?>
+<file path=ppt/slides/slide45.xml><?xml version="1.0" encoding="utf-8"?>
 <p:sld xmlns:a="http://schemas.openxmlformats.org/drawingml/2006/main" xmlns:r="http://schemas.openxmlformats.org/officeDocument/2006/relationships" xmlns:p="http://schemas.openxmlformats.org/presentationml/2006/main">
   <p:cSld>
     <p:spTree>
@@ -20717,261 +24883,6 @@
     <p:extLst>
       <p:ext uri="{BB962C8B-B14F-4D97-AF65-F5344CB8AC3E}">
         <p14:creationId xmlns:p14="http://schemas.microsoft.com/office/powerpoint/2010/main" val="4052262941"/>
-      </p:ext>
-    </p:extLst>
-  </p:cSld>
-  <p:clrMapOvr>
-    <a:masterClrMapping/>
-  </p:clrMapOvr>
-</p:sld>
-</file>
-
-<file path=ppt/slides/slide4.xml><?xml version="1.0" encoding="utf-8"?>
-<p:sld xmlns:a="http://schemas.openxmlformats.org/drawingml/2006/main" xmlns:r="http://schemas.openxmlformats.org/officeDocument/2006/relationships" xmlns:p="http://schemas.openxmlformats.org/presentationml/2006/main">
-  <p:cSld>
-    <p:spTree>
-      <p:nvGrpSpPr>
-        <p:cNvPr id="1" name=""/>
-        <p:cNvGrpSpPr/>
-        <p:nvPr/>
-      </p:nvGrpSpPr>
-      <p:grpSpPr>
-        <a:xfrm>
-          <a:off x="0" y="0"/>
-          <a:ext cx="0" cy="0"/>
-          <a:chOff x="0" y="0"/>
-          <a:chExt cx="0" cy="0"/>
-        </a:xfrm>
-      </p:grpSpPr>
-      <p:sp>
-        <p:nvSpPr>
-          <p:cNvPr id="4" name="Title 3">
-            <a:extLst>
-              <a:ext uri="{FF2B5EF4-FFF2-40B4-BE49-F238E27FC236}">
-                <a16:creationId xmlns:a16="http://schemas.microsoft.com/office/drawing/2014/main" id="{F28AA1C2-4EC8-F94C-B5E1-BD16A1EA9353}"/>
-              </a:ext>
-            </a:extLst>
-          </p:cNvPr>
-          <p:cNvSpPr>
-            <a:spLocks noGrp="1"/>
-          </p:cNvSpPr>
-          <p:nvPr>
-            <p:ph type="title"/>
-          </p:nvPr>
-        </p:nvSpPr>
-        <p:spPr/>
-        <p:txBody>
-          <a:bodyPr/>
-          <a:lstStyle/>
-          <a:p>
-            <a:r>
-              <a:rPr lang="de-DE" b="1" dirty="0"/>
-              <a:t>Epochenbegriff</a:t>
-            </a:r>
-          </a:p>
-        </p:txBody>
-      </p:sp>
-      <p:sp>
-        <p:nvSpPr>
-          <p:cNvPr id="5" name="Content Placeholder 4">
-            <a:extLst>
-              <a:ext uri="{FF2B5EF4-FFF2-40B4-BE49-F238E27FC236}">
-                <a16:creationId xmlns:a16="http://schemas.microsoft.com/office/drawing/2014/main" id="{D70BD3BA-BFBC-1A47-B5C6-9B045B38B728}"/>
-              </a:ext>
-            </a:extLst>
-          </p:cNvPr>
-          <p:cNvSpPr>
-            <a:spLocks noGrp="1"/>
-          </p:cNvSpPr>
-          <p:nvPr>
-            <p:ph idx="1"/>
-          </p:nvPr>
-        </p:nvSpPr>
-        <p:spPr>
-          <a:xfrm>
-            <a:off x="1115568" y="2478024"/>
-            <a:ext cx="10168128" cy="4265676"/>
-          </a:xfrm>
-        </p:spPr>
-        <p:txBody>
-          <a:bodyPr>
-            <a:normAutofit fontScale="92500" lnSpcReduction="10000"/>
-          </a:bodyPr>
-          <a:lstStyle/>
-          <a:p>
-            <a:pPr marL="0" indent="0">
-              <a:buNone/>
-            </a:pPr>
-            <a:r>
-              <a:rPr lang="de-DE" sz="3500" i="1" dirty="0"/>
-              <a:t>„Eine </a:t>
-            </a:r>
-            <a:r>
-              <a:rPr lang="de-DE" sz="3500" b="1" i="1" dirty="0"/>
-              <a:t>Epoche </a:t>
-            </a:r>
-            <a:r>
-              <a:rPr lang="de-DE" sz="3500" i="1" dirty="0"/>
-              <a:t>ist ein zeitlich begrenztes System, das wir von einer Menge von Texten abstrahieren und von dem wir behaupten, </a:t>
-            </a:r>
-            <a:r>
-              <a:rPr lang="de-DE" sz="3500" i="1" dirty="0" err="1"/>
-              <a:t>daß</a:t>
-            </a:r>
-            <a:r>
-              <a:rPr lang="de-DE" sz="3500" i="1" dirty="0"/>
-              <a:t> seine fundamentalen Merkmale und Strukturen in diesem Zeitraum konstant bleiben.“ – </a:t>
-            </a:r>
-            <a:r>
-              <a:rPr lang="de-DE" sz="3500" i="1" dirty="0" err="1"/>
-              <a:t>Titzmann</a:t>
-            </a:r>
-            <a:r>
-              <a:rPr lang="de-DE" sz="3500" i="1" dirty="0"/>
-              <a:t> 1991</a:t>
-            </a:r>
-          </a:p>
-          <a:p>
-            <a:pPr marL="0" indent="0">
-              <a:buNone/>
-            </a:pPr>
-            <a:endParaRPr lang="de-DE" sz="3600" i="1" dirty="0"/>
-          </a:p>
-          <a:p>
-            <a:pPr marL="0" indent="0">
-              <a:buNone/>
-            </a:pPr>
-            <a:r>
-              <a:rPr lang="en-GB" sz="2200" i="1" dirty="0"/>
-              <a:t>TITZMANN, </a:t>
-            </a:r>
-            <a:r>
-              <a:rPr lang="en-GB" sz="2200" dirty="0"/>
-              <a:t>Michael, „</a:t>
-            </a:r>
-            <a:r>
-              <a:rPr lang="en-GB" sz="2200" dirty="0" err="1"/>
-              <a:t>Skizze</a:t>
-            </a:r>
-            <a:r>
-              <a:rPr lang="en-GB" sz="2200" dirty="0"/>
-              <a:t> </a:t>
-            </a:r>
-            <a:r>
-              <a:rPr lang="en-GB" sz="2200" dirty="0" err="1"/>
-              <a:t>einer</a:t>
-            </a:r>
-            <a:r>
-              <a:rPr lang="en-GB" sz="2200" dirty="0"/>
-              <a:t> </a:t>
-            </a:r>
-            <a:r>
-              <a:rPr lang="en-GB" sz="2200" dirty="0" err="1"/>
-              <a:t>integrativen</a:t>
-            </a:r>
-            <a:r>
-              <a:rPr lang="en-GB" sz="2200" dirty="0"/>
-              <a:t> </a:t>
-            </a:r>
-            <a:r>
-              <a:rPr lang="en-GB" sz="2200" dirty="0" err="1"/>
-              <a:t>Literaturgeschichte</a:t>
-            </a:r>
-            <a:r>
-              <a:rPr lang="en-GB" sz="2200" dirty="0"/>
-              <a:t> und </a:t>
-            </a:r>
-            <a:r>
-              <a:rPr lang="en-GB" sz="2200" dirty="0" err="1"/>
-              <a:t>ihres</a:t>
-            </a:r>
-            <a:r>
-              <a:rPr lang="en-GB" sz="2200" dirty="0"/>
-              <a:t> </a:t>
-            </a:r>
-            <a:r>
-              <a:rPr lang="en-GB" sz="2200" dirty="0" err="1"/>
-              <a:t>Ortes</a:t>
-            </a:r>
-            <a:r>
-              <a:rPr lang="en-GB" sz="2200" dirty="0"/>
-              <a:t> in </a:t>
-            </a:r>
-            <a:r>
-              <a:rPr lang="en-GB" sz="2200" dirty="0" err="1"/>
-              <a:t>einer</a:t>
-            </a:r>
-            <a:r>
-              <a:rPr lang="en-GB" sz="2200" dirty="0"/>
-              <a:t> </a:t>
-            </a:r>
-            <a:r>
-              <a:rPr lang="en-GB" sz="2200" dirty="0" err="1"/>
-              <a:t>Systematik</a:t>
-            </a:r>
-            <a:r>
-              <a:rPr lang="en-GB" sz="2200" dirty="0"/>
-              <a:t> der </a:t>
-            </a:r>
-            <a:r>
-              <a:rPr lang="en-GB" sz="2200" dirty="0" err="1"/>
-              <a:t>Literaturwissenschaft</a:t>
-            </a:r>
-            <a:r>
-              <a:rPr lang="en-GB" sz="2200" dirty="0"/>
-              <a:t>“, in: </a:t>
-            </a:r>
-            <a:r>
-              <a:rPr lang="en-GB" sz="2200" dirty="0" err="1"/>
-              <a:t>Ders</a:t>
-            </a:r>
-            <a:r>
-              <a:rPr lang="en-GB" sz="2200" dirty="0"/>
-              <a:t>. (Hg.): </a:t>
-            </a:r>
-            <a:r>
-              <a:rPr lang="en-GB" sz="2200" dirty="0" err="1"/>
-              <a:t>Modelle</a:t>
-            </a:r>
-            <a:r>
-              <a:rPr lang="en-GB" sz="2200" dirty="0"/>
-              <a:t> des </a:t>
-            </a:r>
-            <a:r>
-              <a:rPr lang="en-GB" sz="2200" dirty="0" err="1"/>
-              <a:t>literarischen</a:t>
-            </a:r>
-            <a:r>
-              <a:rPr lang="en-GB" sz="2200" dirty="0"/>
-              <a:t> </a:t>
-            </a:r>
-            <a:r>
-              <a:rPr lang="en-GB" sz="2200" dirty="0" err="1"/>
-              <a:t>Strukturwandels</a:t>
-            </a:r>
-            <a:r>
-              <a:rPr lang="en-GB" sz="2200" dirty="0"/>
-              <a:t>. Tübingen 1991, S. 395-438, 405.</a:t>
-            </a:r>
-          </a:p>
-          <a:p>
-            <a:pPr marL="0" indent="0">
-              <a:buNone/>
-            </a:pPr>
-            <a:endParaRPr lang="de-DE" sz="3200" i="1" dirty="0"/>
-          </a:p>
-          <a:p>
-            <a:pPr marL="0" indent="0">
-              <a:buNone/>
-            </a:pPr>
-            <a:endParaRPr lang="de-DE" dirty="0"/>
-          </a:p>
-        </p:txBody>
-      </p:sp>
-    </p:spTree>
-    <p:extLst>
-      <p:ext uri="{BB962C8B-B14F-4D97-AF65-F5344CB8AC3E}">
-        <p14:creationId xmlns:p14="http://schemas.microsoft.com/office/powerpoint/2010/main" val="3743810288"/>
       </p:ext>
     </p:extLst>
   </p:cSld>

--- a/presentation/clustering_presentation.pptx
+++ b/presentation/clustering_presentation.pptx
@@ -5,7 +5,7 @@
     <p:sldMasterId id="2147483732" r:id="rId1"/>
   </p:sldMasterIdLst>
   <p:notesMasterIdLst>
-    <p:notesMasterId r:id="rId47"/>
+    <p:notesMasterId r:id="rId46"/>
   </p:notesMasterIdLst>
   <p:sldIdLst>
     <p:sldId id="256" r:id="rId2"/>
@@ -33,26 +33,25 @@
     <p:sldId id="332" r:id="rId24"/>
     <p:sldId id="331" r:id="rId25"/>
     <p:sldId id="329" r:id="rId26"/>
-    <p:sldId id="339" r:id="rId27"/>
-    <p:sldId id="325" r:id="rId28"/>
-    <p:sldId id="301" r:id="rId29"/>
-    <p:sldId id="336" r:id="rId30"/>
-    <p:sldId id="334" r:id="rId31"/>
-    <p:sldId id="340" r:id="rId32"/>
-    <p:sldId id="326" r:id="rId33"/>
-    <p:sldId id="327" r:id="rId34"/>
-    <p:sldId id="337" r:id="rId35"/>
-    <p:sldId id="338" r:id="rId36"/>
-    <p:sldId id="311" r:id="rId37"/>
-    <p:sldId id="319" r:id="rId38"/>
-    <p:sldId id="314" r:id="rId39"/>
-    <p:sldId id="315" r:id="rId40"/>
-    <p:sldId id="317" r:id="rId41"/>
-    <p:sldId id="302" r:id="rId42"/>
-    <p:sldId id="305" r:id="rId43"/>
-    <p:sldId id="307" r:id="rId44"/>
-    <p:sldId id="299" r:id="rId45"/>
-    <p:sldId id="304" r:id="rId46"/>
+    <p:sldId id="325" r:id="rId27"/>
+    <p:sldId id="301" r:id="rId28"/>
+    <p:sldId id="336" r:id="rId29"/>
+    <p:sldId id="334" r:id="rId30"/>
+    <p:sldId id="340" r:id="rId31"/>
+    <p:sldId id="326" r:id="rId32"/>
+    <p:sldId id="327" r:id="rId33"/>
+    <p:sldId id="337" r:id="rId34"/>
+    <p:sldId id="338" r:id="rId35"/>
+    <p:sldId id="311" r:id="rId36"/>
+    <p:sldId id="319" r:id="rId37"/>
+    <p:sldId id="314" r:id="rId38"/>
+    <p:sldId id="315" r:id="rId39"/>
+    <p:sldId id="317" r:id="rId40"/>
+    <p:sldId id="302" r:id="rId41"/>
+    <p:sldId id="305" r:id="rId42"/>
+    <p:sldId id="307" r:id="rId43"/>
+    <p:sldId id="299" r:id="rId44"/>
+    <p:sldId id="304" r:id="rId45"/>
   </p:sldIdLst>
   <p:sldSz cx="12192000" cy="6858000"/>
   <p:notesSz cx="6858000" cy="9144000"/>
@@ -241,7 +240,7 @@
           <a:p>
             <a:fld id="{5191E409-3F0E-F149-AA52-0AF25D227FF4}" type="datetimeFigureOut">
               <a:rPr lang="de-DE" smtClean="0"/>
-              <a:t>07.07.20</a:t>
+              <a:t>08.07.20</a:t>
             </a:fld>
             <a:endParaRPr lang="de-DE"/>
           </a:p>
@@ -1323,6 +1322,28 @@
               <a:rPr lang="de-DE" b="1" dirty="0" err="1"/>
               <a:t>Means</a:t>
             </a:r>
+            <a:endParaRPr lang="de-DE" b="1" dirty="0"/>
+          </a:p>
+          <a:p>
+            <a:endParaRPr lang="de-DE" b="1" dirty="0"/>
+          </a:p>
+          <a:p>
+            <a:r>
+              <a:rPr lang="de-DE" b="1" dirty="0"/>
+              <a:t>GMM</a:t>
+            </a:r>
+            <a:r>
+              <a:rPr lang="de-DE" b="0" dirty="0"/>
+              <a:t> nur bei zwei Epocheneinteilungen besser, ansonsten ähnlich gut oder schlechter als K-</a:t>
+            </a:r>
+            <a:r>
+              <a:rPr lang="de-DE" b="0" dirty="0" err="1"/>
+              <a:t>Means</a:t>
+            </a:r>
+            <a:r>
+              <a:rPr lang="de-DE" b="0"/>
+              <a:t>.</a:t>
+            </a:r>
             <a:endParaRPr lang="de-DE" b="0" dirty="0"/>
           </a:p>
         </p:txBody>
@@ -1408,18 +1429,18 @@
           <a:lstStyle/>
           <a:p>
             <a:r>
+              <a:rPr lang="de-DE" b="1" dirty="0" err="1"/>
+              <a:t>Truncated</a:t>
+            </a:r>
+            <a:r>
+              <a:rPr lang="de-DE" b="1" dirty="0"/>
+              <a:t> SVD + Normalisierung</a:t>
+            </a:r>
+            <a:r>
               <a:rPr lang="de-DE" b="0" dirty="0"/>
-              <a:t>Sortiert nach </a:t>
-            </a:r>
-            <a:r>
-              <a:rPr lang="de-DE" b="1" dirty="0"/>
-              <a:t>K-</a:t>
-            </a:r>
-            <a:r>
-              <a:rPr lang="de-DE" b="1" dirty="0" err="1"/>
-              <a:t>Means</a:t>
-            </a:r>
-            <a:endParaRPr lang="de-DE" b="0" dirty="0"/>
+              <a:t> (PCA sehr ähnliche Ergebnisse)</a:t>
+            </a:r>
+            <a:endParaRPr lang="de-DE" b="1" dirty="0"/>
           </a:p>
         </p:txBody>
       </p:sp>
@@ -1449,7 +1470,7 @@
     </p:spTree>
     <p:extLst>
       <p:ext uri="{BB962C8B-B14F-4D97-AF65-F5344CB8AC3E}">
-        <p14:creationId xmlns:p14="http://schemas.microsoft.com/office/powerpoint/2010/main" val="217945701"/>
+        <p14:creationId xmlns:p14="http://schemas.microsoft.com/office/powerpoint/2010/main" val="2882404652"/>
       </p:ext>
     </p:extLst>
   </p:cSld>
@@ -1503,19 +1524,11 @@
           <a:bodyPr/>
           <a:lstStyle/>
           <a:p>
-            <a:r>
-              <a:rPr lang="de-DE" b="1" dirty="0" err="1"/>
-              <a:t>Truncated</a:t>
-            </a:r>
-            <a:r>
-              <a:rPr lang="de-DE" b="1" dirty="0"/>
-              <a:t> SVD + Normalisierung</a:t>
-            </a:r>
-            <a:r>
-              <a:rPr lang="de-DE" b="0" dirty="0"/>
-              <a:t> (PCA sehr ähnliche Ergebnisse)</a:t>
-            </a:r>
-            <a:endParaRPr lang="de-DE" b="1" dirty="0"/>
+            <a:pPr marL="171450" indent="-171450">
+              <a:buFont typeface="Arial" panose="020B0604020202020204" pitchFamily="34" charset="0"/>
+              <a:buChar char="•"/>
+            </a:pPr>
+            <a:endParaRPr lang="de-DE" dirty="0"/>
           </a:p>
         </p:txBody>
       </p:sp>
@@ -1536,7 +1549,7 @@
           <a:p>
             <a:fld id="{49FFD0F6-1B54-1D42-B676-41E105B9815E}" type="slidenum">
               <a:rPr lang="de-DE" smtClean="0"/>
-              <a:t>27</a:t>
+              <a:t>28</a:t>
             </a:fld>
             <a:endParaRPr lang="de-DE"/>
           </a:p>
@@ -1545,7 +1558,7 @@
     </p:spTree>
     <p:extLst>
       <p:ext uri="{BB962C8B-B14F-4D97-AF65-F5344CB8AC3E}">
-        <p14:creationId xmlns:p14="http://schemas.microsoft.com/office/powerpoint/2010/main" val="2882404652"/>
+        <p14:creationId xmlns:p14="http://schemas.microsoft.com/office/powerpoint/2010/main" val="2324252964"/>
       </p:ext>
     </p:extLst>
   </p:cSld>
@@ -1599,11 +1612,95 @@
           <a:bodyPr/>
           <a:lstStyle/>
           <a:p>
-            <a:pPr marL="171450" indent="-171450">
-              <a:buFont typeface="Arial" panose="020B0604020202020204" pitchFamily="34" charset="0"/>
-              <a:buChar char="•"/>
-            </a:pPr>
-            <a:endParaRPr lang="de-DE" dirty="0"/>
+            <a:r>
+              <a:rPr lang="de-DE" b="1" dirty="0"/>
+              <a:t>K-</a:t>
+            </a:r>
+            <a:r>
+              <a:rPr lang="de-DE" b="1" dirty="0" err="1"/>
+              <a:t>Medoids</a:t>
+            </a:r>
+            <a:r>
+              <a:rPr lang="de-DE" b="1" dirty="0"/>
+              <a:t> </a:t>
+            </a:r>
+            <a:r>
+              <a:rPr lang="de-DE" b="0" dirty="0"/>
+              <a:t>ist ähnlich wie K-</a:t>
+            </a:r>
+            <a:r>
+              <a:rPr lang="de-DE" b="0" dirty="0" err="1"/>
+              <a:t>Means</a:t>
+            </a:r>
+            <a:r>
+              <a:rPr lang="de-DE" b="0" dirty="0"/>
+              <a:t>, nimmt jedoch existierende Datenpunkte als </a:t>
+            </a:r>
+            <a:r>
+              <a:rPr lang="de-DE" b="0" dirty="0" err="1"/>
+              <a:t>Centroide</a:t>
+            </a:r>
+            <a:r>
+              <a:rPr lang="de-DE" b="0" dirty="0"/>
+              <a:t>.</a:t>
+            </a:r>
+            <a:endParaRPr lang="de-DE" b="1" dirty="0"/>
+          </a:p>
+          <a:p>
+            <a:endParaRPr lang="de-DE" b="0" dirty="0"/>
+          </a:p>
+          <a:p>
+            <a:r>
+              <a:rPr lang="de-DE" b="0" dirty="0"/>
+              <a:t>Sortiert nach </a:t>
+            </a:r>
+            <a:r>
+              <a:rPr lang="de-DE" b="1" dirty="0"/>
+              <a:t>K-</a:t>
+            </a:r>
+            <a:r>
+              <a:rPr lang="de-DE" b="1" dirty="0" err="1"/>
+              <a:t>Means</a:t>
+            </a:r>
+            <a:r>
+              <a:rPr lang="de-DE" b="1" dirty="0"/>
+              <a:t>.</a:t>
+            </a:r>
+          </a:p>
+          <a:p>
+            <a:r>
+              <a:rPr lang="de-DE" b="1" dirty="0"/>
+              <a:t>K-</a:t>
+            </a:r>
+            <a:r>
+              <a:rPr lang="de-DE" b="1" dirty="0" err="1"/>
+              <a:t>Medoids</a:t>
+            </a:r>
+            <a:r>
+              <a:rPr lang="de-DE" b="0" dirty="0"/>
+              <a:t> nicht von </a:t>
+            </a:r>
+            <a:r>
+              <a:rPr lang="de-DE" b="0" dirty="0" err="1"/>
+              <a:t>Sklearn</a:t>
+            </a:r>
+            <a:r>
+              <a:rPr lang="de-DE" b="0" dirty="0"/>
+              <a:t> selbst, </a:t>
+            </a:r>
+            <a:r>
+              <a:rPr lang="de-DE" b="0" dirty="0" err="1"/>
+              <a:t>sonder</a:t>
+            </a:r>
+            <a:r>
+              <a:rPr lang="de-DE" b="0" dirty="0"/>
+              <a:t> von </a:t>
+            </a:r>
+            <a:r>
+              <a:rPr lang="de-DE" b="0" i="1" dirty="0" err="1"/>
+              <a:t>sklearn.extra</a:t>
+            </a:r>
+            <a:endParaRPr lang="de-DE" b="0" i="1" dirty="0"/>
           </a:p>
         </p:txBody>
       </p:sp>
@@ -1633,7 +1730,7 @@
     </p:spTree>
     <p:extLst>
       <p:ext uri="{BB962C8B-B14F-4D97-AF65-F5344CB8AC3E}">
-        <p14:creationId xmlns:p14="http://schemas.microsoft.com/office/powerpoint/2010/main" val="2324252964"/>
+        <p14:creationId xmlns:p14="http://schemas.microsoft.com/office/powerpoint/2010/main" val="1577304848"/>
       </p:ext>
     </p:extLst>
   </p:cSld>
@@ -1687,95 +1784,11 @@
           <a:bodyPr/>
           <a:lstStyle/>
           <a:p>
-            <a:r>
-              <a:rPr lang="de-DE" b="1" dirty="0"/>
-              <a:t>K-</a:t>
-            </a:r>
-            <a:r>
-              <a:rPr lang="de-DE" b="1" dirty="0" err="1"/>
-              <a:t>Medoids</a:t>
-            </a:r>
-            <a:r>
-              <a:rPr lang="de-DE" b="1" dirty="0"/>
-              <a:t> </a:t>
-            </a:r>
-            <a:r>
-              <a:rPr lang="de-DE" b="0" dirty="0"/>
-              <a:t>ist ähnlich wie K-</a:t>
-            </a:r>
-            <a:r>
-              <a:rPr lang="de-DE" b="0" dirty="0" err="1"/>
-              <a:t>Means</a:t>
-            </a:r>
-            <a:r>
-              <a:rPr lang="de-DE" b="0" dirty="0"/>
-              <a:t>, nimmt jedoch existierende Datenpunkte als </a:t>
-            </a:r>
-            <a:r>
-              <a:rPr lang="de-DE" b="0" dirty="0" err="1"/>
-              <a:t>Centroide</a:t>
-            </a:r>
-            <a:r>
-              <a:rPr lang="de-DE" b="0" dirty="0"/>
-              <a:t>.</a:t>
-            </a:r>
-            <a:endParaRPr lang="de-DE" b="1" dirty="0"/>
-          </a:p>
-          <a:p>
-            <a:endParaRPr lang="de-DE" b="0" dirty="0"/>
-          </a:p>
-          <a:p>
-            <a:r>
-              <a:rPr lang="de-DE" b="0" dirty="0"/>
-              <a:t>Sortiert nach </a:t>
-            </a:r>
-            <a:r>
-              <a:rPr lang="de-DE" b="1" dirty="0"/>
-              <a:t>K-</a:t>
-            </a:r>
-            <a:r>
-              <a:rPr lang="de-DE" b="1" dirty="0" err="1"/>
-              <a:t>Means</a:t>
-            </a:r>
-            <a:r>
-              <a:rPr lang="de-DE" b="1" dirty="0"/>
-              <a:t>.</a:t>
-            </a:r>
-          </a:p>
-          <a:p>
-            <a:r>
-              <a:rPr lang="de-DE" b="1" dirty="0"/>
-              <a:t>K-</a:t>
-            </a:r>
-            <a:r>
-              <a:rPr lang="de-DE" b="1" dirty="0" err="1"/>
-              <a:t>Medoids</a:t>
-            </a:r>
-            <a:r>
-              <a:rPr lang="de-DE" b="0" dirty="0"/>
-              <a:t> nicht von </a:t>
-            </a:r>
-            <a:r>
-              <a:rPr lang="de-DE" b="0" dirty="0" err="1"/>
-              <a:t>Sklearn</a:t>
-            </a:r>
-            <a:r>
-              <a:rPr lang="de-DE" b="0" dirty="0"/>
-              <a:t> selbst, </a:t>
-            </a:r>
-            <a:r>
-              <a:rPr lang="de-DE" b="0" dirty="0" err="1"/>
-              <a:t>sonder</a:t>
-            </a:r>
-            <a:r>
-              <a:rPr lang="de-DE" b="0" dirty="0"/>
-              <a:t> von </a:t>
-            </a:r>
-            <a:r>
-              <a:rPr lang="de-DE" b="0" i="1" dirty="0" err="1"/>
-              <a:t>sklearn.extra</a:t>
-            </a:r>
-            <a:endParaRPr lang="de-DE" b="0" i="1" dirty="0"/>
+            <a:pPr marL="171450" indent="-171450">
+              <a:buFont typeface="Arial" panose="020B0604020202020204" pitchFamily="34" charset="0"/>
+              <a:buChar char="•"/>
+            </a:pPr>
+            <a:endParaRPr lang="de-DE" dirty="0"/>
           </a:p>
         </p:txBody>
       </p:sp>
@@ -1805,7 +1818,7 @@
     </p:spTree>
     <p:extLst>
       <p:ext uri="{BB962C8B-B14F-4D97-AF65-F5344CB8AC3E}">
-        <p14:creationId xmlns:p14="http://schemas.microsoft.com/office/powerpoint/2010/main" val="1577304848"/>
+        <p14:creationId xmlns:p14="http://schemas.microsoft.com/office/powerpoint/2010/main" val="2937078823"/>
       </p:ext>
     </p:extLst>
   </p:cSld>
@@ -1859,11 +1872,19 @@
           <a:bodyPr/>
           <a:lstStyle/>
           <a:p>
-            <a:pPr marL="171450" indent="-171450">
-              <a:buFont typeface="Arial" panose="020B0604020202020204" pitchFamily="34" charset="0"/>
-              <a:buChar char="•"/>
-            </a:pPr>
-            <a:endParaRPr lang="de-DE" dirty="0"/>
+            <a:pPr algn="l"/>
+            <a:r>
+              <a:rPr lang="de-DE" dirty="0"/>
+              <a:t>K-</a:t>
+            </a:r>
+            <a:r>
+              <a:rPr lang="de-DE" dirty="0" err="1"/>
+              <a:t>Means</a:t>
+            </a:r>
+            <a:r>
+              <a:rPr lang="de-DE" dirty="0"/>
+              <a:t> auf hochdimensionale Daten</a:t>
+            </a:r>
           </a:p>
         </p:txBody>
       </p:sp>
@@ -1884,7 +1905,7 @@
           <a:p>
             <a:fld id="{49FFD0F6-1B54-1D42-B676-41E105B9815E}" type="slidenum">
               <a:rPr lang="de-DE" smtClean="0"/>
-              <a:t>31</a:t>
+              <a:t>35</a:t>
             </a:fld>
             <a:endParaRPr lang="de-DE"/>
           </a:p>
@@ -1893,7 +1914,7 @@
     </p:spTree>
     <p:extLst>
       <p:ext uri="{BB962C8B-B14F-4D97-AF65-F5344CB8AC3E}">
-        <p14:creationId xmlns:p14="http://schemas.microsoft.com/office/powerpoint/2010/main" val="2937078823"/>
+        <p14:creationId xmlns:p14="http://schemas.microsoft.com/office/powerpoint/2010/main" val="2134904752"/>
       </p:ext>
     </p:extLst>
   </p:cSld>
@@ -1989,7 +2010,7 @@
     </p:spTree>
     <p:extLst>
       <p:ext uri="{BB962C8B-B14F-4D97-AF65-F5344CB8AC3E}">
-        <p14:creationId xmlns:p14="http://schemas.microsoft.com/office/powerpoint/2010/main" val="2134904752"/>
+        <p14:creationId xmlns:p14="http://schemas.microsoft.com/office/powerpoint/2010/main" val="3426150485"/>
       </p:ext>
     </p:extLst>
   </p:cSld>
@@ -2043,18 +2064,27 @@
           <a:bodyPr/>
           <a:lstStyle/>
           <a:p>
-            <a:pPr algn="l"/>
             <a:r>
               <a:rPr lang="de-DE" dirty="0"/>
-              <a:t>K-</a:t>
-            </a:r>
-            <a:r>
-              <a:rPr lang="de-DE" dirty="0" err="1"/>
-              <a:t>Means</a:t>
-            </a:r>
+              <a:t>ACHTUNG: Jahre sind hier Mittelwerte der Jahre aller Gedichte des Dichters</a:t>
+            </a:r>
+          </a:p>
+          <a:p>
             <a:r>
               <a:rPr lang="de-DE" dirty="0"/>
-              <a:t> auf hochdimensionale Daten</a:t>
+              <a:t>IN KLAMMERN: Verteilung der Großteil der Jahre</a:t>
+            </a:r>
+          </a:p>
+          <a:p>
+            <a:r>
+              <a:rPr lang="de-DE" dirty="0"/>
+              <a:t>Frühbarock: 1600-1650</a:t>
+            </a:r>
+          </a:p>
+          <a:p>
+            <a:r>
+              <a:rPr lang="de-DE" dirty="0"/>
+              <a:t>Hochbarock: 1650-1700 (1720)</a:t>
             </a:r>
           </a:p>
         </p:txBody>
@@ -2085,7 +2115,7 @@
     </p:spTree>
     <p:extLst>
       <p:ext uri="{BB962C8B-B14F-4D97-AF65-F5344CB8AC3E}">
-        <p14:creationId xmlns:p14="http://schemas.microsoft.com/office/powerpoint/2010/main" val="3426150485"/>
+        <p14:creationId xmlns:p14="http://schemas.microsoft.com/office/powerpoint/2010/main" val="1629050767"/>
       </p:ext>
     </p:extLst>
   </p:cSld>
@@ -2141,25 +2171,7 @@
           <a:p>
             <a:r>
               <a:rPr lang="de-DE" dirty="0"/>
-              <a:t>ACHTUNG: Jahre sind hier Mittelwerte der Jahre aller Gedichte des Dichters</a:t>
-            </a:r>
-          </a:p>
-          <a:p>
-            <a:r>
-              <a:rPr lang="de-DE" dirty="0"/>
-              <a:t>IN KLAMMERN: Verteilung der Großteil der Jahre</a:t>
-            </a:r>
-          </a:p>
-          <a:p>
-            <a:r>
-              <a:rPr lang="de-DE" dirty="0"/>
-              <a:t>Frühbarock: 1600-1650</a:t>
-            </a:r>
-          </a:p>
-          <a:p>
-            <a:r>
-              <a:rPr lang="de-DE" dirty="0"/>
-              <a:t>Hochbarock: 1650-1700 (1720)</a:t>
+              <a:t>ACHTUNG: Jahre sind hier Mittelwerte der Jahre aller Gedichte der häufigsten Epoche des Dichters</a:t>
             </a:r>
           </a:p>
         </p:txBody>
@@ -2190,7 +2202,7 @@
     </p:spTree>
     <p:extLst>
       <p:ext uri="{BB962C8B-B14F-4D97-AF65-F5344CB8AC3E}">
-        <p14:creationId xmlns:p14="http://schemas.microsoft.com/office/powerpoint/2010/main" val="1629050767"/>
+        <p14:creationId xmlns:p14="http://schemas.microsoft.com/office/powerpoint/2010/main" val="1412957019"/>
       </p:ext>
     </p:extLst>
   </p:cSld>
@@ -2364,10 +2376,8 @@
           <a:bodyPr/>
           <a:lstStyle/>
           <a:p>
-            <a:r>
-              <a:rPr lang="de-DE" dirty="0"/>
-              <a:t>ACHTUNG: Jahre sind hier Mittelwerte der Jahre aller Gedichte der häufigsten Epoche des Dichters</a:t>
-            </a:r>
+            <a:pPr algn="l"/>
+            <a:endParaRPr lang="de-DE" dirty="0"/>
           </a:p>
         </p:txBody>
       </p:sp>
@@ -2397,7 +2407,7 @@
     </p:spTree>
     <p:extLst>
       <p:ext uri="{BB962C8B-B14F-4D97-AF65-F5344CB8AC3E}">
-        <p14:creationId xmlns:p14="http://schemas.microsoft.com/office/powerpoint/2010/main" val="1412957019"/>
+        <p14:creationId xmlns:p14="http://schemas.microsoft.com/office/powerpoint/2010/main" val="3822682556"/>
       </p:ext>
     </p:extLst>
   </p:cSld>
@@ -2451,8 +2461,15 @@
           <a:bodyPr/>
           <a:lstStyle/>
           <a:p>
-            <a:pPr algn="l"/>
-            <a:endParaRPr lang="de-DE" dirty="0"/>
+            <a:r>
+              <a:rPr lang="de-DE" dirty="0"/>
+              <a:t>Dimensionsreduktion: </a:t>
+            </a:r>
+            <a:r>
+              <a:rPr lang="de-DE" b="1" dirty="0" err="1"/>
+              <a:t>TruncatedSVD</a:t>
+            </a:r>
+            <a:endParaRPr lang="de-DE" b="1" dirty="0"/>
           </a:p>
         </p:txBody>
       </p:sp>
@@ -2473,99 +2490,7 @@
           <a:p>
             <a:fld id="{49FFD0F6-1B54-1D42-B676-41E105B9815E}" type="slidenum">
               <a:rPr lang="de-DE" smtClean="0"/>
-              <a:t>40</a:t>
-            </a:fld>
-            <a:endParaRPr lang="de-DE"/>
-          </a:p>
-        </p:txBody>
-      </p:sp>
-    </p:spTree>
-    <p:extLst>
-      <p:ext uri="{BB962C8B-B14F-4D97-AF65-F5344CB8AC3E}">
-        <p14:creationId xmlns:p14="http://schemas.microsoft.com/office/powerpoint/2010/main" val="3822682556"/>
-      </p:ext>
-    </p:extLst>
-  </p:cSld>
-  <p:clrMapOvr>
-    <a:masterClrMapping/>
-  </p:clrMapOvr>
-</p:notes>
-</file>
-
-<file path=ppt/notesSlides/notesSlide22.xml><?xml version="1.0" encoding="utf-8"?>
-<p:notes xmlns:a="http://schemas.openxmlformats.org/drawingml/2006/main" xmlns:r="http://schemas.openxmlformats.org/officeDocument/2006/relationships" xmlns:p="http://schemas.openxmlformats.org/presentationml/2006/main">
-  <p:cSld>
-    <p:spTree>
-      <p:nvGrpSpPr>
-        <p:cNvPr id="1" name=""/>
-        <p:cNvGrpSpPr/>
-        <p:nvPr/>
-      </p:nvGrpSpPr>
-      <p:grpSpPr>
-        <a:xfrm>
-          <a:off x="0" y="0"/>
-          <a:ext cx="0" cy="0"/>
-          <a:chOff x="0" y="0"/>
-          <a:chExt cx="0" cy="0"/>
-        </a:xfrm>
-      </p:grpSpPr>
-      <p:sp>
-        <p:nvSpPr>
-          <p:cNvPr id="2" name="Slide Image Placeholder 1"/>
-          <p:cNvSpPr>
-            <a:spLocks noGrp="1" noRot="1" noChangeAspect="1"/>
-          </p:cNvSpPr>
-          <p:nvPr>
-            <p:ph type="sldImg"/>
-          </p:nvPr>
-        </p:nvSpPr>
-        <p:spPr/>
-      </p:sp>
-      <p:sp>
-        <p:nvSpPr>
-          <p:cNvPr id="3" name="Notes Placeholder 2"/>
-          <p:cNvSpPr>
-            <a:spLocks noGrp="1"/>
-          </p:cNvSpPr>
-          <p:nvPr>
-            <p:ph type="body" idx="1"/>
-          </p:nvPr>
-        </p:nvSpPr>
-        <p:spPr/>
-        <p:txBody>
-          <a:bodyPr/>
-          <a:lstStyle/>
-          <a:p>
-            <a:r>
-              <a:rPr lang="de-DE" dirty="0"/>
-              <a:t>Dimensionsreduktion: </a:t>
-            </a:r>
-            <a:r>
-              <a:rPr lang="de-DE" b="1" dirty="0" err="1"/>
-              <a:t>TruncatedSVD</a:t>
-            </a:r>
-            <a:endParaRPr lang="de-DE" b="1" dirty="0"/>
-          </a:p>
-        </p:txBody>
-      </p:sp>
-      <p:sp>
-        <p:nvSpPr>
-          <p:cNvPr id="4" name="Slide Number Placeholder 3"/>
-          <p:cNvSpPr>
-            <a:spLocks noGrp="1"/>
-          </p:cNvSpPr>
-          <p:nvPr>
-            <p:ph type="sldNum" sz="quarter" idx="5"/>
-          </p:nvPr>
-        </p:nvSpPr>
-        <p:spPr/>
-        <p:txBody>
-          <a:bodyPr/>
-          <a:lstStyle/>
-          <a:p>
-            <a:fld id="{49FFD0F6-1B54-1D42-B676-41E105B9815E}" type="slidenum">
-              <a:rPr lang="de-DE" smtClean="0"/>
-              <a:t>43</a:t>
+              <a:t>42</a:t>
             </a:fld>
             <a:endParaRPr lang="de-DE"/>
           </a:p>
@@ -3887,7 +3812,7 @@
           <a:p>
             <a:fld id="{02AC24A9-CCB6-4F8D-B8DB-C2F3692CFA5A}" type="datetimeFigureOut">
               <a:rPr lang="en-US" smtClean="0"/>
-              <a:t>7/7/20</a:t>
+              <a:t>7/8/20</a:t>
             </a:fld>
             <a:endParaRPr lang="en-US" dirty="0"/>
           </a:p>
@@ -4257,7 +4182,7 @@
           <a:p>
             <a:fld id="{02AC24A9-CCB6-4F8D-B8DB-C2F3692CFA5A}" type="datetimeFigureOut">
               <a:rPr lang="en-US" smtClean="0"/>
-              <a:t>7/7/20</a:t>
+              <a:t>7/8/20</a:t>
             </a:fld>
             <a:endParaRPr lang="en-US"/>
           </a:p>
@@ -4466,7 +4391,7 @@
           <a:p>
             <a:fld id="{02AC24A9-CCB6-4F8D-B8DB-C2F3692CFA5A}" type="datetimeFigureOut">
               <a:rPr lang="en-US" smtClean="0"/>
-              <a:t>7/7/20</a:t>
+              <a:t>7/8/20</a:t>
             </a:fld>
             <a:endParaRPr lang="en-US"/>
           </a:p>
@@ -4936,7 +4861,7 @@
           <a:p>
             <a:fld id="{02AC24A9-CCB6-4F8D-B8DB-C2F3692CFA5A}" type="datetimeFigureOut">
               <a:rPr lang="en-US" smtClean="0"/>
-              <a:t>7/7/20</a:t>
+              <a:t>7/8/20</a:t>
             </a:fld>
             <a:endParaRPr lang="en-US"/>
           </a:p>
@@ -5390,7 +5315,7 @@
           <a:p>
             <a:fld id="{02AC24A9-CCB6-4F8D-B8DB-C2F3692CFA5A}" type="datetimeFigureOut">
               <a:rPr lang="en-US" smtClean="0"/>
-              <a:t>7/7/20</a:t>
+              <a:t>7/8/20</a:t>
             </a:fld>
             <a:endParaRPr lang="en-US"/>
           </a:p>
@@ -5922,7 +5847,7 @@
           <a:p>
             <a:fld id="{02AC24A9-CCB6-4F8D-B8DB-C2F3692CFA5A}" type="datetimeFigureOut">
               <a:rPr lang="en-US" smtClean="0"/>
-              <a:t>7/7/20</a:t>
+              <a:t>7/8/20</a:t>
             </a:fld>
             <a:endParaRPr lang="en-US"/>
           </a:p>
@@ -6621,7 +6546,7 @@
           <a:p>
             <a:fld id="{02AC24A9-CCB6-4F8D-B8DB-C2F3692CFA5A}" type="datetimeFigureOut">
               <a:rPr lang="en-US" smtClean="0"/>
-              <a:t>7/7/20</a:t>
+              <a:t>7/8/20</a:t>
             </a:fld>
             <a:endParaRPr lang="en-US"/>
           </a:p>
@@ -6950,7 +6875,7 @@
           <a:p>
             <a:fld id="{02AC24A9-CCB6-4F8D-B8DB-C2F3692CFA5A}" type="datetimeFigureOut">
               <a:rPr lang="en-US" smtClean="0"/>
-              <a:t>7/7/20</a:t>
+              <a:t>7/8/20</a:t>
             </a:fld>
             <a:endParaRPr lang="en-US"/>
           </a:p>
@@ -7063,7 +6988,7 @@
           <a:p>
             <a:fld id="{02AC24A9-CCB6-4F8D-B8DB-C2F3692CFA5A}" type="datetimeFigureOut">
               <a:rPr lang="en-US" smtClean="0"/>
-              <a:t>7/7/20</a:t>
+              <a:t>7/8/20</a:t>
             </a:fld>
             <a:endParaRPr lang="en-US"/>
           </a:p>
@@ -7558,7 +7483,7 @@
           <a:p>
             <a:fld id="{02AC24A9-CCB6-4F8D-B8DB-C2F3692CFA5A}" type="datetimeFigureOut">
               <a:rPr lang="en-US" smtClean="0"/>
-              <a:t>7/7/20</a:t>
+              <a:t>7/8/20</a:t>
             </a:fld>
             <a:endParaRPr lang="en-US" dirty="0"/>
           </a:p>
@@ -8035,7 +7960,7 @@
           <a:p>
             <a:fld id="{02AC24A9-CCB6-4F8D-B8DB-C2F3692CFA5A}" type="datetimeFigureOut">
               <a:rPr lang="en-US" smtClean="0"/>
-              <a:t>7/7/20</a:t>
+              <a:t>7/8/20</a:t>
             </a:fld>
             <a:endParaRPr lang="en-US"/>
           </a:p>
@@ -8278,7 +8203,7 @@
           <a:p>
             <a:fld id="{02AC24A9-CCB6-4F8D-B8DB-C2F3692CFA5A}" type="datetimeFigureOut">
               <a:rPr lang="en-US" smtClean="0"/>
-              <a:t>7/7/20</a:t>
+              <a:t>7/8/20</a:t>
             </a:fld>
             <a:endParaRPr lang="en-US"/>
           </a:p>
@@ -13939,1302 +13864,6 @@
 </file>
 
 <file path=ppt/slides/slide26.xml><?xml version="1.0" encoding="utf-8"?>
-<p:sld xmlns:a="http://schemas.openxmlformats.org/drawingml/2006/main" xmlns:r="http://schemas.openxmlformats.org/officeDocument/2006/relationships" xmlns:p="http://schemas.openxmlformats.org/presentationml/2006/main" show="0">
-  <p:cSld>
-    <p:bg>
-      <p:bgPr>
-        <a:solidFill>
-          <a:schemeClr val="bg1"/>
-        </a:solidFill>
-        <a:effectLst/>
-      </p:bgPr>
-    </p:bg>
-    <p:spTree>
-      <p:nvGrpSpPr>
-        <p:cNvPr id="1" name=""/>
-        <p:cNvGrpSpPr/>
-        <p:nvPr/>
-      </p:nvGrpSpPr>
-      <p:grpSpPr>
-        <a:xfrm>
-          <a:off x="0" y="0"/>
-          <a:ext cx="0" cy="0"/>
-          <a:chOff x="0" y="0"/>
-          <a:chExt cx="0" cy="0"/>
-        </a:xfrm>
-      </p:grpSpPr>
-      <p:sp useBgFill="1">
-        <p:nvSpPr>
-          <p:cNvPr id="51" name="Rectangle 50">
-            <a:extLst>
-              <a:ext uri="{FF2B5EF4-FFF2-40B4-BE49-F238E27FC236}">
-                <a16:creationId xmlns:a16="http://schemas.microsoft.com/office/drawing/2014/main" id="{2550BE34-C2B8-49B8-8519-67A8CAD51AE9}"/>
-              </a:ext>
-              <a:ext uri="{C183D7F6-B498-43B3-948B-1728B52AA6E4}">
-                <adec:decorative xmlns:adec="http://schemas.microsoft.com/office/drawing/2017/decorative" val="1"/>
-              </a:ext>
-            </a:extLst>
-          </p:cNvPr>
-          <p:cNvSpPr>
-            <a:spLocks noGrp="1" noRot="1" noChangeAspect="1" noMove="1" noResize="1" noEditPoints="1" noAdjustHandles="1" noChangeArrowheads="1" noChangeShapeType="1" noTextEdit="1"/>
-          </p:cNvSpPr>
-          <p:nvPr>
-            <p:extLst>
-              <p:ext uri="{386F3935-93C4-4BCD-93E2-E3B085C9AB24}">
-                <p16:designElem xmlns:p16="http://schemas.microsoft.com/office/powerpoint/2015/main" val="1"/>
-              </p:ext>
-            </p:extLst>
-          </p:nvPr>
-        </p:nvSpPr>
-        <p:spPr>
-          <a:xfrm>
-            <a:off x="0" y="0"/>
-            <a:ext cx="12192000" cy="6858000"/>
-          </a:xfrm>
-          <a:prstGeom prst="rect">
-            <a:avLst/>
-          </a:prstGeom>
-          <a:ln>
-            <a:noFill/>
-          </a:ln>
-        </p:spPr>
-        <p:style>
-          <a:lnRef idx="2">
-            <a:schemeClr val="accent1">
-              <a:shade val="50000"/>
-            </a:schemeClr>
-          </a:lnRef>
-          <a:fillRef idx="1">
-            <a:schemeClr val="accent1"/>
-          </a:fillRef>
-          <a:effectRef idx="0">
-            <a:schemeClr val="accent1"/>
-          </a:effectRef>
-          <a:fontRef idx="minor">
-            <a:schemeClr val="lt1"/>
-          </a:fontRef>
-        </p:style>
-        <p:txBody>
-          <a:bodyPr rtlCol="0" anchor="ctr"/>
-          <a:lstStyle/>
-          <a:p>
-            <a:pPr algn="ctr"/>
-            <a:endParaRPr lang="en-US"/>
-          </a:p>
-        </p:txBody>
-      </p:sp>
-      <p:sp useBgFill="1">
-        <p:nvSpPr>
-          <p:cNvPr id="53" name="Rectangle 52">
-            <a:extLst>
-              <a:ext uri="{FF2B5EF4-FFF2-40B4-BE49-F238E27FC236}">
-                <a16:creationId xmlns:a16="http://schemas.microsoft.com/office/drawing/2014/main" id="{A7457DD9-5A45-400A-AB4B-4B4EDECA25F1}"/>
-              </a:ext>
-              <a:ext uri="{C183D7F6-B498-43B3-948B-1728B52AA6E4}">
-                <adec:decorative xmlns:adec="http://schemas.microsoft.com/office/drawing/2017/decorative" val="1"/>
-              </a:ext>
-            </a:extLst>
-          </p:cNvPr>
-          <p:cNvSpPr>
-            <a:spLocks noGrp="1" noRot="1" noChangeAspect="1" noMove="1" noResize="1" noEditPoints="1" noAdjustHandles="1" noChangeArrowheads="1" noChangeShapeType="1" noTextEdit="1"/>
-          </p:cNvSpPr>
-          <p:nvPr>
-            <p:extLst>
-              <p:ext uri="{386F3935-93C4-4BCD-93E2-E3B085C9AB24}">
-                <p16:designElem xmlns:p16="http://schemas.microsoft.com/office/powerpoint/2015/main" val="1"/>
-              </p:ext>
-            </p:extLst>
-          </p:nvPr>
-        </p:nvSpPr>
-        <p:spPr>
-          <a:xfrm>
-            <a:off x="554416" y="365125"/>
-            <a:ext cx="11167447" cy="2089317"/>
-          </a:xfrm>
-          <a:prstGeom prst="rect">
-            <a:avLst/>
-          </a:prstGeom>
-          <a:ln w="12700">
-            <a:solidFill>
-              <a:schemeClr val="tx2">
-                <a:lumMod val="10000"/>
-                <a:lumOff val="90000"/>
-              </a:schemeClr>
-            </a:solidFill>
-          </a:ln>
-          <a:effectLst>
-            <a:outerShdw blurRad="50800" dist="38100" dir="2700000" algn="tl" rotWithShape="0">
-              <a:schemeClr val="bg2">
-                <a:lumMod val="85000"/>
-                <a:alpha val="30000"/>
-              </a:schemeClr>
-            </a:outerShdw>
-          </a:effectLst>
-        </p:spPr>
-        <p:style>
-          <a:lnRef idx="2">
-            <a:schemeClr val="accent1">
-              <a:shade val="50000"/>
-            </a:schemeClr>
-          </a:lnRef>
-          <a:fillRef idx="1">
-            <a:schemeClr val="accent1"/>
-          </a:fillRef>
-          <a:effectRef idx="0">
-            <a:schemeClr val="accent1"/>
-          </a:effectRef>
-          <a:fontRef idx="minor">
-            <a:schemeClr val="lt1"/>
-          </a:fontRef>
-        </p:style>
-        <p:txBody>
-          <a:bodyPr rtlCol="0" anchor="ctr"/>
-          <a:lstStyle/>
-          <a:p>
-            <a:pPr marL="0" marR="0" lvl="0" indent="0" algn="ctr" defTabSz="914400" rtl="0" eaLnBrk="1" fontAlgn="auto" latinLnBrk="0" hangingPunct="1">
-              <a:lnSpc>
-                <a:spcPct val="100000"/>
-              </a:lnSpc>
-              <a:spcBef>
-                <a:spcPts val="0"/>
-              </a:spcBef>
-              <a:spcAft>
-                <a:spcPts val="0"/>
-              </a:spcAft>
-              <a:buClrTx/>
-              <a:buSzTx/>
-              <a:buFontTx/>
-              <a:buNone/>
-              <a:tabLst/>
-              <a:defRPr/>
-            </a:pPr>
-            <a:endParaRPr kumimoji="0" lang="en-US" sz="1800" b="0" i="0" u="none" strike="noStrike" kern="1200" cap="none" spc="0" normalizeH="0" baseline="0" noProof="0">
-              <a:ln>
-                <a:noFill/>
-              </a:ln>
-              <a:solidFill>
-                <a:prstClr val="white"/>
-              </a:solidFill>
-              <a:effectLst/>
-              <a:uLnTx/>
-              <a:uFillTx/>
-              <a:latin typeface="Calibri" panose="020F0502020204030204"/>
-              <a:ea typeface="+mn-ea"/>
-              <a:cs typeface="+mn-cs"/>
-            </a:endParaRPr>
-          </a:p>
-        </p:txBody>
-      </p:sp>
-      <p:sp>
-        <p:nvSpPr>
-          <p:cNvPr id="3" name="Title 2">
-            <a:extLst>
-              <a:ext uri="{FF2B5EF4-FFF2-40B4-BE49-F238E27FC236}">
-                <a16:creationId xmlns:a16="http://schemas.microsoft.com/office/drawing/2014/main" id="{2B0244FE-E892-4648-B9A2-7F22D047434E}"/>
-              </a:ext>
-            </a:extLst>
-          </p:cNvPr>
-          <p:cNvSpPr>
-            <a:spLocks noGrp="1"/>
-          </p:cNvSpPr>
-          <p:nvPr>
-            <p:ph type="title"/>
-          </p:nvPr>
-        </p:nvSpPr>
-        <p:spPr>
-          <a:xfrm>
-            <a:off x="1046746" y="586822"/>
-            <a:ext cx="3748339" cy="1645920"/>
-          </a:xfrm>
-        </p:spPr>
-        <p:txBody>
-          <a:bodyPr vert="horz" lIns="91440" tIns="45720" rIns="91440" bIns="45720" rtlCol="0" anchor="ctr">
-            <a:normAutofit/>
-          </a:bodyPr>
-          <a:lstStyle/>
-          <a:p>
-            <a:r>
-              <a:rPr lang="en-US" sz="3200" b="1" dirty="0"/>
-              <a:t>K-Means 		(I) </a:t>
-            </a:r>
-            <a:br>
-              <a:rPr lang="en-US" sz="3200" b="1" dirty="0"/>
-            </a:br>
-            <a:r>
-              <a:rPr lang="en-US" sz="3200" b="1" dirty="0"/>
-              <a:t>DBSCAN</a:t>
-            </a:r>
-          </a:p>
-        </p:txBody>
-      </p:sp>
-      <p:sp>
-        <p:nvSpPr>
-          <p:cNvPr id="55" name="Rectangle 54">
-            <a:extLst>
-              <a:ext uri="{FF2B5EF4-FFF2-40B4-BE49-F238E27FC236}">
-                <a16:creationId xmlns:a16="http://schemas.microsoft.com/office/drawing/2014/main" id="{441CF7D6-A660-431A-B0BB-140A0D5556B6}"/>
-              </a:ext>
-              <a:ext uri="{C183D7F6-B498-43B3-948B-1728B52AA6E4}">
-                <adec:decorative xmlns:adec="http://schemas.microsoft.com/office/drawing/2017/decorative" val="1"/>
-              </a:ext>
-            </a:extLst>
-          </p:cNvPr>
-          <p:cNvSpPr>
-            <a:spLocks noGrp="1" noRot="1" noChangeAspect="1" noMove="1" noResize="1" noEditPoints="1" noAdjustHandles="1" noChangeArrowheads="1" noChangeShapeType="1" noTextEdit="1"/>
-          </p:cNvSpPr>
-          <p:nvPr>
-            <p:extLst>
-              <p:ext uri="{386F3935-93C4-4BCD-93E2-E3B085C9AB24}">
-                <p16:designElem xmlns:p16="http://schemas.microsoft.com/office/powerpoint/2015/main" val="1"/>
-              </p:ext>
-            </p:extLst>
-          </p:nvPr>
-        </p:nvSpPr>
-        <p:spPr>
-          <a:xfrm>
-            <a:off x="490408" y="1057739"/>
-            <a:ext cx="128016" cy="704088"/>
-          </a:xfrm>
-          <a:prstGeom prst="rect">
-            <a:avLst/>
-          </a:prstGeom>
-          <a:solidFill>
-            <a:schemeClr val="accent1"/>
-          </a:solidFill>
-          <a:ln>
-            <a:noFill/>
-          </a:ln>
-        </p:spPr>
-        <p:style>
-          <a:lnRef idx="2">
-            <a:schemeClr val="accent1">
-              <a:shade val="50000"/>
-            </a:schemeClr>
-          </a:lnRef>
-          <a:fillRef idx="1">
-            <a:schemeClr val="accent1"/>
-          </a:fillRef>
-          <a:effectRef idx="0">
-            <a:schemeClr val="accent1"/>
-          </a:effectRef>
-          <a:fontRef idx="minor">
-            <a:schemeClr val="lt1"/>
-          </a:fontRef>
-        </p:style>
-        <p:txBody>
-          <a:bodyPr rtlCol="0" anchor="ctr"/>
-          <a:lstStyle/>
-          <a:p>
-            <a:pPr marL="0" marR="0" lvl="0" indent="0" algn="ctr" defTabSz="914400" rtl="0" eaLnBrk="1" fontAlgn="auto" latinLnBrk="0" hangingPunct="1">
-              <a:lnSpc>
-                <a:spcPct val="100000"/>
-              </a:lnSpc>
-              <a:spcBef>
-                <a:spcPts val="0"/>
-              </a:spcBef>
-              <a:spcAft>
-                <a:spcPts val="0"/>
-              </a:spcAft>
-              <a:buClrTx/>
-              <a:buSzTx/>
-              <a:buFontTx/>
-              <a:buNone/>
-              <a:tabLst/>
-              <a:defRPr/>
-            </a:pPr>
-            <a:endParaRPr kumimoji="0" lang="en-US" sz="1800" b="0" i="0" u="none" strike="noStrike" kern="1200" cap="none" spc="0" normalizeH="0" baseline="0" noProof="0" dirty="0">
-              <a:ln>
-                <a:noFill/>
-              </a:ln>
-              <a:solidFill>
-                <a:prstClr val="white"/>
-              </a:solidFill>
-              <a:effectLst/>
-              <a:uLnTx/>
-              <a:uFillTx/>
-              <a:latin typeface="Calibri" panose="020F0502020204030204"/>
-              <a:ea typeface="+mn-ea"/>
-              <a:cs typeface="+mn-cs"/>
-            </a:endParaRPr>
-          </a:p>
-        </p:txBody>
-      </p:sp>
-      <p:sp>
-        <p:nvSpPr>
-          <p:cNvPr id="57" name="Rectangle 56">
-            <a:extLst>
-              <a:ext uri="{FF2B5EF4-FFF2-40B4-BE49-F238E27FC236}">
-                <a16:creationId xmlns:a16="http://schemas.microsoft.com/office/drawing/2014/main" id="{0570A85B-3810-4F95-97B0-CBF4CCDB381C}"/>
-              </a:ext>
-              <a:ext uri="{C183D7F6-B498-43B3-948B-1728B52AA6E4}">
-                <adec:decorative xmlns:adec="http://schemas.microsoft.com/office/drawing/2017/decorative" val="1"/>
-              </a:ext>
-            </a:extLst>
-          </p:cNvPr>
-          <p:cNvSpPr>
-            <a:spLocks noGrp="1" noRot="1" noChangeAspect="1" noMove="1" noResize="1" noEditPoints="1" noAdjustHandles="1" noChangeArrowheads="1" noChangeShapeType="1" noTextEdit="1"/>
-          </p:cNvSpPr>
-          <p:nvPr>
-            <p:extLst>
-              <p:ext uri="{386F3935-93C4-4BCD-93E2-E3B085C9AB24}">
-                <p16:designElem xmlns:p16="http://schemas.microsoft.com/office/powerpoint/2015/main" val="1"/>
-              </p:ext>
-            </p:extLst>
-          </p:nvPr>
-        </p:nvSpPr>
-        <p:spPr>
-          <a:xfrm rot="5400000">
-            <a:off x="4248113" y="1405210"/>
-            <a:ext cx="1463040" cy="9144"/>
-          </a:xfrm>
-          <a:prstGeom prst="rect">
-            <a:avLst/>
-          </a:prstGeom>
-          <a:solidFill>
-            <a:schemeClr val="tx2">
-              <a:lumMod val="25000"/>
-              <a:lumOff val="75000"/>
-            </a:schemeClr>
-          </a:solidFill>
-          <a:ln w="3175">
-            <a:noFill/>
-          </a:ln>
-          <a:effectLst/>
-        </p:spPr>
-        <p:style>
-          <a:lnRef idx="2">
-            <a:schemeClr val="accent1">
-              <a:shade val="50000"/>
-            </a:schemeClr>
-          </a:lnRef>
-          <a:fillRef idx="1">
-            <a:schemeClr val="accent1"/>
-          </a:fillRef>
-          <a:effectRef idx="0">
-            <a:schemeClr val="accent1"/>
-          </a:effectRef>
-          <a:fontRef idx="minor">
-            <a:schemeClr val="lt1"/>
-          </a:fontRef>
-        </p:style>
-        <p:txBody>
-          <a:bodyPr rtlCol="0" anchor="ctr"/>
-          <a:lstStyle/>
-          <a:p>
-            <a:pPr marL="0" marR="0" lvl="0" indent="0" algn="ctr" defTabSz="914400" rtl="0" eaLnBrk="1" fontAlgn="auto" latinLnBrk="0" hangingPunct="1">
-              <a:lnSpc>
-                <a:spcPct val="100000"/>
-              </a:lnSpc>
-              <a:spcBef>
-                <a:spcPts val="0"/>
-              </a:spcBef>
-              <a:spcAft>
-                <a:spcPts val="0"/>
-              </a:spcAft>
-              <a:buClrTx/>
-              <a:buSzTx/>
-              <a:buFontTx/>
-              <a:buNone/>
-              <a:tabLst/>
-              <a:defRPr/>
-            </a:pPr>
-            <a:endParaRPr kumimoji="0" lang="en-US" sz="1800" b="0" i="0" u="none" strike="noStrike" kern="1200" cap="none" spc="0" normalizeH="0" baseline="0" noProof="0">
-              <a:ln>
-                <a:noFill/>
-              </a:ln>
-              <a:solidFill>
-                <a:prstClr val="white"/>
-              </a:solidFill>
-              <a:effectLst/>
-              <a:uLnTx/>
-              <a:uFillTx/>
-              <a:latin typeface="Calibri" panose="020F0502020204030204"/>
-              <a:ea typeface="+mn-ea"/>
-              <a:cs typeface="+mn-cs"/>
-            </a:endParaRPr>
-          </a:p>
-        </p:txBody>
-      </p:sp>
-      <p:sp>
-        <p:nvSpPr>
-          <p:cNvPr id="6" name="TextBox 5">
-            <a:extLst>
-              <a:ext uri="{FF2B5EF4-FFF2-40B4-BE49-F238E27FC236}">
-                <a16:creationId xmlns:a16="http://schemas.microsoft.com/office/drawing/2014/main" id="{68E267DE-B0A6-1F4B-BCC7-2FAF9305A326}"/>
-              </a:ext>
-            </a:extLst>
-          </p:cNvPr>
-          <p:cNvSpPr txBox="1"/>
-          <p:nvPr/>
-        </p:nvSpPr>
-        <p:spPr>
-          <a:xfrm>
-            <a:off x="4804229" y="586822"/>
-            <a:ext cx="6720114" cy="1867620"/>
-          </a:xfrm>
-          <a:prstGeom prst="rect">
-            <a:avLst/>
-          </a:prstGeom>
-        </p:spPr>
-        <p:txBody>
-          <a:bodyPr vert="horz" lIns="91440" tIns="45720" rIns="91440" bIns="45720" numCol="2" rtlCol="0" anchor="ctr">
-            <a:normAutofit/>
-          </a:bodyPr>
-          <a:lstStyle/>
-          <a:p>
-            <a:pPr marL="457200" indent="-228600">
-              <a:spcAft>
-                <a:spcPts val="600"/>
-              </a:spcAft>
-              <a:buFont typeface="Arial" panose="020B0604020202020204" pitchFamily="34" charset="0"/>
-              <a:buChar char="•"/>
-            </a:pPr>
-            <a:r>
-              <a:rPr lang="de-DE" dirty="0"/>
-              <a:t>Einteilung nach </a:t>
-            </a:r>
-            <a:r>
-              <a:rPr lang="de-DE" i="1" dirty="0"/>
-              <a:t>AMANN</a:t>
-            </a:r>
-            <a:endParaRPr lang="de-DE" b="1" i="1" dirty="0"/>
-          </a:p>
-          <a:p>
-            <a:pPr marL="457200" indent="-228600">
-              <a:spcAft>
-                <a:spcPts val="600"/>
-              </a:spcAft>
-              <a:buFont typeface="Arial" panose="020B0604020202020204" pitchFamily="34" charset="0"/>
-              <a:buChar char="•"/>
-            </a:pPr>
-            <a:r>
-              <a:rPr lang="de-DE" dirty="0"/>
-              <a:t>ohne Dimensionsreduktion</a:t>
-            </a:r>
-          </a:p>
-          <a:p>
-            <a:pPr marL="457200" indent="-228600">
-              <a:spcAft>
-                <a:spcPts val="600"/>
-              </a:spcAft>
-              <a:buFont typeface="Arial" panose="020B0604020202020204" pitchFamily="34" charset="0"/>
-              <a:buChar char="•"/>
-            </a:pPr>
-            <a:r>
-              <a:rPr lang="de-DE" dirty="0"/>
-              <a:t>Ohne Epoche „Sturm &amp; Drang“</a:t>
-            </a:r>
-          </a:p>
-          <a:p>
-            <a:pPr marL="457200" indent="-228600">
-              <a:spcAft>
-                <a:spcPts val="600"/>
-              </a:spcAft>
-              <a:buFont typeface="Arial" panose="020B0604020202020204" pitchFamily="34" charset="0"/>
-              <a:buChar char="•"/>
-            </a:pPr>
-            <a:r>
-              <a:rPr lang="de-DE" dirty="0" err="1"/>
-              <a:t>Lowercase</a:t>
-            </a:r>
-            <a:endParaRPr lang="de-DE" dirty="0"/>
-          </a:p>
-          <a:p>
-            <a:pPr marL="457200" indent="-228600">
-              <a:spcAft>
-                <a:spcPts val="600"/>
-              </a:spcAft>
-              <a:buFont typeface="Arial" panose="020B0604020202020204" pitchFamily="34" charset="0"/>
-              <a:buChar char="•"/>
-            </a:pPr>
-            <a:r>
-              <a:rPr lang="de-DE" dirty="0"/>
-              <a:t>Stoppwörter </a:t>
-            </a:r>
-            <a:r>
-              <a:rPr lang="de-DE" u="sng" dirty="0"/>
-              <a:t>entfernt</a:t>
-            </a:r>
-            <a:endParaRPr lang="de-DE" dirty="0"/>
-          </a:p>
-          <a:p>
-            <a:pPr marL="457200" indent="-228600">
-              <a:spcAft>
-                <a:spcPts val="600"/>
-              </a:spcAft>
-              <a:buFont typeface="Arial" panose="020B0604020202020204" pitchFamily="34" charset="0"/>
-              <a:buChar char="•"/>
-            </a:pPr>
-            <a:r>
-              <a:rPr lang="de-DE" dirty="0"/>
-              <a:t>10000 mf</a:t>
-            </a:r>
-          </a:p>
-        </p:txBody>
-      </p:sp>
-      <p:graphicFrame>
-        <p:nvGraphicFramePr>
-          <p:cNvPr id="2" name="Table 1">
-            <a:extLst>
-              <a:ext uri="{FF2B5EF4-FFF2-40B4-BE49-F238E27FC236}">
-                <a16:creationId xmlns:a16="http://schemas.microsoft.com/office/drawing/2014/main" id="{A0E9A13A-9520-0146-9DA9-25D7F9C6A691}"/>
-              </a:ext>
-            </a:extLst>
-          </p:cNvPr>
-          <p:cNvGraphicFramePr>
-            <a:graphicFrameLocks noGrp="1"/>
-          </p:cNvGraphicFramePr>
-          <p:nvPr/>
-        </p:nvGraphicFramePr>
-        <p:xfrm>
-          <a:off x="618423" y="2833916"/>
-          <a:ext cx="11103438" cy="3437261"/>
-        </p:xfrm>
-        <a:graphic>
-          <a:graphicData uri="http://schemas.openxmlformats.org/drawingml/2006/table">
-            <a:tbl>
-              <a:tblPr firstRow="1" bandRow="1">
-                <a:tableStyleId>{69012ECD-51FC-41F1-AA8D-1B2483CD663E}</a:tableStyleId>
-              </a:tblPr>
-              <a:tblGrid>
-                <a:gridCol w="3573503">
-                  <a:extLst>
-                    <a:ext uri="{9D8B030D-6E8A-4147-A177-3AD203B41FA5}">
-                      <a16:colId xmlns:a16="http://schemas.microsoft.com/office/drawing/2014/main" val="2833795351"/>
-                    </a:ext>
-                  </a:extLst>
-                </a:gridCol>
-                <a:gridCol w="1670992">
-                  <a:extLst>
-                    <a:ext uri="{9D8B030D-6E8A-4147-A177-3AD203B41FA5}">
-                      <a16:colId xmlns:a16="http://schemas.microsoft.com/office/drawing/2014/main" val="1448307795"/>
-                    </a:ext>
-                  </a:extLst>
-                </a:gridCol>
-                <a:gridCol w="1802835">
-                  <a:extLst>
-                    <a:ext uri="{9D8B030D-6E8A-4147-A177-3AD203B41FA5}">
-                      <a16:colId xmlns:a16="http://schemas.microsoft.com/office/drawing/2014/main" val="799636414"/>
-                    </a:ext>
-                  </a:extLst>
-                </a:gridCol>
-                <a:gridCol w="2028054">
-                  <a:extLst>
-                    <a:ext uri="{9D8B030D-6E8A-4147-A177-3AD203B41FA5}">
-                      <a16:colId xmlns:a16="http://schemas.microsoft.com/office/drawing/2014/main" val="1880987509"/>
-                    </a:ext>
-                  </a:extLst>
-                </a:gridCol>
-                <a:gridCol w="2028054">
-                  <a:extLst>
-                    <a:ext uri="{9D8B030D-6E8A-4147-A177-3AD203B41FA5}">
-                      <a16:colId xmlns:a16="http://schemas.microsoft.com/office/drawing/2014/main" val="3364989717"/>
-                    </a:ext>
-                  </a:extLst>
-                </a:gridCol>
-              </a:tblGrid>
-              <a:tr h="638570">
-                <a:tc>
-                  <a:txBody>
-                    <a:bodyPr/>
-                    <a:lstStyle/>
-                    <a:p>
-                      <a:pPr algn="r" fontAlgn="ctr"/>
-                      <a:endParaRPr lang="en-GB" b="1" dirty="0">
-                        <a:effectLst/>
-                      </a:endParaRPr>
-                    </a:p>
-                  </a:txBody>
-                  <a:tcPr anchor="ctr"/>
-                </a:tc>
-                <a:tc gridSpan="2">
-                  <a:txBody>
-                    <a:bodyPr/>
-                    <a:lstStyle/>
-                    <a:p>
-                      <a:pPr algn="ctr" fontAlgn="ctr"/>
-                      <a:r>
-                        <a:rPr lang="en-GB" sz="2400" dirty="0">
-                          <a:effectLst/>
-                        </a:rPr>
-                        <a:t>K-Means</a:t>
-                      </a:r>
-                      <a:endParaRPr lang="en-GB" sz="2400" b="1" dirty="0">
-                        <a:solidFill>
-                          <a:schemeClr val="tx1"/>
-                        </a:solidFill>
-                        <a:effectLst/>
-                      </a:endParaRPr>
-                    </a:p>
-                  </a:txBody>
-                  <a:tcPr anchor="ctr"/>
-                </a:tc>
-                <a:tc hMerge="1">
-                  <a:txBody>
-                    <a:bodyPr/>
-                    <a:lstStyle/>
-                    <a:p>
-                      <a:pPr algn="ctr"/>
-                      <a:endParaRPr lang="de-DE" dirty="0"/>
-                    </a:p>
-                  </a:txBody>
-                  <a:tcPr anchor="ctr"/>
-                </a:tc>
-                <a:tc gridSpan="2">
-                  <a:txBody>
-                    <a:bodyPr/>
-                    <a:lstStyle/>
-                    <a:p>
-                      <a:pPr algn="ctr" fontAlgn="ctr"/>
-                      <a:r>
-                        <a:rPr lang="en-GB" sz="2400" dirty="0">
-                          <a:effectLst/>
-                        </a:rPr>
-                        <a:t>DBSCAN</a:t>
-                      </a:r>
-                      <a:endParaRPr lang="en-GB" sz="2400" b="1" dirty="0">
-                        <a:solidFill>
-                          <a:schemeClr val="tx1"/>
-                        </a:solidFill>
-                        <a:effectLst/>
-                      </a:endParaRPr>
-                    </a:p>
-                  </a:txBody>
-                  <a:tcPr anchor="ctr"/>
-                </a:tc>
-                <a:tc hMerge="1">
-                  <a:txBody>
-                    <a:bodyPr/>
-                    <a:lstStyle/>
-                    <a:p>
-                      <a:pPr algn="ctr"/>
-                      <a:endParaRPr lang="de-DE" dirty="0"/>
-                    </a:p>
-                  </a:txBody>
-                  <a:tcPr anchor="ctr"/>
-                </a:tc>
-                <a:extLst>
-                  <a:ext uri="{0D108BD9-81ED-4DB2-BD59-A6C34878D82A}">
-                    <a16:rowId xmlns:a16="http://schemas.microsoft.com/office/drawing/2014/main" val="3307450965"/>
-                  </a:ext>
-                </a:extLst>
-              </a:tr>
-              <a:tr h="731476">
-                <a:tc>
-                  <a:txBody>
-                    <a:bodyPr/>
-                    <a:lstStyle/>
-                    <a:p>
-                      <a:pPr algn="r" fontAlgn="ctr"/>
-                      <a:br>
-                        <a:rPr lang="en-GB" sz="2000" dirty="0">
-                          <a:effectLst/>
-                        </a:rPr>
-                      </a:br>
-                      <a:endParaRPr lang="en-GB" sz="2000" b="1" dirty="0">
-                        <a:effectLst/>
-                      </a:endParaRPr>
-                    </a:p>
-                  </a:txBody>
-                  <a:tcPr anchor="ctr"/>
-                </a:tc>
-                <a:tc>
-                  <a:txBody>
-                    <a:bodyPr/>
-                    <a:lstStyle/>
-                    <a:p>
-                      <a:pPr algn="ctr" fontAlgn="ctr"/>
-                      <a:r>
-                        <a:rPr lang="en-GB" sz="2000" b="1" dirty="0" err="1">
-                          <a:effectLst/>
-                        </a:rPr>
-                        <a:t>ari</a:t>
-                      </a:r>
-                      <a:endParaRPr lang="en-GB" sz="2000" b="1" dirty="0">
-                        <a:effectLst/>
-                      </a:endParaRPr>
-                    </a:p>
-                  </a:txBody>
-                  <a:tcPr anchor="ctr"/>
-                </a:tc>
-                <a:tc>
-                  <a:txBody>
-                    <a:bodyPr/>
-                    <a:lstStyle/>
-                    <a:p>
-                      <a:pPr algn="ctr"/>
-                      <a:r>
-                        <a:rPr lang="de-DE" sz="2000" b="1" dirty="0" err="1"/>
-                        <a:t>vm</a:t>
-                      </a:r>
-                      <a:endParaRPr lang="de-DE" sz="2000" b="1" dirty="0"/>
-                    </a:p>
-                  </a:txBody>
-                  <a:tcPr anchor="ctr"/>
-                </a:tc>
-                <a:tc>
-                  <a:txBody>
-                    <a:bodyPr/>
-                    <a:lstStyle/>
-                    <a:p>
-                      <a:pPr algn="ctr" fontAlgn="ctr"/>
-                      <a:r>
-                        <a:rPr lang="en-GB" sz="2000" b="1" dirty="0" err="1">
-                          <a:effectLst/>
-                        </a:rPr>
-                        <a:t>ari</a:t>
-                      </a:r>
-                      <a:endParaRPr lang="en-GB" sz="2000" b="1" dirty="0">
-                        <a:effectLst/>
-                      </a:endParaRPr>
-                    </a:p>
-                  </a:txBody>
-                  <a:tcPr anchor="ctr"/>
-                </a:tc>
-                <a:tc>
-                  <a:txBody>
-                    <a:bodyPr/>
-                    <a:lstStyle/>
-                    <a:p>
-                      <a:pPr algn="ctr"/>
-                      <a:r>
-                        <a:rPr lang="de-DE" sz="2000" b="1" dirty="0" err="1"/>
-                        <a:t>vm</a:t>
-                      </a:r>
-                      <a:endParaRPr lang="de-DE" sz="2000" b="1" dirty="0"/>
-                    </a:p>
-                  </a:txBody>
-                  <a:tcPr anchor="ctr"/>
-                </a:tc>
-                <a:extLst>
-                  <a:ext uri="{0D108BD9-81ED-4DB2-BD59-A6C34878D82A}">
-                    <a16:rowId xmlns:a16="http://schemas.microsoft.com/office/drawing/2014/main" val="2331790527"/>
-                  </a:ext>
-                </a:extLst>
-              </a:tr>
-              <a:tr h="413443">
-                <a:tc>
-                  <a:txBody>
-                    <a:bodyPr/>
-                    <a:lstStyle/>
-                    <a:p>
-                      <a:pPr algn="r" fontAlgn="ctr"/>
-                      <a:r>
-                        <a:rPr lang="en-GB" sz="2000" b="1" dirty="0" err="1">
-                          <a:effectLst/>
-                        </a:rPr>
-                        <a:t>Barock</a:t>
-                      </a:r>
-                      <a:r>
-                        <a:rPr lang="en-GB" sz="2000" b="1" dirty="0">
-                          <a:effectLst/>
-                        </a:rPr>
-                        <a:t>/</a:t>
-                      </a:r>
-                      <a:r>
-                        <a:rPr lang="en-GB" sz="2000" b="1" dirty="0" err="1">
-                          <a:effectLst/>
-                        </a:rPr>
-                        <a:t>Klassik</a:t>
-                      </a:r>
-                      <a:endParaRPr lang="en-GB" sz="2000" b="1" dirty="0">
-                        <a:effectLst/>
-                      </a:endParaRPr>
-                    </a:p>
-                  </a:txBody>
-                  <a:tcPr anchor="ctr"/>
-                </a:tc>
-                <a:tc>
-                  <a:txBody>
-                    <a:bodyPr/>
-                    <a:lstStyle/>
-                    <a:p>
-                      <a:pPr algn="r" fontAlgn="ctr"/>
-                      <a:r>
-                        <a:rPr lang="en-DE" sz="2000" b="1" dirty="0">
-                          <a:effectLst/>
-                        </a:rPr>
-                        <a:t>0.723914</a:t>
-                      </a:r>
-                    </a:p>
-                  </a:txBody>
-                  <a:tcPr anchor="ctr">
-                    <a:solidFill>
-                      <a:schemeClr val="accent6">
-                        <a:lumMod val="60000"/>
-                        <a:lumOff val="40000"/>
-                      </a:schemeClr>
-                    </a:solidFill>
-                  </a:tcPr>
-                </a:tc>
-                <a:tc>
-                  <a:txBody>
-                    <a:bodyPr/>
-                    <a:lstStyle/>
-                    <a:p>
-                      <a:pPr algn="r" fontAlgn="ctr"/>
-                      <a:r>
-                        <a:rPr lang="en-DE" sz="2000" b="1" dirty="0">
-                          <a:effectLst/>
-                        </a:rPr>
-                        <a:t>0.681082</a:t>
-                      </a:r>
-                    </a:p>
-                  </a:txBody>
-                  <a:tcPr anchor="ctr">
-                    <a:solidFill>
-                      <a:schemeClr val="accent6">
-                        <a:lumMod val="60000"/>
-                        <a:lumOff val="40000"/>
-                      </a:schemeClr>
-                    </a:solidFill>
-                  </a:tcPr>
-                </a:tc>
-                <a:tc>
-                  <a:txBody>
-                    <a:bodyPr/>
-                    <a:lstStyle/>
-                    <a:p>
-                      <a:pPr algn="r" fontAlgn="ctr"/>
-                      <a:r>
-                        <a:rPr lang="en-DE" sz="2000" dirty="0">
-                          <a:effectLst/>
-                        </a:rPr>
-                        <a:t>0.491301</a:t>
-                      </a:r>
-                    </a:p>
-                  </a:txBody>
-                  <a:tcPr anchor="ctr"/>
-                </a:tc>
-                <a:tc>
-                  <a:txBody>
-                    <a:bodyPr/>
-                    <a:lstStyle/>
-                    <a:p>
-                      <a:pPr algn="r" fontAlgn="ctr"/>
-                      <a:r>
-                        <a:rPr lang="en-DE" sz="2000" dirty="0">
-                          <a:effectLst/>
-                        </a:rPr>
-                        <a:t>0.499456</a:t>
-                      </a:r>
-                    </a:p>
-                  </a:txBody>
-                  <a:tcPr anchor="ctr"/>
-                </a:tc>
-                <a:extLst>
-                  <a:ext uri="{0D108BD9-81ED-4DB2-BD59-A6C34878D82A}">
-                    <a16:rowId xmlns:a16="http://schemas.microsoft.com/office/drawing/2014/main" val="857364166"/>
-                  </a:ext>
-                </a:extLst>
-              </a:tr>
-              <a:tr h="413443">
-                <a:tc>
-                  <a:txBody>
-                    <a:bodyPr/>
-                    <a:lstStyle/>
-                    <a:p>
-                      <a:pPr algn="r" fontAlgn="ctr"/>
-                      <a:r>
-                        <a:rPr lang="en-GB" sz="2000" b="1">
-                          <a:effectLst/>
-                        </a:rPr>
-                        <a:t>Barock/Realismus</a:t>
-                      </a:r>
-                    </a:p>
-                  </a:txBody>
-                  <a:tcPr anchor="ctr"/>
-                </a:tc>
-                <a:tc>
-                  <a:txBody>
-                    <a:bodyPr/>
-                    <a:lstStyle/>
-                    <a:p>
-                      <a:pPr algn="r" fontAlgn="ctr"/>
-                      <a:r>
-                        <a:rPr lang="en-DE" sz="2000">
-                          <a:effectLst/>
-                        </a:rPr>
-                        <a:t>0.651314</a:t>
-                      </a:r>
-                    </a:p>
-                  </a:txBody>
-                  <a:tcPr anchor="ctr"/>
-                </a:tc>
-                <a:tc>
-                  <a:txBody>
-                    <a:bodyPr/>
-                    <a:lstStyle/>
-                    <a:p>
-                      <a:pPr algn="r" fontAlgn="ctr"/>
-                      <a:r>
-                        <a:rPr lang="en-DE" sz="2000" dirty="0">
-                          <a:effectLst/>
-                        </a:rPr>
-                        <a:t>0.629702</a:t>
-                      </a:r>
-                    </a:p>
-                  </a:txBody>
-                  <a:tcPr anchor="ctr">
-                    <a:noFill/>
-                  </a:tcPr>
-                </a:tc>
-                <a:tc>
-                  <a:txBody>
-                    <a:bodyPr/>
-                    <a:lstStyle/>
-                    <a:p>
-                      <a:pPr algn="r" fontAlgn="ctr"/>
-                      <a:r>
-                        <a:rPr lang="en-DE" sz="2000">
-                          <a:effectLst/>
-                        </a:rPr>
-                        <a:t>0.515060</a:t>
-                      </a:r>
-                    </a:p>
-                  </a:txBody>
-                  <a:tcPr anchor="ctr"/>
-                </a:tc>
-                <a:tc>
-                  <a:txBody>
-                    <a:bodyPr/>
-                    <a:lstStyle/>
-                    <a:p>
-                      <a:pPr algn="r" fontAlgn="ctr"/>
-                      <a:r>
-                        <a:rPr lang="en-DE" sz="2000" dirty="0">
-                          <a:effectLst/>
-                        </a:rPr>
-                        <a:t>0.531504</a:t>
-                      </a:r>
-                    </a:p>
-                  </a:txBody>
-                  <a:tcPr anchor="ctr"/>
-                </a:tc>
-                <a:extLst>
-                  <a:ext uri="{0D108BD9-81ED-4DB2-BD59-A6C34878D82A}">
-                    <a16:rowId xmlns:a16="http://schemas.microsoft.com/office/drawing/2014/main" val="2292681319"/>
-                  </a:ext>
-                </a:extLst>
-              </a:tr>
-              <a:tr h="413443">
-                <a:tc>
-                  <a:txBody>
-                    <a:bodyPr/>
-                    <a:lstStyle/>
-                    <a:p>
-                      <a:pPr algn="r" fontAlgn="ctr"/>
-                      <a:r>
-                        <a:rPr lang="en-GB" sz="2000" b="1">
-                          <a:effectLst/>
-                        </a:rPr>
-                        <a:t>Aufklärung/Naturalismus</a:t>
-                      </a:r>
-                    </a:p>
-                  </a:txBody>
-                  <a:tcPr anchor="ctr"/>
-                </a:tc>
-                <a:tc>
-                  <a:txBody>
-                    <a:bodyPr/>
-                    <a:lstStyle/>
-                    <a:p>
-                      <a:pPr algn="r" fontAlgn="ctr"/>
-                      <a:r>
-                        <a:rPr lang="en-DE" sz="2000" dirty="0">
-                          <a:effectLst/>
-                        </a:rPr>
-                        <a:t>0.575708</a:t>
-                      </a:r>
-                    </a:p>
-                  </a:txBody>
-                  <a:tcPr anchor="ctr"/>
-                </a:tc>
-                <a:tc>
-                  <a:txBody>
-                    <a:bodyPr/>
-                    <a:lstStyle/>
-                    <a:p>
-                      <a:pPr algn="r" fontAlgn="ctr"/>
-                      <a:r>
-                        <a:rPr lang="en-DE" sz="2000" dirty="0">
-                          <a:effectLst/>
-                        </a:rPr>
-                        <a:t>0.480125</a:t>
-                      </a:r>
-                    </a:p>
-                  </a:txBody>
-                  <a:tcPr anchor="ctr"/>
-                </a:tc>
-                <a:tc>
-                  <a:txBody>
-                    <a:bodyPr/>
-                    <a:lstStyle/>
-                    <a:p>
-                      <a:pPr algn="r" fontAlgn="ctr"/>
-                      <a:r>
-                        <a:rPr lang="en-DE" sz="2000">
-                          <a:effectLst/>
-                        </a:rPr>
-                        <a:t>0.131620</a:t>
-                      </a:r>
-                    </a:p>
-                  </a:txBody>
-                  <a:tcPr anchor="ctr"/>
-                </a:tc>
-                <a:tc>
-                  <a:txBody>
-                    <a:bodyPr/>
-                    <a:lstStyle/>
-                    <a:p>
-                      <a:pPr algn="r" fontAlgn="ctr"/>
-                      <a:r>
-                        <a:rPr lang="en-DE" sz="2000" dirty="0">
-                          <a:effectLst/>
-                        </a:rPr>
-                        <a:t>0.155326</a:t>
-                      </a:r>
-                    </a:p>
-                  </a:txBody>
-                  <a:tcPr anchor="ctr"/>
-                </a:tc>
-                <a:extLst>
-                  <a:ext uri="{0D108BD9-81ED-4DB2-BD59-A6C34878D82A}">
-                    <a16:rowId xmlns:a16="http://schemas.microsoft.com/office/drawing/2014/main" val="319013880"/>
-                  </a:ext>
-                </a:extLst>
-              </a:tr>
-              <a:tr h="413443">
-                <a:tc>
-                  <a:txBody>
-                    <a:bodyPr/>
-                    <a:lstStyle/>
-                    <a:p>
-                      <a:pPr algn="r" fontAlgn="ctr"/>
-                      <a:r>
-                        <a:rPr lang="en-GB" sz="2000" b="1">
-                          <a:effectLst/>
-                        </a:rPr>
-                        <a:t>Barock/Aufklärung</a:t>
-                      </a:r>
-                    </a:p>
-                  </a:txBody>
-                  <a:tcPr anchor="ctr"/>
-                </a:tc>
-                <a:tc>
-                  <a:txBody>
-                    <a:bodyPr/>
-                    <a:lstStyle/>
-                    <a:p>
-                      <a:pPr algn="r" fontAlgn="ctr"/>
-                      <a:r>
-                        <a:rPr lang="en-DE" sz="2000">
-                          <a:effectLst/>
-                        </a:rPr>
-                        <a:t>0.541778</a:t>
-                      </a:r>
-                    </a:p>
-                  </a:txBody>
-                  <a:tcPr anchor="ctr"/>
-                </a:tc>
-                <a:tc>
-                  <a:txBody>
-                    <a:bodyPr/>
-                    <a:lstStyle/>
-                    <a:p>
-                      <a:pPr algn="r" fontAlgn="ctr"/>
-                      <a:r>
-                        <a:rPr lang="en-DE" sz="2000" dirty="0">
-                          <a:effectLst/>
-                        </a:rPr>
-                        <a:t>0.461887</a:t>
-                      </a:r>
-                    </a:p>
-                  </a:txBody>
-                  <a:tcPr anchor="ctr"/>
-                </a:tc>
-                <a:tc>
-                  <a:txBody>
-                    <a:bodyPr/>
-                    <a:lstStyle/>
-                    <a:p>
-                      <a:pPr algn="r" fontAlgn="ctr"/>
-                      <a:r>
-                        <a:rPr lang="en-DE" sz="2000">
-                          <a:effectLst/>
-                        </a:rPr>
-                        <a:t>0.374712</a:t>
-                      </a:r>
-                    </a:p>
-                  </a:txBody>
-                  <a:tcPr anchor="ctr"/>
-                </a:tc>
-                <a:tc>
-                  <a:txBody>
-                    <a:bodyPr/>
-                    <a:lstStyle/>
-                    <a:p>
-                      <a:pPr algn="r" fontAlgn="ctr"/>
-                      <a:r>
-                        <a:rPr lang="en-DE" sz="2000" dirty="0">
-                          <a:effectLst/>
-                        </a:rPr>
-                        <a:t>0.380885</a:t>
-                      </a:r>
-                    </a:p>
-                  </a:txBody>
-                  <a:tcPr anchor="ctr"/>
-                </a:tc>
-                <a:extLst>
-                  <a:ext uri="{0D108BD9-81ED-4DB2-BD59-A6C34878D82A}">
-                    <a16:rowId xmlns:a16="http://schemas.microsoft.com/office/drawing/2014/main" val="4216835995"/>
-                  </a:ext>
-                </a:extLst>
-              </a:tr>
-              <a:tr h="413443">
-                <a:tc>
-                  <a:txBody>
-                    <a:bodyPr/>
-                    <a:lstStyle/>
-                    <a:p>
-                      <a:pPr algn="r" fontAlgn="ctr"/>
-                      <a:r>
-                        <a:rPr lang="en-GB" sz="2000" b="1">
-                          <a:effectLst/>
-                        </a:rPr>
-                        <a:t>Klassik/Naturalismus</a:t>
-                      </a:r>
-                    </a:p>
-                  </a:txBody>
-                  <a:tcPr anchor="ctr"/>
-                </a:tc>
-                <a:tc>
-                  <a:txBody>
-                    <a:bodyPr/>
-                    <a:lstStyle/>
-                    <a:p>
-                      <a:pPr algn="r" fontAlgn="ctr"/>
-                      <a:r>
-                        <a:rPr lang="en-DE" sz="2000">
-                          <a:effectLst/>
-                        </a:rPr>
-                        <a:t>0.478888</a:t>
-                      </a:r>
-                    </a:p>
-                  </a:txBody>
-                  <a:tcPr anchor="ctr"/>
-                </a:tc>
-                <a:tc>
-                  <a:txBody>
-                    <a:bodyPr/>
-                    <a:lstStyle/>
-                    <a:p>
-                      <a:pPr algn="r" fontAlgn="ctr"/>
-                      <a:r>
-                        <a:rPr lang="en-DE" sz="2000" dirty="0">
-                          <a:effectLst/>
-                        </a:rPr>
-                        <a:t>0.485033</a:t>
-                      </a:r>
-                    </a:p>
-                  </a:txBody>
-                  <a:tcPr anchor="ctr"/>
-                </a:tc>
-                <a:tc>
-                  <a:txBody>
-                    <a:bodyPr/>
-                    <a:lstStyle/>
-                    <a:p>
-                      <a:pPr algn="r" fontAlgn="ctr"/>
-                      <a:r>
-                        <a:rPr lang="en-DE" sz="2000">
-                          <a:effectLst/>
-                        </a:rPr>
-                        <a:t>0.095308</a:t>
-                      </a:r>
-                    </a:p>
-                  </a:txBody>
-                  <a:tcPr anchor="ctr"/>
-                </a:tc>
-                <a:tc>
-                  <a:txBody>
-                    <a:bodyPr/>
-                    <a:lstStyle/>
-                    <a:p>
-                      <a:pPr algn="r" fontAlgn="ctr"/>
-                      <a:r>
-                        <a:rPr lang="en-DE" sz="2000" dirty="0">
-                          <a:effectLst/>
-                        </a:rPr>
-                        <a:t>0.030450</a:t>
-                      </a:r>
-                    </a:p>
-                  </a:txBody>
-                  <a:tcPr anchor="ctr"/>
-                </a:tc>
-                <a:extLst>
-                  <a:ext uri="{0D108BD9-81ED-4DB2-BD59-A6C34878D82A}">
-                    <a16:rowId xmlns:a16="http://schemas.microsoft.com/office/drawing/2014/main" val="3160914534"/>
-                  </a:ext>
-                </a:extLst>
-              </a:tr>
-            </a:tbl>
-          </a:graphicData>
-        </a:graphic>
-      </p:graphicFrame>
-      <p:cxnSp>
-        <p:nvCxnSpPr>
-          <p:cNvPr id="9" name="Straight Connector 8">
-            <a:extLst>
-              <a:ext uri="{FF2B5EF4-FFF2-40B4-BE49-F238E27FC236}">
-                <a16:creationId xmlns:a16="http://schemas.microsoft.com/office/drawing/2014/main" id="{A5819989-B927-2242-B1C1-3CF654B9CE66}"/>
-              </a:ext>
-            </a:extLst>
-          </p:cNvPr>
-          <p:cNvCxnSpPr>
-            <a:cxnSpLocks/>
-          </p:cNvCxnSpPr>
-          <p:nvPr/>
-        </p:nvCxnSpPr>
-        <p:spPr>
-          <a:xfrm>
-            <a:off x="7637929" y="2820469"/>
-            <a:ext cx="0" cy="3450708"/>
-          </a:xfrm>
-          <a:prstGeom prst="line">
-            <a:avLst/>
-          </a:prstGeom>
-          <a:ln w="38100"/>
-        </p:spPr>
-        <p:style>
-          <a:lnRef idx="1">
-            <a:schemeClr val="dk1"/>
-          </a:lnRef>
-          <a:fillRef idx="0">
-            <a:schemeClr val="dk1"/>
-          </a:fillRef>
-          <a:effectRef idx="0">
-            <a:schemeClr val="dk1"/>
-          </a:effectRef>
-          <a:fontRef idx="minor">
-            <a:schemeClr val="tx1"/>
-          </a:fontRef>
-        </p:style>
-      </p:cxnSp>
-    </p:spTree>
-    <p:extLst>
-      <p:ext uri="{BB962C8B-B14F-4D97-AF65-F5344CB8AC3E}">
-        <p14:creationId xmlns:p14="http://schemas.microsoft.com/office/powerpoint/2010/main" val="3094846027"/>
-      </p:ext>
-    </p:extLst>
-  </p:cSld>
-  <p:clrMapOvr>
-    <a:masterClrMapping/>
-  </p:clrMapOvr>
-</p:sld>
-</file>
-
-<file path=ppt/slides/slide27.xml><?xml version="1.0" encoding="utf-8"?>
 <p:sld xmlns:a="http://schemas.openxmlformats.org/drawingml/2006/main" xmlns:r="http://schemas.openxmlformats.org/officeDocument/2006/relationships" xmlns:p="http://schemas.openxmlformats.org/presentationml/2006/main">
   <p:cSld>
     <p:bg>
@@ -16631,6 +15260,591 @@
 </p:sld>
 </file>
 
+<file path=ppt/slides/slide27.xml><?xml version="1.0" encoding="utf-8"?>
+<p:sld xmlns:a="http://schemas.openxmlformats.org/drawingml/2006/main" xmlns:r="http://schemas.openxmlformats.org/officeDocument/2006/relationships" xmlns:p="http://schemas.openxmlformats.org/presentationml/2006/main">
+  <p:cSld>
+    <p:spTree>
+      <p:nvGrpSpPr>
+        <p:cNvPr id="1" name=""/>
+        <p:cNvGrpSpPr/>
+        <p:nvPr/>
+      </p:nvGrpSpPr>
+      <p:grpSpPr>
+        <a:xfrm>
+          <a:off x="0" y="0"/>
+          <a:ext cx="0" cy="0"/>
+          <a:chOff x="0" y="0"/>
+          <a:chExt cx="0" cy="0"/>
+        </a:xfrm>
+      </p:grpSpPr>
+      <p:sp>
+        <p:nvSpPr>
+          <p:cNvPr id="5" name="Title 4">
+            <a:extLst>
+              <a:ext uri="{FF2B5EF4-FFF2-40B4-BE49-F238E27FC236}">
+                <a16:creationId xmlns:a16="http://schemas.microsoft.com/office/drawing/2014/main" id="{9E70DB90-324C-D04B-8F51-5DB32ADB443C}"/>
+              </a:ext>
+            </a:extLst>
+          </p:cNvPr>
+          <p:cNvSpPr>
+            <a:spLocks noGrp="1"/>
+          </p:cNvSpPr>
+          <p:nvPr>
+            <p:ph type="title"/>
+          </p:nvPr>
+        </p:nvSpPr>
+        <p:spPr/>
+        <p:txBody>
+          <a:bodyPr>
+            <a:normAutofit fontScale="90000"/>
+          </a:bodyPr>
+          <a:lstStyle/>
+          <a:p>
+            <a:r>
+              <a:rPr lang="de-DE" b="1" dirty="0"/>
+              <a:t>K-</a:t>
+            </a:r>
+            <a:r>
+              <a:rPr lang="de-DE" b="1" dirty="0" err="1"/>
+              <a:t>Means</a:t>
+            </a:r>
+            <a:r>
+              <a:rPr lang="de-DE" b="1" dirty="0"/>
+              <a:t> (II) </a:t>
+            </a:r>
+            <a:br>
+              <a:rPr lang="de-DE" b="1" dirty="0"/>
+            </a:br>
+            <a:r>
+              <a:rPr lang="de-DE" sz="2700" dirty="0"/>
+              <a:t>Häufigsten 10 Worte des besten </a:t>
+            </a:r>
+            <a:r>
+              <a:rPr lang="de-DE" sz="2700" dirty="0" err="1"/>
+              <a:t>Clusterings</a:t>
+            </a:r>
+            <a:r>
+              <a:rPr lang="de-DE" sz="2700" dirty="0"/>
+              <a:t>: </a:t>
+            </a:r>
+            <a:r>
+              <a:rPr lang="en-GB" sz="2700" b="1" i="1" dirty="0" err="1"/>
+              <a:t>Barock</a:t>
+            </a:r>
+            <a:r>
+              <a:rPr lang="en-GB" sz="2700" b="1" i="1" dirty="0"/>
+              <a:t>/</a:t>
+            </a:r>
+            <a:r>
+              <a:rPr lang="en-GB" sz="2700" b="1" i="1" dirty="0" err="1"/>
+              <a:t>Realismus</a:t>
+            </a:r>
+            <a:endParaRPr lang="de-DE" b="1" dirty="0"/>
+          </a:p>
+        </p:txBody>
+      </p:sp>
+      <p:sp>
+        <p:nvSpPr>
+          <p:cNvPr id="8" name="Text Placeholder 7">
+            <a:extLst>
+              <a:ext uri="{FF2B5EF4-FFF2-40B4-BE49-F238E27FC236}">
+                <a16:creationId xmlns:a16="http://schemas.microsoft.com/office/drawing/2014/main" id="{4CC8CDDA-2DB0-2A45-8D56-96D247AED609}"/>
+              </a:ext>
+            </a:extLst>
+          </p:cNvPr>
+          <p:cNvSpPr>
+            <a:spLocks noGrp="1"/>
+          </p:cNvSpPr>
+          <p:nvPr>
+            <p:ph type="body" idx="1"/>
+          </p:nvPr>
+        </p:nvSpPr>
+        <p:spPr>
+          <a:xfrm>
+            <a:off x="452718" y="2410007"/>
+            <a:ext cx="5600610" cy="560938"/>
+          </a:xfrm>
+          <a:solidFill>
+            <a:schemeClr val="accent1"/>
+          </a:solidFill>
+        </p:spPr>
+        <p:txBody>
+          <a:bodyPr>
+            <a:normAutofit/>
+          </a:bodyPr>
+          <a:lstStyle/>
+          <a:p>
+            <a:pPr algn="ctr"/>
+            <a:r>
+              <a:rPr lang="de-DE" sz="2800" dirty="0">
+                <a:solidFill>
+                  <a:schemeClr val="bg2"/>
+                </a:solidFill>
+              </a:rPr>
+              <a:t>Cluster 1</a:t>
+            </a:r>
+          </a:p>
+        </p:txBody>
+      </p:sp>
+      <p:sp>
+        <p:nvSpPr>
+          <p:cNvPr id="12" name="Content Placeholder 11">
+            <a:extLst>
+              <a:ext uri="{FF2B5EF4-FFF2-40B4-BE49-F238E27FC236}">
+                <a16:creationId xmlns:a16="http://schemas.microsoft.com/office/drawing/2014/main" id="{BEA91CB4-4E4E-1341-8A7A-0E1757A6022A}"/>
+              </a:ext>
+            </a:extLst>
+          </p:cNvPr>
+          <p:cNvSpPr>
+            <a:spLocks noGrp="1"/>
+          </p:cNvSpPr>
+          <p:nvPr>
+            <p:ph sz="half" idx="2"/>
+          </p:nvPr>
+        </p:nvSpPr>
+        <p:spPr>
+          <a:xfrm>
+            <a:off x="452718" y="3203688"/>
+            <a:ext cx="5600610" cy="2968512"/>
+          </a:xfrm>
+          <a:solidFill>
+            <a:schemeClr val="accent1">
+              <a:lumMod val="20000"/>
+              <a:lumOff val="80000"/>
+            </a:schemeClr>
+          </a:solidFill>
+          <a:ln>
+            <a:solidFill>
+              <a:schemeClr val="tx1"/>
+            </a:solidFill>
+          </a:ln>
+        </p:spPr>
+        <p:txBody>
+          <a:bodyPr numCol="2">
+            <a:normAutofit/>
+          </a:bodyPr>
+          <a:lstStyle/>
+          <a:p>
+            <a:pPr marL="0" indent="0">
+              <a:buNone/>
+            </a:pPr>
+            <a:r>
+              <a:rPr lang="en-GB" sz="2800" b="1" dirty="0"/>
+              <a:t>	</a:t>
+            </a:r>
+            <a:r>
+              <a:rPr lang="en-GB" sz="2800" b="1" dirty="0" err="1"/>
+              <a:t>mädchen</a:t>
+            </a:r>
+            <a:r>
+              <a:rPr lang="en-GB" sz="2800" b="1" dirty="0"/>
+              <a:t> </a:t>
+            </a:r>
+          </a:p>
+          <a:p>
+            <a:pPr marL="0" indent="0">
+              <a:buNone/>
+            </a:pPr>
+            <a:r>
+              <a:rPr lang="en-GB" sz="2800" dirty="0"/>
+              <a:t>	</a:t>
+            </a:r>
+            <a:r>
+              <a:rPr lang="en-GB" sz="2800" b="1" dirty="0" err="1"/>
+              <a:t>sehnsucht</a:t>
+            </a:r>
+            <a:r>
+              <a:rPr lang="en-GB" sz="2800" dirty="0"/>
+              <a:t> </a:t>
+            </a:r>
+          </a:p>
+          <a:p>
+            <a:pPr marL="0" indent="0">
+              <a:buNone/>
+            </a:pPr>
+            <a:r>
+              <a:rPr lang="en-GB" sz="2800" dirty="0"/>
+              <a:t>	</a:t>
+            </a:r>
+            <a:r>
+              <a:rPr lang="en-GB" sz="2800" b="1" dirty="0" err="1"/>
+              <a:t>duft</a:t>
+            </a:r>
+            <a:r>
+              <a:rPr lang="en-GB" sz="2800" dirty="0"/>
+              <a:t> </a:t>
+            </a:r>
+          </a:p>
+          <a:p>
+            <a:pPr marL="0" indent="0">
+              <a:buNone/>
+            </a:pPr>
+            <a:r>
+              <a:rPr lang="en-GB" sz="2800" dirty="0"/>
+              <a:t>	</a:t>
+            </a:r>
+            <a:r>
+              <a:rPr lang="en-GB" sz="2800" b="1" dirty="0"/>
+              <a:t>not</a:t>
+            </a:r>
+            <a:r>
+              <a:rPr lang="en-GB" sz="2800" dirty="0"/>
+              <a:t> </a:t>
+            </a:r>
+          </a:p>
+          <a:p>
+            <a:pPr marL="0" indent="0">
+              <a:buNone/>
+            </a:pPr>
+            <a:r>
+              <a:rPr lang="en-GB" sz="2800" dirty="0"/>
+              <a:t>	leis </a:t>
+            </a:r>
+          </a:p>
+          <a:p>
+            <a:pPr marL="0" indent="0">
+              <a:buNone/>
+            </a:pPr>
+            <a:r>
+              <a:rPr lang="en-GB" sz="2800" dirty="0"/>
+              <a:t>	</a:t>
+            </a:r>
+            <a:r>
+              <a:rPr lang="en-GB" sz="2800" dirty="0" err="1"/>
+              <a:t>ew</a:t>
+            </a:r>
+            <a:r>
+              <a:rPr lang="en-GB" sz="2800" dirty="0"/>
+              <a:t> </a:t>
+            </a:r>
+          </a:p>
+          <a:p>
+            <a:pPr marL="0" indent="0">
+              <a:buNone/>
+            </a:pPr>
+            <a:r>
+              <a:rPr lang="en-GB" sz="2800" dirty="0"/>
+              <a:t>	</a:t>
+            </a:r>
+            <a:r>
+              <a:rPr lang="en-GB" sz="2800" dirty="0" err="1"/>
+              <a:t>rasch</a:t>
+            </a:r>
+            <a:r>
+              <a:rPr lang="en-GB" sz="2800" dirty="0"/>
+              <a:t> </a:t>
+            </a:r>
+          </a:p>
+          <a:p>
+            <a:pPr marL="0" indent="0">
+              <a:buNone/>
+            </a:pPr>
+            <a:r>
+              <a:rPr lang="en-GB" sz="2800" dirty="0"/>
+              <a:t>	</a:t>
+            </a:r>
+            <a:r>
+              <a:rPr lang="en-GB" sz="2800" dirty="0" err="1"/>
+              <a:t>sanft</a:t>
+            </a:r>
+            <a:r>
+              <a:rPr lang="en-GB" sz="2800" dirty="0"/>
+              <a:t> </a:t>
+            </a:r>
+          </a:p>
+          <a:p>
+            <a:pPr marL="0" indent="0">
+              <a:buNone/>
+            </a:pPr>
+            <a:r>
+              <a:rPr lang="en-GB" sz="2800" dirty="0"/>
+              <a:t>	</a:t>
+            </a:r>
+            <a:r>
+              <a:rPr lang="en-GB" sz="2800" dirty="0" err="1"/>
+              <a:t>dunklen</a:t>
+            </a:r>
+            <a:endParaRPr lang="en-GB" sz="2800" dirty="0"/>
+          </a:p>
+          <a:p>
+            <a:pPr marL="0" indent="0">
+              <a:buNone/>
+            </a:pPr>
+            <a:r>
+              <a:rPr lang="en-GB" sz="2800" dirty="0"/>
+              <a:t>	</a:t>
+            </a:r>
+            <a:r>
+              <a:rPr lang="en-GB" sz="2800" dirty="0" err="1"/>
+              <a:t>drin</a:t>
+            </a:r>
+            <a:endParaRPr lang="de-DE" sz="2800" dirty="0"/>
+          </a:p>
+        </p:txBody>
+      </p:sp>
+      <p:sp>
+        <p:nvSpPr>
+          <p:cNvPr id="14" name="Text Placeholder 13">
+            <a:extLst>
+              <a:ext uri="{FF2B5EF4-FFF2-40B4-BE49-F238E27FC236}">
+                <a16:creationId xmlns:a16="http://schemas.microsoft.com/office/drawing/2014/main" id="{A93382A0-16F0-7D41-AC5F-F7DFEB8630D3}"/>
+              </a:ext>
+            </a:extLst>
+          </p:cNvPr>
+          <p:cNvSpPr>
+            <a:spLocks noGrp="1"/>
+          </p:cNvSpPr>
+          <p:nvPr>
+            <p:ph type="body" sz="quarter" idx="3"/>
+          </p:nvPr>
+        </p:nvSpPr>
+        <p:spPr>
+          <a:xfrm>
+            <a:off x="6345936" y="2424519"/>
+            <a:ext cx="5393346" cy="560938"/>
+          </a:xfrm>
+          <a:solidFill>
+            <a:schemeClr val="accent1"/>
+          </a:solidFill>
+        </p:spPr>
+        <p:txBody>
+          <a:bodyPr>
+            <a:normAutofit/>
+          </a:bodyPr>
+          <a:lstStyle/>
+          <a:p>
+            <a:pPr algn="ctr"/>
+            <a:r>
+              <a:rPr lang="de-DE" sz="2800" dirty="0">
+                <a:solidFill>
+                  <a:schemeClr val="bg2"/>
+                </a:solidFill>
+              </a:rPr>
+              <a:t>Cluster 2</a:t>
+            </a:r>
+          </a:p>
+        </p:txBody>
+      </p:sp>
+      <p:sp>
+        <p:nvSpPr>
+          <p:cNvPr id="15" name="Content Placeholder 14">
+            <a:extLst>
+              <a:ext uri="{FF2B5EF4-FFF2-40B4-BE49-F238E27FC236}">
+                <a16:creationId xmlns:a16="http://schemas.microsoft.com/office/drawing/2014/main" id="{B09D71FF-5572-C546-8EAD-6A3C8184C8BF}"/>
+              </a:ext>
+            </a:extLst>
+          </p:cNvPr>
+          <p:cNvSpPr>
+            <a:spLocks noGrp="1"/>
+          </p:cNvSpPr>
+          <p:nvPr>
+            <p:ph sz="quarter" idx="4"/>
+          </p:nvPr>
+        </p:nvSpPr>
+        <p:spPr>
+          <a:xfrm>
+            <a:off x="6345936" y="3203687"/>
+            <a:ext cx="5393346" cy="2968511"/>
+          </a:xfrm>
+          <a:solidFill>
+            <a:schemeClr val="accent1">
+              <a:lumMod val="20000"/>
+              <a:lumOff val="80000"/>
+            </a:schemeClr>
+          </a:solidFill>
+          <a:ln>
+            <a:solidFill>
+              <a:schemeClr val="tx1"/>
+            </a:solidFill>
+          </a:ln>
+        </p:spPr>
+        <p:txBody>
+          <a:bodyPr numCol="2">
+            <a:normAutofit/>
+          </a:bodyPr>
+          <a:lstStyle/>
+          <a:p>
+            <a:pPr marL="0" indent="0">
+              <a:buNone/>
+            </a:pPr>
+            <a:r>
+              <a:rPr lang="en-GB" sz="2800" dirty="0"/>
+              <a:t>	</a:t>
+            </a:r>
+            <a:r>
+              <a:rPr lang="en-GB" sz="2800" dirty="0" err="1"/>
+              <a:t>auff</a:t>
+            </a:r>
+            <a:r>
+              <a:rPr lang="en-GB" sz="2800" dirty="0"/>
+              <a:t> 	</a:t>
+            </a:r>
+          </a:p>
+          <a:p>
+            <a:pPr marL="0" indent="0">
+              <a:buNone/>
+            </a:pPr>
+            <a:r>
+              <a:rPr lang="en-GB" sz="2800" dirty="0"/>
+              <a:t>	</a:t>
+            </a:r>
+            <a:r>
+              <a:rPr lang="en-GB" sz="2800" dirty="0" err="1"/>
+              <a:t>vnd</a:t>
+            </a:r>
+            <a:r>
+              <a:rPr lang="en-GB" sz="2800" dirty="0"/>
+              <a:t> 	</a:t>
+            </a:r>
+          </a:p>
+          <a:p>
+            <a:pPr marL="0" indent="0">
+              <a:buNone/>
+            </a:pPr>
+            <a:r>
+              <a:rPr lang="en-GB" sz="2800" dirty="0"/>
+              <a:t>	</a:t>
+            </a:r>
+            <a:r>
+              <a:rPr lang="en-GB" sz="2800" dirty="0" err="1"/>
+              <a:t>sey</a:t>
+            </a:r>
+            <a:r>
+              <a:rPr lang="en-GB" sz="2800" dirty="0"/>
+              <a:t> </a:t>
+            </a:r>
+          </a:p>
+          <a:p>
+            <a:pPr marL="0" indent="0">
+              <a:buNone/>
+            </a:pPr>
+            <a:r>
+              <a:rPr lang="en-GB" sz="2800" dirty="0"/>
+              <a:t>	</a:t>
+            </a:r>
+            <a:r>
+              <a:rPr lang="en-GB" sz="2800" dirty="0" err="1"/>
+              <a:t>diß</a:t>
+            </a:r>
+            <a:r>
+              <a:rPr lang="en-GB" sz="2800" dirty="0"/>
+              <a:t> 	</a:t>
+            </a:r>
+          </a:p>
+          <a:p>
+            <a:pPr marL="0" indent="0">
+              <a:buNone/>
+            </a:pPr>
+            <a:r>
+              <a:rPr lang="en-GB" sz="2800" dirty="0"/>
+              <a:t>	</a:t>
+            </a:r>
+            <a:r>
+              <a:rPr lang="en-GB" sz="2800" dirty="0" err="1"/>
+              <a:t>wil</a:t>
+            </a:r>
+            <a:r>
+              <a:rPr lang="en-GB" sz="2800" dirty="0"/>
+              <a:t> </a:t>
+            </a:r>
+          </a:p>
+          <a:p>
+            <a:pPr marL="0" indent="0">
+              <a:buNone/>
+            </a:pPr>
+            <a:r>
+              <a:rPr lang="en-GB" sz="2800" dirty="0"/>
+              <a:t>	</a:t>
+            </a:r>
+            <a:r>
+              <a:rPr lang="en-GB" sz="2800" b="1" dirty="0"/>
+              <a:t>hertz</a:t>
+            </a:r>
+            <a:r>
+              <a:rPr lang="en-GB" sz="2800" dirty="0"/>
+              <a:t> </a:t>
+            </a:r>
+          </a:p>
+          <a:p>
+            <a:pPr marL="0" indent="0">
+              <a:buNone/>
+            </a:pPr>
+            <a:r>
+              <a:rPr lang="en-GB" sz="2800" dirty="0"/>
+              <a:t>	</a:t>
+            </a:r>
+            <a:r>
+              <a:rPr lang="en-GB" sz="2800" dirty="0" err="1"/>
+              <a:t>wol</a:t>
+            </a:r>
+            <a:r>
+              <a:rPr lang="en-GB" sz="2800" dirty="0"/>
+              <a:t> </a:t>
+            </a:r>
+          </a:p>
+          <a:p>
+            <a:pPr marL="0" indent="0">
+              <a:buNone/>
+            </a:pPr>
+            <a:r>
+              <a:rPr lang="en-GB" sz="2800" dirty="0"/>
+              <a:t>	</a:t>
+            </a:r>
+            <a:r>
+              <a:rPr lang="en-GB" sz="2800" dirty="0" err="1"/>
+              <a:t>auß</a:t>
+            </a:r>
+            <a:r>
+              <a:rPr lang="en-GB" sz="2800" dirty="0"/>
+              <a:t> </a:t>
+            </a:r>
+          </a:p>
+          <a:p>
+            <a:pPr marL="0" indent="0">
+              <a:buNone/>
+            </a:pPr>
+            <a:r>
+              <a:rPr lang="en-GB" sz="2800" dirty="0"/>
+              <a:t>	</a:t>
+            </a:r>
+            <a:r>
+              <a:rPr lang="en-GB" sz="2800" b="1" dirty="0" err="1"/>
+              <a:t>hertzen</a:t>
+            </a:r>
+            <a:r>
+              <a:rPr lang="en-GB" sz="2800" dirty="0"/>
+              <a:t> </a:t>
+            </a:r>
+          </a:p>
+          <a:p>
+            <a:pPr marL="0" indent="0">
+              <a:buNone/>
+            </a:pPr>
+            <a:r>
+              <a:rPr lang="en-GB" sz="2800" dirty="0"/>
+              <a:t>	</a:t>
+            </a:r>
+            <a:r>
+              <a:rPr lang="en-GB" sz="2800" dirty="0" err="1"/>
+              <a:t>jhr</a:t>
+            </a:r>
+            <a:endParaRPr lang="de-DE" sz="2800" dirty="0"/>
+          </a:p>
+        </p:txBody>
+      </p:sp>
+    </p:spTree>
+    <p:extLst>
+      <p:ext uri="{BB962C8B-B14F-4D97-AF65-F5344CB8AC3E}">
+        <p14:creationId xmlns:p14="http://schemas.microsoft.com/office/powerpoint/2010/main" val="3138857705"/>
+      </p:ext>
+    </p:extLst>
+  </p:cSld>
+  <p:clrMapOvr>
+    <a:masterClrMapping/>
+  </p:clrMapOvr>
+</p:sld>
+</file>
+
 <file path=ppt/slides/slide28.xml><?xml version="1.0" encoding="utf-8"?>
 <p:sld xmlns:a="http://schemas.openxmlformats.org/drawingml/2006/main" xmlns:r="http://schemas.openxmlformats.org/officeDocument/2006/relationships" xmlns:p="http://schemas.openxmlformats.org/presentationml/2006/main">
   <p:cSld>
@@ -16650,591 +15864,6 @@
       </p:grpSpPr>
       <p:sp>
         <p:nvSpPr>
-          <p:cNvPr id="5" name="Title 4">
-            <a:extLst>
-              <a:ext uri="{FF2B5EF4-FFF2-40B4-BE49-F238E27FC236}">
-                <a16:creationId xmlns:a16="http://schemas.microsoft.com/office/drawing/2014/main" id="{9E70DB90-324C-D04B-8F51-5DB32ADB443C}"/>
-              </a:ext>
-            </a:extLst>
-          </p:cNvPr>
-          <p:cNvSpPr>
-            <a:spLocks noGrp="1"/>
-          </p:cNvSpPr>
-          <p:nvPr>
-            <p:ph type="title"/>
-          </p:nvPr>
-        </p:nvSpPr>
-        <p:spPr/>
-        <p:txBody>
-          <a:bodyPr>
-            <a:normAutofit fontScale="90000"/>
-          </a:bodyPr>
-          <a:lstStyle/>
-          <a:p>
-            <a:r>
-              <a:rPr lang="de-DE" b="1" dirty="0"/>
-              <a:t>K-</a:t>
-            </a:r>
-            <a:r>
-              <a:rPr lang="de-DE" b="1" dirty="0" err="1"/>
-              <a:t>Means</a:t>
-            </a:r>
-            <a:r>
-              <a:rPr lang="de-DE" b="1" dirty="0"/>
-              <a:t> (II) </a:t>
-            </a:r>
-            <a:br>
-              <a:rPr lang="de-DE" b="1" dirty="0"/>
-            </a:br>
-            <a:r>
-              <a:rPr lang="de-DE" sz="2700" dirty="0"/>
-              <a:t>Häufigsten 10 Worte des besten </a:t>
-            </a:r>
-            <a:r>
-              <a:rPr lang="de-DE" sz="2700" dirty="0" err="1"/>
-              <a:t>Clusterings</a:t>
-            </a:r>
-            <a:r>
-              <a:rPr lang="de-DE" sz="2700" dirty="0"/>
-              <a:t>: </a:t>
-            </a:r>
-            <a:r>
-              <a:rPr lang="en-GB" sz="2700" b="1" i="1" dirty="0" err="1"/>
-              <a:t>Barock</a:t>
-            </a:r>
-            <a:r>
-              <a:rPr lang="en-GB" sz="2700" b="1" i="1" dirty="0"/>
-              <a:t>/</a:t>
-            </a:r>
-            <a:r>
-              <a:rPr lang="en-GB" sz="2700" b="1" i="1" dirty="0" err="1"/>
-              <a:t>Realismus</a:t>
-            </a:r>
-            <a:endParaRPr lang="de-DE" b="1" dirty="0"/>
-          </a:p>
-        </p:txBody>
-      </p:sp>
-      <p:sp>
-        <p:nvSpPr>
-          <p:cNvPr id="8" name="Text Placeholder 7">
-            <a:extLst>
-              <a:ext uri="{FF2B5EF4-FFF2-40B4-BE49-F238E27FC236}">
-                <a16:creationId xmlns:a16="http://schemas.microsoft.com/office/drawing/2014/main" id="{4CC8CDDA-2DB0-2A45-8D56-96D247AED609}"/>
-              </a:ext>
-            </a:extLst>
-          </p:cNvPr>
-          <p:cNvSpPr>
-            <a:spLocks noGrp="1"/>
-          </p:cNvSpPr>
-          <p:nvPr>
-            <p:ph type="body" idx="1"/>
-          </p:nvPr>
-        </p:nvSpPr>
-        <p:spPr>
-          <a:xfrm>
-            <a:off x="452718" y="2410007"/>
-            <a:ext cx="5600610" cy="560938"/>
-          </a:xfrm>
-          <a:solidFill>
-            <a:schemeClr val="accent1"/>
-          </a:solidFill>
-        </p:spPr>
-        <p:txBody>
-          <a:bodyPr>
-            <a:normAutofit/>
-          </a:bodyPr>
-          <a:lstStyle/>
-          <a:p>
-            <a:pPr algn="ctr"/>
-            <a:r>
-              <a:rPr lang="de-DE" sz="2800" dirty="0">
-                <a:solidFill>
-                  <a:schemeClr val="bg2"/>
-                </a:solidFill>
-              </a:rPr>
-              <a:t>Cluster 1</a:t>
-            </a:r>
-          </a:p>
-        </p:txBody>
-      </p:sp>
-      <p:sp>
-        <p:nvSpPr>
-          <p:cNvPr id="12" name="Content Placeholder 11">
-            <a:extLst>
-              <a:ext uri="{FF2B5EF4-FFF2-40B4-BE49-F238E27FC236}">
-                <a16:creationId xmlns:a16="http://schemas.microsoft.com/office/drawing/2014/main" id="{BEA91CB4-4E4E-1341-8A7A-0E1757A6022A}"/>
-              </a:ext>
-            </a:extLst>
-          </p:cNvPr>
-          <p:cNvSpPr>
-            <a:spLocks noGrp="1"/>
-          </p:cNvSpPr>
-          <p:nvPr>
-            <p:ph sz="half" idx="2"/>
-          </p:nvPr>
-        </p:nvSpPr>
-        <p:spPr>
-          <a:xfrm>
-            <a:off x="452718" y="3203688"/>
-            <a:ext cx="5600610" cy="2968512"/>
-          </a:xfrm>
-          <a:solidFill>
-            <a:schemeClr val="accent1">
-              <a:lumMod val="20000"/>
-              <a:lumOff val="80000"/>
-            </a:schemeClr>
-          </a:solidFill>
-          <a:ln>
-            <a:solidFill>
-              <a:schemeClr val="tx1"/>
-            </a:solidFill>
-          </a:ln>
-        </p:spPr>
-        <p:txBody>
-          <a:bodyPr numCol="2">
-            <a:normAutofit/>
-          </a:bodyPr>
-          <a:lstStyle/>
-          <a:p>
-            <a:pPr marL="0" indent="0">
-              <a:buNone/>
-            </a:pPr>
-            <a:r>
-              <a:rPr lang="en-GB" sz="2800" b="1" dirty="0"/>
-              <a:t>	</a:t>
-            </a:r>
-            <a:r>
-              <a:rPr lang="en-GB" sz="2800" b="1" dirty="0" err="1"/>
-              <a:t>mädchen</a:t>
-            </a:r>
-            <a:r>
-              <a:rPr lang="en-GB" sz="2800" b="1" dirty="0"/>
-              <a:t> </a:t>
-            </a:r>
-          </a:p>
-          <a:p>
-            <a:pPr marL="0" indent="0">
-              <a:buNone/>
-            </a:pPr>
-            <a:r>
-              <a:rPr lang="en-GB" sz="2800" dirty="0"/>
-              <a:t>	</a:t>
-            </a:r>
-            <a:r>
-              <a:rPr lang="en-GB" sz="2800" b="1" dirty="0" err="1"/>
-              <a:t>sehnsucht</a:t>
-            </a:r>
-            <a:r>
-              <a:rPr lang="en-GB" sz="2800" dirty="0"/>
-              <a:t> </a:t>
-            </a:r>
-          </a:p>
-          <a:p>
-            <a:pPr marL="0" indent="0">
-              <a:buNone/>
-            </a:pPr>
-            <a:r>
-              <a:rPr lang="en-GB" sz="2800" dirty="0"/>
-              <a:t>	</a:t>
-            </a:r>
-            <a:r>
-              <a:rPr lang="en-GB" sz="2800" b="1" dirty="0" err="1"/>
-              <a:t>duft</a:t>
-            </a:r>
-            <a:r>
-              <a:rPr lang="en-GB" sz="2800" dirty="0"/>
-              <a:t> </a:t>
-            </a:r>
-          </a:p>
-          <a:p>
-            <a:pPr marL="0" indent="0">
-              <a:buNone/>
-            </a:pPr>
-            <a:r>
-              <a:rPr lang="en-GB" sz="2800" dirty="0"/>
-              <a:t>	</a:t>
-            </a:r>
-            <a:r>
-              <a:rPr lang="en-GB" sz="2800" b="1" dirty="0"/>
-              <a:t>not</a:t>
-            </a:r>
-            <a:r>
-              <a:rPr lang="en-GB" sz="2800" dirty="0"/>
-              <a:t> </a:t>
-            </a:r>
-          </a:p>
-          <a:p>
-            <a:pPr marL="0" indent="0">
-              <a:buNone/>
-            </a:pPr>
-            <a:r>
-              <a:rPr lang="en-GB" sz="2800" dirty="0"/>
-              <a:t>	leis </a:t>
-            </a:r>
-          </a:p>
-          <a:p>
-            <a:pPr marL="0" indent="0">
-              <a:buNone/>
-            </a:pPr>
-            <a:r>
-              <a:rPr lang="en-GB" sz="2800" dirty="0"/>
-              <a:t>	</a:t>
-            </a:r>
-            <a:r>
-              <a:rPr lang="en-GB" sz="2800" dirty="0" err="1"/>
-              <a:t>ew</a:t>
-            </a:r>
-            <a:r>
-              <a:rPr lang="en-GB" sz="2800" dirty="0"/>
-              <a:t> </a:t>
-            </a:r>
-          </a:p>
-          <a:p>
-            <a:pPr marL="0" indent="0">
-              <a:buNone/>
-            </a:pPr>
-            <a:r>
-              <a:rPr lang="en-GB" sz="2800" dirty="0"/>
-              <a:t>	</a:t>
-            </a:r>
-            <a:r>
-              <a:rPr lang="en-GB" sz="2800" dirty="0" err="1"/>
-              <a:t>rasch</a:t>
-            </a:r>
-            <a:r>
-              <a:rPr lang="en-GB" sz="2800" dirty="0"/>
-              <a:t> </a:t>
-            </a:r>
-          </a:p>
-          <a:p>
-            <a:pPr marL="0" indent="0">
-              <a:buNone/>
-            </a:pPr>
-            <a:r>
-              <a:rPr lang="en-GB" sz="2800" dirty="0"/>
-              <a:t>	</a:t>
-            </a:r>
-            <a:r>
-              <a:rPr lang="en-GB" sz="2800" dirty="0" err="1"/>
-              <a:t>sanft</a:t>
-            </a:r>
-            <a:r>
-              <a:rPr lang="en-GB" sz="2800" dirty="0"/>
-              <a:t> </a:t>
-            </a:r>
-          </a:p>
-          <a:p>
-            <a:pPr marL="0" indent="0">
-              <a:buNone/>
-            </a:pPr>
-            <a:r>
-              <a:rPr lang="en-GB" sz="2800" dirty="0"/>
-              <a:t>	</a:t>
-            </a:r>
-            <a:r>
-              <a:rPr lang="en-GB" sz="2800" dirty="0" err="1"/>
-              <a:t>dunklen</a:t>
-            </a:r>
-            <a:endParaRPr lang="en-GB" sz="2800" dirty="0"/>
-          </a:p>
-          <a:p>
-            <a:pPr marL="0" indent="0">
-              <a:buNone/>
-            </a:pPr>
-            <a:r>
-              <a:rPr lang="en-GB" sz="2800" dirty="0"/>
-              <a:t>	</a:t>
-            </a:r>
-            <a:r>
-              <a:rPr lang="en-GB" sz="2800" dirty="0" err="1"/>
-              <a:t>drin</a:t>
-            </a:r>
-            <a:endParaRPr lang="de-DE" sz="2800" dirty="0"/>
-          </a:p>
-        </p:txBody>
-      </p:sp>
-      <p:sp>
-        <p:nvSpPr>
-          <p:cNvPr id="14" name="Text Placeholder 13">
-            <a:extLst>
-              <a:ext uri="{FF2B5EF4-FFF2-40B4-BE49-F238E27FC236}">
-                <a16:creationId xmlns:a16="http://schemas.microsoft.com/office/drawing/2014/main" id="{A93382A0-16F0-7D41-AC5F-F7DFEB8630D3}"/>
-              </a:ext>
-            </a:extLst>
-          </p:cNvPr>
-          <p:cNvSpPr>
-            <a:spLocks noGrp="1"/>
-          </p:cNvSpPr>
-          <p:nvPr>
-            <p:ph type="body" sz="quarter" idx="3"/>
-          </p:nvPr>
-        </p:nvSpPr>
-        <p:spPr>
-          <a:xfrm>
-            <a:off x="6345936" y="2424519"/>
-            <a:ext cx="5393346" cy="560938"/>
-          </a:xfrm>
-          <a:solidFill>
-            <a:schemeClr val="accent1"/>
-          </a:solidFill>
-        </p:spPr>
-        <p:txBody>
-          <a:bodyPr>
-            <a:normAutofit/>
-          </a:bodyPr>
-          <a:lstStyle/>
-          <a:p>
-            <a:pPr algn="ctr"/>
-            <a:r>
-              <a:rPr lang="de-DE" sz="2800" dirty="0">
-                <a:solidFill>
-                  <a:schemeClr val="bg2"/>
-                </a:solidFill>
-              </a:rPr>
-              <a:t>Cluster 2</a:t>
-            </a:r>
-          </a:p>
-        </p:txBody>
-      </p:sp>
-      <p:sp>
-        <p:nvSpPr>
-          <p:cNvPr id="15" name="Content Placeholder 14">
-            <a:extLst>
-              <a:ext uri="{FF2B5EF4-FFF2-40B4-BE49-F238E27FC236}">
-                <a16:creationId xmlns:a16="http://schemas.microsoft.com/office/drawing/2014/main" id="{B09D71FF-5572-C546-8EAD-6A3C8184C8BF}"/>
-              </a:ext>
-            </a:extLst>
-          </p:cNvPr>
-          <p:cNvSpPr>
-            <a:spLocks noGrp="1"/>
-          </p:cNvSpPr>
-          <p:nvPr>
-            <p:ph sz="quarter" idx="4"/>
-          </p:nvPr>
-        </p:nvSpPr>
-        <p:spPr>
-          <a:xfrm>
-            <a:off x="6345936" y="3203687"/>
-            <a:ext cx="5393346" cy="2968511"/>
-          </a:xfrm>
-          <a:solidFill>
-            <a:schemeClr val="accent1">
-              <a:lumMod val="20000"/>
-              <a:lumOff val="80000"/>
-            </a:schemeClr>
-          </a:solidFill>
-          <a:ln>
-            <a:solidFill>
-              <a:schemeClr val="tx1"/>
-            </a:solidFill>
-          </a:ln>
-        </p:spPr>
-        <p:txBody>
-          <a:bodyPr numCol="2">
-            <a:normAutofit/>
-          </a:bodyPr>
-          <a:lstStyle/>
-          <a:p>
-            <a:pPr marL="0" indent="0">
-              <a:buNone/>
-            </a:pPr>
-            <a:r>
-              <a:rPr lang="en-GB" sz="2800" dirty="0"/>
-              <a:t>	</a:t>
-            </a:r>
-            <a:r>
-              <a:rPr lang="en-GB" sz="2800" dirty="0" err="1"/>
-              <a:t>auff</a:t>
-            </a:r>
-            <a:r>
-              <a:rPr lang="en-GB" sz="2800" dirty="0"/>
-              <a:t> 	</a:t>
-            </a:r>
-          </a:p>
-          <a:p>
-            <a:pPr marL="0" indent="0">
-              <a:buNone/>
-            </a:pPr>
-            <a:r>
-              <a:rPr lang="en-GB" sz="2800" dirty="0"/>
-              <a:t>	</a:t>
-            </a:r>
-            <a:r>
-              <a:rPr lang="en-GB" sz="2800" dirty="0" err="1"/>
-              <a:t>vnd</a:t>
-            </a:r>
-            <a:r>
-              <a:rPr lang="en-GB" sz="2800" dirty="0"/>
-              <a:t> 	</a:t>
-            </a:r>
-          </a:p>
-          <a:p>
-            <a:pPr marL="0" indent="0">
-              <a:buNone/>
-            </a:pPr>
-            <a:r>
-              <a:rPr lang="en-GB" sz="2800" dirty="0"/>
-              <a:t>	</a:t>
-            </a:r>
-            <a:r>
-              <a:rPr lang="en-GB" sz="2800" dirty="0" err="1"/>
-              <a:t>sey</a:t>
-            </a:r>
-            <a:r>
-              <a:rPr lang="en-GB" sz="2800" dirty="0"/>
-              <a:t> </a:t>
-            </a:r>
-          </a:p>
-          <a:p>
-            <a:pPr marL="0" indent="0">
-              <a:buNone/>
-            </a:pPr>
-            <a:r>
-              <a:rPr lang="en-GB" sz="2800" dirty="0"/>
-              <a:t>	</a:t>
-            </a:r>
-            <a:r>
-              <a:rPr lang="en-GB" sz="2800" dirty="0" err="1"/>
-              <a:t>diß</a:t>
-            </a:r>
-            <a:r>
-              <a:rPr lang="en-GB" sz="2800" dirty="0"/>
-              <a:t> 	</a:t>
-            </a:r>
-          </a:p>
-          <a:p>
-            <a:pPr marL="0" indent="0">
-              <a:buNone/>
-            </a:pPr>
-            <a:r>
-              <a:rPr lang="en-GB" sz="2800" dirty="0"/>
-              <a:t>	</a:t>
-            </a:r>
-            <a:r>
-              <a:rPr lang="en-GB" sz="2800" dirty="0" err="1"/>
-              <a:t>wil</a:t>
-            </a:r>
-            <a:r>
-              <a:rPr lang="en-GB" sz="2800" dirty="0"/>
-              <a:t> </a:t>
-            </a:r>
-          </a:p>
-          <a:p>
-            <a:pPr marL="0" indent="0">
-              <a:buNone/>
-            </a:pPr>
-            <a:r>
-              <a:rPr lang="en-GB" sz="2800" dirty="0"/>
-              <a:t>	</a:t>
-            </a:r>
-            <a:r>
-              <a:rPr lang="en-GB" sz="2800" b="1" dirty="0"/>
-              <a:t>hertz</a:t>
-            </a:r>
-            <a:r>
-              <a:rPr lang="en-GB" sz="2800" dirty="0"/>
-              <a:t> </a:t>
-            </a:r>
-          </a:p>
-          <a:p>
-            <a:pPr marL="0" indent="0">
-              <a:buNone/>
-            </a:pPr>
-            <a:r>
-              <a:rPr lang="en-GB" sz="2800" dirty="0"/>
-              <a:t>	</a:t>
-            </a:r>
-            <a:r>
-              <a:rPr lang="en-GB" sz="2800" dirty="0" err="1"/>
-              <a:t>wol</a:t>
-            </a:r>
-            <a:r>
-              <a:rPr lang="en-GB" sz="2800" dirty="0"/>
-              <a:t> </a:t>
-            </a:r>
-          </a:p>
-          <a:p>
-            <a:pPr marL="0" indent="0">
-              <a:buNone/>
-            </a:pPr>
-            <a:r>
-              <a:rPr lang="en-GB" sz="2800" dirty="0"/>
-              <a:t>	</a:t>
-            </a:r>
-            <a:r>
-              <a:rPr lang="en-GB" sz="2800" dirty="0" err="1"/>
-              <a:t>auß</a:t>
-            </a:r>
-            <a:r>
-              <a:rPr lang="en-GB" sz="2800" dirty="0"/>
-              <a:t> </a:t>
-            </a:r>
-          </a:p>
-          <a:p>
-            <a:pPr marL="0" indent="0">
-              <a:buNone/>
-            </a:pPr>
-            <a:r>
-              <a:rPr lang="en-GB" sz="2800" dirty="0"/>
-              <a:t>	</a:t>
-            </a:r>
-            <a:r>
-              <a:rPr lang="en-GB" sz="2800" b="1" dirty="0" err="1"/>
-              <a:t>hertzen</a:t>
-            </a:r>
-            <a:r>
-              <a:rPr lang="en-GB" sz="2800" dirty="0"/>
-              <a:t> </a:t>
-            </a:r>
-          </a:p>
-          <a:p>
-            <a:pPr marL="0" indent="0">
-              <a:buNone/>
-            </a:pPr>
-            <a:r>
-              <a:rPr lang="en-GB" sz="2800" dirty="0"/>
-              <a:t>	</a:t>
-            </a:r>
-            <a:r>
-              <a:rPr lang="en-GB" sz="2800" dirty="0" err="1"/>
-              <a:t>jhr</a:t>
-            </a:r>
-            <a:endParaRPr lang="de-DE" sz="2800" dirty="0"/>
-          </a:p>
-        </p:txBody>
-      </p:sp>
-    </p:spTree>
-    <p:extLst>
-      <p:ext uri="{BB962C8B-B14F-4D97-AF65-F5344CB8AC3E}">
-        <p14:creationId xmlns:p14="http://schemas.microsoft.com/office/powerpoint/2010/main" val="3138857705"/>
-      </p:ext>
-    </p:extLst>
-  </p:cSld>
-  <p:clrMapOvr>
-    <a:masterClrMapping/>
-  </p:clrMapOvr>
-</p:sld>
-</file>
-
-<file path=ppt/slides/slide29.xml><?xml version="1.0" encoding="utf-8"?>
-<p:sld xmlns:a="http://schemas.openxmlformats.org/drawingml/2006/main" xmlns:r="http://schemas.openxmlformats.org/officeDocument/2006/relationships" xmlns:p="http://schemas.openxmlformats.org/presentationml/2006/main">
-  <p:cSld>
-    <p:spTree>
-      <p:nvGrpSpPr>
-        <p:cNvPr id="1" name=""/>
-        <p:cNvGrpSpPr/>
-        <p:nvPr/>
-      </p:nvGrpSpPr>
-      <p:grpSpPr>
-        <a:xfrm>
-          <a:off x="0" y="0"/>
-          <a:ext cx="0" cy="0"/>
-          <a:chOff x="0" y="0"/>
-          <a:chExt cx="0" cy="0"/>
-        </a:xfrm>
-      </p:grpSpPr>
-      <p:sp>
-        <p:nvSpPr>
           <p:cNvPr id="2" name="Title 1">
             <a:extLst>
               <a:ext uri="{FF2B5EF4-FFF2-40B4-BE49-F238E27FC236}">
@@ -17300,70 +15929,7 @@
 </p:sld>
 </file>
 
-<file path=ppt/slides/slide3.xml><?xml version="1.0" encoding="utf-8"?>
-<p:sld xmlns:a="http://schemas.openxmlformats.org/drawingml/2006/main" xmlns:r="http://schemas.openxmlformats.org/officeDocument/2006/relationships" xmlns:p="http://schemas.openxmlformats.org/presentationml/2006/main">
-  <p:cSld>
-    <p:spTree>
-      <p:nvGrpSpPr>
-        <p:cNvPr id="1" name=""/>
-        <p:cNvGrpSpPr/>
-        <p:nvPr/>
-      </p:nvGrpSpPr>
-      <p:grpSpPr>
-        <a:xfrm>
-          <a:off x="0" y="0"/>
-          <a:ext cx="0" cy="0"/>
-          <a:chOff x="0" y="0"/>
-          <a:chExt cx="0" cy="0"/>
-        </a:xfrm>
-      </p:grpSpPr>
-      <p:sp>
-        <p:nvSpPr>
-          <p:cNvPr id="4" name="Title 3">
-            <a:extLst>
-              <a:ext uri="{FF2B5EF4-FFF2-40B4-BE49-F238E27FC236}">
-                <a16:creationId xmlns:a16="http://schemas.microsoft.com/office/drawing/2014/main" id="{02AE6012-7D63-EA4D-B957-FE20015B7973}"/>
-              </a:ext>
-            </a:extLst>
-          </p:cNvPr>
-          <p:cNvSpPr>
-            <a:spLocks noGrp="1"/>
-          </p:cNvSpPr>
-          <p:nvPr>
-            <p:ph type="title"/>
-          </p:nvPr>
-        </p:nvSpPr>
-        <p:spPr/>
-        <p:txBody>
-          <a:bodyPr/>
-          <a:lstStyle/>
-          <a:p>
-            <a:r>
-              <a:rPr lang="de-DE" b="1" dirty="0"/>
-              <a:t>1.  Epochenbegriff und –	</a:t>
-            </a:r>
-            <a:r>
-              <a:rPr lang="de-DE" b="1" dirty="0" err="1"/>
-              <a:t>einteilung</a:t>
-            </a:r>
-            <a:endParaRPr lang="de-DE" dirty="0"/>
-          </a:p>
-        </p:txBody>
-      </p:sp>
-    </p:spTree>
-    <p:extLst>
-      <p:ext uri="{BB962C8B-B14F-4D97-AF65-F5344CB8AC3E}">
-        <p14:creationId xmlns:p14="http://schemas.microsoft.com/office/powerpoint/2010/main" val="835330337"/>
-      </p:ext>
-    </p:extLst>
-  </p:cSld>
-  <p:clrMapOvr>
-    <a:masterClrMapping/>
-  </p:clrMapOvr>
-</p:sld>
-</file>
-
-<file path=ppt/slides/slide30.xml><?xml version="1.0" encoding="utf-8"?>
+<file path=ppt/slides/slide29.xml><?xml version="1.0" encoding="utf-8"?>
 <p:sld xmlns:a="http://schemas.openxmlformats.org/drawingml/2006/main" xmlns:r="http://schemas.openxmlformats.org/officeDocument/2006/relationships" xmlns:p="http://schemas.openxmlformats.org/presentationml/2006/main">
   <p:cSld>
     <p:bg>
@@ -18687,7 +17253,7 @@
 </p:sld>
 </file>
 
-<file path=ppt/slides/slide31.xml><?xml version="1.0" encoding="utf-8"?>
+<file path=ppt/slides/slide3.xml><?xml version="1.0" encoding="utf-8"?>
 <p:sld xmlns:a="http://schemas.openxmlformats.org/drawingml/2006/main" xmlns:r="http://schemas.openxmlformats.org/officeDocument/2006/relationships" xmlns:p="http://schemas.openxmlformats.org/presentationml/2006/main">
   <p:cSld>
     <p:spTree>
@@ -18706,6 +17272,69 @@
       </p:grpSpPr>
       <p:sp>
         <p:nvSpPr>
+          <p:cNvPr id="4" name="Title 3">
+            <a:extLst>
+              <a:ext uri="{FF2B5EF4-FFF2-40B4-BE49-F238E27FC236}">
+                <a16:creationId xmlns:a16="http://schemas.microsoft.com/office/drawing/2014/main" id="{02AE6012-7D63-EA4D-B957-FE20015B7973}"/>
+              </a:ext>
+            </a:extLst>
+          </p:cNvPr>
+          <p:cNvSpPr>
+            <a:spLocks noGrp="1"/>
+          </p:cNvSpPr>
+          <p:nvPr>
+            <p:ph type="title"/>
+          </p:nvPr>
+        </p:nvSpPr>
+        <p:spPr/>
+        <p:txBody>
+          <a:bodyPr/>
+          <a:lstStyle/>
+          <a:p>
+            <a:r>
+              <a:rPr lang="de-DE" b="1" dirty="0"/>
+              <a:t>1.  Epochenbegriff und –	</a:t>
+            </a:r>
+            <a:r>
+              <a:rPr lang="de-DE" b="1" dirty="0" err="1"/>
+              <a:t>einteilung</a:t>
+            </a:r>
+            <a:endParaRPr lang="de-DE" dirty="0"/>
+          </a:p>
+        </p:txBody>
+      </p:sp>
+    </p:spTree>
+    <p:extLst>
+      <p:ext uri="{BB962C8B-B14F-4D97-AF65-F5344CB8AC3E}">
+        <p14:creationId xmlns:p14="http://schemas.microsoft.com/office/powerpoint/2010/main" val="835330337"/>
+      </p:ext>
+    </p:extLst>
+  </p:cSld>
+  <p:clrMapOvr>
+    <a:masterClrMapping/>
+  </p:clrMapOvr>
+</p:sld>
+</file>
+
+<file path=ppt/slides/slide30.xml><?xml version="1.0" encoding="utf-8"?>
+<p:sld xmlns:a="http://schemas.openxmlformats.org/drawingml/2006/main" xmlns:r="http://schemas.openxmlformats.org/officeDocument/2006/relationships" xmlns:p="http://schemas.openxmlformats.org/presentationml/2006/main">
+  <p:cSld>
+    <p:spTree>
+      <p:nvGrpSpPr>
+        <p:cNvPr id="1" name=""/>
+        <p:cNvGrpSpPr/>
+        <p:nvPr/>
+      </p:nvGrpSpPr>
+      <p:grpSpPr>
+        <a:xfrm>
+          <a:off x="0" y="0"/>
+          <a:ext cx="0" cy="0"/>
+          <a:chOff x="0" y="0"/>
+          <a:chExt cx="0" cy="0"/>
+        </a:xfrm>
+      </p:grpSpPr>
+      <p:sp>
+        <p:nvSpPr>
           <p:cNvPr id="2" name="Title 1">
             <a:extLst>
               <a:ext uri="{FF2B5EF4-FFF2-40B4-BE49-F238E27FC236}">
@@ -18752,7 +17381,7 @@
 </p:sld>
 </file>
 
-<file path=ppt/slides/slide32.xml><?xml version="1.0" encoding="utf-8"?>
+<file path=ppt/slides/slide31.xml><?xml version="1.0" encoding="utf-8"?>
 <p:sld xmlns:a="http://schemas.openxmlformats.org/drawingml/2006/main" xmlns:r="http://schemas.openxmlformats.org/officeDocument/2006/relationships" xmlns:p="http://schemas.openxmlformats.org/presentationml/2006/main">
   <p:cSld>
     <p:spTree>
@@ -19316,6 +17945,161 @@
 </p:sld>
 </file>
 
+<file path=ppt/slides/slide32.xml><?xml version="1.0" encoding="utf-8"?>
+<p:sld xmlns:a="http://schemas.openxmlformats.org/drawingml/2006/main" xmlns:r="http://schemas.openxmlformats.org/officeDocument/2006/relationships" xmlns:p="http://schemas.openxmlformats.org/presentationml/2006/main">
+  <p:cSld>
+    <p:spTree>
+      <p:nvGrpSpPr>
+        <p:cNvPr id="1" name=""/>
+        <p:cNvGrpSpPr/>
+        <p:nvPr/>
+      </p:nvGrpSpPr>
+      <p:grpSpPr>
+        <a:xfrm>
+          <a:off x="0" y="0"/>
+          <a:ext cx="0" cy="0"/>
+          <a:chOff x="0" y="0"/>
+          <a:chExt cx="0" cy="0"/>
+        </a:xfrm>
+      </p:grpSpPr>
+      <p:sp>
+        <p:nvSpPr>
+          <p:cNvPr id="2" name="Title 1">
+            <a:extLst>
+              <a:ext uri="{FF2B5EF4-FFF2-40B4-BE49-F238E27FC236}">
+                <a16:creationId xmlns:a16="http://schemas.microsoft.com/office/drawing/2014/main" id="{E81164C1-BB68-F748-BB86-1C0705BD6E52}"/>
+              </a:ext>
+            </a:extLst>
+          </p:cNvPr>
+          <p:cNvSpPr>
+            <a:spLocks noGrp="1"/>
+          </p:cNvSpPr>
+          <p:nvPr>
+            <p:ph type="title"/>
+          </p:nvPr>
+        </p:nvSpPr>
+        <p:spPr/>
+        <p:txBody>
+          <a:bodyPr/>
+          <a:lstStyle/>
+          <a:p>
+            <a:endParaRPr lang="de-DE"/>
+          </a:p>
+        </p:txBody>
+      </p:sp>
+      <p:sp>
+        <p:nvSpPr>
+          <p:cNvPr id="3" name="Text Placeholder 2">
+            <a:extLst>
+              <a:ext uri="{FF2B5EF4-FFF2-40B4-BE49-F238E27FC236}">
+                <a16:creationId xmlns:a16="http://schemas.microsoft.com/office/drawing/2014/main" id="{6B8E931C-F7EC-2344-B73C-F5A7A2B7897A}"/>
+              </a:ext>
+            </a:extLst>
+          </p:cNvPr>
+          <p:cNvSpPr>
+            <a:spLocks noGrp="1"/>
+          </p:cNvSpPr>
+          <p:nvPr>
+            <p:ph type="body" idx="1"/>
+          </p:nvPr>
+        </p:nvSpPr>
+        <p:spPr/>
+        <p:txBody>
+          <a:bodyPr/>
+          <a:lstStyle/>
+          <a:p>
+            <a:endParaRPr lang="de-DE"/>
+          </a:p>
+        </p:txBody>
+      </p:sp>
+      <p:sp>
+        <p:nvSpPr>
+          <p:cNvPr id="4" name="Content Placeholder 3">
+            <a:extLst>
+              <a:ext uri="{FF2B5EF4-FFF2-40B4-BE49-F238E27FC236}">
+                <a16:creationId xmlns:a16="http://schemas.microsoft.com/office/drawing/2014/main" id="{BAF1CA4F-AC4A-4D47-9985-3D3931F691C3}"/>
+              </a:ext>
+            </a:extLst>
+          </p:cNvPr>
+          <p:cNvSpPr>
+            <a:spLocks noGrp="1"/>
+          </p:cNvSpPr>
+          <p:nvPr>
+            <p:ph sz="half" idx="2"/>
+          </p:nvPr>
+        </p:nvSpPr>
+        <p:spPr/>
+        <p:txBody>
+          <a:bodyPr/>
+          <a:lstStyle/>
+          <a:p>
+            <a:endParaRPr lang="de-DE"/>
+          </a:p>
+        </p:txBody>
+      </p:sp>
+      <p:sp>
+        <p:nvSpPr>
+          <p:cNvPr id="5" name="Text Placeholder 4">
+            <a:extLst>
+              <a:ext uri="{FF2B5EF4-FFF2-40B4-BE49-F238E27FC236}">
+                <a16:creationId xmlns:a16="http://schemas.microsoft.com/office/drawing/2014/main" id="{6C1047FD-75BA-B942-ABFA-EE4711B79A5B}"/>
+              </a:ext>
+            </a:extLst>
+          </p:cNvPr>
+          <p:cNvSpPr>
+            <a:spLocks noGrp="1"/>
+          </p:cNvSpPr>
+          <p:nvPr>
+            <p:ph type="body" sz="quarter" idx="3"/>
+          </p:nvPr>
+        </p:nvSpPr>
+        <p:spPr/>
+        <p:txBody>
+          <a:bodyPr/>
+          <a:lstStyle/>
+          <a:p>
+            <a:endParaRPr lang="de-DE"/>
+          </a:p>
+        </p:txBody>
+      </p:sp>
+      <p:sp>
+        <p:nvSpPr>
+          <p:cNvPr id="6" name="Content Placeholder 5">
+            <a:extLst>
+              <a:ext uri="{FF2B5EF4-FFF2-40B4-BE49-F238E27FC236}">
+                <a16:creationId xmlns:a16="http://schemas.microsoft.com/office/drawing/2014/main" id="{4FF1E021-045A-4142-A4AE-9AA02E362FB1}"/>
+              </a:ext>
+            </a:extLst>
+          </p:cNvPr>
+          <p:cNvSpPr>
+            <a:spLocks noGrp="1"/>
+          </p:cNvSpPr>
+          <p:nvPr>
+            <p:ph sz="quarter" idx="4"/>
+          </p:nvPr>
+        </p:nvSpPr>
+        <p:spPr/>
+        <p:txBody>
+          <a:bodyPr/>
+          <a:lstStyle/>
+          <a:p>
+            <a:endParaRPr lang="de-DE"/>
+          </a:p>
+        </p:txBody>
+      </p:sp>
+    </p:spTree>
+    <p:extLst>
+      <p:ext uri="{BB962C8B-B14F-4D97-AF65-F5344CB8AC3E}">
+        <p14:creationId xmlns:p14="http://schemas.microsoft.com/office/powerpoint/2010/main" val="2532051736"/>
+      </p:ext>
+    </p:extLst>
+  </p:cSld>
+  <p:clrMapOvr>
+    <a:masterClrMapping/>
+  </p:clrMapOvr>
+</p:sld>
+</file>
+
 <file path=ppt/slides/slide33.xml><?xml version="1.0" encoding="utf-8"?>
 <p:sld xmlns:a="http://schemas.openxmlformats.org/drawingml/2006/main" xmlns:r="http://schemas.openxmlformats.org/officeDocument/2006/relationships" xmlns:p="http://schemas.openxmlformats.org/presentationml/2006/main">
   <p:cSld>
@@ -19461,7 +18245,7 @@
     </p:spTree>
     <p:extLst>
       <p:ext uri="{BB962C8B-B14F-4D97-AF65-F5344CB8AC3E}">
-        <p14:creationId xmlns:p14="http://schemas.microsoft.com/office/powerpoint/2010/main" val="2532051736"/>
+        <p14:creationId xmlns:p14="http://schemas.microsoft.com/office/powerpoint/2010/main" val="2512545284"/>
       </p:ext>
     </p:extLst>
   </p:cSld>
@@ -19616,7 +18400,7 @@
     </p:spTree>
     <p:extLst>
       <p:ext uri="{BB962C8B-B14F-4D97-AF65-F5344CB8AC3E}">
-        <p14:creationId xmlns:p14="http://schemas.microsoft.com/office/powerpoint/2010/main" val="2512545284"/>
+        <p14:creationId xmlns:p14="http://schemas.microsoft.com/office/powerpoint/2010/main" val="3318092965"/>
       </p:ext>
     </p:extLst>
   </p:cSld>
@@ -19627,161 +18411,6 @@
 </file>
 
 <file path=ppt/slides/slide35.xml><?xml version="1.0" encoding="utf-8"?>
-<p:sld xmlns:a="http://schemas.openxmlformats.org/drawingml/2006/main" xmlns:r="http://schemas.openxmlformats.org/officeDocument/2006/relationships" xmlns:p="http://schemas.openxmlformats.org/presentationml/2006/main">
-  <p:cSld>
-    <p:spTree>
-      <p:nvGrpSpPr>
-        <p:cNvPr id="1" name=""/>
-        <p:cNvGrpSpPr/>
-        <p:nvPr/>
-      </p:nvGrpSpPr>
-      <p:grpSpPr>
-        <a:xfrm>
-          <a:off x="0" y="0"/>
-          <a:ext cx="0" cy="0"/>
-          <a:chOff x="0" y="0"/>
-          <a:chExt cx="0" cy="0"/>
-        </a:xfrm>
-      </p:grpSpPr>
-      <p:sp>
-        <p:nvSpPr>
-          <p:cNvPr id="2" name="Title 1">
-            <a:extLst>
-              <a:ext uri="{FF2B5EF4-FFF2-40B4-BE49-F238E27FC236}">
-                <a16:creationId xmlns:a16="http://schemas.microsoft.com/office/drawing/2014/main" id="{E81164C1-BB68-F748-BB86-1C0705BD6E52}"/>
-              </a:ext>
-            </a:extLst>
-          </p:cNvPr>
-          <p:cNvSpPr>
-            <a:spLocks noGrp="1"/>
-          </p:cNvSpPr>
-          <p:nvPr>
-            <p:ph type="title"/>
-          </p:nvPr>
-        </p:nvSpPr>
-        <p:spPr/>
-        <p:txBody>
-          <a:bodyPr/>
-          <a:lstStyle/>
-          <a:p>
-            <a:endParaRPr lang="de-DE"/>
-          </a:p>
-        </p:txBody>
-      </p:sp>
-      <p:sp>
-        <p:nvSpPr>
-          <p:cNvPr id="3" name="Text Placeholder 2">
-            <a:extLst>
-              <a:ext uri="{FF2B5EF4-FFF2-40B4-BE49-F238E27FC236}">
-                <a16:creationId xmlns:a16="http://schemas.microsoft.com/office/drawing/2014/main" id="{6B8E931C-F7EC-2344-B73C-F5A7A2B7897A}"/>
-              </a:ext>
-            </a:extLst>
-          </p:cNvPr>
-          <p:cNvSpPr>
-            <a:spLocks noGrp="1"/>
-          </p:cNvSpPr>
-          <p:nvPr>
-            <p:ph type="body" idx="1"/>
-          </p:nvPr>
-        </p:nvSpPr>
-        <p:spPr/>
-        <p:txBody>
-          <a:bodyPr/>
-          <a:lstStyle/>
-          <a:p>
-            <a:endParaRPr lang="de-DE"/>
-          </a:p>
-        </p:txBody>
-      </p:sp>
-      <p:sp>
-        <p:nvSpPr>
-          <p:cNvPr id="4" name="Content Placeholder 3">
-            <a:extLst>
-              <a:ext uri="{FF2B5EF4-FFF2-40B4-BE49-F238E27FC236}">
-                <a16:creationId xmlns:a16="http://schemas.microsoft.com/office/drawing/2014/main" id="{BAF1CA4F-AC4A-4D47-9985-3D3931F691C3}"/>
-              </a:ext>
-            </a:extLst>
-          </p:cNvPr>
-          <p:cNvSpPr>
-            <a:spLocks noGrp="1"/>
-          </p:cNvSpPr>
-          <p:nvPr>
-            <p:ph sz="half" idx="2"/>
-          </p:nvPr>
-        </p:nvSpPr>
-        <p:spPr/>
-        <p:txBody>
-          <a:bodyPr/>
-          <a:lstStyle/>
-          <a:p>
-            <a:endParaRPr lang="de-DE"/>
-          </a:p>
-        </p:txBody>
-      </p:sp>
-      <p:sp>
-        <p:nvSpPr>
-          <p:cNvPr id="5" name="Text Placeholder 4">
-            <a:extLst>
-              <a:ext uri="{FF2B5EF4-FFF2-40B4-BE49-F238E27FC236}">
-                <a16:creationId xmlns:a16="http://schemas.microsoft.com/office/drawing/2014/main" id="{6C1047FD-75BA-B942-ABFA-EE4711B79A5B}"/>
-              </a:ext>
-            </a:extLst>
-          </p:cNvPr>
-          <p:cNvSpPr>
-            <a:spLocks noGrp="1"/>
-          </p:cNvSpPr>
-          <p:nvPr>
-            <p:ph type="body" sz="quarter" idx="3"/>
-          </p:nvPr>
-        </p:nvSpPr>
-        <p:spPr/>
-        <p:txBody>
-          <a:bodyPr/>
-          <a:lstStyle/>
-          <a:p>
-            <a:endParaRPr lang="de-DE"/>
-          </a:p>
-        </p:txBody>
-      </p:sp>
-      <p:sp>
-        <p:nvSpPr>
-          <p:cNvPr id="6" name="Content Placeholder 5">
-            <a:extLst>
-              <a:ext uri="{FF2B5EF4-FFF2-40B4-BE49-F238E27FC236}">
-                <a16:creationId xmlns:a16="http://schemas.microsoft.com/office/drawing/2014/main" id="{4FF1E021-045A-4142-A4AE-9AA02E362FB1}"/>
-              </a:ext>
-            </a:extLst>
-          </p:cNvPr>
-          <p:cNvSpPr>
-            <a:spLocks noGrp="1"/>
-          </p:cNvSpPr>
-          <p:nvPr>
-            <p:ph sz="quarter" idx="4"/>
-          </p:nvPr>
-        </p:nvSpPr>
-        <p:spPr/>
-        <p:txBody>
-          <a:bodyPr/>
-          <a:lstStyle/>
-          <a:p>
-            <a:endParaRPr lang="de-DE"/>
-          </a:p>
-        </p:txBody>
-      </p:sp>
-    </p:spTree>
-    <p:extLst>
-      <p:ext uri="{BB962C8B-B14F-4D97-AF65-F5344CB8AC3E}">
-        <p14:creationId xmlns:p14="http://schemas.microsoft.com/office/powerpoint/2010/main" val="3318092965"/>
-      </p:ext>
-    </p:extLst>
-  </p:cSld>
-  <p:clrMapOvr>
-    <a:masterClrMapping/>
-  </p:clrMapOvr>
-</p:sld>
-</file>
-
-<file path=ppt/slides/slide36.xml><?xml version="1.0" encoding="utf-8"?>
 <p:sld xmlns:a="http://schemas.openxmlformats.org/drawingml/2006/main" xmlns:r="http://schemas.openxmlformats.org/officeDocument/2006/relationships" xmlns:p="http://schemas.openxmlformats.org/presentationml/2006/main">
   <p:cSld>
     <p:bg>
@@ -20376,7 +19005,7 @@
 </p:sld>
 </file>
 
-<file path=ppt/slides/slide37.xml><?xml version="1.0" encoding="utf-8"?>
+<file path=ppt/slides/slide36.xml><?xml version="1.0" encoding="utf-8"?>
 <p:sld xmlns:a="http://schemas.openxmlformats.org/drawingml/2006/main" xmlns:r="http://schemas.openxmlformats.org/officeDocument/2006/relationships" xmlns:p="http://schemas.openxmlformats.org/presentationml/2006/main">
   <p:cSld>
     <p:bg>
@@ -20971,7 +19600,7 @@
 </p:sld>
 </file>
 
-<file path=ppt/slides/slide38.xml><?xml version="1.0" encoding="utf-8"?>
+<file path=ppt/slides/slide37.xml><?xml version="1.0" encoding="utf-8"?>
 <p:sld xmlns:a="http://schemas.openxmlformats.org/drawingml/2006/main" xmlns:r="http://schemas.openxmlformats.org/officeDocument/2006/relationships" xmlns:p="http://schemas.openxmlformats.org/presentationml/2006/main">
   <p:cSld>
     <p:bg>
@@ -21540,7 +20169,7 @@
 </p:sld>
 </file>
 
-<file path=ppt/slides/slide39.xml><?xml version="1.0" encoding="utf-8"?>
+<file path=ppt/slides/slide38.xml><?xml version="1.0" encoding="utf-8"?>
 <p:sld xmlns:a="http://schemas.openxmlformats.org/drawingml/2006/main" xmlns:r="http://schemas.openxmlformats.org/officeDocument/2006/relationships" xmlns:p="http://schemas.openxmlformats.org/presentationml/2006/main">
   <p:cSld>
     <p:bg>
@@ -22103,262 +20732,7 @@
 </p:sld>
 </file>
 
-<file path=ppt/slides/slide4.xml><?xml version="1.0" encoding="utf-8"?>
-<p:sld xmlns:a="http://schemas.openxmlformats.org/drawingml/2006/main" xmlns:r="http://schemas.openxmlformats.org/officeDocument/2006/relationships" xmlns:p="http://schemas.openxmlformats.org/presentationml/2006/main">
-  <p:cSld>
-    <p:spTree>
-      <p:nvGrpSpPr>
-        <p:cNvPr id="1" name=""/>
-        <p:cNvGrpSpPr/>
-        <p:nvPr/>
-      </p:nvGrpSpPr>
-      <p:grpSpPr>
-        <a:xfrm>
-          <a:off x="0" y="0"/>
-          <a:ext cx="0" cy="0"/>
-          <a:chOff x="0" y="0"/>
-          <a:chExt cx="0" cy="0"/>
-        </a:xfrm>
-      </p:grpSpPr>
-      <p:sp>
-        <p:nvSpPr>
-          <p:cNvPr id="4" name="Title 3">
-            <a:extLst>
-              <a:ext uri="{FF2B5EF4-FFF2-40B4-BE49-F238E27FC236}">
-                <a16:creationId xmlns:a16="http://schemas.microsoft.com/office/drawing/2014/main" id="{F28AA1C2-4EC8-F94C-B5E1-BD16A1EA9353}"/>
-              </a:ext>
-            </a:extLst>
-          </p:cNvPr>
-          <p:cNvSpPr>
-            <a:spLocks noGrp="1"/>
-          </p:cNvSpPr>
-          <p:nvPr>
-            <p:ph type="title"/>
-          </p:nvPr>
-        </p:nvSpPr>
-        <p:spPr/>
-        <p:txBody>
-          <a:bodyPr/>
-          <a:lstStyle/>
-          <a:p>
-            <a:r>
-              <a:rPr lang="de-DE" b="1" dirty="0"/>
-              <a:t>Epochenbegriff</a:t>
-            </a:r>
-          </a:p>
-        </p:txBody>
-      </p:sp>
-      <p:sp>
-        <p:nvSpPr>
-          <p:cNvPr id="5" name="Content Placeholder 4">
-            <a:extLst>
-              <a:ext uri="{FF2B5EF4-FFF2-40B4-BE49-F238E27FC236}">
-                <a16:creationId xmlns:a16="http://schemas.microsoft.com/office/drawing/2014/main" id="{D70BD3BA-BFBC-1A47-B5C6-9B045B38B728}"/>
-              </a:ext>
-            </a:extLst>
-          </p:cNvPr>
-          <p:cNvSpPr>
-            <a:spLocks noGrp="1"/>
-          </p:cNvSpPr>
-          <p:nvPr>
-            <p:ph idx="1"/>
-          </p:nvPr>
-        </p:nvSpPr>
-        <p:spPr>
-          <a:xfrm>
-            <a:off x="1115568" y="2478024"/>
-            <a:ext cx="10168128" cy="4265676"/>
-          </a:xfrm>
-        </p:spPr>
-        <p:txBody>
-          <a:bodyPr>
-            <a:normAutofit fontScale="92500" lnSpcReduction="10000"/>
-          </a:bodyPr>
-          <a:lstStyle/>
-          <a:p>
-            <a:pPr marL="0" indent="0">
-              <a:buNone/>
-            </a:pPr>
-            <a:r>
-              <a:rPr lang="de-DE" sz="3500" i="1" dirty="0"/>
-              <a:t>„Eine </a:t>
-            </a:r>
-            <a:r>
-              <a:rPr lang="de-DE" sz="3500" b="1" i="1" dirty="0"/>
-              <a:t>Epoche </a:t>
-            </a:r>
-            <a:r>
-              <a:rPr lang="de-DE" sz="3500" i="1" dirty="0"/>
-              <a:t>ist ein zeitlich begrenztes System, das wir von einer Menge von Texten abstrahieren und von dem wir behaupten, </a:t>
-            </a:r>
-            <a:r>
-              <a:rPr lang="de-DE" sz="3500" i="1" dirty="0" err="1"/>
-              <a:t>daß</a:t>
-            </a:r>
-            <a:r>
-              <a:rPr lang="de-DE" sz="3500" i="1" dirty="0"/>
-              <a:t> seine fundamentalen Merkmale und Strukturen in diesem Zeitraum konstant bleiben.“ – </a:t>
-            </a:r>
-            <a:r>
-              <a:rPr lang="de-DE" sz="3500" i="1" dirty="0" err="1"/>
-              <a:t>Titzmann</a:t>
-            </a:r>
-            <a:r>
-              <a:rPr lang="de-DE" sz="3500" i="1" dirty="0"/>
-              <a:t> 1991</a:t>
-            </a:r>
-          </a:p>
-          <a:p>
-            <a:pPr marL="0" indent="0">
-              <a:buNone/>
-            </a:pPr>
-            <a:endParaRPr lang="de-DE" sz="3600" i="1" dirty="0"/>
-          </a:p>
-          <a:p>
-            <a:pPr marL="0" indent="0">
-              <a:buNone/>
-            </a:pPr>
-            <a:r>
-              <a:rPr lang="en-GB" sz="2200" i="1" dirty="0"/>
-              <a:t>TITZMANN, </a:t>
-            </a:r>
-            <a:r>
-              <a:rPr lang="en-GB" sz="2200" dirty="0"/>
-              <a:t>Michael, „</a:t>
-            </a:r>
-            <a:r>
-              <a:rPr lang="en-GB" sz="2200" dirty="0" err="1"/>
-              <a:t>Skizze</a:t>
-            </a:r>
-            <a:r>
-              <a:rPr lang="en-GB" sz="2200" dirty="0"/>
-              <a:t> </a:t>
-            </a:r>
-            <a:r>
-              <a:rPr lang="en-GB" sz="2200" dirty="0" err="1"/>
-              <a:t>einer</a:t>
-            </a:r>
-            <a:r>
-              <a:rPr lang="en-GB" sz="2200" dirty="0"/>
-              <a:t> </a:t>
-            </a:r>
-            <a:r>
-              <a:rPr lang="en-GB" sz="2200" dirty="0" err="1"/>
-              <a:t>integrativen</a:t>
-            </a:r>
-            <a:r>
-              <a:rPr lang="en-GB" sz="2200" dirty="0"/>
-              <a:t> </a:t>
-            </a:r>
-            <a:r>
-              <a:rPr lang="en-GB" sz="2200" dirty="0" err="1"/>
-              <a:t>Literaturgeschichte</a:t>
-            </a:r>
-            <a:r>
-              <a:rPr lang="en-GB" sz="2200" dirty="0"/>
-              <a:t> und </a:t>
-            </a:r>
-            <a:r>
-              <a:rPr lang="en-GB" sz="2200" dirty="0" err="1"/>
-              <a:t>ihres</a:t>
-            </a:r>
-            <a:r>
-              <a:rPr lang="en-GB" sz="2200" dirty="0"/>
-              <a:t> </a:t>
-            </a:r>
-            <a:r>
-              <a:rPr lang="en-GB" sz="2200" dirty="0" err="1"/>
-              <a:t>Ortes</a:t>
-            </a:r>
-            <a:r>
-              <a:rPr lang="en-GB" sz="2200" dirty="0"/>
-              <a:t> in </a:t>
-            </a:r>
-            <a:r>
-              <a:rPr lang="en-GB" sz="2200" dirty="0" err="1"/>
-              <a:t>einer</a:t>
-            </a:r>
-            <a:r>
-              <a:rPr lang="en-GB" sz="2200" dirty="0"/>
-              <a:t> </a:t>
-            </a:r>
-            <a:r>
-              <a:rPr lang="en-GB" sz="2200" dirty="0" err="1"/>
-              <a:t>Systematik</a:t>
-            </a:r>
-            <a:r>
-              <a:rPr lang="en-GB" sz="2200" dirty="0"/>
-              <a:t> der </a:t>
-            </a:r>
-            <a:r>
-              <a:rPr lang="en-GB" sz="2200" dirty="0" err="1"/>
-              <a:t>Literaturwissenschaft</a:t>
-            </a:r>
-            <a:r>
-              <a:rPr lang="en-GB" sz="2200" dirty="0"/>
-              <a:t>“, in: </a:t>
-            </a:r>
-            <a:r>
-              <a:rPr lang="en-GB" sz="2200" dirty="0" err="1"/>
-              <a:t>Ders</a:t>
-            </a:r>
-            <a:r>
-              <a:rPr lang="en-GB" sz="2200" dirty="0"/>
-              <a:t>. (Hg.): </a:t>
-            </a:r>
-            <a:r>
-              <a:rPr lang="en-GB" sz="2200" dirty="0" err="1"/>
-              <a:t>Modelle</a:t>
-            </a:r>
-            <a:r>
-              <a:rPr lang="en-GB" sz="2200" dirty="0"/>
-              <a:t> des </a:t>
-            </a:r>
-            <a:r>
-              <a:rPr lang="en-GB" sz="2200" dirty="0" err="1"/>
-              <a:t>literarischen</a:t>
-            </a:r>
-            <a:r>
-              <a:rPr lang="en-GB" sz="2200" dirty="0"/>
-              <a:t> </a:t>
-            </a:r>
-            <a:r>
-              <a:rPr lang="en-GB" sz="2200" dirty="0" err="1"/>
-              <a:t>Strukturwandels</a:t>
-            </a:r>
-            <a:r>
-              <a:rPr lang="en-GB" sz="2200" dirty="0"/>
-              <a:t>. Tübingen 1991, S. 395-438, 405.</a:t>
-            </a:r>
-          </a:p>
-          <a:p>
-            <a:pPr marL="0" indent="0">
-              <a:buNone/>
-            </a:pPr>
-            <a:endParaRPr lang="de-DE" sz="3200" i="1" dirty="0"/>
-          </a:p>
-          <a:p>
-            <a:pPr marL="0" indent="0">
-              <a:buNone/>
-            </a:pPr>
-            <a:endParaRPr lang="de-DE" dirty="0"/>
-          </a:p>
-        </p:txBody>
-      </p:sp>
-    </p:spTree>
-    <p:extLst>
-      <p:ext uri="{BB962C8B-B14F-4D97-AF65-F5344CB8AC3E}">
-        <p14:creationId xmlns:p14="http://schemas.microsoft.com/office/powerpoint/2010/main" val="3743810288"/>
-      </p:ext>
-    </p:extLst>
-  </p:cSld>
-  <p:clrMapOvr>
-    <a:masterClrMapping/>
-  </p:clrMapOvr>
-</p:sld>
-</file>
-
-<file path=ppt/slides/slide40.xml><?xml version="1.0" encoding="utf-8"?>
+<file path=ppt/slides/slide39.xml><?xml version="1.0" encoding="utf-8"?>
 <p:sld xmlns:a="http://schemas.openxmlformats.org/drawingml/2006/main" xmlns:r="http://schemas.openxmlformats.org/officeDocument/2006/relationships" xmlns:p="http://schemas.openxmlformats.org/presentationml/2006/main">
   <p:cSld>
     <p:bg>
@@ -22961,7 +21335,7 @@
 </p:sld>
 </file>
 
-<file path=ppt/slides/slide41.xml><?xml version="1.0" encoding="utf-8"?>
+<file path=ppt/slides/slide4.xml><?xml version="1.0" encoding="utf-8"?>
 <p:sld xmlns:a="http://schemas.openxmlformats.org/drawingml/2006/main" xmlns:r="http://schemas.openxmlformats.org/officeDocument/2006/relationships" xmlns:p="http://schemas.openxmlformats.org/presentationml/2006/main">
   <p:cSld>
     <p:spTree>
@@ -22980,6 +21354,261 @@
       </p:grpSpPr>
       <p:sp>
         <p:nvSpPr>
+          <p:cNvPr id="4" name="Title 3">
+            <a:extLst>
+              <a:ext uri="{FF2B5EF4-FFF2-40B4-BE49-F238E27FC236}">
+                <a16:creationId xmlns:a16="http://schemas.microsoft.com/office/drawing/2014/main" id="{F28AA1C2-4EC8-F94C-B5E1-BD16A1EA9353}"/>
+              </a:ext>
+            </a:extLst>
+          </p:cNvPr>
+          <p:cNvSpPr>
+            <a:spLocks noGrp="1"/>
+          </p:cNvSpPr>
+          <p:nvPr>
+            <p:ph type="title"/>
+          </p:nvPr>
+        </p:nvSpPr>
+        <p:spPr/>
+        <p:txBody>
+          <a:bodyPr/>
+          <a:lstStyle/>
+          <a:p>
+            <a:r>
+              <a:rPr lang="de-DE" b="1" dirty="0"/>
+              <a:t>Epochenbegriff</a:t>
+            </a:r>
+          </a:p>
+        </p:txBody>
+      </p:sp>
+      <p:sp>
+        <p:nvSpPr>
+          <p:cNvPr id="5" name="Content Placeholder 4">
+            <a:extLst>
+              <a:ext uri="{FF2B5EF4-FFF2-40B4-BE49-F238E27FC236}">
+                <a16:creationId xmlns:a16="http://schemas.microsoft.com/office/drawing/2014/main" id="{D70BD3BA-BFBC-1A47-B5C6-9B045B38B728}"/>
+              </a:ext>
+            </a:extLst>
+          </p:cNvPr>
+          <p:cNvSpPr>
+            <a:spLocks noGrp="1"/>
+          </p:cNvSpPr>
+          <p:nvPr>
+            <p:ph idx="1"/>
+          </p:nvPr>
+        </p:nvSpPr>
+        <p:spPr>
+          <a:xfrm>
+            <a:off x="1115568" y="2478024"/>
+            <a:ext cx="10168128" cy="4265676"/>
+          </a:xfrm>
+        </p:spPr>
+        <p:txBody>
+          <a:bodyPr>
+            <a:normAutofit fontScale="92500" lnSpcReduction="10000"/>
+          </a:bodyPr>
+          <a:lstStyle/>
+          <a:p>
+            <a:pPr marL="0" indent="0">
+              <a:buNone/>
+            </a:pPr>
+            <a:r>
+              <a:rPr lang="de-DE" sz="3500" i="1" dirty="0"/>
+              <a:t>„Eine </a:t>
+            </a:r>
+            <a:r>
+              <a:rPr lang="de-DE" sz="3500" b="1" i="1" dirty="0"/>
+              <a:t>Epoche </a:t>
+            </a:r>
+            <a:r>
+              <a:rPr lang="de-DE" sz="3500" i="1" dirty="0"/>
+              <a:t>ist ein zeitlich begrenztes System, das wir von einer Menge von Texten abstrahieren und von dem wir behaupten, </a:t>
+            </a:r>
+            <a:r>
+              <a:rPr lang="de-DE" sz="3500" i="1" dirty="0" err="1"/>
+              <a:t>daß</a:t>
+            </a:r>
+            <a:r>
+              <a:rPr lang="de-DE" sz="3500" i="1" dirty="0"/>
+              <a:t> seine fundamentalen Merkmale und Strukturen in diesem Zeitraum konstant bleiben.“ – </a:t>
+            </a:r>
+            <a:r>
+              <a:rPr lang="de-DE" sz="3500" i="1" dirty="0" err="1"/>
+              <a:t>Titzmann</a:t>
+            </a:r>
+            <a:r>
+              <a:rPr lang="de-DE" sz="3500" i="1" dirty="0"/>
+              <a:t> 1991</a:t>
+            </a:r>
+          </a:p>
+          <a:p>
+            <a:pPr marL="0" indent="0">
+              <a:buNone/>
+            </a:pPr>
+            <a:endParaRPr lang="de-DE" sz="3600" i="1" dirty="0"/>
+          </a:p>
+          <a:p>
+            <a:pPr marL="0" indent="0">
+              <a:buNone/>
+            </a:pPr>
+            <a:r>
+              <a:rPr lang="en-GB" sz="2200" i="1" dirty="0"/>
+              <a:t>TITZMANN, </a:t>
+            </a:r>
+            <a:r>
+              <a:rPr lang="en-GB" sz="2200" dirty="0"/>
+              <a:t>Michael, „</a:t>
+            </a:r>
+            <a:r>
+              <a:rPr lang="en-GB" sz="2200" dirty="0" err="1"/>
+              <a:t>Skizze</a:t>
+            </a:r>
+            <a:r>
+              <a:rPr lang="en-GB" sz="2200" dirty="0"/>
+              <a:t> </a:t>
+            </a:r>
+            <a:r>
+              <a:rPr lang="en-GB" sz="2200" dirty="0" err="1"/>
+              <a:t>einer</a:t>
+            </a:r>
+            <a:r>
+              <a:rPr lang="en-GB" sz="2200" dirty="0"/>
+              <a:t> </a:t>
+            </a:r>
+            <a:r>
+              <a:rPr lang="en-GB" sz="2200" dirty="0" err="1"/>
+              <a:t>integrativen</a:t>
+            </a:r>
+            <a:r>
+              <a:rPr lang="en-GB" sz="2200" dirty="0"/>
+              <a:t> </a:t>
+            </a:r>
+            <a:r>
+              <a:rPr lang="en-GB" sz="2200" dirty="0" err="1"/>
+              <a:t>Literaturgeschichte</a:t>
+            </a:r>
+            <a:r>
+              <a:rPr lang="en-GB" sz="2200" dirty="0"/>
+              <a:t> und </a:t>
+            </a:r>
+            <a:r>
+              <a:rPr lang="en-GB" sz="2200" dirty="0" err="1"/>
+              <a:t>ihres</a:t>
+            </a:r>
+            <a:r>
+              <a:rPr lang="en-GB" sz="2200" dirty="0"/>
+              <a:t> </a:t>
+            </a:r>
+            <a:r>
+              <a:rPr lang="en-GB" sz="2200" dirty="0" err="1"/>
+              <a:t>Ortes</a:t>
+            </a:r>
+            <a:r>
+              <a:rPr lang="en-GB" sz="2200" dirty="0"/>
+              <a:t> in </a:t>
+            </a:r>
+            <a:r>
+              <a:rPr lang="en-GB" sz="2200" dirty="0" err="1"/>
+              <a:t>einer</a:t>
+            </a:r>
+            <a:r>
+              <a:rPr lang="en-GB" sz="2200" dirty="0"/>
+              <a:t> </a:t>
+            </a:r>
+            <a:r>
+              <a:rPr lang="en-GB" sz="2200" dirty="0" err="1"/>
+              <a:t>Systematik</a:t>
+            </a:r>
+            <a:r>
+              <a:rPr lang="en-GB" sz="2200" dirty="0"/>
+              <a:t> der </a:t>
+            </a:r>
+            <a:r>
+              <a:rPr lang="en-GB" sz="2200" dirty="0" err="1"/>
+              <a:t>Literaturwissenschaft</a:t>
+            </a:r>
+            <a:r>
+              <a:rPr lang="en-GB" sz="2200" dirty="0"/>
+              <a:t>“, in: </a:t>
+            </a:r>
+            <a:r>
+              <a:rPr lang="en-GB" sz="2200" dirty="0" err="1"/>
+              <a:t>Ders</a:t>
+            </a:r>
+            <a:r>
+              <a:rPr lang="en-GB" sz="2200" dirty="0"/>
+              <a:t>. (Hg.): </a:t>
+            </a:r>
+            <a:r>
+              <a:rPr lang="en-GB" sz="2200" dirty="0" err="1"/>
+              <a:t>Modelle</a:t>
+            </a:r>
+            <a:r>
+              <a:rPr lang="en-GB" sz="2200" dirty="0"/>
+              <a:t> des </a:t>
+            </a:r>
+            <a:r>
+              <a:rPr lang="en-GB" sz="2200" dirty="0" err="1"/>
+              <a:t>literarischen</a:t>
+            </a:r>
+            <a:r>
+              <a:rPr lang="en-GB" sz="2200" dirty="0"/>
+              <a:t> </a:t>
+            </a:r>
+            <a:r>
+              <a:rPr lang="en-GB" sz="2200" dirty="0" err="1"/>
+              <a:t>Strukturwandels</a:t>
+            </a:r>
+            <a:r>
+              <a:rPr lang="en-GB" sz="2200" dirty="0"/>
+              <a:t>. Tübingen 1991, S. 395-438, 405.</a:t>
+            </a:r>
+          </a:p>
+          <a:p>
+            <a:pPr marL="0" indent="0">
+              <a:buNone/>
+            </a:pPr>
+            <a:endParaRPr lang="de-DE" sz="3200" i="1" dirty="0"/>
+          </a:p>
+          <a:p>
+            <a:pPr marL="0" indent="0">
+              <a:buNone/>
+            </a:pPr>
+            <a:endParaRPr lang="de-DE" dirty="0"/>
+          </a:p>
+        </p:txBody>
+      </p:sp>
+    </p:spTree>
+    <p:extLst>
+      <p:ext uri="{BB962C8B-B14F-4D97-AF65-F5344CB8AC3E}">
+        <p14:creationId xmlns:p14="http://schemas.microsoft.com/office/powerpoint/2010/main" val="3743810288"/>
+      </p:ext>
+    </p:extLst>
+  </p:cSld>
+  <p:clrMapOvr>
+    <a:masterClrMapping/>
+  </p:clrMapOvr>
+</p:sld>
+</file>
+
+<file path=ppt/slides/slide40.xml><?xml version="1.0" encoding="utf-8"?>
+<p:sld xmlns:a="http://schemas.openxmlformats.org/drawingml/2006/main" xmlns:r="http://schemas.openxmlformats.org/officeDocument/2006/relationships" xmlns:p="http://schemas.openxmlformats.org/presentationml/2006/main">
+  <p:cSld>
+    <p:spTree>
+      <p:nvGrpSpPr>
+        <p:cNvPr id="1" name=""/>
+        <p:cNvGrpSpPr/>
+        <p:nvPr/>
+      </p:nvGrpSpPr>
+      <p:grpSpPr>
+        <a:xfrm>
+          <a:off x="0" y="0"/>
+          <a:ext cx="0" cy="0"/>
+          <a:chOff x="0" y="0"/>
+          <a:chExt cx="0" cy="0"/>
+        </a:xfrm>
+      </p:grpSpPr>
+      <p:sp>
+        <p:nvSpPr>
           <p:cNvPr id="5" name="Title 4">
             <a:extLst>
               <a:ext uri="{FF2B5EF4-FFF2-40B4-BE49-F238E27FC236}">
@@ -23105,7 +21734,7 @@
 </p:sld>
 </file>
 
-<file path=ppt/slides/slide42.xml><?xml version="1.0" encoding="utf-8"?>
+<file path=ppt/slides/slide41.xml><?xml version="1.0" encoding="utf-8"?>
 <p:sld xmlns:a="http://schemas.openxmlformats.org/drawingml/2006/main" xmlns:r="http://schemas.openxmlformats.org/officeDocument/2006/relationships" xmlns:p="http://schemas.openxmlformats.org/presentationml/2006/main" show="0">
   <p:cSld>
     <p:spTree>
@@ -23178,7 +21807,7 @@
 </p:sld>
 </file>
 
-<file path=ppt/slides/slide43.xml><?xml version="1.0" encoding="utf-8"?>
+<file path=ppt/slides/slide42.xml><?xml version="1.0" encoding="utf-8"?>
 <p:sld xmlns:a="http://schemas.openxmlformats.org/drawingml/2006/main" xmlns:r="http://schemas.openxmlformats.org/officeDocument/2006/relationships" xmlns:p="http://schemas.openxmlformats.org/presentationml/2006/main" show="0">
   <p:cSld>
     <p:bg>
@@ -23664,7 +22293,7 @@
 </p:sld>
 </file>
 
-<file path=ppt/slides/slide44.xml><?xml version="1.0" encoding="utf-8"?>
+<file path=ppt/slides/slide43.xml><?xml version="1.0" encoding="utf-8"?>
 <p:sld xmlns:a="http://schemas.openxmlformats.org/drawingml/2006/main" xmlns:r="http://schemas.openxmlformats.org/officeDocument/2006/relationships" xmlns:p="http://schemas.openxmlformats.org/presentationml/2006/main" show="0">
   <p:cSld>
     <p:spTree>
@@ -24834,7 +23463,7 @@
 </p:sld>
 </file>
 
-<file path=ppt/slides/slide45.xml><?xml version="1.0" encoding="utf-8"?>
+<file path=ppt/slides/slide44.xml><?xml version="1.0" encoding="utf-8"?>
 <p:sld xmlns:a="http://schemas.openxmlformats.org/drawingml/2006/main" xmlns:r="http://schemas.openxmlformats.org/officeDocument/2006/relationships" xmlns:p="http://schemas.openxmlformats.org/presentationml/2006/main">
   <p:cSld>
     <p:spTree>

--- a/presentation/clustering_presentation.pptx
+++ b/presentation/clustering_presentation.pptx
@@ -5,7 +5,7 @@
     <p:sldMasterId id="2147483732" r:id="rId1"/>
   </p:sldMasterIdLst>
   <p:notesMasterIdLst>
-    <p:notesMasterId r:id="rId46"/>
+    <p:notesMasterId r:id="rId47"/>
   </p:notesMasterIdLst>
   <p:sldIdLst>
     <p:sldId id="256" r:id="rId2"/>
@@ -21,37 +21,38 @@
     <p:sldId id="270" r:id="rId12"/>
     <p:sldId id="291" r:id="rId13"/>
     <p:sldId id="292" r:id="rId14"/>
-    <p:sldId id="303" r:id="rId15"/>
-    <p:sldId id="323" r:id="rId16"/>
-    <p:sldId id="294" r:id="rId17"/>
-    <p:sldId id="312" r:id="rId18"/>
-    <p:sldId id="324" r:id="rId19"/>
-    <p:sldId id="333" r:id="rId20"/>
-    <p:sldId id="320" r:id="rId21"/>
-    <p:sldId id="321" r:id="rId22"/>
-    <p:sldId id="328" r:id="rId23"/>
-    <p:sldId id="332" r:id="rId24"/>
-    <p:sldId id="331" r:id="rId25"/>
-    <p:sldId id="329" r:id="rId26"/>
-    <p:sldId id="325" r:id="rId27"/>
-    <p:sldId id="301" r:id="rId28"/>
-    <p:sldId id="336" r:id="rId29"/>
-    <p:sldId id="334" r:id="rId30"/>
-    <p:sldId id="340" r:id="rId31"/>
-    <p:sldId id="326" r:id="rId32"/>
-    <p:sldId id="327" r:id="rId33"/>
-    <p:sldId id="337" r:id="rId34"/>
-    <p:sldId id="338" r:id="rId35"/>
-    <p:sldId id="311" r:id="rId36"/>
-    <p:sldId id="319" r:id="rId37"/>
-    <p:sldId id="314" r:id="rId38"/>
-    <p:sldId id="315" r:id="rId39"/>
-    <p:sldId id="317" r:id="rId40"/>
-    <p:sldId id="302" r:id="rId41"/>
-    <p:sldId id="305" r:id="rId42"/>
-    <p:sldId id="307" r:id="rId43"/>
-    <p:sldId id="299" r:id="rId44"/>
-    <p:sldId id="304" r:id="rId45"/>
+    <p:sldId id="341" r:id="rId15"/>
+    <p:sldId id="303" r:id="rId16"/>
+    <p:sldId id="323" r:id="rId17"/>
+    <p:sldId id="294" r:id="rId18"/>
+    <p:sldId id="312" r:id="rId19"/>
+    <p:sldId id="324" r:id="rId20"/>
+    <p:sldId id="333" r:id="rId21"/>
+    <p:sldId id="320" r:id="rId22"/>
+    <p:sldId id="321" r:id="rId23"/>
+    <p:sldId id="328" r:id="rId24"/>
+    <p:sldId id="332" r:id="rId25"/>
+    <p:sldId id="331" r:id="rId26"/>
+    <p:sldId id="329" r:id="rId27"/>
+    <p:sldId id="325" r:id="rId28"/>
+    <p:sldId id="301" r:id="rId29"/>
+    <p:sldId id="336" r:id="rId30"/>
+    <p:sldId id="334" r:id="rId31"/>
+    <p:sldId id="340" r:id="rId32"/>
+    <p:sldId id="326" r:id="rId33"/>
+    <p:sldId id="327" r:id="rId34"/>
+    <p:sldId id="337" r:id="rId35"/>
+    <p:sldId id="338" r:id="rId36"/>
+    <p:sldId id="311" r:id="rId37"/>
+    <p:sldId id="319" r:id="rId38"/>
+    <p:sldId id="314" r:id="rId39"/>
+    <p:sldId id="315" r:id="rId40"/>
+    <p:sldId id="317" r:id="rId41"/>
+    <p:sldId id="302" r:id="rId42"/>
+    <p:sldId id="305" r:id="rId43"/>
+    <p:sldId id="307" r:id="rId44"/>
+    <p:sldId id="299" r:id="rId45"/>
+    <p:sldId id="304" r:id="rId46"/>
   </p:sldIdLst>
   <p:sldSz cx="12192000" cy="6858000"/>
   <p:notesSz cx="6858000" cy="9144000"/>
@@ -1247,7 +1248,7 @@
           <a:p>
             <a:fld id="{49FFD0F6-1B54-1D42-B676-41E105B9815E}" type="slidenum">
               <a:rPr lang="de-DE" smtClean="0"/>
-              <a:t>24</a:t>
+              <a:t>25</a:t>
             </a:fld>
             <a:endParaRPr lang="de-DE"/>
           </a:p>
@@ -1341,10 +1342,9 @@
               <a:t>Means</a:t>
             </a:r>
             <a:r>
-              <a:rPr lang="de-DE" b="0"/>
+              <a:rPr lang="de-DE" b="0" dirty="0"/>
               <a:t>.</a:t>
             </a:r>
-            <a:endParaRPr lang="de-DE" b="0" dirty="0"/>
           </a:p>
         </p:txBody>
       </p:sp>
@@ -1365,7 +1365,7 @@
           <a:p>
             <a:fld id="{49FFD0F6-1B54-1D42-B676-41E105B9815E}" type="slidenum">
               <a:rPr lang="de-DE" smtClean="0"/>
-              <a:t>25</a:t>
+              <a:t>26</a:t>
             </a:fld>
             <a:endParaRPr lang="de-DE"/>
           </a:p>
@@ -1461,7 +1461,7 @@
           <a:p>
             <a:fld id="{49FFD0F6-1B54-1D42-B676-41E105B9815E}" type="slidenum">
               <a:rPr lang="de-DE" smtClean="0"/>
-              <a:t>26</a:t>
+              <a:t>27</a:t>
             </a:fld>
             <a:endParaRPr lang="de-DE"/>
           </a:p>
@@ -1549,7 +1549,7 @@
           <a:p>
             <a:fld id="{49FFD0F6-1B54-1D42-B676-41E105B9815E}" type="slidenum">
               <a:rPr lang="de-DE" smtClean="0"/>
-              <a:t>28</a:t>
+              <a:t>29</a:t>
             </a:fld>
             <a:endParaRPr lang="de-DE"/>
           </a:p>
@@ -1721,7 +1721,7 @@
           <a:p>
             <a:fld id="{49FFD0F6-1B54-1D42-B676-41E105B9815E}" type="slidenum">
               <a:rPr lang="de-DE" smtClean="0"/>
-              <a:t>29</a:t>
+              <a:t>30</a:t>
             </a:fld>
             <a:endParaRPr lang="de-DE"/>
           </a:p>
@@ -1809,7 +1809,7 @@
           <a:p>
             <a:fld id="{49FFD0F6-1B54-1D42-B676-41E105B9815E}" type="slidenum">
               <a:rPr lang="de-DE" smtClean="0"/>
-              <a:t>30</a:t>
+              <a:t>31</a:t>
             </a:fld>
             <a:endParaRPr lang="de-DE"/>
           </a:p>
@@ -1905,7 +1905,7 @@
           <a:p>
             <a:fld id="{49FFD0F6-1B54-1D42-B676-41E105B9815E}" type="slidenum">
               <a:rPr lang="de-DE" smtClean="0"/>
-              <a:t>35</a:t>
+              <a:t>36</a:t>
             </a:fld>
             <a:endParaRPr lang="de-DE"/>
           </a:p>
@@ -2001,7 +2001,7 @@
           <a:p>
             <a:fld id="{49FFD0F6-1B54-1D42-B676-41E105B9815E}" type="slidenum">
               <a:rPr lang="de-DE" smtClean="0"/>
-              <a:t>36</a:t>
+              <a:t>37</a:t>
             </a:fld>
             <a:endParaRPr lang="de-DE"/>
           </a:p>
@@ -2106,7 +2106,7 @@
           <a:p>
             <a:fld id="{49FFD0F6-1B54-1D42-B676-41E105B9815E}" type="slidenum">
               <a:rPr lang="de-DE" smtClean="0"/>
-              <a:t>37</a:t>
+              <a:t>38</a:t>
             </a:fld>
             <a:endParaRPr lang="de-DE"/>
           </a:p>
@@ -2193,7 +2193,7 @@
           <a:p>
             <a:fld id="{49FFD0F6-1B54-1D42-B676-41E105B9815E}" type="slidenum">
               <a:rPr lang="de-DE" smtClean="0"/>
-              <a:t>38</a:t>
+              <a:t>39</a:t>
             </a:fld>
             <a:endParaRPr lang="de-DE"/>
           </a:p>
@@ -2398,7 +2398,7 @@
           <a:p>
             <a:fld id="{49FFD0F6-1B54-1D42-B676-41E105B9815E}" type="slidenum">
               <a:rPr lang="de-DE" smtClean="0"/>
-              <a:t>39</a:t>
+              <a:t>40</a:t>
             </a:fld>
             <a:endParaRPr lang="de-DE"/>
           </a:p>
@@ -2490,7 +2490,7 @@
           <a:p>
             <a:fld id="{49FFD0F6-1B54-1D42-B676-41E105B9815E}" type="slidenum">
               <a:rPr lang="de-DE" smtClean="0"/>
-              <a:t>42</a:t>
+              <a:t>43</a:t>
             </a:fld>
             <a:endParaRPr lang="de-DE"/>
           </a:p>
@@ -2612,7 +2612,7 @@
           <a:p>
             <a:fld id="{49FFD0F6-1B54-1D42-B676-41E105B9815E}" type="slidenum">
               <a:rPr lang="de-DE" smtClean="0"/>
-              <a:t>15</a:t>
+              <a:t>16</a:t>
             </a:fld>
             <a:endParaRPr lang="de-DE"/>
           </a:p>
@@ -2928,7 +2928,7 @@
           <a:p>
             <a:fld id="{49FFD0F6-1B54-1D42-B676-41E105B9815E}" type="slidenum">
               <a:rPr lang="de-DE" smtClean="0"/>
-              <a:t>16</a:t>
+              <a:t>17</a:t>
             </a:fld>
             <a:endParaRPr lang="de-DE"/>
           </a:p>
@@ -3247,7 +3247,7 @@
           <a:p>
             <a:fld id="{49FFD0F6-1B54-1D42-B676-41E105B9815E}" type="slidenum">
               <a:rPr lang="de-DE" smtClean="0"/>
-              <a:t>17</a:t>
+              <a:t>18</a:t>
             </a:fld>
             <a:endParaRPr lang="de-DE"/>
           </a:p>
@@ -3381,7 +3381,7 @@
           <a:p>
             <a:fld id="{49FFD0F6-1B54-1D42-B676-41E105B9815E}" type="slidenum">
               <a:rPr lang="de-DE" smtClean="0"/>
-              <a:t>18</a:t>
+              <a:t>19</a:t>
             </a:fld>
             <a:endParaRPr lang="de-DE"/>
           </a:p>
@@ -3465,7 +3465,7 @@
           <a:p>
             <a:fld id="{49FFD0F6-1B54-1D42-B676-41E105B9815E}" type="slidenum">
               <a:rPr lang="de-DE" smtClean="0"/>
-              <a:t>19</a:t>
+              <a:t>20</a:t>
             </a:fld>
             <a:endParaRPr lang="de-DE"/>
           </a:p>
@@ -3550,7 +3550,7 @@
           <a:p>
             <a:fld id="{49FFD0F6-1B54-1D42-B676-41E105B9815E}" type="slidenum">
               <a:rPr lang="de-DE" smtClean="0"/>
-              <a:t>20</a:t>
+              <a:t>21</a:t>
             </a:fld>
             <a:endParaRPr lang="de-DE"/>
           </a:p>
@@ -3637,7 +3637,7 @@
           <a:p>
             <a:fld id="{49FFD0F6-1B54-1D42-B676-41E105B9815E}" type="slidenum">
               <a:rPr lang="de-DE" smtClean="0"/>
-              <a:t>23</a:t>
+              <a:t>24</a:t>
             </a:fld>
             <a:endParaRPr lang="de-DE"/>
           </a:p>
@@ -9283,6 +9283,14 @@
 <file path=ppt/slides/slide13.xml><?xml version="1.0" encoding="utf-8"?>
 <p:sld xmlns:a="http://schemas.openxmlformats.org/drawingml/2006/main" xmlns:r="http://schemas.openxmlformats.org/officeDocument/2006/relationships" xmlns:p="http://schemas.openxmlformats.org/presentationml/2006/main">
   <p:cSld>
+    <p:bg>
+      <p:bgPr>
+        <a:solidFill>
+          <a:schemeClr val="bg1"/>
+        </a:solidFill>
+        <a:effectLst/>
+      </p:bgPr>
+    </p:bg>
     <p:spTree>
       <p:nvGrpSpPr>
         <p:cNvPr id="1" name=""/>
@@ -9297,12 +9305,550 @@
           <a:chExt cx="0" cy="0"/>
         </a:xfrm>
       </p:grpSpPr>
-      <p:sp>
-        <p:nvSpPr>
-          <p:cNvPr id="5" name="TextBox 4">
-            <a:extLst>
-              <a:ext uri="{FF2B5EF4-FFF2-40B4-BE49-F238E27FC236}">
-                <a16:creationId xmlns:a16="http://schemas.microsoft.com/office/drawing/2014/main" id="{73CEFAF6-A09F-B541-96F4-FF5D59E38125}"/>
+      <p:sp useBgFill="1">
+        <p:nvSpPr>
+          <p:cNvPr id="11" name="Rectangle 10">
+            <a:extLst>
+              <a:ext uri="{FF2B5EF4-FFF2-40B4-BE49-F238E27FC236}">
+                <a16:creationId xmlns:a16="http://schemas.microsoft.com/office/drawing/2014/main" id="{2D6FBB9D-1CAA-4D05-AB33-BABDFE17B843}"/>
+              </a:ext>
+              <a:ext uri="{C183D7F6-B498-43B3-948B-1728B52AA6E4}">
+                <adec:decorative xmlns:adec="http://schemas.microsoft.com/office/drawing/2017/decorative" val="1"/>
+              </a:ext>
+            </a:extLst>
+          </p:cNvPr>
+          <p:cNvSpPr>
+            <a:spLocks noGrp="1" noRot="1" noChangeAspect="1" noMove="1" noResize="1" noEditPoints="1" noAdjustHandles="1" noChangeArrowheads="1" noChangeShapeType="1" noTextEdit="1"/>
+          </p:cNvSpPr>
+          <p:nvPr>
+            <p:extLst>
+              <p:ext uri="{386F3935-93C4-4BCD-93E2-E3B085C9AB24}">
+                <p16:designElem xmlns:p16="http://schemas.microsoft.com/office/powerpoint/2015/main" val="1"/>
+              </p:ext>
+            </p:extLst>
+          </p:nvPr>
+        </p:nvSpPr>
+        <p:spPr>
+          <a:xfrm>
+            <a:off x="558209" y="0"/>
+            <a:ext cx="11167447" cy="2018806"/>
+          </a:xfrm>
+          <a:prstGeom prst="rect">
+            <a:avLst/>
+          </a:prstGeom>
+          <a:ln w="9525">
+            <a:solidFill>
+              <a:schemeClr val="tx2">
+                <a:lumMod val="10000"/>
+                <a:lumOff val="90000"/>
+              </a:schemeClr>
+            </a:solidFill>
+          </a:ln>
+          <a:effectLst>
+            <a:outerShdw blurRad="50800" dist="38100" dir="2700000" algn="tl" rotWithShape="0">
+              <a:schemeClr val="bg1">
+                <a:lumMod val="85000"/>
+                <a:alpha val="30000"/>
+              </a:schemeClr>
+            </a:outerShdw>
+          </a:effectLst>
+        </p:spPr>
+        <p:style>
+          <a:lnRef idx="2">
+            <a:schemeClr val="accent1">
+              <a:shade val="50000"/>
+            </a:schemeClr>
+          </a:lnRef>
+          <a:fillRef idx="1">
+            <a:schemeClr val="accent1"/>
+          </a:fillRef>
+          <a:effectRef idx="0">
+            <a:schemeClr val="accent1"/>
+          </a:effectRef>
+          <a:fontRef idx="minor">
+            <a:schemeClr val="lt1"/>
+          </a:fontRef>
+        </p:style>
+        <p:txBody>
+          <a:bodyPr rtlCol="0" anchor="ctr"/>
+          <a:lstStyle/>
+          <a:p>
+            <a:pPr marL="0" marR="0" lvl="0" indent="0" algn="ctr" defTabSz="914400" rtl="0" eaLnBrk="1" fontAlgn="auto" latinLnBrk="0" hangingPunct="1">
+              <a:lnSpc>
+                <a:spcPct val="100000"/>
+              </a:lnSpc>
+              <a:spcBef>
+                <a:spcPts val="0"/>
+              </a:spcBef>
+              <a:spcAft>
+                <a:spcPts val="0"/>
+              </a:spcAft>
+              <a:buClrTx/>
+              <a:buSzTx/>
+              <a:buFontTx/>
+              <a:buNone/>
+              <a:tabLst/>
+              <a:defRPr/>
+            </a:pPr>
+            <a:endParaRPr kumimoji="0" lang="en-US" sz="1800" b="0" i="0" u="none" strike="noStrike" kern="1200" cap="none" spc="0" normalizeH="0" baseline="0" noProof="0">
+              <a:ln>
+                <a:noFill/>
+              </a:ln>
+              <a:solidFill>
+                <a:prstClr val="white"/>
+              </a:solidFill>
+              <a:effectLst/>
+              <a:uLnTx/>
+              <a:uFillTx/>
+              <a:latin typeface="Calibri" panose="020F0502020204030204"/>
+              <a:ea typeface="+mn-ea"/>
+              <a:cs typeface="+mn-cs"/>
+            </a:endParaRPr>
+          </a:p>
+        </p:txBody>
+      </p:sp>
+      <p:sp useBgFill="1">
+        <p:nvSpPr>
+          <p:cNvPr id="13" name="Rectangle 12">
+            <a:extLst>
+              <a:ext uri="{FF2B5EF4-FFF2-40B4-BE49-F238E27FC236}">
+                <a16:creationId xmlns:a16="http://schemas.microsoft.com/office/drawing/2014/main" id="{04727B71-B4B6-4823-80A1-68C40B475118}"/>
+              </a:ext>
+              <a:ext uri="{C183D7F6-B498-43B3-948B-1728B52AA6E4}">
+                <adec:decorative xmlns:adec="http://schemas.microsoft.com/office/drawing/2017/decorative" val="1"/>
+              </a:ext>
+            </a:extLst>
+          </p:cNvPr>
+          <p:cNvSpPr>
+            <a:spLocks noGrp="1" noRot="1" noChangeAspect="1" noMove="1" noResize="1" noEditPoints="1" noAdjustHandles="1" noChangeArrowheads="1" noChangeShapeType="1" noTextEdit="1"/>
+          </p:cNvSpPr>
+          <p:nvPr>
+            <p:extLst>
+              <p:ext uri="{386F3935-93C4-4BCD-93E2-E3B085C9AB24}">
+                <p16:designElem xmlns:p16="http://schemas.microsoft.com/office/powerpoint/2015/main" val="1"/>
+              </p:ext>
+            </p:extLst>
+          </p:nvPr>
+        </p:nvSpPr>
+        <p:spPr>
+          <a:xfrm>
+            <a:off x="566928" y="0"/>
+            <a:ext cx="11155680" cy="2011680"/>
+          </a:xfrm>
+          <a:prstGeom prst="rect">
+            <a:avLst/>
+          </a:prstGeom>
+          <a:ln w="9525">
+            <a:noFill/>
+          </a:ln>
+          <a:effectLst/>
+        </p:spPr>
+        <p:style>
+          <a:lnRef idx="2">
+            <a:schemeClr val="accent1">
+              <a:shade val="50000"/>
+            </a:schemeClr>
+          </a:lnRef>
+          <a:fillRef idx="1">
+            <a:schemeClr val="accent1"/>
+          </a:fillRef>
+          <a:effectRef idx="0">
+            <a:schemeClr val="accent1"/>
+          </a:effectRef>
+          <a:fontRef idx="minor">
+            <a:schemeClr val="lt1"/>
+          </a:fontRef>
+        </p:style>
+        <p:txBody>
+          <a:bodyPr rtlCol="0" anchor="ctr"/>
+          <a:lstStyle/>
+          <a:p>
+            <a:pPr marL="0" marR="0" lvl="0" indent="0" algn="ctr" defTabSz="914400" rtl="0" eaLnBrk="1" fontAlgn="auto" latinLnBrk="0" hangingPunct="1">
+              <a:lnSpc>
+                <a:spcPct val="100000"/>
+              </a:lnSpc>
+              <a:spcBef>
+                <a:spcPts val="0"/>
+              </a:spcBef>
+              <a:spcAft>
+                <a:spcPts val="0"/>
+              </a:spcAft>
+              <a:buClrTx/>
+              <a:buSzTx/>
+              <a:buFontTx/>
+              <a:buNone/>
+              <a:tabLst/>
+              <a:defRPr/>
+            </a:pPr>
+            <a:endParaRPr kumimoji="0" lang="en-US" sz="1800" b="0" i="0" u="none" strike="noStrike" kern="1200" cap="none" spc="0" normalizeH="0" baseline="0" noProof="0">
+              <a:ln>
+                <a:noFill/>
+              </a:ln>
+              <a:solidFill>
+                <a:prstClr val="white"/>
+              </a:solidFill>
+              <a:effectLst/>
+              <a:uLnTx/>
+              <a:uFillTx/>
+              <a:latin typeface="Calibri" panose="020F0502020204030204"/>
+              <a:ea typeface="+mn-ea"/>
+              <a:cs typeface="+mn-cs"/>
+            </a:endParaRPr>
+          </a:p>
+        </p:txBody>
+      </p:sp>
+      <p:sp>
+        <p:nvSpPr>
+          <p:cNvPr id="15" name="Rectangle 14">
+            <a:extLst>
+              <a:ext uri="{FF2B5EF4-FFF2-40B4-BE49-F238E27FC236}">
+                <a16:creationId xmlns:a16="http://schemas.microsoft.com/office/drawing/2014/main" id="{79A6DB05-9FB5-4B07-8675-74C23D4FD89D}"/>
+              </a:ext>
+              <a:ext uri="{C183D7F6-B498-43B3-948B-1728B52AA6E4}">
+                <adec:decorative xmlns:adec="http://schemas.microsoft.com/office/drawing/2017/decorative" val="1"/>
+              </a:ext>
+            </a:extLst>
+          </p:cNvPr>
+          <p:cNvSpPr>
+            <a:spLocks noGrp="1" noRot="1" noChangeAspect="1" noMove="1" noResize="1" noEditPoints="1" noAdjustHandles="1" noChangeArrowheads="1" noChangeShapeType="1" noTextEdit="1"/>
+          </p:cNvSpPr>
+          <p:nvPr>
+            <p:extLst>
+              <p:ext uri="{386F3935-93C4-4BCD-93E2-E3B085C9AB24}">
+                <p16:designElem xmlns:p16="http://schemas.microsoft.com/office/powerpoint/2015/main" val="1"/>
+              </p:ext>
+            </p:extLst>
+          </p:nvPr>
+        </p:nvSpPr>
+        <p:spPr>
+          <a:xfrm>
+            <a:off x="498834" y="787352"/>
+            <a:ext cx="128016" cy="704088"/>
+          </a:xfrm>
+          <a:prstGeom prst="rect">
+            <a:avLst/>
+          </a:prstGeom>
+          <a:solidFill>
+            <a:schemeClr val="accent1"/>
+          </a:solidFill>
+          <a:ln>
+            <a:noFill/>
+          </a:ln>
+        </p:spPr>
+        <p:style>
+          <a:lnRef idx="2">
+            <a:schemeClr val="accent1">
+              <a:shade val="50000"/>
+            </a:schemeClr>
+          </a:lnRef>
+          <a:fillRef idx="1">
+            <a:schemeClr val="accent1"/>
+          </a:fillRef>
+          <a:effectRef idx="0">
+            <a:schemeClr val="accent1"/>
+          </a:effectRef>
+          <a:fontRef idx="minor">
+            <a:schemeClr val="lt1"/>
+          </a:fontRef>
+        </p:style>
+        <p:txBody>
+          <a:bodyPr rtlCol="0" anchor="ctr"/>
+          <a:lstStyle/>
+          <a:p>
+            <a:pPr marL="0" marR="0" lvl="0" indent="0" algn="ctr" defTabSz="914400" rtl="0" eaLnBrk="1" fontAlgn="auto" latinLnBrk="0" hangingPunct="1">
+              <a:lnSpc>
+                <a:spcPct val="100000"/>
+              </a:lnSpc>
+              <a:spcBef>
+                <a:spcPts val="0"/>
+              </a:spcBef>
+              <a:spcAft>
+                <a:spcPts val="0"/>
+              </a:spcAft>
+              <a:buClrTx/>
+              <a:buSzTx/>
+              <a:buFontTx/>
+              <a:buNone/>
+              <a:tabLst/>
+              <a:defRPr/>
+            </a:pPr>
+            <a:endParaRPr kumimoji="0" lang="en-US" sz="1800" b="0" i="0" u="none" strike="noStrike" kern="1200" cap="none" spc="0" normalizeH="0" baseline="0" noProof="0">
+              <a:ln>
+                <a:noFill/>
+              </a:ln>
+              <a:solidFill>
+                <a:prstClr val="white"/>
+              </a:solidFill>
+              <a:effectLst/>
+              <a:uLnTx/>
+              <a:uFillTx/>
+              <a:latin typeface="Calibri" panose="020F0502020204030204"/>
+              <a:ea typeface="+mn-ea"/>
+              <a:cs typeface="+mn-cs"/>
+            </a:endParaRPr>
+          </a:p>
+        </p:txBody>
+      </p:sp>
+      <p:sp useBgFill="1">
+        <p:nvSpPr>
+          <p:cNvPr id="17" name="Rectangle 16">
+            <a:extLst>
+              <a:ext uri="{FF2B5EF4-FFF2-40B4-BE49-F238E27FC236}">
+                <a16:creationId xmlns:a16="http://schemas.microsoft.com/office/drawing/2014/main" id="{44AD29B6-BF3B-4407-9E75-52DF8E3B29F1}"/>
+              </a:ext>
+              <a:ext uri="{C183D7F6-B498-43B3-948B-1728B52AA6E4}">
+                <adec:decorative xmlns:adec="http://schemas.microsoft.com/office/drawing/2017/decorative" val="1"/>
+              </a:ext>
+            </a:extLst>
+          </p:cNvPr>
+          <p:cNvSpPr>
+            <a:spLocks noGrp="1" noRot="1" noChangeAspect="1" noMove="1" noResize="1" noEditPoints="1" noAdjustHandles="1" noChangeArrowheads="1" noChangeShapeType="1" noTextEdit="1"/>
+          </p:cNvSpPr>
+          <p:nvPr>
+            <p:extLst>
+              <p:ext uri="{386F3935-93C4-4BCD-93E2-E3B085C9AB24}">
+                <p16:designElem xmlns:p16="http://schemas.microsoft.com/office/powerpoint/2015/main" val="1"/>
+              </p:ext>
+            </p:extLst>
+          </p:nvPr>
+        </p:nvSpPr>
+        <p:spPr>
+          <a:xfrm>
+            <a:off x="0" y="0"/>
+            <a:ext cx="12192000" cy="6858000"/>
+          </a:xfrm>
+          <a:prstGeom prst="rect">
+            <a:avLst/>
+          </a:prstGeom>
+          <a:ln>
+            <a:noFill/>
+          </a:ln>
+        </p:spPr>
+        <p:style>
+          <a:lnRef idx="2">
+            <a:schemeClr val="accent1">
+              <a:shade val="50000"/>
+            </a:schemeClr>
+          </a:lnRef>
+          <a:fillRef idx="1">
+            <a:schemeClr val="accent1"/>
+          </a:fillRef>
+          <a:effectRef idx="0">
+            <a:schemeClr val="accent1"/>
+          </a:effectRef>
+          <a:fontRef idx="minor">
+            <a:schemeClr val="lt1"/>
+          </a:fontRef>
+        </p:style>
+        <p:txBody>
+          <a:bodyPr rtlCol="0" anchor="ctr"/>
+          <a:lstStyle/>
+          <a:p>
+            <a:pPr algn="ctr"/>
+            <a:endParaRPr lang="en-US"/>
+          </a:p>
+        </p:txBody>
+      </p:sp>
+      <p:sp useBgFill="1">
+        <p:nvSpPr>
+          <p:cNvPr id="19" name="Rectangle 18">
+            <a:extLst>
+              <a:ext uri="{FF2B5EF4-FFF2-40B4-BE49-F238E27FC236}">
+                <a16:creationId xmlns:a16="http://schemas.microsoft.com/office/drawing/2014/main" id="{55F8BA08-3E38-4B70-B93A-74F08E092206}"/>
+              </a:ext>
+              <a:ext uri="{C183D7F6-B498-43B3-948B-1728B52AA6E4}">
+                <adec:decorative xmlns:adec="http://schemas.microsoft.com/office/drawing/2017/decorative" val="1"/>
+              </a:ext>
+            </a:extLst>
+          </p:cNvPr>
+          <p:cNvSpPr>
+            <a:spLocks noGrp="1" noRot="1" noChangeAspect="1" noMove="1" noResize="1" noEditPoints="1" noAdjustHandles="1" noChangeArrowheads="1" noChangeShapeType="1" noTextEdit="1"/>
+          </p:cNvSpPr>
+          <p:nvPr>
+            <p:extLst>
+              <p:ext uri="{386F3935-93C4-4BCD-93E2-E3B085C9AB24}">
+                <p16:designElem xmlns:p16="http://schemas.microsoft.com/office/powerpoint/2015/main" val="1"/>
+              </p:ext>
+            </p:extLst>
+          </p:nvPr>
+        </p:nvSpPr>
+        <p:spPr>
+          <a:xfrm>
+            <a:off x="558209" y="260019"/>
+            <a:ext cx="11167447" cy="5933012"/>
+          </a:xfrm>
+          <a:prstGeom prst="rect">
+            <a:avLst/>
+          </a:prstGeom>
+          <a:ln w="12700">
+            <a:solidFill>
+              <a:schemeClr val="tx2">
+                <a:lumMod val="10000"/>
+                <a:lumOff val="90000"/>
+              </a:schemeClr>
+            </a:solidFill>
+          </a:ln>
+          <a:effectLst>
+            <a:outerShdw blurRad="50800" dist="38100" dir="2700000" algn="tl" rotWithShape="0">
+              <a:schemeClr val="bg2">
+                <a:lumMod val="85000"/>
+                <a:alpha val="30000"/>
+              </a:schemeClr>
+            </a:outerShdw>
+          </a:effectLst>
+        </p:spPr>
+        <p:style>
+          <a:lnRef idx="2">
+            <a:schemeClr val="accent1">
+              <a:shade val="50000"/>
+            </a:schemeClr>
+          </a:lnRef>
+          <a:fillRef idx="1">
+            <a:schemeClr val="accent1"/>
+          </a:fillRef>
+          <a:effectRef idx="0">
+            <a:schemeClr val="accent1"/>
+          </a:effectRef>
+          <a:fontRef idx="minor">
+            <a:schemeClr val="lt1"/>
+          </a:fontRef>
+        </p:style>
+        <p:txBody>
+          <a:bodyPr rtlCol="0" anchor="ctr"/>
+          <a:lstStyle/>
+          <a:p>
+            <a:pPr marL="0" marR="0" lvl="0" indent="0" algn="ctr" defTabSz="914400" rtl="0" eaLnBrk="1" fontAlgn="auto" latinLnBrk="0" hangingPunct="1">
+              <a:lnSpc>
+                <a:spcPct val="100000"/>
+              </a:lnSpc>
+              <a:spcBef>
+                <a:spcPts val="0"/>
+              </a:spcBef>
+              <a:spcAft>
+                <a:spcPts val="0"/>
+              </a:spcAft>
+              <a:buClrTx/>
+              <a:buSzTx/>
+              <a:buFontTx/>
+              <a:buNone/>
+              <a:tabLst/>
+              <a:defRPr/>
+            </a:pPr>
+            <a:endParaRPr kumimoji="0" lang="en-US" sz="1800" b="0" i="0" u="none" strike="noStrike" kern="1200" cap="none" spc="0" normalizeH="0" baseline="0" noProof="0">
+              <a:ln>
+                <a:noFill/>
+              </a:ln>
+              <a:solidFill>
+                <a:prstClr val="white"/>
+              </a:solidFill>
+              <a:effectLst/>
+              <a:uLnTx/>
+              <a:uFillTx/>
+              <a:latin typeface="Calibri" panose="020F0502020204030204"/>
+              <a:ea typeface="+mn-ea"/>
+              <a:cs typeface="+mn-cs"/>
+            </a:endParaRPr>
+          </a:p>
+        </p:txBody>
+      </p:sp>
+      <p:sp>
+        <p:nvSpPr>
+          <p:cNvPr id="21" name="Rectangle 20">
+            <a:extLst>
+              <a:ext uri="{FF2B5EF4-FFF2-40B4-BE49-F238E27FC236}">
+                <a16:creationId xmlns:a16="http://schemas.microsoft.com/office/drawing/2014/main" id="{357F1B33-79AB-4A71-8CEC-4546D709B8C8}"/>
+              </a:ext>
+              <a:ext uri="{C183D7F6-B498-43B3-948B-1728B52AA6E4}">
+                <adec:decorative xmlns:adec="http://schemas.microsoft.com/office/drawing/2017/decorative" val="1"/>
+              </a:ext>
+            </a:extLst>
+          </p:cNvPr>
+          <p:cNvSpPr>
+            <a:spLocks noGrp="1" noRot="1" noChangeAspect="1" noMove="1" noResize="1" noEditPoints="1" noAdjustHandles="1" noChangeArrowheads="1" noChangeShapeType="1" noTextEdit="1"/>
+          </p:cNvSpPr>
+          <p:nvPr>
+            <p:extLst>
+              <p:ext uri="{386F3935-93C4-4BCD-93E2-E3B085C9AB24}">
+                <p16:designElem xmlns:p16="http://schemas.microsoft.com/office/powerpoint/2015/main" val="1"/>
+              </p:ext>
+            </p:extLst>
+          </p:nvPr>
+        </p:nvSpPr>
+        <p:spPr>
+          <a:xfrm>
+            <a:off x="498834" y="2874481"/>
+            <a:ext cx="128016" cy="704088"/>
+          </a:xfrm>
+          <a:prstGeom prst="rect">
+            <a:avLst/>
+          </a:prstGeom>
+          <a:solidFill>
+            <a:schemeClr val="accent1"/>
+          </a:solidFill>
+          <a:ln>
+            <a:noFill/>
+          </a:ln>
+        </p:spPr>
+        <p:style>
+          <a:lnRef idx="2">
+            <a:schemeClr val="accent1">
+              <a:shade val="50000"/>
+            </a:schemeClr>
+          </a:lnRef>
+          <a:fillRef idx="1">
+            <a:schemeClr val="accent1"/>
+          </a:fillRef>
+          <a:effectRef idx="0">
+            <a:schemeClr val="accent1"/>
+          </a:effectRef>
+          <a:fontRef idx="minor">
+            <a:schemeClr val="lt1"/>
+          </a:fontRef>
+        </p:style>
+        <p:txBody>
+          <a:bodyPr rtlCol="0" anchor="ctr"/>
+          <a:lstStyle/>
+          <a:p>
+            <a:pPr marL="0" marR="0" lvl="0" indent="0" algn="ctr" defTabSz="914400" rtl="0" eaLnBrk="1" fontAlgn="auto" latinLnBrk="0" hangingPunct="1">
+              <a:lnSpc>
+                <a:spcPct val="100000"/>
+              </a:lnSpc>
+              <a:spcBef>
+                <a:spcPts val="0"/>
+              </a:spcBef>
+              <a:spcAft>
+                <a:spcPts val="0"/>
+              </a:spcAft>
+              <a:buClrTx/>
+              <a:buSzTx/>
+              <a:buFontTx/>
+              <a:buNone/>
+              <a:tabLst/>
+              <a:defRPr/>
+            </a:pPr>
+            <a:endParaRPr kumimoji="0" lang="en-US" sz="1800" b="0" i="0" u="none" strike="noStrike" kern="1200" cap="none" spc="0" normalizeH="0" baseline="0" noProof="0">
+              <a:ln>
+                <a:noFill/>
+              </a:ln>
+              <a:solidFill>
+                <a:prstClr val="white"/>
+              </a:solidFill>
+              <a:effectLst/>
+              <a:uLnTx/>
+              <a:uFillTx/>
+              <a:latin typeface="Calibri" panose="020F0502020204030204"/>
+              <a:ea typeface="+mn-ea"/>
+              <a:cs typeface="+mn-cs"/>
+            </a:endParaRPr>
+          </a:p>
+        </p:txBody>
+      </p:sp>
+      <p:sp>
+        <p:nvSpPr>
+          <p:cNvPr id="12" name="TextBox 11">
+            <a:extLst>
+              <a:ext uri="{FF2B5EF4-FFF2-40B4-BE49-F238E27FC236}">
+                <a16:creationId xmlns:a16="http://schemas.microsoft.com/office/drawing/2014/main" id="{C41E8F2E-9211-6F40-8FCA-364954FDC01E}"/>
               </a:ext>
             </a:extLst>
           </p:cNvPr>
@@ -9311,8 +9857,8 @@
         </p:nvSpPr>
         <p:spPr>
           <a:xfrm>
-            <a:off x="413657" y="870857"/>
-            <a:ext cx="11364686" cy="4984763"/>
+            <a:off x="819498" y="936618"/>
+            <a:ext cx="10644868" cy="4984763"/>
           </a:xfrm>
           <a:prstGeom prst="rect">
             <a:avLst/>
@@ -9342,7 +9888,7 @@
             </a:r>
             <a:r>
               <a:rPr lang="de-DE" sz="3600" dirty="0"/>
-              <a:t>: Funktioniert ein Clustering der   		Gedichte nach literarischen Epochen?</a:t>
+              <a:t>: Funktioniert ein Clustering der   	Gedichte nach literarischen Epochen?</a:t>
             </a:r>
           </a:p>
           <a:p>
@@ -9355,7 +9901,15 @@
             </a:pPr>
             <a:r>
               <a:rPr lang="de-DE" sz="3600" dirty="0"/>
-              <a:t> 	Welche Epochen eignen sich gut fürs Clustering?</a:t>
+              <a:t> 	Welche Epochen eignen sich </a:t>
+            </a:r>
+            <a:r>
+              <a:rPr lang="de-DE" sz="3600" b="1" dirty="0"/>
+              <a:t>gut</a:t>
+            </a:r>
+            <a:r>
+              <a:rPr lang="de-DE" sz="3600" dirty="0"/>
+              <a:t> fürs 	Clustering?</a:t>
             </a:r>
           </a:p>
           <a:p>
@@ -9368,15 +9922,15 @@
             </a:pPr>
             <a:r>
               <a:rPr lang="de-DE" sz="3600" dirty="0"/>
-              <a:t> 	Kann durch ein Clustering eine 	Epocheneinteilung eines 	Literaturwissenschaftlers </a:t>
-            </a:r>
-            <a:r>
-              <a:rPr lang="de-DE" sz="3600" b="1" i="1" dirty="0"/>
-              <a:t>verifiziert</a:t>
+              <a:t> 	Welche Epochen eignen sich </a:t>
+            </a:r>
+            <a:r>
+              <a:rPr lang="de-DE" sz="3600" b="1" dirty="0"/>
+              <a:t>nicht</a:t>
             </a:r>
             <a:r>
               <a:rPr lang="de-DE" sz="3600" dirty="0"/>
-              <a:t> werden?</a:t>
+              <a:t> fürs 	Clustering?</a:t>
             </a:r>
           </a:p>
         </p:txBody>
@@ -9395,7 +9949,7 @@
 </file>
 
 <file path=ppt/slides/slide14.xml><?xml version="1.0" encoding="utf-8"?>
-<p:sld xmlns:a="http://schemas.openxmlformats.org/drawingml/2006/main" xmlns:r="http://schemas.openxmlformats.org/officeDocument/2006/relationships" xmlns:p="http://schemas.openxmlformats.org/presentationml/2006/main">
+<p:sld xmlns:a="http://schemas.openxmlformats.org/drawingml/2006/main" xmlns:r="http://schemas.openxmlformats.org/officeDocument/2006/relationships" xmlns:p="http://schemas.openxmlformats.org/presentationml/2006/main" show="0">
   <p:cSld>
     <p:spTree>
       <p:nvGrpSpPr>
@@ -9413,37 +9967,92 @@
       </p:grpSpPr>
       <p:sp>
         <p:nvSpPr>
-          <p:cNvPr id="5" name="Title 4">
-            <a:extLst>
-              <a:ext uri="{FF2B5EF4-FFF2-40B4-BE49-F238E27FC236}">
-                <a16:creationId xmlns:a16="http://schemas.microsoft.com/office/drawing/2014/main" id="{82687F4B-C512-5349-9205-039D8CAC00D3}"/>
-              </a:ext>
-            </a:extLst>
-          </p:cNvPr>
-          <p:cNvSpPr>
-            <a:spLocks noGrp="1"/>
-          </p:cNvSpPr>
-          <p:nvPr>
-            <p:ph type="title"/>
-          </p:nvPr>
-        </p:nvSpPr>
-        <p:spPr/>
-        <p:txBody>
-          <a:bodyPr/>
-          <a:lstStyle/>
-          <a:p>
-            <a:r>
-              <a:rPr lang="de-DE" b="1" dirty="0"/>
-              <a:t>4.  Experimente</a:t>
-            </a:r>
-            <a:endParaRPr lang="de-DE" dirty="0"/>
+          <p:cNvPr id="5" name="TextBox 4">
+            <a:extLst>
+              <a:ext uri="{FF2B5EF4-FFF2-40B4-BE49-F238E27FC236}">
+                <a16:creationId xmlns:a16="http://schemas.microsoft.com/office/drawing/2014/main" id="{73CEFAF6-A09F-B541-96F4-FF5D59E38125}"/>
+              </a:ext>
+            </a:extLst>
+          </p:cNvPr>
+          <p:cNvSpPr txBox="1"/>
+          <p:nvPr/>
+        </p:nvSpPr>
+        <p:spPr>
+          <a:xfrm>
+            <a:off x="413657" y="870857"/>
+            <a:ext cx="11364686" cy="4984763"/>
+          </a:xfrm>
+          <a:prstGeom prst="rect">
+            <a:avLst/>
+          </a:prstGeom>
+          <a:noFill/>
+        </p:spPr>
+        <p:txBody>
+          <a:bodyPr wrap="square" rtlCol="0">
+            <a:spAutoFit/>
+          </a:bodyPr>
+          <a:lstStyle/>
+          <a:p>
+            <a:pPr marL="857250" indent="-857250">
+              <a:lnSpc>
+                <a:spcPct val="150000"/>
+              </a:lnSpc>
+              <a:buFont typeface="+mj-lt"/>
+              <a:buAutoNum type="arabicParenR"/>
+            </a:pPr>
+            <a:r>
+              <a:rPr lang="de-DE" sz="3600" dirty="0"/>
+              <a:t> </a:t>
+            </a:r>
+            <a:r>
+              <a:rPr lang="de-DE" sz="3600" b="1" dirty="0"/>
+              <a:t>Grundfrage</a:t>
+            </a:r>
+            <a:r>
+              <a:rPr lang="de-DE" sz="3600" dirty="0"/>
+              <a:t>: Funktioniert ein Clustering der   		Gedichte nach literarischen Epochen?</a:t>
+            </a:r>
+          </a:p>
+          <a:p>
+            <a:pPr marL="514350" indent="-514350">
+              <a:lnSpc>
+                <a:spcPct val="150000"/>
+              </a:lnSpc>
+              <a:buFont typeface="+mj-lt"/>
+              <a:buAutoNum type="arabicParenR"/>
+            </a:pPr>
+            <a:r>
+              <a:rPr lang="de-DE" sz="3600" dirty="0"/>
+              <a:t> 	Welche Epochen eignen sich gut fürs Clustering?</a:t>
+            </a:r>
+          </a:p>
+          <a:p>
+            <a:pPr marL="514350" indent="-514350">
+              <a:lnSpc>
+                <a:spcPct val="150000"/>
+              </a:lnSpc>
+              <a:buFont typeface="+mj-lt"/>
+              <a:buAutoNum type="arabicParenR"/>
+            </a:pPr>
+            <a:r>
+              <a:rPr lang="de-DE" sz="3600" dirty="0"/>
+              <a:t> 	Kann durch ein Clustering eine 	Epocheneinteilung eines 	Literaturwissenschaftlers </a:t>
+            </a:r>
+            <a:r>
+              <a:rPr lang="de-DE" sz="3600" b="1" i="1" dirty="0"/>
+              <a:t>verifiziert</a:t>
+            </a:r>
+            <a:r>
+              <a:rPr lang="de-DE" sz="3600" dirty="0"/>
+              <a:t> werden?</a:t>
+            </a:r>
           </a:p>
         </p:txBody>
       </p:sp>
     </p:spTree>
     <p:extLst>
       <p:ext uri="{BB962C8B-B14F-4D97-AF65-F5344CB8AC3E}">
-        <p14:creationId xmlns:p14="http://schemas.microsoft.com/office/powerpoint/2010/main" val="1848447078"/>
+        <p14:creationId xmlns:p14="http://schemas.microsoft.com/office/powerpoint/2010/main" val="3724003262"/>
       </p:ext>
     </p:extLst>
   </p:cSld>
@@ -9472,6 +10081,65 @@
       </p:grpSpPr>
       <p:sp>
         <p:nvSpPr>
+          <p:cNvPr id="5" name="Title 4">
+            <a:extLst>
+              <a:ext uri="{FF2B5EF4-FFF2-40B4-BE49-F238E27FC236}">
+                <a16:creationId xmlns:a16="http://schemas.microsoft.com/office/drawing/2014/main" id="{82687F4B-C512-5349-9205-039D8CAC00D3}"/>
+              </a:ext>
+            </a:extLst>
+          </p:cNvPr>
+          <p:cNvSpPr>
+            <a:spLocks noGrp="1"/>
+          </p:cNvSpPr>
+          <p:nvPr>
+            <p:ph type="title"/>
+          </p:nvPr>
+        </p:nvSpPr>
+        <p:spPr/>
+        <p:txBody>
+          <a:bodyPr/>
+          <a:lstStyle/>
+          <a:p>
+            <a:r>
+              <a:rPr lang="de-DE" b="1" dirty="0"/>
+              <a:t>4.  Experimente</a:t>
+            </a:r>
+            <a:endParaRPr lang="de-DE" dirty="0"/>
+          </a:p>
+        </p:txBody>
+      </p:sp>
+    </p:spTree>
+    <p:extLst>
+      <p:ext uri="{BB962C8B-B14F-4D97-AF65-F5344CB8AC3E}">
+        <p14:creationId xmlns:p14="http://schemas.microsoft.com/office/powerpoint/2010/main" val="1848447078"/>
+      </p:ext>
+    </p:extLst>
+  </p:cSld>
+  <p:clrMapOvr>
+    <a:masterClrMapping/>
+  </p:clrMapOvr>
+</p:sld>
+</file>
+
+<file path=ppt/slides/slide16.xml><?xml version="1.0" encoding="utf-8"?>
+<p:sld xmlns:a="http://schemas.openxmlformats.org/drawingml/2006/main" xmlns:r="http://schemas.openxmlformats.org/officeDocument/2006/relationships" xmlns:p="http://schemas.openxmlformats.org/presentationml/2006/main">
+  <p:cSld>
+    <p:spTree>
+      <p:nvGrpSpPr>
+        <p:cNvPr id="1" name=""/>
+        <p:cNvGrpSpPr/>
+        <p:nvPr/>
+      </p:nvGrpSpPr>
+      <p:grpSpPr>
+        <a:xfrm>
+          <a:off x="0" y="0"/>
+          <a:ext cx="0" cy="0"/>
+          <a:chOff x="0" y="0"/>
+          <a:chExt cx="0" cy="0"/>
+        </a:xfrm>
+      </p:grpSpPr>
+      <p:sp>
+        <p:nvSpPr>
           <p:cNvPr id="2" name="Title 1">
             <a:extLst>
               <a:ext uri="{FF2B5EF4-FFF2-40B4-BE49-F238E27FC236}">
@@ -9514,7 +10182,7 @@
 </p:sld>
 </file>
 
-<file path=ppt/slides/slide16.xml><?xml version="1.0" encoding="utf-8"?>
+<file path=ppt/slides/slide17.xml><?xml version="1.0" encoding="utf-8"?>
 <p:sld xmlns:a="http://schemas.openxmlformats.org/drawingml/2006/main" xmlns:r="http://schemas.openxmlformats.org/officeDocument/2006/relationships" xmlns:p="http://schemas.openxmlformats.org/presentationml/2006/main">
   <p:cSld>
     <p:spTree>
@@ -10310,216 +10978,6 @@
 </p:sld>
 </file>
 
-<file path=ppt/slides/slide17.xml><?xml version="1.0" encoding="utf-8"?>
-<p:sld xmlns:a="http://schemas.openxmlformats.org/drawingml/2006/main" xmlns:r="http://schemas.openxmlformats.org/officeDocument/2006/relationships" xmlns:p="http://schemas.openxmlformats.org/presentationml/2006/main">
-  <p:cSld>
-    <p:spTree>
-      <p:nvGrpSpPr>
-        <p:cNvPr id="1" name=""/>
-        <p:cNvGrpSpPr/>
-        <p:nvPr/>
-      </p:nvGrpSpPr>
-      <p:grpSpPr>
-        <a:xfrm>
-          <a:off x="0" y="0"/>
-          <a:ext cx="0" cy="0"/>
-          <a:chOff x="0" y="0"/>
-          <a:chExt cx="0" cy="0"/>
-        </a:xfrm>
-      </p:grpSpPr>
-      <p:sp>
-        <p:nvSpPr>
-          <p:cNvPr id="2" name="Title 1">
-            <a:extLst>
-              <a:ext uri="{FF2B5EF4-FFF2-40B4-BE49-F238E27FC236}">
-                <a16:creationId xmlns:a16="http://schemas.microsoft.com/office/drawing/2014/main" id="{0959BEBF-BB7C-FF49-93DA-FD44946F112E}"/>
-              </a:ext>
-            </a:extLst>
-          </p:cNvPr>
-          <p:cNvSpPr>
-            <a:spLocks noGrp="1"/>
-          </p:cNvSpPr>
-          <p:nvPr>
-            <p:ph type="title"/>
-          </p:nvPr>
-        </p:nvSpPr>
-        <p:spPr/>
-        <p:txBody>
-          <a:bodyPr/>
-          <a:lstStyle/>
-          <a:p>
-            <a:r>
-              <a:rPr lang="de-DE" b="1" dirty="0"/>
-              <a:t>Evaluationsmaße</a:t>
-            </a:r>
-          </a:p>
-        </p:txBody>
-      </p:sp>
-      <p:sp>
-        <p:nvSpPr>
-          <p:cNvPr id="3" name="Content Placeholder 2">
-            <a:extLst>
-              <a:ext uri="{FF2B5EF4-FFF2-40B4-BE49-F238E27FC236}">
-                <a16:creationId xmlns:a16="http://schemas.microsoft.com/office/drawing/2014/main" id="{5010B43E-21CA-8A4B-AEAB-6F1A4E8612FE}"/>
-              </a:ext>
-            </a:extLst>
-          </p:cNvPr>
-          <p:cNvSpPr>
-            <a:spLocks noGrp="1"/>
-          </p:cNvSpPr>
-          <p:nvPr>
-            <p:ph idx="1"/>
-          </p:nvPr>
-        </p:nvSpPr>
-        <p:spPr/>
-        <p:txBody>
-          <a:bodyPr/>
-          <a:lstStyle/>
-          <a:p>
-            <a:r>
-              <a:rPr lang="de-DE" dirty="0" err="1"/>
-              <a:t>Adjusted</a:t>
-            </a:r>
-            <a:r>
-              <a:rPr lang="de-DE" dirty="0"/>
-              <a:t> Rand Index (kurz: </a:t>
-            </a:r>
-            <a:r>
-              <a:rPr lang="de-DE" b="1" dirty="0" err="1"/>
-              <a:t>ari</a:t>
-            </a:r>
-            <a:r>
-              <a:rPr lang="de-DE" dirty="0"/>
-              <a:t>)</a:t>
-            </a:r>
-          </a:p>
-          <a:p>
-            <a:r>
-              <a:rPr lang="de-DE" dirty="0"/>
-              <a:t>V-</a:t>
-            </a:r>
-            <a:r>
-              <a:rPr lang="de-DE" dirty="0" err="1"/>
-              <a:t>measure</a:t>
-            </a:r>
-            <a:r>
-              <a:rPr lang="de-DE" dirty="0"/>
-              <a:t> (kurz: </a:t>
-            </a:r>
-            <a:r>
-              <a:rPr lang="de-DE" b="1" dirty="0" err="1"/>
-              <a:t>vm</a:t>
-            </a:r>
-            <a:r>
-              <a:rPr lang="de-DE" dirty="0"/>
-              <a:t>)</a:t>
-            </a:r>
-          </a:p>
-          <a:p>
-            <a:pPr lvl="1"/>
-            <a:r>
-              <a:rPr lang="de-DE" dirty="0"/>
-              <a:t>Harmonisches Mittel zwischen </a:t>
-            </a:r>
-            <a:r>
-              <a:rPr lang="en-GB" i="1" dirty="0"/>
-              <a:t>homogeneity</a:t>
-            </a:r>
-            <a:r>
-              <a:rPr lang="en-GB" dirty="0"/>
-              <a:t> &amp; </a:t>
-            </a:r>
-            <a:r>
-              <a:rPr lang="en-GB" i="1" dirty="0"/>
-              <a:t>completeness</a:t>
-            </a:r>
-            <a:endParaRPr lang="en-GB" dirty="0"/>
-          </a:p>
-          <a:p>
-            <a:pPr lvl="1"/>
-            <a:r>
-              <a:rPr lang="en-GB" i="1" dirty="0"/>
-              <a:t>homogeneity</a:t>
-            </a:r>
-            <a:r>
-              <a:rPr lang="en-GB" dirty="0"/>
-              <a:t> (</a:t>
-            </a:r>
-            <a:r>
-              <a:rPr lang="en-GB" dirty="0" err="1"/>
-              <a:t>wie</a:t>
-            </a:r>
-            <a:r>
-              <a:rPr lang="en-GB" dirty="0"/>
-              <a:t> </a:t>
-            </a:r>
-            <a:r>
-              <a:rPr lang="en-GB" dirty="0" err="1"/>
-              <a:t>homogen</a:t>
-            </a:r>
-            <a:r>
-              <a:rPr lang="en-GB" dirty="0"/>
-              <a:t> </a:t>
-            </a:r>
-            <a:r>
-              <a:rPr lang="en-GB" dirty="0" err="1"/>
-              <a:t>sind</a:t>
-            </a:r>
-            <a:r>
-              <a:rPr lang="en-GB" dirty="0"/>
-              <a:t> Cluster)</a:t>
-            </a:r>
-          </a:p>
-          <a:p>
-            <a:pPr lvl="1"/>
-            <a:r>
-              <a:rPr lang="en-GB" i="1" dirty="0"/>
-              <a:t>completeness</a:t>
-            </a:r>
-            <a:r>
-              <a:rPr lang="en-GB" dirty="0"/>
-              <a:t> (</a:t>
-            </a:r>
-            <a:r>
-              <a:rPr lang="en-GB" dirty="0" err="1"/>
-              <a:t>wie</a:t>
-            </a:r>
-            <a:r>
-              <a:rPr lang="en-GB" dirty="0"/>
-              <a:t> </a:t>
-            </a:r>
-            <a:r>
-              <a:rPr lang="en-GB" dirty="0" err="1"/>
-              <a:t>vollständig</a:t>
-            </a:r>
-            <a:r>
-              <a:rPr lang="en-GB" dirty="0"/>
-              <a:t> </a:t>
-            </a:r>
-            <a:r>
-              <a:rPr lang="en-GB" dirty="0" err="1"/>
-              <a:t>sind</a:t>
-            </a:r>
-            <a:r>
-              <a:rPr lang="en-GB" dirty="0"/>
-              <a:t> Cluster)</a:t>
-            </a:r>
-          </a:p>
-        </p:txBody>
-      </p:sp>
-    </p:spTree>
-    <p:extLst>
-      <p:ext uri="{BB962C8B-B14F-4D97-AF65-F5344CB8AC3E}">
-        <p14:creationId xmlns:p14="http://schemas.microsoft.com/office/powerpoint/2010/main" val="228732159"/>
-      </p:ext>
-    </p:extLst>
-  </p:cSld>
-  <p:clrMapOvr>
-    <a:masterClrMapping/>
-  </p:clrMapOvr>
-</p:sld>
-</file>
-
 <file path=ppt/slides/slide18.xml><?xml version="1.0" encoding="utf-8"?>
 <p:sld xmlns:a="http://schemas.openxmlformats.org/drawingml/2006/main" xmlns:r="http://schemas.openxmlformats.org/officeDocument/2006/relationships" xmlns:p="http://schemas.openxmlformats.org/presentationml/2006/main">
   <p:cSld>
@@ -10542,6 +11000,216 @@
           <p:cNvPr id="2" name="Title 1">
             <a:extLst>
               <a:ext uri="{FF2B5EF4-FFF2-40B4-BE49-F238E27FC236}">
+                <a16:creationId xmlns:a16="http://schemas.microsoft.com/office/drawing/2014/main" id="{0959BEBF-BB7C-FF49-93DA-FD44946F112E}"/>
+              </a:ext>
+            </a:extLst>
+          </p:cNvPr>
+          <p:cNvSpPr>
+            <a:spLocks noGrp="1"/>
+          </p:cNvSpPr>
+          <p:nvPr>
+            <p:ph type="title"/>
+          </p:nvPr>
+        </p:nvSpPr>
+        <p:spPr/>
+        <p:txBody>
+          <a:bodyPr/>
+          <a:lstStyle/>
+          <a:p>
+            <a:r>
+              <a:rPr lang="de-DE" b="1" dirty="0"/>
+              <a:t>Evaluationsmaße</a:t>
+            </a:r>
+          </a:p>
+        </p:txBody>
+      </p:sp>
+      <p:sp>
+        <p:nvSpPr>
+          <p:cNvPr id="3" name="Content Placeholder 2">
+            <a:extLst>
+              <a:ext uri="{FF2B5EF4-FFF2-40B4-BE49-F238E27FC236}">
+                <a16:creationId xmlns:a16="http://schemas.microsoft.com/office/drawing/2014/main" id="{5010B43E-21CA-8A4B-AEAB-6F1A4E8612FE}"/>
+              </a:ext>
+            </a:extLst>
+          </p:cNvPr>
+          <p:cNvSpPr>
+            <a:spLocks noGrp="1"/>
+          </p:cNvSpPr>
+          <p:nvPr>
+            <p:ph idx="1"/>
+          </p:nvPr>
+        </p:nvSpPr>
+        <p:spPr/>
+        <p:txBody>
+          <a:bodyPr/>
+          <a:lstStyle/>
+          <a:p>
+            <a:r>
+              <a:rPr lang="de-DE" dirty="0" err="1"/>
+              <a:t>Adjusted</a:t>
+            </a:r>
+            <a:r>
+              <a:rPr lang="de-DE" dirty="0"/>
+              <a:t> Rand Index (kurz: </a:t>
+            </a:r>
+            <a:r>
+              <a:rPr lang="de-DE" b="1" dirty="0" err="1"/>
+              <a:t>ari</a:t>
+            </a:r>
+            <a:r>
+              <a:rPr lang="de-DE" dirty="0"/>
+              <a:t>)</a:t>
+            </a:r>
+          </a:p>
+          <a:p>
+            <a:r>
+              <a:rPr lang="de-DE" dirty="0"/>
+              <a:t>V-</a:t>
+            </a:r>
+            <a:r>
+              <a:rPr lang="de-DE" dirty="0" err="1"/>
+              <a:t>measure</a:t>
+            </a:r>
+            <a:r>
+              <a:rPr lang="de-DE" dirty="0"/>
+              <a:t> (kurz: </a:t>
+            </a:r>
+            <a:r>
+              <a:rPr lang="de-DE" b="1" dirty="0" err="1"/>
+              <a:t>vm</a:t>
+            </a:r>
+            <a:r>
+              <a:rPr lang="de-DE" dirty="0"/>
+              <a:t>)</a:t>
+            </a:r>
+          </a:p>
+          <a:p>
+            <a:pPr lvl="1"/>
+            <a:r>
+              <a:rPr lang="de-DE" dirty="0"/>
+              <a:t>Harmonisches Mittel zwischen </a:t>
+            </a:r>
+            <a:r>
+              <a:rPr lang="en-GB" i="1" dirty="0"/>
+              <a:t>homogeneity</a:t>
+            </a:r>
+            <a:r>
+              <a:rPr lang="en-GB" dirty="0"/>
+              <a:t> &amp; </a:t>
+            </a:r>
+            <a:r>
+              <a:rPr lang="en-GB" i="1" dirty="0"/>
+              <a:t>completeness</a:t>
+            </a:r>
+            <a:endParaRPr lang="en-GB" dirty="0"/>
+          </a:p>
+          <a:p>
+            <a:pPr lvl="1"/>
+            <a:r>
+              <a:rPr lang="en-GB" i="1" dirty="0"/>
+              <a:t>homogeneity</a:t>
+            </a:r>
+            <a:r>
+              <a:rPr lang="en-GB" dirty="0"/>
+              <a:t> (</a:t>
+            </a:r>
+            <a:r>
+              <a:rPr lang="en-GB" dirty="0" err="1"/>
+              <a:t>wie</a:t>
+            </a:r>
+            <a:r>
+              <a:rPr lang="en-GB" dirty="0"/>
+              <a:t> </a:t>
+            </a:r>
+            <a:r>
+              <a:rPr lang="en-GB" dirty="0" err="1"/>
+              <a:t>homogen</a:t>
+            </a:r>
+            <a:r>
+              <a:rPr lang="en-GB" dirty="0"/>
+              <a:t> </a:t>
+            </a:r>
+            <a:r>
+              <a:rPr lang="en-GB" dirty="0" err="1"/>
+              <a:t>sind</a:t>
+            </a:r>
+            <a:r>
+              <a:rPr lang="en-GB" dirty="0"/>
+              <a:t> Cluster)</a:t>
+            </a:r>
+          </a:p>
+          <a:p>
+            <a:pPr lvl="1"/>
+            <a:r>
+              <a:rPr lang="en-GB" i="1" dirty="0"/>
+              <a:t>completeness</a:t>
+            </a:r>
+            <a:r>
+              <a:rPr lang="en-GB" dirty="0"/>
+              <a:t> (</a:t>
+            </a:r>
+            <a:r>
+              <a:rPr lang="en-GB" dirty="0" err="1"/>
+              <a:t>wie</a:t>
+            </a:r>
+            <a:r>
+              <a:rPr lang="en-GB" dirty="0"/>
+              <a:t> </a:t>
+            </a:r>
+            <a:r>
+              <a:rPr lang="en-GB" dirty="0" err="1"/>
+              <a:t>vollständig</a:t>
+            </a:r>
+            <a:r>
+              <a:rPr lang="en-GB" dirty="0"/>
+              <a:t> </a:t>
+            </a:r>
+            <a:r>
+              <a:rPr lang="en-GB" dirty="0" err="1"/>
+              <a:t>sind</a:t>
+            </a:r>
+            <a:r>
+              <a:rPr lang="en-GB" dirty="0"/>
+              <a:t> Cluster)</a:t>
+            </a:r>
+          </a:p>
+        </p:txBody>
+      </p:sp>
+    </p:spTree>
+    <p:extLst>
+      <p:ext uri="{BB962C8B-B14F-4D97-AF65-F5344CB8AC3E}">
+        <p14:creationId xmlns:p14="http://schemas.microsoft.com/office/powerpoint/2010/main" val="228732159"/>
+      </p:ext>
+    </p:extLst>
+  </p:cSld>
+  <p:clrMapOvr>
+    <a:masterClrMapping/>
+  </p:clrMapOvr>
+</p:sld>
+</file>
+
+<file path=ppt/slides/slide19.xml><?xml version="1.0" encoding="utf-8"?>
+<p:sld xmlns:a="http://schemas.openxmlformats.org/drawingml/2006/main" xmlns:r="http://schemas.openxmlformats.org/officeDocument/2006/relationships" xmlns:p="http://schemas.openxmlformats.org/presentationml/2006/main">
+  <p:cSld>
+    <p:spTree>
+      <p:nvGrpSpPr>
+        <p:cNvPr id="1" name=""/>
+        <p:cNvGrpSpPr/>
+        <p:nvPr/>
+      </p:nvGrpSpPr>
+      <p:grpSpPr>
+        <a:xfrm>
+          <a:off x="0" y="0"/>
+          <a:ext cx="0" cy="0"/>
+          <a:chOff x="0" y="0"/>
+          <a:chExt cx="0" cy="0"/>
+        </a:xfrm>
+      </p:grpSpPr>
+      <p:sp>
+        <p:nvSpPr>
+          <p:cNvPr id="2" name="Title 1">
+            <a:extLst>
+              <a:ext uri="{FF2B5EF4-FFF2-40B4-BE49-F238E27FC236}">
                 <a16:creationId xmlns:a16="http://schemas.microsoft.com/office/drawing/2014/main" id="{DCBE102F-D2BB-3946-AEF1-AE93DF5165E5}"/>
               </a:ext>
             </a:extLst>
@@ -10581,7 +11249,133 @@
 </p:sld>
 </file>
 
-<file path=ppt/slides/slide19.xml><?xml version="1.0" encoding="utf-8"?>
+<file path=ppt/slides/slide2.xml><?xml version="1.0" encoding="utf-8"?>
+<p:sld xmlns:a="http://schemas.openxmlformats.org/drawingml/2006/main" xmlns:r="http://schemas.openxmlformats.org/officeDocument/2006/relationships" xmlns:p="http://schemas.openxmlformats.org/presentationml/2006/main">
+  <p:cSld>
+    <p:spTree>
+      <p:nvGrpSpPr>
+        <p:cNvPr id="1" name=""/>
+        <p:cNvGrpSpPr/>
+        <p:nvPr/>
+      </p:nvGrpSpPr>
+      <p:grpSpPr>
+        <a:xfrm>
+          <a:off x="0" y="0"/>
+          <a:ext cx="0" cy="0"/>
+          <a:chOff x="0" y="0"/>
+          <a:chExt cx="0" cy="0"/>
+        </a:xfrm>
+      </p:grpSpPr>
+      <p:sp>
+        <p:nvSpPr>
+          <p:cNvPr id="2" name="Title 1">
+            <a:extLst>
+              <a:ext uri="{FF2B5EF4-FFF2-40B4-BE49-F238E27FC236}">
+                <a16:creationId xmlns:a16="http://schemas.microsoft.com/office/drawing/2014/main" id="{ABBD1032-7C21-EB45-88CD-39E1CDFCEED7}"/>
+              </a:ext>
+            </a:extLst>
+          </p:cNvPr>
+          <p:cNvSpPr>
+            <a:spLocks noGrp="1"/>
+          </p:cNvSpPr>
+          <p:nvPr>
+            <p:ph type="title"/>
+          </p:nvPr>
+        </p:nvSpPr>
+        <p:spPr/>
+        <p:txBody>
+          <a:bodyPr/>
+          <a:lstStyle/>
+          <a:p>
+            <a:r>
+              <a:rPr lang="en-DE" b="1" dirty="0"/>
+              <a:t>Übersicht</a:t>
+            </a:r>
+          </a:p>
+        </p:txBody>
+      </p:sp>
+      <p:sp>
+        <p:nvSpPr>
+          <p:cNvPr id="3" name="Content Placeholder 2">
+            <a:extLst>
+              <a:ext uri="{FF2B5EF4-FFF2-40B4-BE49-F238E27FC236}">
+                <a16:creationId xmlns:a16="http://schemas.microsoft.com/office/drawing/2014/main" id="{80899769-BBF7-274C-B579-0AE87166EDED}"/>
+              </a:ext>
+            </a:extLst>
+          </p:cNvPr>
+          <p:cNvSpPr>
+            <a:spLocks noGrp="1"/>
+          </p:cNvSpPr>
+          <p:nvPr>
+            <p:ph idx="1"/>
+          </p:nvPr>
+        </p:nvSpPr>
+        <p:spPr/>
+        <p:txBody>
+          <a:bodyPr/>
+          <a:lstStyle/>
+          <a:p>
+            <a:pPr marL="514350" indent="-514350">
+              <a:buAutoNum type="arabicPeriod"/>
+            </a:pPr>
+            <a:r>
+              <a:rPr lang="en-DE" dirty="0"/>
+              <a:t>Kurzer Überblick zum Epochenbegriff und –einteilung</a:t>
+            </a:r>
+          </a:p>
+          <a:p>
+            <a:pPr marL="514350" indent="-514350">
+              <a:buAutoNum type="arabicPeriod"/>
+            </a:pPr>
+            <a:r>
+              <a:rPr lang="en-DE" dirty="0"/>
+              <a:t>Das Korpus</a:t>
+            </a:r>
+          </a:p>
+          <a:p>
+            <a:pPr marL="514350" indent="-514350">
+              <a:buAutoNum type="arabicPeriod"/>
+            </a:pPr>
+            <a:r>
+              <a:rPr lang="en-GB" dirty="0" err="1"/>
+              <a:t>Fragestellungen</a:t>
+            </a:r>
+            <a:endParaRPr lang="en-DE" dirty="0"/>
+          </a:p>
+          <a:p>
+            <a:pPr marL="514350" indent="-514350">
+              <a:buAutoNum type="arabicPeriod"/>
+            </a:pPr>
+            <a:r>
+              <a:rPr lang="en-DE" dirty="0"/>
+              <a:t>Experimente</a:t>
+            </a:r>
+          </a:p>
+          <a:p>
+            <a:pPr marL="514350" indent="-514350">
+              <a:buAutoNum type="arabicPeriod"/>
+            </a:pPr>
+            <a:r>
+              <a:rPr lang="en-DE" dirty="0"/>
+              <a:t>Schlussbetrachtung</a:t>
+            </a:r>
+          </a:p>
+        </p:txBody>
+      </p:sp>
+    </p:spTree>
+    <p:extLst>
+      <p:ext uri="{BB962C8B-B14F-4D97-AF65-F5344CB8AC3E}">
+        <p14:creationId xmlns:p14="http://schemas.microsoft.com/office/powerpoint/2010/main" val="2653683036"/>
+      </p:ext>
+    </p:extLst>
+  </p:cSld>
+  <p:clrMapOvr>
+    <a:masterClrMapping/>
+  </p:clrMapOvr>
+</p:sld>
+</file>
+
+<file path=ppt/slides/slide20.xml><?xml version="1.0" encoding="utf-8"?>
 <p:sld xmlns:a="http://schemas.openxmlformats.org/drawingml/2006/main" xmlns:r="http://schemas.openxmlformats.org/officeDocument/2006/relationships" xmlns:p="http://schemas.openxmlformats.org/presentationml/2006/main">
   <p:cSld>
     <p:spTree>
@@ -10640,133 +11434,7 @@
 </p:sld>
 </file>
 
-<file path=ppt/slides/slide2.xml><?xml version="1.0" encoding="utf-8"?>
-<p:sld xmlns:a="http://schemas.openxmlformats.org/drawingml/2006/main" xmlns:r="http://schemas.openxmlformats.org/officeDocument/2006/relationships" xmlns:p="http://schemas.openxmlformats.org/presentationml/2006/main">
-  <p:cSld>
-    <p:spTree>
-      <p:nvGrpSpPr>
-        <p:cNvPr id="1" name=""/>
-        <p:cNvGrpSpPr/>
-        <p:nvPr/>
-      </p:nvGrpSpPr>
-      <p:grpSpPr>
-        <a:xfrm>
-          <a:off x="0" y="0"/>
-          <a:ext cx="0" cy="0"/>
-          <a:chOff x="0" y="0"/>
-          <a:chExt cx="0" cy="0"/>
-        </a:xfrm>
-      </p:grpSpPr>
-      <p:sp>
-        <p:nvSpPr>
-          <p:cNvPr id="2" name="Title 1">
-            <a:extLst>
-              <a:ext uri="{FF2B5EF4-FFF2-40B4-BE49-F238E27FC236}">
-                <a16:creationId xmlns:a16="http://schemas.microsoft.com/office/drawing/2014/main" id="{ABBD1032-7C21-EB45-88CD-39E1CDFCEED7}"/>
-              </a:ext>
-            </a:extLst>
-          </p:cNvPr>
-          <p:cNvSpPr>
-            <a:spLocks noGrp="1"/>
-          </p:cNvSpPr>
-          <p:nvPr>
-            <p:ph type="title"/>
-          </p:nvPr>
-        </p:nvSpPr>
-        <p:spPr/>
-        <p:txBody>
-          <a:bodyPr/>
-          <a:lstStyle/>
-          <a:p>
-            <a:r>
-              <a:rPr lang="en-DE" dirty="0"/>
-              <a:t>Übersicht</a:t>
-            </a:r>
-          </a:p>
-        </p:txBody>
-      </p:sp>
-      <p:sp>
-        <p:nvSpPr>
-          <p:cNvPr id="3" name="Content Placeholder 2">
-            <a:extLst>
-              <a:ext uri="{FF2B5EF4-FFF2-40B4-BE49-F238E27FC236}">
-                <a16:creationId xmlns:a16="http://schemas.microsoft.com/office/drawing/2014/main" id="{80899769-BBF7-274C-B579-0AE87166EDED}"/>
-              </a:ext>
-            </a:extLst>
-          </p:cNvPr>
-          <p:cNvSpPr>
-            <a:spLocks noGrp="1"/>
-          </p:cNvSpPr>
-          <p:nvPr>
-            <p:ph idx="1"/>
-          </p:nvPr>
-        </p:nvSpPr>
-        <p:spPr/>
-        <p:txBody>
-          <a:bodyPr/>
-          <a:lstStyle/>
-          <a:p>
-            <a:pPr marL="514350" indent="-514350">
-              <a:buAutoNum type="arabicPeriod"/>
-            </a:pPr>
-            <a:r>
-              <a:rPr lang="en-DE" dirty="0"/>
-              <a:t>Kurzer Überblick zum Epochenbegriff und –einteilung</a:t>
-            </a:r>
-          </a:p>
-          <a:p>
-            <a:pPr marL="514350" indent="-514350">
-              <a:buAutoNum type="arabicPeriod"/>
-            </a:pPr>
-            <a:r>
-              <a:rPr lang="en-DE" dirty="0"/>
-              <a:t>Das Korpus</a:t>
-            </a:r>
-          </a:p>
-          <a:p>
-            <a:pPr marL="514350" indent="-514350">
-              <a:buAutoNum type="arabicPeriod"/>
-            </a:pPr>
-            <a:r>
-              <a:rPr lang="en-GB" dirty="0" err="1"/>
-              <a:t>Fragestellungen</a:t>
-            </a:r>
-            <a:endParaRPr lang="en-DE" dirty="0"/>
-          </a:p>
-          <a:p>
-            <a:pPr marL="514350" indent="-514350">
-              <a:buAutoNum type="arabicPeriod"/>
-            </a:pPr>
-            <a:r>
-              <a:rPr lang="en-DE" dirty="0"/>
-              <a:t>Experimente</a:t>
-            </a:r>
-          </a:p>
-          <a:p>
-            <a:pPr marL="514350" indent="-514350">
-              <a:buAutoNum type="arabicPeriod"/>
-            </a:pPr>
-            <a:r>
-              <a:rPr lang="en-DE" dirty="0"/>
-              <a:t>Schlussbetrachtung</a:t>
-            </a:r>
-          </a:p>
-        </p:txBody>
-      </p:sp>
-    </p:spTree>
-    <p:extLst>
-      <p:ext uri="{BB962C8B-B14F-4D97-AF65-F5344CB8AC3E}">
-        <p14:creationId xmlns:p14="http://schemas.microsoft.com/office/powerpoint/2010/main" val="2653683036"/>
-      </p:ext>
-    </p:extLst>
-  </p:cSld>
-  <p:clrMapOvr>
-    <a:masterClrMapping/>
-  </p:clrMapOvr>
-</p:sld>
-</file>
-
-<file path=ppt/slides/slide20.xml><?xml version="1.0" encoding="utf-8"?>
+<file path=ppt/slides/slide21.xml><?xml version="1.0" encoding="utf-8"?>
 <p:sld xmlns:a="http://schemas.openxmlformats.org/drawingml/2006/main" xmlns:r="http://schemas.openxmlformats.org/officeDocument/2006/relationships" xmlns:p="http://schemas.openxmlformats.org/presentationml/2006/main">
   <p:cSld>
     <p:bg>
@@ -11356,7 +12024,7 @@
 </p:sld>
 </file>
 
-<file path=ppt/slides/slide21.xml><?xml version="1.0" encoding="utf-8"?>
+<file path=ppt/slides/slide22.xml><?xml version="1.0" encoding="utf-8"?>
 <p:sld xmlns:a="http://schemas.openxmlformats.org/drawingml/2006/main" xmlns:r="http://schemas.openxmlformats.org/officeDocument/2006/relationships" xmlns:p="http://schemas.openxmlformats.org/presentationml/2006/main">
   <p:cSld>
     <p:spTree>
@@ -11639,7 +12307,7 @@
 </p:sld>
 </file>
 
-<file path=ppt/slides/slide22.xml><?xml version="1.0" encoding="utf-8"?>
+<file path=ppt/slides/slide23.xml><?xml version="1.0" encoding="utf-8"?>
 <p:sld xmlns:a="http://schemas.openxmlformats.org/drawingml/2006/main" xmlns:r="http://schemas.openxmlformats.org/officeDocument/2006/relationships" xmlns:p="http://schemas.openxmlformats.org/presentationml/2006/main">
   <p:cSld>
     <p:bg>
@@ -12243,7 +12911,7 @@
 </p:sld>
 </file>
 
-<file path=ppt/slides/slide23.xml><?xml version="1.0" encoding="utf-8"?>
+<file path=ppt/slides/slide24.xml><?xml version="1.0" encoding="utf-8"?>
 <p:sld xmlns:a="http://schemas.openxmlformats.org/drawingml/2006/main" xmlns:r="http://schemas.openxmlformats.org/officeDocument/2006/relationships" xmlns:p="http://schemas.openxmlformats.org/presentationml/2006/main">
   <p:cSld>
     <p:spTree>
@@ -12508,7 +13176,7 @@
 </p:sld>
 </file>
 
-<file path=ppt/slides/slide24.xml><?xml version="1.0" encoding="utf-8"?>
+<file path=ppt/slides/slide25.xml><?xml version="1.0" encoding="utf-8"?>
 <p:sld xmlns:a="http://schemas.openxmlformats.org/drawingml/2006/main" xmlns:r="http://schemas.openxmlformats.org/officeDocument/2006/relationships" xmlns:p="http://schemas.openxmlformats.org/presentationml/2006/main">
   <p:cSld>
     <p:spTree>
@@ -12576,7 +13244,7 @@
 </p:sld>
 </file>
 
-<file path=ppt/slides/slide25.xml><?xml version="1.0" encoding="utf-8"?>
+<file path=ppt/slides/slide26.xml><?xml version="1.0" encoding="utf-8"?>
 <p:sld xmlns:a="http://schemas.openxmlformats.org/drawingml/2006/main" xmlns:r="http://schemas.openxmlformats.org/officeDocument/2006/relationships" xmlns:p="http://schemas.openxmlformats.org/presentationml/2006/main">
   <p:cSld>
     <p:bg>
@@ -13863,7 +14531,7 @@
 </p:sld>
 </file>
 
-<file path=ppt/slides/slide26.xml><?xml version="1.0" encoding="utf-8"?>
+<file path=ppt/slides/slide27.xml><?xml version="1.0" encoding="utf-8"?>
 <p:sld xmlns:a="http://schemas.openxmlformats.org/drawingml/2006/main" xmlns:r="http://schemas.openxmlformats.org/officeDocument/2006/relationships" xmlns:p="http://schemas.openxmlformats.org/presentationml/2006/main">
   <p:cSld>
     <p:bg>
@@ -15260,7 +15928,7 @@
 </p:sld>
 </file>
 
-<file path=ppt/slides/slide27.xml><?xml version="1.0" encoding="utf-8"?>
+<file path=ppt/slides/slide28.xml><?xml version="1.0" encoding="utf-8"?>
 <p:sld xmlns:a="http://schemas.openxmlformats.org/drawingml/2006/main" xmlns:r="http://schemas.openxmlformats.org/officeDocument/2006/relationships" xmlns:p="http://schemas.openxmlformats.org/presentationml/2006/main">
   <p:cSld>
     <p:spTree>
@@ -15845,7 +16513,7 @@
 </p:sld>
 </file>
 
-<file path=ppt/slides/slide28.xml><?xml version="1.0" encoding="utf-8"?>
+<file path=ppt/slides/slide29.xml><?xml version="1.0" encoding="utf-8"?>
 <p:sld xmlns:a="http://schemas.openxmlformats.org/drawingml/2006/main" xmlns:r="http://schemas.openxmlformats.org/officeDocument/2006/relationships" xmlns:p="http://schemas.openxmlformats.org/presentationml/2006/main">
   <p:cSld>
     <p:spTree>
@@ -15929,7 +16597,70 @@
 </p:sld>
 </file>
 
-<file path=ppt/slides/slide29.xml><?xml version="1.0" encoding="utf-8"?>
+<file path=ppt/slides/slide3.xml><?xml version="1.0" encoding="utf-8"?>
+<p:sld xmlns:a="http://schemas.openxmlformats.org/drawingml/2006/main" xmlns:r="http://schemas.openxmlformats.org/officeDocument/2006/relationships" xmlns:p="http://schemas.openxmlformats.org/presentationml/2006/main">
+  <p:cSld>
+    <p:spTree>
+      <p:nvGrpSpPr>
+        <p:cNvPr id="1" name=""/>
+        <p:cNvGrpSpPr/>
+        <p:nvPr/>
+      </p:nvGrpSpPr>
+      <p:grpSpPr>
+        <a:xfrm>
+          <a:off x="0" y="0"/>
+          <a:ext cx="0" cy="0"/>
+          <a:chOff x="0" y="0"/>
+          <a:chExt cx="0" cy="0"/>
+        </a:xfrm>
+      </p:grpSpPr>
+      <p:sp>
+        <p:nvSpPr>
+          <p:cNvPr id="4" name="Title 3">
+            <a:extLst>
+              <a:ext uri="{FF2B5EF4-FFF2-40B4-BE49-F238E27FC236}">
+                <a16:creationId xmlns:a16="http://schemas.microsoft.com/office/drawing/2014/main" id="{02AE6012-7D63-EA4D-B957-FE20015B7973}"/>
+              </a:ext>
+            </a:extLst>
+          </p:cNvPr>
+          <p:cNvSpPr>
+            <a:spLocks noGrp="1"/>
+          </p:cNvSpPr>
+          <p:nvPr>
+            <p:ph type="title"/>
+          </p:nvPr>
+        </p:nvSpPr>
+        <p:spPr/>
+        <p:txBody>
+          <a:bodyPr/>
+          <a:lstStyle/>
+          <a:p>
+            <a:r>
+              <a:rPr lang="de-DE" b="1" dirty="0"/>
+              <a:t>1.  Epochenbegriff und –	</a:t>
+            </a:r>
+            <a:r>
+              <a:rPr lang="de-DE" b="1" dirty="0" err="1"/>
+              <a:t>einteilung</a:t>
+            </a:r>
+            <a:endParaRPr lang="de-DE" dirty="0"/>
+          </a:p>
+        </p:txBody>
+      </p:sp>
+    </p:spTree>
+    <p:extLst>
+      <p:ext uri="{BB962C8B-B14F-4D97-AF65-F5344CB8AC3E}">
+        <p14:creationId xmlns:p14="http://schemas.microsoft.com/office/powerpoint/2010/main" val="835330337"/>
+      </p:ext>
+    </p:extLst>
+  </p:cSld>
+  <p:clrMapOvr>
+    <a:masterClrMapping/>
+  </p:clrMapOvr>
+</p:sld>
+</file>
+
+<file path=ppt/slides/slide30.xml><?xml version="1.0" encoding="utf-8"?>
 <p:sld xmlns:a="http://schemas.openxmlformats.org/drawingml/2006/main" xmlns:r="http://schemas.openxmlformats.org/officeDocument/2006/relationships" xmlns:p="http://schemas.openxmlformats.org/presentationml/2006/main">
   <p:cSld>
     <p:bg>
@@ -17253,7 +17984,7 @@
 </p:sld>
 </file>
 
-<file path=ppt/slides/slide3.xml><?xml version="1.0" encoding="utf-8"?>
+<file path=ppt/slides/slide31.xml><?xml version="1.0" encoding="utf-8"?>
 <p:sld xmlns:a="http://schemas.openxmlformats.org/drawingml/2006/main" xmlns:r="http://schemas.openxmlformats.org/officeDocument/2006/relationships" xmlns:p="http://schemas.openxmlformats.org/presentationml/2006/main">
   <p:cSld>
     <p:spTree>
@@ -17272,69 +18003,6 @@
       </p:grpSpPr>
       <p:sp>
         <p:nvSpPr>
-          <p:cNvPr id="4" name="Title 3">
-            <a:extLst>
-              <a:ext uri="{FF2B5EF4-FFF2-40B4-BE49-F238E27FC236}">
-                <a16:creationId xmlns:a16="http://schemas.microsoft.com/office/drawing/2014/main" id="{02AE6012-7D63-EA4D-B957-FE20015B7973}"/>
-              </a:ext>
-            </a:extLst>
-          </p:cNvPr>
-          <p:cNvSpPr>
-            <a:spLocks noGrp="1"/>
-          </p:cNvSpPr>
-          <p:nvPr>
-            <p:ph type="title"/>
-          </p:nvPr>
-        </p:nvSpPr>
-        <p:spPr/>
-        <p:txBody>
-          <a:bodyPr/>
-          <a:lstStyle/>
-          <a:p>
-            <a:r>
-              <a:rPr lang="de-DE" b="1" dirty="0"/>
-              <a:t>1.  Epochenbegriff und –	</a:t>
-            </a:r>
-            <a:r>
-              <a:rPr lang="de-DE" b="1" dirty="0" err="1"/>
-              <a:t>einteilung</a:t>
-            </a:r>
-            <a:endParaRPr lang="de-DE" dirty="0"/>
-          </a:p>
-        </p:txBody>
-      </p:sp>
-    </p:spTree>
-    <p:extLst>
-      <p:ext uri="{BB962C8B-B14F-4D97-AF65-F5344CB8AC3E}">
-        <p14:creationId xmlns:p14="http://schemas.microsoft.com/office/powerpoint/2010/main" val="835330337"/>
-      </p:ext>
-    </p:extLst>
-  </p:cSld>
-  <p:clrMapOvr>
-    <a:masterClrMapping/>
-  </p:clrMapOvr>
-</p:sld>
-</file>
-
-<file path=ppt/slides/slide30.xml><?xml version="1.0" encoding="utf-8"?>
-<p:sld xmlns:a="http://schemas.openxmlformats.org/drawingml/2006/main" xmlns:r="http://schemas.openxmlformats.org/officeDocument/2006/relationships" xmlns:p="http://schemas.openxmlformats.org/presentationml/2006/main">
-  <p:cSld>
-    <p:spTree>
-      <p:nvGrpSpPr>
-        <p:cNvPr id="1" name=""/>
-        <p:cNvGrpSpPr/>
-        <p:nvPr/>
-      </p:nvGrpSpPr>
-      <p:grpSpPr>
-        <a:xfrm>
-          <a:off x="0" y="0"/>
-          <a:ext cx="0" cy="0"/>
-          <a:chOff x="0" y="0"/>
-          <a:chExt cx="0" cy="0"/>
-        </a:xfrm>
-      </p:grpSpPr>
-      <p:sp>
-        <p:nvSpPr>
           <p:cNvPr id="2" name="Title 1">
             <a:extLst>
               <a:ext uri="{FF2B5EF4-FFF2-40B4-BE49-F238E27FC236}">
@@ -17381,7 +18049,7 @@
 </p:sld>
 </file>
 
-<file path=ppt/slides/slide31.xml><?xml version="1.0" encoding="utf-8"?>
+<file path=ppt/slides/slide32.xml><?xml version="1.0" encoding="utf-8"?>
 <p:sld xmlns:a="http://schemas.openxmlformats.org/drawingml/2006/main" xmlns:r="http://schemas.openxmlformats.org/officeDocument/2006/relationships" xmlns:p="http://schemas.openxmlformats.org/presentationml/2006/main">
   <p:cSld>
     <p:spTree>
@@ -17945,161 +18613,6 @@
 </p:sld>
 </file>
 
-<file path=ppt/slides/slide32.xml><?xml version="1.0" encoding="utf-8"?>
-<p:sld xmlns:a="http://schemas.openxmlformats.org/drawingml/2006/main" xmlns:r="http://schemas.openxmlformats.org/officeDocument/2006/relationships" xmlns:p="http://schemas.openxmlformats.org/presentationml/2006/main">
-  <p:cSld>
-    <p:spTree>
-      <p:nvGrpSpPr>
-        <p:cNvPr id="1" name=""/>
-        <p:cNvGrpSpPr/>
-        <p:nvPr/>
-      </p:nvGrpSpPr>
-      <p:grpSpPr>
-        <a:xfrm>
-          <a:off x="0" y="0"/>
-          <a:ext cx="0" cy="0"/>
-          <a:chOff x="0" y="0"/>
-          <a:chExt cx="0" cy="0"/>
-        </a:xfrm>
-      </p:grpSpPr>
-      <p:sp>
-        <p:nvSpPr>
-          <p:cNvPr id="2" name="Title 1">
-            <a:extLst>
-              <a:ext uri="{FF2B5EF4-FFF2-40B4-BE49-F238E27FC236}">
-                <a16:creationId xmlns:a16="http://schemas.microsoft.com/office/drawing/2014/main" id="{E81164C1-BB68-F748-BB86-1C0705BD6E52}"/>
-              </a:ext>
-            </a:extLst>
-          </p:cNvPr>
-          <p:cNvSpPr>
-            <a:spLocks noGrp="1"/>
-          </p:cNvSpPr>
-          <p:nvPr>
-            <p:ph type="title"/>
-          </p:nvPr>
-        </p:nvSpPr>
-        <p:spPr/>
-        <p:txBody>
-          <a:bodyPr/>
-          <a:lstStyle/>
-          <a:p>
-            <a:endParaRPr lang="de-DE"/>
-          </a:p>
-        </p:txBody>
-      </p:sp>
-      <p:sp>
-        <p:nvSpPr>
-          <p:cNvPr id="3" name="Text Placeholder 2">
-            <a:extLst>
-              <a:ext uri="{FF2B5EF4-FFF2-40B4-BE49-F238E27FC236}">
-                <a16:creationId xmlns:a16="http://schemas.microsoft.com/office/drawing/2014/main" id="{6B8E931C-F7EC-2344-B73C-F5A7A2B7897A}"/>
-              </a:ext>
-            </a:extLst>
-          </p:cNvPr>
-          <p:cNvSpPr>
-            <a:spLocks noGrp="1"/>
-          </p:cNvSpPr>
-          <p:nvPr>
-            <p:ph type="body" idx="1"/>
-          </p:nvPr>
-        </p:nvSpPr>
-        <p:spPr/>
-        <p:txBody>
-          <a:bodyPr/>
-          <a:lstStyle/>
-          <a:p>
-            <a:endParaRPr lang="de-DE"/>
-          </a:p>
-        </p:txBody>
-      </p:sp>
-      <p:sp>
-        <p:nvSpPr>
-          <p:cNvPr id="4" name="Content Placeholder 3">
-            <a:extLst>
-              <a:ext uri="{FF2B5EF4-FFF2-40B4-BE49-F238E27FC236}">
-                <a16:creationId xmlns:a16="http://schemas.microsoft.com/office/drawing/2014/main" id="{BAF1CA4F-AC4A-4D47-9985-3D3931F691C3}"/>
-              </a:ext>
-            </a:extLst>
-          </p:cNvPr>
-          <p:cNvSpPr>
-            <a:spLocks noGrp="1"/>
-          </p:cNvSpPr>
-          <p:nvPr>
-            <p:ph sz="half" idx="2"/>
-          </p:nvPr>
-        </p:nvSpPr>
-        <p:spPr/>
-        <p:txBody>
-          <a:bodyPr/>
-          <a:lstStyle/>
-          <a:p>
-            <a:endParaRPr lang="de-DE"/>
-          </a:p>
-        </p:txBody>
-      </p:sp>
-      <p:sp>
-        <p:nvSpPr>
-          <p:cNvPr id="5" name="Text Placeholder 4">
-            <a:extLst>
-              <a:ext uri="{FF2B5EF4-FFF2-40B4-BE49-F238E27FC236}">
-                <a16:creationId xmlns:a16="http://schemas.microsoft.com/office/drawing/2014/main" id="{6C1047FD-75BA-B942-ABFA-EE4711B79A5B}"/>
-              </a:ext>
-            </a:extLst>
-          </p:cNvPr>
-          <p:cNvSpPr>
-            <a:spLocks noGrp="1"/>
-          </p:cNvSpPr>
-          <p:nvPr>
-            <p:ph type="body" sz="quarter" idx="3"/>
-          </p:nvPr>
-        </p:nvSpPr>
-        <p:spPr/>
-        <p:txBody>
-          <a:bodyPr/>
-          <a:lstStyle/>
-          <a:p>
-            <a:endParaRPr lang="de-DE"/>
-          </a:p>
-        </p:txBody>
-      </p:sp>
-      <p:sp>
-        <p:nvSpPr>
-          <p:cNvPr id="6" name="Content Placeholder 5">
-            <a:extLst>
-              <a:ext uri="{FF2B5EF4-FFF2-40B4-BE49-F238E27FC236}">
-                <a16:creationId xmlns:a16="http://schemas.microsoft.com/office/drawing/2014/main" id="{4FF1E021-045A-4142-A4AE-9AA02E362FB1}"/>
-              </a:ext>
-            </a:extLst>
-          </p:cNvPr>
-          <p:cNvSpPr>
-            <a:spLocks noGrp="1"/>
-          </p:cNvSpPr>
-          <p:nvPr>
-            <p:ph sz="quarter" idx="4"/>
-          </p:nvPr>
-        </p:nvSpPr>
-        <p:spPr/>
-        <p:txBody>
-          <a:bodyPr/>
-          <a:lstStyle/>
-          <a:p>
-            <a:endParaRPr lang="de-DE"/>
-          </a:p>
-        </p:txBody>
-      </p:sp>
-    </p:spTree>
-    <p:extLst>
-      <p:ext uri="{BB962C8B-B14F-4D97-AF65-F5344CB8AC3E}">
-        <p14:creationId xmlns:p14="http://schemas.microsoft.com/office/powerpoint/2010/main" val="2532051736"/>
-      </p:ext>
-    </p:extLst>
-  </p:cSld>
-  <p:clrMapOvr>
-    <a:masterClrMapping/>
-  </p:clrMapOvr>
-</p:sld>
-</file>
-
 <file path=ppt/slides/slide33.xml><?xml version="1.0" encoding="utf-8"?>
 <p:sld xmlns:a="http://schemas.openxmlformats.org/drawingml/2006/main" xmlns:r="http://schemas.openxmlformats.org/officeDocument/2006/relationships" xmlns:p="http://schemas.openxmlformats.org/presentationml/2006/main">
   <p:cSld>
@@ -18245,7 +18758,7 @@
     </p:spTree>
     <p:extLst>
       <p:ext uri="{BB962C8B-B14F-4D97-AF65-F5344CB8AC3E}">
-        <p14:creationId xmlns:p14="http://schemas.microsoft.com/office/powerpoint/2010/main" val="2512545284"/>
+        <p14:creationId xmlns:p14="http://schemas.microsoft.com/office/powerpoint/2010/main" val="2532051736"/>
       </p:ext>
     </p:extLst>
   </p:cSld>
@@ -18400,6 +18913,161 @@
     </p:spTree>
     <p:extLst>
       <p:ext uri="{BB962C8B-B14F-4D97-AF65-F5344CB8AC3E}">
+        <p14:creationId xmlns:p14="http://schemas.microsoft.com/office/powerpoint/2010/main" val="2512545284"/>
+      </p:ext>
+    </p:extLst>
+  </p:cSld>
+  <p:clrMapOvr>
+    <a:masterClrMapping/>
+  </p:clrMapOvr>
+</p:sld>
+</file>
+
+<file path=ppt/slides/slide35.xml><?xml version="1.0" encoding="utf-8"?>
+<p:sld xmlns:a="http://schemas.openxmlformats.org/drawingml/2006/main" xmlns:r="http://schemas.openxmlformats.org/officeDocument/2006/relationships" xmlns:p="http://schemas.openxmlformats.org/presentationml/2006/main">
+  <p:cSld>
+    <p:spTree>
+      <p:nvGrpSpPr>
+        <p:cNvPr id="1" name=""/>
+        <p:cNvGrpSpPr/>
+        <p:nvPr/>
+      </p:nvGrpSpPr>
+      <p:grpSpPr>
+        <a:xfrm>
+          <a:off x="0" y="0"/>
+          <a:ext cx="0" cy="0"/>
+          <a:chOff x="0" y="0"/>
+          <a:chExt cx="0" cy="0"/>
+        </a:xfrm>
+      </p:grpSpPr>
+      <p:sp>
+        <p:nvSpPr>
+          <p:cNvPr id="2" name="Title 1">
+            <a:extLst>
+              <a:ext uri="{FF2B5EF4-FFF2-40B4-BE49-F238E27FC236}">
+                <a16:creationId xmlns:a16="http://schemas.microsoft.com/office/drawing/2014/main" id="{E81164C1-BB68-F748-BB86-1C0705BD6E52}"/>
+              </a:ext>
+            </a:extLst>
+          </p:cNvPr>
+          <p:cNvSpPr>
+            <a:spLocks noGrp="1"/>
+          </p:cNvSpPr>
+          <p:nvPr>
+            <p:ph type="title"/>
+          </p:nvPr>
+        </p:nvSpPr>
+        <p:spPr/>
+        <p:txBody>
+          <a:bodyPr/>
+          <a:lstStyle/>
+          <a:p>
+            <a:endParaRPr lang="de-DE"/>
+          </a:p>
+        </p:txBody>
+      </p:sp>
+      <p:sp>
+        <p:nvSpPr>
+          <p:cNvPr id="3" name="Text Placeholder 2">
+            <a:extLst>
+              <a:ext uri="{FF2B5EF4-FFF2-40B4-BE49-F238E27FC236}">
+                <a16:creationId xmlns:a16="http://schemas.microsoft.com/office/drawing/2014/main" id="{6B8E931C-F7EC-2344-B73C-F5A7A2B7897A}"/>
+              </a:ext>
+            </a:extLst>
+          </p:cNvPr>
+          <p:cNvSpPr>
+            <a:spLocks noGrp="1"/>
+          </p:cNvSpPr>
+          <p:nvPr>
+            <p:ph type="body" idx="1"/>
+          </p:nvPr>
+        </p:nvSpPr>
+        <p:spPr/>
+        <p:txBody>
+          <a:bodyPr/>
+          <a:lstStyle/>
+          <a:p>
+            <a:endParaRPr lang="de-DE"/>
+          </a:p>
+        </p:txBody>
+      </p:sp>
+      <p:sp>
+        <p:nvSpPr>
+          <p:cNvPr id="4" name="Content Placeholder 3">
+            <a:extLst>
+              <a:ext uri="{FF2B5EF4-FFF2-40B4-BE49-F238E27FC236}">
+                <a16:creationId xmlns:a16="http://schemas.microsoft.com/office/drawing/2014/main" id="{BAF1CA4F-AC4A-4D47-9985-3D3931F691C3}"/>
+              </a:ext>
+            </a:extLst>
+          </p:cNvPr>
+          <p:cNvSpPr>
+            <a:spLocks noGrp="1"/>
+          </p:cNvSpPr>
+          <p:nvPr>
+            <p:ph sz="half" idx="2"/>
+          </p:nvPr>
+        </p:nvSpPr>
+        <p:spPr/>
+        <p:txBody>
+          <a:bodyPr/>
+          <a:lstStyle/>
+          <a:p>
+            <a:endParaRPr lang="de-DE"/>
+          </a:p>
+        </p:txBody>
+      </p:sp>
+      <p:sp>
+        <p:nvSpPr>
+          <p:cNvPr id="5" name="Text Placeholder 4">
+            <a:extLst>
+              <a:ext uri="{FF2B5EF4-FFF2-40B4-BE49-F238E27FC236}">
+                <a16:creationId xmlns:a16="http://schemas.microsoft.com/office/drawing/2014/main" id="{6C1047FD-75BA-B942-ABFA-EE4711B79A5B}"/>
+              </a:ext>
+            </a:extLst>
+          </p:cNvPr>
+          <p:cNvSpPr>
+            <a:spLocks noGrp="1"/>
+          </p:cNvSpPr>
+          <p:nvPr>
+            <p:ph type="body" sz="quarter" idx="3"/>
+          </p:nvPr>
+        </p:nvSpPr>
+        <p:spPr/>
+        <p:txBody>
+          <a:bodyPr/>
+          <a:lstStyle/>
+          <a:p>
+            <a:endParaRPr lang="de-DE"/>
+          </a:p>
+        </p:txBody>
+      </p:sp>
+      <p:sp>
+        <p:nvSpPr>
+          <p:cNvPr id="6" name="Content Placeholder 5">
+            <a:extLst>
+              <a:ext uri="{FF2B5EF4-FFF2-40B4-BE49-F238E27FC236}">
+                <a16:creationId xmlns:a16="http://schemas.microsoft.com/office/drawing/2014/main" id="{4FF1E021-045A-4142-A4AE-9AA02E362FB1}"/>
+              </a:ext>
+            </a:extLst>
+          </p:cNvPr>
+          <p:cNvSpPr>
+            <a:spLocks noGrp="1"/>
+          </p:cNvSpPr>
+          <p:nvPr>
+            <p:ph sz="quarter" idx="4"/>
+          </p:nvPr>
+        </p:nvSpPr>
+        <p:spPr/>
+        <p:txBody>
+          <a:bodyPr/>
+          <a:lstStyle/>
+          <a:p>
+            <a:endParaRPr lang="de-DE"/>
+          </a:p>
+        </p:txBody>
+      </p:sp>
+    </p:spTree>
+    <p:extLst>
+      <p:ext uri="{BB962C8B-B14F-4D97-AF65-F5344CB8AC3E}">
         <p14:creationId xmlns:p14="http://schemas.microsoft.com/office/powerpoint/2010/main" val="3318092965"/>
       </p:ext>
     </p:extLst>
@@ -18410,7 +19078,7 @@
 </p:sld>
 </file>
 
-<file path=ppt/slides/slide35.xml><?xml version="1.0" encoding="utf-8"?>
+<file path=ppt/slides/slide36.xml><?xml version="1.0" encoding="utf-8"?>
 <p:sld xmlns:a="http://schemas.openxmlformats.org/drawingml/2006/main" xmlns:r="http://schemas.openxmlformats.org/officeDocument/2006/relationships" xmlns:p="http://schemas.openxmlformats.org/presentationml/2006/main">
   <p:cSld>
     <p:bg>
@@ -19005,7 +19673,7 @@
 </p:sld>
 </file>
 
-<file path=ppt/slides/slide36.xml><?xml version="1.0" encoding="utf-8"?>
+<file path=ppt/slides/slide37.xml><?xml version="1.0" encoding="utf-8"?>
 <p:sld xmlns:a="http://schemas.openxmlformats.org/drawingml/2006/main" xmlns:r="http://schemas.openxmlformats.org/officeDocument/2006/relationships" xmlns:p="http://schemas.openxmlformats.org/presentationml/2006/main">
   <p:cSld>
     <p:bg>
@@ -19600,7 +20268,7 @@
 </p:sld>
 </file>
 
-<file path=ppt/slides/slide37.xml><?xml version="1.0" encoding="utf-8"?>
+<file path=ppt/slides/slide38.xml><?xml version="1.0" encoding="utf-8"?>
 <p:sld xmlns:a="http://schemas.openxmlformats.org/drawingml/2006/main" xmlns:r="http://schemas.openxmlformats.org/officeDocument/2006/relationships" xmlns:p="http://schemas.openxmlformats.org/presentationml/2006/main">
   <p:cSld>
     <p:bg>
@@ -20169,7 +20837,7 @@
 </p:sld>
 </file>
 
-<file path=ppt/slides/slide38.xml><?xml version="1.0" encoding="utf-8"?>
+<file path=ppt/slides/slide39.xml><?xml version="1.0" encoding="utf-8"?>
 <p:sld xmlns:a="http://schemas.openxmlformats.org/drawingml/2006/main" xmlns:r="http://schemas.openxmlformats.org/officeDocument/2006/relationships" xmlns:p="http://schemas.openxmlformats.org/presentationml/2006/main">
   <p:cSld>
     <p:bg>
@@ -20732,7 +21400,262 @@
 </p:sld>
 </file>
 
-<file path=ppt/slides/slide39.xml><?xml version="1.0" encoding="utf-8"?>
+<file path=ppt/slides/slide4.xml><?xml version="1.0" encoding="utf-8"?>
+<p:sld xmlns:a="http://schemas.openxmlformats.org/drawingml/2006/main" xmlns:r="http://schemas.openxmlformats.org/officeDocument/2006/relationships" xmlns:p="http://schemas.openxmlformats.org/presentationml/2006/main">
+  <p:cSld>
+    <p:spTree>
+      <p:nvGrpSpPr>
+        <p:cNvPr id="1" name=""/>
+        <p:cNvGrpSpPr/>
+        <p:nvPr/>
+      </p:nvGrpSpPr>
+      <p:grpSpPr>
+        <a:xfrm>
+          <a:off x="0" y="0"/>
+          <a:ext cx="0" cy="0"/>
+          <a:chOff x="0" y="0"/>
+          <a:chExt cx="0" cy="0"/>
+        </a:xfrm>
+      </p:grpSpPr>
+      <p:sp>
+        <p:nvSpPr>
+          <p:cNvPr id="4" name="Title 3">
+            <a:extLst>
+              <a:ext uri="{FF2B5EF4-FFF2-40B4-BE49-F238E27FC236}">
+                <a16:creationId xmlns:a16="http://schemas.microsoft.com/office/drawing/2014/main" id="{F28AA1C2-4EC8-F94C-B5E1-BD16A1EA9353}"/>
+              </a:ext>
+            </a:extLst>
+          </p:cNvPr>
+          <p:cNvSpPr>
+            <a:spLocks noGrp="1"/>
+          </p:cNvSpPr>
+          <p:nvPr>
+            <p:ph type="title"/>
+          </p:nvPr>
+        </p:nvSpPr>
+        <p:spPr/>
+        <p:txBody>
+          <a:bodyPr/>
+          <a:lstStyle/>
+          <a:p>
+            <a:r>
+              <a:rPr lang="de-DE" b="1" dirty="0"/>
+              <a:t>Epochenbegriff</a:t>
+            </a:r>
+          </a:p>
+        </p:txBody>
+      </p:sp>
+      <p:sp>
+        <p:nvSpPr>
+          <p:cNvPr id="5" name="Content Placeholder 4">
+            <a:extLst>
+              <a:ext uri="{FF2B5EF4-FFF2-40B4-BE49-F238E27FC236}">
+                <a16:creationId xmlns:a16="http://schemas.microsoft.com/office/drawing/2014/main" id="{D70BD3BA-BFBC-1A47-B5C6-9B045B38B728}"/>
+              </a:ext>
+            </a:extLst>
+          </p:cNvPr>
+          <p:cNvSpPr>
+            <a:spLocks noGrp="1"/>
+          </p:cNvSpPr>
+          <p:nvPr>
+            <p:ph idx="1"/>
+          </p:nvPr>
+        </p:nvSpPr>
+        <p:spPr>
+          <a:xfrm>
+            <a:off x="1115568" y="2478024"/>
+            <a:ext cx="10168128" cy="4265676"/>
+          </a:xfrm>
+        </p:spPr>
+        <p:txBody>
+          <a:bodyPr>
+            <a:normAutofit fontScale="92500" lnSpcReduction="10000"/>
+          </a:bodyPr>
+          <a:lstStyle/>
+          <a:p>
+            <a:pPr marL="0" indent="0">
+              <a:buNone/>
+            </a:pPr>
+            <a:r>
+              <a:rPr lang="de-DE" sz="3500" i="1" dirty="0"/>
+              <a:t>„Eine </a:t>
+            </a:r>
+            <a:r>
+              <a:rPr lang="de-DE" sz="3500" b="1" i="1" dirty="0"/>
+              <a:t>Epoche </a:t>
+            </a:r>
+            <a:r>
+              <a:rPr lang="de-DE" sz="3500" i="1" dirty="0"/>
+              <a:t>ist ein zeitlich begrenztes System, das wir von einer Menge von Texten abstrahieren und von dem wir behaupten, </a:t>
+            </a:r>
+            <a:r>
+              <a:rPr lang="de-DE" sz="3500" i="1" dirty="0" err="1"/>
+              <a:t>daß</a:t>
+            </a:r>
+            <a:r>
+              <a:rPr lang="de-DE" sz="3500" i="1" dirty="0"/>
+              <a:t> seine fundamentalen Merkmale und Strukturen in diesem Zeitraum konstant bleiben.“ – </a:t>
+            </a:r>
+            <a:r>
+              <a:rPr lang="de-DE" sz="3500" i="1" dirty="0" err="1"/>
+              <a:t>Titzmann</a:t>
+            </a:r>
+            <a:r>
+              <a:rPr lang="de-DE" sz="3500" i="1" dirty="0"/>
+              <a:t> 1991</a:t>
+            </a:r>
+          </a:p>
+          <a:p>
+            <a:pPr marL="0" indent="0">
+              <a:buNone/>
+            </a:pPr>
+            <a:endParaRPr lang="de-DE" sz="3600" i="1" dirty="0"/>
+          </a:p>
+          <a:p>
+            <a:pPr marL="0" indent="0">
+              <a:buNone/>
+            </a:pPr>
+            <a:r>
+              <a:rPr lang="en-GB" sz="2200" i="1" dirty="0"/>
+              <a:t>TITZMANN, </a:t>
+            </a:r>
+            <a:r>
+              <a:rPr lang="en-GB" sz="2200" dirty="0"/>
+              <a:t>Michael, „</a:t>
+            </a:r>
+            <a:r>
+              <a:rPr lang="en-GB" sz="2200" dirty="0" err="1"/>
+              <a:t>Skizze</a:t>
+            </a:r>
+            <a:r>
+              <a:rPr lang="en-GB" sz="2200" dirty="0"/>
+              <a:t> </a:t>
+            </a:r>
+            <a:r>
+              <a:rPr lang="en-GB" sz="2200" dirty="0" err="1"/>
+              <a:t>einer</a:t>
+            </a:r>
+            <a:r>
+              <a:rPr lang="en-GB" sz="2200" dirty="0"/>
+              <a:t> </a:t>
+            </a:r>
+            <a:r>
+              <a:rPr lang="en-GB" sz="2200" dirty="0" err="1"/>
+              <a:t>integrativen</a:t>
+            </a:r>
+            <a:r>
+              <a:rPr lang="en-GB" sz="2200" dirty="0"/>
+              <a:t> </a:t>
+            </a:r>
+            <a:r>
+              <a:rPr lang="en-GB" sz="2200" dirty="0" err="1"/>
+              <a:t>Literaturgeschichte</a:t>
+            </a:r>
+            <a:r>
+              <a:rPr lang="en-GB" sz="2200" dirty="0"/>
+              <a:t> und </a:t>
+            </a:r>
+            <a:r>
+              <a:rPr lang="en-GB" sz="2200" dirty="0" err="1"/>
+              <a:t>ihres</a:t>
+            </a:r>
+            <a:r>
+              <a:rPr lang="en-GB" sz="2200" dirty="0"/>
+              <a:t> </a:t>
+            </a:r>
+            <a:r>
+              <a:rPr lang="en-GB" sz="2200" dirty="0" err="1"/>
+              <a:t>Ortes</a:t>
+            </a:r>
+            <a:r>
+              <a:rPr lang="en-GB" sz="2200" dirty="0"/>
+              <a:t> in </a:t>
+            </a:r>
+            <a:r>
+              <a:rPr lang="en-GB" sz="2200" dirty="0" err="1"/>
+              <a:t>einer</a:t>
+            </a:r>
+            <a:r>
+              <a:rPr lang="en-GB" sz="2200" dirty="0"/>
+              <a:t> </a:t>
+            </a:r>
+            <a:r>
+              <a:rPr lang="en-GB" sz="2200" dirty="0" err="1"/>
+              <a:t>Systematik</a:t>
+            </a:r>
+            <a:r>
+              <a:rPr lang="en-GB" sz="2200" dirty="0"/>
+              <a:t> der </a:t>
+            </a:r>
+            <a:r>
+              <a:rPr lang="en-GB" sz="2200" dirty="0" err="1"/>
+              <a:t>Literaturwissenschaft</a:t>
+            </a:r>
+            <a:r>
+              <a:rPr lang="en-GB" sz="2200" dirty="0"/>
+              <a:t>“, in: </a:t>
+            </a:r>
+            <a:r>
+              <a:rPr lang="en-GB" sz="2200" dirty="0" err="1"/>
+              <a:t>Ders</a:t>
+            </a:r>
+            <a:r>
+              <a:rPr lang="en-GB" sz="2200" dirty="0"/>
+              <a:t>. (Hg.): </a:t>
+            </a:r>
+            <a:r>
+              <a:rPr lang="en-GB" sz="2200" dirty="0" err="1"/>
+              <a:t>Modelle</a:t>
+            </a:r>
+            <a:r>
+              <a:rPr lang="en-GB" sz="2200" dirty="0"/>
+              <a:t> des </a:t>
+            </a:r>
+            <a:r>
+              <a:rPr lang="en-GB" sz="2200" dirty="0" err="1"/>
+              <a:t>literarischen</a:t>
+            </a:r>
+            <a:r>
+              <a:rPr lang="en-GB" sz="2200" dirty="0"/>
+              <a:t> </a:t>
+            </a:r>
+            <a:r>
+              <a:rPr lang="en-GB" sz="2200" dirty="0" err="1"/>
+              <a:t>Strukturwandels</a:t>
+            </a:r>
+            <a:r>
+              <a:rPr lang="en-GB" sz="2200" dirty="0"/>
+              <a:t>. Tübingen 1991, S. 395-438, 405.</a:t>
+            </a:r>
+          </a:p>
+          <a:p>
+            <a:pPr marL="0" indent="0">
+              <a:buNone/>
+            </a:pPr>
+            <a:endParaRPr lang="de-DE" sz="3200" i="1" dirty="0"/>
+          </a:p>
+          <a:p>
+            <a:pPr marL="0" indent="0">
+              <a:buNone/>
+            </a:pPr>
+            <a:endParaRPr lang="de-DE" dirty="0"/>
+          </a:p>
+        </p:txBody>
+      </p:sp>
+    </p:spTree>
+    <p:extLst>
+      <p:ext uri="{BB962C8B-B14F-4D97-AF65-F5344CB8AC3E}">
+        <p14:creationId xmlns:p14="http://schemas.microsoft.com/office/powerpoint/2010/main" val="3743810288"/>
+      </p:ext>
+    </p:extLst>
+  </p:cSld>
+  <p:clrMapOvr>
+    <a:masterClrMapping/>
+  </p:clrMapOvr>
+</p:sld>
+</file>
+
+<file path=ppt/slides/slide40.xml><?xml version="1.0" encoding="utf-8"?>
 <p:sld xmlns:a="http://schemas.openxmlformats.org/drawingml/2006/main" xmlns:r="http://schemas.openxmlformats.org/officeDocument/2006/relationships" xmlns:p="http://schemas.openxmlformats.org/presentationml/2006/main">
   <p:cSld>
     <p:bg>
@@ -21335,7 +22258,7 @@
 </p:sld>
 </file>
 
-<file path=ppt/slides/slide4.xml><?xml version="1.0" encoding="utf-8"?>
+<file path=ppt/slides/slide41.xml><?xml version="1.0" encoding="utf-8"?>
 <p:sld xmlns:a="http://schemas.openxmlformats.org/drawingml/2006/main" xmlns:r="http://schemas.openxmlformats.org/officeDocument/2006/relationships" xmlns:p="http://schemas.openxmlformats.org/presentationml/2006/main">
   <p:cSld>
     <p:spTree>
@@ -21354,261 +22277,6 @@
       </p:grpSpPr>
       <p:sp>
         <p:nvSpPr>
-          <p:cNvPr id="4" name="Title 3">
-            <a:extLst>
-              <a:ext uri="{FF2B5EF4-FFF2-40B4-BE49-F238E27FC236}">
-                <a16:creationId xmlns:a16="http://schemas.microsoft.com/office/drawing/2014/main" id="{F28AA1C2-4EC8-F94C-B5E1-BD16A1EA9353}"/>
-              </a:ext>
-            </a:extLst>
-          </p:cNvPr>
-          <p:cNvSpPr>
-            <a:spLocks noGrp="1"/>
-          </p:cNvSpPr>
-          <p:nvPr>
-            <p:ph type="title"/>
-          </p:nvPr>
-        </p:nvSpPr>
-        <p:spPr/>
-        <p:txBody>
-          <a:bodyPr/>
-          <a:lstStyle/>
-          <a:p>
-            <a:r>
-              <a:rPr lang="de-DE" b="1" dirty="0"/>
-              <a:t>Epochenbegriff</a:t>
-            </a:r>
-          </a:p>
-        </p:txBody>
-      </p:sp>
-      <p:sp>
-        <p:nvSpPr>
-          <p:cNvPr id="5" name="Content Placeholder 4">
-            <a:extLst>
-              <a:ext uri="{FF2B5EF4-FFF2-40B4-BE49-F238E27FC236}">
-                <a16:creationId xmlns:a16="http://schemas.microsoft.com/office/drawing/2014/main" id="{D70BD3BA-BFBC-1A47-B5C6-9B045B38B728}"/>
-              </a:ext>
-            </a:extLst>
-          </p:cNvPr>
-          <p:cNvSpPr>
-            <a:spLocks noGrp="1"/>
-          </p:cNvSpPr>
-          <p:nvPr>
-            <p:ph idx="1"/>
-          </p:nvPr>
-        </p:nvSpPr>
-        <p:spPr>
-          <a:xfrm>
-            <a:off x="1115568" y="2478024"/>
-            <a:ext cx="10168128" cy="4265676"/>
-          </a:xfrm>
-        </p:spPr>
-        <p:txBody>
-          <a:bodyPr>
-            <a:normAutofit fontScale="92500" lnSpcReduction="10000"/>
-          </a:bodyPr>
-          <a:lstStyle/>
-          <a:p>
-            <a:pPr marL="0" indent="0">
-              <a:buNone/>
-            </a:pPr>
-            <a:r>
-              <a:rPr lang="de-DE" sz="3500" i="1" dirty="0"/>
-              <a:t>„Eine </a:t>
-            </a:r>
-            <a:r>
-              <a:rPr lang="de-DE" sz="3500" b="1" i="1" dirty="0"/>
-              <a:t>Epoche </a:t>
-            </a:r>
-            <a:r>
-              <a:rPr lang="de-DE" sz="3500" i="1" dirty="0"/>
-              <a:t>ist ein zeitlich begrenztes System, das wir von einer Menge von Texten abstrahieren und von dem wir behaupten, </a:t>
-            </a:r>
-            <a:r>
-              <a:rPr lang="de-DE" sz="3500" i="1" dirty="0" err="1"/>
-              <a:t>daß</a:t>
-            </a:r>
-            <a:r>
-              <a:rPr lang="de-DE" sz="3500" i="1" dirty="0"/>
-              <a:t> seine fundamentalen Merkmale und Strukturen in diesem Zeitraum konstant bleiben.“ – </a:t>
-            </a:r>
-            <a:r>
-              <a:rPr lang="de-DE" sz="3500" i="1" dirty="0" err="1"/>
-              <a:t>Titzmann</a:t>
-            </a:r>
-            <a:r>
-              <a:rPr lang="de-DE" sz="3500" i="1" dirty="0"/>
-              <a:t> 1991</a:t>
-            </a:r>
-          </a:p>
-          <a:p>
-            <a:pPr marL="0" indent="0">
-              <a:buNone/>
-            </a:pPr>
-            <a:endParaRPr lang="de-DE" sz="3600" i="1" dirty="0"/>
-          </a:p>
-          <a:p>
-            <a:pPr marL="0" indent="0">
-              <a:buNone/>
-            </a:pPr>
-            <a:r>
-              <a:rPr lang="en-GB" sz="2200" i="1" dirty="0"/>
-              <a:t>TITZMANN, </a:t>
-            </a:r>
-            <a:r>
-              <a:rPr lang="en-GB" sz="2200" dirty="0"/>
-              <a:t>Michael, „</a:t>
-            </a:r>
-            <a:r>
-              <a:rPr lang="en-GB" sz="2200" dirty="0" err="1"/>
-              <a:t>Skizze</a:t>
-            </a:r>
-            <a:r>
-              <a:rPr lang="en-GB" sz="2200" dirty="0"/>
-              <a:t> </a:t>
-            </a:r>
-            <a:r>
-              <a:rPr lang="en-GB" sz="2200" dirty="0" err="1"/>
-              <a:t>einer</a:t>
-            </a:r>
-            <a:r>
-              <a:rPr lang="en-GB" sz="2200" dirty="0"/>
-              <a:t> </a:t>
-            </a:r>
-            <a:r>
-              <a:rPr lang="en-GB" sz="2200" dirty="0" err="1"/>
-              <a:t>integrativen</a:t>
-            </a:r>
-            <a:r>
-              <a:rPr lang="en-GB" sz="2200" dirty="0"/>
-              <a:t> </a:t>
-            </a:r>
-            <a:r>
-              <a:rPr lang="en-GB" sz="2200" dirty="0" err="1"/>
-              <a:t>Literaturgeschichte</a:t>
-            </a:r>
-            <a:r>
-              <a:rPr lang="en-GB" sz="2200" dirty="0"/>
-              <a:t> und </a:t>
-            </a:r>
-            <a:r>
-              <a:rPr lang="en-GB" sz="2200" dirty="0" err="1"/>
-              <a:t>ihres</a:t>
-            </a:r>
-            <a:r>
-              <a:rPr lang="en-GB" sz="2200" dirty="0"/>
-              <a:t> </a:t>
-            </a:r>
-            <a:r>
-              <a:rPr lang="en-GB" sz="2200" dirty="0" err="1"/>
-              <a:t>Ortes</a:t>
-            </a:r>
-            <a:r>
-              <a:rPr lang="en-GB" sz="2200" dirty="0"/>
-              <a:t> in </a:t>
-            </a:r>
-            <a:r>
-              <a:rPr lang="en-GB" sz="2200" dirty="0" err="1"/>
-              <a:t>einer</a:t>
-            </a:r>
-            <a:r>
-              <a:rPr lang="en-GB" sz="2200" dirty="0"/>
-              <a:t> </a:t>
-            </a:r>
-            <a:r>
-              <a:rPr lang="en-GB" sz="2200" dirty="0" err="1"/>
-              <a:t>Systematik</a:t>
-            </a:r>
-            <a:r>
-              <a:rPr lang="en-GB" sz="2200" dirty="0"/>
-              <a:t> der </a:t>
-            </a:r>
-            <a:r>
-              <a:rPr lang="en-GB" sz="2200" dirty="0" err="1"/>
-              <a:t>Literaturwissenschaft</a:t>
-            </a:r>
-            <a:r>
-              <a:rPr lang="en-GB" sz="2200" dirty="0"/>
-              <a:t>“, in: </a:t>
-            </a:r>
-            <a:r>
-              <a:rPr lang="en-GB" sz="2200" dirty="0" err="1"/>
-              <a:t>Ders</a:t>
-            </a:r>
-            <a:r>
-              <a:rPr lang="en-GB" sz="2200" dirty="0"/>
-              <a:t>. (Hg.): </a:t>
-            </a:r>
-            <a:r>
-              <a:rPr lang="en-GB" sz="2200" dirty="0" err="1"/>
-              <a:t>Modelle</a:t>
-            </a:r>
-            <a:r>
-              <a:rPr lang="en-GB" sz="2200" dirty="0"/>
-              <a:t> des </a:t>
-            </a:r>
-            <a:r>
-              <a:rPr lang="en-GB" sz="2200" dirty="0" err="1"/>
-              <a:t>literarischen</a:t>
-            </a:r>
-            <a:r>
-              <a:rPr lang="en-GB" sz="2200" dirty="0"/>
-              <a:t> </a:t>
-            </a:r>
-            <a:r>
-              <a:rPr lang="en-GB" sz="2200" dirty="0" err="1"/>
-              <a:t>Strukturwandels</a:t>
-            </a:r>
-            <a:r>
-              <a:rPr lang="en-GB" sz="2200" dirty="0"/>
-              <a:t>. Tübingen 1991, S. 395-438, 405.</a:t>
-            </a:r>
-          </a:p>
-          <a:p>
-            <a:pPr marL="0" indent="0">
-              <a:buNone/>
-            </a:pPr>
-            <a:endParaRPr lang="de-DE" sz="3200" i="1" dirty="0"/>
-          </a:p>
-          <a:p>
-            <a:pPr marL="0" indent="0">
-              <a:buNone/>
-            </a:pPr>
-            <a:endParaRPr lang="de-DE" dirty="0"/>
-          </a:p>
-        </p:txBody>
-      </p:sp>
-    </p:spTree>
-    <p:extLst>
-      <p:ext uri="{BB962C8B-B14F-4D97-AF65-F5344CB8AC3E}">
-        <p14:creationId xmlns:p14="http://schemas.microsoft.com/office/powerpoint/2010/main" val="3743810288"/>
-      </p:ext>
-    </p:extLst>
-  </p:cSld>
-  <p:clrMapOvr>
-    <a:masterClrMapping/>
-  </p:clrMapOvr>
-</p:sld>
-</file>
-
-<file path=ppt/slides/slide40.xml><?xml version="1.0" encoding="utf-8"?>
-<p:sld xmlns:a="http://schemas.openxmlformats.org/drawingml/2006/main" xmlns:r="http://schemas.openxmlformats.org/officeDocument/2006/relationships" xmlns:p="http://schemas.openxmlformats.org/presentationml/2006/main">
-  <p:cSld>
-    <p:spTree>
-      <p:nvGrpSpPr>
-        <p:cNvPr id="1" name=""/>
-        <p:cNvGrpSpPr/>
-        <p:nvPr/>
-      </p:nvGrpSpPr>
-      <p:grpSpPr>
-        <a:xfrm>
-          <a:off x="0" y="0"/>
-          <a:ext cx="0" cy="0"/>
-          <a:chOff x="0" y="0"/>
-          <a:chExt cx="0" cy="0"/>
-        </a:xfrm>
-      </p:grpSpPr>
-      <p:sp>
-        <p:nvSpPr>
           <p:cNvPr id="5" name="Title 4">
             <a:extLst>
               <a:ext uri="{FF2B5EF4-FFF2-40B4-BE49-F238E27FC236}">
@@ -21734,7 +22402,7 @@
 </p:sld>
 </file>
 
-<file path=ppt/slides/slide41.xml><?xml version="1.0" encoding="utf-8"?>
+<file path=ppt/slides/slide42.xml><?xml version="1.0" encoding="utf-8"?>
 <p:sld xmlns:a="http://schemas.openxmlformats.org/drawingml/2006/main" xmlns:r="http://schemas.openxmlformats.org/officeDocument/2006/relationships" xmlns:p="http://schemas.openxmlformats.org/presentationml/2006/main" show="0">
   <p:cSld>
     <p:spTree>
@@ -21807,7 +22475,7 @@
 </p:sld>
 </file>
 
-<file path=ppt/slides/slide42.xml><?xml version="1.0" encoding="utf-8"?>
+<file path=ppt/slides/slide43.xml><?xml version="1.0" encoding="utf-8"?>
 <p:sld xmlns:a="http://schemas.openxmlformats.org/drawingml/2006/main" xmlns:r="http://schemas.openxmlformats.org/officeDocument/2006/relationships" xmlns:p="http://schemas.openxmlformats.org/presentationml/2006/main" show="0">
   <p:cSld>
     <p:bg>
@@ -22293,7 +22961,7 @@
 </p:sld>
 </file>
 
-<file path=ppt/slides/slide43.xml><?xml version="1.0" encoding="utf-8"?>
+<file path=ppt/slides/slide44.xml><?xml version="1.0" encoding="utf-8"?>
 <p:sld xmlns:a="http://schemas.openxmlformats.org/drawingml/2006/main" xmlns:r="http://schemas.openxmlformats.org/officeDocument/2006/relationships" xmlns:p="http://schemas.openxmlformats.org/presentationml/2006/main" show="0">
   <p:cSld>
     <p:spTree>
@@ -23463,7 +24131,7 @@
 </p:sld>
 </file>
 
-<file path=ppt/slides/slide44.xml><?xml version="1.0" encoding="utf-8"?>
+<file path=ppt/slides/slide45.xml><?xml version="1.0" encoding="utf-8"?>
 <p:sld xmlns:a="http://schemas.openxmlformats.org/drawingml/2006/main" xmlns:r="http://schemas.openxmlformats.org/officeDocument/2006/relationships" xmlns:p="http://schemas.openxmlformats.org/presentationml/2006/main">
   <p:cSld>
     <p:spTree>

--- a/presentation/clustering_presentation.pptx
+++ b/presentation/clustering_presentation.pptx
@@ -5,7 +5,7 @@
     <p:sldMasterId id="2147483732" r:id="rId1"/>
   </p:sldMasterIdLst>
   <p:notesMasterIdLst>
-    <p:notesMasterId r:id="rId52"/>
+    <p:notesMasterId r:id="rId50"/>
   </p:notesMasterIdLst>
   <p:sldIdLst>
     <p:sldId id="256" r:id="rId2"/>
@@ -30,34 +30,32 @@
     <p:sldId id="324" r:id="rId21"/>
     <p:sldId id="361" r:id="rId22"/>
     <p:sldId id="360" r:id="rId23"/>
-    <p:sldId id="357" r:id="rId24"/>
-    <p:sldId id="358" r:id="rId25"/>
-    <p:sldId id="321" r:id="rId26"/>
-    <p:sldId id="348" r:id="rId27"/>
-    <p:sldId id="328" r:id="rId28"/>
-    <p:sldId id="332" r:id="rId29"/>
-    <p:sldId id="331" r:id="rId30"/>
-    <p:sldId id="355" r:id="rId31"/>
-    <p:sldId id="325" r:id="rId32"/>
-    <p:sldId id="353" r:id="rId33"/>
-    <p:sldId id="301" r:id="rId34"/>
-    <p:sldId id="315" r:id="rId35"/>
-    <p:sldId id="340" r:id="rId36"/>
-    <p:sldId id="326" r:id="rId37"/>
-    <p:sldId id="347" r:id="rId38"/>
-    <p:sldId id="337" r:id="rId39"/>
-    <p:sldId id="343" r:id="rId40"/>
-    <p:sldId id="338" r:id="rId41"/>
-    <p:sldId id="344" r:id="rId42"/>
-    <p:sldId id="304" r:id="rId43"/>
-    <p:sldId id="345" r:id="rId44"/>
-    <p:sldId id="346" r:id="rId45"/>
-    <p:sldId id="311" r:id="rId46"/>
-    <p:sldId id="319" r:id="rId47"/>
-    <p:sldId id="314" r:id="rId48"/>
-    <p:sldId id="317" r:id="rId49"/>
-    <p:sldId id="302" r:id="rId50"/>
-    <p:sldId id="356" r:id="rId51"/>
+    <p:sldId id="331" r:id="rId24"/>
+    <p:sldId id="355" r:id="rId25"/>
+    <p:sldId id="353" r:id="rId26"/>
+    <p:sldId id="301" r:id="rId27"/>
+    <p:sldId id="315" r:id="rId28"/>
+    <p:sldId id="340" r:id="rId29"/>
+    <p:sldId id="326" r:id="rId30"/>
+    <p:sldId id="347" r:id="rId31"/>
+    <p:sldId id="337" r:id="rId32"/>
+    <p:sldId id="343" r:id="rId33"/>
+    <p:sldId id="338" r:id="rId34"/>
+    <p:sldId id="344" r:id="rId35"/>
+    <p:sldId id="304" r:id="rId36"/>
+    <p:sldId id="345" r:id="rId37"/>
+    <p:sldId id="346" r:id="rId38"/>
+    <p:sldId id="321" r:id="rId39"/>
+    <p:sldId id="348" r:id="rId40"/>
+    <p:sldId id="332" r:id="rId41"/>
+    <p:sldId id="311" r:id="rId42"/>
+    <p:sldId id="319" r:id="rId43"/>
+    <p:sldId id="314" r:id="rId44"/>
+    <p:sldId id="317" r:id="rId45"/>
+    <p:sldId id="302" r:id="rId46"/>
+    <p:sldId id="363" r:id="rId47"/>
+    <p:sldId id="356" r:id="rId48"/>
+    <p:sldId id="362" r:id="rId49"/>
   </p:sldIdLst>
   <p:sldSz cx="12192000" cy="6858000"/>
   <p:notesSz cx="6858000" cy="9144000"/>
@@ -1232,7 +1230,142 @@
               <a:buFont typeface="Arial" panose="020B0604020202020204" pitchFamily="34" charset="0"/>
               <a:buChar char="•"/>
             </a:pPr>
-            <a:endParaRPr lang="de-DE" dirty="0"/>
+            <a:r>
+              <a:rPr lang="de-DE" b="0" dirty="0"/>
+              <a:t>Sortiert nach </a:t>
+            </a:r>
+            <a:r>
+              <a:rPr lang="de-DE" b="1" dirty="0"/>
+              <a:t>K-</a:t>
+            </a:r>
+            <a:r>
+              <a:rPr lang="de-DE" b="1" dirty="0" err="1"/>
+              <a:t>Means</a:t>
+            </a:r>
+            <a:endParaRPr lang="de-DE" b="1" dirty="0"/>
+          </a:p>
+          <a:p>
+            <a:pPr marL="171450" indent="-171450">
+              <a:buFont typeface="Arial" panose="020B0604020202020204" pitchFamily="34" charset="0"/>
+              <a:buChar char="•"/>
+            </a:pPr>
+            <a:r>
+              <a:rPr lang="de-DE" b="1" dirty="0"/>
+              <a:t>K-</a:t>
+            </a:r>
+            <a:r>
+              <a:rPr lang="de-DE" b="1" dirty="0" err="1"/>
+              <a:t>Medoids</a:t>
+            </a:r>
+            <a:r>
+              <a:rPr lang="de-DE" b="1" dirty="0"/>
+              <a:t> </a:t>
+            </a:r>
+            <a:r>
+              <a:rPr lang="de-DE" b="0" dirty="0"/>
+              <a:t>ist ähnlich wie K-</a:t>
+            </a:r>
+            <a:r>
+              <a:rPr lang="de-DE" b="0" dirty="0" err="1"/>
+              <a:t>Means</a:t>
+            </a:r>
+            <a:r>
+              <a:rPr lang="de-DE" b="0" dirty="0"/>
+              <a:t>, nimmt jedoch existierende Datenpunkte als </a:t>
+            </a:r>
+            <a:r>
+              <a:rPr lang="de-DE" b="0" dirty="0" err="1"/>
+              <a:t>Centroide</a:t>
+            </a:r>
+            <a:r>
+              <a:rPr lang="de-DE" b="0" dirty="0"/>
+              <a:t>.</a:t>
+            </a:r>
+            <a:r>
+              <a:rPr lang="de-DE" b="1" dirty="0"/>
+              <a:t> K-</a:t>
+            </a:r>
+            <a:r>
+              <a:rPr lang="de-DE" b="1" dirty="0" err="1"/>
+              <a:t>Medoids</a:t>
+            </a:r>
+            <a:r>
+              <a:rPr lang="de-DE" b="0" dirty="0"/>
+              <a:t> nicht von </a:t>
+            </a:r>
+            <a:r>
+              <a:rPr lang="de-DE" b="0" dirty="0" err="1"/>
+              <a:t>Sklearn</a:t>
+            </a:r>
+            <a:r>
+              <a:rPr lang="de-DE" b="0" dirty="0"/>
+              <a:t> selbst, </a:t>
+            </a:r>
+            <a:r>
+              <a:rPr lang="de-DE" b="0" dirty="0" err="1"/>
+              <a:t>sonder</a:t>
+            </a:r>
+            <a:r>
+              <a:rPr lang="de-DE" b="0" dirty="0"/>
+              <a:t> von </a:t>
+            </a:r>
+            <a:r>
+              <a:rPr lang="de-DE" b="0" i="1" dirty="0" err="1"/>
+              <a:t>sklearn.extra</a:t>
+            </a:r>
+            <a:endParaRPr lang="de-DE" b="1" dirty="0"/>
+          </a:p>
+          <a:p>
+            <a:pPr marL="171450" indent="-171450">
+              <a:buFont typeface="Arial" panose="020B0604020202020204" pitchFamily="34" charset="0"/>
+              <a:buChar char="•"/>
+            </a:pPr>
+            <a:r>
+              <a:rPr lang="de-DE" b="0" dirty="0"/>
+              <a:t>Bei </a:t>
+            </a:r>
+            <a:r>
+              <a:rPr lang="de-DE" b="1" dirty="0"/>
+              <a:t>K-</a:t>
+            </a:r>
+            <a:r>
+              <a:rPr lang="de-DE" b="1" dirty="0" err="1"/>
+              <a:t>Medoids</a:t>
+            </a:r>
+            <a:r>
+              <a:rPr lang="de-DE" b="1" dirty="0"/>
+              <a:t> </a:t>
+            </a:r>
+            <a:r>
+              <a:rPr lang="de-DE" b="0" dirty="0"/>
+              <a:t>6 von 7 Epochenpaare in Top 7 beinhalten </a:t>
+            </a:r>
+            <a:r>
+              <a:rPr lang="de-DE" b="1" dirty="0"/>
+              <a:t>Barock</a:t>
+            </a:r>
+          </a:p>
+          <a:p>
+            <a:pPr marL="171450" indent="-171450">
+              <a:buFont typeface="Arial" panose="020B0604020202020204" pitchFamily="34" charset="0"/>
+              <a:buChar char="•"/>
+            </a:pPr>
+            <a:r>
+              <a:rPr lang="de-DE" b="1" dirty="0"/>
+              <a:t>GMM</a:t>
+            </a:r>
+            <a:r>
+              <a:rPr lang="de-DE" b="0" dirty="0"/>
+              <a:t> nur bei zwei Epocheneinteilungen besser, ansonsten ähnlich gut oder schlechter als K-</a:t>
+            </a:r>
+            <a:r>
+              <a:rPr lang="de-DE" b="0" dirty="0" err="1"/>
+              <a:t>Means</a:t>
+            </a:r>
+            <a:r>
+              <a:rPr lang="de-DE" b="0" dirty="0"/>
+              <a:t>.</a:t>
+            </a:r>
           </a:p>
         </p:txBody>
       </p:sp>
@@ -1253,7 +1386,7 @@
           <a:p>
             <a:fld id="{49FFD0F6-1B54-1D42-B676-41E105B9815E}" type="slidenum">
               <a:rPr lang="de-DE" smtClean="0"/>
-              <a:t>29</a:t>
+              <a:t>24</a:t>
             </a:fld>
             <a:endParaRPr lang="de-DE"/>
           </a:p>
@@ -1262,7 +1395,7 @@
     </p:spTree>
     <p:extLst>
       <p:ext uri="{BB962C8B-B14F-4D97-AF65-F5344CB8AC3E}">
-        <p14:creationId xmlns:p14="http://schemas.microsoft.com/office/powerpoint/2010/main" val="410681100"/>
+        <p14:creationId xmlns:p14="http://schemas.microsoft.com/office/powerpoint/2010/main" val="4215004953"/>
       </p:ext>
     </p:extLst>
   </p:cSld>
@@ -1316,145 +1449,9 @@
           <a:bodyPr/>
           <a:lstStyle/>
           <a:p>
-            <a:pPr marL="171450" indent="-171450">
-              <a:buFont typeface="Arial" panose="020B0604020202020204" pitchFamily="34" charset="0"/>
-              <a:buChar char="•"/>
-            </a:pPr>
-            <a:r>
-              <a:rPr lang="de-DE" b="0" dirty="0"/>
-              <a:t>Sortiert nach </a:t>
-            </a:r>
-            <a:r>
-              <a:rPr lang="de-DE" b="1" dirty="0"/>
-              <a:t>K-</a:t>
-            </a:r>
-            <a:r>
-              <a:rPr lang="de-DE" b="1" dirty="0" err="1"/>
-              <a:t>Means</a:t>
-            </a:r>
-            <a:endParaRPr lang="de-DE" b="1" dirty="0"/>
-          </a:p>
-          <a:p>
-            <a:pPr marL="171450" indent="-171450">
-              <a:buFont typeface="Arial" panose="020B0604020202020204" pitchFamily="34" charset="0"/>
-              <a:buChar char="•"/>
-            </a:pPr>
-            <a:r>
-              <a:rPr lang="de-DE" b="1" dirty="0"/>
-              <a:t>K-</a:t>
-            </a:r>
-            <a:r>
-              <a:rPr lang="de-DE" b="1" dirty="0" err="1"/>
-              <a:t>Medoids</a:t>
-            </a:r>
-            <a:r>
-              <a:rPr lang="de-DE" b="1" dirty="0"/>
-              <a:t> </a:t>
-            </a:r>
-            <a:r>
-              <a:rPr lang="de-DE" b="0" dirty="0"/>
-              <a:t>ist ähnlich wie K-</a:t>
-            </a:r>
-            <a:r>
-              <a:rPr lang="de-DE" b="0" dirty="0" err="1"/>
-              <a:t>Means</a:t>
-            </a:r>
-            <a:r>
-              <a:rPr lang="de-DE" b="0" dirty="0"/>
-              <a:t>, nimmt jedoch existierende Datenpunkte als </a:t>
-            </a:r>
-            <a:r>
-              <a:rPr lang="de-DE" b="0" dirty="0" err="1"/>
-              <a:t>Centroide</a:t>
-            </a:r>
-            <a:r>
-              <a:rPr lang="de-DE" b="0" dirty="0"/>
-              <a:t>.</a:t>
-            </a:r>
-            <a:r>
-              <a:rPr lang="de-DE" b="1" dirty="0"/>
-              <a:t> K-</a:t>
-            </a:r>
-            <a:r>
-              <a:rPr lang="de-DE" b="1" dirty="0" err="1"/>
-              <a:t>Medoids</a:t>
-            </a:r>
-            <a:r>
-              <a:rPr lang="de-DE" b="0" dirty="0"/>
-              <a:t> nicht von </a:t>
-            </a:r>
-            <a:r>
-              <a:rPr lang="de-DE" b="0" dirty="0" err="1"/>
-              <a:t>Sklearn</a:t>
-            </a:r>
-            <a:r>
-              <a:rPr lang="de-DE" b="0" dirty="0"/>
-              <a:t> selbst, </a:t>
-            </a:r>
-            <a:r>
-              <a:rPr lang="de-DE" b="0" dirty="0" err="1"/>
-              <a:t>sonder</a:t>
-            </a:r>
-            <a:r>
-              <a:rPr lang="de-DE" b="0" dirty="0"/>
-              <a:t> von </a:t>
-            </a:r>
-            <a:r>
-              <a:rPr lang="de-DE" b="0" i="1" dirty="0" err="1"/>
-              <a:t>sklearn.extra</a:t>
-            </a:r>
-            <a:endParaRPr lang="de-DE" b="1" dirty="0"/>
-          </a:p>
-          <a:p>
-            <a:pPr marL="171450" indent="-171450">
-              <a:buFont typeface="Arial" panose="020B0604020202020204" pitchFamily="34" charset="0"/>
-              <a:buChar char="•"/>
-            </a:pPr>
-            <a:r>
-              <a:rPr lang="de-DE" b="0" dirty="0"/>
-              <a:t>Bei </a:t>
-            </a:r>
-            <a:r>
-              <a:rPr lang="de-DE" b="1" dirty="0"/>
-              <a:t>K-</a:t>
-            </a:r>
-            <a:r>
-              <a:rPr lang="de-DE" b="1" dirty="0" err="1"/>
-              <a:t>Medoids</a:t>
-            </a:r>
-            <a:r>
-              <a:rPr lang="de-DE" b="1" dirty="0"/>
-              <a:t> </a:t>
-            </a:r>
-            <a:r>
-              <a:rPr lang="de-DE" b="0" dirty="0"/>
-              <a:t>6 von 7 Epochenpaare in Top 7 beinhalten </a:t>
-            </a:r>
-            <a:r>
-              <a:rPr lang="de-DE" b="1" dirty="0"/>
-              <a:t>Barock, </a:t>
-            </a:r>
-          </a:p>
-          <a:p>
-            <a:pPr marL="171450" indent="-171450">
-              <a:buFont typeface="Arial" panose="020B0604020202020204" pitchFamily="34" charset="0"/>
-              <a:buChar char="•"/>
-            </a:pPr>
-            <a:r>
-              <a:rPr lang="de-DE" b="1" dirty="0"/>
-              <a:t>GMM</a:t>
-            </a:r>
-            <a:r>
-              <a:rPr lang="de-DE" b="0" dirty="0"/>
-              <a:t> nur bei zwei Epocheneinteilungen besser, ansonsten ähnlich gut oder schlechter als K-</a:t>
-            </a:r>
-            <a:r>
-              <a:rPr lang="de-DE" b="0" dirty="0" err="1"/>
-              <a:t>Means</a:t>
-            </a:r>
-            <a:r>
-              <a:rPr lang="de-DE" b="0" dirty="0"/>
-              <a:t>.</a:t>
+            <a:r>
+              <a:rPr lang="de-DE" dirty="0"/>
+              <a:t>ACHTUNG: Jahre sind hier Mittelwerte der Jahre aller Gedichte der häufigsten Epoche des Dichters</a:t>
             </a:r>
           </a:p>
         </p:txBody>
@@ -1476,7 +1473,7 @@
           <a:p>
             <a:fld id="{49FFD0F6-1B54-1D42-B676-41E105B9815E}" type="slidenum">
               <a:rPr lang="de-DE" smtClean="0"/>
-              <a:t>30</a:t>
+              <a:t>27</a:t>
             </a:fld>
             <a:endParaRPr lang="de-DE"/>
           </a:p>
@@ -1485,7 +1482,7 @@
     </p:spTree>
     <p:extLst>
       <p:ext uri="{BB962C8B-B14F-4D97-AF65-F5344CB8AC3E}">
-        <p14:creationId xmlns:p14="http://schemas.microsoft.com/office/powerpoint/2010/main" val="4215004953"/>
+        <p14:creationId xmlns:p14="http://schemas.microsoft.com/office/powerpoint/2010/main" val="1412957019"/>
       </p:ext>
     </p:extLst>
   </p:cSld>
@@ -1539,19 +1536,11 @@
           <a:bodyPr/>
           <a:lstStyle/>
           <a:p>
-            <a:r>
-              <a:rPr lang="de-DE" b="1" dirty="0" err="1"/>
-              <a:t>Truncated</a:t>
-            </a:r>
-            <a:r>
-              <a:rPr lang="de-DE" b="1" dirty="0"/>
-              <a:t> SVD + Normalisierung</a:t>
-            </a:r>
-            <a:r>
-              <a:rPr lang="de-DE" b="0" dirty="0"/>
-              <a:t> (PCA sehr ähnliche Ergebnisse)</a:t>
-            </a:r>
-            <a:endParaRPr lang="de-DE" b="1" dirty="0"/>
+            <a:pPr marL="171450" indent="-171450">
+              <a:buFont typeface="Arial" panose="020B0604020202020204" pitchFamily="34" charset="0"/>
+              <a:buChar char="•"/>
+            </a:pPr>
+            <a:endParaRPr lang="de-DE" dirty="0"/>
           </a:p>
         </p:txBody>
       </p:sp>
@@ -1572,7 +1561,7 @@
           <a:p>
             <a:fld id="{49FFD0F6-1B54-1D42-B676-41E105B9815E}" type="slidenum">
               <a:rPr lang="de-DE" smtClean="0"/>
-              <a:t>31</a:t>
+              <a:t>28</a:t>
             </a:fld>
             <a:endParaRPr lang="de-DE"/>
           </a:p>
@@ -1581,7 +1570,7 @@
     </p:spTree>
     <p:extLst>
       <p:ext uri="{BB962C8B-B14F-4D97-AF65-F5344CB8AC3E}">
-        <p14:creationId xmlns:p14="http://schemas.microsoft.com/office/powerpoint/2010/main" val="2882404652"/>
+        <p14:creationId xmlns:p14="http://schemas.microsoft.com/office/powerpoint/2010/main" val="2937078823"/>
       </p:ext>
     </p:extLst>
   </p:cSld>
@@ -1637,7 +1626,7 @@
           <a:p>
             <a:r>
               <a:rPr lang="de-DE" dirty="0"/>
-              <a:t>ACHTUNG: Jahre sind hier Mittelwerte der Jahre aller Gedichte der häufigsten Epoche des Dichters</a:t>
+              <a:t>Problem Romantik: zu wenig Gedichte!!!</a:t>
             </a:r>
           </a:p>
         </p:txBody>
@@ -1659,7 +1648,7 @@
           <a:p>
             <a:fld id="{49FFD0F6-1B54-1D42-B676-41E105B9815E}" type="slidenum">
               <a:rPr lang="de-DE" smtClean="0"/>
-              <a:t>34</a:t>
+              <a:t>29</a:t>
             </a:fld>
             <a:endParaRPr lang="de-DE"/>
           </a:p>
@@ -1668,7 +1657,7 @@
     </p:spTree>
     <p:extLst>
       <p:ext uri="{BB962C8B-B14F-4D97-AF65-F5344CB8AC3E}">
-        <p14:creationId xmlns:p14="http://schemas.microsoft.com/office/powerpoint/2010/main" val="1412957019"/>
+        <p14:creationId xmlns:p14="http://schemas.microsoft.com/office/powerpoint/2010/main" val="241253233"/>
       </p:ext>
     </p:extLst>
   </p:cSld>
@@ -1747,7 +1736,7 @@
           <a:p>
             <a:fld id="{49FFD0F6-1B54-1D42-B676-41E105B9815E}" type="slidenum">
               <a:rPr lang="de-DE" smtClean="0"/>
-              <a:t>35</a:t>
+              <a:t>32</a:t>
             </a:fld>
             <a:endParaRPr lang="de-DE"/>
           </a:p>
@@ -1756,7 +1745,7 @@
     </p:spTree>
     <p:extLst>
       <p:ext uri="{BB962C8B-B14F-4D97-AF65-F5344CB8AC3E}">
-        <p14:creationId xmlns:p14="http://schemas.microsoft.com/office/powerpoint/2010/main" val="2937078823"/>
+        <p14:creationId xmlns:p14="http://schemas.microsoft.com/office/powerpoint/2010/main" val="292854540"/>
       </p:ext>
     </p:extLst>
   </p:cSld>
@@ -1812,7 +1801,7 @@
           <a:p>
             <a:r>
               <a:rPr lang="de-DE" dirty="0"/>
-              <a:t>Problem Romantik: zu wenig Gedichte!!!</a:t>
+              <a:t>Dimensionsreduktion mit 3 Dimensionen</a:t>
             </a:r>
           </a:p>
         </p:txBody>
@@ -1834,7 +1823,7 @@
           <a:p>
             <a:fld id="{49FFD0F6-1B54-1D42-B676-41E105B9815E}" type="slidenum">
               <a:rPr lang="de-DE" smtClean="0"/>
-              <a:t>36</a:t>
+              <a:t>40</a:t>
             </a:fld>
             <a:endParaRPr lang="de-DE"/>
           </a:p>
@@ -1843,7 +1832,7 @@
     </p:spTree>
     <p:extLst>
       <p:ext uri="{BB962C8B-B14F-4D97-AF65-F5344CB8AC3E}">
-        <p14:creationId xmlns:p14="http://schemas.microsoft.com/office/powerpoint/2010/main" val="241253233"/>
+        <p14:creationId xmlns:p14="http://schemas.microsoft.com/office/powerpoint/2010/main" val="1537695427"/>
       </p:ext>
     </p:extLst>
   </p:cSld>
@@ -1897,11 +1886,19 @@
           <a:bodyPr/>
           <a:lstStyle/>
           <a:p>
-            <a:pPr marL="171450" indent="-171450">
-              <a:buFont typeface="Arial" panose="020B0604020202020204" pitchFamily="34" charset="0"/>
-              <a:buChar char="•"/>
-            </a:pPr>
-            <a:endParaRPr lang="de-DE" dirty="0"/>
+            <a:pPr algn="l"/>
+            <a:r>
+              <a:rPr lang="de-DE" dirty="0"/>
+              <a:t>K-</a:t>
+            </a:r>
+            <a:r>
+              <a:rPr lang="de-DE" dirty="0" err="1"/>
+              <a:t>Means</a:t>
+            </a:r>
+            <a:r>
+              <a:rPr lang="de-DE" dirty="0"/>
+              <a:t> auf hochdimensionale Daten</a:t>
+            </a:r>
           </a:p>
         </p:txBody>
       </p:sp>
@@ -1922,7 +1919,7 @@
           <a:p>
             <a:fld id="{49FFD0F6-1B54-1D42-B676-41E105B9815E}" type="slidenum">
               <a:rPr lang="de-DE" smtClean="0"/>
-              <a:t>39</a:t>
+              <a:t>41</a:t>
             </a:fld>
             <a:endParaRPr lang="de-DE"/>
           </a:p>
@@ -1931,7 +1928,7 @@
     </p:spTree>
     <p:extLst>
       <p:ext uri="{BB962C8B-B14F-4D97-AF65-F5344CB8AC3E}">
-        <p14:creationId xmlns:p14="http://schemas.microsoft.com/office/powerpoint/2010/main" val="292854540"/>
+        <p14:creationId xmlns:p14="http://schemas.microsoft.com/office/powerpoint/2010/main" val="2134904752"/>
       </p:ext>
     </p:extLst>
   </p:cSld>
@@ -2018,7 +2015,7 @@
           <a:p>
             <a:fld id="{49FFD0F6-1B54-1D42-B676-41E105B9815E}" type="slidenum">
               <a:rPr lang="de-DE" smtClean="0"/>
-              <a:t>45</a:t>
+              <a:t>42</a:t>
             </a:fld>
             <a:endParaRPr lang="de-DE"/>
           </a:p>
@@ -2027,7 +2024,7 @@
     </p:spTree>
     <p:extLst>
       <p:ext uri="{BB962C8B-B14F-4D97-AF65-F5344CB8AC3E}">
-        <p14:creationId xmlns:p14="http://schemas.microsoft.com/office/powerpoint/2010/main" val="2134904752"/>
+        <p14:creationId xmlns:p14="http://schemas.microsoft.com/office/powerpoint/2010/main" val="3426150485"/>
       </p:ext>
     </p:extLst>
   </p:cSld>
@@ -2081,18 +2078,27 @@
           <a:bodyPr/>
           <a:lstStyle/>
           <a:p>
-            <a:pPr algn="l"/>
             <a:r>
               <a:rPr lang="de-DE" dirty="0"/>
-              <a:t>K-</a:t>
-            </a:r>
-            <a:r>
-              <a:rPr lang="de-DE" dirty="0" err="1"/>
-              <a:t>Means</a:t>
-            </a:r>
+              <a:t>ACHTUNG: Jahre sind hier Mittelwerte der Jahre aller Gedichte des Dichters</a:t>
+            </a:r>
+          </a:p>
+          <a:p>
             <a:r>
               <a:rPr lang="de-DE" dirty="0"/>
-              <a:t> auf hochdimensionale Daten</a:t>
+              <a:t>IN KLAMMERN: Verteilung der Großteil der Jahre</a:t>
+            </a:r>
+          </a:p>
+          <a:p>
+            <a:r>
+              <a:rPr lang="de-DE" dirty="0"/>
+              <a:t>Frühbarock: 1600-1650</a:t>
+            </a:r>
+          </a:p>
+          <a:p>
+            <a:r>
+              <a:rPr lang="de-DE" dirty="0"/>
+              <a:t>Hochbarock: 1650-1700 (1720)</a:t>
             </a:r>
           </a:p>
         </p:txBody>
@@ -2114,7 +2120,7 @@
           <a:p>
             <a:fld id="{49FFD0F6-1B54-1D42-B676-41E105B9815E}" type="slidenum">
               <a:rPr lang="de-DE" smtClean="0"/>
-              <a:t>46</a:t>
+              <a:t>43</a:t>
             </a:fld>
             <a:endParaRPr lang="de-DE"/>
           </a:p>
@@ -2123,7 +2129,7 @@
     </p:spTree>
     <p:extLst>
       <p:ext uri="{BB962C8B-B14F-4D97-AF65-F5344CB8AC3E}">
-        <p14:creationId xmlns:p14="http://schemas.microsoft.com/office/powerpoint/2010/main" val="3426150485"/>
+        <p14:creationId xmlns:p14="http://schemas.microsoft.com/office/powerpoint/2010/main" val="1629050767"/>
       </p:ext>
     </p:extLst>
   </p:cSld>
@@ -2177,28 +2183,8 @@
           <a:bodyPr/>
           <a:lstStyle/>
           <a:p>
-            <a:r>
-              <a:rPr lang="de-DE" dirty="0"/>
-              <a:t>ACHTUNG: Jahre sind hier Mittelwerte der Jahre aller Gedichte des Dichters</a:t>
-            </a:r>
-          </a:p>
-          <a:p>
-            <a:r>
-              <a:rPr lang="de-DE" dirty="0"/>
-              <a:t>IN KLAMMERN: Verteilung der Großteil der Jahre</a:t>
-            </a:r>
-          </a:p>
-          <a:p>
-            <a:r>
-              <a:rPr lang="de-DE" dirty="0"/>
-              <a:t>Frühbarock: 1600-1650</a:t>
-            </a:r>
-          </a:p>
-          <a:p>
-            <a:r>
-              <a:rPr lang="de-DE" dirty="0"/>
-              <a:t>Hochbarock: 1650-1700 (1720)</a:t>
-            </a:r>
+            <a:pPr algn="l"/>
+            <a:endParaRPr lang="de-DE" dirty="0"/>
           </a:p>
         </p:txBody>
       </p:sp>
@@ -2219,7 +2205,7 @@
           <a:p>
             <a:fld id="{49FFD0F6-1B54-1D42-B676-41E105B9815E}" type="slidenum">
               <a:rPr lang="de-DE" smtClean="0"/>
-              <a:t>47</a:t>
+              <a:t>44</a:t>
             </a:fld>
             <a:endParaRPr lang="de-DE"/>
           </a:p>
@@ -2228,7 +2214,7 @@
     </p:spTree>
     <p:extLst>
       <p:ext uri="{BB962C8B-B14F-4D97-AF65-F5344CB8AC3E}">
-        <p14:creationId xmlns:p14="http://schemas.microsoft.com/office/powerpoint/2010/main" val="1629050767"/>
+        <p14:creationId xmlns:p14="http://schemas.microsoft.com/office/powerpoint/2010/main" val="3822682556"/>
       </p:ext>
     </p:extLst>
   </p:cSld>
@@ -2331,91 +2317,6 @@
     <p:extLst>
       <p:ext uri="{BB962C8B-B14F-4D97-AF65-F5344CB8AC3E}">
         <p14:creationId xmlns:p14="http://schemas.microsoft.com/office/powerpoint/2010/main" val="2252780807"/>
-      </p:ext>
-    </p:extLst>
-  </p:cSld>
-  <p:clrMapOvr>
-    <a:masterClrMapping/>
-  </p:clrMapOvr>
-</p:notes>
-</file>
-
-<file path=ppt/notesSlides/notesSlide20.xml><?xml version="1.0" encoding="utf-8"?>
-<p:notes xmlns:a="http://schemas.openxmlformats.org/drawingml/2006/main" xmlns:r="http://schemas.openxmlformats.org/officeDocument/2006/relationships" xmlns:p="http://schemas.openxmlformats.org/presentationml/2006/main">
-  <p:cSld>
-    <p:spTree>
-      <p:nvGrpSpPr>
-        <p:cNvPr id="1" name=""/>
-        <p:cNvGrpSpPr/>
-        <p:nvPr/>
-      </p:nvGrpSpPr>
-      <p:grpSpPr>
-        <a:xfrm>
-          <a:off x="0" y="0"/>
-          <a:ext cx="0" cy="0"/>
-          <a:chOff x="0" y="0"/>
-          <a:chExt cx="0" cy="0"/>
-        </a:xfrm>
-      </p:grpSpPr>
-      <p:sp>
-        <p:nvSpPr>
-          <p:cNvPr id="2" name="Slide Image Placeholder 1"/>
-          <p:cNvSpPr>
-            <a:spLocks noGrp="1" noRot="1" noChangeAspect="1"/>
-          </p:cNvSpPr>
-          <p:nvPr>
-            <p:ph type="sldImg"/>
-          </p:nvPr>
-        </p:nvSpPr>
-        <p:spPr/>
-      </p:sp>
-      <p:sp>
-        <p:nvSpPr>
-          <p:cNvPr id="3" name="Notes Placeholder 2"/>
-          <p:cNvSpPr>
-            <a:spLocks noGrp="1"/>
-          </p:cNvSpPr>
-          <p:nvPr>
-            <p:ph type="body" idx="1"/>
-          </p:nvPr>
-        </p:nvSpPr>
-        <p:spPr/>
-        <p:txBody>
-          <a:bodyPr/>
-          <a:lstStyle/>
-          <a:p>
-            <a:pPr algn="l"/>
-            <a:endParaRPr lang="de-DE" dirty="0"/>
-          </a:p>
-        </p:txBody>
-      </p:sp>
-      <p:sp>
-        <p:nvSpPr>
-          <p:cNvPr id="4" name="Slide Number Placeholder 3"/>
-          <p:cNvSpPr>
-            <a:spLocks noGrp="1"/>
-          </p:cNvSpPr>
-          <p:nvPr>
-            <p:ph type="sldNum" sz="quarter" idx="5"/>
-          </p:nvPr>
-        </p:nvSpPr>
-        <p:spPr/>
-        <p:txBody>
-          <a:bodyPr/>
-          <a:lstStyle/>
-          <a:p>
-            <a:fld id="{49FFD0F6-1B54-1D42-B676-41E105B9815E}" type="slidenum">
-              <a:rPr lang="de-DE" smtClean="0"/>
-              <a:t>48</a:t>
-            </a:fld>
-            <a:endParaRPr lang="de-DE"/>
-          </a:p>
-        </p:txBody>
-      </p:sp>
-    </p:spTree>
-    <p:extLst>
-      <p:ext uri="{BB962C8B-B14F-4D97-AF65-F5344CB8AC3E}">
-        <p14:creationId xmlns:p14="http://schemas.microsoft.com/office/powerpoint/2010/main" val="3822682556"/>
       </p:ext>
     </p:extLst>
   </p:cSld>
@@ -3580,10 +3481,11 @@
           <a:bodyPr/>
           <a:lstStyle/>
           <a:p>
-            <a:r>
-              <a:rPr lang="de-DE" dirty="0"/>
-              <a:t>Dimensionsreduktion mit 3 Dimensionen</a:t>
-            </a:r>
+            <a:pPr marL="171450" indent="-171450">
+              <a:buFont typeface="Arial" panose="020B0604020202020204" pitchFamily="34" charset="0"/>
+              <a:buChar char="•"/>
+            </a:pPr>
+            <a:endParaRPr lang="de-DE" dirty="0"/>
           </a:p>
         </p:txBody>
       </p:sp>
@@ -3604,7 +3506,7 @@
           <a:p>
             <a:fld id="{49FFD0F6-1B54-1D42-B676-41E105B9815E}" type="slidenum">
               <a:rPr lang="de-DE" smtClean="0"/>
-              <a:t>28</a:t>
+              <a:t>23</a:t>
             </a:fld>
             <a:endParaRPr lang="de-DE"/>
           </a:p>
@@ -3613,7 +3515,7 @@
     </p:spTree>
     <p:extLst>
       <p:ext uri="{BB962C8B-B14F-4D97-AF65-F5344CB8AC3E}">
-        <p14:creationId xmlns:p14="http://schemas.microsoft.com/office/powerpoint/2010/main" val="4196643258"/>
+        <p14:creationId xmlns:p14="http://schemas.microsoft.com/office/powerpoint/2010/main" val="410681100"/>
       </p:ext>
     </p:extLst>
   </p:cSld>
@@ -12766,7 +12668,7 @@
               </a:spcBef>
             </a:pPr>
             <a:r>
-              <a:rPr lang="en-US" sz="3400"/>
+              <a:rPr lang="en-US" sz="3400" dirty="0" err="1"/>
               <a:t>Einteilung</a:t>
             </a:r>
             <a:r>
@@ -13660,1551 +13562,6 @@
           <p:cNvPr id="2" name="Title 1">
             <a:extLst>
               <a:ext uri="{FF2B5EF4-FFF2-40B4-BE49-F238E27FC236}">
-                <a16:creationId xmlns:a16="http://schemas.microsoft.com/office/drawing/2014/main" id="{85899F8B-73CB-DB4F-8F4F-854A85928BE7}"/>
-              </a:ext>
-            </a:extLst>
-          </p:cNvPr>
-          <p:cNvSpPr>
-            <a:spLocks noGrp="1"/>
-          </p:cNvSpPr>
-          <p:nvPr>
-            <p:ph type="title"/>
-          </p:nvPr>
-        </p:nvSpPr>
-        <p:spPr/>
-        <p:txBody>
-          <a:bodyPr/>
-          <a:lstStyle/>
-          <a:p>
-            <a:endParaRPr lang="de-DE"/>
-          </a:p>
-        </p:txBody>
-      </p:sp>
-    </p:spTree>
-    <p:extLst>
-      <p:ext uri="{BB962C8B-B14F-4D97-AF65-F5344CB8AC3E}">
-        <p14:creationId xmlns:p14="http://schemas.microsoft.com/office/powerpoint/2010/main" val="1538760154"/>
-      </p:ext>
-    </p:extLst>
-  </p:cSld>
-  <p:clrMapOvr>
-    <a:masterClrMapping/>
-  </p:clrMapOvr>
-</p:sld>
-</file>
-
-<file path=ppt/slides/slide24.xml><?xml version="1.0" encoding="utf-8"?>
-<p:sld xmlns:a="http://schemas.openxmlformats.org/drawingml/2006/main" xmlns:r="http://schemas.openxmlformats.org/officeDocument/2006/relationships" xmlns:p="http://schemas.openxmlformats.org/presentationml/2006/main">
-  <p:cSld>
-    <p:spTree>
-      <p:nvGrpSpPr>
-        <p:cNvPr id="1" name=""/>
-        <p:cNvGrpSpPr/>
-        <p:nvPr/>
-      </p:nvGrpSpPr>
-      <p:grpSpPr>
-        <a:xfrm>
-          <a:off x="0" y="0"/>
-          <a:ext cx="0" cy="0"/>
-          <a:chOff x="0" y="0"/>
-          <a:chExt cx="0" cy="0"/>
-        </a:xfrm>
-      </p:grpSpPr>
-      <p:sp>
-        <p:nvSpPr>
-          <p:cNvPr id="2" name="Title 1">
-            <a:extLst>
-              <a:ext uri="{FF2B5EF4-FFF2-40B4-BE49-F238E27FC236}">
-                <a16:creationId xmlns:a16="http://schemas.microsoft.com/office/drawing/2014/main" id="{6CC441EB-1D91-5647-AE07-C40ADE181B33}"/>
-              </a:ext>
-            </a:extLst>
-          </p:cNvPr>
-          <p:cNvSpPr>
-            <a:spLocks noGrp="1"/>
-          </p:cNvSpPr>
-          <p:nvPr>
-            <p:ph type="title"/>
-          </p:nvPr>
-        </p:nvSpPr>
-        <p:spPr/>
-        <p:txBody>
-          <a:bodyPr/>
-          <a:lstStyle/>
-          <a:p>
-            <a:endParaRPr lang="de-DE"/>
-          </a:p>
-        </p:txBody>
-      </p:sp>
-    </p:spTree>
-    <p:extLst>
-      <p:ext uri="{BB962C8B-B14F-4D97-AF65-F5344CB8AC3E}">
-        <p14:creationId xmlns:p14="http://schemas.microsoft.com/office/powerpoint/2010/main" val="2923062009"/>
-      </p:ext>
-    </p:extLst>
-  </p:cSld>
-  <p:clrMapOvr>
-    <a:masterClrMapping/>
-  </p:clrMapOvr>
-</p:sld>
-</file>
-
-<file path=ppt/slides/slide25.xml><?xml version="1.0" encoding="utf-8"?>
-<p:sld xmlns:a="http://schemas.openxmlformats.org/drawingml/2006/main" xmlns:r="http://schemas.openxmlformats.org/officeDocument/2006/relationships" xmlns:p="http://schemas.openxmlformats.org/presentationml/2006/main">
-  <p:cSld>
-    <p:spTree>
-      <p:nvGrpSpPr>
-        <p:cNvPr id="1" name=""/>
-        <p:cNvGrpSpPr/>
-        <p:nvPr/>
-      </p:nvGrpSpPr>
-      <p:grpSpPr>
-        <a:xfrm>
-          <a:off x="0" y="0"/>
-          <a:ext cx="0" cy="0"/>
-          <a:chOff x="0" y="0"/>
-          <a:chExt cx="0" cy="0"/>
-        </a:xfrm>
-      </p:grpSpPr>
-      <p:pic>
-        <p:nvPicPr>
-          <p:cNvPr id="16" name="Picture 15" descr="A screenshot of a cell phone&#10;&#10;Description automatically generated">
-            <a:extLst>
-              <a:ext uri="{FF2B5EF4-FFF2-40B4-BE49-F238E27FC236}">
-                <a16:creationId xmlns:a16="http://schemas.microsoft.com/office/drawing/2014/main" id="{7F378108-EC7D-AB40-8145-AFE170AA4A98}"/>
-              </a:ext>
-            </a:extLst>
-          </p:cNvPr>
-          <p:cNvPicPr>
-            <a:picLocks noChangeAspect="1"/>
-          </p:cNvPicPr>
-          <p:nvPr/>
-        </p:nvPicPr>
-        <p:blipFill rotWithShape="1">
-          <a:blip r:embed="rId2"/>
-          <a:srcRect l="10970" t="6471" r="1496" b="5294"/>
-          <a:stretch/>
-        </p:blipFill>
-        <p:spPr>
-          <a:xfrm>
-            <a:off x="4107520" y="367602"/>
-            <a:ext cx="7756427" cy="5813049"/>
-          </a:xfrm>
-          <a:prstGeom prst="rect">
-            <a:avLst/>
-          </a:prstGeom>
-        </p:spPr>
-      </p:pic>
-      <p:sp>
-        <p:nvSpPr>
-          <p:cNvPr id="6" name="TextBox 5">
-            <a:extLst>
-              <a:ext uri="{FF2B5EF4-FFF2-40B4-BE49-F238E27FC236}">
-                <a16:creationId xmlns:a16="http://schemas.microsoft.com/office/drawing/2014/main" id="{0F1F5E77-3675-BD4F-B8AF-14446DCA993A}"/>
-              </a:ext>
-            </a:extLst>
-          </p:cNvPr>
-          <p:cNvSpPr txBox="1"/>
-          <p:nvPr/>
-        </p:nvSpPr>
-        <p:spPr>
-          <a:xfrm>
-            <a:off x="3317503" y="5685646"/>
-            <a:ext cx="847165" cy="461665"/>
-          </a:xfrm>
-          <a:prstGeom prst="rect">
-            <a:avLst/>
-          </a:prstGeom>
-          <a:noFill/>
-        </p:spPr>
-        <p:txBody>
-          <a:bodyPr wrap="square" rtlCol="0">
-            <a:spAutoFit/>
-          </a:bodyPr>
-          <a:lstStyle/>
-          <a:p>
-            <a:r>
-              <a:rPr lang="de-DE" sz="2400" b="1" dirty="0"/>
-              <a:t>Zeit</a:t>
-            </a:r>
-            <a:endParaRPr lang="de-DE" b="1" dirty="0"/>
-          </a:p>
-        </p:txBody>
-      </p:sp>
-      <p:sp>
-        <p:nvSpPr>
-          <p:cNvPr id="8" name="Right Arrow 7">
-            <a:extLst>
-              <a:ext uri="{FF2B5EF4-FFF2-40B4-BE49-F238E27FC236}">
-                <a16:creationId xmlns:a16="http://schemas.microsoft.com/office/drawing/2014/main" id="{D652BD30-90C0-9140-ABEF-379D65488567}"/>
-              </a:ext>
-            </a:extLst>
-          </p:cNvPr>
-          <p:cNvSpPr/>
-          <p:nvPr/>
-        </p:nvSpPr>
-        <p:spPr>
-          <a:xfrm>
-            <a:off x="4221816" y="5716498"/>
-            <a:ext cx="6550675" cy="430813"/>
-          </a:xfrm>
-          <a:prstGeom prst="rightArrow">
-            <a:avLst>
-              <a:gd name="adj1" fmla="val 50000"/>
-              <a:gd name="adj2" fmla="val 96371"/>
-            </a:avLst>
-          </a:prstGeom>
-        </p:spPr>
-        <p:style>
-          <a:lnRef idx="2">
-            <a:schemeClr val="dk1">
-              <a:shade val="50000"/>
-            </a:schemeClr>
-          </a:lnRef>
-          <a:fillRef idx="1">
-            <a:schemeClr val="dk1"/>
-          </a:fillRef>
-          <a:effectRef idx="0">
-            <a:schemeClr val="dk1"/>
-          </a:effectRef>
-          <a:fontRef idx="minor">
-            <a:schemeClr val="lt1"/>
-          </a:fontRef>
-        </p:style>
-        <p:txBody>
-          <a:bodyPr rtlCol="0" anchor="ctr"/>
-          <a:lstStyle/>
-          <a:p>
-            <a:pPr algn="ctr"/>
-            <a:endParaRPr lang="de-DE"/>
-          </a:p>
-        </p:txBody>
-      </p:sp>
-      <p:sp>
-        <p:nvSpPr>
-          <p:cNvPr id="10" name="TextBox 9">
-            <a:extLst>
-              <a:ext uri="{FF2B5EF4-FFF2-40B4-BE49-F238E27FC236}">
-                <a16:creationId xmlns:a16="http://schemas.microsoft.com/office/drawing/2014/main" id="{DF970926-11AF-184A-92E1-E638B5EC3DAF}"/>
-              </a:ext>
-            </a:extLst>
-          </p:cNvPr>
-          <p:cNvSpPr txBox="1"/>
-          <p:nvPr/>
-        </p:nvSpPr>
-        <p:spPr>
-          <a:xfrm>
-            <a:off x="0" y="660982"/>
-            <a:ext cx="4402232" cy="3785652"/>
-          </a:xfrm>
-          <a:prstGeom prst="rect">
-            <a:avLst/>
-          </a:prstGeom>
-          <a:noFill/>
-        </p:spPr>
-        <p:txBody>
-          <a:bodyPr wrap="square" rtlCol="0">
-            <a:spAutoFit/>
-          </a:bodyPr>
-          <a:lstStyle/>
-          <a:p>
-            <a:r>
-              <a:rPr lang="de-DE" sz="2400" b="1" dirty="0"/>
-              <a:t>Aufteilung nach AMANN</a:t>
-            </a:r>
-          </a:p>
-          <a:p>
-            <a:endParaRPr lang="de-DE" sz="2400" dirty="0"/>
-          </a:p>
-          <a:p>
-            <a:r>
-              <a:rPr lang="de-DE" sz="2400" dirty="0"/>
-              <a:t>Barock: 	   1600-1720  🟩   Aufklärung: 	   1720-1785  🟦</a:t>
-            </a:r>
-          </a:p>
-          <a:p>
-            <a:r>
-              <a:rPr lang="de-DE" sz="2400" dirty="0"/>
-              <a:t>Klassik: 	   1786-1832  🟨</a:t>
-            </a:r>
-          </a:p>
-          <a:p>
-            <a:r>
-              <a:rPr lang="de-DE" sz="2400" dirty="0"/>
-              <a:t>Romantik: 	   1798-1835  </a:t>
-            </a:r>
-          </a:p>
-          <a:p>
-            <a:r>
-              <a:rPr lang="de-DE" sz="2400" dirty="0"/>
-              <a:t>Biedermeier:   1815-1848  🟥</a:t>
-            </a:r>
-          </a:p>
-          <a:p>
-            <a:r>
-              <a:rPr lang="de-DE" sz="2400" dirty="0"/>
-              <a:t>Realismus: 	   1850-1890  🟫</a:t>
-            </a:r>
-          </a:p>
-          <a:p>
-            <a:r>
-              <a:rPr lang="de-DE" sz="2400" dirty="0"/>
-              <a:t>Naturalismus:  1880-1900  🟧</a:t>
-            </a:r>
-          </a:p>
-          <a:p>
-            <a:r>
-              <a:rPr lang="de-DE" sz="2000" dirty="0"/>
-              <a:t>Expressionismus: </a:t>
-            </a:r>
-            <a:r>
-              <a:rPr lang="de-DE" sz="2400" dirty="0"/>
-              <a:t>1905-1925  🟪</a:t>
-            </a:r>
-          </a:p>
-        </p:txBody>
-      </p:sp>
-      <p:sp>
-        <p:nvSpPr>
-          <p:cNvPr id="13" name="Rounded Rectangle 12">
-            <a:extLst>
-              <a:ext uri="{FF2B5EF4-FFF2-40B4-BE49-F238E27FC236}">
-                <a16:creationId xmlns:a16="http://schemas.microsoft.com/office/drawing/2014/main" id="{C32C185C-5F2D-BB4C-9F2B-43AC19FFCD9E}"/>
-              </a:ext>
-            </a:extLst>
-          </p:cNvPr>
-          <p:cNvSpPr/>
-          <p:nvPr/>
-        </p:nvSpPr>
-        <p:spPr>
-          <a:xfrm>
-            <a:off x="3792071" y="2528047"/>
-            <a:ext cx="315449" cy="300205"/>
-          </a:xfrm>
-          <a:prstGeom prst="roundRect">
-            <a:avLst/>
-          </a:prstGeom>
-          <a:solidFill>
-            <a:srgbClr val="D98ED9"/>
-          </a:solidFill>
-          <a:ln>
-            <a:solidFill>
-              <a:srgbClr val="D98ED9"/>
-            </a:solidFill>
-          </a:ln>
-          <a:effectLst/>
-        </p:spPr>
-        <p:style>
-          <a:lnRef idx="2">
-            <a:schemeClr val="accent1">
-              <a:shade val="50000"/>
-            </a:schemeClr>
-          </a:lnRef>
-          <a:fillRef idx="1">
-            <a:schemeClr val="accent1"/>
-          </a:fillRef>
-          <a:effectRef idx="0">
-            <a:schemeClr val="accent1"/>
-          </a:effectRef>
-          <a:fontRef idx="minor">
-            <a:schemeClr val="lt1"/>
-          </a:fontRef>
-        </p:style>
-        <p:txBody>
-          <a:bodyPr rtlCol="0" anchor="ctr"/>
-          <a:lstStyle/>
-          <a:p>
-            <a:pPr algn="ctr"/>
-            <a:endParaRPr lang="de-DE"/>
-          </a:p>
-        </p:txBody>
-      </p:sp>
-    </p:spTree>
-    <p:extLst>
-      <p:ext uri="{BB962C8B-B14F-4D97-AF65-F5344CB8AC3E}">
-        <p14:creationId xmlns:p14="http://schemas.microsoft.com/office/powerpoint/2010/main" val="3176583307"/>
-      </p:ext>
-    </p:extLst>
-  </p:cSld>
-  <p:clrMapOvr>
-    <a:masterClrMapping/>
-  </p:clrMapOvr>
-</p:sld>
-</file>
-
-<file path=ppt/slides/slide26.xml><?xml version="1.0" encoding="utf-8"?>
-<p:sld xmlns:a="http://schemas.openxmlformats.org/drawingml/2006/main" xmlns:r="http://schemas.openxmlformats.org/officeDocument/2006/relationships" xmlns:p="http://schemas.openxmlformats.org/presentationml/2006/main">
-  <p:cSld>
-    <p:spTree>
-      <p:nvGrpSpPr>
-        <p:cNvPr id="1" name=""/>
-        <p:cNvGrpSpPr/>
-        <p:nvPr/>
-      </p:nvGrpSpPr>
-      <p:grpSpPr>
-        <a:xfrm>
-          <a:off x="0" y="0"/>
-          <a:ext cx="0" cy="0"/>
-          <a:chOff x="0" y="0"/>
-          <a:chExt cx="0" cy="0"/>
-        </a:xfrm>
-      </p:grpSpPr>
-      <p:pic>
-        <p:nvPicPr>
-          <p:cNvPr id="7" name="Picture 6" descr="A close up of a map&#10;&#10;Description automatically generated">
-            <a:extLst>
-              <a:ext uri="{FF2B5EF4-FFF2-40B4-BE49-F238E27FC236}">
-                <a16:creationId xmlns:a16="http://schemas.microsoft.com/office/drawing/2014/main" id="{2C840CF0-2059-1044-81E7-BE932820EA77}"/>
-              </a:ext>
-            </a:extLst>
-          </p:cNvPr>
-          <p:cNvPicPr>
-            <a:picLocks noChangeAspect="1"/>
-          </p:cNvPicPr>
-          <p:nvPr/>
-        </p:nvPicPr>
-        <p:blipFill rotWithShape="1">
-          <a:blip r:embed="rId2"/>
-          <a:srcRect l="10611" t="5941" b="9886"/>
-          <a:stretch/>
-        </p:blipFill>
-        <p:spPr>
-          <a:xfrm>
-            <a:off x="4107520" y="176046"/>
-            <a:ext cx="8081244" cy="6020972"/>
-          </a:xfrm>
-          <a:prstGeom prst="rect">
-            <a:avLst/>
-          </a:prstGeom>
-        </p:spPr>
-      </p:pic>
-      <p:sp>
-        <p:nvSpPr>
-          <p:cNvPr id="6" name="TextBox 5">
-            <a:extLst>
-              <a:ext uri="{FF2B5EF4-FFF2-40B4-BE49-F238E27FC236}">
-                <a16:creationId xmlns:a16="http://schemas.microsoft.com/office/drawing/2014/main" id="{0F1F5E77-3675-BD4F-B8AF-14446DCA993A}"/>
-              </a:ext>
-            </a:extLst>
-          </p:cNvPr>
-          <p:cNvSpPr txBox="1"/>
-          <p:nvPr/>
-        </p:nvSpPr>
-        <p:spPr>
-          <a:xfrm>
-            <a:off x="3338604" y="5851470"/>
-            <a:ext cx="847165" cy="461665"/>
-          </a:xfrm>
-          <a:prstGeom prst="rect">
-            <a:avLst/>
-          </a:prstGeom>
-          <a:noFill/>
-        </p:spPr>
-        <p:txBody>
-          <a:bodyPr wrap="square" rtlCol="0">
-            <a:spAutoFit/>
-          </a:bodyPr>
-          <a:lstStyle/>
-          <a:p>
-            <a:r>
-              <a:rPr lang="de-DE" sz="2400" b="1" dirty="0"/>
-              <a:t>Zeit</a:t>
-            </a:r>
-            <a:endParaRPr lang="de-DE" b="1" dirty="0"/>
-          </a:p>
-        </p:txBody>
-      </p:sp>
-      <p:sp>
-        <p:nvSpPr>
-          <p:cNvPr id="8" name="Right Arrow 7">
-            <a:extLst>
-              <a:ext uri="{FF2B5EF4-FFF2-40B4-BE49-F238E27FC236}">
-                <a16:creationId xmlns:a16="http://schemas.microsoft.com/office/drawing/2014/main" id="{D652BD30-90C0-9140-ABEF-379D65488567}"/>
-              </a:ext>
-            </a:extLst>
-          </p:cNvPr>
-          <p:cNvSpPr/>
-          <p:nvPr/>
-        </p:nvSpPr>
-        <p:spPr>
-          <a:xfrm>
-            <a:off x="4264019" y="5882322"/>
-            <a:ext cx="6550675" cy="430813"/>
-          </a:xfrm>
-          <a:prstGeom prst="rightArrow">
-            <a:avLst>
-              <a:gd name="adj1" fmla="val 50000"/>
-              <a:gd name="adj2" fmla="val 96371"/>
-            </a:avLst>
-          </a:prstGeom>
-        </p:spPr>
-        <p:style>
-          <a:lnRef idx="2">
-            <a:schemeClr val="dk1">
-              <a:shade val="50000"/>
-            </a:schemeClr>
-          </a:lnRef>
-          <a:fillRef idx="1">
-            <a:schemeClr val="dk1"/>
-          </a:fillRef>
-          <a:effectRef idx="0">
-            <a:schemeClr val="dk1"/>
-          </a:effectRef>
-          <a:fontRef idx="minor">
-            <a:schemeClr val="lt1"/>
-          </a:fontRef>
-        </p:style>
-        <p:txBody>
-          <a:bodyPr rtlCol="0" anchor="ctr"/>
-          <a:lstStyle/>
-          <a:p>
-            <a:pPr algn="ctr"/>
-            <a:endParaRPr lang="de-DE"/>
-          </a:p>
-        </p:txBody>
-      </p:sp>
-      <p:sp>
-        <p:nvSpPr>
-          <p:cNvPr id="10" name="TextBox 9">
-            <a:extLst>
-              <a:ext uri="{FF2B5EF4-FFF2-40B4-BE49-F238E27FC236}">
-                <a16:creationId xmlns:a16="http://schemas.microsoft.com/office/drawing/2014/main" id="{DF970926-11AF-184A-92E1-E638B5EC3DAF}"/>
-              </a:ext>
-            </a:extLst>
-          </p:cNvPr>
-          <p:cNvSpPr txBox="1"/>
-          <p:nvPr/>
-        </p:nvSpPr>
-        <p:spPr>
-          <a:xfrm>
-            <a:off x="0" y="660982"/>
-            <a:ext cx="4402232" cy="3785652"/>
-          </a:xfrm>
-          <a:prstGeom prst="rect">
-            <a:avLst/>
-          </a:prstGeom>
-          <a:noFill/>
-        </p:spPr>
-        <p:txBody>
-          <a:bodyPr wrap="square" rtlCol="0">
-            <a:spAutoFit/>
-          </a:bodyPr>
-          <a:lstStyle/>
-          <a:p>
-            <a:r>
-              <a:rPr lang="de-DE" sz="2400" b="1" dirty="0"/>
-              <a:t>Aufteilung nach AMANN</a:t>
-            </a:r>
-          </a:p>
-          <a:p>
-            <a:endParaRPr lang="de-DE" sz="2400" dirty="0"/>
-          </a:p>
-          <a:p>
-            <a:r>
-              <a:rPr lang="de-DE" sz="2400" dirty="0"/>
-              <a:t>Barock: 	   1600-1720  🟩   Aufklärung: 	   1720-1785  🟦</a:t>
-            </a:r>
-          </a:p>
-          <a:p>
-            <a:r>
-              <a:rPr lang="de-DE" sz="2400" dirty="0"/>
-              <a:t>Klassik: 	   1786-1832  🟨</a:t>
-            </a:r>
-          </a:p>
-          <a:p>
-            <a:r>
-              <a:rPr lang="de-DE" sz="2400" dirty="0"/>
-              <a:t>Romantik: 	   1798-1835  </a:t>
-            </a:r>
-          </a:p>
-          <a:p>
-            <a:r>
-              <a:rPr lang="de-DE" sz="2400" dirty="0"/>
-              <a:t>Biedermeier:   1815-1848  🟥</a:t>
-            </a:r>
-          </a:p>
-          <a:p>
-            <a:r>
-              <a:rPr lang="de-DE" sz="2400" dirty="0"/>
-              <a:t>Realismus: 	   1850-1890  🟫</a:t>
-            </a:r>
-          </a:p>
-          <a:p>
-            <a:r>
-              <a:rPr lang="de-DE" sz="2400" dirty="0"/>
-              <a:t>Naturalismus:  1880-1900  🟧</a:t>
-            </a:r>
-          </a:p>
-          <a:p>
-            <a:r>
-              <a:rPr lang="de-DE" sz="2000" dirty="0"/>
-              <a:t>Expressionismus: </a:t>
-            </a:r>
-            <a:r>
-              <a:rPr lang="de-DE" sz="2400" dirty="0"/>
-              <a:t>1905-1925  🟪</a:t>
-            </a:r>
-          </a:p>
-        </p:txBody>
-      </p:sp>
-      <p:sp>
-        <p:nvSpPr>
-          <p:cNvPr id="13" name="Rounded Rectangle 12">
-            <a:extLst>
-              <a:ext uri="{FF2B5EF4-FFF2-40B4-BE49-F238E27FC236}">
-                <a16:creationId xmlns:a16="http://schemas.microsoft.com/office/drawing/2014/main" id="{C32C185C-5F2D-BB4C-9F2B-43AC19FFCD9E}"/>
-              </a:ext>
-            </a:extLst>
-          </p:cNvPr>
-          <p:cNvSpPr/>
-          <p:nvPr/>
-        </p:nvSpPr>
-        <p:spPr>
-          <a:xfrm>
-            <a:off x="3792071" y="2528047"/>
-            <a:ext cx="315449" cy="300205"/>
-          </a:xfrm>
-          <a:prstGeom prst="roundRect">
-            <a:avLst/>
-          </a:prstGeom>
-          <a:solidFill>
-            <a:srgbClr val="D98ED9"/>
-          </a:solidFill>
-          <a:ln>
-            <a:solidFill>
-              <a:srgbClr val="D98ED9"/>
-            </a:solidFill>
-          </a:ln>
-          <a:effectLst/>
-        </p:spPr>
-        <p:style>
-          <a:lnRef idx="2">
-            <a:schemeClr val="accent1">
-              <a:shade val="50000"/>
-            </a:schemeClr>
-          </a:lnRef>
-          <a:fillRef idx="1">
-            <a:schemeClr val="accent1"/>
-          </a:fillRef>
-          <a:effectRef idx="0">
-            <a:schemeClr val="accent1"/>
-          </a:effectRef>
-          <a:fontRef idx="minor">
-            <a:schemeClr val="lt1"/>
-          </a:fontRef>
-        </p:style>
-        <p:txBody>
-          <a:bodyPr rtlCol="0" anchor="ctr"/>
-          <a:lstStyle/>
-          <a:p>
-            <a:pPr algn="ctr"/>
-            <a:endParaRPr lang="de-DE"/>
-          </a:p>
-        </p:txBody>
-      </p:sp>
-    </p:spTree>
-    <p:extLst>
-      <p:ext uri="{BB962C8B-B14F-4D97-AF65-F5344CB8AC3E}">
-        <p14:creationId xmlns:p14="http://schemas.microsoft.com/office/powerpoint/2010/main" val="3305122858"/>
-      </p:ext>
-    </p:extLst>
-  </p:cSld>
-  <p:clrMapOvr>
-    <a:masterClrMapping/>
-  </p:clrMapOvr>
-</p:sld>
-</file>
-
-<file path=ppt/slides/slide27.xml><?xml version="1.0" encoding="utf-8"?>
-<p:sld xmlns:a="http://schemas.openxmlformats.org/drawingml/2006/main" xmlns:r="http://schemas.openxmlformats.org/officeDocument/2006/relationships" xmlns:p="http://schemas.openxmlformats.org/presentationml/2006/main">
-  <p:cSld>
-    <p:bg>
-      <p:bgPr>
-        <a:solidFill>
-          <a:schemeClr val="bg1"/>
-        </a:solidFill>
-        <a:effectLst/>
-      </p:bgPr>
-    </p:bg>
-    <p:spTree>
-      <p:nvGrpSpPr>
-        <p:cNvPr id="1" name=""/>
-        <p:cNvGrpSpPr/>
-        <p:nvPr/>
-      </p:nvGrpSpPr>
-      <p:grpSpPr>
-        <a:xfrm>
-          <a:off x="0" y="0"/>
-          <a:ext cx="0" cy="0"/>
-          <a:chOff x="0" y="0"/>
-          <a:chExt cx="0" cy="0"/>
-        </a:xfrm>
-      </p:grpSpPr>
-      <p:sp>
-        <p:nvSpPr>
-          <p:cNvPr id="10" name="Rectangle 9">
-            <a:extLst>
-              <a:ext uri="{FF2B5EF4-FFF2-40B4-BE49-F238E27FC236}">
-                <a16:creationId xmlns:a16="http://schemas.microsoft.com/office/drawing/2014/main" id="{8D06CE56-3881-4ADA-8CEF-D18B02C242A3}"/>
-              </a:ext>
-              <a:ext uri="{C183D7F6-B498-43B3-948B-1728B52AA6E4}">
-                <adec:decorative xmlns:adec="http://schemas.microsoft.com/office/drawing/2017/decorative" val="1"/>
-              </a:ext>
-            </a:extLst>
-          </p:cNvPr>
-          <p:cNvSpPr>
-            <a:spLocks noGrp="1" noRot="1" noChangeAspect="1" noMove="1" noResize="1" noEditPoints="1" noAdjustHandles="1" noChangeArrowheads="1" noChangeShapeType="1" noTextEdit="1"/>
-          </p:cNvSpPr>
-          <p:nvPr>
-            <p:extLst>
-              <p:ext uri="{386F3935-93C4-4BCD-93E2-E3B085C9AB24}">
-                <p16:designElem xmlns:p16="http://schemas.microsoft.com/office/powerpoint/2015/main" val="1"/>
-              </p:ext>
-            </p:extLst>
-          </p:nvPr>
-        </p:nvSpPr>
-        <p:spPr>
-          <a:xfrm rot="5400000">
-            <a:off x="857544" y="346791"/>
-            <a:ext cx="146304" cy="704088"/>
-          </a:xfrm>
-          <a:prstGeom prst="rect">
-            <a:avLst/>
-          </a:prstGeom>
-          <a:solidFill>
-            <a:schemeClr val="accent1"/>
-          </a:solidFill>
-          <a:ln>
-            <a:noFill/>
-          </a:ln>
-        </p:spPr>
-        <p:style>
-          <a:lnRef idx="2">
-            <a:schemeClr val="accent1">
-              <a:shade val="50000"/>
-            </a:schemeClr>
-          </a:lnRef>
-          <a:fillRef idx="1">
-            <a:schemeClr val="accent1"/>
-          </a:fillRef>
-          <a:effectRef idx="0">
-            <a:schemeClr val="accent1"/>
-          </a:effectRef>
-          <a:fontRef idx="minor">
-            <a:schemeClr val="lt1"/>
-          </a:fontRef>
-        </p:style>
-        <p:txBody>
-          <a:bodyPr rtlCol="0" anchor="ctr"/>
-          <a:lstStyle/>
-          <a:p>
-            <a:pPr marL="0" marR="0" lvl="0" indent="0" algn="ctr" defTabSz="914400" rtl="0" eaLnBrk="1" fontAlgn="auto" latinLnBrk="0" hangingPunct="1">
-              <a:lnSpc>
-                <a:spcPct val="100000"/>
-              </a:lnSpc>
-              <a:spcBef>
-                <a:spcPts val="0"/>
-              </a:spcBef>
-              <a:spcAft>
-                <a:spcPts val="0"/>
-              </a:spcAft>
-              <a:buClrTx/>
-              <a:buSzTx/>
-              <a:buFontTx/>
-              <a:buNone/>
-              <a:tabLst/>
-              <a:defRPr/>
-            </a:pPr>
-            <a:endParaRPr kumimoji="0" lang="en-US" sz="1800" b="0" i="0" u="none" strike="noStrike" kern="1200" cap="none" spc="0" normalizeH="0" baseline="0" noProof="0">
-              <a:ln>
-                <a:noFill/>
-              </a:ln>
-              <a:solidFill>
-                <a:prstClr val="white"/>
-              </a:solidFill>
-              <a:effectLst/>
-              <a:uLnTx/>
-              <a:uFillTx/>
-              <a:latin typeface="Calibri" panose="020F0502020204030204"/>
-              <a:ea typeface="+mn-ea"/>
-              <a:cs typeface="+mn-cs"/>
-            </a:endParaRPr>
-          </a:p>
-        </p:txBody>
-      </p:sp>
-      <p:sp>
-        <p:nvSpPr>
-          <p:cNvPr id="12" name="Rectangle 11">
-            <a:extLst>
-              <a:ext uri="{FF2B5EF4-FFF2-40B4-BE49-F238E27FC236}">
-                <a16:creationId xmlns:a16="http://schemas.microsoft.com/office/drawing/2014/main" id="{79F3C543-62EC-4433-9C93-A2CD8764E9B4}"/>
-              </a:ext>
-              <a:ext uri="{C183D7F6-B498-43B3-948B-1728B52AA6E4}">
-                <adec:decorative xmlns:adec="http://schemas.microsoft.com/office/drawing/2017/decorative" val="1"/>
-              </a:ext>
-            </a:extLst>
-          </p:cNvPr>
-          <p:cNvSpPr>
-            <a:spLocks noGrp="1" noRot="1" noChangeAspect="1" noMove="1" noResize="1" noEditPoints="1" noAdjustHandles="1" noChangeArrowheads="1" noChangeShapeType="1" noTextEdit="1"/>
-          </p:cNvSpPr>
-          <p:nvPr>
-            <p:extLst>
-              <p:ext uri="{386F3935-93C4-4BCD-93E2-E3B085C9AB24}">
-                <p16:designElem xmlns:p16="http://schemas.microsoft.com/office/powerpoint/2015/main" val="1"/>
-              </p:ext>
-            </p:extLst>
-          </p:nvPr>
-        </p:nvSpPr>
-        <p:spPr>
-          <a:xfrm flipV="1">
-            <a:off x="578652" y="4501201"/>
-            <a:ext cx="11034696" cy="18288"/>
-          </a:xfrm>
-          <a:prstGeom prst="rect">
-            <a:avLst/>
-          </a:prstGeom>
-          <a:solidFill>
-            <a:schemeClr val="tx2">
-              <a:lumMod val="25000"/>
-              <a:lumOff val="75000"/>
-            </a:schemeClr>
-          </a:solidFill>
-          <a:ln w="3175">
-            <a:noFill/>
-          </a:ln>
-          <a:effectLst/>
-        </p:spPr>
-        <p:style>
-          <a:lnRef idx="2">
-            <a:schemeClr val="accent1">
-              <a:shade val="50000"/>
-            </a:schemeClr>
-          </a:lnRef>
-          <a:fillRef idx="1">
-            <a:schemeClr val="accent1"/>
-          </a:fillRef>
-          <a:effectRef idx="0">
-            <a:schemeClr val="accent1"/>
-          </a:effectRef>
-          <a:fontRef idx="minor">
-            <a:schemeClr val="lt1"/>
-          </a:fontRef>
-        </p:style>
-        <p:txBody>
-          <a:bodyPr rtlCol="0" anchor="ctr"/>
-          <a:lstStyle/>
-          <a:p>
-            <a:pPr marL="0" marR="0" lvl="0" indent="0" algn="ctr" defTabSz="914400" rtl="0" eaLnBrk="1" fontAlgn="auto" latinLnBrk="0" hangingPunct="1">
-              <a:lnSpc>
-                <a:spcPct val="100000"/>
-              </a:lnSpc>
-              <a:spcBef>
-                <a:spcPts val="0"/>
-              </a:spcBef>
-              <a:spcAft>
-                <a:spcPts val="0"/>
-              </a:spcAft>
-              <a:buClrTx/>
-              <a:buSzTx/>
-              <a:buFontTx/>
-              <a:buNone/>
-              <a:tabLst/>
-              <a:defRPr/>
-            </a:pPr>
-            <a:endParaRPr kumimoji="0" lang="en-US" sz="1800" b="0" i="0" u="none" strike="noStrike" kern="1200" cap="none" spc="0" normalizeH="0" baseline="0" noProof="0">
-              <a:ln>
-                <a:noFill/>
-              </a:ln>
-              <a:solidFill>
-                <a:prstClr val="white"/>
-              </a:solidFill>
-              <a:effectLst/>
-              <a:uLnTx/>
-              <a:uFillTx/>
-              <a:latin typeface="Calibri" panose="020F0502020204030204"/>
-              <a:ea typeface="+mn-ea"/>
-              <a:cs typeface="+mn-cs"/>
-            </a:endParaRPr>
-          </a:p>
-        </p:txBody>
-      </p:sp>
-      <p:sp useBgFill="1">
-        <p:nvSpPr>
-          <p:cNvPr id="14" name="Rectangle 13">
-            <a:extLst>
-              <a:ext uri="{FF2B5EF4-FFF2-40B4-BE49-F238E27FC236}">
-                <a16:creationId xmlns:a16="http://schemas.microsoft.com/office/drawing/2014/main" id="{68AF5748-FED8-45BA-8631-26D1D10F3246}"/>
-              </a:ext>
-              <a:ext uri="{C183D7F6-B498-43B3-948B-1728B52AA6E4}">
-                <adec:decorative xmlns:adec="http://schemas.microsoft.com/office/drawing/2017/decorative" val="1"/>
-              </a:ext>
-            </a:extLst>
-          </p:cNvPr>
-          <p:cNvSpPr>
-            <a:spLocks noGrp="1" noRot="1" noChangeAspect="1" noMove="1" noResize="1" noEditPoints="1" noAdjustHandles="1" noChangeArrowheads="1" noChangeShapeType="1" noTextEdit="1"/>
-          </p:cNvSpPr>
-          <p:nvPr>
-            <p:extLst>
-              <p:ext uri="{386F3935-93C4-4BCD-93E2-E3B085C9AB24}">
-                <p16:designElem xmlns:p16="http://schemas.microsoft.com/office/powerpoint/2015/main" val="1"/>
-              </p:ext>
-            </p:extLst>
-          </p:nvPr>
-        </p:nvSpPr>
-        <p:spPr>
-          <a:xfrm>
-            <a:off x="0" y="0"/>
-            <a:ext cx="12192000" cy="6858000"/>
-          </a:xfrm>
-          <a:prstGeom prst="rect">
-            <a:avLst/>
-          </a:prstGeom>
-          <a:ln>
-            <a:noFill/>
-          </a:ln>
-        </p:spPr>
-        <p:style>
-          <a:lnRef idx="2">
-            <a:schemeClr val="accent1">
-              <a:shade val="50000"/>
-            </a:schemeClr>
-          </a:lnRef>
-          <a:fillRef idx="1">
-            <a:schemeClr val="accent1"/>
-          </a:fillRef>
-          <a:effectRef idx="0">
-            <a:schemeClr val="accent1"/>
-          </a:effectRef>
-          <a:fontRef idx="minor">
-            <a:schemeClr val="lt1"/>
-          </a:fontRef>
-        </p:style>
-        <p:txBody>
-          <a:bodyPr rtlCol="0" anchor="ctr"/>
-          <a:lstStyle/>
-          <a:p>
-            <a:pPr algn="ctr"/>
-            <a:endParaRPr lang="en-US"/>
-          </a:p>
-        </p:txBody>
-      </p:sp>
-      <p:sp>
-        <p:nvSpPr>
-          <p:cNvPr id="2" name="Title 1">
-            <a:extLst>
-              <a:ext uri="{FF2B5EF4-FFF2-40B4-BE49-F238E27FC236}">
-                <a16:creationId xmlns:a16="http://schemas.microsoft.com/office/drawing/2014/main" id="{6EB97A2B-FE5C-534E-B670-6CA8E78B29AF}"/>
-              </a:ext>
-            </a:extLst>
-          </p:cNvPr>
-          <p:cNvSpPr>
-            <a:spLocks noGrp="1"/>
-          </p:cNvSpPr>
-          <p:nvPr>
-            <p:ph type="title"/>
-          </p:nvPr>
-        </p:nvSpPr>
-        <p:spPr>
-          <a:xfrm>
-            <a:off x="477981" y="1122363"/>
-            <a:ext cx="4023360" cy="3204134"/>
-          </a:xfrm>
-        </p:spPr>
-        <p:txBody>
-          <a:bodyPr vert="horz" lIns="91440" tIns="45720" rIns="91440" bIns="45720" rtlCol="0" anchor="b">
-            <a:normAutofit/>
-          </a:bodyPr>
-          <a:lstStyle/>
-          <a:p>
-            <a:r>
-              <a:rPr lang="en-US" sz="4800" b="1" dirty="0"/>
-              <a:t>K-Means</a:t>
-            </a:r>
-            <a:br>
-              <a:rPr lang="en-US" sz="4800" b="1" dirty="0"/>
-            </a:br>
-            <a:r>
-              <a:rPr lang="en-US" sz="4800" dirty="0" err="1"/>
-              <a:t>alle</a:t>
-            </a:r>
-            <a:r>
-              <a:rPr lang="en-US" sz="4800" dirty="0"/>
-              <a:t> </a:t>
-            </a:r>
-            <a:r>
-              <a:rPr lang="en-US" sz="4800" dirty="0" err="1"/>
-              <a:t>Epochen</a:t>
-            </a:r>
-            <a:endParaRPr lang="en-US" sz="4800" b="1" dirty="0"/>
-          </a:p>
-        </p:txBody>
-      </p:sp>
-      <p:sp>
-        <p:nvSpPr>
-          <p:cNvPr id="16" name="Rectangle 15">
-            <a:extLst>
-              <a:ext uri="{FF2B5EF4-FFF2-40B4-BE49-F238E27FC236}">
-                <a16:creationId xmlns:a16="http://schemas.microsoft.com/office/drawing/2014/main" id="{AF2F604E-43BE-4DC3-B983-E071523364F8}"/>
-              </a:ext>
-              <a:ext uri="{C183D7F6-B498-43B3-948B-1728B52AA6E4}">
-                <adec:decorative xmlns:adec="http://schemas.microsoft.com/office/drawing/2017/decorative" val="1"/>
-              </a:ext>
-            </a:extLst>
-          </p:cNvPr>
-          <p:cNvSpPr>
-            <a:spLocks noGrp="1" noRot="1" noChangeAspect="1" noMove="1" noResize="1" noEditPoints="1" noAdjustHandles="1" noChangeArrowheads="1" noChangeShapeType="1" noTextEdit="1"/>
-          </p:cNvSpPr>
-          <p:nvPr>
-            <p:extLst>
-              <p:ext uri="{386F3935-93C4-4BCD-93E2-E3B085C9AB24}">
-                <p16:designElem xmlns:p16="http://schemas.microsoft.com/office/powerpoint/2015/main" val="1"/>
-              </p:ext>
-            </p:extLst>
-          </p:nvPr>
-        </p:nvSpPr>
-        <p:spPr>
-          <a:xfrm rot="5400000">
-            <a:off x="759921" y="346791"/>
-            <a:ext cx="146304" cy="704088"/>
-          </a:xfrm>
-          <a:prstGeom prst="rect">
-            <a:avLst/>
-          </a:prstGeom>
-          <a:solidFill>
-            <a:schemeClr val="accent1"/>
-          </a:solidFill>
-          <a:ln>
-            <a:noFill/>
-          </a:ln>
-        </p:spPr>
-        <p:style>
-          <a:lnRef idx="2">
-            <a:schemeClr val="accent1">
-              <a:shade val="50000"/>
-            </a:schemeClr>
-          </a:lnRef>
-          <a:fillRef idx="1">
-            <a:schemeClr val="accent1"/>
-          </a:fillRef>
-          <a:effectRef idx="0">
-            <a:schemeClr val="accent1"/>
-          </a:effectRef>
-          <a:fontRef idx="minor">
-            <a:schemeClr val="lt1"/>
-          </a:fontRef>
-        </p:style>
-        <p:txBody>
-          <a:bodyPr rtlCol="0" anchor="ctr"/>
-          <a:lstStyle/>
-          <a:p>
-            <a:pPr marL="0" marR="0" lvl="0" indent="0" algn="ctr" defTabSz="914400" rtl="0" eaLnBrk="1" fontAlgn="auto" latinLnBrk="0" hangingPunct="1">
-              <a:lnSpc>
-                <a:spcPct val="100000"/>
-              </a:lnSpc>
-              <a:spcBef>
-                <a:spcPts val="0"/>
-              </a:spcBef>
-              <a:spcAft>
-                <a:spcPts val="0"/>
-              </a:spcAft>
-              <a:buClrTx/>
-              <a:buSzTx/>
-              <a:buFontTx/>
-              <a:buNone/>
-              <a:tabLst/>
-              <a:defRPr/>
-            </a:pPr>
-            <a:endParaRPr kumimoji="0" lang="en-US" sz="1800" b="0" i="0" u="none" strike="noStrike" kern="1200" cap="none" spc="0" normalizeH="0" baseline="0" noProof="0">
-              <a:ln>
-                <a:noFill/>
-              </a:ln>
-              <a:solidFill>
-                <a:prstClr val="white"/>
-              </a:solidFill>
-              <a:effectLst/>
-              <a:uLnTx/>
-              <a:uFillTx/>
-              <a:latin typeface="Calibri" panose="020F0502020204030204"/>
-              <a:ea typeface="+mn-ea"/>
-              <a:cs typeface="+mn-cs"/>
-            </a:endParaRPr>
-          </a:p>
-        </p:txBody>
-      </p:sp>
-      <p:sp>
-        <p:nvSpPr>
-          <p:cNvPr id="18" name="Rectangle 17">
-            <a:extLst>
-              <a:ext uri="{FF2B5EF4-FFF2-40B4-BE49-F238E27FC236}">
-                <a16:creationId xmlns:a16="http://schemas.microsoft.com/office/drawing/2014/main" id="{08C9B587-E65E-4B52-B37C-ABEBB6E87928}"/>
-              </a:ext>
-              <a:ext uri="{C183D7F6-B498-43B3-948B-1728B52AA6E4}">
-                <adec:decorative xmlns:adec="http://schemas.microsoft.com/office/drawing/2017/decorative" val="1"/>
-              </a:ext>
-            </a:extLst>
-          </p:cNvPr>
-          <p:cNvSpPr>
-            <a:spLocks noGrp="1" noRot="1" noChangeAspect="1" noMove="1" noResize="1" noEditPoints="1" noAdjustHandles="1" noChangeArrowheads="1" noChangeShapeType="1" noTextEdit="1"/>
-          </p:cNvSpPr>
-          <p:nvPr>
-            <p:extLst>
-              <p:ext uri="{386F3935-93C4-4BCD-93E2-E3B085C9AB24}">
-                <p16:designElem xmlns:p16="http://schemas.microsoft.com/office/powerpoint/2015/main" val="1"/>
-              </p:ext>
-            </p:extLst>
-          </p:nvPr>
-        </p:nvSpPr>
-        <p:spPr>
-          <a:xfrm>
-            <a:off x="481029" y="4546920"/>
-            <a:ext cx="4023360" cy="18288"/>
-          </a:xfrm>
-          <a:prstGeom prst="rect">
-            <a:avLst/>
-          </a:prstGeom>
-          <a:solidFill>
-            <a:schemeClr val="tx2">
-              <a:lumMod val="25000"/>
-              <a:lumOff val="75000"/>
-            </a:schemeClr>
-          </a:solidFill>
-          <a:ln w="3175">
-            <a:noFill/>
-          </a:ln>
-          <a:effectLst/>
-        </p:spPr>
-        <p:style>
-          <a:lnRef idx="2">
-            <a:schemeClr val="accent1">
-              <a:shade val="50000"/>
-            </a:schemeClr>
-          </a:lnRef>
-          <a:fillRef idx="1">
-            <a:schemeClr val="accent1"/>
-          </a:fillRef>
-          <a:effectRef idx="0">
-            <a:schemeClr val="accent1"/>
-          </a:effectRef>
-          <a:fontRef idx="minor">
-            <a:schemeClr val="lt1"/>
-          </a:fontRef>
-        </p:style>
-        <p:txBody>
-          <a:bodyPr rtlCol="0" anchor="ctr"/>
-          <a:lstStyle/>
-          <a:p>
-            <a:pPr marL="0" marR="0" lvl="0" indent="0" algn="ctr" defTabSz="914400" rtl="0" eaLnBrk="1" fontAlgn="auto" latinLnBrk="0" hangingPunct="1">
-              <a:lnSpc>
-                <a:spcPct val="100000"/>
-              </a:lnSpc>
-              <a:spcBef>
-                <a:spcPts val="0"/>
-              </a:spcBef>
-              <a:spcAft>
-                <a:spcPts val="0"/>
-              </a:spcAft>
-              <a:buClrTx/>
-              <a:buSzTx/>
-              <a:buFontTx/>
-              <a:buNone/>
-              <a:tabLst/>
-              <a:defRPr/>
-            </a:pPr>
-            <a:endParaRPr kumimoji="0" lang="en-US" sz="1800" b="0" i="0" u="none" strike="noStrike" kern="1200" cap="none" spc="0" normalizeH="0" baseline="0" noProof="0">
-              <a:ln>
-                <a:noFill/>
-              </a:ln>
-              <a:solidFill>
-                <a:prstClr val="white"/>
-              </a:solidFill>
-              <a:effectLst/>
-              <a:uLnTx/>
-              <a:uFillTx/>
-              <a:latin typeface="Calibri" panose="020F0502020204030204"/>
-              <a:ea typeface="+mn-ea"/>
-              <a:cs typeface="+mn-cs"/>
-            </a:endParaRPr>
-          </a:p>
-        </p:txBody>
-      </p:sp>
-      <p:sp>
-        <p:nvSpPr>
-          <p:cNvPr id="6" name="TextBox 5">
-            <a:extLst>
-              <a:ext uri="{FF2B5EF4-FFF2-40B4-BE49-F238E27FC236}">
-                <a16:creationId xmlns:a16="http://schemas.microsoft.com/office/drawing/2014/main" id="{467DA40B-BE7B-B346-AE07-CAC87581B684}"/>
-              </a:ext>
-            </a:extLst>
-          </p:cNvPr>
-          <p:cNvSpPr txBox="1"/>
-          <p:nvPr/>
-        </p:nvSpPr>
-        <p:spPr>
-          <a:xfrm>
-            <a:off x="578652" y="4834887"/>
-            <a:ext cx="3724407" cy="1077218"/>
-          </a:xfrm>
-          <a:prstGeom prst="rect">
-            <a:avLst/>
-          </a:prstGeom>
-          <a:noFill/>
-        </p:spPr>
-        <p:txBody>
-          <a:bodyPr wrap="square" rtlCol="0">
-            <a:spAutoFit/>
-          </a:bodyPr>
-          <a:lstStyle/>
-          <a:p>
-            <a:r>
-              <a:rPr lang="de-DE" sz="3200" b="1" dirty="0" err="1"/>
-              <a:t>ari</a:t>
-            </a:r>
-            <a:r>
-              <a:rPr lang="de-DE" sz="3200" dirty="0"/>
-              <a:t>:  0.185</a:t>
-            </a:r>
-          </a:p>
-          <a:p>
-            <a:r>
-              <a:rPr lang="de-DE" sz="3200" b="1" dirty="0" err="1"/>
-              <a:t>vm</a:t>
-            </a:r>
-            <a:r>
-              <a:rPr lang="de-DE" sz="3200" dirty="0"/>
-              <a:t>: 0.363</a:t>
-            </a:r>
-            <a:endParaRPr lang="de-DE" sz="2400" b="1" dirty="0"/>
-          </a:p>
-        </p:txBody>
-      </p:sp>
-      <p:pic>
-        <p:nvPicPr>
-          <p:cNvPr id="4" name="Picture 3" descr="A close up of a logo&#10;&#10;Description automatically generated">
-            <a:extLst>
-              <a:ext uri="{FF2B5EF4-FFF2-40B4-BE49-F238E27FC236}">
-                <a16:creationId xmlns:a16="http://schemas.microsoft.com/office/drawing/2014/main" id="{767CF2B1-68CA-1241-9530-1778C27A51A9}"/>
-              </a:ext>
-            </a:extLst>
-          </p:cNvPr>
-          <p:cNvPicPr>
-            <a:picLocks noChangeAspect="1"/>
-          </p:cNvPicPr>
-          <p:nvPr/>
-        </p:nvPicPr>
-        <p:blipFill rotWithShape="1">
-          <a:blip r:embed="rId2"/>
-          <a:srcRect l="10842" t="6258" r="14696" b="9737"/>
-          <a:stretch/>
-        </p:blipFill>
-        <p:spPr>
-          <a:xfrm>
-            <a:off x="4570356" y="35077"/>
-            <a:ext cx="7643633" cy="6822923"/>
-          </a:xfrm>
-          <a:prstGeom prst="rect">
-            <a:avLst/>
-          </a:prstGeom>
-        </p:spPr>
-      </p:pic>
-    </p:spTree>
-    <p:extLst>
-      <p:ext uri="{BB962C8B-B14F-4D97-AF65-F5344CB8AC3E}">
-        <p14:creationId xmlns:p14="http://schemas.microsoft.com/office/powerpoint/2010/main" val="3001052201"/>
-      </p:ext>
-    </p:extLst>
-  </p:cSld>
-  <p:clrMapOvr>
-    <a:masterClrMapping/>
-  </p:clrMapOvr>
-</p:sld>
-</file>
-
-<file path=ppt/slides/slide28.xml><?xml version="1.0" encoding="utf-8"?>
-<p:sld xmlns:a="http://schemas.openxmlformats.org/drawingml/2006/main" xmlns:r="http://schemas.openxmlformats.org/officeDocument/2006/relationships" xmlns:p="http://schemas.openxmlformats.org/presentationml/2006/main" show="0">
-  <p:cSld>
-    <p:spTree>
-      <p:nvGrpSpPr>
-        <p:cNvPr id="1" name=""/>
-        <p:cNvGrpSpPr/>
-        <p:nvPr/>
-      </p:nvGrpSpPr>
-      <p:grpSpPr>
-        <a:xfrm>
-          <a:off x="0" y="0"/>
-          <a:ext cx="0" cy="0"/>
-          <a:chOff x="0" y="0"/>
-          <a:chExt cx="0" cy="0"/>
-        </a:xfrm>
-      </p:grpSpPr>
-      <p:sp>
-        <p:nvSpPr>
-          <p:cNvPr id="10" name="Title 9">
-            <a:extLst>
-              <a:ext uri="{FF2B5EF4-FFF2-40B4-BE49-F238E27FC236}">
-                <a16:creationId xmlns:a16="http://schemas.microsoft.com/office/drawing/2014/main" id="{721D0AD9-E862-4F4D-A146-524D71AA32CB}"/>
-              </a:ext>
-            </a:extLst>
-          </p:cNvPr>
-          <p:cNvSpPr>
-            <a:spLocks noGrp="1"/>
-          </p:cNvSpPr>
-          <p:nvPr>
-            <p:ph type="title"/>
-          </p:nvPr>
-        </p:nvSpPr>
-        <p:spPr>
-          <a:xfrm>
-            <a:off x="1115568" y="548640"/>
-            <a:ext cx="7873687" cy="1179576"/>
-          </a:xfrm>
-        </p:spPr>
-        <p:txBody>
-          <a:bodyPr>
-            <a:normAutofit fontScale="90000"/>
-          </a:bodyPr>
-          <a:lstStyle/>
-          <a:p>
-            <a:r>
-              <a:rPr lang="de-DE" b="1" dirty="0"/>
-              <a:t>K-</a:t>
-            </a:r>
-            <a:r>
-              <a:rPr lang="de-DE" b="1" dirty="0" err="1"/>
-              <a:t>Means</a:t>
-            </a:r>
-            <a:r>
-              <a:rPr lang="de-DE" b="1" dirty="0"/>
-              <a:t> (+ Dimensionsreduktion)</a:t>
-            </a:r>
-            <a:br>
-              <a:rPr lang="de-DE" b="1" dirty="0"/>
-            </a:br>
-            <a:r>
-              <a:rPr lang="de-DE" dirty="0"/>
-              <a:t>alle Epochen</a:t>
-            </a:r>
-            <a:endParaRPr lang="de-DE" b="1" dirty="0"/>
-          </a:p>
-        </p:txBody>
-      </p:sp>
-      <p:sp>
-        <p:nvSpPr>
-          <p:cNvPr id="11" name="Text Placeholder 10">
-            <a:extLst>
-              <a:ext uri="{FF2B5EF4-FFF2-40B4-BE49-F238E27FC236}">
-                <a16:creationId xmlns:a16="http://schemas.microsoft.com/office/drawing/2014/main" id="{F1482671-E491-4C4E-96BF-73A1B9B91D81}"/>
-              </a:ext>
-            </a:extLst>
-          </p:cNvPr>
-          <p:cNvSpPr>
-            <a:spLocks noGrp="1"/>
-          </p:cNvSpPr>
-          <p:nvPr>
-            <p:ph type="body" idx="1"/>
-          </p:nvPr>
-        </p:nvSpPr>
-        <p:spPr>
-          <a:xfrm>
-            <a:off x="1115568" y="2206790"/>
-            <a:ext cx="4937760" cy="545362"/>
-          </a:xfrm>
-        </p:spPr>
-        <p:txBody>
-          <a:bodyPr/>
-          <a:lstStyle/>
-          <a:p>
-            <a:r>
-              <a:rPr lang="de-DE" dirty="0"/>
-              <a:t>Reduzierte Daten</a:t>
-            </a:r>
-          </a:p>
-        </p:txBody>
-      </p:sp>
-      <p:sp>
-        <p:nvSpPr>
-          <p:cNvPr id="13" name="Text Placeholder 12">
-            <a:extLst>
-              <a:ext uri="{FF2B5EF4-FFF2-40B4-BE49-F238E27FC236}">
-                <a16:creationId xmlns:a16="http://schemas.microsoft.com/office/drawing/2014/main" id="{8199E1CA-FEF8-D14A-AE83-40AEC31417AE}"/>
-              </a:ext>
-            </a:extLst>
-          </p:cNvPr>
-          <p:cNvSpPr>
-            <a:spLocks noGrp="1"/>
-          </p:cNvSpPr>
-          <p:nvPr>
-            <p:ph type="body" sz="quarter" idx="3"/>
-          </p:nvPr>
-        </p:nvSpPr>
-        <p:spPr>
-          <a:xfrm>
-            <a:off x="6345936" y="2206790"/>
-            <a:ext cx="4937760" cy="545362"/>
-          </a:xfrm>
-        </p:spPr>
-        <p:txBody>
-          <a:bodyPr/>
-          <a:lstStyle/>
-          <a:p>
-            <a:r>
-              <a:rPr lang="de-DE" dirty="0"/>
-              <a:t>Clustering mit K-</a:t>
-            </a:r>
-            <a:r>
-              <a:rPr lang="de-DE" dirty="0" err="1"/>
-              <a:t>Means</a:t>
-            </a:r>
-            <a:endParaRPr lang="de-DE" dirty="0"/>
-          </a:p>
-        </p:txBody>
-      </p:sp>
-      <p:pic>
-        <p:nvPicPr>
-          <p:cNvPr id="3" name="Picture 2" descr="A close up of a map&#10;&#10;Description automatically generated">
-            <a:extLst>
-              <a:ext uri="{FF2B5EF4-FFF2-40B4-BE49-F238E27FC236}">
-                <a16:creationId xmlns:a16="http://schemas.microsoft.com/office/drawing/2014/main" id="{2CEC7226-5351-504F-99F1-7879032B0986}"/>
-              </a:ext>
-            </a:extLst>
-          </p:cNvPr>
-          <p:cNvPicPr>
-            <a:picLocks noChangeAspect="1"/>
-          </p:cNvPicPr>
-          <p:nvPr/>
-        </p:nvPicPr>
-        <p:blipFill rotWithShape="1">
-          <a:blip r:embed="rId3"/>
-          <a:srcRect l="10611" t="5941" b="9886"/>
-          <a:stretch/>
-        </p:blipFill>
-        <p:spPr>
-          <a:xfrm>
-            <a:off x="761785" y="2801746"/>
-            <a:ext cx="5437847" cy="4051496"/>
-          </a:xfrm>
-          <a:prstGeom prst="rect">
-            <a:avLst/>
-          </a:prstGeom>
-        </p:spPr>
-      </p:pic>
-      <p:pic>
-        <p:nvPicPr>
-          <p:cNvPr id="5" name="Picture 4" descr="A close up of a map&#10;&#10;Description automatically generated">
-            <a:extLst>
-              <a:ext uri="{FF2B5EF4-FFF2-40B4-BE49-F238E27FC236}">
-                <a16:creationId xmlns:a16="http://schemas.microsoft.com/office/drawing/2014/main" id="{23486DF5-ECF8-2E4D-A2D2-7CD149C52A75}"/>
-              </a:ext>
-            </a:extLst>
-          </p:cNvPr>
-          <p:cNvPicPr>
-            <a:picLocks noChangeAspect="1"/>
-          </p:cNvPicPr>
-          <p:nvPr/>
-        </p:nvPicPr>
-        <p:blipFill rotWithShape="1">
-          <a:blip r:embed="rId4"/>
-          <a:srcRect l="10611" t="5941" r="13077" b="9886"/>
-          <a:stretch/>
-        </p:blipFill>
-        <p:spPr>
-          <a:xfrm>
-            <a:off x="6345936" y="2752152"/>
-            <a:ext cx="4642340" cy="4051496"/>
-          </a:xfrm>
-          <a:prstGeom prst="rect">
-            <a:avLst/>
-          </a:prstGeom>
-        </p:spPr>
-      </p:pic>
-      <p:sp>
-        <p:nvSpPr>
-          <p:cNvPr id="6" name="TextBox 5">
-            <a:extLst>
-              <a:ext uri="{FF2B5EF4-FFF2-40B4-BE49-F238E27FC236}">
-                <a16:creationId xmlns:a16="http://schemas.microsoft.com/office/drawing/2014/main" id="{E445A204-67CE-954A-9F1C-9AAB87C36D24}"/>
-              </a:ext>
-            </a:extLst>
-          </p:cNvPr>
-          <p:cNvSpPr txBox="1"/>
-          <p:nvPr/>
-        </p:nvSpPr>
-        <p:spPr>
-          <a:xfrm>
-            <a:off x="9158068" y="527887"/>
-            <a:ext cx="2391508" cy="1200329"/>
-          </a:xfrm>
-          <a:prstGeom prst="rect">
-            <a:avLst/>
-          </a:prstGeom>
-          <a:noFill/>
-          <a:ln>
-            <a:solidFill>
-              <a:schemeClr val="tx1"/>
-            </a:solidFill>
-          </a:ln>
-        </p:spPr>
-        <p:txBody>
-          <a:bodyPr wrap="square" rtlCol="0">
-            <a:spAutoFit/>
-          </a:bodyPr>
-          <a:lstStyle/>
-          <a:p>
-            <a:r>
-              <a:rPr lang="de-DE" sz="3600" b="1" dirty="0" err="1"/>
-              <a:t>ari</a:t>
-            </a:r>
-            <a:r>
-              <a:rPr lang="de-DE" sz="3600" dirty="0"/>
-              <a:t>:  0.177</a:t>
-            </a:r>
-          </a:p>
-          <a:p>
-            <a:r>
-              <a:rPr lang="de-DE" sz="3600" b="1" dirty="0" err="1"/>
-              <a:t>vm</a:t>
-            </a:r>
-            <a:r>
-              <a:rPr lang="de-DE" sz="3600" dirty="0"/>
-              <a:t>: 0.384</a:t>
-            </a:r>
-            <a:endParaRPr lang="de-DE" sz="3600" b="1" dirty="0"/>
-          </a:p>
-        </p:txBody>
-      </p:sp>
-    </p:spTree>
-    <p:extLst>
-      <p:ext uri="{BB962C8B-B14F-4D97-AF65-F5344CB8AC3E}">
-        <p14:creationId xmlns:p14="http://schemas.microsoft.com/office/powerpoint/2010/main" val="3686803181"/>
-      </p:ext>
-    </p:extLst>
-  </p:cSld>
-  <p:clrMapOvr>
-    <a:masterClrMapping/>
-  </p:clrMapOvr>
-</p:sld>
-</file>
-
-<file path=ppt/slides/slide29.xml><?xml version="1.0" encoding="utf-8"?>
-<p:sld xmlns:a="http://schemas.openxmlformats.org/drawingml/2006/main" xmlns:r="http://schemas.openxmlformats.org/officeDocument/2006/relationships" xmlns:p="http://schemas.openxmlformats.org/presentationml/2006/main">
-  <p:cSld>
-    <p:spTree>
-      <p:nvGrpSpPr>
-        <p:cNvPr id="1" name=""/>
-        <p:cNvGrpSpPr/>
-        <p:nvPr/>
-      </p:nvGrpSpPr>
-      <p:grpSpPr>
-        <a:xfrm>
-          <a:off x="0" y="0"/>
-          <a:ext cx="0" cy="0"/>
-          <a:chOff x="0" y="0"/>
-          <a:chExt cx="0" cy="0"/>
-        </a:xfrm>
-      </p:grpSpPr>
-      <p:sp>
-        <p:nvSpPr>
-          <p:cNvPr id="2" name="Title 1">
-            <a:extLst>
-              <a:ext uri="{FF2B5EF4-FFF2-40B4-BE49-F238E27FC236}">
                 <a16:creationId xmlns:a16="http://schemas.microsoft.com/office/drawing/2014/main" id="{DCBE102F-D2BB-3946-AEF1-AE93DF5165E5}"/>
               </a:ext>
             </a:extLst>
@@ -15251,70 +13608,7 @@
 </p:sld>
 </file>
 
-<file path=ppt/slides/slide3.xml><?xml version="1.0" encoding="utf-8"?>
-<p:sld xmlns:a="http://schemas.openxmlformats.org/drawingml/2006/main" xmlns:r="http://schemas.openxmlformats.org/officeDocument/2006/relationships" xmlns:p="http://schemas.openxmlformats.org/presentationml/2006/main">
-  <p:cSld>
-    <p:spTree>
-      <p:nvGrpSpPr>
-        <p:cNvPr id="1" name=""/>
-        <p:cNvGrpSpPr/>
-        <p:nvPr/>
-      </p:nvGrpSpPr>
-      <p:grpSpPr>
-        <a:xfrm>
-          <a:off x="0" y="0"/>
-          <a:ext cx="0" cy="0"/>
-          <a:chOff x="0" y="0"/>
-          <a:chExt cx="0" cy="0"/>
-        </a:xfrm>
-      </p:grpSpPr>
-      <p:sp>
-        <p:nvSpPr>
-          <p:cNvPr id="4" name="Title 3">
-            <a:extLst>
-              <a:ext uri="{FF2B5EF4-FFF2-40B4-BE49-F238E27FC236}">
-                <a16:creationId xmlns:a16="http://schemas.microsoft.com/office/drawing/2014/main" id="{02AE6012-7D63-EA4D-B957-FE20015B7973}"/>
-              </a:ext>
-            </a:extLst>
-          </p:cNvPr>
-          <p:cNvSpPr>
-            <a:spLocks noGrp="1"/>
-          </p:cNvSpPr>
-          <p:nvPr>
-            <p:ph type="title"/>
-          </p:nvPr>
-        </p:nvSpPr>
-        <p:spPr/>
-        <p:txBody>
-          <a:bodyPr/>
-          <a:lstStyle/>
-          <a:p>
-            <a:r>
-              <a:rPr lang="de-DE" b="1" dirty="0"/>
-              <a:t>1.  Epochenbegriff und –	</a:t>
-            </a:r>
-            <a:r>
-              <a:rPr lang="de-DE" b="1" dirty="0" err="1"/>
-              <a:t>einteilung</a:t>
-            </a:r>
-            <a:endParaRPr lang="de-DE" dirty="0"/>
-          </a:p>
-        </p:txBody>
-      </p:sp>
-    </p:spTree>
-    <p:extLst>
-      <p:ext uri="{BB962C8B-B14F-4D97-AF65-F5344CB8AC3E}">
-        <p14:creationId xmlns:p14="http://schemas.microsoft.com/office/powerpoint/2010/main" val="835330337"/>
-      </p:ext>
-    </p:extLst>
-  </p:cSld>
-  <p:clrMapOvr>
-    <a:masterClrMapping/>
-  </p:clrMapOvr>
-</p:sld>
-</file>
-
-<file path=ppt/slides/slide30.xml><?xml version="1.0" encoding="utf-8"?>
+<file path=ppt/slides/slide24.xml><?xml version="1.0" encoding="utf-8"?>
 <p:sld xmlns:a="http://schemas.openxmlformats.org/drawingml/2006/main" xmlns:r="http://schemas.openxmlformats.org/officeDocument/2006/relationships" xmlns:p="http://schemas.openxmlformats.org/presentationml/2006/main">
   <p:cSld>
     <p:bg>
@@ -15525,26 +13819,26 @@
         </p:spPr>
         <p:txBody>
           <a:bodyPr vert="horz" lIns="91440" tIns="45720" rIns="91440" bIns="45720" rtlCol="0" anchor="ctr">
-            <a:normAutofit fontScale="90000"/>
+            <a:normAutofit/>
           </a:bodyPr>
           <a:lstStyle/>
           <a:p>
             <a:r>
-              <a:rPr lang="en-US" sz="3200" b="1" dirty="0"/>
+              <a:rPr lang="en-US" sz="2800" b="1" dirty="0"/>
               <a:t>K-Means 		</a:t>
             </a:r>
             <a:br>
-              <a:rPr lang="en-US" sz="3200" b="1" dirty="0"/>
+              <a:rPr lang="en-US" sz="2800" b="1" dirty="0"/>
             </a:br>
             <a:r>
-              <a:rPr lang="en-US" sz="3200" b="1" dirty="0"/>
+              <a:rPr lang="en-US" sz="2800" b="1" dirty="0"/>
               <a:t>DBSCAN</a:t>
             </a:r>
             <a:br>
-              <a:rPr lang="en-US" sz="3200" b="1" dirty="0"/>
+              <a:rPr lang="en-US" sz="2800" b="1" dirty="0"/>
             </a:br>
             <a:r>
-              <a:rPr lang="en-US" sz="3200" b="1" dirty="0"/>
+              <a:rPr lang="en-US" sz="2800" b="1" dirty="0"/>
               <a:t>K-Medoids </a:t>
             </a:r>
             <a:br>
@@ -15777,7 +14071,7 @@
         <p:spPr>
           <a:xfrm>
             <a:off x="4804229" y="586822"/>
-            <a:ext cx="6720114" cy="1867620"/>
+            <a:ext cx="6720114" cy="1660271"/>
           </a:xfrm>
           <a:prstGeom prst="rect">
             <a:avLst/>
@@ -15797,14 +14091,14 @@
               <a:buChar char="•"/>
             </a:pPr>
             <a:r>
-              <a:rPr lang="de-DE" dirty="0"/>
+              <a:rPr lang="de-DE" sz="2000" dirty="0"/>
               <a:t>Einteilung nach </a:t>
             </a:r>
             <a:r>
-              <a:rPr lang="de-DE" i="1" dirty="0"/>
+              <a:rPr lang="de-DE" sz="2000" i="1" dirty="0"/>
               <a:t>AMANN</a:t>
             </a:r>
-            <a:endParaRPr lang="de-DE" b="1" i="1" dirty="0"/>
+            <a:endParaRPr lang="de-DE" sz="2000" b="1" i="1" dirty="0"/>
           </a:p>
           <a:p>
             <a:pPr marL="457200" indent="-228600">
@@ -15815,8 +14109,8 @@
               <a:buChar char="•"/>
             </a:pPr>
             <a:r>
-              <a:rPr lang="de-DE" dirty="0"/>
-              <a:t>ohne Dimensionsreduktion</a:t>
+              <a:rPr lang="de-DE" sz="2000" dirty="0"/>
+              <a:t>Ohne Epoche „Sturm &amp; Drang“</a:t>
             </a:r>
           </a:p>
           <a:p>
@@ -15828,9 +14122,10 @@
               <a:buChar char="•"/>
             </a:pPr>
             <a:r>
-              <a:rPr lang="de-DE" dirty="0"/>
-              <a:t>Ohne Epoche „Sturm &amp; Drang“</a:t>
-            </a:r>
+              <a:rPr lang="de-DE" sz="2000" dirty="0" err="1"/>
+              <a:t>Lowercase</a:t>
+            </a:r>
+            <a:endParaRPr lang="de-DE" sz="2000" dirty="0"/>
           </a:p>
           <a:p>
             <a:pPr marL="457200" indent="-228600">
@@ -15841,10 +14136,14 @@
               <a:buChar char="•"/>
             </a:pPr>
             <a:r>
-              <a:rPr lang="de-DE" dirty="0" err="1"/>
-              <a:t>Lowercase</a:t>
-            </a:r>
-            <a:endParaRPr lang="de-DE" dirty="0"/>
+              <a:rPr lang="de-DE" sz="2000" dirty="0"/>
+              <a:t>Stoppwörter </a:t>
+            </a:r>
+            <a:r>
+              <a:rPr lang="de-DE" sz="2000" u="sng" dirty="0"/>
+              <a:t>entfernt</a:t>
+            </a:r>
+            <a:endParaRPr lang="de-DE" sz="2000" dirty="0"/>
           </a:p>
           <a:p>
             <a:pPr marL="457200" indent="-228600">
@@ -15855,25 +14154,7 @@
               <a:buChar char="•"/>
             </a:pPr>
             <a:r>
-              <a:rPr lang="de-DE" dirty="0"/>
-              <a:t>Stoppwörter </a:t>
-            </a:r>
-            <a:r>
-              <a:rPr lang="de-DE" u="sng" dirty="0"/>
-              <a:t>entfernt</a:t>
-            </a:r>
-            <a:endParaRPr lang="de-DE" dirty="0"/>
-          </a:p>
-          <a:p>
-            <a:pPr marL="457200" indent="-228600">
-              <a:spcAft>
-                <a:spcPts val="600"/>
-              </a:spcAft>
-              <a:buFont typeface="Arial" panose="020B0604020202020204" pitchFamily="34" charset="0"/>
-              <a:buChar char="•"/>
-            </a:pPr>
-            <a:r>
-              <a:rPr lang="de-DE" dirty="0"/>
+              <a:rPr lang="de-DE" sz="2000" dirty="0"/>
               <a:t>10000 mf</a:t>
             </a:r>
           </a:p>
@@ -15894,7 +14175,7 @@
           <p:nvPr>
             <p:extLst>
               <p:ext uri="{D42A27DB-BD31-4B8C-83A1-F6EECF244321}">
-                <p14:modId xmlns:p14="http://schemas.microsoft.com/office/powerpoint/2010/main" val="976153920"/>
+                <p14:modId xmlns:p14="http://schemas.microsoft.com/office/powerpoint/2010/main" val="3090697459"/>
               </p:ext>
             </p:extLst>
           </p:nvPr>
@@ -16219,26 +14500,11 @@
                     <a:p>
                       <a:pPr algn="r" fontAlgn="ctr"/>
                       <a:r>
-                        <a:rPr lang="en-GB" sz="1800" b="1" dirty="0" err="1">
+                        <a:rPr lang="en-GB" sz="1600" b="1">
                           <a:effectLst/>
                         </a:rPr>
-                        <a:t>Barock</a:t>
+                        <a:t>Barock/Naturalismus</a:t>
                       </a:r>
-                      <a:r>
-                        <a:rPr lang="en-GB" sz="1800" b="1" dirty="0">
-                          <a:effectLst/>
-                        </a:rPr>
-                        <a:t>/</a:t>
-                      </a:r>
-                      <a:r>
-                        <a:rPr lang="en-GB" sz="1800" b="1" dirty="0" err="1">
-                          <a:effectLst/>
-                        </a:rPr>
-                        <a:t>Naturalismus</a:t>
-                      </a:r>
-                      <a:endParaRPr lang="en-GB" sz="1800" b="1" dirty="0">
-                        <a:effectLst/>
-                      </a:endParaRPr>
                     </a:p>
                   </a:txBody>
                   <a:tcPr anchor="ctr"/>
@@ -16253,7 +14519,341 @@
                         <a:rPr lang="en-DE" sz="1800" b="1" dirty="0">
                           <a:effectLst/>
                         </a:rPr>
-                        <a:t>0.805490</a:t>
+                        <a:t>0.792453</a:t>
+                      </a:r>
+                    </a:p>
+                  </a:txBody>
+                  <a:tcPr anchor="ctr">
+                    <a:solidFill>
+                      <a:schemeClr val="accent6">
+                        <a:lumMod val="60000"/>
+                        <a:lumOff val="40000"/>
+                      </a:schemeClr>
+                    </a:solidFill>
+                  </a:tcPr>
+                </a:tc>
+                <a:tc>
+                  <a:txBody>
+                    <a:bodyPr/>
+                    <a:lstStyle/>
+                    <a:p>
+                      <a:pPr algn="r" fontAlgn="ctr"/>
+                      <a:r>
+                        <a:rPr lang="en-DE" sz="1800" b="1" dirty="0">
+                          <a:effectLst/>
+                        </a:rPr>
+                        <a:t>0.735395</a:t>
+                      </a:r>
+                    </a:p>
+                  </a:txBody>
+                  <a:tcPr anchor="ctr">
+                    <a:solidFill>
+                      <a:schemeClr val="accent6">
+                        <a:lumMod val="60000"/>
+                        <a:lumOff val="40000"/>
+                      </a:schemeClr>
+                    </a:solidFill>
+                  </a:tcPr>
+                </a:tc>
+                <a:tc>
+                  <a:txBody>
+                    <a:bodyPr/>
+                    <a:lstStyle/>
+                    <a:p>
+                      <a:pPr algn="r" fontAlgn="ctr"/>
+                      <a:r>
+                        <a:rPr lang="en-DE" dirty="0">
+                          <a:effectLst/>
+                        </a:rPr>
+                        <a:t>0.451175</a:t>
+                      </a:r>
+                    </a:p>
+                  </a:txBody>
+                  <a:tcPr anchor="ctr"/>
+                </a:tc>
+                <a:tc>
+                  <a:txBody>
+                    <a:bodyPr/>
+                    <a:lstStyle/>
+                    <a:p>
+                      <a:pPr algn="r" fontAlgn="ctr"/>
+                      <a:r>
+                        <a:rPr lang="en-DE" dirty="0">
+                          <a:effectLst/>
+                        </a:rPr>
+                        <a:t>0.481697</a:t>
+                      </a:r>
+                    </a:p>
+                  </a:txBody>
+                  <a:tcPr anchor="ctr"/>
+                </a:tc>
+                <a:tc>
+                  <a:txBody>
+                    <a:bodyPr/>
+                    <a:lstStyle/>
+                    <a:p>
+                      <a:pPr algn="r" fontAlgn="ctr"/>
+                      <a:r>
+                        <a:rPr lang="en-DE" dirty="0">
+                          <a:effectLst/>
+                        </a:rPr>
+                        <a:t>0.609142</a:t>
+                      </a:r>
+                    </a:p>
+                  </a:txBody>
+                  <a:tcPr anchor="ctr"/>
+                </a:tc>
+                <a:tc>
+                  <a:txBody>
+                    <a:bodyPr/>
+                    <a:lstStyle/>
+                    <a:p>
+                      <a:pPr algn="r" fontAlgn="ctr"/>
+                      <a:r>
+                        <a:rPr lang="en-DE" dirty="0">
+                          <a:effectLst/>
+                        </a:rPr>
+                        <a:t>0.519008</a:t>
+                      </a:r>
+                    </a:p>
+                  </a:txBody>
+                  <a:tcPr anchor="ctr"/>
+                </a:tc>
+                <a:extLst>
+                  <a:ext uri="{0D108BD9-81ED-4DB2-BD59-A6C34878D82A}">
+                    <a16:rowId xmlns:a16="http://schemas.microsoft.com/office/drawing/2014/main" val="857364166"/>
+                  </a:ext>
+                </a:extLst>
+              </a:tr>
+              <a:tr h="413443">
+                <a:tc>
+                  <a:txBody>
+                    <a:bodyPr/>
+                    <a:lstStyle/>
+                    <a:p>
+                      <a:pPr algn="r" fontAlgn="ctr"/>
+                      <a:r>
+                        <a:rPr lang="en-GB" sz="1600" b="1">
+                          <a:effectLst/>
+                        </a:rPr>
+                        <a:t>Aufklärung/Naturalismus</a:t>
+                      </a:r>
+                    </a:p>
+                  </a:txBody>
+                  <a:tcPr anchor="ctr"/>
+                </a:tc>
+                <a:tc>
+                  <a:txBody>
+                    <a:bodyPr/>
+                    <a:lstStyle/>
+                    <a:p>
+                      <a:pPr algn="r" fontAlgn="ctr"/>
+                      <a:r>
+                        <a:rPr lang="en-DE" sz="1800" b="1" dirty="0">
+                          <a:effectLst/>
+                        </a:rPr>
+                        <a:t>0.733032</a:t>
+                      </a:r>
+                    </a:p>
+                  </a:txBody>
+                  <a:tcPr anchor="ctr">
+                    <a:solidFill>
+                      <a:schemeClr val="accent6">
+                        <a:lumMod val="40000"/>
+                        <a:lumOff val="60000"/>
+                      </a:schemeClr>
+                    </a:solidFill>
+                  </a:tcPr>
+                </a:tc>
+                <a:tc>
+                  <a:txBody>
+                    <a:bodyPr/>
+                    <a:lstStyle/>
+                    <a:p>
+                      <a:pPr algn="r" fontAlgn="ctr"/>
+                      <a:r>
+                        <a:rPr lang="en-DE" sz="1800" b="1" dirty="0">
+                          <a:effectLst/>
+                        </a:rPr>
+                        <a:t>0.666153</a:t>
+                      </a:r>
+                    </a:p>
+                  </a:txBody>
+                  <a:tcPr anchor="ctr">
+                    <a:solidFill>
+                      <a:schemeClr val="accent6">
+                        <a:lumMod val="40000"/>
+                        <a:lumOff val="60000"/>
+                      </a:schemeClr>
+                    </a:solidFill>
+                  </a:tcPr>
+                </a:tc>
+                <a:tc>
+                  <a:txBody>
+                    <a:bodyPr/>
+                    <a:lstStyle/>
+                    <a:p>
+                      <a:pPr algn="r" fontAlgn="ctr"/>
+                      <a:r>
+                        <a:rPr lang="en-DE">
+                          <a:effectLst/>
+                        </a:rPr>
+                        <a:t>0.138041</a:t>
+                      </a:r>
+                    </a:p>
+                  </a:txBody>
+                  <a:tcPr anchor="ctr"/>
+                </a:tc>
+                <a:tc>
+                  <a:txBody>
+                    <a:bodyPr/>
+                    <a:lstStyle/>
+                    <a:p>
+                      <a:pPr algn="r" fontAlgn="ctr"/>
+                      <a:r>
+                        <a:rPr lang="en-DE" dirty="0">
+                          <a:effectLst/>
+                        </a:rPr>
+                        <a:t>0.085174</a:t>
+                      </a:r>
+                    </a:p>
+                  </a:txBody>
+                  <a:tcPr anchor="ctr"/>
+                </a:tc>
+                <a:tc>
+                  <a:txBody>
+                    <a:bodyPr/>
+                    <a:lstStyle/>
+                    <a:p>
+                      <a:pPr algn="r" fontAlgn="ctr"/>
+                      <a:r>
+                        <a:rPr lang="en-DE">
+                          <a:effectLst/>
+                        </a:rPr>
+                        <a:t>0.195718</a:t>
+                      </a:r>
+                    </a:p>
+                  </a:txBody>
+                  <a:tcPr anchor="ctr">
+                    <a:noFill/>
+                  </a:tcPr>
+                </a:tc>
+                <a:tc>
+                  <a:txBody>
+                    <a:bodyPr/>
+                    <a:lstStyle/>
+                    <a:p>
+                      <a:pPr algn="r" fontAlgn="ctr"/>
+                      <a:r>
+                        <a:rPr lang="en-DE" dirty="0">
+                          <a:effectLst/>
+                        </a:rPr>
+                        <a:t>0.317300</a:t>
+                      </a:r>
+                    </a:p>
+                  </a:txBody>
+                  <a:tcPr anchor="ctr">
+                    <a:noFill/>
+                  </a:tcPr>
+                </a:tc>
+                <a:extLst>
+                  <a:ext uri="{0D108BD9-81ED-4DB2-BD59-A6C34878D82A}">
+                    <a16:rowId xmlns:a16="http://schemas.microsoft.com/office/drawing/2014/main" val="2292681319"/>
+                  </a:ext>
+                </a:extLst>
+              </a:tr>
+              <a:tr h="413443">
+                <a:tc>
+                  <a:txBody>
+                    <a:bodyPr/>
+                    <a:lstStyle/>
+                    <a:p>
+                      <a:pPr algn="r" fontAlgn="ctr"/>
+                      <a:r>
+                        <a:rPr lang="en-GB" sz="1600" b="1">
+                          <a:effectLst/>
+                        </a:rPr>
+                        <a:t>Barock/Realismus</a:t>
+                      </a:r>
+                    </a:p>
+                  </a:txBody>
+                  <a:tcPr anchor="ctr"/>
+                </a:tc>
+                <a:tc>
+                  <a:txBody>
+                    <a:bodyPr/>
+                    <a:lstStyle/>
+                    <a:p>
+                      <a:pPr algn="r" fontAlgn="ctr"/>
+                      <a:r>
+                        <a:rPr lang="en-DE" sz="1800">
+                          <a:effectLst/>
+                        </a:rPr>
+                        <a:t>0.639443</a:t>
+                      </a:r>
+                    </a:p>
+                  </a:txBody>
+                  <a:tcPr anchor="ctr"/>
+                </a:tc>
+                <a:tc>
+                  <a:txBody>
+                    <a:bodyPr/>
+                    <a:lstStyle/>
+                    <a:p>
+                      <a:pPr algn="r" fontAlgn="ctr"/>
+                      <a:r>
+                        <a:rPr lang="en-DE" sz="1800" dirty="0">
+                          <a:effectLst/>
+                        </a:rPr>
+                        <a:t>0.624254</a:t>
+                      </a:r>
+                    </a:p>
+                  </a:txBody>
+                  <a:tcPr anchor="ctr"/>
+                </a:tc>
+                <a:tc>
+                  <a:txBody>
+                    <a:bodyPr/>
+                    <a:lstStyle/>
+                    <a:p>
+                      <a:pPr algn="r" fontAlgn="ctr"/>
+                      <a:r>
+                        <a:rPr lang="en-DE">
+                          <a:effectLst/>
+                        </a:rPr>
+                        <a:t>0.484925</a:t>
+                      </a:r>
+                    </a:p>
+                  </a:txBody>
+                  <a:tcPr anchor="ctr"/>
+                </a:tc>
+                <a:tc>
+                  <a:txBody>
+                    <a:bodyPr/>
+                    <a:lstStyle/>
+                    <a:p>
+                      <a:pPr algn="r" fontAlgn="ctr"/>
+                      <a:r>
+                        <a:rPr lang="en-DE" dirty="0">
+                          <a:effectLst/>
+                        </a:rPr>
+                        <a:t>0.499674</a:t>
+                      </a:r>
+                    </a:p>
+                  </a:txBody>
+                  <a:tcPr anchor="ctr"/>
+                </a:tc>
+                <a:tc>
+                  <a:txBody>
+                    <a:bodyPr/>
+                    <a:lstStyle/>
+                    <a:p>
+                      <a:pPr algn="r" fontAlgn="ctr"/>
+                      <a:r>
+                        <a:rPr lang="en-DE" b="1" dirty="0">
+                          <a:effectLst/>
+                        </a:rPr>
+                        <a:t>0.686076</a:t>
                       </a:r>
                     </a:p>
                   </a:txBody>
@@ -16273,10 +14873,10 @@
                     <a:p>
                       <a:pPr algn="r" fontAlgn="ctr"/>
                       <a:r>
-                        <a:rPr lang="en-DE" sz="1800" b="1" dirty="0">
+                        <a:rPr lang="en-DE" b="1" dirty="0">
                           <a:effectLst/>
                         </a:rPr>
-                        <a:t>0.746453</a:t>
+                        <a:t>0.587818</a:t>
                       </a:r>
                     </a:p>
                   </a:txBody>
@@ -16289,6 +14889,13 @@
                     </a:solidFill>
                   </a:tcPr>
                 </a:tc>
+                <a:extLst>
+                  <a:ext uri="{0D108BD9-81ED-4DB2-BD59-A6C34878D82A}">
+                    <a16:rowId xmlns:a16="http://schemas.microsoft.com/office/drawing/2014/main" val="319013880"/>
+                  </a:ext>
+                </a:extLst>
+              </a:tr>
+              <a:tr h="413443">
                 <a:tc>
                   <a:txBody>
                     <a:bodyPr/>
@@ -16296,10 +14903,26 @@
                     <a:p>
                       <a:pPr algn="r" fontAlgn="ctr"/>
                       <a:r>
-                        <a:rPr lang="en-DE" sz="1800" dirty="0">
+                        <a:rPr lang="en-GB" sz="1600" b="1">
                           <a:effectLst/>
                         </a:rPr>
-                        <a:t>0.411893</a:t>
+                        <a:t>Biedermeier/Expressionismus</a:t>
+                      </a:r>
+                    </a:p>
+                  </a:txBody>
+                  <a:tcPr anchor="ctr"/>
+                </a:tc>
+                <a:tc>
+                  <a:txBody>
+                    <a:bodyPr/>
+                    <a:lstStyle/>
+                    <a:p>
+                      <a:pPr algn="r" fontAlgn="ctr"/>
+                      <a:r>
+                        <a:rPr lang="en-DE" sz="1800">
+                          <a:effectLst/>
+                        </a:rPr>
+                        <a:t>0.550537</a:t>
                       </a:r>
                     </a:p>
                   </a:txBody>
@@ -16315,7 +14938,23 @@
                         <a:rPr lang="en-DE" sz="1800" dirty="0">
                           <a:effectLst/>
                         </a:rPr>
-                        <a:t>0.444248</a:t>
+                        <a:t>0.519971</a:t>
+                      </a:r>
+                    </a:p>
+                  </a:txBody>
+                  <a:tcPr anchor="ctr"/>
+                </a:tc>
+                <a:tc>
+                  <a:txBody>
+                    <a:bodyPr/>
+                    <a:lstStyle/>
+                    <a:p>
+                      <a:pPr algn="r" fontAlgn="ctr"/>
+                      <a:r>
+                        <a:rPr lang="en-DE">
+                          <a:effectLst/>
+                        </a:rPr>
+                        <a:t>0.146017</a:t>
                       </a:r>
                     </a:p>
                   </a:txBody>
@@ -16331,7 +14970,7 @@
                         <a:rPr lang="en-DE" dirty="0">
                           <a:effectLst/>
                         </a:rPr>
-                        <a:t>0.632206</a:t>
+                        <a:t>0.093430</a:t>
                       </a:r>
                     </a:p>
                   </a:txBody>
@@ -16344,65 +14983,10 @@
                     <a:p>
                       <a:pPr algn="r" fontAlgn="ctr"/>
                       <a:r>
-                        <a:rPr lang="en-DE" dirty="0">
+                        <a:rPr lang="en-DE">
                           <a:effectLst/>
                         </a:rPr>
-                        <a:t>0.537986</a:t>
-                      </a:r>
-                    </a:p>
-                  </a:txBody>
-                  <a:tcPr anchor="ctr"/>
-                </a:tc>
-                <a:extLst>
-                  <a:ext uri="{0D108BD9-81ED-4DB2-BD59-A6C34878D82A}">
-                    <a16:rowId xmlns:a16="http://schemas.microsoft.com/office/drawing/2014/main" val="857364166"/>
-                  </a:ext>
-                </a:extLst>
-              </a:tr>
-              <a:tr h="413443">
-                <a:tc>
-                  <a:txBody>
-                    <a:bodyPr/>
-                    <a:lstStyle/>
-                    <a:p>
-                      <a:pPr algn="r" fontAlgn="ctr"/>
-                      <a:r>
-                        <a:rPr lang="en-GB" sz="1800" b="1">
-                          <a:effectLst/>
-                        </a:rPr>
-                        <a:t>Barock/Realismus</a:t>
-                      </a:r>
-                    </a:p>
-                  </a:txBody>
-                  <a:tcPr anchor="ctr"/>
-                </a:tc>
-                <a:tc>
-                  <a:txBody>
-                    <a:bodyPr/>
-                    <a:lstStyle/>
-                    <a:p>
-                      <a:pPr algn="r" fontAlgn="ctr"/>
-                      <a:r>
-                        <a:rPr lang="en-DE" sz="1800">
-                          <a:effectLst/>
-                        </a:rPr>
-                        <a:t>0.773402</a:t>
-                      </a:r>
-                    </a:p>
-                  </a:txBody>
-                  <a:tcPr anchor="ctr"/>
-                </a:tc>
-                <a:tc>
-                  <a:txBody>
-                    <a:bodyPr/>
-                    <a:lstStyle/>
-                    <a:p>
-                      <a:pPr algn="r" fontAlgn="ctr"/>
-                      <a:r>
-                        <a:rPr lang="en-DE" sz="1800">
-                          <a:effectLst/>
-                        </a:rPr>
-                        <a:t>0.729663</a:t>
+                        <a:t>0.559298</a:t>
                       </a:r>
                     </a:p>
                   </a:txBody>
@@ -16417,327 +15001,15 @@
                     <a:p>
                       <a:pPr algn="r" fontAlgn="ctr"/>
                       <a:r>
-                        <a:rPr lang="en-DE" sz="1800" dirty="0">
+                        <a:rPr lang="en-DE" dirty="0">
                           <a:effectLst/>
                         </a:rPr>
-                        <a:t>0.515060</a:t>
-                      </a:r>
-                    </a:p>
-                  </a:txBody>
-                  <a:tcPr anchor="ctr"/>
-                </a:tc>
-                <a:tc>
-                  <a:txBody>
-                    <a:bodyPr/>
-                    <a:lstStyle/>
-                    <a:p>
-                      <a:pPr algn="r" fontAlgn="ctr"/>
-                      <a:r>
-                        <a:rPr lang="en-DE" sz="1800" dirty="0">
-                          <a:effectLst/>
-                        </a:rPr>
-                        <a:t>0.531504</a:t>
-                      </a:r>
-                    </a:p>
-                  </a:txBody>
-                  <a:tcPr anchor="ctr"/>
-                </a:tc>
-                <a:tc>
-                  <a:txBody>
-                    <a:bodyPr/>
-                    <a:lstStyle/>
-                    <a:p>
-                      <a:pPr algn="r" fontAlgn="ctr"/>
-                      <a:r>
-                        <a:rPr lang="en-DE" b="1">
-                          <a:effectLst/>
-                        </a:rPr>
-                        <a:t>0.860581</a:t>
+                        <a:t>0.44190</a:t>
                       </a:r>
                     </a:p>
                   </a:txBody>
                   <a:tcPr anchor="ctr">
-                    <a:solidFill>
-                      <a:schemeClr val="accent6">
-                        <a:lumMod val="60000"/>
-                        <a:lumOff val="40000"/>
-                      </a:schemeClr>
-                    </a:solidFill>
-                  </a:tcPr>
-                </a:tc>
-                <a:tc>
-                  <a:txBody>
-                    <a:bodyPr/>
-                    <a:lstStyle/>
-                    <a:p>
-                      <a:pPr algn="r" fontAlgn="ctr"/>
-                      <a:r>
-                        <a:rPr lang="en-DE" b="1" dirty="0">
-                          <a:effectLst/>
-                        </a:rPr>
-                        <a:t>0.811946</a:t>
-                      </a:r>
-                    </a:p>
-                  </a:txBody>
-                  <a:tcPr anchor="ctr">
-                    <a:solidFill>
-                      <a:schemeClr val="accent6">
-                        <a:lumMod val="60000"/>
-                        <a:lumOff val="40000"/>
-                      </a:schemeClr>
-                    </a:solidFill>
-                  </a:tcPr>
-                </a:tc>
-                <a:extLst>
-                  <a:ext uri="{0D108BD9-81ED-4DB2-BD59-A6C34878D82A}">
-                    <a16:rowId xmlns:a16="http://schemas.microsoft.com/office/drawing/2014/main" val="2292681319"/>
-                  </a:ext>
-                </a:extLst>
-              </a:tr>
-              <a:tr h="413443">
-                <a:tc>
-                  <a:txBody>
-                    <a:bodyPr/>
-                    <a:lstStyle/>
-                    <a:p>
-                      <a:pPr algn="r" fontAlgn="ctr"/>
-                      <a:r>
-                        <a:rPr lang="en-GB" sz="1800" b="1">
-                          <a:effectLst/>
-                        </a:rPr>
-                        <a:t>Aufklärung/Naturalismus</a:t>
-                      </a:r>
-                    </a:p>
-                  </a:txBody>
-                  <a:tcPr anchor="ctr"/>
-                </a:tc>
-                <a:tc>
-                  <a:txBody>
-                    <a:bodyPr/>
-                    <a:lstStyle/>
-                    <a:p>
-                      <a:pPr algn="r" fontAlgn="ctr"/>
-                      <a:r>
-                        <a:rPr lang="en-DE" sz="1800">
-                          <a:effectLst/>
-                        </a:rPr>
-                        <a:t>0.745326</a:t>
-                      </a:r>
-                    </a:p>
-                  </a:txBody>
-                  <a:tcPr anchor="ctr"/>
-                </a:tc>
-                <a:tc>
-                  <a:txBody>
-                    <a:bodyPr/>
-                    <a:lstStyle/>
-                    <a:p>
-                      <a:pPr algn="r" fontAlgn="ctr"/>
-                      <a:r>
-                        <a:rPr lang="en-DE" sz="1800" dirty="0">
-                          <a:effectLst/>
-                        </a:rPr>
-                        <a:t>0.621077</a:t>
-                      </a:r>
-                    </a:p>
-                  </a:txBody>
-                  <a:tcPr anchor="ctr"/>
-                </a:tc>
-                <a:tc>
-                  <a:txBody>
-                    <a:bodyPr/>
-                    <a:lstStyle/>
-                    <a:p>
-                      <a:pPr algn="r" fontAlgn="ctr"/>
-                      <a:r>
-                        <a:rPr lang="en-DE" sz="1800">
-                          <a:effectLst/>
-                        </a:rPr>
-                        <a:t>0.131620</a:t>
-                      </a:r>
-                    </a:p>
-                  </a:txBody>
-                  <a:tcPr anchor="ctr"/>
-                </a:tc>
-                <a:tc>
-                  <a:txBody>
-                    <a:bodyPr/>
-                    <a:lstStyle/>
-                    <a:p>
-                      <a:pPr algn="r" fontAlgn="ctr"/>
-                      <a:r>
-                        <a:rPr lang="en-DE" sz="1800" dirty="0">
-                          <a:effectLst/>
-                        </a:rPr>
-                        <a:t>0.155326</a:t>
-                      </a:r>
-                    </a:p>
-                  </a:txBody>
-                  <a:tcPr anchor="ctr"/>
-                </a:tc>
-                <a:tc>
-                  <a:txBody>
-                    <a:bodyPr/>
-                    <a:lstStyle/>
-                    <a:p>
-                      <a:pPr algn="r" fontAlgn="ctr"/>
-                      <a:r>
-                        <a:rPr lang="en-DE" dirty="0">
-                          <a:effectLst/>
-                        </a:rPr>
-                        <a:t>-0.014611</a:t>
-                      </a:r>
-                    </a:p>
-                  </a:txBody>
-                  <a:tcPr anchor="ctr"/>
-                </a:tc>
-                <a:tc>
-                  <a:txBody>
-                    <a:bodyPr/>
-                    <a:lstStyle/>
-                    <a:p>
-                      <a:pPr algn="r" fontAlgn="ctr"/>
-                      <a:r>
-                        <a:rPr lang="en-DE" dirty="0">
-                          <a:effectLst/>
-                        </a:rPr>
-                        <a:t>0.197276</a:t>
-                      </a:r>
-                    </a:p>
-                  </a:txBody>
-                  <a:tcPr anchor="ctr"/>
-                </a:tc>
-                <a:extLst>
-                  <a:ext uri="{0D108BD9-81ED-4DB2-BD59-A6C34878D82A}">
-                    <a16:rowId xmlns:a16="http://schemas.microsoft.com/office/drawing/2014/main" val="319013880"/>
-                  </a:ext>
-                </a:extLst>
-              </a:tr>
-              <a:tr h="413443">
-                <a:tc>
-                  <a:txBody>
-                    <a:bodyPr/>
-                    <a:lstStyle/>
-                    <a:p>
-                      <a:pPr algn="r" fontAlgn="ctr"/>
-                      <a:r>
-                        <a:rPr lang="en-GB" sz="1800" b="1">
-                          <a:effectLst/>
-                        </a:rPr>
-                        <a:t>Barock/Klassik</a:t>
-                      </a:r>
-                    </a:p>
-                  </a:txBody>
-                  <a:tcPr anchor="ctr"/>
-                </a:tc>
-                <a:tc>
-                  <a:txBody>
-                    <a:bodyPr/>
-                    <a:lstStyle/>
-                    <a:p>
-                      <a:pPr algn="r" fontAlgn="ctr"/>
-                      <a:r>
-                        <a:rPr lang="en-DE" sz="1800">
-                          <a:effectLst/>
-                        </a:rPr>
-                        <a:t>0.688026</a:t>
-                      </a:r>
-                    </a:p>
-                  </a:txBody>
-                  <a:tcPr anchor="ctr"/>
-                </a:tc>
-                <a:tc>
-                  <a:txBody>
-                    <a:bodyPr/>
-                    <a:lstStyle/>
-                    <a:p>
-                      <a:pPr algn="r" fontAlgn="ctr"/>
-                      <a:r>
-                        <a:rPr lang="en-DE" sz="1800">
-                          <a:effectLst/>
-                        </a:rPr>
-                        <a:t>0.651029</a:t>
-                      </a:r>
-                    </a:p>
-                  </a:txBody>
-                  <a:tcPr anchor="ctr"/>
-                </a:tc>
-                <a:tc>
-                  <a:txBody>
-                    <a:bodyPr/>
-                    <a:lstStyle/>
-                    <a:p>
-                      <a:pPr algn="r" fontAlgn="ctr"/>
-                      <a:r>
-                        <a:rPr lang="en-DE" sz="1800">
-                          <a:effectLst/>
-                        </a:rPr>
-                        <a:t>0.491301</a:t>
-                      </a:r>
-                    </a:p>
-                  </a:txBody>
-                  <a:tcPr anchor="ctr"/>
-                </a:tc>
-                <a:tc>
-                  <a:txBody>
-                    <a:bodyPr/>
-                    <a:lstStyle/>
-                    <a:p>
-                      <a:pPr algn="r" fontAlgn="ctr"/>
-                      <a:r>
-                        <a:rPr lang="en-DE" sz="1800" dirty="0">
-                          <a:effectLst/>
-                        </a:rPr>
-                        <a:t>0.499456</a:t>
-                      </a:r>
-                    </a:p>
-                  </a:txBody>
-                  <a:tcPr anchor="ctr"/>
-                </a:tc>
-                <a:tc>
-                  <a:txBody>
-                    <a:bodyPr/>
-                    <a:lstStyle/>
-                    <a:p>
-                      <a:pPr algn="r" fontAlgn="ctr"/>
-                      <a:r>
-                        <a:rPr lang="en-DE" b="1" dirty="0">
-                          <a:effectLst/>
-                        </a:rPr>
-                        <a:t>0.836902</a:t>
-                      </a:r>
-                    </a:p>
-                  </a:txBody>
-                  <a:tcPr anchor="ctr">
-                    <a:solidFill>
-                      <a:schemeClr val="accent6">
-                        <a:lumMod val="40000"/>
-                        <a:lumOff val="60000"/>
-                      </a:schemeClr>
-                    </a:solidFill>
-                  </a:tcPr>
-                </a:tc>
-                <a:tc>
-                  <a:txBody>
-                    <a:bodyPr/>
-                    <a:lstStyle/>
-                    <a:p>
-                      <a:pPr algn="r" fontAlgn="ctr"/>
-                      <a:r>
-                        <a:rPr lang="en-DE" b="1" dirty="0">
-                          <a:effectLst/>
-                        </a:rPr>
-                        <a:t>0.784668</a:t>
-                      </a:r>
-                    </a:p>
-                  </a:txBody>
-                  <a:tcPr anchor="ctr">
-                    <a:solidFill>
-                      <a:schemeClr val="accent6">
-                        <a:lumMod val="40000"/>
-                        <a:lumOff val="60000"/>
-                      </a:schemeClr>
-                    </a:solidFill>
+                    <a:noFill/>
                   </a:tcPr>
                 </a:tc>
                 <a:extLst>
@@ -16754,10 +15026,10 @@
                     <a:p>
                       <a:pPr algn="r" fontAlgn="ctr"/>
                       <a:r>
-                        <a:rPr lang="en-GB" sz="1800" b="1">
+                        <a:rPr lang="en-GB" sz="1600" b="1">
                           <a:effectLst/>
                         </a:rPr>
-                        <a:t>Barock/Aufklärung</a:t>
+                        <a:t>Klassik/Expressionismus</a:t>
                       </a:r>
                     </a:p>
                   </a:txBody>
@@ -16773,7 +15045,7 @@
                         <a:rPr lang="en-DE" sz="1800">
                           <a:effectLst/>
                         </a:rPr>
-                        <a:t>0.541105</a:t>
+                        <a:t>0.550537</a:t>
                       </a:r>
                     </a:p>
                   </a:txBody>
@@ -16789,39 +15061,7 @@
                         <a:rPr lang="en-DE" sz="1800" dirty="0">
                           <a:effectLst/>
                         </a:rPr>
-                        <a:t>0.530550</a:t>
-                      </a:r>
-                    </a:p>
-                  </a:txBody>
-                  <a:tcPr anchor="ctr"/>
-                </a:tc>
-                <a:tc>
-                  <a:txBody>
-                    <a:bodyPr/>
-                    <a:lstStyle/>
-                    <a:p>
-                      <a:pPr algn="r" fontAlgn="ctr"/>
-                      <a:r>
-                        <a:rPr lang="en-DE" sz="1800" dirty="0">
-                          <a:effectLst/>
-                        </a:rPr>
-                        <a:t>0.374712</a:t>
-                      </a:r>
-                    </a:p>
-                  </a:txBody>
-                  <a:tcPr anchor="ctr"/>
-                </a:tc>
-                <a:tc>
-                  <a:txBody>
-                    <a:bodyPr/>
-                    <a:lstStyle/>
-                    <a:p>
-                      <a:pPr algn="r" fontAlgn="ctr"/>
-                      <a:r>
-                        <a:rPr lang="en-DE" sz="1800" dirty="0">
-                          <a:effectLst/>
-                        </a:rPr>
-                        <a:t>0.380885</a:t>
+                        <a:t>0.519971</a:t>
                       </a:r>
                     </a:p>
                   </a:txBody>
@@ -16837,7 +15077,7 @@
                         <a:rPr lang="en-DE">
                           <a:effectLst/>
                         </a:rPr>
-                        <a:t>0.430008</a:t>
+                        <a:t>0.239268</a:t>
                       </a:r>
                     </a:p>
                   </a:txBody>
@@ -16853,7 +15093,39 @@
                         <a:rPr lang="en-DE" dirty="0">
                           <a:effectLst/>
                         </a:rPr>
-                        <a:t>0.353975</a:t>
+                        <a:t>0.161841</a:t>
+                      </a:r>
+                    </a:p>
+                  </a:txBody>
+                  <a:tcPr anchor="ctr"/>
+                </a:tc>
+                <a:tc>
+                  <a:txBody>
+                    <a:bodyPr/>
+                    <a:lstStyle/>
+                    <a:p>
+                      <a:pPr algn="r" fontAlgn="ctr"/>
+                      <a:r>
+                        <a:rPr lang="en-DE">
+                          <a:effectLst/>
+                        </a:rPr>
+                        <a:t>0.632019</a:t>
+                      </a:r>
+                    </a:p>
+                  </a:txBody>
+                  <a:tcPr anchor="ctr"/>
+                </a:tc>
+                <a:tc>
+                  <a:txBody>
+                    <a:bodyPr/>
+                    <a:lstStyle/>
+                    <a:p>
+                      <a:pPr algn="r" fontAlgn="ctr"/>
+                      <a:r>
+                        <a:rPr lang="en-DE" dirty="0">
+                          <a:effectLst/>
+                        </a:rPr>
+                        <a:t>0.586619</a:t>
                       </a:r>
                     </a:p>
                   </a:txBody>
@@ -16999,1404 +15271,7 @@
 </p:sld>
 </file>
 
-<file path=ppt/slides/slide31.xml><?xml version="1.0" encoding="utf-8"?>
-<p:sld xmlns:a="http://schemas.openxmlformats.org/drawingml/2006/main" xmlns:r="http://schemas.openxmlformats.org/officeDocument/2006/relationships" xmlns:p="http://schemas.openxmlformats.org/presentationml/2006/main" show="0">
-  <p:cSld>
-    <p:bg>
-      <p:bgPr>
-        <a:solidFill>
-          <a:schemeClr val="bg1"/>
-        </a:solidFill>
-        <a:effectLst/>
-      </p:bgPr>
-    </p:bg>
-    <p:spTree>
-      <p:nvGrpSpPr>
-        <p:cNvPr id="1" name=""/>
-        <p:cNvGrpSpPr/>
-        <p:nvPr/>
-      </p:nvGrpSpPr>
-      <p:grpSpPr>
-        <a:xfrm>
-          <a:off x="0" y="0"/>
-          <a:ext cx="0" cy="0"/>
-          <a:chOff x="0" y="0"/>
-          <a:chExt cx="0" cy="0"/>
-        </a:xfrm>
-      </p:grpSpPr>
-      <p:sp useBgFill="1">
-        <p:nvSpPr>
-          <p:cNvPr id="51" name="Rectangle 50">
-            <a:extLst>
-              <a:ext uri="{FF2B5EF4-FFF2-40B4-BE49-F238E27FC236}">
-                <a16:creationId xmlns:a16="http://schemas.microsoft.com/office/drawing/2014/main" id="{2550BE34-C2B8-49B8-8519-67A8CAD51AE9}"/>
-              </a:ext>
-              <a:ext uri="{C183D7F6-B498-43B3-948B-1728B52AA6E4}">
-                <adec:decorative xmlns:adec="http://schemas.microsoft.com/office/drawing/2017/decorative" val="1"/>
-              </a:ext>
-            </a:extLst>
-          </p:cNvPr>
-          <p:cNvSpPr>
-            <a:spLocks noGrp="1" noRot="1" noChangeAspect="1" noMove="1" noResize="1" noEditPoints="1" noAdjustHandles="1" noChangeArrowheads="1" noChangeShapeType="1" noTextEdit="1"/>
-          </p:cNvSpPr>
-          <p:nvPr>
-            <p:extLst>
-              <p:ext uri="{386F3935-93C4-4BCD-93E2-E3B085C9AB24}">
-                <p16:designElem xmlns:p16="http://schemas.microsoft.com/office/powerpoint/2015/main" val="1"/>
-              </p:ext>
-            </p:extLst>
-          </p:nvPr>
-        </p:nvSpPr>
-        <p:spPr>
-          <a:xfrm>
-            <a:off x="0" y="0"/>
-            <a:ext cx="12192000" cy="6858000"/>
-          </a:xfrm>
-          <a:prstGeom prst="rect">
-            <a:avLst/>
-          </a:prstGeom>
-          <a:ln>
-            <a:noFill/>
-          </a:ln>
-        </p:spPr>
-        <p:style>
-          <a:lnRef idx="2">
-            <a:schemeClr val="accent1">
-              <a:shade val="50000"/>
-            </a:schemeClr>
-          </a:lnRef>
-          <a:fillRef idx="1">
-            <a:schemeClr val="accent1"/>
-          </a:fillRef>
-          <a:effectRef idx="0">
-            <a:schemeClr val="accent1"/>
-          </a:effectRef>
-          <a:fontRef idx="minor">
-            <a:schemeClr val="lt1"/>
-          </a:fontRef>
-        </p:style>
-        <p:txBody>
-          <a:bodyPr rtlCol="0" anchor="ctr"/>
-          <a:lstStyle/>
-          <a:p>
-            <a:pPr algn="ctr"/>
-            <a:endParaRPr lang="en-US"/>
-          </a:p>
-        </p:txBody>
-      </p:sp>
-      <p:sp useBgFill="1">
-        <p:nvSpPr>
-          <p:cNvPr id="53" name="Rectangle 52">
-            <a:extLst>
-              <a:ext uri="{FF2B5EF4-FFF2-40B4-BE49-F238E27FC236}">
-                <a16:creationId xmlns:a16="http://schemas.microsoft.com/office/drawing/2014/main" id="{A7457DD9-5A45-400A-AB4B-4B4EDECA25F1}"/>
-              </a:ext>
-              <a:ext uri="{C183D7F6-B498-43B3-948B-1728B52AA6E4}">
-                <adec:decorative xmlns:adec="http://schemas.microsoft.com/office/drawing/2017/decorative" val="1"/>
-              </a:ext>
-            </a:extLst>
-          </p:cNvPr>
-          <p:cNvSpPr>
-            <a:spLocks noGrp="1" noRot="1" noChangeAspect="1" noMove="1" noResize="1" noEditPoints="1" noAdjustHandles="1" noChangeArrowheads="1" noChangeShapeType="1" noTextEdit="1"/>
-          </p:cNvSpPr>
-          <p:nvPr>
-            <p:extLst>
-              <p:ext uri="{386F3935-93C4-4BCD-93E2-E3B085C9AB24}">
-                <p16:designElem xmlns:p16="http://schemas.microsoft.com/office/powerpoint/2015/main" val="1"/>
-              </p:ext>
-            </p:extLst>
-          </p:nvPr>
-        </p:nvSpPr>
-        <p:spPr>
-          <a:xfrm>
-            <a:off x="554416" y="365125"/>
-            <a:ext cx="11167447" cy="2089317"/>
-          </a:xfrm>
-          <a:prstGeom prst="rect">
-            <a:avLst/>
-          </a:prstGeom>
-          <a:ln w="12700">
-            <a:solidFill>
-              <a:schemeClr val="tx2">
-                <a:lumMod val="10000"/>
-                <a:lumOff val="90000"/>
-              </a:schemeClr>
-            </a:solidFill>
-          </a:ln>
-          <a:effectLst>
-            <a:outerShdw blurRad="50800" dist="38100" dir="2700000" algn="tl" rotWithShape="0">
-              <a:schemeClr val="bg2">
-                <a:lumMod val="85000"/>
-                <a:alpha val="30000"/>
-              </a:schemeClr>
-            </a:outerShdw>
-          </a:effectLst>
-        </p:spPr>
-        <p:style>
-          <a:lnRef idx="2">
-            <a:schemeClr val="accent1">
-              <a:shade val="50000"/>
-            </a:schemeClr>
-          </a:lnRef>
-          <a:fillRef idx="1">
-            <a:schemeClr val="accent1"/>
-          </a:fillRef>
-          <a:effectRef idx="0">
-            <a:schemeClr val="accent1"/>
-          </a:effectRef>
-          <a:fontRef idx="minor">
-            <a:schemeClr val="lt1"/>
-          </a:fontRef>
-        </p:style>
-        <p:txBody>
-          <a:bodyPr rtlCol="0" anchor="ctr"/>
-          <a:lstStyle/>
-          <a:p>
-            <a:pPr marL="0" marR="0" lvl="0" indent="0" algn="ctr" defTabSz="914400" rtl="0" eaLnBrk="1" fontAlgn="auto" latinLnBrk="0" hangingPunct="1">
-              <a:lnSpc>
-                <a:spcPct val="100000"/>
-              </a:lnSpc>
-              <a:spcBef>
-                <a:spcPts val="0"/>
-              </a:spcBef>
-              <a:spcAft>
-                <a:spcPts val="0"/>
-              </a:spcAft>
-              <a:buClrTx/>
-              <a:buSzTx/>
-              <a:buFontTx/>
-              <a:buNone/>
-              <a:tabLst/>
-              <a:defRPr/>
-            </a:pPr>
-            <a:endParaRPr kumimoji="0" lang="en-US" sz="1800" b="0" i="0" u="none" strike="noStrike" kern="1200" cap="none" spc="0" normalizeH="0" baseline="0" noProof="0">
-              <a:ln>
-                <a:noFill/>
-              </a:ln>
-              <a:solidFill>
-                <a:prstClr val="white"/>
-              </a:solidFill>
-              <a:effectLst/>
-              <a:uLnTx/>
-              <a:uFillTx/>
-              <a:latin typeface="Calibri" panose="020F0502020204030204"/>
-              <a:ea typeface="+mn-ea"/>
-              <a:cs typeface="+mn-cs"/>
-            </a:endParaRPr>
-          </a:p>
-        </p:txBody>
-      </p:sp>
-      <p:sp>
-        <p:nvSpPr>
-          <p:cNvPr id="3" name="Title 2">
-            <a:extLst>
-              <a:ext uri="{FF2B5EF4-FFF2-40B4-BE49-F238E27FC236}">
-                <a16:creationId xmlns:a16="http://schemas.microsoft.com/office/drawing/2014/main" id="{2B0244FE-E892-4648-B9A2-7F22D047434E}"/>
-              </a:ext>
-            </a:extLst>
-          </p:cNvPr>
-          <p:cNvSpPr>
-            <a:spLocks noGrp="1"/>
-          </p:cNvSpPr>
-          <p:nvPr>
-            <p:ph type="title"/>
-          </p:nvPr>
-        </p:nvSpPr>
-        <p:spPr>
-          <a:xfrm>
-            <a:off x="1046746" y="586822"/>
-            <a:ext cx="3748339" cy="1645920"/>
-          </a:xfrm>
-        </p:spPr>
-        <p:txBody>
-          <a:bodyPr vert="horz" lIns="91440" tIns="45720" rIns="91440" bIns="45720" rtlCol="0" anchor="ctr">
-            <a:normAutofit/>
-          </a:bodyPr>
-          <a:lstStyle/>
-          <a:p>
-            <a:r>
-              <a:rPr lang="en-US" sz="3200" b="1" dirty="0"/>
-              <a:t>K-Means 		(II) </a:t>
-            </a:r>
-            <a:br>
-              <a:rPr lang="en-US" sz="3200" b="1" dirty="0"/>
-            </a:br>
-            <a:r>
-              <a:rPr lang="en-US" sz="3200" b="1" dirty="0"/>
-              <a:t>DBSCAN</a:t>
-            </a:r>
-          </a:p>
-        </p:txBody>
-      </p:sp>
-      <p:sp>
-        <p:nvSpPr>
-          <p:cNvPr id="55" name="Rectangle 54">
-            <a:extLst>
-              <a:ext uri="{FF2B5EF4-FFF2-40B4-BE49-F238E27FC236}">
-                <a16:creationId xmlns:a16="http://schemas.microsoft.com/office/drawing/2014/main" id="{441CF7D6-A660-431A-B0BB-140A0D5556B6}"/>
-              </a:ext>
-              <a:ext uri="{C183D7F6-B498-43B3-948B-1728B52AA6E4}">
-                <adec:decorative xmlns:adec="http://schemas.microsoft.com/office/drawing/2017/decorative" val="1"/>
-              </a:ext>
-            </a:extLst>
-          </p:cNvPr>
-          <p:cNvSpPr>
-            <a:spLocks noGrp="1" noRot="1" noChangeAspect="1" noMove="1" noResize="1" noEditPoints="1" noAdjustHandles="1" noChangeArrowheads="1" noChangeShapeType="1" noTextEdit="1"/>
-          </p:cNvSpPr>
-          <p:nvPr>
-            <p:extLst>
-              <p:ext uri="{386F3935-93C4-4BCD-93E2-E3B085C9AB24}">
-                <p16:designElem xmlns:p16="http://schemas.microsoft.com/office/powerpoint/2015/main" val="1"/>
-              </p:ext>
-            </p:extLst>
-          </p:nvPr>
-        </p:nvSpPr>
-        <p:spPr>
-          <a:xfrm>
-            <a:off x="490408" y="1057739"/>
-            <a:ext cx="128016" cy="704088"/>
-          </a:xfrm>
-          <a:prstGeom prst="rect">
-            <a:avLst/>
-          </a:prstGeom>
-          <a:solidFill>
-            <a:schemeClr val="accent1"/>
-          </a:solidFill>
-          <a:ln>
-            <a:noFill/>
-          </a:ln>
-        </p:spPr>
-        <p:style>
-          <a:lnRef idx="2">
-            <a:schemeClr val="accent1">
-              <a:shade val="50000"/>
-            </a:schemeClr>
-          </a:lnRef>
-          <a:fillRef idx="1">
-            <a:schemeClr val="accent1"/>
-          </a:fillRef>
-          <a:effectRef idx="0">
-            <a:schemeClr val="accent1"/>
-          </a:effectRef>
-          <a:fontRef idx="minor">
-            <a:schemeClr val="lt1"/>
-          </a:fontRef>
-        </p:style>
-        <p:txBody>
-          <a:bodyPr rtlCol="0" anchor="ctr"/>
-          <a:lstStyle/>
-          <a:p>
-            <a:pPr marL="0" marR="0" lvl="0" indent="0" algn="ctr" defTabSz="914400" rtl="0" eaLnBrk="1" fontAlgn="auto" latinLnBrk="0" hangingPunct="1">
-              <a:lnSpc>
-                <a:spcPct val="100000"/>
-              </a:lnSpc>
-              <a:spcBef>
-                <a:spcPts val="0"/>
-              </a:spcBef>
-              <a:spcAft>
-                <a:spcPts val="0"/>
-              </a:spcAft>
-              <a:buClrTx/>
-              <a:buSzTx/>
-              <a:buFontTx/>
-              <a:buNone/>
-              <a:tabLst/>
-              <a:defRPr/>
-            </a:pPr>
-            <a:endParaRPr kumimoji="0" lang="en-US" sz="1800" b="0" i="0" u="none" strike="noStrike" kern="1200" cap="none" spc="0" normalizeH="0" baseline="0" noProof="0" dirty="0">
-              <a:ln>
-                <a:noFill/>
-              </a:ln>
-              <a:solidFill>
-                <a:prstClr val="white"/>
-              </a:solidFill>
-              <a:effectLst/>
-              <a:uLnTx/>
-              <a:uFillTx/>
-              <a:latin typeface="Calibri" panose="020F0502020204030204"/>
-              <a:ea typeface="+mn-ea"/>
-              <a:cs typeface="+mn-cs"/>
-            </a:endParaRPr>
-          </a:p>
-        </p:txBody>
-      </p:sp>
-      <p:sp>
-        <p:nvSpPr>
-          <p:cNvPr id="57" name="Rectangle 56">
-            <a:extLst>
-              <a:ext uri="{FF2B5EF4-FFF2-40B4-BE49-F238E27FC236}">
-                <a16:creationId xmlns:a16="http://schemas.microsoft.com/office/drawing/2014/main" id="{0570A85B-3810-4F95-97B0-CBF4CCDB381C}"/>
-              </a:ext>
-              <a:ext uri="{C183D7F6-B498-43B3-948B-1728B52AA6E4}">
-                <adec:decorative xmlns:adec="http://schemas.microsoft.com/office/drawing/2017/decorative" val="1"/>
-              </a:ext>
-            </a:extLst>
-          </p:cNvPr>
-          <p:cNvSpPr>
-            <a:spLocks noGrp="1" noRot="1" noChangeAspect="1" noMove="1" noResize="1" noEditPoints="1" noAdjustHandles="1" noChangeArrowheads="1" noChangeShapeType="1" noTextEdit="1"/>
-          </p:cNvSpPr>
-          <p:nvPr>
-            <p:extLst>
-              <p:ext uri="{386F3935-93C4-4BCD-93E2-E3B085C9AB24}">
-                <p16:designElem xmlns:p16="http://schemas.microsoft.com/office/powerpoint/2015/main" val="1"/>
-              </p:ext>
-            </p:extLst>
-          </p:nvPr>
-        </p:nvSpPr>
-        <p:spPr>
-          <a:xfrm rot="5400000">
-            <a:off x="4248113" y="1405210"/>
-            <a:ext cx="1463040" cy="9144"/>
-          </a:xfrm>
-          <a:prstGeom prst="rect">
-            <a:avLst/>
-          </a:prstGeom>
-          <a:solidFill>
-            <a:schemeClr val="tx2">
-              <a:lumMod val="25000"/>
-              <a:lumOff val="75000"/>
-            </a:schemeClr>
-          </a:solidFill>
-          <a:ln w="3175">
-            <a:noFill/>
-          </a:ln>
-          <a:effectLst/>
-        </p:spPr>
-        <p:style>
-          <a:lnRef idx="2">
-            <a:schemeClr val="accent1">
-              <a:shade val="50000"/>
-            </a:schemeClr>
-          </a:lnRef>
-          <a:fillRef idx="1">
-            <a:schemeClr val="accent1"/>
-          </a:fillRef>
-          <a:effectRef idx="0">
-            <a:schemeClr val="accent1"/>
-          </a:effectRef>
-          <a:fontRef idx="minor">
-            <a:schemeClr val="lt1"/>
-          </a:fontRef>
-        </p:style>
-        <p:txBody>
-          <a:bodyPr rtlCol="0" anchor="ctr"/>
-          <a:lstStyle/>
-          <a:p>
-            <a:pPr marL="0" marR="0" lvl="0" indent="0" algn="ctr" defTabSz="914400" rtl="0" eaLnBrk="1" fontAlgn="auto" latinLnBrk="0" hangingPunct="1">
-              <a:lnSpc>
-                <a:spcPct val="100000"/>
-              </a:lnSpc>
-              <a:spcBef>
-                <a:spcPts val="0"/>
-              </a:spcBef>
-              <a:spcAft>
-                <a:spcPts val="0"/>
-              </a:spcAft>
-              <a:buClrTx/>
-              <a:buSzTx/>
-              <a:buFontTx/>
-              <a:buNone/>
-              <a:tabLst/>
-              <a:defRPr/>
-            </a:pPr>
-            <a:endParaRPr kumimoji="0" lang="en-US" sz="1800" b="0" i="0" u="none" strike="noStrike" kern="1200" cap="none" spc="0" normalizeH="0" baseline="0" noProof="0">
-              <a:ln>
-                <a:noFill/>
-              </a:ln>
-              <a:solidFill>
-                <a:prstClr val="white"/>
-              </a:solidFill>
-              <a:effectLst/>
-              <a:uLnTx/>
-              <a:uFillTx/>
-              <a:latin typeface="Calibri" panose="020F0502020204030204"/>
-              <a:ea typeface="+mn-ea"/>
-              <a:cs typeface="+mn-cs"/>
-            </a:endParaRPr>
-          </a:p>
-        </p:txBody>
-      </p:sp>
-      <p:sp>
-        <p:nvSpPr>
-          <p:cNvPr id="6" name="TextBox 5">
-            <a:extLst>
-              <a:ext uri="{FF2B5EF4-FFF2-40B4-BE49-F238E27FC236}">
-                <a16:creationId xmlns:a16="http://schemas.microsoft.com/office/drawing/2014/main" id="{68E267DE-B0A6-1F4B-BCC7-2FAF9305A326}"/>
-              </a:ext>
-            </a:extLst>
-          </p:cNvPr>
-          <p:cNvSpPr txBox="1"/>
-          <p:nvPr/>
-        </p:nvSpPr>
-        <p:spPr>
-          <a:xfrm>
-            <a:off x="4804229" y="586822"/>
-            <a:ext cx="6720114" cy="1867620"/>
-          </a:xfrm>
-          <a:prstGeom prst="rect">
-            <a:avLst/>
-          </a:prstGeom>
-        </p:spPr>
-        <p:txBody>
-          <a:bodyPr vert="horz" lIns="91440" tIns="45720" rIns="91440" bIns="45720" numCol="2" rtlCol="0" anchor="ctr">
-            <a:normAutofit/>
-          </a:bodyPr>
-          <a:lstStyle/>
-          <a:p>
-            <a:pPr marL="457200" indent="-228600">
-              <a:spcAft>
-                <a:spcPts val="600"/>
-              </a:spcAft>
-              <a:buFont typeface="Arial" panose="020B0604020202020204" pitchFamily="34" charset="0"/>
-              <a:buChar char="•"/>
-            </a:pPr>
-            <a:r>
-              <a:rPr lang="de-DE" dirty="0"/>
-              <a:t>Einteilung nach </a:t>
-            </a:r>
-            <a:r>
-              <a:rPr lang="de-DE" i="1" dirty="0"/>
-              <a:t>AMANN</a:t>
-            </a:r>
-            <a:endParaRPr lang="de-DE" b="1" i="1" dirty="0"/>
-          </a:p>
-          <a:p>
-            <a:pPr marL="457200" indent="-228600">
-              <a:spcAft>
-                <a:spcPts val="600"/>
-              </a:spcAft>
-              <a:buFont typeface="Arial" panose="020B0604020202020204" pitchFamily="34" charset="0"/>
-              <a:buChar char="•"/>
-            </a:pPr>
-            <a:r>
-              <a:rPr lang="de-DE" b="1" dirty="0"/>
-              <a:t>Dimensionsreduktion</a:t>
-            </a:r>
-          </a:p>
-          <a:p>
-            <a:pPr marL="228600">
-              <a:spcAft>
-                <a:spcPts val="600"/>
-              </a:spcAft>
-            </a:pPr>
-            <a:r>
-              <a:rPr lang="de-DE" b="1" dirty="0"/>
-              <a:t>    (auf 3 Dimensionen)</a:t>
-            </a:r>
-          </a:p>
-          <a:p>
-            <a:pPr marL="457200" indent="-228600">
-              <a:spcAft>
-                <a:spcPts val="600"/>
-              </a:spcAft>
-              <a:buFont typeface="Arial" panose="020B0604020202020204" pitchFamily="34" charset="0"/>
-              <a:buChar char="•"/>
-            </a:pPr>
-            <a:r>
-              <a:rPr lang="de-DE" dirty="0"/>
-              <a:t>Ohne Epoche „Sturm &amp; Drang“</a:t>
-            </a:r>
-          </a:p>
-          <a:p>
-            <a:pPr marL="457200" indent="-228600">
-              <a:spcAft>
-                <a:spcPts val="600"/>
-              </a:spcAft>
-              <a:buFont typeface="Arial" panose="020B0604020202020204" pitchFamily="34" charset="0"/>
-              <a:buChar char="•"/>
-            </a:pPr>
-            <a:r>
-              <a:rPr lang="de-DE" dirty="0" err="1"/>
-              <a:t>Lowercase</a:t>
-            </a:r>
-            <a:endParaRPr lang="de-DE" dirty="0"/>
-          </a:p>
-          <a:p>
-            <a:pPr marL="457200" indent="-228600">
-              <a:spcAft>
-                <a:spcPts val="600"/>
-              </a:spcAft>
-              <a:buFont typeface="Arial" panose="020B0604020202020204" pitchFamily="34" charset="0"/>
-              <a:buChar char="•"/>
-            </a:pPr>
-            <a:r>
-              <a:rPr lang="de-DE" dirty="0"/>
-              <a:t>Stoppwörter </a:t>
-            </a:r>
-            <a:r>
-              <a:rPr lang="de-DE" u="sng" dirty="0"/>
-              <a:t>entfernt</a:t>
-            </a:r>
-            <a:endParaRPr lang="de-DE" dirty="0"/>
-          </a:p>
-          <a:p>
-            <a:pPr marL="457200" indent="-228600">
-              <a:spcAft>
-                <a:spcPts val="600"/>
-              </a:spcAft>
-              <a:buFont typeface="Arial" panose="020B0604020202020204" pitchFamily="34" charset="0"/>
-              <a:buChar char="•"/>
-            </a:pPr>
-            <a:r>
-              <a:rPr lang="de-DE" dirty="0"/>
-              <a:t>10000 mf</a:t>
-            </a:r>
-          </a:p>
-        </p:txBody>
-      </p:sp>
-      <p:graphicFrame>
-        <p:nvGraphicFramePr>
-          <p:cNvPr id="2" name="Table 1">
-            <a:extLst>
-              <a:ext uri="{FF2B5EF4-FFF2-40B4-BE49-F238E27FC236}">
-                <a16:creationId xmlns:a16="http://schemas.microsoft.com/office/drawing/2014/main" id="{A0E9A13A-9520-0146-9DA9-25D7F9C6A691}"/>
-              </a:ext>
-            </a:extLst>
-          </p:cNvPr>
-          <p:cNvGraphicFramePr>
-            <a:graphicFrameLocks noGrp="1"/>
-          </p:cNvGraphicFramePr>
-          <p:nvPr>
-            <p:extLst>
-              <p:ext uri="{D42A27DB-BD31-4B8C-83A1-F6EECF244321}">
-                <p14:modId xmlns:p14="http://schemas.microsoft.com/office/powerpoint/2010/main" val="561133896"/>
-              </p:ext>
-            </p:extLst>
-          </p:nvPr>
-        </p:nvGraphicFramePr>
-        <p:xfrm>
-          <a:off x="618424" y="2843047"/>
-          <a:ext cx="11103438" cy="3850704"/>
-        </p:xfrm>
-        <a:graphic>
-          <a:graphicData uri="http://schemas.openxmlformats.org/drawingml/2006/table">
-            <a:tbl>
-              <a:tblPr firstRow="1" bandRow="1">
-                <a:tableStyleId>{69012ECD-51FC-41F1-AA8D-1B2483CD663E}</a:tableStyleId>
-              </a:tblPr>
-              <a:tblGrid>
-                <a:gridCol w="3573503">
-                  <a:extLst>
-                    <a:ext uri="{9D8B030D-6E8A-4147-A177-3AD203B41FA5}">
-                      <a16:colId xmlns:a16="http://schemas.microsoft.com/office/drawing/2014/main" val="2833795351"/>
-                    </a:ext>
-                  </a:extLst>
-                </a:gridCol>
-                <a:gridCol w="1832355">
-                  <a:extLst>
-                    <a:ext uri="{9D8B030D-6E8A-4147-A177-3AD203B41FA5}">
-                      <a16:colId xmlns:a16="http://schemas.microsoft.com/office/drawing/2014/main" val="1448307795"/>
-                    </a:ext>
-                  </a:extLst>
-                </a:gridCol>
-                <a:gridCol w="1641472">
-                  <a:extLst>
-                    <a:ext uri="{9D8B030D-6E8A-4147-A177-3AD203B41FA5}">
-                      <a16:colId xmlns:a16="http://schemas.microsoft.com/office/drawing/2014/main" val="799636414"/>
-                    </a:ext>
-                  </a:extLst>
-                </a:gridCol>
-                <a:gridCol w="2244728">
-                  <a:extLst>
-                    <a:ext uri="{9D8B030D-6E8A-4147-A177-3AD203B41FA5}">
-                      <a16:colId xmlns:a16="http://schemas.microsoft.com/office/drawing/2014/main" val="1880987509"/>
-                    </a:ext>
-                  </a:extLst>
-                </a:gridCol>
-                <a:gridCol w="1811380">
-                  <a:extLst>
-                    <a:ext uri="{9D8B030D-6E8A-4147-A177-3AD203B41FA5}">
-                      <a16:colId xmlns:a16="http://schemas.microsoft.com/office/drawing/2014/main" val="3364989717"/>
-                    </a:ext>
-                  </a:extLst>
-                </a:gridCol>
-              </a:tblGrid>
-              <a:tr h="638570">
-                <a:tc>
-                  <a:txBody>
-                    <a:bodyPr/>
-                    <a:lstStyle/>
-                    <a:p>
-                      <a:pPr algn="r" fontAlgn="ctr"/>
-                      <a:endParaRPr lang="en-GB" b="1" dirty="0">
-                        <a:effectLst/>
-                      </a:endParaRPr>
-                    </a:p>
-                  </a:txBody>
-                  <a:tcPr anchor="ctr"/>
-                </a:tc>
-                <a:tc gridSpan="2">
-                  <a:txBody>
-                    <a:bodyPr/>
-                    <a:lstStyle/>
-                    <a:p>
-                      <a:pPr algn="ctr" fontAlgn="ctr"/>
-                      <a:r>
-                        <a:rPr lang="en-GB" sz="2400" dirty="0">
-                          <a:effectLst/>
-                        </a:rPr>
-                        <a:t>K-Means</a:t>
-                      </a:r>
-                      <a:endParaRPr lang="en-GB" sz="2400" b="1" dirty="0">
-                        <a:solidFill>
-                          <a:schemeClr val="tx1"/>
-                        </a:solidFill>
-                        <a:effectLst/>
-                      </a:endParaRPr>
-                    </a:p>
-                  </a:txBody>
-                  <a:tcPr anchor="ctr"/>
-                </a:tc>
-                <a:tc hMerge="1">
-                  <a:txBody>
-                    <a:bodyPr/>
-                    <a:lstStyle/>
-                    <a:p>
-                      <a:pPr algn="ctr"/>
-                      <a:endParaRPr lang="de-DE" dirty="0"/>
-                    </a:p>
-                  </a:txBody>
-                  <a:tcPr anchor="ctr"/>
-                </a:tc>
-                <a:tc gridSpan="2">
-                  <a:txBody>
-                    <a:bodyPr/>
-                    <a:lstStyle/>
-                    <a:p>
-                      <a:pPr algn="ctr" fontAlgn="ctr"/>
-                      <a:r>
-                        <a:rPr lang="en-GB" sz="2400" dirty="0">
-                          <a:effectLst/>
-                        </a:rPr>
-                        <a:t>DBSCAN</a:t>
-                      </a:r>
-                      <a:endParaRPr lang="en-GB" sz="2400" b="1" dirty="0">
-                        <a:solidFill>
-                          <a:schemeClr val="tx1"/>
-                        </a:solidFill>
-                        <a:effectLst/>
-                      </a:endParaRPr>
-                    </a:p>
-                  </a:txBody>
-                  <a:tcPr anchor="ctr"/>
-                </a:tc>
-                <a:tc hMerge="1">
-                  <a:txBody>
-                    <a:bodyPr/>
-                    <a:lstStyle/>
-                    <a:p>
-                      <a:pPr algn="ctr"/>
-                      <a:endParaRPr lang="de-DE" dirty="0"/>
-                    </a:p>
-                  </a:txBody>
-                  <a:tcPr anchor="ctr"/>
-                </a:tc>
-                <a:extLst>
-                  <a:ext uri="{0D108BD9-81ED-4DB2-BD59-A6C34878D82A}">
-                    <a16:rowId xmlns:a16="http://schemas.microsoft.com/office/drawing/2014/main" val="3307450965"/>
-                  </a:ext>
-                </a:extLst>
-              </a:tr>
-              <a:tr h="731476">
-                <a:tc>
-                  <a:txBody>
-                    <a:bodyPr/>
-                    <a:lstStyle/>
-                    <a:p>
-                      <a:pPr algn="r" fontAlgn="ctr"/>
-                      <a:br>
-                        <a:rPr lang="en-GB" sz="2000" dirty="0">
-                          <a:effectLst/>
-                        </a:rPr>
-                      </a:br>
-                      <a:endParaRPr lang="en-GB" sz="2000" b="1" dirty="0">
-                        <a:effectLst/>
-                      </a:endParaRPr>
-                    </a:p>
-                  </a:txBody>
-                  <a:tcPr anchor="ctr"/>
-                </a:tc>
-                <a:tc>
-                  <a:txBody>
-                    <a:bodyPr/>
-                    <a:lstStyle/>
-                    <a:p>
-                      <a:pPr algn="ctr" fontAlgn="ctr"/>
-                      <a:r>
-                        <a:rPr lang="en-GB" sz="2000" b="1" dirty="0" err="1">
-                          <a:effectLst/>
-                        </a:rPr>
-                        <a:t>ari</a:t>
-                      </a:r>
-                      <a:endParaRPr lang="en-GB" sz="2000" b="1" dirty="0">
-                        <a:effectLst/>
-                      </a:endParaRPr>
-                    </a:p>
-                  </a:txBody>
-                  <a:tcPr anchor="ctr"/>
-                </a:tc>
-                <a:tc>
-                  <a:txBody>
-                    <a:bodyPr/>
-                    <a:lstStyle/>
-                    <a:p>
-                      <a:pPr algn="ctr"/>
-                      <a:r>
-                        <a:rPr lang="de-DE" sz="2000" b="1" dirty="0" err="1"/>
-                        <a:t>vm</a:t>
-                      </a:r>
-                      <a:endParaRPr lang="de-DE" sz="2000" b="1" dirty="0"/>
-                    </a:p>
-                  </a:txBody>
-                  <a:tcPr anchor="ctr"/>
-                </a:tc>
-                <a:tc>
-                  <a:txBody>
-                    <a:bodyPr/>
-                    <a:lstStyle/>
-                    <a:p>
-                      <a:pPr algn="ctr" fontAlgn="ctr"/>
-                      <a:r>
-                        <a:rPr lang="en-GB" sz="2000" b="1" dirty="0" err="1">
-                          <a:effectLst/>
-                        </a:rPr>
-                        <a:t>ari</a:t>
-                      </a:r>
-                      <a:endParaRPr lang="en-GB" sz="2000" b="1" dirty="0">
-                        <a:effectLst/>
-                      </a:endParaRPr>
-                    </a:p>
-                  </a:txBody>
-                  <a:tcPr anchor="ctr"/>
-                </a:tc>
-                <a:tc>
-                  <a:txBody>
-                    <a:bodyPr/>
-                    <a:lstStyle/>
-                    <a:p>
-                      <a:pPr algn="ctr"/>
-                      <a:r>
-                        <a:rPr lang="de-DE" sz="2000" b="1" dirty="0" err="1"/>
-                        <a:t>vm</a:t>
-                      </a:r>
-                      <a:endParaRPr lang="de-DE" sz="2000" b="1" dirty="0"/>
-                    </a:p>
-                  </a:txBody>
-                  <a:tcPr anchor="ctr"/>
-                </a:tc>
-                <a:extLst>
-                  <a:ext uri="{0D108BD9-81ED-4DB2-BD59-A6C34878D82A}">
-                    <a16:rowId xmlns:a16="http://schemas.microsoft.com/office/drawing/2014/main" val="2331790527"/>
-                  </a:ext>
-                </a:extLst>
-              </a:tr>
-              <a:tr h="413443">
-                <a:tc>
-                  <a:txBody>
-                    <a:bodyPr/>
-                    <a:lstStyle/>
-                    <a:p>
-                      <a:pPr algn="r" fontAlgn="ctr"/>
-                      <a:r>
-                        <a:rPr lang="en-GB" sz="2000" b="1">
-                          <a:effectLst/>
-                        </a:rPr>
-                        <a:t>Barock/Realismus</a:t>
-                      </a:r>
-                    </a:p>
-                  </a:txBody>
-                  <a:tcPr anchor="ctr"/>
-                </a:tc>
-                <a:tc>
-                  <a:txBody>
-                    <a:bodyPr/>
-                    <a:lstStyle/>
-                    <a:p>
-                      <a:pPr algn="r" fontAlgn="ctr"/>
-                      <a:r>
-                        <a:rPr lang="en-DE" sz="2000" b="1" dirty="0">
-                          <a:effectLst/>
-                        </a:rPr>
-                        <a:t>0.860581</a:t>
-                      </a:r>
-                    </a:p>
-                  </a:txBody>
-                  <a:tcPr anchor="ctr">
-                    <a:solidFill>
-                      <a:schemeClr val="accent6">
-                        <a:lumMod val="60000"/>
-                        <a:lumOff val="40000"/>
-                      </a:schemeClr>
-                    </a:solidFill>
-                  </a:tcPr>
-                </a:tc>
-                <a:tc>
-                  <a:txBody>
-                    <a:bodyPr/>
-                    <a:lstStyle/>
-                    <a:p>
-                      <a:pPr algn="r" fontAlgn="ctr"/>
-                      <a:r>
-                        <a:rPr lang="en-DE" sz="2000" b="1" dirty="0">
-                          <a:effectLst/>
-                        </a:rPr>
-                        <a:t>0.811946</a:t>
-                      </a:r>
-                    </a:p>
-                  </a:txBody>
-                  <a:tcPr anchor="ctr">
-                    <a:solidFill>
-                      <a:schemeClr val="accent6">
-                        <a:lumMod val="60000"/>
-                        <a:lumOff val="40000"/>
-                      </a:schemeClr>
-                    </a:solidFill>
-                  </a:tcPr>
-                </a:tc>
-                <a:tc>
-                  <a:txBody>
-                    <a:bodyPr/>
-                    <a:lstStyle/>
-                    <a:p>
-                      <a:pPr algn="r" fontAlgn="ctr"/>
-                      <a:r>
-                        <a:rPr lang="en-DE" sz="2000" dirty="0">
-                          <a:effectLst/>
-                        </a:rPr>
-                        <a:t>0.756305</a:t>
-                      </a:r>
-                    </a:p>
-                  </a:txBody>
-                  <a:tcPr anchor="ctr"/>
-                </a:tc>
-                <a:tc>
-                  <a:txBody>
-                    <a:bodyPr/>
-                    <a:lstStyle/>
-                    <a:p>
-                      <a:pPr algn="r" fontAlgn="ctr"/>
-                      <a:r>
-                        <a:rPr lang="en-DE" sz="2000" dirty="0">
-                          <a:effectLst/>
-                        </a:rPr>
-                        <a:t>0.712015</a:t>
-                      </a:r>
-                    </a:p>
-                  </a:txBody>
-                  <a:tcPr anchor="ctr"/>
-                </a:tc>
-                <a:extLst>
-                  <a:ext uri="{0D108BD9-81ED-4DB2-BD59-A6C34878D82A}">
-                    <a16:rowId xmlns:a16="http://schemas.microsoft.com/office/drawing/2014/main" val="857364166"/>
-                  </a:ext>
-                </a:extLst>
-              </a:tr>
-              <a:tr h="413443">
-                <a:tc>
-                  <a:txBody>
-                    <a:bodyPr/>
-                    <a:lstStyle/>
-                    <a:p>
-                      <a:pPr algn="r" fontAlgn="ctr"/>
-                      <a:r>
-                        <a:rPr lang="en-GB" sz="2000" b="1">
-                          <a:effectLst/>
-                        </a:rPr>
-                        <a:t>Barock/Klassik</a:t>
-                      </a:r>
-                    </a:p>
-                  </a:txBody>
-                  <a:tcPr anchor="ctr"/>
-                </a:tc>
-                <a:tc>
-                  <a:txBody>
-                    <a:bodyPr/>
-                    <a:lstStyle/>
-                    <a:p>
-                      <a:pPr algn="r" fontAlgn="ctr"/>
-                      <a:r>
-                        <a:rPr lang="en-DE" sz="2000">
-                          <a:effectLst/>
-                        </a:rPr>
-                        <a:t>0.836902</a:t>
-                      </a:r>
-                    </a:p>
-                  </a:txBody>
-                  <a:tcPr anchor="ctr"/>
-                </a:tc>
-                <a:tc>
-                  <a:txBody>
-                    <a:bodyPr/>
-                    <a:lstStyle/>
-                    <a:p>
-                      <a:pPr algn="r" fontAlgn="ctr"/>
-                      <a:r>
-                        <a:rPr lang="en-DE" sz="2000">
-                          <a:effectLst/>
-                        </a:rPr>
-                        <a:t>0.784668</a:t>
-                      </a:r>
-                    </a:p>
-                  </a:txBody>
-                  <a:tcPr anchor="ctr"/>
-                </a:tc>
-                <a:tc>
-                  <a:txBody>
-                    <a:bodyPr/>
-                    <a:lstStyle/>
-                    <a:p>
-                      <a:pPr algn="r" fontAlgn="ctr"/>
-                      <a:r>
-                        <a:rPr lang="en-DE" sz="2000" dirty="0">
-                          <a:effectLst/>
-                        </a:rPr>
-                        <a:t>0.707729</a:t>
-                      </a:r>
-                    </a:p>
-                  </a:txBody>
-                  <a:tcPr anchor="ctr"/>
-                </a:tc>
-                <a:tc>
-                  <a:txBody>
-                    <a:bodyPr/>
-                    <a:lstStyle/>
-                    <a:p>
-                      <a:pPr algn="r" fontAlgn="ctr"/>
-                      <a:r>
-                        <a:rPr lang="en-DE" sz="2000" dirty="0">
-                          <a:effectLst/>
-                        </a:rPr>
-                        <a:t>0.635589</a:t>
-                      </a:r>
-                    </a:p>
-                  </a:txBody>
-                  <a:tcPr anchor="ctr"/>
-                </a:tc>
-                <a:extLst>
-                  <a:ext uri="{0D108BD9-81ED-4DB2-BD59-A6C34878D82A}">
-                    <a16:rowId xmlns:a16="http://schemas.microsoft.com/office/drawing/2014/main" val="2292681319"/>
-                  </a:ext>
-                </a:extLst>
-              </a:tr>
-              <a:tr h="413443">
-                <a:tc>
-                  <a:txBody>
-                    <a:bodyPr/>
-                    <a:lstStyle/>
-                    <a:p>
-                      <a:pPr algn="r" fontAlgn="ctr"/>
-                      <a:r>
-                        <a:rPr lang="en-GB" sz="2000" b="1">
-                          <a:effectLst/>
-                        </a:rPr>
-                        <a:t>Romantik/Expressionismus</a:t>
-                      </a:r>
-                    </a:p>
-                  </a:txBody>
-                  <a:tcPr anchor="ctr"/>
-                </a:tc>
-                <a:tc>
-                  <a:txBody>
-                    <a:bodyPr/>
-                    <a:lstStyle/>
-                    <a:p>
-                      <a:pPr algn="r" fontAlgn="ctr"/>
-                      <a:r>
-                        <a:rPr lang="en-DE" sz="2000">
-                          <a:effectLst/>
-                        </a:rPr>
-                        <a:t>0.788889</a:t>
-                      </a:r>
-                    </a:p>
-                  </a:txBody>
-                  <a:tcPr anchor="ctr"/>
-                </a:tc>
-                <a:tc>
-                  <a:txBody>
-                    <a:bodyPr/>
-                    <a:lstStyle/>
-                    <a:p>
-                      <a:pPr algn="r" fontAlgn="ctr"/>
-                      <a:r>
-                        <a:rPr lang="en-DE" sz="2000" dirty="0">
-                          <a:effectLst/>
-                        </a:rPr>
-                        <a:t>0.752666</a:t>
-                      </a:r>
-                    </a:p>
-                  </a:txBody>
-                  <a:tcPr anchor="ctr"/>
-                </a:tc>
-                <a:tc>
-                  <a:txBody>
-                    <a:bodyPr/>
-                    <a:lstStyle/>
-                    <a:p>
-                      <a:pPr algn="r" fontAlgn="ctr"/>
-                      <a:r>
-                        <a:rPr lang="en-DE" sz="2000" dirty="0">
-                          <a:effectLst/>
-                        </a:rPr>
-                        <a:t>0.483238</a:t>
-                      </a:r>
-                    </a:p>
-                  </a:txBody>
-                  <a:tcPr anchor="ctr"/>
-                </a:tc>
-                <a:tc>
-                  <a:txBody>
-                    <a:bodyPr/>
-                    <a:lstStyle/>
-                    <a:p>
-                      <a:pPr algn="r" fontAlgn="ctr"/>
-                      <a:r>
-                        <a:rPr lang="en-DE" sz="2000" dirty="0">
-                          <a:effectLst/>
-                        </a:rPr>
-                        <a:t>0.589333</a:t>
-                      </a:r>
-                    </a:p>
-                  </a:txBody>
-                  <a:tcPr anchor="ctr"/>
-                </a:tc>
-                <a:extLst>
-                  <a:ext uri="{0D108BD9-81ED-4DB2-BD59-A6C34878D82A}">
-                    <a16:rowId xmlns:a16="http://schemas.microsoft.com/office/drawing/2014/main" val="319013880"/>
-                  </a:ext>
-                </a:extLst>
-              </a:tr>
-              <a:tr h="413443">
-                <a:tc>
-                  <a:txBody>
-                    <a:bodyPr/>
-                    <a:lstStyle/>
-                    <a:p>
-                      <a:pPr algn="r" fontAlgn="ctr"/>
-                      <a:r>
-                        <a:rPr lang="en-GB" sz="2000" b="1">
-                          <a:effectLst/>
-                        </a:rPr>
-                        <a:t>Barock/Biedermeier</a:t>
-                      </a:r>
-                    </a:p>
-                  </a:txBody>
-                  <a:tcPr anchor="ctr"/>
-                </a:tc>
-                <a:tc>
-                  <a:txBody>
-                    <a:bodyPr/>
-                    <a:lstStyle/>
-                    <a:p>
-                      <a:pPr algn="r" fontAlgn="ctr"/>
-                      <a:r>
-                        <a:rPr lang="en-DE" sz="2000">
-                          <a:effectLst/>
-                        </a:rPr>
-                        <a:t>0.775286</a:t>
-                      </a:r>
-                    </a:p>
-                  </a:txBody>
-                  <a:tcPr anchor="ctr"/>
-                </a:tc>
-                <a:tc>
-                  <a:txBody>
-                    <a:bodyPr/>
-                    <a:lstStyle/>
-                    <a:p>
-                      <a:pPr algn="r" fontAlgn="ctr"/>
-                      <a:r>
-                        <a:rPr lang="en-DE" sz="2000">
-                          <a:effectLst/>
-                        </a:rPr>
-                        <a:t>0.729576</a:t>
-                      </a:r>
-                    </a:p>
-                  </a:txBody>
-                  <a:tcPr anchor="ctr"/>
-                </a:tc>
-                <a:tc>
-                  <a:txBody>
-                    <a:bodyPr/>
-                    <a:lstStyle/>
-                    <a:p>
-                      <a:pPr algn="r" fontAlgn="ctr"/>
-                      <a:r>
-                        <a:rPr lang="en-DE" sz="2000">
-                          <a:effectLst/>
-                        </a:rPr>
-                        <a:t>0.568653</a:t>
-                      </a:r>
-                    </a:p>
-                  </a:txBody>
-                  <a:tcPr anchor="ctr"/>
-                </a:tc>
-                <a:tc>
-                  <a:txBody>
-                    <a:bodyPr/>
-                    <a:lstStyle/>
-                    <a:p>
-                      <a:pPr algn="r" fontAlgn="ctr"/>
-                      <a:r>
-                        <a:rPr lang="en-DE" sz="2000" dirty="0">
-                          <a:effectLst/>
-                        </a:rPr>
-                        <a:t>0.551779</a:t>
-                      </a:r>
-                    </a:p>
-                  </a:txBody>
-                  <a:tcPr anchor="ctr"/>
-                </a:tc>
-                <a:extLst>
-                  <a:ext uri="{0D108BD9-81ED-4DB2-BD59-A6C34878D82A}">
-                    <a16:rowId xmlns:a16="http://schemas.microsoft.com/office/drawing/2014/main" val="4216835995"/>
-                  </a:ext>
-                </a:extLst>
-              </a:tr>
-              <a:tr h="413443">
-                <a:tc>
-                  <a:txBody>
-                    <a:bodyPr/>
-                    <a:lstStyle/>
-                    <a:p>
-                      <a:pPr algn="r" fontAlgn="ctr"/>
-                      <a:r>
-                        <a:rPr lang="en-GB" sz="2000" b="1" dirty="0">
-                          <a:effectLst/>
-                        </a:rPr>
-                        <a:t>…</a:t>
-                      </a:r>
-                    </a:p>
-                  </a:txBody>
-                  <a:tcPr anchor="ctr"/>
-                </a:tc>
-                <a:tc>
-                  <a:txBody>
-                    <a:bodyPr/>
-                    <a:lstStyle/>
-                    <a:p>
-                      <a:pPr algn="r" fontAlgn="ctr"/>
-                      <a:r>
-                        <a:rPr lang="en-DE" sz="2000" dirty="0">
-                          <a:effectLst/>
-                        </a:rPr>
-                        <a:t>…</a:t>
-                      </a:r>
-                    </a:p>
-                  </a:txBody>
-                  <a:tcPr anchor="ctr"/>
-                </a:tc>
-                <a:tc>
-                  <a:txBody>
-                    <a:bodyPr/>
-                    <a:lstStyle/>
-                    <a:p>
-                      <a:pPr algn="r" fontAlgn="ctr"/>
-                      <a:r>
-                        <a:rPr lang="en-DE" sz="2000" dirty="0">
-                          <a:effectLst/>
-                        </a:rPr>
-                        <a:t>…</a:t>
-                      </a:r>
-                    </a:p>
-                  </a:txBody>
-                  <a:tcPr anchor="ctr"/>
-                </a:tc>
-                <a:tc>
-                  <a:txBody>
-                    <a:bodyPr/>
-                    <a:lstStyle/>
-                    <a:p>
-                      <a:pPr algn="r" fontAlgn="ctr"/>
-                      <a:r>
-                        <a:rPr lang="en-DE" sz="2000" dirty="0">
-                          <a:effectLst/>
-                        </a:rPr>
-                        <a:t>…</a:t>
-                      </a:r>
-                    </a:p>
-                  </a:txBody>
-                  <a:tcPr anchor="ctr"/>
-                </a:tc>
-                <a:tc>
-                  <a:txBody>
-                    <a:bodyPr/>
-                    <a:lstStyle/>
-                    <a:p>
-                      <a:pPr algn="r" fontAlgn="ctr"/>
-                      <a:r>
-                        <a:rPr lang="en-DE" sz="2000" dirty="0">
-                          <a:effectLst/>
-                        </a:rPr>
-                        <a:t>…</a:t>
-                      </a:r>
-                    </a:p>
-                  </a:txBody>
-                  <a:tcPr anchor="ctr"/>
-                </a:tc>
-                <a:extLst>
-                  <a:ext uri="{0D108BD9-81ED-4DB2-BD59-A6C34878D82A}">
-                    <a16:rowId xmlns:a16="http://schemas.microsoft.com/office/drawing/2014/main" val="3160914534"/>
-                  </a:ext>
-                </a:extLst>
-              </a:tr>
-              <a:tr h="413443">
-                <a:tc>
-                  <a:txBody>
-                    <a:bodyPr/>
-                    <a:lstStyle/>
-                    <a:p>
-                      <a:pPr algn="r" fontAlgn="ctr"/>
-                      <a:r>
-                        <a:rPr lang="en-GB" sz="2000" b="1">
-                          <a:effectLst/>
-                        </a:rPr>
-                        <a:t>Aufklärung/Naturalismus</a:t>
-                      </a:r>
-                    </a:p>
-                  </a:txBody>
-                  <a:tcPr anchor="ctr"/>
-                </a:tc>
-                <a:tc>
-                  <a:txBody>
-                    <a:bodyPr/>
-                    <a:lstStyle/>
-                    <a:p>
-                      <a:pPr algn="r" fontAlgn="ctr"/>
-                      <a:r>
-                        <a:rPr lang="en-DE" sz="2000">
-                          <a:effectLst/>
-                        </a:rPr>
-                        <a:t>0.660430</a:t>
-                      </a:r>
-                    </a:p>
-                  </a:txBody>
-                  <a:tcPr anchor="ctr"/>
-                </a:tc>
-                <a:tc>
-                  <a:txBody>
-                    <a:bodyPr/>
-                    <a:lstStyle/>
-                    <a:p>
-                      <a:pPr algn="r" fontAlgn="ctr"/>
-                      <a:r>
-                        <a:rPr lang="en-DE" sz="2000" dirty="0">
-                          <a:effectLst/>
-                        </a:rPr>
-                        <a:t>0.605890</a:t>
-                      </a:r>
-                    </a:p>
-                  </a:txBody>
-                  <a:tcPr anchor="ctr"/>
-                </a:tc>
-                <a:tc>
-                  <a:txBody>
-                    <a:bodyPr/>
-                    <a:lstStyle/>
-                    <a:p>
-                      <a:pPr algn="r" fontAlgn="ctr"/>
-                      <a:r>
-                        <a:rPr lang="en-DE" sz="2000" dirty="0">
-                          <a:effectLst/>
-                        </a:rPr>
-                        <a:t>0.806515</a:t>
-                      </a:r>
-                    </a:p>
-                  </a:txBody>
-                  <a:tcPr anchor="ctr">
-                    <a:solidFill>
-                      <a:schemeClr val="accent6">
-                        <a:lumMod val="20000"/>
-                        <a:lumOff val="80000"/>
-                      </a:schemeClr>
-                    </a:solidFill>
-                  </a:tcPr>
-                </a:tc>
-                <a:tc>
-                  <a:txBody>
-                    <a:bodyPr/>
-                    <a:lstStyle/>
-                    <a:p>
-                      <a:pPr algn="r" fontAlgn="ctr"/>
-                      <a:r>
-                        <a:rPr lang="en-DE" sz="2000" dirty="0">
-                          <a:effectLst/>
-                        </a:rPr>
-                        <a:t>0.729329</a:t>
-                      </a:r>
-                    </a:p>
-                  </a:txBody>
-                  <a:tcPr anchor="ctr">
-                    <a:solidFill>
-                      <a:schemeClr val="accent6">
-                        <a:lumMod val="20000"/>
-                        <a:lumOff val="80000"/>
-                      </a:schemeClr>
-                    </a:solidFill>
-                  </a:tcPr>
-                </a:tc>
-                <a:extLst>
-                  <a:ext uri="{0D108BD9-81ED-4DB2-BD59-A6C34878D82A}">
-                    <a16:rowId xmlns:a16="http://schemas.microsoft.com/office/drawing/2014/main" val="4010604523"/>
-                  </a:ext>
-                </a:extLst>
-              </a:tr>
-            </a:tbl>
-          </a:graphicData>
-        </a:graphic>
-      </p:graphicFrame>
-      <p:cxnSp>
-        <p:nvCxnSpPr>
-          <p:cNvPr id="9" name="Straight Connector 8">
-            <a:extLst>
-              <a:ext uri="{FF2B5EF4-FFF2-40B4-BE49-F238E27FC236}">
-                <a16:creationId xmlns:a16="http://schemas.microsoft.com/office/drawing/2014/main" id="{A5819989-B927-2242-B1C1-3CF654B9CE66}"/>
-              </a:ext>
-            </a:extLst>
-          </p:cNvPr>
-          <p:cNvCxnSpPr>
-            <a:cxnSpLocks/>
-          </p:cNvCxnSpPr>
-          <p:nvPr/>
-        </p:nvCxnSpPr>
-        <p:spPr>
-          <a:xfrm>
-            <a:off x="7678270" y="2833916"/>
-            <a:ext cx="0" cy="3859835"/>
-          </a:xfrm>
-          <a:prstGeom prst="line">
-            <a:avLst/>
-          </a:prstGeom>
-          <a:ln w="38100"/>
-        </p:spPr>
-        <p:style>
-          <a:lnRef idx="1">
-            <a:schemeClr val="dk1"/>
-          </a:lnRef>
-          <a:fillRef idx="0">
-            <a:schemeClr val="dk1"/>
-          </a:fillRef>
-          <a:effectRef idx="0">
-            <a:schemeClr val="dk1"/>
-          </a:effectRef>
-          <a:fontRef idx="minor">
-            <a:schemeClr val="tx1"/>
-          </a:fontRef>
-        </p:style>
-      </p:cxnSp>
-    </p:spTree>
-    <p:extLst>
-      <p:ext uri="{BB962C8B-B14F-4D97-AF65-F5344CB8AC3E}">
-        <p14:creationId xmlns:p14="http://schemas.microsoft.com/office/powerpoint/2010/main" val="509307241"/>
-      </p:ext>
-    </p:extLst>
-  </p:cSld>
-  <p:clrMapOvr>
-    <a:masterClrMapping/>
-  </p:clrMapOvr>
-</p:sld>
-</file>
-
-<file path=ppt/slides/slide32.xml><?xml version="1.0" encoding="utf-8"?>
+<file path=ppt/slides/slide25.xml><?xml version="1.0" encoding="utf-8"?>
 <p:sld xmlns:a="http://schemas.openxmlformats.org/drawingml/2006/main" xmlns:r="http://schemas.openxmlformats.org/officeDocument/2006/relationships" xmlns:p="http://schemas.openxmlformats.org/presentationml/2006/main">
   <p:cSld>
     <p:spTree>
@@ -18456,7 +15331,7 @@
 </p:sld>
 </file>
 
-<file path=ppt/slides/slide33.xml><?xml version="1.0" encoding="utf-8"?>
+<file path=ppt/slides/slide26.xml><?xml version="1.0" encoding="utf-8"?>
 <p:sld xmlns:a="http://schemas.openxmlformats.org/drawingml/2006/main" xmlns:r="http://schemas.openxmlformats.org/officeDocument/2006/relationships" xmlns:p="http://schemas.openxmlformats.org/presentationml/2006/main">
   <p:cSld>
     <p:spTree>
@@ -19041,7 +15916,7 @@
 </p:sld>
 </file>
 
-<file path=ppt/slides/slide34.xml><?xml version="1.0" encoding="utf-8"?>
+<file path=ppt/slides/slide27.xml><?xml version="1.0" encoding="utf-8"?>
 <p:sld xmlns:a="http://schemas.openxmlformats.org/drawingml/2006/main" xmlns:r="http://schemas.openxmlformats.org/officeDocument/2006/relationships" xmlns:p="http://schemas.openxmlformats.org/presentationml/2006/main">
   <p:cSld>
     <p:bg>
@@ -19520,7 +16395,7 @@
 </p:sld>
 </file>
 
-<file path=ppt/slides/slide35.xml><?xml version="1.0" encoding="utf-8"?>
+<file path=ppt/slides/slide28.xml><?xml version="1.0" encoding="utf-8"?>
 <p:sld xmlns:a="http://schemas.openxmlformats.org/drawingml/2006/main" xmlns:r="http://schemas.openxmlformats.org/officeDocument/2006/relationships" xmlns:p="http://schemas.openxmlformats.org/presentationml/2006/main">
   <p:cSld>
     <p:spTree>
@@ -19585,7 +16460,7 @@
 </p:sld>
 </file>
 
-<file path=ppt/slides/slide36.xml><?xml version="1.0" encoding="utf-8"?>
+<file path=ppt/slides/slide29.xml><?xml version="1.0" encoding="utf-8"?>
 <p:sld xmlns:a="http://schemas.openxmlformats.org/drawingml/2006/main" xmlns:r="http://schemas.openxmlformats.org/officeDocument/2006/relationships" xmlns:p="http://schemas.openxmlformats.org/presentationml/2006/main">
   <p:cSld>
     <p:spTree>
@@ -20149,6 +17024,684 @@
 </p:sld>
 </file>
 
+<file path=ppt/slides/slide3.xml><?xml version="1.0" encoding="utf-8"?>
+<p:sld xmlns:a="http://schemas.openxmlformats.org/drawingml/2006/main" xmlns:r="http://schemas.openxmlformats.org/officeDocument/2006/relationships" xmlns:p="http://schemas.openxmlformats.org/presentationml/2006/main">
+  <p:cSld>
+    <p:spTree>
+      <p:nvGrpSpPr>
+        <p:cNvPr id="1" name=""/>
+        <p:cNvGrpSpPr/>
+        <p:nvPr/>
+      </p:nvGrpSpPr>
+      <p:grpSpPr>
+        <a:xfrm>
+          <a:off x="0" y="0"/>
+          <a:ext cx="0" cy="0"/>
+          <a:chOff x="0" y="0"/>
+          <a:chExt cx="0" cy="0"/>
+        </a:xfrm>
+      </p:grpSpPr>
+      <p:sp>
+        <p:nvSpPr>
+          <p:cNvPr id="4" name="Title 3">
+            <a:extLst>
+              <a:ext uri="{FF2B5EF4-FFF2-40B4-BE49-F238E27FC236}">
+                <a16:creationId xmlns:a16="http://schemas.microsoft.com/office/drawing/2014/main" id="{02AE6012-7D63-EA4D-B957-FE20015B7973}"/>
+              </a:ext>
+            </a:extLst>
+          </p:cNvPr>
+          <p:cNvSpPr>
+            <a:spLocks noGrp="1"/>
+          </p:cNvSpPr>
+          <p:nvPr>
+            <p:ph type="title"/>
+          </p:nvPr>
+        </p:nvSpPr>
+        <p:spPr/>
+        <p:txBody>
+          <a:bodyPr/>
+          <a:lstStyle/>
+          <a:p>
+            <a:r>
+              <a:rPr lang="de-DE" b="1" dirty="0"/>
+              <a:t>1.  Epochenbegriff und –	</a:t>
+            </a:r>
+            <a:r>
+              <a:rPr lang="de-DE" b="1" dirty="0" err="1"/>
+              <a:t>einteilung</a:t>
+            </a:r>
+            <a:endParaRPr lang="de-DE" dirty="0"/>
+          </a:p>
+        </p:txBody>
+      </p:sp>
+    </p:spTree>
+    <p:extLst>
+      <p:ext uri="{BB962C8B-B14F-4D97-AF65-F5344CB8AC3E}">
+        <p14:creationId xmlns:p14="http://schemas.microsoft.com/office/powerpoint/2010/main" val="835330337"/>
+      </p:ext>
+    </p:extLst>
+  </p:cSld>
+  <p:clrMapOvr>
+    <a:masterClrMapping/>
+  </p:clrMapOvr>
+</p:sld>
+</file>
+
+<file path=ppt/slides/slide30.xml><?xml version="1.0" encoding="utf-8"?>
+<p:sld xmlns:a="http://schemas.openxmlformats.org/drawingml/2006/main" xmlns:r="http://schemas.openxmlformats.org/officeDocument/2006/relationships" xmlns:p="http://schemas.openxmlformats.org/presentationml/2006/main">
+  <p:cSld>
+    <p:spTree>
+      <p:nvGrpSpPr>
+        <p:cNvPr id="1" name=""/>
+        <p:cNvGrpSpPr/>
+        <p:nvPr/>
+      </p:nvGrpSpPr>
+      <p:grpSpPr>
+        <a:xfrm>
+          <a:off x="0" y="0"/>
+          <a:ext cx="0" cy="0"/>
+          <a:chOff x="0" y="0"/>
+          <a:chExt cx="0" cy="0"/>
+        </a:xfrm>
+      </p:grpSpPr>
+      <p:sp>
+        <p:nvSpPr>
+          <p:cNvPr id="2" name="Title 1">
+            <a:extLst>
+              <a:ext uri="{FF2B5EF4-FFF2-40B4-BE49-F238E27FC236}">
+                <a16:creationId xmlns:a16="http://schemas.microsoft.com/office/drawing/2014/main" id="{6F7ED122-6758-3845-84AD-55A4F3FD499B}"/>
+              </a:ext>
+            </a:extLst>
+          </p:cNvPr>
+          <p:cNvSpPr>
+            <a:spLocks noGrp="1"/>
+          </p:cNvSpPr>
+          <p:nvPr>
+            <p:ph type="title"/>
+          </p:nvPr>
+        </p:nvSpPr>
+        <p:spPr/>
+        <p:txBody>
+          <a:bodyPr/>
+          <a:lstStyle/>
+          <a:p>
+            <a:r>
+              <a:rPr lang="de-DE" b="1" dirty="0"/>
+              <a:t>TODOs</a:t>
+            </a:r>
+          </a:p>
+        </p:txBody>
+      </p:sp>
+      <p:sp>
+        <p:nvSpPr>
+          <p:cNvPr id="3" name="Content Placeholder 2">
+            <a:extLst>
+              <a:ext uri="{FF2B5EF4-FFF2-40B4-BE49-F238E27FC236}">
+                <a16:creationId xmlns:a16="http://schemas.microsoft.com/office/drawing/2014/main" id="{E58475FE-AEB0-BC42-A8C7-BD9B9C5AB94C}"/>
+              </a:ext>
+            </a:extLst>
+          </p:cNvPr>
+          <p:cNvSpPr>
+            <a:spLocks noGrp="1"/>
+          </p:cNvSpPr>
+          <p:nvPr>
+            <p:ph idx="1"/>
+          </p:nvPr>
+        </p:nvSpPr>
+        <p:spPr>
+          <a:xfrm>
+            <a:off x="542925" y="2478024"/>
+            <a:ext cx="11158538" cy="4119724"/>
+          </a:xfrm>
+        </p:spPr>
+        <p:txBody>
+          <a:bodyPr>
+            <a:normAutofit lnSpcReduction="10000"/>
+          </a:bodyPr>
+          <a:lstStyle/>
+          <a:p>
+            <a:r>
+              <a:rPr lang="de-DE" b="1" dirty="0"/>
+              <a:t> </a:t>
+            </a:r>
+            <a:r>
+              <a:rPr lang="de-DE" sz="3200" dirty="0">
+                <a:sym typeface="Wingdings" pitchFamily="2" charset="2"/>
+              </a:rPr>
+              <a:t>Epocheneinteilung erweitern  händisch </a:t>
+            </a:r>
+          </a:p>
+          <a:p>
+            <a:r>
+              <a:rPr lang="de-DE" sz="3200" b="1" dirty="0">
+                <a:sym typeface="Wingdings" pitchFamily="2" charset="2"/>
+              </a:rPr>
+              <a:t> </a:t>
+            </a:r>
+            <a:r>
+              <a:rPr lang="de-DE" sz="3200" b="1" dirty="0"/>
+              <a:t>Noise </a:t>
+            </a:r>
+            <a:r>
+              <a:rPr lang="de-DE" sz="3200" b="1" dirty="0" err="1"/>
+              <a:t>Removal</a:t>
+            </a:r>
+            <a:r>
+              <a:rPr lang="de-DE" sz="3200" b="1" dirty="0"/>
+              <a:t> </a:t>
+            </a:r>
+            <a:r>
+              <a:rPr lang="de-DE" sz="3200" dirty="0"/>
+              <a:t>mit :</a:t>
+            </a:r>
+          </a:p>
+          <a:p>
+            <a:pPr lvl="1"/>
+            <a:r>
+              <a:rPr lang="de-DE" sz="2800" dirty="0"/>
+              <a:t>Hierarchisches Clustering</a:t>
+            </a:r>
+          </a:p>
+          <a:p>
+            <a:pPr lvl="1"/>
+            <a:r>
+              <a:rPr lang="de-DE" sz="2800" dirty="0"/>
+              <a:t>Topic </a:t>
+            </a:r>
+            <a:r>
+              <a:rPr lang="de-DE" sz="2800" dirty="0" err="1"/>
+              <a:t>Modelling</a:t>
+            </a:r>
+            <a:r>
+              <a:rPr lang="de-DE" sz="2800" dirty="0"/>
+              <a:t> (</a:t>
+            </a:r>
+            <a:r>
+              <a:rPr lang="de-DE" sz="2800" dirty="0">
+                <a:sym typeface="Wingdings" pitchFamily="2" charset="2"/>
+              </a:rPr>
+              <a:t> Dialekt)</a:t>
+            </a:r>
+          </a:p>
+          <a:p>
+            <a:pPr lvl="1"/>
+            <a:r>
+              <a:rPr lang="de-DE" sz="2800" dirty="0"/>
+              <a:t>LSVM</a:t>
+            </a:r>
+          </a:p>
+          <a:p>
+            <a:r>
+              <a:rPr lang="de-DE" sz="3200" dirty="0"/>
+              <a:t> Nochmal POS-</a:t>
+            </a:r>
+            <a:r>
+              <a:rPr lang="de-DE" sz="3200" dirty="0" err="1"/>
+              <a:t>Tagging</a:t>
+            </a:r>
+            <a:endParaRPr lang="de-DE" sz="3200" dirty="0"/>
+          </a:p>
+          <a:p>
+            <a:r>
+              <a:rPr lang="de-DE" sz="3200" dirty="0"/>
+              <a:t> Analyse der Epochenzuweisungen</a:t>
+            </a:r>
+          </a:p>
+        </p:txBody>
+      </p:sp>
+    </p:spTree>
+    <p:extLst>
+      <p:ext uri="{BB962C8B-B14F-4D97-AF65-F5344CB8AC3E}">
+        <p14:creationId xmlns:p14="http://schemas.microsoft.com/office/powerpoint/2010/main" val="3293990588"/>
+      </p:ext>
+    </p:extLst>
+  </p:cSld>
+  <p:clrMapOvr>
+    <a:masterClrMapping/>
+  </p:clrMapOvr>
+</p:sld>
+</file>
+
+<file path=ppt/slides/slide31.xml><?xml version="1.0" encoding="utf-8"?>
+<p:sld xmlns:a="http://schemas.openxmlformats.org/drawingml/2006/main" xmlns:r="http://schemas.openxmlformats.org/officeDocument/2006/relationships" xmlns:p="http://schemas.openxmlformats.org/presentationml/2006/main">
+  <p:cSld>
+    <p:spTree>
+      <p:nvGrpSpPr>
+        <p:cNvPr id="1" name=""/>
+        <p:cNvGrpSpPr/>
+        <p:nvPr/>
+      </p:nvGrpSpPr>
+      <p:grpSpPr>
+        <a:xfrm>
+          <a:off x="0" y="0"/>
+          <a:ext cx="0" cy="0"/>
+          <a:chOff x="0" y="0"/>
+          <a:chExt cx="0" cy="0"/>
+        </a:xfrm>
+      </p:grpSpPr>
+      <p:sp>
+        <p:nvSpPr>
+          <p:cNvPr id="7" name="Title 6">
+            <a:extLst>
+              <a:ext uri="{FF2B5EF4-FFF2-40B4-BE49-F238E27FC236}">
+                <a16:creationId xmlns:a16="http://schemas.microsoft.com/office/drawing/2014/main" id="{7168E5B1-40BC-594A-BD5D-32D9348BA6D0}"/>
+              </a:ext>
+            </a:extLst>
+          </p:cNvPr>
+          <p:cNvSpPr>
+            <a:spLocks noGrp="1"/>
+          </p:cNvSpPr>
+          <p:nvPr>
+            <p:ph type="title"/>
+          </p:nvPr>
+        </p:nvSpPr>
+        <p:spPr/>
+        <p:txBody>
+          <a:bodyPr/>
+          <a:lstStyle/>
+          <a:p>
+            <a:r>
+              <a:rPr lang="de-DE" dirty="0"/>
+              <a:t>TODO</a:t>
+            </a:r>
+          </a:p>
+        </p:txBody>
+      </p:sp>
+    </p:spTree>
+    <p:extLst>
+      <p:ext uri="{BB962C8B-B14F-4D97-AF65-F5344CB8AC3E}">
+        <p14:creationId xmlns:p14="http://schemas.microsoft.com/office/powerpoint/2010/main" val="2512545284"/>
+      </p:ext>
+    </p:extLst>
+  </p:cSld>
+  <p:clrMapOvr>
+    <a:masterClrMapping/>
+  </p:clrMapOvr>
+</p:sld>
+</file>
+
+<file path=ppt/slides/slide32.xml><?xml version="1.0" encoding="utf-8"?>
+<p:sld xmlns:a="http://schemas.openxmlformats.org/drawingml/2006/main" xmlns:r="http://schemas.openxmlformats.org/officeDocument/2006/relationships" xmlns:p="http://schemas.openxmlformats.org/presentationml/2006/main">
+  <p:cSld>
+    <p:spTree>
+      <p:nvGrpSpPr>
+        <p:cNvPr id="1" name=""/>
+        <p:cNvGrpSpPr/>
+        <p:nvPr/>
+      </p:nvGrpSpPr>
+      <p:grpSpPr>
+        <a:xfrm>
+          <a:off x="0" y="0"/>
+          <a:ext cx="0" cy="0"/>
+          <a:chOff x="0" y="0"/>
+          <a:chExt cx="0" cy="0"/>
+        </a:xfrm>
+      </p:grpSpPr>
+      <p:sp>
+        <p:nvSpPr>
+          <p:cNvPr id="2" name="Title 1">
+            <a:extLst>
+              <a:ext uri="{FF2B5EF4-FFF2-40B4-BE49-F238E27FC236}">
+                <a16:creationId xmlns:a16="http://schemas.microsoft.com/office/drawing/2014/main" id="{DCBE102F-D2BB-3946-AEF1-AE93DF5165E5}"/>
+              </a:ext>
+            </a:extLst>
+          </p:cNvPr>
+          <p:cNvSpPr>
+            <a:spLocks noGrp="1"/>
+          </p:cNvSpPr>
+          <p:nvPr>
+            <p:ph type="title"/>
+          </p:nvPr>
+        </p:nvSpPr>
+        <p:spPr/>
+        <p:txBody>
+          <a:bodyPr>
+            <a:normAutofit/>
+          </a:bodyPr>
+          <a:lstStyle/>
+          <a:p>
+            <a:r>
+              <a:rPr lang="de-DE" sz="4400" b="1" dirty="0"/>
+              <a:t>4.5.  Noise Entfernung</a:t>
+            </a:r>
+            <a:endParaRPr lang="de-DE" sz="4800" b="1" dirty="0"/>
+          </a:p>
+        </p:txBody>
+      </p:sp>
+    </p:spTree>
+    <p:extLst>
+      <p:ext uri="{BB962C8B-B14F-4D97-AF65-F5344CB8AC3E}">
+        <p14:creationId xmlns:p14="http://schemas.microsoft.com/office/powerpoint/2010/main" val="1767297648"/>
+      </p:ext>
+    </p:extLst>
+  </p:cSld>
+  <p:clrMapOvr>
+    <a:masterClrMapping/>
+  </p:clrMapOvr>
+</p:sld>
+</file>
+
+<file path=ppt/slides/slide33.xml><?xml version="1.0" encoding="utf-8"?>
+<p:sld xmlns:a="http://schemas.openxmlformats.org/drawingml/2006/main" xmlns:r="http://schemas.openxmlformats.org/officeDocument/2006/relationships" xmlns:p="http://schemas.openxmlformats.org/presentationml/2006/main">
+  <p:cSld>
+    <p:spTree>
+      <p:nvGrpSpPr>
+        <p:cNvPr id="1" name=""/>
+        <p:cNvGrpSpPr/>
+        <p:nvPr/>
+      </p:nvGrpSpPr>
+      <p:grpSpPr>
+        <a:xfrm>
+          <a:off x="0" y="0"/>
+          <a:ext cx="0" cy="0"/>
+          <a:chOff x="0" y="0"/>
+          <a:chExt cx="0" cy="0"/>
+        </a:xfrm>
+      </p:grpSpPr>
+      <p:sp>
+        <p:nvSpPr>
+          <p:cNvPr id="7" name="Title 6">
+            <a:extLst>
+              <a:ext uri="{FF2B5EF4-FFF2-40B4-BE49-F238E27FC236}">
+                <a16:creationId xmlns:a16="http://schemas.microsoft.com/office/drawing/2014/main" id="{2DE410B9-650E-C549-B5D6-A2098E5B0905}"/>
+              </a:ext>
+            </a:extLst>
+          </p:cNvPr>
+          <p:cNvSpPr>
+            <a:spLocks noGrp="1"/>
+          </p:cNvSpPr>
+          <p:nvPr>
+            <p:ph type="title"/>
+          </p:nvPr>
+        </p:nvSpPr>
+        <p:spPr/>
+        <p:txBody>
+          <a:bodyPr/>
+          <a:lstStyle/>
+          <a:p>
+            <a:r>
+              <a:rPr lang="de-DE" b="1" dirty="0"/>
+              <a:t>Verfahren</a:t>
+            </a:r>
+          </a:p>
+        </p:txBody>
+      </p:sp>
+      <p:sp>
+        <p:nvSpPr>
+          <p:cNvPr id="8" name="Content Placeholder 7">
+            <a:extLst>
+              <a:ext uri="{FF2B5EF4-FFF2-40B4-BE49-F238E27FC236}">
+                <a16:creationId xmlns:a16="http://schemas.microsoft.com/office/drawing/2014/main" id="{D24A4841-EEE5-5F44-9B6E-360856357608}"/>
+              </a:ext>
+            </a:extLst>
+          </p:cNvPr>
+          <p:cNvSpPr>
+            <a:spLocks noGrp="1"/>
+          </p:cNvSpPr>
+          <p:nvPr>
+            <p:ph idx="1"/>
+          </p:nvPr>
+        </p:nvSpPr>
+        <p:spPr>
+          <a:xfrm>
+            <a:off x="724470" y="2829495"/>
+            <a:ext cx="10991279" cy="3714179"/>
+          </a:xfrm>
+        </p:spPr>
+        <p:txBody>
+          <a:bodyPr>
+            <a:normAutofit/>
+          </a:bodyPr>
+          <a:lstStyle/>
+          <a:p>
+            <a:pPr>
+              <a:lnSpc>
+                <a:spcPct val="150000"/>
+              </a:lnSpc>
+            </a:pPr>
+            <a:r>
+              <a:rPr lang="de-DE" sz="4000" dirty="0"/>
+              <a:t> Lineare SVM</a:t>
+            </a:r>
+          </a:p>
+          <a:p>
+            <a:pPr>
+              <a:lnSpc>
+                <a:spcPct val="150000"/>
+              </a:lnSpc>
+            </a:pPr>
+            <a:r>
+              <a:rPr lang="de-DE" sz="4000" dirty="0"/>
+              <a:t> Topic </a:t>
+            </a:r>
+            <a:r>
+              <a:rPr lang="de-DE" sz="4000" dirty="0" err="1"/>
+              <a:t>Modelling</a:t>
+            </a:r>
+            <a:endParaRPr lang="de-DE" sz="4000" dirty="0"/>
+          </a:p>
+          <a:p>
+            <a:pPr>
+              <a:lnSpc>
+                <a:spcPct val="150000"/>
+              </a:lnSpc>
+            </a:pPr>
+            <a:r>
+              <a:rPr lang="de-DE" sz="4000" dirty="0"/>
+              <a:t> Hierarchisches Clustering</a:t>
+            </a:r>
+          </a:p>
+        </p:txBody>
+      </p:sp>
+    </p:spTree>
+    <p:extLst>
+      <p:ext uri="{BB962C8B-B14F-4D97-AF65-F5344CB8AC3E}">
+        <p14:creationId xmlns:p14="http://schemas.microsoft.com/office/powerpoint/2010/main" val="3318092965"/>
+      </p:ext>
+    </p:extLst>
+  </p:cSld>
+  <p:clrMapOvr>
+    <a:masterClrMapping/>
+  </p:clrMapOvr>
+</p:sld>
+</file>
+
+<file path=ppt/slides/slide34.xml><?xml version="1.0" encoding="utf-8"?>
+<p:sld xmlns:a="http://schemas.openxmlformats.org/drawingml/2006/main" xmlns:r="http://schemas.openxmlformats.org/officeDocument/2006/relationships" xmlns:p="http://schemas.openxmlformats.org/presentationml/2006/main">
+  <p:cSld>
+    <p:spTree>
+      <p:nvGrpSpPr>
+        <p:cNvPr id="1" name=""/>
+        <p:cNvGrpSpPr/>
+        <p:nvPr/>
+      </p:nvGrpSpPr>
+      <p:grpSpPr>
+        <a:xfrm>
+          <a:off x="0" y="0"/>
+          <a:ext cx="0" cy="0"/>
+          <a:chOff x="0" y="0"/>
+          <a:chExt cx="0" cy="0"/>
+        </a:xfrm>
+      </p:grpSpPr>
+      <p:sp>
+        <p:nvSpPr>
+          <p:cNvPr id="4" name="Title 3">
+            <a:extLst>
+              <a:ext uri="{FF2B5EF4-FFF2-40B4-BE49-F238E27FC236}">
+                <a16:creationId xmlns:a16="http://schemas.microsoft.com/office/drawing/2014/main" id="{E4A206C5-2498-E042-8300-B25F3C898680}"/>
+              </a:ext>
+            </a:extLst>
+          </p:cNvPr>
+          <p:cNvSpPr>
+            <a:spLocks noGrp="1"/>
+          </p:cNvSpPr>
+          <p:nvPr>
+            <p:ph type="title"/>
+          </p:nvPr>
+        </p:nvSpPr>
+        <p:spPr/>
+        <p:txBody>
+          <a:bodyPr/>
+          <a:lstStyle/>
+          <a:p>
+            <a:r>
+              <a:rPr lang="de-DE" dirty="0"/>
+              <a:t>TODO</a:t>
+            </a:r>
+          </a:p>
+        </p:txBody>
+      </p:sp>
+    </p:spTree>
+    <p:extLst>
+      <p:ext uri="{BB962C8B-B14F-4D97-AF65-F5344CB8AC3E}">
+        <p14:creationId xmlns:p14="http://schemas.microsoft.com/office/powerpoint/2010/main" val="1620600122"/>
+      </p:ext>
+    </p:extLst>
+  </p:cSld>
+  <p:clrMapOvr>
+    <a:masterClrMapping/>
+  </p:clrMapOvr>
+</p:sld>
+</file>
+
+<file path=ppt/slides/slide35.xml><?xml version="1.0" encoding="utf-8"?>
+<p:sld xmlns:a="http://schemas.openxmlformats.org/drawingml/2006/main" xmlns:r="http://schemas.openxmlformats.org/officeDocument/2006/relationships" xmlns:p="http://schemas.openxmlformats.org/presentationml/2006/main">
+  <p:cSld>
+    <p:spTree>
+      <p:nvGrpSpPr>
+        <p:cNvPr id="1" name=""/>
+        <p:cNvGrpSpPr/>
+        <p:nvPr/>
+      </p:nvGrpSpPr>
+      <p:grpSpPr>
+        <a:xfrm>
+          <a:off x="0" y="0"/>
+          <a:ext cx="0" cy="0"/>
+          <a:chOff x="0" y="0"/>
+          <a:chExt cx="0" cy="0"/>
+        </a:xfrm>
+      </p:grpSpPr>
+      <p:sp>
+        <p:nvSpPr>
+          <p:cNvPr id="2" name="Title 1">
+            <a:extLst>
+              <a:ext uri="{FF2B5EF4-FFF2-40B4-BE49-F238E27FC236}">
+                <a16:creationId xmlns:a16="http://schemas.microsoft.com/office/drawing/2014/main" id="{78F2E4E8-04EB-0142-91AE-BC0C88F0C119}"/>
+              </a:ext>
+            </a:extLst>
+          </p:cNvPr>
+          <p:cNvSpPr>
+            <a:spLocks noGrp="1"/>
+          </p:cNvSpPr>
+          <p:nvPr>
+            <p:ph type="title"/>
+          </p:nvPr>
+        </p:nvSpPr>
+        <p:spPr/>
+        <p:txBody>
+          <a:bodyPr/>
+          <a:lstStyle/>
+          <a:p>
+            <a:r>
+              <a:rPr lang="de-DE" b="1" dirty="0"/>
+              <a:t>5.  Schlussbetrachtung</a:t>
+            </a:r>
+          </a:p>
+        </p:txBody>
+      </p:sp>
+    </p:spTree>
+    <p:extLst>
+      <p:ext uri="{BB962C8B-B14F-4D97-AF65-F5344CB8AC3E}">
+        <p14:creationId xmlns:p14="http://schemas.microsoft.com/office/powerpoint/2010/main" val="4052262941"/>
+      </p:ext>
+    </p:extLst>
+  </p:cSld>
+  <p:clrMapOvr>
+    <a:masterClrMapping/>
+  </p:clrMapOvr>
+</p:sld>
+</file>
+
+<file path=ppt/slides/slide36.xml><?xml version="1.0" encoding="utf-8"?>
+<p:sld xmlns:a="http://schemas.openxmlformats.org/drawingml/2006/main" xmlns:r="http://schemas.openxmlformats.org/officeDocument/2006/relationships" xmlns:p="http://schemas.openxmlformats.org/presentationml/2006/main">
+  <p:cSld>
+    <p:spTree>
+      <p:nvGrpSpPr>
+        <p:cNvPr id="1" name=""/>
+        <p:cNvGrpSpPr/>
+        <p:nvPr/>
+      </p:nvGrpSpPr>
+      <p:grpSpPr>
+        <a:xfrm>
+          <a:off x="0" y="0"/>
+          <a:ext cx="0" cy="0"/>
+          <a:chOff x="0" y="0"/>
+          <a:chExt cx="0" cy="0"/>
+        </a:xfrm>
+      </p:grpSpPr>
+      <p:sp>
+        <p:nvSpPr>
+          <p:cNvPr id="2" name="Title 1">
+            <a:extLst>
+              <a:ext uri="{FF2B5EF4-FFF2-40B4-BE49-F238E27FC236}">
+                <a16:creationId xmlns:a16="http://schemas.microsoft.com/office/drawing/2014/main" id="{101BE013-1DEE-F849-A41C-C113EB265916}"/>
+              </a:ext>
+            </a:extLst>
+          </p:cNvPr>
+          <p:cNvSpPr>
+            <a:spLocks noGrp="1"/>
+          </p:cNvSpPr>
+          <p:nvPr>
+            <p:ph type="title"/>
+          </p:nvPr>
+        </p:nvSpPr>
+        <p:spPr/>
+        <p:txBody>
+          <a:bodyPr/>
+          <a:lstStyle/>
+          <a:p>
+            <a:endParaRPr lang="de-DE" dirty="0"/>
+          </a:p>
+        </p:txBody>
+      </p:sp>
+      <p:sp>
+        <p:nvSpPr>
+          <p:cNvPr id="3" name="Content Placeholder 2">
+            <a:extLst>
+              <a:ext uri="{FF2B5EF4-FFF2-40B4-BE49-F238E27FC236}">
+                <a16:creationId xmlns:a16="http://schemas.microsoft.com/office/drawing/2014/main" id="{F6B1112F-CC43-C741-A5AC-E2406C8709D1}"/>
+              </a:ext>
+            </a:extLst>
+          </p:cNvPr>
+          <p:cNvSpPr>
+            <a:spLocks noGrp="1"/>
+          </p:cNvSpPr>
+          <p:nvPr>
+            <p:ph idx="1"/>
+          </p:nvPr>
+        </p:nvSpPr>
+        <p:spPr/>
+        <p:txBody>
+          <a:bodyPr/>
+          <a:lstStyle/>
+          <a:p>
+            <a:endParaRPr lang="de-DE"/>
+          </a:p>
+        </p:txBody>
+      </p:sp>
+    </p:spTree>
+    <p:extLst>
+      <p:ext uri="{BB962C8B-B14F-4D97-AF65-F5344CB8AC3E}">
+        <p14:creationId xmlns:p14="http://schemas.microsoft.com/office/powerpoint/2010/main" val="3032047895"/>
+      </p:ext>
+    </p:extLst>
+  </p:cSld>
+  <p:clrMapOvr>
+    <a:masterClrMapping/>
+  </p:clrMapOvr>
+</p:sld>
+</file>
+
 <file path=ppt/slides/slide37.xml><?xml version="1.0" encoding="utf-8"?>
 <p:sld xmlns:a="http://schemas.openxmlformats.org/drawingml/2006/main" xmlns:r="http://schemas.openxmlformats.org/officeDocument/2006/relationships" xmlns:p="http://schemas.openxmlformats.org/presentationml/2006/main">
   <p:cSld>
@@ -20171,7 +17724,7 @@
           <p:cNvPr id="2" name="Title 1">
             <a:extLst>
               <a:ext uri="{FF2B5EF4-FFF2-40B4-BE49-F238E27FC236}">
-                <a16:creationId xmlns:a16="http://schemas.microsoft.com/office/drawing/2014/main" id="{6F7ED122-6758-3845-84AD-55A4F3FD499B}"/>
+                <a16:creationId xmlns:a16="http://schemas.microsoft.com/office/drawing/2014/main" id="{5F008BA8-4B71-044A-ADB5-A3233D475177}"/>
               </a:ext>
             </a:extLst>
           </p:cNvPr>
@@ -20187,10 +17740,7 @@
           <a:bodyPr/>
           <a:lstStyle/>
           <a:p>
-            <a:r>
-              <a:rPr lang="de-DE" b="1" dirty="0"/>
-              <a:t>TODOs</a:t>
-            </a:r>
+            <a:endParaRPr lang="de-DE"/>
           </a:p>
         </p:txBody>
       </p:sp>
@@ -20199,7 +17749,7 @@
           <p:cNvPr id="3" name="Content Placeholder 2">
             <a:extLst>
               <a:ext uri="{FF2B5EF4-FFF2-40B4-BE49-F238E27FC236}">
-                <a16:creationId xmlns:a16="http://schemas.microsoft.com/office/drawing/2014/main" id="{E58475FE-AEB0-BC42-A8C7-BD9B9C5AB94C}"/>
+                <a16:creationId xmlns:a16="http://schemas.microsoft.com/office/drawing/2014/main" id="{21B6648B-EE7D-CE43-8D9E-FFFD9A9C3EAB}"/>
               </a:ext>
             </a:extLst>
           </p:cNvPr>
@@ -20210,111 +17760,19 @@
             <p:ph idx="1"/>
           </p:nvPr>
         </p:nvSpPr>
-        <p:spPr>
-          <a:xfrm>
-            <a:off x="542925" y="2478024"/>
-            <a:ext cx="11158538" cy="4119724"/>
-          </a:xfrm>
-        </p:spPr>
-        <p:txBody>
-          <a:bodyPr>
-            <a:normAutofit lnSpcReduction="10000"/>
-          </a:bodyPr>
-          <a:lstStyle/>
-          <a:p>
-            <a:r>
-              <a:rPr lang="de-DE" b="1" dirty="0"/>
-              <a:t> </a:t>
-            </a:r>
-            <a:r>
-              <a:rPr lang="de-DE" sz="3200" dirty="0">
-                <a:sym typeface="Wingdings" pitchFamily="2" charset="2"/>
-              </a:rPr>
-              <a:t>Epocheneinteilung erweitern  händisch </a:t>
-            </a:r>
-          </a:p>
-          <a:p>
-            <a:r>
-              <a:rPr lang="de-DE" sz="3200" b="1" dirty="0">
-                <a:sym typeface="Wingdings" pitchFamily="2" charset="2"/>
-              </a:rPr>
-              <a:t> </a:t>
-            </a:r>
-            <a:r>
-              <a:rPr lang="de-DE" sz="3200" b="1" dirty="0"/>
-              <a:t>Noise </a:t>
-            </a:r>
-            <a:r>
-              <a:rPr lang="de-DE" sz="3200" b="1" dirty="0" err="1"/>
-              <a:t>Removal</a:t>
-            </a:r>
-            <a:r>
-              <a:rPr lang="de-DE" sz="3200" b="1" dirty="0"/>
-              <a:t> </a:t>
-            </a:r>
-            <a:r>
-              <a:rPr lang="de-DE" sz="3200" dirty="0"/>
-              <a:t>mit :</a:t>
-            </a:r>
-          </a:p>
-          <a:p>
-            <a:pPr lvl="1"/>
-            <a:r>
-              <a:rPr lang="de-DE" sz="2800" dirty="0"/>
-              <a:t>Hierarchisches Clustering</a:t>
-            </a:r>
-          </a:p>
-          <a:p>
-            <a:pPr lvl="1"/>
-            <a:r>
-              <a:rPr lang="de-DE" sz="2800" dirty="0"/>
-              <a:t>Topic </a:t>
-            </a:r>
-            <a:r>
-              <a:rPr lang="de-DE" sz="2800" dirty="0" err="1"/>
-              <a:t>Modelling</a:t>
-            </a:r>
-            <a:r>
-              <a:rPr lang="de-DE" sz="2800" dirty="0"/>
-              <a:t> (</a:t>
-            </a:r>
-            <a:r>
-              <a:rPr lang="de-DE" sz="2800" dirty="0">
-                <a:sym typeface="Wingdings" pitchFamily="2" charset="2"/>
-              </a:rPr>
-              <a:t> Dialekt)</a:t>
-            </a:r>
-          </a:p>
-          <a:p>
-            <a:pPr lvl="1"/>
-            <a:r>
-              <a:rPr lang="de-DE" sz="2800" dirty="0"/>
-              <a:t>LSVM</a:t>
-            </a:r>
-          </a:p>
-          <a:p>
-            <a:r>
-              <a:rPr lang="de-DE" sz="3200" dirty="0"/>
-              <a:t> Nochmal POS-</a:t>
-            </a:r>
-            <a:r>
-              <a:rPr lang="de-DE" sz="3200" dirty="0" err="1"/>
-              <a:t>Tagging</a:t>
-            </a:r>
-            <a:endParaRPr lang="de-DE" sz="3200" dirty="0"/>
-          </a:p>
-          <a:p>
-            <a:r>
-              <a:rPr lang="de-DE" sz="3200" dirty="0"/>
-              <a:t> Analyse der Epochenzuweisungen</a:t>
-            </a:r>
+        <p:spPr/>
+        <p:txBody>
+          <a:bodyPr/>
+          <a:lstStyle/>
+          <a:p>
+            <a:endParaRPr lang="de-DE"/>
           </a:p>
         </p:txBody>
       </p:sp>
     </p:spTree>
     <p:extLst>
       <p:ext uri="{BB962C8B-B14F-4D97-AF65-F5344CB8AC3E}">
-        <p14:creationId xmlns:p14="http://schemas.microsoft.com/office/powerpoint/2010/main" val="3293990588"/>
+        <p14:creationId xmlns:p14="http://schemas.microsoft.com/office/powerpoint/2010/main" val="3819405721"/>
       </p:ext>
     </p:extLst>
   </p:cSld>
@@ -20341,38 +17799,263 @@
           <a:chExt cx="0" cy="0"/>
         </a:xfrm>
       </p:grpSpPr>
-      <p:sp>
-        <p:nvSpPr>
-          <p:cNvPr id="7" name="Title 6">
-            <a:extLst>
-              <a:ext uri="{FF2B5EF4-FFF2-40B4-BE49-F238E27FC236}">
-                <a16:creationId xmlns:a16="http://schemas.microsoft.com/office/drawing/2014/main" id="{7168E5B1-40BC-594A-BD5D-32D9348BA6D0}"/>
-              </a:ext>
-            </a:extLst>
-          </p:cNvPr>
-          <p:cNvSpPr>
-            <a:spLocks noGrp="1"/>
-          </p:cNvSpPr>
-          <p:nvPr>
-            <p:ph type="title"/>
-          </p:nvPr>
-        </p:nvSpPr>
-        <p:spPr/>
-        <p:txBody>
-          <a:bodyPr/>
-          <a:lstStyle/>
-          <a:p>
-            <a:r>
-              <a:rPr lang="de-DE" dirty="0"/>
-              <a:t>TODO</a:t>
-            </a:r>
+      <p:pic>
+        <p:nvPicPr>
+          <p:cNvPr id="16" name="Picture 15" descr="A screenshot of a cell phone&#10;&#10;Description automatically generated">
+            <a:extLst>
+              <a:ext uri="{FF2B5EF4-FFF2-40B4-BE49-F238E27FC236}">
+                <a16:creationId xmlns:a16="http://schemas.microsoft.com/office/drawing/2014/main" id="{7F378108-EC7D-AB40-8145-AFE170AA4A98}"/>
+              </a:ext>
+            </a:extLst>
+          </p:cNvPr>
+          <p:cNvPicPr>
+            <a:picLocks noChangeAspect="1"/>
+          </p:cNvPicPr>
+          <p:nvPr/>
+        </p:nvPicPr>
+        <p:blipFill rotWithShape="1">
+          <a:blip r:embed="rId2"/>
+          <a:srcRect l="10970" t="6471" r="1496" b="5294"/>
+          <a:stretch/>
+        </p:blipFill>
+        <p:spPr>
+          <a:xfrm>
+            <a:off x="4107520" y="367602"/>
+            <a:ext cx="7756427" cy="5813049"/>
+          </a:xfrm>
+          <a:prstGeom prst="rect">
+            <a:avLst/>
+          </a:prstGeom>
+        </p:spPr>
+      </p:pic>
+      <p:sp>
+        <p:nvSpPr>
+          <p:cNvPr id="6" name="TextBox 5">
+            <a:extLst>
+              <a:ext uri="{FF2B5EF4-FFF2-40B4-BE49-F238E27FC236}">
+                <a16:creationId xmlns:a16="http://schemas.microsoft.com/office/drawing/2014/main" id="{0F1F5E77-3675-BD4F-B8AF-14446DCA993A}"/>
+              </a:ext>
+            </a:extLst>
+          </p:cNvPr>
+          <p:cNvSpPr txBox="1"/>
+          <p:nvPr/>
+        </p:nvSpPr>
+        <p:spPr>
+          <a:xfrm>
+            <a:off x="3317503" y="5685646"/>
+            <a:ext cx="847165" cy="461665"/>
+          </a:xfrm>
+          <a:prstGeom prst="rect">
+            <a:avLst/>
+          </a:prstGeom>
+          <a:noFill/>
+        </p:spPr>
+        <p:txBody>
+          <a:bodyPr wrap="square" rtlCol="0">
+            <a:spAutoFit/>
+          </a:bodyPr>
+          <a:lstStyle/>
+          <a:p>
+            <a:r>
+              <a:rPr lang="de-DE" sz="2400" b="1" dirty="0"/>
+              <a:t>Zeit</a:t>
+            </a:r>
+            <a:endParaRPr lang="de-DE" b="1" dirty="0"/>
+          </a:p>
+        </p:txBody>
+      </p:sp>
+      <p:sp>
+        <p:nvSpPr>
+          <p:cNvPr id="8" name="Right Arrow 7">
+            <a:extLst>
+              <a:ext uri="{FF2B5EF4-FFF2-40B4-BE49-F238E27FC236}">
+                <a16:creationId xmlns:a16="http://schemas.microsoft.com/office/drawing/2014/main" id="{D652BD30-90C0-9140-ABEF-379D65488567}"/>
+              </a:ext>
+            </a:extLst>
+          </p:cNvPr>
+          <p:cNvSpPr/>
+          <p:nvPr/>
+        </p:nvSpPr>
+        <p:spPr>
+          <a:xfrm>
+            <a:off x="4221816" y="5716498"/>
+            <a:ext cx="6550675" cy="430813"/>
+          </a:xfrm>
+          <a:prstGeom prst="rightArrow">
+            <a:avLst>
+              <a:gd name="adj1" fmla="val 50000"/>
+              <a:gd name="adj2" fmla="val 96371"/>
+            </a:avLst>
+          </a:prstGeom>
+        </p:spPr>
+        <p:style>
+          <a:lnRef idx="2">
+            <a:schemeClr val="dk1">
+              <a:shade val="50000"/>
+            </a:schemeClr>
+          </a:lnRef>
+          <a:fillRef idx="1">
+            <a:schemeClr val="dk1"/>
+          </a:fillRef>
+          <a:effectRef idx="0">
+            <a:schemeClr val="dk1"/>
+          </a:effectRef>
+          <a:fontRef idx="minor">
+            <a:schemeClr val="lt1"/>
+          </a:fontRef>
+        </p:style>
+        <p:txBody>
+          <a:bodyPr rtlCol="0" anchor="ctr"/>
+          <a:lstStyle/>
+          <a:p>
+            <a:pPr algn="ctr"/>
+            <a:endParaRPr lang="de-DE"/>
+          </a:p>
+        </p:txBody>
+      </p:sp>
+      <p:sp>
+        <p:nvSpPr>
+          <p:cNvPr id="10" name="TextBox 9">
+            <a:extLst>
+              <a:ext uri="{FF2B5EF4-FFF2-40B4-BE49-F238E27FC236}">
+                <a16:creationId xmlns:a16="http://schemas.microsoft.com/office/drawing/2014/main" id="{DF970926-11AF-184A-92E1-E638B5EC3DAF}"/>
+              </a:ext>
+            </a:extLst>
+          </p:cNvPr>
+          <p:cNvSpPr txBox="1"/>
+          <p:nvPr/>
+        </p:nvSpPr>
+        <p:spPr>
+          <a:xfrm>
+            <a:off x="0" y="660982"/>
+            <a:ext cx="4402232" cy="3785652"/>
+          </a:xfrm>
+          <a:prstGeom prst="rect">
+            <a:avLst/>
+          </a:prstGeom>
+          <a:noFill/>
+        </p:spPr>
+        <p:txBody>
+          <a:bodyPr wrap="square" rtlCol="0">
+            <a:spAutoFit/>
+          </a:bodyPr>
+          <a:lstStyle/>
+          <a:p>
+            <a:r>
+              <a:rPr lang="de-DE" sz="2400" b="1" dirty="0"/>
+              <a:t>Aufteilung nach AMANN</a:t>
+            </a:r>
+          </a:p>
+          <a:p>
+            <a:endParaRPr lang="de-DE" sz="2400" dirty="0"/>
+          </a:p>
+          <a:p>
+            <a:r>
+              <a:rPr lang="de-DE" sz="2400" dirty="0"/>
+              <a:t>Barock: 	   1600-1720  🟩   Aufklärung: 	   1720-1785  🟦</a:t>
+            </a:r>
+          </a:p>
+          <a:p>
+            <a:r>
+              <a:rPr lang="de-DE" sz="2400" dirty="0"/>
+              <a:t>Klassik: 	   1786-1832  🟨</a:t>
+            </a:r>
+          </a:p>
+          <a:p>
+            <a:r>
+              <a:rPr lang="de-DE" sz="2400" dirty="0"/>
+              <a:t>Romantik: 	   1798-1835  </a:t>
+            </a:r>
+          </a:p>
+          <a:p>
+            <a:r>
+              <a:rPr lang="de-DE" sz="2400" dirty="0"/>
+              <a:t>Biedermeier:   1815-1848  🟥</a:t>
+            </a:r>
+          </a:p>
+          <a:p>
+            <a:r>
+              <a:rPr lang="de-DE" sz="2400" dirty="0"/>
+              <a:t>Realismus: 	   1850-1890  🟫</a:t>
+            </a:r>
+          </a:p>
+          <a:p>
+            <a:r>
+              <a:rPr lang="de-DE" sz="2400" dirty="0"/>
+              <a:t>Naturalismus:  1880-1900  🟧</a:t>
+            </a:r>
+          </a:p>
+          <a:p>
+            <a:r>
+              <a:rPr lang="de-DE" sz="2000" dirty="0"/>
+              <a:t>Expressionismus: </a:t>
+            </a:r>
+            <a:r>
+              <a:rPr lang="de-DE" sz="2400" dirty="0"/>
+              <a:t>1905-1925  🟪</a:t>
+            </a:r>
+          </a:p>
+        </p:txBody>
+      </p:sp>
+      <p:sp>
+        <p:nvSpPr>
+          <p:cNvPr id="13" name="Rounded Rectangle 12">
+            <a:extLst>
+              <a:ext uri="{FF2B5EF4-FFF2-40B4-BE49-F238E27FC236}">
+                <a16:creationId xmlns:a16="http://schemas.microsoft.com/office/drawing/2014/main" id="{C32C185C-5F2D-BB4C-9F2B-43AC19FFCD9E}"/>
+              </a:ext>
+            </a:extLst>
+          </p:cNvPr>
+          <p:cNvSpPr/>
+          <p:nvPr/>
+        </p:nvSpPr>
+        <p:spPr>
+          <a:xfrm>
+            <a:off x="3792071" y="2528047"/>
+            <a:ext cx="315449" cy="300205"/>
+          </a:xfrm>
+          <a:prstGeom prst="roundRect">
+            <a:avLst/>
+          </a:prstGeom>
+          <a:solidFill>
+            <a:srgbClr val="D98ED9"/>
+          </a:solidFill>
+          <a:ln>
+            <a:solidFill>
+              <a:srgbClr val="D98ED9"/>
+            </a:solidFill>
+          </a:ln>
+          <a:effectLst/>
+        </p:spPr>
+        <p:style>
+          <a:lnRef idx="2">
+            <a:schemeClr val="accent1">
+              <a:shade val="50000"/>
+            </a:schemeClr>
+          </a:lnRef>
+          <a:fillRef idx="1">
+            <a:schemeClr val="accent1"/>
+          </a:fillRef>
+          <a:effectRef idx="0">
+            <a:schemeClr val="accent1"/>
+          </a:effectRef>
+          <a:fontRef idx="minor">
+            <a:schemeClr val="lt1"/>
+          </a:fontRef>
+        </p:style>
+        <p:txBody>
+          <a:bodyPr rtlCol="0" anchor="ctr"/>
+          <a:lstStyle/>
+          <a:p>
+            <a:pPr algn="ctr"/>
+            <a:endParaRPr lang="de-DE"/>
           </a:p>
         </p:txBody>
       </p:sp>
     </p:spTree>
     <p:extLst>
       <p:ext uri="{BB962C8B-B14F-4D97-AF65-F5344CB8AC3E}">
-        <p14:creationId xmlns:p14="http://schemas.microsoft.com/office/powerpoint/2010/main" val="2512545284"/>
+        <p14:creationId xmlns:p14="http://schemas.microsoft.com/office/powerpoint/2010/main" val="3480756881"/>
       </p:ext>
     </p:extLst>
   </p:cSld>
@@ -20399,41 +18082,263 @@
           <a:chExt cx="0" cy="0"/>
         </a:xfrm>
       </p:grpSpPr>
-      <p:sp>
-        <p:nvSpPr>
-          <p:cNvPr id="2" name="Title 1">
-            <a:extLst>
-              <a:ext uri="{FF2B5EF4-FFF2-40B4-BE49-F238E27FC236}">
-                <a16:creationId xmlns:a16="http://schemas.microsoft.com/office/drawing/2014/main" id="{DCBE102F-D2BB-3946-AEF1-AE93DF5165E5}"/>
-              </a:ext>
-            </a:extLst>
-          </p:cNvPr>
-          <p:cNvSpPr>
-            <a:spLocks noGrp="1"/>
-          </p:cNvSpPr>
-          <p:nvPr>
-            <p:ph type="title"/>
-          </p:nvPr>
-        </p:nvSpPr>
-        <p:spPr/>
-        <p:txBody>
-          <a:bodyPr>
-            <a:normAutofit/>
+      <p:pic>
+        <p:nvPicPr>
+          <p:cNvPr id="7" name="Picture 6" descr="A close up of a map&#10;&#10;Description automatically generated">
+            <a:extLst>
+              <a:ext uri="{FF2B5EF4-FFF2-40B4-BE49-F238E27FC236}">
+                <a16:creationId xmlns:a16="http://schemas.microsoft.com/office/drawing/2014/main" id="{2C840CF0-2059-1044-81E7-BE932820EA77}"/>
+              </a:ext>
+            </a:extLst>
+          </p:cNvPr>
+          <p:cNvPicPr>
+            <a:picLocks noChangeAspect="1"/>
+          </p:cNvPicPr>
+          <p:nvPr/>
+        </p:nvPicPr>
+        <p:blipFill rotWithShape="1">
+          <a:blip r:embed="rId2"/>
+          <a:srcRect l="10611" t="5941" b="9886"/>
+          <a:stretch/>
+        </p:blipFill>
+        <p:spPr>
+          <a:xfrm>
+            <a:off x="4107520" y="176046"/>
+            <a:ext cx="8081244" cy="6020972"/>
+          </a:xfrm>
+          <a:prstGeom prst="rect">
+            <a:avLst/>
+          </a:prstGeom>
+        </p:spPr>
+      </p:pic>
+      <p:sp>
+        <p:nvSpPr>
+          <p:cNvPr id="6" name="TextBox 5">
+            <a:extLst>
+              <a:ext uri="{FF2B5EF4-FFF2-40B4-BE49-F238E27FC236}">
+                <a16:creationId xmlns:a16="http://schemas.microsoft.com/office/drawing/2014/main" id="{0F1F5E77-3675-BD4F-B8AF-14446DCA993A}"/>
+              </a:ext>
+            </a:extLst>
+          </p:cNvPr>
+          <p:cNvSpPr txBox="1"/>
+          <p:nvPr/>
+        </p:nvSpPr>
+        <p:spPr>
+          <a:xfrm>
+            <a:off x="3338604" y="5851470"/>
+            <a:ext cx="847165" cy="461665"/>
+          </a:xfrm>
+          <a:prstGeom prst="rect">
+            <a:avLst/>
+          </a:prstGeom>
+          <a:noFill/>
+        </p:spPr>
+        <p:txBody>
+          <a:bodyPr wrap="square" rtlCol="0">
+            <a:spAutoFit/>
           </a:bodyPr>
           <a:lstStyle/>
           <a:p>
             <a:r>
-              <a:rPr lang="de-DE" sz="4400" b="1" dirty="0"/>
-              <a:t>4.5.  Noise Entfernung</a:t>
-            </a:r>
-            <a:endParaRPr lang="de-DE" sz="4800" b="1" dirty="0"/>
+              <a:rPr lang="de-DE" sz="2400" b="1" dirty="0"/>
+              <a:t>Zeit</a:t>
+            </a:r>
+            <a:endParaRPr lang="de-DE" b="1" dirty="0"/>
+          </a:p>
+        </p:txBody>
+      </p:sp>
+      <p:sp>
+        <p:nvSpPr>
+          <p:cNvPr id="8" name="Right Arrow 7">
+            <a:extLst>
+              <a:ext uri="{FF2B5EF4-FFF2-40B4-BE49-F238E27FC236}">
+                <a16:creationId xmlns:a16="http://schemas.microsoft.com/office/drawing/2014/main" id="{D652BD30-90C0-9140-ABEF-379D65488567}"/>
+              </a:ext>
+            </a:extLst>
+          </p:cNvPr>
+          <p:cNvSpPr/>
+          <p:nvPr/>
+        </p:nvSpPr>
+        <p:spPr>
+          <a:xfrm>
+            <a:off x="4264019" y="5882322"/>
+            <a:ext cx="6550675" cy="430813"/>
+          </a:xfrm>
+          <a:prstGeom prst="rightArrow">
+            <a:avLst>
+              <a:gd name="adj1" fmla="val 50000"/>
+              <a:gd name="adj2" fmla="val 96371"/>
+            </a:avLst>
+          </a:prstGeom>
+        </p:spPr>
+        <p:style>
+          <a:lnRef idx="2">
+            <a:schemeClr val="dk1">
+              <a:shade val="50000"/>
+            </a:schemeClr>
+          </a:lnRef>
+          <a:fillRef idx="1">
+            <a:schemeClr val="dk1"/>
+          </a:fillRef>
+          <a:effectRef idx="0">
+            <a:schemeClr val="dk1"/>
+          </a:effectRef>
+          <a:fontRef idx="minor">
+            <a:schemeClr val="lt1"/>
+          </a:fontRef>
+        </p:style>
+        <p:txBody>
+          <a:bodyPr rtlCol="0" anchor="ctr"/>
+          <a:lstStyle/>
+          <a:p>
+            <a:pPr algn="ctr"/>
+            <a:endParaRPr lang="de-DE"/>
+          </a:p>
+        </p:txBody>
+      </p:sp>
+      <p:sp>
+        <p:nvSpPr>
+          <p:cNvPr id="10" name="TextBox 9">
+            <a:extLst>
+              <a:ext uri="{FF2B5EF4-FFF2-40B4-BE49-F238E27FC236}">
+                <a16:creationId xmlns:a16="http://schemas.microsoft.com/office/drawing/2014/main" id="{DF970926-11AF-184A-92E1-E638B5EC3DAF}"/>
+              </a:ext>
+            </a:extLst>
+          </p:cNvPr>
+          <p:cNvSpPr txBox="1"/>
+          <p:nvPr/>
+        </p:nvSpPr>
+        <p:spPr>
+          <a:xfrm>
+            <a:off x="0" y="660982"/>
+            <a:ext cx="4402232" cy="3785652"/>
+          </a:xfrm>
+          <a:prstGeom prst="rect">
+            <a:avLst/>
+          </a:prstGeom>
+          <a:noFill/>
+        </p:spPr>
+        <p:txBody>
+          <a:bodyPr wrap="square" rtlCol="0">
+            <a:spAutoFit/>
+          </a:bodyPr>
+          <a:lstStyle/>
+          <a:p>
+            <a:r>
+              <a:rPr lang="de-DE" sz="2400" b="1" dirty="0"/>
+              <a:t>Aufteilung nach AMANN</a:t>
+            </a:r>
+          </a:p>
+          <a:p>
+            <a:endParaRPr lang="de-DE" sz="2400" dirty="0"/>
+          </a:p>
+          <a:p>
+            <a:r>
+              <a:rPr lang="de-DE" sz="2400" dirty="0"/>
+              <a:t>Barock: 	   1600-1720  🟩   Aufklärung: 	   1720-1785  🟦</a:t>
+            </a:r>
+          </a:p>
+          <a:p>
+            <a:r>
+              <a:rPr lang="de-DE" sz="2400" dirty="0"/>
+              <a:t>Klassik: 	   1786-1832  🟨</a:t>
+            </a:r>
+          </a:p>
+          <a:p>
+            <a:r>
+              <a:rPr lang="de-DE" sz="2400" dirty="0"/>
+              <a:t>Romantik: 	   1798-1835  </a:t>
+            </a:r>
+          </a:p>
+          <a:p>
+            <a:r>
+              <a:rPr lang="de-DE" sz="2400" dirty="0"/>
+              <a:t>Biedermeier:   1815-1848  🟥</a:t>
+            </a:r>
+          </a:p>
+          <a:p>
+            <a:r>
+              <a:rPr lang="de-DE" sz="2400" dirty="0"/>
+              <a:t>Realismus: 	   1850-1890  🟫</a:t>
+            </a:r>
+          </a:p>
+          <a:p>
+            <a:r>
+              <a:rPr lang="de-DE" sz="2400" dirty="0"/>
+              <a:t>Naturalismus:  1880-1900  🟧</a:t>
+            </a:r>
+          </a:p>
+          <a:p>
+            <a:r>
+              <a:rPr lang="de-DE" sz="2000" dirty="0"/>
+              <a:t>Expressionismus: </a:t>
+            </a:r>
+            <a:r>
+              <a:rPr lang="de-DE" sz="2400" dirty="0"/>
+              <a:t>1905-1925  🟪</a:t>
+            </a:r>
+          </a:p>
+        </p:txBody>
+      </p:sp>
+      <p:sp>
+        <p:nvSpPr>
+          <p:cNvPr id="13" name="Rounded Rectangle 12">
+            <a:extLst>
+              <a:ext uri="{FF2B5EF4-FFF2-40B4-BE49-F238E27FC236}">
+                <a16:creationId xmlns:a16="http://schemas.microsoft.com/office/drawing/2014/main" id="{C32C185C-5F2D-BB4C-9F2B-43AC19FFCD9E}"/>
+              </a:ext>
+            </a:extLst>
+          </p:cNvPr>
+          <p:cNvSpPr/>
+          <p:nvPr/>
+        </p:nvSpPr>
+        <p:spPr>
+          <a:xfrm>
+            <a:off x="3792071" y="2528047"/>
+            <a:ext cx="315449" cy="300205"/>
+          </a:xfrm>
+          <a:prstGeom prst="roundRect">
+            <a:avLst/>
+          </a:prstGeom>
+          <a:solidFill>
+            <a:srgbClr val="D98ED9"/>
+          </a:solidFill>
+          <a:ln>
+            <a:solidFill>
+              <a:srgbClr val="D98ED9"/>
+            </a:solidFill>
+          </a:ln>
+          <a:effectLst/>
+        </p:spPr>
+        <p:style>
+          <a:lnRef idx="2">
+            <a:schemeClr val="accent1">
+              <a:shade val="50000"/>
+            </a:schemeClr>
+          </a:lnRef>
+          <a:fillRef idx="1">
+            <a:schemeClr val="accent1"/>
+          </a:fillRef>
+          <a:effectRef idx="0">
+            <a:schemeClr val="accent1"/>
+          </a:effectRef>
+          <a:fontRef idx="minor">
+            <a:schemeClr val="lt1"/>
+          </a:fontRef>
+        </p:style>
+        <p:txBody>
+          <a:bodyPr rtlCol="0" anchor="ctr"/>
+          <a:lstStyle/>
+          <a:p>
+            <a:pPr algn="ctr"/>
+            <a:endParaRPr lang="de-DE"/>
           </a:p>
         </p:txBody>
       </p:sp>
     </p:spTree>
     <p:extLst>
       <p:ext uri="{BB962C8B-B14F-4D97-AF65-F5344CB8AC3E}">
-        <p14:creationId xmlns:p14="http://schemas.microsoft.com/office/powerpoint/2010/main" val="1767297648"/>
+        <p14:creationId xmlns:p14="http://schemas.microsoft.com/office/powerpoint/2010/main" val="4047049521"/>
       </p:ext>
     </p:extLst>
   </p:cSld>
@@ -20699,7 +18604,7 @@
 </file>
 
 <file path=ppt/slides/slide40.xml><?xml version="1.0" encoding="utf-8"?>
-<p:sld xmlns:a="http://schemas.openxmlformats.org/drawingml/2006/main" xmlns:r="http://schemas.openxmlformats.org/officeDocument/2006/relationships" xmlns:p="http://schemas.openxmlformats.org/presentationml/2006/main">
+<p:sld xmlns:a="http://schemas.openxmlformats.org/drawingml/2006/main" xmlns:r="http://schemas.openxmlformats.org/officeDocument/2006/relationships" xmlns:p="http://schemas.openxmlformats.org/presentationml/2006/main" show="0">
   <p:cSld>
     <p:spTree>
       <p:nvGrpSpPr>
@@ -20717,10 +18622,10 @@
       </p:grpSpPr>
       <p:sp>
         <p:nvSpPr>
-          <p:cNvPr id="7" name="Title 6">
-            <a:extLst>
-              <a:ext uri="{FF2B5EF4-FFF2-40B4-BE49-F238E27FC236}">
-                <a16:creationId xmlns:a16="http://schemas.microsoft.com/office/drawing/2014/main" id="{2DE410B9-650E-C549-B5D6-A2098E5B0905}"/>
+          <p:cNvPr id="10" name="Title 9">
+            <a:extLst>
+              <a:ext uri="{FF2B5EF4-FFF2-40B4-BE49-F238E27FC236}">
+                <a16:creationId xmlns:a16="http://schemas.microsoft.com/office/drawing/2014/main" id="{721D0AD9-E862-4F4D-A146-524D71AA32CB}"/>
               </a:ext>
             </a:extLst>
           </p:cNvPr>
@@ -20729,91 +18634,231 @@
           </p:cNvSpPr>
           <p:nvPr>
             <p:ph type="title"/>
-          </p:nvPr>
-        </p:nvSpPr>
-        <p:spPr/>
-        <p:txBody>
-          <a:bodyPr/>
-          <a:lstStyle/>
-          <a:p>
-            <a:r>
-              <a:rPr lang="de-DE" b="1" dirty="0"/>
-              <a:t>Verfahren</a:t>
-            </a:r>
-          </a:p>
-        </p:txBody>
-      </p:sp>
-      <p:sp>
-        <p:nvSpPr>
-          <p:cNvPr id="8" name="Content Placeholder 7">
-            <a:extLst>
-              <a:ext uri="{FF2B5EF4-FFF2-40B4-BE49-F238E27FC236}">
-                <a16:creationId xmlns:a16="http://schemas.microsoft.com/office/drawing/2014/main" id="{D24A4841-EEE5-5F44-9B6E-360856357608}"/>
-              </a:ext>
-            </a:extLst>
-          </p:cNvPr>
-          <p:cNvSpPr>
-            <a:spLocks noGrp="1"/>
-          </p:cNvSpPr>
-          <p:nvPr>
-            <p:ph idx="1"/>
           </p:nvPr>
         </p:nvSpPr>
         <p:spPr>
           <a:xfrm>
-            <a:off x="724470" y="2829495"/>
-            <a:ext cx="10991279" cy="3714179"/>
+            <a:off x="1115568" y="548640"/>
+            <a:ext cx="7873687" cy="1179576"/>
           </a:xfrm>
         </p:spPr>
         <p:txBody>
           <a:bodyPr>
-            <a:normAutofit/>
+            <a:normAutofit fontScale="90000"/>
           </a:bodyPr>
           <a:lstStyle/>
           <a:p>
-            <a:pPr>
-              <a:lnSpc>
-                <a:spcPct val="150000"/>
-              </a:lnSpc>
-            </a:pPr>
-            <a:r>
-              <a:rPr lang="de-DE" sz="4000" dirty="0"/>
-              <a:t> Lineare SVM</a:t>
-            </a:r>
-          </a:p>
-          <a:p>
-            <a:pPr>
-              <a:lnSpc>
-                <a:spcPct val="150000"/>
-              </a:lnSpc>
-            </a:pPr>
-            <a:r>
-              <a:rPr lang="de-DE" sz="4000" dirty="0"/>
-              <a:t> Topic </a:t>
-            </a:r>
-            <a:r>
-              <a:rPr lang="de-DE" sz="4000" dirty="0" err="1"/>
-              <a:t>Modelling</a:t>
-            </a:r>
-            <a:endParaRPr lang="de-DE" sz="4000" dirty="0"/>
-          </a:p>
-          <a:p>
-            <a:pPr>
-              <a:lnSpc>
-                <a:spcPct val="150000"/>
-              </a:lnSpc>
-            </a:pPr>
-            <a:r>
-              <a:rPr lang="de-DE" sz="4000" dirty="0"/>
-              <a:t> Hierarchisches Clustering</a:t>
-            </a:r>
+            <a:r>
+              <a:rPr lang="de-DE" b="1" dirty="0"/>
+              <a:t>K-</a:t>
+            </a:r>
+            <a:r>
+              <a:rPr lang="de-DE" b="1" dirty="0" err="1"/>
+              <a:t>Means</a:t>
+            </a:r>
+            <a:r>
+              <a:rPr lang="de-DE" b="1" dirty="0"/>
+              <a:t> (+ Dimensionsreduktion)</a:t>
+            </a:r>
+            <a:br>
+              <a:rPr lang="de-DE" b="1" dirty="0"/>
+            </a:br>
+            <a:r>
+              <a:rPr lang="de-DE" dirty="0"/>
+              <a:t>alle Epochen</a:t>
+            </a:r>
+            <a:endParaRPr lang="de-DE" b="1" dirty="0"/>
+          </a:p>
+        </p:txBody>
+      </p:sp>
+      <p:sp>
+        <p:nvSpPr>
+          <p:cNvPr id="11" name="Text Placeholder 10">
+            <a:extLst>
+              <a:ext uri="{FF2B5EF4-FFF2-40B4-BE49-F238E27FC236}">
+                <a16:creationId xmlns:a16="http://schemas.microsoft.com/office/drawing/2014/main" id="{F1482671-E491-4C4E-96BF-73A1B9B91D81}"/>
+              </a:ext>
+            </a:extLst>
+          </p:cNvPr>
+          <p:cNvSpPr>
+            <a:spLocks noGrp="1"/>
+          </p:cNvSpPr>
+          <p:nvPr>
+            <p:ph type="body" idx="1"/>
+          </p:nvPr>
+        </p:nvSpPr>
+        <p:spPr>
+          <a:xfrm>
+            <a:off x="1115568" y="2206790"/>
+            <a:ext cx="4937760" cy="545362"/>
+          </a:xfrm>
+        </p:spPr>
+        <p:txBody>
+          <a:bodyPr/>
+          <a:lstStyle/>
+          <a:p>
+            <a:r>
+              <a:rPr lang="de-DE" dirty="0"/>
+              <a:t>Reduzierte Daten</a:t>
+            </a:r>
+          </a:p>
+        </p:txBody>
+      </p:sp>
+      <p:sp>
+        <p:nvSpPr>
+          <p:cNvPr id="13" name="Text Placeholder 12">
+            <a:extLst>
+              <a:ext uri="{FF2B5EF4-FFF2-40B4-BE49-F238E27FC236}">
+                <a16:creationId xmlns:a16="http://schemas.microsoft.com/office/drawing/2014/main" id="{8199E1CA-FEF8-D14A-AE83-40AEC31417AE}"/>
+              </a:ext>
+            </a:extLst>
+          </p:cNvPr>
+          <p:cNvSpPr>
+            <a:spLocks noGrp="1"/>
+          </p:cNvSpPr>
+          <p:nvPr>
+            <p:ph type="body" sz="quarter" idx="3"/>
+          </p:nvPr>
+        </p:nvSpPr>
+        <p:spPr>
+          <a:xfrm>
+            <a:off x="6345936" y="2206790"/>
+            <a:ext cx="4937760" cy="545362"/>
+          </a:xfrm>
+        </p:spPr>
+        <p:txBody>
+          <a:bodyPr/>
+          <a:lstStyle/>
+          <a:p>
+            <a:r>
+              <a:rPr lang="de-DE" dirty="0"/>
+              <a:t>Clustering mit K-</a:t>
+            </a:r>
+            <a:r>
+              <a:rPr lang="de-DE" dirty="0" err="1"/>
+              <a:t>Means</a:t>
+            </a:r>
+            <a:endParaRPr lang="de-DE" dirty="0"/>
+          </a:p>
+        </p:txBody>
+      </p:sp>
+      <p:pic>
+        <p:nvPicPr>
+          <p:cNvPr id="3" name="Picture 2" descr="A close up of a map&#10;&#10;Description automatically generated">
+            <a:extLst>
+              <a:ext uri="{FF2B5EF4-FFF2-40B4-BE49-F238E27FC236}">
+                <a16:creationId xmlns:a16="http://schemas.microsoft.com/office/drawing/2014/main" id="{2CEC7226-5351-504F-99F1-7879032B0986}"/>
+              </a:ext>
+            </a:extLst>
+          </p:cNvPr>
+          <p:cNvPicPr>
+            <a:picLocks noChangeAspect="1"/>
+          </p:cNvPicPr>
+          <p:nvPr/>
+        </p:nvPicPr>
+        <p:blipFill rotWithShape="1">
+          <a:blip r:embed="rId3"/>
+          <a:srcRect l="10611" t="5941" b="9886"/>
+          <a:stretch/>
+        </p:blipFill>
+        <p:spPr>
+          <a:xfrm>
+            <a:off x="761785" y="2801746"/>
+            <a:ext cx="5437847" cy="4051496"/>
+          </a:xfrm>
+          <a:prstGeom prst="rect">
+            <a:avLst/>
+          </a:prstGeom>
+        </p:spPr>
+      </p:pic>
+      <p:pic>
+        <p:nvPicPr>
+          <p:cNvPr id="5" name="Picture 4" descr="A close up of a map&#10;&#10;Description automatically generated">
+            <a:extLst>
+              <a:ext uri="{FF2B5EF4-FFF2-40B4-BE49-F238E27FC236}">
+                <a16:creationId xmlns:a16="http://schemas.microsoft.com/office/drawing/2014/main" id="{23486DF5-ECF8-2E4D-A2D2-7CD149C52A75}"/>
+              </a:ext>
+            </a:extLst>
+          </p:cNvPr>
+          <p:cNvPicPr>
+            <a:picLocks noChangeAspect="1"/>
+          </p:cNvPicPr>
+          <p:nvPr/>
+        </p:nvPicPr>
+        <p:blipFill rotWithShape="1">
+          <a:blip r:embed="rId4"/>
+          <a:srcRect l="10611" t="5941" r="13077" b="9886"/>
+          <a:stretch/>
+        </p:blipFill>
+        <p:spPr>
+          <a:xfrm>
+            <a:off x="6345936" y="2752152"/>
+            <a:ext cx="4642340" cy="4051496"/>
+          </a:xfrm>
+          <a:prstGeom prst="rect">
+            <a:avLst/>
+          </a:prstGeom>
+        </p:spPr>
+      </p:pic>
+      <p:sp>
+        <p:nvSpPr>
+          <p:cNvPr id="6" name="TextBox 5">
+            <a:extLst>
+              <a:ext uri="{FF2B5EF4-FFF2-40B4-BE49-F238E27FC236}">
+                <a16:creationId xmlns:a16="http://schemas.microsoft.com/office/drawing/2014/main" id="{E445A204-67CE-954A-9F1C-9AAB87C36D24}"/>
+              </a:ext>
+            </a:extLst>
+          </p:cNvPr>
+          <p:cNvSpPr txBox="1"/>
+          <p:nvPr/>
+        </p:nvSpPr>
+        <p:spPr>
+          <a:xfrm>
+            <a:off x="9158068" y="527887"/>
+            <a:ext cx="2391508" cy="1200329"/>
+          </a:xfrm>
+          <a:prstGeom prst="rect">
+            <a:avLst/>
+          </a:prstGeom>
+          <a:noFill/>
+          <a:ln>
+            <a:solidFill>
+              <a:schemeClr val="tx1"/>
+            </a:solidFill>
+          </a:ln>
+        </p:spPr>
+        <p:txBody>
+          <a:bodyPr wrap="square" rtlCol="0">
+            <a:spAutoFit/>
+          </a:bodyPr>
+          <a:lstStyle/>
+          <a:p>
+            <a:r>
+              <a:rPr lang="de-DE" sz="3600" b="1" dirty="0" err="1"/>
+              <a:t>ari</a:t>
+            </a:r>
+            <a:r>
+              <a:rPr lang="de-DE" sz="3600" dirty="0"/>
+              <a:t>:  0.177</a:t>
+            </a:r>
+          </a:p>
+          <a:p>
+            <a:r>
+              <a:rPr lang="de-DE" sz="3600" b="1" dirty="0" err="1"/>
+              <a:t>vm</a:t>
+            </a:r>
+            <a:r>
+              <a:rPr lang="de-DE" sz="3600" dirty="0"/>
+              <a:t>: 0.384</a:t>
+            </a:r>
+            <a:endParaRPr lang="de-DE" sz="3600" b="1" dirty="0"/>
           </a:p>
         </p:txBody>
       </p:sp>
     </p:spTree>
     <p:extLst>
       <p:ext uri="{BB962C8B-B14F-4D97-AF65-F5344CB8AC3E}">
-        <p14:creationId xmlns:p14="http://schemas.microsoft.com/office/powerpoint/2010/main" val="3318092965"/>
+        <p14:creationId xmlns:p14="http://schemas.microsoft.com/office/powerpoint/2010/main" val="869273132"/>
       </p:ext>
     </p:extLst>
   </p:cSld>
@@ -20824,282 +18869,6 @@
 </file>
 
 <file path=ppt/slides/slide41.xml><?xml version="1.0" encoding="utf-8"?>
-<p:sld xmlns:a="http://schemas.openxmlformats.org/drawingml/2006/main" xmlns:r="http://schemas.openxmlformats.org/officeDocument/2006/relationships" xmlns:p="http://schemas.openxmlformats.org/presentationml/2006/main">
-  <p:cSld>
-    <p:spTree>
-      <p:nvGrpSpPr>
-        <p:cNvPr id="1" name=""/>
-        <p:cNvGrpSpPr/>
-        <p:nvPr/>
-      </p:nvGrpSpPr>
-      <p:grpSpPr>
-        <a:xfrm>
-          <a:off x="0" y="0"/>
-          <a:ext cx="0" cy="0"/>
-          <a:chOff x="0" y="0"/>
-          <a:chExt cx="0" cy="0"/>
-        </a:xfrm>
-      </p:grpSpPr>
-      <p:sp>
-        <p:nvSpPr>
-          <p:cNvPr id="4" name="Title 3">
-            <a:extLst>
-              <a:ext uri="{FF2B5EF4-FFF2-40B4-BE49-F238E27FC236}">
-                <a16:creationId xmlns:a16="http://schemas.microsoft.com/office/drawing/2014/main" id="{E4A206C5-2498-E042-8300-B25F3C898680}"/>
-              </a:ext>
-            </a:extLst>
-          </p:cNvPr>
-          <p:cNvSpPr>
-            <a:spLocks noGrp="1"/>
-          </p:cNvSpPr>
-          <p:nvPr>
-            <p:ph type="title"/>
-          </p:nvPr>
-        </p:nvSpPr>
-        <p:spPr/>
-        <p:txBody>
-          <a:bodyPr/>
-          <a:lstStyle/>
-          <a:p>
-            <a:r>
-              <a:rPr lang="de-DE" dirty="0"/>
-              <a:t>TODO</a:t>
-            </a:r>
-          </a:p>
-        </p:txBody>
-      </p:sp>
-    </p:spTree>
-    <p:extLst>
-      <p:ext uri="{BB962C8B-B14F-4D97-AF65-F5344CB8AC3E}">
-        <p14:creationId xmlns:p14="http://schemas.microsoft.com/office/powerpoint/2010/main" val="1620600122"/>
-      </p:ext>
-    </p:extLst>
-  </p:cSld>
-  <p:clrMapOvr>
-    <a:masterClrMapping/>
-  </p:clrMapOvr>
-</p:sld>
-</file>
-
-<file path=ppt/slides/slide42.xml><?xml version="1.0" encoding="utf-8"?>
-<p:sld xmlns:a="http://schemas.openxmlformats.org/drawingml/2006/main" xmlns:r="http://schemas.openxmlformats.org/officeDocument/2006/relationships" xmlns:p="http://schemas.openxmlformats.org/presentationml/2006/main">
-  <p:cSld>
-    <p:spTree>
-      <p:nvGrpSpPr>
-        <p:cNvPr id="1" name=""/>
-        <p:cNvGrpSpPr/>
-        <p:nvPr/>
-      </p:nvGrpSpPr>
-      <p:grpSpPr>
-        <a:xfrm>
-          <a:off x="0" y="0"/>
-          <a:ext cx="0" cy="0"/>
-          <a:chOff x="0" y="0"/>
-          <a:chExt cx="0" cy="0"/>
-        </a:xfrm>
-      </p:grpSpPr>
-      <p:sp>
-        <p:nvSpPr>
-          <p:cNvPr id="2" name="Title 1">
-            <a:extLst>
-              <a:ext uri="{FF2B5EF4-FFF2-40B4-BE49-F238E27FC236}">
-                <a16:creationId xmlns:a16="http://schemas.microsoft.com/office/drawing/2014/main" id="{78F2E4E8-04EB-0142-91AE-BC0C88F0C119}"/>
-              </a:ext>
-            </a:extLst>
-          </p:cNvPr>
-          <p:cNvSpPr>
-            <a:spLocks noGrp="1"/>
-          </p:cNvSpPr>
-          <p:nvPr>
-            <p:ph type="title"/>
-          </p:nvPr>
-        </p:nvSpPr>
-        <p:spPr/>
-        <p:txBody>
-          <a:bodyPr/>
-          <a:lstStyle/>
-          <a:p>
-            <a:r>
-              <a:rPr lang="de-DE" b="1" dirty="0"/>
-              <a:t>5.  Schlussbetrachtung</a:t>
-            </a:r>
-          </a:p>
-        </p:txBody>
-      </p:sp>
-    </p:spTree>
-    <p:extLst>
-      <p:ext uri="{BB962C8B-B14F-4D97-AF65-F5344CB8AC3E}">
-        <p14:creationId xmlns:p14="http://schemas.microsoft.com/office/powerpoint/2010/main" val="4052262941"/>
-      </p:ext>
-    </p:extLst>
-  </p:cSld>
-  <p:clrMapOvr>
-    <a:masterClrMapping/>
-  </p:clrMapOvr>
-</p:sld>
-</file>
-
-<file path=ppt/slides/slide43.xml><?xml version="1.0" encoding="utf-8"?>
-<p:sld xmlns:a="http://schemas.openxmlformats.org/drawingml/2006/main" xmlns:r="http://schemas.openxmlformats.org/officeDocument/2006/relationships" xmlns:p="http://schemas.openxmlformats.org/presentationml/2006/main">
-  <p:cSld>
-    <p:spTree>
-      <p:nvGrpSpPr>
-        <p:cNvPr id="1" name=""/>
-        <p:cNvGrpSpPr/>
-        <p:nvPr/>
-      </p:nvGrpSpPr>
-      <p:grpSpPr>
-        <a:xfrm>
-          <a:off x="0" y="0"/>
-          <a:ext cx="0" cy="0"/>
-          <a:chOff x="0" y="0"/>
-          <a:chExt cx="0" cy="0"/>
-        </a:xfrm>
-      </p:grpSpPr>
-      <p:sp>
-        <p:nvSpPr>
-          <p:cNvPr id="2" name="Title 1">
-            <a:extLst>
-              <a:ext uri="{FF2B5EF4-FFF2-40B4-BE49-F238E27FC236}">
-                <a16:creationId xmlns:a16="http://schemas.microsoft.com/office/drawing/2014/main" id="{101BE013-1DEE-F849-A41C-C113EB265916}"/>
-              </a:ext>
-            </a:extLst>
-          </p:cNvPr>
-          <p:cNvSpPr>
-            <a:spLocks noGrp="1"/>
-          </p:cNvSpPr>
-          <p:nvPr>
-            <p:ph type="title"/>
-          </p:nvPr>
-        </p:nvSpPr>
-        <p:spPr/>
-        <p:txBody>
-          <a:bodyPr/>
-          <a:lstStyle/>
-          <a:p>
-            <a:endParaRPr lang="de-DE" dirty="0"/>
-          </a:p>
-        </p:txBody>
-      </p:sp>
-      <p:sp>
-        <p:nvSpPr>
-          <p:cNvPr id="3" name="Content Placeholder 2">
-            <a:extLst>
-              <a:ext uri="{FF2B5EF4-FFF2-40B4-BE49-F238E27FC236}">
-                <a16:creationId xmlns:a16="http://schemas.microsoft.com/office/drawing/2014/main" id="{F6B1112F-CC43-C741-A5AC-E2406C8709D1}"/>
-              </a:ext>
-            </a:extLst>
-          </p:cNvPr>
-          <p:cNvSpPr>
-            <a:spLocks noGrp="1"/>
-          </p:cNvSpPr>
-          <p:nvPr>
-            <p:ph idx="1"/>
-          </p:nvPr>
-        </p:nvSpPr>
-        <p:spPr/>
-        <p:txBody>
-          <a:bodyPr/>
-          <a:lstStyle/>
-          <a:p>
-            <a:endParaRPr lang="de-DE"/>
-          </a:p>
-        </p:txBody>
-      </p:sp>
-    </p:spTree>
-    <p:extLst>
-      <p:ext uri="{BB962C8B-B14F-4D97-AF65-F5344CB8AC3E}">
-        <p14:creationId xmlns:p14="http://schemas.microsoft.com/office/powerpoint/2010/main" val="3032047895"/>
-      </p:ext>
-    </p:extLst>
-  </p:cSld>
-  <p:clrMapOvr>
-    <a:masterClrMapping/>
-  </p:clrMapOvr>
-</p:sld>
-</file>
-
-<file path=ppt/slides/slide44.xml><?xml version="1.0" encoding="utf-8"?>
-<p:sld xmlns:a="http://schemas.openxmlformats.org/drawingml/2006/main" xmlns:r="http://schemas.openxmlformats.org/officeDocument/2006/relationships" xmlns:p="http://schemas.openxmlformats.org/presentationml/2006/main">
-  <p:cSld>
-    <p:spTree>
-      <p:nvGrpSpPr>
-        <p:cNvPr id="1" name=""/>
-        <p:cNvGrpSpPr/>
-        <p:nvPr/>
-      </p:nvGrpSpPr>
-      <p:grpSpPr>
-        <a:xfrm>
-          <a:off x="0" y="0"/>
-          <a:ext cx="0" cy="0"/>
-          <a:chOff x="0" y="0"/>
-          <a:chExt cx="0" cy="0"/>
-        </a:xfrm>
-      </p:grpSpPr>
-      <p:sp>
-        <p:nvSpPr>
-          <p:cNvPr id="2" name="Title 1">
-            <a:extLst>
-              <a:ext uri="{FF2B5EF4-FFF2-40B4-BE49-F238E27FC236}">
-                <a16:creationId xmlns:a16="http://schemas.microsoft.com/office/drawing/2014/main" id="{5F008BA8-4B71-044A-ADB5-A3233D475177}"/>
-              </a:ext>
-            </a:extLst>
-          </p:cNvPr>
-          <p:cNvSpPr>
-            <a:spLocks noGrp="1"/>
-          </p:cNvSpPr>
-          <p:nvPr>
-            <p:ph type="title"/>
-          </p:nvPr>
-        </p:nvSpPr>
-        <p:spPr/>
-        <p:txBody>
-          <a:bodyPr/>
-          <a:lstStyle/>
-          <a:p>
-            <a:endParaRPr lang="de-DE"/>
-          </a:p>
-        </p:txBody>
-      </p:sp>
-      <p:sp>
-        <p:nvSpPr>
-          <p:cNvPr id="3" name="Content Placeholder 2">
-            <a:extLst>
-              <a:ext uri="{FF2B5EF4-FFF2-40B4-BE49-F238E27FC236}">
-                <a16:creationId xmlns:a16="http://schemas.microsoft.com/office/drawing/2014/main" id="{21B6648B-EE7D-CE43-8D9E-FFFD9A9C3EAB}"/>
-              </a:ext>
-            </a:extLst>
-          </p:cNvPr>
-          <p:cNvSpPr>
-            <a:spLocks noGrp="1"/>
-          </p:cNvSpPr>
-          <p:nvPr>
-            <p:ph idx="1"/>
-          </p:nvPr>
-        </p:nvSpPr>
-        <p:spPr/>
-        <p:txBody>
-          <a:bodyPr/>
-          <a:lstStyle/>
-          <a:p>
-            <a:endParaRPr lang="de-DE"/>
-          </a:p>
-        </p:txBody>
-      </p:sp>
-    </p:spTree>
-    <p:extLst>
-      <p:ext uri="{BB962C8B-B14F-4D97-AF65-F5344CB8AC3E}">
-        <p14:creationId xmlns:p14="http://schemas.microsoft.com/office/powerpoint/2010/main" val="3819405721"/>
-      </p:ext>
-    </p:extLst>
-  </p:cSld>
-  <p:clrMapOvr>
-    <a:masterClrMapping/>
-  </p:clrMapOvr>
-</p:sld>
-</file>
-
-<file path=ppt/slides/slide45.xml><?xml version="1.0" encoding="utf-8"?>
 <p:sld xmlns:a="http://schemas.openxmlformats.org/drawingml/2006/main" xmlns:r="http://schemas.openxmlformats.org/officeDocument/2006/relationships" xmlns:p="http://schemas.openxmlformats.org/presentationml/2006/main">
   <p:cSld>
     <p:bg>
@@ -21694,7 +19463,7 @@
 </p:sld>
 </file>
 
-<file path=ppt/slides/slide46.xml><?xml version="1.0" encoding="utf-8"?>
+<file path=ppt/slides/slide42.xml><?xml version="1.0" encoding="utf-8"?>
 <p:sld xmlns:a="http://schemas.openxmlformats.org/drawingml/2006/main" xmlns:r="http://schemas.openxmlformats.org/officeDocument/2006/relationships" xmlns:p="http://schemas.openxmlformats.org/presentationml/2006/main">
   <p:cSld>
     <p:bg>
@@ -22289,7 +20058,7 @@
 </p:sld>
 </file>
 
-<file path=ppt/slides/slide47.xml><?xml version="1.0" encoding="utf-8"?>
+<file path=ppt/slides/slide43.xml><?xml version="1.0" encoding="utf-8"?>
 <p:sld xmlns:a="http://schemas.openxmlformats.org/drawingml/2006/main" xmlns:r="http://schemas.openxmlformats.org/officeDocument/2006/relationships" xmlns:p="http://schemas.openxmlformats.org/presentationml/2006/main">
   <p:cSld>
     <p:bg>
@@ -22858,7 +20627,7 @@
 </p:sld>
 </file>
 
-<file path=ppt/slides/slide48.xml><?xml version="1.0" encoding="utf-8"?>
+<file path=ppt/slides/slide44.xml><?xml version="1.0" encoding="utf-8"?>
 <p:sld xmlns:a="http://schemas.openxmlformats.org/drawingml/2006/main" xmlns:r="http://schemas.openxmlformats.org/officeDocument/2006/relationships" xmlns:p="http://schemas.openxmlformats.org/presentationml/2006/main">
   <p:cSld>
     <p:bg>
@@ -23461,7 +21230,7 @@
 </p:sld>
 </file>
 
-<file path=ppt/slides/slide49.xml><?xml version="1.0" encoding="utf-8"?>
+<file path=ppt/slides/slide45.xml><?xml version="1.0" encoding="utf-8"?>
 <p:sld xmlns:a="http://schemas.openxmlformats.org/drawingml/2006/main" xmlns:r="http://schemas.openxmlformats.org/officeDocument/2006/relationships" xmlns:p="http://schemas.openxmlformats.org/presentationml/2006/main">
   <p:cSld>
     <p:spTree>
@@ -23596,6 +21365,458 @@
     <p:extLst>
       <p:ext uri="{BB962C8B-B14F-4D97-AF65-F5344CB8AC3E}">
         <p14:creationId xmlns:p14="http://schemas.microsoft.com/office/powerpoint/2010/main" val="2994903066"/>
+      </p:ext>
+    </p:extLst>
+  </p:cSld>
+  <p:clrMapOvr>
+    <a:masterClrMapping/>
+  </p:clrMapOvr>
+</p:sld>
+</file>
+
+<file path=ppt/slides/slide46.xml><?xml version="1.0" encoding="utf-8"?>
+<p:sld xmlns:a="http://schemas.openxmlformats.org/drawingml/2006/main" xmlns:r="http://schemas.openxmlformats.org/officeDocument/2006/relationships" xmlns:p="http://schemas.openxmlformats.org/presentationml/2006/main">
+  <p:cSld>
+    <p:spTree>
+      <p:nvGrpSpPr>
+        <p:cNvPr id="1" name=""/>
+        <p:cNvGrpSpPr/>
+        <p:nvPr/>
+      </p:nvGrpSpPr>
+      <p:grpSpPr>
+        <a:xfrm>
+          <a:off x="0" y="0"/>
+          <a:ext cx="0" cy="0"/>
+          <a:chOff x="0" y="0"/>
+          <a:chExt cx="0" cy="0"/>
+        </a:xfrm>
+      </p:grpSpPr>
+      <p:sp>
+        <p:nvSpPr>
+          <p:cNvPr id="2" name="Title 1">
+            <a:extLst>
+              <a:ext uri="{FF2B5EF4-FFF2-40B4-BE49-F238E27FC236}">
+                <a16:creationId xmlns:a16="http://schemas.microsoft.com/office/drawing/2014/main" id="{7E5C521F-75E5-1447-A3B9-7F0E63188FF0}"/>
+              </a:ext>
+            </a:extLst>
+          </p:cNvPr>
+          <p:cNvSpPr>
+            <a:spLocks noGrp="1"/>
+          </p:cNvSpPr>
+          <p:nvPr>
+            <p:ph type="title"/>
+          </p:nvPr>
+        </p:nvSpPr>
+        <p:spPr/>
+        <p:txBody>
+          <a:bodyPr/>
+          <a:lstStyle/>
+          <a:p>
+            <a:r>
+              <a:rPr lang="de-DE" b="1" u="sng" dirty="0"/>
+              <a:t>Anhang</a:t>
+            </a:r>
+            <a:r>
+              <a:rPr lang="de-DE" b="1" dirty="0"/>
+              <a:t>: Verweise auf </a:t>
+            </a:r>
+            <a:r>
+              <a:rPr lang="de-DE" b="1" dirty="0" err="1"/>
+              <a:t>Github</a:t>
+            </a:r>
+            <a:r>
+              <a:rPr lang="de-DE" b="1" dirty="0"/>
+              <a:t>-Dateien (I)</a:t>
+            </a:r>
+          </a:p>
+        </p:txBody>
+      </p:sp>
+      <p:sp>
+        <p:nvSpPr>
+          <p:cNvPr id="3" name="Content Placeholder 2">
+            <a:extLst>
+              <a:ext uri="{FF2B5EF4-FFF2-40B4-BE49-F238E27FC236}">
+                <a16:creationId xmlns:a16="http://schemas.microsoft.com/office/drawing/2014/main" id="{6FA75357-B2B6-3D41-88E3-B65217516C23}"/>
+              </a:ext>
+            </a:extLst>
+          </p:cNvPr>
+          <p:cNvSpPr>
+            <a:spLocks noGrp="1"/>
+          </p:cNvSpPr>
+          <p:nvPr>
+            <p:ph idx="1"/>
+          </p:nvPr>
+        </p:nvSpPr>
+        <p:spPr>
+          <a:xfrm>
+            <a:off x="596900" y="2478024"/>
+            <a:ext cx="10686796" cy="4208526"/>
+          </a:xfrm>
+        </p:spPr>
+        <p:txBody>
+          <a:bodyPr/>
+          <a:lstStyle/>
+          <a:p>
+            <a:r>
+              <a:rPr lang="de-DE" sz="3000" i="1" dirty="0" err="1"/>
+              <a:t>clustering</a:t>
+            </a:r>
+            <a:r>
+              <a:rPr lang="de-DE" sz="3000" i="1" dirty="0"/>
+              <a:t>/</a:t>
+            </a:r>
+            <a:r>
+              <a:rPr lang="de-DE" sz="3000" i="1" dirty="0" err="1"/>
+              <a:t>app</a:t>
+            </a:r>
+            <a:r>
+              <a:rPr lang="de-DE" sz="3000" i="1" dirty="0"/>
+              <a:t>/</a:t>
+            </a:r>
+            <a:r>
+              <a:rPr lang="de-DE" sz="3000" i="1" dirty="0" err="1"/>
+              <a:t>corpus_modification.ipynb</a:t>
+            </a:r>
+            <a:endParaRPr lang="de-DE" sz="3000" i="1" dirty="0"/>
+          </a:p>
+          <a:p>
+            <a:pPr lvl="1"/>
+            <a:r>
+              <a:rPr lang="de-DE" sz="3000" b="1" dirty="0"/>
+              <a:t>Kapitel 2</a:t>
+            </a:r>
+          </a:p>
+          <a:p>
+            <a:pPr lvl="2"/>
+            <a:r>
+              <a:rPr lang="de-DE" sz="3000" b="1" dirty="0"/>
+              <a:t>Zusammenfassung von Gedichten eines Dichters</a:t>
+            </a:r>
+          </a:p>
+          <a:p>
+            <a:pPr lvl="2"/>
+            <a:r>
+              <a:rPr lang="de-DE" sz="3000" b="1" dirty="0"/>
+              <a:t>Ursprüngliches Korpus</a:t>
+            </a:r>
+          </a:p>
+          <a:p>
+            <a:pPr lvl="2"/>
+            <a:r>
+              <a:rPr lang="de-DE" sz="3000" b="1" dirty="0"/>
+              <a:t>Zusammengefasstes Korpus</a:t>
+            </a:r>
+          </a:p>
+          <a:p>
+            <a:endParaRPr lang="de-DE" sz="1600" dirty="0"/>
+          </a:p>
+          <a:p>
+            <a:endParaRPr lang="de-DE" dirty="0"/>
+          </a:p>
+        </p:txBody>
+      </p:sp>
+    </p:spTree>
+    <p:extLst>
+      <p:ext uri="{BB962C8B-B14F-4D97-AF65-F5344CB8AC3E}">
+        <p14:creationId xmlns:p14="http://schemas.microsoft.com/office/powerpoint/2010/main" val="2243088867"/>
+      </p:ext>
+    </p:extLst>
+  </p:cSld>
+  <p:clrMapOvr>
+    <a:masterClrMapping/>
+  </p:clrMapOvr>
+</p:sld>
+</file>
+
+<file path=ppt/slides/slide47.xml><?xml version="1.0" encoding="utf-8"?>
+<p:sld xmlns:a="http://schemas.openxmlformats.org/drawingml/2006/main" xmlns:r="http://schemas.openxmlformats.org/officeDocument/2006/relationships" xmlns:p="http://schemas.openxmlformats.org/presentationml/2006/main">
+  <p:cSld>
+    <p:spTree>
+      <p:nvGrpSpPr>
+        <p:cNvPr id="1" name=""/>
+        <p:cNvGrpSpPr/>
+        <p:nvPr/>
+      </p:nvGrpSpPr>
+      <p:grpSpPr>
+        <a:xfrm>
+          <a:off x="0" y="0"/>
+          <a:ext cx="0" cy="0"/>
+          <a:chOff x="0" y="0"/>
+          <a:chExt cx="0" cy="0"/>
+        </a:xfrm>
+      </p:grpSpPr>
+      <p:sp>
+        <p:nvSpPr>
+          <p:cNvPr id="2" name="Title 1">
+            <a:extLst>
+              <a:ext uri="{FF2B5EF4-FFF2-40B4-BE49-F238E27FC236}">
+                <a16:creationId xmlns:a16="http://schemas.microsoft.com/office/drawing/2014/main" id="{7E5C521F-75E5-1447-A3B9-7F0E63188FF0}"/>
+              </a:ext>
+            </a:extLst>
+          </p:cNvPr>
+          <p:cNvSpPr>
+            <a:spLocks noGrp="1"/>
+          </p:cNvSpPr>
+          <p:nvPr>
+            <p:ph type="title"/>
+          </p:nvPr>
+        </p:nvSpPr>
+        <p:spPr/>
+        <p:txBody>
+          <a:bodyPr>
+            <a:normAutofit fontScale="90000"/>
+          </a:bodyPr>
+          <a:lstStyle/>
+          <a:p>
+            <a:r>
+              <a:rPr lang="de-DE" b="1" u="sng" dirty="0"/>
+              <a:t>Anhang</a:t>
+            </a:r>
+            <a:r>
+              <a:rPr lang="de-DE" b="1" dirty="0"/>
+              <a:t>: Verweise auf </a:t>
+            </a:r>
+            <a:r>
+              <a:rPr lang="de-DE" b="1" dirty="0" err="1"/>
+              <a:t>Github</a:t>
+            </a:r>
+            <a:r>
+              <a:rPr lang="de-DE" b="1" dirty="0"/>
+              <a:t>-Dateien (II)</a:t>
+            </a:r>
+          </a:p>
+        </p:txBody>
+      </p:sp>
+      <p:sp>
+        <p:nvSpPr>
+          <p:cNvPr id="3" name="Content Placeholder 2">
+            <a:extLst>
+              <a:ext uri="{FF2B5EF4-FFF2-40B4-BE49-F238E27FC236}">
+                <a16:creationId xmlns:a16="http://schemas.microsoft.com/office/drawing/2014/main" id="{6FA75357-B2B6-3D41-88E3-B65217516C23}"/>
+              </a:ext>
+            </a:extLst>
+          </p:cNvPr>
+          <p:cNvSpPr>
+            <a:spLocks noGrp="1"/>
+          </p:cNvSpPr>
+          <p:nvPr>
+            <p:ph idx="1"/>
+          </p:nvPr>
+        </p:nvSpPr>
+        <p:spPr>
+          <a:xfrm>
+            <a:off x="596900" y="2478024"/>
+            <a:ext cx="10686796" cy="4208526"/>
+          </a:xfrm>
+        </p:spPr>
+        <p:txBody>
+          <a:bodyPr/>
+          <a:lstStyle/>
+          <a:p>
+            <a:r>
+              <a:rPr lang="de-DE" sz="3000" i="1" dirty="0" err="1"/>
+              <a:t>clustering</a:t>
+            </a:r>
+            <a:r>
+              <a:rPr lang="de-DE" sz="3000" i="1" dirty="0"/>
+              <a:t>/</a:t>
+            </a:r>
+            <a:r>
+              <a:rPr lang="de-DE" sz="3000" i="1" dirty="0" err="1"/>
+              <a:t>app</a:t>
+            </a:r>
+            <a:r>
+              <a:rPr lang="de-DE" sz="3000" i="1" dirty="0"/>
+              <a:t>/</a:t>
+            </a:r>
+            <a:r>
+              <a:rPr lang="de-DE" sz="3000" i="1" dirty="0" err="1"/>
+              <a:t>whole_corpus.ipynb</a:t>
+            </a:r>
+            <a:endParaRPr lang="de-DE" sz="3000" i="1" dirty="0"/>
+          </a:p>
+          <a:p>
+            <a:pPr lvl="1"/>
+            <a:r>
+              <a:rPr lang="de-DE" sz="3000" b="1" dirty="0"/>
+              <a:t>Kapitel 4</a:t>
+            </a:r>
+          </a:p>
+          <a:p>
+            <a:pPr lvl="2"/>
+            <a:r>
+              <a:rPr lang="de-DE" sz="3000" b="1" dirty="0"/>
+              <a:t>UMAP. Alle Epochen</a:t>
+            </a:r>
+          </a:p>
+          <a:p>
+            <a:pPr lvl="2"/>
+            <a:r>
+              <a:rPr lang="de-DE" sz="3000" b="1" dirty="0"/>
+              <a:t>K-</a:t>
+            </a:r>
+            <a:r>
+              <a:rPr lang="de-DE" sz="3000" b="1" dirty="0" err="1"/>
+              <a:t>Means</a:t>
+            </a:r>
+            <a:r>
+              <a:rPr lang="de-DE" sz="3000" b="1" dirty="0"/>
+              <a:t>. Alle Epochen</a:t>
+            </a:r>
+          </a:p>
+          <a:p>
+            <a:endParaRPr lang="de-DE" sz="1600" dirty="0"/>
+          </a:p>
+        </p:txBody>
+      </p:sp>
+    </p:spTree>
+    <p:extLst>
+      <p:ext uri="{BB962C8B-B14F-4D97-AF65-F5344CB8AC3E}">
+        <p14:creationId xmlns:p14="http://schemas.microsoft.com/office/powerpoint/2010/main" val="1617347345"/>
+      </p:ext>
+    </p:extLst>
+  </p:cSld>
+  <p:clrMapOvr>
+    <a:masterClrMapping/>
+  </p:clrMapOvr>
+</p:sld>
+</file>
+
+<file path=ppt/slides/slide48.xml><?xml version="1.0" encoding="utf-8"?>
+<p:sld xmlns:a="http://schemas.openxmlformats.org/drawingml/2006/main" xmlns:r="http://schemas.openxmlformats.org/officeDocument/2006/relationships" xmlns:p="http://schemas.openxmlformats.org/presentationml/2006/main">
+  <p:cSld>
+    <p:spTree>
+      <p:nvGrpSpPr>
+        <p:cNvPr id="1" name=""/>
+        <p:cNvGrpSpPr/>
+        <p:nvPr/>
+      </p:nvGrpSpPr>
+      <p:grpSpPr>
+        <a:xfrm>
+          <a:off x="0" y="0"/>
+          <a:ext cx="0" cy="0"/>
+          <a:chOff x="0" y="0"/>
+          <a:chExt cx="0" cy="0"/>
+        </a:xfrm>
+      </p:grpSpPr>
+      <p:sp>
+        <p:nvSpPr>
+          <p:cNvPr id="2" name="Title 1">
+            <a:extLst>
+              <a:ext uri="{FF2B5EF4-FFF2-40B4-BE49-F238E27FC236}">
+                <a16:creationId xmlns:a16="http://schemas.microsoft.com/office/drawing/2014/main" id="{7E5C521F-75E5-1447-A3B9-7F0E63188FF0}"/>
+              </a:ext>
+            </a:extLst>
+          </p:cNvPr>
+          <p:cNvSpPr>
+            <a:spLocks noGrp="1"/>
+          </p:cNvSpPr>
+          <p:nvPr>
+            <p:ph type="title"/>
+          </p:nvPr>
+        </p:nvSpPr>
+        <p:spPr/>
+        <p:txBody>
+          <a:bodyPr>
+            <a:normAutofit fontScale="90000"/>
+          </a:bodyPr>
+          <a:lstStyle/>
+          <a:p>
+            <a:r>
+              <a:rPr lang="de-DE" b="1" u="sng" dirty="0"/>
+              <a:t>Anhang</a:t>
+            </a:r>
+            <a:r>
+              <a:rPr lang="de-DE" b="1" dirty="0"/>
+              <a:t>: Verweise auf </a:t>
+            </a:r>
+            <a:r>
+              <a:rPr lang="de-DE" b="1" dirty="0" err="1"/>
+              <a:t>Github</a:t>
+            </a:r>
+            <a:r>
+              <a:rPr lang="de-DE" b="1" dirty="0"/>
+              <a:t>-Dateien (III)</a:t>
+            </a:r>
+          </a:p>
+        </p:txBody>
+      </p:sp>
+      <p:sp>
+        <p:nvSpPr>
+          <p:cNvPr id="3" name="Content Placeholder 2">
+            <a:extLst>
+              <a:ext uri="{FF2B5EF4-FFF2-40B4-BE49-F238E27FC236}">
+                <a16:creationId xmlns:a16="http://schemas.microsoft.com/office/drawing/2014/main" id="{6FA75357-B2B6-3D41-88E3-B65217516C23}"/>
+              </a:ext>
+            </a:extLst>
+          </p:cNvPr>
+          <p:cNvSpPr>
+            <a:spLocks noGrp="1"/>
+          </p:cNvSpPr>
+          <p:nvPr>
+            <p:ph idx="1"/>
+          </p:nvPr>
+        </p:nvSpPr>
+        <p:spPr>
+          <a:xfrm>
+            <a:off x="596900" y="2478024"/>
+            <a:ext cx="10686796" cy="4208526"/>
+          </a:xfrm>
+        </p:spPr>
+        <p:txBody>
+          <a:bodyPr/>
+          <a:lstStyle/>
+          <a:p>
+            <a:r>
+              <a:rPr lang="de-DE" sz="3000" i="1" dirty="0" err="1"/>
+              <a:t>clustering</a:t>
+            </a:r>
+            <a:r>
+              <a:rPr lang="de-DE" sz="3000" i="1" dirty="0"/>
+              <a:t>/</a:t>
+            </a:r>
+            <a:r>
+              <a:rPr lang="de-DE" sz="3000" i="1" dirty="0" err="1"/>
+              <a:t>app</a:t>
+            </a:r>
+            <a:r>
+              <a:rPr lang="de-DE" sz="3000" i="1" dirty="0"/>
+              <a:t>/</a:t>
+            </a:r>
+            <a:r>
+              <a:rPr lang="de-DE" sz="3000" i="1" dirty="0" err="1"/>
+              <a:t>evaluation.ipynb</a:t>
+            </a:r>
+            <a:endParaRPr lang="de-DE" sz="3000" i="1" dirty="0"/>
+          </a:p>
+          <a:p>
+            <a:pPr lvl="1"/>
+            <a:r>
+              <a:rPr lang="de-DE" sz="3000" b="1" dirty="0"/>
+              <a:t>Kapitel 4</a:t>
+            </a:r>
+          </a:p>
+          <a:p>
+            <a:pPr lvl="2"/>
+            <a:r>
+              <a:rPr lang="en-US" sz="3000" b="1" dirty="0"/>
+              <a:t>K-Means , DBSCAN, K-Medoids</a:t>
+            </a:r>
+            <a:endParaRPr lang="de-DE" sz="3000" b="1" dirty="0"/>
+          </a:p>
+          <a:p>
+            <a:pPr lvl="2"/>
+            <a:endParaRPr lang="de-DE" sz="1800" b="1" dirty="0"/>
+          </a:p>
+          <a:p>
+            <a:endParaRPr lang="de-DE" sz="1600" dirty="0"/>
+          </a:p>
+        </p:txBody>
+      </p:sp>
+    </p:spTree>
+    <p:extLst>
+      <p:ext uri="{BB962C8B-B14F-4D97-AF65-F5344CB8AC3E}">
+        <p14:creationId xmlns:p14="http://schemas.microsoft.com/office/powerpoint/2010/main" val="3599517966"/>
       </p:ext>
     </p:extLst>
   </p:cSld>
@@ -23734,136 +21955,6 @@
     <p:extLst>
       <p:ext uri="{BB962C8B-B14F-4D97-AF65-F5344CB8AC3E}">
         <p14:creationId xmlns:p14="http://schemas.microsoft.com/office/powerpoint/2010/main" val="1964201011"/>
-      </p:ext>
-    </p:extLst>
-  </p:cSld>
-  <p:clrMapOvr>
-    <a:masterClrMapping/>
-  </p:clrMapOvr>
-</p:sld>
-</file>
-
-<file path=ppt/slides/slide50.xml><?xml version="1.0" encoding="utf-8"?>
-<p:sld xmlns:a="http://schemas.openxmlformats.org/drawingml/2006/main" xmlns:r="http://schemas.openxmlformats.org/officeDocument/2006/relationships" xmlns:p="http://schemas.openxmlformats.org/presentationml/2006/main">
-  <p:cSld>
-    <p:spTree>
-      <p:nvGrpSpPr>
-        <p:cNvPr id="1" name=""/>
-        <p:cNvGrpSpPr/>
-        <p:nvPr/>
-      </p:nvGrpSpPr>
-      <p:grpSpPr>
-        <a:xfrm>
-          <a:off x="0" y="0"/>
-          <a:ext cx="0" cy="0"/>
-          <a:chOff x="0" y="0"/>
-          <a:chExt cx="0" cy="0"/>
-        </a:xfrm>
-      </p:grpSpPr>
-      <p:sp>
-        <p:nvSpPr>
-          <p:cNvPr id="2" name="Title 1">
-            <a:extLst>
-              <a:ext uri="{FF2B5EF4-FFF2-40B4-BE49-F238E27FC236}">
-                <a16:creationId xmlns:a16="http://schemas.microsoft.com/office/drawing/2014/main" id="{7E5C521F-75E5-1447-A3B9-7F0E63188FF0}"/>
-              </a:ext>
-            </a:extLst>
-          </p:cNvPr>
-          <p:cNvSpPr>
-            <a:spLocks noGrp="1"/>
-          </p:cNvSpPr>
-          <p:nvPr>
-            <p:ph type="title"/>
-          </p:nvPr>
-        </p:nvSpPr>
-        <p:spPr/>
-        <p:txBody>
-          <a:bodyPr/>
-          <a:lstStyle/>
-          <a:p>
-            <a:r>
-              <a:rPr lang="de-DE" b="1" u="sng" dirty="0"/>
-              <a:t>Anhang</a:t>
-            </a:r>
-            <a:r>
-              <a:rPr lang="de-DE" b="1" dirty="0"/>
-              <a:t>: Verweise auf </a:t>
-            </a:r>
-            <a:r>
-              <a:rPr lang="de-DE" b="1" dirty="0" err="1"/>
-              <a:t>Github</a:t>
-            </a:r>
-            <a:r>
-              <a:rPr lang="de-DE" b="1" dirty="0"/>
-              <a:t>-Dateien</a:t>
-            </a:r>
-          </a:p>
-        </p:txBody>
-      </p:sp>
-      <p:sp>
-        <p:nvSpPr>
-          <p:cNvPr id="3" name="Content Placeholder 2">
-            <a:extLst>
-              <a:ext uri="{FF2B5EF4-FFF2-40B4-BE49-F238E27FC236}">
-                <a16:creationId xmlns:a16="http://schemas.microsoft.com/office/drawing/2014/main" id="{6FA75357-B2B6-3D41-88E3-B65217516C23}"/>
-              </a:ext>
-            </a:extLst>
-          </p:cNvPr>
-          <p:cNvSpPr>
-            <a:spLocks noGrp="1"/>
-          </p:cNvSpPr>
-          <p:nvPr>
-            <p:ph idx="1"/>
-          </p:nvPr>
-        </p:nvSpPr>
-        <p:spPr>
-          <a:xfrm>
-            <a:off x="596900" y="2478024"/>
-            <a:ext cx="10686796" cy="3694176"/>
-          </a:xfrm>
-        </p:spPr>
-        <p:txBody>
-          <a:bodyPr/>
-          <a:lstStyle/>
-          <a:p>
-            <a:pPr marL="0" indent="0">
-              <a:buNone/>
-            </a:pPr>
-            <a:r>
-              <a:rPr lang="de-DE" sz="1600" b="1" dirty="0"/>
-              <a:t>Kapitel 2. Zusammenfassung von Gedichten eines Dichters: </a:t>
-            </a:r>
-            <a:r>
-              <a:rPr lang="de-DE" sz="1600" i="1" dirty="0" err="1"/>
-              <a:t>clustering</a:t>
-            </a:r>
-            <a:r>
-              <a:rPr lang="de-DE" sz="1600" i="1" dirty="0"/>
-              <a:t>/</a:t>
-            </a:r>
-            <a:r>
-              <a:rPr lang="de-DE" sz="1600" i="1" dirty="0" err="1"/>
-              <a:t>app</a:t>
-            </a:r>
-            <a:r>
-              <a:rPr lang="de-DE" sz="1600" i="1" dirty="0"/>
-              <a:t>/</a:t>
-            </a:r>
-            <a:r>
-              <a:rPr lang="de-DE" sz="1600" i="1" dirty="0" err="1"/>
-              <a:t>corpus_modification.ipynb</a:t>
-            </a:r>
-            <a:endParaRPr lang="de-DE" sz="1600" dirty="0"/>
-          </a:p>
-          <a:p>
-            <a:endParaRPr lang="de-DE" dirty="0"/>
-          </a:p>
-        </p:txBody>
-      </p:sp>
-    </p:spTree>
-    <p:extLst>
-      <p:ext uri="{BB962C8B-B14F-4D97-AF65-F5344CB8AC3E}">
-        <p14:creationId xmlns:p14="http://schemas.microsoft.com/office/powerpoint/2010/main" val="1617347345"/>
       </p:ext>
     </p:extLst>
   </p:cSld>

--- a/presentation/clustering_presentation.pptx
+++ b/presentation/clustering_presentation.pptx
@@ -5,7 +5,7 @@
     <p:sldMasterId id="2147483732" r:id="rId1"/>
   </p:sldMasterIdLst>
   <p:notesMasterIdLst>
-    <p:notesMasterId r:id="rId50"/>
+    <p:notesMasterId r:id="rId49"/>
   </p:notesMasterIdLst>
   <p:sldIdLst>
     <p:sldId id="256" r:id="rId2"/>
@@ -24,38 +24,37 @@
     <p:sldId id="291" r:id="rId15"/>
     <p:sldId id="292" r:id="rId16"/>
     <p:sldId id="303" r:id="rId17"/>
-    <p:sldId id="323" r:id="rId18"/>
-    <p:sldId id="294" r:id="rId19"/>
-    <p:sldId id="312" r:id="rId20"/>
-    <p:sldId id="324" r:id="rId21"/>
-    <p:sldId id="361" r:id="rId22"/>
-    <p:sldId id="360" r:id="rId23"/>
-    <p:sldId id="331" r:id="rId24"/>
-    <p:sldId id="355" r:id="rId25"/>
-    <p:sldId id="353" r:id="rId26"/>
-    <p:sldId id="301" r:id="rId27"/>
-    <p:sldId id="315" r:id="rId28"/>
-    <p:sldId id="340" r:id="rId29"/>
-    <p:sldId id="326" r:id="rId30"/>
-    <p:sldId id="347" r:id="rId31"/>
-    <p:sldId id="337" r:id="rId32"/>
-    <p:sldId id="343" r:id="rId33"/>
-    <p:sldId id="338" r:id="rId34"/>
-    <p:sldId id="344" r:id="rId35"/>
-    <p:sldId id="304" r:id="rId36"/>
-    <p:sldId id="345" r:id="rId37"/>
-    <p:sldId id="346" r:id="rId38"/>
-    <p:sldId id="321" r:id="rId39"/>
-    <p:sldId id="348" r:id="rId40"/>
-    <p:sldId id="332" r:id="rId41"/>
-    <p:sldId id="311" r:id="rId42"/>
-    <p:sldId id="319" r:id="rId43"/>
-    <p:sldId id="314" r:id="rId44"/>
-    <p:sldId id="317" r:id="rId45"/>
-    <p:sldId id="302" r:id="rId46"/>
-    <p:sldId id="363" r:id="rId47"/>
-    <p:sldId id="356" r:id="rId48"/>
-    <p:sldId id="362" r:id="rId49"/>
+    <p:sldId id="324" r:id="rId18"/>
+    <p:sldId id="312" r:id="rId19"/>
+    <p:sldId id="361" r:id="rId20"/>
+    <p:sldId id="360" r:id="rId21"/>
+    <p:sldId id="331" r:id="rId22"/>
+    <p:sldId id="294" r:id="rId23"/>
+    <p:sldId id="355" r:id="rId24"/>
+    <p:sldId id="353" r:id="rId25"/>
+    <p:sldId id="301" r:id="rId26"/>
+    <p:sldId id="315" r:id="rId27"/>
+    <p:sldId id="340" r:id="rId28"/>
+    <p:sldId id="326" r:id="rId29"/>
+    <p:sldId id="347" r:id="rId30"/>
+    <p:sldId id="337" r:id="rId31"/>
+    <p:sldId id="343" r:id="rId32"/>
+    <p:sldId id="338" r:id="rId33"/>
+    <p:sldId id="344" r:id="rId34"/>
+    <p:sldId id="304" r:id="rId35"/>
+    <p:sldId id="345" r:id="rId36"/>
+    <p:sldId id="346" r:id="rId37"/>
+    <p:sldId id="321" r:id="rId38"/>
+    <p:sldId id="348" r:id="rId39"/>
+    <p:sldId id="332" r:id="rId40"/>
+    <p:sldId id="311" r:id="rId41"/>
+    <p:sldId id="319" r:id="rId42"/>
+    <p:sldId id="314" r:id="rId43"/>
+    <p:sldId id="317" r:id="rId44"/>
+    <p:sldId id="302" r:id="rId45"/>
+    <p:sldId id="363" r:id="rId46"/>
+    <p:sldId id="356" r:id="rId47"/>
+    <p:sldId id="362" r:id="rId48"/>
   </p:sldIdLst>
   <p:sldSz cx="12192000" cy="6858000"/>
   <p:notesSz cx="6858000" cy="9144000"/>
@@ -244,7 +243,7 @@
           <a:p>
             <a:fld id="{5191E409-3F0E-F149-AA52-0AF25D227FF4}" type="datetimeFigureOut">
               <a:rPr lang="de-DE" smtClean="0"/>
-              <a:t>08.07.20</a:t>
+              <a:t>10.07.20</a:t>
             </a:fld>
             <a:endParaRPr lang="de-DE"/>
           </a:p>
@@ -1226,145 +1225,9 @@
           <a:bodyPr/>
           <a:lstStyle/>
           <a:p>
-            <a:pPr marL="171450" indent="-171450">
-              <a:buFont typeface="Arial" panose="020B0604020202020204" pitchFamily="34" charset="0"/>
-              <a:buChar char="•"/>
-            </a:pPr>
-            <a:r>
-              <a:rPr lang="de-DE" b="0" dirty="0"/>
-              <a:t>Sortiert nach </a:t>
-            </a:r>
-            <a:r>
-              <a:rPr lang="de-DE" b="1" dirty="0"/>
-              <a:t>K-</a:t>
-            </a:r>
-            <a:r>
-              <a:rPr lang="de-DE" b="1" dirty="0" err="1"/>
-              <a:t>Means</a:t>
-            </a:r>
-            <a:endParaRPr lang="de-DE" b="1" dirty="0"/>
-          </a:p>
-          <a:p>
-            <a:pPr marL="171450" indent="-171450">
-              <a:buFont typeface="Arial" panose="020B0604020202020204" pitchFamily="34" charset="0"/>
-              <a:buChar char="•"/>
-            </a:pPr>
-            <a:r>
-              <a:rPr lang="de-DE" b="1" dirty="0"/>
-              <a:t>K-</a:t>
-            </a:r>
-            <a:r>
-              <a:rPr lang="de-DE" b="1" dirty="0" err="1"/>
-              <a:t>Medoids</a:t>
-            </a:r>
-            <a:r>
-              <a:rPr lang="de-DE" b="1" dirty="0"/>
-              <a:t> </a:t>
-            </a:r>
-            <a:r>
-              <a:rPr lang="de-DE" b="0" dirty="0"/>
-              <a:t>ist ähnlich wie K-</a:t>
-            </a:r>
-            <a:r>
-              <a:rPr lang="de-DE" b="0" dirty="0" err="1"/>
-              <a:t>Means</a:t>
-            </a:r>
-            <a:r>
-              <a:rPr lang="de-DE" b="0" dirty="0"/>
-              <a:t>, nimmt jedoch existierende Datenpunkte als </a:t>
-            </a:r>
-            <a:r>
-              <a:rPr lang="de-DE" b="0" dirty="0" err="1"/>
-              <a:t>Centroide</a:t>
-            </a:r>
-            <a:r>
-              <a:rPr lang="de-DE" b="0" dirty="0"/>
-              <a:t>.</a:t>
-            </a:r>
-            <a:r>
-              <a:rPr lang="de-DE" b="1" dirty="0"/>
-              <a:t> K-</a:t>
-            </a:r>
-            <a:r>
-              <a:rPr lang="de-DE" b="1" dirty="0" err="1"/>
-              <a:t>Medoids</a:t>
-            </a:r>
-            <a:r>
-              <a:rPr lang="de-DE" b="0" dirty="0"/>
-              <a:t> nicht von </a:t>
-            </a:r>
-            <a:r>
-              <a:rPr lang="de-DE" b="0" dirty="0" err="1"/>
-              <a:t>Sklearn</a:t>
-            </a:r>
-            <a:r>
-              <a:rPr lang="de-DE" b="0" dirty="0"/>
-              <a:t> selbst, </a:t>
-            </a:r>
-            <a:r>
-              <a:rPr lang="de-DE" b="0" dirty="0" err="1"/>
-              <a:t>sonder</a:t>
-            </a:r>
-            <a:r>
-              <a:rPr lang="de-DE" b="0" dirty="0"/>
-              <a:t> von </a:t>
-            </a:r>
-            <a:r>
-              <a:rPr lang="de-DE" b="0" i="1" dirty="0" err="1"/>
-              <a:t>sklearn.extra</a:t>
-            </a:r>
-            <a:endParaRPr lang="de-DE" b="1" dirty="0"/>
-          </a:p>
-          <a:p>
-            <a:pPr marL="171450" indent="-171450">
-              <a:buFont typeface="Arial" panose="020B0604020202020204" pitchFamily="34" charset="0"/>
-              <a:buChar char="•"/>
-            </a:pPr>
-            <a:r>
-              <a:rPr lang="de-DE" b="0" dirty="0"/>
-              <a:t>Bei </a:t>
-            </a:r>
-            <a:r>
-              <a:rPr lang="de-DE" b="1" dirty="0"/>
-              <a:t>K-</a:t>
-            </a:r>
-            <a:r>
-              <a:rPr lang="de-DE" b="1" dirty="0" err="1"/>
-              <a:t>Medoids</a:t>
-            </a:r>
-            <a:r>
-              <a:rPr lang="de-DE" b="1" dirty="0"/>
-              <a:t> </a:t>
-            </a:r>
-            <a:r>
-              <a:rPr lang="de-DE" b="0" dirty="0"/>
-              <a:t>6 von 7 Epochenpaare in Top 7 beinhalten </a:t>
-            </a:r>
-            <a:r>
-              <a:rPr lang="de-DE" b="1" dirty="0"/>
-              <a:t>Barock</a:t>
-            </a:r>
-          </a:p>
-          <a:p>
-            <a:pPr marL="171450" indent="-171450">
-              <a:buFont typeface="Arial" panose="020B0604020202020204" pitchFamily="34" charset="0"/>
-              <a:buChar char="•"/>
-            </a:pPr>
-            <a:r>
-              <a:rPr lang="de-DE" b="1" dirty="0"/>
-              <a:t>GMM</a:t>
-            </a:r>
-            <a:r>
-              <a:rPr lang="de-DE" b="0" dirty="0"/>
-              <a:t> nur bei zwei Epocheneinteilungen besser, ansonsten ähnlich gut oder schlechter als K-</a:t>
-            </a:r>
-            <a:r>
-              <a:rPr lang="de-DE" b="0" dirty="0" err="1"/>
-              <a:t>Means</a:t>
-            </a:r>
-            <a:r>
-              <a:rPr lang="de-DE" b="0" dirty="0"/>
-              <a:t>.</a:t>
+            <a:r>
+              <a:rPr lang="de-DE" dirty="0"/>
+              <a:t>ACHTUNG: Jahre sind hier Mittelwerte der Jahre aller Gedichte der häufigsten Epoche des Dichters</a:t>
             </a:r>
           </a:p>
         </p:txBody>
@@ -1386,7 +1249,7 @@
           <a:p>
             <a:fld id="{49FFD0F6-1B54-1D42-B676-41E105B9815E}" type="slidenum">
               <a:rPr lang="de-DE" smtClean="0"/>
-              <a:t>24</a:t>
+              <a:t>26</a:t>
             </a:fld>
             <a:endParaRPr lang="de-DE"/>
           </a:p>
@@ -1395,7 +1258,7 @@
     </p:spTree>
     <p:extLst>
       <p:ext uri="{BB962C8B-B14F-4D97-AF65-F5344CB8AC3E}">
-        <p14:creationId xmlns:p14="http://schemas.microsoft.com/office/powerpoint/2010/main" val="4215004953"/>
+        <p14:creationId xmlns:p14="http://schemas.microsoft.com/office/powerpoint/2010/main" val="1412957019"/>
       </p:ext>
     </p:extLst>
   </p:cSld>
@@ -1449,10 +1312,11 @@
           <a:bodyPr/>
           <a:lstStyle/>
           <a:p>
-            <a:r>
-              <a:rPr lang="de-DE" dirty="0"/>
-              <a:t>ACHTUNG: Jahre sind hier Mittelwerte der Jahre aller Gedichte der häufigsten Epoche des Dichters</a:t>
-            </a:r>
+            <a:pPr marL="171450" indent="-171450">
+              <a:buFont typeface="Arial" panose="020B0604020202020204" pitchFamily="34" charset="0"/>
+              <a:buChar char="•"/>
+            </a:pPr>
+            <a:endParaRPr lang="de-DE" dirty="0"/>
           </a:p>
         </p:txBody>
       </p:sp>
@@ -1482,7 +1346,7 @@
     </p:spTree>
     <p:extLst>
       <p:ext uri="{BB962C8B-B14F-4D97-AF65-F5344CB8AC3E}">
-        <p14:creationId xmlns:p14="http://schemas.microsoft.com/office/powerpoint/2010/main" val="1412957019"/>
+        <p14:creationId xmlns:p14="http://schemas.microsoft.com/office/powerpoint/2010/main" val="2937078823"/>
       </p:ext>
     </p:extLst>
   </p:cSld>
@@ -1536,11 +1400,10 @@
           <a:bodyPr/>
           <a:lstStyle/>
           <a:p>
-            <a:pPr marL="171450" indent="-171450">
-              <a:buFont typeface="Arial" panose="020B0604020202020204" pitchFamily="34" charset="0"/>
-              <a:buChar char="•"/>
-            </a:pPr>
-            <a:endParaRPr lang="de-DE" dirty="0"/>
+            <a:r>
+              <a:rPr lang="de-DE" dirty="0"/>
+              <a:t>Problem Romantik: zu wenig Gedichte!!!</a:t>
+            </a:r>
           </a:p>
         </p:txBody>
       </p:sp>
@@ -1570,7 +1433,7 @@
     </p:spTree>
     <p:extLst>
       <p:ext uri="{BB962C8B-B14F-4D97-AF65-F5344CB8AC3E}">
-        <p14:creationId xmlns:p14="http://schemas.microsoft.com/office/powerpoint/2010/main" val="2937078823"/>
+        <p14:creationId xmlns:p14="http://schemas.microsoft.com/office/powerpoint/2010/main" val="241253233"/>
       </p:ext>
     </p:extLst>
   </p:cSld>
@@ -1624,10 +1487,11 @@
           <a:bodyPr/>
           <a:lstStyle/>
           <a:p>
-            <a:r>
-              <a:rPr lang="de-DE" dirty="0"/>
-              <a:t>Problem Romantik: zu wenig Gedichte!!!</a:t>
-            </a:r>
+            <a:pPr marL="171450" indent="-171450">
+              <a:buFont typeface="Arial" panose="020B0604020202020204" pitchFamily="34" charset="0"/>
+              <a:buChar char="•"/>
+            </a:pPr>
+            <a:endParaRPr lang="de-DE" dirty="0"/>
           </a:p>
         </p:txBody>
       </p:sp>
@@ -1648,7 +1512,7 @@
           <a:p>
             <a:fld id="{49FFD0F6-1B54-1D42-B676-41E105B9815E}" type="slidenum">
               <a:rPr lang="de-DE" smtClean="0"/>
-              <a:t>29</a:t>
+              <a:t>31</a:t>
             </a:fld>
             <a:endParaRPr lang="de-DE"/>
           </a:p>
@@ -1657,7 +1521,7 @@
     </p:spTree>
     <p:extLst>
       <p:ext uri="{BB962C8B-B14F-4D97-AF65-F5344CB8AC3E}">
-        <p14:creationId xmlns:p14="http://schemas.microsoft.com/office/powerpoint/2010/main" val="241253233"/>
+        <p14:creationId xmlns:p14="http://schemas.microsoft.com/office/powerpoint/2010/main" val="292854540"/>
       </p:ext>
     </p:extLst>
   </p:cSld>
@@ -1711,11 +1575,10 @@
           <a:bodyPr/>
           <a:lstStyle/>
           <a:p>
-            <a:pPr marL="171450" indent="-171450">
-              <a:buFont typeface="Arial" panose="020B0604020202020204" pitchFamily="34" charset="0"/>
-              <a:buChar char="•"/>
-            </a:pPr>
-            <a:endParaRPr lang="de-DE" dirty="0"/>
+            <a:r>
+              <a:rPr lang="de-DE" dirty="0"/>
+              <a:t>Dimensionsreduktion mit 3 Dimensionen</a:t>
+            </a:r>
           </a:p>
         </p:txBody>
       </p:sp>
@@ -1736,7 +1599,7 @@
           <a:p>
             <a:fld id="{49FFD0F6-1B54-1D42-B676-41E105B9815E}" type="slidenum">
               <a:rPr lang="de-DE" smtClean="0"/>
-              <a:t>32</a:t>
+              <a:t>39</a:t>
             </a:fld>
             <a:endParaRPr lang="de-DE"/>
           </a:p>
@@ -1745,7 +1608,7 @@
     </p:spTree>
     <p:extLst>
       <p:ext uri="{BB962C8B-B14F-4D97-AF65-F5344CB8AC3E}">
-        <p14:creationId xmlns:p14="http://schemas.microsoft.com/office/powerpoint/2010/main" val="292854540"/>
+        <p14:creationId xmlns:p14="http://schemas.microsoft.com/office/powerpoint/2010/main" val="1537695427"/>
       </p:ext>
     </p:extLst>
   </p:cSld>
@@ -1799,9 +1662,18 @@
           <a:bodyPr/>
           <a:lstStyle/>
           <a:p>
+            <a:pPr algn="l"/>
             <a:r>
               <a:rPr lang="de-DE" dirty="0"/>
-              <a:t>Dimensionsreduktion mit 3 Dimensionen</a:t>
+              <a:t>K-</a:t>
+            </a:r>
+            <a:r>
+              <a:rPr lang="de-DE" dirty="0" err="1"/>
+              <a:t>Means</a:t>
+            </a:r>
+            <a:r>
+              <a:rPr lang="de-DE" dirty="0"/>
+              <a:t> auf hochdimensionale Daten</a:t>
             </a:r>
           </a:p>
         </p:txBody>
@@ -1832,7 +1704,7 @@
     </p:spTree>
     <p:extLst>
       <p:ext uri="{BB962C8B-B14F-4D97-AF65-F5344CB8AC3E}">
-        <p14:creationId xmlns:p14="http://schemas.microsoft.com/office/powerpoint/2010/main" val="1537695427"/>
+        <p14:creationId xmlns:p14="http://schemas.microsoft.com/office/powerpoint/2010/main" val="2134904752"/>
       </p:ext>
     </p:extLst>
   </p:cSld>
@@ -1928,7 +1800,7 @@
     </p:spTree>
     <p:extLst>
       <p:ext uri="{BB962C8B-B14F-4D97-AF65-F5344CB8AC3E}">
-        <p14:creationId xmlns:p14="http://schemas.microsoft.com/office/powerpoint/2010/main" val="2134904752"/>
+        <p14:creationId xmlns:p14="http://schemas.microsoft.com/office/powerpoint/2010/main" val="3426150485"/>
       </p:ext>
     </p:extLst>
   </p:cSld>
@@ -1982,18 +1854,27 @@
           <a:bodyPr/>
           <a:lstStyle/>
           <a:p>
-            <a:pPr algn="l"/>
             <a:r>
               <a:rPr lang="de-DE" dirty="0"/>
-              <a:t>K-</a:t>
-            </a:r>
-            <a:r>
-              <a:rPr lang="de-DE" dirty="0" err="1"/>
-              <a:t>Means</a:t>
-            </a:r>
+              <a:t>ACHTUNG: Jahre sind hier Mittelwerte der Jahre aller Gedichte des Dichters</a:t>
+            </a:r>
+          </a:p>
+          <a:p>
             <a:r>
               <a:rPr lang="de-DE" dirty="0"/>
-              <a:t> auf hochdimensionale Daten</a:t>
+              <a:t>IN KLAMMERN: Verteilung der Großteil der Jahre</a:t>
+            </a:r>
+          </a:p>
+          <a:p>
+            <a:r>
+              <a:rPr lang="de-DE" dirty="0"/>
+              <a:t>Frühbarock: 1600-1650</a:t>
+            </a:r>
+          </a:p>
+          <a:p>
+            <a:r>
+              <a:rPr lang="de-DE" dirty="0"/>
+              <a:t>Hochbarock: 1650-1700 (1720)</a:t>
             </a:r>
           </a:p>
         </p:txBody>
@@ -2024,7 +1905,7 @@
     </p:spTree>
     <p:extLst>
       <p:ext uri="{BB962C8B-B14F-4D97-AF65-F5344CB8AC3E}">
-        <p14:creationId xmlns:p14="http://schemas.microsoft.com/office/powerpoint/2010/main" val="3426150485"/>
+        <p14:creationId xmlns:p14="http://schemas.microsoft.com/office/powerpoint/2010/main" val="1629050767"/>
       </p:ext>
     </p:extLst>
   </p:cSld>
@@ -2078,28 +1959,8 @@
           <a:bodyPr/>
           <a:lstStyle/>
           <a:p>
-            <a:r>
-              <a:rPr lang="de-DE" dirty="0"/>
-              <a:t>ACHTUNG: Jahre sind hier Mittelwerte der Jahre aller Gedichte des Dichters</a:t>
-            </a:r>
-          </a:p>
-          <a:p>
-            <a:r>
-              <a:rPr lang="de-DE" dirty="0"/>
-              <a:t>IN KLAMMERN: Verteilung der Großteil der Jahre</a:t>
-            </a:r>
-          </a:p>
-          <a:p>
-            <a:r>
-              <a:rPr lang="de-DE" dirty="0"/>
-              <a:t>Frühbarock: 1600-1650</a:t>
-            </a:r>
-          </a:p>
-          <a:p>
-            <a:r>
-              <a:rPr lang="de-DE" dirty="0"/>
-              <a:t>Hochbarock: 1650-1700 (1720)</a:t>
-            </a:r>
+            <a:pPr algn="l"/>
+            <a:endParaRPr lang="de-DE" dirty="0"/>
           </a:p>
         </p:txBody>
       </p:sp>
@@ -2121,91 +1982,6 @@
             <a:fld id="{49FFD0F6-1B54-1D42-B676-41E105B9815E}" type="slidenum">
               <a:rPr lang="de-DE" smtClean="0"/>
               <a:t>43</a:t>
-            </a:fld>
-            <a:endParaRPr lang="de-DE"/>
-          </a:p>
-        </p:txBody>
-      </p:sp>
-    </p:spTree>
-    <p:extLst>
-      <p:ext uri="{BB962C8B-B14F-4D97-AF65-F5344CB8AC3E}">
-        <p14:creationId xmlns:p14="http://schemas.microsoft.com/office/powerpoint/2010/main" val="1629050767"/>
-      </p:ext>
-    </p:extLst>
-  </p:cSld>
-  <p:clrMapOvr>
-    <a:masterClrMapping/>
-  </p:clrMapOvr>
-</p:notes>
-</file>
-
-<file path=ppt/notesSlides/notesSlide19.xml><?xml version="1.0" encoding="utf-8"?>
-<p:notes xmlns:a="http://schemas.openxmlformats.org/drawingml/2006/main" xmlns:r="http://schemas.openxmlformats.org/officeDocument/2006/relationships" xmlns:p="http://schemas.openxmlformats.org/presentationml/2006/main">
-  <p:cSld>
-    <p:spTree>
-      <p:nvGrpSpPr>
-        <p:cNvPr id="1" name=""/>
-        <p:cNvGrpSpPr/>
-        <p:nvPr/>
-      </p:nvGrpSpPr>
-      <p:grpSpPr>
-        <a:xfrm>
-          <a:off x="0" y="0"/>
-          <a:ext cx="0" cy="0"/>
-          <a:chOff x="0" y="0"/>
-          <a:chExt cx="0" cy="0"/>
-        </a:xfrm>
-      </p:grpSpPr>
-      <p:sp>
-        <p:nvSpPr>
-          <p:cNvPr id="2" name="Slide Image Placeholder 1"/>
-          <p:cNvSpPr>
-            <a:spLocks noGrp="1" noRot="1" noChangeAspect="1"/>
-          </p:cNvSpPr>
-          <p:nvPr>
-            <p:ph type="sldImg"/>
-          </p:nvPr>
-        </p:nvSpPr>
-        <p:spPr/>
-      </p:sp>
-      <p:sp>
-        <p:nvSpPr>
-          <p:cNvPr id="3" name="Notes Placeholder 2"/>
-          <p:cNvSpPr>
-            <a:spLocks noGrp="1"/>
-          </p:cNvSpPr>
-          <p:nvPr>
-            <p:ph type="body" idx="1"/>
-          </p:nvPr>
-        </p:nvSpPr>
-        <p:spPr/>
-        <p:txBody>
-          <a:bodyPr/>
-          <a:lstStyle/>
-          <a:p>
-            <a:pPr algn="l"/>
-            <a:endParaRPr lang="de-DE" dirty="0"/>
-          </a:p>
-        </p:txBody>
-      </p:sp>
-      <p:sp>
-        <p:nvSpPr>
-          <p:cNvPr id="4" name="Slide Number Placeholder 3"/>
-          <p:cNvSpPr>
-            <a:spLocks noGrp="1"/>
-          </p:cNvSpPr>
-          <p:nvPr>
-            <p:ph type="sldNum" sz="quarter" idx="5"/>
-          </p:nvPr>
-        </p:nvSpPr>
-        <p:spPr/>
-        <p:txBody>
-          <a:bodyPr/>
-          <a:lstStyle/>
-          <a:p>
-            <a:fld id="{49FFD0F6-1B54-1D42-B676-41E105B9815E}" type="slidenum">
-              <a:rPr lang="de-DE" smtClean="0"/>
-              <a:t>44</a:t>
             </a:fld>
             <a:endParaRPr lang="de-DE"/>
           </a:p>
@@ -2628,6 +2404,18 @@
               </a:rPr>
               <a:t>Als Erscheinungsjahr wurde der Mittelwerte aller Gedichte des Dichter in der Epoche verwendet</a:t>
             </a:r>
+          </a:p>
+          <a:p>
+            <a:pPr marL="171450" indent="-171450">
+              <a:buFont typeface="Arial" panose="020B0604020202020204" pitchFamily="34" charset="0"/>
+              <a:buChar char="•"/>
+            </a:pPr>
+            <a:r>
+              <a:rPr lang="de-DE" dirty="0">
+                <a:sym typeface="Wingdings" pitchFamily="2" charset="2"/>
+              </a:rPr>
+              <a:t>Nur Gedichte mit mindestens 1000 Tokens wurden verwendet</a:t>
+            </a:r>
             <a:endParaRPr lang="de-DE" dirty="0"/>
           </a:p>
         </p:txBody>
@@ -2658,7 +2446,7 @@
     </p:spTree>
     <p:extLst>
       <p:ext uri="{BB962C8B-B14F-4D97-AF65-F5344CB8AC3E}">
-        <p14:creationId xmlns:p14="http://schemas.microsoft.com/office/powerpoint/2010/main" val="732517769"/>
+        <p14:creationId xmlns:p14="http://schemas.microsoft.com/office/powerpoint/2010/main" val="2907066937"/>
       </p:ext>
     </p:extLst>
   </p:cSld>
@@ -2946,6 +2734,9 @@
               <a:cs typeface="+mn-cs"/>
             </a:endParaRPr>
           </a:p>
+          <a:p>
+            <a:endParaRPr lang="de-DE" dirty="0"/>
+          </a:p>
         </p:txBody>
       </p:sp>
       <p:sp>
@@ -2974,7 +2765,7 @@
     </p:spTree>
     <p:extLst>
       <p:ext uri="{BB962C8B-B14F-4D97-AF65-F5344CB8AC3E}">
-        <p14:creationId xmlns:p14="http://schemas.microsoft.com/office/powerpoint/2010/main" val="1857125067"/>
+        <p14:creationId xmlns:p14="http://schemas.microsoft.com/office/powerpoint/2010/main" val="1549894748"/>
       </p:ext>
     </p:extLst>
   </p:cSld>
@@ -3028,241 +2819,10 @@
           <a:bodyPr/>
           <a:lstStyle/>
           <a:p>
-            <a:r>
-              <a:rPr lang="de-DE" b="1" noProof="0" dirty="0" err="1"/>
-              <a:t>Adjusted</a:t>
-            </a:r>
-            <a:r>
-              <a:rPr lang="de-DE" b="1" noProof="0" dirty="0"/>
-              <a:t> Rand Index:</a:t>
-            </a:r>
-          </a:p>
-          <a:p>
             <a:pPr marL="171450" indent="-171450">
               <a:buFont typeface="Arial" panose="020B0604020202020204" pitchFamily="34" charset="0"/>
               <a:buChar char="•"/>
             </a:pPr>
-            <a:r>
-              <a:rPr lang="de-DE" noProof="0" dirty="0"/>
-              <a:t>+1: </a:t>
-            </a:r>
-            <a:r>
-              <a:rPr lang="de-DE" sz="1200" b="0" i="0" kern="1200" noProof="0" dirty="0">
-                <a:solidFill>
-                  <a:schemeClr val="tx1"/>
-                </a:solidFill>
-                <a:effectLst/>
-                <a:latin typeface="+mn-lt"/>
-                <a:ea typeface="+mn-ea"/>
-                <a:cs typeface="+mn-cs"/>
-              </a:rPr>
-              <a:t>sehr gutes Ergebnis</a:t>
-            </a:r>
-          </a:p>
-          <a:p>
-            <a:pPr marL="171450" indent="-171450">
-              <a:buFont typeface="Arial" panose="020B0604020202020204" pitchFamily="34" charset="0"/>
-              <a:buChar char="•"/>
-            </a:pPr>
-            <a:r>
-              <a:rPr lang="de-DE" sz="1200" b="0" i="0" kern="1200" noProof="0" dirty="0">
-                <a:solidFill>
-                  <a:schemeClr val="tx1"/>
-                </a:solidFill>
-                <a:effectLst/>
-                <a:latin typeface="+mn-lt"/>
-                <a:ea typeface="+mn-ea"/>
-                <a:cs typeface="+mn-cs"/>
-              </a:rPr>
-              <a:t>0: Zufallsverteilung </a:t>
-            </a:r>
-          </a:p>
-          <a:p>
-            <a:pPr marL="171450" indent="-171450">
-              <a:buFont typeface="Arial" panose="020B0604020202020204" pitchFamily="34" charset="0"/>
-              <a:buChar char="•"/>
-            </a:pPr>
-            <a:r>
-              <a:rPr lang="de-DE" sz="1200" b="0" i="0" kern="1200" noProof="0" dirty="0">
-                <a:solidFill>
-                  <a:schemeClr val="tx1"/>
-                </a:solidFill>
-                <a:effectLst/>
-                <a:latin typeface="+mn-lt"/>
-                <a:ea typeface="+mn-ea"/>
-                <a:cs typeface="+mn-cs"/>
-              </a:rPr>
-              <a:t>-1: nicht zufälliges, aber falsches </a:t>
-            </a:r>
-            <a:r>
-              <a:rPr lang="de-DE" sz="1200" b="0" i="0" kern="1200" noProof="0" dirty="0" err="1">
-                <a:solidFill>
-                  <a:schemeClr val="tx1"/>
-                </a:solidFill>
-                <a:effectLst/>
-                <a:latin typeface="+mn-lt"/>
-                <a:ea typeface="+mn-ea"/>
-                <a:cs typeface="+mn-cs"/>
-              </a:rPr>
-              <a:t>Labeling</a:t>
-            </a:r>
-            <a:endParaRPr lang="de-DE" sz="1200" b="0" i="0" kern="1200" noProof="0" dirty="0">
-              <a:solidFill>
-                <a:schemeClr val="tx1"/>
-              </a:solidFill>
-              <a:effectLst/>
-              <a:latin typeface="+mn-lt"/>
-              <a:ea typeface="+mn-ea"/>
-              <a:cs typeface="+mn-cs"/>
-            </a:endParaRPr>
-          </a:p>
-          <a:p>
-            <a:pPr marL="171450" indent="-171450">
-              <a:buFont typeface="Arial" panose="020B0604020202020204" pitchFamily="34" charset="0"/>
-              <a:buChar char="•"/>
-            </a:pPr>
-            <a:endParaRPr lang="de-DE" sz="1200" b="0" i="0" kern="1200" noProof="0" dirty="0">
-              <a:solidFill>
-                <a:schemeClr val="tx1"/>
-              </a:solidFill>
-              <a:effectLst/>
-              <a:latin typeface="+mn-lt"/>
-              <a:ea typeface="+mn-ea"/>
-              <a:cs typeface="+mn-cs"/>
-            </a:endParaRPr>
-          </a:p>
-          <a:p>
-            <a:pPr marL="0" indent="0">
-              <a:buFont typeface="Arial" panose="020B0604020202020204" pitchFamily="34" charset="0"/>
-              <a:buNone/>
-            </a:pPr>
-            <a:r>
-              <a:rPr lang="de-DE" sz="1200" b="1" i="0" kern="1200" noProof="0" dirty="0">
-                <a:solidFill>
-                  <a:schemeClr val="tx1"/>
-                </a:solidFill>
-                <a:effectLst/>
-                <a:latin typeface="+mn-lt"/>
-                <a:ea typeface="+mn-ea"/>
-                <a:cs typeface="+mn-cs"/>
-              </a:rPr>
-              <a:t>V-</a:t>
-            </a:r>
-            <a:r>
-              <a:rPr lang="de-DE" sz="1200" b="1" i="0" kern="1200" noProof="0" dirty="0" err="1">
-                <a:solidFill>
-                  <a:schemeClr val="tx1"/>
-                </a:solidFill>
-                <a:effectLst/>
-                <a:latin typeface="+mn-lt"/>
-                <a:ea typeface="+mn-ea"/>
-                <a:cs typeface="+mn-cs"/>
-              </a:rPr>
-              <a:t>Measure</a:t>
-            </a:r>
-            <a:r>
-              <a:rPr lang="de-DE" sz="1200" b="1" i="0" kern="1200" noProof="0" dirty="0">
-                <a:solidFill>
-                  <a:schemeClr val="tx1"/>
-                </a:solidFill>
-                <a:effectLst/>
-                <a:latin typeface="+mn-lt"/>
-                <a:ea typeface="+mn-ea"/>
-                <a:cs typeface="+mn-cs"/>
-              </a:rPr>
-              <a:t>: </a:t>
-            </a:r>
-            <a:r>
-              <a:rPr lang="de-DE" sz="1200" b="0" i="0" kern="1200" noProof="0" dirty="0">
-                <a:solidFill>
-                  <a:schemeClr val="tx1"/>
-                </a:solidFill>
-                <a:effectLst/>
-                <a:latin typeface="+mn-lt"/>
-                <a:ea typeface="+mn-ea"/>
-                <a:cs typeface="+mn-cs"/>
-              </a:rPr>
-              <a:t>Harmonisches Mittel zwischen </a:t>
-            </a:r>
-            <a:r>
-              <a:rPr lang="en-GB" i="1" dirty="0">
-                <a:effectLst/>
-              </a:rPr>
-              <a:t>homogeneity</a:t>
-            </a:r>
-            <a:r>
-              <a:rPr lang="en-GB" dirty="0"/>
-              <a:t> (</a:t>
-            </a:r>
-            <a:r>
-              <a:rPr lang="en-GB" dirty="0" err="1"/>
-              <a:t>wie</a:t>
-            </a:r>
-            <a:r>
-              <a:rPr lang="en-GB" dirty="0"/>
-              <a:t> </a:t>
-            </a:r>
-            <a:r>
-              <a:rPr lang="en-GB" dirty="0" err="1"/>
-              <a:t>homogen</a:t>
-            </a:r>
-            <a:r>
-              <a:rPr lang="en-GB" dirty="0"/>
-              <a:t> </a:t>
-            </a:r>
-            <a:r>
-              <a:rPr lang="en-GB" dirty="0" err="1"/>
-              <a:t>sind</a:t>
-            </a:r>
-            <a:r>
-              <a:rPr lang="en-GB" dirty="0"/>
-              <a:t> Cluster) &amp; </a:t>
-            </a:r>
-            <a:r>
-              <a:rPr lang="en-GB" i="1" dirty="0">
-                <a:effectLst/>
-              </a:rPr>
-              <a:t>completeness</a:t>
-            </a:r>
-            <a:r>
-              <a:rPr lang="en-GB" dirty="0"/>
-              <a:t> (</a:t>
-            </a:r>
-            <a:r>
-              <a:rPr lang="en-GB" dirty="0" err="1"/>
-              <a:t>wie</a:t>
-            </a:r>
-            <a:r>
-              <a:rPr lang="en-GB" dirty="0"/>
-              <a:t> </a:t>
-            </a:r>
-            <a:r>
-              <a:rPr lang="en-GB" dirty="0" err="1"/>
-              <a:t>vollständig</a:t>
-            </a:r>
-            <a:r>
-              <a:rPr lang="en-GB" dirty="0"/>
-              <a:t> </a:t>
-            </a:r>
-            <a:r>
-              <a:rPr lang="en-GB" dirty="0" err="1"/>
-              <a:t>sind</a:t>
-            </a:r>
-            <a:r>
-              <a:rPr lang="en-GB" dirty="0"/>
-              <a:t> Cluster)</a:t>
-            </a:r>
-            <a:endParaRPr lang="de-DE" sz="1200" b="0" i="0" kern="1200" noProof="0" dirty="0">
-              <a:solidFill>
-                <a:schemeClr val="tx1"/>
-              </a:solidFill>
-              <a:effectLst/>
-              <a:latin typeface="+mn-lt"/>
-              <a:ea typeface="+mn-ea"/>
-              <a:cs typeface="+mn-cs"/>
-            </a:endParaRPr>
-          </a:p>
-          <a:p>
             <a:endParaRPr lang="de-DE" dirty="0"/>
           </a:p>
         </p:txBody>
@@ -3284,7 +2844,7 @@
           <a:p>
             <a:fld id="{49FFD0F6-1B54-1D42-B676-41E105B9815E}" type="slidenum">
               <a:rPr lang="de-DE" smtClean="0"/>
-              <a:t>19</a:t>
+              <a:t>21</a:t>
             </a:fld>
             <a:endParaRPr lang="de-DE"/>
           </a:p>
@@ -3293,7 +2853,7 @@
     </p:spTree>
     <p:extLst>
       <p:ext uri="{BB962C8B-B14F-4D97-AF65-F5344CB8AC3E}">
-        <p14:creationId xmlns:p14="http://schemas.microsoft.com/office/powerpoint/2010/main" val="1549894748"/>
+        <p14:creationId xmlns:p14="http://schemas.microsoft.com/office/powerpoint/2010/main" val="410681100"/>
       </p:ext>
     </p:extLst>
   </p:cSld>
@@ -3347,19 +2907,35 @@
           <a:bodyPr/>
           <a:lstStyle/>
           <a:p>
+            <a:r>
+              <a:rPr lang="de-DE" b="1" noProof="0" dirty="0" err="1"/>
+              <a:t>Adjusted</a:t>
+            </a:r>
+            <a:r>
+              <a:rPr lang="de-DE" b="1" noProof="0" dirty="0"/>
+              <a:t> Rand Index:</a:t>
+            </a:r>
+          </a:p>
+          <a:p>
             <a:pPr marL="171450" indent="-171450">
               <a:buFont typeface="Arial" panose="020B0604020202020204" pitchFamily="34" charset="0"/>
               <a:buChar char="•"/>
             </a:pPr>
             <a:r>
-              <a:rPr lang="de-DE" dirty="0"/>
-              <a:t>Dichter mit 5 oder weniger Gedichten wurden entfernt </a:t>
-            </a:r>
-            <a:r>
-              <a:rPr lang="de-DE" dirty="0">
-                <a:sym typeface="Wingdings" pitchFamily="2" charset="2"/>
+              <a:rPr lang="de-DE" noProof="0" dirty="0"/>
+              <a:t>+1: </a:t>
+            </a:r>
+            <a:r>
+              <a:rPr lang="de-DE" sz="1200" b="0" i="0" kern="1200" noProof="0" dirty="0">
+                <a:solidFill>
+                  <a:schemeClr val="tx1"/>
+                </a:solidFill>
+                <a:effectLst/>
+                <a:latin typeface="+mn-lt"/>
+                <a:ea typeface="+mn-ea"/>
+                <a:cs typeface="+mn-cs"/>
               </a:rPr>
-              <a:t> um nicht andere Signale zu erhalten</a:t>
+              <a:t>sehr gutes Ergebnis</a:t>
             </a:r>
           </a:p>
           <a:p>
@@ -3368,10 +2944,16 @@
               <a:buChar char="•"/>
             </a:pPr>
             <a:r>
-              <a:rPr lang="de-DE" dirty="0">
-                <a:sym typeface="Wingdings" pitchFamily="2" charset="2"/>
+              <a:rPr lang="de-DE" sz="1200" b="0" i="0" kern="1200" noProof="0" dirty="0">
+                <a:solidFill>
+                  <a:schemeClr val="tx1"/>
+                </a:solidFill>
+                <a:effectLst/>
+                <a:latin typeface="+mn-lt"/>
+                <a:ea typeface="+mn-ea"/>
+                <a:cs typeface="+mn-cs"/>
               </a:rPr>
-              <a:t>Verschiedene Epochen von Gedichten eines Dichters wurden vorher getrennt</a:t>
+              <a:t>0: Zufallsverteilung </a:t>
             </a:r>
           </a:p>
           <a:p>
@@ -3380,24 +2962,184 @@
               <a:buChar char="•"/>
             </a:pPr>
             <a:r>
-              <a:rPr lang="de-DE" dirty="0">
-                <a:sym typeface="Wingdings" pitchFamily="2" charset="2"/>
+              <a:rPr lang="de-DE" sz="1200" b="0" i="0" kern="1200" noProof="0" dirty="0">
+                <a:solidFill>
+                  <a:schemeClr val="tx1"/>
+                </a:solidFill>
+                <a:effectLst/>
+                <a:latin typeface="+mn-lt"/>
+                <a:ea typeface="+mn-ea"/>
+                <a:cs typeface="+mn-cs"/>
               </a:rPr>
-              <a:t>Als Erscheinungsjahr wurde der Mittelwerte aller Gedichte des Dichter in der Epoche verwendet</a:t>
-            </a:r>
+              <a:t>-1: nicht zufälliges, aber falsches </a:t>
+            </a:r>
+            <a:r>
+              <a:rPr lang="de-DE" sz="1200" b="0" i="0" kern="1200" noProof="0" dirty="0" err="1">
+                <a:solidFill>
+                  <a:schemeClr val="tx1"/>
+                </a:solidFill>
+                <a:effectLst/>
+                <a:latin typeface="+mn-lt"/>
+                <a:ea typeface="+mn-ea"/>
+                <a:cs typeface="+mn-cs"/>
+              </a:rPr>
+              <a:t>Labeling</a:t>
+            </a:r>
+            <a:endParaRPr lang="de-DE" sz="1200" b="0" i="0" kern="1200" noProof="0" dirty="0">
+              <a:solidFill>
+                <a:schemeClr val="tx1"/>
+              </a:solidFill>
+              <a:effectLst/>
+              <a:latin typeface="+mn-lt"/>
+              <a:ea typeface="+mn-ea"/>
+              <a:cs typeface="+mn-cs"/>
+            </a:endParaRPr>
           </a:p>
           <a:p>
             <a:pPr marL="171450" indent="-171450">
               <a:buFont typeface="Arial" panose="020B0604020202020204" pitchFamily="34" charset="0"/>
               <a:buChar char="•"/>
             </a:pPr>
-            <a:r>
-              <a:rPr lang="de-DE" dirty="0">
-                <a:sym typeface="Wingdings" pitchFamily="2" charset="2"/>
+            <a:endParaRPr lang="de-DE" sz="1200" b="0" i="0" kern="1200" noProof="0" dirty="0">
+              <a:solidFill>
+                <a:schemeClr val="tx1"/>
+              </a:solidFill>
+              <a:effectLst/>
+              <a:latin typeface="+mn-lt"/>
+              <a:ea typeface="+mn-ea"/>
+              <a:cs typeface="+mn-cs"/>
+            </a:endParaRPr>
+          </a:p>
+          <a:p>
+            <a:pPr marL="0" indent="0">
+              <a:buFont typeface="Arial" panose="020B0604020202020204" pitchFamily="34" charset="0"/>
+              <a:buNone/>
+            </a:pPr>
+            <a:r>
+              <a:rPr lang="de-DE" sz="1200" b="1" i="0" kern="1200" noProof="0" dirty="0">
+                <a:solidFill>
+                  <a:schemeClr val="tx1"/>
+                </a:solidFill>
+                <a:effectLst/>
+                <a:latin typeface="+mn-lt"/>
+                <a:ea typeface="+mn-ea"/>
+                <a:cs typeface="+mn-cs"/>
               </a:rPr>
-              <a:t>Nur Gedichte mit mindestens 1000 Tokens wurden verwendet</a:t>
-            </a:r>
-            <a:endParaRPr lang="de-DE" dirty="0"/>
+              <a:t>V-</a:t>
+            </a:r>
+            <a:r>
+              <a:rPr lang="de-DE" sz="1200" b="1" i="0" kern="1200" noProof="0" dirty="0" err="1">
+                <a:solidFill>
+                  <a:schemeClr val="tx1"/>
+                </a:solidFill>
+                <a:effectLst/>
+                <a:latin typeface="+mn-lt"/>
+                <a:ea typeface="+mn-ea"/>
+                <a:cs typeface="+mn-cs"/>
+              </a:rPr>
+              <a:t>Measure</a:t>
+            </a:r>
+            <a:r>
+              <a:rPr lang="de-DE" sz="1200" b="1" i="0" kern="1200" noProof="0" dirty="0">
+                <a:solidFill>
+                  <a:schemeClr val="tx1"/>
+                </a:solidFill>
+                <a:effectLst/>
+                <a:latin typeface="+mn-lt"/>
+                <a:ea typeface="+mn-ea"/>
+                <a:cs typeface="+mn-cs"/>
+              </a:rPr>
+              <a:t>: </a:t>
+            </a:r>
+            <a:r>
+              <a:rPr lang="de-DE" sz="1200" b="0" i="0" kern="1200" noProof="0" dirty="0">
+                <a:solidFill>
+                  <a:schemeClr val="tx1"/>
+                </a:solidFill>
+                <a:effectLst/>
+                <a:latin typeface="+mn-lt"/>
+                <a:ea typeface="+mn-ea"/>
+                <a:cs typeface="+mn-cs"/>
+              </a:rPr>
+              <a:t>Harmonisches Mittel zwischen </a:t>
+            </a:r>
+            <a:r>
+              <a:rPr lang="en-GB" i="1" dirty="0">
+                <a:effectLst/>
+              </a:rPr>
+              <a:t>homogeneity</a:t>
+            </a:r>
+            <a:r>
+              <a:rPr lang="en-GB" dirty="0"/>
+              <a:t> (</a:t>
+            </a:r>
+            <a:r>
+              <a:rPr lang="en-GB" dirty="0" err="1"/>
+              <a:t>wie</a:t>
+            </a:r>
+            <a:r>
+              <a:rPr lang="en-GB" dirty="0"/>
+              <a:t> </a:t>
+            </a:r>
+            <a:r>
+              <a:rPr lang="en-GB" dirty="0" err="1"/>
+              <a:t>homogen</a:t>
+            </a:r>
+            <a:r>
+              <a:rPr lang="en-GB" dirty="0"/>
+              <a:t> </a:t>
+            </a:r>
+            <a:r>
+              <a:rPr lang="en-GB" dirty="0" err="1"/>
+              <a:t>sind</a:t>
+            </a:r>
+            <a:r>
+              <a:rPr lang="en-GB" dirty="0"/>
+              <a:t> Cluster) &amp; </a:t>
+            </a:r>
+            <a:r>
+              <a:rPr lang="en-GB" i="1" dirty="0">
+                <a:effectLst/>
+              </a:rPr>
+              <a:t>completeness</a:t>
+            </a:r>
+            <a:r>
+              <a:rPr lang="en-GB" dirty="0"/>
+              <a:t> (</a:t>
+            </a:r>
+            <a:r>
+              <a:rPr lang="en-GB" dirty="0" err="1"/>
+              <a:t>wie</a:t>
+            </a:r>
+            <a:r>
+              <a:rPr lang="en-GB" dirty="0"/>
+              <a:t> </a:t>
+            </a:r>
+            <a:r>
+              <a:rPr lang="en-GB" dirty="0" err="1"/>
+              <a:t>vollständig</a:t>
+            </a:r>
+            <a:r>
+              <a:rPr lang="en-GB" dirty="0"/>
+              <a:t> </a:t>
+            </a:r>
+            <a:r>
+              <a:rPr lang="en-GB" dirty="0" err="1"/>
+              <a:t>sind</a:t>
+            </a:r>
+            <a:r>
+              <a:rPr lang="en-GB" dirty="0"/>
+              <a:t> Cluster)</a:t>
+            </a:r>
+            <a:endParaRPr lang="de-DE" sz="1200" b="0" i="0" kern="1200" noProof="0" dirty="0">
+              <a:solidFill>
+                <a:schemeClr val="tx1"/>
+              </a:solidFill>
+              <a:effectLst/>
+              <a:latin typeface="+mn-lt"/>
+              <a:ea typeface="+mn-ea"/>
+              <a:cs typeface="+mn-cs"/>
+            </a:endParaRPr>
           </a:p>
         </p:txBody>
       </p:sp>
@@ -3418,7 +3160,7 @@
           <a:p>
             <a:fld id="{49FFD0F6-1B54-1D42-B676-41E105B9815E}" type="slidenum">
               <a:rPr lang="de-DE" smtClean="0"/>
-              <a:t>20</a:t>
+              <a:t>22</a:t>
             </a:fld>
             <a:endParaRPr lang="de-DE"/>
           </a:p>
@@ -3427,7 +3169,7 @@
     </p:spTree>
     <p:extLst>
       <p:ext uri="{BB962C8B-B14F-4D97-AF65-F5344CB8AC3E}">
-        <p14:creationId xmlns:p14="http://schemas.microsoft.com/office/powerpoint/2010/main" val="2907066937"/>
+        <p14:creationId xmlns:p14="http://schemas.microsoft.com/office/powerpoint/2010/main" val="1857125067"/>
       </p:ext>
     </p:extLst>
   </p:cSld>
@@ -3485,7 +3227,142 @@
               <a:buFont typeface="Arial" panose="020B0604020202020204" pitchFamily="34" charset="0"/>
               <a:buChar char="•"/>
             </a:pPr>
-            <a:endParaRPr lang="de-DE" dirty="0"/>
+            <a:r>
+              <a:rPr lang="de-DE" b="0" dirty="0"/>
+              <a:t>Sortiert nach </a:t>
+            </a:r>
+            <a:r>
+              <a:rPr lang="de-DE" b="1" dirty="0"/>
+              <a:t>K-</a:t>
+            </a:r>
+            <a:r>
+              <a:rPr lang="de-DE" b="1" dirty="0" err="1"/>
+              <a:t>Means</a:t>
+            </a:r>
+            <a:endParaRPr lang="de-DE" b="1" dirty="0"/>
+          </a:p>
+          <a:p>
+            <a:pPr marL="171450" indent="-171450">
+              <a:buFont typeface="Arial" panose="020B0604020202020204" pitchFamily="34" charset="0"/>
+              <a:buChar char="•"/>
+            </a:pPr>
+            <a:r>
+              <a:rPr lang="de-DE" b="1" dirty="0"/>
+              <a:t>K-</a:t>
+            </a:r>
+            <a:r>
+              <a:rPr lang="de-DE" b="1" dirty="0" err="1"/>
+              <a:t>Medoids</a:t>
+            </a:r>
+            <a:r>
+              <a:rPr lang="de-DE" b="1" dirty="0"/>
+              <a:t> </a:t>
+            </a:r>
+            <a:r>
+              <a:rPr lang="de-DE" b="0" dirty="0"/>
+              <a:t>ist ähnlich wie K-</a:t>
+            </a:r>
+            <a:r>
+              <a:rPr lang="de-DE" b="0" dirty="0" err="1"/>
+              <a:t>Means</a:t>
+            </a:r>
+            <a:r>
+              <a:rPr lang="de-DE" b="0" dirty="0"/>
+              <a:t>, nimmt jedoch existierende Datenpunkte als </a:t>
+            </a:r>
+            <a:r>
+              <a:rPr lang="de-DE" b="0" dirty="0" err="1"/>
+              <a:t>Centroide</a:t>
+            </a:r>
+            <a:r>
+              <a:rPr lang="de-DE" b="0" dirty="0"/>
+              <a:t>.</a:t>
+            </a:r>
+            <a:r>
+              <a:rPr lang="de-DE" b="1" dirty="0"/>
+              <a:t> K-</a:t>
+            </a:r>
+            <a:r>
+              <a:rPr lang="de-DE" b="1" dirty="0" err="1"/>
+              <a:t>Medoids</a:t>
+            </a:r>
+            <a:r>
+              <a:rPr lang="de-DE" b="0" dirty="0"/>
+              <a:t> nicht von </a:t>
+            </a:r>
+            <a:r>
+              <a:rPr lang="de-DE" b="0" dirty="0" err="1"/>
+              <a:t>Sklearn</a:t>
+            </a:r>
+            <a:r>
+              <a:rPr lang="de-DE" b="0" dirty="0"/>
+              <a:t> selbst, </a:t>
+            </a:r>
+            <a:r>
+              <a:rPr lang="de-DE" b="0" dirty="0" err="1"/>
+              <a:t>sonder</a:t>
+            </a:r>
+            <a:r>
+              <a:rPr lang="de-DE" b="0" dirty="0"/>
+              <a:t> von </a:t>
+            </a:r>
+            <a:r>
+              <a:rPr lang="de-DE" b="0" i="1" dirty="0" err="1"/>
+              <a:t>sklearn.extra</a:t>
+            </a:r>
+            <a:endParaRPr lang="de-DE" b="1" dirty="0"/>
+          </a:p>
+          <a:p>
+            <a:pPr marL="171450" indent="-171450">
+              <a:buFont typeface="Arial" panose="020B0604020202020204" pitchFamily="34" charset="0"/>
+              <a:buChar char="•"/>
+            </a:pPr>
+            <a:r>
+              <a:rPr lang="de-DE" b="0" dirty="0"/>
+              <a:t>Bei </a:t>
+            </a:r>
+            <a:r>
+              <a:rPr lang="de-DE" b="1" dirty="0"/>
+              <a:t>K-</a:t>
+            </a:r>
+            <a:r>
+              <a:rPr lang="de-DE" b="1" dirty="0" err="1"/>
+              <a:t>Medoids</a:t>
+            </a:r>
+            <a:r>
+              <a:rPr lang="de-DE" b="1" dirty="0"/>
+              <a:t> </a:t>
+            </a:r>
+            <a:r>
+              <a:rPr lang="de-DE" b="0" dirty="0"/>
+              <a:t>6 von 7 Epochenpaare in Top 7 beinhalten </a:t>
+            </a:r>
+            <a:r>
+              <a:rPr lang="de-DE" b="1" dirty="0"/>
+              <a:t>Barock</a:t>
+            </a:r>
+          </a:p>
+          <a:p>
+            <a:pPr marL="171450" indent="-171450">
+              <a:buFont typeface="Arial" panose="020B0604020202020204" pitchFamily="34" charset="0"/>
+              <a:buChar char="•"/>
+            </a:pPr>
+            <a:r>
+              <a:rPr lang="de-DE" b="1" dirty="0"/>
+              <a:t>GMM</a:t>
+            </a:r>
+            <a:r>
+              <a:rPr lang="de-DE" b="0" dirty="0"/>
+              <a:t> nur bei zwei Epocheneinteilungen besser, ansonsten ähnlich gut oder schlechter als K-</a:t>
+            </a:r>
+            <a:r>
+              <a:rPr lang="de-DE" b="0" dirty="0" err="1"/>
+              <a:t>Means</a:t>
+            </a:r>
+            <a:r>
+              <a:rPr lang="de-DE" b="0" dirty="0"/>
+              <a:t>.</a:t>
+            </a:r>
           </a:p>
         </p:txBody>
       </p:sp>
@@ -3515,7 +3392,7 @@
     </p:spTree>
     <p:extLst>
       <p:ext uri="{BB962C8B-B14F-4D97-AF65-F5344CB8AC3E}">
-        <p14:creationId xmlns:p14="http://schemas.microsoft.com/office/powerpoint/2010/main" val="410681100"/>
+        <p14:creationId xmlns:p14="http://schemas.microsoft.com/office/powerpoint/2010/main" val="4215004953"/>
       </p:ext>
     </p:extLst>
   </p:cSld>
@@ -3681,7 +3558,7 @@
           <a:p>
             <a:fld id="{02AC24A9-CCB6-4F8D-B8DB-C2F3692CFA5A}" type="datetimeFigureOut">
               <a:rPr lang="en-US" smtClean="0"/>
-              <a:t>7/8/20</a:t>
+              <a:t>7/10/20</a:t>
             </a:fld>
             <a:endParaRPr lang="en-US" dirty="0"/>
           </a:p>
@@ -4051,7 +3928,7 @@
           <a:p>
             <a:fld id="{02AC24A9-CCB6-4F8D-B8DB-C2F3692CFA5A}" type="datetimeFigureOut">
               <a:rPr lang="en-US" smtClean="0"/>
-              <a:t>7/8/20</a:t>
+              <a:t>7/10/20</a:t>
             </a:fld>
             <a:endParaRPr lang="en-US"/>
           </a:p>
@@ -4260,7 +4137,7 @@
           <a:p>
             <a:fld id="{02AC24A9-CCB6-4F8D-B8DB-C2F3692CFA5A}" type="datetimeFigureOut">
               <a:rPr lang="en-US" smtClean="0"/>
-              <a:t>7/8/20</a:t>
+              <a:t>7/10/20</a:t>
             </a:fld>
             <a:endParaRPr lang="en-US"/>
           </a:p>
@@ -4730,7 +4607,7 @@
           <a:p>
             <a:fld id="{02AC24A9-CCB6-4F8D-B8DB-C2F3692CFA5A}" type="datetimeFigureOut">
               <a:rPr lang="en-US" smtClean="0"/>
-              <a:t>7/8/20</a:t>
+              <a:t>7/10/20</a:t>
             </a:fld>
             <a:endParaRPr lang="en-US"/>
           </a:p>
@@ -5184,7 +5061,7 @@
           <a:p>
             <a:fld id="{02AC24A9-CCB6-4F8D-B8DB-C2F3692CFA5A}" type="datetimeFigureOut">
               <a:rPr lang="en-US" smtClean="0"/>
-              <a:t>7/8/20</a:t>
+              <a:t>7/10/20</a:t>
             </a:fld>
             <a:endParaRPr lang="en-US"/>
           </a:p>
@@ -5716,7 +5593,7 @@
           <a:p>
             <a:fld id="{02AC24A9-CCB6-4F8D-B8DB-C2F3692CFA5A}" type="datetimeFigureOut">
               <a:rPr lang="en-US" smtClean="0"/>
-              <a:t>7/8/20</a:t>
+              <a:t>7/10/20</a:t>
             </a:fld>
             <a:endParaRPr lang="en-US"/>
           </a:p>
@@ -6415,7 +6292,7 @@
           <a:p>
             <a:fld id="{02AC24A9-CCB6-4F8D-B8DB-C2F3692CFA5A}" type="datetimeFigureOut">
               <a:rPr lang="en-US" smtClean="0"/>
-              <a:t>7/8/20</a:t>
+              <a:t>7/10/20</a:t>
             </a:fld>
             <a:endParaRPr lang="en-US"/>
           </a:p>
@@ -6744,7 +6621,7 @@
           <a:p>
             <a:fld id="{02AC24A9-CCB6-4F8D-B8DB-C2F3692CFA5A}" type="datetimeFigureOut">
               <a:rPr lang="en-US" smtClean="0"/>
-              <a:t>7/8/20</a:t>
+              <a:t>7/10/20</a:t>
             </a:fld>
             <a:endParaRPr lang="en-US"/>
           </a:p>
@@ -6857,7 +6734,7 @@
           <a:p>
             <a:fld id="{02AC24A9-CCB6-4F8D-B8DB-C2F3692CFA5A}" type="datetimeFigureOut">
               <a:rPr lang="en-US" smtClean="0"/>
-              <a:t>7/8/20</a:t>
+              <a:t>7/10/20</a:t>
             </a:fld>
             <a:endParaRPr lang="en-US"/>
           </a:p>
@@ -7352,7 +7229,7 @@
           <a:p>
             <a:fld id="{02AC24A9-CCB6-4F8D-B8DB-C2F3692CFA5A}" type="datetimeFigureOut">
               <a:rPr lang="en-US" smtClean="0"/>
-              <a:t>7/8/20</a:t>
+              <a:t>7/10/20</a:t>
             </a:fld>
             <a:endParaRPr lang="en-US" dirty="0"/>
           </a:p>
@@ -7829,7 +7706,7 @@
           <a:p>
             <a:fld id="{02AC24A9-CCB6-4F8D-B8DB-C2F3692CFA5A}" type="datetimeFigureOut">
               <a:rPr lang="en-US" smtClean="0"/>
-              <a:t>7/8/20</a:t>
+              <a:t>7/10/20</a:t>
             </a:fld>
             <a:endParaRPr lang="en-US"/>
           </a:p>
@@ -8072,7 +7949,7 @@
           <a:p>
             <a:fld id="{02AC24A9-CCB6-4F8D-B8DB-C2F3692CFA5A}" type="datetimeFigureOut">
               <a:rPr lang="en-US" smtClean="0"/>
-              <a:t>7/8/20</a:t>
+              <a:t>7/10/20</a:t>
             </a:fld>
             <a:endParaRPr lang="en-US"/>
           </a:p>
@@ -11088,17 +10965,17 @@
           <a:lstStyle/>
           <a:p>
             <a:r>
-              <a:rPr lang="de-DE" b="1" dirty="0"/>
-              <a:t>4.1.  Aufbau</a:t>
-            </a:r>
-            <a:endParaRPr lang="de-DE" sz="6000" b="1" dirty="0"/>
+              <a:rPr lang="de-DE" sz="4000" b="1" dirty="0"/>
+              <a:t>4.1.  Clustering des gesamten Korpus</a:t>
+            </a:r>
+            <a:endParaRPr lang="de-DE" sz="4400" b="1" dirty="0"/>
           </a:p>
         </p:txBody>
       </p:sp>
     </p:spTree>
     <p:extLst>
       <p:ext uri="{BB962C8B-B14F-4D97-AF65-F5344CB8AC3E}">
-        <p14:creationId xmlns:p14="http://schemas.microsoft.com/office/powerpoint/2010/main" val="2409590482"/>
+        <p14:creationId xmlns:p14="http://schemas.microsoft.com/office/powerpoint/2010/main" val="2535198303"/>
       </p:ext>
     </p:extLst>
   </p:cSld>
@@ -11109,6 +10986,1675 @@
 </file>
 
 <file path=ppt/slides/slide18.xml><?xml version="1.0" encoding="utf-8"?>
+<p:sld xmlns:a="http://schemas.openxmlformats.org/drawingml/2006/main" xmlns:r="http://schemas.openxmlformats.org/officeDocument/2006/relationships" xmlns:p="http://schemas.openxmlformats.org/presentationml/2006/main">
+  <p:cSld>
+    <p:spTree>
+      <p:nvGrpSpPr>
+        <p:cNvPr id="1" name=""/>
+        <p:cNvGrpSpPr/>
+        <p:nvPr/>
+      </p:nvGrpSpPr>
+      <p:grpSpPr>
+        <a:xfrm>
+          <a:off x="0" y="0"/>
+          <a:ext cx="0" cy="0"/>
+          <a:chOff x="0" y="0"/>
+          <a:chExt cx="0" cy="0"/>
+        </a:xfrm>
+      </p:grpSpPr>
+      <p:sp>
+        <p:nvSpPr>
+          <p:cNvPr id="2" name="Title 1">
+            <a:extLst>
+              <a:ext uri="{FF2B5EF4-FFF2-40B4-BE49-F238E27FC236}">
+                <a16:creationId xmlns:a16="http://schemas.microsoft.com/office/drawing/2014/main" id="{0959BEBF-BB7C-FF49-93DA-FD44946F112E}"/>
+              </a:ext>
+            </a:extLst>
+          </p:cNvPr>
+          <p:cNvSpPr>
+            <a:spLocks noGrp="1"/>
+          </p:cNvSpPr>
+          <p:nvPr>
+            <p:ph type="title"/>
+          </p:nvPr>
+        </p:nvSpPr>
+        <p:spPr/>
+        <p:txBody>
+          <a:bodyPr/>
+          <a:lstStyle/>
+          <a:p>
+            <a:r>
+              <a:rPr lang="de-DE" b="1" dirty="0"/>
+              <a:t>Evaluationsmaße</a:t>
+            </a:r>
+          </a:p>
+        </p:txBody>
+      </p:sp>
+      <p:sp>
+        <p:nvSpPr>
+          <p:cNvPr id="3" name="Content Placeholder 2">
+            <a:extLst>
+              <a:ext uri="{FF2B5EF4-FFF2-40B4-BE49-F238E27FC236}">
+                <a16:creationId xmlns:a16="http://schemas.microsoft.com/office/drawing/2014/main" id="{5010B43E-21CA-8A4B-AEAB-6F1A4E8612FE}"/>
+              </a:ext>
+            </a:extLst>
+          </p:cNvPr>
+          <p:cNvSpPr>
+            <a:spLocks noGrp="1"/>
+          </p:cNvSpPr>
+          <p:nvPr>
+            <p:ph idx="1"/>
+          </p:nvPr>
+        </p:nvSpPr>
+        <p:spPr/>
+        <p:txBody>
+          <a:bodyPr/>
+          <a:lstStyle/>
+          <a:p>
+            <a:pPr>
+              <a:lnSpc>
+                <a:spcPct val="150000"/>
+              </a:lnSpc>
+            </a:pPr>
+            <a:r>
+              <a:rPr lang="de-DE" b="1" dirty="0" err="1"/>
+              <a:t>Adjusted</a:t>
+            </a:r>
+            <a:r>
+              <a:rPr lang="de-DE" b="1" dirty="0"/>
+              <a:t> Rand Index </a:t>
+            </a:r>
+            <a:r>
+              <a:rPr lang="de-DE" dirty="0"/>
+              <a:t>(kurz: </a:t>
+            </a:r>
+            <a:r>
+              <a:rPr lang="de-DE" b="1" dirty="0" err="1"/>
+              <a:t>ari</a:t>
+            </a:r>
+            <a:r>
+              <a:rPr lang="de-DE" dirty="0"/>
+              <a:t>)</a:t>
+            </a:r>
+          </a:p>
+          <a:p>
+            <a:pPr>
+              <a:lnSpc>
+                <a:spcPct val="150000"/>
+              </a:lnSpc>
+            </a:pPr>
+            <a:r>
+              <a:rPr lang="de-DE" b="1" dirty="0"/>
+              <a:t>V-</a:t>
+            </a:r>
+            <a:r>
+              <a:rPr lang="de-DE" b="1" dirty="0" err="1"/>
+              <a:t>measure</a:t>
+            </a:r>
+            <a:r>
+              <a:rPr lang="de-DE" dirty="0"/>
+              <a:t> (kurz: </a:t>
+            </a:r>
+            <a:r>
+              <a:rPr lang="de-DE" b="1" dirty="0" err="1"/>
+              <a:t>vm</a:t>
+            </a:r>
+            <a:r>
+              <a:rPr lang="de-DE" dirty="0"/>
+              <a:t>)</a:t>
+            </a:r>
+          </a:p>
+          <a:p>
+            <a:pPr lvl="1">
+              <a:lnSpc>
+                <a:spcPct val="150000"/>
+              </a:lnSpc>
+            </a:pPr>
+            <a:r>
+              <a:rPr lang="de-DE" dirty="0"/>
+              <a:t>Harmonisches Mittel zwischen </a:t>
+            </a:r>
+            <a:r>
+              <a:rPr lang="en-GB" i="1" dirty="0"/>
+              <a:t>homogeneity</a:t>
+            </a:r>
+            <a:r>
+              <a:rPr lang="en-GB" dirty="0"/>
+              <a:t> &amp; </a:t>
+            </a:r>
+            <a:r>
+              <a:rPr lang="en-GB" i="1" dirty="0"/>
+              <a:t>completeness</a:t>
+            </a:r>
+            <a:endParaRPr lang="en-GB" dirty="0"/>
+          </a:p>
+          <a:p>
+            <a:pPr lvl="1">
+              <a:lnSpc>
+                <a:spcPct val="150000"/>
+              </a:lnSpc>
+            </a:pPr>
+            <a:r>
+              <a:rPr lang="en-GB" i="1" dirty="0"/>
+              <a:t>homogeneity</a:t>
+            </a:r>
+            <a:r>
+              <a:rPr lang="en-GB" dirty="0"/>
+              <a:t> (</a:t>
+            </a:r>
+            <a:r>
+              <a:rPr lang="en-GB" dirty="0" err="1"/>
+              <a:t>wie</a:t>
+            </a:r>
+            <a:r>
+              <a:rPr lang="en-GB" dirty="0"/>
+              <a:t> </a:t>
+            </a:r>
+            <a:r>
+              <a:rPr lang="en-GB" dirty="0" err="1"/>
+              <a:t>homogen</a:t>
+            </a:r>
+            <a:r>
+              <a:rPr lang="en-GB" dirty="0"/>
+              <a:t> </a:t>
+            </a:r>
+            <a:r>
+              <a:rPr lang="en-GB" dirty="0" err="1"/>
+              <a:t>sind</a:t>
+            </a:r>
+            <a:r>
+              <a:rPr lang="en-GB" dirty="0"/>
+              <a:t> Cluster)</a:t>
+            </a:r>
+          </a:p>
+          <a:p>
+            <a:pPr lvl="1">
+              <a:lnSpc>
+                <a:spcPct val="150000"/>
+              </a:lnSpc>
+            </a:pPr>
+            <a:r>
+              <a:rPr lang="en-GB" i="1" dirty="0"/>
+              <a:t>completeness</a:t>
+            </a:r>
+            <a:r>
+              <a:rPr lang="en-GB" dirty="0"/>
+              <a:t> (</a:t>
+            </a:r>
+            <a:r>
+              <a:rPr lang="en-GB" dirty="0" err="1"/>
+              <a:t>wie</a:t>
+            </a:r>
+            <a:r>
+              <a:rPr lang="en-GB" dirty="0"/>
+              <a:t> </a:t>
+            </a:r>
+            <a:r>
+              <a:rPr lang="en-GB" dirty="0" err="1"/>
+              <a:t>vollständig</a:t>
+            </a:r>
+            <a:r>
+              <a:rPr lang="en-GB" dirty="0"/>
+              <a:t> </a:t>
+            </a:r>
+            <a:r>
+              <a:rPr lang="en-GB" dirty="0" err="1"/>
+              <a:t>sind</a:t>
+            </a:r>
+            <a:r>
+              <a:rPr lang="en-GB" dirty="0"/>
+              <a:t> Cluster)</a:t>
+            </a:r>
+          </a:p>
+        </p:txBody>
+      </p:sp>
+    </p:spTree>
+    <p:extLst>
+      <p:ext uri="{BB962C8B-B14F-4D97-AF65-F5344CB8AC3E}">
+        <p14:creationId xmlns:p14="http://schemas.microsoft.com/office/powerpoint/2010/main" val="228732159"/>
+      </p:ext>
+    </p:extLst>
+  </p:cSld>
+  <p:clrMapOvr>
+    <a:masterClrMapping/>
+  </p:clrMapOvr>
+</p:sld>
+</file>
+
+<file path=ppt/slides/slide19.xml><?xml version="1.0" encoding="utf-8"?>
+<p:sld xmlns:a="http://schemas.openxmlformats.org/drawingml/2006/main" xmlns:r="http://schemas.openxmlformats.org/officeDocument/2006/relationships" xmlns:p="http://schemas.openxmlformats.org/presentationml/2006/main">
+  <p:cSld>
+    <p:bg>
+      <p:bgPr>
+        <a:solidFill>
+          <a:schemeClr val="bg1"/>
+        </a:solidFill>
+        <a:effectLst/>
+      </p:bgPr>
+    </p:bg>
+    <p:spTree>
+      <p:nvGrpSpPr>
+        <p:cNvPr id="1" name=""/>
+        <p:cNvGrpSpPr/>
+        <p:nvPr/>
+      </p:nvGrpSpPr>
+      <p:grpSpPr>
+        <a:xfrm>
+          <a:off x="0" y="0"/>
+          <a:ext cx="0" cy="0"/>
+          <a:chOff x="0" y="0"/>
+          <a:chExt cx="0" cy="0"/>
+        </a:xfrm>
+      </p:grpSpPr>
+      <p:sp>
+        <p:nvSpPr>
+          <p:cNvPr id="16" name="Rectangle 15">
+            <a:extLst>
+              <a:ext uri="{FF2B5EF4-FFF2-40B4-BE49-F238E27FC236}">
+                <a16:creationId xmlns:a16="http://schemas.microsoft.com/office/drawing/2014/main" id="{8D06CE56-3881-4ADA-8CEF-D18B02C242A3}"/>
+              </a:ext>
+              <a:ext uri="{C183D7F6-B498-43B3-948B-1728B52AA6E4}">
+                <adec:decorative xmlns:adec="http://schemas.microsoft.com/office/drawing/2017/decorative" val="1"/>
+              </a:ext>
+            </a:extLst>
+          </p:cNvPr>
+          <p:cNvSpPr>
+            <a:spLocks noGrp="1" noRot="1" noChangeAspect="1" noMove="1" noResize="1" noEditPoints="1" noAdjustHandles="1" noChangeArrowheads="1" noChangeShapeType="1" noTextEdit="1"/>
+          </p:cNvSpPr>
+          <p:nvPr>
+            <p:extLst>
+              <p:ext uri="{386F3935-93C4-4BCD-93E2-E3B085C9AB24}">
+                <p16:designElem xmlns:p16="http://schemas.microsoft.com/office/powerpoint/2015/main" val="1"/>
+              </p:ext>
+            </p:extLst>
+          </p:nvPr>
+        </p:nvSpPr>
+        <p:spPr>
+          <a:xfrm rot="5400000">
+            <a:off x="857544" y="346791"/>
+            <a:ext cx="146304" cy="704088"/>
+          </a:xfrm>
+          <a:prstGeom prst="rect">
+            <a:avLst/>
+          </a:prstGeom>
+          <a:solidFill>
+            <a:schemeClr val="accent1"/>
+          </a:solidFill>
+          <a:ln>
+            <a:noFill/>
+          </a:ln>
+        </p:spPr>
+        <p:style>
+          <a:lnRef idx="2">
+            <a:schemeClr val="accent1">
+              <a:shade val="50000"/>
+            </a:schemeClr>
+          </a:lnRef>
+          <a:fillRef idx="1">
+            <a:schemeClr val="accent1"/>
+          </a:fillRef>
+          <a:effectRef idx="0">
+            <a:schemeClr val="accent1"/>
+          </a:effectRef>
+          <a:fontRef idx="minor">
+            <a:schemeClr val="lt1"/>
+          </a:fontRef>
+        </p:style>
+        <p:txBody>
+          <a:bodyPr rtlCol="0" anchor="ctr"/>
+          <a:lstStyle/>
+          <a:p>
+            <a:pPr marL="0" marR="0" lvl="0" indent="0" algn="ctr" defTabSz="914400" rtl="0" eaLnBrk="1" fontAlgn="auto" latinLnBrk="0" hangingPunct="1">
+              <a:lnSpc>
+                <a:spcPct val="100000"/>
+              </a:lnSpc>
+              <a:spcBef>
+                <a:spcPts val="0"/>
+              </a:spcBef>
+              <a:spcAft>
+                <a:spcPts val="0"/>
+              </a:spcAft>
+              <a:buClrTx/>
+              <a:buSzTx/>
+              <a:buFontTx/>
+              <a:buNone/>
+              <a:tabLst/>
+              <a:defRPr/>
+            </a:pPr>
+            <a:endParaRPr kumimoji="0" lang="en-US" sz="1800" b="0" i="0" u="none" strike="noStrike" kern="1200" cap="none" spc="0" normalizeH="0" baseline="0" noProof="0">
+              <a:ln>
+                <a:noFill/>
+              </a:ln>
+              <a:solidFill>
+                <a:prstClr val="white"/>
+              </a:solidFill>
+              <a:effectLst/>
+              <a:uLnTx/>
+              <a:uFillTx/>
+              <a:latin typeface="Calibri" panose="020F0502020204030204"/>
+              <a:ea typeface="+mn-ea"/>
+              <a:cs typeface="+mn-cs"/>
+            </a:endParaRPr>
+          </a:p>
+        </p:txBody>
+      </p:sp>
+      <p:sp>
+        <p:nvSpPr>
+          <p:cNvPr id="18" name="Rectangle 17">
+            <a:extLst>
+              <a:ext uri="{FF2B5EF4-FFF2-40B4-BE49-F238E27FC236}">
+                <a16:creationId xmlns:a16="http://schemas.microsoft.com/office/drawing/2014/main" id="{79F3C543-62EC-4433-9C93-A2CD8764E9B4}"/>
+              </a:ext>
+              <a:ext uri="{C183D7F6-B498-43B3-948B-1728B52AA6E4}">
+                <adec:decorative xmlns:adec="http://schemas.microsoft.com/office/drawing/2017/decorative" val="1"/>
+              </a:ext>
+            </a:extLst>
+          </p:cNvPr>
+          <p:cNvSpPr>
+            <a:spLocks noGrp="1" noRot="1" noChangeAspect="1" noMove="1" noResize="1" noEditPoints="1" noAdjustHandles="1" noChangeArrowheads="1" noChangeShapeType="1" noTextEdit="1"/>
+          </p:cNvSpPr>
+          <p:nvPr>
+            <p:extLst>
+              <p:ext uri="{386F3935-93C4-4BCD-93E2-E3B085C9AB24}">
+                <p16:designElem xmlns:p16="http://schemas.microsoft.com/office/powerpoint/2015/main" val="1"/>
+              </p:ext>
+            </p:extLst>
+          </p:nvPr>
+        </p:nvSpPr>
+        <p:spPr>
+          <a:xfrm flipV="1">
+            <a:off x="578652" y="4501201"/>
+            <a:ext cx="11034696" cy="18288"/>
+          </a:xfrm>
+          <a:prstGeom prst="rect">
+            <a:avLst/>
+          </a:prstGeom>
+          <a:solidFill>
+            <a:schemeClr val="tx2">
+              <a:lumMod val="25000"/>
+              <a:lumOff val="75000"/>
+            </a:schemeClr>
+          </a:solidFill>
+          <a:ln w="3175">
+            <a:noFill/>
+          </a:ln>
+          <a:effectLst/>
+        </p:spPr>
+        <p:style>
+          <a:lnRef idx="2">
+            <a:schemeClr val="accent1">
+              <a:shade val="50000"/>
+            </a:schemeClr>
+          </a:lnRef>
+          <a:fillRef idx="1">
+            <a:schemeClr val="accent1"/>
+          </a:fillRef>
+          <a:effectRef idx="0">
+            <a:schemeClr val="accent1"/>
+          </a:effectRef>
+          <a:fontRef idx="minor">
+            <a:schemeClr val="lt1"/>
+          </a:fontRef>
+        </p:style>
+        <p:txBody>
+          <a:bodyPr rtlCol="0" anchor="ctr"/>
+          <a:lstStyle/>
+          <a:p>
+            <a:pPr marL="0" marR="0" lvl="0" indent="0" algn="ctr" defTabSz="914400" rtl="0" eaLnBrk="1" fontAlgn="auto" latinLnBrk="0" hangingPunct="1">
+              <a:lnSpc>
+                <a:spcPct val="100000"/>
+              </a:lnSpc>
+              <a:spcBef>
+                <a:spcPts val="0"/>
+              </a:spcBef>
+              <a:spcAft>
+                <a:spcPts val="0"/>
+              </a:spcAft>
+              <a:buClrTx/>
+              <a:buSzTx/>
+              <a:buFontTx/>
+              <a:buNone/>
+              <a:tabLst/>
+              <a:defRPr/>
+            </a:pPr>
+            <a:endParaRPr kumimoji="0" lang="en-US" sz="1800" b="0" i="0" u="none" strike="noStrike" kern="1200" cap="none" spc="0" normalizeH="0" baseline="0" noProof="0">
+              <a:ln>
+                <a:noFill/>
+              </a:ln>
+              <a:solidFill>
+                <a:prstClr val="white"/>
+              </a:solidFill>
+              <a:effectLst/>
+              <a:uLnTx/>
+              <a:uFillTx/>
+              <a:latin typeface="Calibri" panose="020F0502020204030204"/>
+              <a:ea typeface="+mn-ea"/>
+              <a:cs typeface="+mn-cs"/>
+            </a:endParaRPr>
+          </a:p>
+        </p:txBody>
+      </p:sp>
+      <p:sp useBgFill="1">
+        <p:nvSpPr>
+          <p:cNvPr id="20" name="Rectangle 19">
+            <a:extLst>
+              <a:ext uri="{FF2B5EF4-FFF2-40B4-BE49-F238E27FC236}">
+                <a16:creationId xmlns:a16="http://schemas.microsoft.com/office/drawing/2014/main" id="{68AF5748-FED8-45BA-8631-26D1D10F3246}"/>
+              </a:ext>
+              <a:ext uri="{C183D7F6-B498-43B3-948B-1728B52AA6E4}">
+                <adec:decorative xmlns:adec="http://schemas.microsoft.com/office/drawing/2017/decorative" val="1"/>
+              </a:ext>
+            </a:extLst>
+          </p:cNvPr>
+          <p:cNvSpPr>
+            <a:spLocks noGrp="1" noRot="1" noChangeAspect="1" noMove="1" noResize="1" noEditPoints="1" noAdjustHandles="1" noChangeArrowheads="1" noChangeShapeType="1" noTextEdit="1"/>
+          </p:cNvSpPr>
+          <p:nvPr>
+            <p:extLst>
+              <p:ext uri="{386F3935-93C4-4BCD-93E2-E3B085C9AB24}">
+                <p16:designElem xmlns:p16="http://schemas.microsoft.com/office/powerpoint/2015/main" val="1"/>
+              </p:ext>
+            </p:extLst>
+          </p:nvPr>
+        </p:nvSpPr>
+        <p:spPr>
+          <a:xfrm>
+            <a:off x="0" y="0"/>
+            <a:ext cx="12192000" cy="6858000"/>
+          </a:xfrm>
+          <a:prstGeom prst="rect">
+            <a:avLst/>
+          </a:prstGeom>
+          <a:ln>
+            <a:noFill/>
+          </a:ln>
+        </p:spPr>
+        <p:style>
+          <a:lnRef idx="2">
+            <a:schemeClr val="accent1">
+              <a:shade val="50000"/>
+            </a:schemeClr>
+          </a:lnRef>
+          <a:fillRef idx="1">
+            <a:schemeClr val="accent1"/>
+          </a:fillRef>
+          <a:effectRef idx="0">
+            <a:schemeClr val="accent1"/>
+          </a:effectRef>
+          <a:fontRef idx="minor">
+            <a:schemeClr val="lt1"/>
+          </a:fontRef>
+        </p:style>
+        <p:txBody>
+          <a:bodyPr rtlCol="0" anchor="ctr"/>
+          <a:lstStyle/>
+          <a:p>
+            <a:pPr algn="ctr"/>
+            <a:endParaRPr lang="en-US"/>
+          </a:p>
+        </p:txBody>
+      </p:sp>
+      <p:sp>
+        <p:nvSpPr>
+          <p:cNvPr id="2" name="Title 1">
+            <a:extLst>
+              <a:ext uri="{FF2B5EF4-FFF2-40B4-BE49-F238E27FC236}">
+                <a16:creationId xmlns:a16="http://schemas.microsoft.com/office/drawing/2014/main" id="{6EB97A2B-FE5C-534E-B670-6CA8E78B29AF}"/>
+              </a:ext>
+            </a:extLst>
+          </p:cNvPr>
+          <p:cNvSpPr>
+            <a:spLocks noGrp="1"/>
+          </p:cNvSpPr>
+          <p:nvPr>
+            <p:ph type="title"/>
+          </p:nvPr>
+        </p:nvSpPr>
+        <p:spPr>
+          <a:xfrm>
+            <a:off x="477981" y="1122363"/>
+            <a:ext cx="4023360" cy="3204134"/>
+          </a:xfrm>
+        </p:spPr>
+        <p:txBody>
+          <a:bodyPr vert="horz" lIns="91440" tIns="45720" rIns="91440" bIns="45720" rtlCol="0" anchor="b">
+            <a:normAutofit/>
+          </a:bodyPr>
+          <a:lstStyle/>
+          <a:p>
+            <a:r>
+              <a:rPr lang="en-US" sz="4800" b="1" dirty="0"/>
+              <a:t>UMAP</a:t>
+            </a:r>
+            <a:br>
+              <a:rPr lang="en-US" sz="4800" b="1" dirty="0"/>
+            </a:br>
+            <a:r>
+              <a:rPr lang="en-US" sz="4800" dirty="0" err="1"/>
+              <a:t>alle</a:t>
+            </a:r>
+            <a:r>
+              <a:rPr lang="en-US" sz="4800" dirty="0"/>
+              <a:t> </a:t>
+            </a:r>
+            <a:r>
+              <a:rPr lang="en-US" sz="4800" dirty="0" err="1"/>
+              <a:t>Epochen</a:t>
+            </a:r>
+            <a:endParaRPr lang="en-US" sz="4800" b="1" dirty="0"/>
+          </a:p>
+        </p:txBody>
+      </p:sp>
+      <p:sp>
+        <p:nvSpPr>
+          <p:cNvPr id="6" name="TextBox 5">
+            <a:extLst>
+              <a:ext uri="{FF2B5EF4-FFF2-40B4-BE49-F238E27FC236}">
+                <a16:creationId xmlns:a16="http://schemas.microsoft.com/office/drawing/2014/main" id="{467DA40B-BE7B-B346-AE07-CAC87581B684}"/>
+              </a:ext>
+            </a:extLst>
+          </p:cNvPr>
+          <p:cNvSpPr txBox="1"/>
+          <p:nvPr/>
+        </p:nvSpPr>
+        <p:spPr>
+          <a:xfrm>
+            <a:off x="477981" y="4872922"/>
+            <a:ext cx="3933306" cy="1599316"/>
+          </a:xfrm>
+          <a:prstGeom prst="rect">
+            <a:avLst/>
+          </a:prstGeom>
+        </p:spPr>
+        <p:txBody>
+          <a:bodyPr vert="horz" lIns="91440" tIns="45720" rIns="91440" bIns="45720" rtlCol="0">
+            <a:normAutofit/>
+          </a:bodyPr>
+          <a:lstStyle/>
+          <a:p>
+            <a:pPr>
+              <a:lnSpc>
+                <a:spcPct val="110000"/>
+              </a:lnSpc>
+              <a:spcBef>
+                <a:spcPts val="1000"/>
+              </a:spcBef>
+            </a:pPr>
+            <a:r>
+              <a:rPr lang="en-US" sz="3400" dirty="0" err="1"/>
+              <a:t>Einteilung</a:t>
+            </a:r>
+            <a:r>
+              <a:rPr lang="en-US" sz="3400" dirty="0"/>
+              <a:t> </a:t>
+            </a:r>
+            <a:r>
+              <a:rPr lang="en-US" sz="3400" dirty="0" err="1"/>
+              <a:t>nach</a:t>
+            </a:r>
+            <a:r>
+              <a:rPr lang="en-US" sz="3400" dirty="0"/>
+              <a:t> </a:t>
+            </a:r>
+            <a:r>
+              <a:rPr lang="en-US" sz="3400" b="1" dirty="0"/>
+              <a:t>AMANN</a:t>
+            </a:r>
+            <a:endParaRPr lang="en-US" sz="3200" dirty="0"/>
+          </a:p>
+        </p:txBody>
+      </p:sp>
+      <p:sp>
+        <p:nvSpPr>
+          <p:cNvPr id="22" name="Rectangle 21">
+            <a:extLst>
+              <a:ext uri="{FF2B5EF4-FFF2-40B4-BE49-F238E27FC236}">
+                <a16:creationId xmlns:a16="http://schemas.microsoft.com/office/drawing/2014/main" id="{AF2F604E-43BE-4DC3-B983-E071523364F8}"/>
+              </a:ext>
+              <a:ext uri="{C183D7F6-B498-43B3-948B-1728B52AA6E4}">
+                <adec:decorative xmlns:adec="http://schemas.microsoft.com/office/drawing/2017/decorative" val="1"/>
+              </a:ext>
+            </a:extLst>
+          </p:cNvPr>
+          <p:cNvSpPr>
+            <a:spLocks noGrp="1" noRot="1" noChangeAspect="1" noMove="1" noResize="1" noEditPoints="1" noAdjustHandles="1" noChangeArrowheads="1" noChangeShapeType="1" noTextEdit="1"/>
+          </p:cNvSpPr>
+          <p:nvPr>
+            <p:extLst>
+              <p:ext uri="{386F3935-93C4-4BCD-93E2-E3B085C9AB24}">
+                <p16:designElem xmlns:p16="http://schemas.microsoft.com/office/powerpoint/2015/main" val="1"/>
+              </p:ext>
+            </p:extLst>
+          </p:nvPr>
+        </p:nvSpPr>
+        <p:spPr>
+          <a:xfrm rot="5400000">
+            <a:off x="759921" y="346791"/>
+            <a:ext cx="146304" cy="704088"/>
+          </a:xfrm>
+          <a:prstGeom prst="rect">
+            <a:avLst/>
+          </a:prstGeom>
+          <a:solidFill>
+            <a:schemeClr val="accent1"/>
+          </a:solidFill>
+          <a:ln>
+            <a:noFill/>
+          </a:ln>
+        </p:spPr>
+        <p:style>
+          <a:lnRef idx="2">
+            <a:schemeClr val="accent1">
+              <a:shade val="50000"/>
+            </a:schemeClr>
+          </a:lnRef>
+          <a:fillRef idx="1">
+            <a:schemeClr val="accent1"/>
+          </a:fillRef>
+          <a:effectRef idx="0">
+            <a:schemeClr val="accent1"/>
+          </a:effectRef>
+          <a:fontRef idx="minor">
+            <a:schemeClr val="lt1"/>
+          </a:fontRef>
+        </p:style>
+        <p:txBody>
+          <a:bodyPr rtlCol="0" anchor="ctr"/>
+          <a:lstStyle/>
+          <a:p>
+            <a:pPr marL="0" marR="0" lvl="0" indent="0" algn="ctr" defTabSz="914400" rtl="0" eaLnBrk="1" fontAlgn="auto" latinLnBrk="0" hangingPunct="1">
+              <a:lnSpc>
+                <a:spcPct val="100000"/>
+              </a:lnSpc>
+              <a:spcBef>
+                <a:spcPts val="0"/>
+              </a:spcBef>
+              <a:spcAft>
+                <a:spcPts val="0"/>
+              </a:spcAft>
+              <a:buClrTx/>
+              <a:buSzTx/>
+              <a:buFontTx/>
+              <a:buNone/>
+              <a:tabLst/>
+              <a:defRPr/>
+            </a:pPr>
+            <a:endParaRPr kumimoji="0" lang="en-US" sz="1800" b="0" i="0" u="none" strike="noStrike" kern="1200" cap="none" spc="0" normalizeH="0" baseline="0" noProof="0">
+              <a:ln>
+                <a:noFill/>
+              </a:ln>
+              <a:solidFill>
+                <a:prstClr val="white"/>
+              </a:solidFill>
+              <a:effectLst/>
+              <a:uLnTx/>
+              <a:uFillTx/>
+              <a:latin typeface="Calibri" panose="020F0502020204030204"/>
+              <a:ea typeface="+mn-ea"/>
+              <a:cs typeface="+mn-cs"/>
+            </a:endParaRPr>
+          </a:p>
+        </p:txBody>
+      </p:sp>
+      <p:sp>
+        <p:nvSpPr>
+          <p:cNvPr id="24" name="Rectangle 23">
+            <a:extLst>
+              <a:ext uri="{FF2B5EF4-FFF2-40B4-BE49-F238E27FC236}">
+                <a16:creationId xmlns:a16="http://schemas.microsoft.com/office/drawing/2014/main" id="{08C9B587-E65E-4B52-B37C-ABEBB6E87928}"/>
+              </a:ext>
+              <a:ext uri="{C183D7F6-B498-43B3-948B-1728B52AA6E4}">
+                <adec:decorative xmlns:adec="http://schemas.microsoft.com/office/drawing/2017/decorative" val="1"/>
+              </a:ext>
+            </a:extLst>
+          </p:cNvPr>
+          <p:cNvSpPr>
+            <a:spLocks noGrp="1" noRot="1" noChangeAspect="1" noMove="1" noResize="1" noEditPoints="1" noAdjustHandles="1" noChangeArrowheads="1" noChangeShapeType="1" noTextEdit="1"/>
+          </p:cNvSpPr>
+          <p:nvPr>
+            <p:extLst>
+              <p:ext uri="{386F3935-93C4-4BCD-93E2-E3B085C9AB24}">
+                <p16:designElem xmlns:p16="http://schemas.microsoft.com/office/powerpoint/2015/main" val="1"/>
+              </p:ext>
+            </p:extLst>
+          </p:nvPr>
+        </p:nvSpPr>
+        <p:spPr>
+          <a:xfrm>
+            <a:off x="481029" y="4546920"/>
+            <a:ext cx="4023360" cy="18288"/>
+          </a:xfrm>
+          <a:prstGeom prst="rect">
+            <a:avLst/>
+          </a:prstGeom>
+          <a:solidFill>
+            <a:schemeClr val="tx2">
+              <a:lumMod val="25000"/>
+              <a:lumOff val="75000"/>
+            </a:schemeClr>
+          </a:solidFill>
+          <a:ln w="3175">
+            <a:noFill/>
+          </a:ln>
+          <a:effectLst/>
+        </p:spPr>
+        <p:style>
+          <a:lnRef idx="2">
+            <a:schemeClr val="accent1">
+              <a:shade val="50000"/>
+            </a:schemeClr>
+          </a:lnRef>
+          <a:fillRef idx="1">
+            <a:schemeClr val="accent1"/>
+          </a:fillRef>
+          <a:effectRef idx="0">
+            <a:schemeClr val="accent1"/>
+          </a:effectRef>
+          <a:fontRef idx="minor">
+            <a:schemeClr val="lt1"/>
+          </a:fontRef>
+        </p:style>
+        <p:txBody>
+          <a:bodyPr rtlCol="0" anchor="ctr"/>
+          <a:lstStyle/>
+          <a:p>
+            <a:pPr marL="0" marR="0" lvl="0" indent="0" algn="ctr" defTabSz="914400" rtl="0" eaLnBrk="1" fontAlgn="auto" latinLnBrk="0" hangingPunct="1">
+              <a:lnSpc>
+                <a:spcPct val="100000"/>
+              </a:lnSpc>
+              <a:spcBef>
+                <a:spcPts val="0"/>
+              </a:spcBef>
+              <a:spcAft>
+                <a:spcPts val="0"/>
+              </a:spcAft>
+              <a:buClrTx/>
+              <a:buSzTx/>
+              <a:buFontTx/>
+              <a:buNone/>
+              <a:tabLst/>
+              <a:defRPr/>
+            </a:pPr>
+            <a:endParaRPr kumimoji="0" lang="en-US" sz="1800" b="0" i="0" u="none" strike="noStrike" kern="1200" cap="none" spc="0" normalizeH="0" baseline="0" noProof="0">
+              <a:ln>
+                <a:noFill/>
+              </a:ln>
+              <a:solidFill>
+                <a:prstClr val="white"/>
+              </a:solidFill>
+              <a:effectLst/>
+              <a:uLnTx/>
+              <a:uFillTx/>
+              <a:latin typeface="Calibri" panose="020F0502020204030204"/>
+              <a:ea typeface="+mn-ea"/>
+              <a:cs typeface="+mn-cs"/>
+            </a:endParaRPr>
+          </a:p>
+        </p:txBody>
+      </p:sp>
+      <p:pic>
+        <p:nvPicPr>
+          <p:cNvPr id="10" name="Picture 9" descr="A screenshot of a cell phone&#10;&#10;Description automatically generated">
+            <a:extLst>
+              <a:ext uri="{FF2B5EF4-FFF2-40B4-BE49-F238E27FC236}">
+                <a16:creationId xmlns:a16="http://schemas.microsoft.com/office/drawing/2014/main" id="{910E2E27-A2F5-BC47-B5C9-8170EE7EF1E1}"/>
+              </a:ext>
+            </a:extLst>
+          </p:cNvPr>
+          <p:cNvPicPr>
+            <a:picLocks noChangeAspect="1"/>
+          </p:cNvPicPr>
+          <p:nvPr/>
+        </p:nvPicPr>
+        <p:blipFill rotWithShape="1">
+          <a:blip r:embed="rId2"/>
+          <a:srcRect l="11031" t="5305" r="1" b="11317"/>
+          <a:stretch/>
+        </p:blipFill>
+        <p:spPr>
+          <a:xfrm>
+            <a:off x="4719843" y="670952"/>
+            <a:ext cx="7439034" cy="5516095"/>
+          </a:xfrm>
+          <a:prstGeom prst="rect">
+            <a:avLst/>
+          </a:prstGeom>
+        </p:spPr>
+      </p:pic>
+    </p:spTree>
+    <p:extLst>
+      <p:ext uri="{BB962C8B-B14F-4D97-AF65-F5344CB8AC3E}">
+        <p14:creationId xmlns:p14="http://schemas.microsoft.com/office/powerpoint/2010/main" val="1129476788"/>
+      </p:ext>
+    </p:extLst>
+  </p:cSld>
+  <p:clrMapOvr>
+    <a:masterClrMapping/>
+  </p:clrMapOvr>
+</p:sld>
+</file>
+
+<file path=ppt/slides/slide2.xml><?xml version="1.0" encoding="utf-8"?>
+<p:sld xmlns:a="http://schemas.openxmlformats.org/drawingml/2006/main" xmlns:r="http://schemas.openxmlformats.org/officeDocument/2006/relationships" xmlns:p="http://schemas.openxmlformats.org/presentationml/2006/main">
+  <p:cSld>
+    <p:spTree>
+      <p:nvGrpSpPr>
+        <p:cNvPr id="1" name=""/>
+        <p:cNvGrpSpPr/>
+        <p:nvPr/>
+      </p:nvGrpSpPr>
+      <p:grpSpPr>
+        <a:xfrm>
+          <a:off x="0" y="0"/>
+          <a:ext cx="0" cy="0"/>
+          <a:chOff x="0" y="0"/>
+          <a:chExt cx="0" cy="0"/>
+        </a:xfrm>
+      </p:grpSpPr>
+      <p:sp>
+        <p:nvSpPr>
+          <p:cNvPr id="2" name="Title 1">
+            <a:extLst>
+              <a:ext uri="{FF2B5EF4-FFF2-40B4-BE49-F238E27FC236}">
+                <a16:creationId xmlns:a16="http://schemas.microsoft.com/office/drawing/2014/main" id="{ABBD1032-7C21-EB45-88CD-39E1CDFCEED7}"/>
+              </a:ext>
+            </a:extLst>
+          </p:cNvPr>
+          <p:cNvSpPr>
+            <a:spLocks noGrp="1"/>
+          </p:cNvSpPr>
+          <p:nvPr>
+            <p:ph type="title"/>
+          </p:nvPr>
+        </p:nvSpPr>
+        <p:spPr/>
+        <p:txBody>
+          <a:bodyPr/>
+          <a:lstStyle/>
+          <a:p>
+            <a:r>
+              <a:rPr lang="en-DE" b="1" dirty="0"/>
+              <a:t>Übersicht</a:t>
+            </a:r>
+          </a:p>
+        </p:txBody>
+      </p:sp>
+      <p:sp>
+        <p:nvSpPr>
+          <p:cNvPr id="3" name="Content Placeholder 2">
+            <a:extLst>
+              <a:ext uri="{FF2B5EF4-FFF2-40B4-BE49-F238E27FC236}">
+                <a16:creationId xmlns:a16="http://schemas.microsoft.com/office/drawing/2014/main" id="{80899769-BBF7-274C-B579-0AE87166EDED}"/>
+              </a:ext>
+            </a:extLst>
+          </p:cNvPr>
+          <p:cNvSpPr>
+            <a:spLocks noGrp="1"/>
+          </p:cNvSpPr>
+          <p:nvPr>
+            <p:ph idx="1"/>
+          </p:nvPr>
+        </p:nvSpPr>
+        <p:spPr>
+          <a:xfrm>
+            <a:off x="1011936" y="2492312"/>
+            <a:ext cx="10168128" cy="3694176"/>
+          </a:xfrm>
+        </p:spPr>
+        <p:txBody>
+          <a:bodyPr>
+            <a:normAutofit lnSpcReduction="10000"/>
+          </a:bodyPr>
+          <a:lstStyle/>
+          <a:p>
+            <a:pPr marL="514350" indent="-514350">
+              <a:buAutoNum type="arabicPeriod"/>
+            </a:pPr>
+            <a:r>
+              <a:rPr lang="en-DE" sz="3200" dirty="0"/>
+              <a:t>Kurzer Überblick zum Epochenbegriff und –einteilung</a:t>
+            </a:r>
+          </a:p>
+          <a:p>
+            <a:pPr marL="514350" indent="-514350">
+              <a:buAutoNum type="arabicPeriod"/>
+            </a:pPr>
+            <a:r>
+              <a:rPr lang="en-DE" sz="3200" dirty="0"/>
+              <a:t>Das Korpus</a:t>
+            </a:r>
+          </a:p>
+          <a:p>
+            <a:pPr marL="514350" indent="-514350">
+              <a:buAutoNum type="arabicPeriod"/>
+            </a:pPr>
+            <a:r>
+              <a:rPr lang="en-GB" sz="3200" dirty="0" err="1"/>
+              <a:t>Fragestellungen</a:t>
+            </a:r>
+            <a:endParaRPr lang="en-DE" sz="3200" dirty="0"/>
+          </a:p>
+          <a:p>
+            <a:pPr marL="514350" indent="-514350">
+              <a:buAutoNum type="arabicPeriod"/>
+            </a:pPr>
+            <a:r>
+              <a:rPr lang="en-DE" sz="3200" dirty="0"/>
+              <a:t>Experimente</a:t>
+            </a:r>
+          </a:p>
+          <a:p>
+            <a:pPr marL="514350" indent="-514350">
+              <a:buAutoNum type="arabicPeriod"/>
+            </a:pPr>
+            <a:r>
+              <a:rPr lang="en-DE" sz="3200" dirty="0"/>
+              <a:t>Schlussbetrachtung</a:t>
+            </a:r>
+          </a:p>
+        </p:txBody>
+      </p:sp>
+    </p:spTree>
+    <p:extLst>
+      <p:ext uri="{BB962C8B-B14F-4D97-AF65-F5344CB8AC3E}">
+        <p14:creationId xmlns:p14="http://schemas.microsoft.com/office/powerpoint/2010/main" val="2653683036"/>
+      </p:ext>
+    </p:extLst>
+  </p:cSld>
+  <p:clrMapOvr>
+    <a:masterClrMapping/>
+  </p:clrMapOvr>
+</p:sld>
+</file>
+
+<file path=ppt/slides/slide20.xml><?xml version="1.0" encoding="utf-8"?>
+<p:sld xmlns:a="http://schemas.openxmlformats.org/drawingml/2006/main" xmlns:r="http://schemas.openxmlformats.org/officeDocument/2006/relationships" xmlns:p="http://schemas.openxmlformats.org/presentationml/2006/main">
+  <p:cSld>
+    <p:bg>
+      <p:bgPr>
+        <a:solidFill>
+          <a:schemeClr val="bg1"/>
+        </a:solidFill>
+        <a:effectLst/>
+      </p:bgPr>
+    </p:bg>
+    <p:spTree>
+      <p:nvGrpSpPr>
+        <p:cNvPr id="1" name=""/>
+        <p:cNvGrpSpPr/>
+        <p:nvPr/>
+      </p:nvGrpSpPr>
+      <p:grpSpPr>
+        <a:xfrm>
+          <a:off x="0" y="0"/>
+          <a:ext cx="0" cy="0"/>
+          <a:chOff x="0" y="0"/>
+          <a:chExt cx="0" cy="0"/>
+        </a:xfrm>
+      </p:grpSpPr>
+      <p:sp>
+        <p:nvSpPr>
+          <p:cNvPr id="16" name="Rectangle 15">
+            <a:extLst>
+              <a:ext uri="{FF2B5EF4-FFF2-40B4-BE49-F238E27FC236}">
+                <a16:creationId xmlns:a16="http://schemas.microsoft.com/office/drawing/2014/main" id="{8D06CE56-3881-4ADA-8CEF-D18B02C242A3}"/>
+              </a:ext>
+              <a:ext uri="{C183D7F6-B498-43B3-948B-1728B52AA6E4}">
+                <adec:decorative xmlns:adec="http://schemas.microsoft.com/office/drawing/2017/decorative" val="1"/>
+              </a:ext>
+            </a:extLst>
+          </p:cNvPr>
+          <p:cNvSpPr>
+            <a:spLocks noGrp="1" noRot="1" noChangeAspect="1" noMove="1" noResize="1" noEditPoints="1" noAdjustHandles="1" noChangeArrowheads="1" noChangeShapeType="1" noTextEdit="1"/>
+          </p:cNvSpPr>
+          <p:nvPr>
+            <p:extLst>
+              <p:ext uri="{386F3935-93C4-4BCD-93E2-E3B085C9AB24}">
+                <p16:designElem xmlns:p16="http://schemas.microsoft.com/office/powerpoint/2015/main" val="1"/>
+              </p:ext>
+            </p:extLst>
+          </p:nvPr>
+        </p:nvSpPr>
+        <p:spPr>
+          <a:xfrm rot="5400000">
+            <a:off x="857544" y="346791"/>
+            <a:ext cx="146304" cy="704088"/>
+          </a:xfrm>
+          <a:prstGeom prst="rect">
+            <a:avLst/>
+          </a:prstGeom>
+          <a:solidFill>
+            <a:schemeClr val="accent1"/>
+          </a:solidFill>
+          <a:ln>
+            <a:noFill/>
+          </a:ln>
+        </p:spPr>
+        <p:style>
+          <a:lnRef idx="2">
+            <a:schemeClr val="accent1">
+              <a:shade val="50000"/>
+            </a:schemeClr>
+          </a:lnRef>
+          <a:fillRef idx="1">
+            <a:schemeClr val="accent1"/>
+          </a:fillRef>
+          <a:effectRef idx="0">
+            <a:schemeClr val="accent1"/>
+          </a:effectRef>
+          <a:fontRef idx="minor">
+            <a:schemeClr val="lt1"/>
+          </a:fontRef>
+        </p:style>
+        <p:txBody>
+          <a:bodyPr rtlCol="0" anchor="ctr"/>
+          <a:lstStyle/>
+          <a:p>
+            <a:pPr marL="0" marR="0" lvl="0" indent="0" algn="ctr" defTabSz="914400" rtl="0" eaLnBrk="1" fontAlgn="auto" latinLnBrk="0" hangingPunct="1">
+              <a:lnSpc>
+                <a:spcPct val="100000"/>
+              </a:lnSpc>
+              <a:spcBef>
+                <a:spcPts val="0"/>
+              </a:spcBef>
+              <a:spcAft>
+                <a:spcPts val="0"/>
+              </a:spcAft>
+              <a:buClrTx/>
+              <a:buSzTx/>
+              <a:buFontTx/>
+              <a:buNone/>
+              <a:tabLst/>
+              <a:defRPr/>
+            </a:pPr>
+            <a:endParaRPr kumimoji="0" lang="en-US" sz="1800" b="0" i="0" u="none" strike="noStrike" kern="1200" cap="none" spc="0" normalizeH="0" baseline="0" noProof="0">
+              <a:ln>
+                <a:noFill/>
+              </a:ln>
+              <a:solidFill>
+                <a:prstClr val="white"/>
+              </a:solidFill>
+              <a:effectLst/>
+              <a:uLnTx/>
+              <a:uFillTx/>
+              <a:latin typeface="Calibri" panose="020F0502020204030204"/>
+              <a:ea typeface="+mn-ea"/>
+              <a:cs typeface="+mn-cs"/>
+            </a:endParaRPr>
+          </a:p>
+        </p:txBody>
+      </p:sp>
+      <p:sp>
+        <p:nvSpPr>
+          <p:cNvPr id="18" name="Rectangle 17">
+            <a:extLst>
+              <a:ext uri="{FF2B5EF4-FFF2-40B4-BE49-F238E27FC236}">
+                <a16:creationId xmlns:a16="http://schemas.microsoft.com/office/drawing/2014/main" id="{79F3C543-62EC-4433-9C93-A2CD8764E9B4}"/>
+              </a:ext>
+              <a:ext uri="{C183D7F6-B498-43B3-948B-1728B52AA6E4}">
+                <adec:decorative xmlns:adec="http://schemas.microsoft.com/office/drawing/2017/decorative" val="1"/>
+              </a:ext>
+            </a:extLst>
+          </p:cNvPr>
+          <p:cNvSpPr>
+            <a:spLocks noGrp="1" noRot="1" noChangeAspect="1" noMove="1" noResize="1" noEditPoints="1" noAdjustHandles="1" noChangeArrowheads="1" noChangeShapeType="1" noTextEdit="1"/>
+          </p:cNvSpPr>
+          <p:nvPr>
+            <p:extLst>
+              <p:ext uri="{386F3935-93C4-4BCD-93E2-E3B085C9AB24}">
+                <p16:designElem xmlns:p16="http://schemas.microsoft.com/office/powerpoint/2015/main" val="1"/>
+              </p:ext>
+            </p:extLst>
+          </p:nvPr>
+        </p:nvSpPr>
+        <p:spPr>
+          <a:xfrm flipV="1">
+            <a:off x="578652" y="4501201"/>
+            <a:ext cx="11034696" cy="18288"/>
+          </a:xfrm>
+          <a:prstGeom prst="rect">
+            <a:avLst/>
+          </a:prstGeom>
+          <a:solidFill>
+            <a:schemeClr val="tx2">
+              <a:lumMod val="25000"/>
+              <a:lumOff val="75000"/>
+            </a:schemeClr>
+          </a:solidFill>
+          <a:ln w="3175">
+            <a:noFill/>
+          </a:ln>
+          <a:effectLst/>
+        </p:spPr>
+        <p:style>
+          <a:lnRef idx="2">
+            <a:schemeClr val="accent1">
+              <a:shade val="50000"/>
+            </a:schemeClr>
+          </a:lnRef>
+          <a:fillRef idx="1">
+            <a:schemeClr val="accent1"/>
+          </a:fillRef>
+          <a:effectRef idx="0">
+            <a:schemeClr val="accent1"/>
+          </a:effectRef>
+          <a:fontRef idx="minor">
+            <a:schemeClr val="lt1"/>
+          </a:fontRef>
+        </p:style>
+        <p:txBody>
+          <a:bodyPr rtlCol="0" anchor="ctr"/>
+          <a:lstStyle/>
+          <a:p>
+            <a:pPr marL="0" marR="0" lvl="0" indent="0" algn="ctr" defTabSz="914400" rtl="0" eaLnBrk="1" fontAlgn="auto" latinLnBrk="0" hangingPunct="1">
+              <a:lnSpc>
+                <a:spcPct val="100000"/>
+              </a:lnSpc>
+              <a:spcBef>
+                <a:spcPts val="0"/>
+              </a:spcBef>
+              <a:spcAft>
+                <a:spcPts val="0"/>
+              </a:spcAft>
+              <a:buClrTx/>
+              <a:buSzTx/>
+              <a:buFontTx/>
+              <a:buNone/>
+              <a:tabLst/>
+              <a:defRPr/>
+            </a:pPr>
+            <a:endParaRPr kumimoji="0" lang="en-US" sz="1800" b="0" i="0" u="none" strike="noStrike" kern="1200" cap="none" spc="0" normalizeH="0" baseline="0" noProof="0">
+              <a:ln>
+                <a:noFill/>
+              </a:ln>
+              <a:solidFill>
+                <a:prstClr val="white"/>
+              </a:solidFill>
+              <a:effectLst/>
+              <a:uLnTx/>
+              <a:uFillTx/>
+              <a:latin typeface="Calibri" panose="020F0502020204030204"/>
+              <a:ea typeface="+mn-ea"/>
+              <a:cs typeface="+mn-cs"/>
+            </a:endParaRPr>
+          </a:p>
+        </p:txBody>
+      </p:sp>
+      <p:sp useBgFill="1">
+        <p:nvSpPr>
+          <p:cNvPr id="20" name="Rectangle 19">
+            <a:extLst>
+              <a:ext uri="{FF2B5EF4-FFF2-40B4-BE49-F238E27FC236}">
+                <a16:creationId xmlns:a16="http://schemas.microsoft.com/office/drawing/2014/main" id="{68AF5748-FED8-45BA-8631-26D1D10F3246}"/>
+              </a:ext>
+              <a:ext uri="{C183D7F6-B498-43B3-948B-1728B52AA6E4}">
+                <adec:decorative xmlns:adec="http://schemas.microsoft.com/office/drawing/2017/decorative" val="1"/>
+              </a:ext>
+            </a:extLst>
+          </p:cNvPr>
+          <p:cNvSpPr>
+            <a:spLocks noGrp="1" noRot="1" noChangeAspect="1" noMove="1" noResize="1" noEditPoints="1" noAdjustHandles="1" noChangeArrowheads="1" noChangeShapeType="1" noTextEdit="1"/>
+          </p:cNvSpPr>
+          <p:nvPr>
+            <p:extLst>
+              <p:ext uri="{386F3935-93C4-4BCD-93E2-E3B085C9AB24}">
+                <p16:designElem xmlns:p16="http://schemas.microsoft.com/office/powerpoint/2015/main" val="1"/>
+              </p:ext>
+            </p:extLst>
+          </p:nvPr>
+        </p:nvSpPr>
+        <p:spPr>
+          <a:xfrm>
+            <a:off x="0" y="0"/>
+            <a:ext cx="12192000" cy="6858000"/>
+          </a:xfrm>
+          <a:prstGeom prst="rect">
+            <a:avLst/>
+          </a:prstGeom>
+          <a:ln>
+            <a:noFill/>
+          </a:ln>
+        </p:spPr>
+        <p:style>
+          <a:lnRef idx="2">
+            <a:schemeClr val="accent1">
+              <a:shade val="50000"/>
+            </a:schemeClr>
+          </a:lnRef>
+          <a:fillRef idx="1">
+            <a:schemeClr val="accent1"/>
+          </a:fillRef>
+          <a:effectRef idx="0">
+            <a:schemeClr val="accent1"/>
+          </a:effectRef>
+          <a:fontRef idx="minor">
+            <a:schemeClr val="lt1"/>
+          </a:fontRef>
+        </p:style>
+        <p:txBody>
+          <a:bodyPr rtlCol="0" anchor="ctr"/>
+          <a:lstStyle/>
+          <a:p>
+            <a:pPr algn="ctr"/>
+            <a:endParaRPr lang="en-US"/>
+          </a:p>
+        </p:txBody>
+      </p:sp>
+      <p:sp>
+        <p:nvSpPr>
+          <p:cNvPr id="2" name="Title 1">
+            <a:extLst>
+              <a:ext uri="{FF2B5EF4-FFF2-40B4-BE49-F238E27FC236}">
+                <a16:creationId xmlns:a16="http://schemas.microsoft.com/office/drawing/2014/main" id="{6EB97A2B-FE5C-534E-B670-6CA8E78B29AF}"/>
+              </a:ext>
+            </a:extLst>
+          </p:cNvPr>
+          <p:cNvSpPr>
+            <a:spLocks noGrp="1"/>
+          </p:cNvSpPr>
+          <p:nvPr>
+            <p:ph type="title"/>
+          </p:nvPr>
+        </p:nvSpPr>
+        <p:spPr>
+          <a:xfrm>
+            <a:off x="477981" y="1122363"/>
+            <a:ext cx="4023360" cy="3204134"/>
+          </a:xfrm>
+        </p:spPr>
+        <p:txBody>
+          <a:bodyPr vert="horz" lIns="91440" tIns="45720" rIns="91440" bIns="45720" rtlCol="0" anchor="b">
+            <a:normAutofit/>
+          </a:bodyPr>
+          <a:lstStyle/>
+          <a:p>
+            <a:r>
+              <a:rPr lang="en-US" sz="4800" b="1" dirty="0"/>
+              <a:t>K-Means</a:t>
+            </a:r>
+            <a:br>
+              <a:rPr lang="en-US" sz="4800" b="1" dirty="0"/>
+            </a:br>
+            <a:r>
+              <a:rPr lang="en-US" sz="4800"/>
+              <a:t>alle</a:t>
+            </a:r>
+            <a:r>
+              <a:rPr lang="en-US" sz="4800" dirty="0"/>
+              <a:t> </a:t>
+            </a:r>
+            <a:r>
+              <a:rPr lang="en-US" sz="4800"/>
+              <a:t>Epochen</a:t>
+            </a:r>
+            <a:endParaRPr lang="en-US" sz="4800" b="1" dirty="0"/>
+          </a:p>
+        </p:txBody>
+      </p:sp>
+      <p:sp>
+        <p:nvSpPr>
+          <p:cNvPr id="6" name="TextBox 5">
+            <a:extLst>
+              <a:ext uri="{FF2B5EF4-FFF2-40B4-BE49-F238E27FC236}">
+                <a16:creationId xmlns:a16="http://schemas.microsoft.com/office/drawing/2014/main" id="{467DA40B-BE7B-B346-AE07-CAC87581B684}"/>
+              </a:ext>
+            </a:extLst>
+          </p:cNvPr>
+          <p:cNvSpPr txBox="1"/>
+          <p:nvPr/>
+        </p:nvSpPr>
+        <p:spPr>
+          <a:xfrm>
+            <a:off x="477981" y="4872922"/>
+            <a:ext cx="3933306" cy="1208141"/>
+          </a:xfrm>
+          <a:prstGeom prst="rect">
+            <a:avLst/>
+          </a:prstGeom>
+        </p:spPr>
+        <p:txBody>
+          <a:bodyPr vert="horz" lIns="91440" tIns="45720" rIns="91440" bIns="45720" rtlCol="0">
+            <a:normAutofit lnSpcReduction="10000"/>
+          </a:bodyPr>
+          <a:lstStyle/>
+          <a:p>
+            <a:pPr>
+              <a:lnSpc>
+                <a:spcPct val="110000"/>
+              </a:lnSpc>
+              <a:spcBef>
+                <a:spcPts val="1000"/>
+              </a:spcBef>
+            </a:pPr>
+            <a:r>
+              <a:rPr lang="en-US" sz="3200" b="1" dirty="0" err="1"/>
+              <a:t>ari</a:t>
+            </a:r>
+            <a:r>
+              <a:rPr lang="en-US" sz="3200" dirty="0"/>
+              <a:t>:  0.134</a:t>
+            </a:r>
+          </a:p>
+          <a:p>
+            <a:pPr>
+              <a:lnSpc>
+                <a:spcPct val="110000"/>
+              </a:lnSpc>
+              <a:spcBef>
+                <a:spcPts val="1000"/>
+              </a:spcBef>
+            </a:pPr>
+            <a:r>
+              <a:rPr lang="en-US" sz="3200" b="1" dirty="0" err="1"/>
+              <a:t>vm</a:t>
+            </a:r>
+            <a:r>
+              <a:rPr lang="en-US" sz="3200" dirty="0"/>
+              <a:t>: 0.35</a:t>
+            </a:r>
+            <a:endParaRPr lang="en-US" sz="3200" b="1" dirty="0"/>
+          </a:p>
+        </p:txBody>
+      </p:sp>
+      <p:sp>
+        <p:nvSpPr>
+          <p:cNvPr id="22" name="Rectangle 21">
+            <a:extLst>
+              <a:ext uri="{FF2B5EF4-FFF2-40B4-BE49-F238E27FC236}">
+                <a16:creationId xmlns:a16="http://schemas.microsoft.com/office/drawing/2014/main" id="{AF2F604E-43BE-4DC3-B983-E071523364F8}"/>
+              </a:ext>
+              <a:ext uri="{C183D7F6-B498-43B3-948B-1728B52AA6E4}">
+                <adec:decorative xmlns:adec="http://schemas.microsoft.com/office/drawing/2017/decorative" val="1"/>
+              </a:ext>
+            </a:extLst>
+          </p:cNvPr>
+          <p:cNvSpPr>
+            <a:spLocks noGrp="1" noRot="1" noChangeAspect="1" noMove="1" noResize="1" noEditPoints="1" noAdjustHandles="1" noChangeArrowheads="1" noChangeShapeType="1" noTextEdit="1"/>
+          </p:cNvSpPr>
+          <p:nvPr>
+            <p:extLst>
+              <p:ext uri="{386F3935-93C4-4BCD-93E2-E3B085C9AB24}">
+                <p16:designElem xmlns:p16="http://schemas.microsoft.com/office/powerpoint/2015/main" val="1"/>
+              </p:ext>
+            </p:extLst>
+          </p:nvPr>
+        </p:nvSpPr>
+        <p:spPr>
+          <a:xfrm rot="5400000">
+            <a:off x="759921" y="346791"/>
+            <a:ext cx="146304" cy="704088"/>
+          </a:xfrm>
+          <a:prstGeom prst="rect">
+            <a:avLst/>
+          </a:prstGeom>
+          <a:solidFill>
+            <a:schemeClr val="accent1"/>
+          </a:solidFill>
+          <a:ln>
+            <a:noFill/>
+          </a:ln>
+        </p:spPr>
+        <p:style>
+          <a:lnRef idx="2">
+            <a:schemeClr val="accent1">
+              <a:shade val="50000"/>
+            </a:schemeClr>
+          </a:lnRef>
+          <a:fillRef idx="1">
+            <a:schemeClr val="accent1"/>
+          </a:fillRef>
+          <a:effectRef idx="0">
+            <a:schemeClr val="accent1"/>
+          </a:effectRef>
+          <a:fontRef idx="minor">
+            <a:schemeClr val="lt1"/>
+          </a:fontRef>
+        </p:style>
+        <p:txBody>
+          <a:bodyPr rtlCol="0" anchor="ctr"/>
+          <a:lstStyle/>
+          <a:p>
+            <a:pPr marL="0" marR="0" lvl="0" indent="0" algn="ctr" defTabSz="914400" rtl="0" eaLnBrk="1" fontAlgn="auto" latinLnBrk="0" hangingPunct="1">
+              <a:lnSpc>
+                <a:spcPct val="100000"/>
+              </a:lnSpc>
+              <a:spcBef>
+                <a:spcPts val="0"/>
+              </a:spcBef>
+              <a:spcAft>
+                <a:spcPts val="0"/>
+              </a:spcAft>
+              <a:buClrTx/>
+              <a:buSzTx/>
+              <a:buFontTx/>
+              <a:buNone/>
+              <a:tabLst/>
+              <a:defRPr/>
+            </a:pPr>
+            <a:endParaRPr kumimoji="0" lang="en-US" sz="1800" b="0" i="0" u="none" strike="noStrike" kern="1200" cap="none" spc="0" normalizeH="0" baseline="0" noProof="0">
+              <a:ln>
+                <a:noFill/>
+              </a:ln>
+              <a:solidFill>
+                <a:prstClr val="white"/>
+              </a:solidFill>
+              <a:effectLst/>
+              <a:uLnTx/>
+              <a:uFillTx/>
+              <a:latin typeface="Calibri" panose="020F0502020204030204"/>
+              <a:ea typeface="+mn-ea"/>
+              <a:cs typeface="+mn-cs"/>
+            </a:endParaRPr>
+          </a:p>
+        </p:txBody>
+      </p:sp>
+      <p:sp>
+        <p:nvSpPr>
+          <p:cNvPr id="24" name="Rectangle 23">
+            <a:extLst>
+              <a:ext uri="{FF2B5EF4-FFF2-40B4-BE49-F238E27FC236}">
+                <a16:creationId xmlns:a16="http://schemas.microsoft.com/office/drawing/2014/main" id="{08C9B587-E65E-4B52-B37C-ABEBB6E87928}"/>
+              </a:ext>
+              <a:ext uri="{C183D7F6-B498-43B3-948B-1728B52AA6E4}">
+                <adec:decorative xmlns:adec="http://schemas.microsoft.com/office/drawing/2017/decorative" val="1"/>
+              </a:ext>
+            </a:extLst>
+          </p:cNvPr>
+          <p:cNvSpPr>
+            <a:spLocks noGrp="1" noRot="1" noChangeAspect="1" noMove="1" noResize="1" noEditPoints="1" noAdjustHandles="1" noChangeArrowheads="1" noChangeShapeType="1" noTextEdit="1"/>
+          </p:cNvSpPr>
+          <p:nvPr>
+            <p:extLst>
+              <p:ext uri="{386F3935-93C4-4BCD-93E2-E3B085C9AB24}">
+                <p16:designElem xmlns:p16="http://schemas.microsoft.com/office/powerpoint/2015/main" val="1"/>
+              </p:ext>
+            </p:extLst>
+          </p:nvPr>
+        </p:nvSpPr>
+        <p:spPr>
+          <a:xfrm>
+            <a:off x="481029" y="4546920"/>
+            <a:ext cx="4023360" cy="18288"/>
+          </a:xfrm>
+          <a:prstGeom prst="rect">
+            <a:avLst/>
+          </a:prstGeom>
+          <a:solidFill>
+            <a:schemeClr val="tx2">
+              <a:lumMod val="25000"/>
+              <a:lumOff val="75000"/>
+            </a:schemeClr>
+          </a:solidFill>
+          <a:ln w="3175">
+            <a:noFill/>
+          </a:ln>
+          <a:effectLst/>
+        </p:spPr>
+        <p:style>
+          <a:lnRef idx="2">
+            <a:schemeClr val="accent1">
+              <a:shade val="50000"/>
+            </a:schemeClr>
+          </a:lnRef>
+          <a:fillRef idx="1">
+            <a:schemeClr val="accent1"/>
+          </a:fillRef>
+          <a:effectRef idx="0">
+            <a:schemeClr val="accent1"/>
+          </a:effectRef>
+          <a:fontRef idx="minor">
+            <a:schemeClr val="lt1"/>
+          </a:fontRef>
+        </p:style>
+        <p:txBody>
+          <a:bodyPr rtlCol="0" anchor="ctr"/>
+          <a:lstStyle/>
+          <a:p>
+            <a:pPr marL="0" marR="0" lvl="0" indent="0" algn="ctr" defTabSz="914400" rtl="0" eaLnBrk="1" fontAlgn="auto" latinLnBrk="0" hangingPunct="1">
+              <a:lnSpc>
+                <a:spcPct val="100000"/>
+              </a:lnSpc>
+              <a:spcBef>
+                <a:spcPts val="0"/>
+              </a:spcBef>
+              <a:spcAft>
+                <a:spcPts val="0"/>
+              </a:spcAft>
+              <a:buClrTx/>
+              <a:buSzTx/>
+              <a:buFontTx/>
+              <a:buNone/>
+              <a:tabLst/>
+              <a:defRPr/>
+            </a:pPr>
+            <a:endParaRPr kumimoji="0" lang="en-US" sz="1800" b="0" i="0" u="none" strike="noStrike" kern="1200" cap="none" spc="0" normalizeH="0" baseline="0" noProof="0">
+              <a:ln>
+                <a:noFill/>
+              </a:ln>
+              <a:solidFill>
+                <a:prstClr val="white"/>
+              </a:solidFill>
+              <a:effectLst/>
+              <a:uLnTx/>
+              <a:uFillTx/>
+              <a:latin typeface="Calibri" panose="020F0502020204030204"/>
+              <a:ea typeface="+mn-ea"/>
+              <a:cs typeface="+mn-cs"/>
+            </a:endParaRPr>
+          </a:p>
+        </p:txBody>
+      </p:sp>
+      <p:pic>
+        <p:nvPicPr>
+          <p:cNvPr id="11" name="Picture 10" descr="A screenshot of a cell phone&#10;&#10;Description automatically generated">
+            <a:extLst>
+              <a:ext uri="{FF2B5EF4-FFF2-40B4-BE49-F238E27FC236}">
+                <a16:creationId xmlns:a16="http://schemas.microsoft.com/office/drawing/2014/main" id="{A12F41B9-33BD-B542-8CA7-4117BD178B5B}"/>
+              </a:ext>
+            </a:extLst>
+          </p:cNvPr>
+          <p:cNvPicPr>
+            <a:picLocks noChangeAspect="1"/>
+          </p:cNvPicPr>
+          <p:nvPr/>
+        </p:nvPicPr>
+        <p:blipFill rotWithShape="1">
+          <a:blip r:embed="rId2"/>
+          <a:srcRect l="11461" t="7168" r="14845" b="10789"/>
+          <a:stretch/>
+        </p:blipFill>
+        <p:spPr>
+          <a:xfrm>
+            <a:off x="4666191" y="183113"/>
+            <a:ext cx="7357910" cy="6491774"/>
+          </a:xfrm>
+          <a:prstGeom prst="rect">
+            <a:avLst/>
+          </a:prstGeom>
+        </p:spPr>
+      </p:pic>
+    </p:spTree>
+    <p:extLst>
+      <p:ext uri="{BB962C8B-B14F-4D97-AF65-F5344CB8AC3E}">
+        <p14:creationId xmlns:p14="http://schemas.microsoft.com/office/powerpoint/2010/main" val="3304992429"/>
+      </p:ext>
+    </p:extLst>
+  </p:cSld>
+  <p:clrMapOvr>
+    <a:masterClrMapping/>
+  </p:clrMapOvr>
+</p:sld>
+</file>
+
+<file path=ppt/slides/slide21.xml><?xml version="1.0" encoding="utf-8"?>
+<p:sld xmlns:a="http://schemas.openxmlformats.org/drawingml/2006/main" xmlns:r="http://schemas.openxmlformats.org/officeDocument/2006/relationships" xmlns:p="http://schemas.openxmlformats.org/presentationml/2006/main">
+  <p:cSld>
+    <p:spTree>
+      <p:nvGrpSpPr>
+        <p:cNvPr id="1" name=""/>
+        <p:cNvGrpSpPr/>
+        <p:nvPr/>
+      </p:nvGrpSpPr>
+      <p:grpSpPr>
+        <a:xfrm>
+          <a:off x="0" y="0"/>
+          <a:ext cx="0" cy="0"/>
+          <a:chOff x="0" y="0"/>
+          <a:chExt cx="0" cy="0"/>
+        </a:xfrm>
+      </p:grpSpPr>
+      <p:sp>
+        <p:nvSpPr>
+          <p:cNvPr id="2" name="Title 1">
+            <a:extLst>
+              <a:ext uri="{FF2B5EF4-FFF2-40B4-BE49-F238E27FC236}">
+                <a16:creationId xmlns:a16="http://schemas.microsoft.com/office/drawing/2014/main" id="{DCBE102F-D2BB-3946-AEF1-AE93DF5165E5}"/>
+              </a:ext>
+            </a:extLst>
+          </p:cNvPr>
+          <p:cNvSpPr>
+            <a:spLocks noGrp="1"/>
+          </p:cNvSpPr>
+          <p:nvPr>
+            <p:ph type="title"/>
+          </p:nvPr>
+        </p:nvSpPr>
+        <p:spPr/>
+        <p:txBody>
+          <a:bodyPr>
+            <a:normAutofit/>
+          </a:bodyPr>
+          <a:lstStyle/>
+          <a:p>
+            <a:r>
+              <a:rPr lang="de-DE" sz="4400" b="1" dirty="0"/>
+              <a:t>4.2.  Clustering von jeweils</a:t>
+            </a:r>
+            <a:br>
+              <a:rPr lang="de-DE" sz="4400" b="1" dirty="0"/>
+            </a:br>
+            <a:r>
+              <a:rPr lang="de-DE" sz="4400" b="1" dirty="0"/>
+              <a:t>	   zwei Epochen</a:t>
+            </a:r>
+            <a:endParaRPr lang="de-DE" sz="4800" b="1" dirty="0"/>
+          </a:p>
+        </p:txBody>
+      </p:sp>
+    </p:spTree>
+    <p:extLst>
+      <p:ext uri="{BB962C8B-B14F-4D97-AF65-F5344CB8AC3E}">
+        <p14:creationId xmlns:p14="http://schemas.microsoft.com/office/powerpoint/2010/main" val="186860969"/>
+      </p:ext>
+    </p:extLst>
+  </p:cSld>
+  <p:clrMapOvr>
+    <a:masterClrMapping/>
+  </p:clrMapOvr>
+</p:sld>
+</file>
+
+<file path=ppt/slides/slide22.xml><?xml version="1.0" encoding="utf-8"?>
 <p:sld xmlns:a="http://schemas.openxmlformats.org/drawingml/2006/main" xmlns:r="http://schemas.openxmlformats.org/officeDocument/2006/relationships" xmlns:p="http://schemas.openxmlformats.org/presentationml/2006/main">
   <p:cSld>
     <p:spTree>
@@ -11904,1711 +13450,7 @@
 </p:sld>
 </file>
 
-<file path=ppt/slides/slide19.xml><?xml version="1.0" encoding="utf-8"?>
-<p:sld xmlns:a="http://schemas.openxmlformats.org/drawingml/2006/main" xmlns:r="http://schemas.openxmlformats.org/officeDocument/2006/relationships" xmlns:p="http://schemas.openxmlformats.org/presentationml/2006/main">
-  <p:cSld>
-    <p:spTree>
-      <p:nvGrpSpPr>
-        <p:cNvPr id="1" name=""/>
-        <p:cNvGrpSpPr/>
-        <p:nvPr/>
-      </p:nvGrpSpPr>
-      <p:grpSpPr>
-        <a:xfrm>
-          <a:off x="0" y="0"/>
-          <a:ext cx="0" cy="0"/>
-          <a:chOff x="0" y="0"/>
-          <a:chExt cx="0" cy="0"/>
-        </a:xfrm>
-      </p:grpSpPr>
-      <p:sp>
-        <p:nvSpPr>
-          <p:cNvPr id="2" name="Title 1">
-            <a:extLst>
-              <a:ext uri="{FF2B5EF4-FFF2-40B4-BE49-F238E27FC236}">
-                <a16:creationId xmlns:a16="http://schemas.microsoft.com/office/drawing/2014/main" id="{0959BEBF-BB7C-FF49-93DA-FD44946F112E}"/>
-              </a:ext>
-            </a:extLst>
-          </p:cNvPr>
-          <p:cNvSpPr>
-            <a:spLocks noGrp="1"/>
-          </p:cNvSpPr>
-          <p:nvPr>
-            <p:ph type="title"/>
-          </p:nvPr>
-        </p:nvSpPr>
-        <p:spPr/>
-        <p:txBody>
-          <a:bodyPr/>
-          <a:lstStyle/>
-          <a:p>
-            <a:r>
-              <a:rPr lang="de-DE" b="1" dirty="0"/>
-              <a:t>Evaluationsmaße</a:t>
-            </a:r>
-          </a:p>
-        </p:txBody>
-      </p:sp>
-      <p:sp>
-        <p:nvSpPr>
-          <p:cNvPr id="3" name="Content Placeholder 2">
-            <a:extLst>
-              <a:ext uri="{FF2B5EF4-FFF2-40B4-BE49-F238E27FC236}">
-                <a16:creationId xmlns:a16="http://schemas.microsoft.com/office/drawing/2014/main" id="{5010B43E-21CA-8A4B-AEAB-6F1A4E8612FE}"/>
-              </a:ext>
-            </a:extLst>
-          </p:cNvPr>
-          <p:cNvSpPr>
-            <a:spLocks noGrp="1"/>
-          </p:cNvSpPr>
-          <p:nvPr>
-            <p:ph idx="1"/>
-          </p:nvPr>
-        </p:nvSpPr>
-        <p:spPr/>
-        <p:txBody>
-          <a:bodyPr/>
-          <a:lstStyle/>
-          <a:p>
-            <a:r>
-              <a:rPr lang="de-DE" dirty="0" err="1"/>
-              <a:t>Adjusted</a:t>
-            </a:r>
-            <a:r>
-              <a:rPr lang="de-DE" dirty="0"/>
-              <a:t> Rand Index (kurz: </a:t>
-            </a:r>
-            <a:r>
-              <a:rPr lang="de-DE" b="1" dirty="0" err="1"/>
-              <a:t>ari</a:t>
-            </a:r>
-            <a:r>
-              <a:rPr lang="de-DE" dirty="0"/>
-              <a:t>)</a:t>
-            </a:r>
-          </a:p>
-          <a:p>
-            <a:r>
-              <a:rPr lang="de-DE" dirty="0"/>
-              <a:t>V-</a:t>
-            </a:r>
-            <a:r>
-              <a:rPr lang="de-DE" dirty="0" err="1"/>
-              <a:t>measure</a:t>
-            </a:r>
-            <a:r>
-              <a:rPr lang="de-DE" dirty="0"/>
-              <a:t> (kurz: </a:t>
-            </a:r>
-            <a:r>
-              <a:rPr lang="de-DE" b="1" dirty="0" err="1"/>
-              <a:t>vm</a:t>
-            </a:r>
-            <a:r>
-              <a:rPr lang="de-DE" dirty="0"/>
-              <a:t>)</a:t>
-            </a:r>
-          </a:p>
-          <a:p>
-            <a:pPr lvl="1"/>
-            <a:r>
-              <a:rPr lang="de-DE" dirty="0"/>
-              <a:t>Harmonisches Mittel zwischen </a:t>
-            </a:r>
-            <a:r>
-              <a:rPr lang="en-GB" i="1" dirty="0"/>
-              <a:t>homogeneity</a:t>
-            </a:r>
-            <a:r>
-              <a:rPr lang="en-GB" dirty="0"/>
-              <a:t> &amp; </a:t>
-            </a:r>
-            <a:r>
-              <a:rPr lang="en-GB" i="1" dirty="0"/>
-              <a:t>completeness</a:t>
-            </a:r>
-            <a:endParaRPr lang="en-GB" dirty="0"/>
-          </a:p>
-          <a:p>
-            <a:pPr lvl="1"/>
-            <a:r>
-              <a:rPr lang="en-GB" i="1" dirty="0"/>
-              <a:t>homogeneity</a:t>
-            </a:r>
-            <a:r>
-              <a:rPr lang="en-GB" dirty="0"/>
-              <a:t> (</a:t>
-            </a:r>
-            <a:r>
-              <a:rPr lang="en-GB" dirty="0" err="1"/>
-              <a:t>wie</a:t>
-            </a:r>
-            <a:r>
-              <a:rPr lang="en-GB" dirty="0"/>
-              <a:t> </a:t>
-            </a:r>
-            <a:r>
-              <a:rPr lang="en-GB" dirty="0" err="1"/>
-              <a:t>homogen</a:t>
-            </a:r>
-            <a:r>
-              <a:rPr lang="en-GB" dirty="0"/>
-              <a:t> </a:t>
-            </a:r>
-            <a:r>
-              <a:rPr lang="en-GB" dirty="0" err="1"/>
-              <a:t>sind</a:t>
-            </a:r>
-            <a:r>
-              <a:rPr lang="en-GB" dirty="0"/>
-              <a:t> Cluster)</a:t>
-            </a:r>
-          </a:p>
-          <a:p>
-            <a:pPr lvl="1"/>
-            <a:r>
-              <a:rPr lang="en-GB" i="1" dirty="0"/>
-              <a:t>completeness</a:t>
-            </a:r>
-            <a:r>
-              <a:rPr lang="en-GB" dirty="0"/>
-              <a:t> (</a:t>
-            </a:r>
-            <a:r>
-              <a:rPr lang="en-GB" dirty="0" err="1"/>
-              <a:t>wie</a:t>
-            </a:r>
-            <a:r>
-              <a:rPr lang="en-GB" dirty="0"/>
-              <a:t> </a:t>
-            </a:r>
-            <a:r>
-              <a:rPr lang="en-GB" dirty="0" err="1"/>
-              <a:t>vollständig</a:t>
-            </a:r>
-            <a:r>
-              <a:rPr lang="en-GB" dirty="0"/>
-              <a:t> </a:t>
-            </a:r>
-            <a:r>
-              <a:rPr lang="en-GB" dirty="0" err="1"/>
-              <a:t>sind</a:t>
-            </a:r>
-            <a:r>
-              <a:rPr lang="en-GB" dirty="0"/>
-              <a:t> Cluster)</a:t>
-            </a:r>
-          </a:p>
-        </p:txBody>
-      </p:sp>
-    </p:spTree>
-    <p:extLst>
-      <p:ext uri="{BB962C8B-B14F-4D97-AF65-F5344CB8AC3E}">
-        <p14:creationId xmlns:p14="http://schemas.microsoft.com/office/powerpoint/2010/main" val="228732159"/>
-      </p:ext>
-    </p:extLst>
-  </p:cSld>
-  <p:clrMapOvr>
-    <a:masterClrMapping/>
-  </p:clrMapOvr>
-</p:sld>
-</file>
-
-<file path=ppt/slides/slide2.xml><?xml version="1.0" encoding="utf-8"?>
-<p:sld xmlns:a="http://schemas.openxmlformats.org/drawingml/2006/main" xmlns:r="http://schemas.openxmlformats.org/officeDocument/2006/relationships" xmlns:p="http://schemas.openxmlformats.org/presentationml/2006/main">
-  <p:cSld>
-    <p:spTree>
-      <p:nvGrpSpPr>
-        <p:cNvPr id="1" name=""/>
-        <p:cNvGrpSpPr/>
-        <p:nvPr/>
-      </p:nvGrpSpPr>
-      <p:grpSpPr>
-        <a:xfrm>
-          <a:off x="0" y="0"/>
-          <a:ext cx="0" cy="0"/>
-          <a:chOff x="0" y="0"/>
-          <a:chExt cx="0" cy="0"/>
-        </a:xfrm>
-      </p:grpSpPr>
-      <p:sp>
-        <p:nvSpPr>
-          <p:cNvPr id="2" name="Title 1">
-            <a:extLst>
-              <a:ext uri="{FF2B5EF4-FFF2-40B4-BE49-F238E27FC236}">
-                <a16:creationId xmlns:a16="http://schemas.microsoft.com/office/drawing/2014/main" id="{ABBD1032-7C21-EB45-88CD-39E1CDFCEED7}"/>
-              </a:ext>
-            </a:extLst>
-          </p:cNvPr>
-          <p:cNvSpPr>
-            <a:spLocks noGrp="1"/>
-          </p:cNvSpPr>
-          <p:nvPr>
-            <p:ph type="title"/>
-          </p:nvPr>
-        </p:nvSpPr>
-        <p:spPr/>
-        <p:txBody>
-          <a:bodyPr/>
-          <a:lstStyle/>
-          <a:p>
-            <a:r>
-              <a:rPr lang="en-DE" b="1" dirty="0"/>
-              <a:t>Übersicht</a:t>
-            </a:r>
-          </a:p>
-        </p:txBody>
-      </p:sp>
-      <p:sp>
-        <p:nvSpPr>
-          <p:cNvPr id="3" name="Content Placeholder 2">
-            <a:extLst>
-              <a:ext uri="{FF2B5EF4-FFF2-40B4-BE49-F238E27FC236}">
-                <a16:creationId xmlns:a16="http://schemas.microsoft.com/office/drawing/2014/main" id="{80899769-BBF7-274C-B579-0AE87166EDED}"/>
-              </a:ext>
-            </a:extLst>
-          </p:cNvPr>
-          <p:cNvSpPr>
-            <a:spLocks noGrp="1"/>
-          </p:cNvSpPr>
-          <p:nvPr>
-            <p:ph idx="1"/>
-          </p:nvPr>
-        </p:nvSpPr>
-        <p:spPr>
-          <a:xfrm>
-            <a:off x="1011936" y="2492312"/>
-            <a:ext cx="10168128" cy="3694176"/>
-          </a:xfrm>
-        </p:spPr>
-        <p:txBody>
-          <a:bodyPr>
-            <a:normAutofit lnSpcReduction="10000"/>
-          </a:bodyPr>
-          <a:lstStyle/>
-          <a:p>
-            <a:pPr marL="514350" indent="-514350">
-              <a:buAutoNum type="arabicPeriod"/>
-            </a:pPr>
-            <a:r>
-              <a:rPr lang="en-DE" sz="3200" dirty="0"/>
-              <a:t>Kurzer Überblick zum Epochenbegriff und –einteilung</a:t>
-            </a:r>
-          </a:p>
-          <a:p>
-            <a:pPr marL="514350" indent="-514350">
-              <a:buAutoNum type="arabicPeriod"/>
-            </a:pPr>
-            <a:r>
-              <a:rPr lang="en-DE" sz="3200" dirty="0"/>
-              <a:t>Das Korpus</a:t>
-            </a:r>
-          </a:p>
-          <a:p>
-            <a:pPr marL="514350" indent="-514350">
-              <a:buAutoNum type="arabicPeriod"/>
-            </a:pPr>
-            <a:r>
-              <a:rPr lang="en-GB" sz="3200" dirty="0" err="1"/>
-              <a:t>Fragestellungen</a:t>
-            </a:r>
-            <a:endParaRPr lang="en-DE" sz="3200" dirty="0"/>
-          </a:p>
-          <a:p>
-            <a:pPr marL="514350" indent="-514350">
-              <a:buAutoNum type="arabicPeriod"/>
-            </a:pPr>
-            <a:r>
-              <a:rPr lang="en-DE" sz="3200" dirty="0"/>
-              <a:t>Experimente</a:t>
-            </a:r>
-          </a:p>
-          <a:p>
-            <a:pPr marL="514350" indent="-514350">
-              <a:buAutoNum type="arabicPeriod"/>
-            </a:pPr>
-            <a:r>
-              <a:rPr lang="en-DE" sz="3200" dirty="0"/>
-              <a:t>Schlussbetrachtung</a:t>
-            </a:r>
-          </a:p>
-        </p:txBody>
-      </p:sp>
-    </p:spTree>
-    <p:extLst>
-      <p:ext uri="{BB962C8B-B14F-4D97-AF65-F5344CB8AC3E}">
-        <p14:creationId xmlns:p14="http://schemas.microsoft.com/office/powerpoint/2010/main" val="2653683036"/>
-      </p:ext>
-    </p:extLst>
-  </p:cSld>
-  <p:clrMapOvr>
-    <a:masterClrMapping/>
-  </p:clrMapOvr>
-</p:sld>
-</file>
-
-<file path=ppt/slides/slide20.xml><?xml version="1.0" encoding="utf-8"?>
-<p:sld xmlns:a="http://schemas.openxmlformats.org/drawingml/2006/main" xmlns:r="http://schemas.openxmlformats.org/officeDocument/2006/relationships" xmlns:p="http://schemas.openxmlformats.org/presentationml/2006/main">
-  <p:cSld>
-    <p:spTree>
-      <p:nvGrpSpPr>
-        <p:cNvPr id="1" name=""/>
-        <p:cNvGrpSpPr/>
-        <p:nvPr/>
-      </p:nvGrpSpPr>
-      <p:grpSpPr>
-        <a:xfrm>
-          <a:off x="0" y="0"/>
-          <a:ext cx="0" cy="0"/>
-          <a:chOff x="0" y="0"/>
-          <a:chExt cx="0" cy="0"/>
-        </a:xfrm>
-      </p:grpSpPr>
-      <p:sp>
-        <p:nvSpPr>
-          <p:cNvPr id="2" name="Title 1">
-            <a:extLst>
-              <a:ext uri="{FF2B5EF4-FFF2-40B4-BE49-F238E27FC236}">
-                <a16:creationId xmlns:a16="http://schemas.microsoft.com/office/drawing/2014/main" id="{DCBE102F-D2BB-3946-AEF1-AE93DF5165E5}"/>
-              </a:ext>
-            </a:extLst>
-          </p:cNvPr>
-          <p:cNvSpPr>
-            <a:spLocks noGrp="1"/>
-          </p:cNvSpPr>
-          <p:nvPr>
-            <p:ph type="title"/>
-          </p:nvPr>
-        </p:nvSpPr>
-        <p:spPr/>
-        <p:txBody>
-          <a:bodyPr>
-            <a:normAutofit/>
-          </a:bodyPr>
-          <a:lstStyle/>
-          <a:p>
-            <a:r>
-              <a:rPr lang="de-DE" sz="4000" b="1" dirty="0"/>
-              <a:t>4.2.  Clustering des gesamten Korpus</a:t>
-            </a:r>
-            <a:endParaRPr lang="de-DE" sz="4400" b="1" dirty="0"/>
-          </a:p>
-        </p:txBody>
-      </p:sp>
-    </p:spTree>
-    <p:extLst>
-      <p:ext uri="{BB962C8B-B14F-4D97-AF65-F5344CB8AC3E}">
-        <p14:creationId xmlns:p14="http://schemas.microsoft.com/office/powerpoint/2010/main" val="2535198303"/>
-      </p:ext>
-    </p:extLst>
-  </p:cSld>
-  <p:clrMapOvr>
-    <a:masterClrMapping/>
-  </p:clrMapOvr>
-</p:sld>
-</file>
-
-<file path=ppt/slides/slide21.xml><?xml version="1.0" encoding="utf-8"?>
-<p:sld xmlns:a="http://schemas.openxmlformats.org/drawingml/2006/main" xmlns:r="http://schemas.openxmlformats.org/officeDocument/2006/relationships" xmlns:p="http://schemas.openxmlformats.org/presentationml/2006/main">
-  <p:cSld>
-    <p:bg>
-      <p:bgPr>
-        <a:solidFill>
-          <a:schemeClr val="bg1"/>
-        </a:solidFill>
-        <a:effectLst/>
-      </p:bgPr>
-    </p:bg>
-    <p:spTree>
-      <p:nvGrpSpPr>
-        <p:cNvPr id="1" name=""/>
-        <p:cNvGrpSpPr/>
-        <p:nvPr/>
-      </p:nvGrpSpPr>
-      <p:grpSpPr>
-        <a:xfrm>
-          <a:off x="0" y="0"/>
-          <a:ext cx="0" cy="0"/>
-          <a:chOff x="0" y="0"/>
-          <a:chExt cx="0" cy="0"/>
-        </a:xfrm>
-      </p:grpSpPr>
-      <p:sp>
-        <p:nvSpPr>
-          <p:cNvPr id="16" name="Rectangle 15">
-            <a:extLst>
-              <a:ext uri="{FF2B5EF4-FFF2-40B4-BE49-F238E27FC236}">
-                <a16:creationId xmlns:a16="http://schemas.microsoft.com/office/drawing/2014/main" id="{8D06CE56-3881-4ADA-8CEF-D18B02C242A3}"/>
-              </a:ext>
-              <a:ext uri="{C183D7F6-B498-43B3-948B-1728B52AA6E4}">
-                <adec:decorative xmlns:adec="http://schemas.microsoft.com/office/drawing/2017/decorative" val="1"/>
-              </a:ext>
-            </a:extLst>
-          </p:cNvPr>
-          <p:cNvSpPr>
-            <a:spLocks noGrp="1" noRot="1" noChangeAspect="1" noMove="1" noResize="1" noEditPoints="1" noAdjustHandles="1" noChangeArrowheads="1" noChangeShapeType="1" noTextEdit="1"/>
-          </p:cNvSpPr>
-          <p:nvPr>
-            <p:extLst>
-              <p:ext uri="{386F3935-93C4-4BCD-93E2-E3B085C9AB24}">
-                <p16:designElem xmlns:p16="http://schemas.microsoft.com/office/powerpoint/2015/main" val="1"/>
-              </p:ext>
-            </p:extLst>
-          </p:nvPr>
-        </p:nvSpPr>
-        <p:spPr>
-          <a:xfrm rot="5400000">
-            <a:off x="857544" y="346791"/>
-            <a:ext cx="146304" cy="704088"/>
-          </a:xfrm>
-          <a:prstGeom prst="rect">
-            <a:avLst/>
-          </a:prstGeom>
-          <a:solidFill>
-            <a:schemeClr val="accent1"/>
-          </a:solidFill>
-          <a:ln>
-            <a:noFill/>
-          </a:ln>
-        </p:spPr>
-        <p:style>
-          <a:lnRef idx="2">
-            <a:schemeClr val="accent1">
-              <a:shade val="50000"/>
-            </a:schemeClr>
-          </a:lnRef>
-          <a:fillRef idx="1">
-            <a:schemeClr val="accent1"/>
-          </a:fillRef>
-          <a:effectRef idx="0">
-            <a:schemeClr val="accent1"/>
-          </a:effectRef>
-          <a:fontRef idx="minor">
-            <a:schemeClr val="lt1"/>
-          </a:fontRef>
-        </p:style>
-        <p:txBody>
-          <a:bodyPr rtlCol="0" anchor="ctr"/>
-          <a:lstStyle/>
-          <a:p>
-            <a:pPr marL="0" marR="0" lvl="0" indent="0" algn="ctr" defTabSz="914400" rtl="0" eaLnBrk="1" fontAlgn="auto" latinLnBrk="0" hangingPunct="1">
-              <a:lnSpc>
-                <a:spcPct val="100000"/>
-              </a:lnSpc>
-              <a:spcBef>
-                <a:spcPts val="0"/>
-              </a:spcBef>
-              <a:spcAft>
-                <a:spcPts val="0"/>
-              </a:spcAft>
-              <a:buClrTx/>
-              <a:buSzTx/>
-              <a:buFontTx/>
-              <a:buNone/>
-              <a:tabLst/>
-              <a:defRPr/>
-            </a:pPr>
-            <a:endParaRPr kumimoji="0" lang="en-US" sz="1800" b="0" i="0" u="none" strike="noStrike" kern="1200" cap="none" spc="0" normalizeH="0" baseline="0" noProof="0">
-              <a:ln>
-                <a:noFill/>
-              </a:ln>
-              <a:solidFill>
-                <a:prstClr val="white"/>
-              </a:solidFill>
-              <a:effectLst/>
-              <a:uLnTx/>
-              <a:uFillTx/>
-              <a:latin typeface="Calibri" panose="020F0502020204030204"/>
-              <a:ea typeface="+mn-ea"/>
-              <a:cs typeface="+mn-cs"/>
-            </a:endParaRPr>
-          </a:p>
-        </p:txBody>
-      </p:sp>
-      <p:sp>
-        <p:nvSpPr>
-          <p:cNvPr id="18" name="Rectangle 17">
-            <a:extLst>
-              <a:ext uri="{FF2B5EF4-FFF2-40B4-BE49-F238E27FC236}">
-                <a16:creationId xmlns:a16="http://schemas.microsoft.com/office/drawing/2014/main" id="{79F3C543-62EC-4433-9C93-A2CD8764E9B4}"/>
-              </a:ext>
-              <a:ext uri="{C183D7F6-B498-43B3-948B-1728B52AA6E4}">
-                <adec:decorative xmlns:adec="http://schemas.microsoft.com/office/drawing/2017/decorative" val="1"/>
-              </a:ext>
-            </a:extLst>
-          </p:cNvPr>
-          <p:cNvSpPr>
-            <a:spLocks noGrp="1" noRot="1" noChangeAspect="1" noMove="1" noResize="1" noEditPoints="1" noAdjustHandles="1" noChangeArrowheads="1" noChangeShapeType="1" noTextEdit="1"/>
-          </p:cNvSpPr>
-          <p:nvPr>
-            <p:extLst>
-              <p:ext uri="{386F3935-93C4-4BCD-93E2-E3B085C9AB24}">
-                <p16:designElem xmlns:p16="http://schemas.microsoft.com/office/powerpoint/2015/main" val="1"/>
-              </p:ext>
-            </p:extLst>
-          </p:nvPr>
-        </p:nvSpPr>
-        <p:spPr>
-          <a:xfrm flipV="1">
-            <a:off x="578652" y="4501201"/>
-            <a:ext cx="11034696" cy="18288"/>
-          </a:xfrm>
-          <a:prstGeom prst="rect">
-            <a:avLst/>
-          </a:prstGeom>
-          <a:solidFill>
-            <a:schemeClr val="tx2">
-              <a:lumMod val="25000"/>
-              <a:lumOff val="75000"/>
-            </a:schemeClr>
-          </a:solidFill>
-          <a:ln w="3175">
-            <a:noFill/>
-          </a:ln>
-          <a:effectLst/>
-        </p:spPr>
-        <p:style>
-          <a:lnRef idx="2">
-            <a:schemeClr val="accent1">
-              <a:shade val="50000"/>
-            </a:schemeClr>
-          </a:lnRef>
-          <a:fillRef idx="1">
-            <a:schemeClr val="accent1"/>
-          </a:fillRef>
-          <a:effectRef idx="0">
-            <a:schemeClr val="accent1"/>
-          </a:effectRef>
-          <a:fontRef idx="minor">
-            <a:schemeClr val="lt1"/>
-          </a:fontRef>
-        </p:style>
-        <p:txBody>
-          <a:bodyPr rtlCol="0" anchor="ctr"/>
-          <a:lstStyle/>
-          <a:p>
-            <a:pPr marL="0" marR="0" lvl="0" indent="0" algn="ctr" defTabSz="914400" rtl="0" eaLnBrk="1" fontAlgn="auto" latinLnBrk="0" hangingPunct="1">
-              <a:lnSpc>
-                <a:spcPct val="100000"/>
-              </a:lnSpc>
-              <a:spcBef>
-                <a:spcPts val="0"/>
-              </a:spcBef>
-              <a:spcAft>
-                <a:spcPts val="0"/>
-              </a:spcAft>
-              <a:buClrTx/>
-              <a:buSzTx/>
-              <a:buFontTx/>
-              <a:buNone/>
-              <a:tabLst/>
-              <a:defRPr/>
-            </a:pPr>
-            <a:endParaRPr kumimoji="0" lang="en-US" sz="1800" b="0" i="0" u="none" strike="noStrike" kern="1200" cap="none" spc="0" normalizeH="0" baseline="0" noProof="0">
-              <a:ln>
-                <a:noFill/>
-              </a:ln>
-              <a:solidFill>
-                <a:prstClr val="white"/>
-              </a:solidFill>
-              <a:effectLst/>
-              <a:uLnTx/>
-              <a:uFillTx/>
-              <a:latin typeface="Calibri" panose="020F0502020204030204"/>
-              <a:ea typeface="+mn-ea"/>
-              <a:cs typeface="+mn-cs"/>
-            </a:endParaRPr>
-          </a:p>
-        </p:txBody>
-      </p:sp>
-      <p:sp useBgFill="1">
-        <p:nvSpPr>
-          <p:cNvPr id="20" name="Rectangle 19">
-            <a:extLst>
-              <a:ext uri="{FF2B5EF4-FFF2-40B4-BE49-F238E27FC236}">
-                <a16:creationId xmlns:a16="http://schemas.microsoft.com/office/drawing/2014/main" id="{68AF5748-FED8-45BA-8631-26D1D10F3246}"/>
-              </a:ext>
-              <a:ext uri="{C183D7F6-B498-43B3-948B-1728B52AA6E4}">
-                <adec:decorative xmlns:adec="http://schemas.microsoft.com/office/drawing/2017/decorative" val="1"/>
-              </a:ext>
-            </a:extLst>
-          </p:cNvPr>
-          <p:cNvSpPr>
-            <a:spLocks noGrp="1" noRot="1" noChangeAspect="1" noMove="1" noResize="1" noEditPoints="1" noAdjustHandles="1" noChangeArrowheads="1" noChangeShapeType="1" noTextEdit="1"/>
-          </p:cNvSpPr>
-          <p:nvPr>
-            <p:extLst>
-              <p:ext uri="{386F3935-93C4-4BCD-93E2-E3B085C9AB24}">
-                <p16:designElem xmlns:p16="http://schemas.microsoft.com/office/powerpoint/2015/main" val="1"/>
-              </p:ext>
-            </p:extLst>
-          </p:nvPr>
-        </p:nvSpPr>
-        <p:spPr>
-          <a:xfrm>
-            <a:off x="0" y="0"/>
-            <a:ext cx="12192000" cy="6858000"/>
-          </a:xfrm>
-          <a:prstGeom prst="rect">
-            <a:avLst/>
-          </a:prstGeom>
-          <a:ln>
-            <a:noFill/>
-          </a:ln>
-        </p:spPr>
-        <p:style>
-          <a:lnRef idx="2">
-            <a:schemeClr val="accent1">
-              <a:shade val="50000"/>
-            </a:schemeClr>
-          </a:lnRef>
-          <a:fillRef idx="1">
-            <a:schemeClr val="accent1"/>
-          </a:fillRef>
-          <a:effectRef idx="0">
-            <a:schemeClr val="accent1"/>
-          </a:effectRef>
-          <a:fontRef idx="minor">
-            <a:schemeClr val="lt1"/>
-          </a:fontRef>
-        </p:style>
-        <p:txBody>
-          <a:bodyPr rtlCol="0" anchor="ctr"/>
-          <a:lstStyle/>
-          <a:p>
-            <a:pPr algn="ctr"/>
-            <a:endParaRPr lang="en-US"/>
-          </a:p>
-        </p:txBody>
-      </p:sp>
-      <p:sp>
-        <p:nvSpPr>
-          <p:cNvPr id="2" name="Title 1">
-            <a:extLst>
-              <a:ext uri="{FF2B5EF4-FFF2-40B4-BE49-F238E27FC236}">
-                <a16:creationId xmlns:a16="http://schemas.microsoft.com/office/drawing/2014/main" id="{6EB97A2B-FE5C-534E-B670-6CA8E78B29AF}"/>
-              </a:ext>
-            </a:extLst>
-          </p:cNvPr>
-          <p:cNvSpPr>
-            <a:spLocks noGrp="1"/>
-          </p:cNvSpPr>
-          <p:nvPr>
-            <p:ph type="title"/>
-          </p:nvPr>
-        </p:nvSpPr>
-        <p:spPr>
-          <a:xfrm>
-            <a:off x="477981" y="1122363"/>
-            <a:ext cx="4023360" cy="3204134"/>
-          </a:xfrm>
-        </p:spPr>
-        <p:txBody>
-          <a:bodyPr vert="horz" lIns="91440" tIns="45720" rIns="91440" bIns="45720" rtlCol="0" anchor="b">
-            <a:normAutofit/>
-          </a:bodyPr>
-          <a:lstStyle/>
-          <a:p>
-            <a:r>
-              <a:rPr lang="en-US" sz="4800" b="1" dirty="0"/>
-              <a:t>UMAP</a:t>
-            </a:r>
-            <a:br>
-              <a:rPr lang="en-US" sz="4800" b="1" dirty="0"/>
-            </a:br>
-            <a:r>
-              <a:rPr lang="en-US" sz="4800" dirty="0" err="1"/>
-              <a:t>alle</a:t>
-            </a:r>
-            <a:r>
-              <a:rPr lang="en-US" sz="4800" dirty="0"/>
-              <a:t> </a:t>
-            </a:r>
-            <a:r>
-              <a:rPr lang="en-US" sz="4800" dirty="0" err="1"/>
-              <a:t>Epochen</a:t>
-            </a:r>
-            <a:endParaRPr lang="en-US" sz="4800" b="1" dirty="0"/>
-          </a:p>
-        </p:txBody>
-      </p:sp>
-      <p:sp>
-        <p:nvSpPr>
-          <p:cNvPr id="6" name="TextBox 5">
-            <a:extLst>
-              <a:ext uri="{FF2B5EF4-FFF2-40B4-BE49-F238E27FC236}">
-                <a16:creationId xmlns:a16="http://schemas.microsoft.com/office/drawing/2014/main" id="{467DA40B-BE7B-B346-AE07-CAC87581B684}"/>
-              </a:ext>
-            </a:extLst>
-          </p:cNvPr>
-          <p:cNvSpPr txBox="1"/>
-          <p:nvPr/>
-        </p:nvSpPr>
-        <p:spPr>
-          <a:xfrm>
-            <a:off x="477981" y="4872922"/>
-            <a:ext cx="3933306" cy="1599316"/>
-          </a:xfrm>
-          <a:prstGeom prst="rect">
-            <a:avLst/>
-          </a:prstGeom>
-        </p:spPr>
-        <p:txBody>
-          <a:bodyPr vert="horz" lIns="91440" tIns="45720" rIns="91440" bIns="45720" rtlCol="0">
-            <a:normAutofit/>
-          </a:bodyPr>
-          <a:lstStyle/>
-          <a:p>
-            <a:pPr>
-              <a:lnSpc>
-                <a:spcPct val="110000"/>
-              </a:lnSpc>
-              <a:spcBef>
-                <a:spcPts val="1000"/>
-              </a:spcBef>
-            </a:pPr>
-            <a:r>
-              <a:rPr lang="en-US" sz="3400" dirty="0" err="1"/>
-              <a:t>Einteilung</a:t>
-            </a:r>
-            <a:r>
-              <a:rPr lang="en-US" sz="3400" dirty="0"/>
-              <a:t> </a:t>
-            </a:r>
-            <a:r>
-              <a:rPr lang="en-US" sz="3400" dirty="0" err="1"/>
-              <a:t>nach</a:t>
-            </a:r>
-            <a:r>
-              <a:rPr lang="en-US" sz="3400" dirty="0"/>
-              <a:t> </a:t>
-            </a:r>
-            <a:r>
-              <a:rPr lang="en-US" sz="3400" b="1" dirty="0"/>
-              <a:t>AMANN</a:t>
-            </a:r>
-            <a:endParaRPr lang="en-US" sz="3200" dirty="0"/>
-          </a:p>
-        </p:txBody>
-      </p:sp>
-      <p:sp>
-        <p:nvSpPr>
-          <p:cNvPr id="22" name="Rectangle 21">
-            <a:extLst>
-              <a:ext uri="{FF2B5EF4-FFF2-40B4-BE49-F238E27FC236}">
-                <a16:creationId xmlns:a16="http://schemas.microsoft.com/office/drawing/2014/main" id="{AF2F604E-43BE-4DC3-B983-E071523364F8}"/>
-              </a:ext>
-              <a:ext uri="{C183D7F6-B498-43B3-948B-1728B52AA6E4}">
-                <adec:decorative xmlns:adec="http://schemas.microsoft.com/office/drawing/2017/decorative" val="1"/>
-              </a:ext>
-            </a:extLst>
-          </p:cNvPr>
-          <p:cNvSpPr>
-            <a:spLocks noGrp="1" noRot="1" noChangeAspect="1" noMove="1" noResize="1" noEditPoints="1" noAdjustHandles="1" noChangeArrowheads="1" noChangeShapeType="1" noTextEdit="1"/>
-          </p:cNvSpPr>
-          <p:nvPr>
-            <p:extLst>
-              <p:ext uri="{386F3935-93C4-4BCD-93E2-E3B085C9AB24}">
-                <p16:designElem xmlns:p16="http://schemas.microsoft.com/office/powerpoint/2015/main" val="1"/>
-              </p:ext>
-            </p:extLst>
-          </p:nvPr>
-        </p:nvSpPr>
-        <p:spPr>
-          <a:xfrm rot="5400000">
-            <a:off x="759921" y="346791"/>
-            <a:ext cx="146304" cy="704088"/>
-          </a:xfrm>
-          <a:prstGeom prst="rect">
-            <a:avLst/>
-          </a:prstGeom>
-          <a:solidFill>
-            <a:schemeClr val="accent1"/>
-          </a:solidFill>
-          <a:ln>
-            <a:noFill/>
-          </a:ln>
-        </p:spPr>
-        <p:style>
-          <a:lnRef idx="2">
-            <a:schemeClr val="accent1">
-              <a:shade val="50000"/>
-            </a:schemeClr>
-          </a:lnRef>
-          <a:fillRef idx="1">
-            <a:schemeClr val="accent1"/>
-          </a:fillRef>
-          <a:effectRef idx="0">
-            <a:schemeClr val="accent1"/>
-          </a:effectRef>
-          <a:fontRef idx="minor">
-            <a:schemeClr val="lt1"/>
-          </a:fontRef>
-        </p:style>
-        <p:txBody>
-          <a:bodyPr rtlCol="0" anchor="ctr"/>
-          <a:lstStyle/>
-          <a:p>
-            <a:pPr marL="0" marR="0" lvl="0" indent="0" algn="ctr" defTabSz="914400" rtl="0" eaLnBrk="1" fontAlgn="auto" latinLnBrk="0" hangingPunct="1">
-              <a:lnSpc>
-                <a:spcPct val="100000"/>
-              </a:lnSpc>
-              <a:spcBef>
-                <a:spcPts val="0"/>
-              </a:spcBef>
-              <a:spcAft>
-                <a:spcPts val="0"/>
-              </a:spcAft>
-              <a:buClrTx/>
-              <a:buSzTx/>
-              <a:buFontTx/>
-              <a:buNone/>
-              <a:tabLst/>
-              <a:defRPr/>
-            </a:pPr>
-            <a:endParaRPr kumimoji="0" lang="en-US" sz="1800" b="0" i="0" u="none" strike="noStrike" kern="1200" cap="none" spc="0" normalizeH="0" baseline="0" noProof="0">
-              <a:ln>
-                <a:noFill/>
-              </a:ln>
-              <a:solidFill>
-                <a:prstClr val="white"/>
-              </a:solidFill>
-              <a:effectLst/>
-              <a:uLnTx/>
-              <a:uFillTx/>
-              <a:latin typeface="Calibri" panose="020F0502020204030204"/>
-              <a:ea typeface="+mn-ea"/>
-              <a:cs typeface="+mn-cs"/>
-            </a:endParaRPr>
-          </a:p>
-        </p:txBody>
-      </p:sp>
-      <p:sp>
-        <p:nvSpPr>
-          <p:cNvPr id="24" name="Rectangle 23">
-            <a:extLst>
-              <a:ext uri="{FF2B5EF4-FFF2-40B4-BE49-F238E27FC236}">
-                <a16:creationId xmlns:a16="http://schemas.microsoft.com/office/drawing/2014/main" id="{08C9B587-E65E-4B52-B37C-ABEBB6E87928}"/>
-              </a:ext>
-              <a:ext uri="{C183D7F6-B498-43B3-948B-1728B52AA6E4}">
-                <adec:decorative xmlns:adec="http://schemas.microsoft.com/office/drawing/2017/decorative" val="1"/>
-              </a:ext>
-            </a:extLst>
-          </p:cNvPr>
-          <p:cNvSpPr>
-            <a:spLocks noGrp="1" noRot="1" noChangeAspect="1" noMove="1" noResize="1" noEditPoints="1" noAdjustHandles="1" noChangeArrowheads="1" noChangeShapeType="1" noTextEdit="1"/>
-          </p:cNvSpPr>
-          <p:nvPr>
-            <p:extLst>
-              <p:ext uri="{386F3935-93C4-4BCD-93E2-E3B085C9AB24}">
-                <p16:designElem xmlns:p16="http://schemas.microsoft.com/office/powerpoint/2015/main" val="1"/>
-              </p:ext>
-            </p:extLst>
-          </p:nvPr>
-        </p:nvSpPr>
-        <p:spPr>
-          <a:xfrm>
-            <a:off x="481029" y="4546920"/>
-            <a:ext cx="4023360" cy="18288"/>
-          </a:xfrm>
-          <a:prstGeom prst="rect">
-            <a:avLst/>
-          </a:prstGeom>
-          <a:solidFill>
-            <a:schemeClr val="tx2">
-              <a:lumMod val="25000"/>
-              <a:lumOff val="75000"/>
-            </a:schemeClr>
-          </a:solidFill>
-          <a:ln w="3175">
-            <a:noFill/>
-          </a:ln>
-          <a:effectLst/>
-        </p:spPr>
-        <p:style>
-          <a:lnRef idx="2">
-            <a:schemeClr val="accent1">
-              <a:shade val="50000"/>
-            </a:schemeClr>
-          </a:lnRef>
-          <a:fillRef idx="1">
-            <a:schemeClr val="accent1"/>
-          </a:fillRef>
-          <a:effectRef idx="0">
-            <a:schemeClr val="accent1"/>
-          </a:effectRef>
-          <a:fontRef idx="minor">
-            <a:schemeClr val="lt1"/>
-          </a:fontRef>
-        </p:style>
-        <p:txBody>
-          <a:bodyPr rtlCol="0" anchor="ctr"/>
-          <a:lstStyle/>
-          <a:p>
-            <a:pPr marL="0" marR="0" lvl="0" indent="0" algn="ctr" defTabSz="914400" rtl="0" eaLnBrk="1" fontAlgn="auto" latinLnBrk="0" hangingPunct="1">
-              <a:lnSpc>
-                <a:spcPct val="100000"/>
-              </a:lnSpc>
-              <a:spcBef>
-                <a:spcPts val="0"/>
-              </a:spcBef>
-              <a:spcAft>
-                <a:spcPts val="0"/>
-              </a:spcAft>
-              <a:buClrTx/>
-              <a:buSzTx/>
-              <a:buFontTx/>
-              <a:buNone/>
-              <a:tabLst/>
-              <a:defRPr/>
-            </a:pPr>
-            <a:endParaRPr kumimoji="0" lang="en-US" sz="1800" b="0" i="0" u="none" strike="noStrike" kern="1200" cap="none" spc="0" normalizeH="0" baseline="0" noProof="0">
-              <a:ln>
-                <a:noFill/>
-              </a:ln>
-              <a:solidFill>
-                <a:prstClr val="white"/>
-              </a:solidFill>
-              <a:effectLst/>
-              <a:uLnTx/>
-              <a:uFillTx/>
-              <a:latin typeface="Calibri" panose="020F0502020204030204"/>
-              <a:ea typeface="+mn-ea"/>
-              <a:cs typeface="+mn-cs"/>
-            </a:endParaRPr>
-          </a:p>
-        </p:txBody>
-      </p:sp>
-      <p:pic>
-        <p:nvPicPr>
-          <p:cNvPr id="10" name="Picture 9" descr="A screenshot of a cell phone&#10;&#10;Description automatically generated">
-            <a:extLst>
-              <a:ext uri="{FF2B5EF4-FFF2-40B4-BE49-F238E27FC236}">
-                <a16:creationId xmlns:a16="http://schemas.microsoft.com/office/drawing/2014/main" id="{910E2E27-A2F5-BC47-B5C9-8170EE7EF1E1}"/>
-              </a:ext>
-            </a:extLst>
-          </p:cNvPr>
-          <p:cNvPicPr>
-            <a:picLocks noChangeAspect="1"/>
-          </p:cNvPicPr>
-          <p:nvPr/>
-        </p:nvPicPr>
-        <p:blipFill rotWithShape="1">
-          <a:blip r:embed="rId2"/>
-          <a:srcRect l="11031" t="5305" r="1" b="11317"/>
-          <a:stretch/>
-        </p:blipFill>
-        <p:spPr>
-          <a:xfrm>
-            <a:off x="4719843" y="670952"/>
-            <a:ext cx="7439034" cy="5516095"/>
-          </a:xfrm>
-          <a:prstGeom prst="rect">
-            <a:avLst/>
-          </a:prstGeom>
-        </p:spPr>
-      </p:pic>
-    </p:spTree>
-    <p:extLst>
-      <p:ext uri="{BB962C8B-B14F-4D97-AF65-F5344CB8AC3E}">
-        <p14:creationId xmlns:p14="http://schemas.microsoft.com/office/powerpoint/2010/main" val="1129476788"/>
-      </p:ext>
-    </p:extLst>
-  </p:cSld>
-  <p:clrMapOvr>
-    <a:masterClrMapping/>
-  </p:clrMapOvr>
-</p:sld>
-</file>
-
-<file path=ppt/slides/slide22.xml><?xml version="1.0" encoding="utf-8"?>
-<p:sld xmlns:a="http://schemas.openxmlformats.org/drawingml/2006/main" xmlns:r="http://schemas.openxmlformats.org/officeDocument/2006/relationships" xmlns:p="http://schemas.openxmlformats.org/presentationml/2006/main">
-  <p:cSld>
-    <p:bg>
-      <p:bgPr>
-        <a:solidFill>
-          <a:schemeClr val="bg1"/>
-        </a:solidFill>
-        <a:effectLst/>
-      </p:bgPr>
-    </p:bg>
-    <p:spTree>
-      <p:nvGrpSpPr>
-        <p:cNvPr id="1" name=""/>
-        <p:cNvGrpSpPr/>
-        <p:nvPr/>
-      </p:nvGrpSpPr>
-      <p:grpSpPr>
-        <a:xfrm>
-          <a:off x="0" y="0"/>
-          <a:ext cx="0" cy="0"/>
-          <a:chOff x="0" y="0"/>
-          <a:chExt cx="0" cy="0"/>
-        </a:xfrm>
-      </p:grpSpPr>
-      <p:sp>
-        <p:nvSpPr>
-          <p:cNvPr id="16" name="Rectangle 15">
-            <a:extLst>
-              <a:ext uri="{FF2B5EF4-FFF2-40B4-BE49-F238E27FC236}">
-                <a16:creationId xmlns:a16="http://schemas.microsoft.com/office/drawing/2014/main" id="{8D06CE56-3881-4ADA-8CEF-D18B02C242A3}"/>
-              </a:ext>
-              <a:ext uri="{C183D7F6-B498-43B3-948B-1728B52AA6E4}">
-                <adec:decorative xmlns:adec="http://schemas.microsoft.com/office/drawing/2017/decorative" val="1"/>
-              </a:ext>
-            </a:extLst>
-          </p:cNvPr>
-          <p:cNvSpPr>
-            <a:spLocks noGrp="1" noRot="1" noChangeAspect="1" noMove="1" noResize="1" noEditPoints="1" noAdjustHandles="1" noChangeArrowheads="1" noChangeShapeType="1" noTextEdit="1"/>
-          </p:cNvSpPr>
-          <p:nvPr>
-            <p:extLst>
-              <p:ext uri="{386F3935-93C4-4BCD-93E2-E3B085C9AB24}">
-                <p16:designElem xmlns:p16="http://schemas.microsoft.com/office/powerpoint/2015/main" val="1"/>
-              </p:ext>
-            </p:extLst>
-          </p:nvPr>
-        </p:nvSpPr>
-        <p:spPr>
-          <a:xfrm rot="5400000">
-            <a:off x="857544" y="346791"/>
-            <a:ext cx="146304" cy="704088"/>
-          </a:xfrm>
-          <a:prstGeom prst="rect">
-            <a:avLst/>
-          </a:prstGeom>
-          <a:solidFill>
-            <a:schemeClr val="accent1"/>
-          </a:solidFill>
-          <a:ln>
-            <a:noFill/>
-          </a:ln>
-        </p:spPr>
-        <p:style>
-          <a:lnRef idx="2">
-            <a:schemeClr val="accent1">
-              <a:shade val="50000"/>
-            </a:schemeClr>
-          </a:lnRef>
-          <a:fillRef idx="1">
-            <a:schemeClr val="accent1"/>
-          </a:fillRef>
-          <a:effectRef idx="0">
-            <a:schemeClr val="accent1"/>
-          </a:effectRef>
-          <a:fontRef idx="minor">
-            <a:schemeClr val="lt1"/>
-          </a:fontRef>
-        </p:style>
-        <p:txBody>
-          <a:bodyPr rtlCol="0" anchor="ctr"/>
-          <a:lstStyle/>
-          <a:p>
-            <a:pPr marL="0" marR="0" lvl="0" indent="0" algn="ctr" defTabSz="914400" rtl="0" eaLnBrk="1" fontAlgn="auto" latinLnBrk="0" hangingPunct="1">
-              <a:lnSpc>
-                <a:spcPct val="100000"/>
-              </a:lnSpc>
-              <a:spcBef>
-                <a:spcPts val="0"/>
-              </a:spcBef>
-              <a:spcAft>
-                <a:spcPts val="0"/>
-              </a:spcAft>
-              <a:buClrTx/>
-              <a:buSzTx/>
-              <a:buFontTx/>
-              <a:buNone/>
-              <a:tabLst/>
-              <a:defRPr/>
-            </a:pPr>
-            <a:endParaRPr kumimoji="0" lang="en-US" sz="1800" b="0" i="0" u="none" strike="noStrike" kern="1200" cap="none" spc="0" normalizeH="0" baseline="0" noProof="0">
-              <a:ln>
-                <a:noFill/>
-              </a:ln>
-              <a:solidFill>
-                <a:prstClr val="white"/>
-              </a:solidFill>
-              <a:effectLst/>
-              <a:uLnTx/>
-              <a:uFillTx/>
-              <a:latin typeface="Calibri" panose="020F0502020204030204"/>
-              <a:ea typeface="+mn-ea"/>
-              <a:cs typeface="+mn-cs"/>
-            </a:endParaRPr>
-          </a:p>
-        </p:txBody>
-      </p:sp>
-      <p:sp>
-        <p:nvSpPr>
-          <p:cNvPr id="18" name="Rectangle 17">
-            <a:extLst>
-              <a:ext uri="{FF2B5EF4-FFF2-40B4-BE49-F238E27FC236}">
-                <a16:creationId xmlns:a16="http://schemas.microsoft.com/office/drawing/2014/main" id="{79F3C543-62EC-4433-9C93-A2CD8764E9B4}"/>
-              </a:ext>
-              <a:ext uri="{C183D7F6-B498-43B3-948B-1728B52AA6E4}">
-                <adec:decorative xmlns:adec="http://schemas.microsoft.com/office/drawing/2017/decorative" val="1"/>
-              </a:ext>
-            </a:extLst>
-          </p:cNvPr>
-          <p:cNvSpPr>
-            <a:spLocks noGrp="1" noRot="1" noChangeAspect="1" noMove="1" noResize="1" noEditPoints="1" noAdjustHandles="1" noChangeArrowheads="1" noChangeShapeType="1" noTextEdit="1"/>
-          </p:cNvSpPr>
-          <p:nvPr>
-            <p:extLst>
-              <p:ext uri="{386F3935-93C4-4BCD-93E2-E3B085C9AB24}">
-                <p16:designElem xmlns:p16="http://schemas.microsoft.com/office/powerpoint/2015/main" val="1"/>
-              </p:ext>
-            </p:extLst>
-          </p:nvPr>
-        </p:nvSpPr>
-        <p:spPr>
-          <a:xfrm flipV="1">
-            <a:off x="578652" y="4501201"/>
-            <a:ext cx="11034696" cy="18288"/>
-          </a:xfrm>
-          <a:prstGeom prst="rect">
-            <a:avLst/>
-          </a:prstGeom>
-          <a:solidFill>
-            <a:schemeClr val="tx2">
-              <a:lumMod val="25000"/>
-              <a:lumOff val="75000"/>
-            </a:schemeClr>
-          </a:solidFill>
-          <a:ln w="3175">
-            <a:noFill/>
-          </a:ln>
-          <a:effectLst/>
-        </p:spPr>
-        <p:style>
-          <a:lnRef idx="2">
-            <a:schemeClr val="accent1">
-              <a:shade val="50000"/>
-            </a:schemeClr>
-          </a:lnRef>
-          <a:fillRef idx="1">
-            <a:schemeClr val="accent1"/>
-          </a:fillRef>
-          <a:effectRef idx="0">
-            <a:schemeClr val="accent1"/>
-          </a:effectRef>
-          <a:fontRef idx="minor">
-            <a:schemeClr val="lt1"/>
-          </a:fontRef>
-        </p:style>
-        <p:txBody>
-          <a:bodyPr rtlCol="0" anchor="ctr"/>
-          <a:lstStyle/>
-          <a:p>
-            <a:pPr marL="0" marR="0" lvl="0" indent="0" algn="ctr" defTabSz="914400" rtl="0" eaLnBrk="1" fontAlgn="auto" latinLnBrk="0" hangingPunct="1">
-              <a:lnSpc>
-                <a:spcPct val="100000"/>
-              </a:lnSpc>
-              <a:spcBef>
-                <a:spcPts val="0"/>
-              </a:spcBef>
-              <a:spcAft>
-                <a:spcPts val="0"/>
-              </a:spcAft>
-              <a:buClrTx/>
-              <a:buSzTx/>
-              <a:buFontTx/>
-              <a:buNone/>
-              <a:tabLst/>
-              <a:defRPr/>
-            </a:pPr>
-            <a:endParaRPr kumimoji="0" lang="en-US" sz="1800" b="0" i="0" u="none" strike="noStrike" kern="1200" cap="none" spc="0" normalizeH="0" baseline="0" noProof="0">
-              <a:ln>
-                <a:noFill/>
-              </a:ln>
-              <a:solidFill>
-                <a:prstClr val="white"/>
-              </a:solidFill>
-              <a:effectLst/>
-              <a:uLnTx/>
-              <a:uFillTx/>
-              <a:latin typeface="Calibri" panose="020F0502020204030204"/>
-              <a:ea typeface="+mn-ea"/>
-              <a:cs typeface="+mn-cs"/>
-            </a:endParaRPr>
-          </a:p>
-        </p:txBody>
-      </p:sp>
-      <p:sp useBgFill="1">
-        <p:nvSpPr>
-          <p:cNvPr id="20" name="Rectangle 19">
-            <a:extLst>
-              <a:ext uri="{FF2B5EF4-FFF2-40B4-BE49-F238E27FC236}">
-                <a16:creationId xmlns:a16="http://schemas.microsoft.com/office/drawing/2014/main" id="{68AF5748-FED8-45BA-8631-26D1D10F3246}"/>
-              </a:ext>
-              <a:ext uri="{C183D7F6-B498-43B3-948B-1728B52AA6E4}">
-                <adec:decorative xmlns:adec="http://schemas.microsoft.com/office/drawing/2017/decorative" val="1"/>
-              </a:ext>
-            </a:extLst>
-          </p:cNvPr>
-          <p:cNvSpPr>
-            <a:spLocks noGrp="1" noRot="1" noChangeAspect="1" noMove="1" noResize="1" noEditPoints="1" noAdjustHandles="1" noChangeArrowheads="1" noChangeShapeType="1" noTextEdit="1"/>
-          </p:cNvSpPr>
-          <p:nvPr>
-            <p:extLst>
-              <p:ext uri="{386F3935-93C4-4BCD-93E2-E3B085C9AB24}">
-                <p16:designElem xmlns:p16="http://schemas.microsoft.com/office/powerpoint/2015/main" val="1"/>
-              </p:ext>
-            </p:extLst>
-          </p:nvPr>
-        </p:nvSpPr>
-        <p:spPr>
-          <a:xfrm>
-            <a:off x="0" y="0"/>
-            <a:ext cx="12192000" cy="6858000"/>
-          </a:xfrm>
-          <a:prstGeom prst="rect">
-            <a:avLst/>
-          </a:prstGeom>
-          <a:ln>
-            <a:noFill/>
-          </a:ln>
-        </p:spPr>
-        <p:style>
-          <a:lnRef idx="2">
-            <a:schemeClr val="accent1">
-              <a:shade val="50000"/>
-            </a:schemeClr>
-          </a:lnRef>
-          <a:fillRef idx="1">
-            <a:schemeClr val="accent1"/>
-          </a:fillRef>
-          <a:effectRef idx="0">
-            <a:schemeClr val="accent1"/>
-          </a:effectRef>
-          <a:fontRef idx="minor">
-            <a:schemeClr val="lt1"/>
-          </a:fontRef>
-        </p:style>
-        <p:txBody>
-          <a:bodyPr rtlCol="0" anchor="ctr"/>
-          <a:lstStyle/>
-          <a:p>
-            <a:pPr algn="ctr"/>
-            <a:endParaRPr lang="en-US"/>
-          </a:p>
-        </p:txBody>
-      </p:sp>
-      <p:sp>
-        <p:nvSpPr>
-          <p:cNvPr id="2" name="Title 1">
-            <a:extLst>
-              <a:ext uri="{FF2B5EF4-FFF2-40B4-BE49-F238E27FC236}">
-                <a16:creationId xmlns:a16="http://schemas.microsoft.com/office/drawing/2014/main" id="{6EB97A2B-FE5C-534E-B670-6CA8E78B29AF}"/>
-              </a:ext>
-            </a:extLst>
-          </p:cNvPr>
-          <p:cNvSpPr>
-            <a:spLocks noGrp="1"/>
-          </p:cNvSpPr>
-          <p:nvPr>
-            <p:ph type="title"/>
-          </p:nvPr>
-        </p:nvSpPr>
-        <p:spPr>
-          <a:xfrm>
-            <a:off x="477981" y="1122363"/>
-            <a:ext cx="4023360" cy="3204134"/>
-          </a:xfrm>
-        </p:spPr>
-        <p:txBody>
-          <a:bodyPr vert="horz" lIns="91440" tIns="45720" rIns="91440" bIns="45720" rtlCol="0" anchor="b">
-            <a:normAutofit/>
-          </a:bodyPr>
-          <a:lstStyle/>
-          <a:p>
-            <a:r>
-              <a:rPr lang="en-US" sz="4800" b="1" dirty="0"/>
-              <a:t>K-Means</a:t>
-            </a:r>
-            <a:br>
-              <a:rPr lang="en-US" sz="4800" b="1" dirty="0"/>
-            </a:br>
-            <a:r>
-              <a:rPr lang="en-US" sz="4800"/>
-              <a:t>alle</a:t>
-            </a:r>
-            <a:r>
-              <a:rPr lang="en-US" sz="4800" dirty="0"/>
-              <a:t> </a:t>
-            </a:r>
-            <a:r>
-              <a:rPr lang="en-US" sz="4800"/>
-              <a:t>Epochen</a:t>
-            </a:r>
-            <a:endParaRPr lang="en-US" sz="4800" b="1" dirty="0"/>
-          </a:p>
-        </p:txBody>
-      </p:sp>
-      <p:sp>
-        <p:nvSpPr>
-          <p:cNvPr id="6" name="TextBox 5">
-            <a:extLst>
-              <a:ext uri="{FF2B5EF4-FFF2-40B4-BE49-F238E27FC236}">
-                <a16:creationId xmlns:a16="http://schemas.microsoft.com/office/drawing/2014/main" id="{467DA40B-BE7B-B346-AE07-CAC87581B684}"/>
-              </a:ext>
-            </a:extLst>
-          </p:cNvPr>
-          <p:cNvSpPr txBox="1"/>
-          <p:nvPr/>
-        </p:nvSpPr>
-        <p:spPr>
-          <a:xfrm>
-            <a:off x="477981" y="4872922"/>
-            <a:ext cx="3933306" cy="1208141"/>
-          </a:xfrm>
-          <a:prstGeom prst="rect">
-            <a:avLst/>
-          </a:prstGeom>
-        </p:spPr>
-        <p:txBody>
-          <a:bodyPr vert="horz" lIns="91440" tIns="45720" rIns="91440" bIns="45720" rtlCol="0">
-            <a:normAutofit lnSpcReduction="10000"/>
-          </a:bodyPr>
-          <a:lstStyle/>
-          <a:p>
-            <a:pPr>
-              <a:lnSpc>
-                <a:spcPct val="110000"/>
-              </a:lnSpc>
-              <a:spcBef>
-                <a:spcPts val="1000"/>
-              </a:spcBef>
-            </a:pPr>
-            <a:r>
-              <a:rPr lang="en-US" sz="3200" b="1" dirty="0" err="1"/>
-              <a:t>ari</a:t>
-            </a:r>
-            <a:r>
-              <a:rPr lang="en-US" sz="3200" dirty="0"/>
-              <a:t>:  0.134</a:t>
-            </a:r>
-          </a:p>
-          <a:p>
-            <a:pPr>
-              <a:lnSpc>
-                <a:spcPct val="110000"/>
-              </a:lnSpc>
-              <a:spcBef>
-                <a:spcPts val="1000"/>
-              </a:spcBef>
-            </a:pPr>
-            <a:r>
-              <a:rPr lang="en-US" sz="3200" b="1" dirty="0" err="1"/>
-              <a:t>vm</a:t>
-            </a:r>
-            <a:r>
-              <a:rPr lang="en-US" sz="3200" dirty="0"/>
-              <a:t>: 0.35</a:t>
-            </a:r>
-            <a:endParaRPr lang="en-US" sz="3200" b="1" dirty="0"/>
-          </a:p>
-        </p:txBody>
-      </p:sp>
-      <p:sp>
-        <p:nvSpPr>
-          <p:cNvPr id="22" name="Rectangle 21">
-            <a:extLst>
-              <a:ext uri="{FF2B5EF4-FFF2-40B4-BE49-F238E27FC236}">
-                <a16:creationId xmlns:a16="http://schemas.microsoft.com/office/drawing/2014/main" id="{AF2F604E-43BE-4DC3-B983-E071523364F8}"/>
-              </a:ext>
-              <a:ext uri="{C183D7F6-B498-43B3-948B-1728B52AA6E4}">
-                <adec:decorative xmlns:adec="http://schemas.microsoft.com/office/drawing/2017/decorative" val="1"/>
-              </a:ext>
-            </a:extLst>
-          </p:cNvPr>
-          <p:cNvSpPr>
-            <a:spLocks noGrp="1" noRot="1" noChangeAspect="1" noMove="1" noResize="1" noEditPoints="1" noAdjustHandles="1" noChangeArrowheads="1" noChangeShapeType="1" noTextEdit="1"/>
-          </p:cNvSpPr>
-          <p:nvPr>
-            <p:extLst>
-              <p:ext uri="{386F3935-93C4-4BCD-93E2-E3B085C9AB24}">
-                <p16:designElem xmlns:p16="http://schemas.microsoft.com/office/powerpoint/2015/main" val="1"/>
-              </p:ext>
-            </p:extLst>
-          </p:nvPr>
-        </p:nvSpPr>
-        <p:spPr>
-          <a:xfrm rot="5400000">
-            <a:off x="759921" y="346791"/>
-            <a:ext cx="146304" cy="704088"/>
-          </a:xfrm>
-          <a:prstGeom prst="rect">
-            <a:avLst/>
-          </a:prstGeom>
-          <a:solidFill>
-            <a:schemeClr val="accent1"/>
-          </a:solidFill>
-          <a:ln>
-            <a:noFill/>
-          </a:ln>
-        </p:spPr>
-        <p:style>
-          <a:lnRef idx="2">
-            <a:schemeClr val="accent1">
-              <a:shade val="50000"/>
-            </a:schemeClr>
-          </a:lnRef>
-          <a:fillRef idx="1">
-            <a:schemeClr val="accent1"/>
-          </a:fillRef>
-          <a:effectRef idx="0">
-            <a:schemeClr val="accent1"/>
-          </a:effectRef>
-          <a:fontRef idx="minor">
-            <a:schemeClr val="lt1"/>
-          </a:fontRef>
-        </p:style>
-        <p:txBody>
-          <a:bodyPr rtlCol="0" anchor="ctr"/>
-          <a:lstStyle/>
-          <a:p>
-            <a:pPr marL="0" marR="0" lvl="0" indent="0" algn="ctr" defTabSz="914400" rtl="0" eaLnBrk="1" fontAlgn="auto" latinLnBrk="0" hangingPunct="1">
-              <a:lnSpc>
-                <a:spcPct val="100000"/>
-              </a:lnSpc>
-              <a:spcBef>
-                <a:spcPts val="0"/>
-              </a:spcBef>
-              <a:spcAft>
-                <a:spcPts val="0"/>
-              </a:spcAft>
-              <a:buClrTx/>
-              <a:buSzTx/>
-              <a:buFontTx/>
-              <a:buNone/>
-              <a:tabLst/>
-              <a:defRPr/>
-            </a:pPr>
-            <a:endParaRPr kumimoji="0" lang="en-US" sz="1800" b="0" i="0" u="none" strike="noStrike" kern="1200" cap="none" spc="0" normalizeH="0" baseline="0" noProof="0">
-              <a:ln>
-                <a:noFill/>
-              </a:ln>
-              <a:solidFill>
-                <a:prstClr val="white"/>
-              </a:solidFill>
-              <a:effectLst/>
-              <a:uLnTx/>
-              <a:uFillTx/>
-              <a:latin typeface="Calibri" panose="020F0502020204030204"/>
-              <a:ea typeface="+mn-ea"/>
-              <a:cs typeface="+mn-cs"/>
-            </a:endParaRPr>
-          </a:p>
-        </p:txBody>
-      </p:sp>
-      <p:sp>
-        <p:nvSpPr>
-          <p:cNvPr id="24" name="Rectangle 23">
-            <a:extLst>
-              <a:ext uri="{FF2B5EF4-FFF2-40B4-BE49-F238E27FC236}">
-                <a16:creationId xmlns:a16="http://schemas.microsoft.com/office/drawing/2014/main" id="{08C9B587-E65E-4B52-B37C-ABEBB6E87928}"/>
-              </a:ext>
-              <a:ext uri="{C183D7F6-B498-43B3-948B-1728B52AA6E4}">
-                <adec:decorative xmlns:adec="http://schemas.microsoft.com/office/drawing/2017/decorative" val="1"/>
-              </a:ext>
-            </a:extLst>
-          </p:cNvPr>
-          <p:cNvSpPr>
-            <a:spLocks noGrp="1" noRot="1" noChangeAspect="1" noMove="1" noResize="1" noEditPoints="1" noAdjustHandles="1" noChangeArrowheads="1" noChangeShapeType="1" noTextEdit="1"/>
-          </p:cNvSpPr>
-          <p:nvPr>
-            <p:extLst>
-              <p:ext uri="{386F3935-93C4-4BCD-93E2-E3B085C9AB24}">
-                <p16:designElem xmlns:p16="http://schemas.microsoft.com/office/powerpoint/2015/main" val="1"/>
-              </p:ext>
-            </p:extLst>
-          </p:nvPr>
-        </p:nvSpPr>
-        <p:spPr>
-          <a:xfrm>
-            <a:off x="481029" y="4546920"/>
-            <a:ext cx="4023360" cy="18288"/>
-          </a:xfrm>
-          <a:prstGeom prst="rect">
-            <a:avLst/>
-          </a:prstGeom>
-          <a:solidFill>
-            <a:schemeClr val="tx2">
-              <a:lumMod val="25000"/>
-              <a:lumOff val="75000"/>
-            </a:schemeClr>
-          </a:solidFill>
-          <a:ln w="3175">
-            <a:noFill/>
-          </a:ln>
-          <a:effectLst/>
-        </p:spPr>
-        <p:style>
-          <a:lnRef idx="2">
-            <a:schemeClr val="accent1">
-              <a:shade val="50000"/>
-            </a:schemeClr>
-          </a:lnRef>
-          <a:fillRef idx="1">
-            <a:schemeClr val="accent1"/>
-          </a:fillRef>
-          <a:effectRef idx="0">
-            <a:schemeClr val="accent1"/>
-          </a:effectRef>
-          <a:fontRef idx="minor">
-            <a:schemeClr val="lt1"/>
-          </a:fontRef>
-        </p:style>
-        <p:txBody>
-          <a:bodyPr rtlCol="0" anchor="ctr"/>
-          <a:lstStyle/>
-          <a:p>
-            <a:pPr marL="0" marR="0" lvl="0" indent="0" algn="ctr" defTabSz="914400" rtl="0" eaLnBrk="1" fontAlgn="auto" latinLnBrk="0" hangingPunct="1">
-              <a:lnSpc>
-                <a:spcPct val="100000"/>
-              </a:lnSpc>
-              <a:spcBef>
-                <a:spcPts val="0"/>
-              </a:spcBef>
-              <a:spcAft>
-                <a:spcPts val="0"/>
-              </a:spcAft>
-              <a:buClrTx/>
-              <a:buSzTx/>
-              <a:buFontTx/>
-              <a:buNone/>
-              <a:tabLst/>
-              <a:defRPr/>
-            </a:pPr>
-            <a:endParaRPr kumimoji="0" lang="en-US" sz="1800" b="0" i="0" u="none" strike="noStrike" kern="1200" cap="none" spc="0" normalizeH="0" baseline="0" noProof="0">
-              <a:ln>
-                <a:noFill/>
-              </a:ln>
-              <a:solidFill>
-                <a:prstClr val="white"/>
-              </a:solidFill>
-              <a:effectLst/>
-              <a:uLnTx/>
-              <a:uFillTx/>
-              <a:latin typeface="Calibri" panose="020F0502020204030204"/>
-              <a:ea typeface="+mn-ea"/>
-              <a:cs typeface="+mn-cs"/>
-            </a:endParaRPr>
-          </a:p>
-        </p:txBody>
-      </p:sp>
-      <p:pic>
-        <p:nvPicPr>
-          <p:cNvPr id="11" name="Picture 10" descr="A screenshot of a cell phone&#10;&#10;Description automatically generated">
-            <a:extLst>
-              <a:ext uri="{FF2B5EF4-FFF2-40B4-BE49-F238E27FC236}">
-                <a16:creationId xmlns:a16="http://schemas.microsoft.com/office/drawing/2014/main" id="{A12F41B9-33BD-B542-8CA7-4117BD178B5B}"/>
-              </a:ext>
-            </a:extLst>
-          </p:cNvPr>
-          <p:cNvPicPr>
-            <a:picLocks noChangeAspect="1"/>
-          </p:cNvPicPr>
-          <p:nvPr/>
-        </p:nvPicPr>
-        <p:blipFill rotWithShape="1">
-          <a:blip r:embed="rId2"/>
-          <a:srcRect l="11461" t="7168" r="14845" b="10789"/>
-          <a:stretch/>
-        </p:blipFill>
-        <p:spPr>
-          <a:xfrm>
-            <a:off x="4666191" y="183113"/>
-            <a:ext cx="7357910" cy="6491774"/>
-          </a:xfrm>
-          <a:prstGeom prst="rect">
-            <a:avLst/>
-          </a:prstGeom>
-        </p:spPr>
-      </p:pic>
-    </p:spTree>
-    <p:extLst>
-      <p:ext uri="{BB962C8B-B14F-4D97-AF65-F5344CB8AC3E}">
-        <p14:creationId xmlns:p14="http://schemas.microsoft.com/office/powerpoint/2010/main" val="3304992429"/>
-      </p:ext>
-    </p:extLst>
-  </p:cSld>
-  <p:clrMapOvr>
-    <a:masterClrMapping/>
-  </p:clrMapOvr>
-</p:sld>
-</file>
-
 <file path=ppt/slides/slide23.xml><?xml version="1.0" encoding="utf-8"?>
-<p:sld xmlns:a="http://schemas.openxmlformats.org/drawingml/2006/main" xmlns:r="http://schemas.openxmlformats.org/officeDocument/2006/relationships" xmlns:p="http://schemas.openxmlformats.org/presentationml/2006/main">
-  <p:cSld>
-    <p:spTree>
-      <p:nvGrpSpPr>
-        <p:cNvPr id="1" name=""/>
-        <p:cNvGrpSpPr/>
-        <p:nvPr/>
-      </p:nvGrpSpPr>
-      <p:grpSpPr>
-        <a:xfrm>
-          <a:off x="0" y="0"/>
-          <a:ext cx="0" cy="0"/>
-          <a:chOff x="0" y="0"/>
-          <a:chExt cx="0" cy="0"/>
-        </a:xfrm>
-      </p:grpSpPr>
-      <p:sp>
-        <p:nvSpPr>
-          <p:cNvPr id="2" name="Title 1">
-            <a:extLst>
-              <a:ext uri="{FF2B5EF4-FFF2-40B4-BE49-F238E27FC236}">
-                <a16:creationId xmlns:a16="http://schemas.microsoft.com/office/drawing/2014/main" id="{DCBE102F-D2BB-3946-AEF1-AE93DF5165E5}"/>
-              </a:ext>
-            </a:extLst>
-          </p:cNvPr>
-          <p:cNvSpPr>
-            <a:spLocks noGrp="1"/>
-          </p:cNvSpPr>
-          <p:nvPr>
-            <p:ph type="title"/>
-          </p:nvPr>
-        </p:nvSpPr>
-        <p:spPr/>
-        <p:txBody>
-          <a:bodyPr>
-            <a:normAutofit/>
-          </a:bodyPr>
-          <a:lstStyle/>
-          <a:p>
-            <a:r>
-              <a:rPr lang="de-DE" sz="4400" b="1" dirty="0"/>
-              <a:t>4.3.  Clustering von jeweils</a:t>
-            </a:r>
-            <a:br>
-              <a:rPr lang="de-DE" sz="4400" b="1" dirty="0"/>
-            </a:br>
-            <a:r>
-              <a:rPr lang="de-DE" sz="4400" b="1" dirty="0"/>
-              <a:t>	   zwei Epochen</a:t>
-            </a:r>
-            <a:endParaRPr lang="de-DE" sz="4800" b="1" dirty="0"/>
-          </a:p>
-        </p:txBody>
-      </p:sp>
-    </p:spTree>
-    <p:extLst>
-      <p:ext uri="{BB962C8B-B14F-4D97-AF65-F5344CB8AC3E}">
-        <p14:creationId xmlns:p14="http://schemas.microsoft.com/office/powerpoint/2010/main" val="186860969"/>
-      </p:ext>
-    </p:extLst>
-  </p:cSld>
-  <p:clrMapOvr>
-    <a:masterClrMapping/>
-  </p:clrMapOvr>
-</p:sld>
-</file>
-
-<file path=ppt/slides/slide24.xml><?xml version="1.0" encoding="utf-8"?>
 <p:sld xmlns:a="http://schemas.openxmlformats.org/drawingml/2006/main" xmlns:r="http://schemas.openxmlformats.org/officeDocument/2006/relationships" xmlns:p="http://schemas.openxmlformats.org/presentationml/2006/main">
   <p:cSld>
     <p:bg>
@@ -15271,6 +15113,66 @@
 </p:sld>
 </file>
 
+<file path=ppt/slides/slide24.xml><?xml version="1.0" encoding="utf-8"?>
+<p:sld xmlns:a="http://schemas.openxmlformats.org/drawingml/2006/main" xmlns:r="http://schemas.openxmlformats.org/officeDocument/2006/relationships" xmlns:p="http://schemas.openxmlformats.org/presentationml/2006/main">
+  <p:cSld>
+    <p:spTree>
+      <p:nvGrpSpPr>
+        <p:cNvPr id="1" name=""/>
+        <p:cNvGrpSpPr/>
+        <p:nvPr/>
+      </p:nvGrpSpPr>
+      <p:grpSpPr>
+        <a:xfrm>
+          <a:off x="0" y="0"/>
+          <a:ext cx="0" cy="0"/>
+          <a:chOff x="0" y="0"/>
+          <a:chExt cx="0" cy="0"/>
+        </a:xfrm>
+      </p:grpSpPr>
+      <p:sp>
+        <p:nvSpPr>
+          <p:cNvPr id="4" name="Title 3">
+            <a:extLst>
+              <a:ext uri="{FF2B5EF4-FFF2-40B4-BE49-F238E27FC236}">
+                <a16:creationId xmlns:a16="http://schemas.microsoft.com/office/drawing/2014/main" id="{A68D6179-3DE5-CB4E-88FC-E036ED9317D3}"/>
+              </a:ext>
+            </a:extLst>
+          </p:cNvPr>
+          <p:cNvSpPr>
+            <a:spLocks noGrp="1"/>
+          </p:cNvSpPr>
+          <p:nvPr>
+            <p:ph type="title"/>
+          </p:nvPr>
+        </p:nvSpPr>
+        <p:spPr/>
+        <p:txBody>
+          <a:bodyPr>
+            <a:normAutofit/>
+          </a:bodyPr>
+          <a:lstStyle/>
+          <a:p>
+            <a:r>
+              <a:rPr lang="de-DE" sz="4800" b="1" dirty="0"/>
+              <a:t>4.3. Einblick in die besten Cluster</a:t>
+            </a:r>
+          </a:p>
+        </p:txBody>
+      </p:sp>
+    </p:spTree>
+    <p:extLst>
+      <p:ext uri="{BB962C8B-B14F-4D97-AF65-F5344CB8AC3E}">
+        <p14:creationId xmlns:p14="http://schemas.microsoft.com/office/powerpoint/2010/main" val="3194363395"/>
+      </p:ext>
+    </p:extLst>
+  </p:cSld>
+  <p:clrMapOvr>
+    <a:masterClrMapping/>
+  </p:clrMapOvr>
+</p:sld>
+</file>
+
 <file path=ppt/slides/slide25.xml><?xml version="1.0" encoding="utf-8"?>
 <p:sld xmlns:a="http://schemas.openxmlformats.org/drawingml/2006/main" xmlns:r="http://schemas.openxmlformats.org/officeDocument/2006/relationships" xmlns:p="http://schemas.openxmlformats.org/presentationml/2006/main">
   <p:cSld>
@@ -15290,66 +15192,6 @@
       </p:grpSpPr>
       <p:sp>
         <p:nvSpPr>
-          <p:cNvPr id="4" name="Title 3">
-            <a:extLst>
-              <a:ext uri="{FF2B5EF4-FFF2-40B4-BE49-F238E27FC236}">
-                <a16:creationId xmlns:a16="http://schemas.microsoft.com/office/drawing/2014/main" id="{A68D6179-3DE5-CB4E-88FC-E036ED9317D3}"/>
-              </a:ext>
-            </a:extLst>
-          </p:cNvPr>
-          <p:cNvSpPr>
-            <a:spLocks noGrp="1"/>
-          </p:cNvSpPr>
-          <p:nvPr>
-            <p:ph type="title"/>
-          </p:nvPr>
-        </p:nvSpPr>
-        <p:spPr/>
-        <p:txBody>
-          <a:bodyPr>
-            <a:normAutofit/>
-          </a:bodyPr>
-          <a:lstStyle/>
-          <a:p>
-            <a:r>
-              <a:rPr lang="de-DE" sz="4800" b="1" dirty="0"/>
-              <a:t>4.3. Einblick in die besten Cluster</a:t>
-            </a:r>
-          </a:p>
-        </p:txBody>
-      </p:sp>
-    </p:spTree>
-    <p:extLst>
-      <p:ext uri="{BB962C8B-B14F-4D97-AF65-F5344CB8AC3E}">
-        <p14:creationId xmlns:p14="http://schemas.microsoft.com/office/powerpoint/2010/main" val="3194363395"/>
-      </p:ext>
-    </p:extLst>
-  </p:cSld>
-  <p:clrMapOvr>
-    <a:masterClrMapping/>
-  </p:clrMapOvr>
-</p:sld>
-</file>
-
-<file path=ppt/slides/slide26.xml><?xml version="1.0" encoding="utf-8"?>
-<p:sld xmlns:a="http://schemas.openxmlformats.org/drawingml/2006/main" xmlns:r="http://schemas.openxmlformats.org/officeDocument/2006/relationships" xmlns:p="http://schemas.openxmlformats.org/presentationml/2006/main">
-  <p:cSld>
-    <p:spTree>
-      <p:nvGrpSpPr>
-        <p:cNvPr id="1" name=""/>
-        <p:cNvGrpSpPr/>
-        <p:nvPr/>
-      </p:nvGrpSpPr>
-      <p:grpSpPr>
-        <a:xfrm>
-          <a:off x="0" y="0"/>
-          <a:ext cx="0" cy="0"/>
-          <a:chOff x="0" y="0"/>
-          <a:chExt cx="0" cy="0"/>
-        </a:xfrm>
-      </p:grpSpPr>
-      <p:sp>
-        <p:nvSpPr>
           <p:cNvPr id="5" name="Title 4">
             <a:extLst>
               <a:ext uri="{FF2B5EF4-FFF2-40B4-BE49-F238E27FC236}">
@@ -15916,7 +15758,7 @@
 </p:sld>
 </file>
 
-<file path=ppt/slides/slide27.xml><?xml version="1.0" encoding="utf-8"?>
+<file path=ppt/slides/slide26.xml><?xml version="1.0" encoding="utf-8"?>
 <p:sld xmlns:a="http://schemas.openxmlformats.org/drawingml/2006/main" xmlns:r="http://schemas.openxmlformats.org/officeDocument/2006/relationships" xmlns:p="http://schemas.openxmlformats.org/presentationml/2006/main">
   <p:cSld>
     <p:bg>
@@ -16395,7 +16237,7 @@
 </p:sld>
 </file>
 
-<file path=ppt/slides/slide28.xml><?xml version="1.0" encoding="utf-8"?>
+<file path=ppt/slides/slide27.xml><?xml version="1.0" encoding="utf-8"?>
 <p:sld xmlns:a="http://schemas.openxmlformats.org/drawingml/2006/main" xmlns:r="http://schemas.openxmlformats.org/officeDocument/2006/relationships" xmlns:p="http://schemas.openxmlformats.org/presentationml/2006/main">
   <p:cSld>
     <p:spTree>
@@ -16460,7 +16302,7 @@
 </p:sld>
 </file>
 
-<file path=ppt/slides/slide29.xml><?xml version="1.0" encoding="utf-8"?>
+<file path=ppt/slides/slide28.xml><?xml version="1.0" encoding="utf-8"?>
 <p:sld xmlns:a="http://schemas.openxmlformats.org/drawingml/2006/main" xmlns:r="http://schemas.openxmlformats.org/officeDocument/2006/relationships" xmlns:p="http://schemas.openxmlformats.org/presentationml/2006/main">
   <p:cSld>
     <p:spTree>
@@ -17024,6 +16866,181 @@
 </p:sld>
 </file>
 
+<file path=ppt/slides/slide29.xml><?xml version="1.0" encoding="utf-8"?>
+<p:sld xmlns:a="http://schemas.openxmlformats.org/drawingml/2006/main" xmlns:r="http://schemas.openxmlformats.org/officeDocument/2006/relationships" xmlns:p="http://schemas.openxmlformats.org/presentationml/2006/main">
+  <p:cSld>
+    <p:spTree>
+      <p:nvGrpSpPr>
+        <p:cNvPr id="1" name=""/>
+        <p:cNvGrpSpPr/>
+        <p:nvPr/>
+      </p:nvGrpSpPr>
+      <p:grpSpPr>
+        <a:xfrm>
+          <a:off x="0" y="0"/>
+          <a:ext cx="0" cy="0"/>
+          <a:chOff x="0" y="0"/>
+          <a:chExt cx="0" cy="0"/>
+        </a:xfrm>
+      </p:grpSpPr>
+      <p:sp>
+        <p:nvSpPr>
+          <p:cNvPr id="2" name="Title 1">
+            <a:extLst>
+              <a:ext uri="{FF2B5EF4-FFF2-40B4-BE49-F238E27FC236}">
+                <a16:creationId xmlns:a16="http://schemas.microsoft.com/office/drawing/2014/main" id="{6F7ED122-6758-3845-84AD-55A4F3FD499B}"/>
+              </a:ext>
+            </a:extLst>
+          </p:cNvPr>
+          <p:cNvSpPr>
+            <a:spLocks noGrp="1"/>
+          </p:cNvSpPr>
+          <p:nvPr>
+            <p:ph type="title"/>
+          </p:nvPr>
+        </p:nvSpPr>
+        <p:spPr/>
+        <p:txBody>
+          <a:bodyPr/>
+          <a:lstStyle/>
+          <a:p>
+            <a:r>
+              <a:rPr lang="de-DE" b="1" dirty="0"/>
+              <a:t>TODOs</a:t>
+            </a:r>
+          </a:p>
+        </p:txBody>
+      </p:sp>
+      <p:sp>
+        <p:nvSpPr>
+          <p:cNvPr id="3" name="Content Placeholder 2">
+            <a:extLst>
+              <a:ext uri="{FF2B5EF4-FFF2-40B4-BE49-F238E27FC236}">
+                <a16:creationId xmlns:a16="http://schemas.microsoft.com/office/drawing/2014/main" id="{E58475FE-AEB0-BC42-A8C7-BD9B9C5AB94C}"/>
+              </a:ext>
+            </a:extLst>
+          </p:cNvPr>
+          <p:cNvSpPr>
+            <a:spLocks noGrp="1"/>
+          </p:cNvSpPr>
+          <p:nvPr>
+            <p:ph idx="1"/>
+          </p:nvPr>
+        </p:nvSpPr>
+        <p:spPr>
+          <a:xfrm>
+            <a:off x="542925" y="2478024"/>
+            <a:ext cx="11158538" cy="4119724"/>
+          </a:xfrm>
+        </p:spPr>
+        <p:txBody>
+          <a:bodyPr>
+            <a:normAutofit lnSpcReduction="10000"/>
+          </a:bodyPr>
+          <a:lstStyle/>
+          <a:p>
+            <a:r>
+              <a:rPr lang="de-DE" b="1" dirty="0"/>
+              <a:t> </a:t>
+            </a:r>
+            <a:r>
+              <a:rPr lang="de-DE" sz="3200" dirty="0">
+                <a:sym typeface="Wingdings" pitchFamily="2" charset="2"/>
+              </a:rPr>
+              <a:t>Epocheneinteilung erweitern  händisch </a:t>
+            </a:r>
+          </a:p>
+          <a:p>
+            <a:r>
+              <a:rPr lang="de-DE" sz="3200" b="1" dirty="0">
+                <a:sym typeface="Wingdings" pitchFamily="2" charset="2"/>
+              </a:rPr>
+              <a:t> </a:t>
+            </a:r>
+            <a:r>
+              <a:rPr lang="de-DE" sz="3200" b="1" dirty="0"/>
+              <a:t>Noise </a:t>
+            </a:r>
+            <a:r>
+              <a:rPr lang="de-DE" sz="3200" b="1" dirty="0" err="1"/>
+              <a:t>Removal</a:t>
+            </a:r>
+            <a:r>
+              <a:rPr lang="de-DE" sz="3200" b="1" dirty="0"/>
+              <a:t> </a:t>
+            </a:r>
+            <a:r>
+              <a:rPr lang="de-DE" sz="3200" dirty="0"/>
+              <a:t>mit :</a:t>
+            </a:r>
+          </a:p>
+          <a:p>
+            <a:pPr lvl="1"/>
+            <a:r>
+              <a:rPr lang="de-DE" sz="2800" dirty="0"/>
+              <a:t>Hierarchisches Clustering</a:t>
+            </a:r>
+          </a:p>
+          <a:p>
+            <a:pPr lvl="1"/>
+            <a:r>
+              <a:rPr lang="de-DE" sz="2800" dirty="0"/>
+              <a:t>Topic </a:t>
+            </a:r>
+            <a:r>
+              <a:rPr lang="de-DE" sz="2800" dirty="0" err="1"/>
+              <a:t>Modelling</a:t>
+            </a:r>
+            <a:r>
+              <a:rPr lang="de-DE" sz="2800" dirty="0"/>
+              <a:t> (</a:t>
+            </a:r>
+            <a:r>
+              <a:rPr lang="de-DE" sz="2800" dirty="0">
+                <a:sym typeface="Wingdings" pitchFamily="2" charset="2"/>
+              </a:rPr>
+              <a:t> Dialekt)</a:t>
+            </a:r>
+          </a:p>
+          <a:p>
+            <a:pPr lvl="1"/>
+            <a:r>
+              <a:rPr lang="de-DE" sz="2800" dirty="0"/>
+              <a:t>LSVM</a:t>
+            </a:r>
+          </a:p>
+          <a:p>
+            <a:r>
+              <a:rPr lang="de-DE" sz="3200" dirty="0"/>
+              <a:t> Nochmal POS-</a:t>
+            </a:r>
+            <a:r>
+              <a:rPr lang="de-DE" sz="3200" dirty="0" err="1"/>
+              <a:t>Tagging</a:t>
+            </a:r>
+            <a:endParaRPr lang="de-DE" sz="3200" dirty="0"/>
+          </a:p>
+          <a:p>
+            <a:r>
+              <a:rPr lang="de-DE" sz="3200" dirty="0"/>
+              <a:t> Analyse der Epochenzuweisungen</a:t>
+            </a:r>
+          </a:p>
+        </p:txBody>
+      </p:sp>
+    </p:spTree>
+    <p:extLst>
+      <p:ext uri="{BB962C8B-B14F-4D97-AF65-F5344CB8AC3E}">
+        <p14:creationId xmlns:p14="http://schemas.microsoft.com/office/powerpoint/2010/main" val="3293990588"/>
+      </p:ext>
+    </p:extLst>
+  </p:cSld>
+  <p:clrMapOvr>
+    <a:masterClrMapping/>
+  </p:clrMapOvr>
+</p:sld>
+</file>
+
 <file path=ppt/slides/slide3.xml><?xml version="1.0" encoding="utf-8"?>
 <p:sld xmlns:a="http://schemas.openxmlformats.org/drawingml/2006/main" xmlns:r="http://schemas.openxmlformats.org/officeDocument/2006/relationships" xmlns:p="http://schemas.openxmlformats.org/presentationml/2006/main">
   <p:cSld>
@@ -17106,10 +17123,10 @@
       </p:grpSpPr>
       <p:sp>
         <p:nvSpPr>
-          <p:cNvPr id="2" name="Title 1">
-            <a:extLst>
-              <a:ext uri="{FF2B5EF4-FFF2-40B4-BE49-F238E27FC236}">
-                <a16:creationId xmlns:a16="http://schemas.microsoft.com/office/drawing/2014/main" id="{6F7ED122-6758-3845-84AD-55A4F3FD499B}"/>
+          <p:cNvPr id="7" name="Title 6">
+            <a:extLst>
+              <a:ext uri="{FF2B5EF4-FFF2-40B4-BE49-F238E27FC236}">
+                <a16:creationId xmlns:a16="http://schemas.microsoft.com/office/drawing/2014/main" id="{7168E5B1-40BC-594A-BD5D-32D9348BA6D0}"/>
               </a:ext>
             </a:extLst>
           </p:cNvPr>
@@ -17126,125 +17143,8 @@
           <a:lstStyle/>
           <a:p>
             <a:r>
-              <a:rPr lang="de-DE" b="1" dirty="0"/>
-              <a:t>TODOs</a:t>
-            </a:r>
-          </a:p>
-        </p:txBody>
-      </p:sp>
-      <p:sp>
-        <p:nvSpPr>
-          <p:cNvPr id="3" name="Content Placeholder 2">
-            <a:extLst>
-              <a:ext uri="{FF2B5EF4-FFF2-40B4-BE49-F238E27FC236}">
-                <a16:creationId xmlns:a16="http://schemas.microsoft.com/office/drawing/2014/main" id="{E58475FE-AEB0-BC42-A8C7-BD9B9C5AB94C}"/>
-              </a:ext>
-            </a:extLst>
-          </p:cNvPr>
-          <p:cNvSpPr>
-            <a:spLocks noGrp="1"/>
-          </p:cNvSpPr>
-          <p:nvPr>
-            <p:ph idx="1"/>
-          </p:nvPr>
-        </p:nvSpPr>
-        <p:spPr>
-          <a:xfrm>
-            <a:off x="542925" y="2478024"/>
-            <a:ext cx="11158538" cy="4119724"/>
-          </a:xfrm>
-        </p:spPr>
-        <p:txBody>
-          <a:bodyPr>
-            <a:normAutofit lnSpcReduction="10000"/>
-          </a:bodyPr>
-          <a:lstStyle/>
-          <a:p>
-            <a:r>
-              <a:rPr lang="de-DE" b="1" dirty="0"/>
-              <a:t> </a:t>
-            </a:r>
-            <a:r>
-              <a:rPr lang="de-DE" sz="3200" dirty="0">
-                <a:sym typeface="Wingdings" pitchFamily="2" charset="2"/>
-              </a:rPr>
-              <a:t>Epocheneinteilung erweitern  händisch </a:t>
-            </a:r>
-          </a:p>
-          <a:p>
-            <a:r>
-              <a:rPr lang="de-DE" sz="3200" b="1" dirty="0">
-                <a:sym typeface="Wingdings" pitchFamily="2" charset="2"/>
-              </a:rPr>
-              <a:t> </a:t>
-            </a:r>
-            <a:r>
-              <a:rPr lang="de-DE" sz="3200" b="1" dirty="0"/>
-              <a:t>Noise </a:t>
-            </a:r>
-            <a:r>
-              <a:rPr lang="de-DE" sz="3200" b="1" dirty="0" err="1"/>
-              <a:t>Removal</a:t>
-            </a:r>
-            <a:r>
-              <a:rPr lang="de-DE" sz="3200" b="1" dirty="0"/>
-              <a:t> </a:t>
-            </a:r>
-            <a:r>
-              <a:rPr lang="de-DE" sz="3200" dirty="0"/>
-              <a:t>mit :</a:t>
-            </a:r>
-          </a:p>
-          <a:p>
-            <a:pPr lvl="1"/>
-            <a:r>
-              <a:rPr lang="de-DE" sz="2800" dirty="0"/>
-              <a:t>Hierarchisches Clustering</a:t>
-            </a:r>
-          </a:p>
-          <a:p>
-            <a:pPr lvl="1"/>
-            <a:r>
-              <a:rPr lang="de-DE" sz="2800" dirty="0"/>
-              <a:t>Topic </a:t>
-            </a:r>
-            <a:r>
-              <a:rPr lang="de-DE" sz="2800" dirty="0" err="1"/>
-              <a:t>Modelling</a:t>
-            </a:r>
-            <a:r>
-              <a:rPr lang="de-DE" sz="2800" dirty="0"/>
-              <a:t> (</a:t>
-            </a:r>
-            <a:r>
-              <a:rPr lang="de-DE" sz="2800" dirty="0">
-                <a:sym typeface="Wingdings" pitchFamily="2" charset="2"/>
-              </a:rPr>
-              <a:t> Dialekt)</a:t>
-            </a:r>
-          </a:p>
-          <a:p>
-            <a:pPr lvl="1"/>
-            <a:r>
-              <a:rPr lang="de-DE" sz="2800" dirty="0"/>
-              <a:t>LSVM</a:t>
-            </a:r>
-          </a:p>
-          <a:p>
-            <a:r>
-              <a:rPr lang="de-DE" sz="3200" dirty="0"/>
-              <a:t> Nochmal POS-</a:t>
-            </a:r>
-            <a:r>
-              <a:rPr lang="de-DE" sz="3200" dirty="0" err="1"/>
-              <a:t>Tagging</a:t>
-            </a:r>
-            <a:endParaRPr lang="de-DE" sz="3200" dirty="0"/>
-          </a:p>
-          <a:p>
-            <a:r>
-              <a:rPr lang="de-DE" sz="3200" dirty="0"/>
-              <a:t> Analyse der Epochenzuweisungen</a:t>
+              <a:rPr lang="de-DE" dirty="0"/>
+              <a:t>TODO</a:t>
             </a:r>
           </a:p>
         </p:txBody>
@@ -17252,7 +17152,7 @@
     </p:spTree>
     <p:extLst>
       <p:ext uri="{BB962C8B-B14F-4D97-AF65-F5344CB8AC3E}">
-        <p14:creationId xmlns:p14="http://schemas.microsoft.com/office/powerpoint/2010/main" val="3293990588"/>
+        <p14:creationId xmlns:p14="http://schemas.microsoft.com/office/powerpoint/2010/main" val="2512545284"/>
       </p:ext>
     </p:extLst>
   </p:cSld>
@@ -17281,10 +17181,10 @@
       </p:grpSpPr>
       <p:sp>
         <p:nvSpPr>
-          <p:cNvPr id="7" name="Title 6">
-            <a:extLst>
-              <a:ext uri="{FF2B5EF4-FFF2-40B4-BE49-F238E27FC236}">
-                <a16:creationId xmlns:a16="http://schemas.microsoft.com/office/drawing/2014/main" id="{7168E5B1-40BC-594A-BD5D-32D9348BA6D0}"/>
+          <p:cNvPr id="2" name="Title 1">
+            <a:extLst>
+              <a:ext uri="{FF2B5EF4-FFF2-40B4-BE49-F238E27FC236}">
+                <a16:creationId xmlns:a16="http://schemas.microsoft.com/office/drawing/2014/main" id="{DCBE102F-D2BB-3946-AEF1-AE93DF5165E5}"/>
               </a:ext>
             </a:extLst>
           </p:cNvPr>
@@ -17297,20 +17197,23 @@
         </p:nvSpPr>
         <p:spPr/>
         <p:txBody>
-          <a:bodyPr/>
-          <a:lstStyle/>
-          <a:p>
-            <a:r>
-              <a:rPr lang="de-DE" dirty="0"/>
-              <a:t>TODO</a:t>
-            </a:r>
+          <a:bodyPr>
+            <a:normAutofit/>
+          </a:bodyPr>
+          <a:lstStyle/>
+          <a:p>
+            <a:r>
+              <a:rPr lang="de-DE" sz="4400" b="1" dirty="0"/>
+              <a:t>4.5.  Noise Entfernung</a:t>
+            </a:r>
+            <a:endParaRPr lang="de-DE" sz="4800" b="1" dirty="0"/>
           </a:p>
         </p:txBody>
       </p:sp>
     </p:spTree>
     <p:extLst>
       <p:ext uri="{BB962C8B-B14F-4D97-AF65-F5344CB8AC3E}">
-        <p14:creationId xmlns:p14="http://schemas.microsoft.com/office/powerpoint/2010/main" val="2512545284"/>
+        <p14:creationId xmlns:p14="http://schemas.microsoft.com/office/powerpoint/2010/main" val="1767297648"/>
       </p:ext>
     </p:extLst>
   </p:cSld>
@@ -17339,10 +17242,10 @@
       </p:grpSpPr>
       <p:sp>
         <p:nvSpPr>
-          <p:cNvPr id="2" name="Title 1">
-            <a:extLst>
-              <a:ext uri="{FF2B5EF4-FFF2-40B4-BE49-F238E27FC236}">
-                <a16:creationId xmlns:a16="http://schemas.microsoft.com/office/drawing/2014/main" id="{DCBE102F-D2BB-3946-AEF1-AE93DF5165E5}"/>
+          <p:cNvPr id="7" name="Title 6">
+            <a:extLst>
+              <a:ext uri="{FF2B5EF4-FFF2-40B4-BE49-F238E27FC236}">
+                <a16:creationId xmlns:a16="http://schemas.microsoft.com/office/drawing/2014/main" id="{2DE410B9-650E-C549-B5D6-A2098E5B0905}"/>
               </a:ext>
             </a:extLst>
           </p:cNvPr>
@@ -17354,24 +17257,88 @@
           </p:nvPr>
         </p:nvSpPr>
         <p:spPr/>
+        <p:txBody>
+          <a:bodyPr/>
+          <a:lstStyle/>
+          <a:p>
+            <a:r>
+              <a:rPr lang="de-DE" b="1" dirty="0"/>
+              <a:t>Verfahren</a:t>
+            </a:r>
+          </a:p>
+        </p:txBody>
+      </p:sp>
+      <p:sp>
+        <p:nvSpPr>
+          <p:cNvPr id="8" name="Content Placeholder 7">
+            <a:extLst>
+              <a:ext uri="{FF2B5EF4-FFF2-40B4-BE49-F238E27FC236}">
+                <a16:creationId xmlns:a16="http://schemas.microsoft.com/office/drawing/2014/main" id="{D24A4841-EEE5-5F44-9B6E-360856357608}"/>
+              </a:ext>
+            </a:extLst>
+          </p:cNvPr>
+          <p:cNvSpPr>
+            <a:spLocks noGrp="1"/>
+          </p:cNvSpPr>
+          <p:nvPr>
+            <p:ph idx="1"/>
+          </p:nvPr>
+        </p:nvSpPr>
+        <p:spPr>
+          <a:xfrm>
+            <a:off x="724470" y="2829495"/>
+            <a:ext cx="10991279" cy="3714179"/>
+          </a:xfrm>
+        </p:spPr>
         <p:txBody>
           <a:bodyPr>
             <a:normAutofit/>
           </a:bodyPr>
           <a:lstStyle/>
           <a:p>
-            <a:r>
-              <a:rPr lang="de-DE" sz="4400" b="1" dirty="0"/>
-              <a:t>4.5.  Noise Entfernung</a:t>
-            </a:r>
-            <a:endParaRPr lang="de-DE" sz="4800" b="1" dirty="0"/>
+            <a:pPr>
+              <a:lnSpc>
+                <a:spcPct val="150000"/>
+              </a:lnSpc>
+            </a:pPr>
+            <a:r>
+              <a:rPr lang="de-DE" sz="4000" dirty="0"/>
+              <a:t> Lineare SVM</a:t>
+            </a:r>
+          </a:p>
+          <a:p>
+            <a:pPr>
+              <a:lnSpc>
+                <a:spcPct val="150000"/>
+              </a:lnSpc>
+            </a:pPr>
+            <a:r>
+              <a:rPr lang="de-DE" sz="4000" dirty="0"/>
+              <a:t> Topic </a:t>
+            </a:r>
+            <a:r>
+              <a:rPr lang="de-DE" sz="4000" dirty="0" err="1"/>
+              <a:t>Modelling</a:t>
+            </a:r>
+            <a:endParaRPr lang="de-DE" sz="4000" dirty="0"/>
+          </a:p>
+          <a:p>
+            <a:pPr>
+              <a:lnSpc>
+                <a:spcPct val="150000"/>
+              </a:lnSpc>
+            </a:pPr>
+            <a:r>
+              <a:rPr lang="de-DE" sz="4000" dirty="0"/>
+              <a:t> Hierarchisches Clustering</a:t>
+            </a:r>
           </a:p>
         </p:txBody>
       </p:sp>
     </p:spTree>
     <p:extLst>
       <p:ext uri="{BB962C8B-B14F-4D97-AF65-F5344CB8AC3E}">
-        <p14:creationId xmlns:p14="http://schemas.microsoft.com/office/powerpoint/2010/main" val="1767297648"/>
+        <p14:creationId xmlns:p14="http://schemas.microsoft.com/office/powerpoint/2010/main" val="3318092965"/>
       </p:ext>
     </p:extLst>
   </p:cSld>
@@ -17400,10 +17367,10 @@
       </p:grpSpPr>
       <p:sp>
         <p:nvSpPr>
-          <p:cNvPr id="7" name="Title 6">
-            <a:extLst>
-              <a:ext uri="{FF2B5EF4-FFF2-40B4-BE49-F238E27FC236}">
-                <a16:creationId xmlns:a16="http://schemas.microsoft.com/office/drawing/2014/main" id="{2DE410B9-650E-C549-B5D6-A2098E5B0905}"/>
+          <p:cNvPr id="4" name="Title 3">
+            <a:extLst>
+              <a:ext uri="{FF2B5EF4-FFF2-40B4-BE49-F238E27FC236}">
+                <a16:creationId xmlns:a16="http://schemas.microsoft.com/office/drawing/2014/main" id="{E4A206C5-2498-E042-8300-B25F3C898680}"/>
               </a:ext>
             </a:extLst>
           </p:cNvPr>
@@ -17420,75 +17387,8 @@
           <a:lstStyle/>
           <a:p>
             <a:r>
-              <a:rPr lang="de-DE" b="1" dirty="0"/>
-              <a:t>Verfahren</a:t>
-            </a:r>
-          </a:p>
-        </p:txBody>
-      </p:sp>
-      <p:sp>
-        <p:nvSpPr>
-          <p:cNvPr id="8" name="Content Placeholder 7">
-            <a:extLst>
-              <a:ext uri="{FF2B5EF4-FFF2-40B4-BE49-F238E27FC236}">
-                <a16:creationId xmlns:a16="http://schemas.microsoft.com/office/drawing/2014/main" id="{D24A4841-EEE5-5F44-9B6E-360856357608}"/>
-              </a:ext>
-            </a:extLst>
-          </p:cNvPr>
-          <p:cNvSpPr>
-            <a:spLocks noGrp="1"/>
-          </p:cNvSpPr>
-          <p:nvPr>
-            <p:ph idx="1"/>
-          </p:nvPr>
-        </p:nvSpPr>
-        <p:spPr>
-          <a:xfrm>
-            <a:off x="724470" y="2829495"/>
-            <a:ext cx="10991279" cy="3714179"/>
-          </a:xfrm>
-        </p:spPr>
-        <p:txBody>
-          <a:bodyPr>
-            <a:normAutofit/>
-          </a:bodyPr>
-          <a:lstStyle/>
-          <a:p>
-            <a:pPr>
-              <a:lnSpc>
-                <a:spcPct val="150000"/>
-              </a:lnSpc>
-            </a:pPr>
-            <a:r>
-              <a:rPr lang="de-DE" sz="4000" dirty="0"/>
-              <a:t> Lineare SVM</a:t>
-            </a:r>
-          </a:p>
-          <a:p>
-            <a:pPr>
-              <a:lnSpc>
-                <a:spcPct val="150000"/>
-              </a:lnSpc>
-            </a:pPr>
-            <a:r>
-              <a:rPr lang="de-DE" sz="4000" dirty="0"/>
-              <a:t> Topic </a:t>
-            </a:r>
-            <a:r>
-              <a:rPr lang="de-DE" sz="4000" dirty="0" err="1"/>
-              <a:t>Modelling</a:t>
-            </a:r>
-            <a:endParaRPr lang="de-DE" sz="4000" dirty="0"/>
-          </a:p>
-          <a:p>
-            <a:pPr>
-              <a:lnSpc>
-                <a:spcPct val="150000"/>
-              </a:lnSpc>
-            </a:pPr>
-            <a:r>
-              <a:rPr lang="de-DE" sz="4000" dirty="0"/>
-              <a:t> Hierarchisches Clustering</a:t>
+              <a:rPr lang="de-DE" dirty="0"/>
+              <a:t>TODO</a:t>
             </a:r>
           </a:p>
         </p:txBody>
@@ -17496,7 +17396,7 @@
     </p:spTree>
     <p:extLst>
       <p:ext uri="{BB962C8B-B14F-4D97-AF65-F5344CB8AC3E}">
-        <p14:creationId xmlns:p14="http://schemas.microsoft.com/office/powerpoint/2010/main" val="3318092965"/>
+        <p14:creationId xmlns:p14="http://schemas.microsoft.com/office/powerpoint/2010/main" val="1620600122"/>
       </p:ext>
     </p:extLst>
   </p:cSld>
@@ -17525,10 +17425,10 @@
       </p:grpSpPr>
       <p:sp>
         <p:nvSpPr>
-          <p:cNvPr id="4" name="Title 3">
-            <a:extLst>
-              <a:ext uri="{FF2B5EF4-FFF2-40B4-BE49-F238E27FC236}">
-                <a16:creationId xmlns:a16="http://schemas.microsoft.com/office/drawing/2014/main" id="{E4A206C5-2498-E042-8300-B25F3C898680}"/>
+          <p:cNvPr id="2" name="Title 1">
+            <a:extLst>
+              <a:ext uri="{FF2B5EF4-FFF2-40B4-BE49-F238E27FC236}">
+                <a16:creationId xmlns:a16="http://schemas.microsoft.com/office/drawing/2014/main" id="{78F2E4E8-04EB-0142-91AE-BC0C88F0C119}"/>
               </a:ext>
             </a:extLst>
           </p:cNvPr>
@@ -17545,8 +17445,8 @@
           <a:lstStyle/>
           <a:p>
             <a:r>
-              <a:rPr lang="de-DE" dirty="0"/>
-              <a:t>TODO</a:t>
+              <a:rPr lang="de-DE" b="1" dirty="0"/>
+              <a:t>5.  Schlussbetrachtung</a:t>
             </a:r>
           </a:p>
         </p:txBody>
@@ -17554,7 +17454,7 @@
     </p:spTree>
     <p:extLst>
       <p:ext uri="{BB962C8B-B14F-4D97-AF65-F5344CB8AC3E}">
-        <p14:creationId xmlns:p14="http://schemas.microsoft.com/office/powerpoint/2010/main" val="1620600122"/>
+        <p14:creationId xmlns:p14="http://schemas.microsoft.com/office/powerpoint/2010/main" val="4052262941"/>
       </p:ext>
     </p:extLst>
   </p:cSld>
@@ -17586,7 +17486,7 @@
           <p:cNvPr id="2" name="Title 1">
             <a:extLst>
               <a:ext uri="{FF2B5EF4-FFF2-40B4-BE49-F238E27FC236}">
-                <a16:creationId xmlns:a16="http://schemas.microsoft.com/office/drawing/2014/main" id="{78F2E4E8-04EB-0142-91AE-BC0C88F0C119}"/>
+                <a16:creationId xmlns:a16="http://schemas.microsoft.com/office/drawing/2014/main" id="{101BE013-1DEE-F849-A41C-C113EB265916}"/>
               </a:ext>
             </a:extLst>
           </p:cNvPr>
@@ -17602,17 +17502,39 @@
           <a:bodyPr/>
           <a:lstStyle/>
           <a:p>
-            <a:r>
-              <a:rPr lang="de-DE" b="1" dirty="0"/>
-              <a:t>5.  Schlussbetrachtung</a:t>
-            </a:r>
+            <a:endParaRPr lang="de-DE" dirty="0"/>
+          </a:p>
+        </p:txBody>
+      </p:sp>
+      <p:sp>
+        <p:nvSpPr>
+          <p:cNvPr id="3" name="Content Placeholder 2">
+            <a:extLst>
+              <a:ext uri="{FF2B5EF4-FFF2-40B4-BE49-F238E27FC236}">
+                <a16:creationId xmlns:a16="http://schemas.microsoft.com/office/drawing/2014/main" id="{F6B1112F-CC43-C741-A5AC-E2406C8709D1}"/>
+              </a:ext>
+            </a:extLst>
+          </p:cNvPr>
+          <p:cNvSpPr>
+            <a:spLocks noGrp="1"/>
+          </p:cNvSpPr>
+          <p:nvPr>
+            <p:ph idx="1"/>
+          </p:nvPr>
+        </p:nvSpPr>
+        <p:spPr/>
+        <p:txBody>
+          <a:bodyPr/>
+          <a:lstStyle/>
+          <a:p>
+            <a:endParaRPr lang="de-DE"/>
           </a:p>
         </p:txBody>
       </p:sp>
     </p:spTree>
     <p:extLst>
       <p:ext uri="{BB962C8B-B14F-4D97-AF65-F5344CB8AC3E}">
-        <p14:creationId xmlns:p14="http://schemas.microsoft.com/office/powerpoint/2010/main" val="4052262941"/>
+        <p14:creationId xmlns:p14="http://schemas.microsoft.com/office/powerpoint/2010/main" val="3032047895"/>
       </p:ext>
     </p:extLst>
   </p:cSld>
@@ -17644,86 +17566,6 @@
           <p:cNvPr id="2" name="Title 1">
             <a:extLst>
               <a:ext uri="{FF2B5EF4-FFF2-40B4-BE49-F238E27FC236}">
-                <a16:creationId xmlns:a16="http://schemas.microsoft.com/office/drawing/2014/main" id="{101BE013-1DEE-F849-A41C-C113EB265916}"/>
-              </a:ext>
-            </a:extLst>
-          </p:cNvPr>
-          <p:cNvSpPr>
-            <a:spLocks noGrp="1"/>
-          </p:cNvSpPr>
-          <p:nvPr>
-            <p:ph type="title"/>
-          </p:nvPr>
-        </p:nvSpPr>
-        <p:spPr/>
-        <p:txBody>
-          <a:bodyPr/>
-          <a:lstStyle/>
-          <a:p>
-            <a:endParaRPr lang="de-DE" dirty="0"/>
-          </a:p>
-        </p:txBody>
-      </p:sp>
-      <p:sp>
-        <p:nvSpPr>
-          <p:cNvPr id="3" name="Content Placeholder 2">
-            <a:extLst>
-              <a:ext uri="{FF2B5EF4-FFF2-40B4-BE49-F238E27FC236}">
-                <a16:creationId xmlns:a16="http://schemas.microsoft.com/office/drawing/2014/main" id="{F6B1112F-CC43-C741-A5AC-E2406C8709D1}"/>
-              </a:ext>
-            </a:extLst>
-          </p:cNvPr>
-          <p:cNvSpPr>
-            <a:spLocks noGrp="1"/>
-          </p:cNvSpPr>
-          <p:nvPr>
-            <p:ph idx="1"/>
-          </p:nvPr>
-        </p:nvSpPr>
-        <p:spPr/>
-        <p:txBody>
-          <a:bodyPr/>
-          <a:lstStyle/>
-          <a:p>
-            <a:endParaRPr lang="de-DE"/>
-          </a:p>
-        </p:txBody>
-      </p:sp>
-    </p:spTree>
-    <p:extLst>
-      <p:ext uri="{BB962C8B-B14F-4D97-AF65-F5344CB8AC3E}">
-        <p14:creationId xmlns:p14="http://schemas.microsoft.com/office/powerpoint/2010/main" val="3032047895"/>
-      </p:ext>
-    </p:extLst>
-  </p:cSld>
-  <p:clrMapOvr>
-    <a:masterClrMapping/>
-  </p:clrMapOvr>
-</p:sld>
-</file>
-
-<file path=ppt/slides/slide37.xml><?xml version="1.0" encoding="utf-8"?>
-<p:sld xmlns:a="http://schemas.openxmlformats.org/drawingml/2006/main" xmlns:r="http://schemas.openxmlformats.org/officeDocument/2006/relationships" xmlns:p="http://schemas.openxmlformats.org/presentationml/2006/main">
-  <p:cSld>
-    <p:spTree>
-      <p:nvGrpSpPr>
-        <p:cNvPr id="1" name=""/>
-        <p:cNvGrpSpPr/>
-        <p:nvPr/>
-      </p:nvGrpSpPr>
-      <p:grpSpPr>
-        <a:xfrm>
-          <a:off x="0" y="0"/>
-          <a:ext cx="0" cy="0"/>
-          <a:chOff x="0" y="0"/>
-          <a:chExt cx="0" cy="0"/>
-        </a:xfrm>
-      </p:grpSpPr>
-      <p:sp>
-        <p:nvSpPr>
-          <p:cNvPr id="2" name="Title 1">
-            <a:extLst>
-              <a:ext uri="{FF2B5EF4-FFF2-40B4-BE49-F238E27FC236}">
                 <a16:creationId xmlns:a16="http://schemas.microsoft.com/office/drawing/2014/main" id="{5F008BA8-4B71-044A-ADB5-A3233D475177}"/>
               </a:ext>
             </a:extLst>
@@ -17782,7 +17624,7 @@
 </p:sld>
 </file>
 
-<file path=ppt/slides/slide38.xml><?xml version="1.0" encoding="utf-8"?>
+<file path=ppt/slides/slide37.xml><?xml version="1.0" encoding="utf-8"?>
 <p:sld xmlns:a="http://schemas.openxmlformats.org/drawingml/2006/main" xmlns:r="http://schemas.openxmlformats.org/officeDocument/2006/relationships" xmlns:p="http://schemas.openxmlformats.org/presentationml/2006/main">
   <p:cSld>
     <p:spTree>
@@ -18065,7 +17907,7 @@
 </p:sld>
 </file>
 
-<file path=ppt/slides/slide39.xml><?xml version="1.0" encoding="utf-8"?>
+<file path=ppt/slides/slide38.xml><?xml version="1.0" encoding="utf-8"?>
 <p:sld xmlns:a="http://schemas.openxmlformats.org/drawingml/2006/main" xmlns:r="http://schemas.openxmlformats.org/officeDocument/2006/relationships" xmlns:p="http://schemas.openxmlformats.org/presentationml/2006/main">
   <p:cSld>
     <p:spTree>
@@ -18348,262 +18190,7 @@
 </p:sld>
 </file>
 
-<file path=ppt/slides/slide4.xml><?xml version="1.0" encoding="utf-8"?>
-<p:sld xmlns:a="http://schemas.openxmlformats.org/drawingml/2006/main" xmlns:r="http://schemas.openxmlformats.org/officeDocument/2006/relationships" xmlns:p="http://schemas.openxmlformats.org/presentationml/2006/main">
-  <p:cSld>
-    <p:spTree>
-      <p:nvGrpSpPr>
-        <p:cNvPr id="1" name=""/>
-        <p:cNvGrpSpPr/>
-        <p:nvPr/>
-      </p:nvGrpSpPr>
-      <p:grpSpPr>
-        <a:xfrm>
-          <a:off x="0" y="0"/>
-          <a:ext cx="0" cy="0"/>
-          <a:chOff x="0" y="0"/>
-          <a:chExt cx="0" cy="0"/>
-        </a:xfrm>
-      </p:grpSpPr>
-      <p:sp>
-        <p:nvSpPr>
-          <p:cNvPr id="4" name="Title 3">
-            <a:extLst>
-              <a:ext uri="{FF2B5EF4-FFF2-40B4-BE49-F238E27FC236}">
-                <a16:creationId xmlns:a16="http://schemas.microsoft.com/office/drawing/2014/main" id="{F28AA1C2-4EC8-F94C-B5E1-BD16A1EA9353}"/>
-              </a:ext>
-            </a:extLst>
-          </p:cNvPr>
-          <p:cNvSpPr>
-            <a:spLocks noGrp="1"/>
-          </p:cNvSpPr>
-          <p:nvPr>
-            <p:ph type="title"/>
-          </p:nvPr>
-        </p:nvSpPr>
-        <p:spPr/>
-        <p:txBody>
-          <a:bodyPr/>
-          <a:lstStyle/>
-          <a:p>
-            <a:r>
-              <a:rPr lang="de-DE" b="1" dirty="0"/>
-              <a:t>Epochenbegriff</a:t>
-            </a:r>
-          </a:p>
-        </p:txBody>
-      </p:sp>
-      <p:sp>
-        <p:nvSpPr>
-          <p:cNvPr id="5" name="Content Placeholder 4">
-            <a:extLst>
-              <a:ext uri="{FF2B5EF4-FFF2-40B4-BE49-F238E27FC236}">
-                <a16:creationId xmlns:a16="http://schemas.microsoft.com/office/drawing/2014/main" id="{D70BD3BA-BFBC-1A47-B5C6-9B045B38B728}"/>
-              </a:ext>
-            </a:extLst>
-          </p:cNvPr>
-          <p:cNvSpPr>
-            <a:spLocks noGrp="1"/>
-          </p:cNvSpPr>
-          <p:nvPr>
-            <p:ph idx="1"/>
-          </p:nvPr>
-        </p:nvSpPr>
-        <p:spPr>
-          <a:xfrm>
-            <a:off x="1115568" y="2478024"/>
-            <a:ext cx="10168128" cy="4265676"/>
-          </a:xfrm>
-        </p:spPr>
-        <p:txBody>
-          <a:bodyPr>
-            <a:normAutofit fontScale="92500" lnSpcReduction="10000"/>
-          </a:bodyPr>
-          <a:lstStyle/>
-          <a:p>
-            <a:pPr marL="0" indent="0">
-              <a:buNone/>
-            </a:pPr>
-            <a:r>
-              <a:rPr lang="de-DE" sz="3500" i="1" dirty="0"/>
-              <a:t>„Eine </a:t>
-            </a:r>
-            <a:r>
-              <a:rPr lang="de-DE" sz="3500" b="1" i="1" dirty="0"/>
-              <a:t>Epoche </a:t>
-            </a:r>
-            <a:r>
-              <a:rPr lang="de-DE" sz="3500" i="1" dirty="0"/>
-              <a:t>ist ein zeitlich begrenztes System, das wir von einer Menge von Texten abstrahieren und von dem wir behaupten, </a:t>
-            </a:r>
-            <a:r>
-              <a:rPr lang="de-DE" sz="3500" i="1" dirty="0" err="1"/>
-              <a:t>daß</a:t>
-            </a:r>
-            <a:r>
-              <a:rPr lang="de-DE" sz="3500" i="1" dirty="0"/>
-              <a:t> seine fundamentalen Merkmale und Strukturen in diesem Zeitraum konstant bleiben.“ – </a:t>
-            </a:r>
-            <a:r>
-              <a:rPr lang="de-DE" sz="3500" i="1" dirty="0" err="1"/>
-              <a:t>Titzmann</a:t>
-            </a:r>
-            <a:r>
-              <a:rPr lang="de-DE" sz="3500" i="1" dirty="0"/>
-              <a:t> 1991</a:t>
-            </a:r>
-          </a:p>
-          <a:p>
-            <a:pPr marL="0" indent="0">
-              <a:buNone/>
-            </a:pPr>
-            <a:endParaRPr lang="de-DE" sz="3600" i="1" dirty="0"/>
-          </a:p>
-          <a:p>
-            <a:pPr marL="0" indent="0">
-              <a:buNone/>
-            </a:pPr>
-            <a:r>
-              <a:rPr lang="en-GB" sz="2200" i="1" dirty="0"/>
-              <a:t>TITZMANN, </a:t>
-            </a:r>
-            <a:r>
-              <a:rPr lang="en-GB" sz="2200" dirty="0"/>
-              <a:t>Michael, „</a:t>
-            </a:r>
-            <a:r>
-              <a:rPr lang="en-GB" sz="2200" dirty="0" err="1"/>
-              <a:t>Skizze</a:t>
-            </a:r>
-            <a:r>
-              <a:rPr lang="en-GB" sz="2200" dirty="0"/>
-              <a:t> </a:t>
-            </a:r>
-            <a:r>
-              <a:rPr lang="en-GB" sz="2200" dirty="0" err="1"/>
-              <a:t>einer</a:t>
-            </a:r>
-            <a:r>
-              <a:rPr lang="en-GB" sz="2200" dirty="0"/>
-              <a:t> </a:t>
-            </a:r>
-            <a:r>
-              <a:rPr lang="en-GB" sz="2200" dirty="0" err="1"/>
-              <a:t>integrativen</a:t>
-            </a:r>
-            <a:r>
-              <a:rPr lang="en-GB" sz="2200" dirty="0"/>
-              <a:t> </a:t>
-            </a:r>
-            <a:r>
-              <a:rPr lang="en-GB" sz="2200" dirty="0" err="1"/>
-              <a:t>Literaturgeschichte</a:t>
-            </a:r>
-            <a:r>
-              <a:rPr lang="en-GB" sz="2200" dirty="0"/>
-              <a:t> und </a:t>
-            </a:r>
-            <a:r>
-              <a:rPr lang="en-GB" sz="2200" dirty="0" err="1"/>
-              <a:t>ihres</a:t>
-            </a:r>
-            <a:r>
-              <a:rPr lang="en-GB" sz="2200" dirty="0"/>
-              <a:t> </a:t>
-            </a:r>
-            <a:r>
-              <a:rPr lang="en-GB" sz="2200" dirty="0" err="1"/>
-              <a:t>Ortes</a:t>
-            </a:r>
-            <a:r>
-              <a:rPr lang="en-GB" sz="2200" dirty="0"/>
-              <a:t> in </a:t>
-            </a:r>
-            <a:r>
-              <a:rPr lang="en-GB" sz="2200" dirty="0" err="1"/>
-              <a:t>einer</a:t>
-            </a:r>
-            <a:r>
-              <a:rPr lang="en-GB" sz="2200" dirty="0"/>
-              <a:t> </a:t>
-            </a:r>
-            <a:r>
-              <a:rPr lang="en-GB" sz="2200" dirty="0" err="1"/>
-              <a:t>Systematik</a:t>
-            </a:r>
-            <a:r>
-              <a:rPr lang="en-GB" sz="2200" dirty="0"/>
-              <a:t> der </a:t>
-            </a:r>
-            <a:r>
-              <a:rPr lang="en-GB" sz="2200" dirty="0" err="1"/>
-              <a:t>Literaturwissenschaft</a:t>
-            </a:r>
-            <a:r>
-              <a:rPr lang="en-GB" sz="2200" dirty="0"/>
-              <a:t>“, in: </a:t>
-            </a:r>
-            <a:r>
-              <a:rPr lang="en-GB" sz="2200" dirty="0" err="1"/>
-              <a:t>Ders</a:t>
-            </a:r>
-            <a:r>
-              <a:rPr lang="en-GB" sz="2200" dirty="0"/>
-              <a:t>. (Hg.): </a:t>
-            </a:r>
-            <a:r>
-              <a:rPr lang="en-GB" sz="2200" dirty="0" err="1"/>
-              <a:t>Modelle</a:t>
-            </a:r>
-            <a:r>
-              <a:rPr lang="en-GB" sz="2200" dirty="0"/>
-              <a:t> des </a:t>
-            </a:r>
-            <a:r>
-              <a:rPr lang="en-GB" sz="2200" dirty="0" err="1"/>
-              <a:t>literarischen</a:t>
-            </a:r>
-            <a:r>
-              <a:rPr lang="en-GB" sz="2200" dirty="0"/>
-              <a:t> </a:t>
-            </a:r>
-            <a:r>
-              <a:rPr lang="en-GB" sz="2200" dirty="0" err="1"/>
-              <a:t>Strukturwandels</a:t>
-            </a:r>
-            <a:r>
-              <a:rPr lang="en-GB" sz="2200" dirty="0"/>
-              <a:t>. Tübingen 1991, S. 395-438, 405.</a:t>
-            </a:r>
-          </a:p>
-          <a:p>
-            <a:pPr marL="0" indent="0">
-              <a:buNone/>
-            </a:pPr>
-            <a:endParaRPr lang="de-DE" sz="3200" i="1" dirty="0"/>
-          </a:p>
-          <a:p>
-            <a:pPr marL="0" indent="0">
-              <a:buNone/>
-            </a:pPr>
-            <a:endParaRPr lang="de-DE" dirty="0"/>
-          </a:p>
-        </p:txBody>
-      </p:sp>
-    </p:spTree>
-    <p:extLst>
-      <p:ext uri="{BB962C8B-B14F-4D97-AF65-F5344CB8AC3E}">
-        <p14:creationId xmlns:p14="http://schemas.microsoft.com/office/powerpoint/2010/main" val="3743810288"/>
-      </p:ext>
-    </p:extLst>
-  </p:cSld>
-  <p:clrMapOvr>
-    <a:masterClrMapping/>
-  </p:clrMapOvr>
-</p:sld>
-</file>
-
-<file path=ppt/slides/slide40.xml><?xml version="1.0" encoding="utf-8"?>
+<file path=ppt/slides/slide39.xml><?xml version="1.0" encoding="utf-8"?>
 <p:sld xmlns:a="http://schemas.openxmlformats.org/drawingml/2006/main" xmlns:r="http://schemas.openxmlformats.org/officeDocument/2006/relationships" xmlns:p="http://schemas.openxmlformats.org/presentationml/2006/main" show="0">
   <p:cSld>
     <p:spTree>
@@ -18868,7 +18455,262 @@
 </p:sld>
 </file>
 
-<file path=ppt/slides/slide41.xml><?xml version="1.0" encoding="utf-8"?>
+<file path=ppt/slides/slide4.xml><?xml version="1.0" encoding="utf-8"?>
+<p:sld xmlns:a="http://schemas.openxmlformats.org/drawingml/2006/main" xmlns:r="http://schemas.openxmlformats.org/officeDocument/2006/relationships" xmlns:p="http://schemas.openxmlformats.org/presentationml/2006/main">
+  <p:cSld>
+    <p:spTree>
+      <p:nvGrpSpPr>
+        <p:cNvPr id="1" name=""/>
+        <p:cNvGrpSpPr/>
+        <p:nvPr/>
+      </p:nvGrpSpPr>
+      <p:grpSpPr>
+        <a:xfrm>
+          <a:off x="0" y="0"/>
+          <a:ext cx="0" cy="0"/>
+          <a:chOff x="0" y="0"/>
+          <a:chExt cx="0" cy="0"/>
+        </a:xfrm>
+      </p:grpSpPr>
+      <p:sp>
+        <p:nvSpPr>
+          <p:cNvPr id="4" name="Title 3">
+            <a:extLst>
+              <a:ext uri="{FF2B5EF4-FFF2-40B4-BE49-F238E27FC236}">
+                <a16:creationId xmlns:a16="http://schemas.microsoft.com/office/drawing/2014/main" id="{F28AA1C2-4EC8-F94C-B5E1-BD16A1EA9353}"/>
+              </a:ext>
+            </a:extLst>
+          </p:cNvPr>
+          <p:cNvSpPr>
+            <a:spLocks noGrp="1"/>
+          </p:cNvSpPr>
+          <p:nvPr>
+            <p:ph type="title"/>
+          </p:nvPr>
+        </p:nvSpPr>
+        <p:spPr/>
+        <p:txBody>
+          <a:bodyPr/>
+          <a:lstStyle/>
+          <a:p>
+            <a:r>
+              <a:rPr lang="de-DE" b="1" dirty="0"/>
+              <a:t>Epochenbegriff</a:t>
+            </a:r>
+          </a:p>
+        </p:txBody>
+      </p:sp>
+      <p:sp>
+        <p:nvSpPr>
+          <p:cNvPr id="5" name="Content Placeholder 4">
+            <a:extLst>
+              <a:ext uri="{FF2B5EF4-FFF2-40B4-BE49-F238E27FC236}">
+                <a16:creationId xmlns:a16="http://schemas.microsoft.com/office/drawing/2014/main" id="{D70BD3BA-BFBC-1A47-B5C6-9B045B38B728}"/>
+              </a:ext>
+            </a:extLst>
+          </p:cNvPr>
+          <p:cNvSpPr>
+            <a:spLocks noGrp="1"/>
+          </p:cNvSpPr>
+          <p:nvPr>
+            <p:ph idx="1"/>
+          </p:nvPr>
+        </p:nvSpPr>
+        <p:spPr>
+          <a:xfrm>
+            <a:off x="1115568" y="2478024"/>
+            <a:ext cx="10168128" cy="4265676"/>
+          </a:xfrm>
+        </p:spPr>
+        <p:txBody>
+          <a:bodyPr>
+            <a:normAutofit fontScale="92500" lnSpcReduction="10000"/>
+          </a:bodyPr>
+          <a:lstStyle/>
+          <a:p>
+            <a:pPr marL="0" indent="0">
+              <a:buNone/>
+            </a:pPr>
+            <a:r>
+              <a:rPr lang="de-DE" sz="3500" i="1" dirty="0"/>
+              <a:t>„Eine </a:t>
+            </a:r>
+            <a:r>
+              <a:rPr lang="de-DE" sz="3500" b="1" i="1" dirty="0"/>
+              <a:t>Epoche </a:t>
+            </a:r>
+            <a:r>
+              <a:rPr lang="de-DE" sz="3500" i="1" dirty="0"/>
+              <a:t>ist ein zeitlich begrenztes System, das wir von einer Menge von Texten abstrahieren und von dem wir behaupten, </a:t>
+            </a:r>
+            <a:r>
+              <a:rPr lang="de-DE" sz="3500" i="1" dirty="0" err="1"/>
+              <a:t>daß</a:t>
+            </a:r>
+            <a:r>
+              <a:rPr lang="de-DE" sz="3500" i="1" dirty="0"/>
+              <a:t> seine fundamentalen Merkmale und Strukturen in diesem Zeitraum konstant bleiben.“ – </a:t>
+            </a:r>
+            <a:r>
+              <a:rPr lang="de-DE" sz="3500" i="1" dirty="0" err="1"/>
+              <a:t>Titzmann</a:t>
+            </a:r>
+            <a:r>
+              <a:rPr lang="de-DE" sz="3500" i="1" dirty="0"/>
+              <a:t> 1991</a:t>
+            </a:r>
+          </a:p>
+          <a:p>
+            <a:pPr marL="0" indent="0">
+              <a:buNone/>
+            </a:pPr>
+            <a:endParaRPr lang="de-DE" sz="3600" i="1" dirty="0"/>
+          </a:p>
+          <a:p>
+            <a:pPr marL="0" indent="0">
+              <a:buNone/>
+            </a:pPr>
+            <a:r>
+              <a:rPr lang="en-GB" sz="2200" i="1" dirty="0"/>
+              <a:t>TITZMANN, </a:t>
+            </a:r>
+            <a:r>
+              <a:rPr lang="en-GB" sz="2200" dirty="0"/>
+              <a:t>Michael, „</a:t>
+            </a:r>
+            <a:r>
+              <a:rPr lang="en-GB" sz="2200" dirty="0" err="1"/>
+              <a:t>Skizze</a:t>
+            </a:r>
+            <a:r>
+              <a:rPr lang="en-GB" sz="2200" dirty="0"/>
+              <a:t> </a:t>
+            </a:r>
+            <a:r>
+              <a:rPr lang="en-GB" sz="2200" dirty="0" err="1"/>
+              <a:t>einer</a:t>
+            </a:r>
+            <a:r>
+              <a:rPr lang="en-GB" sz="2200" dirty="0"/>
+              <a:t> </a:t>
+            </a:r>
+            <a:r>
+              <a:rPr lang="en-GB" sz="2200" dirty="0" err="1"/>
+              <a:t>integrativen</a:t>
+            </a:r>
+            <a:r>
+              <a:rPr lang="en-GB" sz="2200" dirty="0"/>
+              <a:t> </a:t>
+            </a:r>
+            <a:r>
+              <a:rPr lang="en-GB" sz="2200" dirty="0" err="1"/>
+              <a:t>Literaturgeschichte</a:t>
+            </a:r>
+            <a:r>
+              <a:rPr lang="en-GB" sz="2200" dirty="0"/>
+              <a:t> und </a:t>
+            </a:r>
+            <a:r>
+              <a:rPr lang="en-GB" sz="2200" dirty="0" err="1"/>
+              <a:t>ihres</a:t>
+            </a:r>
+            <a:r>
+              <a:rPr lang="en-GB" sz="2200" dirty="0"/>
+              <a:t> </a:t>
+            </a:r>
+            <a:r>
+              <a:rPr lang="en-GB" sz="2200" dirty="0" err="1"/>
+              <a:t>Ortes</a:t>
+            </a:r>
+            <a:r>
+              <a:rPr lang="en-GB" sz="2200" dirty="0"/>
+              <a:t> in </a:t>
+            </a:r>
+            <a:r>
+              <a:rPr lang="en-GB" sz="2200" dirty="0" err="1"/>
+              <a:t>einer</a:t>
+            </a:r>
+            <a:r>
+              <a:rPr lang="en-GB" sz="2200" dirty="0"/>
+              <a:t> </a:t>
+            </a:r>
+            <a:r>
+              <a:rPr lang="en-GB" sz="2200" dirty="0" err="1"/>
+              <a:t>Systematik</a:t>
+            </a:r>
+            <a:r>
+              <a:rPr lang="en-GB" sz="2200" dirty="0"/>
+              <a:t> der </a:t>
+            </a:r>
+            <a:r>
+              <a:rPr lang="en-GB" sz="2200" dirty="0" err="1"/>
+              <a:t>Literaturwissenschaft</a:t>
+            </a:r>
+            <a:r>
+              <a:rPr lang="en-GB" sz="2200" dirty="0"/>
+              <a:t>“, in: </a:t>
+            </a:r>
+            <a:r>
+              <a:rPr lang="en-GB" sz="2200" dirty="0" err="1"/>
+              <a:t>Ders</a:t>
+            </a:r>
+            <a:r>
+              <a:rPr lang="en-GB" sz="2200" dirty="0"/>
+              <a:t>. (Hg.): </a:t>
+            </a:r>
+            <a:r>
+              <a:rPr lang="en-GB" sz="2200" dirty="0" err="1"/>
+              <a:t>Modelle</a:t>
+            </a:r>
+            <a:r>
+              <a:rPr lang="en-GB" sz="2200" dirty="0"/>
+              <a:t> des </a:t>
+            </a:r>
+            <a:r>
+              <a:rPr lang="en-GB" sz="2200" dirty="0" err="1"/>
+              <a:t>literarischen</a:t>
+            </a:r>
+            <a:r>
+              <a:rPr lang="en-GB" sz="2200" dirty="0"/>
+              <a:t> </a:t>
+            </a:r>
+            <a:r>
+              <a:rPr lang="en-GB" sz="2200" dirty="0" err="1"/>
+              <a:t>Strukturwandels</a:t>
+            </a:r>
+            <a:r>
+              <a:rPr lang="en-GB" sz="2200" dirty="0"/>
+              <a:t>. Tübingen 1991, S. 395-438, 405.</a:t>
+            </a:r>
+          </a:p>
+          <a:p>
+            <a:pPr marL="0" indent="0">
+              <a:buNone/>
+            </a:pPr>
+            <a:endParaRPr lang="de-DE" sz="3200" i="1" dirty="0"/>
+          </a:p>
+          <a:p>
+            <a:pPr marL="0" indent="0">
+              <a:buNone/>
+            </a:pPr>
+            <a:endParaRPr lang="de-DE" dirty="0"/>
+          </a:p>
+        </p:txBody>
+      </p:sp>
+    </p:spTree>
+    <p:extLst>
+      <p:ext uri="{BB962C8B-B14F-4D97-AF65-F5344CB8AC3E}">
+        <p14:creationId xmlns:p14="http://schemas.microsoft.com/office/powerpoint/2010/main" val="3743810288"/>
+      </p:ext>
+    </p:extLst>
+  </p:cSld>
+  <p:clrMapOvr>
+    <a:masterClrMapping/>
+  </p:clrMapOvr>
+</p:sld>
+</file>
+
+<file path=ppt/slides/slide40.xml><?xml version="1.0" encoding="utf-8"?>
 <p:sld xmlns:a="http://schemas.openxmlformats.org/drawingml/2006/main" xmlns:r="http://schemas.openxmlformats.org/officeDocument/2006/relationships" xmlns:p="http://schemas.openxmlformats.org/presentationml/2006/main">
   <p:cSld>
     <p:bg>
@@ -19463,7 +19305,7 @@
 </p:sld>
 </file>
 
-<file path=ppt/slides/slide42.xml><?xml version="1.0" encoding="utf-8"?>
+<file path=ppt/slides/slide41.xml><?xml version="1.0" encoding="utf-8"?>
 <p:sld xmlns:a="http://schemas.openxmlformats.org/drawingml/2006/main" xmlns:r="http://schemas.openxmlformats.org/officeDocument/2006/relationships" xmlns:p="http://schemas.openxmlformats.org/presentationml/2006/main">
   <p:cSld>
     <p:bg>
@@ -20058,7 +19900,7 @@
 </p:sld>
 </file>
 
-<file path=ppt/slides/slide43.xml><?xml version="1.0" encoding="utf-8"?>
+<file path=ppt/slides/slide42.xml><?xml version="1.0" encoding="utf-8"?>
 <p:sld xmlns:a="http://schemas.openxmlformats.org/drawingml/2006/main" xmlns:r="http://schemas.openxmlformats.org/officeDocument/2006/relationships" xmlns:p="http://schemas.openxmlformats.org/presentationml/2006/main">
   <p:cSld>
     <p:bg>
@@ -20627,7 +20469,7 @@
 </p:sld>
 </file>
 
-<file path=ppt/slides/slide44.xml><?xml version="1.0" encoding="utf-8"?>
+<file path=ppt/slides/slide43.xml><?xml version="1.0" encoding="utf-8"?>
 <p:sld xmlns:a="http://schemas.openxmlformats.org/drawingml/2006/main" xmlns:r="http://schemas.openxmlformats.org/officeDocument/2006/relationships" xmlns:p="http://schemas.openxmlformats.org/presentationml/2006/main">
   <p:cSld>
     <p:bg>
@@ -21230,6 +21072,150 @@
 </p:sld>
 </file>
 
+<file path=ppt/slides/slide44.xml><?xml version="1.0" encoding="utf-8"?>
+<p:sld xmlns:a="http://schemas.openxmlformats.org/drawingml/2006/main" xmlns:r="http://schemas.openxmlformats.org/officeDocument/2006/relationships" xmlns:p="http://schemas.openxmlformats.org/presentationml/2006/main">
+  <p:cSld>
+    <p:spTree>
+      <p:nvGrpSpPr>
+        <p:cNvPr id="1" name=""/>
+        <p:cNvGrpSpPr/>
+        <p:nvPr/>
+      </p:nvGrpSpPr>
+      <p:grpSpPr>
+        <a:xfrm>
+          <a:off x="0" y="0"/>
+          <a:ext cx="0" cy="0"/>
+          <a:chOff x="0" y="0"/>
+          <a:chExt cx="0" cy="0"/>
+        </a:xfrm>
+      </p:grpSpPr>
+      <p:sp>
+        <p:nvSpPr>
+          <p:cNvPr id="5" name="Title 4">
+            <a:extLst>
+              <a:ext uri="{FF2B5EF4-FFF2-40B4-BE49-F238E27FC236}">
+                <a16:creationId xmlns:a16="http://schemas.microsoft.com/office/drawing/2014/main" id="{3E3FFB06-5C6D-5E47-86E7-69D84771AB3B}"/>
+              </a:ext>
+            </a:extLst>
+          </p:cNvPr>
+          <p:cNvSpPr>
+            <a:spLocks noGrp="1"/>
+          </p:cNvSpPr>
+          <p:nvPr>
+            <p:ph type="title"/>
+          </p:nvPr>
+        </p:nvSpPr>
+        <p:spPr/>
+        <p:txBody>
+          <a:bodyPr/>
+          <a:lstStyle/>
+          <a:p>
+            <a:r>
+              <a:rPr lang="de-DE" dirty="0"/>
+              <a:t>Weitere </a:t>
+            </a:r>
+            <a:r>
+              <a:rPr lang="de-DE" dirty="0" err="1"/>
+              <a:t>To</a:t>
+            </a:r>
+            <a:r>
+              <a:rPr lang="de-DE" dirty="0"/>
+              <a:t>-Dos:</a:t>
+            </a:r>
+          </a:p>
+        </p:txBody>
+      </p:sp>
+      <p:sp>
+        <p:nvSpPr>
+          <p:cNvPr id="6" name="Content Placeholder 5">
+            <a:extLst>
+              <a:ext uri="{FF2B5EF4-FFF2-40B4-BE49-F238E27FC236}">
+                <a16:creationId xmlns:a16="http://schemas.microsoft.com/office/drawing/2014/main" id="{D2A8664A-FE4A-3445-8CA1-BF179C75CBDA}"/>
+              </a:ext>
+            </a:extLst>
+          </p:cNvPr>
+          <p:cNvSpPr>
+            <a:spLocks noGrp="1"/>
+          </p:cNvSpPr>
+          <p:nvPr>
+            <p:ph idx="1"/>
+          </p:nvPr>
+        </p:nvSpPr>
+        <p:spPr/>
+        <p:txBody>
+          <a:bodyPr>
+            <a:normAutofit lnSpcReduction="10000"/>
+          </a:bodyPr>
+          <a:lstStyle/>
+          <a:p>
+            <a:r>
+              <a:rPr lang="de-DE" dirty="0"/>
+              <a:t>Andere Art der Zusammenfassung von Gedichten: Dichter mit mehreren Epochenzuweisungen nach diesen aufteilen</a:t>
+            </a:r>
+          </a:p>
+          <a:p>
+            <a:r>
+              <a:rPr lang="de-DE" b="1" dirty="0"/>
+              <a:t>Noise </a:t>
+            </a:r>
+            <a:r>
+              <a:rPr lang="de-DE" dirty="0"/>
+              <a:t>entdecken durch Hierarchisches Clustering inkl. Epochenzuteilungen</a:t>
+            </a:r>
+          </a:p>
+          <a:p>
+            <a:r>
+              <a:rPr lang="de-DE" dirty="0">
+                <a:sym typeface="Wingdings" pitchFamily="2" charset="2"/>
+              </a:rPr>
+              <a:t>Korpus normalisieren und Experimente durchführen</a:t>
+            </a:r>
+            <a:endParaRPr lang="de-DE" dirty="0"/>
+          </a:p>
+          <a:p>
+            <a:r>
+              <a:rPr lang="de-DE" dirty="0">
+                <a:sym typeface="Wingdings" pitchFamily="2" charset="2"/>
+              </a:rPr>
+              <a:t>Analyse von Gedichten/Dichter, die sich gut clustern lassen</a:t>
+            </a:r>
+          </a:p>
+          <a:p>
+            <a:r>
+              <a:rPr lang="de-DE" dirty="0">
+                <a:sym typeface="Wingdings" pitchFamily="2" charset="2"/>
+              </a:rPr>
+              <a:t>Topic </a:t>
+            </a:r>
+            <a:r>
+              <a:rPr lang="de-DE" dirty="0" err="1">
+                <a:sym typeface="Wingdings" pitchFamily="2" charset="2"/>
+              </a:rPr>
+              <a:t>Modelling</a:t>
+            </a:r>
+            <a:r>
+              <a:rPr lang="de-DE" dirty="0">
+                <a:sym typeface="Wingdings" pitchFamily="2" charset="2"/>
+              </a:rPr>
+              <a:t> anwenden</a:t>
+            </a:r>
+            <a:endParaRPr lang="de-DE" dirty="0"/>
+          </a:p>
+        </p:txBody>
+      </p:sp>
+    </p:spTree>
+    <p:extLst>
+      <p:ext uri="{BB962C8B-B14F-4D97-AF65-F5344CB8AC3E}">
+        <p14:creationId xmlns:p14="http://schemas.microsoft.com/office/powerpoint/2010/main" val="2994903066"/>
+      </p:ext>
+    </p:extLst>
+  </p:cSld>
+  <p:clrMapOvr>
+    <a:masterClrMapping/>
+  </p:clrMapOvr>
+</p:sld>
+</file>
+
 <file path=ppt/slides/slide45.xml><?xml version="1.0" encoding="utf-8"?>
 <p:sld xmlns:a="http://schemas.openxmlformats.org/drawingml/2006/main" xmlns:r="http://schemas.openxmlformats.org/officeDocument/2006/relationships" xmlns:p="http://schemas.openxmlformats.org/presentationml/2006/main">
   <p:cSld>
@@ -21249,10 +21235,10 @@
       </p:grpSpPr>
       <p:sp>
         <p:nvSpPr>
-          <p:cNvPr id="5" name="Title 4">
-            <a:extLst>
-              <a:ext uri="{FF2B5EF4-FFF2-40B4-BE49-F238E27FC236}">
-                <a16:creationId xmlns:a16="http://schemas.microsoft.com/office/drawing/2014/main" id="{3E3FFB06-5C6D-5E47-86E7-69D84771AB3B}"/>
+          <p:cNvPr id="2" name="Title 1">
+            <a:extLst>
+              <a:ext uri="{FF2B5EF4-FFF2-40B4-BE49-F238E27FC236}">
+                <a16:creationId xmlns:a16="http://schemas.microsoft.com/office/drawing/2014/main" id="{7E5C521F-75E5-1447-A3B9-7F0E63188FF0}"/>
               </a:ext>
             </a:extLst>
           </p:cNvPr>
@@ -21269,26 +21255,30 @@
           <a:lstStyle/>
           <a:p>
             <a:r>
-              <a:rPr lang="de-DE" dirty="0"/>
-              <a:t>Weitere </a:t>
-            </a:r>
-            <a:r>
-              <a:rPr lang="de-DE" dirty="0" err="1"/>
-              <a:t>To</a:t>
-            </a:r>
-            <a:r>
-              <a:rPr lang="de-DE" dirty="0"/>
-              <a:t>-Dos:</a:t>
-            </a:r>
-          </a:p>
-        </p:txBody>
-      </p:sp>
-      <p:sp>
-        <p:nvSpPr>
-          <p:cNvPr id="6" name="Content Placeholder 5">
-            <a:extLst>
-              <a:ext uri="{FF2B5EF4-FFF2-40B4-BE49-F238E27FC236}">
-                <a16:creationId xmlns:a16="http://schemas.microsoft.com/office/drawing/2014/main" id="{D2A8664A-FE4A-3445-8CA1-BF179C75CBDA}"/>
+              <a:rPr lang="de-DE" b="1" u="sng" dirty="0"/>
+              <a:t>Anhang</a:t>
+            </a:r>
+            <a:r>
+              <a:rPr lang="de-DE" b="1" dirty="0"/>
+              <a:t>: Verweise auf </a:t>
+            </a:r>
+            <a:r>
+              <a:rPr lang="de-DE" b="1" dirty="0" err="1"/>
+              <a:t>Github</a:t>
+            </a:r>
+            <a:r>
+              <a:rPr lang="de-DE" b="1" dirty="0"/>
+              <a:t>-Dateien (I)</a:t>
+            </a:r>
+          </a:p>
+        </p:txBody>
+      </p:sp>
+      <p:sp>
+        <p:nvSpPr>
+          <p:cNvPr id="3" name="Content Placeholder 2">
+            <a:extLst>
+              <a:ext uri="{FF2B5EF4-FFF2-40B4-BE49-F238E27FC236}">
+                <a16:creationId xmlns:a16="http://schemas.microsoft.com/office/drawing/2014/main" id="{6FA75357-B2B6-3D41-88E3-B65217516C23}"/>
               </a:ext>
             </a:extLst>
           </p:cNvPr>
@@ -21299,64 +21289,70 @@
             <p:ph idx="1"/>
           </p:nvPr>
         </p:nvSpPr>
-        <p:spPr/>
-        <p:txBody>
-          <a:bodyPr>
-            <a:normAutofit lnSpcReduction="10000"/>
-          </a:bodyPr>
-          <a:lstStyle/>
-          <a:p>
-            <a:r>
-              <a:rPr lang="de-DE" dirty="0"/>
-              <a:t>Andere Art der Zusammenfassung von Gedichten: Dichter mit mehreren Epochenzuweisungen nach diesen aufteilen</a:t>
-            </a:r>
-          </a:p>
-          <a:p>
-            <a:r>
-              <a:rPr lang="de-DE" b="1" dirty="0"/>
-              <a:t>Noise </a:t>
-            </a:r>
-            <a:r>
-              <a:rPr lang="de-DE" dirty="0"/>
-              <a:t>entdecken durch Hierarchisches Clustering inkl. Epochenzuteilungen</a:t>
-            </a:r>
-          </a:p>
-          <a:p>
-            <a:r>
-              <a:rPr lang="de-DE" dirty="0">
-                <a:sym typeface="Wingdings" pitchFamily="2" charset="2"/>
-              </a:rPr>
-              <a:t>Korpus normalisieren und Experimente durchführen</a:t>
-            </a:r>
-            <a:endParaRPr lang="de-DE" dirty="0"/>
-          </a:p>
-          <a:p>
-            <a:r>
-              <a:rPr lang="de-DE" dirty="0">
-                <a:sym typeface="Wingdings" pitchFamily="2" charset="2"/>
-              </a:rPr>
-              <a:t>Analyse von Gedichten/Dichter, die sich gut clustern lassen</a:t>
-            </a:r>
-          </a:p>
-          <a:p>
-            <a:r>
-              <a:rPr lang="de-DE" dirty="0">
-                <a:sym typeface="Wingdings" pitchFamily="2" charset="2"/>
-              </a:rPr>
-              <a:t>Topic </a:t>
-            </a:r>
-            <a:r>
-              <a:rPr lang="de-DE" dirty="0" err="1">
-                <a:sym typeface="Wingdings" pitchFamily="2" charset="2"/>
-              </a:rPr>
-              <a:t>Modelling</a:t>
-            </a:r>
-            <a:r>
-              <a:rPr lang="de-DE" dirty="0">
-                <a:sym typeface="Wingdings" pitchFamily="2" charset="2"/>
-              </a:rPr>
-              <a:t> anwenden</a:t>
-            </a:r>
+        <p:spPr>
+          <a:xfrm>
+            <a:off x="596900" y="2478024"/>
+            <a:ext cx="10686796" cy="4208526"/>
+          </a:xfrm>
+        </p:spPr>
+        <p:txBody>
+          <a:bodyPr/>
+          <a:lstStyle/>
+          <a:p>
+            <a:r>
+              <a:rPr lang="de-DE" sz="3000" i="1" dirty="0" err="1"/>
+              <a:t>clustering</a:t>
+            </a:r>
+            <a:r>
+              <a:rPr lang="de-DE" sz="3000" i="1" dirty="0"/>
+              <a:t>/</a:t>
+            </a:r>
+            <a:r>
+              <a:rPr lang="de-DE" sz="3000" i="1" dirty="0" err="1"/>
+              <a:t>app</a:t>
+            </a:r>
+            <a:r>
+              <a:rPr lang="de-DE" sz="3000" i="1" dirty="0"/>
+              <a:t>/</a:t>
+            </a:r>
+            <a:r>
+              <a:rPr lang="de-DE" sz="3000" i="1" dirty="0" err="1"/>
+              <a:t>corpus_modification.ipynb</a:t>
+            </a:r>
+            <a:endParaRPr lang="de-DE" sz="3000" i="1" dirty="0"/>
+          </a:p>
+          <a:p>
+            <a:pPr lvl="1"/>
+            <a:r>
+              <a:rPr lang="de-DE" sz="3000" b="1" dirty="0"/>
+              <a:t>Kapitel 2</a:t>
+            </a:r>
+          </a:p>
+          <a:p>
+            <a:pPr lvl="2"/>
+            <a:r>
+              <a:rPr lang="de-DE" sz="3000" b="1" dirty="0"/>
+              <a:t>Zusammenfassung von Gedichten eines Dichters</a:t>
+            </a:r>
+          </a:p>
+          <a:p>
+            <a:pPr lvl="2"/>
+            <a:r>
+              <a:rPr lang="de-DE" sz="3000" b="1" dirty="0"/>
+              <a:t>Ursprüngliches Korpus</a:t>
+            </a:r>
+          </a:p>
+          <a:p>
+            <a:pPr lvl="2"/>
+            <a:r>
+              <a:rPr lang="de-DE" sz="3000" b="1" dirty="0"/>
+              <a:t>Zusammengefasstes Korpus</a:t>
+            </a:r>
+          </a:p>
+          <a:p>
+            <a:endParaRPr lang="de-DE" sz="1600" dirty="0"/>
+          </a:p>
+          <a:p>
             <a:endParaRPr lang="de-DE" dirty="0"/>
           </a:p>
         </p:txBody>
@@ -21364,7 +21360,7 @@
     </p:spTree>
     <p:extLst>
       <p:ext uri="{BB962C8B-B14F-4D97-AF65-F5344CB8AC3E}">
-        <p14:creationId xmlns:p14="http://schemas.microsoft.com/office/powerpoint/2010/main" val="2994903066"/>
+        <p14:creationId xmlns:p14="http://schemas.microsoft.com/office/powerpoint/2010/main" val="2243088867"/>
       </p:ext>
     </p:extLst>
   </p:cSld>
@@ -21409,160 +21405,6 @@
         </p:nvSpPr>
         <p:spPr/>
         <p:txBody>
-          <a:bodyPr/>
-          <a:lstStyle/>
-          <a:p>
-            <a:r>
-              <a:rPr lang="de-DE" b="1" u="sng" dirty="0"/>
-              <a:t>Anhang</a:t>
-            </a:r>
-            <a:r>
-              <a:rPr lang="de-DE" b="1" dirty="0"/>
-              <a:t>: Verweise auf </a:t>
-            </a:r>
-            <a:r>
-              <a:rPr lang="de-DE" b="1" dirty="0" err="1"/>
-              <a:t>Github</a:t>
-            </a:r>
-            <a:r>
-              <a:rPr lang="de-DE" b="1" dirty="0"/>
-              <a:t>-Dateien (I)</a:t>
-            </a:r>
-          </a:p>
-        </p:txBody>
-      </p:sp>
-      <p:sp>
-        <p:nvSpPr>
-          <p:cNvPr id="3" name="Content Placeholder 2">
-            <a:extLst>
-              <a:ext uri="{FF2B5EF4-FFF2-40B4-BE49-F238E27FC236}">
-                <a16:creationId xmlns:a16="http://schemas.microsoft.com/office/drawing/2014/main" id="{6FA75357-B2B6-3D41-88E3-B65217516C23}"/>
-              </a:ext>
-            </a:extLst>
-          </p:cNvPr>
-          <p:cNvSpPr>
-            <a:spLocks noGrp="1"/>
-          </p:cNvSpPr>
-          <p:nvPr>
-            <p:ph idx="1"/>
-          </p:nvPr>
-        </p:nvSpPr>
-        <p:spPr>
-          <a:xfrm>
-            <a:off x="596900" y="2478024"/>
-            <a:ext cx="10686796" cy="4208526"/>
-          </a:xfrm>
-        </p:spPr>
-        <p:txBody>
-          <a:bodyPr/>
-          <a:lstStyle/>
-          <a:p>
-            <a:r>
-              <a:rPr lang="de-DE" sz="3000" i="1" dirty="0" err="1"/>
-              <a:t>clustering</a:t>
-            </a:r>
-            <a:r>
-              <a:rPr lang="de-DE" sz="3000" i="1" dirty="0"/>
-              <a:t>/</a:t>
-            </a:r>
-            <a:r>
-              <a:rPr lang="de-DE" sz="3000" i="1" dirty="0" err="1"/>
-              <a:t>app</a:t>
-            </a:r>
-            <a:r>
-              <a:rPr lang="de-DE" sz="3000" i="1" dirty="0"/>
-              <a:t>/</a:t>
-            </a:r>
-            <a:r>
-              <a:rPr lang="de-DE" sz="3000" i="1" dirty="0" err="1"/>
-              <a:t>corpus_modification.ipynb</a:t>
-            </a:r>
-            <a:endParaRPr lang="de-DE" sz="3000" i="1" dirty="0"/>
-          </a:p>
-          <a:p>
-            <a:pPr lvl="1"/>
-            <a:r>
-              <a:rPr lang="de-DE" sz="3000" b="1" dirty="0"/>
-              <a:t>Kapitel 2</a:t>
-            </a:r>
-          </a:p>
-          <a:p>
-            <a:pPr lvl="2"/>
-            <a:r>
-              <a:rPr lang="de-DE" sz="3000" b="1" dirty="0"/>
-              <a:t>Zusammenfassung von Gedichten eines Dichters</a:t>
-            </a:r>
-          </a:p>
-          <a:p>
-            <a:pPr lvl="2"/>
-            <a:r>
-              <a:rPr lang="de-DE" sz="3000" b="1" dirty="0"/>
-              <a:t>Ursprüngliches Korpus</a:t>
-            </a:r>
-          </a:p>
-          <a:p>
-            <a:pPr lvl="2"/>
-            <a:r>
-              <a:rPr lang="de-DE" sz="3000" b="1" dirty="0"/>
-              <a:t>Zusammengefasstes Korpus</a:t>
-            </a:r>
-          </a:p>
-          <a:p>
-            <a:endParaRPr lang="de-DE" sz="1600" dirty="0"/>
-          </a:p>
-          <a:p>
-            <a:endParaRPr lang="de-DE" dirty="0"/>
-          </a:p>
-        </p:txBody>
-      </p:sp>
-    </p:spTree>
-    <p:extLst>
-      <p:ext uri="{BB962C8B-B14F-4D97-AF65-F5344CB8AC3E}">
-        <p14:creationId xmlns:p14="http://schemas.microsoft.com/office/powerpoint/2010/main" val="2243088867"/>
-      </p:ext>
-    </p:extLst>
-  </p:cSld>
-  <p:clrMapOvr>
-    <a:masterClrMapping/>
-  </p:clrMapOvr>
-</p:sld>
-</file>
-
-<file path=ppt/slides/slide47.xml><?xml version="1.0" encoding="utf-8"?>
-<p:sld xmlns:a="http://schemas.openxmlformats.org/drawingml/2006/main" xmlns:r="http://schemas.openxmlformats.org/officeDocument/2006/relationships" xmlns:p="http://schemas.openxmlformats.org/presentationml/2006/main">
-  <p:cSld>
-    <p:spTree>
-      <p:nvGrpSpPr>
-        <p:cNvPr id="1" name=""/>
-        <p:cNvGrpSpPr/>
-        <p:nvPr/>
-      </p:nvGrpSpPr>
-      <p:grpSpPr>
-        <a:xfrm>
-          <a:off x="0" y="0"/>
-          <a:ext cx="0" cy="0"/>
-          <a:chOff x="0" y="0"/>
-          <a:chExt cx="0" cy="0"/>
-        </a:xfrm>
-      </p:grpSpPr>
-      <p:sp>
-        <p:nvSpPr>
-          <p:cNvPr id="2" name="Title 1">
-            <a:extLst>
-              <a:ext uri="{FF2B5EF4-FFF2-40B4-BE49-F238E27FC236}">
-                <a16:creationId xmlns:a16="http://schemas.microsoft.com/office/drawing/2014/main" id="{7E5C521F-75E5-1447-A3B9-7F0E63188FF0}"/>
-              </a:ext>
-            </a:extLst>
-          </p:cNvPr>
-          <p:cNvSpPr>
-            <a:spLocks noGrp="1"/>
-          </p:cNvSpPr>
-          <p:nvPr>
-            <p:ph type="title"/>
-          </p:nvPr>
-        </p:nvSpPr>
-        <p:spPr/>
-        <p:txBody>
           <a:bodyPr>
             <a:normAutofit fontScale="90000"/>
           </a:bodyPr>
@@ -21682,7 +21524,7 @@
 </p:sld>
 </file>
 
-<file path=ppt/slides/slide48.xml><?xml version="1.0" encoding="utf-8"?>
+<file path=ppt/slides/slide47.xml><?xml version="1.0" encoding="utf-8"?>
 <p:sld xmlns:a="http://schemas.openxmlformats.org/drawingml/2006/main" xmlns:r="http://schemas.openxmlformats.org/officeDocument/2006/relationships" xmlns:p="http://schemas.openxmlformats.org/presentationml/2006/main">
   <p:cSld>
     <p:spTree>
@@ -22564,9 +22406,20 @@
         <p:spPr/>
         <p:txBody>
           <a:bodyPr>
-            <a:normAutofit fontScale="92500"/>
+            <a:normAutofit fontScale="92500" lnSpcReduction="10000"/>
           </a:bodyPr>
           <a:lstStyle/>
+          <a:p>
+            <a:r>
+              <a:rPr lang="de-DE" dirty="0"/>
+              <a:t>Keine </a:t>
+            </a:r>
+            <a:r>
+              <a:rPr lang="de-DE" b="1" dirty="0"/>
+              <a:t>Epochenannotationen</a:t>
+            </a:r>
+            <a:endParaRPr lang="de-DE" dirty="0"/>
+          </a:p>
           <a:p>
             <a:r>
               <a:rPr lang="de-DE" dirty="0"/>

--- a/presentation/clustering_presentation.pptx
+++ b/presentation/clustering_presentation.pptx
@@ -5,7 +5,7 @@
     <p:sldMasterId id="2147483732" r:id="rId1"/>
   </p:sldMasterIdLst>
   <p:notesMasterIdLst>
-    <p:notesMasterId r:id="rId49"/>
+    <p:notesMasterId r:id="rId54"/>
   </p:notesMasterIdLst>
   <p:sldIdLst>
     <p:sldId id="256" r:id="rId2"/>
@@ -24,37 +24,42 @@
     <p:sldId id="291" r:id="rId15"/>
     <p:sldId id="292" r:id="rId16"/>
     <p:sldId id="303" r:id="rId17"/>
-    <p:sldId id="324" r:id="rId18"/>
-    <p:sldId id="312" r:id="rId19"/>
+    <p:sldId id="312" r:id="rId18"/>
+    <p:sldId id="324" r:id="rId19"/>
     <p:sldId id="361" r:id="rId20"/>
     <p:sldId id="360" r:id="rId21"/>
-    <p:sldId id="331" r:id="rId22"/>
-    <p:sldId id="294" r:id="rId23"/>
-    <p:sldId id="355" r:id="rId24"/>
-    <p:sldId id="353" r:id="rId25"/>
-    <p:sldId id="301" r:id="rId26"/>
-    <p:sldId id="315" r:id="rId27"/>
-    <p:sldId id="340" r:id="rId28"/>
-    <p:sldId id="326" r:id="rId29"/>
-    <p:sldId id="347" r:id="rId30"/>
-    <p:sldId id="337" r:id="rId31"/>
-    <p:sldId id="343" r:id="rId32"/>
-    <p:sldId id="338" r:id="rId33"/>
-    <p:sldId id="344" r:id="rId34"/>
-    <p:sldId id="304" r:id="rId35"/>
-    <p:sldId id="345" r:id="rId36"/>
-    <p:sldId id="346" r:id="rId37"/>
-    <p:sldId id="321" r:id="rId38"/>
-    <p:sldId id="348" r:id="rId39"/>
-    <p:sldId id="332" r:id="rId40"/>
-    <p:sldId id="311" r:id="rId41"/>
-    <p:sldId id="319" r:id="rId42"/>
-    <p:sldId id="314" r:id="rId43"/>
-    <p:sldId id="317" r:id="rId44"/>
-    <p:sldId id="302" r:id="rId45"/>
-    <p:sldId id="363" r:id="rId46"/>
-    <p:sldId id="356" r:id="rId47"/>
-    <p:sldId id="362" r:id="rId48"/>
+    <p:sldId id="343" r:id="rId22"/>
+    <p:sldId id="338" r:id="rId23"/>
+    <p:sldId id="365" r:id="rId24"/>
+    <p:sldId id="368" r:id="rId25"/>
+    <p:sldId id="366" r:id="rId26"/>
+    <p:sldId id="367" r:id="rId27"/>
+    <p:sldId id="331" r:id="rId28"/>
+    <p:sldId id="294" r:id="rId29"/>
+    <p:sldId id="355" r:id="rId30"/>
+    <p:sldId id="364" r:id="rId31"/>
+    <p:sldId id="353" r:id="rId32"/>
+    <p:sldId id="301" r:id="rId33"/>
+    <p:sldId id="315" r:id="rId34"/>
+    <p:sldId id="340" r:id="rId35"/>
+    <p:sldId id="326" r:id="rId36"/>
+    <p:sldId id="347" r:id="rId37"/>
+    <p:sldId id="337" r:id="rId38"/>
+    <p:sldId id="344" r:id="rId39"/>
+    <p:sldId id="304" r:id="rId40"/>
+    <p:sldId id="345" r:id="rId41"/>
+    <p:sldId id="346" r:id="rId42"/>
+    <p:sldId id="321" r:id="rId43"/>
+    <p:sldId id="348" r:id="rId44"/>
+    <p:sldId id="332" r:id="rId45"/>
+    <p:sldId id="311" r:id="rId46"/>
+    <p:sldId id="319" r:id="rId47"/>
+    <p:sldId id="314" r:id="rId48"/>
+    <p:sldId id="317" r:id="rId49"/>
+    <p:sldId id="302" r:id="rId50"/>
+    <p:sldId id="363" r:id="rId51"/>
+    <p:sldId id="356" r:id="rId52"/>
+    <p:sldId id="362" r:id="rId53"/>
   </p:sldIdLst>
   <p:sldSz cx="12192000" cy="6858000"/>
   <p:notesSz cx="6858000" cy="9144000"/>
@@ -1225,9 +1230,145 @@
           <a:bodyPr/>
           <a:lstStyle/>
           <a:p>
-            <a:r>
-              <a:rPr lang="de-DE" dirty="0"/>
-              <a:t>ACHTUNG: Jahre sind hier Mittelwerte der Jahre aller Gedichte der häufigsten Epoche des Dichters</a:t>
+            <a:pPr marL="171450" indent="-171450">
+              <a:buFont typeface="Arial" panose="020B0604020202020204" pitchFamily="34" charset="0"/>
+              <a:buChar char="•"/>
+            </a:pPr>
+            <a:r>
+              <a:rPr lang="de-DE" b="0" dirty="0"/>
+              <a:t>Sortiert nach </a:t>
+            </a:r>
+            <a:r>
+              <a:rPr lang="de-DE" b="1" dirty="0"/>
+              <a:t>K-</a:t>
+            </a:r>
+            <a:r>
+              <a:rPr lang="de-DE" b="1" dirty="0" err="1"/>
+              <a:t>Means</a:t>
+            </a:r>
+            <a:endParaRPr lang="de-DE" b="1" dirty="0"/>
+          </a:p>
+          <a:p>
+            <a:pPr marL="171450" indent="-171450">
+              <a:buFont typeface="Arial" panose="020B0604020202020204" pitchFamily="34" charset="0"/>
+              <a:buChar char="•"/>
+            </a:pPr>
+            <a:r>
+              <a:rPr lang="de-DE" b="1" dirty="0"/>
+              <a:t>K-</a:t>
+            </a:r>
+            <a:r>
+              <a:rPr lang="de-DE" b="1" dirty="0" err="1"/>
+              <a:t>Medoids</a:t>
+            </a:r>
+            <a:r>
+              <a:rPr lang="de-DE" b="1" dirty="0"/>
+              <a:t> </a:t>
+            </a:r>
+            <a:r>
+              <a:rPr lang="de-DE" b="0" dirty="0"/>
+              <a:t>ist ähnlich wie K-</a:t>
+            </a:r>
+            <a:r>
+              <a:rPr lang="de-DE" b="0" dirty="0" err="1"/>
+              <a:t>Means</a:t>
+            </a:r>
+            <a:r>
+              <a:rPr lang="de-DE" b="0" dirty="0"/>
+              <a:t>, nimmt jedoch existierende Datenpunkte als </a:t>
+            </a:r>
+            <a:r>
+              <a:rPr lang="de-DE" b="0" dirty="0" err="1"/>
+              <a:t>Centroide</a:t>
+            </a:r>
+            <a:r>
+              <a:rPr lang="de-DE" b="0" dirty="0"/>
+              <a:t>.</a:t>
+            </a:r>
+            <a:r>
+              <a:rPr lang="de-DE" b="1" dirty="0"/>
+              <a:t> K-</a:t>
+            </a:r>
+            <a:r>
+              <a:rPr lang="de-DE" b="1" dirty="0" err="1"/>
+              <a:t>Medoids</a:t>
+            </a:r>
+            <a:r>
+              <a:rPr lang="de-DE" b="0" dirty="0"/>
+              <a:t> nicht von </a:t>
+            </a:r>
+            <a:r>
+              <a:rPr lang="de-DE" b="0" dirty="0" err="1"/>
+              <a:t>Sklearn</a:t>
+            </a:r>
+            <a:r>
+              <a:rPr lang="de-DE" b="0" dirty="0"/>
+              <a:t> selbst, </a:t>
+            </a:r>
+            <a:r>
+              <a:rPr lang="de-DE" b="0" dirty="0" err="1"/>
+              <a:t>sonder</a:t>
+            </a:r>
+            <a:r>
+              <a:rPr lang="de-DE" b="0" dirty="0"/>
+              <a:t> von </a:t>
+            </a:r>
+            <a:r>
+              <a:rPr lang="de-DE" b="0" i="1" dirty="0" err="1"/>
+              <a:t>sklearn.extra</a:t>
+            </a:r>
+            <a:endParaRPr lang="de-DE" b="1" dirty="0"/>
+          </a:p>
+          <a:p>
+            <a:pPr marL="171450" indent="-171450">
+              <a:buFont typeface="Arial" panose="020B0604020202020204" pitchFamily="34" charset="0"/>
+              <a:buChar char="•"/>
+            </a:pPr>
+            <a:r>
+              <a:rPr lang="de-DE" b="0" dirty="0"/>
+              <a:t>Bei </a:t>
+            </a:r>
+            <a:r>
+              <a:rPr lang="de-DE" b="1" dirty="0"/>
+              <a:t>K-</a:t>
+            </a:r>
+            <a:r>
+              <a:rPr lang="de-DE" b="1" dirty="0" err="1"/>
+              <a:t>Medoids</a:t>
+            </a:r>
+            <a:r>
+              <a:rPr lang="de-DE" b="1" dirty="0"/>
+              <a:t> </a:t>
+            </a:r>
+            <a:r>
+              <a:rPr lang="de-DE" b="0" dirty="0"/>
+              <a:t>6 von 7 Epochenpaare in Top 7 beinhalten </a:t>
+            </a:r>
+            <a:r>
+              <a:rPr lang="de-DE" b="1" dirty="0"/>
+              <a:t>Barock</a:t>
+            </a:r>
+          </a:p>
+          <a:p>
+            <a:pPr marL="171450" indent="-171450">
+              <a:buFont typeface="Arial" panose="020B0604020202020204" pitchFamily="34" charset="0"/>
+              <a:buChar char="•"/>
+            </a:pPr>
+            <a:r>
+              <a:rPr lang="de-DE" b="1" dirty="0"/>
+              <a:t>GMM</a:t>
+            </a:r>
+            <a:r>
+              <a:rPr lang="de-DE" b="0" dirty="0"/>
+              <a:t> nur bei zwei Epocheneinteilungen besser, ansonsten ähnlich gut oder schlechter als K-</a:t>
+            </a:r>
+            <a:r>
+              <a:rPr lang="de-DE" b="0" dirty="0" err="1"/>
+              <a:t>Means</a:t>
+            </a:r>
+            <a:r>
+              <a:rPr lang="de-DE" b="0" dirty="0"/>
+              <a:t>.</a:t>
             </a:r>
           </a:p>
         </p:txBody>
@@ -1249,7 +1390,7 @@
           <a:p>
             <a:fld id="{49FFD0F6-1B54-1D42-B676-41E105B9815E}" type="slidenum">
               <a:rPr lang="de-DE" smtClean="0"/>
-              <a:t>26</a:t>
+              <a:t>29</a:t>
             </a:fld>
             <a:endParaRPr lang="de-DE"/>
           </a:p>
@@ -1258,7 +1399,7 @@
     </p:spTree>
     <p:extLst>
       <p:ext uri="{BB962C8B-B14F-4D97-AF65-F5344CB8AC3E}">
-        <p14:creationId xmlns:p14="http://schemas.microsoft.com/office/powerpoint/2010/main" val="1412957019"/>
+        <p14:creationId xmlns:p14="http://schemas.microsoft.com/office/powerpoint/2010/main" val="4215004953"/>
       </p:ext>
     </p:extLst>
   </p:cSld>
@@ -1312,11 +1453,10 @@
           <a:bodyPr/>
           <a:lstStyle/>
           <a:p>
-            <a:pPr marL="171450" indent="-171450">
-              <a:buFont typeface="Arial" panose="020B0604020202020204" pitchFamily="34" charset="0"/>
-              <a:buChar char="•"/>
-            </a:pPr>
-            <a:endParaRPr lang="de-DE" dirty="0"/>
+            <a:r>
+              <a:rPr lang="de-DE" dirty="0"/>
+              <a:t>ACHTUNG: Jahre sind hier Mittelwerte der Jahre aller Gedichte der häufigsten Epoche des Dichters</a:t>
+            </a:r>
           </a:p>
         </p:txBody>
       </p:sp>
@@ -1337,7 +1477,7 @@
           <a:p>
             <a:fld id="{49FFD0F6-1B54-1D42-B676-41E105B9815E}" type="slidenum">
               <a:rPr lang="de-DE" smtClean="0"/>
-              <a:t>27</a:t>
+              <a:t>33</a:t>
             </a:fld>
             <a:endParaRPr lang="de-DE"/>
           </a:p>
@@ -1346,7 +1486,7 @@
     </p:spTree>
     <p:extLst>
       <p:ext uri="{BB962C8B-B14F-4D97-AF65-F5344CB8AC3E}">
-        <p14:creationId xmlns:p14="http://schemas.microsoft.com/office/powerpoint/2010/main" val="2937078823"/>
+        <p14:creationId xmlns:p14="http://schemas.microsoft.com/office/powerpoint/2010/main" val="1412957019"/>
       </p:ext>
     </p:extLst>
   </p:cSld>
@@ -1400,10 +1540,11 @@
           <a:bodyPr/>
           <a:lstStyle/>
           <a:p>
-            <a:r>
-              <a:rPr lang="de-DE" dirty="0"/>
-              <a:t>Problem Romantik: zu wenig Gedichte!!!</a:t>
-            </a:r>
+            <a:pPr marL="171450" indent="-171450">
+              <a:buFont typeface="Arial" panose="020B0604020202020204" pitchFamily="34" charset="0"/>
+              <a:buChar char="•"/>
+            </a:pPr>
+            <a:endParaRPr lang="de-DE" dirty="0"/>
           </a:p>
         </p:txBody>
       </p:sp>
@@ -1424,7 +1565,7 @@
           <a:p>
             <a:fld id="{49FFD0F6-1B54-1D42-B676-41E105B9815E}" type="slidenum">
               <a:rPr lang="de-DE" smtClean="0"/>
-              <a:t>28</a:t>
+              <a:t>34</a:t>
             </a:fld>
             <a:endParaRPr lang="de-DE"/>
           </a:p>
@@ -1433,7 +1574,7 @@
     </p:spTree>
     <p:extLst>
       <p:ext uri="{BB962C8B-B14F-4D97-AF65-F5344CB8AC3E}">
-        <p14:creationId xmlns:p14="http://schemas.microsoft.com/office/powerpoint/2010/main" val="241253233"/>
+        <p14:creationId xmlns:p14="http://schemas.microsoft.com/office/powerpoint/2010/main" val="2937078823"/>
       </p:ext>
     </p:extLst>
   </p:cSld>
@@ -1487,11 +1628,10 @@
           <a:bodyPr/>
           <a:lstStyle/>
           <a:p>
-            <a:pPr marL="171450" indent="-171450">
-              <a:buFont typeface="Arial" panose="020B0604020202020204" pitchFamily="34" charset="0"/>
-              <a:buChar char="•"/>
-            </a:pPr>
-            <a:endParaRPr lang="de-DE" dirty="0"/>
+            <a:r>
+              <a:rPr lang="de-DE" dirty="0"/>
+              <a:t>Problem Romantik: zu wenig Gedichte!!!</a:t>
+            </a:r>
           </a:p>
         </p:txBody>
       </p:sp>
@@ -1512,7 +1652,7 @@
           <a:p>
             <a:fld id="{49FFD0F6-1B54-1D42-B676-41E105B9815E}" type="slidenum">
               <a:rPr lang="de-DE" smtClean="0"/>
-              <a:t>31</a:t>
+              <a:t>35</a:t>
             </a:fld>
             <a:endParaRPr lang="de-DE"/>
           </a:p>
@@ -1521,7 +1661,7 @@
     </p:spTree>
     <p:extLst>
       <p:ext uri="{BB962C8B-B14F-4D97-AF65-F5344CB8AC3E}">
-        <p14:creationId xmlns:p14="http://schemas.microsoft.com/office/powerpoint/2010/main" val="292854540"/>
+        <p14:creationId xmlns:p14="http://schemas.microsoft.com/office/powerpoint/2010/main" val="241253233"/>
       </p:ext>
     </p:extLst>
   </p:cSld>
@@ -1599,7 +1739,7 @@
           <a:p>
             <a:fld id="{49FFD0F6-1B54-1D42-B676-41E105B9815E}" type="slidenum">
               <a:rPr lang="de-DE" smtClean="0"/>
-              <a:t>39</a:t>
+              <a:t>44</a:t>
             </a:fld>
             <a:endParaRPr lang="de-DE"/>
           </a:p>
@@ -1695,7 +1835,7 @@
           <a:p>
             <a:fld id="{49FFD0F6-1B54-1D42-B676-41E105B9815E}" type="slidenum">
               <a:rPr lang="de-DE" smtClean="0"/>
-              <a:t>40</a:t>
+              <a:t>45</a:t>
             </a:fld>
             <a:endParaRPr lang="de-DE"/>
           </a:p>
@@ -1791,7 +1931,7 @@
           <a:p>
             <a:fld id="{49FFD0F6-1B54-1D42-B676-41E105B9815E}" type="slidenum">
               <a:rPr lang="de-DE" smtClean="0"/>
-              <a:t>41</a:t>
+              <a:t>46</a:t>
             </a:fld>
             <a:endParaRPr lang="de-DE"/>
           </a:p>
@@ -1896,7 +2036,7 @@
           <a:p>
             <a:fld id="{49FFD0F6-1B54-1D42-B676-41E105B9815E}" type="slidenum">
               <a:rPr lang="de-DE" smtClean="0"/>
-              <a:t>42</a:t>
+              <a:t>47</a:t>
             </a:fld>
             <a:endParaRPr lang="de-DE"/>
           </a:p>
@@ -1981,7 +2121,7 @@
           <a:p>
             <a:fld id="{49FFD0F6-1B54-1D42-B676-41E105B9815E}" type="slidenum">
               <a:rPr lang="de-DE" smtClean="0"/>
-              <a:t>43</a:t>
+              <a:t>48</a:t>
             </a:fld>
             <a:endParaRPr lang="de-DE"/>
           </a:p>
@@ -2366,19 +2506,35 @@
           <a:bodyPr/>
           <a:lstStyle/>
           <a:p>
+            <a:r>
+              <a:rPr lang="de-DE" b="1" noProof="0" dirty="0" err="1"/>
+              <a:t>Adjusted</a:t>
+            </a:r>
+            <a:r>
+              <a:rPr lang="de-DE" b="1" noProof="0" dirty="0"/>
+              <a:t> Rand Index:</a:t>
+            </a:r>
+          </a:p>
+          <a:p>
             <a:pPr marL="171450" indent="-171450">
               <a:buFont typeface="Arial" panose="020B0604020202020204" pitchFamily="34" charset="0"/>
               <a:buChar char="•"/>
             </a:pPr>
             <a:r>
-              <a:rPr lang="de-DE" dirty="0"/>
-              <a:t>Dichter mit 5 oder weniger Gedichten wurden entfernt </a:t>
-            </a:r>
-            <a:r>
-              <a:rPr lang="de-DE" dirty="0">
-                <a:sym typeface="Wingdings" pitchFamily="2" charset="2"/>
+              <a:rPr lang="de-DE" noProof="0" dirty="0"/>
+              <a:t>+1: </a:t>
+            </a:r>
+            <a:r>
+              <a:rPr lang="de-DE" sz="1200" b="0" i="0" kern="1200" noProof="0" dirty="0">
+                <a:solidFill>
+                  <a:schemeClr val="tx1"/>
+                </a:solidFill>
+                <a:effectLst/>
+                <a:latin typeface="+mn-lt"/>
+                <a:ea typeface="+mn-ea"/>
+                <a:cs typeface="+mn-cs"/>
               </a:rPr>
-              <a:t> um nicht andere Signale zu erhalten</a:t>
+              <a:t>sehr gutes Ergebnis</a:t>
             </a:r>
           </a:p>
           <a:p>
@@ -2387,10 +2543,16 @@
               <a:buChar char="•"/>
             </a:pPr>
             <a:r>
-              <a:rPr lang="de-DE" dirty="0">
-                <a:sym typeface="Wingdings" pitchFamily="2" charset="2"/>
+              <a:rPr lang="de-DE" sz="1200" b="0" i="0" kern="1200" noProof="0" dirty="0">
+                <a:solidFill>
+                  <a:schemeClr val="tx1"/>
+                </a:solidFill>
+                <a:effectLst/>
+                <a:latin typeface="+mn-lt"/>
+                <a:ea typeface="+mn-ea"/>
+                <a:cs typeface="+mn-cs"/>
               </a:rPr>
-              <a:t>Verschiedene Epochen von Gedichten eines Dichters wurden vorher getrennt</a:t>
+              <a:t>0: Zufallsverteilung </a:t>
             </a:r>
           </a:p>
           <a:p>
@@ -2399,23 +2561,186 @@
               <a:buChar char="•"/>
             </a:pPr>
             <a:r>
-              <a:rPr lang="de-DE" dirty="0">
-                <a:sym typeface="Wingdings" pitchFamily="2" charset="2"/>
+              <a:rPr lang="de-DE" sz="1200" b="0" i="0" kern="1200" noProof="0" dirty="0">
+                <a:solidFill>
+                  <a:schemeClr val="tx1"/>
+                </a:solidFill>
+                <a:effectLst/>
+                <a:latin typeface="+mn-lt"/>
+                <a:ea typeface="+mn-ea"/>
+                <a:cs typeface="+mn-cs"/>
               </a:rPr>
-              <a:t>Als Erscheinungsjahr wurde der Mittelwerte aller Gedichte des Dichter in der Epoche verwendet</a:t>
-            </a:r>
+              <a:t>-1: nicht zufälliges, aber falsches </a:t>
+            </a:r>
+            <a:r>
+              <a:rPr lang="de-DE" sz="1200" b="0" i="0" kern="1200" noProof="0" dirty="0" err="1">
+                <a:solidFill>
+                  <a:schemeClr val="tx1"/>
+                </a:solidFill>
+                <a:effectLst/>
+                <a:latin typeface="+mn-lt"/>
+                <a:ea typeface="+mn-ea"/>
+                <a:cs typeface="+mn-cs"/>
+              </a:rPr>
+              <a:t>Labeling</a:t>
+            </a:r>
+            <a:endParaRPr lang="de-DE" sz="1200" b="0" i="0" kern="1200" noProof="0" dirty="0">
+              <a:solidFill>
+                <a:schemeClr val="tx1"/>
+              </a:solidFill>
+              <a:effectLst/>
+              <a:latin typeface="+mn-lt"/>
+              <a:ea typeface="+mn-ea"/>
+              <a:cs typeface="+mn-cs"/>
+            </a:endParaRPr>
           </a:p>
           <a:p>
             <a:pPr marL="171450" indent="-171450">
               <a:buFont typeface="Arial" panose="020B0604020202020204" pitchFamily="34" charset="0"/>
               <a:buChar char="•"/>
             </a:pPr>
-            <a:r>
-              <a:rPr lang="de-DE" dirty="0">
-                <a:sym typeface="Wingdings" pitchFamily="2" charset="2"/>
+            <a:endParaRPr lang="de-DE" sz="1200" b="0" i="0" kern="1200" noProof="0" dirty="0">
+              <a:solidFill>
+                <a:schemeClr val="tx1"/>
+              </a:solidFill>
+              <a:effectLst/>
+              <a:latin typeface="+mn-lt"/>
+              <a:ea typeface="+mn-ea"/>
+              <a:cs typeface="+mn-cs"/>
+            </a:endParaRPr>
+          </a:p>
+          <a:p>
+            <a:pPr marL="0" indent="0">
+              <a:buFont typeface="Arial" panose="020B0604020202020204" pitchFamily="34" charset="0"/>
+              <a:buNone/>
+            </a:pPr>
+            <a:r>
+              <a:rPr lang="de-DE" sz="1200" b="1" i="0" kern="1200" noProof="0" dirty="0">
+                <a:solidFill>
+                  <a:schemeClr val="tx1"/>
+                </a:solidFill>
+                <a:effectLst/>
+                <a:latin typeface="+mn-lt"/>
+                <a:ea typeface="+mn-ea"/>
+                <a:cs typeface="+mn-cs"/>
               </a:rPr>
-              <a:t>Nur Gedichte mit mindestens 1000 Tokens wurden verwendet</a:t>
-            </a:r>
+              <a:t>V-</a:t>
+            </a:r>
+            <a:r>
+              <a:rPr lang="de-DE" sz="1200" b="1" i="0" kern="1200" noProof="0" dirty="0" err="1">
+                <a:solidFill>
+                  <a:schemeClr val="tx1"/>
+                </a:solidFill>
+                <a:effectLst/>
+                <a:latin typeface="+mn-lt"/>
+                <a:ea typeface="+mn-ea"/>
+                <a:cs typeface="+mn-cs"/>
+              </a:rPr>
+              <a:t>Measure</a:t>
+            </a:r>
+            <a:r>
+              <a:rPr lang="de-DE" sz="1200" b="1" i="0" kern="1200" noProof="0" dirty="0">
+                <a:solidFill>
+                  <a:schemeClr val="tx1"/>
+                </a:solidFill>
+                <a:effectLst/>
+                <a:latin typeface="+mn-lt"/>
+                <a:ea typeface="+mn-ea"/>
+                <a:cs typeface="+mn-cs"/>
+              </a:rPr>
+              <a:t>: </a:t>
+            </a:r>
+            <a:r>
+              <a:rPr lang="de-DE" sz="1200" b="0" i="0" kern="1200" noProof="0" dirty="0">
+                <a:solidFill>
+                  <a:schemeClr val="tx1"/>
+                </a:solidFill>
+                <a:effectLst/>
+                <a:latin typeface="+mn-lt"/>
+                <a:ea typeface="+mn-ea"/>
+                <a:cs typeface="+mn-cs"/>
+              </a:rPr>
+              <a:t>Harmonisches Mittel zwischen </a:t>
+            </a:r>
+            <a:r>
+              <a:rPr lang="en-GB" i="1" dirty="0">
+                <a:effectLst/>
+              </a:rPr>
+              <a:t>homogeneity</a:t>
+            </a:r>
+            <a:r>
+              <a:rPr lang="en-GB" dirty="0"/>
+              <a:t> (</a:t>
+            </a:r>
+            <a:r>
+              <a:rPr lang="en-GB" dirty="0" err="1"/>
+              <a:t>wie</a:t>
+            </a:r>
+            <a:r>
+              <a:rPr lang="en-GB" dirty="0"/>
+              <a:t> </a:t>
+            </a:r>
+            <a:r>
+              <a:rPr lang="en-GB" dirty="0" err="1"/>
+              <a:t>homogen</a:t>
+            </a:r>
+            <a:r>
+              <a:rPr lang="en-GB" dirty="0"/>
+              <a:t> </a:t>
+            </a:r>
+            <a:r>
+              <a:rPr lang="en-GB" dirty="0" err="1"/>
+              <a:t>sind</a:t>
+            </a:r>
+            <a:r>
+              <a:rPr lang="en-GB" dirty="0"/>
+              <a:t> Cluster) &amp; </a:t>
+            </a:r>
+            <a:r>
+              <a:rPr lang="en-GB" i="1" dirty="0">
+                <a:effectLst/>
+              </a:rPr>
+              <a:t>completeness</a:t>
+            </a:r>
+            <a:r>
+              <a:rPr lang="en-GB" dirty="0"/>
+              <a:t> (</a:t>
+            </a:r>
+            <a:r>
+              <a:rPr lang="en-GB" dirty="0" err="1"/>
+              <a:t>wie</a:t>
+            </a:r>
+            <a:r>
+              <a:rPr lang="en-GB" dirty="0"/>
+              <a:t> </a:t>
+            </a:r>
+            <a:r>
+              <a:rPr lang="en-GB" dirty="0" err="1"/>
+              <a:t>vollständig</a:t>
+            </a:r>
+            <a:r>
+              <a:rPr lang="en-GB" dirty="0"/>
+              <a:t> </a:t>
+            </a:r>
+            <a:r>
+              <a:rPr lang="en-GB" dirty="0" err="1"/>
+              <a:t>sind</a:t>
+            </a:r>
+            <a:r>
+              <a:rPr lang="en-GB" dirty="0"/>
+              <a:t> Cluster)</a:t>
+            </a:r>
+            <a:endParaRPr lang="de-DE" sz="1200" b="0" i="0" kern="1200" noProof="0" dirty="0">
+              <a:solidFill>
+                <a:schemeClr val="tx1"/>
+              </a:solidFill>
+              <a:effectLst/>
+              <a:latin typeface="+mn-lt"/>
+              <a:ea typeface="+mn-ea"/>
+              <a:cs typeface="+mn-cs"/>
+            </a:endParaRPr>
+          </a:p>
+          <a:p>
             <a:endParaRPr lang="de-DE" dirty="0"/>
           </a:p>
         </p:txBody>
@@ -2446,7 +2771,7 @@
     </p:spTree>
     <p:extLst>
       <p:ext uri="{BB962C8B-B14F-4D97-AF65-F5344CB8AC3E}">
-        <p14:creationId xmlns:p14="http://schemas.microsoft.com/office/powerpoint/2010/main" val="2907066937"/>
+        <p14:creationId xmlns:p14="http://schemas.microsoft.com/office/powerpoint/2010/main" val="1549894748"/>
       </p:ext>
     </p:extLst>
   </p:cSld>
@@ -2500,35 +2825,19 @@
           <a:bodyPr/>
           <a:lstStyle/>
           <a:p>
-            <a:r>
-              <a:rPr lang="de-DE" b="1" noProof="0" dirty="0" err="1"/>
-              <a:t>Adjusted</a:t>
-            </a:r>
-            <a:r>
-              <a:rPr lang="de-DE" b="1" noProof="0" dirty="0"/>
-              <a:t> Rand Index:</a:t>
-            </a:r>
-          </a:p>
-          <a:p>
             <a:pPr marL="171450" indent="-171450">
               <a:buFont typeface="Arial" panose="020B0604020202020204" pitchFamily="34" charset="0"/>
               <a:buChar char="•"/>
             </a:pPr>
             <a:r>
-              <a:rPr lang="de-DE" noProof="0" dirty="0"/>
-              <a:t>+1: </a:t>
-            </a:r>
-            <a:r>
-              <a:rPr lang="de-DE" sz="1200" b="0" i="0" kern="1200" noProof="0" dirty="0">
-                <a:solidFill>
-                  <a:schemeClr val="tx1"/>
-                </a:solidFill>
-                <a:effectLst/>
-                <a:latin typeface="+mn-lt"/>
-                <a:ea typeface="+mn-ea"/>
-                <a:cs typeface="+mn-cs"/>
+              <a:rPr lang="de-DE" dirty="0"/>
+              <a:t>Dichter mit 5 oder weniger Gedichten wurden entfernt </a:t>
+            </a:r>
+            <a:r>
+              <a:rPr lang="de-DE" dirty="0">
+                <a:sym typeface="Wingdings" pitchFamily="2" charset="2"/>
               </a:rPr>
-              <a:t>sehr gutes Ergebnis</a:t>
+              <a:t> um nicht andere Signale zu erhalten</a:t>
             </a:r>
           </a:p>
           <a:p>
@@ -2537,16 +2846,10 @@
               <a:buChar char="•"/>
             </a:pPr>
             <a:r>
-              <a:rPr lang="de-DE" sz="1200" b="0" i="0" kern="1200" noProof="0" dirty="0">
-                <a:solidFill>
-                  <a:schemeClr val="tx1"/>
-                </a:solidFill>
-                <a:effectLst/>
-                <a:latin typeface="+mn-lt"/>
-                <a:ea typeface="+mn-ea"/>
-                <a:cs typeface="+mn-cs"/>
+              <a:rPr lang="de-DE" dirty="0">
+                <a:sym typeface="Wingdings" pitchFamily="2" charset="2"/>
               </a:rPr>
-              <a:t>0: Zufallsverteilung </a:t>
+              <a:t>Verschiedene Epochen von Gedichten eines Dichters wurden vorher getrennt</a:t>
             </a:r>
           </a:p>
           <a:p>
@@ -2555,186 +2858,23 @@
               <a:buChar char="•"/>
             </a:pPr>
             <a:r>
-              <a:rPr lang="de-DE" sz="1200" b="0" i="0" kern="1200" noProof="0" dirty="0">
-                <a:solidFill>
-                  <a:schemeClr val="tx1"/>
-                </a:solidFill>
-                <a:effectLst/>
-                <a:latin typeface="+mn-lt"/>
-                <a:ea typeface="+mn-ea"/>
-                <a:cs typeface="+mn-cs"/>
+              <a:rPr lang="de-DE" dirty="0">
+                <a:sym typeface="Wingdings" pitchFamily="2" charset="2"/>
               </a:rPr>
-              <a:t>-1: nicht zufälliges, aber falsches </a:t>
-            </a:r>
-            <a:r>
-              <a:rPr lang="de-DE" sz="1200" b="0" i="0" kern="1200" noProof="0" dirty="0" err="1">
-                <a:solidFill>
-                  <a:schemeClr val="tx1"/>
-                </a:solidFill>
-                <a:effectLst/>
-                <a:latin typeface="+mn-lt"/>
-                <a:ea typeface="+mn-ea"/>
-                <a:cs typeface="+mn-cs"/>
-              </a:rPr>
-              <a:t>Labeling</a:t>
-            </a:r>
-            <a:endParaRPr lang="de-DE" sz="1200" b="0" i="0" kern="1200" noProof="0" dirty="0">
-              <a:solidFill>
-                <a:schemeClr val="tx1"/>
-              </a:solidFill>
-              <a:effectLst/>
-              <a:latin typeface="+mn-lt"/>
-              <a:ea typeface="+mn-ea"/>
-              <a:cs typeface="+mn-cs"/>
-            </a:endParaRPr>
+              <a:t>Als Erscheinungsjahr wurde der Mittelwerte aller Gedichte des Dichter in der Epoche verwendet</a:t>
+            </a:r>
           </a:p>
           <a:p>
             <a:pPr marL="171450" indent="-171450">
               <a:buFont typeface="Arial" panose="020B0604020202020204" pitchFamily="34" charset="0"/>
               <a:buChar char="•"/>
             </a:pPr>
-            <a:endParaRPr lang="de-DE" sz="1200" b="0" i="0" kern="1200" noProof="0" dirty="0">
-              <a:solidFill>
-                <a:schemeClr val="tx1"/>
-              </a:solidFill>
-              <a:effectLst/>
-              <a:latin typeface="+mn-lt"/>
-              <a:ea typeface="+mn-ea"/>
-              <a:cs typeface="+mn-cs"/>
-            </a:endParaRPr>
-          </a:p>
-          <a:p>
-            <a:pPr marL="0" indent="0">
-              <a:buFont typeface="Arial" panose="020B0604020202020204" pitchFamily="34" charset="0"/>
-              <a:buNone/>
-            </a:pPr>
-            <a:r>
-              <a:rPr lang="de-DE" sz="1200" b="1" i="0" kern="1200" noProof="0" dirty="0">
-                <a:solidFill>
-                  <a:schemeClr val="tx1"/>
-                </a:solidFill>
-                <a:effectLst/>
-                <a:latin typeface="+mn-lt"/>
-                <a:ea typeface="+mn-ea"/>
-                <a:cs typeface="+mn-cs"/>
+            <a:r>
+              <a:rPr lang="de-DE" dirty="0">
+                <a:sym typeface="Wingdings" pitchFamily="2" charset="2"/>
               </a:rPr>
-              <a:t>V-</a:t>
-            </a:r>
-            <a:r>
-              <a:rPr lang="de-DE" sz="1200" b="1" i="0" kern="1200" noProof="0" dirty="0" err="1">
-                <a:solidFill>
-                  <a:schemeClr val="tx1"/>
-                </a:solidFill>
-                <a:effectLst/>
-                <a:latin typeface="+mn-lt"/>
-                <a:ea typeface="+mn-ea"/>
-                <a:cs typeface="+mn-cs"/>
-              </a:rPr>
-              <a:t>Measure</a:t>
-            </a:r>
-            <a:r>
-              <a:rPr lang="de-DE" sz="1200" b="1" i="0" kern="1200" noProof="0" dirty="0">
-                <a:solidFill>
-                  <a:schemeClr val="tx1"/>
-                </a:solidFill>
-                <a:effectLst/>
-                <a:latin typeface="+mn-lt"/>
-                <a:ea typeface="+mn-ea"/>
-                <a:cs typeface="+mn-cs"/>
-              </a:rPr>
-              <a:t>: </a:t>
-            </a:r>
-            <a:r>
-              <a:rPr lang="de-DE" sz="1200" b="0" i="0" kern="1200" noProof="0" dirty="0">
-                <a:solidFill>
-                  <a:schemeClr val="tx1"/>
-                </a:solidFill>
-                <a:effectLst/>
-                <a:latin typeface="+mn-lt"/>
-                <a:ea typeface="+mn-ea"/>
-                <a:cs typeface="+mn-cs"/>
-              </a:rPr>
-              <a:t>Harmonisches Mittel zwischen </a:t>
-            </a:r>
-            <a:r>
-              <a:rPr lang="en-GB" i="1" dirty="0">
-                <a:effectLst/>
-              </a:rPr>
-              <a:t>homogeneity</a:t>
-            </a:r>
-            <a:r>
-              <a:rPr lang="en-GB" dirty="0"/>
-              <a:t> (</a:t>
-            </a:r>
-            <a:r>
-              <a:rPr lang="en-GB" dirty="0" err="1"/>
-              <a:t>wie</a:t>
-            </a:r>
-            <a:r>
-              <a:rPr lang="en-GB" dirty="0"/>
-              <a:t> </a:t>
-            </a:r>
-            <a:r>
-              <a:rPr lang="en-GB" dirty="0" err="1"/>
-              <a:t>homogen</a:t>
-            </a:r>
-            <a:r>
-              <a:rPr lang="en-GB" dirty="0"/>
-              <a:t> </a:t>
-            </a:r>
-            <a:r>
-              <a:rPr lang="en-GB" dirty="0" err="1"/>
-              <a:t>sind</a:t>
-            </a:r>
-            <a:r>
-              <a:rPr lang="en-GB" dirty="0"/>
-              <a:t> Cluster) &amp; </a:t>
-            </a:r>
-            <a:r>
-              <a:rPr lang="en-GB" i="1" dirty="0">
-                <a:effectLst/>
-              </a:rPr>
-              <a:t>completeness</a:t>
-            </a:r>
-            <a:r>
-              <a:rPr lang="en-GB" dirty="0"/>
-              <a:t> (</a:t>
-            </a:r>
-            <a:r>
-              <a:rPr lang="en-GB" dirty="0" err="1"/>
-              <a:t>wie</a:t>
-            </a:r>
-            <a:r>
-              <a:rPr lang="en-GB" dirty="0"/>
-              <a:t> </a:t>
-            </a:r>
-            <a:r>
-              <a:rPr lang="en-GB" dirty="0" err="1"/>
-              <a:t>vollständig</a:t>
-            </a:r>
-            <a:r>
-              <a:rPr lang="en-GB" dirty="0"/>
-              <a:t> </a:t>
-            </a:r>
-            <a:r>
-              <a:rPr lang="en-GB" dirty="0" err="1"/>
-              <a:t>sind</a:t>
-            </a:r>
-            <a:r>
-              <a:rPr lang="en-GB" dirty="0"/>
-              <a:t> Cluster)</a:t>
-            </a:r>
-            <a:endParaRPr lang="de-DE" sz="1200" b="0" i="0" kern="1200" noProof="0" dirty="0">
-              <a:solidFill>
-                <a:schemeClr val="tx1"/>
-              </a:solidFill>
-              <a:effectLst/>
-              <a:latin typeface="+mn-lt"/>
-              <a:ea typeface="+mn-ea"/>
-              <a:cs typeface="+mn-cs"/>
-            </a:endParaRPr>
-          </a:p>
-          <a:p>
+              <a:t>Nur Gedichte mit mindestens 1000 Tokens wurden verwendet</a:t>
+            </a:r>
             <a:endParaRPr lang="de-DE" dirty="0"/>
           </a:p>
         </p:txBody>
@@ -2765,7 +2905,7 @@
     </p:spTree>
     <p:extLst>
       <p:ext uri="{BB962C8B-B14F-4D97-AF65-F5344CB8AC3E}">
-        <p14:creationId xmlns:p14="http://schemas.microsoft.com/office/powerpoint/2010/main" val="1549894748"/>
+        <p14:creationId xmlns:p14="http://schemas.microsoft.com/office/powerpoint/2010/main" val="2907066937"/>
       </p:ext>
     </p:extLst>
   </p:cSld>
@@ -2853,7 +2993,7 @@
     </p:spTree>
     <p:extLst>
       <p:ext uri="{BB962C8B-B14F-4D97-AF65-F5344CB8AC3E}">
-        <p14:creationId xmlns:p14="http://schemas.microsoft.com/office/powerpoint/2010/main" val="410681100"/>
+        <p14:creationId xmlns:p14="http://schemas.microsoft.com/office/powerpoint/2010/main" val="292854540"/>
       </p:ext>
     </p:extLst>
   </p:cSld>
@@ -2907,239 +3047,11 @@
           <a:bodyPr/>
           <a:lstStyle/>
           <a:p>
-            <a:r>
-              <a:rPr lang="de-DE" b="1" noProof="0" dirty="0" err="1"/>
-              <a:t>Adjusted</a:t>
-            </a:r>
-            <a:r>
-              <a:rPr lang="de-DE" b="1" noProof="0" dirty="0"/>
-              <a:t> Rand Index:</a:t>
-            </a:r>
-          </a:p>
-          <a:p>
             <a:pPr marL="171450" indent="-171450">
               <a:buFont typeface="Arial" panose="020B0604020202020204" pitchFamily="34" charset="0"/>
               <a:buChar char="•"/>
             </a:pPr>
-            <a:r>
-              <a:rPr lang="de-DE" noProof="0" dirty="0"/>
-              <a:t>+1: </a:t>
-            </a:r>
-            <a:r>
-              <a:rPr lang="de-DE" sz="1200" b="0" i="0" kern="1200" noProof="0" dirty="0">
-                <a:solidFill>
-                  <a:schemeClr val="tx1"/>
-                </a:solidFill>
-                <a:effectLst/>
-                <a:latin typeface="+mn-lt"/>
-                <a:ea typeface="+mn-ea"/>
-                <a:cs typeface="+mn-cs"/>
-              </a:rPr>
-              <a:t>sehr gutes Ergebnis</a:t>
-            </a:r>
-          </a:p>
-          <a:p>
-            <a:pPr marL="171450" indent="-171450">
-              <a:buFont typeface="Arial" panose="020B0604020202020204" pitchFamily="34" charset="0"/>
-              <a:buChar char="•"/>
-            </a:pPr>
-            <a:r>
-              <a:rPr lang="de-DE" sz="1200" b="0" i="0" kern="1200" noProof="0" dirty="0">
-                <a:solidFill>
-                  <a:schemeClr val="tx1"/>
-                </a:solidFill>
-                <a:effectLst/>
-                <a:latin typeface="+mn-lt"/>
-                <a:ea typeface="+mn-ea"/>
-                <a:cs typeface="+mn-cs"/>
-              </a:rPr>
-              <a:t>0: Zufallsverteilung </a:t>
-            </a:r>
-          </a:p>
-          <a:p>
-            <a:pPr marL="171450" indent="-171450">
-              <a:buFont typeface="Arial" panose="020B0604020202020204" pitchFamily="34" charset="0"/>
-              <a:buChar char="•"/>
-            </a:pPr>
-            <a:r>
-              <a:rPr lang="de-DE" sz="1200" b="0" i="0" kern="1200" noProof="0" dirty="0">
-                <a:solidFill>
-                  <a:schemeClr val="tx1"/>
-                </a:solidFill>
-                <a:effectLst/>
-                <a:latin typeface="+mn-lt"/>
-                <a:ea typeface="+mn-ea"/>
-                <a:cs typeface="+mn-cs"/>
-              </a:rPr>
-              <a:t>-1: nicht zufälliges, aber falsches </a:t>
-            </a:r>
-            <a:r>
-              <a:rPr lang="de-DE" sz="1200" b="0" i="0" kern="1200" noProof="0" dirty="0" err="1">
-                <a:solidFill>
-                  <a:schemeClr val="tx1"/>
-                </a:solidFill>
-                <a:effectLst/>
-                <a:latin typeface="+mn-lt"/>
-                <a:ea typeface="+mn-ea"/>
-                <a:cs typeface="+mn-cs"/>
-              </a:rPr>
-              <a:t>Labeling</a:t>
-            </a:r>
-            <a:endParaRPr lang="de-DE" sz="1200" b="0" i="0" kern="1200" noProof="0" dirty="0">
-              <a:solidFill>
-                <a:schemeClr val="tx1"/>
-              </a:solidFill>
-              <a:effectLst/>
-              <a:latin typeface="+mn-lt"/>
-              <a:ea typeface="+mn-ea"/>
-              <a:cs typeface="+mn-cs"/>
-            </a:endParaRPr>
-          </a:p>
-          <a:p>
-            <a:pPr marL="171450" indent="-171450">
-              <a:buFont typeface="Arial" panose="020B0604020202020204" pitchFamily="34" charset="0"/>
-              <a:buChar char="•"/>
-            </a:pPr>
-            <a:endParaRPr lang="de-DE" sz="1200" b="0" i="0" kern="1200" noProof="0" dirty="0">
-              <a:solidFill>
-                <a:schemeClr val="tx1"/>
-              </a:solidFill>
-              <a:effectLst/>
-              <a:latin typeface="+mn-lt"/>
-              <a:ea typeface="+mn-ea"/>
-              <a:cs typeface="+mn-cs"/>
-            </a:endParaRPr>
-          </a:p>
-          <a:p>
-            <a:pPr marL="0" indent="0">
-              <a:buFont typeface="Arial" panose="020B0604020202020204" pitchFamily="34" charset="0"/>
-              <a:buNone/>
-            </a:pPr>
-            <a:r>
-              <a:rPr lang="de-DE" sz="1200" b="1" i="0" kern="1200" noProof="0" dirty="0">
-                <a:solidFill>
-                  <a:schemeClr val="tx1"/>
-                </a:solidFill>
-                <a:effectLst/>
-                <a:latin typeface="+mn-lt"/>
-                <a:ea typeface="+mn-ea"/>
-                <a:cs typeface="+mn-cs"/>
-              </a:rPr>
-              <a:t>V-</a:t>
-            </a:r>
-            <a:r>
-              <a:rPr lang="de-DE" sz="1200" b="1" i="0" kern="1200" noProof="0" dirty="0" err="1">
-                <a:solidFill>
-                  <a:schemeClr val="tx1"/>
-                </a:solidFill>
-                <a:effectLst/>
-                <a:latin typeface="+mn-lt"/>
-                <a:ea typeface="+mn-ea"/>
-                <a:cs typeface="+mn-cs"/>
-              </a:rPr>
-              <a:t>Measure</a:t>
-            </a:r>
-            <a:r>
-              <a:rPr lang="de-DE" sz="1200" b="1" i="0" kern="1200" noProof="0" dirty="0">
-                <a:solidFill>
-                  <a:schemeClr val="tx1"/>
-                </a:solidFill>
-                <a:effectLst/>
-                <a:latin typeface="+mn-lt"/>
-                <a:ea typeface="+mn-ea"/>
-                <a:cs typeface="+mn-cs"/>
-              </a:rPr>
-              <a:t>: </a:t>
-            </a:r>
-            <a:r>
-              <a:rPr lang="de-DE" sz="1200" b="0" i="0" kern="1200" noProof="0" dirty="0">
-                <a:solidFill>
-                  <a:schemeClr val="tx1"/>
-                </a:solidFill>
-                <a:effectLst/>
-                <a:latin typeface="+mn-lt"/>
-                <a:ea typeface="+mn-ea"/>
-                <a:cs typeface="+mn-cs"/>
-              </a:rPr>
-              <a:t>Harmonisches Mittel zwischen </a:t>
-            </a:r>
-            <a:r>
-              <a:rPr lang="en-GB" i="1" dirty="0">
-                <a:effectLst/>
-              </a:rPr>
-              <a:t>homogeneity</a:t>
-            </a:r>
-            <a:r>
-              <a:rPr lang="en-GB" dirty="0"/>
-              <a:t> (</a:t>
-            </a:r>
-            <a:r>
-              <a:rPr lang="en-GB" dirty="0" err="1"/>
-              <a:t>wie</a:t>
-            </a:r>
-            <a:r>
-              <a:rPr lang="en-GB" dirty="0"/>
-              <a:t> </a:t>
-            </a:r>
-            <a:r>
-              <a:rPr lang="en-GB" dirty="0" err="1"/>
-              <a:t>homogen</a:t>
-            </a:r>
-            <a:r>
-              <a:rPr lang="en-GB" dirty="0"/>
-              <a:t> </a:t>
-            </a:r>
-            <a:r>
-              <a:rPr lang="en-GB" dirty="0" err="1"/>
-              <a:t>sind</a:t>
-            </a:r>
-            <a:r>
-              <a:rPr lang="en-GB" dirty="0"/>
-              <a:t> Cluster) &amp; </a:t>
-            </a:r>
-            <a:r>
-              <a:rPr lang="en-GB" i="1" dirty="0">
-                <a:effectLst/>
-              </a:rPr>
-              <a:t>completeness</a:t>
-            </a:r>
-            <a:r>
-              <a:rPr lang="en-GB" dirty="0"/>
-              <a:t> (</a:t>
-            </a:r>
-            <a:r>
-              <a:rPr lang="en-GB" dirty="0" err="1"/>
-              <a:t>wie</a:t>
-            </a:r>
-            <a:r>
-              <a:rPr lang="en-GB" dirty="0"/>
-              <a:t> </a:t>
-            </a:r>
-            <a:r>
-              <a:rPr lang="en-GB" dirty="0" err="1"/>
-              <a:t>vollständig</a:t>
-            </a:r>
-            <a:r>
-              <a:rPr lang="en-GB" dirty="0"/>
-              <a:t> </a:t>
-            </a:r>
-            <a:r>
-              <a:rPr lang="en-GB" dirty="0" err="1"/>
-              <a:t>sind</a:t>
-            </a:r>
-            <a:r>
-              <a:rPr lang="en-GB" dirty="0"/>
-              <a:t> Cluster)</a:t>
-            </a:r>
-            <a:endParaRPr lang="de-DE" sz="1200" b="0" i="0" kern="1200" noProof="0" dirty="0">
-              <a:solidFill>
-                <a:schemeClr val="tx1"/>
-              </a:solidFill>
-              <a:effectLst/>
-              <a:latin typeface="+mn-lt"/>
-              <a:ea typeface="+mn-ea"/>
-              <a:cs typeface="+mn-cs"/>
-            </a:endParaRPr>
+            <a:endParaRPr lang="de-DE" dirty="0"/>
           </a:p>
         </p:txBody>
       </p:sp>
@@ -3160,7 +3072,7 @@
           <a:p>
             <a:fld id="{49FFD0F6-1B54-1D42-B676-41E105B9815E}" type="slidenum">
               <a:rPr lang="de-DE" smtClean="0"/>
-              <a:t>22</a:t>
+              <a:t>27</a:t>
             </a:fld>
             <a:endParaRPr lang="de-DE"/>
           </a:p>
@@ -3169,7 +3081,7 @@
     </p:spTree>
     <p:extLst>
       <p:ext uri="{BB962C8B-B14F-4D97-AF65-F5344CB8AC3E}">
-        <p14:creationId xmlns:p14="http://schemas.microsoft.com/office/powerpoint/2010/main" val="1857125067"/>
+        <p14:creationId xmlns:p14="http://schemas.microsoft.com/office/powerpoint/2010/main" val="410681100"/>
       </p:ext>
     </p:extLst>
   </p:cSld>
@@ -3223,23 +3135,36 @@
           <a:bodyPr/>
           <a:lstStyle/>
           <a:p>
+            <a:r>
+              <a:rPr lang="de-DE" b="1" noProof="0" dirty="0" err="1"/>
+              <a:t>Adjusted</a:t>
+            </a:r>
+            <a:r>
+              <a:rPr lang="de-DE" b="1" noProof="0" dirty="0"/>
+              <a:t> Rand Index:</a:t>
+            </a:r>
+          </a:p>
+          <a:p>
             <a:pPr marL="171450" indent="-171450">
               <a:buFont typeface="Arial" panose="020B0604020202020204" pitchFamily="34" charset="0"/>
               <a:buChar char="•"/>
             </a:pPr>
             <a:r>
-              <a:rPr lang="de-DE" b="0" dirty="0"/>
-              <a:t>Sortiert nach </a:t>
-            </a:r>
-            <a:r>
-              <a:rPr lang="de-DE" b="1" dirty="0"/>
-              <a:t>K-</a:t>
-            </a:r>
-            <a:r>
-              <a:rPr lang="de-DE" b="1" dirty="0" err="1"/>
-              <a:t>Means</a:t>
-            </a:r>
-            <a:endParaRPr lang="de-DE" b="1" dirty="0"/>
+              <a:rPr lang="de-DE" noProof="0" dirty="0"/>
+              <a:t>+1: </a:t>
+            </a:r>
+            <a:r>
+              <a:rPr lang="de-DE" sz="1200" b="0" i="0" kern="1200" noProof="0" dirty="0">
+                <a:solidFill>
+                  <a:schemeClr val="tx1"/>
+                </a:solidFill>
+                <a:effectLst/>
+                <a:latin typeface="+mn-lt"/>
+                <a:ea typeface="+mn-ea"/>
+                <a:cs typeface="+mn-cs"/>
+              </a:rPr>
+              <a:t>sehr gutes Ergebnis</a:t>
+            </a:r>
           </a:p>
           <a:p>
             <a:pPr marL="171450" indent="-171450">
@@ -3247,70 +3172,17 @@
               <a:buChar char="•"/>
             </a:pPr>
             <a:r>
-              <a:rPr lang="de-DE" b="1" dirty="0"/>
-              <a:t>K-</a:t>
-            </a:r>
-            <a:r>
-              <a:rPr lang="de-DE" b="1" dirty="0" err="1"/>
-              <a:t>Medoids</a:t>
-            </a:r>
-            <a:r>
-              <a:rPr lang="de-DE" b="1" dirty="0"/>
-              <a:t> </a:t>
-            </a:r>
-            <a:r>
-              <a:rPr lang="de-DE" b="0" dirty="0"/>
-              <a:t>ist ähnlich wie K-</a:t>
-            </a:r>
-            <a:r>
-              <a:rPr lang="de-DE" b="0" dirty="0" err="1"/>
-              <a:t>Means</a:t>
-            </a:r>
-            <a:r>
-              <a:rPr lang="de-DE" b="0" dirty="0"/>
-              <a:t>, nimmt jedoch existierende Datenpunkte als </a:t>
-            </a:r>
-            <a:r>
-              <a:rPr lang="de-DE" b="0" dirty="0" err="1"/>
-              <a:t>Centroide</a:t>
-            </a:r>
-            <a:r>
-              <a:rPr lang="de-DE" b="0" dirty="0"/>
-              <a:t>.</a:t>
-            </a:r>
-            <a:r>
-              <a:rPr lang="de-DE" b="1" dirty="0"/>
-              <a:t> K-</a:t>
-            </a:r>
-            <a:r>
-              <a:rPr lang="de-DE" b="1" dirty="0" err="1"/>
-              <a:t>Medoids</a:t>
-            </a:r>
-            <a:r>
-              <a:rPr lang="de-DE" b="0" dirty="0"/>
-              <a:t> nicht von </a:t>
-            </a:r>
-            <a:r>
-              <a:rPr lang="de-DE" b="0" dirty="0" err="1"/>
-              <a:t>Sklearn</a:t>
-            </a:r>
-            <a:r>
-              <a:rPr lang="de-DE" b="0" dirty="0"/>
-              <a:t> selbst, </a:t>
-            </a:r>
-            <a:r>
-              <a:rPr lang="de-DE" b="0" dirty="0" err="1"/>
-              <a:t>sonder</a:t>
-            </a:r>
-            <a:r>
-              <a:rPr lang="de-DE" b="0" dirty="0"/>
-              <a:t> von </a:t>
-            </a:r>
-            <a:r>
-              <a:rPr lang="de-DE" b="0" i="1" dirty="0" err="1"/>
-              <a:t>sklearn.extra</a:t>
-            </a:r>
-            <a:endParaRPr lang="de-DE" b="1" dirty="0"/>
+              <a:rPr lang="de-DE" sz="1200" b="0" i="0" kern="1200" noProof="0" dirty="0">
+                <a:solidFill>
+                  <a:schemeClr val="tx1"/>
+                </a:solidFill>
+                <a:effectLst/>
+                <a:latin typeface="+mn-lt"/>
+                <a:ea typeface="+mn-ea"/>
+                <a:cs typeface="+mn-cs"/>
+              </a:rPr>
+              <a:t>0: Zufallsverteilung </a:t>
+            </a:r>
           </a:p>
           <a:p>
             <a:pPr marL="171450" indent="-171450">
@@ -3318,51 +3190,184 @@
               <a:buChar char="•"/>
             </a:pPr>
             <a:r>
-              <a:rPr lang="de-DE" b="0" dirty="0"/>
-              <a:t>Bei </a:t>
-            </a:r>
-            <a:r>
-              <a:rPr lang="de-DE" b="1" dirty="0"/>
-              <a:t>K-</a:t>
-            </a:r>
-            <a:r>
-              <a:rPr lang="de-DE" b="1" dirty="0" err="1"/>
-              <a:t>Medoids</a:t>
-            </a:r>
-            <a:r>
-              <a:rPr lang="de-DE" b="1" dirty="0"/>
-              <a:t> </a:t>
-            </a:r>
-            <a:r>
-              <a:rPr lang="de-DE" b="0" dirty="0"/>
-              <a:t>6 von 7 Epochenpaare in Top 7 beinhalten </a:t>
-            </a:r>
-            <a:r>
-              <a:rPr lang="de-DE" b="1" dirty="0"/>
-              <a:t>Barock</a:t>
-            </a:r>
+              <a:rPr lang="de-DE" sz="1200" b="0" i="0" kern="1200" noProof="0" dirty="0">
+                <a:solidFill>
+                  <a:schemeClr val="tx1"/>
+                </a:solidFill>
+                <a:effectLst/>
+                <a:latin typeface="+mn-lt"/>
+                <a:ea typeface="+mn-ea"/>
+                <a:cs typeface="+mn-cs"/>
+              </a:rPr>
+              <a:t>-1: nicht zufälliges, aber falsches </a:t>
+            </a:r>
+            <a:r>
+              <a:rPr lang="de-DE" sz="1200" b="0" i="0" kern="1200" noProof="0" dirty="0" err="1">
+                <a:solidFill>
+                  <a:schemeClr val="tx1"/>
+                </a:solidFill>
+                <a:effectLst/>
+                <a:latin typeface="+mn-lt"/>
+                <a:ea typeface="+mn-ea"/>
+                <a:cs typeface="+mn-cs"/>
+              </a:rPr>
+              <a:t>Labeling</a:t>
+            </a:r>
+            <a:endParaRPr lang="de-DE" sz="1200" b="0" i="0" kern="1200" noProof="0" dirty="0">
+              <a:solidFill>
+                <a:schemeClr val="tx1"/>
+              </a:solidFill>
+              <a:effectLst/>
+              <a:latin typeface="+mn-lt"/>
+              <a:ea typeface="+mn-ea"/>
+              <a:cs typeface="+mn-cs"/>
+            </a:endParaRPr>
           </a:p>
           <a:p>
             <a:pPr marL="171450" indent="-171450">
               <a:buFont typeface="Arial" panose="020B0604020202020204" pitchFamily="34" charset="0"/>
               <a:buChar char="•"/>
             </a:pPr>
-            <a:r>
-              <a:rPr lang="de-DE" b="1" dirty="0"/>
-              <a:t>GMM</a:t>
-            </a:r>
-            <a:r>
-              <a:rPr lang="de-DE" b="0" dirty="0"/>
-              <a:t> nur bei zwei Epocheneinteilungen besser, ansonsten ähnlich gut oder schlechter als K-</a:t>
-            </a:r>
-            <a:r>
-              <a:rPr lang="de-DE" b="0" dirty="0" err="1"/>
-              <a:t>Means</a:t>
-            </a:r>
-            <a:r>
-              <a:rPr lang="de-DE" b="0" dirty="0"/>
-              <a:t>.</a:t>
-            </a:r>
+            <a:endParaRPr lang="de-DE" sz="1200" b="0" i="0" kern="1200" noProof="0" dirty="0">
+              <a:solidFill>
+                <a:schemeClr val="tx1"/>
+              </a:solidFill>
+              <a:effectLst/>
+              <a:latin typeface="+mn-lt"/>
+              <a:ea typeface="+mn-ea"/>
+              <a:cs typeface="+mn-cs"/>
+            </a:endParaRPr>
+          </a:p>
+          <a:p>
+            <a:pPr marL="0" indent="0">
+              <a:buFont typeface="Arial" panose="020B0604020202020204" pitchFamily="34" charset="0"/>
+              <a:buNone/>
+            </a:pPr>
+            <a:r>
+              <a:rPr lang="de-DE" sz="1200" b="1" i="0" kern="1200" noProof="0" dirty="0">
+                <a:solidFill>
+                  <a:schemeClr val="tx1"/>
+                </a:solidFill>
+                <a:effectLst/>
+                <a:latin typeface="+mn-lt"/>
+                <a:ea typeface="+mn-ea"/>
+                <a:cs typeface="+mn-cs"/>
+              </a:rPr>
+              <a:t>V-</a:t>
+            </a:r>
+            <a:r>
+              <a:rPr lang="de-DE" sz="1200" b="1" i="0" kern="1200" noProof="0" dirty="0" err="1">
+                <a:solidFill>
+                  <a:schemeClr val="tx1"/>
+                </a:solidFill>
+                <a:effectLst/>
+                <a:latin typeface="+mn-lt"/>
+                <a:ea typeface="+mn-ea"/>
+                <a:cs typeface="+mn-cs"/>
+              </a:rPr>
+              <a:t>Measure</a:t>
+            </a:r>
+            <a:r>
+              <a:rPr lang="de-DE" sz="1200" b="1" i="0" kern="1200" noProof="0" dirty="0">
+                <a:solidFill>
+                  <a:schemeClr val="tx1"/>
+                </a:solidFill>
+                <a:effectLst/>
+                <a:latin typeface="+mn-lt"/>
+                <a:ea typeface="+mn-ea"/>
+                <a:cs typeface="+mn-cs"/>
+              </a:rPr>
+              <a:t>: </a:t>
+            </a:r>
+            <a:r>
+              <a:rPr lang="de-DE" sz="1200" b="0" i="0" kern="1200" noProof="0" dirty="0">
+                <a:solidFill>
+                  <a:schemeClr val="tx1"/>
+                </a:solidFill>
+                <a:effectLst/>
+                <a:latin typeface="+mn-lt"/>
+                <a:ea typeface="+mn-ea"/>
+                <a:cs typeface="+mn-cs"/>
+              </a:rPr>
+              <a:t>Harmonisches Mittel zwischen </a:t>
+            </a:r>
+            <a:r>
+              <a:rPr lang="en-GB" i="1" dirty="0">
+                <a:effectLst/>
+              </a:rPr>
+              <a:t>homogeneity</a:t>
+            </a:r>
+            <a:r>
+              <a:rPr lang="en-GB" dirty="0"/>
+              <a:t> (</a:t>
+            </a:r>
+            <a:r>
+              <a:rPr lang="en-GB" dirty="0" err="1"/>
+              <a:t>wie</a:t>
+            </a:r>
+            <a:r>
+              <a:rPr lang="en-GB" dirty="0"/>
+              <a:t> </a:t>
+            </a:r>
+            <a:r>
+              <a:rPr lang="en-GB" dirty="0" err="1"/>
+              <a:t>homogen</a:t>
+            </a:r>
+            <a:r>
+              <a:rPr lang="en-GB" dirty="0"/>
+              <a:t> </a:t>
+            </a:r>
+            <a:r>
+              <a:rPr lang="en-GB" dirty="0" err="1"/>
+              <a:t>sind</a:t>
+            </a:r>
+            <a:r>
+              <a:rPr lang="en-GB" dirty="0"/>
+              <a:t> Cluster) &amp; </a:t>
+            </a:r>
+            <a:r>
+              <a:rPr lang="en-GB" i="1" dirty="0">
+                <a:effectLst/>
+              </a:rPr>
+              <a:t>completeness</a:t>
+            </a:r>
+            <a:r>
+              <a:rPr lang="en-GB" dirty="0"/>
+              <a:t> (</a:t>
+            </a:r>
+            <a:r>
+              <a:rPr lang="en-GB" dirty="0" err="1"/>
+              <a:t>wie</a:t>
+            </a:r>
+            <a:r>
+              <a:rPr lang="en-GB" dirty="0"/>
+              <a:t> </a:t>
+            </a:r>
+            <a:r>
+              <a:rPr lang="en-GB" dirty="0" err="1"/>
+              <a:t>vollständig</a:t>
+            </a:r>
+            <a:r>
+              <a:rPr lang="en-GB" dirty="0"/>
+              <a:t> </a:t>
+            </a:r>
+            <a:r>
+              <a:rPr lang="en-GB" dirty="0" err="1"/>
+              <a:t>sind</a:t>
+            </a:r>
+            <a:r>
+              <a:rPr lang="en-GB" dirty="0"/>
+              <a:t> Cluster)</a:t>
+            </a:r>
+            <a:endParaRPr lang="de-DE" sz="1200" b="0" i="0" kern="1200" noProof="0" dirty="0">
+              <a:solidFill>
+                <a:schemeClr val="tx1"/>
+              </a:solidFill>
+              <a:effectLst/>
+              <a:latin typeface="+mn-lt"/>
+              <a:ea typeface="+mn-ea"/>
+              <a:cs typeface="+mn-cs"/>
+            </a:endParaRPr>
           </a:p>
         </p:txBody>
       </p:sp>
@@ -3383,7 +3388,7 @@
           <a:p>
             <a:fld id="{49FFD0F6-1B54-1D42-B676-41E105B9815E}" type="slidenum">
               <a:rPr lang="de-DE" smtClean="0"/>
-              <a:t>23</a:t>
+              <a:t>28</a:t>
             </a:fld>
             <a:endParaRPr lang="de-DE"/>
           </a:p>
@@ -3392,7 +3397,7 @@
     </p:spTree>
     <p:extLst>
       <p:ext uri="{BB962C8B-B14F-4D97-AF65-F5344CB8AC3E}">
-        <p14:creationId xmlns:p14="http://schemas.microsoft.com/office/powerpoint/2010/main" val="4215004953"/>
+        <p14:creationId xmlns:p14="http://schemas.microsoft.com/office/powerpoint/2010/main" val="1857125067"/>
       </p:ext>
     </p:extLst>
   </p:cSld>
@@ -10946,7 +10951,7 @@
           <p:cNvPr id="2" name="Title 1">
             <a:extLst>
               <a:ext uri="{FF2B5EF4-FFF2-40B4-BE49-F238E27FC236}">
-                <a16:creationId xmlns:a16="http://schemas.microsoft.com/office/drawing/2014/main" id="{DCBE102F-D2BB-3946-AEF1-AE93DF5165E5}"/>
+                <a16:creationId xmlns:a16="http://schemas.microsoft.com/office/drawing/2014/main" id="{0959BEBF-BB7C-FF49-93DA-FD44946F112E}"/>
               </a:ext>
             </a:extLst>
           </p:cNvPr>
@@ -10959,23 +10964,198 @@
         </p:nvSpPr>
         <p:spPr/>
         <p:txBody>
-          <a:bodyPr>
-            <a:normAutofit/>
-          </a:bodyPr>
-          <a:lstStyle/>
-          <a:p>
-            <a:r>
-              <a:rPr lang="de-DE" sz="4000" b="1" dirty="0"/>
-              <a:t>4.1.  Clustering des gesamten Korpus</a:t>
-            </a:r>
-            <a:endParaRPr lang="de-DE" sz="4400" b="1" dirty="0"/>
+          <a:bodyPr/>
+          <a:lstStyle/>
+          <a:p>
+            <a:r>
+              <a:rPr lang="de-DE" b="1" dirty="0"/>
+              <a:t>Evaluationsmaße</a:t>
+            </a:r>
+          </a:p>
+        </p:txBody>
+      </p:sp>
+      <p:sp>
+        <p:nvSpPr>
+          <p:cNvPr id="3" name="Content Placeholder 2">
+            <a:extLst>
+              <a:ext uri="{FF2B5EF4-FFF2-40B4-BE49-F238E27FC236}">
+                <a16:creationId xmlns:a16="http://schemas.microsoft.com/office/drawing/2014/main" id="{5010B43E-21CA-8A4B-AEAB-6F1A4E8612FE}"/>
+              </a:ext>
+            </a:extLst>
+          </p:cNvPr>
+          <p:cNvSpPr>
+            <a:spLocks noGrp="1"/>
+          </p:cNvSpPr>
+          <p:nvPr>
+            <p:ph idx="1"/>
+          </p:nvPr>
+        </p:nvSpPr>
+        <p:spPr/>
+        <p:txBody>
+          <a:bodyPr/>
+          <a:lstStyle/>
+          <a:p>
+            <a:pPr>
+              <a:lnSpc>
+                <a:spcPct val="150000"/>
+              </a:lnSpc>
+            </a:pPr>
+            <a:r>
+              <a:rPr lang="de-DE" b="1" dirty="0" err="1"/>
+              <a:t>Adjusted</a:t>
+            </a:r>
+            <a:r>
+              <a:rPr lang="de-DE" b="1" dirty="0"/>
+              <a:t> Rand Index </a:t>
+            </a:r>
+            <a:r>
+              <a:rPr lang="de-DE" dirty="0"/>
+              <a:t>(kurz: </a:t>
+            </a:r>
+            <a:r>
+              <a:rPr lang="de-DE" b="1" dirty="0" err="1"/>
+              <a:t>ari</a:t>
+            </a:r>
+            <a:r>
+              <a:rPr lang="de-DE" dirty="0"/>
+              <a:t>)</a:t>
+            </a:r>
+          </a:p>
+          <a:p>
+            <a:pPr>
+              <a:lnSpc>
+                <a:spcPct val="150000"/>
+              </a:lnSpc>
+            </a:pPr>
+            <a:r>
+              <a:rPr lang="de-DE" b="1" dirty="0"/>
+              <a:t>V-</a:t>
+            </a:r>
+            <a:r>
+              <a:rPr lang="de-DE" b="1" dirty="0" err="1"/>
+              <a:t>measure</a:t>
+            </a:r>
+            <a:r>
+              <a:rPr lang="de-DE" dirty="0"/>
+              <a:t> (kurz: </a:t>
+            </a:r>
+            <a:r>
+              <a:rPr lang="de-DE" b="1" dirty="0" err="1"/>
+              <a:t>vm</a:t>
+            </a:r>
+            <a:r>
+              <a:rPr lang="de-DE" dirty="0"/>
+              <a:t>)</a:t>
+            </a:r>
+          </a:p>
+          <a:p>
+            <a:pPr lvl="1">
+              <a:lnSpc>
+                <a:spcPct val="150000"/>
+              </a:lnSpc>
+            </a:pPr>
+            <a:r>
+              <a:rPr lang="de-DE" dirty="0"/>
+              <a:t>Harmonisches Mittel zwischen </a:t>
+            </a:r>
+            <a:r>
+              <a:rPr lang="en-GB" i="1" dirty="0"/>
+              <a:t>homogeneity</a:t>
+            </a:r>
+            <a:r>
+              <a:rPr lang="en-GB" dirty="0"/>
+              <a:t> &amp; </a:t>
+            </a:r>
+            <a:r>
+              <a:rPr lang="en-GB" i="1" dirty="0"/>
+              <a:t>completeness</a:t>
+            </a:r>
+            <a:endParaRPr lang="en-GB" dirty="0"/>
+          </a:p>
+          <a:p>
+            <a:pPr lvl="1">
+              <a:lnSpc>
+                <a:spcPct val="150000"/>
+              </a:lnSpc>
+            </a:pPr>
+            <a:r>
+              <a:rPr lang="en-GB" i="1" dirty="0"/>
+              <a:t>homogeneity</a:t>
+            </a:r>
+            <a:r>
+              <a:rPr lang="en-GB" dirty="0"/>
+              <a:t> (</a:t>
+            </a:r>
+            <a:r>
+              <a:rPr lang="en-GB" dirty="0" err="1"/>
+              <a:t>wie</a:t>
+            </a:r>
+            <a:r>
+              <a:rPr lang="en-GB" dirty="0"/>
+              <a:t> </a:t>
+            </a:r>
+            <a:r>
+              <a:rPr lang="en-GB" dirty="0" err="1"/>
+              <a:t>homogen</a:t>
+            </a:r>
+            <a:r>
+              <a:rPr lang="en-GB" dirty="0"/>
+              <a:t> </a:t>
+            </a:r>
+            <a:r>
+              <a:rPr lang="en-GB" dirty="0" err="1"/>
+              <a:t>sind</a:t>
+            </a:r>
+            <a:r>
+              <a:rPr lang="en-GB" dirty="0"/>
+              <a:t> Cluster)</a:t>
+            </a:r>
+          </a:p>
+          <a:p>
+            <a:pPr lvl="1">
+              <a:lnSpc>
+                <a:spcPct val="150000"/>
+              </a:lnSpc>
+            </a:pPr>
+            <a:r>
+              <a:rPr lang="en-GB" i="1" dirty="0"/>
+              <a:t>completeness</a:t>
+            </a:r>
+            <a:r>
+              <a:rPr lang="en-GB" dirty="0"/>
+              <a:t> (</a:t>
+            </a:r>
+            <a:r>
+              <a:rPr lang="en-GB" dirty="0" err="1"/>
+              <a:t>wie</a:t>
+            </a:r>
+            <a:r>
+              <a:rPr lang="en-GB" dirty="0"/>
+              <a:t> </a:t>
+            </a:r>
+            <a:r>
+              <a:rPr lang="en-GB" dirty="0" err="1"/>
+              <a:t>vollständig</a:t>
+            </a:r>
+            <a:r>
+              <a:rPr lang="en-GB" dirty="0"/>
+              <a:t> </a:t>
+            </a:r>
+            <a:r>
+              <a:rPr lang="en-GB" dirty="0" err="1"/>
+              <a:t>sind</a:t>
+            </a:r>
+            <a:r>
+              <a:rPr lang="en-GB" dirty="0"/>
+              <a:t> Cluster)</a:t>
+            </a:r>
           </a:p>
         </p:txBody>
       </p:sp>
     </p:spTree>
     <p:extLst>
       <p:ext uri="{BB962C8B-B14F-4D97-AF65-F5344CB8AC3E}">
-        <p14:creationId xmlns:p14="http://schemas.microsoft.com/office/powerpoint/2010/main" val="2535198303"/>
+        <p14:creationId xmlns:p14="http://schemas.microsoft.com/office/powerpoint/2010/main" val="228732159"/>
       </p:ext>
     </p:extLst>
   </p:cSld>
@@ -11007,7 +11187,7 @@
           <p:cNvPr id="2" name="Title 1">
             <a:extLst>
               <a:ext uri="{FF2B5EF4-FFF2-40B4-BE49-F238E27FC236}">
-                <a16:creationId xmlns:a16="http://schemas.microsoft.com/office/drawing/2014/main" id="{0959BEBF-BB7C-FF49-93DA-FD44946F112E}"/>
+                <a16:creationId xmlns:a16="http://schemas.microsoft.com/office/drawing/2014/main" id="{DCBE102F-D2BB-3946-AEF1-AE93DF5165E5}"/>
               </a:ext>
             </a:extLst>
           </p:cNvPr>
@@ -11020,198 +11200,23 @@
         </p:nvSpPr>
         <p:spPr/>
         <p:txBody>
-          <a:bodyPr/>
-          <a:lstStyle/>
-          <a:p>
-            <a:r>
-              <a:rPr lang="de-DE" b="1" dirty="0"/>
-              <a:t>Evaluationsmaße</a:t>
-            </a:r>
-          </a:p>
-        </p:txBody>
-      </p:sp>
-      <p:sp>
-        <p:nvSpPr>
-          <p:cNvPr id="3" name="Content Placeholder 2">
-            <a:extLst>
-              <a:ext uri="{FF2B5EF4-FFF2-40B4-BE49-F238E27FC236}">
-                <a16:creationId xmlns:a16="http://schemas.microsoft.com/office/drawing/2014/main" id="{5010B43E-21CA-8A4B-AEAB-6F1A4E8612FE}"/>
-              </a:ext>
-            </a:extLst>
-          </p:cNvPr>
-          <p:cNvSpPr>
-            <a:spLocks noGrp="1"/>
-          </p:cNvSpPr>
-          <p:nvPr>
-            <p:ph idx="1"/>
-          </p:nvPr>
-        </p:nvSpPr>
-        <p:spPr/>
-        <p:txBody>
-          <a:bodyPr/>
-          <a:lstStyle/>
-          <a:p>
-            <a:pPr>
-              <a:lnSpc>
-                <a:spcPct val="150000"/>
-              </a:lnSpc>
-            </a:pPr>
-            <a:r>
-              <a:rPr lang="de-DE" b="1" dirty="0" err="1"/>
-              <a:t>Adjusted</a:t>
-            </a:r>
-            <a:r>
-              <a:rPr lang="de-DE" b="1" dirty="0"/>
-              <a:t> Rand Index </a:t>
-            </a:r>
-            <a:r>
-              <a:rPr lang="de-DE" dirty="0"/>
-              <a:t>(kurz: </a:t>
-            </a:r>
-            <a:r>
-              <a:rPr lang="de-DE" b="1" dirty="0" err="1"/>
-              <a:t>ari</a:t>
-            </a:r>
-            <a:r>
-              <a:rPr lang="de-DE" dirty="0"/>
-              <a:t>)</a:t>
-            </a:r>
-          </a:p>
-          <a:p>
-            <a:pPr>
-              <a:lnSpc>
-                <a:spcPct val="150000"/>
-              </a:lnSpc>
-            </a:pPr>
-            <a:r>
-              <a:rPr lang="de-DE" b="1" dirty="0"/>
-              <a:t>V-</a:t>
-            </a:r>
-            <a:r>
-              <a:rPr lang="de-DE" b="1" dirty="0" err="1"/>
-              <a:t>measure</a:t>
-            </a:r>
-            <a:r>
-              <a:rPr lang="de-DE" dirty="0"/>
-              <a:t> (kurz: </a:t>
-            </a:r>
-            <a:r>
-              <a:rPr lang="de-DE" b="1" dirty="0" err="1"/>
-              <a:t>vm</a:t>
-            </a:r>
-            <a:r>
-              <a:rPr lang="de-DE" dirty="0"/>
-              <a:t>)</a:t>
-            </a:r>
-          </a:p>
-          <a:p>
-            <a:pPr lvl="1">
-              <a:lnSpc>
-                <a:spcPct val="150000"/>
-              </a:lnSpc>
-            </a:pPr>
-            <a:r>
-              <a:rPr lang="de-DE" dirty="0"/>
-              <a:t>Harmonisches Mittel zwischen </a:t>
-            </a:r>
-            <a:r>
-              <a:rPr lang="en-GB" i="1" dirty="0"/>
-              <a:t>homogeneity</a:t>
-            </a:r>
-            <a:r>
-              <a:rPr lang="en-GB" dirty="0"/>
-              <a:t> &amp; </a:t>
-            </a:r>
-            <a:r>
-              <a:rPr lang="en-GB" i="1" dirty="0"/>
-              <a:t>completeness</a:t>
-            </a:r>
-            <a:endParaRPr lang="en-GB" dirty="0"/>
-          </a:p>
-          <a:p>
-            <a:pPr lvl="1">
-              <a:lnSpc>
-                <a:spcPct val="150000"/>
-              </a:lnSpc>
-            </a:pPr>
-            <a:r>
-              <a:rPr lang="en-GB" i="1" dirty="0"/>
-              <a:t>homogeneity</a:t>
-            </a:r>
-            <a:r>
-              <a:rPr lang="en-GB" dirty="0"/>
-              <a:t> (</a:t>
-            </a:r>
-            <a:r>
-              <a:rPr lang="en-GB" dirty="0" err="1"/>
-              <a:t>wie</a:t>
-            </a:r>
-            <a:r>
-              <a:rPr lang="en-GB" dirty="0"/>
-              <a:t> </a:t>
-            </a:r>
-            <a:r>
-              <a:rPr lang="en-GB" dirty="0" err="1"/>
-              <a:t>homogen</a:t>
-            </a:r>
-            <a:r>
-              <a:rPr lang="en-GB" dirty="0"/>
-              <a:t> </a:t>
-            </a:r>
-            <a:r>
-              <a:rPr lang="en-GB" dirty="0" err="1"/>
-              <a:t>sind</a:t>
-            </a:r>
-            <a:r>
-              <a:rPr lang="en-GB" dirty="0"/>
-              <a:t> Cluster)</a:t>
-            </a:r>
-          </a:p>
-          <a:p>
-            <a:pPr lvl="1">
-              <a:lnSpc>
-                <a:spcPct val="150000"/>
-              </a:lnSpc>
-            </a:pPr>
-            <a:r>
-              <a:rPr lang="en-GB" i="1" dirty="0"/>
-              <a:t>completeness</a:t>
-            </a:r>
-            <a:r>
-              <a:rPr lang="en-GB" dirty="0"/>
-              <a:t> (</a:t>
-            </a:r>
-            <a:r>
-              <a:rPr lang="en-GB" dirty="0" err="1"/>
-              <a:t>wie</a:t>
-            </a:r>
-            <a:r>
-              <a:rPr lang="en-GB" dirty="0"/>
-              <a:t> </a:t>
-            </a:r>
-            <a:r>
-              <a:rPr lang="en-GB" dirty="0" err="1"/>
-              <a:t>vollständig</a:t>
-            </a:r>
-            <a:r>
-              <a:rPr lang="en-GB" dirty="0"/>
-              <a:t> </a:t>
-            </a:r>
-            <a:r>
-              <a:rPr lang="en-GB" dirty="0" err="1"/>
-              <a:t>sind</a:t>
-            </a:r>
-            <a:r>
-              <a:rPr lang="en-GB" dirty="0"/>
-              <a:t> Cluster)</a:t>
-            </a:r>
+          <a:bodyPr>
+            <a:normAutofit/>
+          </a:bodyPr>
+          <a:lstStyle/>
+          <a:p>
+            <a:r>
+              <a:rPr lang="de-DE" sz="4000" b="1" dirty="0"/>
+              <a:t>4.1.  Clustering des gesamten Korpus</a:t>
+            </a:r>
+            <a:endParaRPr lang="de-DE" sz="4400" b="1" dirty="0"/>
           </a:p>
         </p:txBody>
       </p:sp>
     </p:spTree>
     <p:extLst>
       <p:ext uri="{BB962C8B-B14F-4D97-AF65-F5344CB8AC3E}">
-        <p14:creationId xmlns:p14="http://schemas.microsoft.com/office/powerpoint/2010/main" val="228732159"/>
+        <p14:creationId xmlns:p14="http://schemas.microsoft.com/office/powerpoint/2010/main" val="2535198303"/>
       </p:ext>
     </p:extLst>
   </p:cSld>
@@ -12628,6 +12633,534 @@
           <a:p>
             <a:r>
               <a:rPr lang="de-DE" sz="4400" b="1" dirty="0"/>
+              <a:t>4.2.  Noise Entfernung</a:t>
+            </a:r>
+            <a:endParaRPr lang="de-DE" sz="4800" b="1" dirty="0"/>
+          </a:p>
+        </p:txBody>
+      </p:sp>
+    </p:spTree>
+    <p:extLst>
+      <p:ext uri="{BB962C8B-B14F-4D97-AF65-F5344CB8AC3E}">
+        <p14:creationId xmlns:p14="http://schemas.microsoft.com/office/powerpoint/2010/main" val="1767297648"/>
+      </p:ext>
+    </p:extLst>
+  </p:cSld>
+  <p:clrMapOvr>
+    <a:masterClrMapping/>
+  </p:clrMapOvr>
+</p:sld>
+</file>
+
+<file path=ppt/slides/slide22.xml><?xml version="1.0" encoding="utf-8"?>
+<p:sld xmlns:a="http://schemas.openxmlformats.org/drawingml/2006/main" xmlns:r="http://schemas.openxmlformats.org/officeDocument/2006/relationships" xmlns:p="http://schemas.openxmlformats.org/presentationml/2006/main">
+  <p:cSld>
+    <p:spTree>
+      <p:nvGrpSpPr>
+        <p:cNvPr id="1" name=""/>
+        <p:cNvGrpSpPr/>
+        <p:nvPr/>
+      </p:nvGrpSpPr>
+      <p:grpSpPr>
+        <a:xfrm>
+          <a:off x="0" y="0"/>
+          <a:ext cx="0" cy="0"/>
+          <a:chOff x="0" y="0"/>
+          <a:chExt cx="0" cy="0"/>
+        </a:xfrm>
+      </p:grpSpPr>
+      <p:sp>
+        <p:nvSpPr>
+          <p:cNvPr id="7" name="Title 6">
+            <a:extLst>
+              <a:ext uri="{FF2B5EF4-FFF2-40B4-BE49-F238E27FC236}">
+                <a16:creationId xmlns:a16="http://schemas.microsoft.com/office/drawing/2014/main" id="{2DE410B9-650E-C549-B5D6-A2098E5B0905}"/>
+              </a:ext>
+            </a:extLst>
+          </p:cNvPr>
+          <p:cNvSpPr>
+            <a:spLocks noGrp="1"/>
+          </p:cNvSpPr>
+          <p:nvPr>
+            <p:ph type="title"/>
+          </p:nvPr>
+        </p:nvSpPr>
+        <p:spPr/>
+        <p:txBody>
+          <a:bodyPr/>
+          <a:lstStyle/>
+          <a:p>
+            <a:r>
+              <a:rPr lang="de-DE" b="1" dirty="0"/>
+              <a:t>Verfahren</a:t>
+            </a:r>
+          </a:p>
+        </p:txBody>
+      </p:sp>
+      <p:sp>
+        <p:nvSpPr>
+          <p:cNvPr id="8" name="Content Placeholder 7">
+            <a:extLst>
+              <a:ext uri="{FF2B5EF4-FFF2-40B4-BE49-F238E27FC236}">
+                <a16:creationId xmlns:a16="http://schemas.microsoft.com/office/drawing/2014/main" id="{D24A4841-EEE5-5F44-9B6E-360856357608}"/>
+              </a:ext>
+            </a:extLst>
+          </p:cNvPr>
+          <p:cNvSpPr>
+            <a:spLocks noGrp="1"/>
+          </p:cNvSpPr>
+          <p:nvPr>
+            <p:ph idx="1"/>
+          </p:nvPr>
+        </p:nvSpPr>
+        <p:spPr>
+          <a:xfrm>
+            <a:off x="724470" y="2829495"/>
+            <a:ext cx="10991279" cy="3714179"/>
+          </a:xfrm>
+        </p:spPr>
+        <p:txBody>
+          <a:bodyPr>
+            <a:normAutofit/>
+          </a:bodyPr>
+          <a:lstStyle/>
+          <a:p>
+            <a:pPr>
+              <a:lnSpc>
+                <a:spcPct val="150000"/>
+              </a:lnSpc>
+            </a:pPr>
+            <a:r>
+              <a:rPr lang="de-DE" sz="4000" dirty="0"/>
+              <a:t> Topic </a:t>
+            </a:r>
+            <a:r>
+              <a:rPr lang="de-DE" sz="4000" dirty="0" err="1"/>
+              <a:t>Modelling</a:t>
+            </a:r>
+            <a:endParaRPr lang="de-DE" sz="4000" dirty="0"/>
+          </a:p>
+          <a:p>
+            <a:pPr>
+              <a:lnSpc>
+                <a:spcPct val="150000"/>
+              </a:lnSpc>
+            </a:pPr>
+            <a:r>
+              <a:rPr lang="de-DE" sz="4000" dirty="0"/>
+              <a:t> Hierarchisches Clustering </a:t>
+            </a:r>
+          </a:p>
+          <a:p>
+            <a:pPr>
+              <a:lnSpc>
+                <a:spcPct val="150000"/>
+              </a:lnSpc>
+            </a:pPr>
+            <a:r>
+              <a:rPr lang="de-DE" sz="4000" dirty="0"/>
+              <a:t> Lineare SVM</a:t>
+            </a:r>
+          </a:p>
+        </p:txBody>
+      </p:sp>
+    </p:spTree>
+    <p:extLst>
+      <p:ext uri="{BB962C8B-B14F-4D97-AF65-F5344CB8AC3E}">
+        <p14:creationId xmlns:p14="http://schemas.microsoft.com/office/powerpoint/2010/main" val="1512274638"/>
+      </p:ext>
+    </p:extLst>
+  </p:cSld>
+  <p:clrMapOvr>
+    <a:masterClrMapping/>
+  </p:clrMapOvr>
+</p:sld>
+</file>
+
+<file path=ppt/slides/slide23.xml><?xml version="1.0" encoding="utf-8"?>
+<p:sld xmlns:a="http://schemas.openxmlformats.org/drawingml/2006/main" xmlns:r="http://schemas.openxmlformats.org/officeDocument/2006/relationships" xmlns:p="http://schemas.openxmlformats.org/presentationml/2006/main">
+  <p:cSld>
+    <p:spTree>
+      <p:nvGrpSpPr>
+        <p:cNvPr id="1" name=""/>
+        <p:cNvGrpSpPr/>
+        <p:nvPr/>
+      </p:nvGrpSpPr>
+      <p:grpSpPr>
+        <a:xfrm>
+          <a:off x="0" y="0"/>
+          <a:ext cx="0" cy="0"/>
+          <a:chOff x="0" y="0"/>
+          <a:chExt cx="0" cy="0"/>
+        </a:xfrm>
+      </p:grpSpPr>
+      <p:sp>
+        <p:nvSpPr>
+          <p:cNvPr id="3" name="Title 2">
+            <a:extLst>
+              <a:ext uri="{FF2B5EF4-FFF2-40B4-BE49-F238E27FC236}">
+                <a16:creationId xmlns:a16="http://schemas.microsoft.com/office/drawing/2014/main" id="{9D7C1810-BD15-AD4E-89AE-B1209C291782}"/>
+              </a:ext>
+            </a:extLst>
+          </p:cNvPr>
+          <p:cNvSpPr>
+            <a:spLocks noGrp="1"/>
+          </p:cNvSpPr>
+          <p:nvPr>
+            <p:ph type="title"/>
+          </p:nvPr>
+        </p:nvSpPr>
+        <p:spPr/>
+        <p:txBody>
+          <a:bodyPr/>
+          <a:lstStyle/>
+          <a:p>
+            <a:r>
+              <a:rPr lang="de-DE" b="1" dirty="0"/>
+              <a:t>Topic </a:t>
+            </a:r>
+            <a:r>
+              <a:rPr lang="de-DE" b="1" dirty="0" err="1"/>
+              <a:t>Modelling</a:t>
+            </a:r>
+            <a:endParaRPr lang="de-DE" b="1" dirty="0"/>
+          </a:p>
+        </p:txBody>
+      </p:sp>
+      <p:sp>
+        <p:nvSpPr>
+          <p:cNvPr id="4" name="Content Placeholder 3">
+            <a:extLst>
+              <a:ext uri="{FF2B5EF4-FFF2-40B4-BE49-F238E27FC236}">
+                <a16:creationId xmlns:a16="http://schemas.microsoft.com/office/drawing/2014/main" id="{20CFEC52-AF0E-7F42-A384-3BBF3201106D}"/>
+              </a:ext>
+            </a:extLst>
+          </p:cNvPr>
+          <p:cNvSpPr>
+            <a:spLocks noGrp="1"/>
+          </p:cNvSpPr>
+          <p:nvPr>
+            <p:ph idx="1"/>
+          </p:nvPr>
+        </p:nvSpPr>
+        <p:spPr/>
+        <p:txBody>
+          <a:bodyPr>
+            <a:noAutofit/>
+          </a:bodyPr>
+          <a:lstStyle/>
+          <a:p>
+            <a:r>
+              <a:rPr lang="de-DE" dirty="0"/>
+              <a:t>Topic </a:t>
+            </a:r>
+            <a:r>
+              <a:rPr lang="de-DE" dirty="0" err="1"/>
+              <a:t>Modelling</a:t>
+            </a:r>
+            <a:r>
+              <a:rPr lang="de-DE" dirty="0"/>
+              <a:t> mit </a:t>
+            </a:r>
+            <a:r>
+              <a:rPr lang="de-DE" b="1" dirty="0"/>
+              <a:t>Mallet</a:t>
+            </a:r>
+            <a:endParaRPr lang="de-DE" dirty="0"/>
+          </a:p>
+          <a:p>
+            <a:r>
+              <a:rPr lang="de-DE" dirty="0"/>
+              <a:t>Ziel: Auffälligkeiten durch Analyse der Topics entdecken</a:t>
+            </a:r>
+          </a:p>
+          <a:p>
+            <a:r>
+              <a:rPr lang="de-DE" b="1" dirty="0"/>
+              <a:t>Ergebnis</a:t>
+            </a:r>
+            <a:r>
+              <a:rPr lang="de-DE" dirty="0"/>
+              <a:t>:</a:t>
+            </a:r>
+          </a:p>
+          <a:p>
+            <a:pPr lvl="1"/>
+            <a:r>
+              <a:rPr lang="de-DE" sz="2800" dirty="0"/>
+              <a:t>viele ähnliche Topics</a:t>
+            </a:r>
+          </a:p>
+          <a:p>
+            <a:pPr lvl="1"/>
+            <a:r>
+              <a:rPr lang="de-DE" sz="2800" dirty="0"/>
+              <a:t>Auffällig: Topic mit Worten der </a:t>
+            </a:r>
+            <a:r>
+              <a:rPr lang="de-DE" sz="2800" b="1" dirty="0"/>
+              <a:t>niederdeutschen </a:t>
+            </a:r>
+            <a:r>
+              <a:rPr lang="de-DE" sz="2800" dirty="0"/>
+              <a:t>Sprache</a:t>
+            </a:r>
+            <a:r>
+              <a:rPr lang="de-DE" sz="3200" dirty="0"/>
+              <a:t> </a:t>
+            </a:r>
+            <a:endParaRPr lang="de-DE" sz="3600" dirty="0"/>
+          </a:p>
+        </p:txBody>
+      </p:sp>
+    </p:spTree>
+    <p:extLst>
+      <p:ext uri="{BB962C8B-B14F-4D97-AF65-F5344CB8AC3E}">
+        <p14:creationId xmlns:p14="http://schemas.microsoft.com/office/powerpoint/2010/main" val="3644365346"/>
+      </p:ext>
+    </p:extLst>
+  </p:cSld>
+  <p:clrMapOvr>
+    <a:masterClrMapping/>
+  </p:clrMapOvr>
+</p:sld>
+</file>
+
+<file path=ppt/slides/slide24.xml><?xml version="1.0" encoding="utf-8"?>
+<p:sld xmlns:a="http://schemas.openxmlformats.org/drawingml/2006/main" xmlns:r="http://schemas.openxmlformats.org/officeDocument/2006/relationships" xmlns:p="http://schemas.openxmlformats.org/presentationml/2006/main">
+  <p:cSld>
+    <p:spTree>
+      <p:nvGrpSpPr>
+        <p:cNvPr id="1" name=""/>
+        <p:cNvGrpSpPr/>
+        <p:nvPr/>
+      </p:nvGrpSpPr>
+      <p:grpSpPr>
+        <a:xfrm>
+          <a:off x="0" y="0"/>
+          <a:ext cx="0" cy="0"/>
+          <a:chOff x="0" y="0"/>
+          <a:chExt cx="0" cy="0"/>
+        </a:xfrm>
+      </p:grpSpPr>
+      <p:sp>
+        <p:nvSpPr>
+          <p:cNvPr id="3" name="Title 2">
+            <a:extLst>
+              <a:ext uri="{FF2B5EF4-FFF2-40B4-BE49-F238E27FC236}">
+                <a16:creationId xmlns:a16="http://schemas.microsoft.com/office/drawing/2014/main" id="{9D7C1810-BD15-AD4E-89AE-B1209C291782}"/>
+              </a:ext>
+            </a:extLst>
+          </p:cNvPr>
+          <p:cNvSpPr>
+            <a:spLocks noGrp="1"/>
+          </p:cNvSpPr>
+          <p:nvPr>
+            <p:ph type="title"/>
+          </p:nvPr>
+        </p:nvSpPr>
+        <p:spPr/>
+        <p:txBody>
+          <a:bodyPr/>
+          <a:lstStyle/>
+          <a:p>
+            <a:r>
+              <a:rPr lang="de-DE" b="1" dirty="0"/>
+              <a:t>Hierarchisches Clustering</a:t>
+            </a:r>
+          </a:p>
+        </p:txBody>
+      </p:sp>
+      <p:sp>
+        <p:nvSpPr>
+          <p:cNvPr id="4" name="Content Placeholder 3">
+            <a:extLst>
+              <a:ext uri="{FF2B5EF4-FFF2-40B4-BE49-F238E27FC236}">
+                <a16:creationId xmlns:a16="http://schemas.microsoft.com/office/drawing/2014/main" id="{20CFEC52-AF0E-7F42-A384-3BBF3201106D}"/>
+              </a:ext>
+            </a:extLst>
+          </p:cNvPr>
+          <p:cNvSpPr>
+            <a:spLocks noGrp="1"/>
+          </p:cNvSpPr>
+          <p:nvPr>
+            <p:ph idx="1"/>
+          </p:nvPr>
+        </p:nvSpPr>
+        <p:spPr/>
+        <p:txBody>
+          <a:bodyPr/>
+          <a:lstStyle/>
+          <a:p>
+            <a:endParaRPr lang="de-DE" dirty="0"/>
+          </a:p>
+        </p:txBody>
+      </p:sp>
+    </p:spTree>
+    <p:extLst>
+      <p:ext uri="{BB962C8B-B14F-4D97-AF65-F5344CB8AC3E}">
+        <p14:creationId xmlns:p14="http://schemas.microsoft.com/office/powerpoint/2010/main" val="979472475"/>
+      </p:ext>
+    </p:extLst>
+  </p:cSld>
+  <p:clrMapOvr>
+    <a:masterClrMapping/>
+  </p:clrMapOvr>
+</p:sld>
+</file>
+
+<file path=ppt/slides/slide25.xml><?xml version="1.0" encoding="utf-8"?>
+<p:sld xmlns:a="http://schemas.openxmlformats.org/drawingml/2006/main" xmlns:r="http://schemas.openxmlformats.org/officeDocument/2006/relationships" xmlns:p="http://schemas.openxmlformats.org/presentationml/2006/main">
+  <p:cSld>
+    <p:spTree>
+      <p:nvGrpSpPr>
+        <p:cNvPr id="1" name=""/>
+        <p:cNvGrpSpPr/>
+        <p:nvPr/>
+      </p:nvGrpSpPr>
+      <p:grpSpPr>
+        <a:xfrm>
+          <a:off x="0" y="0"/>
+          <a:ext cx="0" cy="0"/>
+          <a:chOff x="0" y="0"/>
+          <a:chExt cx="0" cy="0"/>
+        </a:xfrm>
+      </p:grpSpPr>
+      <p:sp>
+        <p:nvSpPr>
+          <p:cNvPr id="2" name="Title 1">
+            <a:extLst>
+              <a:ext uri="{FF2B5EF4-FFF2-40B4-BE49-F238E27FC236}">
+                <a16:creationId xmlns:a16="http://schemas.microsoft.com/office/drawing/2014/main" id="{2DF82C54-BEF4-8244-B05E-60226057233F}"/>
+              </a:ext>
+            </a:extLst>
+          </p:cNvPr>
+          <p:cNvSpPr>
+            <a:spLocks noGrp="1"/>
+          </p:cNvSpPr>
+          <p:nvPr>
+            <p:ph type="title"/>
+          </p:nvPr>
+        </p:nvSpPr>
+        <p:spPr/>
+        <p:txBody>
+          <a:bodyPr/>
+          <a:lstStyle/>
+          <a:p>
+            <a:endParaRPr lang="de-DE"/>
+          </a:p>
+        </p:txBody>
+      </p:sp>
+    </p:spTree>
+    <p:extLst>
+      <p:ext uri="{BB962C8B-B14F-4D97-AF65-F5344CB8AC3E}">
+        <p14:creationId xmlns:p14="http://schemas.microsoft.com/office/powerpoint/2010/main" val="866701047"/>
+      </p:ext>
+    </p:extLst>
+  </p:cSld>
+  <p:clrMapOvr>
+    <a:masterClrMapping/>
+  </p:clrMapOvr>
+</p:sld>
+</file>
+
+<file path=ppt/slides/slide26.xml><?xml version="1.0" encoding="utf-8"?>
+<p:sld xmlns:a="http://schemas.openxmlformats.org/drawingml/2006/main" xmlns:r="http://schemas.openxmlformats.org/officeDocument/2006/relationships" xmlns:p="http://schemas.openxmlformats.org/presentationml/2006/main">
+  <p:cSld>
+    <p:spTree>
+      <p:nvGrpSpPr>
+        <p:cNvPr id="1" name=""/>
+        <p:cNvGrpSpPr/>
+        <p:nvPr/>
+      </p:nvGrpSpPr>
+      <p:grpSpPr>
+        <a:xfrm>
+          <a:off x="0" y="0"/>
+          <a:ext cx="0" cy="0"/>
+          <a:chOff x="0" y="0"/>
+          <a:chExt cx="0" cy="0"/>
+        </a:xfrm>
+      </p:grpSpPr>
+      <p:sp>
+        <p:nvSpPr>
+          <p:cNvPr id="2" name="Title 1">
+            <a:extLst>
+              <a:ext uri="{FF2B5EF4-FFF2-40B4-BE49-F238E27FC236}">
+                <a16:creationId xmlns:a16="http://schemas.microsoft.com/office/drawing/2014/main" id="{EEB8AD89-ED53-654E-B945-704451CF3289}"/>
+              </a:ext>
+            </a:extLst>
+          </p:cNvPr>
+          <p:cNvSpPr>
+            <a:spLocks noGrp="1"/>
+          </p:cNvSpPr>
+          <p:nvPr>
+            <p:ph type="title"/>
+          </p:nvPr>
+        </p:nvSpPr>
+        <p:spPr/>
+        <p:txBody>
+          <a:bodyPr/>
+          <a:lstStyle/>
+          <a:p>
+            <a:endParaRPr lang="de-DE"/>
+          </a:p>
+        </p:txBody>
+      </p:sp>
+    </p:spTree>
+    <p:extLst>
+      <p:ext uri="{BB962C8B-B14F-4D97-AF65-F5344CB8AC3E}">
+        <p14:creationId xmlns:p14="http://schemas.microsoft.com/office/powerpoint/2010/main" val="1446648306"/>
+      </p:ext>
+    </p:extLst>
+  </p:cSld>
+  <p:clrMapOvr>
+    <a:masterClrMapping/>
+  </p:clrMapOvr>
+</p:sld>
+</file>
+
+<file path=ppt/slides/slide27.xml><?xml version="1.0" encoding="utf-8"?>
+<p:sld xmlns:a="http://schemas.openxmlformats.org/drawingml/2006/main" xmlns:r="http://schemas.openxmlformats.org/officeDocument/2006/relationships" xmlns:p="http://schemas.openxmlformats.org/presentationml/2006/main">
+  <p:cSld>
+    <p:spTree>
+      <p:nvGrpSpPr>
+        <p:cNvPr id="1" name=""/>
+        <p:cNvGrpSpPr/>
+        <p:nvPr/>
+      </p:nvGrpSpPr>
+      <p:grpSpPr>
+        <a:xfrm>
+          <a:off x="0" y="0"/>
+          <a:ext cx="0" cy="0"/>
+          <a:chOff x="0" y="0"/>
+          <a:chExt cx="0" cy="0"/>
+        </a:xfrm>
+      </p:grpSpPr>
+      <p:sp>
+        <p:nvSpPr>
+          <p:cNvPr id="2" name="Title 1">
+            <a:extLst>
+              <a:ext uri="{FF2B5EF4-FFF2-40B4-BE49-F238E27FC236}">
+                <a16:creationId xmlns:a16="http://schemas.microsoft.com/office/drawing/2014/main" id="{DCBE102F-D2BB-3946-AEF1-AE93DF5165E5}"/>
+              </a:ext>
+            </a:extLst>
+          </p:cNvPr>
+          <p:cNvSpPr>
+            <a:spLocks noGrp="1"/>
+          </p:cNvSpPr>
+          <p:nvPr>
+            <p:ph type="title"/>
+          </p:nvPr>
+        </p:nvSpPr>
+        <p:spPr/>
+        <p:txBody>
+          <a:bodyPr>
+            <a:normAutofit/>
+          </a:bodyPr>
+          <a:lstStyle/>
+          <a:p>
+            <a:r>
+              <a:rPr lang="de-DE" sz="4400" b="1" dirty="0"/>
               <a:t>4.2.  Clustering von jeweils</a:t>
             </a:r>
             <a:br>
@@ -12654,7 +13187,7 @@
 </p:sld>
 </file>
 
-<file path=ppt/slides/slide22.xml><?xml version="1.0" encoding="utf-8"?>
+<file path=ppt/slides/slide28.xml><?xml version="1.0" encoding="utf-8"?>
 <p:sld xmlns:a="http://schemas.openxmlformats.org/drawingml/2006/main" xmlns:r="http://schemas.openxmlformats.org/officeDocument/2006/relationships" xmlns:p="http://schemas.openxmlformats.org/presentationml/2006/main">
   <p:cSld>
     <p:spTree>
@@ -13450,7 +13983,7 @@
 </p:sld>
 </file>
 
-<file path=ppt/slides/slide23.xml><?xml version="1.0" encoding="utf-8"?>
+<file path=ppt/slides/slide29.xml><?xml version="1.0" encoding="utf-8"?>
 <p:sld xmlns:a="http://schemas.openxmlformats.org/drawingml/2006/main" xmlns:r="http://schemas.openxmlformats.org/officeDocument/2006/relationships" xmlns:p="http://schemas.openxmlformats.org/presentationml/2006/main">
   <p:cSld>
     <p:bg>
@@ -15113,7 +15646,7 @@
 </p:sld>
 </file>
 
-<file path=ppt/slides/slide24.xml><?xml version="1.0" encoding="utf-8"?>
+<file path=ppt/slides/slide3.xml><?xml version="1.0" encoding="utf-8"?>
 <p:sld xmlns:a="http://schemas.openxmlformats.org/drawingml/2006/main" xmlns:r="http://schemas.openxmlformats.org/officeDocument/2006/relationships" xmlns:p="http://schemas.openxmlformats.org/presentationml/2006/main">
   <p:cSld>
     <p:spTree>
@@ -15135,6 +15668,278 @@
           <p:cNvPr id="4" name="Title 3">
             <a:extLst>
               <a:ext uri="{FF2B5EF4-FFF2-40B4-BE49-F238E27FC236}">
+                <a16:creationId xmlns:a16="http://schemas.microsoft.com/office/drawing/2014/main" id="{02AE6012-7D63-EA4D-B957-FE20015B7973}"/>
+              </a:ext>
+            </a:extLst>
+          </p:cNvPr>
+          <p:cNvSpPr>
+            <a:spLocks noGrp="1"/>
+          </p:cNvSpPr>
+          <p:nvPr>
+            <p:ph type="title"/>
+          </p:nvPr>
+        </p:nvSpPr>
+        <p:spPr/>
+        <p:txBody>
+          <a:bodyPr/>
+          <a:lstStyle/>
+          <a:p>
+            <a:r>
+              <a:rPr lang="de-DE" b="1" dirty="0"/>
+              <a:t>1.  Epochenbegriff und –	</a:t>
+            </a:r>
+            <a:r>
+              <a:rPr lang="de-DE" b="1" dirty="0" err="1"/>
+              <a:t>einteilung</a:t>
+            </a:r>
+            <a:endParaRPr lang="de-DE" dirty="0"/>
+          </a:p>
+        </p:txBody>
+      </p:sp>
+    </p:spTree>
+    <p:extLst>
+      <p:ext uri="{BB962C8B-B14F-4D97-AF65-F5344CB8AC3E}">
+        <p14:creationId xmlns:p14="http://schemas.microsoft.com/office/powerpoint/2010/main" val="835330337"/>
+      </p:ext>
+    </p:extLst>
+  </p:cSld>
+  <p:clrMapOvr>
+    <a:masterClrMapping/>
+  </p:clrMapOvr>
+</p:sld>
+</file>
+
+<file path=ppt/slides/slide30.xml><?xml version="1.0" encoding="utf-8"?>
+<p:sld xmlns:a="http://schemas.openxmlformats.org/drawingml/2006/main" xmlns:r="http://schemas.openxmlformats.org/officeDocument/2006/relationships" xmlns:p="http://schemas.openxmlformats.org/presentationml/2006/main">
+  <p:cSld>
+    <p:spTree>
+      <p:nvGrpSpPr>
+        <p:cNvPr id="1" name=""/>
+        <p:cNvGrpSpPr/>
+        <p:nvPr/>
+      </p:nvGrpSpPr>
+      <p:grpSpPr>
+        <a:xfrm>
+          <a:off x="0" y="0"/>
+          <a:ext cx="0" cy="0"/>
+          <a:chOff x="0" y="0"/>
+          <a:chExt cx="0" cy="0"/>
+        </a:xfrm>
+      </p:grpSpPr>
+      <p:sp>
+        <p:nvSpPr>
+          <p:cNvPr id="2" name="Title 1">
+            <a:extLst>
+              <a:ext uri="{FF2B5EF4-FFF2-40B4-BE49-F238E27FC236}">
+                <a16:creationId xmlns:a16="http://schemas.microsoft.com/office/drawing/2014/main" id="{662A0218-968E-2A43-9D14-A143EFBB85BA}"/>
+              </a:ext>
+            </a:extLst>
+          </p:cNvPr>
+          <p:cNvSpPr>
+            <a:spLocks noGrp="1"/>
+          </p:cNvSpPr>
+          <p:nvPr>
+            <p:ph type="title"/>
+          </p:nvPr>
+        </p:nvSpPr>
+        <p:spPr/>
+        <p:txBody>
+          <a:bodyPr/>
+          <a:lstStyle/>
+          <a:p>
+            <a:r>
+              <a:rPr lang="de-DE" dirty="0" err="1"/>
+              <a:t>Gmm</a:t>
+            </a:r>
+            <a:r>
+              <a:rPr lang="de-DE" dirty="0"/>
+              <a:t> </a:t>
+            </a:r>
+            <a:r>
+              <a:rPr lang="de-DE" dirty="0" err="1"/>
+              <a:t>todo</a:t>
+            </a:r>
+            <a:endParaRPr lang="de-DE" dirty="0"/>
+          </a:p>
+        </p:txBody>
+      </p:sp>
+      <p:sp>
+        <p:nvSpPr>
+          <p:cNvPr id="3" name="Content Placeholder 2">
+            <a:extLst>
+              <a:ext uri="{FF2B5EF4-FFF2-40B4-BE49-F238E27FC236}">
+                <a16:creationId xmlns:a16="http://schemas.microsoft.com/office/drawing/2014/main" id="{57B477A7-4168-9341-8280-A68C834E345D}"/>
+              </a:ext>
+            </a:extLst>
+          </p:cNvPr>
+          <p:cNvSpPr>
+            <a:spLocks noGrp="1"/>
+          </p:cNvSpPr>
+          <p:nvPr>
+            <p:ph idx="1"/>
+          </p:nvPr>
+        </p:nvSpPr>
+        <p:spPr/>
+        <p:txBody>
+          <a:bodyPr numCol="2"/>
+          <a:lstStyle/>
+          <a:p>
+            <a:r>
+              <a:rPr lang="de-DE" sz="2000" dirty="0"/>
+              <a:t>Barock/</a:t>
+            </a:r>
+            <a:r>
+              <a:rPr lang="de-DE" sz="2000" dirty="0" err="1"/>
+              <a:t>klassik</a:t>
+            </a:r>
+            <a:r>
+              <a:rPr lang="de-DE" sz="2000" dirty="0"/>
+              <a:t>: </a:t>
+            </a:r>
+          </a:p>
+          <a:p>
+            <a:pPr lvl="1"/>
+            <a:r>
+              <a:rPr lang="de-DE" sz="1800" dirty="0"/>
+              <a:t>Ari 0.7115981897240217 </a:t>
+            </a:r>
+          </a:p>
+          <a:p>
+            <a:pPr lvl="1"/>
+            <a:r>
+              <a:rPr lang="de-DE" sz="1800" dirty="0" err="1"/>
+              <a:t>Vm</a:t>
+            </a:r>
+            <a:r>
+              <a:rPr lang="de-DE" sz="1800" dirty="0"/>
+              <a:t> 0.6785204904022237</a:t>
+            </a:r>
+          </a:p>
+          <a:p>
+            <a:r>
+              <a:rPr lang="de-DE" sz="2000" dirty="0"/>
+              <a:t>Barock/</a:t>
+            </a:r>
+            <a:r>
+              <a:rPr lang="de-DE" sz="2000" dirty="0" err="1"/>
+              <a:t>romantik</a:t>
+            </a:r>
+            <a:endParaRPr lang="de-DE" sz="2000" dirty="0"/>
+          </a:p>
+          <a:p>
+            <a:pPr lvl="1"/>
+            <a:r>
+              <a:rPr lang="de-DE" sz="1800" dirty="0"/>
+              <a:t>Ari 0.7156523859382395.</a:t>
+            </a:r>
+          </a:p>
+          <a:p>
+            <a:pPr lvl="1"/>
+            <a:r>
+              <a:rPr lang="de-DE" sz="1800" dirty="0" err="1"/>
+              <a:t>Vm</a:t>
+            </a:r>
+            <a:r>
+              <a:rPr lang="de-DE" sz="1800" dirty="0"/>
+              <a:t> 0.6822373725198808.</a:t>
+            </a:r>
+          </a:p>
+          <a:p>
+            <a:r>
+              <a:rPr lang="de-DE" sz="2000" dirty="0"/>
+              <a:t>Barock/</a:t>
+            </a:r>
+            <a:r>
+              <a:rPr lang="de-DE" sz="2000" dirty="0" err="1"/>
+              <a:t>biedermeier</a:t>
+            </a:r>
+            <a:endParaRPr lang="de-DE" sz="2000" dirty="0"/>
+          </a:p>
+          <a:p>
+            <a:pPr lvl="1"/>
+            <a:r>
+              <a:rPr lang="de-DE" sz="2000" dirty="0"/>
+              <a:t>Ari 0.7115981897240217</a:t>
+            </a:r>
+          </a:p>
+          <a:p>
+            <a:pPr lvl="1"/>
+            <a:r>
+              <a:rPr lang="de-DE" sz="2000" dirty="0" err="1"/>
+              <a:t>Vm</a:t>
+            </a:r>
+            <a:r>
+              <a:rPr lang="de-DE" sz="2000" dirty="0"/>
+              <a:t> 0.6785204904022237</a:t>
+            </a:r>
+          </a:p>
+          <a:p>
+            <a:pPr lvl="1"/>
+            <a:r>
+              <a:rPr lang="de-DE" sz="2000" dirty="0"/>
+              <a:t>Barock/</a:t>
+            </a:r>
+            <a:r>
+              <a:rPr lang="de-DE" sz="2000" dirty="0" err="1"/>
+              <a:t>realismus</a:t>
+            </a:r>
+            <a:endParaRPr lang="de-DE" sz="2000" dirty="0"/>
+          </a:p>
+          <a:p>
+            <a:pPr lvl="2"/>
+            <a:r>
+              <a:rPr lang="de-DE" sz="1600" dirty="0"/>
+              <a:t>Ari 0.6860757771580165</a:t>
+            </a:r>
+          </a:p>
+          <a:p>
+            <a:pPr lvl="2"/>
+            <a:r>
+              <a:rPr lang="de-DE" sz="1600" dirty="0" err="1"/>
+              <a:t>Vm</a:t>
+            </a:r>
+            <a:r>
+              <a:rPr lang="de-DE" sz="1600" dirty="0"/>
+              <a:t> 0.5878184543401218</a:t>
+            </a:r>
+          </a:p>
+        </p:txBody>
+      </p:sp>
+    </p:spTree>
+    <p:extLst>
+      <p:ext uri="{BB962C8B-B14F-4D97-AF65-F5344CB8AC3E}">
+        <p14:creationId xmlns:p14="http://schemas.microsoft.com/office/powerpoint/2010/main" val="3909111987"/>
+      </p:ext>
+    </p:extLst>
+  </p:cSld>
+  <p:clrMapOvr>
+    <a:masterClrMapping/>
+  </p:clrMapOvr>
+</p:sld>
+</file>
+
+<file path=ppt/slides/slide31.xml><?xml version="1.0" encoding="utf-8"?>
+<p:sld xmlns:a="http://schemas.openxmlformats.org/drawingml/2006/main" xmlns:r="http://schemas.openxmlformats.org/officeDocument/2006/relationships" xmlns:p="http://schemas.openxmlformats.org/presentationml/2006/main">
+  <p:cSld>
+    <p:spTree>
+      <p:nvGrpSpPr>
+        <p:cNvPr id="1" name=""/>
+        <p:cNvGrpSpPr/>
+        <p:nvPr/>
+      </p:nvGrpSpPr>
+      <p:grpSpPr>
+        <a:xfrm>
+          <a:off x="0" y="0"/>
+          <a:ext cx="0" cy="0"/>
+          <a:chOff x="0" y="0"/>
+          <a:chExt cx="0" cy="0"/>
+        </a:xfrm>
+      </p:grpSpPr>
+      <p:sp>
+        <p:nvSpPr>
+          <p:cNvPr id="4" name="Title 3">
+            <a:extLst>
+              <a:ext uri="{FF2B5EF4-FFF2-40B4-BE49-F238E27FC236}">
                 <a16:creationId xmlns:a16="http://schemas.microsoft.com/office/drawing/2014/main" id="{A68D6179-3DE5-CB4E-88FC-E036ED9317D3}"/>
               </a:ext>
             </a:extLst>
@@ -15173,7 +15978,7 @@
 </p:sld>
 </file>
 
-<file path=ppt/slides/slide25.xml><?xml version="1.0" encoding="utf-8"?>
+<file path=ppt/slides/slide32.xml><?xml version="1.0" encoding="utf-8"?>
 <p:sld xmlns:a="http://schemas.openxmlformats.org/drawingml/2006/main" xmlns:r="http://schemas.openxmlformats.org/officeDocument/2006/relationships" xmlns:p="http://schemas.openxmlformats.org/presentationml/2006/main">
   <p:cSld>
     <p:spTree>
@@ -15758,7 +16563,7 @@
 </p:sld>
 </file>
 
-<file path=ppt/slides/slide26.xml><?xml version="1.0" encoding="utf-8"?>
+<file path=ppt/slides/slide33.xml><?xml version="1.0" encoding="utf-8"?>
 <p:sld xmlns:a="http://schemas.openxmlformats.org/drawingml/2006/main" xmlns:r="http://schemas.openxmlformats.org/officeDocument/2006/relationships" xmlns:p="http://schemas.openxmlformats.org/presentationml/2006/main">
   <p:cSld>
     <p:bg>
@@ -16237,7 +17042,7 @@
 </p:sld>
 </file>
 
-<file path=ppt/slides/slide27.xml><?xml version="1.0" encoding="utf-8"?>
+<file path=ppt/slides/slide34.xml><?xml version="1.0" encoding="utf-8"?>
 <p:sld xmlns:a="http://schemas.openxmlformats.org/drawingml/2006/main" xmlns:r="http://schemas.openxmlformats.org/officeDocument/2006/relationships" xmlns:p="http://schemas.openxmlformats.org/presentationml/2006/main">
   <p:cSld>
     <p:spTree>
@@ -16302,7 +17107,7 @@
 </p:sld>
 </file>
 
-<file path=ppt/slides/slide28.xml><?xml version="1.0" encoding="utf-8"?>
+<file path=ppt/slides/slide35.xml><?xml version="1.0" encoding="utf-8"?>
 <p:sld xmlns:a="http://schemas.openxmlformats.org/drawingml/2006/main" xmlns:r="http://schemas.openxmlformats.org/officeDocument/2006/relationships" xmlns:p="http://schemas.openxmlformats.org/presentationml/2006/main">
   <p:cSld>
     <p:spTree>
@@ -16866,684 +17671,6 @@
 </p:sld>
 </file>
 
-<file path=ppt/slides/slide29.xml><?xml version="1.0" encoding="utf-8"?>
-<p:sld xmlns:a="http://schemas.openxmlformats.org/drawingml/2006/main" xmlns:r="http://schemas.openxmlformats.org/officeDocument/2006/relationships" xmlns:p="http://schemas.openxmlformats.org/presentationml/2006/main">
-  <p:cSld>
-    <p:spTree>
-      <p:nvGrpSpPr>
-        <p:cNvPr id="1" name=""/>
-        <p:cNvGrpSpPr/>
-        <p:nvPr/>
-      </p:nvGrpSpPr>
-      <p:grpSpPr>
-        <a:xfrm>
-          <a:off x="0" y="0"/>
-          <a:ext cx="0" cy="0"/>
-          <a:chOff x="0" y="0"/>
-          <a:chExt cx="0" cy="0"/>
-        </a:xfrm>
-      </p:grpSpPr>
-      <p:sp>
-        <p:nvSpPr>
-          <p:cNvPr id="2" name="Title 1">
-            <a:extLst>
-              <a:ext uri="{FF2B5EF4-FFF2-40B4-BE49-F238E27FC236}">
-                <a16:creationId xmlns:a16="http://schemas.microsoft.com/office/drawing/2014/main" id="{6F7ED122-6758-3845-84AD-55A4F3FD499B}"/>
-              </a:ext>
-            </a:extLst>
-          </p:cNvPr>
-          <p:cNvSpPr>
-            <a:spLocks noGrp="1"/>
-          </p:cNvSpPr>
-          <p:nvPr>
-            <p:ph type="title"/>
-          </p:nvPr>
-        </p:nvSpPr>
-        <p:spPr/>
-        <p:txBody>
-          <a:bodyPr/>
-          <a:lstStyle/>
-          <a:p>
-            <a:r>
-              <a:rPr lang="de-DE" b="1" dirty="0"/>
-              <a:t>TODOs</a:t>
-            </a:r>
-          </a:p>
-        </p:txBody>
-      </p:sp>
-      <p:sp>
-        <p:nvSpPr>
-          <p:cNvPr id="3" name="Content Placeholder 2">
-            <a:extLst>
-              <a:ext uri="{FF2B5EF4-FFF2-40B4-BE49-F238E27FC236}">
-                <a16:creationId xmlns:a16="http://schemas.microsoft.com/office/drawing/2014/main" id="{E58475FE-AEB0-BC42-A8C7-BD9B9C5AB94C}"/>
-              </a:ext>
-            </a:extLst>
-          </p:cNvPr>
-          <p:cNvSpPr>
-            <a:spLocks noGrp="1"/>
-          </p:cNvSpPr>
-          <p:nvPr>
-            <p:ph idx="1"/>
-          </p:nvPr>
-        </p:nvSpPr>
-        <p:spPr>
-          <a:xfrm>
-            <a:off x="542925" y="2478024"/>
-            <a:ext cx="11158538" cy="4119724"/>
-          </a:xfrm>
-        </p:spPr>
-        <p:txBody>
-          <a:bodyPr>
-            <a:normAutofit lnSpcReduction="10000"/>
-          </a:bodyPr>
-          <a:lstStyle/>
-          <a:p>
-            <a:r>
-              <a:rPr lang="de-DE" b="1" dirty="0"/>
-              <a:t> </a:t>
-            </a:r>
-            <a:r>
-              <a:rPr lang="de-DE" sz="3200" dirty="0">
-                <a:sym typeface="Wingdings" pitchFamily="2" charset="2"/>
-              </a:rPr>
-              <a:t>Epocheneinteilung erweitern  händisch </a:t>
-            </a:r>
-          </a:p>
-          <a:p>
-            <a:r>
-              <a:rPr lang="de-DE" sz="3200" b="1" dirty="0">
-                <a:sym typeface="Wingdings" pitchFamily="2" charset="2"/>
-              </a:rPr>
-              <a:t> </a:t>
-            </a:r>
-            <a:r>
-              <a:rPr lang="de-DE" sz="3200" b="1" dirty="0"/>
-              <a:t>Noise </a:t>
-            </a:r>
-            <a:r>
-              <a:rPr lang="de-DE" sz="3200" b="1" dirty="0" err="1"/>
-              <a:t>Removal</a:t>
-            </a:r>
-            <a:r>
-              <a:rPr lang="de-DE" sz="3200" b="1" dirty="0"/>
-              <a:t> </a:t>
-            </a:r>
-            <a:r>
-              <a:rPr lang="de-DE" sz="3200" dirty="0"/>
-              <a:t>mit :</a:t>
-            </a:r>
-          </a:p>
-          <a:p>
-            <a:pPr lvl="1"/>
-            <a:r>
-              <a:rPr lang="de-DE" sz="2800" dirty="0"/>
-              <a:t>Hierarchisches Clustering</a:t>
-            </a:r>
-          </a:p>
-          <a:p>
-            <a:pPr lvl="1"/>
-            <a:r>
-              <a:rPr lang="de-DE" sz="2800" dirty="0"/>
-              <a:t>Topic </a:t>
-            </a:r>
-            <a:r>
-              <a:rPr lang="de-DE" sz="2800" dirty="0" err="1"/>
-              <a:t>Modelling</a:t>
-            </a:r>
-            <a:r>
-              <a:rPr lang="de-DE" sz="2800" dirty="0"/>
-              <a:t> (</a:t>
-            </a:r>
-            <a:r>
-              <a:rPr lang="de-DE" sz="2800" dirty="0">
-                <a:sym typeface="Wingdings" pitchFamily="2" charset="2"/>
-              </a:rPr>
-              <a:t> Dialekt)</a:t>
-            </a:r>
-          </a:p>
-          <a:p>
-            <a:pPr lvl="1"/>
-            <a:r>
-              <a:rPr lang="de-DE" sz="2800" dirty="0"/>
-              <a:t>LSVM</a:t>
-            </a:r>
-          </a:p>
-          <a:p>
-            <a:r>
-              <a:rPr lang="de-DE" sz="3200" dirty="0"/>
-              <a:t> Nochmal POS-</a:t>
-            </a:r>
-            <a:r>
-              <a:rPr lang="de-DE" sz="3200" dirty="0" err="1"/>
-              <a:t>Tagging</a:t>
-            </a:r>
-            <a:endParaRPr lang="de-DE" sz="3200" dirty="0"/>
-          </a:p>
-          <a:p>
-            <a:r>
-              <a:rPr lang="de-DE" sz="3200" dirty="0"/>
-              <a:t> Analyse der Epochenzuweisungen</a:t>
-            </a:r>
-          </a:p>
-        </p:txBody>
-      </p:sp>
-    </p:spTree>
-    <p:extLst>
-      <p:ext uri="{BB962C8B-B14F-4D97-AF65-F5344CB8AC3E}">
-        <p14:creationId xmlns:p14="http://schemas.microsoft.com/office/powerpoint/2010/main" val="3293990588"/>
-      </p:ext>
-    </p:extLst>
-  </p:cSld>
-  <p:clrMapOvr>
-    <a:masterClrMapping/>
-  </p:clrMapOvr>
-</p:sld>
-</file>
-
-<file path=ppt/slides/slide3.xml><?xml version="1.0" encoding="utf-8"?>
-<p:sld xmlns:a="http://schemas.openxmlformats.org/drawingml/2006/main" xmlns:r="http://schemas.openxmlformats.org/officeDocument/2006/relationships" xmlns:p="http://schemas.openxmlformats.org/presentationml/2006/main">
-  <p:cSld>
-    <p:spTree>
-      <p:nvGrpSpPr>
-        <p:cNvPr id="1" name=""/>
-        <p:cNvGrpSpPr/>
-        <p:nvPr/>
-      </p:nvGrpSpPr>
-      <p:grpSpPr>
-        <a:xfrm>
-          <a:off x="0" y="0"/>
-          <a:ext cx="0" cy="0"/>
-          <a:chOff x="0" y="0"/>
-          <a:chExt cx="0" cy="0"/>
-        </a:xfrm>
-      </p:grpSpPr>
-      <p:sp>
-        <p:nvSpPr>
-          <p:cNvPr id="4" name="Title 3">
-            <a:extLst>
-              <a:ext uri="{FF2B5EF4-FFF2-40B4-BE49-F238E27FC236}">
-                <a16:creationId xmlns:a16="http://schemas.microsoft.com/office/drawing/2014/main" id="{02AE6012-7D63-EA4D-B957-FE20015B7973}"/>
-              </a:ext>
-            </a:extLst>
-          </p:cNvPr>
-          <p:cNvSpPr>
-            <a:spLocks noGrp="1"/>
-          </p:cNvSpPr>
-          <p:nvPr>
-            <p:ph type="title"/>
-          </p:nvPr>
-        </p:nvSpPr>
-        <p:spPr/>
-        <p:txBody>
-          <a:bodyPr/>
-          <a:lstStyle/>
-          <a:p>
-            <a:r>
-              <a:rPr lang="de-DE" b="1" dirty="0"/>
-              <a:t>1.  Epochenbegriff und –	</a:t>
-            </a:r>
-            <a:r>
-              <a:rPr lang="de-DE" b="1" dirty="0" err="1"/>
-              <a:t>einteilung</a:t>
-            </a:r>
-            <a:endParaRPr lang="de-DE" dirty="0"/>
-          </a:p>
-        </p:txBody>
-      </p:sp>
-    </p:spTree>
-    <p:extLst>
-      <p:ext uri="{BB962C8B-B14F-4D97-AF65-F5344CB8AC3E}">
-        <p14:creationId xmlns:p14="http://schemas.microsoft.com/office/powerpoint/2010/main" val="835330337"/>
-      </p:ext>
-    </p:extLst>
-  </p:cSld>
-  <p:clrMapOvr>
-    <a:masterClrMapping/>
-  </p:clrMapOvr>
-</p:sld>
-</file>
-
-<file path=ppt/slides/slide30.xml><?xml version="1.0" encoding="utf-8"?>
-<p:sld xmlns:a="http://schemas.openxmlformats.org/drawingml/2006/main" xmlns:r="http://schemas.openxmlformats.org/officeDocument/2006/relationships" xmlns:p="http://schemas.openxmlformats.org/presentationml/2006/main">
-  <p:cSld>
-    <p:spTree>
-      <p:nvGrpSpPr>
-        <p:cNvPr id="1" name=""/>
-        <p:cNvGrpSpPr/>
-        <p:nvPr/>
-      </p:nvGrpSpPr>
-      <p:grpSpPr>
-        <a:xfrm>
-          <a:off x="0" y="0"/>
-          <a:ext cx="0" cy="0"/>
-          <a:chOff x="0" y="0"/>
-          <a:chExt cx="0" cy="0"/>
-        </a:xfrm>
-      </p:grpSpPr>
-      <p:sp>
-        <p:nvSpPr>
-          <p:cNvPr id="7" name="Title 6">
-            <a:extLst>
-              <a:ext uri="{FF2B5EF4-FFF2-40B4-BE49-F238E27FC236}">
-                <a16:creationId xmlns:a16="http://schemas.microsoft.com/office/drawing/2014/main" id="{7168E5B1-40BC-594A-BD5D-32D9348BA6D0}"/>
-              </a:ext>
-            </a:extLst>
-          </p:cNvPr>
-          <p:cNvSpPr>
-            <a:spLocks noGrp="1"/>
-          </p:cNvSpPr>
-          <p:nvPr>
-            <p:ph type="title"/>
-          </p:nvPr>
-        </p:nvSpPr>
-        <p:spPr/>
-        <p:txBody>
-          <a:bodyPr/>
-          <a:lstStyle/>
-          <a:p>
-            <a:r>
-              <a:rPr lang="de-DE" dirty="0"/>
-              <a:t>TODO</a:t>
-            </a:r>
-          </a:p>
-        </p:txBody>
-      </p:sp>
-    </p:spTree>
-    <p:extLst>
-      <p:ext uri="{BB962C8B-B14F-4D97-AF65-F5344CB8AC3E}">
-        <p14:creationId xmlns:p14="http://schemas.microsoft.com/office/powerpoint/2010/main" val="2512545284"/>
-      </p:ext>
-    </p:extLst>
-  </p:cSld>
-  <p:clrMapOvr>
-    <a:masterClrMapping/>
-  </p:clrMapOvr>
-</p:sld>
-</file>
-
-<file path=ppt/slides/slide31.xml><?xml version="1.0" encoding="utf-8"?>
-<p:sld xmlns:a="http://schemas.openxmlformats.org/drawingml/2006/main" xmlns:r="http://schemas.openxmlformats.org/officeDocument/2006/relationships" xmlns:p="http://schemas.openxmlformats.org/presentationml/2006/main">
-  <p:cSld>
-    <p:spTree>
-      <p:nvGrpSpPr>
-        <p:cNvPr id="1" name=""/>
-        <p:cNvGrpSpPr/>
-        <p:nvPr/>
-      </p:nvGrpSpPr>
-      <p:grpSpPr>
-        <a:xfrm>
-          <a:off x="0" y="0"/>
-          <a:ext cx="0" cy="0"/>
-          <a:chOff x="0" y="0"/>
-          <a:chExt cx="0" cy="0"/>
-        </a:xfrm>
-      </p:grpSpPr>
-      <p:sp>
-        <p:nvSpPr>
-          <p:cNvPr id="2" name="Title 1">
-            <a:extLst>
-              <a:ext uri="{FF2B5EF4-FFF2-40B4-BE49-F238E27FC236}">
-                <a16:creationId xmlns:a16="http://schemas.microsoft.com/office/drawing/2014/main" id="{DCBE102F-D2BB-3946-AEF1-AE93DF5165E5}"/>
-              </a:ext>
-            </a:extLst>
-          </p:cNvPr>
-          <p:cNvSpPr>
-            <a:spLocks noGrp="1"/>
-          </p:cNvSpPr>
-          <p:nvPr>
-            <p:ph type="title"/>
-          </p:nvPr>
-        </p:nvSpPr>
-        <p:spPr/>
-        <p:txBody>
-          <a:bodyPr>
-            <a:normAutofit/>
-          </a:bodyPr>
-          <a:lstStyle/>
-          <a:p>
-            <a:r>
-              <a:rPr lang="de-DE" sz="4400" b="1" dirty="0"/>
-              <a:t>4.5.  Noise Entfernung</a:t>
-            </a:r>
-            <a:endParaRPr lang="de-DE" sz="4800" b="1" dirty="0"/>
-          </a:p>
-        </p:txBody>
-      </p:sp>
-    </p:spTree>
-    <p:extLst>
-      <p:ext uri="{BB962C8B-B14F-4D97-AF65-F5344CB8AC3E}">
-        <p14:creationId xmlns:p14="http://schemas.microsoft.com/office/powerpoint/2010/main" val="1767297648"/>
-      </p:ext>
-    </p:extLst>
-  </p:cSld>
-  <p:clrMapOvr>
-    <a:masterClrMapping/>
-  </p:clrMapOvr>
-</p:sld>
-</file>
-
-<file path=ppt/slides/slide32.xml><?xml version="1.0" encoding="utf-8"?>
-<p:sld xmlns:a="http://schemas.openxmlformats.org/drawingml/2006/main" xmlns:r="http://schemas.openxmlformats.org/officeDocument/2006/relationships" xmlns:p="http://schemas.openxmlformats.org/presentationml/2006/main">
-  <p:cSld>
-    <p:spTree>
-      <p:nvGrpSpPr>
-        <p:cNvPr id="1" name=""/>
-        <p:cNvGrpSpPr/>
-        <p:nvPr/>
-      </p:nvGrpSpPr>
-      <p:grpSpPr>
-        <a:xfrm>
-          <a:off x="0" y="0"/>
-          <a:ext cx="0" cy="0"/>
-          <a:chOff x="0" y="0"/>
-          <a:chExt cx="0" cy="0"/>
-        </a:xfrm>
-      </p:grpSpPr>
-      <p:sp>
-        <p:nvSpPr>
-          <p:cNvPr id="7" name="Title 6">
-            <a:extLst>
-              <a:ext uri="{FF2B5EF4-FFF2-40B4-BE49-F238E27FC236}">
-                <a16:creationId xmlns:a16="http://schemas.microsoft.com/office/drawing/2014/main" id="{2DE410B9-650E-C549-B5D6-A2098E5B0905}"/>
-              </a:ext>
-            </a:extLst>
-          </p:cNvPr>
-          <p:cNvSpPr>
-            <a:spLocks noGrp="1"/>
-          </p:cNvSpPr>
-          <p:nvPr>
-            <p:ph type="title"/>
-          </p:nvPr>
-        </p:nvSpPr>
-        <p:spPr/>
-        <p:txBody>
-          <a:bodyPr/>
-          <a:lstStyle/>
-          <a:p>
-            <a:r>
-              <a:rPr lang="de-DE" b="1" dirty="0"/>
-              <a:t>Verfahren</a:t>
-            </a:r>
-          </a:p>
-        </p:txBody>
-      </p:sp>
-      <p:sp>
-        <p:nvSpPr>
-          <p:cNvPr id="8" name="Content Placeholder 7">
-            <a:extLst>
-              <a:ext uri="{FF2B5EF4-FFF2-40B4-BE49-F238E27FC236}">
-                <a16:creationId xmlns:a16="http://schemas.microsoft.com/office/drawing/2014/main" id="{D24A4841-EEE5-5F44-9B6E-360856357608}"/>
-              </a:ext>
-            </a:extLst>
-          </p:cNvPr>
-          <p:cNvSpPr>
-            <a:spLocks noGrp="1"/>
-          </p:cNvSpPr>
-          <p:nvPr>
-            <p:ph idx="1"/>
-          </p:nvPr>
-        </p:nvSpPr>
-        <p:spPr>
-          <a:xfrm>
-            <a:off x="724470" y="2829495"/>
-            <a:ext cx="10991279" cy="3714179"/>
-          </a:xfrm>
-        </p:spPr>
-        <p:txBody>
-          <a:bodyPr>
-            <a:normAutofit/>
-          </a:bodyPr>
-          <a:lstStyle/>
-          <a:p>
-            <a:pPr>
-              <a:lnSpc>
-                <a:spcPct val="150000"/>
-              </a:lnSpc>
-            </a:pPr>
-            <a:r>
-              <a:rPr lang="de-DE" sz="4000" dirty="0"/>
-              <a:t> Lineare SVM</a:t>
-            </a:r>
-          </a:p>
-          <a:p>
-            <a:pPr>
-              <a:lnSpc>
-                <a:spcPct val="150000"/>
-              </a:lnSpc>
-            </a:pPr>
-            <a:r>
-              <a:rPr lang="de-DE" sz="4000" dirty="0"/>
-              <a:t> Topic </a:t>
-            </a:r>
-            <a:r>
-              <a:rPr lang="de-DE" sz="4000" dirty="0" err="1"/>
-              <a:t>Modelling</a:t>
-            </a:r>
-            <a:endParaRPr lang="de-DE" sz="4000" dirty="0"/>
-          </a:p>
-          <a:p>
-            <a:pPr>
-              <a:lnSpc>
-                <a:spcPct val="150000"/>
-              </a:lnSpc>
-            </a:pPr>
-            <a:r>
-              <a:rPr lang="de-DE" sz="4000" dirty="0"/>
-              <a:t> Hierarchisches Clustering</a:t>
-            </a:r>
-          </a:p>
-        </p:txBody>
-      </p:sp>
-    </p:spTree>
-    <p:extLst>
-      <p:ext uri="{BB962C8B-B14F-4D97-AF65-F5344CB8AC3E}">
-        <p14:creationId xmlns:p14="http://schemas.microsoft.com/office/powerpoint/2010/main" val="3318092965"/>
-      </p:ext>
-    </p:extLst>
-  </p:cSld>
-  <p:clrMapOvr>
-    <a:masterClrMapping/>
-  </p:clrMapOvr>
-</p:sld>
-</file>
-
-<file path=ppt/slides/slide33.xml><?xml version="1.0" encoding="utf-8"?>
-<p:sld xmlns:a="http://schemas.openxmlformats.org/drawingml/2006/main" xmlns:r="http://schemas.openxmlformats.org/officeDocument/2006/relationships" xmlns:p="http://schemas.openxmlformats.org/presentationml/2006/main">
-  <p:cSld>
-    <p:spTree>
-      <p:nvGrpSpPr>
-        <p:cNvPr id="1" name=""/>
-        <p:cNvGrpSpPr/>
-        <p:nvPr/>
-      </p:nvGrpSpPr>
-      <p:grpSpPr>
-        <a:xfrm>
-          <a:off x="0" y="0"/>
-          <a:ext cx="0" cy="0"/>
-          <a:chOff x="0" y="0"/>
-          <a:chExt cx="0" cy="0"/>
-        </a:xfrm>
-      </p:grpSpPr>
-      <p:sp>
-        <p:nvSpPr>
-          <p:cNvPr id="4" name="Title 3">
-            <a:extLst>
-              <a:ext uri="{FF2B5EF4-FFF2-40B4-BE49-F238E27FC236}">
-                <a16:creationId xmlns:a16="http://schemas.microsoft.com/office/drawing/2014/main" id="{E4A206C5-2498-E042-8300-B25F3C898680}"/>
-              </a:ext>
-            </a:extLst>
-          </p:cNvPr>
-          <p:cNvSpPr>
-            <a:spLocks noGrp="1"/>
-          </p:cNvSpPr>
-          <p:nvPr>
-            <p:ph type="title"/>
-          </p:nvPr>
-        </p:nvSpPr>
-        <p:spPr/>
-        <p:txBody>
-          <a:bodyPr/>
-          <a:lstStyle/>
-          <a:p>
-            <a:r>
-              <a:rPr lang="de-DE" dirty="0"/>
-              <a:t>TODO</a:t>
-            </a:r>
-          </a:p>
-        </p:txBody>
-      </p:sp>
-    </p:spTree>
-    <p:extLst>
-      <p:ext uri="{BB962C8B-B14F-4D97-AF65-F5344CB8AC3E}">
-        <p14:creationId xmlns:p14="http://schemas.microsoft.com/office/powerpoint/2010/main" val="1620600122"/>
-      </p:ext>
-    </p:extLst>
-  </p:cSld>
-  <p:clrMapOvr>
-    <a:masterClrMapping/>
-  </p:clrMapOvr>
-</p:sld>
-</file>
-
-<file path=ppt/slides/slide34.xml><?xml version="1.0" encoding="utf-8"?>
-<p:sld xmlns:a="http://schemas.openxmlformats.org/drawingml/2006/main" xmlns:r="http://schemas.openxmlformats.org/officeDocument/2006/relationships" xmlns:p="http://schemas.openxmlformats.org/presentationml/2006/main">
-  <p:cSld>
-    <p:spTree>
-      <p:nvGrpSpPr>
-        <p:cNvPr id="1" name=""/>
-        <p:cNvGrpSpPr/>
-        <p:nvPr/>
-      </p:nvGrpSpPr>
-      <p:grpSpPr>
-        <a:xfrm>
-          <a:off x="0" y="0"/>
-          <a:ext cx="0" cy="0"/>
-          <a:chOff x="0" y="0"/>
-          <a:chExt cx="0" cy="0"/>
-        </a:xfrm>
-      </p:grpSpPr>
-      <p:sp>
-        <p:nvSpPr>
-          <p:cNvPr id="2" name="Title 1">
-            <a:extLst>
-              <a:ext uri="{FF2B5EF4-FFF2-40B4-BE49-F238E27FC236}">
-                <a16:creationId xmlns:a16="http://schemas.microsoft.com/office/drawing/2014/main" id="{78F2E4E8-04EB-0142-91AE-BC0C88F0C119}"/>
-              </a:ext>
-            </a:extLst>
-          </p:cNvPr>
-          <p:cNvSpPr>
-            <a:spLocks noGrp="1"/>
-          </p:cNvSpPr>
-          <p:nvPr>
-            <p:ph type="title"/>
-          </p:nvPr>
-        </p:nvSpPr>
-        <p:spPr/>
-        <p:txBody>
-          <a:bodyPr/>
-          <a:lstStyle/>
-          <a:p>
-            <a:r>
-              <a:rPr lang="de-DE" b="1" dirty="0"/>
-              <a:t>5.  Schlussbetrachtung</a:t>
-            </a:r>
-          </a:p>
-        </p:txBody>
-      </p:sp>
-    </p:spTree>
-    <p:extLst>
-      <p:ext uri="{BB962C8B-B14F-4D97-AF65-F5344CB8AC3E}">
-        <p14:creationId xmlns:p14="http://schemas.microsoft.com/office/powerpoint/2010/main" val="4052262941"/>
-      </p:ext>
-    </p:extLst>
-  </p:cSld>
-  <p:clrMapOvr>
-    <a:masterClrMapping/>
-  </p:clrMapOvr>
-</p:sld>
-</file>
-
-<file path=ppt/slides/slide35.xml><?xml version="1.0" encoding="utf-8"?>
-<p:sld xmlns:a="http://schemas.openxmlformats.org/drawingml/2006/main" xmlns:r="http://schemas.openxmlformats.org/officeDocument/2006/relationships" xmlns:p="http://schemas.openxmlformats.org/presentationml/2006/main">
-  <p:cSld>
-    <p:spTree>
-      <p:nvGrpSpPr>
-        <p:cNvPr id="1" name=""/>
-        <p:cNvGrpSpPr/>
-        <p:nvPr/>
-      </p:nvGrpSpPr>
-      <p:grpSpPr>
-        <a:xfrm>
-          <a:off x="0" y="0"/>
-          <a:ext cx="0" cy="0"/>
-          <a:chOff x="0" y="0"/>
-          <a:chExt cx="0" cy="0"/>
-        </a:xfrm>
-      </p:grpSpPr>
-      <p:sp>
-        <p:nvSpPr>
-          <p:cNvPr id="2" name="Title 1">
-            <a:extLst>
-              <a:ext uri="{FF2B5EF4-FFF2-40B4-BE49-F238E27FC236}">
-                <a16:creationId xmlns:a16="http://schemas.microsoft.com/office/drawing/2014/main" id="{101BE013-1DEE-F849-A41C-C113EB265916}"/>
-              </a:ext>
-            </a:extLst>
-          </p:cNvPr>
-          <p:cNvSpPr>
-            <a:spLocks noGrp="1"/>
-          </p:cNvSpPr>
-          <p:nvPr>
-            <p:ph type="title"/>
-          </p:nvPr>
-        </p:nvSpPr>
-        <p:spPr/>
-        <p:txBody>
-          <a:bodyPr/>
-          <a:lstStyle/>
-          <a:p>
-            <a:endParaRPr lang="de-DE" dirty="0"/>
-          </a:p>
-        </p:txBody>
-      </p:sp>
-      <p:sp>
-        <p:nvSpPr>
-          <p:cNvPr id="3" name="Content Placeholder 2">
-            <a:extLst>
-              <a:ext uri="{FF2B5EF4-FFF2-40B4-BE49-F238E27FC236}">
-                <a16:creationId xmlns:a16="http://schemas.microsoft.com/office/drawing/2014/main" id="{F6B1112F-CC43-C741-A5AC-E2406C8709D1}"/>
-              </a:ext>
-            </a:extLst>
-          </p:cNvPr>
-          <p:cNvSpPr>
-            <a:spLocks noGrp="1"/>
-          </p:cNvSpPr>
-          <p:nvPr>
-            <p:ph idx="1"/>
-          </p:nvPr>
-        </p:nvSpPr>
-        <p:spPr/>
-        <p:txBody>
-          <a:bodyPr/>
-          <a:lstStyle/>
-          <a:p>
-            <a:endParaRPr lang="de-DE"/>
-          </a:p>
-        </p:txBody>
-      </p:sp>
-    </p:spTree>
-    <p:extLst>
-      <p:ext uri="{BB962C8B-B14F-4D97-AF65-F5344CB8AC3E}">
-        <p14:creationId xmlns:p14="http://schemas.microsoft.com/office/powerpoint/2010/main" val="3032047895"/>
-      </p:ext>
-    </p:extLst>
-  </p:cSld>
-  <p:clrMapOvr>
-    <a:masterClrMapping/>
-  </p:clrMapOvr>
-</p:sld>
-</file>
-
 <file path=ppt/slides/slide36.xml><?xml version="1.0" encoding="utf-8"?>
 <p:sld xmlns:a="http://schemas.openxmlformats.org/drawingml/2006/main" xmlns:r="http://schemas.openxmlformats.org/officeDocument/2006/relationships" xmlns:p="http://schemas.openxmlformats.org/presentationml/2006/main">
   <p:cSld>
@@ -17566,6 +17693,690 @@
           <p:cNvPr id="2" name="Title 1">
             <a:extLst>
               <a:ext uri="{FF2B5EF4-FFF2-40B4-BE49-F238E27FC236}">
+                <a16:creationId xmlns:a16="http://schemas.microsoft.com/office/drawing/2014/main" id="{6F7ED122-6758-3845-84AD-55A4F3FD499B}"/>
+              </a:ext>
+            </a:extLst>
+          </p:cNvPr>
+          <p:cNvSpPr>
+            <a:spLocks noGrp="1"/>
+          </p:cNvSpPr>
+          <p:nvPr>
+            <p:ph type="title"/>
+          </p:nvPr>
+        </p:nvSpPr>
+        <p:spPr/>
+        <p:txBody>
+          <a:bodyPr/>
+          <a:lstStyle/>
+          <a:p>
+            <a:r>
+              <a:rPr lang="de-DE" b="1" dirty="0"/>
+              <a:t>TODOs</a:t>
+            </a:r>
+          </a:p>
+        </p:txBody>
+      </p:sp>
+      <p:sp>
+        <p:nvSpPr>
+          <p:cNvPr id="3" name="Content Placeholder 2">
+            <a:extLst>
+              <a:ext uri="{FF2B5EF4-FFF2-40B4-BE49-F238E27FC236}">
+                <a16:creationId xmlns:a16="http://schemas.microsoft.com/office/drawing/2014/main" id="{E58475FE-AEB0-BC42-A8C7-BD9B9C5AB94C}"/>
+              </a:ext>
+            </a:extLst>
+          </p:cNvPr>
+          <p:cNvSpPr>
+            <a:spLocks noGrp="1"/>
+          </p:cNvSpPr>
+          <p:nvPr>
+            <p:ph idx="1"/>
+          </p:nvPr>
+        </p:nvSpPr>
+        <p:spPr>
+          <a:xfrm>
+            <a:off x="542925" y="2478024"/>
+            <a:ext cx="11158538" cy="4119724"/>
+          </a:xfrm>
+        </p:spPr>
+        <p:txBody>
+          <a:bodyPr>
+            <a:normAutofit lnSpcReduction="10000"/>
+          </a:bodyPr>
+          <a:lstStyle/>
+          <a:p>
+            <a:r>
+              <a:rPr lang="de-DE" b="1" dirty="0"/>
+              <a:t> </a:t>
+            </a:r>
+            <a:r>
+              <a:rPr lang="de-DE" sz="3200" dirty="0">
+                <a:sym typeface="Wingdings" pitchFamily="2" charset="2"/>
+              </a:rPr>
+              <a:t>Epocheneinteilung erweitern  händisch </a:t>
+            </a:r>
+          </a:p>
+          <a:p>
+            <a:r>
+              <a:rPr lang="de-DE" sz="3200" b="1" dirty="0">
+                <a:sym typeface="Wingdings" pitchFamily="2" charset="2"/>
+              </a:rPr>
+              <a:t> </a:t>
+            </a:r>
+            <a:r>
+              <a:rPr lang="de-DE" sz="3200" b="1" dirty="0"/>
+              <a:t>Noise </a:t>
+            </a:r>
+            <a:r>
+              <a:rPr lang="de-DE" sz="3200" b="1" dirty="0" err="1"/>
+              <a:t>Removal</a:t>
+            </a:r>
+            <a:r>
+              <a:rPr lang="de-DE" sz="3200" b="1" dirty="0"/>
+              <a:t> </a:t>
+            </a:r>
+            <a:r>
+              <a:rPr lang="de-DE" sz="3200" dirty="0"/>
+              <a:t>mit :</a:t>
+            </a:r>
+          </a:p>
+          <a:p>
+            <a:pPr lvl="1"/>
+            <a:r>
+              <a:rPr lang="de-DE" sz="2800" dirty="0"/>
+              <a:t>Hierarchisches Clustering</a:t>
+            </a:r>
+          </a:p>
+          <a:p>
+            <a:pPr lvl="1"/>
+            <a:r>
+              <a:rPr lang="de-DE" sz="2800" dirty="0"/>
+              <a:t>Topic </a:t>
+            </a:r>
+            <a:r>
+              <a:rPr lang="de-DE" sz="2800" dirty="0" err="1"/>
+              <a:t>Modelling</a:t>
+            </a:r>
+            <a:r>
+              <a:rPr lang="de-DE" sz="2800" dirty="0"/>
+              <a:t> (</a:t>
+            </a:r>
+            <a:r>
+              <a:rPr lang="de-DE" sz="2800" dirty="0">
+                <a:sym typeface="Wingdings" pitchFamily="2" charset="2"/>
+              </a:rPr>
+              <a:t> Dialekt)</a:t>
+            </a:r>
+          </a:p>
+          <a:p>
+            <a:pPr lvl="1"/>
+            <a:r>
+              <a:rPr lang="de-DE" sz="2800" dirty="0"/>
+              <a:t>LSVM</a:t>
+            </a:r>
+          </a:p>
+          <a:p>
+            <a:r>
+              <a:rPr lang="de-DE" sz="3200" dirty="0"/>
+              <a:t> Nochmal POS-</a:t>
+            </a:r>
+            <a:r>
+              <a:rPr lang="de-DE" sz="3200" dirty="0" err="1"/>
+              <a:t>Tagging</a:t>
+            </a:r>
+            <a:endParaRPr lang="de-DE" sz="3200" dirty="0"/>
+          </a:p>
+          <a:p>
+            <a:r>
+              <a:rPr lang="de-DE" sz="3200" dirty="0"/>
+              <a:t> Analyse der Epochenzuweisungen</a:t>
+            </a:r>
+          </a:p>
+        </p:txBody>
+      </p:sp>
+    </p:spTree>
+    <p:extLst>
+      <p:ext uri="{BB962C8B-B14F-4D97-AF65-F5344CB8AC3E}">
+        <p14:creationId xmlns:p14="http://schemas.microsoft.com/office/powerpoint/2010/main" val="3293990588"/>
+      </p:ext>
+    </p:extLst>
+  </p:cSld>
+  <p:clrMapOvr>
+    <a:masterClrMapping/>
+  </p:clrMapOvr>
+</p:sld>
+</file>
+
+<file path=ppt/slides/slide37.xml><?xml version="1.0" encoding="utf-8"?>
+<p:sld xmlns:a="http://schemas.openxmlformats.org/drawingml/2006/main" xmlns:r="http://schemas.openxmlformats.org/officeDocument/2006/relationships" xmlns:p="http://schemas.openxmlformats.org/presentationml/2006/main">
+  <p:cSld>
+    <p:spTree>
+      <p:nvGrpSpPr>
+        <p:cNvPr id="1" name=""/>
+        <p:cNvGrpSpPr/>
+        <p:nvPr/>
+      </p:nvGrpSpPr>
+      <p:grpSpPr>
+        <a:xfrm>
+          <a:off x="0" y="0"/>
+          <a:ext cx="0" cy="0"/>
+          <a:chOff x="0" y="0"/>
+          <a:chExt cx="0" cy="0"/>
+        </a:xfrm>
+      </p:grpSpPr>
+      <p:sp>
+        <p:nvSpPr>
+          <p:cNvPr id="7" name="Title 6">
+            <a:extLst>
+              <a:ext uri="{FF2B5EF4-FFF2-40B4-BE49-F238E27FC236}">
+                <a16:creationId xmlns:a16="http://schemas.microsoft.com/office/drawing/2014/main" id="{7168E5B1-40BC-594A-BD5D-32D9348BA6D0}"/>
+              </a:ext>
+            </a:extLst>
+          </p:cNvPr>
+          <p:cNvSpPr>
+            <a:spLocks noGrp="1"/>
+          </p:cNvSpPr>
+          <p:nvPr>
+            <p:ph type="title"/>
+          </p:nvPr>
+        </p:nvSpPr>
+        <p:spPr/>
+        <p:txBody>
+          <a:bodyPr/>
+          <a:lstStyle/>
+          <a:p>
+            <a:r>
+              <a:rPr lang="de-DE" dirty="0"/>
+              <a:t>TODO</a:t>
+            </a:r>
+          </a:p>
+        </p:txBody>
+      </p:sp>
+    </p:spTree>
+    <p:extLst>
+      <p:ext uri="{BB962C8B-B14F-4D97-AF65-F5344CB8AC3E}">
+        <p14:creationId xmlns:p14="http://schemas.microsoft.com/office/powerpoint/2010/main" val="2512545284"/>
+      </p:ext>
+    </p:extLst>
+  </p:cSld>
+  <p:clrMapOvr>
+    <a:masterClrMapping/>
+  </p:clrMapOvr>
+</p:sld>
+</file>
+
+<file path=ppt/slides/slide38.xml><?xml version="1.0" encoding="utf-8"?>
+<p:sld xmlns:a="http://schemas.openxmlformats.org/drawingml/2006/main" xmlns:r="http://schemas.openxmlformats.org/officeDocument/2006/relationships" xmlns:p="http://schemas.openxmlformats.org/presentationml/2006/main">
+  <p:cSld>
+    <p:spTree>
+      <p:nvGrpSpPr>
+        <p:cNvPr id="1" name=""/>
+        <p:cNvGrpSpPr/>
+        <p:nvPr/>
+      </p:nvGrpSpPr>
+      <p:grpSpPr>
+        <a:xfrm>
+          <a:off x="0" y="0"/>
+          <a:ext cx="0" cy="0"/>
+          <a:chOff x="0" y="0"/>
+          <a:chExt cx="0" cy="0"/>
+        </a:xfrm>
+      </p:grpSpPr>
+      <p:sp>
+        <p:nvSpPr>
+          <p:cNvPr id="4" name="Title 3">
+            <a:extLst>
+              <a:ext uri="{FF2B5EF4-FFF2-40B4-BE49-F238E27FC236}">
+                <a16:creationId xmlns:a16="http://schemas.microsoft.com/office/drawing/2014/main" id="{E4A206C5-2498-E042-8300-B25F3C898680}"/>
+              </a:ext>
+            </a:extLst>
+          </p:cNvPr>
+          <p:cNvSpPr>
+            <a:spLocks noGrp="1"/>
+          </p:cNvSpPr>
+          <p:nvPr>
+            <p:ph type="title"/>
+          </p:nvPr>
+        </p:nvSpPr>
+        <p:spPr/>
+        <p:txBody>
+          <a:bodyPr/>
+          <a:lstStyle/>
+          <a:p>
+            <a:r>
+              <a:rPr lang="de-DE" dirty="0"/>
+              <a:t>TODO</a:t>
+            </a:r>
+          </a:p>
+        </p:txBody>
+      </p:sp>
+    </p:spTree>
+    <p:extLst>
+      <p:ext uri="{BB962C8B-B14F-4D97-AF65-F5344CB8AC3E}">
+        <p14:creationId xmlns:p14="http://schemas.microsoft.com/office/powerpoint/2010/main" val="1620600122"/>
+      </p:ext>
+    </p:extLst>
+  </p:cSld>
+  <p:clrMapOvr>
+    <a:masterClrMapping/>
+  </p:clrMapOvr>
+</p:sld>
+</file>
+
+<file path=ppt/slides/slide39.xml><?xml version="1.0" encoding="utf-8"?>
+<p:sld xmlns:a="http://schemas.openxmlformats.org/drawingml/2006/main" xmlns:r="http://schemas.openxmlformats.org/officeDocument/2006/relationships" xmlns:p="http://schemas.openxmlformats.org/presentationml/2006/main">
+  <p:cSld>
+    <p:spTree>
+      <p:nvGrpSpPr>
+        <p:cNvPr id="1" name=""/>
+        <p:cNvGrpSpPr/>
+        <p:nvPr/>
+      </p:nvGrpSpPr>
+      <p:grpSpPr>
+        <a:xfrm>
+          <a:off x="0" y="0"/>
+          <a:ext cx="0" cy="0"/>
+          <a:chOff x="0" y="0"/>
+          <a:chExt cx="0" cy="0"/>
+        </a:xfrm>
+      </p:grpSpPr>
+      <p:sp>
+        <p:nvSpPr>
+          <p:cNvPr id="2" name="Title 1">
+            <a:extLst>
+              <a:ext uri="{FF2B5EF4-FFF2-40B4-BE49-F238E27FC236}">
+                <a16:creationId xmlns:a16="http://schemas.microsoft.com/office/drawing/2014/main" id="{78F2E4E8-04EB-0142-91AE-BC0C88F0C119}"/>
+              </a:ext>
+            </a:extLst>
+          </p:cNvPr>
+          <p:cNvSpPr>
+            <a:spLocks noGrp="1"/>
+          </p:cNvSpPr>
+          <p:nvPr>
+            <p:ph type="title"/>
+          </p:nvPr>
+        </p:nvSpPr>
+        <p:spPr/>
+        <p:txBody>
+          <a:bodyPr/>
+          <a:lstStyle/>
+          <a:p>
+            <a:r>
+              <a:rPr lang="de-DE" b="1" dirty="0"/>
+              <a:t>5.  Schlussbetrachtung</a:t>
+            </a:r>
+          </a:p>
+        </p:txBody>
+      </p:sp>
+    </p:spTree>
+    <p:extLst>
+      <p:ext uri="{BB962C8B-B14F-4D97-AF65-F5344CB8AC3E}">
+        <p14:creationId xmlns:p14="http://schemas.microsoft.com/office/powerpoint/2010/main" val="4052262941"/>
+      </p:ext>
+    </p:extLst>
+  </p:cSld>
+  <p:clrMapOvr>
+    <a:masterClrMapping/>
+  </p:clrMapOvr>
+</p:sld>
+</file>
+
+<file path=ppt/slides/slide4.xml><?xml version="1.0" encoding="utf-8"?>
+<p:sld xmlns:a="http://schemas.openxmlformats.org/drawingml/2006/main" xmlns:r="http://schemas.openxmlformats.org/officeDocument/2006/relationships" xmlns:p="http://schemas.openxmlformats.org/presentationml/2006/main">
+  <p:cSld>
+    <p:spTree>
+      <p:nvGrpSpPr>
+        <p:cNvPr id="1" name=""/>
+        <p:cNvGrpSpPr/>
+        <p:nvPr/>
+      </p:nvGrpSpPr>
+      <p:grpSpPr>
+        <a:xfrm>
+          <a:off x="0" y="0"/>
+          <a:ext cx="0" cy="0"/>
+          <a:chOff x="0" y="0"/>
+          <a:chExt cx="0" cy="0"/>
+        </a:xfrm>
+      </p:grpSpPr>
+      <p:sp>
+        <p:nvSpPr>
+          <p:cNvPr id="4" name="Title 3">
+            <a:extLst>
+              <a:ext uri="{FF2B5EF4-FFF2-40B4-BE49-F238E27FC236}">
+                <a16:creationId xmlns:a16="http://schemas.microsoft.com/office/drawing/2014/main" id="{F28AA1C2-4EC8-F94C-B5E1-BD16A1EA9353}"/>
+              </a:ext>
+            </a:extLst>
+          </p:cNvPr>
+          <p:cNvSpPr>
+            <a:spLocks noGrp="1"/>
+          </p:cNvSpPr>
+          <p:nvPr>
+            <p:ph type="title"/>
+          </p:nvPr>
+        </p:nvSpPr>
+        <p:spPr/>
+        <p:txBody>
+          <a:bodyPr/>
+          <a:lstStyle/>
+          <a:p>
+            <a:r>
+              <a:rPr lang="de-DE" b="1" dirty="0"/>
+              <a:t>Epochenbegriff</a:t>
+            </a:r>
+          </a:p>
+        </p:txBody>
+      </p:sp>
+      <p:sp>
+        <p:nvSpPr>
+          <p:cNvPr id="5" name="Content Placeholder 4">
+            <a:extLst>
+              <a:ext uri="{FF2B5EF4-FFF2-40B4-BE49-F238E27FC236}">
+                <a16:creationId xmlns:a16="http://schemas.microsoft.com/office/drawing/2014/main" id="{D70BD3BA-BFBC-1A47-B5C6-9B045B38B728}"/>
+              </a:ext>
+            </a:extLst>
+          </p:cNvPr>
+          <p:cNvSpPr>
+            <a:spLocks noGrp="1"/>
+          </p:cNvSpPr>
+          <p:nvPr>
+            <p:ph idx="1"/>
+          </p:nvPr>
+        </p:nvSpPr>
+        <p:spPr>
+          <a:xfrm>
+            <a:off x="1115568" y="2478024"/>
+            <a:ext cx="10168128" cy="4265676"/>
+          </a:xfrm>
+        </p:spPr>
+        <p:txBody>
+          <a:bodyPr>
+            <a:normAutofit fontScale="92500" lnSpcReduction="10000"/>
+          </a:bodyPr>
+          <a:lstStyle/>
+          <a:p>
+            <a:pPr marL="0" indent="0">
+              <a:buNone/>
+            </a:pPr>
+            <a:r>
+              <a:rPr lang="de-DE" sz="3500" i="1" dirty="0"/>
+              <a:t>„Eine </a:t>
+            </a:r>
+            <a:r>
+              <a:rPr lang="de-DE" sz="3500" b="1" i="1" dirty="0"/>
+              <a:t>Epoche </a:t>
+            </a:r>
+            <a:r>
+              <a:rPr lang="de-DE" sz="3500" i="1" dirty="0"/>
+              <a:t>ist ein zeitlich begrenztes System, das wir von einer Menge von Texten abstrahieren und von dem wir behaupten, </a:t>
+            </a:r>
+            <a:r>
+              <a:rPr lang="de-DE" sz="3500" i="1" dirty="0" err="1"/>
+              <a:t>daß</a:t>
+            </a:r>
+            <a:r>
+              <a:rPr lang="de-DE" sz="3500" i="1" dirty="0"/>
+              <a:t> seine fundamentalen Merkmale und Strukturen in diesem Zeitraum konstant bleiben.“ – </a:t>
+            </a:r>
+            <a:r>
+              <a:rPr lang="de-DE" sz="3500" i="1" dirty="0" err="1"/>
+              <a:t>Titzmann</a:t>
+            </a:r>
+            <a:r>
+              <a:rPr lang="de-DE" sz="3500" i="1" dirty="0"/>
+              <a:t> 1991</a:t>
+            </a:r>
+          </a:p>
+          <a:p>
+            <a:pPr marL="0" indent="0">
+              <a:buNone/>
+            </a:pPr>
+            <a:endParaRPr lang="de-DE" sz="3600" i="1" dirty="0"/>
+          </a:p>
+          <a:p>
+            <a:pPr marL="0" indent="0">
+              <a:buNone/>
+            </a:pPr>
+            <a:r>
+              <a:rPr lang="en-GB" sz="2200" i="1" dirty="0"/>
+              <a:t>TITZMANN, </a:t>
+            </a:r>
+            <a:r>
+              <a:rPr lang="en-GB" sz="2200" dirty="0"/>
+              <a:t>Michael, „</a:t>
+            </a:r>
+            <a:r>
+              <a:rPr lang="en-GB" sz="2200" dirty="0" err="1"/>
+              <a:t>Skizze</a:t>
+            </a:r>
+            <a:r>
+              <a:rPr lang="en-GB" sz="2200" dirty="0"/>
+              <a:t> </a:t>
+            </a:r>
+            <a:r>
+              <a:rPr lang="en-GB" sz="2200" dirty="0" err="1"/>
+              <a:t>einer</a:t>
+            </a:r>
+            <a:r>
+              <a:rPr lang="en-GB" sz="2200" dirty="0"/>
+              <a:t> </a:t>
+            </a:r>
+            <a:r>
+              <a:rPr lang="en-GB" sz="2200" dirty="0" err="1"/>
+              <a:t>integrativen</a:t>
+            </a:r>
+            <a:r>
+              <a:rPr lang="en-GB" sz="2200" dirty="0"/>
+              <a:t> </a:t>
+            </a:r>
+            <a:r>
+              <a:rPr lang="en-GB" sz="2200" dirty="0" err="1"/>
+              <a:t>Literaturgeschichte</a:t>
+            </a:r>
+            <a:r>
+              <a:rPr lang="en-GB" sz="2200" dirty="0"/>
+              <a:t> und </a:t>
+            </a:r>
+            <a:r>
+              <a:rPr lang="en-GB" sz="2200" dirty="0" err="1"/>
+              <a:t>ihres</a:t>
+            </a:r>
+            <a:r>
+              <a:rPr lang="en-GB" sz="2200" dirty="0"/>
+              <a:t> </a:t>
+            </a:r>
+            <a:r>
+              <a:rPr lang="en-GB" sz="2200" dirty="0" err="1"/>
+              <a:t>Ortes</a:t>
+            </a:r>
+            <a:r>
+              <a:rPr lang="en-GB" sz="2200" dirty="0"/>
+              <a:t> in </a:t>
+            </a:r>
+            <a:r>
+              <a:rPr lang="en-GB" sz="2200" dirty="0" err="1"/>
+              <a:t>einer</a:t>
+            </a:r>
+            <a:r>
+              <a:rPr lang="en-GB" sz="2200" dirty="0"/>
+              <a:t> </a:t>
+            </a:r>
+            <a:r>
+              <a:rPr lang="en-GB" sz="2200" dirty="0" err="1"/>
+              <a:t>Systematik</a:t>
+            </a:r>
+            <a:r>
+              <a:rPr lang="en-GB" sz="2200" dirty="0"/>
+              <a:t> der </a:t>
+            </a:r>
+            <a:r>
+              <a:rPr lang="en-GB" sz="2200" dirty="0" err="1"/>
+              <a:t>Literaturwissenschaft</a:t>
+            </a:r>
+            <a:r>
+              <a:rPr lang="en-GB" sz="2200" dirty="0"/>
+              <a:t>“, in: </a:t>
+            </a:r>
+            <a:r>
+              <a:rPr lang="en-GB" sz="2200" dirty="0" err="1"/>
+              <a:t>Ders</a:t>
+            </a:r>
+            <a:r>
+              <a:rPr lang="en-GB" sz="2200" dirty="0"/>
+              <a:t>. (Hg.): </a:t>
+            </a:r>
+            <a:r>
+              <a:rPr lang="en-GB" sz="2200" dirty="0" err="1"/>
+              <a:t>Modelle</a:t>
+            </a:r>
+            <a:r>
+              <a:rPr lang="en-GB" sz="2200" dirty="0"/>
+              <a:t> des </a:t>
+            </a:r>
+            <a:r>
+              <a:rPr lang="en-GB" sz="2200" dirty="0" err="1"/>
+              <a:t>literarischen</a:t>
+            </a:r>
+            <a:r>
+              <a:rPr lang="en-GB" sz="2200" dirty="0"/>
+              <a:t> </a:t>
+            </a:r>
+            <a:r>
+              <a:rPr lang="en-GB" sz="2200" dirty="0" err="1"/>
+              <a:t>Strukturwandels</a:t>
+            </a:r>
+            <a:r>
+              <a:rPr lang="en-GB" sz="2200" dirty="0"/>
+              <a:t>. Tübingen 1991, S. 395-438, 405.</a:t>
+            </a:r>
+          </a:p>
+          <a:p>
+            <a:pPr marL="0" indent="0">
+              <a:buNone/>
+            </a:pPr>
+            <a:endParaRPr lang="de-DE" sz="3200" i="1" dirty="0"/>
+          </a:p>
+          <a:p>
+            <a:pPr marL="0" indent="0">
+              <a:buNone/>
+            </a:pPr>
+            <a:endParaRPr lang="de-DE" dirty="0"/>
+          </a:p>
+        </p:txBody>
+      </p:sp>
+    </p:spTree>
+    <p:extLst>
+      <p:ext uri="{BB962C8B-B14F-4D97-AF65-F5344CB8AC3E}">
+        <p14:creationId xmlns:p14="http://schemas.microsoft.com/office/powerpoint/2010/main" val="3743810288"/>
+      </p:ext>
+    </p:extLst>
+  </p:cSld>
+  <p:clrMapOvr>
+    <a:masterClrMapping/>
+  </p:clrMapOvr>
+</p:sld>
+</file>
+
+<file path=ppt/slides/slide40.xml><?xml version="1.0" encoding="utf-8"?>
+<p:sld xmlns:a="http://schemas.openxmlformats.org/drawingml/2006/main" xmlns:r="http://schemas.openxmlformats.org/officeDocument/2006/relationships" xmlns:p="http://schemas.openxmlformats.org/presentationml/2006/main">
+  <p:cSld>
+    <p:spTree>
+      <p:nvGrpSpPr>
+        <p:cNvPr id="1" name=""/>
+        <p:cNvGrpSpPr/>
+        <p:nvPr/>
+      </p:nvGrpSpPr>
+      <p:grpSpPr>
+        <a:xfrm>
+          <a:off x="0" y="0"/>
+          <a:ext cx="0" cy="0"/>
+          <a:chOff x="0" y="0"/>
+          <a:chExt cx="0" cy="0"/>
+        </a:xfrm>
+      </p:grpSpPr>
+      <p:sp>
+        <p:nvSpPr>
+          <p:cNvPr id="2" name="Title 1">
+            <a:extLst>
+              <a:ext uri="{FF2B5EF4-FFF2-40B4-BE49-F238E27FC236}">
+                <a16:creationId xmlns:a16="http://schemas.microsoft.com/office/drawing/2014/main" id="{101BE013-1DEE-F849-A41C-C113EB265916}"/>
+              </a:ext>
+            </a:extLst>
+          </p:cNvPr>
+          <p:cNvSpPr>
+            <a:spLocks noGrp="1"/>
+          </p:cNvSpPr>
+          <p:nvPr>
+            <p:ph type="title"/>
+          </p:nvPr>
+        </p:nvSpPr>
+        <p:spPr/>
+        <p:txBody>
+          <a:bodyPr/>
+          <a:lstStyle/>
+          <a:p>
+            <a:endParaRPr lang="de-DE" dirty="0"/>
+          </a:p>
+        </p:txBody>
+      </p:sp>
+      <p:sp>
+        <p:nvSpPr>
+          <p:cNvPr id="3" name="Content Placeholder 2">
+            <a:extLst>
+              <a:ext uri="{FF2B5EF4-FFF2-40B4-BE49-F238E27FC236}">
+                <a16:creationId xmlns:a16="http://schemas.microsoft.com/office/drawing/2014/main" id="{F6B1112F-CC43-C741-A5AC-E2406C8709D1}"/>
+              </a:ext>
+            </a:extLst>
+          </p:cNvPr>
+          <p:cNvSpPr>
+            <a:spLocks noGrp="1"/>
+          </p:cNvSpPr>
+          <p:nvPr>
+            <p:ph idx="1"/>
+          </p:nvPr>
+        </p:nvSpPr>
+        <p:spPr/>
+        <p:txBody>
+          <a:bodyPr/>
+          <a:lstStyle/>
+          <a:p>
+            <a:endParaRPr lang="de-DE"/>
+          </a:p>
+        </p:txBody>
+      </p:sp>
+    </p:spTree>
+    <p:extLst>
+      <p:ext uri="{BB962C8B-B14F-4D97-AF65-F5344CB8AC3E}">
+        <p14:creationId xmlns:p14="http://schemas.microsoft.com/office/powerpoint/2010/main" val="3032047895"/>
+      </p:ext>
+    </p:extLst>
+  </p:cSld>
+  <p:clrMapOvr>
+    <a:masterClrMapping/>
+  </p:clrMapOvr>
+</p:sld>
+</file>
+
+<file path=ppt/slides/slide41.xml><?xml version="1.0" encoding="utf-8"?>
+<p:sld xmlns:a="http://schemas.openxmlformats.org/drawingml/2006/main" xmlns:r="http://schemas.openxmlformats.org/officeDocument/2006/relationships" xmlns:p="http://schemas.openxmlformats.org/presentationml/2006/main">
+  <p:cSld>
+    <p:spTree>
+      <p:nvGrpSpPr>
+        <p:cNvPr id="1" name=""/>
+        <p:cNvGrpSpPr/>
+        <p:nvPr/>
+      </p:nvGrpSpPr>
+      <p:grpSpPr>
+        <a:xfrm>
+          <a:off x="0" y="0"/>
+          <a:ext cx="0" cy="0"/>
+          <a:chOff x="0" y="0"/>
+          <a:chExt cx="0" cy="0"/>
+        </a:xfrm>
+      </p:grpSpPr>
+      <p:sp>
+        <p:nvSpPr>
+          <p:cNvPr id="2" name="Title 1">
+            <a:extLst>
+              <a:ext uri="{FF2B5EF4-FFF2-40B4-BE49-F238E27FC236}">
                 <a16:creationId xmlns:a16="http://schemas.microsoft.com/office/drawing/2014/main" id="{5F008BA8-4B71-044A-ADB5-A3233D475177}"/>
               </a:ext>
             </a:extLst>
@@ -17624,7 +18435,7 @@
 </p:sld>
 </file>
 
-<file path=ppt/slides/slide37.xml><?xml version="1.0" encoding="utf-8"?>
+<file path=ppt/slides/slide42.xml><?xml version="1.0" encoding="utf-8"?>
 <p:sld xmlns:a="http://schemas.openxmlformats.org/drawingml/2006/main" xmlns:r="http://schemas.openxmlformats.org/officeDocument/2006/relationships" xmlns:p="http://schemas.openxmlformats.org/presentationml/2006/main">
   <p:cSld>
     <p:spTree>
@@ -17907,7 +18718,7 @@
 </p:sld>
 </file>
 
-<file path=ppt/slides/slide38.xml><?xml version="1.0" encoding="utf-8"?>
+<file path=ppt/slides/slide43.xml><?xml version="1.0" encoding="utf-8"?>
 <p:sld xmlns:a="http://schemas.openxmlformats.org/drawingml/2006/main" xmlns:r="http://schemas.openxmlformats.org/officeDocument/2006/relationships" xmlns:p="http://schemas.openxmlformats.org/presentationml/2006/main">
   <p:cSld>
     <p:spTree>
@@ -18190,7 +19001,7 @@
 </p:sld>
 </file>
 
-<file path=ppt/slides/slide39.xml><?xml version="1.0" encoding="utf-8"?>
+<file path=ppt/slides/slide44.xml><?xml version="1.0" encoding="utf-8"?>
 <p:sld xmlns:a="http://schemas.openxmlformats.org/drawingml/2006/main" xmlns:r="http://schemas.openxmlformats.org/officeDocument/2006/relationships" xmlns:p="http://schemas.openxmlformats.org/presentationml/2006/main" show="0">
   <p:cSld>
     <p:spTree>
@@ -18455,262 +19266,7 @@
 </p:sld>
 </file>
 
-<file path=ppt/slides/slide4.xml><?xml version="1.0" encoding="utf-8"?>
-<p:sld xmlns:a="http://schemas.openxmlformats.org/drawingml/2006/main" xmlns:r="http://schemas.openxmlformats.org/officeDocument/2006/relationships" xmlns:p="http://schemas.openxmlformats.org/presentationml/2006/main">
-  <p:cSld>
-    <p:spTree>
-      <p:nvGrpSpPr>
-        <p:cNvPr id="1" name=""/>
-        <p:cNvGrpSpPr/>
-        <p:nvPr/>
-      </p:nvGrpSpPr>
-      <p:grpSpPr>
-        <a:xfrm>
-          <a:off x="0" y="0"/>
-          <a:ext cx="0" cy="0"/>
-          <a:chOff x="0" y="0"/>
-          <a:chExt cx="0" cy="0"/>
-        </a:xfrm>
-      </p:grpSpPr>
-      <p:sp>
-        <p:nvSpPr>
-          <p:cNvPr id="4" name="Title 3">
-            <a:extLst>
-              <a:ext uri="{FF2B5EF4-FFF2-40B4-BE49-F238E27FC236}">
-                <a16:creationId xmlns:a16="http://schemas.microsoft.com/office/drawing/2014/main" id="{F28AA1C2-4EC8-F94C-B5E1-BD16A1EA9353}"/>
-              </a:ext>
-            </a:extLst>
-          </p:cNvPr>
-          <p:cNvSpPr>
-            <a:spLocks noGrp="1"/>
-          </p:cNvSpPr>
-          <p:nvPr>
-            <p:ph type="title"/>
-          </p:nvPr>
-        </p:nvSpPr>
-        <p:spPr/>
-        <p:txBody>
-          <a:bodyPr/>
-          <a:lstStyle/>
-          <a:p>
-            <a:r>
-              <a:rPr lang="de-DE" b="1" dirty="0"/>
-              <a:t>Epochenbegriff</a:t>
-            </a:r>
-          </a:p>
-        </p:txBody>
-      </p:sp>
-      <p:sp>
-        <p:nvSpPr>
-          <p:cNvPr id="5" name="Content Placeholder 4">
-            <a:extLst>
-              <a:ext uri="{FF2B5EF4-FFF2-40B4-BE49-F238E27FC236}">
-                <a16:creationId xmlns:a16="http://schemas.microsoft.com/office/drawing/2014/main" id="{D70BD3BA-BFBC-1A47-B5C6-9B045B38B728}"/>
-              </a:ext>
-            </a:extLst>
-          </p:cNvPr>
-          <p:cNvSpPr>
-            <a:spLocks noGrp="1"/>
-          </p:cNvSpPr>
-          <p:nvPr>
-            <p:ph idx="1"/>
-          </p:nvPr>
-        </p:nvSpPr>
-        <p:spPr>
-          <a:xfrm>
-            <a:off x="1115568" y="2478024"/>
-            <a:ext cx="10168128" cy="4265676"/>
-          </a:xfrm>
-        </p:spPr>
-        <p:txBody>
-          <a:bodyPr>
-            <a:normAutofit fontScale="92500" lnSpcReduction="10000"/>
-          </a:bodyPr>
-          <a:lstStyle/>
-          <a:p>
-            <a:pPr marL="0" indent="0">
-              <a:buNone/>
-            </a:pPr>
-            <a:r>
-          